--- a/그림.pptx
+++ b/그림.pptx
@@ -6,10 +6,12 @@
   </p:sldMasterIdLst>
   <p:sldIdLst>
     <p:sldId id="260" r:id="rId2"/>
-    <p:sldId id="258" r:id="rId3"/>
-    <p:sldId id="256" r:id="rId4"/>
-    <p:sldId id="257" r:id="rId5"/>
-    <p:sldId id="259" r:id="rId6"/>
+    <p:sldId id="262" r:id="rId3"/>
+    <p:sldId id="261" r:id="rId4"/>
+    <p:sldId id="263" r:id="rId5"/>
+    <p:sldId id="256" r:id="rId6"/>
+    <p:sldId id="257" r:id="rId7"/>
+    <p:sldId id="259" r:id="rId8"/>
   </p:sldIdLst>
   <p:sldSz cx="12192000" cy="6858000"/>
   <p:notesSz cx="6858000" cy="9144000"/>
@@ -114,7 +116,9 @@
         <p14:section name="기본 구역" id="{7A074593-423B-4858-AF19-DA4F441612F4}">
           <p14:sldIdLst>
             <p14:sldId id="260"/>
-            <p14:sldId id="258"/>
+            <p14:sldId id="262"/>
+            <p14:sldId id="261"/>
+            <p14:sldId id="263"/>
             <p14:sldId id="256"/>
             <p14:sldId id="257"/>
           </p14:sldIdLst>
@@ -175,10 +179,9 @@
           </a:lstStyle>
           <a:p>
             <a:r>
-              <a:rPr lang="ko-KR" altLang="en-US" smtClean="0"/>
+              <a:rPr lang="ko-KR" altLang="en-US"/>
               <a:t>마스터 제목 스타일 편집</a:t>
             </a:r>
-            <a:endParaRPr lang="ko-KR" altLang="en-US"/>
           </a:p>
         </p:txBody>
       </p:sp>
@@ -240,10 +243,9 @@
           </a:lstStyle>
           <a:p>
             <a:r>
-              <a:rPr lang="ko-KR" altLang="en-US" smtClean="0"/>
+              <a:rPr lang="ko-KR" altLang="en-US"/>
               <a:t>마스터 부제목 스타일 편집</a:t>
             </a:r>
-            <a:endParaRPr lang="ko-KR" altLang="en-US"/>
           </a:p>
         </p:txBody>
       </p:sp>
@@ -358,10 +360,9 @@
           <a:lstStyle/>
           <a:p>
             <a:r>
-              <a:rPr lang="ko-KR" altLang="en-US" smtClean="0"/>
+              <a:rPr lang="ko-KR" altLang="en-US"/>
               <a:t>마스터 제목 스타일 편집</a:t>
             </a:r>
-            <a:endParaRPr lang="ko-KR" altLang="en-US"/>
           </a:p>
         </p:txBody>
       </p:sp>
@@ -382,38 +383,37 @@
           <a:p>
             <a:pPr lvl="0"/>
             <a:r>
-              <a:rPr lang="ko-KR" altLang="en-US" smtClean="0"/>
+              <a:rPr lang="ko-KR" altLang="en-US"/>
               <a:t>마스터 텍스트 스타일을 편집합니다</a:t>
             </a:r>
           </a:p>
           <a:p>
             <a:pPr lvl="1"/>
             <a:r>
-              <a:rPr lang="ko-KR" altLang="en-US" smtClean="0"/>
+              <a:rPr lang="ko-KR" altLang="en-US"/>
               <a:t>둘째 수준</a:t>
             </a:r>
           </a:p>
           <a:p>
             <a:pPr lvl="2"/>
             <a:r>
-              <a:rPr lang="ko-KR" altLang="en-US" smtClean="0"/>
+              <a:rPr lang="ko-KR" altLang="en-US"/>
               <a:t>셋째 수준</a:t>
             </a:r>
           </a:p>
           <a:p>
             <a:pPr lvl="3"/>
             <a:r>
-              <a:rPr lang="ko-KR" altLang="en-US" smtClean="0"/>
+              <a:rPr lang="ko-KR" altLang="en-US"/>
               <a:t>넷째 수준</a:t>
             </a:r>
           </a:p>
           <a:p>
             <a:pPr lvl="4"/>
             <a:r>
-              <a:rPr lang="ko-KR" altLang="en-US" smtClean="0"/>
+              <a:rPr lang="ko-KR" altLang="en-US"/>
               <a:t>다섯째 수준</a:t>
             </a:r>
-            <a:endParaRPr lang="ko-KR" altLang="en-US"/>
           </a:p>
         </p:txBody>
       </p:sp>
@@ -533,10 +533,9 @@
           <a:lstStyle/>
           <a:p>
             <a:r>
-              <a:rPr lang="ko-KR" altLang="en-US" smtClean="0"/>
+              <a:rPr lang="ko-KR" altLang="en-US"/>
               <a:t>마스터 제목 스타일 편집</a:t>
             </a:r>
-            <a:endParaRPr lang="ko-KR" altLang="en-US"/>
           </a:p>
         </p:txBody>
       </p:sp>
@@ -562,38 +561,37 @@
           <a:p>
             <a:pPr lvl="0"/>
             <a:r>
-              <a:rPr lang="ko-KR" altLang="en-US" smtClean="0"/>
+              <a:rPr lang="ko-KR" altLang="en-US"/>
               <a:t>마스터 텍스트 스타일을 편집합니다</a:t>
             </a:r>
           </a:p>
           <a:p>
             <a:pPr lvl="1"/>
             <a:r>
-              <a:rPr lang="ko-KR" altLang="en-US" smtClean="0"/>
+              <a:rPr lang="ko-KR" altLang="en-US"/>
               <a:t>둘째 수준</a:t>
             </a:r>
           </a:p>
           <a:p>
             <a:pPr lvl="2"/>
             <a:r>
-              <a:rPr lang="ko-KR" altLang="en-US" smtClean="0"/>
+              <a:rPr lang="ko-KR" altLang="en-US"/>
               <a:t>셋째 수준</a:t>
             </a:r>
           </a:p>
           <a:p>
             <a:pPr lvl="3"/>
             <a:r>
-              <a:rPr lang="ko-KR" altLang="en-US" smtClean="0"/>
+              <a:rPr lang="ko-KR" altLang="en-US"/>
               <a:t>넷째 수준</a:t>
             </a:r>
           </a:p>
           <a:p>
             <a:pPr lvl="4"/>
             <a:r>
-              <a:rPr lang="ko-KR" altLang="en-US" smtClean="0"/>
+              <a:rPr lang="ko-KR" altLang="en-US"/>
               <a:t>다섯째 수준</a:t>
             </a:r>
-            <a:endParaRPr lang="ko-KR" altLang="en-US"/>
           </a:p>
         </p:txBody>
       </p:sp>
@@ -708,10 +706,9 @@
           <a:lstStyle/>
           <a:p>
             <a:r>
-              <a:rPr lang="ko-KR" altLang="en-US" smtClean="0"/>
+              <a:rPr lang="ko-KR" altLang="en-US"/>
               <a:t>마스터 제목 스타일 편집</a:t>
             </a:r>
-            <a:endParaRPr lang="ko-KR" altLang="en-US"/>
           </a:p>
         </p:txBody>
       </p:sp>
@@ -732,38 +729,37 @@
           <a:p>
             <a:pPr lvl="0"/>
             <a:r>
-              <a:rPr lang="ko-KR" altLang="en-US" smtClean="0"/>
+              <a:rPr lang="ko-KR" altLang="en-US"/>
               <a:t>마스터 텍스트 스타일을 편집합니다</a:t>
             </a:r>
           </a:p>
           <a:p>
             <a:pPr lvl="1"/>
             <a:r>
-              <a:rPr lang="ko-KR" altLang="en-US" smtClean="0"/>
+              <a:rPr lang="ko-KR" altLang="en-US"/>
               <a:t>둘째 수준</a:t>
             </a:r>
           </a:p>
           <a:p>
             <a:pPr lvl="2"/>
             <a:r>
-              <a:rPr lang="ko-KR" altLang="en-US" smtClean="0"/>
+              <a:rPr lang="ko-KR" altLang="en-US"/>
               <a:t>셋째 수준</a:t>
             </a:r>
           </a:p>
           <a:p>
             <a:pPr lvl="3"/>
             <a:r>
-              <a:rPr lang="ko-KR" altLang="en-US" smtClean="0"/>
+              <a:rPr lang="ko-KR" altLang="en-US"/>
               <a:t>넷째 수준</a:t>
             </a:r>
           </a:p>
           <a:p>
             <a:pPr lvl="4"/>
             <a:r>
-              <a:rPr lang="ko-KR" altLang="en-US" smtClean="0"/>
+              <a:rPr lang="ko-KR" altLang="en-US"/>
               <a:t>다섯째 수준</a:t>
             </a:r>
-            <a:endParaRPr lang="ko-KR" altLang="en-US"/>
           </a:p>
         </p:txBody>
       </p:sp>
@@ -887,10 +883,9 @@
           </a:lstStyle>
           <a:p>
             <a:r>
-              <a:rPr lang="ko-KR" altLang="en-US" smtClean="0"/>
+              <a:rPr lang="ko-KR" altLang="en-US"/>
               <a:t>마스터 제목 스타일 편집</a:t>
             </a:r>
-            <a:endParaRPr lang="ko-KR" altLang="en-US"/>
           </a:p>
         </p:txBody>
       </p:sp>
@@ -1007,7 +1002,7 @@
           <a:p>
             <a:pPr lvl="0"/>
             <a:r>
-              <a:rPr lang="ko-KR" altLang="en-US" smtClean="0"/>
+              <a:rPr lang="ko-KR" altLang="en-US"/>
               <a:t>마스터 텍스트 스타일을 편집합니다</a:t>
             </a:r>
           </a:p>
@@ -1124,10 +1119,9 @@
           <a:lstStyle/>
           <a:p>
             <a:r>
-              <a:rPr lang="ko-KR" altLang="en-US" smtClean="0"/>
+              <a:rPr lang="ko-KR" altLang="en-US"/>
               <a:t>마스터 제목 스타일 편집</a:t>
             </a:r>
-            <a:endParaRPr lang="ko-KR" altLang="en-US"/>
           </a:p>
         </p:txBody>
       </p:sp>
@@ -1153,38 +1147,37 @@
           <a:p>
             <a:pPr lvl="0"/>
             <a:r>
-              <a:rPr lang="ko-KR" altLang="en-US" smtClean="0"/>
+              <a:rPr lang="ko-KR" altLang="en-US"/>
               <a:t>마스터 텍스트 스타일을 편집합니다</a:t>
             </a:r>
           </a:p>
           <a:p>
             <a:pPr lvl="1"/>
             <a:r>
-              <a:rPr lang="ko-KR" altLang="en-US" smtClean="0"/>
+              <a:rPr lang="ko-KR" altLang="en-US"/>
               <a:t>둘째 수준</a:t>
             </a:r>
           </a:p>
           <a:p>
             <a:pPr lvl="2"/>
             <a:r>
-              <a:rPr lang="ko-KR" altLang="en-US" smtClean="0"/>
+              <a:rPr lang="ko-KR" altLang="en-US"/>
               <a:t>셋째 수준</a:t>
             </a:r>
           </a:p>
           <a:p>
             <a:pPr lvl="3"/>
             <a:r>
-              <a:rPr lang="ko-KR" altLang="en-US" smtClean="0"/>
+              <a:rPr lang="ko-KR" altLang="en-US"/>
               <a:t>넷째 수준</a:t>
             </a:r>
           </a:p>
           <a:p>
             <a:pPr lvl="4"/>
             <a:r>
-              <a:rPr lang="ko-KR" altLang="en-US" smtClean="0"/>
+              <a:rPr lang="ko-KR" altLang="en-US"/>
               <a:t>다섯째 수준</a:t>
             </a:r>
-            <a:endParaRPr lang="ko-KR" altLang="en-US"/>
           </a:p>
         </p:txBody>
       </p:sp>
@@ -1210,38 +1203,37 @@
           <a:p>
             <a:pPr lvl="0"/>
             <a:r>
-              <a:rPr lang="ko-KR" altLang="en-US" smtClean="0"/>
+              <a:rPr lang="ko-KR" altLang="en-US"/>
               <a:t>마스터 텍스트 스타일을 편집합니다</a:t>
             </a:r>
           </a:p>
           <a:p>
             <a:pPr lvl="1"/>
             <a:r>
-              <a:rPr lang="ko-KR" altLang="en-US" smtClean="0"/>
+              <a:rPr lang="ko-KR" altLang="en-US"/>
               <a:t>둘째 수준</a:t>
             </a:r>
           </a:p>
           <a:p>
             <a:pPr lvl="2"/>
             <a:r>
-              <a:rPr lang="ko-KR" altLang="en-US" smtClean="0"/>
+              <a:rPr lang="ko-KR" altLang="en-US"/>
               <a:t>셋째 수준</a:t>
             </a:r>
           </a:p>
           <a:p>
             <a:pPr lvl="3"/>
             <a:r>
-              <a:rPr lang="ko-KR" altLang="en-US" smtClean="0"/>
+              <a:rPr lang="ko-KR" altLang="en-US"/>
               <a:t>넷째 수준</a:t>
             </a:r>
           </a:p>
           <a:p>
             <a:pPr lvl="4"/>
             <a:r>
-              <a:rPr lang="ko-KR" altLang="en-US" smtClean="0"/>
+              <a:rPr lang="ko-KR" altLang="en-US"/>
               <a:t>다섯째 수준</a:t>
             </a:r>
-            <a:endParaRPr lang="ko-KR" altLang="en-US"/>
           </a:p>
         </p:txBody>
       </p:sp>
@@ -1361,10 +1353,9 @@
           <a:lstStyle/>
           <a:p>
             <a:r>
-              <a:rPr lang="ko-KR" altLang="en-US" smtClean="0"/>
+              <a:rPr lang="ko-KR" altLang="en-US"/>
               <a:t>마스터 제목 스타일 편집</a:t>
             </a:r>
-            <a:endParaRPr lang="ko-KR" altLang="en-US"/>
           </a:p>
         </p:txBody>
       </p:sp>
@@ -1427,7 +1418,7 @@
           <a:p>
             <a:pPr lvl="0"/>
             <a:r>
-              <a:rPr lang="ko-KR" altLang="en-US" smtClean="0"/>
+              <a:rPr lang="ko-KR" altLang="en-US"/>
               <a:t>마스터 텍스트 스타일을 편집합니다</a:t>
             </a:r>
           </a:p>
@@ -1455,38 +1446,37 @@
           <a:p>
             <a:pPr lvl="0"/>
             <a:r>
-              <a:rPr lang="ko-KR" altLang="en-US" smtClean="0"/>
+              <a:rPr lang="ko-KR" altLang="en-US"/>
               <a:t>마스터 텍스트 스타일을 편집합니다</a:t>
             </a:r>
           </a:p>
           <a:p>
             <a:pPr lvl="1"/>
             <a:r>
-              <a:rPr lang="ko-KR" altLang="en-US" smtClean="0"/>
+              <a:rPr lang="ko-KR" altLang="en-US"/>
               <a:t>둘째 수준</a:t>
             </a:r>
           </a:p>
           <a:p>
             <a:pPr lvl="2"/>
             <a:r>
-              <a:rPr lang="ko-KR" altLang="en-US" smtClean="0"/>
+              <a:rPr lang="ko-KR" altLang="en-US"/>
               <a:t>셋째 수준</a:t>
             </a:r>
           </a:p>
           <a:p>
             <a:pPr lvl="3"/>
             <a:r>
-              <a:rPr lang="ko-KR" altLang="en-US" smtClean="0"/>
+              <a:rPr lang="ko-KR" altLang="en-US"/>
               <a:t>넷째 수준</a:t>
             </a:r>
           </a:p>
           <a:p>
             <a:pPr lvl="4"/>
             <a:r>
-              <a:rPr lang="ko-KR" altLang="en-US" smtClean="0"/>
+              <a:rPr lang="ko-KR" altLang="en-US"/>
               <a:t>다섯째 수준</a:t>
             </a:r>
-            <a:endParaRPr lang="ko-KR" altLang="en-US"/>
           </a:p>
         </p:txBody>
       </p:sp>
@@ -1549,7 +1539,7 @@
           <a:p>
             <a:pPr lvl="0"/>
             <a:r>
-              <a:rPr lang="ko-KR" altLang="en-US" smtClean="0"/>
+              <a:rPr lang="ko-KR" altLang="en-US"/>
               <a:t>마스터 텍스트 스타일을 편집합니다</a:t>
             </a:r>
           </a:p>
@@ -1577,38 +1567,37 @@
           <a:p>
             <a:pPr lvl="0"/>
             <a:r>
-              <a:rPr lang="ko-KR" altLang="en-US" smtClean="0"/>
+              <a:rPr lang="ko-KR" altLang="en-US"/>
               <a:t>마스터 텍스트 스타일을 편집합니다</a:t>
             </a:r>
           </a:p>
           <a:p>
             <a:pPr lvl="1"/>
             <a:r>
-              <a:rPr lang="ko-KR" altLang="en-US" smtClean="0"/>
+              <a:rPr lang="ko-KR" altLang="en-US"/>
               <a:t>둘째 수준</a:t>
             </a:r>
           </a:p>
           <a:p>
             <a:pPr lvl="2"/>
             <a:r>
-              <a:rPr lang="ko-KR" altLang="en-US" smtClean="0"/>
+              <a:rPr lang="ko-KR" altLang="en-US"/>
               <a:t>셋째 수준</a:t>
             </a:r>
           </a:p>
           <a:p>
             <a:pPr lvl="3"/>
             <a:r>
-              <a:rPr lang="ko-KR" altLang="en-US" smtClean="0"/>
+              <a:rPr lang="ko-KR" altLang="en-US"/>
               <a:t>넷째 수준</a:t>
             </a:r>
           </a:p>
           <a:p>
             <a:pPr lvl="4"/>
             <a:r>
-              <a:rPr lang="ko-KR" altLang="en-US" smtClean="0"/>
+              <a:rPr lang="ko-KR" altLang="en-US"/>
               <a:t>다섯째 수준</a:t>
             </a:r>
-            <a:endParaRPr lang="ko-KR" altLang="en-US"/>
           </a:p>
         </p:txBody>
       </p:sp>
@@ -1723,10 +1712,9 @@
           <a:lstStyle/>
           <a:p>
             <a:r>
-              <a:rPr lang="ko-KR" altLang="en-US" smtClean="0"/>
+              <a:rPr lang="ko-KR" altLang="en-US"/>
               <a:t>마스터 제목 스타일 편집</a:t>
             </a:r>
-            <a:endParaRPr lang="ko-KR" altLang="en-US"/>
           </a:p>
         </p:txBody>
       </p:sp>
@@ -1945,10 +1933,9 @@
           </a:lstStyle>
           <a:p>
             <a:r>
-              <a:rPr lang="ko-KR" altLang="en-US" smtClean="0"/>
+              <a:rPr lang="ko-KR" altLang="en-US"/>
               <a:t>마스터 제목 스타일 편집</a:t>
             </a:r>
-            <a:endParaRPr lang="ko-KR" altLang="en-US"/>
           </a:p>
         </p:txBody>
       </p:sp>
@@ -2002,38 +1989,37 @@
           <a:p>
             <a:pPr lvl="0"/>
             <a:r>
-              <a:rPr lang="ko-KR" altLang="en-US" smtClean="0"/>
+              <a:rPr lang="ko-KR" altLang="en-US"/>
               <a:t>마스터 텍스트 스타일을 편집합니다</a:t>
             </a:r>
           </a:p>
           <a:p>
             <a:pPr lvl="1"/>
             <a:r>
-              <a:rPr lang="ko-KR" altLang="en-US" smtClean="0"/>
+              <a:rPr lang="ko-KR" altLang="en-US"/>
               <a:t>둘째 수준</a:t>
             </a:r>
           </a:p>
           <a:p>
             <a:pPr lvl="2"/>
             <a:r>
-              <a:rPr lang="ko-KR" altLang="en-US" smtClean="0"/>
+              <a:rPr lang="ko-KR" altLang="en-US"/>
               <a:t>셋째 수준</a:t>
             </a:r>
           </a:p>
           <a:p>
             <a:pPr lvl="3"/>
             <a:r>
-              <a:rPr lang="ko-KR" altLang="en-US" smtClean="0"/>
+              <a:rPr lang="ko-KR" altLang="en-US"/>
               <a:t>넷째 수준</a:t>
             </a:r>
           </a:p>
           <a:p>
             <a:pPr lvl="4"/>
             <a:r>
-              <a:rPr lang="ko-KR" altLang="en-US" smtClean="0"/>
+              <a:rPr lang="ko-KR" altLang="en-US"/>
               <a:t>다섯째 수준</a:t>
             </a:r>
-            <a:endParaRPr lang="ko-KR" altLang="en-US"/>
           </a:p>
         </p:txBody>
       </p:sp>
@@ -2096,7 +2082,7 @@
           <a:p>
             <a:pPr lvl="0"/>
             <a:r>
-              <a:rPr lang="ko-KR" altLang="en-US" smtClean="0"/>
+              <a:rPr lang="ko-KR" altLang="en-US"/>
               <a:t>마스터 텍스트 스타일을 편집합니다</a:t>
             </a:r>
           </a:p>
@@ -2222,10 +2208,9 @@
           </a:lstStyle>
           <a:p>
             <a:r>
-              <a:rPr lang="ko-KR" altLang="en-US" smtClean="0"/>
+              <a:rPr lang="ko-KR" altLang="en-US"/>
               <a:t>마스터 제목 스타일 편집</a:t>
             </a:r>
-            <a:endParaRPr lang="ko-KR" altLang="en-US"/>
           </a:p>
         </p:txBody>
       </p:sp>
@@ -2349,7 +2334,7 @@
           <a:p>
             <a:pPr lvl="0"/>
             <a:r>
-              <a:rPr lang="ko-KR" altLang="en-US" smtClean="0"/>
+              <a:rPr lang="ko-KR" altLang="en-US"/>
               <a:t>마스터 텍스트 스타일을 편집합니다</a:t>
             </a:r>
           </a:p>
@@ -2481,10 +2466,9 @@
           <a:lstStyle/>
           <a:p>
             <a:r>
-              <a:rPr lang="ko-KR" altLang="en-US" smtClean="0"/>
+              <a:rPr lang="ko-KR" altLang="en-US"/>
               <a:t>마스터 제목 스타일 편집</a:t>
             </a:r>
-            <a:endParaRPr lang="ko-KR" altLang="en-US"/>
           </a:p>
         </p:txBody>
       </p:sp>
@@ -2515,38 +2499,37 @@
           <a:p>
             <a:pPr lvl="0"/>
             <a:r>
-              <a:rPr lang="ko-KR" altLang="en-US" smtClean="0"/>
+              <a:rPr lang="ko-KR" altLang="en-US"/>
               <a:t>마스터 텍스트 스타일을 편집합니다</a:t>
             </a:r>
           </a:p>
           <a:p>
             <a:pPr lvl="1"/>
             <a:r>
-              <a:rPr lang="ko-KR" altLang="en-US" smtClean="0"/>
+              <a:rPr lang="ko-KR" altLang="en-US"/>
               <a:t>둘째 수준</a:t>
             </a:r>
           </a:p>
           <a:p>
             <a:pPr lvl="2"/>
             <a:r>
-              <a:rPr lang="ko-KR" altLang="en-US" smtClean="0"/>
+              <a:rPr lang="ko-KR" altLang="en-US"/>
               <a:t>셋째 수준</a:t>
             </a:r>
           </a:p>
           <a:p>
             <a:pPr lvl="3"/>
             <a:r>
-              <a:rPr lang="ko-KR" altLang="en-US" smtClean="0"/>
+              <a:rPr lang="ko-KR" altLang="en-US"/>
               <a:t>넷째 수준</a:t>
             </a:r>
           </a:p>
           <a:p>
             <a:pPr lvl="4"/>
             <a:r>
-              <a:rPr lang="ko-KR" altLang="en-US" smtClean="0"/>
+              <a:rPr lang="ko-KR" altLang="en-US"/>
               <a:t>다섯째 수준</a:t>
             </a:r>
-            <a:endParaRPr lang="ko-KR" altLang="en-US"/>
           </a:p>
         </p:txBody>
       </p:sp>
@@ -4694,6 +4677,2542 @@
         </p:nvCxnSpPr>
         <p:spPr>
           <a:xfrm>
+            <a:off x="1312967" y="2951338"/>
+            <a:ext cx="5400000" cy="0"/>
+          </a:xfrm>
+          <a:prstGeom prst="straightConnector1">
+            <a:avLst/>
+          </a:prstGeom>
+          <a:ln w="28575">
+            <a:solidFill>
+              <a:schemeClr val="tx1"/>
+            </a:solidFill>
+            <a:tailEnd type="triangle"/>
+          </a:ln>
+        </p:spPr>
+        <p:style>
+          <a:lnRef idx="1">
+            <a:schemeClr val="accent1"/>
+          </a:lnRef>
+          <a:fillRef idx="0">
+            <a:schemeClr val="accent1"/>
+          </a:fillRef>
+          <a:effectRef idx="0">
+            <a:schemeClr val="accent1"/>
+          </a:effectRef>
+          <a:fontRef idx="minor">
+            <a:schemeClr val="tx1"/>
+          </a:fontRef>
+        </p:style>
+      </p:cxnSp>
+      <p:cxnSp>
+        <p:nvCxnSpPr>
+          <p:cNvPr id="6" name="직선 화살표 연결선 5"/>
+          <p:cNvCxnSpPr/>
+          <p:nvPr/>
+        </p:nvCxnSpPr>
+        <p:spPr>
+          <a:xfrm>
+            <a:off x="2650354" y="348792"/>
+            <a:ext cx="0" cy="3600000"/>
+          </a:xfrm>
+          <a:prstGeom prst="straightConnector1">
+            <a:avLst/>
+          </a:prstGeom>
+          <a:ln w="28575">
+            <a:solidFill>
+              <a:schemeClr val="tx1"/>
+            </a:solidFill>
+            <a:headEnd type="triangle"/>
+            <a:tailEnd type="none"/>
+          </a:ln>
+        </p:spPr>
+        <p:style>
+          <a:lnRef idx="1">
+            <a:schemeClr val="accent1"/>
+          </a:lnRef>
+          <a:fillRef idx="0">
+            <a:schemeClr val="accent1"/>
+          </a:fillRef>
+          <a:effectRef idx="0">
+            <a:schemeClr val="accent1"/>
+          </a:effectRef>
+          <a:fontRef idx="minor">
+            <a:schemeClr val="tx1"/>
+          </a:fontRef>
+        </p:style>
+      </p:cxnSp>
+      <mc:AlternateContent xmlns:mc="http://schemas.openxmlformats.org/markup-compatibility/2006">
+        <mc:Choice xmlns:a14="http://schemas.microsoft.com/office/drawing/2010/main" Requires="a14">
+          <p:sp>
+            <p:nvSpPr>
+              <p:cNvPr id="7" name="TextBox 6"/>
+              <p:cNvSpPr txBox="1"/>
+              <p:nvPr/>
+            </p:nvSpPr>
+            <p:spPr>
+              <a:xfrm>
+                <a:off x="833438" y="4709546"/>
+                <a:ext cx="310278" cy="276999"/>
+              </a:xfrm>
+              <a:prstGeom prst="rect">
+                <a:avLst/>
+              </a:prstGeom>
+              <a:noFill/>
+            </p:spPr>
+            <p:txBody>
+              <a:bodyPr wrap="none" lIns="0" tIns="0" rIns="0" bIns="0" rtlCol="0">
+                <a:spAutoFit/>
+              </a:bodyPr>
+              <a:lstStyle/>
+              <a:p>
+                <a:pPr/>
+                <a14:m>
+                  <m:oMathPara xmlns:m="http://schemas.openxmlformats.org/officeDocument/2006/math">
+                    <m:oMathParaPr>
+                      <m:jc m:val="centerGroup"/>
+                    </m:oMathParaPr>
+                    <m:oMath xmlns:m="http://schemas.openxmlformats.org/officeDocument/2006/math">
+                      <m:sSub>
+                        <m:sSubPr>
+                          <m:ctrlPr>
+                            <a:rPr lang="en-US" altLang="ko-KR" b="0" i="1" smtClean="0">
+                              <a:latin typeface="Cambria Math" panose="02040503050406030204" pitchFamily="18" charset="0"/>
+                            </a:rPr>
+                          </m:ctrlPr>
+                        </m:sSubPr>
+                        <m:e>
+                          <m:r>
+                            <a:rPr lang="en-US" altLang="ko-KR" b="0" i="1" smtClean="0">
+                              <a:latin typeface="Cambria Math" panose="02040503050406030204" pitchFamily="18" charset="0"/>
+                            </a:rPr>
+                            <m:t>𝑥</m:t>
+                          </m:r>
+                        </m:e>
+                        <m:sub>
+                          <m:r>
+                            <a:rPr lang="en-US" altLang="ko-KR" b="0" i="1" smtClean="0">
+                              <a:latin typeface="Cambria Math" panose="02040503050406030204" pitchFamily="18" charset="0"/>
+                            </a:rPr>
+                            <m:t>1</m:t>
+                          </m:r>
+                        </m:sub>
+                      </m:sSub>
+                    </m:oMath>
+                  </m:oMathPara>
+                </a14:m>
+                <a:endParaRPr lang="ko-KR" altLang="en-US" dirty="0"/>
+              </a:p>
+            </p:txBody>
+          </p:sp>
+        </mc:Choice>
+        <mc:Fallback>
+          <p:sp>
+            <p:nvSpPr>
+              <p:cNvPr id="7" name="TextBox 6"/>
+              <p:cNvSpPr txBox="1">
+                <a:spLocks noRot="1" noChangeAspect="1" noMove="1" noResize="1" noEditPoints="1" noAdjustHandles="1" noChangeArrowheads="1" noChangeShapeType="1" noTextEdit="1"/>
+              </p:cNvSpPr>
+              <p:nvPr/>
+            </p:nvSpPr>
+            <p:spPr>
+              <a:xfrm>
+                <a:off x="833438" y="4709546"/>
+                <a:ext cx="310278" cy="276999"/>
+              </a:xfrm>
+              <a:prstGeom prst="rect">
+                <a:avLst/>
+              </a:prstGeom>
+              <a:blipFill>
+                <a:blip r:embed="rId2"/>
+                <a:stretch>
+                  <a:fillRect l="-5882" b="-20000"/>
+                </a:stretch>
+              </a:blipFill>
+            </p:spPr>
+            <p:txBody>
+              <a:bodyPr/>
+              <a:lstStyle/>
+              <a:p>
+                <a:r>
+                  <a:rPr lang="ko-KR" altLang="en-US">
+                    <a:noFill/>
+                  </a:rPr>
+                  <a:t> </a:t>
+                </a:r>
+              </a:p>
+            </p:txBody>
+          </p:sp>
+        </mc:Fallback>
+      </mc:AlternateContent>
+      <mc:AlternateContent xmlns:mc="http://schemas.openxmlformats.org/markup-compatibility/2006" xmlns:a14="http://schemas.microsoft.com/office/drawing/2010/main">
+        <mc:Choice Requires="a14">
+          <p:sp>
+            <p:nvSpPr>
+              <p:cNvPr id="8" name="TextBox 7"/>
+              <p:cNvSpPr txBox="1"/>
+              <p:nvPr/>
+            </p:nvSpPr>
+            <p:spPr>
+              <a:xfrm>
+                <a:off x="1780453" y="657712"/>
+                <a:ext cx="310278" cy="276999"/>
+              </a:xfrm>
+              <a:prstGeom prst="rect">
+                <a:avLst/>
+              </a:prstGeom>
+              <a:noFill/>
+            </p:spPr>
+            <p:txBody>
+              <a:bodyPr wrap="none" lIns="0" tIns="0" rIns="0" bIns="0" rtlCol="0">
+                <a:spAutoFit/>
+              </a:bodyPr>
+              <a:lstStyle/>
+              <a:p>
+                <a:pPr/>
+                <a14:m>
+                  <m:oMathPara xmlns:m="http://schemas.openxmlformats.org/officeDocument/2006/math">
+                    <m:oMathParaPr>
+                      <m:jc m:val="centerGroup"/>
+                    </m:oMathParaPr>
+                    <m:oMath xmlns:m="http://schemas.openxmlformats.org/officeDocument/2006/math">
+                      <m:sSub>
+                        <m:sSubPr>
+                          <m:ctrlPr>
+                            <a:rPr lang="en-US" altLang="ko-KR" b="0" i="1" smtClean="0">
+                              <a:latin typeface="Cambria Math" panose="02040503050406030204" pitchFamily="18" charset="0"/>
+                            </a:rPr>
+                          </m:ctrlPr>
+                        </m:sSubPr>
+                        <m:e>
+                          <m:r>
+                            <a:rPr lang="en-US" altLang="ko-KR" b="0" i="1" smtClean="0">
+                              <a:latin typeface="Cambria Math" panose="02040503050406030204" pitchFamily="18" charset="0"/>
+                            </a:rPr>
+                            <m:t>𝑥</m:t>
+                          </m:r>
+                        </m:e>
+                        <m:sub>
+                          <m:r>
+                            <a:rPr lang="en-US" altLang="ko-KR" b="0" i="1" smtClean="0">
+                              <a:latin typeface="Cambria Math" panose="02040503050406030204" pitchFamily="18" charset="0"/>
+                            </a:rPr>
+                            <m:t>3</m:t>
+                          </m:r>
+                        </m:sub>
+                      </m:sSub>
+                    </m:oMath>
+                  </m:oMathPara>
+                </a14:m>
+                <a:endParaRPr lang="ko-KR" altLang="en-US" dirty="0"/>
+              </a:p>
+            </p:txBody>
+          </p:sp>
+        </mc:Choice>
+        <mc:Fallback xmlns="">
+          <p:sp>
+            <p:nvSpPr>
+              <p:cNvPr id="8" name="TextBox 7"/>
+              <p:cNvSpPr txBox="1">
+                <a:spLocks noRot="1" noChangeAspect="1" noMove="1" noResize="1" noEditPoints="1" noAdjustHandles="1" noChangeArrowheads="1" noChangeShapeType="1" noTextEdit="1"/>
+              </p:cNvSpPr>
+              <p:nvPr/>
+            </p:nvSpPr>
+            <p:spPr>
+              <a:xfrm>
+                <a:off x="1780453" y="657712"/>
+                <a:ext cx="310278" cy="276999"/>
+              </a:xfrm>
+              <a:prstGeom prst="rect">
+                <a:avLst/>
+              </a:prstGeom>
+              <a:blipFill rotWithShape="0">
+                <a:blip r:embed="rId3"/>
+                <a:stretch>
+                  <a:fillRect l="-5882" r="-3922" b="-20000"/>
+                </a:stretch>
+              </a:blipFill>
+            </p:spPr>
+            <p:txBody>
+              <a:bodyPr/>
+              <a:lstStyle/>
+              <a:p>
+                <a:r>
+                  <a:rPr lang="ko-KR" altLang="en-US">
+                    <a:noFill/>
+                  </a:rPr>
+                  <a:t> </a:t>
+                </a:r>
+              </a:p>
+            </p:txBody>
+          </p:sp>
+        </mc:Fallback>
+      </mc:AlternateContent>
+      <p:cxnSp>
+        <p:nvCxnSpPr>
+          <p:cNvPr id="10" name="직선 연결선 9"/>
+          <p:cNvCxnSpPr>
+            <a:cxnSpLocks/>
+          </p:cNvCxnSpPr>
+          <p:nvPr/>
+        </p:nvCxnSpPr>
+        <p:spPr>
+          <a:xfrm>
+            <a:off x="3263807" y="1215586"/>
+            <a:ext cx="0" cy="2074914"/>
+          </a:xfrm>
+          <a:prstGeom prst="line">
+            <a:avLst/>
+          </a:prstGeom>
+          <a:ln w="38100"/>
+        </p:spPr>
+        <p:style>
+          <a:lnRef idx="1">
+            <a:schemeClr val="accent1"/>
+          </a:lnRef>
+          <a:fillRef idx="0">
+            <a:schemeClr val="accent1"/>
+          </a:fillRef>
+          <a:effectRef idx="0">
+            <a:schemeClr val="accent1"/>
+          </a:effectRef>
+          <a:fontRef idx="minor">
+            <a:schemeClr val="tx1"/>
+          </a:fontRef>
+        </p:style>
+      </p:cxnSp>
+      <mc:AlternateContent xmlns:mc="http://schemas.openxmlformats.org/markup-compatibility/2006">
+        <mc:Choice xmlns:a14="http://schemas.microsoft.com/office/drawing/2010/main" Requires="a14">
+          <p:sp>
+            <p:nvSpPr>
+              <p:cNvPr id="15" name="TextBox 14"/>
+              <p:cNvSpPr txBox="1"/>
+              <p:nvPr/>
+            </p:nvSpPr>
+            <p:spPr>
+              <a:xfrm>
+                <a:off x="2918503" y="1548661"/>
+                <a:ext cx="213776" cy="276999"/>
+              </a:xfrm>
+              <a:prstGeom prst="rect">
+                <a:avLst/>
+              </a:prstGeom>
+              <a:noFill/>
+            </p:spPr>
+            <p:txBody>
+              <a:bodyPr wrap="none" lIns="0" tIns="0" rIns="0" bIns="0" rtlCol="0">
+                <a:spAutoFit/>
+              </a:bodyPr>
+              <a:lstStyle/>
+              <a:p>
+                <a14:m>
+                  <m:oMathPara xmlns:m="http://schemas.openxmlformats.org/officeDocument/2006/math">
+                    <m:oMathParaPr>
+                      <m:jc m:val="centerGroup"/>
+                    </m:oMathParaPr>
+                    <m:oMath xmlns:m="http://schemas.openxmlformats.org/officeDocument/2006/math">
+                      <m:r>
+                        <a:rPr lang="en-US" altLang="ko-KR" b="0" i="1" smtClean="0">
+                          <a:latin typeface="Cambria Math" panose="02040503050406030204" pitchFamily="18" charset="0"/>
+                        </a:rPr>
+                        <m:t>𝑞</m:t>
+                      </m:r>
+                    </m:oMath>
+                  </m:oMathPara>
+                </a14:m>
+                <a:endParaRPr lang="ko-KR" altLang="en-US" dirty="0"/>
+              </a:p>
+            </p:txBody>
+          </p:sp>
+        </mc:Choice>
+        <mc:Fallback>
+          <p:sp>
+            <p:nvSpPr>
+              <p:cNvPr id="15" name="TextBox 14"/>
+              <p:cNvSpPr txBox="1">
+                <a:spLocks noRot="1" noChangeAspect="1" noMove="1" noResize="1" noEditPoints="1" noAdjustHandles="1" noChangeArrowheads="1" noChangeShapeType="1" noTextEdit="1"/>
+              </p:cNvSpPr>
+              <p:nvPr/>
+            </p:nvSpPr>
+            <p:spPr>
+              <a:xfrm>
+                <a:off x="2918503" y="1548661"/>
+                <a:ext cx="213776" cy="276999"/>
+              </a:xfrm>
+              <a:prstGeom prst="rect">
+                <a:avLst/>
+              </a:prstGeom>
+              <a:blipFill>
+                <a:blip r:embed="rId4"/>
+                <a:stretch>
+                  <a:fillRect l="-20000" r="-17143" b="-31111"/>
+                </a:stretch>
+              </a:blipFill>
+            </p:spPr>
+            <p:txBody>
+              <a:bodyPr/>
+              <a:lstStyle/>
+              <a:p>
+                <a:r>
+                  <a:rPr lang="ko-KR" altLang="en-US">
+                    <a:noFill/>
+                  </a:rPr>
+                  <a:t> </a:t>
+                </a:r>
+              </a:p>
+            </p:txBody>
+          </p:sp>
+        </mc:Fallback>
+      </mc:AlternateContent>
+      <mc:AlternateContent xmlns:mc="http://schemas.openxmlformats.org/markup-compatibility/2006">
+        <mc:Choice xmlns:a14="http://schemas.microsoft.com/office/drawing/2010/main" Requires="a14">
+          <p:sp>
+            <p:nvSpPr>
+              <p:cNvPr id="16" name="TextBox 15"/>
+              <p:cNvSpPr txBox="1"/>
+              <p:nvPr/>
+            </p:nvSpPr>
+            <p:spPr>
+              <a:xfrm>
+                <a:off x="2905306" y="3290500"/>
+                <a:ext cx="212814" cy="276999"/>
+              </a:xfrm>
+              <a:prstGeom prst="rect">
+                <a:avLst/>
+              </a:prstGeom>
+              <a:noFill/>
+            </p:spPr>
+            <p:txBody>
+              <a:bodyPr wrap="none" lIns="0" tIns="0" rIns="0" bIns="0" rtlCol="0">
+                <a:spAutoFit/>
+              </a:bodyPr>
+              <a:lstStyle/>
+              <a:p>
+                <a:pPr/>
+                <a14:m>
+                  <m:oMathPara xmlns:m="http://schemas.openxmlformats.org/officeDocument/2006/math">
+                    <m:oMathParaPr>
+                      <m:jc m:val="centerGroup"/>
+                    </m:oMathParaPr>
+                    <m:oMath xmlns:m="http://schemas.openxmlformats.org/officeDocument/2006/math">
+                      <m:r>
+                        <a:rPr lang="en-US" altLang="ko-KR" b="0" i="1" smtClean="0">
+                          <a:latin typeface="Cambria Math" panose="02040503050406030204" pitchFamily="18" charset="0"/>
+                        </a:rPr>
+                        <m:t>𝑝</m:t>
+                      </m:r>
+                    </m:oMath>
+                  </m:oMathPara>
+                </a14:m>
+                <a:endParaRPr lang="ko-KR" altLang="en-US" dirty="0"/>
+              </a:p>
+            </p:txBody>
+          </p:sp>
+        </mc:Choice>
+        <mc:Fallback>
+          <p:sp>
+            <p:nvSpPr>
+              <p:cNvPr id="16" name="TextBox 15"/>
+              <p:cNvSpPr txBox="1">
+                <a:spLocks noRot="1" noChangeAspect="1" noMove="1" noResize="1" noEditPoints="1" noAdjustHandles="1" noChangeArrowheads="1" noChangeShapeType="1" noTextEdit="1"/>
+              </p:cNvSpPr>
+              <p:nvPr/>
+            </p:nvSpPr>
+            <p:spPr>
+              <a:xfrm>
+                <a:off x="2905306" y="3290500"/>
+                <a:ext cx="212814" cy="276999"/>
+              </a:xfrm>
+              <a:prstGeom prst="rect">
+                <a:avLst/>
+              </a:prstGeom>
+              <a:blipFill>
+                <a:blip r:embed="rId5"/>
+                <a:stretch>
+                  <a:fillRect l="-20000" r="-20000" b="-31111"/>
+                </a:stretch>
+              </a:blipFill>
+            </p:spPr>
+            <p:txBody>
+              <a:bodyPr/>
+              <a:lstStyle/>
+              <a:p>
+                <a:r>
+                  <a:rPr lang="ko-KR" altLang="en-US">
+                    <a:noFill/>
+                  </a:rPr>
+                  <a:t> </a:t>
+                </a:r>
+              </a:p>
+            </p:txBody>
+          </p:sp>
+        </mc:Fallback>
+      </mc:AlternateContent>
+      <p:cxnSp>
+        <p:nvCxnSpPr>
+          <p:cNvPr id="11" name="직선 연결선 10"/>
+          <p:cNvCxnSpPr>
+            <a:cxnSpLocks/>
+          </p:cNvCxnSpPr>
+          <p:nvPr/>
+        </p:nvCxnSpPr>
+        <p:spPr>
+          <a:xfrm>
+            <a:off x="4546082" y="2303490"/>
+            <a:ext cx="875338" cy="1210962"/>
+          </a:xfrm>
+          <a:prstGeom prst="line">
+            <a:avLst/>
+          </a:prstGeom>
+          <a:ln w="38100"/>
+        </p:spPr>
+        <p:style>
+          <a:lnRef idx="1">
+            <a:schemeClr val="accent1"/>
+          </a:lnRef>
+          <a:fillRef idx="0">
+            <a:schemeClr val="accent1"/>
+          </a:fillRef>
+          <a:effectRef idx="0">
+            <a:schemeClr val="accent1"/>
+          </a:effectRef>
+          <a:fontRef idx="minor">
+            <a:schemeClr val="tx1"/>
+          </a:fontRef>
+        </p:style>
+      </p:cxnSp>
+      <mc:AlternateContent xmlns:mc="http://schemas.openxmlformats.org/markup-compatibility/2006">
+        <mc:Choice xmlns:a14="http://schemas.microsoft.com/office/drawing/2010/main" Requires="a14">
+          <p:sp>
+            <p:nvSpPr>
+              <p:cNvPr id="13" name="TextBox 12"/>
+              <p:cNvSpPr txBox="1"/>
+              <p:nvPr/>
+            </p:nvSpPr>
+            <p:spPr>
+              <a:xfrm>
+                <a:off x="5283264" y="3638570"/>
+                <a:ext cx="406766" cy="344083"/>
+              </a:xfrm>
+              <a:prstGeom prst="rect">
+                <a:avLst/>
+              </a:prstGeom>
+              <a:noFill/>
+            </p:spPr>
+            <p:txBody>
+              <a:bodyPr wrap="none" lIns="0" tIns="0" rIns="0" bIns="0" rtlCol="0">
+                <a:spAutoFit/>
+              </a:bodyPr>
+              <a:lstStyle/>
+              <a:p>
+                <a:pPr/>
+                <a14:m>
+                  <m:oMathPara xmlns:m="http://schemas.openxmlformats.org/officeDocument/2006/math">
+                    <m:oMathParaPr>
+                      <m:jc m:val="centerGroup"/>
+                    </m:oMathParaPr>
+                    <m:oMath xmlns:m="http://schemas.openxmlformats.org/officeDocument/2006/math">
+                      <m:r>
+                        <a:rPr lang="en-US" altLang="ko-KR" b="0" i="1" smtClean="0">
+                          <a:latin typeface="Cambria Math" panose="02040503050406030204" pitchFamily="18" charset="0"/>
+                        </a:rPr>
+                        <m:t>𝑝</m:t>
+                      </m:r>
+                      <m:r>
+                        <a:rPr lang="en-US" altLang="ko-KR" b="0" i="1" smtClean="0">
+                          <a:latin typeface="Cambria Math" panose="02040503050406030204" pitchFamily="18" charset="0"/>
+                        </a:rPr>
+                        <m:t>′</m:t>
+                      </m:r>
+                    </m:oMath>
+                  </m:oMathPara>
+                </a14:m>
+                <a:endParaRPr lang="ko-KR" altLang="en-US" dirty="0"/>
+              </a:p>
+            </p:txBody>
+          </p:sp>
+        </mc:Choice>
+        <mc:Fallback>
+          <p:sp>
+            <p:nvSpPr>
+              <p:cNvPr id="13" name="TextBox 12"/>
+              <p:cNvSpPr txBox="1">
+                <a:spLocks noRot="1" noChangeAspect="1" noMove="1" noResize="1" noEditPoints="1" noAdjustHandles="1" noChangeArrowheads="1" noChangeShapeType="1" noTextEdit="1"/>
+              </p:cNvSpPr>
+              <p:nvPr/>
+            </p:nvSpPr>
+            <p:spPr>
+              <a:xfrm>
+                <a:off x="5283264" y="3638570"/>
+                <a:ext cx="406766" cy="344083"/>
+              </a:xfrm>
+              <a:prstGeom prst="rect">
+                <a:avLst/>
+              </a:prstGeom>
+              <a:blipFill>
+                <a:blip r:embed="rId6"/>
+                <a:stretch>
+                  <a:fillRect l="-1515" t="-3571" r="-3030" b="-14286"/>
+                </a:stretch>
+              </a:blipFill>
+            </p:spPr>
+            <p:txBody>
+              <a:bodyPr/>
+              <a:lstStyle/>
+              <a:p>
+                <a:r>
+                  <a:rPr lang="ko-KR" altLang="en-US">
+                    <a:noFill/>
+                  </a:rPr>
+                  <a:t> </a:t>
+                </a:r>
+              </a:p>
+            </p:txBody>
+          </p:sp>
+        </mc:Fallback>
+      </mc:AlternateContent>
+      <mc:AlternateContent xmlns:mc="http://schemas.openxmlformats.org/markup-compatibility/2006">
+        <mc:Choice xmlns:a14="http://schemas.microsoft.com/office/drawing/2010/main" Requires="a14">
+          <p:sp>
+            <p:nvSpPr>
+              <p:cNvPr id="14" name="TextBox 13"/>
+              <p:cNvSpPr txBox="1"/>
+              <p:nvPr/>
+            </p:nvSpPr>
+            <p:spPr>
+              <a:xfrm>
+                <a:off x="4681305" y="2184505"/>
+                <a:ext cx="406766" cy="344083"/>
+              </a:xfrm>
+              <a:prstGeom prst="rect">
+                <a:avLst/>
+              </a:prstGeom>
+              <a:noFill/>
+            </p:spPr>
+            <p:txBody>
+              <a:bodyPr wrap="none" lIns="0" tIns="0" rIns="0" bIns="0" rtlCol="0">
+                <a:spAutoFit/>
+              </a:bodyPr>
+              <a:lstStyle/>
+              <a:p>
+                <a:pPr/>
+                <a14:m>
+                  <m:oMathPara xmlns:m="http://schemas.openxmlformats.org/officeDocument/2006/math">
+                    <m:oMathParaPr>
+                      <m:jc m:val="centerGroup"/>
+                    </m:oMathParaPr>
+                    <m:oMath xmlns:m="http://schemas.openxmlformats.org/officeDocument/2006/math">
+                      <m:r>
+                        <a:rPr lang="en-US" altLang="ko-KR" b="0" i="1" smtClean="0">
+                          <a:latin typeface="Cambria Math" panose="02040503050406030204" pitchFamily="18" charset="0"/>
+                        </a:rPr>
+                        <m:t>𝑞</m:t>
+                      </m:r>
+                      <m:r>
+                        <a:rPr lang="en-US" altLang="ko-KR" b="0" i="1" smtClean="0">
+                          <a:latin typeface="Cambria Math" panose="02040503050406030204" pitchFamily="18" charset="0"/>
+                        </a:rPr>
+                        <m:t>′</m:t>
+                      </m:r>
+                    </m:oMath>
+                  </m:oMathPara>
+                </a14:m>
+                <a:endParaRPr lang="ko-KR" altLang="en-US" dirty="0"/>
+              </a:p>
+            </p:txBody>
+          </p:sp>
+        </mc:Choice>
+        <mc:Fallback>
+          <p:sp>
+            <p:nvSpPr>
+              <p:cNvPr id="14" name="TextBox 13"/>
+              <p:cNvSpPr txBox="1">
+                <a:spLocks noRot="1" noChangeAspect="1" noMove="1" noResize="1" noEditPoints="1" noAdjustHandles="1" noChangeArrowheads="1" noChangeShapeType="1" noTextEdit="1"/>
+              </p:cNvSpPr>
+              <p:nvPr/>
+            </p:nvSpPr>
+            <p:spPr>
+              <a:xfrm>
+                <a:off x="4681305" y="2184505"/>
+                <a:ext cx="406766" cy="344083"/>
+              </a:xfrm>
+              <a:prstGeom prst="rect">
+                <a:avLst/>
+              </a:prstGeom>
+              <a:blipFill>
+                <a:blip r:embed="rId7"/>
+                <a:stretch>
+                  <a:fillRect l="-1493" t="-1754" b="-12281"/>
+                </a:stretch>
+              </a:blipFill>
+            </p:spPr>
+            <p:txBody>
+              <a:bodyPr/>
+              <a:lstStyle/>
+              <a:p>
+                <a:r>
+                  <a:rPr lang="ko-KR" altLang="en-US">
+                    <a:noFill/>
+                  </a:rPr>
+                  <a:t> </a:t>
+                </a:r>
+              </a:p>
+            </p:txBody>
+          </p:sp>
+        </mc:Fallback>
+      </mc:AlternateContent>
+      <p:cxnSp>
+        <p:nvCxnSpPr>
+          <p:cNvPr id="27" name="직선 화살표 연결선 26">
+            <a:extLst>
+              <a:ext uri="{FF2B5EF4-FFF2-40B4-BE49-F238E27FC236}">
+                <a16:creationId xmlns:a16="http://schemas.microsoft.com/office/drawing/2014/main" id="{C93B29A1-F190-44D3-A9D0-DFAD4F83776E}"/>
+              </a:ext>
+            </a:extLst>
+          </p:cNvPr>
+          <p:cNvCxnSpPr>
+            <a:cxnSpLocks/>
+          </p:cNvCxnSpPr>
+          <p:nvPr/>
+        </p:nvCxnSpPr>
+        <p:spPr>
+          <a:xfrm flipH="1">
+            <a:off x="605481" y="1699473"/>
+            <a:ext cx="3601995" cy="2921954"/>
+          </a:xfrm>
+          <a:prstGeom prst="straightConnector1">
+            <a:avLst/>
+          </a:prstGeom>
+          <a:ln w="28575">
+            <a:solidFill>
+              <a:schemeClr val="tx1"/>
+            </a:solidFill>
+            <a:tailEnd type="triangle"/>
+          </a:ln>
+        </p:spPr>
+        <p:style>
+          <a:lnRef idx="1">
+            <a:schemeClr val="accent1"/>
+          </a:lnRef>
+          <a:fillRef idx="0">
+            <a:schemeClr val="accent1"/>
+          </a:fillRef>
+          <a:effectRef idx="0">
+            <a:schemeClr val="accent1"/>
+          </a:effectRef>
+          <a:fontRef idx="minor">
+            <a:schemeClr val="tx1"/>
+          </a:fontRef>
+        </p:style>
+      </p:cxnSp>
+      <mc:AlternateContent xmlns:mc="http://schemas.openxmlformats.org/markup-compatibility/2006">
+        <mc:Choice xmlns:a14="http://schemas.microsoft.com/office/drawing/2010/main" Requires="a14">
+          <p:sp>
+            <p:nvSpPr>
+              <p:cNvPr id="28" name="TextBox 27">
+                <a:extLst>
+                  <a:ext uri="{FF2B5EF4-FFF2-40B4-BE49-F238E27FC236}">
+                    <a16:creationId xmlns:a16="http://schemas.microsoft.com/office/drawing/2014/main" id="{07B5ABC4-CAA0-493B-ACDF-C42A51522079}"/>
+                  </a:ext>
+                </a:extLst>
+              </p:cNvPr>
+              <p:cNvSpPr txBox="1"/>
+              <p:nvPr/>
+            </p:nvSpPr>
+            <p:spPr>
+              <a:xfrm>
+                <a:off x="6407690" y="3261885"/>
+                <a:ext cx="310278" cy="276999"/>
+              </a:xfrm>
+              <a:prstGeom prst="rect">
+                <a:avLst/>
+              </a:prstGeom>
+              <a:noFill/>
+            </p:spPr>
+            <p:txBody>
+              <a:bodyPr wrap="none" lIns="0" tIns="0" rIns="0" bIns="0" rtlCol="0">
+                <a:spAutoFit/>
+              </a:bodyPr>
+              <a:lstStyle/>
+              <a:p>
+                <a:pPr/>
+                <a14:m>
+                  <m:oMathPara xmlns:m="http://schemas.openxmlformats.org/officeDocument/2006/math">
+                    <m:oMathParaPr>
+                      <m:jc m:val="centerGroup"/>
+                    </m:oMathParaPr>
+                    <m:oMath xmlns:m="http://schemas.openxmlformats.org/officeDocument/2006/math">
+                      <m:sSub>
+                        <m:sSubPr>
+                          <m:ctrlPr>
+                            <a:rPr lang="en-US" altLang="ko-KR" b="0" i="1" smtClean="0">
+                              <a:latin typeface="Cambria Math" panose="02040503050406030204" pitchFamily="18" charset="0"/>
+                            </a:rPr>
+                          </m:ctrlPr>
+                        </m:sSubPr>
+                        <m:e>
+                          <m:r>
+                            <a:rPr lang="en-US" altLang="ko-KR" b="0" i="1" smtClean="0">
+                              <a:latin typeface="Cambria Math" panose="02040503050406030204" pitchFamily="18" charset="0"/>
+                            </a:rPr>
+                            <m:t>𝑥</m:t>
+                          </m:r>
+                        </m:e>
+                        <m:sub>
+                          <m:r>
+                            <a:rPr lang="en-US" altLang="ko-KR" b="0" i="1" smtClean="0">
+                              <a:latin typeface="Cambria Math" panose="02040503050406030204" pitchFamily="18" charset="0"/>
+                            </a:rPr>
+                            <m:t>2</m:t>
+                          </m:r>
+                        </m:sub>
+                      </m:sSub>
+                    </m:oMath>
+                  </m:oMathPara>
+                </a14:m>
+                <a:endParaRPr lang="ko-KR" altLang="en-US" dirty="0"/>
+              </a:p>
+            </p:txBody>
+          </p:sp>
+        </mc:Choice>
+        <mc:Fallback>
+          <p:sp>
+            <p:nvSpPr>
+              <p:cNvPr id="28" name="TextBox 27">
+                <a:extLst>
+                  <a:ext uri="{FF2B5EF4-FFF2-40B4-BE49-F238E27FC236}">
+                    <a16:creationId xmlns:a16="http://schemas.microsoft.com/office/drawing/2014/main" id="{07B5ABC4-CAA0-493B-ACDF-C42A51522079}"/>
+                  </a:ext>
+                </a:extLst>
+              </p:cNvPr>
+              <p:cNvSpPr txBox="1">
+                <a:spLocks noRot="1" noChangeAspect="1" noMove="1" noResize="1" noEditPoints="1" noAdjustHandles="1" noChangeArrowheads="1" noChangeShapeType="1" noTextEdit="1"/>
+              </p:cNvSpPr>
+              <p:nvPr/>
+            </p:nvSpPr>
+            <p:spPr>
+              <a:xfrm>
+                <a:off x="6407690" y="3261885"/>
+                <a:ext cx="310278" cy="276999"/>
+              </a:xfrm>
+              <a:prstGeom prst="rect">
+                <a:avLst/>
+              </a:prstGeom>
+              <a:blipFill>
+                <a:blip r:embed="rId8"/>
+                <a:stretch>
+                  <a:fillRect l="-5882" r="-3922" b="-19565"/>
+                </a:stretch>
+              </a:blipFill>
+            </p:spPr>
+            <p:txBody>
+              <a:bodyPr/>
+              <a:lstStyle/>
+              <a:p>
+                <a:r>
+                  <a:rPr lang="ko-KR" altLang="en-US">
+                    <a:noFill/>
+                  </a:rPr>
+                  <a:t> </a:t>
+                </a:r>
+              </a:p>
+            </p:txBody>
+          </p:sp>
+        </mc:Fallback>
+      </mc:AlternateContent>
+      <p:cxnSp>
+        <p:nvCxnSpPr>
+          <p:cNvPr id="29" name="직선 화살표 연결선 28">
+            <a:extLst>
+              <a:ext uri="{FF2B5EF4-FFF2-40B4-BE49-F238E27FC236}">
+                <a16:creationId xmlns:a16="http://schemas.microsoft.com/office/drawing/2014/main" id="{782BF86B-4207-4FE7-8DAC-CEB1861B292A}"/>
+              </a:ext>
+            </a:extLst>
+          </p:cNvPr>
+          <p:cNvCxnSpPr>
+            <a:cxnSpLocks/>
+          </p:cNvCxnSpPr>
+          <p:nvPr/>
+        </p:nvCxnSpPr>
+        <p:spPr>
+          <a:xfrm>
+            <a:off x="3256557" y="1229955"/>
+            <a:ext cx="1289525" cy="1072687"/>
+          </a:xfrm>
+          <a:prstGeom prst="straightConnector1">
+            <a:avLst/>
+          </a:prstGeom>
+          <a:ln>
+            <a:solidFill>
+              <a:schemeClr val="tx1"/>
+            </a:solidFill>
+            <a:tailEnd type="triangle"/>
+          </a:ln>
+        </p:spPr>
+        <p:style>
+          <a:lnRef idx="1">
+            <a:schemeClr val="accent1"/>
+          </a:lnRef>
+          <a:fillRef idx="0">
+            <a:schemeClr val="accent1"/>
+          </a:fillRef>
+          <a:effectRef idx="0">
+            <a:schemeClr val="accent1"/>
+          </a:effectRef>
+          <a:fontRef idx="minor">
+            <a:schemeClr val="tx1"/>
+          </a:fontRef>
+        </p:style>
+      </p:cxnSp>
+      <mc:AlternateContent xmlns:mc="http://schemas.openxmlformats.org/markup-compatibility/2006">
+        <mc:Choice xmlns:a14="http://schemas.microsoft.com/office/drawing/2010/main" Requires="a14">
+          <p:sp>
+            <p:nvSpPr>
+              <p:cNvPr id="32" name="TextBox 31">
+                <a:extLst>
+                  <a:ext uri="{FF2B5EF4-FFF2-40B4-BE49-F238E27FC236}">
+                    <a16:creationId xmlns:a16="http://schemas.microsoft.com/office/drawing/2014/main" id="{5DB3AE05-D351-4E8F-8481-E70A4D8B443E}"/>
+                  </a:ext>
+                </a:extLst>
+              </p:cNvPr>
+              <p:cNvSpPr txBox="1"/>
+              <p:nvPr/>
+            </p:nvSpPr>
+            <p:spPr>
+              <a:xfrm>
+                <a:off x="3822703" y="1374016"/>
+                <a:ext cx="230832" cy="276999"/>
+              </a:xfrm>
+              <a:prstGeom prst="rect">
+                <a:avLst/>
+              </a:prstGeom>
+              <a:noFill/>
+            </p:spPr>
+            <p:txBody>
+              <a:bodyPr wrap="none" lIns="0" tIns="0" rIns="0" bIns="0" rtlCol="0">
+                <a:spAutoFit/>
+              </a:bodyPr>
+              <a:lstStyle/>
+              <a:p>
+                <a:pPr/>
+                <a14:m>
+                  <m:oMathPara xmlns:m="http://schemas.openxmlformats.org/officeDocument/2006/math">
+                    <m:oMathParaPr>
+                      <m:jc m:val="centerGroup"/>
+                    </m:oMathParaPr>
+                    <m:oMath xmlns:m="http://schemas.openxmlformats.org/officeDocument/2006/math">
+                      <m:r>
+                        <a:rPr lang="en-US" altLang="ko-KR" b="1" i="0" smtClean="0">
+                          <a:latin typeface="Cambria Math" panose="02040503050406030204" pitchFamily="18" charset="0"/>
+                        </a:rPr>
+                        <m:t>𝐝</m:t>
+                      </m:r>
+                    </m:oMath>
+                  </m:oMathPara>
+                </a14:m>
+                <a:endParaRPr lang="ko-KR" altLang="en-US" b="1" dirty="0"/>
+              </a:p>
+            </p:txBody>
+          </p:sp>
+        </mc:Choice>
+        <mc:Fallback>
+          <p:sp>
+            <p:nvSpPr>
+              <p:cNvPr id="32" name="TextBox 31">
+                <a:extLst>
+                  <a:ext uri="{FF2B5EF4-FFF2-40B4-BE49-F238E27FC236}">
+                    <a16:creationId xmlns:a16="http://schemas.microsoft.com/office/drawing/2014/main" id="{5DB3AE05-D351-4E8F-8481-E70A4D8B443E}"/>
+                  </a:ext>
+                </a:extLst>
+              </p:cNvPr>
+              <p:cNvSpPr txBox="1">
+                <a:spLocks noRot="1" noChangeAspect="1" noMove="1" noResize="1" noEditPoints="1" noAdjustHandles="1" noChangeArrowheads="1" noChangeShapeType="1" noTextEdit="1"/>
+              </p:cNvSpPr>
+              <p:nvPr/>
+            </p:nvSpPr>
+            <p:spPr>
+              <a:xfrm>
+                <a:off x="3822703" y="1374016"/>
+                <a:ext cx="230832" cy="276999"/>
+              </a:xfrm>
+              <a:prstGeom prst="rect">
+                <a:avLst/>
+              </a:prstGeom>
+              <a:blipFill>
+                <a:blip r:embed="rId9"/>
+                <a:stretch>
+                  <a:fillRect l="-18421" r="-18421" b="-13043"/>
+                </a:stretch>
+              </a:blipFill>
+            </p:spPr>
+            <p:txBody>
+              <a:bodyPr/>
+              <a:lstStyle/>
+              <a:p>
+                <a:r>
+                  <a:rPr lang="ko-KR" altLang="en-US">
+                    <a:noFill/>
+                  </a:rPr>
+                  <a:t> </a:t>
+                </a:r>
+              </a:p>
+            </p:txBody>
+          </p:sp>
+        </mc:Fallback>
+      </mc:AlternateContent>
+      <p:cxnSp>
+        <p:nvCxnSpPr>
+          <p:cNvPr id="33" name="직선 화살표 연결선 32">
+            <a:extLst>
+              <a:ext uri="{FF2B5EF4-FFF2-40B4-BE49-F238E27FC236}">
+                <a16:creationId xmlns:a16="http://schemas.microsoft.com/office/drawing/2014/main" id="{F5FC4C0A-B591-4F3B-BD15-9D9E5EC72772}"/>
+              </a:ext>
+            </a:extLst>
+          </p:cNvPr>
+          <p:cNvCxnSpPr>
+            <a:cxnSpLocks/>
+          </p:cNvCxnSpPr>
+          <p:nvPr/>
+        </p:nvCxnSpPr>
+        <p:spPr>
+          <a:xfrm>
+            <a:off x="3271058" y="3276796"/>
+            <a:ext cx="2150362" cy="237656"/>
+          </a:xfrm>
+          <a:prstGeom prst="straightConnector1">
+            <a:avLst/>
+          </a:prstGeom>
+          <a:ln>
+            <a:solidFill>
+              <a:schemeClr val="tx1"/>
+            </a:solidFill>
+            <a:tailEnd type="triangle"/>
+          </a:ln>
+        </p:spPr>
+        <p:style>
+          <a:lnRef idx="1">
+            <a:schemeClr val="accent1"/>
+          </a:lnRef>
+          <a:fillRef idx="0">
+            <a:schemeClr val="accent1"/>
+          </a:fillRef>
+          <a:effectRef idx="0">
+            <a:schemeClr val="accent1"/>
+          </a:effectRef>
+          <a:fontRef idx="minor">
+            <a:schemeClr val="tx1"/>
+          </a:fontRef>
+        </p:style>
+      </p:cxnSp>
+      <mc:AlternateContent xmlns:mc="http://schemas.openxmlformats.org/markup-compatibility/2006">
+        <mc:Choice xmlns:a14="http://schemas.microsoft.com/office/drawing/2010/main" Requires="a14">
+          <p:sp>
+            <p:nvSpPr>
+              <p:cNvPr id="38" name="TextBox 37">
+                <a:extLst>
+                  <a:ext uri="{FF2B5EF4-FFF2-40B4-BE49-F238E27FC236}">
+                    <a16:creationId xmlns:a16="http://schemas.microsoft.com/office/drawing/2014/main" id="{EC18DB71-3399-4E5E-B321-6A9670FF95D7}"/>
+                  </a:ext>
+                </a:extLst>
+              </p:cNvPr>
+              <p:cNvSpPr txBox="1"/>
+              <p:nvPr/>
+            </p:nvSpPr>
+            <p:spPr>
+              <a:xfrm>
+                <a:off x="3892982" y="3554507"/>
+                <a:ext cx="392350" cy="276999"/>
+              </a:xfrm>
+              <a:prstGeom prst="rect">
+                <a:avLst/>
+              </a:prstGeom>
+              <a:noFill/>
+            </p:spPr>
+            <p:txBody>
+              <a:bodyPr wrap="none" lIns="0" tIns="0" rIns="0" bIns="0" rtlCol="0">
+                <a:spAutoFit/>
+              </a:bodyPr>
+              <a:lstStyle/>
+              <a:p>
+                <a:pPr/>
+                <a14:m>
+                  <m:oMathPara xmlns:m="http://schemas.openxmlformats.org/officeDocument/2006/math">
+                    <m:oMathParaPr>
+                      <m:jc m:val="centerGroup"/>
+                    </m:oMathParaPr>
+                    <m:oMath xmlns:m="http://schemas.openxmlformats.org/officeDocument/2006/math">
+                      <m:sSup>
+                        <m:sSupPr>
+                          <m:ctrlPr>
+                            <a:rPr lang="en-US" altLang="ko-KR" b="1" i="0" smtClean="0">
+                              <a:latin typeface="Cambria Math" panose="02040503050406030204" pitchFamily="18" charset="0"/>
+                            </a:rPr>
+                          </m:ctrlPr>
+                        </m:sSupPr>
+                        <m:e>
+                          <m:r>
+                            <a:rPr lang="en-US" altLang="ko-KR" b="1" i="0" smtClean="0">
+                              <a:latin typeface="Cambria Math" panose="02040503050406030204" pitchFamily="18" charset="0"/>
+                            </a:rPr>
+                            <m:t>𝐝</m:t>
+                          </m:r>
+                        </m:e>
+                        <m:sup>
+                          <m:r>
+                            <a:rPr lang="en-US" altLang="ko-KR" b="0" i="1" smtClean="0">
+                              <a:latin typeface="Cambria Math" panose="02040503050406030204" pitchFamily="18" charset="0"/>
+                            </a:rPr>
+                            <m:t>𝑚</m:t>
+                          </m:r>
+                        </m:sup>
+                      </m:sSup>
+                    </m:oMath>
+                  </m:oMathPara>
+                </a14:m>
+                <a:endParaRPr lang="ko-KR" altLang="en-US" b="1" dirty="0"/>
+              </a:p>
+            </p:txBody>
+          </p:sp>
+        </mc:Choice>
+        <mc:Fallback>
+          <p:sp>
+            <p:nvSpPr>
+              <p:cNvPr id="38" name="TextBox 37">
+                <a:extLst>
+                  <a:ext uri="{FF2B5EF4-FFF2-40B4-BE49-F238E27FC236}">
+                    <a16:creationId xmlns:a16="http://schemas.microsoft.com/office/drawing/2014/main" id="{EC18DB71-3399-4E5E-B321-6A9670FF95D7}"/>
+                  </a:ext>
+                </a:extLst>
+              </p:cNvPr>
+              <p:cNvSpPr txBox="1">
+                <a:spLocks noRot="1" noChangeAspect="1" noMove="1" noResize="1" noEditPoints="1" noAdjustHandles="1" noChangeArrowheads="1" noChangeShapeType="1" noTextEdit="1"/>
+              </p:cNvSpPr>
+              <p:nvPr/>
+            </p:nvSpPr>
+            <p:spPr>
+              <a:xfrm>
+                <a:off x="3892982" y="3554507"/>
+                <a:ext cx="392350" cy="276999"/>
+              </a:xfrm>
+              <a:prstGeom prst="rect">
+                <a:avLst/>
+              </a:prstGeom>
+              <a:blipFill>
+                <a:blip r:embed="rId10"/>
+                <a:stretch>
+                  <a:fillRect l="-12500" b="-13043"/>
+                </a:stretch>
+              </a:blipFill>
+            </p:spPr>
+            <p:txBody>
+              <a:bodyPr/>
+              <a:lstStyle/>
+              <a:p>
+                <a:r>
+                  <a:rPr lang="ko-KR" altLang="en-US">
+                    <a:noFill/>
+                  </a:rPr>
+                  <a:t> </a:t>
+                </a:r>
+              </a:p>
+            </p:txBody>
+          </p:sp>
+        </mc:Fallback>
+      </mc:AlternateContent>
+    </p:spTree>
+    <p:extLst>
+      <p:ext uri="{BB962C8B-B14F-4D97-AF65-F5344CB8AC3E}">
+        <p14:creationId xmlns:p14="http://schemas.microsoft.com/office/powerpoint/2010/main" val="564488203"/>
+      </p:ext>
+    </p:extLst>
+  </p:cSld>
+  <p:clrMapOvr>
+    <a:masterClrMapping/>
+  </p:clrMapOvr>
+</p:sld>
+</file>
+
+<file path=ppt/slides/slide3.xml><?xml version="1.0" encoding="utf-8"?>
+<p:sld xmlns:a="http://schemas.openxmlformats.org/drawingml/2006/main" xmlns:r="http://schemas.openxmlformats.org/officeDocument/2006/relationships" xmlns:p="http://schemas.openxmlformats.org/presentationml/2006/main">
+  <p:cSld>
+    <p:spTree>
+      <p:nvGrpSpPr>
+        <p:cNvPr id="1" name=""/>
+        <p:cNvGrpSpPr/>
+        <p:nvPr/>
+      </p:nvGrpSpPr>
+      <p:grpSpPr>
+        <a:xfrm>
+          <a:off x="0" y="0"/>
+          <a:ext cx="0" cy="0"/>
+          <a:chOff x="0" y="0"/>
+          <a:chExt cx="0" cy="0"/>
+        </a:xfrm>
+      </p:grpSpPr>
+      <p:cxnSp>
+        <p:nvCxnSpPr>
+          <p:cNvPr id="5" name="직선 화살표 연결선 4"/>
+          <p:cNvCxnSpPr/>
+          <p:nvPr/>
+        </p:nvCxnSpPr>
+        <p:spPr>
+          <a:xfrm>
+            <a:off x="923731" y="3256384"/>
+            <a:ext cx="5400000" cy="0"/>
+          </a:xfrm>
+          <a:prstGeom prst="straightConnector1">
+            <a:avLst/>
+          </a:prstGeom>
+          <a:ln w="28575">
+            <a:solidFill>
+              <a:schemeClr val="tx1"/>
+            </a:solidFill>
+            <a:tailEnd type="triangle"/>
+          </a:ln>
+        </p:spPr>
+        <p:style>
+          <a:lnRef idx="1">
+            <a:schemeClr val="accent1"/>
+          </a:lnRef>
+          <a:fillRef idx="0">
+            <a:schemeClr val="accent1"/>
+          </a:fillRef>
+          <a:effectRef idx="0">
+            <a:schemeClr val="accent1"/>
+          </a:effectRef>
+          <a:fontRef idx="minor">
+            <a:schemeClr val="tx1"/>
+          </a:fontRef>
+        </p:style>
+      </p:cxnSp>
+      <p:cxnSp>
+        <p:nvCxnSpPr>
+          <p:cNvPr id="6" name="직선 화살표 연결선 5"/>
+          <p:cNvCxnSpPr/>
+          <p:nvPr/>
+        </p:nvCxnSpPr>
+        <p:spPr>
+          <a:xfrm>
+            <a:off x="2261118" y="657712"/>
+            <a:ext cx="0" cy="3600000"/>
+          </a:xfrm>
+          <a:prstGeom prst="straightConnector1">
+            <a:avLst/>
+          </a:prstGeom>
+          <a:ln w="28575">
+            <a:solidFill>
+              <a:schemeClr val="tx1"/>
+            </a:solidFill>
+            <a:headEnd type="triangle"/>
+            <a:tailEnd type="none"/>
+          </a:ln>
+        </p:spPr>
+        <p:style>
+          <a:lnRef idx="1">
+            <a:schemeClr val="accent1"/>
+          </a:lnRef>
+          <a:fillRef idx="0">
+            <a:schemeClr val="accent1"/>
+          </a:fillRef>
+          <a:effectRef idx="0">
+            <a:schemeClr val="accent1"/>
+          </a:effectRef>
+          <a:fontRef idx="minor">
+            <a:schemeClr val="tx1"/>
+          </a:fontRef>
+        </p:style>
+      </p:cxnSp>
+      <mc:AlternateContent xmlns:mc="http://schemas.openxmlformats.org/markup-compatibility/2006">
+        <mc:Choice xmlns:a14="http://schemas.microsoft.com/office/drawing/2010/main" Requires="a14">
+          <p:sp>
+            <p:nvSpPr>
+              <p:cNvPr id="7" name="TextBox 6"/>
+              <p:cNvSpPr txBox="1"/>
+              <p:nvPr/>
+            </p:nvSpPr>
+            <p:spPr>
+              <a:xfrm>
+                <a:off x="6097416" y="3480049"/>
+                <a:ext cx="310278" cy="276999"/>
+              </a:xfrm>
+              <a:prstGeom prst="rect">
+                <a:avLst/>
+              </a:prstGeom>
+              <a:noFill/>
+            </p:spPr>
+            <p:txBody>
+              <a:bodyPr wrap="none" lIns="0" tIns="0" rIns="0" bIns="0" rtlCol="0">
+                <a:spAutoFit/>
+              </a:bodyPr>
+              <a:lstStyle/>
+              <a:p>
+                <a:pPr/>
+                <a14:m>
+                  <m:oMathPara xmlns:m="http://schemas.openxmlformats.org/officeDocument/2006/math">
+                    <m:oMathParaPr>
+                      <m:jc m:val="centerGroup"/>
+                    </m:oMathParaPr>
+                    <m:oMath xmlns:m="http://schemas.openxmlformats.org/officeDocument/2006/math">
+                      <m:sSub>
+                        <m:sSubPr>
+                          <m:ctrlPr>
+                            <a:rPr lang="en-US" altLang="ko-KR" b="0" i="1" smtClean="0">
+                              <a:latin typeface="Cambria Math" panose="02040503050406030204" pitchFamily="18" charset="0"/>
+                            </a:rPr>
+                          </m:ctrlPr>
+                        </m:sSubPr>
+                        <m:e>
+                          <m:r>
+                            <a:rPr lang="en-US" altLang="ko-KR" b="0" i="1" smtClean="0">
+                              <a:latin typeface="Cambria Math" panose="02040503050406030204" pitchFamily="18" charset="0"/>
+                            </a:rPr>
+                            <m:t>𝑥</m:t>
+                          </m:r>
+                        </m:e>
+                        <m:sub>
+                          <m:r>
+                            <a:rPr lang="en-US" altLang="ko-KR" b="0" i="1" smtClean="0">
+                              <a:latin typeface="Cambria Math" panose="02040503050406030204" pitchFamily="18" charset="0"/>
+                            </a:rPr>
+                            <m:t>1</m:t>
+                          </m:r>
+                        </m:sub>
+                      </m:sSub>
+                    </m:oMath>
+                  </m:oMathPara>
+                </a14:m>
+                <a:endParaRPr lang="ko-KR" altLang="en-US" dirty="0"/>
+              </a:p>
+            </p:txBody>
+          </p:sp>
+        </mc:Choice>
+        <mc:Fallback>
+          <p:sp>
+            <p:nvSpPr>
+              <p:cNvPr id="7" name="TextBox 6"/>
+              <p:cNvSpPr txBox="1">
+                <a:spLocks noRot="1" noChangeAspect="1" noMove="1" noResize="1" noEditPoints="1" noAdjustHandles="1" noChangeArrowheads="1" noChangeShapeType="1" noTextEdit="1"/>
+              </p:cNvSpPr>
+              <p:nvPr/>
+            </p:nvSpPr>
+            <p:spPr>
+              <a:xfrm>
+                <a:off x="6097416" y="3480049"/>
+                <a:ext cx="310278" cy="276999"/>
+              </a:xfrm>
+              <a:prstGeom prst="rect">
+                <a:avLst/>
+              </a:prstGeom>
+              <a:blipFill>
+                <a:blip r:embed="rId2"/>
+                <a:stretch>
+                  <a:fillRect l="-5882" r="-1961" b="-20000"/>
+                </a:stretch>
+              </a:blipFill>
+            </p:spPr>
+            <p:txBody>
+              <a:bodyPr/>
+              <a:lstStyle/>
+              <a:p>
+                <a:r>
+                  <a:rPr lang="ko-KR" altLang="en-US">
+                    <a:noFill/>
+                  </a:rPr>
+                  <a:t> </a:t>
+                </a:r>
+              </a:p>
+            </p:txBody>
+          </p:sp>
+        </mc:Fallback>
+      </mc:AlternateContent>
+      <mc:AlternateContent xmlns:mc="http://schemas.openxmlformats.org/markup-compatibility/2006" xmlns:a14="http://schemas.microsoft.com/office/drawing/2010/main">
+        <mc:Choice Requires="a14">
+          <p:sp>
+            <p:nvSpPr>
+              <p:cNvPr id="8" name="TextBox 7"/>
+              <p:cNvSpPr txBox="1"/>
+              <p:nvPr/>
+            </p:nvSpPr>
+            <p:spPr>
+              <a:xfrm>
+                <a:off x="1780453" y="657712"/>
+                <a:ext cx="310278" cy="276999"/>
+              </a:xfrm>
+              <a:prstGeom prst="rect">
+                <a:avLst/>
+              </a:prstGeom>
+              <a:noFill/>
+            </p:spPr>
+            <p:txBody>
+              <a:bodyPr wrap="none" lIns="0" tIns="0" rIns="0" bIns="0" rtlCol="0">
+                <a:spAutoFit/>
+              </a:bodyPr>
+              <a:lstStyle/>
+              <a:p>
+                <a:pPr/>
+                <a14:m>
+                  <m:oMathPara xmlns:m="http://schemas.openxmlformats.org/officeDocument/2006/math">
+                    <m:oMathParaPr>
+                      <m:jc m:val="centerGroup"/>
+                    </m:oMathParaPr>
+                    <m:oMath xmlns:m="http://schemas.openxmlformats.org/officeDocument/2006/math">
+                      <m:sSub>
+                        <m:sSubPr>
+                          <m:ctrlPr>
+                            <a:rPr lang="en-US" altLang="ko-KR" b="0" i="1" smtClean="0">
+                              <a:latin typeface="Cambria Math" panose="02040503050406030204" pitchFamily="18" charset="0"/>
+                            </a:rPr>
+                          </m:ctrlPr>
+                        </m:sSubPr>
+                        <m:e>
+                          <m:r>
+                            <a:rPr lang="en-US" altLang="ko-KR" b="0" i="1" smtClean="0">
+                              <a:latin typeface="Cambria Math" panose="02040503050406030204" pitchFamily="18" charset="0"/>
+                            </a:rPr>
+                            <m:t>𝑥</m:t>
+                          </m:r>
+                        </m:e>
+                        <m:sub>
+                          <m:r>
+                            <a:rPr lang="en-US" altLang="ko-KR" b="0" i="1" smtClean="0">
+                              <a:latin typeface="Cambria Math" panose="02040503050406030204" pitchFamily="18" charset="0"/>
+                            </a:rPr>
+                            <m:t>3</m:t>
+                          </m:r>
+                        </m:sub>
+                      </m:sSub>
+                    </m:oMath>
+                  </m:oMathPara>
+                </a14:m>
+                <a:endParaRPr lang="ko-KR" altLang="en-US" dirty="0"/>
+              </a:p>
+            </p:txBody>
+          </p:sp>
+        </mc:Choice>
+        <mc:Fallback xmlns="">
+          <p:sp>
+            <p:nvSpPr>
+              <p:cNvPr id="8" name="TextBox 7"/>
+              <p:cNvSpPr txBox="1">
+                <a:spLocks noRot="1" noChangeAspect="1" noMove="1" noResize="1" noEditPoints="1" noAdjustHandles="1" noChangeArrowheads="1" noChangeShapeType="1" noTextEdit="1"/>
+              </p:cNvSpPr>
+              <p:nvPr/>
+            </p:nvSpPr>
+            <p:spPr>
+              <a:xfrm>
+                <a:off x="1780453" y="657712"/>
+                <a:ext cx="310278" cy="276999"/>
+              </a:xfrm>
+              <a:prstGeom prst="rect">
+                <a:avLst/>
+              </a:prstGeom>
+              <a:blipFill rotWithShape="0">
+                <a:blip r:embed="rId3"/>
+                <a:stretch>
+                  <a:fillRect l="-5882" r="-3922" b="-20000"/>
+                </a:stretch>
+              </a:blipFill>
+            </p:spPr>
+            <p:txBody>
+              <a:bodyPr/>
+              <a:lstStyle/>
+              <a:p>
+                <a:r>
+                  <a:rPr lang="ko-KR" altLang="en-US">
+                    <a:noFill/>
+                  </a:rPr>
+                  <a:t> </a:t>
+                </a:r>
+              </a:p>
+            </p:txBody>
+          </p:sp>
+        </mc:Fallback>
+      </mc:AlternateContent>
+      <p:cxnSp>
+        <p:nvCxnSpPr>
+          <p:cNvPr id="10" name="직선 연결선 9"/>
+          <p:cNvCxnSpPr/>
+          <p:nvPr/>
+        </p:nvCxnSpPr>
+        <p:spPr>
+          <a:xfrm>
+            <a:off x="3293706" y="2304661"/>
+            <a:ext cx="0" cy="951723"/>
+          </a:xfrm>
+          <a:prstGeom prst="line">
+            <a:avLst/>
+          </a:prstGeom>
+          <a:ln w="38100"/>
+        </p:spPr>
+        <p:style>
+          <a:lnRef idx="1">
+            <a:schemeClr val="accent1"/>
+          </a:lnRef>
+          <a:fillRef idx="0">
+            <a:schemeClr val="accent1"/>
+          </a:fillRef>
+          <a:effectRef idx="0">
+            <a:schemeClr val="accent1"/>
+          </a:effectRef>
+          <a:fontRef idx="minor">
+            <a:schemeClr val="tx1"/>
+          </a:fontRef>
+        </p:style>
+      </p:cxnSp>
+      <mc:AlternateContent xmlns:mc="http://schemas.openxmlformats.org/markup-compatibility/2006">
+        <mc:Choice xmlns:a14="http://schemas.microsoft.com/office/drawing/2010/main" Requires="a14">
+          <p:sp>
+            <p:nvSpPr>
+              <p:cNvPr id="15" name="TextBox 14"/>
+              <p:cNvSpPr txBox="1"/>
+              <p:nvPr/>
+            </p:nvSpPr>
+            <p:spPr>
+              <a:xfrm>
+                <a:off x="2981438" y="2026906"/>
+                <a:ext cx="213776" cy="276999"/>
+              </a:xfrm>
+              <a:prstGeom prst="rect">
+                <a:avLst/>
+              </a:prstGeom>
+              <a:noFill/>
+            </p:spPr>
+            <p:txBody>
+              <a:bodyPr wrap="none" lIns="0" tIns="0" rIns="0" bIns="0" rtlCol="0">
+                <a:spAutoFit/>
+              </a:bodyPr>
+              <a:lstStyle/>
+              <a:p>
+                <a14:m>
+                  <m:oMathPara xmlns:m="http://schemas.openxmlformats.org/officeDocument/2006/math">
+                    <m:oMathParaPr>
+                      <m:jc m:val="centerGroup"/>
+                    </m:oMathParaPr>
+                    <m:oMath xmlns:m="http://schemas.openxmlformats.org/officeDocument/2006/math">
+                      <m:r>
+                        <a:rPr lang="en-US" altLang="ko-KR" b="0" i="1" smtClean="0">
+                          <a:latin typeface="Cambria Math" panose="02040503050406030204" pitchFamily="18" charset="0"/>
+                        </a:rPr>
+                        <m:t>𝑞</m:t>
+                      </m:r>
+                    </m:oMath>
+                  </m:oMathPara>
+                </a14:m>
+                <a:endParaRPr lang="ko-KR" altLang="en-US" dirty="0"/>
+              </a:p>
+            </p:txBody>
+          </p:sp>
+        </mc:Choice>
+        <mc:Fallback>
+          <p:sp>
+            <p:nvSpPr>
+              <p:cNvPr id="15" name="TextBox 14"/>
+              <p:cNvSpPr txBox="1">
+                <a:spLocks noRot="1" noChangeAspect="1" noMove="1" noResize="1" noEditPoints="1" noAdjustHandles="1" noChangeArrowheads="1" noChangeShapeType="1" noTextEdit="1"/>
+              </p:cNvSpPr>
+              <p:nvPr/>
+            </p:nvSpPr>
+            <p:spPr>
+              <a:xfrm>
+                <a:off x="2981438" y="2026906"/>
+                <a:ext cx="213776" cy="276999"/>
+              </a:xfrm>
+              <a:prstGeom prst="rect">
+                <a:avLst/>
+              </a:prstGeom>
+              <a:blipFill>
+                <a:blip r:embed="rId4"/>
+                <a:stretch>
+                  <a:fillRect l="-20000" r="-17143" b="-28261"/>
+                </a:stretch>
+              </a:blipFill>
+            </p:spPr>
+            <p:txBody>
+              <a:bodyPr/>
+              <a:lstStyle/>
+              <a:p>
+                <a:r>
+                  <a:rPr lang="ko-KR" altLang="en-US">
+                    <a:noFill/>
+                  </a:rPr>
+                  <a:t> </a:t>
+                </a:r>
+              </a:p>
+            </p:txBody>
+          </p:sp>
+        </mc:Fallback>
+      </mc:AlternateContent>
+      <mc:AlternateContent xmlns:mc="http://schemas.openxmlformats.org/markup-compatibility/2006">
+        <mc:Choice xmlns:a14="http://schemas.microsoft.com/office/drawing/2010/main" Requires="a14">
+          <p:sp>
+            <p:nvSpPr>
+              <p:cNvPr id="16" name="TextBox 15"/>
+              <p:cNvSpPr txBox="1"/>
+              <p:nvPr/>
+            </p:nvSpPr>
+            <p:spPr>
+              <a:xfrm>
+                <a:off x="2905306" y="3290500"/>
+                <a:ext cx="212814" cy="276999"/>
+              </a:xfrm>
+              <a:prstGeom prst="rect">
+                <a:avLst/>
+              </a:prstGeom>
+              <a:noFill/>
+            </p:spPr>
+            <p:txBody>
+              <a:bodyPr wrap="none" lIns="0" tIns="0" rIns="0" bIns="0" rtlCol="0">
+                <a:spAutoFit/>
+              </a:bodyPr>
+              <a:lstStyle/>
+              <a:p>
+                <a:pPr/>
+                <a14:m>
+                  <m:oMathPara xmlns:m="http://schemas.openxmlformats.org/officeDocument/2006/math">
+                    <m:oMathParaPr>
+                      <m:jc m:val="centerGroup"/>
+                    </m:oMathParaPr>
+                    <m:oMath xmlns:m="http://schemas.openxmlformats.org/officeDocument/2006/math">
+                      <m:r>
+                        <a:rPr lang="en-US" altLang="ko-KR" b="0" i="1" smtClean="0">
+                          <a:latin typeface="Cambria Math" panose="02040503050406030204" pitchFamily="18" charset="0"/>
+                        </a:rPr>
+                        <m:t>𝑝</m:t>
+                      </m:r>
+                    </m:oMath>
+                  </m:oMathPara>
+                </a14:m>
+                <a:endParaRPr lang="ko-KR" altLang="en-US" dirty="0"/>
+              </a:p>
+            </p:txBody>
+          </p:sp>
+        </mc:Choice>
+        <mc:Fallback>
+          <p:sp>
+            <p:nvSpPr>
+              <p:cNvPr id="16" name="TextBox 15"/>
+              <p:cNvSpPr txBox="1">
+                <a:spLocks noRot="1" noChangeAspect="1" noMove="1" noResize="1" noEditPoints="1" noAdjustHandles="1" noChangeArrowheads="1" noChangeShapeType="1" noTextEdit="1"/>
+              </p:cNvSpPr>
+              <p:nvPr/>
+            </p:nvSpPr>
+            <p:spPr>
+              <a:xfrm>
+                <a:off x="2905306" y="3290500"/>
+                <a:ext cx="212814" cy="276999"/>
+              </a:xfrm>
+              <a:prstGeom prst="rect">
+                <a:avLst/>
+              </a:prstGeom>
+              <a:blipFill>
+                <a:blip r:embed="rId5"/>
+                <a:stretch>
+                  <a:fillRect l="-20000" r="-20000" b="-31111"/>
+                </a:stretch>
+              </a:blipFill>
+            </p:spPr>
+            <p:txBody>
+              <a:bodyPr/>
+              <a:lstStyle/>
+              <a:p>
+                <a:r>
+                  <a:rPr lang="ko-KR" altLang="en-US">
+                    <a:noFill/>
+                  </a:rPr>
+                  <a:t> </a:t>
+                </a:r>
+              </a:p>
+            </p:txBody>
+          </p:sp>
+        </mc:Fallback>
+      </mc:AlternateContent>
+      <p:grpSp>
+        <p:nvGrpSpPr>
+          <p:cNvPr id="9" name="그룹 8">
+            <a:extLst>
+              <a:ext uri="{FF2B5EF4-FFF2-40B4-BE49-F238E27FC236}">
+                <a16:creationId xmlns:a16="http://schemas.microsoft.com/office/drawing/2014/main" id="{F54825A1-879E-45C3-84C9-39758CFBC1AD}"/>
+              </a:ext>
+            </a:extLst>
+          </p:cNvPr>
+          <p:cNvGrpSpPr/>
+          <p:nvPr/>
+        </p:nvGrpSpPr>
+        <p:grpSpPr>
+          <a:xfrm>
+            <a:off x="4988644" y="1271662"/>
+            <a:ext cx="1213333" cy="1984722"/>
+            <a:chOff x="4574692" y="1271662"/>
+            <a:chExt cx="1213333" cy="1984722"/>
+          </a:xfrm>
+        </p:grpSpPr>
+        <p:cxnSp>
+          <p:nvCxnSpPr>
+            <p:cNvPr id="11" name="직선 연결선 10"/>
+            <p:cNvCxnSpPr>
+              <a:cxnSpLocks/>
+            </p:cNvCxnSpPr>
+            <p:nvPr/>
+          </p:nvCxnSpPr>
+          <p:spPr>
+            <a:xfrm flipH="1">
+              <a:off x="4989111" y="1618735"/>
+              <a:ext cx="589965" cy="754351"/>
+            </a:xfrm>
+            <a:prstGeom prst="line">
+              <a:avLst/>
+            </a:prstGeom>
+            <a:ln w="38100"/>
+          </p:spPr>
+          <p:style>
+            <a:lnRef idx="1">
+              <a:schemeClr val="accent1"/>
+            </a:lnRef>
+            <a:fillRef idx="0">
+              <a:schemeClr val="accent1"/>
+            </a:fillRef>
+            <a:effectRef idx="0">
+              <a:schemeClr val="accent1"/>
+            </a:effectRef>
+            <a:fontRef idx="minor">
+              <a:schemeClr val="tx1"/>
+            </a:fontRef>
+          </p:style>
+        </p:cxnSp>
+        <mc:AlternateContent xmlns:mc="http://schemas.openxmlformats.org/markup-compatibility/2006">
+          <mc:Choice xmlns:a14="http://schemas.microsoft.com/office/drawing/2010/main" Requires="a14">
+            <p:sp>
+              <p:nvSpPr>
+                <p:cNvPr id="13" name="TextBox 12"/>
+                <p:cNvSpPr txBox="1"/>
+                <p:nvPr/>
+              </p:nvSpPr>
+              <p:spPr>
+                <a:xfrm>
+                  <a:off x="4682694" y="2026906"/>
+                  <a:ext cx="269304" cy="276999"/>
+                </a:xfrm>
+                <a:prstGeom prst="rect">
+                  <a:avLst/>
+                </a:prstGeom>
+                <a:noFill/>
+              </p:spPr>
+              <p:txBody>
+                <a:bodyPr wrap="none" lIns="0" tIns="0" rIns="0" bIns="0" rtlCol="0">
+                  <a:spAutoFit/>
+                </a:bodyPr>
+                <a:lstStyle/>
+                <a:p>
+                  <a:pPr/>
+                  <a14:m>
+                    <m:oMathPara xmlns:m="http://schemas.openxmlformats.org/officeDocument/2006/math">
+                      <m:oMathParaPr>
+                        <m:jc m:val="centerGroup"/>
+                      </m:oMathParaPr>
+                      <m:oMath xmlns:m="http://schemas.openxmlformats.org/officeDocument/2006/math">
+                        <m:r>
+                          <a:rPr lang="en-US" altLang="ko-KR" b="0" i="1" smtClean="0">
+                            <a:latin typeface="Cambria Math" panose="02040503050406030204" pitchFamily="18" charset="0"/>
+                          </a:rPr>
+                          <m:t>𝑝</m:t>
+                        </m:r>
+                        <m:r>
+                          <a:rPr lang="en-US" altLang="ko-KR" b="0" i="1" smtClean="0">
+                            <a:latin typeface="Cambria Math" panose="02040503050406030204" pitchFamily="18" charset="0"/>
+                          </a:rPr>
+                          <m:t>′</m:t>
+                        </m:r>
+                      </m:oMath>
+                    </m:oMathPara>
+                  </a14:m>
+                  <a:endParaRPr lang="ko-KR" altLang="en-US" dirty="0"/>
+                </a:p>
+              </p:txBody>
+            </p:sp>
+          </mc:Choice>
+          <mc:Fallback>
+            <p:sp>
+              <p:nvSpPr>
+                <p:cNvPr id="13" name="TextBox 12"/>
+                <p:cNvSpPr txBox="1">
+                  <a:spLocks noRot="1" noChangeAspect="1" noMove="1" noResize="1" noEditPoints="1" noAdjustHandles="1" noChangeArrowheads="1" noChangeShapeType="1" noTextEdit="1"/>
+                </p:cNvSpPr>
+                <p:nvPr/>
+              </p:nvSpPr>
+              <p:spPr>
+                <a:xfrm>
+                  <a:off x="4682694" y="2026906"/>
+                  <a:ext cx="269304" cy="276999"/>
+                </a:xfrm>
+                <a:prstGeom prst="rect">
+                  <a:avLst/>
+                </a:prstGeom>
+                <a:blipFill>
+                  <a:blip r:embed="rId6"/>
+                  <a:stretch>
+                    <a:fillRect l="-27273" t="-2174" r="-29545" b="-39130"/>
+                  </a:stretch>
+                </a:blipFill>
+              </p:spPr>
+              <p:txBody>
+                <a:bodyPr/>
+                <a:lstStyle/>
+                <a:p>
+                  <a:r>
+                    <a:rPr lang="ko-KR" altLang="en-US">
+                      <a:noFill/>
+                    </a:rPr>
+                    <a:t> </a:t>
+                  </a:r>
+                </a:p>
+              </p:txBody>
+            </p:sp>
+          </mc:Fallback>
+        </mc:AlternateContent>
+        <mc:AlternateContent xmlns:mc="http://schemas.openxmlformats.org/markup-compatibility/2006">
+          <mc:Choice xmlns:a14="http://schemas.microsoft.com/office/drawing/2010/main" Requires="a14">
+            <p:sp>
+              <p:nvSpPr>
+                <p:cNvPr id="14" name="TextBox 13"/>
+                <p:cNvSpPr txBox="1"/>
+                <p:nvPr/>
+              </p:nvSpPr>
+              <p:spPr>
+                <a:xfrm>
+                  <a:off x="5518721" y="1271662"/>
+                  <a:ext cx="269304" cy="276999"/>
+                </a:xfrm>
+                <a:prstGeom prst="rect">
+                  <a:avLst/>
+                </a:prstGeom>
+                <a:noFill/>
+              </p:spPr>
+              <p:txBody>
+                <a:bodyPr wrap="none" lIns="0" tIns="0" rIns="0" bIns="0" rtlCol="0">
+                  <a:spAutoFit/>
+                </a:bodyPr>
+                <a:lstStyle/>
+                <a:p>
+                  <a:pPr/>
+                  <a14:m>
+                    <m:oMathPara xmlns:m="http://schemas.openxmlformats.org/officeDocument/2006/math">
+                      <m:oMathParaPr>
+                        <m:jc m:val="centerGroup"/>
+                      </m:oMathParaPr>
+                      <m:oMath xmlns:m="http://schemas.openxmlformats.org/officeDocument/2006/math">
+                        <m:r>
+                          <a:rPr lang="en-US" altLang="ko-KR" b="0" i="1" smtClean="0">
+                            <a:latin typeface="Cambria Math" panose="02040503050406030204" pitchFamily="18" charset="0"/>
+                          </a:rPr>
+                          <m:t>𝑞</m:t>
+                        </m:r>
+                        <m:r>
+                          <a:rPr lang="en-US" altLang="ko-KR" b="0" i="1" smtClean="0">
+                            <a:latin typeface="Cambria Math" panose="02040503050406030204" pitchFamily="18" charset="0"/>
+                          </a:rPr>
+                          <m:t>′</m:t>
+                        </m:r>
+                      </m:oMath>
+                    </m:oMathPara>
+                  </a14:m>
+                  <a:endParaRPr lang="ko-KR" altLang="en-US" dirty="0"/>
+                </a:p>
+              </p:txBody>
+            </p:sp>
+          </mc:Choice>
+          <mc:Fallback>
+            <p:sp>
+              <p:nvSpPr>
+                <p:cNvPr id="14" name="TextBox 13"/>
+                <p:cNvSpPr txBox="1">
+                  <a:spLocks noRot="1" noChangeAspect="1" noMove="1" noResize="1" noEditPoints="1" noAdjustHandles="1" noChangeArrowheads="1" noChangeShapeType="1" noTextEdit="1"/>
+                </p:cNvSpPr>
+                <p:nvPr/>
+              </p:nvSpPr>
+              <p:spPr>
+                <a:xfrm>
+                  <a:off x="5518721" y="1271662"/>
+                  <a:ext cx="269304" cy="276999"/>
+                </a:xfrm>
+                <a:prstGeom prst="rect">
+                  <a:avLst/>
+                </a:prstGeom>
+                <a:blipFill>
+                  <a:blip r:embed="rId7"/>
+                  <a:stretch>
+                    <a:fillRect l="-27273" t="-4444" r="-27273" b="-42222"/>
+                  </a:stretch>
+                </a:blipFill>
+              </p:spPr>
+              <p:txBody>
+                <a:bodyPr/>
+                <a:lstStyle/>
+                <a:p>
+                  <a:r>
+                    <a:rPr lang="ko-KR" altLang="en-US">
+                      <a:noFill/>
+                    </a:rPr>
+                    <a:t> </a:t>
+                  </a:r>
+                </a:p>
+              </p:txBody>
+            </p:sp>
+          </mc:Fallback>
+        </mc:AlternateContent>
+        <mc:AlternateContent xmlns:mc="http://schemas.openxmlformats.org/markup-compatibility/2006">
+          <mc:Choice xmlns:a14="http://schemas.microsoft.com/office/drawing/2010/main" Requires="a14">
+            <p:sp>
+              <p:nvSpPr>
+                <p:cNvPr id="17" name="TextBox 16"/>
+                <p:cNvSpPr txBox="1"/>
+                <p:nvPr/>
+              </p:nvSpPr>
+              <p:spPr>
+                <a:xfrm>
+                  <a:off x="5029127" y="1699473"/>
+                  <a:ext cx="310791" cy="276999"/>
+                </a:xfrm>
+                <a:prstGeom prst="rect">
+                  <a:avLst/>
+                </a:prstGeom>
+                <a:noFill/>
+              </p:spPr>
+              <p:txBody>
+                <a:bodyPr wrap="none" lIns="0" tIns="0" rIns="0" bIns="0" rtlCol="0">
+                  <a:spAutoFit/>
+                </a:bodyPr>
+                <a:lstStyle/>
+                <a:p>
+                  <a:pPr/>
+                  <a14:m>
+                    <m:oMathPara xmlns:m="http://schemas.openxmlformats.org/officeDocument/2006/math">
+                      <m:oMathParaPr>
+                        <m:jc m:val="centerGroup"/>
+                      </m:oMathParaPr>
+                      <m:oMath xmlns:m="http://schemas.openxmlformats.org/officeDocument/2006/math">
+                        <m:sSub>
+                          <m:sSubPr>
+                            <m:ctrlPr>
+                              <a:rPr lang="en-US" altLang="ko-KR" b="0" i="1" smtClean="0">
+                                <a:latin typeface="Cambria Math" panose="02040503050406030204" pitchFamily="18" charset="0"/>
+                              </a:rPr>
+                            </m:ctrlPr>
+                          </m:sSubPr>
+                          <m:e>
+                            <m:r>
+                              <a:rPr lang="en-US" altLang="ko-KR" b="0" i="1" smtClean="0">
+                                <a:latin typeface="Cambria Math" panose="02040503050406030204" pitchFamily="18" charset="0"/>
+                              </a:rPr>
+                              <m:t>𝜃</m:t>
+                            </m:r>
+                          </m:e>
+                          <m:sub>
+                            <m:r>
+                              <a:rPr lang="en-US" altLang="ko-KR" b="0" i="1" smtClean="0">
+                                <a:latin typeface="Cambria Math" panose="02040503050406030204" pitchFamily="18" charset="0"/>
+                              </a:rPr>
+                              <m:t>2</m:t>
+                            </m:r>
+                          </m:sub>
+                        </m:sSub>
+                      </m:oMath>
+                    </m:oMathPara>
+                  </a14:m>
+                  <a:endParaRPr lang="ko-KR" altLang="en-US" dirty="0"/>
+                </a:p>
+              </p:txBody>
+            </p:sp>
+          </mc:Choice>
+          <mc:Fallback>
+            <p:sp>
+              <p:nvSpPr>
+                <p:cNvPr id="17" name="TextBox 16"/>
+                <p:cNvSpPr txBox="1">
+                  <a:spLocks noRot="1" noChangeAspect="1" noMove="1" noResize="1" noEditPoints="1" noAdjustHandles="1" noChangeArrowheads="1" noChangeShapeType="1" noTextEdit="1"/>
+                </p:cNvSpPr>
+                <p:nvPr/>
+              </p:nvSpPr>
+              <p:spPr>
+                <a:xfrm>
+                  <a:off x="5029127" y="1699473"/>
+                  <a:ext cx="310791" cy="276999"/>
+                </a:xfrm>
+                <a:prstGeom prst="rect">
+                  <a:avLst/>
+                </a:prstGeom>
+                <a:blipFill>
+                  <a:blip r:embed="rId8"/>
+                  <a:stretch>
+                    <a:fillRect l="-13725" r="-1961" b="-20000"/>
+                  </a:stretch>
+                </a:blipFill>
+              </p:spPr>
+              <p:txBody>
+                <a:bodyPr/>
+                <a:lstStyle/>
+                <a:p>
+                  <a:r>
+                    <a:rPr lang="ko-KR" altLang="en-US">
+                      <a:noFill/>
+                    </a:rPr>
+                    <a:t> </a:t>
+                  </a:r>
+                </a:p>
+              </p:txBody>
+            </p:sp>
+          </mc:Fallback>
+        </mc:AlternateContent>
+        <p:sp>
+          <p:nvSpPr>
+            <p:cNvPr id="24" name="원호 23"/>
+            <p:cNvSpPr/>
+            <p:nvPr/>
+          </p:nvSpPr>
+          <p:spPr>
+            <a:xfrm rot="1158616">
+              <a:off x="4574692" y="2018698"/>
+              <a:ext cx="628131" cy="294922"/>
+            </a:xfrm>
+            <a:prstGeom prst="arc">
+              <a:avLst>
+                <a:gd name="adj1" fmla="val 17912475"/>
+                <a:gd name="adj2" fmla="val 20737117"/>
+              </a:avLst>
+            </a:prstGeom>
+            <a:ln>
+              <a:solidFill>
+                <a:schemeClr val="tx1"/>
+              </a:solidFill>
+              <a:headEnd type="none" w="med" len="med"/>
+              <a:tailEnd type="arrow" w="med" len="med"/>
+            </a:ln>
+          </p:spPr>
+          <p:style>
+            <a:lnRef idx="1">
+              <a:schemeClr val="accent1"/>
+            </a:lnRef>
+            <a:fillRef idx="0">
+              <a:schemeClr val="accent1"/>
+            </a:fillRef>
+            <a:effectRef idx="0">
+              <a:schemeClr val="accent1"/>
+            </a:effectRef>
+            <a:fontRef idx="minor">
+              <a:schemeClr val="tx1"/>
+            </a:fontRef>
+          </p:style>
+          <p:txBody>
+            <a:bodyPr rtlCol="0" anchor="ctr"/>
+            <a:lstStyle/>
+            <a:p>
+              <a:pPr algn="ctr"/>
+              <a:endParaRPr lang="ko-KR" altLang="en-US"/>
+            </a:p>
+          </p:txBody>
+        </p:sp>
+        <p:cxnSp>
+          <p:nvCxnSpPr>
+            <p:cNvPr id="25" name="직선 연결선 24"/>
+            <p:cNvCxnSpPr>
+              <a:cxnSpLocks/>
+            </p:cNvCxnSpPr>
+            <p:nvPr/>
+          </p:nvCxnSpPr>
+          <p:spPr>
+            <a:xfrm flipV="1">
+              <a:off x="4989111" y="1328351"/>
+              <a:ext cx="0" cy="1928033"/>
+            </a:xfrm>
+            <a:prstGeom prst="line">
+              <a:avLst/>
+            </a:prstGeom>
+            <a:ln>
+              <a:solidFill>
+                <a:schemeClr val="tx1"/>
+              </a:solidFill>
+              <a:prstDash val="lgDash"/>
+            </a:ln>
+          </p:spPr>
+          <p:style>
+            <a:lnRef idx="1">
+              <a:schemeClr val="accent1"/>
+            </a:lnRef>
+            <a:fillRef idx="0">
+              <a:schemeClr val="accent1"/>
+            </a:fillRef>
+            <a:effectRef idx="0">
+              <a:schemeClr val="accent1"/>
+            </a:effectRef>
+            <a:fontRef idx="minor">
+              <a:schemeClr val="tx1"/>
+            </a:fontRef>
+          </p:style>
+        </p:cxnSp>
+      </p:grpSp>
+      <p:sp>
+        <p:nvSpPr>
+          <p:cNvPr id="19" name="자유형: 도형 18">
+            <a:extLst>
+              <a:ext uri="{FF2B5EF4-FFF2-40B4-BE49-F238E27FC236}">
+                <a16:creationId xmlns:a16="http://schemas.microsoft.com/office/drawing/2014/main" id="{28DE563C-2016-4934-A4EE-657070DFAE5E}"/>
+              </a:ext>
+            </a:extLst>
+          </p:cNvPr>
+          <p:cNvSpPr/>
+          <p:nvPr/>
+        </p:nvSpPr>
+        <p:spPr>
+          <a:xfrm rot="10800000">
+            <a:off x="3293705" y="3260258"/>
+            <a:ext cx="2109355" cy="133969"/>
+          </a:xfrm>
+          <a:custGeom>
+            <a:avLst/>
+            <a:gdLst>
+              <a:gd name="connsiteX0" fmla="*/ 0 w 1081217"/>
+              <a:gd name="connsiteY0" fmla="*/ 290384 h 290450"/>
+              <a:gd name="connsiteX1" fmla="*/ 537519 w 1081217"/>
+              <a:gd name="connsiteY1" fmla="*/ 0 h 290450"/>
+              <a:gd name="connsiteX2" fmla="*/ 1081217 w 1081217"/>
+              <a:gd name="connsiteY2" fmla="*/ 290384 h 290450"/>
+            </a:gdLst>
+            <a:ahLst/>
+            <a:cxnLst>
+              <a:cxn ang="0">
+                <a:pos x="connsiteX0" y="connsiteY0"/>
+              </a:cxn>
+              <a:cxn ang="0">
+                <a:pos x="connsiteX1" y="connsiteY1"/>
+              </a:cxn>
+              <a:cxn ang="0">
+                <a:pos x="connsiteX2" y="connsiteY2"/>
+              </a:cxn>
+            </a:cxnLst>
+            <a:rect l="l" t="t" r="r" b="b"/>
+            <a:pathLst>
+              <a:path w="1081217" h="290450">
+                <a:moveTo>
+                  <a:pt x="0" y="290384"/>
+                </a:moveTo>
+                <a:cubicBezTo>
+                  <a:pt x="178658" y="145192"/>
+                  <a:pt x="357316" y="0"/>
+                  <a:pt x="537519" y="0"/>
+                </a:cubicBezTo>
+                <a:cubicBezTo>
+                  <a:pt x="717722" y="0"/>
+                  <a:pt x="1029730" y="295533"/>
+                  <a:pt x="1081217" y="290384"/>
+                </a:cubicBezTo>
+              </a:path>
+            </a:pathLst>
+          </a:custGeom>
+          <a:noFill/>
+          <a:ln>
+            <a:solidFill>
+              <a:schemeClr val="tx1"/>
+            </a:solidFill>
+          </a:ln>
+        </p:spPr>
+        <p:style>
+          <a:lnRef idx="2">
+            <a:schemeClr val="accent1">
+              <a:shade val="50000"/>
+            </a:schemeClr>
+          </a:lnRef>
+          <a:fillRef idx="1">
+            <a:schemeClr val="accent1"/>
+          </a:fillRef>
+          <a:effectRef idx="0">
+            <a:schemeClr val="accent1"/>
+          </a:effectRef>
+          <a:fontRef idx="minor">
+            <a:schemeClr val="lt1"/>
+          </a:fontRef>
+        </p:style>
+        <p:txBody>
+          <a:bodyPr rtlCol="0" anchor="ctr"/>
+          <a:lstStyle/>
+          <a:p>
+            <a:pPr algn="ctr"/>
+            <a:endParaRPr lang="ko-KR" altLang="en-US"/>
+          </a:p>
+        </p:txBody>
+      </p:sp>
+      <mc:AlternateContent xmlns:mc="http://schemas.openxmlformats.org/markup-compatibility/2006">
+        <mc:Choice xmlns:a14="http://schemas.microsoft.com/office/drawing/2010/main" Requires="a14">
+          <p:sp>
+            <p:nvSpPr>
+              <p:cNvPr id="22" name="TextBox 21">
+                <a:extLst>
+                  <a:ext uri="{FF2B5EF4-FFF2-40B4-BE49-F238E27FC236}">
+                    <a16:creationId xmlns:a16="http://schemas.microsoft.com/office/drawing/2014/main" id="{702F36E8-3840-4F82-ACA9-0ADC9BF2CD7E}"/>
+                  </a:ext>
+                </a:extLst>
+              </p:cNvPr>
+              <p:cNvSpPr txBox="1"/>
+              <p:nvPr/>
+            </p:nvSpPr>
+            <p:spPr>
+              <a:xfrm>
+                <a:off x="4152559" y="3476724"/>
+                <a:ext cx="391646" cy="276999"/>
+              </a:xfrm>
+              <a:prstGeom prst="rect">
+                <a:avLst/>
+              </a:prstGeom>
+              <a:noFill/>
+            </p:spPr>
+            <p:txBody>
+              <a:bodyPr wrap="none" lIns="0" tIns="0" rIns="0" bIns="0" rtlCol="0">
+                <a:spAutoFit/>
+              </a:bodyPr>
+              <a:lstStyle/>
+              <a:p>
+                <a:pPr/>
+                <a14:m>
+                  <m:oMathPara xmlns:m="http://schemas.openxmlformats.org/officeDocument/2006/math">
+                    <m:oMathParaPr>
+                      <m:jc m:val="centerGroup"/>
+                    </m:oMathParaPr>
+                    <m:oMath xmlns:m="http://schemas.openxmlformats.org/officeDocument/2006/math">
+                      <m:sSubSup>
+                        <m:sSubSupPr>
+                          <m:ctrlPr>
+                            <a:rPr lang="en-US" altLang="ko-KR" b="0" i="1" smtClean="0">
+                              <a:latin typeface="Cambria Math" panose="02040503050406030204" pitchFamily="18" charset="0"/>
+                            </a:rPr>
+                          </m:ctrlPr>
+                        </m:sSubSupPr>
+                        <m:e>
+                          <m:r>
+                            <a:rPr lang="en-US" altLang="ko-KR" b="0" i="1" smtClean="0">
+                              <a:latin typeface="Cambria Math" panose="02040503050406030204" pitchFamily="18" charset="0"/>
+                            </a:rPr>
+                            <m:t>𝑑</m:t>
+                          </m:r>
+                        </m:e>
+                        <m:sub>
+                          <m:r>
+                            <a:rPr lang="en-US" altLang="ko-KR" b="0" i="1" smtClean="0">
+                              <a:latin typeface="Cambria Math" panose="02040503050406030204" pitchFamily="18" charset="0"/>
+                            </a:rPr>
+                            <m:t>1</m:t>
+                          </m:r>
+                        </m:sub>
+                        <m:sup>
+                          <m:r>
+                            <a:rPr lang="en-US" altLang="ko-KR" b="0" i="1" smtClean="0">
+                              <a:latin typeface="Cambria Math" panose="02040503050406030204" pitchFamily="18" charset="0"/>
+                            </a:rPr>
+                            <m:t>𝑚</m:t>
+                          </m:r>
+                        </m:sup>
+                      </m:sSubSup>
+                    </m:oMath>
+                  </m:oMathPara>
+                </a14:m>
+                <a:endParaRPr lang="ko-KR" altLang="en-US" dirty="0"/>
+              </a:p>
+            </p:txBody>
+          </p:sp>
+        </mc:Choice>
+        <mc:Fallback>
+          <p:sp>
+            <p:nvSpPr>
+              <p:cNvPr id="22" name="TextBox 21">
+                <a:extLst>
+                  <a:ext uri="{FF2B5EF4-FFF2-40B4-BE49-F238E27FC236}">
+                    <a16:creationId xmlns:a16="http://schemas.microsoft.com/office/drawing/2014/main" id="{702F36E8-3840-4F82-ACA9-0ADC9BF2CD7E}"/>
+                  </a:ext>
+                </a:extLst>
+              </p:cNvPr>
+              <p:cNvSpPr txBox="1">
+                <a:spLocks noRot="1" noChangeAspect="1" noMove="1" noResize="1" noEditPoints="1" noAdjustHandles="1" noChangeArrowheads="1" noChangeShapeType="1" noTextEdit="1"/>
+              </p:cNvSpPr>
+              <p:nvPr/>
+            </p:nvSpPr>
+            <p:spPr>
+              <a:xfrm>
+                <a:off x="4152559" y="3476724"/>
+                <a:ext cx="391646" cy="276999"/>
+              </a:xfrm>
+              <a:prstGeom prst="rect">
+                <a:avLst/>
+              </a:prstGeom>
+              <a:blipFill>
+                <a:blip r:embed="rId9"/>
+                <a:stretch>
+                  <a:fillRect l="-10938" b="-21739"/>
+                </a:stretch>
+              </a:blipFill>
+            </p:spPr>
+            <p:txBody>
+              <a:bodyPr/>
+              <a:lstStyle/>
+              <a:p>
+                <a:r>
+                  <a:rPr lang="ko-KR" altLang="en-US">
+                    <a:noFill/>
+                  </a:rPr>
+                  <a:t> </a:t>
+                </a:r>
+              </a:p>
+            </p:txBody>
+          </p:sp>
+        </mc:Fallback>
+      </mc:AlternateContent>
+      <p:sp>
+        <p:nvSpPr>
+          <p:cNvPr id="23" name="자유형: 도형 22">
+            <a:extLst>
+              <a:ext uri="{FF2B5EF4-FFF2-40B4-BE49-F238E27FC236}">
+                <a16:creationId xmlns:a16="http://schemas.microsoft.com/office/drawing/2014/main" id="{D4262DC8-AC8F-4E4E-8F9A-78963014DDC7}"/>
+              </a:ext>
+            </a:extLst>
+          </p:cNvPr>
+          <p:cNvSpPr/>
+          <p:nvPr/>
+        </p:nvSpPr>
+        <p:spPr>
+          <a:xfrm rot="5400000">
+            <a:off x="5013016" y="2772234"/>
+            <a:ext cx="877470" cy="81653"/>
+          </a:xfrm>
+          <a:custGeom>
+            <a:avLst/>
+            <a:gdLst>
+              <a:gd name="connsiteX0" fmla="*/ 0 w 1081217"/>
+              <a:gd name="connsiteY0" fmla="*/ 290384 h 290450"/>
+              <a:gd name="connsiteX1" fmla="*/ 537519 w 1081217"/>
+              <a:gd name="connsiteY1" fmla="*/ 0 h 290450"/>
+              <a:gd name="connsiteX2" fmla="*/ 1081217 w 1081217"/>
+              <a:gd name="connsiteY2" fmla="*/ 290384 h 290450"/>
+            </a:gdLst>
+            <a:ahLst/>
+            <a:cxnLst>
+              <a:cxn ang="0">
+                <a:pos x="connsiteX0" y="connsiteY0"/>
+              </a:cxn>
+              <a:cxn ang="0">
+                <a:pos x="connsiteX1" y="connsiteY1"/>
+              </a:cxn>
+              <a:cxn ang="0">
+                <a:pos x="connsiteX2" y="connsiteY2"/>
+              </a:cxn>
+            </a:cxnLst>
+            <a:rect l="l" t="t" r="r" b="b"/>
+            <a:pathLst>
+              <a:path w="1081217" h="290450">
+                <a:moveTo>
+                  <a:pt x="0" y="290384"/>
+                </a:moveTo>
+                <a:cubicBezTo>
+                  <a:pt x="178658" y="145192"/>
+                  <a:pt x="357316" y="0"/>
+                  <a:pt x="537519" y="0"/>
+                </a:cubicBezTo>
+                <a:cubicBezTo>
+                  <a:pt x="717722" y="0"/>
+                  <a:pt x="1029730" y="295533"/>
+                  <a:pt x="1081217" y="290384"/>
+                </a:cubicBezTo>
+              </a:path>
+            </a:pathLst>
+          </a:custGeom>
+          <a:noFill/>
+          <a:ln>
+            <a:solidFill>
+              <a:schemeClr val="tx1"/>
+            </a:solidFill>
+          </a:ln>
+        </p:spPr>
+        <p:style>
+          <a:lnRef idx="2">
+            <a:schemeClr val="accent1">
+              <a:shade val="50000"/>
+            </a:schemeClr>
+          </a:lnRef>
+          <a:fillRef idx="1">
+            <a:schemeClr val="accent1"/>
+          </a:fillRef>
+          <a:effectRef idx="0">
+            <a:schemeClr val="accent1"/>
+          </a:effectRef>
+          <a:fontRef idx="minor">
+            <a:schemeClr val="lt1"/>
+          </a:fontRef>
+        </p:style>
+        <p:txBody>
+          <a:bodyPr rtlCol="0" anchor="ctr"/>
+          <a:lstStyle/>
+          <a:p>
+            <a:pPr algn="ctr"/>
+            <a:endParaRPr lang="ko-KR" altLang="en-US"/>
+          </a:p>
+        </p:txBody>
+      </p:sp>
+      <mc:AlternateContent xmlns:mc="http://schemas.openxmlformats.org/markup-compatibility/2006">
+        <mc:Choice xmlns:a14="http://schemas.microsoft.com/office/drawing/2010/main" Requires="a14">
+          <p:sp>
+            <p:nvSpPr>
+              <p:cNvPr id="26" name="TextBox 25">
+                <a:extLst>
+                  <a:ext uri="{FF2B5EF4-FFF2-40B4-BE49-F238E27FC236}">
+                    <a16:creationId xmlns:a16="http://schemas.microsoft.com/office/drawing/2014/main" id="{4C456F18-AA04-4135-AED2-7569217695DC}"/>
+                  </a:ext>
+                </a:extLst>
+              </p:cNvPr>
+              <p:cNvSpPr txBox="1"/>
+              <p:nvPr/>
+            </p:nvSpPr>
+            <p:spPr>
+              <a:xfrm>
+                <a:off x="5636498" y="2632845"/>
+                <a:ext cx="391646" cy="276999"/>
+              </a:xfrm>
+              <a:prstGeom prst="rect">
+                <a:avLst/>
+              </a:prstGeom>
+              <a:noFill/>
+            </p:spPr>
+            <p:txBody>
+              <a:bodyPr wrap="none" lIns="0" tIns="0" rIns="0" bIns="0" rtlCol="0">
+                <a:spAutoFit/>
+              </a:bodyPr>
+              <a:lstStyle/>
+              <a:p>
+                <a:pPr/>
+                <a14:m>
+                  <m:oMathPara xmlns:m="http://schemas.openxmlformats.org/officeDocument/2006/math">
+                    <m:oMathParaPr>
+                      <m:jc m:val="centerGroup"/>
+                    </m:oMathParaPr>
+                    <m:oMath xmlns:m="http://schemas.openxmlformats.org/officeDocument/2006/math">
+                      <m:sSubSup>
+                        <m:sSubSupPr>
+                          <m:ctrlPr>
+                            <a:rPr lang="en-US" altLang="ko-KR" b="0" i="1" smtClean="0">
+                              <a:latin typeface="Cambria Math" panose="02040503050406030204" pitchFamily="18" charset="0"/>
+                            </a:rPr>
+                          </m:ctrlPr>
+                        </m:sSubSupPr>
+                        <m:e>
+                          <m:r>
+                            <a:rPr lang="en-US" altLang="ko-KR" b="0" i="1" smtClean="0">
+                              <a:latin typeface="Cambria Math" panose="02040503050406030204" pitchFamily="18" charset="0"/>
+                            </a:rPr>
+                            <m:t>𝑑</m:t>
+                          </m:r>
+                        </m:e>
+                        <m:sub>
+                          <m:r>
+                            <a:rPr lang="en-US" altLang="ko-KR" b="0" i="1" smtClean="0">
+                              <a:latin typeface="Cambria Math" panose="02040503050406030204" pitchFamily="18" charset="0"/>
+                            </a:rPr>
+                            <m:t>3</m:t>
+                          </m:r>
+                        </m:sub>
+                        <m:sup>
+                          <m:r>
+                            <a:rPr lang="en-US" altLang="ko-KR" b="0" i="1" smtClean="0">
+                              <a:latin typeface="Cambria Math" panose="02040503050406030204" pitchFamily="18" charset="0"/>
+                            </a:rPr>
+                            <m:t>𝑚</m:t>
+                          </m:r>
+                        </m:sup>
+                      </m:sSubSup>
+                    </m:oMath>
+                  </m:oMathPara>
+                </a14:m>
+                <a:endParaRPr lang="ko-KR" altLang="en-US" dirty="0"/>
+              </a:p>
+            </p:txBody>
+          </p:sp>
+        </mc:Choice>
+        <mc:Fallback>
+          <p:sp>
+            <p:nvSpPr>
+              <p:cNvPr id="26" name="TextBox 25">
+                <a:extLst>
+                  <a:ext uri="{FF2B5EF4-FFF2-40B4-BE49-F238E27FC236}">
+                    <a16:creationId xmlns:a16="http://schemas.microsoft.com/office/drawing/2014/main" id="{4C456F18-AA04-4135-AED2-7569217695DC}"/>
+                  </a:ext>
+                </a:extLst>
+              </p:cNvPr>
+              <p:cNvSpPr txBox="1">
+                <a:spLocks noRot="1" noChangeAspect="1" noMove="1" noResize="1" noEditPoints="1" noAdjustHandles="1" noChangeArrowheads="1" noChangeShapeType="1" noTextEdit="1"/>
+              </p:cNvSpPr>
+              <p:nvPr/>
+            </p:nvSpPr>
+            <p:spPr>
+              <a:xfrm>
+                <a:off x="5636498" y="2632845"/>
+                <a:ext cx="391646" cy="276999"/>
+              </a:xfrm>
+              <a:prstGeom prst="rect">
+                <a:avLst/>
+              </a:prstGeom>
+              <a:blipFill>
+                <a:blip r:embed="rId10"/>
+                <a:stretch>
+                  <a:fillRect l="-10938" b="-20000"/>
+                </a:stretch>
+              </a:blipFill>
+            </p:spPr>
+            <p:txBody>
+              <a:bodyPr/>
+              <a:lstStyle/>
+              <a:p>
+                <a:r>
+                  <a:rPr lang="ko-KR" altLang="en-US">
+                    <a:noFill/>
+                  </a:rPr>
+                  <a:t> </a:t>
+                </a:r>
+              </a:p>
+            </p:txBody>
+          </p:sp>
+        </mc:Fallback>
+      </mc:AlternateContent>
+    </p:spTree>
+    <p:extLst>
+      <p:ext uri="{BB962C8B-B14F-4D97-AF65-F5344CB8AC3E}">
+        <p14:creationId xmlns:p14="http://schemas.microsoft.com/office/powerpoint/2010/main" val="2136252432"/>
+      </p:ext>
+    </p:extLst>
+  </p:cSld>
+  <p:clrMapOvr>
+    <a:masterClrMapping/>
+  </p:clrMapOvr>
+</p:sld>
+</file>
+
+<file path=ppt/slides/slide4.xml><?xml version="1.0" encoding="utf-8"?>
+<p:sld xmlns:a="http://schemas.openxmlformats.org/drawingml/2006/main" xmlns:r="http://schemas.openxmlformats.org/officeDocument/2006/relationships" xmlns:p="http://schemas.openxmlformats.org/presentationml/2006/main">
+  <p:cSld>
+    <p:spTree>
+      <p:nvGrpSpPr>
+        <p:cNvPr id="1" name=""/>
+        <p:cNvGrpSpPr/>
+        <p:nvPr/>
+      </p:nvGrpSpPr>
+      <p:grpSpPr>
+        <a:xfrm>
+          <a:off x="0" y="0"/>
+          <a:ext cx="0" cy="0"/>
+          <a:chOff x="0" y="0"/>
+          <a:chExt cx="0" cy="0"/>
+        </a:xfrm>
+      </p:grpSpPr>
+      <p:cxnSp>
+        <p:nvCxnSpPr>
+          <p:cNvPr id="5" name="직선 화살표 연결선 4"/>
+          <p:cNvCxnSpPr/>
+          <p:nvPr/>
+        </p:nvCxnSpPr>
+        <p:spPr>
+          <a:xfrm>
             <a:off x="923731" y="3256384"/>
             <a:ext cx="5400000" cy="0"/>
           </a:xfrm>
@@ -4840,7 +7359,7 @@
               <a:prstGeom prst="rect">
                 <a:avLst/>
               </a:prstGeom>
-              <a:blipFill rotWithShape="0">
+              <a:blipFill>
                 <a:blip r:embed="rId2"/>
                 <a:stretch>
                   <a:fillRect l="-5882" r="-3922" b="-20000"/>
@@ -4862,8 +7381,8 @@
           </p:sp>
         </mc:Fallback>
       </mc:AlternateContent>
-      <mc:AlternateContent xmlns:mc="http://schemas.openxmlformats.org/markup-compatibility/2006">
-        <mc:Choice xmlns:a14="http://schemas.microsoft.com/office/drawing/2010/main" Requires="a14">
+      <mc:AlternateContent xmlns:mc="http://schemas.openxmlformats.org/markup-compatibility/2006" xmlns:a14="http://schemas.microsoft.com/office/drawing/2010/main">
+        <mc:Choice Requires="a14">
           <p:sp>
             <p:nvSpPr>
               <p:cNvPr id="8" name="TextBox 7"/>
@@ -4926,7 +7445,7 @@
             </p:txBody>
           </p:sp>
         </mc:Choice>
-        <mc:Fallback>
+        <mc:Fallback xmlns="">
           <p:sp>
             <p:nvSpPr>
               <p:cNvPr id="8" name="TextBox 7"/>
@@ -4996,16 +7515,185 @@
           </a:fontRef>
         </p:style>
       </p:cxnSp>
+      <mc:AlternateContent xmlns:mc="http://schemas.openxmlformats.org/markup-compatibility/2006">
+        <mc:Choice xmlns:a14="http://schemas.microsoft.com/office/drawing/2010/main" Requires="a14">
+          <p:sp>
+            <p:nvSpPr>
+              <p:cNvPr id="15" name="TextBox 14"/>
+              <p:cNvSpPr txBox="1"/>
+              <p:nvPr/>
+            </p:nvSpPr>
+            <p:spPr>
+              <a:xfrm>
+                <a:off x="2981438" y="2026906"/>
+                <a:ext cx="213776" cy="276999"/>
+              </a:xfrm>
+              <a:prstGeom prst="rect">
+                <a:avLst/>
+              </a:prstGeom>
+              <a:noFill/>
+            </p:spPr>
+            <p:txBody>
+              <a:bodyPr wrap="none" lIns="0" tIns="0" rIns="0" bIns="0" rtlCol="0">
+                <a:spAutoFit/>
+              </a:bodyPr>
+              <a:lstStyle/>
+              <a:p>
+                <a14:m>
+                  <m:oMathPara xmlns:m="http://schemas.openxmlformats.org/officeDocument/2006/math">
+                    <m:oMathParaPr>
+                      <m:jc m:val="centerGroup"/>
+                    </m:oMathParaPr>
+                    <m:oMath xmlns:m="http://schemas.openxmlformats.org/officeDocument/2006/math">
+                      <m:r>
+                        <a:rPr lang="en-US" altLang="ko-KR" b="0" i="1" smtClean="0">
+                          <a:latin typeface="Cambria Math" panose="02040503050406030204" pitchFamily="18" charset="0"/>
+                        </a:rPr>
+                        <m:t>𝑞</m:t>
+                      </m:r>
+                    </m:oMath>
+                  </m:oMathPara>
+                </a14:m>
+                <a:endParaRPr lang="ko-KR" altLang="en-US" dirty="0"/>
+              </a:p>
+            </p:txBody>
+          </p:sp>
+        </mc:Choice>
+        <mc:Fallback>
+          <p:sp>
+            <p:nvSpPr>
+              <p:cNvPr id="15" name="TextBox 14"/>
+              <p:cNvSpPr txBox="1">
+                <a:spLocks noRot="1" noChangeAspect="1" noMove="1" noResize="1" noEditPoints="1" noAdjustHandles="1" noChangeArrowheads="1" noChangeShapeType="1" noTextEdit="1"/>
+              </p:cNvSpPr>
+              <p:nvPr/>
+            </p:nvSpPr>
+            <p:spPr>
+              <a:xfrm>
+                <a:off x="2981438" y="2026906"/>
+                <a:ext cx="213776" cy="276999"/>
+              </a:xfrm>
+              <a:prstGeom prst="rect">
+                <a:avLst/>
+              </a:prstGeom>
+              <a:blipFill>
+                <a:blip r:embed="rId4"/>
+                <a:stretch>
+                  <a:fillRect l="-20000" r="-17143" b="-28261"/>
+                </a:stretch>
+              </a:blipFill>
+            </p:spPr>
+            <p:txBody>
+              <a:bodyPr/>
+              <a:lstStyle/>
+              <a:p>
+                <a:r>
+                  <a:rPr lang="ko-KR" altLang="en-US">
+                    <a:noFill/>
+                  </a:rPr>
+                  <a:t> </a:t>
+                </a:r>
+              </a:p>
+            </p:txBody>
+          </p:sp>
+        </mc:Fallback>
+      </mc:AlternateContent>
+      <mc:AlternateContent xmlns:mc="http://schemas.openxmlformats.org/markup-compatibility/2006">
+        <mc:Choice xmlns:a14="http://schemas.microsoft.com/office/drawing/2010/main" Requires="a14">
+          <p:sp>
+            <p:nvSpPr>
+              <p:cNvPr id="16" name="TextBox 15"/>
+              <p:cNvSpPr txBox="1"/>
+              <p:nvPr/>
+            </p:nvSpPr>
+            <p:spPr>
+              <a:xfrm>
+                <a:off x="2905306" y="3290500"/>
+                <a:ext cx="212814" cy="276999"/>
+              </a:xfrm>
+              <a:prstGeom prst="rect">
+                <a:avLst/>
+              </a:prstGeom>
+              <a:noFill/>
+            </p:spPr>
+            <p:txBody>
+              <a:bodyPr wrap="none" lIns="0" tIns="0" rIns="0" bIns="0" rtlCol="0">
+                <a:spAutoFit/>
+              </a:bodyPr>
+              <a:lstStyle/>
+              <a:p>
+                <a:pPr/>
+                <a14:m>
+                  <m:oMathPara xmlns:m="http://schemas.openxmlformats.org/officeDocument/2006/math">
+                    <m:oMathParaPr>
+                      <m:jc m:val="centerGroup"/>
+                    </m:oMathParaPr>
+                    <m:oMath xmlns:m="http://schemas.openxmlformats.org/officeDocument/2006/math">
+                      <m:r>
+                        <a:rPr lang="en-US" altLang="ko-KR" b="0" i="1" smtClean="0">
+                          <a:latin typeface="Cambria Math" panose="02040503050406030204" pitchFamily="18" charset="0"/>
+                        </a:rPr>
+                        <m:t>𝑝</m:t>
+                      </m:r>
+                    </m:oMath>
+                  </m:oMathPara>
+                </a14:m>
+                <a:endParaRPr lang="ko-KR" altLang="en-US" dirty="0"/>
+              </a:p>
+            </p:txBody>
+          </p:sp>
+        </mc:Choice>
+        <mc:Fallback>
+          <p:sp>
+            <p:nvSpPr>
+              <p:cNvPr id="16" name="TextBox 15"/>
+              <p:cNvSpPr txBox="1">
+                <a:spLocks noRot="1" noChangeAspect="1" noMove="1" noResize="1" noEditPoints="1" noAdjustHandles="1" noChangeArrowheads="1" noChangeShapeType="1" noTextEdit="1"/>
+              </p:cNvSpPr>
+              <p:nvPr/>
+            </p:nvSpPr>
+            <p:spPr>
+              <a:xfrm>
+                <a:off x="2905306" y="3290500"/>
+                <a:ext cx="212814" cy="276999"/>
+              </a:xfrm>
+              <a:prstGeom prst="rect">
+                <a:avLst/>
+              </a:prstGeom>
+              <a:blipFill>
+                <a:blip r:embed="rId5"/>
+                <a:stretch>
+                  <a:fillRect l="-20000" r="-20000" b="-31111"/>
+                </a:stretch>
+              </a:blipFill>
+            </p:spPr>
+            <p:txBody>
+              <a:bodyPr/>
+              <a:lstStyle/>
+              <a:p>
+                <a:r>
+                  <a:rPr lang="ko-KR" altLang="en-US">
+                    <a:noFill/>
+                  </a:rPr>
+                  <a:t> </a:t>
+                </a:r>
+              </a:p>
+            </p:txBody>
+          </p:sp>
+        </mc:Fallback>
+      </mc:AlternateContent>
       <p:cxnSp>
         <p:nvCxnSpPr>
           <p:cNvPr id="11" name="직선 연결선 10"/>
-          <p:cNvCxnSpPr/>
+          <p:cNvCxnSpPr>
+            <a:cxnSpLocks/>
+          </p:cNvCxnSpPr>
           <p:nvPr/>
         </p:nvCxnSpPr>
         <p:spPr>
           <a:xfrm>
-            <a:off x="4342189" y="1558213"/>
-            <a:ext cx="646922" cy="814873"/>
+            <a:off x="4801662" y="1455058"/>
+            <a:ext cx="601402" cy="918028"/>
           </a:xfrm>
           <a:prstGeom prst="line">
             <a:avLst/>
@@ -5037,7 +7725,7 @@
             </p:nvSpPr>
             <p:spPr>
               <a:xfrm>
-                <a:off x="5070614" y="2166161"/>
+                <a:off x="5096646" y="2280218"/>
                 <a:ext cx="269304" cy="276999"/>
               </a:xfrm>
               <a:prstGeom prst="rect">
@@ -5089,16 +7777,16 @@
             </p:nvSpPr>
             <p:spPr>
               <a:xfrm>
-                <a:off x="5070614" y="2166161"/>
+                <a:off x="5096646" y="2280218"/>
                 <a:ext cx="269304" cy="276999"/>
               </a:xfrm>
               <a:prstGeom prst="rect">
                 <a:avLst/>
               </a:prstGeom>
-              <a:blipFill rotWithShape="0">
-                <a:blip r:embed="rId4"/>
+              <a:blipFill>
+                <a:blip r:embed="rId6"/>
                 <a:stretch>
-                  <a:fillRect l="-27273" t="-2174" r="-29545" b="-39130"/>
+                  <a:fillRect l="-27273" t="-4444" r="-29545" b="-42222"/>
                 </a:stretch>
               </a:blipFill>
             </p:spPr>
@@ -5117,8 +7805,8 @@
           </p:sp>
         </mc:Fallback>
       </mc:AlternateContent>
-      <mc:AlternateContent xmlns:mc="http://schemas.openxmlformats.org/markup-compatibility/2006" xmlns:a14="http://schemas.microsoft.com/office/drawing/2010/main">
-        <mc:Choice Requires="a14">
+      <mc:AlternateContent xmlns:mc="http://schemas.openxmlformats.org/markup-compatibility/2006">
+        <mc:Choice xmlns:a14="http://schemas.microsoft.com/office/drawing/2010/main" Requires="a14">
           <p:sp>
             <p:nvSpPr>
               <p:cNvPr id="14" name="TextBox 13"/>
@@ -5127,7 +7815,7 @@
             </p:nvSpPr>
             <p:spPr>
               <a:xfrm>
-                <a:off x="4326294" y="1138644"/>
+                <a:off x="4482396" y="1051352"/>
                 <a:ext cx="269304" cy="276999"/>
               </a:xfrm>
               <a:prstGeom prst="rect">
@@ -5168,7 +7856,7 @@
             </p:txBody>
           </p:sp>
         </mc:Choice>
-        <mc:Fallback xmlns="">
+        <mc:Fallback>
           <p:sp>
             <p:nvSpPr>
               <p:cNvPr id="14" name="TextBox 13"/>
@@ -5179,16 +7867,480 @@
             </p:nvSpPr>
             <p:spPr>
               <a:xfrm>
-                <a:off x="4326294" y="1138644"/>
+                <a:off x="4482396" y="1051352"/>
                 <a:ext cx="269304" cy="276999"/>
               </a:xfrm>
               <a:prstGeom prst="rect">
                 <a:avLst/>
               </a:prstGeom>
-              <a:blipFill rotWithShape="0">
-                <a:blip r:embed="rId5"/>
+              <a:blipFill>
+                <a:blip r:embed="rId7"/>
                 <a:stretch>
-                  <a:fillRect l="-27273" t="-4444" r="-27273" b="-42222"/>
+                  <a:fillRect l="-27273" t="-2174" r="-27273" b="-39130"/>
+                </a:stretch>
+              </a:blipFill>
+            </p:spPr>
+            <p:txBody>
+              <a:bodyPr/>
+              <a:lstStyle/>
+              <a:p>
+                <a:r>
+                  <a:rPr lang="ko-KR" altLang="en-US">
+                    <a:noFill/>
+                  </a:rPr>
+                  <a:t> </a:t>
+                </a:r>
+              </a:p>
+            </p:txBody>
+          </p:sp>
+        </mc:Fallback>
+      </mc:AlternateContent>
+      <p:cxnSp>
+        <p:nvCxnSpPr>
+          <p:cNvPr id="25" name="직선 연결선 24"/>
+          <p:cNvCxnSpPr>
+            <a:cxnSpLocks/>
+          </p:cNvCxnSpPr>
+          <p:nvPr/>
+        </p:nvCxnSpPr>
+        <p:spPr>
+          <a:xfrm flipV="1">
+            <a:off x="5403063" y="1328351"/>
+            <a:ext cx="0" cy="1928033"/>
+          </a:xfrm>
+          <a:prstGeom prst="line">
+            <a:avLst/>
+          </a:prstGeom>
+          <a:ln>
+            <a:solidFill>
+              <a:schemeClr val="tx1"/>
+            </a:solidFill>
+            <a:prstDash val="lgDash"/>
+          </a:ln>
+        </p:spPr>
+        <p:style>
+          <a:lnRef idx="1">
+            <a:schemeClr val="accent1"/>
+          </a:lnRef>
+          <a:fillRef idx="0">
+            <a:schemeClr val="accent1"/>
+          </a:fillRef>
+          <a:effectRef idx="0">
+            <a:schemeClr val="accent1"/>
+          </a:effectRef>
+          <a:fontRef idx="minor">
+            <a:schemeClr val="tx1"/>
+          </a:fontRef>
+        </p:style>
+      </p:cxnSp>
+      <p:sp>
+        <p:nvSpPr>
+          <p:cNvPr id="19" name="자유형: 도형 18">
+            <a:extLst>
+              <a:ext uri="{FF2B5EF4-FFF2-40B4-BE49-F238E27FC236}">
+                <a16:creationId xmlns:a16="http://schemas.microsoft.com/office/drawing/2014/main" id="{28DE563C-2016-4934-A4EE-657070DFAE5E}"/>
+              </a:ext>
+            </a:extLst>
+          </p:cNvPr>
+          <p:cNvSpPr/>
+          <p:nvPr/>
+        </p:nvSpPr>
+        <p:spPr>
+          <a:xfrm rot="10800000">
+            <a:off x="3293705" y="3260258"/>
+            <a:ext cx="2109355" cy="133969"/>
+          </a:xfrm>
+          <a:custGeom>
+            <a:avLst/>
+            <a:gdLst>
+              <a:gd name="connsiteX0" fmla="*/ 0 w 1081217"/>
+              <a:gd name="connsiteY0" fmla="*/ 290384 h 290450"/>
+              <a:gd name="connsiteX1" fmla="*/ 537519 w 1081217"/>
+              <a:gd name="connsiteY1" fmla="*/ 0 h 290450"/>
+              <a:gd name="connsiteX2" fmla="*/ 1081217 w 1081217"/>
+              <a:gd name="connsiteY2" fmla="*/ 290384 h 290450"/>
+            </a:gdLst>
+            <a:ahLst/>
+            <a:cxnLst>
+              <a:cxn ang="0">
+                <a:pos x="connsiteX0" y="connsiteY0"/>
+              </a:cxn>
+              <a:cxn ang="0">
+                <a:pos x="connsiteX1" y="connsiteY1"/>
+              </a:cxn>
+              <a:cxn ang="0">
+                <a:pos x="connsiteX2" y="connsiteY2"/>
+              </a:cxn>
+            </a:cxnLst>
+            <a:rect l="l" t="t" r="r" b="b"/>
+            <a:pathLst>
+              <a:path w="1081217" h="290450">
+                <a:moveTo>
+                  <a:pt x="0" y="290384"/>
+                </a:moveTo>
+                <a:cubicBezTo>
+                  <a:pt x="178658" y="145192"/>
+                  <a:pt x="357316" y="0"/>
+                  <a:pt x="537519" y="0"/>
+                </a:cubicBezTo>
+                <a:cubicBezTo>
+                  <a:pt x="717722" y="0"/>
+                  <a:pt x="1029730" y="295533"/>
+                  <a:pt x="1081217" y="290384"/>
+                </a:cubicBezTo>
+              </a:path>
+            </a:pathLst>
+          </a:custGeom>
+          <a:noFill/>
+          <a:ln>
+            <a:solidFill>
+              <a:schemeClr val="tx1"/>
+            </a:solidFill>
+          </a:ln>
+        </p:spPr>
+        <p:style>
+          <a:lnRef idx="2">
+            <a:schemeClr val="accent1">
+              <a:shade val="50000"/>
+            </a:schemeClr>
+          </a:lnRef>
+          <a:fillRef idx="1">
+            <a:schemeClr val="accent1"/>
+          </a:fillRef>
+          <a:effectRef idx="0">
+            <a:schemeClr val="accent1"/>
+          </a:effectRef>
+          <a:fontRef idx="minor">
+            <a:schemeClr val="lt1"/>
+          </a:fontRef>
+        </p:style>
+        <p:txBody>
+          <a:bodyPr rtlCol="0" anchor="ctr"/>
+          <a:lstStyle/>
+          <a:p>
+            <a:pPr algn="ctr"/>
+            <a:endParaRPr lang="ko-KR" altLang="en-US"/>
+          </a:p>
+        </p:txBody>
+      </p:sp>
+      <mc:AlternateContent xmlns:mc="http://schemas.openxmlformats.org/markup-compatibility/2006">
+        <mc:Choice xmlns:a14="http://schemas.microsoft.com/office/drawing/2010/main" Requires="a14">
+          <p:sp>
+            <p:nvSpPr>
+              <p:cNvPr id="22" name="TextBox 21">
+                <a:extLst>
+                  <a:ext uri="{FF2B5EF4-FFF2-40B4-BE49-F238E27FC236}">
+                    <a16:creationId xmlns:a16="http://schemas.microsoft.com/office/drawing/2014/main" id="{702F36E8-3840-4F82-ACA9-0ADC9BF2CD7E}"/>
+                  </a:ext>
+                </a:extLst>
+              </p:cNvPr>
+              <p:cNvSpPr txBox="1"/>
+              <p:nvPr/>
+            </p:nvSpPr>
+            <p:spPr>
+              <a:xfrm>
+                <a:off x="4152559" y="3476724"/>
+                <a:ext cx="391646" cy="276999"/>
+              </a:xfrm>
+              <a:prstGeom prst="rect">
+                <a:avLst/>
+              </a:prstGeom>
+              <a:noFill/>
+            </p:spPr>
+            <p:txBody>
+              <a:bodyPr wrap="none" lIns="0" tIns="0" rIns="0" bIns="0" rtlCol="0">
+                <a:spAutoFit/>
+              </a:bodyPr>
+              <a:lstStyle/>
+              <a:p>
+                <a:pPr/>
+                <a14:m>
+                  <m:oMathPara xmlns:m="http://schemas.openxmlformats.org/officeDocument/2006/math">
+                    <m:oMathParaPr>
+                      <m:jc m:val="centerGroup"/>
+                    </m:oMathParaPr>
+                    <m:oMath xmlns:m="http://schemas.openxmlformats.org/officeDocument/2006/math">
+                      <m:sSubSup>
+                        <m:sSubSupPr>
+                          <m:ctrlPr>
+                            <a:rPr lang="en-US" altLang="ko-KR" b="0" i="1" smtClean="0">
+                              <a:latin typeface="Cambria Math" panose="02040503050406030204" pitchFamily="18" charset="0"/>
+                            </a:rPr>
+                          </m:ctrlPr>
+                        </m:sSubSupPr>
+                        <m:e>
+                          <m:r>
+                            <a:rPr lang="en-US" altLang="ko-KR" b="0" i="1" smtClean="0">
+                              <a:latin typeface="Cambria Math" panose="02040503050406030204" pitchFamily="18" charset="0"/>
+                            </a:rPr>
+                            <m:t>𝑑</m:t>
+                          </m:r>
+                        </m:e>
+                        <m:sub>
+                          <m:r>
+                            <a:rPr lang="en-US" altLang="ko-KR" b="0" i="1" smtClean="0">
+                              <a:latin typeface="Cambria Math" panose="02040503050406030204" pitchFamily="18" charset="0"/>
+                            </a:rPr>
+                            <m:t>2</m:t>
+                          </m:r>
+                        </m:sub>
+                        <m:sup>
+                          <m:r>
+                            <a:rPr lang="en-US" altLang="ko-KR" b="0" i="1" smtClean="0">
+                              <a:latin typeface="Cambria Math" panose="02040503050406030204" pitchFamily="18" charset="0"/>
+                            </a:rPr>
+                            <m:t>𝑚</m:t>
+                          </m:r>
+                        </m:sup>
+                      </m:sSubSup>
+                    </m:oMath>
+                  </m:oMathPara>
+                </a14:m>
+                <a:endParaRPr lang="ko-KR" altLang="en-US" dirty="0"/>
+              </a:p>
+            </p:txBody>
+          </p:sp>
+        </mc:Choice>
+        <mc:Fallback>
+          <p:sp>
+            <p:nvSpPr>
+              <p:cNvPr id="22" name="TextBox 21">
+                <a:extLst>
+                  <a:ext uri="{FF2B5EF4-FFF2-40B4-BE49-F238E27FC236}">
+                    <a16:creationId xmlns:a16="http://schemas.microsoft.com/office/drawing/2014/main" id="{702F36E8-3840-4F82-ACA9-0ADC9BF2CD7E}"/>
+                  </a:ext>
+                </a:extLst>
+              </p:cNvPr>
+              <p:cNvSpPr txBox="1">
+                <a:spLocks noRot="1" noChangeAspect="1" noMove="1" noResize="1" noEditPoints="1" noAdjustHandles="1" noChangeArrowheads="1" noChangeShapeType="1" noTextEdit="1"/>
+              </p:cNvSpPr>
+              <p:nvPr/>
+            </p:nvSpPr>
+            <p:spPr>
+              <a:xfrm>
+                <a:off x="4152559" y="3476724"/>
+                <a:ext cx="391646" cy="276999"/>
+              </a:xfrm>
+              <a:prstGeom prst="rect">
+                <a:avLst/>
+              </a:prstGeom>
+              <a:blipFill>
+                <a:blip r:embed="rId8"/>
+                <a:stretch>
+                  <a:fillRect l="-10938" b="-21739"/>
+                </a:stretch>
+              </a:blipFill>
+            </p:spPr>
+            <p:txBody>
+              <a:bodyPr/>
+              <a:lstStyle/>
+              <a:p>
+                <a:r>
+                  <a:rPr lang="ko-KR" altLang="en-US">
+                    <a:noFill/>
+                  </a:rPr>
+                  <a:t> </a:t>
+                </a:r>
+              </a:p>
+            </p:txBody>
+          </p:sp>
+        </mc:Fallback>
+      </mc:AlternateContent>
+      <p:sp>
+        <p:nvSpPr>
+          <p:cNvPr id="23" name="자유형: 도형 22">
+            <a:extLst>
+              <a:ext uri="{FF2B5EF4-FFF2-40B4-BE49-F238E27FC236}">
+                <a16:creationId xmlns:a16="http://schemas.microsoft.com/office/drawing/2014/main" id="{D4262DC8-AC8F-4E4E-8F9A-78963014DDC7}"/>
+              </a:ext>
+            </a:extLst>
+          </p:cNvPr>
+          <p:cNvSpPr/>
+          <p:nvPr/>
+        </p:nvSpPr>
+        <p:spPr>
+          <a:xfrm rot="5400000">
+            <a:off x="5013016" y="2772234"/>
+            <a:ext cx="877470" cy="81653"/>
+          </a:xfrm>
+          <a:custGeom>
+            <a:avLst/>
+            <a:gdLst>
+              <a:gd name="connsiteX0" fmla="*/ 0 w 1081217"/>
+              <a:gd name="connsiteY0" fmla="*/ 290384 h 290450"/>
+              <a:gd name="connsiteX1" fmla="*/ 537519 w 1081217"/>
+              <a:gd name="connsiteY1" fmla="*/ 0 h 290450"/>
+              <a:gd name="connsiteX2" fmla="*/ 1081217 w 1081217"/>
+              <a:gd name="connsiteY2" fmla="*/ 290384 h 290450"/>
+            </a:gdLst>
+            <a:ahLst/>
+            <a:cxnLst>
+              <a:cxn ang="0">
+                <a:pos x="connsiteX0" y="connsiteY0"/>
+              </a:cxn>
+              <a:cxn ang="0">
+                <a:pos x="connsiteX1" y="connsiteY1"/>
+              </a:cxn>
+              <a:cxn ang="0">
+                <a:pos x="connsiteX2" y="connsiteY2"/>
+              </a:cxn>
+            </a:cxnLst>
+            <a:rect l="l" t="t" r="r" b="b"/>
+            <a:pathLst>
+              <a:path w="1081217" h="290450">
+                <a:moveTo>
+                  <a:pt x="0" y="290384"/>
+                </a:moveTo>
+                <a:cubicBezTo>
+                  <a:pt x="178658" y="145192"/>
+                  <a:pt x="357316" y="0"/>
+                  <a:pt x="537519" y="0"/>
+                </a:cubicBezTo>
+                <a:cubicBezTo>
+                  <a:pt x="717722" y="0"/>
+                  <a:pt x="1029730" y="295533"/>
+                  <a:pt x="1081217" y="290384"/>
+                </a:cubicBezTo>
+              </a:path>
+            </a:pathLst>
+          </a:custGeom>
+          <a:noFill/>
+          <a:ln>
+            <a:solidFill>
+              <a:schemeClr val="tx1"/>
+            </a:solidFill>
+          </a:ln>
+        </p:spPr>
+        <p:style>
+          <a:lnRef idx="2">
+            <a:schemeClr val="accent1">
+              <a:shade val="50000"/>
+            </a:schemeClr>
+          </a:lnRef>
+          <a:fillRef idx="1">
+            <a:schemeClr val="accent1"/>
+          </a:fillRef>
+          <a:effectRef idx="0">
+            <a:schemeClr val="accent1"/>
+          </a:effectRef>
+          <a:fontRef idx="minor">
+            <a:schemeClr val="lt1"/>
+          </a:fontRef>
+        </p:style>
+        <p:txBody>
+          <a:bodyPr rtlCol="0" anchor="ctr"/>
+          <a:lstStyle/>
+          <a:p>
+            <a:pPr algn="ctr"/>
+            <a:endParaRPr lang="ko-KR" altLang="en-US"/>
+          </a:p>
+        </p:txBody>
+      </p:sp>
+      <mc:AlternateContent xmlns:mc="http://schemas.openxmlformats.org/markup-compatibility/2006">
+        <mc:Choice xmlns:a14="http://schemas.microsoft.com/office/drawing/2010/main" Requires="a14">
+          <p:sp>
+            <p:nvSpPr>
+              <p:cNvPr id="26" name="TextBox 25">
+                <a:extLst>
+                  <a:ext uri="{FF2B5EF4-FFF2-40B4-BE49-F238E27FC236}">
+                    <a16:creationId xmlns:a16="http://schemas.microsoft.com/office/drawing/2014/main" id="{4C456F18-AA04-4135-AED2-7569217695DC}"/>
+                  </a:ext>
+                </a:extLst>
+              </p:cNvPr>
+              <p:cNvSpPr txBox="1"/>
+              <p:nvPr/>
+            </p:nvSpPr>
+            <p:spPr>
+              <a:xfrm>
+                <a:off x="5636498" y="2632845"/>
+                <a:ext cx="391646" cy="276999"/>
+              </a:xfrm>
+              <a:prstGeom prst="rect">
+                <a:avLst/>
+              </a:prstGeom>
+              <a:noFill/>
+            </p:spPr>
+            <p:txBody>
+              <a:bodyPr wrap="none" lIns="0" tIns="0" rIns="0" bIns="0" rtlCol="0">
+                <a:spAutoFit/>
+              </a:bodyPr>
+              <a:lstStyle/>
+              <a:p>
+                <a:pPr/>
+                <a14:m>
+                  <m:oMathPara xmlns:m="http://schemas.openxmlformats.org/officeDocument/2006/math">
+                    <m:oMathParaPr>
+                      <m:jc m:val="centerGroup"/>
+                    </m:oMathParaPr>
+                    <m:oMath xmlns:m="http://schemas.openxmlformats.org/officeDocument/2006/math">
+                      <m:sSubSup>
+                        <m:sSubSupPr>
+                          <m:ctrlPr>
+                            <a:rPr lang="en-US" altLang="ko-KR" b="0" i="1" smtClean="0">
+                              <a:latin typeface="Cambria Math" panose="02040503050406030204" pitchFamily="18" charset="0"/>
+                            </a:rPr>
+                          </m:ctrlPr>
+                        </m:sSubSupPr>
+                        <m:e>
+                          <m:r>
+                            <a:rPr lang="en-US" altLang="ko-KR" b="0" i="1" smtClean="0">
+                              <a:latin typeface="Cambria Math" panose="02040503050406030204" pitchFamily="18" charset="0"/>
+                            </a:rPr>
+                            <m:t>𝑑</m:t>
+                          </m:r>
+                        </m:e>
+                        <m:sub>
+                          <m:r>
+                            <a:rPr lang="en-US" altLang="ko-KR" b="0" i="1" smtClean="0">
+                              <a:latin typeface="Cambria Math" panose="02040503050406030204" pitchFamily="18" charset="0"/>
+                            </a:rPr>
+                            <m:t>3</m:t>
+                          </m:r>
+                        </m:sub>
+                        <m:sup>
+                          <m:r>
+                            <a:rPr lang="en-US" altLang="ko-KR" b="0" i="1" smtClean="0">
+                              <a:latin typeface="Cambria Math" panose="02040503050406030204" pitchFamily="18" charset="0"/>
+                            </a:rPr>
+                            <m:t>𝑚</m:t>
+                          </m:r>
+                        </m:sup>
+                      </m:sSubSup>
+                    </m:oMath>
+                  </m:oMathPara>
+                </a14:m>
+                <a:endParaRPr lang="ko-KR" altLang="en-US" dirty="0"/>
+              </a:p>
+            </p:txBody>
+          </p:sp>
+        </mc:Choice>
+        <mc:Fallback>
+          <p:sp>
+            <p:nvSpPr>
+              <p:cNvPr id="26" name="TextBox 25">
+                <a:extLst>
+                  <a:ext uri="{FF2B5EF4-FFF2-40B4-BE49-F238E27FC236}">
+                    <a16:creationId xmlns:a16="http://schemas.microsoft.com/office/drawing/2014/main" id="{4C456F18-AA04-4135-AED2-7569217695DC}"/>
+                  </a:ext>
+                </a:extLst>
+              </p:cNvPr>
+              <p:cNvSpPr txBox="1">
+                <a:spLocks noRot="1" noChangeAspect="1" noMove="1" noResize="1" noEditPoints="1" noAdjustHandles="1" noChangeArrowheads="1" noChangeShapeType="1" noTextEdit="1"/>
+              </p:cNvSpPr>
+              <p:nvPr/>
+            </p:nvSpPr>
+            <p:spPr>
+              <a:xfrm>
+                <a:off x="5636498" y="2632845"/>
+                <a:ext cx="391646" cy="276999"/>
+              </a:xfrm>
+              <a:prstGeom prst="rect">
+                <a:avLst/>
+              </a:prstGeom>
+              <a:blipFill>
+                <a:blip r:embed="rId9"/>
+                <a:stretch>
+                  <a:fillRect l="-10938" b="-20000"/>
                 </a:stretch>
               </a:blipFill>
             </p:spPr>
@@ -5211,382 +8363,19 @@
         <mc:Choice xmlns:a14="http://schemas.microsoft.com/office/drawing/2010/main" Requires="a14">
           <p:sp>
             <p:nvSpPr>
-              <p:cNvPr id="15" name="TextBox 14"/>
+              <p:cNvPr id="21" name="TextBox 20">
+                <a:extLst>
+                  <a:ext uri="{FF2B5EF4-FFF2-40B4-BE49-F238E27FC236}">
+                    <a16:creationId xmlns:a16="http://schemas.microsoft.com/office/drawing/2014/main" id="{7F1A4031-C0F9-4078-B611-60510E555779}"/>
+                  </a:ext>
+                </a:extLst>
+              </p:cNvPr>
               <p:cNvSpPr txBox="1"/>
               <p:nvPr/>
             </p:nvSpPr>
             <p:spPr>
               <a:xfrm>
-                <a:off x="2702355" y="1885228"/>
-                <a:ext cx="1198598" cy="276999"/>
-              </a:xfrm>
-              <a:prstGeom prst="rect">
-                <a:avLst/>
-              </a:prstGeom>
-              <a:noFill/>
-            </p:spPr>
-            <p:txBody>
-              <a:bodyPr wrap="none" lIns="0" tIns="0" rIns="0" bIns="0" rtlCol="0">
-                <a:spAutoFit/>
-              </a:bodyPr>
-              <a:lstStyle/>
-              <a:p>
-                <a:pPr/>
-                <a14:m>
-                  <m:oMath xmlns:m="http://schemas.openxmlformats.org/officeDocument/2006/math">
-                    <m:r>
-                      <a:rPr lang="en-US" altLang="ko-KR" b="0" i="1" smtClean="0">
-                        <a:latin typeface="Cambria Math" panose="02040503050406030204" pitchFamily="18" charset="0"/>
-                      </a:rPr>
-                      <m:t>𝑞</m:t>
-                    </m:r>
-                    <m:r>
-                      <a:rPr lang="en-US" altLang="ko-KR" b="0" i="0" smtClean="0">
-                        <a:latin typeface="Cambria Math" panose="02040503050406030204" pitchFamily="18" charset="0"/>
-                      </a:rPr>
-                      <m:t>(</m:t>
-                    </m:r>
-                    <m:sSub>
-                      <m:sSubPr>
-                        <m:ctrlPr>
-                          <a:rPr lang="en-US" altLang="ko-KR" b="0" i="0" smtClean="0">
-                            <a:latin typeface="Cambria Math" panose="02040503050406030204" pitchFamily="18" charset="0"/>
-                          </a:rPr>
-                        </m:ctrlPr>
-                      </m:sSubPr>
-                      <m:e>
-                        <m:r>
-                          <a:rPr lang="en-US" altLang="ko-KR" b="0" i="1" smtClean="0">
-                            <a:latin typeface="Cambria Math" panose="02040503050406030204" pitchFamily="18" charset="0"/>
-                          </a:rPr>
-                          <m:t>𝑥</m:t>
-                        </m:r>
-                      </m:e>
-                      <m:sub>
-                        <m:r>
-                          <a:rPr lang="en-US" altLang="ko-KR" b="0" i="0" smtClean="0">
-                            <a:latin typeface="Cambria Math" panose="02040503050406030204" pitchFamily="18" charset="0"/>
-                          </a:rPr>
-                          <m:t>1</m:t>
-                        </m:r>
-                      </m:sub>
-                    </m:sSub>
-                    <m:r>
-                      <a:rPr lang="en-US" altLang="ko-KR" b="0" i="0" smtClean="0">
-                        <a:latin typeface="Cambria Math" panose="02040503050406030204" pitchFamily="18" charset="0"/>
-                      </a:rPr>
-                      <m:t>,</m:t>
-                    </m:r>
-                    <m:sSub>
-                      <m:sSubPr>
-                        <m:ctrlPr>
-                          <a:rPr lang="en-US" altLang="ko-KR" i="1">
-                            <a:latin typeface="Cambria Math" panose="02040503050406030204" pitchFamily="18" charset="0"/>
-                          </a:rPr>
-                        </m:ctrlPr>
-                      </m:sSubPr>
-                      <m:e>
-                        <m:r>
-                          <a:rPr lang="en-US" altLang="ko-KR" i="1">
-                            <a:latin typeface="Cambria Math" panose="02040503050406030204" pitchFamily="18" charset="0"/>
-                          </a:rPr>
-                          <m:t>𝑥</m:t>
-                        </m:r>
-                      </m:e>
-                      <m:sub>
-                        <m:r>
-                          <a:rPr lang="en-US" altLang="ko-KR" b="0" i="0" smtClean="0">
-                            <a:latin typeface="Cambria Math" panose="02040503050406030204" pitchFamily="18" charset="0"/>
-                          </a:rPr>
-                          <m:t>2</m:t>
-                        </m:r>
-                      </m:sub>
-                    </m:sSub>
-                  </m:oMath>
-                </a14:m>
-                <a:r>
-                  <a:rPr lang="en-US" altLang="ko-KR" dirty="0" smtClean="0"/>
-                  <a:t>,</a:t>
-                </a:r>
-                <a:r>
-                  <a:rPr lang="en-US" altLang="ko-KR" dirty="0"/>
-                  <a:t> </a:t>
-                </a:r>
-                <a14:m>
-                  <m:oMath xmlns:m="http://schemas.openxmlformats.org/officeDocument/2006/math">
-                    <m:sSub>
-                      <m:sSubPr>
-                        <m:ctrlPr>
-                          <a:rPr lang="en-US" altLang="ko-KR" i="1">
-                            <a:latin typeface="Cambria Math" panose="02040503050406030204" pitchFamily="18" charset="0"/>
-                          </a:rPr>
-                        </m:ctrlPr>
-                      </m:sSubPr>
-                      <m:e>
-                        <m:r>
-                          <a:rPr lang="en-US" altLang="ko-KR" i="1">
-                            <a:latin typeface="Cambria Math" panose="02040503050406030204" pitchFamily="18" charset="0"/>
-                          </a:rPr>
-                          <m:t>𝑥</m:t>
-                        </m:r>
-                      </m:e>
-                      <m:sub>
-                        <m:r>
-                          <a:rPr lang="en-US" altLang="ko-KR" b="0" i="1" smtClean="0">
-                            <a:latin typeface="Cambria Math" panose="02040503050406030204" pitchFamily="18" charset="0"/>
-                          </a:rPr>
-                          <m:t>3</m:t>
-                        </m:r>
-                      </m:sub>
-                    </m:sSub>
-                  </m:oMath>
-                </a14:m>
-                <a:r>
-                  <a:rPr lang="en-US" altLang="ko-KR" dirty="0" smtClean="0"/>
-                  <a:t>)</a:t>
-                </a:r>
-                <a:endParaRPr lang="ko-KR" altLang="en-US" dirty="0"/>
-              </a:p>
-            </p:txBody>
-          </p:sp>
-        </mc:Choice>
-        <mc:Fallback>
-          <p:sp>
-            <p:nvSpPr>
-              <p:cNvPr id="15" name="TextBox 14"/>
-              <p:cNvSpPr txBox="1">
-                <a:spLocks noRot="1" noChangeAspect="1" noMove="1" noResize="1" noEditPoints="1" noAdjustHandles="1" noChangeArrowheads="1" noChangeShapeType="1" noTextEdit="1"/>
-              </p:cNvSpPr>
-              <p:nvPr/>
-            </p:nvSpPr>
-            <p:spPr>
-              <a:xfrm>
-                <a:off x="2702355" y="1885228"/>
-                <a:ext cx="1198598" cy="276999"/>
-              </a:xfrm>
-              <a:prstGeom prst="rect">
-                <a:avLst/>
-              </a:prstGeom>
-              <a:blipFill rotWithShape="0">
-                <a:blip r:embed="rId6"/>
-                <a:stretch>
-                  <a:fillRect l="-7107" t="-28261" r="-11675" b="-50000"/>
-                </a:stretch>
-              </a:blipFill>
-            </p:spPr>
-            <p:txBody>
-              <a:bodyPr/>
-              <a:lstStyle/>
-              <a:p>
-                <a:r>
-                  <a:rPr lang="ko-KR" altLang="en-US">
-                    <a:noFill/>
-                  </a:rPr>
-                  <a:t> </a:t>
-                </a:r>
-              </a:p>
-            </p:txBody>
-          </p:sp>
-        </mc:Fallback>
-      </mc:AlternateContent>
-      <mc:AlternateContent xmlns:mc="http://schemas.openxmlformats.org/markup-compatibility/2006">
-        <mc:Choice xmlns:a14="http://schemas.microsoft.com/office/drawing/2010/main" Requires="a14">
-          <p:sp>
-            <p:nvSpPr>
-              <p:cNvPr id="16" name="TextBox 15"/>
-              <p:cNvSpPr txBox="1"/>
-              <p:nvPr/>
-            </p:nvSpPr>
-            <p:spPr>
-              <a:xfrm>
-                <a:off x="2811419" y="3395094"/>
-                <a:ext cx="943463" cy="276999"/>
-              </a:xfrm>
-              <a:prstGeom prst="rect">
-                <a:avLst/>
-              </a:prstGeom>
-              <a:noFill/>
-            </p:spPr>
-            <p:txBody>
-              <a:bodyPr wrap="none" lIns="0" tIns="0" rIns="0" bIns="0" rtlCol="0">
-                <a:spAutoFit/>
-              </a:bodyPr>
-              <a:lstStyle/>
-              <a:p>
-                <a:pPr/>
-                <a14:m>
-                  <m:oMathPara xmlns:m="http://schemas.openxmlformats.org/officeDocument/2006/math">
-                    <m:oMathParaPr>
-                      <m:jc m:val="centerGroup"/>
-                    </m:oMathParaPr>
-                    <m:oMath xmlns:m="http://schemas.openxmlformats.org/officeDocument/2006/math">
-                      <m:r>
-                        <a:rPr lang="en-US" altLang="ko-KR" b="0" i="1" smtClean="0">
-                          <a:latin typeface="Cambria Math" panose="02040503050406030204" pitchFamily="18" charset="0"/>
-                        </a:rPr>
-                        <m:t>𝑝</m:t>
-                      </m:r>
-                      <m:d>
-                        <m:dPr>
-                          <m:ctrlPr>
-                            <a:rPr lang="en-US" altLang="ko-KR" b="0" i="1" smtClean="0">
-                              <a:latin typeface="Cambria Math" panose="02040503050406030204" pitchFamily="18" charset="0"/>
-                            </a:rPr>
-                          </m:ctrlPr>
-                        </m:dPr>
-                        <m:e>
-                          <m:sSub>
-                            <m:sSubPr>
-                              <m:ctrlPr>
-                                <a:rPr lang="en-US" altLang="ko-KR" i="1">
-                                  <a:latin typeface="Cambria Math" panose="02040503050406030204" pitchFamily="18" charset="0"/>
-                                </a:rPr>
-                              </m:ctrlPr>
-                            </m:sSubPr>
-                            <m:e>
-                              <m:r>
-                                <a:rPr lang="en-US" altLang="ko-KR" i="1">
-                                  <a:latin typeface="Cambria Math" panose="02040503050406030204" pitchFamily="18" charset="0"/>
-                                </a:rPr>
-                                <m:t>𝑥</m:t>
-                              </m:r>
-                            </m:e>
-                            <m:sub>
-                              <m:r>
-                                <a:rPr lang="en-US" altLang="ko-KR">
-                                  <a:latin typeface="Cambria Math" panose="02040503050406030204" pitchFamily="18" charset="0"/>
-                                </a:rPr>
-                                <m:t>1</m:t>
-                              </m:r>
-                            </m:sub>
-                          </m:sSub>
-                          <m:r>
-                            <a:rPr lang="en-US" altLang="ko-KR">
-                              <a:latin typeface="Cambria Math" panose="02040503050406030204" pitchFamily="18" charset="0"/>
-                            </a:rPr>
-                            <m:t>,</m:t>
-                          </m:r>
-                          <m:sSub>
-                            <m:sSubPr>
-                              <m:ctrlPr>
-                                <a:rPr lang="en-US" altLang="ko-KR" i="1">
-                                  <a:latin typeface="Cambria Math" panose="02040503050406030204" pitchFamily="18" charset="0"/>
-                                </a:rPr>
-                              </m:ctrlPr>
-                            </m:sSubPr>
-                            <m:e>
-                              <m:r>
-                                <a:rPr lang="en-US" altLang="ko-KR" i="1">
-                                  <a:latin typeface="Cambria Math" panose="02040503050406030204" pitchFamily="18" charset="0"/>
-                                </a:rPr>
-                                <m:t>𝑥</m:t>
-                              </m:r>
-                            </m:e>
-                            <m:sub>
-                              <m:r>
-                                <a:rPr lang="en-US" altLang="ko-KR">
-                                  <a:latin typeface="Cambria Math" panose="02040503050406030204" pitchFamily="18" charset="0"/>
-                                </a:rPr>
-                                <m:t>2</m:t>
-                              </m:r>
-                            </m:sub>
-                          </m:sSub>
-                        </m:e>
-                      </m:d>
-                    </m:oMath>
-                  </m:oMathPara>
-                </a14:m>
-                <a:endParaRPr lang="ko-KR" altLang="en-US" dirty="0"/>
-              </a:p>
-            </p:txBody>
-          </p:sp>
-        </mc:Choice>
-        <mc:Fallback>
-          <p:sp>
-            <p:nvSpPr>
-              <p:cNvPr id="16" name="TextBox 15"/>
-              <p:cNvSpPr txBox="1">
-                <a:spLocks noRot="1" noChangeAspect="1" noMove="1" noResize="1" noEditPoints="1" noAdjustHandles="1" noChangeArrowheads="1" noChangeShapeType="1" noTextEdit="1"/>
-              </p:cNvSpPr>
-              <p:nvPr/>
-            </p:nvSpPr>
-            <p:spPr>
-              <a:xfrm>
-                <a:off x="2811419" y="3395094"/>
-                <a:ext cx="943463" cy="276999"/>
-              </a:xfrm>
-              <a:prstGeom prst="rect">
-                <a:avLst/>
-              </a:prstGeom>
-              <a:blipFill rotWithShape="0">
-                <a:blip r:embed="rId7"/>
-                <a:stretch>
-                  <a:fillRect l="-4516" b="-31111"/>
-                </a:stretch>
-              </a:blipFill>
-            </p:spPr>
-            <p:txBody>
-              <a:bodyPr/>
-              <a:lstStyle/>
-              <a:p>
-                <a:r>
-                  <a:rPr lang="ko-KR" altLang="en-US">
-                    <a:noFill/>
-                  </a:rPr>
-                  <a:t> </a:t>
-                </a:r>
-              </a:p>
-            </p:txBody>
-          </p:sp>
-        </mc:Fallback>
-      </mc:AlternateContent>
-      <p:cxnSp>
-        <p:nvCxnSpPr>
-          <p:cNvPr id="18" name="직선 연결선 17"/>
-          <p:cNvCxnSpPr/>
-          <p:nvPr/>
-        </p:nvCxnSpPr>
-        <p:spPr>
-          <a:xfrm flipV="1">
-            <a:off x="4989111" y="1558213"/>
-            <a:ext cx="0" cy="814874"/>
-          </a:xfrm>
-          <a:prstGeom prst="line">
-            <a:avLst/>
-          </a:prstGeom>
-          <a:ln>
-            <a:solidFill>
-              <a:schemeClr val="tx1"/>
-            </a:solidFill>
-            <a:prstDash val="lgDash"/>
-          </a:ln>
-        </p:spPr>
-        <p:style>
-          <a:lnRef idx="1">
-            <a:schemeClr val="accent1"/>
-          </a:lnRef>
-          <a:fillRef idx="0">
-            <a:schemeClr val="accent1"/>
-          </a:fillRef>
-          <a:effectRef idx="0">
-            <a:schemeClr val="accent1"/>
-          </a:effectRef>
-          <a:fontRef idx="minor">
-            <a:schemeClr val="tx1"/>
-          </a:fontRef>
-        </p:style>
-      </p:cxnSp>
-      <mc:AlternateContent xmlns:mc="http://schemas.openxmlformats.org/markup-compatibility/2006">
-        <mc:Choice xmlns:a14="http://schemas.microsoft.com/office/drawing/2010/main" Requires="a14">
-          <p:sp>
-            <p:nvSpPr>
-              <p:cNvPr id="17" name="TextBox 16"/>
-              <p:cNvSpPr txBox="1"/>
-              <p:nvPr/>
-            </p:nvSpPr>
-            <p:spPr>
-              <a:xfrm>
-                <a:off x="4704698" y="1737453"/>
+                <a:off x="5103903" y="1643025"/>
                 <a:ext cx="305468" cy="276999"/>
               </a:xfrm>
               <a:prstGeom prst="rect">
@@ -5643,7 +8432,13 @@
         <mc:Fallback>
           <p:sp>
             <p:nvSpPr>
-              <p:cNvPr id="17" name="TextBox 16"/>
+              <p:cNvPr id="21" name="TextBox 20">
+                <a:extLst>
+                  <a:ext uri="{FF2B5EF4-FFF2-40B4-BE49-F238E27FC236}">
+                    <a16:creationId xmlns:a16="http://schemas.microsoft.com/office/drawing/2014/main" id="{7F1A4031-C0F9-4078-B611-60510E555779}"/>
+                  </a:ext>
+                </a:extLst>
+              </p:cNvPr>
               <p:cNvSpPr txBox="1">
                 <a:spLocks noRot="1" noChangeAspect="1" noMove="1" noResize="1" noEditPoints="1" noAdjustHandles="1" noChangeArrowheads="1" noChangeShapeType="1" noTextEdit="1"/>
               </p:cNvSpPr>
@@ -5651,16 +8446,16 @@
             </p:nvSpPr>
             <p:spPr>
               <a:xfrm>
-                <a:off x="4704698" y="1737453"/>
+                <a:off x="5103903" y="1643025"/>
                 <a:ext cx="305468" cy="276999"/>
               </a:xfrm>
               <a:prstGeom prst="rect">
                 <a:avLst/>
               </a:prstGeom>
-              <a:blipFill rotWithShape="0">
-                <a:blip r:embed="rId8"/>
+              <a:blipFill>
+                <a:blip r:embed="rId10"/>
                 <a:stretch>
-                  <a:fillRect l="-14000" r="-2000" b="-22222"/>
+                  <a:fillRect l="-12000" r="-4000" b="-20000"/>
                 </a:stretch>
               </a:blipFill>
             </p:spPr>
@@ -5681,13 +8476,19 @@
       </mc:AlternateContent>
       <p:sp>
         <p:nvSpPr>
-          <p:cNvPr id="3" name="원호 2"/>
+          <p:cNvPr id="27" name="원호 26">
+            <a:extLst>
+              <a:ext uri="{FF2B5EF4-FFF2-40B4-BE49-F238E27FC236}">
+                <a16:creationId xmlns:a16="http://schemas.microsoft.com/office/drawing/2014/main" id="{73F2FA99-BAB3-4AEA-A0D4-FFD161E5142F}"/>
+              </a:ext>
+            </a:extLst>
+          </p:cNvPr>
           <p:cNvSpPr/>
           <p:nvPr/>
         </p:nvSpPr>
         <p:spPr>
           <a:xfrm rot="18514260">
-            <a:off x="4555384" y="2151144"/>
+            <a:off x="4954589" y="2056716"/>
             <a:ext cx="628131" cy="294922"/>
           </a:xfrm>
           <a:prstGeom prst="arc">
@@ -5727,94 +8528,10 @@
           </a:p>
         </p:txBody>
       </p:sp>
-      <p:sp>
-        <p:nvSpPr>
-          <p:cNvPr id="24" name="원호 23"/>
-          <p:cNvSpPr/>
-          <p:nvPr/>
-        </p:nvSpPr>
-        <p:spPr>
-          <a:xfrm rot="18514260">
-            <a:off x="9835369" y="5498157"/>
-            <a:ext cx="628131" cy="294922"/>
-          </a:xfrm>
-          <a:prstGeom prst="arc">
-            <a:avLst>
-              <a:gd name="adj1" fmla="val 17912475"/>
-              <a:gd name="adj2" fmla="val 20737117"/>
-            </a:avLst>
-          </a:prstGeom>
-          <a:ln>
-            <a:solidFill>
-              <a:schemeClr val="tx1"/>
-            </a:solidFill>
-            <a:headEnd type="none" w="med" len="med"/>
-            <a:tailEnd type="arrow" w="med" len="med"/>
-          </a:ln>
-        </p:spPr>
-        <p:style>
-          <a:lnRef idx="1">
-            <a:schemeClr val="accent1"/>
-          </a:lnRef>
-          <a:fillRef idx="0">
-            <a:schemeClr val="accent1"/>
-          </a:fillRef>
-          <a:effectRef idx="0">
-            <a:schemeClr val="accent1"/>
-          </a:effectRef>
-          <a:fontRef idx="minor">
-            <a:schemeClr val="tx1"/>
-          </a:fontRef>
-        </p:style>
-        <p:txBody>
-          <a:bodyPr rtlCol="0" anchor="ctr"/>
-          <a:lstStyle/>
-          <a:p>
-            <a:pPr algn="ctr"/>
-            <a:endParaRPr lang="ko-KR" altLang="en-US"/>
-          </a:p>
-        </p:txBody>
-      </p:sp>
-      <p:cxnSp>
-        <p:nvCxnSpPr>
-          <p:cNvPr id="25" name="직선 연결선 24"/>
-          <p:cNvCxnSpPr/>
-          <p:nvPr/>
-        </p:nvCxnSpPr>
-        <p:spPr>
-          <a:xfrm flipV="1">
-            <a:off x="4989111" y="2373086"/>
-            <a:ext cx="0" cy="883298"/>
-          </a:xfrm>
-          <a:prstGeom prst="line">
-            <a:avLst/>
-          </a:prstGeom>
-          <a:ln>
-            <a:solidFill>
-              <a:schemeClr val="tx1"/>
-            </a:solidFill>
-            <a:prstDash val="lgDash"/>
-          </a:ln>
-        </p:spPr>
-        <p:style>
-          <a:lnRef idx="1">
-            <a:schemeClr val="accent1"/>
-          </a:lnRef>
-          <a:fillRef idx="0">
-            <a:schemeClr val="accent1"/>
-          </a:fillRef>
-          <a:effectRef idx="0">
-            <a:schemeClr val="accent1"/>
-          </a:effectRef>
-          <a:fontRef idx="minor">
-            <a:schemeClr val="tx1"/>
-          </a:fontRef>
-        </p:style>
-      </p:cxnSp>
     </p:spTree>
     <p:extLst>
       <p:ext uri="{BB962C8B-B14F-4D97-AF65-F5344CB8AC3E}">
-        <p14:creationId xmlns:p14="http://schemas.microsoft.com/office/powerpoint/2010/main" val="2699825669"/>
+        <p14:creationId xmlns:p14="http://schemas.microsoft.com/office/powerpoint/2010/main" val="2887027862"/>
       </p:ext>
     </p:extLst>
   </p:cSld>
@@ -5824,7 +8541,7 @@
 </p:sld>
 </file>
 
-<file path=ppt/slides/slide3.xml><?xml version="1.0" encoding="utf-8"?>
+<file path=ppt/slides/slide5.xml><?xml version="1.0" encoding="utf-8"?>
 <p:sld xmlns:a="http://schemas.openxmlformats.org/drawingml/2006/main" xmlns:r="http://schemas.openxmlformats.org/officeDocument/2006/relationships" xmlns:p="http://schemas.openxmlformats.org/presentationml/2006/main">
   <p:cSld>
     <p:spTree>
@@ -6928,7 +9645,7 @@
 </p:sld>
 </file>
 
-<file path=ppt/slides/slide4.xml><?xml version="1.0" encoding="utf-8"?>
+<file path=ppt/slides/slide6.xml><?xml version="1.0" encoding="utf-8"?>
 <p:sld xmlns:a="http://schemas.openxmlformats.org/drawingml/2006/main" xmlns:r="http://schemas.openxmlformats.org/officeDocument/2006/relationships" xmlns:p="http://schemas.openxmlformats.org/presentationml/2006/main">
   <p:cSld>
     <p:spTree>
@@ -7668,7 +10385,7 @@
 </p:sld>
 </file>
 
-<file path=ppt/slides/slide5.xml><?xml version="1.0" encoding="utf-8"?>
+<file path=ppt/slides/slide7.xml><?xml version="1.0" encoding="utf-8"?>
 <p:sld xmlns:a="http://schemas.openxmlformats.org/drawingml/2006/main" xmlns:r="http://schemas.openxmlformats.org/officeDocument/2006/relationships" xmlns:p="http://schemas.openxmlformats.org/presentationml/2006/main">
   <p:cSld>
     <p:spTree>
@@ -7785,7 +10502,7 @@
             <a:lstStyle/>
             <a:p>
               <a:r>
-                <a:rPr lang="en-US" altLang="ko-KR" b="1" dirty="0" smtClean="0">
+                <a:rPr lang="en-US" altLang="ko-KR" b="1" dirty="0">
                   <a:solidFill>
                     <a:schemeClr val="bg1"/>
                   </a:solidFill>
@@ -7793,18 +10510,13 @@
                 <a:t>FEA </a:t>
               </a:r>
               <a:r>
-                <a:rPr lang="ko-KR" altLang="en-US" b="1" dirty="0" smtClean="0">
+                <a:rPr lang="ko-KR" altLang="en-US" b="1" dirty="0">
                   <a:solidFill>
                     <a:schemeClr val="bg1"/>
                   </a:solidFill>
                 </a:rPr>
                 <a:t>책</a:t>
               </a:r>
-              <a:endParaRPr lang="ko-KR" altLang="en-US" b="1" dirty="0">
-                <a:solidFill>
-                  <a:schemeClr val="bg1"/>
-                </a:solidFill>
-              </a:endParaRPr>
             </a:p>
           </p:txBody>
         </p:sp>
@@ -7855,7 +10567,7 @@
             <a:lstStyle/>
             <a:p>
               <a:r>
-                <a:rPr lang="en-US" altLang="ko-KR" b="1" dirty="0" smtClean="0">
+                <a:rPr lang="en-US" altLang="ko-KR" b="1" dirty="0">
                   <a:solidFill>
                     <a:schemeClr val="bg1"/>
                   </a:solidFill>
@@ -7863,18 +10575,13 @@
                 <a:t>MEC </a:t>
               </a:r>
               <a:r>
-                <a:rPr lang="ko-KR" altLang="en-US" b="1" dirty="0" smtClean="0">
+                <a:rPr lang="ko-KR" altLang="en-US" b="1" dirty="0">
                   <a:solidFill>
                     <a:schemeClr val="bg1"/>
                   </a:solidFill>
                 </a:rPr>
                 <a:t>코드</a:t>
               </a:r>
-              <a:endParaRPr lang="ko-KR" altLang="en-US" b="1" dirty="0">
-                <a:solidFill>
-                  <a:schemeClr val="bg1"/>
-                </a:solidFill>
-              </a:endParaRPr>
             </a:p>
           </p:txBody>
         </p:sp>
@@ -7925,7 +10632,7 @@
             <a:lstStyle/>
             <a:p>
               <a:r>
-                <a:rPr lang="en-US" altLang="ko-KR" b="1" dirty="0" smtClean="0">
+                <a:rPr lang="en-US" altLang="ko-KR" b="1" dirty="0">
                   <a:solidFill>
                     <a:schemeClr val="bg1"/>
                   </a:solidFill>
@@ -7933,18 +10640,13 @@
                 <a:t>Simo &amp; Fox </a:t>
               </a:r>
               <a:r>
-                <a:rPr lang="ko-KR" altLang="en-US" b="1" dirty="0" smtClean="0">
+                <a:rPr lang="ko-KR" altLang="en-US" b="1" dirty="0">
                   <a:solidFill>
                     <a:schemeClr val="bg1"/>
                   </a:solidFill>
                 </a:rPr>
                 <a:t>논문</a:t>
               </a:r>
-              <a:endParaRPr lang="ko-KR" altLang="en-US" b="1" dirty="0">
-                <a:solidFill>
-                  <a:schemeClr val="bg1"/>
-                </a:solidFill>
-              </a:endParaRPr>
             </a:p>
           </p:txBody>
         </p:sp>
@@ -7971,7 +10673,7 @@
             <a:lstStyle/>
             <a:p>
               <a:r>
-                <a:rPr lang="en-US" altLang="ko-KR" b="1" dirty="0" smtClean="0">
+                <a:rPr lang="en-US" altLang="ko-KR" b="1" dirty="0">
                   <a:solidFill>
                     <a:schemeClr val="bg1"/>
                   </a:solidFill>
@@ -8004,7 +10706,7 @@
             <a:lstStyle/>
             <a:p>
               <a:r>
-                <a:rPr lang="en-US" altLang="ko-KR" b="1" dirty="0" err="1" smtClean="0">
+                <a:rPr lang="en-US" altLang="ko-KR" b="1" dirty="0" err="1">
                   <a:solidFill>
                     <a:schemeClr val="bg1"/>
                   </a:solidFill>
@@ -8042,7 +10744,7 @@
             <a:lstStyle/>
             <a:p>
               <a:r>
-                <a:rPr lang="en-US" altLang="ko-KR" b="1" dirty="0" smtClean="0">
+                <a:rPr lang="en-US" altLang="ko-KR" b="1" dirty="0">
                   <a:solidFill>
                     <a:schemeClr val="bg1"/>
                   </a:solidFill>
@@ -8080,7 +10782,7 @@
             <a:lstStyle/>
             <a:p>
               <a:r>
-                <a:rPr lang="en-US" altLang="ko-KR" b="1" dirty="0" smtClean="0">
+                <a:rPr lang="en-US" altLang="ko-KR" b="1" dirty="0">
                   <a:solidFill>
                     <a:schemeClr val="bg1"/>
                   </a:solidFill>
@@ -8118,7 +10820,7 @@
             <a:lstStyle/>
             <a:p>
               <a:r>
-                <a:rPr lang="en-US" altLang="ko-KR" b="1" dirty="0" smtClean="0">
+                <a:rPr lang="en-US" altLang="ko-KR" b="1" dirty="0">
                   <a:solidFill>
                     <a:schemeClr val="bg1"/>
                   </a:solidFill>
@@ -8156,7 +10858,7 @@
             <a:lstStyle/>
             <a:p>
               <a:r>
-                <a:rPr lang="en-US" altLang="ko-KR" b="1" dirty="0" smtClean="0">
+                <a:rPr lang="en-US" altLang="ko-KR" b="1" dirty="0">
                   <a:solidFill>
                     <a:schemeClr val="bg1"/>
                   </a:solidFill>
@@ -8194,7 +10896,7 @@
             <a:lstStyle/>
             <a:p>
               <a:r>
-                <a:rPr lang="en-US" altLang="ko-KR" b="1" dirty="0" smtClean="0">
+                <a:rPr lang="en-US" altLang="ko-KR" b="1" dirty="0">
                   <a:solidFill>
                     <a:schemeClr val="bg1"/>
                   </a:solidFill>
@@ -8232,7 +10934,7 @@
             <a:lstStyle/>
             <a:p>
               <a:r>
-                <a:rPr lang="en-US" altLang="ko-KR" b="1" dirty="0" smtClean="0">
+                <a:rPr lang="en-US" altLang="ko-KR" b="1" dirty="0">
                   <a:solidFill>
                     <a:schemeClr val="bg1"/>
                   </a:solidFill>
@@ -8240,7 +10942,7 @@
                 <a:t>Differential </a:t>
               </a:r>
               <a:r>
-                <a:rPr lang="en-US" altLang="ko-KR" b="1" dirty="0" err="1" smtClean="0">
+                <a:rPr lang="en-US" altLang="ko-KR" b="1" dirty="0" err="1">
                   <a:solidFill>
                     <a:schemeClr val="bg1"/>
                   </a:solidFill>

--- a/그림.pptx
+++ b/그림.pptx
@@ -12,6 +12,7 @@
     <p:sldId id="256" r:id="rId6"/>
     <p:sldId id="257" r:id="rId7"/>
     <p:sldId id="259" r:id="rId8"/>
+    <p:sldId id="264" r:id="rId9"/>
   </p:sldIdLst>
   <p:sldSz cx="12192000" cy="6858000"/>
   <p:notesSz cx="6858000" cy="9144000"/>
@@ -126,6 +127,7 @@
         <p14:section name="회고록" id="{D6A6E14D-B879-4054-BB63-6F3A7D1A5F58}">
           <p14:sldIdLst>
             <p14:sldId id="259"/>
+            <p14:sldId id="264"/>
           </p14:sldIdLst>
         </p14:section>
       </p14:sectionLst>
@@ -266,7 +268,7 @@
           <a:p>
             <a:fld id="{586A42AD-E6DF-43A8-BCEE-31B231F72482}" type="datetimeFigureOut">
               <a:rPr lang="ko-KR" altLang="en-US" smtClean="0"/>
-              <a:t>2022-07-13</a:t>
+              <a:t>2022-07-25</a:t>
             </a:fld>
             <a:endParaRPr lang="ko-KR" altLang="en-US"/>
           </a:p>
@@ -434,7 +436,7 @@
           <a:p>
             <a:fld id="{586A42AD-E6DF-43A8-BCEE-31B231F72482}" type="datetimeFigureOut">
               <a:rPr lang="ko-KR" altLang="en-US" smtClean="0"/>
-              <a:t>2022-07-13</a:t>
+              <a:t>2022-07-25</a:t>
             </a:fld>
             <a:endParaRPr lang="ko-KR" altLang="en-US"/>
           </a:p>
@@ -612,7 +614,7 @@
           <a:p>
             <a:fld id="{586A42AD-E6DF-43A8-BCEE-31B231F72482}" type="datetimeFigureOut">
               <a:rPr lang="ko-KR" altLang="en-US" smtClean="0"/>
-              <a:t>2022-07-13</a:t>
+              <a:t>2022-07-25</a:t>
             </a:fld>
             <a:endParaRPr lang="ko-KR" altLang="en-US"/>
           </a:p>
@@ -780,7 +782,7 @@
           <a:p>
             <a:fld id="{586A42AD-E6DF-43A8-BCEE-31B231F72482}" type="datetimeFigureOut">
               <a:rPr lang="ko-KR" altLang="en-US" smtClean="0"/>
-              <a:t>2022-07-13</a:t>
+              <a:t>2022-07-25</a:t>
             </a:fld>
             <a:endParaRPr lang="ko-KR" altLang="en-US"/>
           </a:p>
@@ -1025,7 +1027,7 @@
           <a:p>
             <a:fld id="{586A42AD-E6DF-43A8-BCEE-31B231F72482}" type="datetimeFigureOut">
               <a:rPr lang="ko-KR" altLang="en-US" smtClean="0"/>
-              <a:t>2022-07-13</a:t>
+              <a:t>2022-07-25</a:t>
             </a:fld>
             <a:endParaRPr lang="ko-KR" altLang="en-US"/>
           </a:p>
@@ -1254,7 +1256,7 @@
           <a:p>
             <a:fld id="{586A42AD-E6DF-43A8-BCEE-31B231F72482}" type="datetimeFigureOut">
               <a:rPr lang="ko-KR" altLang="en-US" smtClean="0"/>
-              <a:t>2022-07-13</a:t>
+              <a:t>2022-07-25</a:t>
             </a:fld>
             <a:endParaRPr lang="ko-KR" altLang="en-US"/>
           </a:p>
@@ -1618,7 +1620,7 @@
           <a:p>
             <a:fld id="{586A42AD-E6DF-43A8-BCEE-31B231F72482}" type="datetimeFigureOut">
               <a:rPr lang="ko-KR" altLang="en-US" smtClean="0"/>
-              <a:t>2022-07-13</a:t>
+              <a:t>2022-07-25</a:t>
             </a:fld>
             <a:endParaRPr lang="ko-KR" altLang="en-US"/>
           </a:p>
@@ -1735,7 +1737,7 @@
           <a:p>
             <a:fld id="{586A42AD-E6DF-43A8-BCEE-31B231F72482}" type="datetimeFigureOut">
               <a:rPr lang="ko-KR" altLang="en-US" smtClean="0"/>
-              <a:t>2022-07-13</a:t>
+              <a:t>2022-07-25</a:t>
             </a:fld>
             <a:endParaRPr lang="ko-KR" altLang="en-US"/>
           </a:p>
@@ -1830,7 +1832,7 @@
           <a:p>
             <a:fld id="{586A42AD-E6DF-43A8-BCEE-31B231F72482}" type="datetimeFigureOut">
               <a:rPr lang="ko-KR" altLang="en-US" smtClean="0"/>
-              <a:t>2022-07-13</a:t>
+              <a:t>2022-07-25</a:t>
             </a:fld>
             <a:endParaRPr lang="ko-KR" altLang="en-US"/>
           </a:p>
@@ -2105,7 +2107,7 @@
           <a:p>
             <a:fld id="{586A42AD-E6DF-43A8-BCEE-31B231F72482}" type="datetimeFigureOut">
               <a:rPr lang="ko-KR" altLang="en-US" smtClean="0"/>
-              <a:t>2022-07-13</a:t>
+              <a:t>2022-07-25</a:t>
             </a:fld>
             <a:endParaRPr lang="ko-KR" altLang="en-US"/>
           </a:p>
@@ -2357,7 +2359,7 @@
           <a:p>
             <a:fld id="{586A42AD-E6DF-43A8-BCEE-31B231F72482}" type="datetimeFigureOut">
               <a:rPr lang="ko-KR" altLang="en-US" smtClean="0"/>
-              <a:t>2022-07-13</a:t>
+              <a:t>2022-07-25</a:t>
             </a:fld>
             <a:endParaRPr lang="ko-KR" altLang="en-US"/>
           </a:p>
@@ -2568,7 +2570,7 @@
           <a:p>
             <a:fld id="{586A42AD-E6DF-43A8-BCEE-31B231F72482}" type="datetimeFigureOut">
               <a:rPr lang="ko-KR" altLang="en-US" smtClean="0"/>
-              <a:t>2022-07-13</a:t>
+              <a:t>2022-07-25</a:t>
             </a:fld>
             <a:endParaRPr lang="ko-KR" altLang="en-US"/>
           </a:p>
@@ -4742,8 +4744,8 @@
           </a:fontRef>
         </p:style>
       </p:cxnSp>
-      <mc:AlternateContent xmlns:mc="http://schemas.openxmlformats.org/markup-compatibility/2006">
-        <mc:Choice xmlns:a14="http://schemas.microsoft.com/office/drawing/2010/main" Requires="a14">
+      <mc:AlternateContent xmlns:mc="http://schemas.openxmlformats.org/markup-compatibility/2006" xmlns:a14="http://schemas.microsoft.com/office/drawing/2010/main">
+        <mc:Choice Requires="a14">
           <p:sp>
             <p:nvSpPr>
               <p:cNvPr id="7" name="TextBox 6"/>
@@ -4806,7 +4808,7 @@
             </p:txBody>
           </p:sp>
         </mc:Choice>
-        <mc:Fallback>
+        <mc:Fallback xmlns="">
           <p:sp>
             <p:nvSpPr>
               <p:cNvPr id="7" name="TextBox 6"/>
@@ -4981,8 +4983,8 @@
           </a:fontRef>
         </p:style>
       </p:cxnSp>
-      <mc:AlternateContent xmlns:mc="http://schemas.openxmlformats.org/markup-compatibility/2006">
-        <mc:Choice xmlns:a14="http://schemas.microsoft.com/office/drawing/2010/main" Requires="a14">
+      <mc:AlternateContent xmlns:mc="http://schemas.openxmlformats.org/markup-compatibility/2006" xmlns:a14="http://schemas.microsoft.com/office/drawing/2010/main">
+        <mc:Choice Requires="a14">
           <p:sp>
             <p:nvSpPr>
               <p:cNvPr id="15" name="TextBox 14"/>
@@ -5005,6 +5007,7 @@
               </a:bodyPr>
               <a:lstStyle/>
               <a:p>
+                <a:pPr/>
                 <a14:m>
                   <m:oMathPara xmlns:m="http://schemas.openxmlformats.org/officeDocument/2006/math">
                     <m:oMathParaPr>
@@ -5025,7 +5028,7 @@
             </p:txBody>
           </p:sp>
         </mc:Choice>
-        <mc:Fallback>
+        <mc:Fallback xmlns="">
           <p:sp>
             <p:nvSpPr>
               <p:cNvPr id="15" name="TextBox 14"/>
@@ -5064,8 +5067,8 @@
           </p:sp>
         </mc:Fallback>
       </mc:AlternateContent>
-      <mc:AlternateContent xmlns:mc="http://schemas.openxmlformats.org/markup-compatibility/2006">
-        <mc:Choice xmlns:a14="http://schemas.microsoft.com/office/drawing/2010/main" Requires="a14">
+      <mc:AlternateContent xmlns:mc="http://schemas.openxmlformats.org/markup-compatibility/2006" xmlns:a14="http://schemas.microsoft.com/office/drawing/2010/main">
+        <mc:Choice Requires="a14">
           <p:sp>
             <p:nvSpPr>
               <p:cNvPr id="16" name="TextBox 15"/>
@@ -5109,7 +5112,7 @@
             </p:txBody>
           </p:sp>
         </mc:Choice>
-        <mc:Fallback>
+        <mc:Fallback xmlns="">
           <p:sp>
             <p:nvSpPr>
               <p:cNvPr id="16" name="TextBox 15"/>
@@ -5181,8 +5184,8 @@
           </a:fontRef>
         </p:style>
       </p:cxnSp>
-      <mc:AlternateContent xmlns:mc="http://schemas.openxmlformats.org/markup-compatibility/2006">
-        <mc:Choice xmlns:a14="http://schemas.microsoft.com/office/drawing/2010/main" Requires="a14">
+      <mc:AlternateContent xmlns:mc="http://schemas.openxmlformats.org/markup-compatibility/2006" xmlns:a14="http://schemas.microsoft.com/office/drawing/2010/main">
+        <mc:Choice Requires="a14">
           <p:sp>
             <p:nvSpPr>
               <p:cNvPr id="13" name="TextBox 12"/>
@@ -5232,7 +5235,7 @@
             </p:txBody>
           </p:sp>
         </mc:Choice>
-        <mc:Fallback>
+        <mc:Fallback xmlns="">
           <p:sp>
             <p:nvSpPr>
               <p:cNvPr id="13" name="TextBox 12"/>
@@ -5271,8 +5274,8 @@
           </p:sp>
         </mc:Fallback>
       </mc:AlternateContent>
-      <mc:AlternateContent xmlns:mc="http://schemas.openxmlformats.org/markup-compatibility/2006">
-        <mc:Choice xmlns:a14="http://schemas.microsoft.com/office/drawing/2010/main" Requires="a14">
+      <mc:AlternateContent xmlns:mc="http://schemas.openxmlformats.org/markup-compatibility/2006" xmlns:a14="http://schemas.microsoft.com/office/drawing/2010/main">
+        <mc:Choice Requires="a14">
           <p:sp>
             <p:nvSpPr>
               <p:cNvPr id="14" name="TextBox 13"/>
@@ -5322,7 +5325,7 @@
             </p:txBody>
           </p:sp>
         </mc:Choice>
-        <mc:Fallback>
+        <mc:Fallback xmlns="">
           <p:sp>
             <p:nvSpPr>
               <p:cNvPr id="14" name="TextBox 13"/>
@@ -5366,7 +5369,7 @@
           <p:cNvPr id="27" name="직선 화살표 연결선 26">
             <a:extLst>
               <a:ext uri="{FF2B5EF4-FFF2-40B4-BE49-F238E27FC236}">
-                <a16:creationId xmlns:a16="http://schemas.microsoft.com/office/drawing/2014/main" id="{C93B29A1-F190-44D3-A9D0-DFAD4F83776E}"/>
+                <a16:creationId xmlns:a16="http://schemas.microsoft.com/office/drawing/2014/main" xmlns="" id="{C93B29A1-F190-44D3-A9D0-DFAD4F83776E}"/>
               </a:ext>
             </a:extLst>
           </p:cNvPr>
@@ -5405,14 +5408,14 @@
           </a:fontRef>
         </p:style>
       </p:cxnSp>
-      <mc:AlternateContent xmlns:mc="http://schemas.openxmlformats.org/markup-compatibility/2006">
-        <mc:Choice xmlns:a14="http://schemas.microsoft.com/office/drawing/2010/main" Requires="a14">
+      <mc:AlternateContent xmlns:mc="http://schemas.openxmlformats.org/markup-compatibility/2006" xmlns:a14="http://schemas.microsoft.com/office/drawing/2010/main">
+        <mc:Choice Requires="a14">
           <p:sp>
             <p:nvSpPr>
               <p:cNvPr id="28" name="TextBox 27">
                 <a:extLst>
                   <a:ext uri="{FF2B5EF4-FFF2-40B4-BE49-F238E27FC236}">
-                    <a16:creationId xmlns:a16="http://schemas.microsoft.com/office/drawing/2014/main" id="{07B5ABC4-CAA0-493B-ACDF-C42A51522079}"/>
+                    <a16:creationId xmlns:a16="http://schemas.microsoft.com/office/drawing/2014/main" xmlns="" id="{07B5ABC4-CAA0-493B-ACDF-C42A51522079}"/>
                   </a:ext>
                 </a:extLst>
               </p:cNvPr>
@@ -5475,7 +5478,7 @@
             </p:txBody>
           </p:sp>
         </mc:Choice>
-        <mc:Fallback>
+        <mc:Fallback xmlns="">
           <p:sp>
             <p:nvSpPr>
               <p:cNvPr id="28" name="TextBox 27">
@@ -5525,7 +5528,7 @@
           <p:cNvPr id="29" name="직선 화살표 연결선 28">
             <a:extLst>
               <a:ext uri="{FF2B5EF4-FFF2-40B4-BE49-F238E27FC236}">
-                <a16:creationId xmlns:a16="http://schemas.microsoft.com/office/drawing/2014/main" id="{782BF86B-4207-4FE7-8DAC-CEB1861B292A}"/>
+                <a16:creationId xmlns:a16="http://schemas.microsoft.com/office/drawing/2014/main" xmlns="" id="{782BF86B-4207-4FE7-8DAC-CEB1861B292A}"/>
               </a:ext>
             </a:extLst>
           </p:cNvPr>
@@ -5564,14 +5567,14 @@
           </a:fontRef>
         </p:style>
       </p:cxnSp>
-      <mc:AlternateContent xmlns:mc="http://schemas.openxmlformats.org/markup-compatibility/2006">
-        <mc:Choice xmlns:a14="http://schemas.microsoft.com/office/drawing/2010/main" Requires="a14">
+      <mc:AlternateContent xmlns:mc="http://schemas.openxmlformats.org/markup-compatibility/2006" xmlns:a14="http://schemas.microsoft.com/office/drawing/2010/main">
+        <mc:Choice Requires="a14">
           <p:sp>
             <p:nvSpPr>
               <p:cNvPr id="32" name="TextBox 31">
                 <a:extLst>
                   <a:ext uri="{FF2B5EF4-FFF2-40B4-BE49-F238E27FC236}">
-                    <a16:creationId xmlns:a16="http://schemas.microsoft.com/office/drawing/2014/main" id="{5DB3AE05-D351-4E8F-8481-E70A4D8B443E}"/>
+                    <a16:creationId xmlns:a16="http://schemas.microsoft.com/office/drawing/2014/main" xmlns="" id="{5DB3AE05-D351-4E8F-8481-E70A4D8B443E}"/>
                   </a:ext>
                 </a:extLst>
               </p:cNvPr>
@@ -5615,7 +5618,7 @@
             </p:txBody>
           </p:sp>
         </mc:Choice>
-        <mc:Fallback>
+        <mc:Fallback xmlns="">
           <p:sp>
             <p:nvSpPr>
               <p:cNvPr id="32" name="TextBox 31">
@@ -5665,7 +5668,7 @@
           <p:cNvPr id="33" name="직선 화살표 연결선 32">
             <a:extLst>
               <a:ext uri="{FF2B5EF4-FFF2-40B4-BE49-F238E27FC236}">
-                <a16:creationId xmlns:a16="http://schemas.microsoft.com/office/drawing/2014/main" id="{F5FC4C0A-B591-4F3B-BD15-9D9E5EC72772}"/>
+                <a16:creationId xmlns:a16="http://schemas.microsoft.com/office/drawing/2014/main" xmlns="" id="{F5FC4C0A-B591-4F3B-BD15-9D9E5EC72772}"/>
               </a:ext>
             </a:extLst>
           </p:cNvPr>
@@ -5704,14 +5707,14 @@
           </a:fontRef>
         </p:style>
       </p:cxnSp>
-      <mc:AlternateContent xmlns:mc="http://schemas.openxmlformats.org/markup-compatibility/2006">
-        <mc:Choice xmlns:a14="http://schemas.microsoft.com/office/drawing/2010/main" Requires="a14">
+      <mc:AlternateContent xmlns:mc="http://schemas.openxmlformats.org/markup-compatibility/2006" xmlns:a14="http://schemas.microsoft.com/office/drawing/2010/main">
+        <mc:Choice Requires="a14">
           <p:sp>
             <p:nvSpPr>
               <p:cNvPr id="38" name="TextBox 37">
                 <a:extLst>
                   <a:ext uri="{FF2B5EF4-FFF2-40B4-BE49-F238E27FC236}">
-                    <a16:creationId xmlns:a16="http://schemas.microsoft.com/office/drawing/2014/main" id="{EC18DB71-3399-4E5E-B321-6A9670FF95D7}"/>
+                    <a16:creationId xmlns:a16="http://schemas.microsoft.com/office/drawing/2014/main" xmlns="" id="{EC18DB71-3399-4E5E-B321-6A9670FF95D7}"/>
                   </a:ext>
                 </a:extLst>
               </p:cNvPr>
@@ -5744,7 +5747,7 @@
                       <m:sSup>
                         <m:sSupPr>
                           <m:ctrlPr>
-                            <a:rPr lang="en-US" altLang="ko-KR" b="1" i="0" smtClean="0">
+                            <a:rPr lang="en-US" altLang="ko-KR" b="1" i="1" smtClean="0">
                               <a:latin typeface="Cambria Math" panose="02040503050406030204" pitchFamily="18" charset="0"/>
                             </a:rPr>
                           </m:ctrlPr>
@@ -5774,7 +5777,7 @@
             </p:txBody>
           </p:sp>
         </mc:Choice>
-        <mc:Fallback>
+        <mc:Fallback xmlns="">
           <p:sp>
             <p:nvSpPr>
               <p:cNvPr id="38" name="TextBox 37">
@@ -5922,8 +5925,8 @@
           </a:fontRef>
         </p:style>
       </p:cxnSp>
-      <mc:AlternateContent xmlns:mc="http://schemas.openxmlformats.org/markup-compatibility/2006">
-        <mc:Choice xmlns:a14="http://schemas.microsoft.com/office/drawing/2010/main" Requires="a14">
+      <mc:AlternateContent xmlns:mc="http://schemas.openxmlformats.org/markup-compatibility/2006" xmlns:a14="http://schemas.microsoft.com/office/drawing/2010/main">
+        <mc:Choice Requires="a14">
           <p:sp>
             <p:nvSpPr>
               <p:cNvPr id="7" name="TextBox 6"/>
@@ -5986,7 +5989,7 @@
             </p:txBody>
           </p:sp>
         </mc:Choice>
-        <mc:Fallback>
+        <mc:Fallback xmlns="">
           <p:sp>
             <p:nvSpPr>
               <p:cNvPr id="7" name="TextBox 6"/>
@@ -6159,8 +6162,8 @@
           </a:fontRef>
         </p:style>
       </p:cxnSp>
-      <mc:AlternateContent xmlns:mc="http://schemas.openxmlformats.org/markup-compatibility/2006">
-        <mc:Choice xmlns:a14="http://schemas.microsoft.com/office/drawing/2010/main" Requires="a14">
+      <mc:AlternateContent xmlns:mc="http://schemas.openxmlformats.org/markup-compatibility/2006" xmlns:a14="http://schemas.microsoft.com/office/drawing/2010/main">
+        <mc:Choice Requires="a14">
           <p:sp>
             <p:nvSpPr>
               <p:cNvPr id="15" name="TextBox 14"/>
@@ -6183,6 +6186,7 @@
               </a:bodyPr>
               <a:lstStyle/>
               <a:p>
+                <a:pPr/>
                 <a14:m>
                   <m:oMathPara xmlns:m="http://schemas.openxmlformats.org/officeDocument/2006/math">
                     <m:oMathParaPr>
@@ -6203,7 +6207,7 @@
             </p:txBody>
           </p:sp>
         </mc:Choice>
-        <mc:Fallback>
+        <mc:Fallback xmlns="">
           <p:sp>
             <p:nvSpPr>
               <p:cNvPr id="15" name="TextBox 14"/>
@@ -6242,8 +6246,8 @@
           </p:sp>
         </mc:Fallback>
       </mc:AlternateContent>
-      <mc:AlternateContent xmlns:mc="http://schemas.openxmlformats.org/markup-compatibility/2006">
-        <mc:Choice xmlns:a14="http://schemas.microsoft.com/office/drawing/2010/main" Requires="a14">
+      <mc:AlternateContent xmlns:mc="http://schemas.openxmlformats.org/markup-compatibility/2006" xmlns:a14="http://schemas.microsoft.com/office/drawing/2010/main">
+        <mc:Choice Requires="a14">
           <p:sp>
             <p:nvSpPr>
               <p:cNvPr id="16" name="TextBox 15"/>
@@ -6287,7 +6291,7 @@
             </p:txBody>
           </p:sp>
         </mc:Choice>
-        <mc:Fallback>
+        <mc:Fallback xmlns="">
           <p:sp>
             <p:nvSpPr>
               <p:cNvPr id="16" name="TextBox 15"/>
@@ -6331,7 +6335,7 @@
           <p:cNvPr id="9" name="그룹 8">
             <a:extLst>
               <a:ext uri="{FF2B5EF4-FFF2-40B4-BE49-F238E27FC236}">
-                <a16:creationId xmlns:a16="http://schemas.microsoft.com/office/drawing/2014/main" id="{F54825A1-879E-45C3-84C9-39758CFBC1AD}"/>
+                <a16:creationId xmlns:a16="http://schemas.microsoft.com/office/drawing/2014/main" xmlns="" id="{F54825A1-879E-45C3-84C9-39758CFBC1AD}"/>
               </a:ext>
             </a:extLst>
           </p:cNvPr>
@@ -6379,8 +6383,8 @@
             </a:fontRef>
           </p:style>
         </p:cxnSp>
-        <mc:AlternateContent xmlns:mc="http://schemas.openxmlformats.org/markup-compatibility/2006">
-          <mc:Choice xmlns:a14="http://schemas.microsoft.com/office/drawing/2010/main" Requires="a14">
+        <mc:AlternateContent xmlns:mc="http://schemas.openxmlformats.org/markup-compatibility/2006" xmlns:a14="http://schemas.microsoft.com/office/drawing/2010/main">
+          <mc:Choice Requires="a14">
             <p:sp>
               <p:nvSpPr>
                 <p:cNvPr id="13" name="TextBox 12"/>
@@ -6430,7 +6434,7 @@
               </p:txBody>
             </p:sp>
           </mc:Choice>
-          <mc:Fallback>
+          <mc:Fallback xmlns="">
             <p:sp>
               <p:nvSpPr>
                 <p:cNvPr id="13" name="TextBox 12"/>
@@ -6469,8 +6473,8 @@
             </p:sp>
           </mc:Fallback>
         </mc:AlternateContent>
-        <mc:AlternateContent xmlns:mc="http://schemas.openxmlformats.org/markup-compatibility/2006">
-          <mc:Choice xmlns:a14="http://schemas.microsoft.com/office/drawing/2010/main" Requires="a14">
+        <mc:AlternateContent xmlns:mc="http://schemas.openxmlformats.org/markup-compatibility/2006" xmlns:a14="http://schemas.microsoft.com/office/drawing/2010/main">
+          <mc:Choice Requires="a14">
             <p:sp>
               <p:nvSpPr>
                 <p:cNvPr id="14" name="TextBox 13"/>
@@ -6520,7 +6524,7 @@
               </p:txBody>
             </p:sp>
           </mc:Choice>
-          <mc:Fallback>
+          <mc:Fallback xmlns="">
             <p:sp>
               <p:nvSpPr>
                 <p:cNvPr id="14" name="TextBox 13"/>
@@ -6559,8 +6563,8 @@
             </p:sp>
           </mc:Fallback>
         </mc:AlternateContent>
-        <mc:AlternateContent xmlns:mc="http://schemas.openxmlformats.org/markup-compatibility/2006">
-          <mc:Choice xmlns:a14="http://schemas.microsoft.com/office/drawing/2010/main" Requires="a14">
+        <mc:AlternateContent xmlns:mc="http://schemas.openxmlformats.org/markup-compatibility/2006" xmlns:a14="http://schemas.microsoft.com/office/drawing/2010/main">
+          <mc:Choice Requires="a14">
             <p:sp>
               <p:nvSpPr>
                 <p:cNvPr id="17" name="TextBox 16"/>
@@ -6623,7 +6627,7 @@
               </p:txBody>
             </p:sp>
           </mc:Choice>
-          <mc:Fallback>
+          <mc:Fallback xmlns="">
             <p:sp>
               <p:nvSpPr>
                 <p:cNvPr id="17" name="TextBox 16"/>
@@ -6754,7 +6758,7 @@
           <p:cNvPr id="19" name="자유형: 도형 18">
             <a:extLst>
               <a:ext uri="{FF2B5EF4-FFF2-40B4-BE49-F238E27FC236}">
-                <a16:creationId xmlns:a16="http://schemas.microsoft.com/office/drawing/2014/main" id="{28DE563C-2016-4934-A4EE-657070DFAE5E}"/>
+                <a16:creationId xmlns:a16="http://schemas.microsoft.com/office/drawing/2014/main" xmlns="" id="{28DE563C-2016-4934-A4EE-657070DFAE5E}"/>
               </a:ext>
             </a:extLst>
           </p:cNvPr>
@@ -6839,14 +6843,14 @@
           </a:p>
         </p:txBody>
       </p:sp>
-      <mc:AlternateContent xmlns:mc="http://schemas.openxmlformats.org/markup-compatibility/2006">
-        <mc:Choice xmlns:a14="http://schemas.microsoft.com/office/drawing/2010/main" Requires="a14">
+      <mc:AlternateContent xmlns:mc="http://schemas.openxmlformats.org/markup-compatibility/2006" xmlns:a14="http://schemas.microsoft.com/office/drawing/2010/main">
+        <mc:Choice Requires="a14">
           <p:sp>
             <p:nvSpPr>
               <p:cNvPr id="22" name="TextBox 21">
                 <a:extLst>
                   <a:ext uri="{FF2B5EF4-FFF2-40B4-BE49-F238E27FC236}">
-                    <a16:creationId xmlns:a16="http://schemas.microsoft.com/office/drawing/2014/main" id="{702F36E8-3840-4F82-ACA9-0ADC9BF2CD7E}"/>
+                    <a16:creationId xmlns:a16="http://schemas.microsoft.com/office/drawing/2014/main" xmlns="" id="{702F36E8-3840-4F82-ACA9-0ADC9BF2CD7E}"/>
                   </a:ext>
                 </a:extLst>
               </p:cNvPr>
@@ -6917,7 +6921,7 @@
             </p:txBody>
           </p:sp>
         </mc:Choice>
-        <mc:Fallback>
+        <mc:Fallback xmlns="">
           <p:sp>
             <p:nvSpPr>
               <p:cNvPr id="22" name="TextBox 21">
@@ -6967,7 +6971,7 @@
           <p:cNvPr id="23" name="자유형: 도형 22">
             <a:extLst>
               <a:ext uri="{FF2B5EF4-FFF2-40B4-BE49-F238E27FC236}">
-                <a16:creationId xmlns:a16="http://schemas.microsoft.com/office/drawing/2014/main" id="{D4262DC8-AC8F-4E4E-8F9A-78963014DDC7}"/>
+                <a16:creationId xmlns:a16="http://schemas.microsoft.com/office/drawing/2014/main" xmlns="" id="{D4262DC8-AC8F-4E4E-8F9A-78963014DDC7}"/>
               </a:ext>
             </a:extLst>
           </p:cNvPr>
@@ -7052,14 +7056,14 @@
           </a:p>
         </p:txBody>
       </p:sp>
-      <mc:AlternateContent xmlns:mc="http://schemas.openxmlformats.org/markup-compatibility/2006">
-        <mc:Choice xmlns:a14="http://schemas.microsoft.com/office/drawing/2010/main" Requires="a14">
+      <mc:AlternateContent xmlns:mc="http://schemas.openxmlformats.org/markup-compatibility/2006" xmlns:a14="http://schemas.microsoft.com/office/drawing/2010/main">
+        <mc:Choice Requires="a14">
           <p:sp>
             <p:nvSpPr>
               <p:cNvPr id="26" name="TextBox 25">
                 <a:extLst>
                   <a:ext uri="{FF2B5EF4-FFF2-40B4-BE49-F238E27FC236}">
-                    <a16:creationId xmlns:a16="http://schemas.microsoft.com/office/drawing/2014/main" id="{4C456F18-AA04-4135-AED2-7569217695DC}"/>
+                    <a16:creationId xmlns:a16="http://schemas.microsoft.com/office/drawing/2014/main" xmlns="" id="{4C456F18-AA04-4135-AED2-7569217695DC}"/>
                   </a:ext>
                 </a:extLst>
               </p:cNvPr>
@@ -7130,7 +7134,7 @@
             </p:txBody>
           </p:sp>
         </mc:Choice>
-        <mc:Fallback>
+        <mc:Fallback xmlns="">
           <p:sp>
             <p:nvSpPr>
               <p:cNvPr id="26" name="TextBox 25">
@@ -7278,8 +7282,8 @@
           </a:fontRef>
         </p:style>
       </p:cxnSp>
-      <mc:AlternateContent xmlns:mc="http://schemas.openxmlformats.org/markup-compatibility/2006">
-        <mc:Choice xmlns:a14="http://schemas.microsoft.com/office/drawing/2010/main" Requires="a14">
+      <mc:AlternateContent xmlns:mc="http://schemas.openxmlformats.org/markup-compatibility/2006" xmlns:a14="http://schemas.microsoft.com/office/drawing/2010/main">
+        <mc:Choice Requires="a14">
           <p:sp>
             <p:nvSpPr>
               <p:cNvPr id="7" name="TextBox 6"/>
@@ -7342,7 +7346,7 @@
             </p:txBody>
           </p:sp>
         </mc:Choice>
-        <mc:Fallback>
+        <mc:Fallback xmlns="">
           <p:sp>
             <p:nvSpPr>
               <p:cNvPr id="7" name="TextBox 6"/>
@@ -7515,8 +7519,8 @@
           </a:fontRef>
         </p:style>
       </p:cxnSp>
-      <mc:AlternateContent xmlns:mc="http://schemas.openxmlformats.org/markup-compatibility/2006">
-        <mc:Choice xmlns:a14="http://schemas.microsoft.com/office/drawing/2010/main" Requires="a14">
+      <mc:AlternateContent xmlns:mc="http://schemas.openxmlformats.org/markup-compatibility/2006" xmlns:a14="http://schemas.microsoft.com/office/drawing/2010/main">
+        <mc:Choice Requires="a14">
           <p:sp>
             <p:nvSpPr>
               <p:cNvPr id="15" name="TextBox 14"/>
@@ -7539,6 +7543,7 @@
               </a:bodyPr>
               <a:lstStyle/>
               <a:p>
+                <a:pPr/>
                 <a14:m>
                   <m:oMathPara xmlns:m="http://schemas.openxmlformats.org/officeDocument/2006/math">
                     <m:oMathParaPr>
@@ -7559,7 +7564,7 @@
             </p:txBody>
           </p:sp>
         </mc:Choice>
-        <mc:Fallback>
+        <mc:Fallback xmlns="">
           <p:sp>
             <p:nvSpPr>
               <p:cNvPr id="15" name="TextBox 14"/>
@@ -7598,8 +7603,8 @@
           </p:sp>
         </mc:Fallback>
       </mc:AlternateContent>
-      <mc:AlternateContent xmlns:mc="http://schemas.openxmlformats.org/markup-compatibility/2006">
-        <mc:Choice xmlns:a14="http://schemas.microsoft.com/office/drawing/2010/main" Requires="a14">
+      <mc:AlternateContent xmlns:mc="http://schemas.openxmlformats.org/markup-compatibility/2006" xmlns:a14="http://schemas.microsoft.com/office/drawing/2010/main">
+        <mc:Choice Requires="a14">
           <p:sp>
             <p:nvSpPr>
               <p:cNvPr id="16" name="TextBox 15"/>
@@ -7643,7 +7648,7 @@
             </p:txBody>
           </p:sp>
         </mc:Choice>
-        <mc:Fallback>
+        <mc:Fallback xmlns="">
           <p:sp>
             <p:nvSpPr>
               <p:cNvPr id="16" name="TextBox 15"/>
@@ -7715,8 +7720,8 @@
           </a:fontRef>
         </p:style>
       </p:cxnSp>
-      <mc:AlternateContent xmlns:mc="http://schemas.openxmlformats.org/markup-compatibility/2006">
-        <mc:Choice xmlns:a14="http://schemas.microsoft.com/office/drawing/2010/main" Requires="a14">
+      <mc:AlternateContent xmlns:mc="http://schemas.openxmlformats.org/markup-compatibility/2006" xmlns:a14="http://schemas.microsoft.com/office/drawing/2010/main">
+        <mc:Choice Requires="a14">
           <p:sp>
             <p:nvSpPr>
               <p:cNvPr id="13" name="TextBox 12"/>
@@ -7766,7 +7771,7 @@
             </p:txBody>
           </p:sp>
         </mc:Choice>
-        <mc:Fallback>
+        <mc:Fallback xmlns="">
           <p:sp>
             <p:nvSpPr>
               <p:cNvPr id="13" name="TextBox 12"/>
@@ -7805,8 +7810,8 @@
           </p:sp>
         </mc:Fallback>
       </mc:AlternateContent>
-      <mc:AlternateContent xmlns:mc="http://schemas.openxmlformats.org/markup-compatibility/2006">
-        <mc:Choice xmlns:a14="http://schemas.microsoft.com/office/drawing/2010/main" Requires="a14">
+      <mc:AlternateContent xmlns:mc="http://schemas.openxmlformats.org/markup-compatibility/2006" xmlns:a14="http://schemas.microsoft.com/office/drawing/2010/main">
+        <mc:Choice Requires="a14">
           <p:sp>
             <p:nvSpPr>
               <p:cNvPr id="14" name="TextBox 13"/>
@@ -7856,7 +7861,7 @@
             </p:txBody>
           </p:sp>
         </mc:Choice>
-        <mc:Fallback>
+        <mc:Fallback xmlns="">
           <p:sp>
             <p:nvSpPr>
               <p:cNvPr id="14" name="TextBox 13"/>
@@ -7938,7 +7943,7 @@
           <p:cNvPr id="19" name="자유형: 도형 18">
             <a:extLst>
               <a:ext uri="{FF2B5EF4-FFF2-40B4-BE49-F238E27FC236}">
-                <a16:creationId xmlns:a16="http://schemas.microsoft.com/office/drawing/2014/main" id="{28DE563C-2016-4934-A4EE-657070DFAE5E}"/>
+                <a16:creationId xmlns:a16="http://schemas.microsoft.com/office/drawing/2014/main" xmlns="" id="{28DE563C-2016-4934-A4EE-657070DFAE5E}"/>
               </a:ext>
             </a:extLst>
           </p:cNvPr>
@@ -8023,14 +8028,14 @@
           </a:p>
         </p:txBody>
       </p:sp>
-      <mc:AlternateContent xmlns:mc="http://schemas.openxmlformats.org/markup-compatibility/2006">
-        <mc:Choice xmlns:a14="http://schemas.microsoft.com/office/drawing/2010/main" Requires="a14">
+      <mc:AlternateContent xmlns:mc="http://schemas.openxmlformats.org/markup-compatibility/2006" xmlns:a14="http://schemas.microsoft.com/office/drawing/2010/main">
+        <mc:Choice Requires="a14">
           <p:sp>
             <p:nvSpPr>
               <p:cNvPr id="22" name="TextBox 21">
                 <a:extLst>
                   <a:ext uri="{FF2B5EF4-FFF2-40B4-BE49-F238E27FC236}">
-                    <a16:creationId xmlns:a16="http://schemas.microsoft.com/office/drawing/2014/main" id="{702F36E8-3840-4F82-ACA9-0ADC9BF2CD7E}"/>
+                    <a16:creationId xmlns:a16="http://schemas.microsoft.com/office/drawing/2014/main" xmlns="" id="{702F36E8-3840-4F82-ACA9-0ADC9BF2CD7E}"/>
                   </a:ext>
                 </a:extLst>
               </p:cNvPr>
@@ -8101,7 +8106,7 @@
             </p:txBody>
           </p:sp>
         </mc:Choice>
-        <mc:Fallback>
+        <mc:Fallback xmlns="">
           <p:sp>
             <p:nvSpPr>
               <p:cNvPr id="22" name="TextBox 21">
@@ -8151,7 +8156,7 @@
           <p:cNvPr id="23" name="자유형: 도형 22">
             <a:extLst>
               <a:ext uri="{FF2B5EF4-FFF2-40B4-BE49-F238E27FC236}">
-                <a16:creationId xmlns:a16="http://schemas.microsoft.com/office/drawing/2014/main" id="{D4262DC8-AC8F-4E4E-8F9A-78963014DDC7}"/>
+                <a16:creationId xmlns:a16="http://schemas.microsoft.com/office/drawing/2014/main" xmlns="" id="{D4262DC8-AC8F-4E4E-8F9A-78963014DDC7}"/>
               </a:ext>
             </a:extLst>
           </p:cNvPr>
@@ -8236,14 +8241,14 @@
           </a:p>
         </p:txBody>
       </p:sp>
-      <mc:AlternateContent xmlns:mc="http://schemas.openxmlformats.org/markup-compatibility/2006">
-        <mc:Choice xmlns:a14="http://schemas.microsoft.com/office/drawing/2010/main" Requires="a14">
+      <mc:AlternateContent xmlns:mc="http://schemas.openxmlformats.org/markup-compatibility/2006" xmlns:a14="http://schemas.microsoft.com/office/drawing/2010/main">
+        <mc:Choice Requires="a14">
           <p:sp>
             <p:nvSpPr>
               <p:cNvPr id="26" name="TextBox 25">
                 <a:extLst>
                   <a:ext uri="{FF2B5EF4-FFF2-40B4-BE49-F238E27FC236}">
-                    <a16:creationId xmlns:a16="http://schemas.microsoft.com/office/drawing/2014/main" id="{4C456F18-AA04-4135-AED2-7569217695DC}"/>
+                    <a16:creationId xmlns:a16="http://schemas.microsoft.com/office/drawing/2014/main" xmlns="" id="{4C456F18-AA04-4135-AED2-7569217695DC}"/>
                   </a:ext>
                 </a:extLst>
               </p:cNvPr>
@@ -8314,7 +8319,7 @@
             </p:txBody>
           </p:sp>
         </mc:Choice>
-        <mc:Fallback>
+        <mc:Fallback xmlns="">
           <p:sp>
             <p:nvSpPr>
               <p:cNvPr id="26" name="TextBox 25">
@@ -8359,14 +8364,14 @@
           </p:sp>
         </mc:Fallback>
       </mc:AlternateContent>
-      <mc:AlternateContent xmlns:mc="http://schemas.openxmlformats.org/markup-compatibility/2006">
-        <mc:Choice xmlns:a14="http://schemas.microsoft.com/office/drawing/2010/main" Requires="a14">
+      <mc:AlternateContent xmlns:mc="http://schemas.openxmlformats.org/markup-compatibility/2006" xmlns:a14="http://schemas.microsoft.com/office/drawing/2010/main">
+        <mc:Choice Requires="a14">
           <p:sp>
             <p:nvSpPr>
               <p:cNvPr id="21" name="TextBox 20">
                 <a:extLst>
                   <a:ext uri="{FF2B5EF4-FFF2-40B4-BE49-F238E27FC236}">
-                    <a16:creationId xmlns:a16="http://schemas.microsoft.com/office/drawing/2014/main" id="{7F1A4031-C0F9-4078-B611-60510E555779}"/>
+                    <a16:creationId xmlns:a16="http://schemas.microsoft.com/office/drawing/2014/main" xmlns="" id="{7F1A4031-C0F9-4078-B611-60510E555779}"/>
                   </a:ext>
                 </a:extLst>
               </p:cNvPr>
@@ -8429,7 +8434,7 @@
             </p:txBody>
           </p:sp>
         </mc:Choice>
-        <mc:Fallback>
+        <mc:Fallback xmlns="">
           <p:sp>
             <p:nvSpPr>
               <p:cNvPr id="21" name="TextBox 20">
@@ -8479,7 +8484,7 @@
           <p:cNvPr id="27" name="원호 26">
             <a:extLst>
               <a:ext uri="{FF2B5EF4-FFF2-40B4-BE49-F238E27FC236}">
-                <a16:creationId xmlns:a16="http://schemas.microsoft.com/office/drawing/2014/main" id="{73F2FA99-BAB3-4AEA-A0D4-FFD161E5142F}"/>
+                <a16:creationId xmlns:a16="http://schemas.microsoft.com/office/drawing/2014/main" xmlns="" id="{73F2FA99-BAB3-4AEA-A0D4-FFD161E5142F}"/>
               </a:ext>
             </a:extLst>
           </p:cNvPr>
@@ -10971,6 +10976,95 @@
 </p:sld>
 </file>
 
+<file path=ppt/slides/slide8.xml><?xml version="1.0" encoding="utf-8"?>
+<p:sld xmlns:a="http://schemas.openxmlformats.org/drawingml/2006/main" xmlns:r="http://schemas.openxmlformats.org/officeDocument/2006/relationships" xmlns:p="http://schemas.openxmlformats.org/presentationml/2006/main">
+  <p:cSld>
+    <p:spTree>
+      <p:nvGrpSpPr>
+        <p:cNvPr id="1" name=""/>
+        <p:cNvGrpSpPr/>
+        <p:nvPr/>
+      </p:nvGrpSpPr>
+      <p:grpSpPr>
+        <a:xfrm>
+          <a:off x="0" y="0"/>
+          <a:ext cx="0" cy="0"/>
+          <a:chOff x="0" y="0"/>
+          <a:chExt cx="0" cy="0"/>
+        </a:xfrm>
+      </p:grpSpPr>
+      <p:pic>
+        <p:nvPicPr>
+          <p:cNvPr id="4" name="내용 개체 틀 5">
+            <a:extLst>
+              <a:ext uri="{FF2B5EF4-FFF2-40B4-BE49-F238E27FC236}">
+                <a16:creationId xmlns="" xmlns:a16="http://schemas.microsoft.com/office/drawing/2014/main" id="{26E65B15-652C-471C-B503-9BD1A7ECA9FF}"/>
+              </a:ext>
+            </a:extLst>
+          </p:cNvPr>
+          <p:cNvPicPr>
+            <a:picLocks noGrp="1" noChangeAspect="1"/>
+          </p:cNvPicPr>
+          <p:nvPr>
+            <p:ph sz="quarter" idx="11"/>
+          </p:nvPr>
+        </p:nvPicPr>
+        <p:blipFill>
+          <a:blip r:embed="rId2"/>
+          <a:stretch>
+            <a:fillRect/>
+          </a:stretch>
+        </p:blipFill>
+        <p:spPr>
+          <a:xfrm>
+            <a:off x="1951443" y="687786"/>
+            <a:ext cx="4063469" cy="5541962"/>
+          </a:xfrm>
+        </p:spPr>
+      </p:pic>
+      <p:pic>
+        <p:nvPicPr>
+          <p:cNvPr id="5" name="그림 4">
+            <a:extLst>
+              <a:ext uri="{FF2B5EF4-FFF2-40B4-BE49-F238E27FC236}">
+                <a16:creationId xmlns="" xmlns:a16="http://schemas.microsoft.com/office/drawing/2014/main" id="{8D86471E-9C3A-40C3-8F27-66A11AC93C24}"/>
+              </a:ext>
+            </a:extLst>
+          </p:cNvPr>
+          <p:cNvPicPr>
+            <a:picLocks noChangeAspect="1"/>
+          </p:cNvPicPr>
+          <p:nvPr/>
+        </p:nvPicPr>
+        <p:blipFill>
+          <a:blip r:embed="rId3"/>
+          <a:stretch>
+            <a:fillRect/>
+          </a:stretch>
+        </p:blipFill>
+        <p:spPr>
+          <a:xfrm>
+            <a:off x="6328152" y="687786"/>
+            <a:ext cx="3835307" cy="5307980"/>
+          </a:xfrm>
+          <a:prstGeom prst="rect">
+            <a:avLst/>
+          </a:prstGeom>
+        </p:spPr>
+      </p:pic>
+    </p:spTree>
+    <p:extLst>
+      <p:ext uri="{BB962C8B-B14F-4D97-AF65-F5344CB8AC3E}">
+        <p14:creationId xmlns:p14="http://schemas.microsoft.com/office/powerpoint/2010/main" val="2505969060"/>
+      </p:ext>
+    </p:extLst>
+  </p:cSld>
+  <p:clrMapOvr>
+    <a:masterClrMapping/>
+  </p:clrMapOvr>
+</p:sld>
+</file>
+
 <file path=ppt/theme/theme1.xml><?xml version="1.0" encoding="utf-8"?>
 <a:theme xmlns:a="http://schemas.openxmlformats.org/drawingml/2006/main" name="Office 테마">
   <a:themeElements>

--- a/그림.pptx
+++ b/그림.pptx
@@ -14,8 +14,12 @@
     <p:sldId id="265" r:id="rId8"/>
     <p:sldId id="267" r:id="rId9"/>
     <p:sldId id="268" r:id="rId10"/>
-    <p:sldId id="259" r:id="rId11"/>
-    <p:sldId id="264" r:id="rId12"/>
+    <p:sldId id="269" r:id="rId11"/>
+    <p:sldId id="270" r:id="rId12"/>
+    <p:sldId id="271" r:id="rId13"/>
+    <p:sldId id="272" r:id="rId14"/>
+    <p:sldId id="259" r:id="rId15"/>
+    <p:sldId id="264" r:id="rId16"/>
   </p:sldIdLst>
   <p:sldSz cx="12192000" cy="6858000"/>
   <p:notesSz cx="6858000" cy="9144000"/>
@@ -128,6 +132,10 @@
             <p14:sldId id="265"/>
             <p14:sldId id="267"/>
             <p14:sldId id="268"/>
+            <p14:sldId id="269"/>
+            <p14:sldId id="270"/>
+            <p14:sldId id="271"/>
+            <p14:sldId id="272"/>
           </p14:sldIdLst>
         </p14:section>
         <p14:section name="회고록" id="{D6A6E14D-B879-4054-BB63-6F3A7D1A5F58}">
@@ -274,7 +282,7 @@
           <a:p>
             <a:fld id="{586A42AD-E6DF-43A8-BCEE-31B231F72482}" type="datetimeFigureOut">
               <a:rPr lang="ko-KR" altLang="en-US" smtClean="0"/>
-              <a:t>2022-07-28</a:t>
+              <a:t>2022-07-29</a:t>
             </a:fld>
             <a:endParaRPr lang="ko-KR" altLang="en-US"/>
           </a:p>
@@ -442,7 +450,7 @@
           <a:p>
             <a:fld id="{586A42AD-E6DF-43A8-BCEE-31B231F72482}" type="datetimeFigureOut">
               <a:rPr lang="ko-KR" altLang="en-US" smtClean="0"/>
-              <a:t>2022-07-28</a:t>
+              <a:t>2022-07-29</a:t>
             </a:fld>
             <a:endParaRPr lang="ko-KR" altLang="en-US"/>
           </a:p>
@@ -620,7 +628,7 @@
           <a:p>
             <a:fld id="{586A42AD-E6DF-43A8-BCEE-31B231F72482}" type="datetimeFigureOut">
               <a:rPr lang="ko-KR" altLang="en-US" smtClean="0"/>
-              <a:t>2022-07-28</a:t>
+              <a:t>2022-07-29</a:t>
             </a:fld>
             <a:endParaRPr lang="ko-KR" altLang="en-US"/>
           </a:p>
@@ -788,7 +796,7 @@
           <a:p>
             <a:fld id="{586A42AD-E6DF-43A8-BCEE-31B231F72482}" type="datetimeFigureOut">
               <a:rPr lang="ko-KR" altLang="en-US" smtClean="0"/>
-              <a:t>2022-07-28</a:t>
+              <a:t>2022-07-29</a:t>
             </a:fld>
             <a:endParaRPr lang="ko-KR" altLang="en-US"/>
           </a:p>
@@ -1033,7 +1041,7 @@
           <a:p>
             <a:fld id="{586A42AD-E6DF-43A8-BCEE-31B231F72482}" type="datetimeFigureOut">
               <a:rPr lang="ko-KR" altLang="en-US" smtClean="0"/>
-              <a:t>2022-07-28</a:t>
+              <a:t>2022-07-29</a:t>
             </a:fld>
             <a:endParaRPr lang="ko-KR" altLang="en-US"/>
           </a:p>
@@ -1262,7 +1270,7 @@
           <a:p>
             <a:fld id="{586A42AD-E6DF-43A8-BCEE-31B231F72482}" type="datetimeFigureOut">
               <a:rPr lang="ko-KR" altLang="en-US" smtClean="0"/>
-              <a:t>2022-07-28</a:t>
+              <a:t>2022-07-29</a:t>
             </a:fld>
             <a:endParaRPr lang="ko-KR" altLang="en-US"/>
           </a:p>
@@ -1626,7 +1634,7 @@
           <a:p>
             <a:fld id="{586A42AD-E6DF-43A8-BCEE-31B231F72482}" type="datetimeFigureOut">
               <a:rPr lang="ko-KR" altLang="en-US" smtClean="0"/>
-              <a:t>2022-07-28</a:t>
+              <a:t>2022-07-29</a:t>
             </a:fld>
             <a:endParaRPr lang="ko-KR" altLang="en-US"/>
           </a:p>
@@ -1743,7 +1751,7 @@
           <a:p>
             <a:fld id="{586A42AD-E6DF-43A8-BCEE-31B231F72482}" type="datetimeFigureOut">
               <a:rPr lang="ko-KR" altLang="en-US" smtClean="0"/>
-              <a:t>2022-07-28</a:t>
+              <a:t>2022-07-29</a:t>
             </a:fld>
             <a:endParaRPr lang="ko-KR" altLang="en-US"/>
           </a:p>
@@ -1838,7 +1846,7 @@
           <a:p>
             <a:fld id="{586A42AD-E6DF-43A8-BCEE-31B231F72482}" type="datetimeFigureOut">
               <a:rPr lang="ko-KR" altLang="en-US" smtClean="0"/>
-              <a:t>2022-07-28</a:t>
+              <a:t>2022-07-29</a:t>
             </a:fld>
             <a:endParaRPr lang="ko-KR" altLang="en-US"/>
           </a:p>
@@ -2113,7 +2121,7 @@
           <a:p>
             <a:fld id="{586A42AD-E6DF-43A8-BCEE-31B231F72482}" type="datetimeFigureOut">
               <a:rPr lang="ko-KR" altLang="en-US" smtClean="0"/>
-              <a:t>2022-07-28</a:t>
+              <a:t>2022-07-29</a:t>
             </a:fld>
             <a:endParaRPr lang="ko-KR" altLang="en-US"/>
           </a:p>
@@ -2365,7 +2373,7 @@
           <a:p>
             <a:fld id="{586A42AD-E6DF-43A8-BCEE-31B231F72482}" type="datetimeFigureOut">
               <a:rPr lang="ko-KR" altLang="en-US" smtClean="0"/>
-              <a:t>2022-07-28</a:t>
+              <a:t>2022-07-29</a:t>
             </a:fld>
             <a:endParaRPr lang="ko-KR" altLang="en-US"/>
           </a:p>
@@ -2576,7 +2584,7 @@
           <a:p>
             <a:fld id="{586A42AD-E6DF-43A8-BCEE-31B231F72482}" type="datetimeFigureOut">
               <a:rPr lang="ko-KR" altLang="en-US" smtClean="0"/>
-              <a:t>2022-07-28</a:t>
+              <a:t>2022-07-29</a:t>
             </a:fld>
             <a:endParaRPr lang="ko-KR" altLang="en-US"/>
           </a:p>
@@ -4677,6 +4685,710 @@
           <a:chExt cx="0" cy="0"/>
         </a:xfrm>
       </p:grpSpPr>
+      <p:pic>
+        <p:nvPicPr>
+          <p:cNvPr id="4" name="그림 3"/>
+          <p:cNvPicPr>
+            <a:picLocks noChangeAspect="1"/>
+          </p:cNvPicPr>
+          <p:nvPr/>
+        </p:nvPicPr>
+        <p:blipFill>
+          <a:blip r:embed="rId2"/>
+          <a:stretch>
+            <a:fillRect/>
+          </a:stretch>
+        </p:blipFill>
+        <p:spPr>
+          <a:xfrm rot="16200000">
+            <a:off x="5498278" y="1510915"/>
+            <a:ext cx="1695527" cy="3186422"/>
+          </a:xfrm>
+          <a:prstGeom prst="rect">
+            <a:avLst/>
+          </a:prstGeom>
+        </p:spPr>
+      </p:pic>
+      <p:cxnSp>
+        <p:nvCxnSpPr>
+          <p:cNvPr id="6" name="직선 화살표 연결선 5"/>
+          <p:cNvCxnSpPr/>
+          <p:nvPr/>
+        </p:nvCxnSpPr>
+        <p:spPr>
+          <a:xfrm flipH="1">
+            <a:off x="4935466" y="2256362"/>
+            <a:ext cx="720000" cy="0"/>
+          </a:xfrm>
+          <a:prstGeom prst="straightConnector1">
+            <a:avLst/>
+          </a:prstGeom>
+          <a:ln w="76200">
+            <a:solidFill>
+              <a:schemeClr val="tx1"/>
+            </a:solidFill>
+            <a:headEnd type="triangle"/>
+            <a:tailEnd type="none"/>
+          </a:ln>
+        </p:spPr>
+        <p:style>
+          <a:lnRef idx="1">
+            <a:schemeClr val="accent1"/>
+          </a:lnRef>
+          <a:fillRef idx="0">
+            <a:schemeClr val="accent1"/>
+          </a:fillRef>
+          <a:effectRef idx="0">
+            <a:schemeClr val="accent1"/>
+          </a:effectRef>
+          <a:fontRef idx="minor">
+            <a:schemeClr val="tx1"/>
+          </a:fontRef>
+        </p:style>
+      </p:cxnSp>
+      <p:cxnSp>
+        <p:nvCxnSpPr>
+          <p:cNvPr id="9" name="직선 화살표 연결선 8"/>
+          <p:cNvCxnSpPr/>
+          <p:nvPr/>
+        </p:nvCxnSpPr>
+        <p:spPr>
+          <a:xfrm flipH="1">
+            <a:off x="4935466" y="4100928"/>
+            <a:ext cx="720000" cy="0"/>
+          </a:xfrm>
+          <a:prstGeom prst="straightConnector1">
+            <a:avLst/>
+          </a:prstGeom>
+          <a:ln w="76200">
+            <a:solidFill>
+              <a:schemeClr val="tx1"/>
+            </a:solidFill>
+            <a:headEnd type="triangle"/>
+            <a:tailEnd type="none"/>
+          </a:ln>
+        </p:spPr>
+        <p:style>
+          <a:lnRef idx="1">
+            <a:schemeClr val="accent1"/>
+          </a:lnRef>
+          <a:fillRef idx="0">
+            <a:schemeClr val="accent1"/>
+          </a:fillRef>
+          <a:effectRef idx="0">
+            <a:schemeClr val="accent1"/>
+          </a:effectRef>
+          <a:fontRef idx="minor">
+            <a:schemeClr val="tx1"/>
+          </a:fontRef>
+        </p:style>
+      </p:cxnSp>
+      <p:cxnSp>
+        <p:nvCxnSpPr>
+          <p:cNvPr id="10" name="직선 화살표 연결선 9"/>
+          <p:cNvCxnSpPr/>
+          <p:nvPr/>
+        </p:nvCxnSpPr>
+        <p:spPr>
+          <a:xfrm flipH="1">
+            <a:off x="7579253" y="2256362"/>
+            <a:ext cx="720000" cy="0"/>
+          </a:xfrm>
+          <a:prstGeom prst="straightConnector1">
+            <a:avLst/>
+          </a:prstGeom>
+          <a:ln w="76200">
+            <a:solidFill>
+              <a:schemeClr val="tx1"/>
+            </a:solidFill>
+            <a:headEnd type="triangle"/>
+            <a:tailEnd type="none"/>
+          </a:ln>
+        </p:spPr>
+        <p:style>
+          <a:lnRef idx="1">
+            <a:schemeClr val="accent1"/>
+          </a:lnRef>
+          <a:fillRef idx="0">
+            <a:schemeClr val="accent1"/>
+          </a:fillRef>
+          <a:effectRef idx="0">
+            <a:schemeClr val="accent1"/>
+          </a:effectRef>
+          <a:fontRef idx="minor">
+            <a:schemeClr val="tx1"/>
+          </a:fontRef>
+        </p:style>
+      </p:cxnSp>
+      <p:cxnSp>
+        <p:nvCxnSpPr>
+          <p:cNvPr id="11" name="직선 화살표 연결선 10"/>
+          <p:cNvCxnSpPr/>
+          <p:nvPr/>
+        </p:nvCxnSpPr>
+        <p:spPr>
+          <a:xfrm flipH="1">
+            <a:off x="7579253" y="4100928"/>
+            <a:ext cx="720000" cy="0"/>
+          </a:xfrm>
+          <a:prstGeom prst="straightConnector1">
+            <a:avLst/>
+          </a:prstGeom>
+          <a:ln w="76200">
+            <a:solidFill>
+              <a:schemeClr val="tx1"/>
+            </a:solidFill>
+            <a:headEnd type="triangle"/>
+            <a:tailEnd type="none"/>
+          </a:ln>
+        </p:spPr>
+        <p:style>
+          <a:lnRef idx="1">
+            <a:schemeClr val="accent1"/>
+          </a:lnRef>
+          <a:fillRef idx="0">
+            <a:schemeClr val="accent1"/>
+          </a:fillRef>
+          <a:effectRef idx="0">
+            <a:schemeClr val="accent1"/>
+          </a:effectRef>
+          <a:fontRef idx="minor">
+            <a:schemeClr val="tx1"/>
+          </a:fontRef>
+        </p:style>
+      </p:cxnSp>
+      <mc:AlternateContent xmlns:mc="http://schemas.openxmlformats.org/markup-compatibility/2006">
+        <mc:Choice xmlns:a14="http://schemas.microsoft.com/office/drawing/2010/main" Requires="a14">
+          <p:sp>
+            <p:nvSpPr>
+              <p:cNvPr id="12" name="TextBox 11"/>
+              <p:cNvSpPr txBox="1"/>
+              <p:nvPr/>
+            </p:nvSpPr>
+            <p:spPr>
+              <a:xfrm>
+                <a:off x="4935466" y="1471487"/>
+                <a:ext cx="366318" cy="369332"/>
+              </a:xfrm>
+              <a:prstGeom prst="rect">
+                <a:avLst/>
+              </a:prstGeom>
+              <a:noFill/>
+            </p:spPr>
+            <p:txBody>
+              <a:bodyPr wrap="none" lIns="0" tIns="0" rIns="0" bIns="0" rtlCol="0">
+                <a:spAutoFit/>
+              </a:bodyPr>
+              <a:lstStyle/>
+              <a:p>
+                <a:pPr/>
+                <a14:m>
+                  <m:oMathPara xmlns:m="http://schemas.openxmlformats.org/officeDocument/2006/math">
+                    <m:oMathParaPr>
+                      <m:jc m:val="centerGroup"/>
+                    </m:oMathParaPr>
+                    <m:oMath xmlns:m="http://schemas.openxmlformats.org/officeDocument/2006/math">
+                      <m:sSub>
+                        <m:sSubPr>
+                          <m:ctrlPr>
+                            <a:rPr lang="en-US" altLang="ko-KR" sz="2400" i="1" smtClean="0">
+                              <a:latin typeface="Cambria Math" panose="02040503050406030204" pitchFamily="18" charset="0"/>
+                            </a:rPr>
+                          </m:ctrlPr>
+                        </m:sSubPr>
+                        <m:e>
+                          <m:r>
+                            <a:rPr lang="en-US" altLang="ko-KR" sz="2400" b="0" i="1" smtClean="0">
+                              <a:latin typeface="Cambria Math" panose="02040503050406030204" pitchFamily="18" charset="0"/>
+                            </a:rPr>
+                            <m:t>𝑓</m:t>
+                          </m:r>
+                        </m:e>
+                        <m:sub>
+                          <m:r>
+                            <a:rPr lang="en-US" altLang="ko-KR" sz="2400" b="0" i="1" smtClean="0">
+                              <a:latin typeface="Cambria Math" panose="02040503050406030204" pitchFamily="18" charset="0"/>
+                            </a:rPr>
+                            <m:t>1</m:t>
+                          </m:r>
+                        </m:sub>
+                      </m:sSub>
+                    </m:oMath>
+                  </m:oMathPara>
+                </a14:m>
+                <a:endParaRPr lang="ko-KR" altLang="en-US" sz="2400" dirty="0"/>
+              </a:p>
+            </p:txBody>
+          </p:sp>
+        </mc:Choice>
+        <mc:Fallback>
+          <p:sp>
+            <p:nvSpPr>
+              <p:cNvPr id="12" name="TextBox 11"/>
+              <p:cNvSpPr txBox="1">
+                <a:spLocks noRot="1" noChangeAspect="1" noMove="1" noResize="1" noEditPoints="1" noAdjustHandles="1" noChangeArrowheads="1" noChangeShapeType="1" noTextEdit="1"/>
+              </p:cNvSpPr>
+              <p:nvPr/>
+            </p:nvSpPr>
+            <p:spPr>
+              <a:xfrm>
+                <a:off x="4935466" y="1471487"/>
+                <a:ext cx="366318" cy="369332"/>
+              </a:xfrm>
+              <a:prstGeom prst="rect">
+                <a:avLst/>
+              </a:prstGeom>
+              <a:blipFill rotWithShape="0">
+                <a:blip r:embed="rId3"/>
+                <a:stretch>
+                  <a:fillRect l="-25000" b="-37705"/>
+                </a:stretch>
+              </a:blipFill>
+            </p:spPr>
+            <p:txBody>
+              <a:bodyPr/>
+              <a:lstStyle/>
+              <a:p>
+                <a:r>
+                  <a:rPr lang="ko-KR" altLang="en-US">
+                    <a:noFill/>
+                  </a:rPr>
+                  <a:t> </a:t>
+                </a:r>
+              </a:p>
+            </p:txBody>
+          </p:sp>
+        </mc:Fallback>
+      </mc:AlternateContent>
+      <mc:AlternateContent xmlns:mc="http://schemas.openxmlformats.org/markup-compatibility/2006">
+        <mc:Choice xmlns:a14="http://schemas.microsoft.com/office/drawing/2010/main" Requires="a14">
+          <p:sp>
+            <p:nvSpPr>
+              <p:cNvPr id="13" name="TextBox 12"/>
+              <p:cNvSpPr txBox="1"/>
+              <p:nvPr/>
+            </p:nvSpPr>
+            <p:spPr>
+              <a:xfrm>
+                <a:off x="7579253" y="1497995"/>
+                <a:ext cx="373436" cy="369332"/>
+              </a:xfrm>
+              <a:prstGeom prst="rect">
+                <a:avLst/>
+              </a:prstGeom>
+              <a:noFill/>
+            </p:spPr>
+            <p:txBody>
+              <a:bodyPr wrap="none" lIns="0" tIns="0" rIns="0" bIns="0" rtlCol="0">
+                <a:spAutoFit/>
+              </a:bodyPr>
+              <a:lstStyle/>
+              <a:p>
+                <a:pPr/>
+                <a14:m>
+                  <m:oMathPara xmlns:m="http://schemas.openxmlformats.org/officeDocument/2006/math">
+                    <m:oMathParaPr>
+                      <m:jc m:val="centerGroup"/>
+                    </m:oMathParaPr>
+                    <m:oMath xmlns:m="http://schemas.openxmlformats.org/officeDocument/2006/math">
+                      <m:sSub>
+                        <m:sSubPr>
+                          <m:ctrlPr>
+                            <a:rPr lang="en-US" altLang="ko-KR" sz="2400" i="1" smtClean="0">
+                              <a:latin typeface="Cambria Math" panose="02040503050406030204" pitchFamily="18" charset="0"/>
+                            </a:rPr>
+                          </m:ctrlPr>
+                        </m:sSubPr>
+                        <m:e>
+                          <m:r>
+                            <a:rPr lang="en-US" altLang="ko-KR" sz="2400" b="0" i="1" smtClean="0">
+                              <a:latin typeface="Cambria Math" panose="02040503050406030204" pitchFamily="18" charset="0"/>
+                            </a:rPr>
+                            <m:t>𝑓</m:t>
+                          </m:r>
+                        </m:e>
+                        <m:sub>
+                          <m:r>
+                            <a:rPr lang="en-US" altLang="ko-KR" sz="2400" b="0" i="1" smtClean="0">
+                              <a:latin typeface="Cambria Math" panose="02040503050406030204" pitchFamily="18" charset="0"/>
+                            </a:rPr>
+                            <m:t>2</m:t>
+                          </m:r>
+                        </m:sub>
+                      </m:sSub>
+                    </m:oMath>
+                  </m:oMathPara>
+                </a14:m>
+                <a:endParaRPr lang="ko-KR" altLang="en-US" sz="2400" dirty="0"/>
+              </a:p>
+            </p:txBody>
+          </p:sp>
+        </mc:Choice>
+        <mc:Fallback>
+          <p:sp>
+            <p:nvSpPr>
+              <p:cNvPr id="13" name="TextBox 12"/>
+              <p:cNvSpPr txBox="1">
+                <a:spLocks noRot="1" noChangeAspect="1" noMove="1" noResize="1" noEditPoints="1" noAdjustHandles="1" noChangeArrowheads="1" noChangeShapeType="1" noTextEdit="1"/>
+              </p:cNvSpPr>
+              <p:nvPr/>
+            </p:nvSpPr>
+            <p:spPr>
+              <a:xfrm>
+                <a:off x="7579253" y="1497995"/>
+                <a:ext cx="373436" cy="369332"/>
+              </a:xfrm>
+              <a:prstGeom prst="rect">
+                <a:avLst/>
+              </a:prstGeom>
+              <a:blipFill rotWithShape="0">
+                <a:blip r:embed="rId4"/>
+                <a:stretch>
+                  <a:fillRect l="-22581" b="-38333"/>
+                </a:stretch>
+              </a:blipFill>
+            </p:spPr>
+            <p:txBody>
+              <a:bodyPr/>
+              <a:lstStyle/>
+              <a:p>
+                <a:r>
+                  <a:rPr lang="ko-KR" altLang="en-US">
+                    <a:noFill/>
+                  </a:rPr>
+                  <a:t> </a:t>
+                </a:r>
+              </a:p>
+            </p:txBody>
+          </p:sp>
+        </mc:Fallback>
+      </mc:AlternateContent>
+      <mc:AlternateContent xmlns:mc="http://schemas.openxmlformats.org/markup-compatibility/2006">
+        <mc:Choice xmlns:a14="http://schemas.microsoft.com/office/drawing/2010/main" Requires="a14">
+          <p:sp>
+            <p:nvSpPr>
+              <p:cNvPr id="15" name="TextBox 14"/>
+              <p:cNvSpPr txBox="1"/>
+              <p:nvPr/>
+            </p:nvSpPr>
+            <p:spPr>
+              <a:xfrm>
+                <a:off x="4948421" y="4249967"/>
+                <a:ext cx="422423" cy="369332"/>
+              </a:xfrm>
+              <a:prstGeom prst="rect">
+                <a:avLst/>
+              </a:prstGeom>
+              <a:noFill/>
+            </p:spPr>
+            <p:txBody>
+              <a:bodyPr wrap="none" lIns="0" tIns="0" rIns="0" bIns="0" rtlCol="0">
+                <a:spAutoFit/>
+              </a:bodyPr>
+              <a:lstStyle/>
+              <a:p>
+                <a:pPr/>
+                <a14:m>
+                  <m:oMathPara xmlns:m="http://schemas.openxmlformats.org/officeDocument/2006/math">
+                    <m:oMathParaPr>
+                      <m:jc m:val="centerGroup"/>
+                    </m:oMathParaPr>
+                    <m:oMath xmlns:m="http://schemas.openxmlformats.org/officeDocument/2006/math">
+                      <m:sSub>
+                        <m:sSubPr>
+                          <m:ctrlPr>
+                            <a:rPr lang="en-US" altLang="ko-KR" sz="2400" i="1" smtClean="0">
+                              <a:latin typeface="Cambria Math" panose="02040503050406030204" pitchFamily="18" charset="0"/>
+                            </a:rPr>
+                          </m:ctrlPr>
+                        </m:sSubPr>
+                        <m:e>
+                          <m:r>
+                            <a:rPr lang="en-US" altLang="ko-KR" sz="2400" b="0" i="1" smtClean="0">
+                              <a:latin typeface="Cambria Math" panose="02040503050406030204" pitchFamily="18" charset="0"/>
+                            </a:rPr>
+                            <m:t>𝑑</m:t>
+                          </m:r>
+                        </m:e>
+                        <m:sub>
+                          <m:r>
+                            <a:rPr lang="en-US" altLang="ko-KR" sz="2400" b="0" i="1" smtClean="0">
+                              <a:latin typeface="Cambria Math" panose="02040503050406030204" pitchFamily="18" charset="0"/>
+                            </a:rPr>
+                            <m:t>1</m:t>
+                          </m:r>
+                        </m:sub>
+                      </m:sSub>
+                    </m:oMath>
+                  </m:oMathPara>
+                </a14:m>
+                <a:endParaRPr lang="ko-KR" altLang="en-US" sz="2400" dirty="0"/>
+              </a:p>
+            </p:txBody>
+          </p:sp>
+        </mc:Choice>
+        <mc:Fallback>
+          <p:sp>
+            <p:nvSpPr>
+              <p:cNvPr id="15" name="TextBox 14"/>
+              <p:cNvSpPr txBox="1">
+                <a:spLocks noRot="1" noChangeAspect="1" noMove="1" noResize="1" noEditPoints="1" noAdjustHandles="1" noChangeArrowheads="1" noChangeShapeType="1" noTextEdit="1"/>
+              </p:cNvSpPr>
+              <p:nvPr/>
+            </p:nvSpPr>
+            <p:spPr>
+              <a:xfrm>
+                <a:off x="4948421" y="4249967"/>
+                <a:ext cx="422423" cy="369332"/>
+              </a:xfrm>
+              <a:prstGeom prst="rect">
+                <a:avLst/>
+              </a:prstGeom>
+              <a:blipFill rotWithShape="0">
+                <a:blip r:embed="rId5"/>
+                <a:stretch>
+                  <a:fillRect l="-13043" r="-1449" b="-16393"/>
+                </a:stretch>
+              </a:blipFill>
+            </p:spPr>
+            <p:txBody>
+              <a:bodyPr/>
+              <a:lstStyle/>
+              <a:p>
+                <a:r>
+                  <a:rPr lang="ko-KR" altLang="en-US">
+                    <a:noFill/>
+                  </a:rPr>
+                  <a:t> </a:t>
+                </a:r>
+              </a:p>
+            </p:txBody>
+          </p:sp>
+        </mc:Fallback>
+      </mc:AlternateContent>
+      <mc:AlternateContent xmlns:mc="http://schemas.openxmlformats.org/markup-compatibility/2006">
+        <mc:Choice xmlns:a14="http://schemas.microsoft.com/office/drawing/2010/main" Requires="a14">
+          <p:sp>
+            <p:nvSpPr>
+              <p:cNvPr id="16" name="TextBox 15"/>
+              <p:cNvSpPr txBox="1"/>
+              <p:nvPr/>
+            </p:nvSpPr>
+            <p:spPr>
+              <a:xfrm>
+                <a:off x="7579253" y="4249967"/>
+                <a:ext cx="429540" cy="369332"/>
+              </a:xfrm>
+              <a:prstGeom prst="rect">
+                <a:avLst/>
+              </a:prstGeom>
+              <a:noFill/>
+            </p:spPr>
+            <p:txBody>
+              <a:bodyPr wrap="none" lIns="0" tIns="0" rIns="0" bIns="0" rtlCol="0">
+                <a:spAutoFit/>
+              </a:bodyPr>
+              <a:lstStyle/>
+              <a:p>
+                <a:pPr/>
+                <a14:m>
+                  <m:oMathPara xmlns:m="http://schemas.openxmlformats.org/officeDocument/2006/math">
+                    <m:oMathParaPr>
+                      <m:jc m:val="centerGroup"/>
+                    </m:oMathParaPr>
+                    <m:oMath xmlns:m="http://schemas.openxmlformats.org/officeDocument/2006/math">
+                      <m:sSub>
+                        <m:sSubPr>
+                          <m:ctrlPr>
+                            <a:rPr lang="en-US" altLang="ko-KR" sz="2400" i="1" smtClean="0">
+                              <a:latin typeface="Cambria Math" panose="02040503050406030204" pitchFamily="18" charset="0"/>
+                            </a:rPr>
+                          </m:ctrlPr>
+                        </m:sSubPr>
+                        <m:e>
+                          <m:r>
+                            <a:rPr lang="en-US" altLang="ko-KR" sz="2400" b="0" i="1" smtClean="0">
+                              <a:latin typeface="Cambria Math" panose="02040503050406030204" pitchFamily="18" charset="0"/>
+                            </a:rPr>
+                            <m:t>𝑑</m:t>
+                          </m:r>
+                        </m:e>
+                        <m:sub>
+                          <m:r>
+                            <a:rPr lang="en-US" altLang="ko-KR" sz="2400" b="0" i="1" smtClean="0">
+                              <a:latin typeface="Cambria Math" panose="02040503050406030204" pitchFamily="18" charset="0"/>
+                            </a:rPr>
+                            <m:t>2</m:t>
+                          </m:r>
+                        </m:sub>
+                      </m:sSub>
+                    </m:oMath>
+                  </m:oMathPara>
+                </a14:m>
+                <a:endParaRPr lang="ko-KR" altLang="en-US" sz="2400" dirty="0"/>
+              </a:p>
+            </p:txBody>
+          </p:sp>
+        </mc:Choice>
+        <mc:Fallback>
+          <p:sp>
+            <p:nvSpPr>
+              <p:cNvPr id="16" name="TextBox 15"/>
+              <p:cNvSpPr txBox="1">
+                <a:spLocks noRot="1" noChangeAspect="1" noMove="1" noResize="1" noEditPoints="1" noAdjustHandles="1" noChangeArrowheads="1" noChangeShapeType="1" noTextEdit="1"/>
+              </p:cNvSpPr>
+              <p:nvPr/>
+            </p:nvSpPr>
+            <p:spPr>
+              <a:xfrm>
+                <a:off x="7579253" y="4249967"/>
+                <a:ext cx="429540" cy="369332"/>
+              </a:xfrm>
+              <a:prstGeom prst="rect">
+                <a:avLst/>
+              </a:prstGeom>
+              <a:blipFill rotWithShape="0">
+                <a:blip r:embed="rId6"/>
+                <a:stretch>
+                  <a:fillRect l="-12676" b="-16393"/>
+                </a:stretch>
+              </a:blipFill>
+            </p:spPr>
+            <p:txBody>
+              <a:bodyPr/>
+              <a:lstStyle/>
+              <a:p>
+                <a:r>
+                  <a:rPr lang="ko-KR" altLang="en-US">
+                    <a:noFill/>
+                  </a:rPr>
+                  <a:t> </a:t>
+                </a:r>
+              </a:p>
+            </p:txBody>
+          </p:sp>
+        </mc:Fallback>
+      </mc:AlternateContent>
+    </p:spTree>
+    <p:extLst>
+      <p:ext uri="{BB962C8B-B14F-4D97-AF65-F5344CB8AC3E}">
+        <p14:creationId xmlns:p14="http://schemas.microsoft.com/office/powerpoint/2010/main" val="3728070879"/>
+      </p:ext>
+    </p:extLst>
+  </p:cSld>
+  <p:clrMapOvr>
+    <a:masterClrMapping/>
+  </p:clrMapOvr>
+</p:sld>
+</file>
+
+<file path=ppt/slides/slide11.xml><?xml version="1.0" encoding="utf-8"?>
+<p:sld xmlns:a="http://schemas.openxmlformats.org/drawingml/2006/main" xmlns:r="http://schemas.openxmlformats.org/officeDocument/2006/relationships" xmlns:p="http://schemas.openxmlformats.org/presentationml/2006/main">
+  <p:cSld>
+    <p:spTree>
+      <p:nvGrpSpPr>
+        <p:cNvPr id="1" name=""/>
+        <p:cNvGrpSpPr/>
+        <p:nvPr/>
+      </p:nvGrpSpPr>
+      <p:grpSpPr>
+        <a:xfrm>
+          <a:off x="0" y="0"/>
+          <a:ext cx="0" cy="0"/>
+          <a:chOff x="0" y="0"/>
+          <a:chExt cx="0" cy="0"/>
+        </a:xfrm>
+      </p:grpSpPr>
+    </p:spTree>
+    <p:extLst>
+      <p:ext uri="{BB962C8B-B14F-4D97-AF65-F5344CB8AC3E}">
+        <p14:creationId xmlns:p14="http://schemas.microsoft.com/office/powerpoint/2010/main" val="2301342073"/>
+      </p:ext>
+    </p:extLst>
+  </p:cSld>
+  <p:clrMapOvr>
+    <a:masterClrMapping/>
+  </p:clrMapOvr>
+</p:sld>
+</file>
+
+<file path=ppt/slides/slide12.xml><?xml version="1.0" encoding="utf-8"?>
+<p:sld xmlns:a="http://schemas.openxmlformats.org/drawingml/2006/main" xmlns:r="http://schemas.openxmlformats.org/officeDocument/2006/relationships" xmlns:p="http://schemas.openxmlformats.org/presentationml/2006/main">
+  <p:cSld>
+    <p:spTree>
+      <p:nvGrpSpPr>
+        <p:cNvPr id="1" name=""/>
+        <p:cNvGrpSpPr/>
+        <p:nvPr/>
+      </p:nvGrpSpPr>
+      <p:grpSpPr>
+        <a:xfrm>
+          <a:off x="0" y="0"/>
+          <a:ext cx="0" cy="0"/>
+          <a:chOff x="0" y="0"/>
+          <a:chExt cx="0" cy="0"/>
+        </a:xfrm>
+      </p:grpSpPr>
+    </p:spTree>
+    <p:extLst>
+      <p:ext uri="{BB962C8B-B14F-4D97-AF65-F5344CB8AC3E}">
+        <p14:creationId xmlns:p14="http://schemas.microsoft.com/office/powerpoint/2010/main" val="3716805145"/>
+      </p:ext>
+    </p:extLst>
+  </p:cSld>
+  <p:clrMapOvr>
+    <a:masterClrMapping/>
+  </p:clrMapOvr>
+</p:sld>
+</file>
+
+<file path=ppt/slides/slide13.xml><?xml version="1.0" encoding="utf-8"?>
+<p:sld xmlns:a="http://schemas.openxmlformats.org/drawingml/2006/main" xmlns:r="http://schemas.openxmlformats.org/officeDocument/2006/relationships" xmlns:p="http://schemas.openxmlformats.org/presentationml/2006/main">
+  <p:cSld>
+    <p:spTree>
+      <p:nvGrpSpPr>
+        <p:cNvPr id="1" name=""/>
+        <p:cNvGrpSpPr/>
+        <p:nvPr/>
+      </p:nvGrpSpPr>
+      <p:grpSpPr>
+        <a:xfrm>
+          <a:off x="0" y="0"/>
+          <a:ext cx="0" cy="0"/>
+          <a:chOff x="0" y="0"/>
+          <a:chExt cx="0" cy="0"/>
+        </a:xfrm>
+      </p:grpSpPr>
+    </p:spTree>
+    <p:extLst>
+      <p:ext uri="{BB962C8B-B14F-4D97-AF65-F5344CB8AC3E}">
+        <p14:creationId xmlns:p14="http://schemas.microsoft.com/office/powerpoint/2010/main" val="425703836"/>
+      </p:ext>
+    </p:extLst>
+  </p:cSld>
+  <p:clrMapOvr>
+    <a:masterClrMapping/>
+  </p:clrMapOvr>
+</p:sld>
+</file>
+
+<file path=ppt/slides/slide14.xml><?xml version="1.0" encoding="utf-8"?>
+<p:sld xmlns:a="http://schemas.openxmlformats.org/drawingml/2006/main" xmlns:r="http://schemas.openxmlformats.org/officeDocument/2006/relationships" xmlns:p="http://schemas.openxmlformats.org/presentationml/2006/main">
+  <p:cSld>
+    <p:spTree>
+      <p:nvGrpSpPr>
+        <p:cNvPr id="1" name=""/>
+        <p:cNvGrpSpPr/>
+        <p:nvPr/>
+      </p:nvGrpSpPr>
+      <p:grpSpPr>
+        <a:xfrm>
+          <a:off x="0" y="0"/>
+          <a:ext cx="0" cy="0"/>
+          <a:chOff x="0" y="0"/>
+          <a:chExt cx="0" cy="0"/>
+        </a:xfrm>
+      </p:grpSpPr>
       <p:grpSp>
         <p:nvGrpSpPr>
           <p:cNvPr id="2" name="그룹 1"/>
@@ -5246,7 +5958,7 @@
 </p:sld>
 </file>
 
-<file path=ppt/slides/slide11.xml><?xml version="1.0" encoding="utf-8"?>
+<file path=ppt/slides/slide15.xml><?xml version="1.0" encoding="utf-8"?>
 <p:sld xmlns:a="http://schemas.openxmlformats.org/drawingml/2006/main" xmlns:r="http://schemas.openxmlformats.org/officeDocument/2006/relationships" xmlns:p="http://schemas.openxmlformats.org/presentationml/2006/main">
   <p:cSld>
     <p:spTree>
@@ -5268,7 +5980,7 @@
           <p:cNvPr id="4" name="내용 개체 틀 5">
             <a:extLst>
               <a:ext uri="{FF2B5EF4-FFF2-40B4-BE49-F238E27FC236}">
-                <a16:creationId xmlns:a16="http://schemas.microsoft.com/office/drawing/2014/main" xmlns="" id="{26E65B15-652C-471C-B503-9BD1A7ECA9FF}"/>
+                <a16:creationId xmlns="" xmlns:a16="http://schemas.microsoft.com/office/drawing/2014/main" id="{26E65B15-652C-471C-B503-9BD1A7ECA9FF}"/>
               </a:ext>
             </a:extLst>
           </p:cNvPr>
@@ -5297,7 +6009,7 @@
           <p:cNvPr id="5" name="그림 4">
             <a:extLst>
               <a:ext uri="{FF2B5EF4-FFF2-40B4-BE49-F238E27FC236}">
-                <a16:creationId xmlns:a16="http://schemas.microsoft.com/office/drawing/2014/main" xmlns="" id="{8D86471E-9C3A-40C3-8F27-66A11AC93C24}"/>
+                <a16:creationId xmlns="" xmlns:a16="http://schemas.microsoft.com/office/drawing/2014/main" id="{8D86471E-9C3A-40C3-8F27-66A11AC93C24}"/>
               </a:ext>
             </a:extLst>
           </p:cNvPr>
@@ -6050,7 +6762,7 @@
           <p:cNvPr id="27" name="직선 화살표 연결선 26">
             <a:extLst>
               <a:ext uri="{FF2B5EF4-FFF2-40B4-BE49-F238E27FC236}">
-                <a16:creationId xmlns="" xmlns:a16="http://schemas.microsoft.com/office/drawing/2014/main" id="{C93B29A1-F190-44D3-A9D0-DFAD4F83776E}"/>
+                <a16:creationId xmlns:a16="http://schemas.microsoft.com/office/drawing/2014/main" xmlns="" id="{C93B29A1-F190-44D3-A9D0-DFAD4F83776E}"/>
               </a:ext>
             </a:extLst>
           </p:cNvPr>
@@ -6096,7 +6808,7 @@
               <p:cNvPr id="28" name="TextBox 27">
                 <a:extLst>
                   <a:ext uri="{FF2B5EF4-FFF2-40B4-BE49-F238E27FC236}">
-                    <a16:creationId xmlns="" xmlns:a16="http://schemas.microsoft.com/office/drawing/2014/main" id="{07B5ABC4-CAA0-493B-ACDF-C42A51522079}"/>
+                    <a16:creationId xmlns:a16="http://schemas.microsoft.com/office/drawing/2014/main" xmlns="" id="{07B5ABC4-CAA0-493B-ACDF-C42A51522079}"/>
                   </a:ext>
                 </a:extLst>
               </p:cNvPr>
@@ -6209,7 +6921,7 @@
           <p:cNvPr id="29" name="직선 화살표 연결선 28">
             <a:extLst>
               <a:ext uri="{FF2B5EF4-FFF2-40B4-BE49-F238E27FC236}">
-                <a16:creationId xmlns="" xmlns:a16="http://schemas.microsoft.com/office/drawing/2014/main" id="{782BF86B-4207-4FE7-8DAC-CEB1861B292A}"/>
+                <a16:creationId xmlns:a16="http://schemas.microsoft.com/office/drawing/2014/main" xmlns="" id="{782BF86B-4207-4FE7-8DAC-CEB1861B292A}"/>
               </a:ext>
             </a:extLst>
           </p:cNvPr>
@@ -6255,7 +6967,7 @@
               <p:cNvPr id="32" name="TextBox 31">
                 <a:extLst>
                   <a:ext uri="{FF2B5EF4-FFF2-40B4-BE49-F238E27FC236}">
-                    <a16:creationId xmlns="" xmlns:a16="http://schemas.microsoft.com/office/drawing/2014/main" id="{5DB3AE05-D351-4E8F-8481-E70A4D8B443E}"/>
+                    <a16:creationId xmlns:a16="http://schemas.microsoft.com/office/drawing/2014/main" xmlns="" id="{5DB3AE05-D351-4E8F-8481-E70A4D8B443E}"/>
                   </a:ext>
                 </a:extLst>
               </p:cNvPr>
@@ -6349,7 +7061,7 @@
           <p:cNvPr id="33" name="직선 화살표 연결선 32">
             <a:extLst>
               <a:ext uri="{FF2B5EF4-FFF2-40B4-BE49-F238E27FC236}">
-                <a16:creationId xmlns="" xmlns:a16="http://schemas.microsoft.com/office/drawing/2014/main" id="{F5FC4C0A-B591-4F3B-BD15-9D9E5EC72772}"/>
+                <a16:creationId xmlns:a16="http://schemas.microsoft.com/office/drawing/2014/main" xmlns="" id="{F5FC4C0A-B591-4F3B-BD15-9D9E5EC72772}"/>
               </a:ext>
             </a:extLst>
           </p:cNvPr>
@@ -6395,7 +7107,7 @@
               <p:cNvPr id="38" name="TextBox 37">
                 <a:extLst>
                   <a:ext uri="{FF2B5EF4-FFF2-40B4-BE49-F238E27FC236}">
-                    <a16:creationId xmlns="" xmlns:a16="http://schemas.microsoft.com/office/drawing/2014/main" id="{EC18DB71-3399-4E5E-B321-6A9670FF95D7}"/>
+                    <a16:creationId xmlns:a16="http://schemas.microsoft.com/office/drawing/2014/main" xmlns="" id="{EC18DB71-3399-4E5E-B321-6A9670FF95D7}"/>
                   </a:ext>
                 </a:extLst>
               </p:cNvPr>
@@ -7016,7 +7728,7 @@
           <p:cNvPr id="9" name="그룹 8">
             <a:extLst>
               <a:ext uri="{FF2B5EF4-FFF2-40B4-BE49-F238E27FC236}">
-                <a16:creationId xmlns="" xmlns:a16="http://schemas.microsoft.com/office/drawing/2014/main" id="{F54825A1-879E-45C3-84C9-39758CFBC1AD}"/>
+                <a16:creationId xmlns:a16="http://schemas.microsoft.com/office/drawing/2014/main" xmlns="" id="{F54825A1-879E-45C3-84C9-39758CFBC1AD}"/>
               </a:ext>
             </a:extLst>
           </p:cNvPr>
@@ -7439,7 +8151,7 @@
           <p:cNvPr id="19" name="자유형: 도형 18">
             <a:extLst>
               <a:ext uri="{FF2B5EF4-FFF2-40B4-BE49-F238E27FC236}">
-                <a16:creationId xmlns="" xmlns:a16="http://schemas.microsoft.com/office/drawing/2014/main" id="{28DE563C-2016-4934-A4EE-657070DFAE5E}"/>
+                <a16:creationId xmlns:a16="http://schemas.microsoft.com/office/drawing/2014/main" xmlns="" id="{28DE563C-2016-4934-A4EE-657070DFAE5E}"/>
               </a:ext>
             </a:extLst>
           </p:cNvPr>
@@ -7531,7 +8243,7 @@
               <p:cNvPr id="22" name="TextBox 21">
                 <a:extLst>
                   <a:ext uri="{FF2B5EF4-FFF2-40B4-BE49-F238E27FC236}">
-                    <a16:creationId xmlns="" xmlns:a16="http://schemas.microsoft.com/office/drawing/2014/main" id="{702F36E8-3840-4F82-ACA9-0ADC9BF2CD7E}"/>
+                    <a16:creationId xmlns:a16="http://schemas.microsoft.com/office/drawing/2014/main" xmlns="" id="{702F36E8-3840-4F82-ACA9-0ADC9BF2CD7E}"/>
                   </a:ext>
                 </a:extLst>
               </p:cNvPr>
@@ -7652,7 +8364,7 @@
           <p:cNvPr id="23" name="자유형: 도형 22">
             <a:extLst>
               <a:ext uri="{FF2B5EF4-FFF2-40B4-BE49-F238E27FC236}">
-                <a16:creationId xmlns="" xmlns:a16="http://schemas.microsoft.com/office/drawing/2014/main" id="{D4262DC8-AC8F-4E4E-8F9A-78963014DDC7}"/>
+                <a16:creationId xmlns:a16="http://schemas.microsoft.com/office/drawing/2014/main" xmlns="" id="{D4262DC8-AC8F-4E4E-8F9A-78963014DDC7}"/>
               </a:ext>
             </a:extLst>
           </p:cNvPr>
@@ -7744,7 +8456,7 @@
               <p:cNvPr id="26" name="TextBox 25">
                 <a:extLst>
                   <a:ext uri="{FF2B5EF4-FFF2-40B4-BE49-F238E27FC236}">
-                    <a16:creationId xmlns="" xmlns:a16="http://schemas.microsoft.com/office/drawing/2014/main" id="{4C456F18-AA04-4135-AED2-7569217695DC}"/>
+                    <a16:creationId xmlns:a16="http://schemas.microsoft.com/office/drawing/2014/main" xmlns="" id="{4C456F18-AA04-4135-AED2-7569217695DC}"/>
                   </a:ext>
                 </a:extLst>
               </p:cNvPr>
@@ -8624,7 +9336,7 @@
           <p:cNvPr id="19" name="자유형: 도형 18">
             <a:extLst>
               <a:ext uri="{FF2B5EF4-FFF2-40B4-BE49-F238E27FC236}">
-                <a16:creationId xmlns="" xmlns:a16="http://schemas.microsoft.com/office/drawing/2014/main" id="{28DE563C-2016-4934-A4EE-657070DFAE5E}"/>
+                <a16:creationId xmlns:a16="http://schemas.microsoft.com/office/drawing/2014/main" xmlns="" id="{28DE563C-2016-4934-A4EE-657070DFAE5E}"/>
               </a:ext>
             </a:extLst>
           </p:cNvPr>
@@ -8716,7 +9428,7 @@
               <p:cNvPr id="22" name="TextBox 21">
                 <a:extLst>
                   <a:ext uri="{FF2B5EF4-FFF2-40B4-BE49-F238E27FC236}">
-                    <a16:creationId xmlns="" xmlns:a16="http://schemas.microsoft.com/office/drawing/2014/main" id="{702F36E8-3840-4F82-ACA9-0ADC9BF2CD7E}"/>
+                    <a16:creationId xmlns:a16="http://schemas.microsoft.com/office/drawing/2014/main" xmlns="" id="{702F36E8-3840-4F82-ACA9-0ADC9BF2CD7E}"/>
                   </a:ext>
                 </a:extLst>
               </p:cNvPr>
@@ -8837,7 +9549,7 @@
           <p:cNvPr id="23" name="자유형: 도형 22">
             <a:extLst>
               <a:ext uri="{FF2B5EF4-FFF2-40B4-BE49-F238E27FC236}">
-                <a16:creationId xmlns="" xmlns:a16="http://schemas.microsoft.com/office/drawing/2014/main" id="{D4262DC8-AC8F-4E4E-8F9A-78963014DDC7}"/>
+                <a16:creationId xmlns:a16="http://schemas.microsoft.com/office/drawing/2014/main" xmlns="" id="{D4262DC8-AC8F-4E4E-8F9A-78963014DDC7}"/>
               </a:ext>
             </a:extLst>
           </p:cNvPr>
@@ -8929,7 +9641,7 @@
               <p:cNvPr id="26" name="TextBox 25">
                 <a:extLst>
                   <a:ext uri="{FF2B5EF4-FFF2-40B4-BE49-F238E27FC236}">
-                    <a16:creationId xmlns="" xmlns:a16="http://schemas.microsoft.com/office/drawing/2014/main" id="{4C456F18-AA04-4135-AED2-7569217695DC}"/>
+                    <a16:creationId xmlns:a16="http://schemas.microsoft.com/office/drawing/2014/main" xmlns="" id="{4C456F18-AA04-4135-AED2-7569217695DC}"/>
                   </a:ext>
                 </a:extLst>
               </p:cNvPr>
@@ -9052,7 +9764,7 @@
               <p:cNvPr id="21" name="TextBox 20">
                 <a:extLst>
                   <a:ext uri="{FF2B5EF4-FFF2-40B4-BE49-F238E27FC236}">
-                    <a16:creationId xmlns="" xmlns:a16="http://schemas.microsoft.com/office/drawing/2014/main" id="{7F1A4031-C0F9-4078-B611-60510E555779}"/>
+                    <a16:creationId xmlns:a16="http://schemas.microsoft.com/office/drawing/2014/main" xmlns="" id="{7F1A4031-C0F9-4078-B611-60510E555779}"/>
                   </a:ext>
                 </a:extLst>
               </p:cNvPr>
@@ -9165,7 +9877,7 @@
           <p:cNvPr id="27" name="원호 26">
             <a:extLst>
               <a:ext uri="{FF2B5EF4-FFF2-40B4-BE49-F238E27FC236}">
-                <a16:creationId xmlns="" xmlns:a16="http://schemas.microsoft.com/office/drawing/2014/main" id="{73F2FA99-BAB3-4AEA-A0D4-FFD161E5142F}"/>
+                <a16:creationId xmlns:a16="http://schemas.microsoft.com/office/drawing/2014/main" xmlns="" id="{73F2FA99-BAB3-4AEA-A0D4-FFD161E5142F}"/>
               </a:ext>
             </a:extLst>
           </p:cNvPr>
@@ -11310,8 +12022,8 @@
           </a:p>
         </p:txBody>
       </p:sp>
-      <mc:AlternateContent xmlns:mc="http://schemas.openxmlformats.org/markup-compatibility/2006">
-        <mc:Choice xmlns:a14="http://schemas.microsoft.com/office/drawing/2010/main" Requires="a14">
+      <mc:AlternateContent xmlns:mc="http://schemas.openxmlformats.org/markup-compatibility/2006" xmlns:a14="http://schemas.microsoft.com/office/drawing/2010/main">
+        <mc:Choice Requires="a14">
           <p:sp>
             <p:nvSpPr>
               <p:cNvPr id="7" name="TextBox 6"/>
@@ -11374,7 +12086,7 @@
             </p:txBody>
           </p:sp>
         </mc:Choice>
-        <mc:Fallback>
+        <mc:Fallback xmlns="">
           <p:sp>
             <p:nvSpPr>
               <p:cNvPr id="7" name="TextBox 6"/>
@@ -11413,8 +12125,8 @@
           </p:sp>
         </mc:Fallback>
       </mc:AlternateContent>
-      <mc:AlternateContent xmlns:mc="http://schemas.openxmlformats.org/markup-compatibility/2006">
-        <mc:Choice xmlns:a14="http://schemas.microsoft.com/office/drawing/2010/main" Requires="a14">
+      <mc:AlternateContent xmlns:mc="http://schemas.openxmlformats.org/markup-compatibility/2006" xmlns:a14="http://schemas.microsoft.com/office/drawing/2010/main">
+        <mc:Choice Requires="a14">
           <p:sp>
             <p:nvSpPr>
               <p:cNvPr id="8" name="TextBox 7"/>
@@ -11477,7 +12189,7 @@
             </p:txBody>
           </p:sp>
         </mc:Choice>
-        <mc:Fallback>
+        <mc:Fallback xmlns="">
           <p:sp>
             <p:nvSpPr>
               <p:cNvPr id="8" name="TextBox 7"/>
@@ -11516,8 +12228,8 @@
           </p:sp>
         </mc:Fallback>
       </mc:AlternateContent>
-      <mc:AlternateContent xmlns:mc="http://schemas.openxmlformats.org/markup-compatibility/2006">
-        <mc:Choice xmlns:a14="http://schemas.microsoft.com/office/drawing/2010/main" Requires="a14">
+      <mc:AlternateContent xmlns:mc="http://schemas.openxmlformats.org/markup-compatibility/2006" xmlns:a14="http://schemas.microsoft.com/office/drawing/2010/main">
+        <mc:Choice Requires="a14">
           <p:sp>
             <p:nvSpPr>
               <p:cNvPr id="9" name="TextBox 8"/>
@@ -11580,7 +12292,7 @@
             </p:txBody>
           </p:sp>
         </mc:Choice>
-        <mc:Fallback>
+        <mc:Fallback xmlns="">
           <p:sp>
             <p:nvSpPr>
               <p:cNvPr id="9" name="TextBox 8"/>
@@ -11817,8 +12529,8 @@
           </a:p>
         </p:txBody>
       </p:sp>
-      <mc:AlternateContent xmlns:mc="http://schemas.openxmlformats.org/markup-compatibility/2006">
-        <mc:Choice xmlns:a14="http://schemas.microsoft.com/office/drawing/2010/main" Requires="a14">
+      <mc:AlternateContent xmlns:mc="http://schemas.openxmlformats.org/markup-compatibility/2006" xmlns:a14="http://schemas.microsoft.com/office/drawing/2010/main">
+        <mc:Choice Requires="a14">
           <p:sp>
             <p:nvSpPr>
               <p:cNvPr id="7" name="TextBox 6"/>
@@ -11881,7 +12593,7 @@
             </p:txBody>
           </p:sp>
         </mc:Choice>
-        <mc:Fallback>
+        <mc:Fallback xmlns="">
           <p:sp>
             <p:nvSpPr>
               <p:cNvPr id="7" name="TextBox 6"/>
@@ -11920,8 +12632,8 @@
           </p:sp>
         </mc:Fallback>
       </mc:AlternateContent>
-      <mc:AlternateContent xmlns:mc="http://schemas.openxmlformats.org/markup-compatibility/2006">
-        <mc:Choice xmlns:a14="http://schemas.microsoft.com/office/drawing/2010/main" Requires="a14">
+      <mc:AlternateContent xmlns:mc="http://schemas.openxmlformats.org/markup-compatibility/2006" xmlns:a14="http://schemas.microsoft.com/office/drawing/2010/main">
+        <mc:Choice Requires="a14">
           <p:sp>
             <p:nvSpPr>
               <p:cNvPr id="8" name="TextBox 7"/>
@@ -11984,7 +12696,7 @@
             </p:txBody>
           </p:sp>
         </mc:Choice>
-        <mc:Fallback>
+        <mc:Fallback xmlns="">
           <p:sp>
             <p:nvSpPr>
               <p:cNvPr id="8" name="TextBox 7"/>
@@ -12023,8 +12735,8 @@
           </p:sp>
         </mc:Fallback>
       </mc:AlternateContent>
-      <mc:AlternateContent xmlns:mc="http://schemas.openxmlformats.org/markup-compatibility/2006">
-        <mc:Choice xmlns:a14="http://schemas.microsoft.com/office/drawing/2010/main" Requires="a14">
+      <mc:AlternateContent xmlns:mc="http://schemas.openxmlformats.org/markup-compatibility/2006" xmlns:a14="http://schemas.microsoft.com/office/drawing/2010/main">
+        <mc:Choice Requires="a14">
           <p:sp>
             <p:nvSpPr>
               <p:cNvPr id="9" name="TextBox 8"/>
@@ -12087,7 +12799,7 @@
             </p:txBody>
           </p:sp>
         </mc:Choice>
-        <mc:Fallback>
+        <mc:Fallback xmlns="">
           <p:sp>
             <p:nvSpPr>
               <p:cNvPr id="9" name="TextBox 8"/>

--- a/그림.pptx
+++ b/그림.pptx
@@ -282,7 +282,7 @@
           <a:p>
             <a:fld id="{586A42AD-E6DF-43A8-BCEE-31B231F72482}" type="datetimeFigureOut">
               <a:rPr lang="ko-KR" altLang="en-US" smtClean="0"/>
-              <a:t>2022-07-29</a:t>
+              <a:t>2022-08-01</a:t>
             </a:fld>
             <a:endParaRPr lang="ko-KR" altLang="en-US"/>
           </a:p>
@@ -450,7 +450,7 @@
           <a:p>
             <a:fld id="{586A42AD-E6DF-43A8-BCEE-31B231F72482}" type="datetimeFigureOut">
               <a:rPr lang="ko-KR" altLang="en-US" smtClean="0"/>
-              <a:t>2022-07-29</a:t>
+              <a:t>2022-08-01</a:t>
             </a:fld>
             <a:endParaRPr lang="ko-KR" altLang="en-US"/>
           </a:p>
@@ -628,7 +628,7 @@
           <a:p>
             <a:fld id="{586A42AD-E6DF-43A8-BCEE-31B231F72482}" type="datetimeFigureOut">
               <a:rPr lang="ko-KR" altLang="en-US" smtClean="0"/>
-              <a:t>2022-07-29</a:t>
+              <a:t>2022-08-01</a:t>
             </a:fld>
             <a:endParaRPr lang="ko-KR" altLang="en-US"/>
           </a:p>
@@ -796,7 +796,7 @@
           <a:p>
             <a:fld id="{586A42AD-E6DF-43A8-BCEE-31B231F72482}" type="datetimeFigureOut">
               <a:rPr lang="ko-KR" altLang="en-US" smtClean="0"/>
-              <a:t>2022-07-29</a:t>
+              <a:t>2022-08-01</a:t>
             </a:fld>
             <a:endParaRPr lang="ko-KR" altLang="en-US"/>
           </a:p>
@@ -1041,7 +1041,7 @@
           <a:p>
             <a:fld id="{586A42AD-E6DF-43A8-BCEE-31B231F72482}" type="datetimeFigureOut">
               <a:rPr lang="ko-KR" altLang="en-US" smtClean="0"/>
-              <a:t>2022-07-29</a:t>
+              <a:t>2022-08-01</a:t>
             </a:fld>
             <a:endParaRPr lang="ko-KR" altLang="en-US"/>
           </a:p>
@@ -1270,7 +1270,7 @@
           <a:p>
             <a:fld id="{586A42AD-E6DF-43A8-BCEE-31B231F72482}" type="datetimeFigureOut">
               <a:rPr lang="ko-KR" altLang="en-US" smtClean="0"/>
-              <a:t>2022-07-29</a:t>
+              <a:t>2022-08-01</a:t>
             </a:fld>
             <a:endParaRPr lang="ko-KR" altLang="en-US"/>
           </a:p>
@@ -1634,7 +1634,7 @@
           <a:p>
             <a:fld id="{586A42AD-E6DF-43A8-BCEE-31B231F72482}" type="datetimeFigureOut">
               <a:rPr lang="ko-KR" altLang="en-US" smtClean="0"/>
-              <a:t>2022-07-29</a:t>
+              <a:t>2022-08-01</a:t>
             </a:fld>
             <a:endParaRPr lang="ko-KR" altLang="en-US"/>
           </a:p>
@@ -1751,7 +1751,7 @@
           <a:p>
             <a:fld id="{586A42AD-E6DF-43A8-BCEE-31B231F72482}" type="datetimeFigureOut">
               <a:rPr lang="ko-KR" altLang="en-US" smtClean="0"/>
-              <a:t>2022-07-29</a:t>
+              <a:t>2022-08-01</a:t>
             </a:fld>
             <a:endParaRPr lang="ko-KR" altLang="en-US"/>
           </a:p>
@@ -1846,7 +1846,7 @@
           <a:p>
             <a:fld id="{586A42AD-E6DF-43A8-BCEE-31B231F72482}" type="datetimeFigureOut">
               <a:rPr lang="ko-KR" altLang="en-US" smtClean="0"/>
-              <a:t>2022-07-29</a:t>
+              <a:t>2022-08-01</a:t>
             </a:fld>
             <a:endParaRPr lang="ko-KR" altLang="en-US"/>
           </a:p>
@@ -2121,7 +2121,7 @@
           <a:p>
             <a:fld id="{586A42AD-E6DF-43A8-BCEE-31B231F72482}" type="datetimeFigureOut">
               <a:rPr lang="ko-KR" altLang="en-US" smtClean="0"/>
-              <a:t>2022-07-29</a:t>
+              <a:t>2022-08-01</a:t>
             </a:fld>
             <a:endParaRPr lang="ko-KR" altLang="en-US"/>
           </a:p>
@@ -2373,7 +2373,7 @@
           <a:p>
             <a:fld id="{586A42AD-E6DF-43A8-BCEE-31B231F72482}" type="datetimeFigureOut">
               <a:rPr lang="ko-KR" altLang="en-US" smtClean="0"/>
-              <a:t>2022-07-29</a:t>
+              <a:t>2022-08-01</a:t>
             </a:fld>
             <a:endParaRPr lang="ko-KR" altLang="en-US"/>
           </a:p>
@@ -2584,7 +2584,7 @@
           <a:p>
             <a:fld id="{586A42AD-E6DF-43A8-BCEE-31B231F72482}" type="datetimeFigureOut">
               <a:rPr lang="ko-KR" altLang="en-US" smtClean="0"/>
-              <a:t>2022-07-29</a:t>
+              <a:t>2022-08-01</a:t>
             </a:fld>
             <a:endParaRPr lang="ko-KR" altLang="en-US"/>
           </a:p>
@@ -4857,8 +4857,8 @@
           </a:fontRef>
         </p:style>
       </p:cxnSp>
-      <mc:AlternateContent xmlns:mc="http://schemas.openxmlformats.org/markup-compatibility/2006">
-        <mc:Choice xmlns:a14="http://schemas.microsoft.com/office/drawing/2010/main" Requires="a14">
+      <mc:AlternateContent xmlns:mc="http://schemas.openxmlformats.org/markup-compatibility/2006" xmlns:a14="http://schemas.microsoft.com/office/drawing/2010/main">
+        <mc:Choice Requires="a14">
           <p:sp>
             <p:nvSpPr>
               <p:cNvPr id="12" name="TextBox 11"/>
@@ -4921,7 +4921,7 @@
             </p:txBody>
           </p:sp>
         </mc:Choice>
-        <mc:Fallback>
+        <mc:Fallback xmlns="">
           <p:sp>
             <p:nvSpPr>
               <p:cNvPr id="12" name="TextBox 11"/>
@@ -4960,8 +4960,8 @@
           </p:sp>
         </mc:Fallback>
       </mc:AlternateContent>
-      <mc:AlternateContent xmlns:mc="http://schemas.openxmlformats.org/markup-compatibility/2006">
-        <mc:Choice xmlns:a14="http://schemas.microsoft.com/office/drawing/2010/main" Requires="a14">
+      <mc:AlternateContent xmlns:mc="http://schemas.openxmlformats.org/markup-compatibility/2006" xmlns:a14="http://schemas.microsoft.com/office/drawing/2010/main">
+        <mc:Choice Requires="a14">
           <p:sp>
             <p:nvSpPr>
               <p:cNvPr id="13" name="TextBox 12"/>
@@ -5024,7 +5024,7 @@
             </p:txBody>
           </p:sp>
         </mc:Choice>
-        <mc:Fallback>
+        <mc:Fallback xmlns="">
           <p:sp>
             <p:nvSpPr>
               <p:cNvPr id="13" name="TextBox 12"/>
@@ -5063,8 +5063,8 @@
           </p:sp>
         </mc:Fallback>
       </mc:AlternateContent>
-      <mc:AlternateContent xmlns:mc="http://schemas.openxmlformats.org/markup-compatibility/2006">
-        <mc:Choice xmlns:a14="http://schemas.microsoft.com/office/drawing/2010/main" Requires="a14">
+      <mc:AlternateContent xmlns:mc="http://schemas.openxmlformats.org/markup-compatibility/2006" xmlns:a14="http://schemas.microsoft.com/office/drawing/2010/main">
+        <mc:Choice Requires="a14">
           <p:sp>
             <p:nvSpPr>
               <p:cNvPr id="15" name="TextBox 14"/>
@@ -5127,7 +5127,7 @@
             </p:txBody>
           </p:sp>
         </mc:Choice>
-        <mc:Fallback>
+        <mc:Fallback xmlns="">
           <p:sp>
             <p:nvSpPr>
               <p:cNvPr id="15" name="TextBox 14"/>
@@ -5166,8 +5166,8 @@
           </p:sp>
         </mc:Fallback>
       </mc:AlternateContent>
-      <mc:AlternateContent xmlns:mc="http://schemas.openxmlformats.org/markup-compatibility/2006">
-        <mc:Choice xmlns:a14="http://schemas.microsoft.com/office/drawing/2010/main" Requires="a14">
+      <mc:AlternateContent xmlns:mc="http://schemas.openxmlformats.org/markup-compatibility/2006" xmlns:a14="http://schemas.microsoft.com/office/drawing/2010/main">
+        <mc:Choice Requires="a14">
           <p:sp>
             <p:nvSpPr>
               <p:cNvPr id="16" name="TextBox 15"/>
@@ -5230,7 +5230,7 @@
             </p:txBody>
           </p:sp>
         </mc:Choice>
-        <mc:Fallback>
+        <mc:Fallback xmlns="">
           <p:sp>
             <p:nvSpPr>
               <p:cNvPr id="16" name="TextBox 15"/>
@@ -5299,6 +5299,534 @@
           <a:chExt cx="0" cy="0"/>
         </a:xfrm>
       </p:grpSpPr>
+      <p:sp>
+        <p:nvSpPr>
+          <p:cNvPr id="2" name="직사각형 1"/>
+          <p:cNvSpPr/>
+          <p:nvPr/>
+        </p:nvSpPr>
+        <p:spPr>
+          <a:xfrm>
+            <a:off x="4076700" y="2184400"/>
+            <a:ext cx="3949700" cy="1841500"/>
+          </a:xfrm>
+          <a:prstGeom prst="rect">
+            <a:avLst/>
+          </a:prstGeom>
+          <a:noFill/>
+          <a:ln w="38100"/>
+        </p:spPr>
+        <p:style>
+          <a:lnRef idx="2">
+            <a:schemeClr val="accent1">
+              <a:shade val="50000"/>
+            </a:schemeClr>
+          </a:lnRef>
+          <a:fillRef idx="1">
+            <a:schemeClr val="accent1"/>
+          </a:fillRef>
+          <a:effectRef idx="0">
+            <a:schemeClr val="accent1"/>
+          </a:effectRef>
+          <a:fontRef idx="minor">
+            <a:schemeClr val="lt1"/>
+          </a:fontRef>
+        </p:style>
+        <p:txBody>
+          <a:bodyPr rtlCol="0" anchor="ctr"/>
+          <a:lstStyle/>
+          <a:p>
+            <a:pPr algn="ctr"/>
+            <a:endParaRPr lang="ko-KR" altLang="en-US"/>
+          </a:p>
+        </p:txBody>
+      </p:sp>
+      <p:cxnSp>
+        <p:nvCxnSpPr>
+          <p:cNvPr id="3" name="직선 화살표 연결선 2"/>
+          <p:cNvCxnSpPr/>
+          <p:nvPr/>
+        </p:nvCxnSpPr>
+        <p:spPr>
+          <a:xfrm flipH="1">
+            <a:off x="7818366" y="3158062"/>
+            <a:ext cx="720000" cy="0"/>
+          </a:xfrm>
+          <a:prstGeom prst="straightConnector1">
+            <a:avLst/>
+          </a:prstGeom>
+          <a:ln w="76200">
+            <a:solidFill>
+              <a:schemeClr val="tx1"/>
+            </a:solidFill>
+            <a:headEnd type="triangle"/>
+            <a:tailEnd type="none"/>
+          </a:ln>
+        </p:spPr>
+        <p:style>
+          <a:lnRef idx="1">
+            <a:schemeClr val="accent1"/>
+          </a:lnRef>
+          <a:fillRef idx="0">
+            <a:schemeClr val="accent1"/>
+          </a:fillRef>
+          <a:effectRef idx="0">
+            <a:schemeClr val="accent1"/>
+          </a:effectRef>
+          <a:fontRef idx="minor">
+            <a:schemeClr val="tx1"/>
+          </a:fontRef>
+        </p:style>
+      </p:cxnSp>
+      <mc:AlternateContent xmlns:mc="http://schemas.openxmlformats.org/markup-compatibility/2006">
+        <mc:Choice xmlns:a14="http://schemas.microsoft.com/office/drawing/2010/main" Requires="a14">
+          <p:sp>
+            <p:nvSpPr>
+              <p:cNvPr id="4" name="TextBox 3"/>
+              <p:cNvSpPr txBox="1"/>
+              <p:nvPr/>
+            </p:nvSpPr>
+            <p:spPr>
+              <a:xfrm>
+                <a:off x="8707366" y="2920484"/>
+                <a:ext cx="410690" cy="369332"/>
+              </a:xfrm>
+              <a:prstGeom prst="rect">
+                <a:avLst/>
+              </a:prstGeom>
+              <a:noFill/>
+            </p:spPr>
+            <p:txBody>
+              <a:bodyPr wrap="none" lIns="0" tIns="0" rIns="0" bIns="0" rtlCol="0">
+                <a:spAutoFit/>
+              </a:bodyPr>
+              <a:lstStyle/>
+              <a:p>
+                <a:pPr/>
+                <a14:m>
+                  <m:oMathPara xmlns:m="http://schemas.openxmlformats.org/officeDocument/2006/math">
+                    <m:oMathParaPr>
+                      <m:jc m:val="centerGroup"/>
+                    </m:oMathParaPr>
+                    <m:oMath xmlns:m="http://schemas.openxmlformats.org/officeDocument/2006/math">
+                      <m:sSub>
+                        <m:sSubPr>
+                          <m:ctrlPr>
+                            <a:rPr lang="en-US" altLang="ko-KR" sz="2400" i="1" smtClean="0">
+                              <a:latin typeface="Cambria Math" panose="02040503050406030204" pitchFamily="18" charset="0"/>
+                            </a:rPr>
+                          </m:ctrlPr>
+                        </m:sSubPr>
+                        <m:e>
+                          <m:r>
+                            <a:rPr lang="en-US" altLang="ko-KR" sz="2400" b="0" i="1" smtClean="0">
+                              <a:latin typeface="Cambria Math" panose="02040503050406030204" pitchFamily="18" charset="0"/>
+                            </a:rPr>
+                            <m:t>𝑞</m:t>
+                          </m:r>
+                        </m:e>
+                        <m:sub>
+                          <m:r>
+                            <a:rPr lang="en-US" altLang="ko-KR" sz="2400" b="0" i="1" smtClean="0">
+                              <a:latin typeface="Cambria Math" panose="02040503050406030204" pitchFamily="18" charset="0"/>
+                            </a:rPr>
+                            <m:t>2</m:t>
+                          </m:r>
+                        </m:sub>
+                      </m:sSub>
+                    </m:oMath>
+                  </m:oMathPara>
+                </a14:m>
+                <a:endParaRPr lang="ko-KR" altLang="en-US" sz="2400" dirty="0"/>
+              </a:p>
+            </p:txBody>
+          </p:sp>
+        </mc:Choice>
+        <mc:Fallback>
+          <p:sp>
+            <p:nvSpPr>
+              <p:cNvPr id="4" name="TextBox 3"/>
+              <p:cNvSpPr txBox="1">
+                <a:spLocks noRot="1" noChangeAspect="1" noMove="1" noResize="1" noEditPoints="1" noAdjustHandles="1" noChangeArrowheads="1" noChangeShapeType="1" noTextEdit="1"/>
+              </p:cNvSpPr>
+              <p:nvPr/>
+            </p:nvSpPr>
+            <p:spPr>
+              <a:xfrm>
+                <a:off x="8707366" y="2920484"/>
+                <a:ext cx="410690" cy="369332"/>
+              </a:xfrm>
+              <a:prstGeom prst="rect">
+                <a:avLst/>
+              </a:prstGeom>
+              <a:blipFill rotWithShape="0">
+                <a:blip r:embed="rId2"/>
+                <a:stretch>
+                  <a:fillRect l="-13235" b="-27869"/>
+                </a:stretch>
+              </a:blipFill>
+            </p:spPr>
+            <p:txBody>
+              <a:bodyPr/>
+              <a:lstStyle/>
+              <a:p>
+                <a:r>
+                  <a:rPr lang="ko-KR" altLang="en-US">
+                    <a:noFill/>
+                  </a:rPr>
+                  <a:t> </a:t>
+                </a:r>
+              </a:p>
+            </p:txBody>
+          </p:sp>
+        </mc:Fallback>
+      </mc:AlternateContent>
+      <p:cxnSp>
+        <p:nvCxnSpPr>
+          <p:cNvPr id="5" name="직선 화살표 연결선 4"/>
+          <p:cNvCxnSpPr/>
+          <p:nvPr/>
+        </p:nvCxnSpPr>
+        <p:spPr>
+          <a:xfrm flipH="1">
+            <a:off x="3786855" y="3158062"/>
+            <a:ext cx="720000" cy="0"/>
+          </a:xfrm>
+          <a:prstGeom prst="straightConnector1">
+            <a:avLst/>
+          </a:prstGeom>
+          <a:ln w="76200">
+            <a:solidFill>
+              <a:schemeClr val="tx1"/>
+            </a:solidFill>
+            <a:headEnd type="triangle"/>
+            <a:tailEnd type="none"/>
+          </a:ln>
+        </p:spPr>
+        <p:style>
+          <a:lnRef idx="1">
+            <a:schemeClr val="accent1"/>
+          </a:lnRef>
+          <a:fillRef idx="0">
+            <a:schemeClr val="accent1"/>
+          </a:fillRef>
+          <a:effectRef idx="0">
+            <a:schemeClr val="accent1"/>
+          </a:effectRef>
+          <a:fontRef idx="minor">
+            <a:schemeClr val="tx1"/>
+          </a:fontRef>
+        </p:style>
+      </p:cxnSp>
+      <mc:AlternateContent xmlns:mc="http://schemas.openxmlformats.org/markup-compatibility/2006">
+        <mc:Choice xmlns:a14="http://schemas.microsoft.com/office/drawing/2010/main" Requires="a14">
+          <p:sp>
+            <p:nvSpPr>
+              <p:cNvPr id="6" name="TextBox 5"/>
+              <p:cNvSpPr txBox="1"/>
+              <p:nvPr/>
+            </p:nvSpPr>
+            <p:spPr>
+              <a:xfrm>
+                <a:off x="3190389" y="2908300"/>
+                <a:ext cx="410690" cy="369332"/>
+              </a:xfrm>
+              <a:prstGeom prst="rect">
+                <a:avLst/>
+              </a:prstGeom>
+              <a:noFill/>
+            </p:spPr>
+            <p:txBody>
+              <a:bodyPr wrap="none" lIns="0" tIns="0" rIns="0" bIns="0" rtlCol="0">
+                <a:spAutoFit/>
+              </a:bodyPr>
+              <a:lstStyle/>
+              <a:p>
+                <a:pPr/>
+                <a14:m>
+                  <m:oMathPara xmlns:m="http://schemas.openxmlformats.org/officeDocument/2006/math">
+                    <m:oMathParaPr>
+                      <m:jc m:val="centerGroup"/>
+                    </m:oMathParaPr>
+                    <m:oMath xmlns:m="http://schemas.openxmlformats.org/officeDocument/2006/math">
+                      <m:sSub>
+                        <m:sSubPr>
+                          <m:ctrlPr>
+                            <a:rPr lang="en-US" altLang="ko-KR" sz="2400" i="1" smtClean="0">
+                              <a:latin typeface="Cambria Math" panose="02040503050406030204" pitchFamily="18" charset="0"/>
+                            </a:rPr>
+                          </m:ctrlPr>
+                        </m:sSubPr>
+                        <m:e>
+                          <m:r>
+                            <a:rPr lang="en-US" altLang="ko-KR" sz="2400" b="0" i="1" smtClean="0">
+                              <a:latin typeface="Cambria Math" panose="02040503050406030204" pitchFamily="18" charset="0"/>
+                            </a:rPr>
+                            <m:t>𝑞</m:t>
+                          </m:r>
+                        </m:e>
+                        <m:sub>
+                          <m:r>
+                            <a:rPr lang="en-US" altLang="ko-KR" sz="2400" b="0" i="1" smtClean="0">
+                              <a:latin typeface="Cambria Math" panose="02040503050406030204" pitchFamily="18" charset="0"/>
+                            </a:rPr>
+                            <m:t>1</m:t>
+                          </m:r>
+                        </m:sub>
+                      </m:sSub>
+                    </m:oMath>
+                  </m:oMathPara>
+                </a14:m>
+                <a:endParaRPr lang="ko-KR" altLang="en-US" sz="2400" dirty="0"/>
+              </a:p>
+            </p:txBody>
+          </p:sp>
+        </mc:Choice>
+        <mc:Fallback>
+          <p:sp>
+            <p:nvSpPr>
+              <p:cNvPr id="6" name="TextBox 5"/>
+              <p:cNvSpPr txBox="1">
+                <a:spLocks noRot="1" noChangeAspect="1" noMove="1" noResize="1" noEditPoints="1" noAdjustHandles="1" noChangeArrowheads="1" noChangeShapeType="1" noTextEdit="1"/>
+              </p:cNvSpPr>
+              <p:nvPr/>
+            </p:nvSpPr>
+            <p:spPr>
+              <a:xfrm>
+                <a:off x="3190389" y="2908300"/>
+                <a:ext cx="410690" cy="369332"/>
+              </a:xfrm>
+              <a:prstGeom prst="rect">
+                <a:avLst/>
+              </a:prstGeom>
+              <a:blipFill rotWithShape="0">
+                <a:blip r:embed="rId3"/>
+                <a:stretch>
+                  <a:fillRect l="-11765" b="-27869"/>
+                </a:stretch>
+              </a:blipFill>
+            </p:spPr>
+            <p:txBody>
+              <a:bodyPr/>
+              <a:lstStyle/>
+              <a:p>
+                <a:r>
+                  <a:rPr lang="ko-KR" altLang="en-US">
+                    <a:noFill/>
+                  </a:rPr>
+                  <a:t> </a:t>
+                </a:r>
+              </a:p>
+            </p:txBody>
+          </p:sp>
+        </mc:Fallback>
+      </mc:AlternateContent>
+      <mc:AlternateContent xmlns:mc="http://schemas.openxmlformats.org/markup-compatibility/2006">
+        <mc:Choice xmlns:a14="http://schemas.microsoft.com/office/drawing/2010/main" Requires="a14">
+          <p:sp>
+            <p:nvSpPr>
+              <p:cNvPr id="7" name="TextBox 6"/>
+              <p:cNvSpPr txBox="1"/>
+              <p:nvPr/>
+            </p:nvSpPr>
+            <p:spPr>
+              <a:xfrm>
+                <a:off x="3871355" y="1512903"/>
+                <a:ext cx="394146" cy="369332"/>
+              </a:xfrm>
+              <a:prstGeom prst="rect">
+                <a:avLst/>
+              </a:prstGeom>
+              <a:noFill/>
+            </p:spPr>
+            <p:txBody>
+              <a:bodyPr wrap="none" lIns="0" tIns="0" rIns="0" bIns="0" rtlCol="0">
+                <a:spAutoFit/>
+              </a:bodyPr>
+              <a:lstStyle/>
+              <a:p>
+                <a:pPr/>
+                <a14:m>
+                  <m:oMathPara xmlns:m="http://schemas.openxmlformats.org/officeDocument/2006/math">
+                    <m:oMathParaPr>
+                      <m:jc m:val="centerGroup"/>
+                    </m:oMathParaPr>
+                    <m:oMath xmlns:m="http://schemas.openxmlformats.org/officeDocument/2006/math">
+                      <m:sSub>
+                        <m:sSubPr>
+                          <m:ctrlPr>
+                            <a:rPr lang="en-US" altLang="ko-KR" sz="2400" i="1" smtClean="0">
+                              <a:latin typeface="Cambria Math" panose="02040503050406030204" pitchFamily="18" charset="0"/>
+                            </a:rPr>
+                          </m:ctrlPr>
+                        </m:sSubPr>
+                        <m:e>
+                          <m:r>
+                            <a:rPr lang="en-US" altLang="ko-KR" sz="2400" b="0" i="1" smtClean="0">
+                              <a:latin typeface="Cambria Math" panose="02040503050406030204" pitchFamily="18" charset="0"/>
+                            </a:rPr>
+                            <m:t>𝑇</m:t>
+                          </m:r>
+                        </m:e>
+                        <m:sub>
+                          <m:r>
+                            <a:rPr lang="en-US" altLang="ko-KR" sz="2400" b="0" i="1" smtClean="0">
+                              <a:latin typeface="Cambria Math" panose="02040503050406030204" pitchFamily="18" charset="0"/>
+                            </a:rPr>
+                            <m:t>1</m:t>
+                          </m:r>
+                        </m:sub>
+                      </m:sSub>
+                    </m:oMath>
+                  </m:oMathPara>
+                </a14:m>
+                <a:endParaRPr lang="ko-KR" altLang="en-US" sz="2400" dirty="0"/>
+              </a:p>
+            </p:txBody>
+          </p:sp>
+        </mc:Choice>
+        <mc:Fallback>
+          <p:sp>
+            <p:nvSpPr>
+              <p:cNvPr id="7" name="TextBox 6"/>
+              <p:cNvSpPr txBox="1">
+                <a:spLocks noRot="1" noChangeAspect="1" noMove="1" noResize="1" noEditPoints="1" noAdjustHandles="1" noChangeArrowheads="1" noChangeShapeType="1" noTextEdit="1"/>
+              </p:cNvSpPr>
+              <p:nvPr/>
+            </p:nvSpPr>
+            <p:spPr>
+              <a:xfrm>
+                <a:off x="3871355" y="1512903"/>
+                <a:ext cx="394146" cy="369332"/>
+              </a:xfrm>
+              <a:prstGeom prst="rect">
+                <a:avLst/>
+              </a:prstGeom>
+              <a:blipFill rotWithShape="0">
+                <a:blip r:embed="rId4"/>
+                <a:stretch>
+                  <a:fillRect l="-12308" r="-1538" b="-16393"/>
+                </a:stretch>
+              </a:blipFill>
+            </p:spPr>
+            <p:txBody>
+              <a:bodyPr/>
+              <a:lstStyle/>
+              <a:p>
+                <a:r>
+                  <a:rPr lang="ko-KR" altLang="en-US">
+                    <a:noFill/>
+                  </a:rPr>
+                  <a:t> </a:t>
+                </a:r>
+              </a:p>
+            </p:txBody>
+          </p:sp>
+        </mc:Fallback>
+      </mc:AlternateContent>
+      <mc:AlternateContent xmlns:mc="http://schemas.openxmlformats.org/markup-compatibility/2006">
+        <mc:Choice xmlns:a14="http://schemas.microsoft.com/office/drawing/2010/main" Requires="a14">
+          <p:sp>
+            <p:nvSpPr>
+              <p:cNvPr id="8" name="TextBox 7"/>
+              <p:cNvSpPr txBox="1"/>
+              <p:nvPr/>
+            </p:nvSpPr>
+            <p:spPr>
+              <a:xfrm>
+                <a:off x="7829327" y="1512903"/>
+                <a:ext cx="401264" cy="369332"/>
+              </a:xfrm>
+              <a:prstGeom prst="rect">
+                <a:avLst/>
+              </a:prstGeom>
+              <a:noFill/>
+            </p:spPr>
+            <p:txBody>
+              <a:bodyPr wrap="none" lIns="0" tIns="0" rIns="0" bIns="0" rtlCol="0">
+                <a:spAutoFit/>
+              </a:bodyPr>
+              <a:lstStyle/>
+              <a:p>
+                <a:pPr/>
+                <a14:m>
+                  <m:oMathPara xmlns:m="http://schemas.openxmlformats.org/officeDocument/2006/math">
+                    <m:oMathParaPr>
+                      <m:jc m:val="centerGroup"/>
+                    </m:oMathParaPr>
+                    <m:oMath xmlns:m="http://schemas.openxmlformats.org/officeDocument/2006/math">
+                      <m:sSub>
+                        <m:sSubPr>
+                          <m:ctrlPr>
+                            <a:rPr lang="en-US" altLang="ko-KR" sz="2400" i="1" smtClean="0">
+                              <a:latin typeface="Cambria Math" panose="02040503050406030204" pitchFamily="18" charset="0"/>
+                            </a:rPr>
+                          </m:ctrlPr>
+                        </m:sSubPr>
+                        <m:e>
+                          <m:r>
+                            <a:rPr lang="en-US" altLang="ko-KR" sz="2400" b="0" i="1" smtClean="0">
+                              <a:latin typeface="Cambria Math" panose="02040503050406030204" pitchFamily="18" charset="0"/>
+                            </a:rPr>
+                            <m:t>𝑇</m:t>
+                          </m:r>
+                        </m:e>
+                        <m:sub>
+                          <m:r>
+                            <a:rPr lang="en-US" altLang="ko-KR" sz="2400" b="0" i="1" smtClean="0">
+                              <a:latin typeface="Cambria Math" panose="02040503050406030204" pitchFamily="18" charset="0"/>
+                            </a:rPr>
+                            <m:t>2</m:t>
+                          </m:r>
+                        </m:sub>
+                      </m:sSub>
+                    </m:oMath>
+                  </m:oMathPara>
+                </a14:m>
+                <a:endParaRPr lang="ko-KR" altLang="en-US" sz="2400" dirty="0"/>
+              </a:p>
+            </p:txBody>
+          </p:sp>
+        </mc:Choice>
+        <mc:Fallback>
+          <p:sp>
+            <p:nvSpPr>
+              <p:cNvPr id="8" name="TextBox 7"/>
+              <p:cNvSpPr txBox="1">
+                <a:spLocks noRot="1" noChangeAspect="1" noMove="1" noResize="1" noEditPoints="1" noAdjustHandles="1" noChangeArrowheads="1" noChangeShapeType="1" noTextEdit="1"/>
+              </p:cNvSpPr>
+              <p:nvPr/>
+            </p:nvSpPr>
+            <p:spPr>
+              <a:xfrm>
+                <a:off x="7829327" y="1512903"/>
+                <a:ext cx="401264" cy="369332"/>
+              </a:xfrm>
+              <a:prstGeom prst="rect">
+                <a:avLst/>
+              </a:prstGeom>
+              <a:blipFill rotWithShape="0">
+                <a:blip r:embed="rId5"/>
+                <a:stretch>
+                  <a:fillRect l="-12121" r="-1515" b="-16393"/>
+                </a:stretch>
+              </a:blipFill>
+            </p:spPr>
+            <p:txBody>
+              <a:bodyPr/>
+              <a:lstStyle/>
+              <a:p>
+                <a:r>
+                  <a:rPr lang="ko-KR" altLang="en-US">
+                    <a:noFill/>
+                  </a:rPr>
+                  <a:t> </a:t>
+                </a:r>
+              </a:p>
+            </p:txBody>
+          </p:sp>
+        </mc:Fallback>
+      </mc:AlternateContent>
     </p:spTree>
     <p:extLst>
       <p:ext uri="{BB962C8B-B14F-4D97-AF65-F5344CB8AC3E}">
@@ -5980,7 +6508,7 @@
           <p:cNvPr id="4" name="내용 개체 틀 5">
             <a:extLst>
               <a:ext uri="{FF2B5EF4-FFF2-40B4-BE49-F238E27FC236}">
-                <a16:creationId xmlns="" xmlns:a16="http://schemas.microsoft.com/office/drawing/2014/main" id="{26E65B15-652C-471C-B503-9BD1A7ECA9FF}"/>
+                <a16:creationId xmlns:a16="http://schemas.microsoft.com/office/drawing/2014/main" xmlns="" id="{26E65B15-652C-471C-B503-9BD1A7ECA9FF}"/>
               </a:ext>
             </a:extLst>
           </p:cNvPr>
@@ -6009,7 +6537,7 @@
           <p:cNvPr id="5" name="그림 4">
             <a:extLst>
               <a:ext uri="{FF2B5EF4-FFF2-40B4-BE49-F238E27FC236}">
-                <a16:creationId xmlns="" xmlns:a16="http://schemas.microsoft.com/office/drawing/2014/main" id="{8D86471E-9C3A-40C3-8F27-66A11AC93C24}"/>
+                <a16:creationId xmlns:a16="http://schemas.microsoft.com/office/drawing/2014/main" xmlns="" id="{8D86471E-9C3A-40C3-8F27-66A11AC93C24}"/>
               </a:ext>
             </a:extLst>
           </p:cNvPr>
@@ -6762,7 +7290,7 @@
           <p:cNvPr id="27" name="직선 화살표 연결선 26">
             <a:extLst>
               <a:ext uri="{FF2B5EF4-FFF2-40B4-BE49-F238E27FC236}">
-                <a16:creationId xmlns:a16="http://schemas.microsoft.com/office/drawing/2014/main" xmlns="" id="{C93B29A1-F190-44D3-A9D0-DFAD4F83776E}"/>
+                <a16:creationId xmlns="" xmlns:a16="http://schemas.microsoft.com/office/drawing/2014/main" id="{C93B29A1-F190-44D3-A9D0-DFAD4F83776E}"/>
               </a:ext>
             </a:extLst>
           </p:cNvPr>
@@ -6808,7 +7336,7 @@
               <p:cNvPr id="28" name="TextBox 27">
                 <a:extLst>
                   <a:ext uri="{FF2B5EF4-FFF2-40B4-BE49-F238E27FC236}">
-                    <a16:creationId xmlns:a16="http://schemas.microsoft.com/office/drawing/2014/main" xmlns="" id="{07B5ABC4-CAA0-493B-ACDF-C42A51522079}"/>
+                    <a16:creationId xmlns="" xmlns:a16="http://schemas.microsoft.com/office/drawing/2014/main" id="{07B5ABC4-CAA0-493B-ACDF-C42A51522079}"/>
                   </a:ext>
                 </a:extLst>
               </p:cNvPr>
@@ -6921,7 +7449,7 @@
           <p:cNvPr id="29" name="직선 화살표 연결선 28">
             <a:extLst>
               <a:ext uri="{FF2B5EF4-FFF2-40B4-BE49-F238E27FC236}">
-                <a16:creationId xmlns:a16="http://schemas.microsoft.com/office/drawing/2014/main" xmlns="" id="{782BF86B-4207-4FE7-8DAC-CEB1861B292A}"/>
+                <a16:creationId xmlns="" xmlns:a16="http://schemas.microsoft.com/office/drawing/2014/main" id="{782BF86B-4207-4FE7-8DAC-CEB1861B292A}"/>
               </a:ext>
             </a:extLst>
           </p:cNvPr>
@@ -6967,7 +7495,7 @@
               <p:cNvPr id="32" name="TextBox 31">
                 <a:extLst>
                   <a:ext uri="{FF2B5EF4-FFF2-40B4-BE49-F238E27FC236}">
-                    <a16:creationId xmlns:a16="http://schemas.microsoft.com/office/drawing/2014/main" xmlns="" id="{5DB3AE05-D351-4E8F-8481-E70A4D8B443E}"/>
+                    <a16:creationId xmlns="" xmlns:a16="http://schemas.microsoft.com/office/drawing/2014/main" id="{5DB3AE05-D351-4E8F-8481-E70A4D8B443E}"/>
                   </a:ext>
                 </a:extLst>
               </p:cNvPr>
@@ -7061,7 +7589,7 @@
           <p:cNvPr id="33" name="직선 화살표 연결선 32">
             <a:extLst>
               <a:ext uri="{FF2B5EF4-FFF2-40B4-BE49-F238E27FC236}">
-                <a16:creationId xmlns:a16="http://schemas.microsoft.com/office/drawing/2014/main" xmlns="" id="{F5FC4C0A-B591-4F3B-BD15-9D9E5EC72772}"/>
+                <a16:creationId xmlns="" xmlns:a16="http://schemas.microsoft.com/office/drawing/2014/main" id="{F5FC4C0A-B591-4F3B-BD15-9D9E5EC72772}"/>
               </a:ext>
             </a:extLst>
           </p:cNvPr>
@@ -7107,7 +7635,7 @@
               <p:cNvPr id="38" name="TextBox 37">
                 <a:extLst>
                   <a:ext uri="{FF2B5EF4-FFF2-40B4-BE49-F238E27FC236}">
-                    <a16:creationId xmlns:a16="http://schemas.microsoft.com/office/drawing/2014/main" xmlns="" id="{EC18DB71-3399-4E5E-B321-6A9670FF95D7}"/>
+                    <a16:creationId xmlns="" xmlns:a16="http://schemas.microsoft.com/office/drawing/2014/main" id="{EC18DB71-3399-4E5E-B321-6A9670FF95D7}"/>
                   </a:ext>
                 </a:extLst>
               </p:cNvPr>
@@ -7728,7 +8256,7 @@
           <p:cNvPr id="9" name="그룹 8">
             <a:extLst>
               <a:ext uri="{FF2B5EF4-FFF2-40B4-BE49-F238E27FC236}">
-                <a16:creationId xmlns:a16="http://schemas.microsoft.com/office/drawing/2014/main" xmlns="" id="{F54825A1-879E-45C3-84C9-39758CFBC1AD}"/>
+                <a16:creationId xmlns="" xmlns:a16="http://schemas.microsoft.com/office/drawing/2014/main" id="{F54825A1-879E-45C3-84C9-39758CFBC1AD}"/>
               </a:ext>
             </a:extLst>
           </p:cNvPr>
@@ -8151,7 +8679,7 @@
           <p:cNvPr id="19" name="자유형: 도형 18">
             <a:extLst>
               <a:ext uri="{FF2B5EF4-FFF2-40B4-BE49-F238E27FC236}">
-                <a16:creationId xmlns:a16="http://schemas.microsoft.com/office/drawing/2014/main" xmlns="" id="{28DE563C-2016-4934-A4EE-657070DFAE5E}"/>
+                <a16:creationId xmlns="" xmlns:a16="http://schemas.microsoft.com/office/drawing/2014/main" id="{28DE563C-2016-4934-A4EE-657070DFAE5E}"/>
               </a:ext>
             </a:extLst>
           </p:cNvPr>
@@ -8243,7 +8771,7 @@
               <p:cNvPr id="22" name="TextBox 21">
                 <a:extLst>
                   <a:ext uri="{FF2B5EF4-FFF2-40B4-BE49-F238E27FC236}">
-                    <a16:creationId xmlns:a16="http://schemas.microsoft.com/office/drawing/2014/main" xmlns="" id="{702F36E8-3840-4F82-ACA9-0ADC9BF2CD7E}"/>
+                    <a16:creationId xmlns="" xmlns:a16="http://schemas.microsoft.com/office/drawing/2014/main" id="{702F36E8-3840-4F82-ACA9-0ADC9BF2CD7E}"/>
                   </a:ext>
                 </a:extLst>
               </p:cNvPr>
@@ -8364,7 +8892,7 @@
           <p:cNvPr id="23" name="자유형: 도형 22">
             <a:extLst>
               <a:ext uri="{FF2B5EF4-FFF2-40B4-BE49-F238E27FC236}">
-                <a16:creationId xmlns:a16="http://schemas.microsoft.com/office/drawing/2014/main" xmlns="" id="{D4262DC8-AC8F-4E4E-8F9A-78963014DDC7}"/>
+                <a16:creationId xmlns="" xmlns:a16="http://schemas.microsoft.com/office/drawing/2014/main" id="{D4262DC8-AC8F-4E4E-8F9A-78963014DDC7}"/>
               </a:ext>
             </a:extLst>
           </p:cNvPr>
@@ -8456,7 +8984,7 @@
               <p:cNvPr id="26" name="TextBox 25">
                 <a:extLst>
                   <a:ext uri="{FF2B5EF4-FFF2-40B4-BE49-F238E27FC236}">
-                    <a16:creationId xmlns:a16="http://schemas.microsoft.com/office/drawing/2014/main" xmlns="" id="{4C456F18-AA04-4135-AED2-7569217695DC}"/>
+                    <a16:creationId xmlns="" xmlns:a16="http://schemas.microsoft.com/office/drawing/2014/main" id="{4C456F18-AA04-4135-AED2-7569217695DC}"/>
                   </a:ext>
                 </a:extLst>
               </p:cNvPr>
@@ -9336,7 +9864,7 @@
           <p:cNvPr id="19" name="자유형: 도형 18">
             <a:extLst>
               <a:ext uri="{FF2B5EF4-FFF2-40B4-BE49-F238E27FC236}">
-                <a16:creationId xmlns:a16="http://schemas.microsoft.com/office/drawing/2014/main" xmlns="" id="{28DE563C-2016-4934-A4EE-657070DFAE5E}"/>
+                <a16:creationId xmlns="" xmlns:a16="http://schemas.microsoft.com/office/drawing/2014/main" id="{28DE563C-2016-4934-A4EE-657070DFAE5E}"/>
               </a:ext>
             </a:extLst>
           </p:cNvPr>
@@ -9428,7 +9956,7 @@
               <p:cNvPr id="22" name="TextBox 21">
                 <a:extLst>
                   <a:ext uri="{FF2B5EF4-FFF2-40B4-BE49-F238E27FC236}">
-                    <a16:creationId xmlns:a16="http://schemas.microsoft.com/office/drawing/2014/main" xmlns="" id="{702F36E8-3840-4F82-ACA9-0ADC9BF2CD7E}"/>
+                    <a16:creationId xmlns="" xmlns:a16="http://schemas.microsoft.com/office/drawing/2014/main" id="{702F36E8-3840-4F82-ACA9-0ADC9BF2CD7E}"/>
                   </a:ext>
                 </a:extLst>
               </p:cNvPr>
@@ -9549,7 +10077,7 @@
           <p:cNvPr id="23" name="자유형: 도형 22">
             <a:extLst>
               <a:ext uri="{FF2B5EF4-FFF2-40B4-BE49-F238E27FC236}">
-                <a16:creationId xmlns:a16="http://schemas.microsoft.com/office/drawing/2014/main" xmlns="" id="{D4262DC8-AC8F-4E4E-8F9A-78963014DDC7}"/>
+                <a16:creationId xmlns="" xmlns:a16="http://schemas.microsoft.com/office/drawing/2014/main" id="{D4262DC8-AC8F-4E4E-8F9A-78963014DDC7}"/>
               </a:ext>
             </a:extLst>
           </p:cNvPr>
@@ -9641,7 +10169,7 @@
               <p:cNvPr id="26" name="TextBox 25">
                 <a:extLst>
                   <a:ext uri="{FF2B5EF4-FFF2-40B4-BE49-F238E27FC236}">
-                    <a16:creationId xmlns:a16="http://schemas.microsoft.com/office/drawing/2014/main" xmlns="" id="{4C456F18-AA04-4135-AED2-7569217695DC}"/>
+                    <a16:creationId xmlns="" xmlns:a16="http://schemas.microsoft.com/office/drawing/2014/main" id="{4C456F18-AA04-4135-AED2-7569217695DC}"/>
                   </a:ext>
                 </a:extLst>
               </p:cNvPr>
@@ -9764,7 +10292,7 @@
               <p:cNvPr id="21" name="TextBox 20">
                 <a:extLst>
                   <a:ext uri="{FF2B5EF4-FFF2-40B4-BE49-F238E27FC236}">
-                    <a16:creationId xmlns:a16="http://schemas.microsoft.com/office/drawing/2014/main" xmlns="" id="{7F1A4031-C0F9-4078-B611-60510E555779}"/>
+                    <a16:creationId xmlns="" xmlns:a16="http://schemas.microsoft.com/office/drawing/2014/main" id="{7F1A4031-C0F9-4078-B611-60510E555779}"/>
                   </a:ext>
                 </a:extLst>
               </p:cNvPr>
@@ -9877,7 +10405,7 @@
           <p:cNvPr id="27" name="원호 26">
             <a:extLst>
               <a:ext uri="{FF2B5EF4-FFF2-40B4-BE49-F238E27FC236}">
-                <a16:creationId xmlns:a16="http://schemas.microsoft.com/office/drawing/2014/main" xmlns="" id="{73F2FA99-BAB3-4AEA-A0D4-FFD161E5142F}"/>
+                <a16:creationId xmlns="" xmlns:a16="http://schemas.microsoft.com/office/drawing/2014/main" id="{73F2FA99-BAB3-4AEA-A0D4-FFD161E5142F}"/>
               </a:ext>
             </a:extLst>
           </p:cNvPr>

--- a/그림.pptx
+++ b/그림.pptx
@@ -20,6 +20,7 @@
     <p:sldId id="272" r:id="rId14"/>
     <p:sldId id="259" r:id="rId15"/>
     <p:sldId id="264" r:id="rId16"/>
+    <p:sldId id="273" r:id="rId17"/>
   </p:sldIdLst>
   <p:sldSz cx="12192000" cy="6858000"/>
   <p:notesSz cx="6858000" cy="9144000"/>
@@ -142,6 +143,7 @@
           <p14:sldIdLst>
             <p14:sldId id="259"/>
             <p14:sldId id="264"/>
+            <p14:sldId id="273"/>
           </p14:sldIdLst>
         </p14:section>
       </p14:sectionLst>
@@ -282,7 +284,7 @@
           <a:p>
             <a:fld id="{586A42AD-E6DF-43A8-BCEE-31B231F72482}" type="datetimeFigureOut">
               <a:rPr lang="ko-KR" altLang="en-US" smtClean="0"/>
-              <a:t>2022-08-01</a:t>
+              <a:t>2022-08-31</a:t>
             </a:fld>
             <a:endParaRPr lang="ko-KR" altLang="en-US"/>
           </a:p>
@@ -450,7 +452,7 @@
           <a:p>
             <a:fld id="{586A42AD-E6DF-43A8-BCEE-31B231F72482}" type="datetimeFigureOut">
               <a:rPr lang="ko-KR" altLang="en-US" smtClean="0"/>
-              <a:t>2022-08-01</a:t>
+              <a:t>2022-08-31</a:t>
             </a:fld>
             <a:endParaRPr lang="ko-KR" altLang="en-US"/>
           </a:p>
@@ -628,7 +630,7 @@
           <a:p>
             <a:fld id="{586A42AD-E6DF-43A8-BCEE-31B231F72482}" type="datetimeFigureOut">
               <a:rPr lang="ko-KR" altLang="en-US" smtClean="0"/>
-              <a:t>2022-08-01</a:t>
+              <a:t>2022-08-31</a:t>
             </a:fld>
             <a:endParaRPr lang="ko-KR" altLang="en-US"/>
           </a:p>
@@ -796,7 +798,7 @@
           <a:p>
             <a:fld id="{586A42AD-E6DF-43A8-BCEE-31B231F72482}" type="datetimeFigureOut">
               <a:rPr lang="ko-KR" altLang="en-US" smtClean="0"/>
-              <a:t>2022-08-01</a:t>
+              <a:t>2022-08-31</a:t>
             </a:fld>
             <a:endParaRPr lang="ko-KR" altLang="en-US"/>
           </a:p>
@@ -1041,7 +1043,7 @@
           <a:p>
             <a:fld id="{586A42AD-E6DF-43A8-BCEE-31B231F72482}" type="datetimeFigureOut">
               <a:rPr lang="ko-KR" altLang="en-US" smtClean="0"/>
-              <a:t>2022-08-01</a:t>
+              <a:t>2022-08-31</a:t>
             </a:fld>
             <a:endParaRPr lang="ko-KR" altLang="en-US"/>
           </a:p>
@@ -1270,7 +1272,7 @@
           <a:p>
             <a:fld id="{586A42AD-E6DF-43A8-BCEE-31B231F72482}" type="datetimeFigureOut">
               <a:rPr lang="ko-KR" altLang="en-US" smtClean="0"/>
-              <a:t>2022-08-01</a:t>
+              <a:t>2022-08-31</a:t>
             </a:fld>
             <a:endParaRPr lang="ko-KR" altLang="en-US"/>
           </a:p>
@@ -1634,7 +1636,7 @@
           <a:p>
             <a:fld id="{586A42AD-E6DF-43A8-BCEE-31B231F72482}" type="datetimeFigureOut">
               <a:rPr lang="ko-KR" altLang="en-US" smtClean="0"/>
-              <a:t>2022-08-01</a:t>
+              <a:t>2022-08-31</a:t>
             </a:fld>
             <a:endParaRPr lang="ko-KR" altLang="en-US"/>
           </a:p>
@@ -1751,7 +1753,7 @@
           <a:p>
             <a:fld id="{586A42AD-E6DF-43A8-BCEE-31B231F72482}" type="datetimeFigureOut">
               <a:rPr lang="ko-KR" altLang="en-US" smtClean="0"/>
-              <a:t>2022-08-01</a:t>
+              <a:t>2022-08-31</a:t>
             </a:fld>
             <a:endParaRPr lang="ko-KR" altLang="en-US"/>
           </a:p>
@@ -1846,7 +1848,7 @@
           <a:p>
             <a:fld id="{586A42AD-E6DF-43A8-BCEE-31B231F72482}" type="datetimeFigureOut">
               <a:rPr lang="ko-KR" altLang="en-US" smtClean="0"/>
-              <a:t>2022-08-01</a:t>
+              <a:t>2022-08-31</a:t>
             </a:fld>
             <a:endParaRPr lang="ko-KR" altLang="en-US"/>
           </a:p>
@@ -2121,7 +2123,7 @@
           <a:p>
             <a:fld id="{586A42AD-E6DF-43A8-BCEE-31B231F72482}" type="datetimeFigureOut">
               <a:rPr lang="ko-KR" altLang="en-US" smtClean="0"/>
-              <a:t>2022-08-01</a:t>
+              <a:t>2022-08-31</a:t>
             </a:fld>
             <a:endParaRPr lang="ko-KR" altLang="en-US"/>
           </a:p>
@@ -2373,7 +2375,7 @@
           <a:p>
             <a:fld id="{586A42AD-E6DF-43A8-BCEE-31B231F72482}" type="datetimeFigureOut">
               <a:rPr lang="ko-KR" altLang="en-US" smtClean="0"/>
-              <a:t>2022-08-01</a:t>
+              <a:t>2022-08-31</a:t>
             </a:fld>
             <a:endParaRPr lang="ko-KR" altLang="en-US"/>
           </a:p>
@@ -2584,7 +2586,7 @@
           <a:p>
             <a:fld id="{586A42AD-E6DF-43A8-BCEE-31B231F72482}" type="datetimeFigureOut">
               <a:rPr lang="ko-KR" altLang="en-US" smtClean="0"/>
-              <a:t>2022-08-01</a:t>
+              <a:t>2022-08-31</a:t>
             </a:fld>
             <a:endParaRPr lang="ko-KR" altLang="en-US"/>
           </a:p>
@@ -5378,8 +5380,8 @@
           </a:fontRef>
         </p:style>
       </p:cxnSp>
-      <mc:AlternateContent xmlns:mc="http://schemas.openxmlformats.org/markup-compatibility/2006">
-        <mc:Choice xmlns:a14="http://schemas.microsoft.com/office/drawing/2010/main" Requires="a14">
+      <mc:AlternateContent xmlns:mc="http://schemas.openxmlformats.org/markup-compatibility/2006" xmlns:a14="http://schemas.microsoft.com/office/drawing/2010/main">
+        <mc:Choice Requires="a14">
           <p:sp>
             <p:nvSpPr>
               <p:cNvPr id="4" name="TextBox 3"/>
@@ -5442,7 +5444,7 @@
             </p:txBody>
           </p:sp>
         </mc:Choice>
-        <mc:Fallback>
+        <mc:Fallback xmlns="">
           <p:sp>
             <p:nvSpPr>
               <p:cNvPr id="4" name="TextBox 3"/>
@@ -5518,8 +5520,8 @@
           </a:fontRef>
         </p:style>
       </p:cxnSp>
-      <mc:AlternateContent xmlns:mc="http://schemas.openxmlformats.org/markup-compatibility/2006">
-        <mc:Choice xmlns:a14="http://schemas.microsoft.com/office/drawing/2010/main" Requires="a14">
+      <mc:AlternateContent xmlns:mc="http://schemas.openxmlformats.org/markup-compatibility/2006" xmlns:a14="http://schemas.microsoft.com/office/drawing/2010/main">
+        <mc:Choice Requires="a14">
           <p:sp>
             <p:nvSpPr>
               <p:cNvPr id="6" name="TextBox 5"/>
@@ -5582,7 +5584,7 @@
             </p:txBody>
           </p:sp>
         </mc:Choice>
-        <mc:Fallback>
+        <mc:Fallback xmlns="">
           <p:sp>
             <p:nvSpPr>
               <p:cNvPr id="6" name="TextBox 5"/>
@@ -5621,8 +5623,8 @@
           </p:sp>
         </mc:Fallback>
       </mc:AlternateContent>
-      <mc:AlternateContent xmlns:mc="http://schemas.openxmlformats.org/markup-compatibility/2006">
-        <mc:Choice xmlns:a14="http://schemas.microsoft.com/office/drawing/2010/main" Requires="a14">
+      <mc:AlternateContent xmlns:mc="http://schemas.openxmlformats.org/markup-compatibility/2006" xmlns:a14="http://schemas.microsoft.com/office/drawing/2010/main">
+        <mc:Choice Requires="a14">
           <p:sp>
             <p:nvSpPr>
               <p:cNvPr id="7" name="TextBox 6"/>
@@ -5685,7 +5687,7 @@
             </p:txBody>
           </p:sp>
         </mc:Choice>
-        <mc:Fallback>
+        <mc:Fallback xmlns="">
           <p:sp>
             <p:nvSpPr>
               <p:cNvPr id="7" name="TextBox 6"/>
@@ -5724,8 +5726,8 @@
           </p:sp>
         </mc:Fallback>
       </mc:AlternateContent>
-      <mc:AlternateContent xmlns:mc="http://schemas.openxmlformats.org/markup-compatibility/2006">
-        <mc:Choice xmlns:a14="http://schemas.microsoft.com/office/drawing/2010/main" Requires="a14">
+      <mc:AlternateContent xmlns:mc="http://schemas.openxmlformats.org/markup-compatibility/2006" xmlns:a14="http://schemas.microsoft.com/office/drawing/2010/main">
+        <mc:Choice Requires="a14">
           <p:sp>
             <p:nvSpPr>
               <p:cNvPr id="8" name="TextBox 7"/>
@@ -5788,7 +5790,7 @@
             </p:txBody>
           </p:sp>
         </mc:Choice>
-        <mc:Fallback>
+        <mc:Fallback xmlns="">
           <p:sp>
             <p:nvSpPr>
               <p:cNvPr id="8" name="TextBox 7"/>
@@ -6508,7 +6510,7 @@
           <p:cNvPr id="4" name="내용 개체 틀 5">
             <a:extLst>
               <a:ext uri="{FF2B5EF4-FFF2-40B4-BE49-F238E27FC236}">
-                <a16:creationId xmlns:a16="http://schemas.microsoft.com/office/drawing/2014/main" xmlns="" id="{26E65B15-652C-471C-B503-9BD1A7ECA9FF}"/>
+                <a16:creationId xmlns="" xmlns:a16="http://schemas.microsoft.com/office/drawing/2014/main" id="{26E65B15-652C-471C-B503-9BD1A7ECA9FF}"/>
               </a:ext>
             </a:extLst>
           </p:cNvPr>
@@ -6537,7 +6539,7 @@
           <p:cNvPr id="5" name="그림 4">
             <a:extLst>
               <a:ext uri="{FF2B5EF4-FFF2-40B4-BE49-F238E27FC236}">
-                <a16:creationId xmlns:a16="http://schemas.microsoft.com/office/drawing/2014/main" xmlns="" id="{8D86471E-9C3A-40C3-8F27-66A11AC93C24}"/>
+                <a16:creationId xmlns="" xmlns:a16="http://schemas.microsoft.com/office/drawing/2014/main" id="{8D86471E-9C3A-40C3-8F27-66A11AC93C24}"/>
               </a:ext>
             </a:extLst>
           </p:cNvPr>
@@ -6566,6 +6568,224 @@
     <p:extLst>
       <p:ext uri="{BB962C8B-B14F-4D97-AF65-F5344CB8AC3E}">
         <p14:creationId xmlns:p14="http://schemas.microsoft.com/office/powerpoint/2010/main" val="2505969060"/>
+      </p:ext>
+    </p:extLst>
+  </p:cSld>
+  <p:clrMapOvr>
+    <a:masterClrMapping/>
+  </p:clrMapOvr>
+</p:sld>
+</file>
+
+<file path=ppt/slides/slide16.xml><?xml version="1.0" encoding="utf-8"?>
+<p:sld xmlns:a="http://schemas.openxmlformats.org/drawingml/2006/main" xmlns:r="http://schemas.openxmlformats.org/officeDocument/2006/relationships" xmlns:p="http://schemas.openxmlformats.org/presentationml/2006/main">
+  <p:cSld>
+    <p:spTree>
+      <p:nvGrpSpPr>
+        <p:cNvPr id="1" name=""/>
+        <p:cNvGrpSpPr/>
+        <p:nvPr/>
+      </p:nvGrpSpPr>
+      <p:grpSpPr>
+        <a:xfrm>
+          <a:off x="0" y="0"/>
+          <a:ext cx="0" cy="0"/>
+          <a:chOff x="0" y="0"/>
+          <a:chExt cx="0" cy="0"/>
+        </a:xfrm>
+      </p:grpSpPr>
+      <p:pic>
+        <p:nvPicPr>
+          <p:cNvPr id="4" name="그림 3"/>
+          <p:cNvPicPr>
+            <a:picLocks noChangeAspect="1"/>
+          </p:cNvPicPr>
+          <p:nvPr/>
+        </p:nvPicPr>
+        <p:blipFill>
+          <a:blip r:embed="rId2"/>
+          <a:stretch>
+            <a:fillRect/>
+          </a:stretch>
+        </p:blipFill>
+        <p:spPr>
+          <a:xfrm>
+            <a:off x="4938377" y="3655619"/>
+            <a:ext cx="2495898" cy="695422"/>
+          </a:xfrm>
+          <a:prstGeom prst="rect">
+            <a:avLst/>
+          </a:prstGeom>
+        </p:spPr>
+      </p:pic>
+      <p:pic>
+        <p:nvPicPr>
+          <p:cNvPr id="5" name="그림 4"/>
+          <p:cNvPicPr>
+            <a:picLocks noChangeAspect="1"/>
+          </p:cNvPicPr>
+          <p:nvPr/>
+        </p:nvPicPr>
+        <p:blipFill>
+          <a:blip r:embed="rId3"/>
+          <a:stretch>
+            <a:fillRect/>
+          </a:stretch>
+        </p:blipFill>
+        <p:spPr>
+          <a:xfrm>
+            <a:off x="412978" y="70520"/>
+            <a:ext cx="3583171" cy="4616605"/>
+          </a:xfrm>
+          <a:prstGeom prst="rect">
+            <a:avLst/>
+          </a:prstGeom>
+        </p:spPr>
+      </p:pic>
+      <p:sp>
+        <p:nvSpPr>
+          <p:cNvPr id="6" name="직사각형 5"/>
+          <p:cNvSpPr/>
+          <p:nvPr/>
+        </p:nvSpPr>
+        <p:spPr>
+          <a:xfrm>
+            <a:off x="7652757" y="4687125"/>
+            <a:ext cx="4539243" cy="2102296"/>
+          </a:xfrm>
+          <a:prstGeom prst="rect">
+            <a:avLst/>
+          </a:prstGeom>
+          <a:blipFill dpi="0" rotWithShape="1">
+            <a:blip r:embed="rId4">
+              <a:alphaModFix amt="31000"/>
+            </a:blip>
+            <a:srcRect/>
+            <a:stretch>
+              <a:fillRect/>
+            </a:stretch>
+          </a:blipFill>
+          <a:ln>
+            <a:noFill/>
+          </a:ln>
+        </p:spPr>
+        <p:style>
+          <a:lnRef idx="2">
+            <a:schemeClr val="accent1">
+              <a:shade val="50000"/>
+            </a:schemeClr>
+          </a:lnRef>
+          <a:fillRef idx="1">
+            <a:schemeClr val="accent1"/>
+          </a:fillRef>
+          <a:effectRef idx="0">
+            <a:schemeClr val="accent1"/>
+          </a:effectRef>
+          <a:fontRef idx="minor">
+            <a:schemeClr val="lt1"/>
+          </a:fontRef>
+        </p:style>
+        <p:txBody>
+          <a:bodyPr rtlCol="0" anchor="ctr"/>
+          <a:lstStyle/>
+          <a:p>
+            <a:pPr algn="ctr"/>
+            <a:endParaRPr lang="ko-KR" altLang="en-US"/>
+          </a:p>
+        </p:txBody>
+      </p:sp>
+      <p:sp>
+        <p:nvSpPr>
+          <p:cNvPr id="7" name="위로 구부러진 화살표 6"/>
+          <p:cNvSpPr/>
+          <p:nvPr/>
+        </p:nvSpPr>
+        <p:spPr>
+          <a:xfrm rot="13054116">
+            <a:off x="7317653" y="3024640"/>
+            <a:ext cx="1920129" cy="883920"/>
+          </a:xfrm>
+          <a:prstGeom prst="curvedUpArrow">
+            <a:avLst/>
+          </a:prstGeom>
+        </p:spPr>
+        <p:style>
+          <a:lnRef idx="2">
+            <a:schemeClr val="accent1">
+              <a:shade val="50000"/>
+            </a:schemeClr>
+          </a:lnRef>
+          <a:fillRef idx="1">
+            <a:schemeClr val="accent1"/>
+          </a:fillRef>
+          <a:effectRef idx="0">
+            <a:schemeClr val="accent1"/>
+          </a:effectRef>
+          <a:fontRef idx="minor">
+            <a:schemeClr val="lt1"/>
+          </a:fontRef>
+        </p:style>
+        <p:txBody>
+          <a:bodyPr rtlCol="0" anchor="ctr"/>
+          <a:lstStyle/>
+          <a:p>
+            <a:pPr algn="ctr"/>
+            <a:endParaRPr lang="ko-KR" altLang="en-US">
+              <a:solidFill>
+                <a:schemeClr val="tx1"/>
+              </a:solidFill>
+            </a:endParaRPr>
+          </a:p>
+        </p:txBody>
+      </p:sp>
+      <p:sp>
+        <p:nvSpPr>
+          <p:cNvPr id="8" name="위로 구부러진 화살표 7"/>
+          <p:cNvSpPr/>
+          <p:nvPr/>
+        </p:nvSpPr>
+        <p:spPr>
+          <a:xfrm rot="13054116">
+            <a:off x="4314549" y="1936862"/>
+            <a:ext cx="1920129" cy="883920"/>
+          </a:xfrm>
+          <a:prstGeom prst="curvedUpArrow">
+            <a:avLst/>
+          </a:prstGeom>
+        </p:spPr>
+        <p:style>
+          <a:lnRef idx="2">
+            <a:schemeClr val="accent1">
+              <a:shade val="50000"/>
+            </a:schemeClr>
+          </a:lnRef>
+          <a:fillRef idx="1">
+            <a:schemeClr val="accent1"/>
+          </a:fillRef>
+          <a:effectRef idx="0">
+            <a:schemeClr val="accent1"/>
+          </a:effectRef>
+          <a:fontRef idx="minor">
+            <a:schemeClr val="lt1"/>
+          </a:fontRef>
+        </p:style>
+        <p:txBody>
+          <a:bodyPr rtlCol="0" anchor="ctr"/>
+          <a:lstStyle/>
+          <a:p>
+            <a:pPr algn="ctr"/>
+            <a:endParaRPr lang="ko-KR" altLang="en-US">
+              <a:solidFill>
+                <a:schemeClr val="tx1"/>
+              </a:solidFill>
+            </a:endParaRPr>
+          </a:p>
+        </p:txBody>
+      </p:sp>
+    </p:spTree>
+    <p:extLst>
+      <p:ext uri="{BB962C8B-B14F-4D97-AF65-F5344CB8AC3E}">
+        <p14:creationId xmlns:p14="http://schemas.microsoft.com/office/powerpoint/2010/main" val="3151026552"/>
       </p:ext>
     </p:extLst>
   </p:cSld>
@@ -7290,7 +7510,7 @@
           <p:cNvPr id="27" name="직선 화살표 연결선 26">
             <a:extLst>
               <a:ext uri="{FF2B5EF4-FFF2-40B4-BE49-F238E27FC236}">
-                <a16:creationId xmlns="" xmlns:a16="http://schemas.microsoft.com/office/drawing/2014/main" id="{C93B29A1-F190-44D3-A9D0-DFAD4F83776E}"/>
+                <a16:creationId xmlns:a16="http://schemas.microsoft.com/office/drawing/2014/main" xmlns="" id="{C93B29A1-F190-44D3-A9D0-DFAD4F83776E}"/>
               </a:ext>
             </a:extLst>
           </p:cNvPr>
@@ -7336,7 +7556,7 @@
               <p:cNvPr id="28" name="TextBox 27">
                 <a:extLst>
                   <a:ext uri="{FF2B5EF4-FFF2-40B4-BE49-F238E27FC236}">
-                    <a16:creationId xmlns="" xmlns:a16="http://schemas.microsoft.com/office/drawing/2014/main" id="{07B5ABC4-CAA0-493B-ACDF-C42A51522079}"/>
+                    <a16:creationId xmlns:a16="http://schemas.microsoft.com/office/drawing/2014/main" xmlns="" id="{07B5ABC4-CAA0-493B-ACDF-C42A51522079}"/>
                   </a:ext>
                 </a:extLst>
               </p:cNvPr>
@@ -7449,7 +7669,7 @@
           <p:cNvPr id="29" name="직선 화살표 연결선 28">
             <a:extLst>
               <a:ext uri="{FF2B5EF4-FFF2-40B4-BE49-F238E27FC236}">
-                <a16:creationId xmlns="" xmlns:a16="http://schemas.microsoft.com/office/drawing/2014/main" id="{782BF86B-4207-4FE7-8DAC-CEB1861B292A}"/>
+                <a16:creationId xmlns:a16="http://schemas.microsoft.com/office/drawing/2014/main" xmlns="" id="{782BF86B-4207-4FE7-8DAC-CEB1861B292A}"/>
               </a:ext>
             </a:extLst>
           </p:cNvPr>
@@ -7495,7 +7715,7 @@
               <p:cNvPr id="32" name="TextBox 31">
                 <a:extLst>
                   <a:ext uri="{FF2B5EF4-FFF2-40B4-BE49-F238E27FC236}">
-                    <a16:creationId xmlns="" xmlns:a16="http://schemas.microsoft.com/office/drawing/2014/main" id="{5DB3AE05-D351-4E8F-8481-E70A4D8B443E}"/>
+                    <a16:creationId xmlns:a16="http://schemas.microsoft.com/office/drawing/2014/main" xmlns="" id="{5DB3AE05-D351-4E8F-8481-E70A4D8B443E}"/>
                   </a:ext>
                 </a:extLst>
               </p:cNvPr>
@@ -7589,7 +7809,7 @@
           <p:cNvPr id="33" name="직선 화살표 연결선 32">
             <a:extLst>
               <a:ext uri="{FF2B5EF4-FFF2-40B4-BE49-F238E27FC236}">
-                <a16:creationId xmlns="" xmlns:a16="http://schemas.microsoft.com/office/drawing/2014/main" id="{F5FC4C0A-B591-4F3B-BD15-9D9E5EC72772}"/>
+                <a16:creationId xmlns:a16="http://schemas.microsoft.com/office/drawing/2014/main" xmlns="" id="{F5FC4C0A-B591-4F3B-BD15-9D9E5EC72772}"/>
               </a:ext>
             </a:extLst>
           </p:cNvPr>
@@ -7635,7 +7855,7 @@
               <p:cNvPr id="38" name="TextBox 37">
                 <a:extLst>
                   <a:ext uri="{FF2B5EF4-FFF2-40B4-BE49-F238E27FC236}">
-                    <a16:creationId xmlns="" xmlns:a16="http://schemas.microsoft.com/office/drawing/2014/main" id="{EC18DB71-3399-4E5E-B321-6A9670FF95D7}"/>
+                    <a16:creationId xmlns:a16="http://schemas.microsoft.com/office/drawing/2014/main" xmlns="" id="{EC18DB71-3399-4E5E-B321-6A9670FF95D7}"/>
                   </a:ext>
                 </a:extLst>
               </p:cNvPr>
@@ -8256,7 +8476,7 @@
           <p:cNvPr id="9" name="그룹 8">
             <a:extLst>
               <a:ext uri="{FF2B5EF4-FFF2-40B4-BE49-F238E27FC236}">
-                <a16:creationId xmlns="" xmlns:a16="http://schemas.microsoft.com/office/drawing/2014/main" id="{F54825A1-879E-45C3-84C9-39758CFBC1AD}"/>
+                <a16:creationId xmlns:a16="http://schemas.microsoft.com/office/drawing/2014/main" xmlns="" id="{F54825A1-879E-45C3-84C9-39758CFBC1AD}"/>
               </a:ext>
             </a:extLst>
           </p:cNvPr>
@@ -8679,7 +8899,7 @@
           <p:cNvPr id="19" name="자유형: 도형 18">
             <a:extLst>
               <a:ext uri="{FF2B5EF4-FFF2-40B4-BE49-F238E27FC236}">
-                <a16:creationId xmlns="" xmlns:a16="http://schemas.microsoft.com/office/drawing/2014/main" id="{28DE563C-2016-4934-A4EE-657070DFAE5E}"/>
+                <a16:creationId xmlns:a16="http://schemas.microsoft.com/office/drawing/2014/main" xmlns="" id="{28DE563C-2016-4934-A4EE-657070DFAE5E}"/>
               </a:ext>
             </a:extLst>
           </p:cNvPr>
@@ -8771,7 +8991,7 @@
               <p:cNvPr id="22" name="TextBox 21">
                 <a:extLst>
                   <a:ext uri="{FF2B5EF4-FFF2-40B4-BE49-F238E27FC236}">
-                    <a16:creationId xmlns="" xmlns:a16="http://schemas.microsoft.com/office/drawing/2014/main" id="{702F36E8-3840-4F82-ACA9-0ADC9BF2CD7E}"/>
+                    <a16:creationId xmlns:a16="http://schemas.microsoft.com/office/drawing/2014/main" xmlns="" id="{702F36E8-3840-4F82-ACA9-0ADC9BF2CD7E}"/>
                   </a:ext>
                 </a:extLst>
               </p:cNvPr>
@@ -8892,7 +9112,7 @@
           <p:cNvPr id="23" name="자유형: 도형 22">
             <a:extLst>
               <a:ext uri="{FF2B5EF4-FFF2-40B4-BE49-F238E27FC236}">
-                <a16:creationId xmlns="" xmlns:a16="http://schemas.microsoft.com/office/drawing/2014/main" id="{D4262DC8-AC8F-4E4E-8F9A-78963014DDC7}"/>
+                <a16:creationId xmlns:a16="http://schemas.microsoft.com/office/drawing/2014/main" xmlns="" id="{D4262DC8-AC8F-4E4E-8F9A-78963014DDC7}"/>
               </a:ext>
             </a:extLst>
           </p:cNvPr>
@@ -8984,7 +9204,7 @@
               <p:cNvPr id="26" name="TextBox 25">
                 <a:extLst>
                   <a:ext uri="{FF2B5EF4-FFF2-40B4-BE49-F238E27FC236}">
-                    <a16:creationId xmlns="" xmlns:a16="http://schemas.microsoft.com/office/drawing/2014/main" id="{4C456F18-AA04-4135-AED2-7569217695DC}"/>
+                    <a16:creationId xmlns:a16="http://schemas.microsoft.com/office/drawing/2014/main" xmlns="" id="{4C456F18-AA04-4135-AED2-7569217695DC}"/>
                   </a:ext>
                 </a:extLst>
               </p:cNvPr>
@@ -9864,7 +10084,7 @@
           <p:cNvPr id="19" name="자유형: 도형 18">
             <a:extLst>
               <a:ext uri="{FF2B5EF4-FFF2-40B4-BE49-F238E27FC236}">
-                <a16:creationId xmlns="" xmlns:a16="http://schemas.microsoft.com/office/drawing/2014/main" id="{28DE563C-2016-4934-A4EE-657070DFAE5E}"/>
+                <a16:creationId xmlns:a16="http://schemas.microsoft.com/office/drawing/2014/main" xmlns="" id="{28DE563C-2016-4934-A4EE-657070DFAE5E}"/>
               </a:ext>
             </a:extLst>
           </p:cNvPr>
@@ -9956,7 +10176,7 @@
               <p:cNvPr id="22" name="TextBox 21">
                 <a:extLst>
                   <a:ext uri="{FF2B5EF4-FFF2-40B4-BE49-F238E27FC236}">
-                    <a16:creationId xmlns="" xmlns:a16="http://schemas.microsoft.com/office/drawing/2014/main" id="{702F36E8-3840-4F82-ACA9-0ADC9BF2CD7E}"/>
+                    <a16:creationId xmlns:a16="http://schemas.microsoft.com/office/drawing/2014/main" xmlns="" id="{702F36E8-3840-4F82-ACA9-0ADC9BF2CD7E}"/>
                   </a:ext>
                 </a:extLst>
               </p:cNvPr>
@@ -10077,7 +10297,7 @@
           <p:cNvPr id="23" name="자유형: 도형 22">
             <a:extLst>
               <a:ext uri="{FF2B5EF4-FFF2-40B4-BE49-F238E27FC236}">
-                <a16:creationId xmlns="" xmlns:a16="http://schemas.microsoft.com/office/drawing/2014/main" id="{D4262DC8-AC8F-4E4E-8F9A-78963014DDC7}"/>
+                <a16:creationId xmlns:a16="http://schemas.microsoft.com/office/drawing/2014/main" xmlns="" id="{D4262DC8-AC8F-4E4E-8F9A-78963014DDC7}"/>
               </a:ext>
             </a:extLst>
           </p:cNvPr>
@@ -10169,7 +10389,7 @@
               <p:cNvPr id="26" name="TextBox 25">
                 <a:extLst>
                   <a:ext uri="{FF2B5EF4-FFF2-40B4-BE49-F238E27FC236}">
-                    <a16:creationId xmlns="" xmlns:a16="http://schemas.microsoft.com/office/drawing/2014/main" id="{4C456F18-AA04-4135-AED2-7569217695DC}"/>
+                    <a16:creationId xmlns:a16="http://schemas.microsoft.com/office/drawing/2014/main" xmlns="" id="{4C456F18-AA04-4135-AED2-7569217695DC}"/>
                   </a:ext>
                 </a:extLst>
               </p:cNvPr>
@@ -10292,7 +10512,7 @@
               <p:cNvPr id="21" name="TextBox 20">
                 <a:extLst>
                   <a:ext uri="{FF2B5EF4-FFF2-40B4-BE49-F238E27FC236}">
-                    <a16:creationId xmlns="" xmlns:a16="http://schemas.microsoft.com/office/drawing/2014/main" id="{7F1A4031-C0F9-4078-B611-60510E555779}"/>
+                    <a16:creationId xmlns:a16="http://schemas.microsoft.com/office/drawing/2014/main" xmlns="" id="{7F1A4031-C0F9-4078-B611-60510E555779}"/>
                   </a:ext>
                 </a:extLst>
               </p:cNvPr>
@@ -10405,7 +10625,7 @@
           <p:cNvPr id="27" name="원호 26">
             <a:extLst>
               <a:ext uri="{FF2B5EF4-FFF2-40B4-BE49-F238E27FC236}">
-                <a16:creationId xmlns="" xmlns:a16="http://schemas.microsoft.com/office/drawing/2014/main" id="{73F2FA99-BAB3-4AEA-A0D4-FFD161E5142F}"/>
+                <a16:creationId xmlns:a16="http://schemas.microsoft.com/office/drawing/2014/main" xmlns="" id="{73F2FA99-BAB3-4AEA-A0D4-FFD161E5142F}"/>
               </a:ext>
             </a:extLst>
           </p:cNvPr>

--- a/그림.pptx
+++ b/그림.pptx
@@ -284,7 +284,7 @@
           <a:p>
             <a:fld id="{586A42AD-E6DF-43A8-BCEE-31B231F72482}" type="datetimeFigureOut">
               <a:rPr lang="ko-KR" altLang="en-US" smtClean="0"/>
-              <a:t>2022-08-31</a:t>
+              <a:t>2022-09-05</a:t>
             </a:fld>
             <a:endParaRPr lang="ko-KR" altLang="en-US"/>
           </a:p>
@@ -452,7 +452,7 @@
           <a:p>
             <a:fld id="{586A42AD-E6DF-43A8-BCEE-31B231F72482}" type="datetimeFigureOut">
               <a:rPr lang="ko-KR" altLang="en-US" smtClean="0"/>
-              <a:t>2022-08-31</a:t>
+              <a:t>2022-09-05</a:t>
             </a:fld>
             <a:endParaRPr lang="ko-KR" altLang="en-US"/>
           </a:p>
@@ -630,7 +630,7 @@
           <a:p>
             <a:fld id="{586A42AD-E6DF-43A8-BCEE-31B231F72482}" type="datetimeFigureOut">
               <a:rPr lang="ko-KR" altLang="en-US" smtClean="0"/>
-              <a:t>2022-08-31</a:t>
+              <a:t>2022-09-05</a:t>
             </a:fld>
             <a:endParaRPr lang="ko-KR" altLang="en-US"/>
           </a:p>
@@ -798,7 +798,7 @@
           <a:p>
             <a:fld id="{586A42AD-E6DF-43A8-BCEE-31B231F72482}" type="datetimeFigureOut">
               <a:rPr lang="ko-KR" altLang="en-US" smtClean="0"/>
-              <a:t>2022-08-31</a:t>
+              <a:t>2022-09-05</a:t>
             </a:fld>
             <a:endParaRPr lang="ko-KR" altLang="en-US"/>
           </a:p>
@@ -1043,7 +1043,7 @@
           <a:p>
             <a:fld id="{586A42AD-E6DF-43A8-BCEE-31B231F72482}" type="datetimeFigureOut">
               <a:rPr lang="ko-KR" altLang="en-US" smtClean="0"/>
-              <a:t>2022-08-31</a:t>
+              <a:t>2022-09-05</a:t>
             </a:fld>
             <a:endParaRPr lang="ko-KR" altLang="en-US"/>
           </a:p>
@@ -1272,7 +1272,7 @@
           <a:p>
             <a:fld id="{586A42AD-E6DF-43A8-BCEE-31B231F72482}" type="datetimeFigureOut">
               <a:rPr lang="ko-KR" altLang="en-US" smtClean="0"/>
-              <a:t>2022-08-31</a:t>
+              <a:t>2022-09-05</a:t>
             </a:fld>
             <a:endParaRPr lang="ko-KR" altLang="en-US"/>
           </a:p>
@@ -1636,7 +1636,7 @@
           <a:p>
             <a:fld id="{586A42AD-E6DF-43A8-BCEE-31B231F72482}" type="datetimeFigureOut">
               <a:rPr lang="ko-KR" altLang="en-US" smtClean="0"/>
-              <a:t>2022-08-31</a:t>
+              <a:t>2022-09-05</a:t>
             </a:fld>
             <a:endParaRPr lang="ko-KR" altLang="en-US"/>
           </a:p>
@@ -1753,7 +1753,7 @@
           <a:p>
             <a:fld id="{586A42AD-E6DF-43A8-BCEE-31B231F72482}" type="datetimeFigureOut">
               <a:rPr lang="ko-KR" altLang="en-US" smtClean="0"/>
-              <a:t>2022-08-31</a:t>
+              <a:t>2022-09-05</a:t>
             </a:fld>
             <a:endParaRPr lang="ko-KR" altLang="en-US"/>
           </a:p>
@@ -1848,7 +1848,7 @@
           <a:p>
             <a:fld id="{586A42AD-E6DF-43A8-BCEE-31B231F72482}" type="datetimeFigureOut">
               <a:rPr lang="ko-KR" altLang="en-US" smtClean="0"/>
-              <a:t>2022-08-31</a:t>
+              <a:t>2022-09-05</a:t>
             </a:fld>
             <a:endParaRPr lang="ko-KR" altLang="en-US"/>
           </a:p>
@@ -2123,7 +2123,7 @@
           <a:p>
             <a:fld id="{586A42AD-E6DF-43A8-BCEE-31B231F72482}" type="datetimeFigureOut">
               <a:rPr lang="ko-KR" altLang="en-US" smtClean="0"/>
-              <a:t>2022-08-31</a:t>
+              <a:t>2022-09-05</a:t>
             </a:fld>
             <a:endParaRPr lang="ko-KR" altLang="en-US"/>
           </a:p>
@@ -2375,7 +2375,7 @@
           <a:p>
             <a:fld id="{586A42AD-E6DF-43A8-BCEE-31B231F72482}" type="datetimeFigureOut">
               <a:rPr lang="ko-KR" altLang="en-US" smtClean="0"/>
-              <a:t>2022-08-31</a:t>
+              <a:t>2022-09-05</a:t>
             </a:fld>
             <a:endParaRPr lang="ko-KR" altLang="en-US"/>
           </a:p>
@@ -2586,7 +2586,7 @@
           <a:p>
             <a:fld id="{586A42AD-E6DF-43A8-BCEE-31B231F72482}" type="datetimeFigureOut">
               <a:rPr lang="ko-KR" altLang="en-US" smtClean="0"/>
-              <a:t>2022-08-31</a:t>
+              <a:t>2022-09-05</a:t>
             </a:fld>
             <a:endParaRPr lang="ko-KR" altLang="en-US"/>
           </a:p>
@@ -5859,6 +5859,774 @@
           <a:chExt cx="0" cy="0"/>
         </a:xfrm>
       </p:grpSpPr>
+      <p:pic>
+        <p:nvPicPr>
+          <p:cNvPr id="2" name="그림 1"/>
+          <p:cNvPicPr>
+            <a:picLocks noChangeAspect="1"/>
+          </p:cNvPicPr>
+          <p:nvPr/>
+        </p:nvPicPr>
+        <p:blipFill>
+          <a:blip r:embed="rId2"/>
+          <a:stretch>
+            <a:fillRect/>
+          </a:stretch>
+        </p:blipFill>
+        <p:spPr>
+          <a:xfrm>
+            <a:off x="4744672" y="2386043"/>
+            <a:ext cx="2038092" cy="1379631"/>
+          </a:xfrm>
+          <a:prstGeom prst="rect">
+            <a:avLst/>
+          </a:prstGeom>
+        </p:spPr>
+      </p:pic>
+      <p:sp>
+        <p:nvSpPr>
+          <p:cNvPr id="3" name="직사각형 2"/>
+          <p:cNvSpPr/>
+          <p:nvPr/>
+        </p:nvSpPr>
+        <p:spPr>
+          <a:xfrm>
+            <a:off x="6782764" y="2882095"/>
+            <a:ext cx="625033" cy="590310"/>
+          </a:xfrm>
+          <a:prstGeom prst="rect">
+            <a:avLst/>
+          </a:prstGeom>
+          <a:noFill/>
+          <a:ln w="57150">
+            <a:solidFill>
+              <a:srgbClr val="303030"/>
+            </a:solidFill>
+          </a:ln>
+        </p:spPr>
+        <p:style>
+          <a:lnRef idx="2">
+            <a:schemeClr val="accent1">
+              <a:shade val="50000"/>
+            </a:schemeClr>
+          </a:lnRef>
+          <a:fillRef idx="1">
+            <a:schemeClr val="accent1"/>
+          </a:fillRef>
+          <a:effectRef idx="0">
+            <a:schemeClr val="accent1"/>
+          </a:effectRef>
+          <a:fontRef idx="minor">
+            <a:schemeClr val="lt1"/>
+          </a:fontRef>
+        </p:style>
+        <p:txBody>
+          <a:bodyPr rtlCol="0" anchor="ctr"/>
+          <a:lstStyle/>
+          <a:p>
+            <a:pPr algn="ctr"/>
+            <a:endParaRPr lang="ko-KR" altLang="en-US"/>
+          </a:p>
+        </p:txBody>
+      </p:sp>
+      <p:cxnSp>
+        <p:nvCxnSpPr>
+          <p:cNvPr id="4" name="직선 화살표 연결선 3"/>
+          <p:cNvCxnSpPr/>
+          <p:nvPr/>
+        </p:nvCxnSpPr>
+        <p:spPr>
+          <a:xfrm flipH="1">
+            <a:off x="6782764" y="2557304"/>
+            <a:ext cx="720000" cy="0"/>
+          </a:xfrm>
+          <a:prstGeom prst="straightConnector1">
+            <a:avLst/>
+          </a:prstGeom>
+          <a:ln w="76200">
+            <a:solidFill>
+              <a:schemeClr val="tx1"/>
+            </a:solidFill>
+            <a:headEnd type="triangle"/>
+            <a:tailEnd type="none"/>
+          </a:ln>
+        </p:spPr>
+        <p:style>
+          <a:lnRef idx="1">
+            <a:schemeClr val="accent1"/>
+          </a:lnRef>
+          <a:fillRef idx="0">
+            <a:schemeClr val="accent1"/>
+          </a:fillRef>
+          <a:effectRef idx="0">
+            <a:schemeClr val="accent1"/>
+          </a:effectRef>
+          <a:fontRef idx="minor">
+            <a:schemeClr val="tx1"/>
+          </a:fontRef>
+        </p:style>
+      </p:cxnSp>
+      <p:cxnSp>
+        <p:nvCxnSpPr>
+          <p:cNvPr id="5" name="직선 화살표 연결선 4"/>
+          <p:cNvCxnSpPr/>
+          <p:nvPr/>
+        </p:nvCxnSpPr>
+        <p:spPr>
+          <a:xfrm flipH="1">
+            <a:off x="6803876" y="3904159"/>
+            <a:ext cx="720000" cy="0"/>
+          </a:xfrm>
+          <a:prstGeom prst="straightConnector1">
+            <a:avLst/>
+          </a:prstGeom>
+          <a:ln w="76200">
+            <a:solidFill>
+              <a:schemeClr val="tx1"/>
+            </a:solidFill>
+            <a:headEnd type="triangle"/>
+            <a:tailEnd type="none"/>
+          </a:ln>
+        </p:spPr>
+        <p:style>
+          <a:lnRef idx="1">
+            <a:schemeClr val="accent1"/>
+          </a:lnRef>
+          <a:fillRef idx="0">
+            <a:schemeClr val="accent1"/>
+          </a:fillRef>
+          <a:effectRef idx="0">
+            <a:schemeClr val="accent1"/>
+          </a:effectRef>
+          <a:fontRef idx="minor">
+            <a:schemeClr val="tx1"/>
+          </a:fontRef>
+        </p:style>
+      </p:cxnSp>
+      <mc:AlternateContent xmlns:mc="http://schemas.openxmlformats.org/markup-compatibility/2006">
+        <mc:Choice xmlns:a14="http://schemas.microsoft.com/office/drawing/2010/main" Requires="a14">
+          <p:sp>
+            <p:nvSpPr>
+              <p:cNvPr id="6" name="TextBox 5"/>
+              <p:cNvSpPr txBox="1"/>
+              <p:nvPr/>
+            </p:nvSpPr>
+            <p:spPr>
+              <a:xfrm>
+                <a:off x="6912121" y="1883815"/>
+                <a:ext cx="373436" cy="369332"/>
+              </a:xfrm>
+              <a:prstGeom prst="rect">
+                <a:avLst/>
+              </a:prstGeom>
+              <a:noFill/>
+            </p:spPr>
+            <p:txBody>
+              <a:bodyPr wrap="none" lIns="0" tIns="0" rIns="0" bIns="0" rtlCol="0">
+                <a:spAutoFit/>
+              </a:bodyPr>
+              <a:lstStyle/>
+              <a:p>
+                <a:pPr/>
+                <a14:m>
+                  <m:oMathPara xmlns:m="http://schemas.openxmlformats.org/officeDocument/2006/math">
+                    <m:oMathParaPr>
+                      <m:jc m:val="centerGroup"/>
+                    </m:oMathParaPr>
+                    <m:oMath xmlns:m="http://schemas.openxmlformats.org/officeDocument/2006/math">
+                      <m:sSub>
+                        <m:sSubPr>
+                          <m:ctrlPr>
+                            <a:rPr lang="en-US" altLang="ko-KR" sz="2400" i="1" smtClean="0">
+                              <a:latin typeface="Cambria Math" panose="02040503050406030204" pitchFamily="18" charset="0"/>
+                            </a:rPr>
+                          </m:ctrlPr>
+                        </m:sSubPr>
+                        <m:e>
+                          <m:r>
+                            <a:rPr lang="en-US" altLang="ko-KR" sz="2400" b="0" i="1" smtClean="0">
+                              <a:latin typeface="Cambria Math" panose="02040503050406030204" pitchFamily="18" charset="0"/>
+                            </a:rPr>
+                            <m:t>𝑓</m:t>
+                          </m:r>
+                        </m:e>
+                        <m:sub>
+                          <m:r>
+                            <a:rPr lang="en-US" altLang="ko-KR" sz="2400" b="0" i="1" smtClean="0">
+                              <a:latin typeface="Cambria Math" panose="02040503050406030204" pitchFamily="18" charset="0"/>
+                            </a:rPr>
+                            <m:t>2</m:t>
+                          </m:r>
+                        </m:sub>
+                      </m:sSub>
+                    </m:oMath>
+                  </m:oMathPara>
+                </a14:m>
+                <a:endParaRPr lang="ko-KR" altLang="en-US" sz="2400" dirty="0"/>
+              </a:p>
+            </p:txBody>
+          </p:sp>
+        </mc:Choice>
+        <mc:Fallback>
+          <p:sp>
+            <p:nvSpPr>
+              <p:cNvPr id="6" name="TextBox 5"/>
+              <p:cNvSpPr txBox="1">
+                <a:spLocks noRot="1" noChangeAspect="1" noMove="1" noResize="1" noEditPoints="1" noAdjustHandles="1" noChangeArrowheads="1" noChangeShapeType="1" noTextEdit="1"/>
+              </p:cNvSpPr>
+              <p:nvPr/>
+            </p:nvSpPr>
+            <p:spPr>
+              <a:xfrm>
+                <a:off x="6912121" y="1883815"/>
+                <a:ext cx="373436" cy="369332"/>
+              </a:xfrm>
+              <a:prstGeom prst="rect">
+                <a:avLst/>
+              </a:prstGeom>
+              <a:blipFill rotWithShape="0">
+                <a:blip r:embed="rId3"/>
+                <a:stretch>
+                  <a:fillRect l="-24590" b="-37705"/>
+                </a:stretch>
+              </a:blipFill>
+            </p:spPr>
+            <p:txBody>
+              <a:bodyPr/>
+              <a:lstStyle/>
+              <a:p>
+                <a:r>
+                  <a:rPr lang="ko-KR" altLang="en-US">
+                    <a:noFill/>
+                  </a:rPr>
+                  <a:t> </a:t>
+                </a:r>
+              </a:p>
+            </p:txBody>
+          </p:sp>
+        </mc:Fallback>
+      </mc:AlternateContent>
+      <mc:AlternateContent xmlns:mc="http://schemas.openxmlformats.org/markup-compatibility/2006">
+        <mc:Choice xmlns:a14="http://schemas.microsoft.com/office/drawing/2010/main" Requires="a14">
+          <p:sp>
+            <p:nvSpPr>
+              <p:cNvPr id="7" name="TextBox 6"/>
+              <p:cNvSpPr txBox="1"/>
+              <p:nvPr/>
+            </p:nvSpPr>
+            <p:spPr>
+              <a:xfrm>
+                <a:off x="6931552" y="4064772"/>
+                <a:ext cx="444417" cy="369332"/>
+              </a:xfrm>
+              <a:prstGeom prst="rect">
+                <a:avLst/>
+              </a:prstGeom>
+              <a:noFill/>
+            </p:spPr>
+            <p:txBody>
+              <a:bodyPr wrap="none" lIns="0" tIns="0" rIns="0" bIns="0" rtlCol="0">
+                <a:spAutoFit/>
+              </a:bodyPr>
+              <a:lstStyle/>
+              <a:p>
+                <a:pPr/>
+                <a14:m>
+                  <m:oMathPara xmlns:m="http://schemas.openxmlformats.org/officeDocument/2006/math">
+                    <m:oMathParaPr>
+                      <m:jc m:val="centerGroup"/>
+                    </m:oMathParaPr>
+                    <m:oMath xmlns:m="http://schemas.openxmlformats.org/officeDocument/2006/math">
+                      <m:sSub>
+                        <m:sSubPr>
+                          <m:ctrlPr>
+                            <a:rPr lang="en-US" altLang="ko-KR" sz="2400" i="1" smtClean="0">
+                              <a:latin typeface="Cambria Math" panose="02040503050406030204" pitchFamily="18" charset="0"/>
+                            </a:rPr>
+                          </m:ctrlPr>
+                        </m:sSubPr>
+                        <m:e>
+                          <m:r>
+                            <a:rPr lang="en-US" altLang="ko-KR" sz="2400" b="0" i="1" smtClean="0">
+                              <a:latin typeface="Cambria Math" panose="02040503050406030204" pitchFamily="18" charset="0"/>
+                            </a:rPr>
+                            <m:t>𝑑</m:t>
+                          </m:r>
+                        </m:e>
+                        <m:sub>
+                          <m:r>
+                            <a:rPr lang="en-US" altLang="ko-KR" sz="2400" b="0" i="1" smtClean="0">
+                              <a:latin typeface="Cambria Math" panose="02040503050406030204" pitchFamily="18" charset="0"/>
+                            </a:rPr>
+                            <m:t>2</m:t>
+                          </m:r>
+                        </m:sub>
+                      </m:sSub>
+                    </m:oMath>
+                  </m:oMathPara>
+                </a14:m>
+                <a:endParaRPr lang="ko-KR" altLang="en-US" sz="2400" dirty="0"/>
+              </a:p>
+            </p:txBody>
+          </p:sp>
+        </mc:Choice>
+        <mc:Fallback>
+          <p:sp>
+            <p:nvSpPr>
+              <p:cNvPr id="7" name="TextBox 6"/>
+              <p:cNvSpPr txBox="1">
+                <a:spLocks noRot="1" noChangeAspect="1" noMove="1" noResize="1" noEditPoints="1" noAdjustHandles="1" noChangeArrowheads="1" noChangeShapeType="1" noTextEdit="1"/>
+              </p:cNvSpPr>
+              <p:nvPr/>
+            </p:nvSpPr>
+            <p:spPr>
+              <a:xfrm>
+                <a:off x="6931552" y="4064772"/>
+                <a:ext cx="444417" cy="369332"/>
+              </a:xfrm>
+              <a:prstGeom prst="rect">
+                <a:avLst/>
+              </a:prstGeom>
+              <a:blipFill rotWithShape="0">
+                <a:blip r:embed="rId4"/>
+                <a:stretch>
+                  <a:fillRect l="-10959" b="-18333"/>
+                </a:stretch>
+              </a:blipFill>
+            </p:spPr>
+            <p:txBody>
+              <a:bodyPr/>
+              <a:lstStyle/>
+              <a:p>
+                <a:r>
+                  <a:rPr lang="ko-KR" altLang="en-US">
+                    <a:noFill/>
+                  </a:rPr>
+                  <a:t> </a:t>
+                </a:r>
+              </a:p>
+            </p:txBody>
+          </p:sp>
+        </mc:Fallback>
+      </mc:AlternateContent>
+      <mc:AlternateContent xmlns:mc="http://schemas.openxmlformats.org/markup-compatibility/2006">
+        <mc:Choice xmlns:a14="http://schemas.microsoft.com/office/drawing/2010/main" Requires="a14">
+          <p:sp>
+            <p:nvSpPr>
+              <p:cNvPr id="9" name="TextBox 8"/>
+              <p:cNvSpPr txBox="1"/>
+              <p:nvPr/>
+            </p:nvSpPr>
+            <p:spPr>
+              <a:xfrm>
+                <a:off x="5660020" y="2616936"/>
+                <a:ext cx="434439" cy="369332"/>
+              </a:xfrm>
+              <a:prstGeom prst="rect">
+                <a:avLst/>
+              </a:prstGeom>
+              <a:solidFill>
+                <a:schemeClr val="bg1"/>
+              </a:solidFill>
+            </p:spPr>
+            <p:txBody>
+              <a:bodyPr wrap="square" lIns="0" tIns="0" rIns="0" bIns="0" rtlCol="0">
+                <a:spAutoFit/>
+              </a:bodyPr>
+              <a:lstStyle/>
+              <a:p>
+                <a:pPr/>
+                <a14:m>
+                  <m:oMathPara xmlns:m="http://schemas.openxmlformats.org/officeDocument/2006/math">
+                    <m:oMathParaPr>
+                      <m:jc m:val="centerGroup"/>
+                    </m:oMathParaPr>
+                    <m:oMath xmlns:m="http://schemas.openxmlformats.org/officeDocument/2006/math">
+                      <m:r>
+                        <a:rPr lang="en-US" altLang="ko-KR" sz="2400" i="1" smtClean="0">
+                          <a:latin typeface="Cambria Math" panose="02040503050406030204" pitchFamily="18" charset="0"/>
+                        </a:rPr>
+                        <m:t>𝑘</m:t>
+                      </m:r>
+                    </m:oMath>
+                  </m:oMathPara>
+                </a14:m>
+                <a:endParaRPr lang="ko-KR" altLang="en-US" sz="2400" dirty="0"/>
+              </a:p>
+            </p:txBody>
+          </p:sp>
+        </mc:Choice>
+        <mc:Fallback>
+          <p:sp>
+            <p:nvSpPr>
+              <p:cNvPr id="9" name="TextBox 8"/>
+              <p:cNvSpPr txBox="1">
+                <a:spLocks noRot="1" noChangeAspect="1" noMove="1" noResize="1" noEditPoints="1" noAdjustHandles="1" noChangeArrowheads="1" noChangeShapeType="1" noTextEdit="1"/>
+              </p:cNvSpPr>
+              <p:nvPr/>
+            </p:nvSpPr>
+            <p:spPr>
+              <a:xfrm>
+                <a:off x="5660020" y="2616936"/>
+                <a:ext cx="434439" cy="369332"/>
+              </a:xfrm>
+              <a:prstGeom prst="rect">
+                <a:avLst/>
+              </a:prstGeom>
+              <a:blipFill rotWithShape="0">
+                <a:blip r:embed="rId5"/>
+                <a:stretch>
+                  <a:fillRect b="-9836"/>
+                </a:stretch>
+              </a:blipFill>
+            </p:spPr>
+            <p:txBody>
+              <a:bodyPr/>
+              <a:lstStyle/>
+              <a:p>
+                <a:r>
+                  <a:rPr lang="ko-KR" altLang="en-US">
+                    <a:noFill/>
+                  </a:rPr>
+                  <a:t> </a:t>
+                </a:r>
+              </a:p>
+            </p:txBody>
+          </p:sp>
+        </mc:Fallback>
+      </mc:AlternateContent>
+      <p:sp>
+        <p:nvSpPr>
+          <p:cNvPr id="10" name="직사각형 9"/>
+          <p:cNvSpPr/>
+          <p:nvPr/>
+        </p:nvSpPr>
+        <p:spPr>
+          <a:xfrm>
+            <a:off x="4258536" y="2882095"/>
+            <a:ext cx="625033" cy="590310"/>
+          </a:xfrm>
+          <a:prstGeom prst="rect">
+            <a:avLst/>
+          </a:prstGeom>
+          <a:solidFill>
+            <a:schemeClr val="bg1"/>
+          </a:solidFill>
+          <a:ln w="57150">
+            <a:solidFill>
+              <a:srgbClr val="303030"/>
+            </a:solidFill>
+          </a:ln>
+        </p:spPr>
+        <p:style>
+          <a:lnRef idx="2">
+            <a:schemeClr val="accent1">
+              <a:shade val="50000"/>
+            </a:schemeClr>
+          </a:lnRef>
+          <a:fillRef idx="1">
+            <a:schemeClr val="accent1"/>
+          </a:fillRef>
+          <a:effectRef idx="0">
+            <a:schemeClr val="accent1"/>
+          </a:effectRef>
+          <a:fontRef idx="minor">
+            <a:schemeClr val="lt1"/>
+          </a:fontRef>
+        </p:style>
+        <p:txBody>
+          <a:bodyPr rtlCol="0" anchor="ctr"/>
+          <a:lstStyle/>
+          <a:p>
+            <a:pPr algn="ctr"/>
+            <a:endParaRPr lang="ko-KR" altLang="en-US"/>
+          </a:p>
+        </p:txBody>
+      </p:sp>
+      <p:cxnSp>
+        <p:nvCxnSpPr>
+          <p:cNvPr id="11" name="직선 화살표 연결선 10"/>
+          <p:cNvCxnSpPr/>
+          <p:nvPr/>
+        </p:nvCxnSpPr>
+        <p:spPr>
+          <a:xfrm flipH="1">
+            <a:off x="4258536" y="2557304"/>
+            <a:ext cx="720000" cy="0"/>
+          </a:xfrm>
+          <a:prstGeom prst="straightConnector1">
+            <a:avLst/>
+          </a:prstGeom>
+          <a:ln w="76200">
+            <a:solidFill>
+              <a:schemeClr val="tx1"/>
+            </a:solidFill>
+            <a:headEnd type="triangle"/>
+            <a:tailEnd type="none"/>
+          </a:ln>
+        </p:spPr>
+        <p:style>
+          <a:lnRef idx="1">
+            <a:schemeClr val="accent1"/>
+          </a:lnRef>
+          <a:fillRef idx="0">
+            <a:schemeClr val="accent1"/>
+          </a:fillRef>
+          <a:effectRef idx="0">
+            <a:schemeClr val="accent1"/>
+          </a:effectRef>
+          <a:fontRef idx="minor">
+            <a:schemeClr val="tx1"/>
+          </a:fontRef>
+        </p:style>
+      </p:cxnSp>
+      <p:cxnSp>
+        <p:nvCxnSpPr>
+          <p:cNvPr id="12" name="직선 화살표 연결선 11"/>
+          <p:cNvCxnSpPr/>
+          <p:nvPr/>
+        </p:nvCxnSpPr>
+        <p:spPr>
+          <a:xfrm flipH="1">
+            <a:off x="4279648" y="3904159"/>
+            <a:ext cx="720000" cy="0"/>
+          </a:xfrm>
+          <a:prstGeom prst="straightConnector1">
+            <a:avLst/>
+          </a:prstGeom>
+          <a:ln w="76200">
+            <a:solidFill>
+              <a:schemeClr val="tx1"/>
+            </a:solidFill>
+            <a:headEnd type="triangle"/>
+            <a:tailEnd type="none"/>
+          </a:ln>
+        </p:spPr>
+        <p:style>
+          <a:lnRef idx="1">
+            <a:schemeClr val="accent1"/>
+          </a:lnRef>
+          <a:fillRef idx="0">
+            <a:schemeClr val="accent1"/>
+          </a:fillRef>
+          <a:effectRef idx="0">
+            <a:schemeClr val="accent1"/>
+          </a:effectRef>
+          <a:fontRef idx="minor">
+            <a:schemeClr val="tx1"/>
+          </a:fontRef>
+        </p:style>
+      </p:cxnSp>
+      <mc:AlternateContent xmlns:mc="http://schemas.openxmlformats.org/markup-compatibility/2006">
+        <mc:Choice xmlns:a14="http://schemas.microsoft.com/office/drawing/2010/main" Requires="a14">
+          <p:sp>
+            <p:nvSpPr>
+              <p:cNvPr id="13" name="TextBox 12"/>
+              <p:cNvSpPr txBox="1"/>
+              <p:nvPr/>
+            </p:nvSpPr>
+            <p:spPr>
+              <a:xfrm>
+                <a:off x="4387893" y="1883815"/>
+                <a:ext cx="366318" cy="369332"/>
+              </a:xfrm>
+              <a:prstGeom prst="rect">
+                <a:avLst/>
+              </a:prstGeom>
+              <a:solidFill>
+                <a:schemeClr val="bg1"/>
+              </a:solidFill>
+            </p:spPr>
+            <p:txBody>
+              <a:bodyPr wrap="none" lIns="0" tIns="0" rIns="0" bIns="0" rtlCol="0">
+                <a:spAutoFit/>
+              </a:bodyPr>
+              <a:lstStyle/>
+              <a:p>
+                <a:pPr/>
+                <a14:m>
+                  <m:oMathPara xmlns:m="http://schemas.openxmlformats.org/officeDocument/2006/math">
+                    <m:oMathParaPr>
+                      <m:jc m:val="centerGroup"/>
+                    </m:oMathParaPr>
+                    <m:oMath xmlns:m="http://schemas.openxmlformats.org/officeDocument/2006/math">
+                      <m:sSub>
+                        <m:sSubPr>
+                          <m:ctrlPr>
+                            <a:rPr lang="en-US" altLang="ko-KR" sz="2400" i="1" smtClean="0">
+                              <a:latin typeface="Cambria Math" panose="02040503050406030204" pitchFamily="18" charset="0"/>
+                            </a:rPr>
+                          </m:ctrlPr>
+                        </m:sSubPr>
+                        <m:e>
+                          <m:r>
+                            <a:rPr lang="en-US" altLang="ko-KR" sz="2400" b="0" i="1" smtClean="0">
+                              <a:latin typeface="Cambria Math" panose="02040503050406030204" pitchFamily="18" charset="0"/>
+                            </a:rPr>
+                            <m:t>𝑓</m:t>
+                          </m:r>
+                        </m:e>
+                        <m:sub>
+                          <m:r>
+                            <a:rPr lang="en-US" altLang="ko-KR" sz="2400" b="0" i="1" smtClean="0">
+                              <a:latin typeface="Cambria Math" panose="02040503050406030204" pitchFamily="18" charset="0"/>
+                            </a:rPr>
+                            <m:t>1</m:t>
+                          </m:r>
+                        </m:sub>
+                      </m:sSub>
+                    </m:oMath>
+                  </m:oMathPara>
+                </a14:m>
+                <a:endParaRPr lang="ko-KR" altLang="en-US" sz="2400" dirty="0"/>
+              </a:p>
+            </p:txBody>
+          </p:sp>
+        </mc:Choice>
+        <mc:Fallback>
+          <p:sp>
+            <p:nvSpPr>
+              <p:cNvPr id="13" name="TextBox 12"/>
+              <p:cNvSpPr txBox="1">
+                <a:spLocks noRot="1" noChangeAspect="1" noMove="1" noResize="1" noEditPoints="1" noAdjustHandles="1" noChangeArrowheads="1" noChangeShapeType="1" noTextEdit="1"/>
+              </p:cNvSpPr>
+              <p:nvPr/>
+            </p:nvSpPr>
+            <p:spPr>
+              <a:xfrm>
+                <a:off x="4387893" y="1883815"/>
+                <a:ext cx="366318" cy="369332"/>
+              </a:xfrm>
+              <a:prstGeom prst="rect">
+                <a:avLst/>
+              </a:prstGeom>
+              <a:blipFill rotWithShape="0">
+                <a:blip r:embed="rId6"/>
+                <a:stretch>
+                  <a:fillRect l="-25000" b="-37705"/>
+                </a:stretch>
+              </a:blipFill>
+            </p:spPr>
+            <p:txBody>
+              <a:bodyPr/>
+              <a:lstStyle/>
+              <a:p>
+                <a:r>
+                  <a:rPr lang="ko-KR" altLang="en-US">
+                    <a:noFill/>
+                  </a:rPr>
+                  <a:t> </a:t>
+                </a:r>
+              </a:p>
+            </p:txBody>
+          </p:sp>
+        </mc:Fallback>
+      </mc:AlternateContent>
+      <mc:AlternateContent xmlns:mc="http://schemas.openxmlformats.org/markup-compatibility/2006">
+        <mc:Choice xmlns:a14="http://schemas.microsoft.com/office/drawing/2010/main" Requires="a14">
+          <p:sp>
+            <p:nvSpPr>
+              <p:cNvPr id="14" name="TextBox 13"/>
+              <p:cNvSpPr txBox="1"/>
+              <p:nvPr/>
+            </p:nvSpPr>
+            <p:spPr>
+              <a:xfrm>
+                <a:off x="4407324" y="4064772"/>
+                <a:ext cx="437299" cy="369332"/>
+              </a:xfrm>
+              <a:prstGeom prst="rect">
+                <a:avLst/>
+              </a:prstGeom>
+              <a:solidFill>
+                <a:schemeClr val="bg1"/>
+              </a:solidFill>
+            </p:spPr>
+            <p:txBody>
+              <a:bodyPr wrap="none" lIns="0" tIns="0" rIns="0" bIns="0" rtlCol="0">
+                <a:spAutoFit/>
+              </a:bodyPr>
+              <a:lstStyle/>
+              <a:p>
+                <a:pPr/>
+                <a14:m>
+                  <m:oMathPara xmlns:m="http://schemas.openxmlformats.org/officeDocument/2006/math">
+                    <m:oMathParaPr>
+                      <m:jc m:val="centerGroup"/>
+                    </m:oMathParaPr>
+                    <m:oMath xmlns:m="http://schemas.openxmlformats.org/officeDocument/2006/math">
+                      <m:sSub>
+                        <m:sSubPr>
+                          <m:ctrlPr>
+                            <a:rPr lang="en-US" altLang="ko-KR" sz="2400" i="1" smtClean="0">
+                              <a:latin typeface="Cambria Math" panose="02040503050406030204" pitchFamily="18" charset="0"/>
+                            </a:rPr>
+                          </m:ctrlPr>
+                        </m:sSubPr>
+                        <m:e>
+                          <m:r>
+                            <a:rPr lang="en-US" altLang="ko-KR" sz="2400" b="0" i="1" smtClean="0">
+                              <a:latin typeface="Cambria Math" panose="02040503050406030204" pitchFamily="18" charset="0"/>
+                            </a:rPr>
+                            <m:t>𝑑</m:t>
+                          </m:r>
+                        </m:e>
+                        <m:sub>
+                          <m:r>
+                            <a:rPr lang="en-US" altLang="ko-KR" sz="2400" b="0" i="1" smtClean="0">
+                              <a:latin typeface="Cambria Math" panose="02040503050406030204" pitchFamily="18" charset="0"/>
+                            </a:rPr>
+                            <m:t>1</m:t>
+                          </m:r>
+                        </m:sub>
+                      </m:sSub>
+                    </m:oMath>
+                  </m:oMathPara>
+                </a14:m>
+                <a:endParaRPr lang="ko-KR" altLang="en-US" sz="2400" dirty="0"/>
+              </a:p>
+            </p:txBody>
+          </p:sp>
+        </mc:Choice>
+        <mc:Fallback>
+          <p:sp>
+            <p:nvSpPr>
+              <p:cNvPr id="14" name="TextBox 13"/>
+              <p:cNvSpPr txBox="1">
+                <a:spLocks noRot="1" noChangeAspect="1" noMove="1" noResize="1" noEditPoints="1" noAdjustHandles="1" noChangeArrowheads="1" noChangeShapeType="1" noTextEdit="1"/>
+              </p:cNvSpPr>
+              <p:nvPr/>
+            </p:nvSpPr>
+            <p:spPr>
+              <a:xfrm>
+                <a:off x="4407324" y="4064772"/>
+                <a:ext cx="437299" cy="369332"/>
+              </a:xfrm>
+              <a:prstGeom prst="rect">
+                <a:avLst/>
+              </a:prstGeom>
+              <a:blipFill rotWithShape="0">
+                <a:blip r:embed="rId7"/>
+                <a:stretch>
+                  <a:fillRect l="-11111" b="-18333"/>
+                </a:stretch>
+              </a:blipFill>
+            </p:spPr>
+            <p:txBody>
+              <a:bodyPr/>
+              <a:lstStyle/>
+              <a:p>
+                <a:r>
+                  <a:rPr lang="ko-KR" altLang="en-US">
+                    <a:noFill/>
+                  </a:rPr>
+                  <a:t> </a:t>
+                </a:r>
+              </a:p>
+            </p:txBody>
+          </p:sp>
+        </mc:Fallback>
+      </mc:AlternateContent>
     </p:spTree>
     <p:extLst>
       <p:ext uri="{BB962C8B-B14F-4D97-AF65-F5344CB8AC3E}">
@@ -6510,7 +7278,7 @@
           <p:cNvPr id="4" name="내용 개체 틀 5">
             <a:extLst>
               <a:ext uri="{FF2B5EF4-FFF2-40B4-BE49-F238E27FC236}">
-                <a16:creationId xmlns="" xmlns:a16="http://schemas.microsoft.com/office/drawing/2014/main" id="{26E65B15-652C-471C-B503-9BD1A7ECA9FF}"/>
+                <a16:creationId xmlns:a16="http://schemas.microsoft.com/office/drawing/2014/main" xmlns="" id="{26E65B15-652C-471C-B503-9BD1A7ECA9FF}"/>
               </a:ext>
             </a:extLst>
           </p:cNvPr>
@@ -6539,7 +7307,7 @@
           <p:cNvPr id="5" name="그림 4">
             <a:extLst>
               <a:ext uri="{FF2B5EF4-FFF2-40B4-BE49-F238E27FC236}">
-                <a16:creationId xmlns="" xmlns:a16="http://schemas.microsoft.com/office/drawing/2014/main" id="{8D86471E-9C3A-40C3-8F27-66A11AC93C24}"/>
+                <a16:creationId xmlns:a16="http://schemas.microsoft.com/office/drawing/2014/main" xmlns="" id="{8D86471E-9C3A-40C3-8F27-66A11AC93C24}"/>
               </a:ext>
             </a:extLst>
           </p:cNvPr>
@@ -7510,7 +8278,7 @@
           <p:cNvPr id="27" name="직선 화살표 연결선 26">
             <a:extLst>
               <a:ext uri="{FF2B5EF4-FFF2-40B4-BE49-F238E27FC236}">
-                <a16:creationId xmlns:a16="http://schemas.microsoft.com/office/drawing/2014/main" xmlns="" id="{C93B29A1-F190-44D3-A9D0-DFAD4F83776E}"/>
+                <a16:creationId xmlns="" xmlns:a16="http://schemas.microsoft.com/office/drawing/2014/main" id="{C93B29A1-F190-44D3-A9D0-DFAD4F83776E}"/>
               </a:ext>
             </a:extLst>
           </p:cNvPr>
@@ -7556,7 +8324,7 @@
               <p:cNvPr id="28" name="TextBox 27">
                 <a:extLst>
                   <a:ext uri="{FF2B5EF4-FFF2-40B4-BE49-F238E27FC236}">
-                    <a16:creationId xmlns:a16="http://schemas.microsoft.com/office/drawing/2014/main" xmlns="" id="{07B5ABC4-CAA0-493B-ACDF-C42A51522079}"/>
+                    <a16:creationId xmlns="" xmlns:a16="http://schemas.microsoft.com/office/drawing/2014/main" id="{07B5ABC4-CAA0-493B-ACDF-C42A51522079}"/>
                   </a:ext>
                 </a:extLst>
               </p:cNvPr>
@@ -7669,7 +8437,7 @@
           <p:cNvPr id="29" name="직선 화살표 연결선 28">
             <a:extLst>
               <a:ext uri="{FF2B5EF4-FFF2-40B4-BE49-F238E27FC236}">
-                <a16:creationId xmlns:a16="http://schemas.microsoft.com/office/drawing/2014/main" xmlns="" id="{782BF86B-4207-4FE7-8DAC-CEB1861B292A}"/>
+                <a16:creationId xmlns="" xmlns:a16="http://schemas.microsoft.com/office/drawing/2014/main" id="{782BF86B-4207-4FE7-8DAC-CEB1861B292A}"/>
               </a:ext>
             </a:extLst>
           </p:cNvPr>
@@ -7715,7 +8483,7 @@
               <p:cNvPr id="32" name="TextBox 31">
                 <a:extLst>
                   <a:ext uri="{FF2B5EF4-FFF2-40B4-BE49-F238E27FC236}">
-                    <a16:creationId xmlns:a16="http://schemas.microsoft.com/office/drawing/2014/main" xmlns="" id="{5DB3AE05-D351-4E8F-8481-E70A4D8B443E}"/>
+                    <a16:creationId xmlns="" xmlns:a16="http://schemas.microsoft.com/office/drawing/2014/main" id="{5DB3AE05-D351-4E8F-8481-E70A4D8B443E}"/>
                   </a:ext>
                 </a:extLst>
               </p:cNvPr>
@@ -7809,7 +8577,7 @@
           <p:cNvPr id="33" name="직선 화살표 연결선 32">
             <a:extLst>
               <a:ext uri="{FF2B5EF4-FFF2-40B4-BE49-F238E27FC236}">
-                <a16:creationId xmlns:a16="http://schemas.microsoft.com/office/drawing/2014/main" xmlns="" id="{F5FC4C0A-B591-4F3B-BD15-9D9E5EC72772}"/>
+                <a16:creationId xmlns="" xmlns:a16="http://schemas.microsoft.com/office/drawing/2014/main" id="{F5FC4C0A-B591-4F3B-BD15-9D9E5EC72772}"/>
               </a:ext>
             </a:extLst>
           </p:cNvPr>
@@ -7855,7 +8623,7 @@
               <p:cNvPr id="38" name="TextBox 37">
                 <a:extLst>
                   <a:ext uri="{FF2B5EF4-FFF2-40B4-BE49-F238E27FC236}">
-                    <a16:creationId xmlns:a16="http://schemas.microsoft.com/office/drawing/2014/main" xmlns="" id="{EC18DB71-3399-4E5E-B321-6A9670FF95D7}"/>
+                    <a16:creationId xmlns="" xmlns:a16="http://schemas.microsoft.com/office/drawing/2014/main" id="{EC18DB71-3399-4E5E-B321-6A9670FF95D7}"/>
                   </a:ext>
                 </a:extLst>
               </p:cNvPr>
@@ -8476,7 +9244,7 @@
           <p:cNvPr id="9" name="그룹 8">
             <a:extLst>
               <a:ext uri="{FF2B5EF4-FFF2-40B4-BE49-F238E27FC236}">
-                <a16:creationId xmlns:a16="http://schemas.microsoft.com/office/drawing/2014/main" xmlns="" id="{F54825A1-879E-45C3-84C9-39758CFBC1AD}"/>
+                <a16:creationId xmlns="" xmlns:a16="http://schemas.microsoft.com/office/drawing/2014/main" id="{F54825A1-879E-45C3-84C9-39758CFBC1AD}"/>
               </a:ext>
             </a:extLst>
           </p:cNvPr>
@@ -8899,7 +9667,7 @@
           <p:cNvPr id="19" name="자유형: 도형 18">
             <a:extLst>
               <a:ext uri="{FF2B5EF4-FFF2-40B4-BE49-F238E27FC236}">
-                <a16:creationId xmlns:a16="http://schemas.microsoft.com/office/drawing/2014/main" xmlns="" id="{28DE563C-2016-4934-A4EE-657070DFAE5E}"/>
+                <a16:creationId xmlns="" xmlns:a16="http://schemas.microsoft.com/office/drawing/2014/main" id="{28DE563C-2016-4934-A4EE-657070DFAE5E}"/>
               </a:ext>
             </a:extLst>
           </p:cNvPr>
@@ -8991,7 +9759,7 @@
               <p:cNvPr id="22" name="TextBox 21">
                 <a:extLst>
                   <a:ext uri="{FF2B5EF4-FFF2-40B4-BE49-F238E27FC236}">
-                    <a16:creationId xmlns:a16="http://schemas.microsoft.com/office/drawing/2014/main" xmlns="" id="{702F36E8-3840-4F82-ACA9-0ADC9BF2CD7E}"/>
+                    <a16:creationId xmlns="" xmlns:a16="http://schemas.microsoft.com/office/drawing/2014/main" id="{702F36E8-3840-4F82-ACA9-0ADC9BF2CD7E}"/>
                   </a:ext>
                 </a:extLst>
               </p:cNvPr>
@@ -9112,7 +9880,7 @@
           <p:cNvPr id="23" name="자유형: 도형 22">
             <a:extLst>
               <a:ext uri="{FF2B5EF4-FFF2-40B4-BE49-F238E27FC236}">
-                <a16:creationId xmlns:a16="http://schemas.microsoft.com/office/drawing/2014/main" xmlns="" id="{D4262DC8-AC8F-4E4E-8F9A-78963014DDC7}"/>
+                <a16:creationId xmlns="" xmlns:a16="http://schemas.microsoft.com/office/drawing/2014/main" id="{D4262DC8-AC8F-4E4E-8F9A-78963014DDC7}"/>
               </a:ext>
             </a:extLst>
           </p:cNvPr>
@@ -9204,7 +9972,7 @@
               <p:cNvPr id="26" name="TextBox 25">
                 <a:extLst>
                   <a:ext uri="{FF2B5EF4-FFF2-40B4-BE49-F238E27FC236}">
-                    <a16:creationId xmlns:a16="http://schemas.microsoft.com/office/drawing/2014/main" xmlns="" id="{4C456F18-AA04-4135-AED2-7569217695DC}"/>
+                    <a16:creationId xmlns="" xmlns:a16="http://schemas.microsoft.com/office/drawing/2014/main" id="{4C456F18-AA04-4135-AED2-7569217695DC}"/>
                   </a:ext>
                 </a:extLst>
               </p:cNvPr>
@@ -10084,7 +10852,7 @@
           <p:cNvPr id="19" name="자유형: 도형 18">
             <a:extLst>
               <a:ext uri="{FF2B5EF4-FFF2-40B4-BE49-F238E27FC236}">
-                <a16:creationId xmlns:a16="http://schemas.microsoft.com/office/drawing/2014/main" xmlns="" id="{28DE563C-2016-4934-A4EE-657070DFAE5E}"/>
+                <a16:creationId xmlns="" xmlns:a16="http://schemas.microsoft.com/office/drawing/2014/main" id="{28DE563C-2016-4934-A4EE-657070DFAE5E}"/>
               </a:ext>
             </a:extLst>
           </p:cNvPr>
@@ -10176,7 +10944,7 @@
               <p:cNvPr id="22" name="TextBox 21">
                 <a:extLst>
                   <a:ext uri="{FF2B5EF4-FFF2-40B4-BE49-F238E27FC236}">
-                    <a16:creationId xmlns:a16="http://schemas.microsoft.com/office/drawing/2014/main" xmlns="" id="{702F36E8-3840-4F82-ACA9-0ADC9BF2CD7E}"/>
+                    <a16:creationId xmlns="" xmlns:a16="http://schemas.microsoft.com/office/drawing/2014/main" id="{702F36E8-3840-4F82-ACA9-0ADC9BF2CD7E}"/>
                   </a:ext>
                 </a:extLst>
               </p:cNvPr>
@@ -10297,7 +11065,7 @@
           <p:cNvPr id="23" name="자유형: 도형 22">
             <a:extLst>
               <a:ext uri="{FF2B5EF4-FFF2-40B4-BE49-F238E27FC236}">
-                <a16:creationId xmlns:a16="http://schemas.microsoft.com/office/drawing/2014/main" xmlns="" id="{D4262DC8-AC8F-4E4E-8F9A-78963014DDC7}"/>
+                <a16:creationId xmlns="" xmlns:a16="http://schemas.microsoft.com/office/drawing/2014/main" id="{D4262DC8-AC8F-4E4E-8F9A-78963014DDC7}"/>
               </a:ext>
             </a:extLst>
           </p:cNvPr>
@@ -10389,7 +11157,7 @@
               <p:cNvPr id="26" name="TextBox 25">
                 <a:extLst>
                   <a:ext uri="{FF2B5EF4-FFF2-40B4-BE49-F238E27FC236}">
-                    <a16:creationId xmlns:a16="http://schemas.microsoft.com/office/drawing/2014/main" xmlns="" id="{4C456F18-AA04-4135-AED2-7569217695DC}"/>
+                    <a16:creationId xmlns="" xmlns:a16="http://schemas.microsoft.com/office/drawing/2014/main" id="{4C456F18-AA04-4135-AED2-7569217695DC}"/>
                   </a:ext>
                 </a:extLst>
               </p:cNvPr>
@@ -10512,7 +11280,7 @@
               <p:cNvPr id="21" name="TextBox 20">
                 <a:extLst>
                   <a:ext uri="{FF2B5EF4-FFF2-40B4-BE49-F238E27FC236}">
-                    <a16:creationId xmlns:a16="http://schemas.microsoft.com/office/drawing/2014/main" xmlns="" id="{7F1A4031-C0F9-4078-B611-60510E555779}"/>
+                    <a16:creationId xmlns="" xmlns:a16="http://schemas.microsoft.com/office/drawing/2014/main" id="{7F1A4031-C0F9-4078-B611-60510E555779}"/>
                   </a:ext>
                 </a:extLst>
               </p:cNvPr>
@@ -10625,7 +11393,7 @@
           <p:cNvPr id="27" name="원호 26">
             <a:extLst>
               <a:ext uri="{FF2B5EF4-FFF2-40B4-BE49-F238E27FC236}">
-                <a16:creationId xmlns:a16="http://schemas.microsoft.com/office/drawing/2014/main" xmlns="" id="{73F2FA99-BAB3-4AEA-A0D4-FFD161E5142F}"/>
+                <a16:creationId xmlns="" xmlns:a16="http://schemas.microsoft.com/office/drawing/2014/main" id="{73F2FA99-BAB3-4AEA-A0D4-FFD161E5142F}"/>
               </a:ext>
             </a:extLst>
           </p:cNvPr>

--- a/그림.pptx
+++ b/그림.pptx
@@ -9,18 +9,20 @@
     <p:sldId id="262" r:id="rId3"/>
     <p:sldId id="261" r:id="rId4"/>
     <p:sldId id="263" r:id="rId5"/>
-    <p:sldId id="256" r:id="rId6"/>
-    <p:sldId id="257" r:id="rId7"/>
-    <p:sldId id="265" r:id="rId8"/>
-    <p:sldId id="267" r:id="rId9"/>
-    <p:sldId id="268" r:id="rId10"/>
-    <p:sldId id="269" r:id="rId11"/>
-    <p:sldId id="270" r:id="rId12"/>
-    <p:sldId id="271" r:id="rId13"/>
-    <p:sldId id="272" r:id="rId14"/>
-    <p:sldId id="259" r:id="rId15"/>
-    <p:sldId id="264" r:id="rId16"/>
-    <p:sldId id="273" r:id="rId17"/>
+    <p:sldId id="274" r:id="rId6"/>
+    <p:sldId id="275" r:id="rId7"/>
+    <p:sldId id="256" r:id="rId8"/>
+    <p:sldId id="257" r:id="rId9"/>
+    <p:sldId id="265" r:id="rId10"/>
+    <p:sldId id="267" r:id="rId11"/>
+    <p:sldId id="268" r:id="rId12"/>
+    <p:sldId id="269" r:id="rId13"/>
+    <p:sldId id="270" r:id="rId14"/>
+    <p:sldId id="271" r:id="rId15"/>
+    <p:sldId id="272" r:id="rId16"/>
+    <p:sldId id="259" r:id="rId17"/>
+    <p:sldId id="264" r:id="rId18"/>
+    <p:sldId id="273" r:id="rId19"/>
   </p:sldIdLst>
   <p:sldSz cx="12192000" cy="6858000"/>
   <p:notesSz cx="6858000" cy="9144000"/>
@@ -128,6 +130,8 @@
             <p14:sldId id="262"/>
             <p14:sldId id="261"/>
             <p14:sldId id="263"/>
+            <p14:sldId id="274"/>
+            <p14:sldId id="275"/>
             <p14:sldId id="256"/>
             <p14:sldId id="257"/>
             <p14:sldId id="265"/>
@@ -284,7 +288,7 @@
           <a:p>
             <a:fld id="{586A42AD-E6DF-43A8-BCEE-31B231F72482}" type="datetimeFigureOut">
               <a:rPr lang="ko-KR" altLang="en-US" smtClean="0"/>
-              <a:t>2022-09-05</a:t>
+              <a:t>2022-09-07</a:t>
             </a:fld>
             <a:endParaRPr lang="ko-KR" altLang="en-US"/>
           </a:p>
@@ -452,7 +456,7 @@
           <a:p>
             <a:fld id="{586A42AD-E6DF-43A8-BCEE-31B231F72482}" type="datetimeFigureOut">
               <a:rPr lang="ko-KR" altLang="en-US" smtClean="0"/>
-              <a:t>2022-09-05</a:t>
+              <a:t>2022-09-07</a:t>
             </a:fld>
             <a:endParaRPr lang="ko-KR" altLang="en-US"/>
           </a:p>
@@ -630,7 +634,7 @@
           <a:p>
             <a:fld id="{586A42AD-E6DF-43A8-BCEE-31B231F72482}" type="datetimeFigureOut">
               <a:rPr lang="ko-KR" altLang="en-US" smtClean="0"/>
-              <a:t>2022-09-05</a:t>
+              <a:t>2022-09-07</a:t>
             </a:fld>
             <a:endParaRPr lang="ko-KR" altLang="en-US"/>
           </a:p>
@@ -798,7 +802,7 @@
           <a:p>
             <a:fld id="{586A42AD-E6DF-43A8-BCEE-31B231F72482}" type="datetimeFigureOut">
               <a:rPr lang="ko-KR" altLang="en-US" smtClean="0"/>
-              <a:t>2022-09-05</a:t>
+              <a:t>2022-09-07</a:t>
             </a:fld>
             <a:endParaRPr lang="ko-KR" altLang="en-US"/>
           </a:p>
@@ -1043,7 +1047,7 @@
           <a:p>
             <a:fld id="{586A42AD-E6DF-43A8-BCEE-31B231F72482}" type="datetimeFigureOut">
               <a:rPr lang="ko-KR" altLang="en-US" smtClean="0"/>
-              <a:t>2022-09-05</a:t>
+              <a:t>2022-09-07</a:t>
             </a:fld>
             <a:endParaRPr lang="ko-KR" altLang="en-US"/>
           </a:p>
@@ -1272,7 +1276,7 @@
           <a:p>
             <a:fld id="{586A42AD-E6DF-43A8-BCEE-31B231F72482}" type="datetimeFigureOut">
               <a:rPr lang="ko-KR" altLang="en-US" smtClean="0"/>
-              <a:t>2022-09-05</a:t>
+              <a:t>2022-09-07</a:t>
             </a:fld>
             <a:endParaRPr lang="ko-KR" altLang="en-US"/>
           </a:p>
@@ -1636,7 +1640,7 @@
           <a:p>
             <a:fld id="{586A42AD-E6DF-43A8-BCEE-31B231F72482}" type="datetimeFigureOut">
               <a:rPr lang="ko-KR" altLang="en-US" smtClean="0"/>
-              <a:t>2022-09-05</a:t>
+              <a:t>2022-09-07</a:t>
             </a:fld>
             <a:endParaRPr lang="ko-KR" altLang="en-US"/>
           </a:p>
@@ -1753,7 +1757,7 @@
           <a:p>
             <a:fld id="{586A42AD-E6DF-43A8-BCEE-31B231F72482}" type="datetimeFigureOut">
               <a:rPr lang="ko-KR" altLang="en-US" smtClean="0"/>
-              <a:t>2022-09-05</a:t>
+              <a:t>2022-09-07</a:t>
             </a:fld>
             <a:endParaRPr lang="ko-KR" altLang="en-US"/>
           </a:p>
@@ -1848,7 +1852,7 @@
           <a:p>
             <a:fld id="{586A42AD-E6DF-43A8-BCEE-31B231F72482}" type="datetimeFigureOut">
               <a:rPr lang="ko-KR" altLang="en-US" smtClean="0"/>
-              <a:t>2022-09-05</a:t>
+              <a:t>2022-09-07</a:t>
             </a:fld>
             <a:endParaRPr lang="ko-KR" altLang="en-US"/>
           </a:p>
@@ -2123,7 +2127,7 @@
           <a:p>
             <a:fld id="{586A42AD-E6DF-43A8-BCEE-31B231F72482}" type="datetimeFigureOut">
               <a:rPr lang="ko-KR" altLang="en-US" smtClean="0"/>
-              <a:t>2022-09-05</a:t>
+              <a:t>2022-09-07</a:t>
             </a:fld>
             <a:endParaRPr lang="ko-KR" altLang="en-US"/>
           </a:p>
@@ -2375,7 +2379,7 @@
           <a:p>
             <a:fld id="{586A42AD-E6DF-43A8-BCEE-31B231F72482}" type="datetimeFigureOut">
               <a:rPr lang="ko-KR" altLang="en-US" smtClean="0"/>
-              <a:t>2022-09-05</a:t>
+              <a:t>2022-09-07</a:t>
             </a:fld>
             <a:endParaRPr lang="ko-KR" altLang="en-US"/>
           </a:p>
@@ -2586,7 +2590,7 @@
           <a:p>
             <a:fld id="{586A42AD-E6DF-43A8-BCEE-31B231F72482}" type="datetimeFigureOut">
               <a:rPr lang="ko-KR" altLang="en-US" smtClean="0"/>
-              <a:t>2022-09-05</a:t>
+              <a:t>2022-09-07</a:t>
             </a:fld>
             <a:endParaRPr lang="ko-KR" altLang="en-US"/>
           </a:p>
@@ -4689,6 +4693,1020 @@
       </p:grpSpPr>
       <p:pic>
         <p:nvPicPr>
+          <p:cNvPr id="5" name="그림 4"/>
+          <p:cNvPicPr>
+            <a:picLocks noChangeAspect="1"/>
+          </p:cNvPicPr>
+          <p:nvPr/>
+        </p:nvPicPr>
+        <p:blipFill>
+          <a:blip r:embed="rId2"/>
+          <a:stretch>
+            <a:fillRect/>
+          </a:stretch>
+        </p:blipFill>
+        <p:spPr>
+          <a:xfrm>
+            <a:off x="3954850" y="974569"/>
+            <a:ext cx="4378922" cy="3946987"/>
+          </a:xfrm>
+          <a:prstGeom prst="rect">
+            <a:avLst/>
+          </a:prstGeom>
+        </p:spPr>
+      </p:pic>
+      <p:sp>
+        <p:nvSpPr>
+          <p:cNvPr id="2" name="곱셈 기호 1"/>
+          <p:cNvSpPr/>
+          <p:nvPr/>
+        </p:nvSpPr>
+        <p:spPr>
+          <a:xfrm>
+            <a:off x="4629874" y="1805650"/>
+            <a:ext cx="682906" cy="590309"/>
+          </a:xfrm>
+          <a:prstGeom prst="mathMultiply">
+            <a:avLst>
+              <a:gd name="adj1" fmla="val 5882"/>
+            </a:avLst>
+          </a:prstGeom>
+          <a:solidFill>
+            <a:schemeClr val="accent1"/>
+          </a:solidFill>
+          <a:ln>
+            <a:noFill/>
+          </a:ln>
+        </p:spPr>
+        <p:style>
+          <a:lnRef idx="2">
+            <a:schemeClr val="accent1">
+              <a:shade val="50000"/>
+            </a:schemeClr>
+          </a:lnRef>
+          <a:fillRef idx="1">
+            <a:schemeClr val="accent1"/>
+          </a:fillRef>
+          <a:effectRef idx="0">
+            <a:schemeClr val="accent1"/>
+          </a:effectRef>
+          <a:fontRef idx="minor">
+            <a:schemeClr val="lt1"/>
+          </a:fontRef>
+        </p:style>
+        <p:txBody>
+          <a:bodyPr rtlCol="0" anchor="ctr"/>
+          <a:lstStyle/>
+          <a:p>
+            <a:pPr algn="ctr"/>
+            <a:endParaRPr lang="ko-KR" altLang="en-US" sz="2400"/>
+          </a:p>
+        </p:txBody>
+      </p:sp>
+      <p:sp>
+        <p:nvSpPr>
+          <p:cNvPr id="4" name="곱셈 기호 3"/>
+          <p:cNvSpPr/>
+          <p:nvPr/>
+        </p:nvSpPr>
+        <p:spPr>
+          <a:xfrm>
+            <a:off x="4606724" y="3983620"/>
+            <a:ext cx="682906" cy="590309"/>
+          </a:xfrm>
+          <a:prstGeom prst="mathMultiply">
+            <a:avLst>
+              <a:gd name="adj1" fmla="val 5882"/>
+            </a:avLst>
+          </a:prstGeom>
+          <a:solidFill>
+            <a:schemeClr val="accent1"/>
+          </a:solidFill>
+          <a:ln>
+            <a:noFill/>
+          </a:ln>
+        </p:spPr>
+        <p:style>
+          <a:lnRef idx="2">
+            <a:schemeClr val="accent1">
+              <a:shade val="50000"/>
+            </a:schemeClr>
+          </a:lnRef>
+          <a:fillRef idx="1">
+            <a:schemeClr val="accent1"/>
+          </a:fillRef>
+          <a:effectRef idx="0">
+            <a:schemeClr val="accent1"/>
+          </a:effectRef>
+          <a:fontRef idx="minor">
+            <a:schemeClr val="lt1"/>
+          </a:fontRef>
+        </p:style>
+        <p:txBody>
+          <a:bodyPr rtlCol="0" anchor="ctr"/>
+          <a:lstStyle/>
+          <a:p>
+            <a:pPr algn="ctr"/>
+            <a:endParaRPr lang="ko-KR" altLang="en-US" sz="2400"/>
+          </a:p>
+        </p:txBody>
+      </p:sp>
+      <p:sp>
+        <p:nvSpPr>
+          <p:cNvPr id="6" name="곱셈 기호 5"/>
+          <p:cNvSpPr/>
+          <p:nvPr/>
+        </p:nvSpPr>
+        <p:spPr>
+          <a:xfrm>
+            <a:off x="6796270" y="3983619"/>
+            <a:ext cx="682906" cy="590309"/>
+          </a:xfrm>
+          <a:prstGeom prst="mathMultiply">
+            <a:avLst>
+              <a:gd name="adj1" fmla="val 5882"/>
+            </a:avLst>
+          </a:prstGeom>
+          <a:solidFill>
+            <a:schemeClr val="accent1"/>
+          </a:solidFill>
+          <a:ln>
+            <a:noFill/>
+          </a:ln>
+        </p:spPr>
+        <p:style>
+          <a:lnRef idx="2">
+            <a:schemeClr val="accent1">
+              <a:shade val="50000"/>
+            </a:schemeClr>
+          </a:lnRef>
+          <a:fillRef idx="1">
+            <a:schemeClr val="accent1"/>
+          </a:fillRef>
+          <a:effectRef idx="0">
+            <a:schemeClr val="accent1"/>
+          </a:effectRef>
+          <a:fontRef idx="minor">
+            <a:schemeClr val="lt1"/>
+          </a:fontRef>
+        </p:style>
+        <p:txBody>
+          <a:bodyPr rtlCol="0" anchor="ctr"/>
+          <a:lstStyle/>
+          <a:p>
+            <a:pPr algn="ctr"/>
+            <a:endParaRPr lang="ko-KR" altLang="en-US" sz="2400"/>
+          </a:p>
+        </p:txBody>
+      </p:sp>
+      <mc:AlternateContent xmlns:mc="http://schemas.openxmlformats.org/markup-compatibility/2006" xmlns:a14="http://schemas.microsoft.com/office/drawing/2010/main">
+        <mc:Choice Requires="a14">
+          <p:sp>
+            <p:nvSpPr>
+              <p:cNvPr id="7" name="TextBox 6"/>
+              <p:cNvSpPr txBox="1"/>
+              <p:nvPr/>
+            </p:nvSpPr>
+            <p:spPr>
+              <a:xfrm>
+                <a:off x="5043476" y="4573928"/>
+                <a:ext cx="390363" cy="369332"/>
+              </a:xfrm>
+              <a:prstGeom prst="rect">
+                <a:avLst/>
+              </a:prstGeom>
+              <a:noFill/>
+            </p:spPr>
+            <p:txBody>
+              <a:bodyPr wrap="none" lIns="0" tIns="0" rIns="0" bIns="0" rtlCol="0">
+                <a:spAutoFit/>
+              </a:bodyPr>
+              <a:lstStyle/>
+              <a:p>
+                <a:pPr/>
+                <a14:m>
+                  <m:oMathPara xmlns:m="http://schemas.openxmlformats.org/officeDocument/2006/math">
+                    <m:oMathParaPr>
+                      <m:jc m:val="centerGroup"/>
+                    </m:oMathParaPr>
+                    <m:oMath xmlns:m="http://schemas.openxmlformats.org/officeDocument/2006/math">
+                      <m:sSub>
+                        <m:sSubPr>
+                          <m:ctrlPr>
+                            <a:rPr lang="en-US" altLang="ko-KR" sz="2400" i="1" smtClean="0">
+                              <a:latin typeface="Cambria Math" panose="02040503050406030204" pitchFamily="18" charset="0"/>
+                            </a:rPr>
+                          </m:ctrlPr>
+                        </m:sSubPr>
+                        <m:e>
+                          <m:r>
+                            <a:rPr lang="en-US" altLang="ko-KR" sz="2400" b="1" i="0" smtClean="0">
+                              <a:latin typeface="Cambria Math" panose="02040503050406030204" pitchFamily="18" charset="0"/>
+                            </a:rPr>
+                            <m:t>𝐬</m:t>
+                          </m:r>
+                        </m:e>
+                        <m:sub>
+                          <m:r>
+                            <a:rPr lang="en-US" altLang="ko-KR" sz="2400" b="0" i="1" smtClean="0">
+                              <a:latin typeface="Cambria Math" panose="02040503050406030204" pitchFamily="18" charset="0"/>
+                            </a:rPr>
+                            <m:t>1</m:t>
+                          </m:r>
+                        </m:sub>
+                      </m:sSub>
+                    </m:oMath>
+                  </m:oMathPara>
+                </a14:m>
+                <a:endParaRPr lang="ko-KR" altLang="en-US" sz="2400" dirty="0"/>
+              </a:p>
+            </p:txBody>
+          </p:sp>
+        </mc:Choice>
+        <mc:Fallback xmlns="">
+          <p:sp>
+            <p:nvSpPr>
+              <p:cNvPr id="7" name="TextBox 6"/>
+              <p:cNvSpPr txBox="1">
+                <a:spLocks noRot="1" noChangeAspect="1" noMove="1" noResize="1" noEditPoints="1" noAdjustHandles="1" noChangeArrowheads="1" noChangeShapeType="1" noTextEdit="1"/>
+              </p:cNvSpPr>
+              <p:nvPr/>
+            </p:nvSpPr>
+            <p:spPr>
+              <a:xfrm>
+                <a:off x="5043476" y="4573928"/>
+                <a:ext cx="390363" cy="369332"/>
+              </a:xfrm>
+              <a:prstGeom prst="rect">
+                <a:avLst/>
+              </a:prstGeom>
+              <a:blipFill rotWithShape="0">
+                <a:blip r:embed="rId3"/>
+                <a:stretch>
+                  <a:fillRect l="-6250" r="-1563" b="-16393"/>
+                </a:stretch>
+              </a:blipFill>
+            </p:spPr>
+            <p:txBody>
+              <a:bodyPr/>
+              <a:lstStyle/>
+              <a:p>
+                <a:r>
+                  <a:rPr lang="ko-KR" altLang="en-US">
+                    <a:noFill/>
+                  </a:rPr>
+                  <a:t> </a:t>
+                </a:r>
+              </a:p>
+            </p:txBody>
+          </p:sp>
+        </mc:Fallback>
+      </mc:AlternateContent>
+      <mc:AlternateContent xmlns:mc="http://schemas.openxmlformats.org/markup-compatibility/2006" xmlns:a14="http://schemas.microsoft.com/office/drawing/2010/main">
+        <mc:Choice Requires="a14">
+          <p:sp>
+            <p:nvSpPr>
+              <p:cNvPr id="8" name="TextBox 7"/>
+              <p:cNvSpPr txBox="1"/>
+              <p:nvPr/>
+            </p:nvSpPr>
+            <p:spPr>
+              <a:xfrm>
+                <a:off x="7431248" y="4539698"/>
+                <a:ext cx="397480" cy="369332"/>
+              </a:xfrm>
+              <a:prstGeom prst="rect">
+                <a:avLst/>
+              </a:prstGeom>
+              <a:noFill/>
+            </p:spPr>
+            <p:txBody>
+              <a:bodyPr wrap="none" lIns="0" tIns="0" rIns="0" bIns="0" rtlCol="0">
+                <a:spAutoFit/>
+              </a:bodyPr>
+              <a:lstStyle/>
+              <a:p>
+                <a:pPr/>
+                <a14:m>
+                  <m:oMathPara xmlns:m="http://schemas.openxmlformats.org/officeDocument/2006/math">
+                    <m:oMathParaPr>
+                      <m:jc m:val="centerGroup"/>
+                    </m:oMathParaPr>
+                    <m:oMath xmlns:m="http://schemas.openxmlformats.org/officeDocument/2006/math">
+                      <m:sSub>
+                        <m:sSubPr>
+                          <m:ctrlPr>
+                            <a:rPr lang="en-US" altLang="ko-KR" sz="2400" i="1" smtClean="0">
+                              <a:latin typeface="Cambria Math" panose="02040503050406030204" pitchFamily="18" charset="0"/>
+                            </a:rPr>
+                          </m:ctrlPr>
+                        </m:sSubPr>
+                        <m:e>
+                          <m:r>
+                            <a:rPr lang="en-US" altLang="ko-KR" sz="2400" b="1" i="0" smtClean="0">
+                              <a:latin typeface="Cambria Math" panose="02040503050406030204" pitchFamily="18" charset="0"/>
+                            </a:rPr>
+                            <m:t>𝐬</m:t>
+                          </m:r>
+                        </m:e>
+                        <m:sub>
+                          <m:r>
+                            <a:rPr lang="en-US" altLang="ko-KR" sz="2400" b="0" i="1" smtClean="0">
+                              <a:latin typeface="Cambria Math" panose="02040503050406030204" pitchFamily="18" charset="0"/>
+                            </a:rPr>
+                            <m:t>2</m:t>
+                          </m:r>
+                        </m:sub>
+                      </m:sSub>
+                    </m:oMath>
+                  </m:oMathPara>
+                </a14:m>
+                <a:endParaRPr lang="ko-KR" altLang="en-US" sz="2400" dirty="0"/>
+              </a:p>
+            </p:txBody>
+          </p:sp>
+        </mc:Choice>
+        <mc:Fallback xmlns="">
+          <p:sp>
+            <p:nvSpPr>
+              <p:cNvPr id="8" name="TextBox 7"/>
+              <p:cNvSpPr txBox="1">
+                <a:spLocks noRot="1" noChangeAspect="1" noMove="1" noResize="1" noEditPoints="1" noAdjustHandles="1" noChangeArrowheads="1" noChangeShapeType="1" noTextEdit="1"/>
+              </p:cNvSpPr>
+              <p:nvPr/>
+            </p:nvSpPr>
+            <p:spPr>
+              <a:xfrm>
+                <a:off x="7431248" y="4539698"/>
+                <a:ext cx="397480" cy="369332"/>
+              </a:xfrm>
+              <a:prstGeom prst="rect">
+                <a:avLst/>
+              </a:prstGeom>
+              <a:blipFill rotWithShape="0">
+                <a:blip r:embed="rId4"/>
+                <a:stretch>
+                  <a:fillRect l="-6154" r="-1538" b="-18333"/>
+                </a:stretch>
+              </a:blipFill>
+            </p:spPr>
+            <p:txBody>
+              <a:bodyPr/>
+              <a:lstStyle/>
+              <a:p>
+                <a:r>
+                  <a:rPr lang="ko-KR" altLang="en-US">
+                    <a:noFill/>
+                  </a:rPr>
+                  <a:t> </a:t>
+                </a:r>
+              </a:p>
+            </p:txBody>
+          </p:sp>
+        </mc:Fallback>
+      </mc:AlternateContent>
+      <mc:AlternateContent xmlns:mc="http://schemas.openxmlformats.org/markup-compatibility/2006" xmlns:a14="http://schemas.microsoft.com/office/drawing/2010/main">
+        <mc:Choice Requires="a14">
+          <p:sp>
+            <p:nvSpPr>
+              <p:cNvPr id="9" name="TextBox 8"/>
+              <p:cNvSpPr txBox="1"/>
+              <p:nvPr/>
+            </p:nvSpPr>
+            <p:spPr>
+              <a:xfrm>
+                <a:off x="5289630" y="1930401"/>
+                <a:ext cx="397480" cy="369332"/>
+              </a:xfrm>
+              <a:prstGeom prst="rect">
+                <a:avLst/>
+              </a:prstGeom>
+              <a:noFill/>
+            </p:spPr>
+            <p:txBody>
+              <a:bodyPr wrap="none" lIns="0" tIns="0" rIns="0" bIns="0" rtlCol="0">
+                <a:spAutoFit/>
+              </a:bodyPr>
+              <a:lstStyle/>
+              <a:p>
+                <a:pPr/>
+                <a14:m>
+                  <m:oMathPara xmlns:m="http://schemas.openxmlformats.org/officeDocument/2006/math">
+                    <m:oMathParaPr>
+                      <m:jc m:val="centerGroup"/>
+                    </m:oMathParaPr>
+                    <m:oMath xmlns:m="http://schemas.openxmlformats.org/officeDocument/2006/math">
+                      <m:sSub>
+                        <m:sSubPr>
+                          <m:ctrlPr>
+                            <a:rPr lang="en-US" altLang="ko-KR" sz="2400" i="1" smtClean="0">
+                              <a:latin typeface="Cambria Math" panose="02040503050406030204" pitchFamily="18" charset="0"/>
+                            </a:rPr>
+                          </m:ctrlPr>
+                        </m:sSubPr>
+                        <m:e>
+                          <m:r>
+                            <a:rPr lang="en-US" altLang="ko-KR" sz="2400" b="1" i="0" smtClean="0">
+                              <a:latin typeface="Cambria Math" panose="02040503050406030204" pitchFamily="18" charset="0"/>
+                            </a:rPr>
+                            <m:t>𝐬</m:t>
+                          </m:r>
+                        </m:e>
+                        <m:sub>
+                          <m:r>
+                            <a:rPr lang="en-US" altLang="ko-KR" sz="2400" b="0" i="1" smtClean="0">
+                              <a:latin typeface="Cambria Math" panose="02040503050406030204" pitchFamily="18" charset="0"/>
+                            </a:rPr>
+                            <m:t>3</m:t>
+                          </m:r>
+                        </m:sub>
+                      </m:sSub>
+                    </m:oMath>
+                  </m:oMathPara>
+                </a14:m>
+                <a:endParaRPr lang="ko-KR" altLang="en-US" sz="2400" dirty="0"/>
+              </a:p>
+            </p:txBody>
+          </p:sp>
+        </mc:Choice>
+        <mc:Fallback xmlns="">
+          <p:sp>
+            <p:nvSpPr>
+              <p:cNvPr id="9" name="TextBox 8"/>
+              <p:cNvSpPr txBox="1">
+                <a:spLocks noRot="1" noChangeAspect="1" noMove="1" noResize="1" noEditPoints="1" noAdjustHandles="1" noChangeArrowheads="1" noChangeShapeType="1" noTextEdit="1"/>
+              </p:cNvSpPr>
+              <p:nvPr/>
+            </p:nvSpPr>
+            <p:spPr>
+              <a:xfrm>
+                <a:off x="5289630" y="1930401"/>
+                <a:ext cx="397480" cy="369332"/>
+              </a:xfrm>
+              <a:prstGeom prst="rect">
+                <a:avLst/>
+              </a:prstGeom>
+              <a:blipFill rotWithShape="0">
+                <a:blip r:embed="rId5"/>
+                <a:stretch>
+                  <a:fillRect l="-6154" r="-1538" b="-18333"/>
+                </a:stretch>
+              </a:blipFill>
+            </p:spPr>
+            <p:txBody>
+              <a:bodyPr/>
+              <a:lstStyle/>
+              <a:p>
+                <a:r>
+                  <a:rPr lang="ko-KR" altLang="en-US">
+                    <a:noFill/>
+                  </a:rPr>
+                  <a:t> </a:t>
+                </a:r>
+              </a:p>
+            </p:txBody>
+          </p:sp>
+        </mc:Fallback>
+      </mc:AlternateContent>
+    </p:spTree>
+    <p:extLst>
+      <p:ext uri="{BB962C8B-B14F-4D97-AF65-F5344CB8AC3E}">
+        <p14:creationId xmlns:p14="http://schemas.microsoft.com/office/powerpoint/2010/main" val="3360536600"/>
+      </p:ext>
+    </p:extLst>
+  </p:cSld>
+  <p:clrMapOvr>
+    <a:masterClrMapping/>
+  </p:clrMapOvr>
+</p:sld>
+</file>
+
+<file path=ppt/slides/slide11.xml><?xml version="1.0" encoding="utf-8"?>
+<p:sld xmlns:a="http://schemas.openxmlformats.org/drawingml/2006/main" xmlns:r="http://schemas.openxmlformats.org/officeDocument/2006/relationships" xmlns:p="http://schemas.openxmlformats.org/presentationml/2006/main">
+  <p:cSld>
+    <p:spTree>
+      <p:nvGrpSpPr>
+        <p:cNvPr id="1" name=""/>
+        <p:cNvGrpSpPr/>
+        <p:nvPr/>
+      </p:nvGrpSpPr>
+      <p:grpSpPr>
+        <a:xfrm>
+          <a:off x="0" y="0"/>
+          <a:ext cx="0" cy="0"/>
+          <a:chOff x="0" y="0"/>
+          <a:chExt cx="0" cy="0"/>
+        </a:xfrm>
+      </p:grpSpPr>
+      <p:pic>
+        <p:nvPicPr>
+          <p:cNvPr id="5" name="그림 4"/>
+          <p:cNvPicPr>
+            <a:picLocks noChangeAspect="1"/>
+          </p:cNvPicPr>
+          <p:nvPr/>
+        </p:nvPicPr>
+        <p:blipFill>
+          <a:blip r:embed="rId2"/>
+          <a:stretch>
+            <a:fillRect/>
+          </a:stretch>
+        </p:blipFill>
+        <p:spPr>
+          <a:xfrm>
+            <a:off x="3954850" y="974569"/>
+            <a:ext cx="4378922" cy="3946987"/>
+          </a:xfrm>
+          <a:prstGeom prst="rect">
+            <a:avLst/>
+          </a:prstGeom>
+        </p:spPr>
+      </p:pic>
+      <p:sp>
+        <p:nvSpPr>
+          <p:cNvPr id="2" name="곱셈 기호 1"/>
+          <p:cNvSpPr/>
+          <p:nvPr/>
+        </p:nvSpPr>
+        <p:spPr>
+          <a:xfrm>
+            <a:off x="4581324" y="2948062"/>
+            <a:ext cx="682906" cy="590309"/>
+          </a:xfrm>
+          <a:prstGeom prst="mathMultiply">
+            <a:avLst>
+              <a:gd name="adj1" fmla="val 5882"/>
+            </a:avLst>
+          </a:prstGeom>
+          <a:solidFill>
+            <a:schemeClr val="accent1"/>
+          </a:solidFill>
+          <a:ln>
+            <a:noFill/>
+          </a:ln>
+        </p:spPr>
+        <p:style>
+          <a:lnRef idx="2">
+            <a:schemeClr val="accent1">
+              <a:shade val="50000"/>
+            </a:schemeClr>
+          </a:lnRef>
+          <a:fillRef idx="1">
+            <a:schemeClr val="accent1"/>
+          </a:fillRef>
+          <a:effectRef idx="0">
+            <a:schemeClr val="accent1"/>
+          </a:effectRef>
+          <a:fontRef idx="minor">
+            <a:schemeClr val="lt1"/>
+          </a:fontRef>
+        </p:style>
+        <p:txBody>
+          <a:bodyPr rtlCol="0" anchor="ctr"/>
+          <a:lstStyle/>
+          <a:p>
+            <a:pPr algn="ctr"/>
+            <a:endParaRPr lang="ko-KR" altLang="en-US" sz="2400"/>
+          </a:p>
+        </p:txBody>
+      </p:sp>
+      <p:sp>
+        <p:nvSpPr>
+          <p:cNvPr id="4" name="곱셈 기호 3"/>
+          <p:cNvSpPr/>
+          <p:nvPr/>
+        </p:nvSpPr>
+        <p:spPr>
+          <a:xfrm>
+            <a:off x="5750610" y="3983619"/>
+            <a:ext cx="682906" cy="590309"/>
+          </a:xfrm>
+          <a:prstGeom prst="mathMultiply">
+            <a:avLst>
+              <a:gd name="adj1" fmla="val 5882"/>
+            </a:avLst>
+          </a:prstGeom>
+          <a:solidFill>
+            <a:schemeClr val="accent1"/>
+          </a:solidFill>
+          <a:ln>
+            <a:noFill/>
+          </a:ln>
+        </p:spPr>
+        <p:style>
+          <a:lnRef idx="2">
+            <a:schemeClr val="accent1">
+              <a:shade val="50000"/>
+            </a:schemeClr>
+          </a:lnRef>
+          <a:fillRef idx="1">
+            <a:schemeClr val="accent1"/>
+          </a:fillRef>
+          <a:effectRef idx="0">
+            <a:schemeClr val="accent1"/>
+          </a:effectRef>
+          <a:fontRef idx="minor">
+            <a:schemeClr val="lt1"/>
+          </a:fontRef>
+        </p:style>
+        <p:txBody>
+          <a:bodyPr rtlCol="0" anchor="ctr"/>
+          <a:lstStyle/>
+          <a:p>
+            <a:pPr algn="ctr"/>
+            <a:endParaRPr lang="ko-KR" altLang="en-US" sz="2400"/>
+          </a:p>
+        </p:txBody>
+      </p:sp>
+      <p:sp>
+        <p:nvSpPr>
+          <p:cNvPr id="6" name="곱셈 기호 5"/>
+          <p:cNvSpPr/>
+          <p:nvPr/>
+        </p:nvSpPr>
+        <p:spPr>
+          <a:xfrm>
+            <a:off x="5750610" y="2948061"/>
+            <a:ext cx="682906" cy="590309"/>
+          </a:xfrm>
+          <a:prstGeom prst="mathMultiply">
+            <a:avLst>
+              <a:gd name="adj1" fmla="val 5882"/>
+            </a:avLst>
+          </a:prstGeom>
+          <a:solidFill>
+            <a:schemeClr val="accent1"/>
+          </a:solidFill>
+          <a:ln>
+            <a:noFill/>
+          </a:ln>
+        </p:spPr>
+        <p:style>
+          <a:lnRef idx="2">
+            <a:schemeClr val="accent1">
+              <a:shade val="50000"/>
+            </a:schemeClr>
+          </a:lnRef>
+          <a:fillRef idx="1">
+            <a:schemeClr val="accent1"/>
+          </a:fillRef>
+          <a:effectRef idx="0">
+            <a:schemeClr val="accent1"/>
+          </a:effectRef>
+          <a:fontRef idx="minor">
+            <a:schemeClr val="lt1"/>
+          </a:fontRef>
+        </p:style>
+        <p:txBody>
+          <a:bodyPr rtlCol="0" anchor="ctr"/>
+          <a:lstStyle/>
+          <a:p>
+            <a:pPr algn="ctr"/>
+            <a:endParaRPr lang="ko-KR" altLang="en-US" sz="2400"/>
+          </a:p>
+        </p:txBody>
+      </p:sp>
+      <mc:AlternateContent xmlns:mc="http://schemas.openxmlformats.org/markup-compatibility/2006" xmlns:a14="http://schemas.microsoft.com/office/drawing/2010/main">
+        <mc:Choice Requires="a14">
+          <p:sp>
+            <p:nvSpPr>
+              <p:cNvPr id="7" name="TextBox 6"/>
+              <p:cNvSpPr txBox="1"/>
+              <p:nvPr/>
+            </p:nvSpPr>
+            <p:spPr>
+              <a:xfrm>
+                <a:off x="5973383" y="4518932"/>
+                <a:ext cx="373564" cy="369332"/>
+              </a:xfrm>
+              <a:prstGeom prst="rect">
+                <a:avLst/>
+              </a:prstGeom>
+              <a:noFill/>
+            </p:spPr>
+            <p:txBody>
+              <a:bodyPr wrap="none" lIns="0" tIns="0" rIns="0" bIns="0" rtlCol="0">
+                <a:spAutoFit/>
+              </a:bodyPr>
+              <a:lstStyle/>
+              <a:p>
+                <a:pPr/>
+                <a14:m>
+                  <m:oMathPara xmlns:m="http://schemas.openxmlformats.org/officeDocument/2006/math">
+                    <m:oMathParaPr>
+                      <m:jc m:val="centerGroup"/>
+                    </m:oMathParaPr>
+                    <m:oMath xmlns:m="http://schemas.openxmlformats.org/officeDocument/2006/math">
+                      <m:sSub>
+                        <m:sSubPr>
+                          <m:ctrlPr>
+                            <a:rPr lang="en-US" altLang="ko-KR" sz="2400" i="1" smtClean="0">
+                              <a:latin typeface="Cambria Math" panose="02040503050406030204" pitchFamily="18" charset="0"/>
+                            </a:rPr>
+                          </m:ctrlPr>
+                        </m:sSubPr>
+                        <m:e>
+                          <m:r>
+                            <a:rPr lang="en-US" altLang="ko-KR" sz="2400" b="1" i="0" smtClean="0">
+                              <a:latin typeface="Cambria Math" panose="02040503050406030204" pitchFamily="18" charset="0"/>
+                            </a:rPr>
+                            <m:t>𝐭</m:t>
+                          </m:r>
+                        </m:e>
+                        <m:sub>
+                          <m:r>
+                            <a:rPr lang="en-US" altLang="ko-KR" sz="2400" b="0" i="1" smtClean="0">
+                              <a:latin typeface="Cambria Math" panose="02040503050406030204" pitchFamily="18" charset="0"/>
+                            </a:rPr>
+                            <m:t>1</m:t>
+                          </m:r>
+                        </m:sub>
+                      </m:sSub>
+                    </m:oMath>
+                  </m:oMathPara>
+                </a14:m>
+                <a:endParaRPr lang="ko-KR" altLang="en-US" sz="2400" dirty="0"/>
+              </a:p>
+            </p:txBody>
+          </p:sp>
+        </mc:Choice>
+        <mc:Fallback xmlns="">
+          <p:sp>
+            <p:nvSpPr>
+              <p:cNvPr id="7" name="TextBox 6"/>
+              <p:cNvSpPr txBox="1">
+                <a:spLocks noRot="1" noChangeAspect="1" noMove="1" noResize="1" noEditPoints="1" noAdjustHandles="1" noChangeArrowheads="1" noChangeShapeType="1" noTextEdit="1"/>
+              </p:cNvSpPr>
+              <p:nvPr/>
+            </p:nvSpPr>
+            <p:spPr>
+              <a:xfrm>
+                <a:off x="5973383" y="4518932"/>
+                <a:ext cx="373564" cy="369332"/>
+              </a:xfrm>
+              <a:prstGeom prst="rect">
+                <a:avLst/>
+              </a:prstGeom>
+              <a:blipFill rotWithShape="0">
+                <a:blip r:embed="rId3"/>
+                <a:stretch>
+                  <a:fillRect l="-11475" r="-1639" b="-16393"/>
+                </a:stretch>
+              </a:blipFill>
+            </p:spPr>
+            <p:txBody>
+              <a:bodyPr/>
+              <a:lstStyle/>
+              <a:p>
+                <a:r>
+                  <a:rPr lang="ko-KR" altLang="en-US">
+                    <a:noFill/>
+                  </a:rPr>
+                  <a:t> </a:t>
+                </a:r>
+              </a:p>
+            </p:txBody>
+          </p:sp>
+        </mc:Fallback>
+      </mc:AlternateContent>
+      <mc:AlternateContent xmlns:mc="http://schemas.openxmlformats.org/markup-compatibility/2006" xmlns:a14="http://schemas.microsoft.com/office/drawing/2010/main">
+        <mc:Choice Requires="a14">
+          <p:sp>
+            <p:nvSpPr>
+              <p:cNvPr id="8" name="TextBox 7"/>
+              <p:cNvSpPr txBox="1"/>
+              <p:nvPr/>
+            </p:nvSpPr>
+            <p:spPr>
+              <a:xfrm>
+                <a:off x="6401521" y="3058549"/>
+                <a:ext cx="380682" cy="369332"/>
+              </a:xfrm>
+              <a:prstGeom prst="rect">
+                <a:avLst/>
+              </a:prstGeom>
+              <a:noFill/>
+            </p:spPr>
+            <p:txBody>
+              <a:bodyPr wrap="none" lIns="0" tIns="0" rIns="0" bIns="0" rtlCol="0">
+                <a:spAutoFit/>
+              </a:bodyPr>
+              <a:lstStyle/>
+              <a:p>
+                <a:pPr/>
+                <a14:m>
+                  <m:oMathPara xmlns:m="http://schemas.openxmlformats.org/officeDocument/2006/math">
+                    <m:oMathParaPr>
+                      <m:jc m:val="centerGroup"/>
+                    </m:oMathParaPr>
+                    <m:oMath xmlns:m="http://schemas.openxmlformats.org/officeDocument/2006/math">
+                      <m:sSub>
+                        <m:sSubPr>
+                          <m:ctrlPr>
+                            <a:rPr lang="en-US" altLang="ko-KR" sz="2400" i="1" smtClean="0">
+                              <a:latin typeface="Cambria Math" panose="02040503050406030204" pitchFamily="18" charset="0"/>
+                            </a:rPr>
+                          </m:ctrlPr>
+                        </m:sSubPr>
+                        <m:e>
+                          <m:r>
+                            <a:rPr lang="en-US" altLang="ko-KR" sz="2400" b="1" i="0" smtClean="0">
+                              <a:latin typeface="Cambria Math" panose="02040503050406030204" pitchFamily="18" charset="0"/>
+                            </a:rPr>
+                            <m:t>𝐭</m:t>
+                          </m:r>
+                        </m:e>
+                        <m:sub>
+                          <m:r>
+                            <a:rPr lang="en-US" altLang="ko-KR" sz="2400" b="0" i="1" smtClean="0">
+                              <a:latin typeface="Cambria Math" panose="02040503050406030204" pitchFamily="18" charset="0"/>
+                            </a:rPr>
+                            <m:t>3</m:t>
+                          </m:r>
+                        </m:sub>
+                      </m:sSub>
+                    </m:oMath>
+                  </m:oMathPara>
+                </a14:m>
+                <a:endParaRPr lang="ko-KR" altLang="en-US" sz="2400" dirty="0"/>
+              </a:p>
+            </p:txBody>
+          </p:sp>
+        </mc:Choice>
+        <mc:Fallback xmlns="">
+          <p:sp>
+            <p:nvSpPr>
+              <p:cNvPr id="8" name="TextBox 7"/>
+              <p:cNvSpPr txBox="1">
+                <a:spLocks noRot="1" noChangeAspect="1" noMove="1" noResize="1" noEditPoints="1" noAdjustHandles="1" noChangeArrowheads="1" noChangeShapeType="1" noTextEdit="1"/>
+              </p:cNvSpPr>
+              <p:nvPr/>
+            </p:nvSpPr>
+            <p:spPr>
+              <a:xfrm>
+                <a:off x="6401521" y="3058549"/>
+                <a:ext cx="380682" cy="369332"/>
+              </a:xfrm>
+              <a:prstGeom prst="rect">
+                <a:avLst/>
+              </a:prstGeom>
+              <a:blipFill rotWithShape="0">
+                <a:blip r:embed="rId4"/>
+                <a:stretch>
+                  <a:fillRect l="-11111" b="-18333"/>
+                </a:stretch>
+              </a:blipFill>
+            </p:spPr>
+            <p:txBody>
+              <a:bodyPr/>
+              <a:lstStyle/>
+              <a:p>
+                <a:r>
+                  <a:rPr lang="ko-KR" altLang="en-US">
+                    <a:noFill/>
+                  </a:rPr>
+                  <a:t> </a:t>
+                </a:r>
+              </a:p>
+            </p:txBody>
+          </p:sp>
+        </mc:Fallback>
+      </mc:AlternateContent>
+      <mc:AlternateContent xmlns:mc="http://schemas.openxmlformats.org/markup-compatibility/2006" xmlns:a14="http://schemas.microsoft.com/office/drawing/2010/main">
+        <mc:Choice Requires="a14">
+          <p:sp>
+            <p:nvSpPr>
+              <p:cNvPr id="9" name="TextBox 8"/>
+              <p:cNvSpPr txBox="1"/>
+              <p:nvPr/>
+            </p:nvSpPr>
+            <p:spPr>
+              <a:xfrm>
+                <a:off x="4094944" y="3058549"/>
+                <a:ext cx="380682" cy="369332"/>
+              </a:xfrm>
+              <a:prstGeom prst="rect">
+                <a:avLst/>
+              </a:prstGeom>
+              <a:noFill/>
+            </p:spPr>
+            <p:txBody>
+              <a:bodyPr wrap="none" lIns="0" tIns="0" rIns="0" bIns="0" rtlCol="0">
+                <a:spAutoFit/>
+              </a:bodyPr>
+              <a:lstStyle/>
+              <a:p>
+                <a:pPr/>
+                <a14:m>
+                  <m:oMathPara xmlns:m="http://schemas.openxmlformats.org/officeDocument/2006/math">
+                    <m:oMathParaPr>
+                      <m:jc m:val="centerGroup"/>
+                    </m:oMathParaPr>
+                    <m:oMath xmlns:m="http://schemas.openxmlformats.org/officeDocument/2006/math">
+                      <m:sSub>
+                        <m:sSubPr>
+                          <m:ctrlPr>
+                            <a:rPr lang="en-US" altLang="ko-KR" sz="2400" i="1" smtClean="0">
+                              <a:latin typeface="Cambria Math" panose="02040503050406030204" pitchFamily="18" charset="0"/>
+                            </a:rPr>
+                          </m:ctrlPr>
+                        </m:sSubPr>
+                        <m:e>
+                          <m:r>
+                            <a:rPr lang="en-US" altLang="ko-KR" sz="2400" b="1" i="0" smtClean="0">
+                              <a:latin typeface="Cambria Math" panose="02040503050406030204" pitchFamily="18" charset="0"/>
+                            </a:rPr>
+                            <m:t>𝐭</m:t>
+                          </m:r>
+                        </m:e>
+                        <m:sub>
+                          <m:r>
+                            <a:rPr lang="en-US" altLang="ko-KR" sz="2400" b="0" i="1" smtClean="0">
+                              <a:latin typeface="Cambria Math" panose="02040503050406030204" pitchFamily="18" charset="0"/>
+                            </a:rPr>
+                            <m:t>2</m:t>
+                          </m:r>
+                        </m:sub>
+                      </m:sSub>
+                    </m:oMath>
+                  </m:oMathPara>
+                </a14:m>
+                <a:endParaRPr lang="ko-KR" altLang="en-US" sz="2400" dirty="0"/>
+              </a:p>
+            </p:txBody>
+          </p:sp>
+        </mc:Choice>
+        <mc:Fallback xmlns="">
+          <p:sp>
+            <p:nvSpPr>
+              <p:cNvPr id="9" name="TextBox 8"/>
+              <p:cNvSpPr txBox="1">
+                <a:spLocks noRot="1" noChangeAspect="1" noMove="1" noResize="1" noEditPoints="1" noAdjustHandles="1" noChangeArrowheads="1" noChangeShapeType="1" noTextEdit="1"/>
+              </p:cNvSpPr>
+              <p:nvPr/>
+            </p:nvSpPr>
+            <p:spPr>
+              <a:xfrm>
+                <a:off x="4094944" y="3058549"/>
+                <a:ext cx="380682" cy="369332"/>
+              </a:xfrm>
+              <a:prstGeom prst="rect">
+                <a:avLst/>
+              </a:prstGeom>
+              <a:blipFill rotWithShape="0">
+                <a:blip r:embed="rId5"/>
+                <a:stretch>
+                  <a:fillRect l="-11290" r="-1613" b="-18333"/>
+                </a:stretch>
+              </a:blipFill>
+            </p:spPr>
+            <p:txBody>
+              <a:bodyPr/>
+              <a:lstStyle/>
+              <a:p>
+                <a:r>
+                  <a:rPr lang="ko-KR" altLang="en-US">
+                    <a:noFill/>
+                  </a:rPr>
+                  <a:t> </a:t>
+                </a:r>
+              </a:p>
+            </p:txBody>
+          </p:sp>
+        </mc:Fallback>
+      </mc:AlternateContent>
+    </p:spTree>
+    <p:extLst>
+      <p:ext uri="{BB962C8B-B14F-4D97-AF65-F5344CB8AC3E}">
+        <p14:creationId xmlns:p14="http://schemas.microsoft.com/office/powerpoint/2010/main" val="3498275178"/>
+      </p:ext>
+    </p:extLst>
+  </p:cSld>
+  <p:clrMapOvr>
+    <a:masterClrMapping/>
+  </p:clrMapOvr>
+</p:sld>
+</file>
+
+<file path=ppt/slides/slide12.xml><?xml version="1.0" encoding="utf-8"?>
+<p:sld xmlns:a="http://schemas.openxmlformats.org/drawingml/2006/main" xmlns:r="http://schemas.openxmlformats.org/officeDocument/2006/relationships" xmlns:p="http://schemas.openxmlformats.org/presentationml/2006/main">
+  <p:cSld>
+    <p:spTree>
+      <p:nvGrpSpPr>
+        <p:cNvPr id="1" name=""/>
+        <p:cNvGrpSpPr/>
+        <p:nvPr/>
+      </p:nvGrpSpPr>
+      <p:grpSpPr>
+        <a:xfrm>
+          <a:off x="0" y="0"/>
+          <a:ext cx="0" cy="0"/>
+          <a:chOff x="0" y="0"/>
+          <a:chExt cx="0" cy="0"/>
+        </a:xfrm>
+      </p:grpSpPr>
+      <p:pic>
+        <p:nvPicPr>
           <p:cNvPr id="4" name="그림 3"/>
           <p:cNvPicPr>
             <a:picLocks noChangeAspect="1"/>
@@ -5284,7 +6302,7 @@
 </p:sld>
 </file>
 
-<file path=ppt/slides/slide11.xml><?xml version="1.0" encoding="utf-8"?>
+<file path=ppt/slides/slide13.xml><?xml version="1.0" encoding="utf-8"?>
 <p:sld xmlns:a="http://schemas.openxmlformats.org/drawingml/2006/main" xmlns:r="http://schemas.openxmlformats.org/officeDocument/2006/relationships" xmlns:p="http://schemas.openxmlformats.org/presentationml/2006/main">
   <p:cSld>
     <p:spTree>
@@ -5842,7 +6860,7 @@
 </p:sld>
 </file>
 
-<file path=ppt/slides/slide12.xml><?xml version="1.0" encoding="utf-8"?>
+<file path=ppt/slides/slide14.xml><?xml version="1.0" encoding="utf-8"?>
 <p:sld xmlns:a="http://schemas.openxmlformats.org/drawingml/2006/main" xmlns:r="http://schemas.openxmlformats.org/officeDocument/2006/relationships" xmlns:p="http://schemas.openxmlformats.org/presentationml/2006/main">
   <p:cSld>
     <p:spTree>
@@ -6003,8 +7021,8 @@
           </a:fontRef>
         </p:style>
       </p:cxnSp>
-      <mc:AlternateContent xmlns:mc="http://schemas.openxmlformats.org/markup-compatibility/2006">
-        <mc:Choice xmlns:a14="http://schemas.microsoft.com/office/drawing/2010/main" Requires="a14">
+      <mc:AlternateContent xmlns:mc="http://schemas.openxmlformats.org/markup-compatibility/2006" xmlns:a14="http://schemas.microsoft.com/office/drawing/2010/main">
+        <mc:Choice Requires="a14">
           <p:sp>
             <p:nvSpPr>
               <p:cNvPr id="6" name="TextBox 5"/>
@@ -6067,7 +7085,7 @@
             </p:txBody>
           </p:sp>
         </mc:Choice>
-        <mc:Fallback>
+        <mc:Fallback xmlns="">
           <p:sp>
             <p:nvSpPr>
               <p:cNvPr id="6" name="TextBox 5"/>
@@ -6106,8 +7124,8 @@
           </p:sp>
         </mc:Fallback>
       </mc:AlternateContent>
-      <mc:AlternateContent xmlns:mc="http://schemas.openxmlformats.org/markup-compatibility/2006">
-        <mc:Choice xmlns:a14="http://schemas.microsoft.com/office/drawing/2010/main" Requires="a14">
+      <mc:AlternateContent xmlns:mc="http://schemas.openxmlformats.org/markup-compatibility/2006" xmlns:a14="http://schemas.microsoft.com/office/drawing/2010/main">
+        <mc:Choice Requires="a14">
           <p:sp>
             <p:nvSpPr>
               <p:cNvPr id="7" name="TextBox 6"/>
@@ -6170,7 +7188,7 @@
             </p:txBody>
           </p:sp>
         </mc:Choice>
-        <mc:Fallback>
+        <mc:Fallback xmlns="">
           <p:sp>
             <p:nvSpPr>
               <p:cNvPr id="7" name="TextBox 6"/>
@@ -6209,8 +7227,8 @@
           </p:sp>
         </mc:Fallback>
       </mc:AlternateContent>
-      <mc:AlternateContent xmlns:mc="http://schemas.openxmlformats.org/markup-compatibility/2006">
-        <mc:Choice xmlns:a14="http://schemas.microsoft.com/office/drawing/2010/main" Requires="a14">
+      <mc:AlternateContent xmlns:mc="http://schemas.openxmlformats.org/markup-compatibility/2006" xmlns:a14="http://schemas.microsoft.com/office/drawing/2010/main">
+        <mc:Choice Requires="a14">
           <p:sp>
             <p:nvSpPr>
               <p:cNvPr id="9" name="TextBox 8"/>
@@ -6256,7 +7274,7 @@
             </p:txBody>
           </p:sp>
         </mc:Choice>
-        <mc:Fallback>
+        <mc:Fallback xmlns="">
           <p:sp>
             <p:nvSpPr>
               <p:cNvPr id="9" name="TextBox 8"/>
@@ -6417,8 +7435,8 @@
           </a:fontRef>
         </p:style>
       </p:cxnSp>
-      <mc:AlternateContent xmlns:mc="http://schemas.openxmlformats.org/markup-compatibility/2006">
-        <mc:Choice xmlns:a14="http://schemas.microsoft.com/office/drawing/2010/main" Requires="a14">
+      <mc:AlternateContent xmlns:mc="http://schemas.openxmlformats.org/markup-compatibility/2006" xmlns:a14="http://schemas.microsoft.com/office/drawing/2010/main">
+        <mc:Choice Requires="a14">
           <p:sp>
             <p:nvSpPr>
               <p:cNvPr id="13" name="TextBox 12"/>
@@ -6483,7 +7501,7 @@
             </p:txBody>
           </p:sp>
         </mc:Choice>
-        <mc:Fallback>
+        <mc:Fallback xmlns="">
           <p:sp>
             <p:nvSpPr>
               <p:cNvPr id="13" name="TextBox 12"/>
@@ -6522,8 +7540,8 @@
           </p:sp>
         </mc:Fallback>
       </mc:AlternateContent>
-      <mc:AlternateContent xmlns:mc="http://schemas.openxmlformats.org/markup-compatibility/2006">
-        <mc:Choice xmlns:a14="http://schemas.microsoft.com/office/drawing/2010/main" Requires="a14">
+      <mc:AlternateContent xmlns:mc="http://schemas.openxmlformats.org/markup-compatibility/2006" xmlns:a14="http://schemas.microsoft.com/office/drawing/2010/main">
+        <mc:Choice Requires="a14">
           <p:sp>
             <p:nvSpPr>
               <p:cNvPr id="14" name="TextBox 13"/>
@@ -6588,7 +7606,7 @@
             </p:txBody>
           </p:sp>
         </mc:Choice>
-        <mc:Fallback>
+        <mc:Fallback xmlns="">
           <p:sp>
             <p:nvSpPr>
               <p:cNvPr id="14" name="TextBox 13"/>
@@ -6640,7 +7658,7 @@
 </p:sld>
 </file>
 
-<file path=ppt/slides/slide13.xml><?xml version="1.0" encoding="utf-8"?>
+<file path=ppt/slides/slide15.xml><?xml version="1.0" encoding="utf-8"?>
 <p:sld xmlns:a="http://schemas.openxmlformats.org/drawingml/2006/main" xmlns:r="http://schemas.openxmlformats.org/officeDocument/2006/relationships" xmlns:p="http://schemas.openxmlformats.org/presentationml/2006/main">
   <p:cSld>
     <p:spTree>
@@ -6670,7 +7688,7 @@
 </p:sld>
 </file>
 
-<file path=ppt/slides/slide14.xml><?xml version="1.0" encoding="utf-8"?>
+<file path=ppt/slides/slide16.xml><?xml version="1.0" encoding="utf-8"?>
 <p:sld xmlns:a="http://schemas.openxmlformats.org/drawingml/2006/main" xmlns:r="http://schemas.openxmlformats.org/officeDocument/2006/relationships" xmlns:p="http://schemas.openxmlformats.org/presentationml/2006/main">
   <p:cSld>
     <p:spTree>
@@ -7256,7 +8274,7 @@
 </p:sld>
 </file>
 
-<file path=ppt/slides/slide15.xml><?xml version="1.0" encoding="utf-8"?>
+<file path=ppt/slides/slide17.xml><?xml version="1.0" encoding="utf-8"?>
 <p:sld xmlns:a="http://schemas.openxmlformats.org/drawingml/2006/main" xmlns:r="http://schemas.openxmlformats.org/officeDocument/2006/relationships" xmlns:p="http://schemas.openxmlformats.org/presentationml/2006/main">
   <p:cSld>
     <p:spTree>
@@ -7278,7 +8296,7 @@
           <p:cNvPr id="4" name="내용 개체 틀 5">
             <a:extLst>
               <a:ext uri="{FF2B5EF4-FFF2-40B4-BE49-F238E27FC236}">
-                <a16:creationId xmlns:a16="http://schemas.microsoft.com/office/drawing/2014/main" xmlns="" id="{26E65B15-652C-471C-B503-9BD1A7ECA9FF}"/>
+                <a16:creationId xmlns="" xmlns:a16="http://schemas.microsoft.com/office/drawing/2014/main" id="{26E65B15-652C-471C-B503-9BD1A7ECA9FF}"/>
               </a:ext>
             </a:extLst>
           </p:cNvPr>
@@ -7307,7 +8325,7 @@
           <p:cNvPr id="5" name="그림 4">
             <a:extLst>
               <a:ext uri="{FF2B5EF4-FFF2-40B4-BE49-F238E27FC236}">
-                <a16:creationId xmlns:a16="http://schemas.microsoft.com/office/drawing/2014/main" xmlns="" id="{8D86471E-9C3A-40C3-8F27-66A11AC93C24}"/>
+                <a16:creationId xmlns="" xmlns:a16="http://schemas.microsoft.com/office/drawing/2014/main" id="{8D86471E-9C3A-40C3-8F27-66A11AC93C24}"/>
               </a:ext>
             </a:extLst>
           </p:cNvPr>
@@ -7345,7 +8363,7 @@
 </p:sld>
 </file>
 
-<file path=ppt/slides/slide16.xml><?xml version="1.0" encoding="utf-8"?>
+<file path=ppt/slides/slide18.xml><?xml version="1.0" encoding="utf-8"?>
 <p:sld xmlns:a="http://schemas.openxmlformats.org/drawingml/2006/main" xmlns:r="http://schemas.openxmlformats.org/officeDocument/2006/relationships" xmlns:p="http://schemas.openxmlformats.org/presentationml/2006/main">
   <p:cSld>
     <p:spTree>
@@ -8278,7 +9296,7 @@
           <p:cNvPr id="27" name="직선 화살표 연결선 26">
             <a:extLst>
               <a:ext uri="{FF2B5EF4-FFF2-40B4-BE49-F238E27FC236}">
-                <a16:creationId xmlns="" xmlns:a16="http://schemas.microsoft.com/office/drawing/2014/main" id="{C93B29A1-F190-44D3-A9D0-DFAD4F83776E}"/>
+                <a16:creationId xmlns:a16="http://schemas.microsoft.com/office/drawing/2014/main" xmlns="" id="{C93B29A1-F190-44D3-A9D0-DFAD4F83776E}"/>
               </a:ext>
             </a:extLst>
           </p:cNvPr>
@@ -8324,7 +9342,7 @@
               <p:cNvPr id="28" name="TextBox 27">
                 <a:extLst>
                   <a:ext uri="{FF2B5EF4-FFF2-40B4-BE49-F238E27FC236}">
-                    <a16:creationId xmlns="" xmlns:a16="http://schemas.microsoft.com/office/drawing/2014/main" id="{07B5ABC4-CAA0-493B-ACDF-C42A51522079}"/>
+                    <a16:creationId xmlns:a16="http://schemas.microsoft.com/office/drawing/2014/main" xmlns="" id="{07B5ABC4-CAA0-493B-ACDF-C42A51522079}"/>
                   </a:ext>
                 </a:extLst>
               </p:cNvPr>
@@ -8437,7 +9455,7 @@
           <p:cNvPr id="29" name="직선 화살표 연결선 28">
             <a:extLst>
               <a:ext uri="{FF2B5EF4-FFF2-40B4-BE49-F238E27FC236}">
-                <a16:creationId xmlns="" xmlns:a16="http://schemas.microsoft.com/office/drawing/2014/main" id="{782BF86B-4207-4FE7-8DAC-CEB1861B292A}"/>
+                <a16:creationId xmlns:a16="http://schemas.microsoft.com/office/drawing/2014/main" xmlns="" id="{782BF86B-4207-4FE7-8DAC-CEB1861B292A}"/>
               </a:ext>
             </a:extLst>
           </p:cNvPr>
@@ -8483,7 +9501,7 @@
               <p:cNvPr id="32" name="TextBox 31">
                 <a:extLst>
                   <a:ext uri="{FF2B5EF4-FFF2-40B4-BE49-F238E27FC236}">
-                    <a16:creationId xmlns="" xmlns:a16="http://schemas.microsoft.com/office/drawing/2014/main" id="{5DB3AE05-D351-4E8F-8481-E70A4D8B443E}"/>
+                    <a16:creationId xmlns:a16="http://schemas.microsoft.com/office/drawing/2014/main" xmlns="" id="{5DB3AE05-D351-4E8F-8481-E70A4D8B443E}"/>
                   </a:ext>
                 </a:extLst>
               </p:cNvPr>
@@ -8577,7 +9595,7 @@
           <p:cNvPr id="33" name="직선 화살표 연결선 32">
             <a:extLst>
               <a:ext uri="{FF2B5EF4-FFF2-40B4-BE49-F238E27FC236}">
-                <a16:creationId xmlns="" xmlns:a16="http://schemas.microsoft.com/office/drawing/2014/main" id="{F5FC4C0A-B591-4F3B-BD15-9D9E5EC72772}"/>
+                <a16:creationId xmlns:a16="http://schemas.microsoft.com/office/drawing/2014/main" xmlns="" id="{F5FC4C0A-B591-4F3B-BD15-9D9E5EC72772}"/>
               </a:ext>
             </a:extLst>
           </p:cNvPr>
@@ -8623,7 +9641,7 @@
               <p:cNvPr id="38" name="TextBox 37">
                 <a:extLst>
                   <a:ext uri="{FF2B5EF4-FFF2-40B4-BE49-F238E27FC236}">
-                    <a16:creationId xmlns="" xmlns:a16="http://schemas.microsoft.com/office/drawing/2014/main" id="{EC18DB71-3399-4E5E-B321-6A9670FF95D7}"/>
+                    <a16:creationId xmlns:a16="http://schemas.microsoft.com/office/drawing/2014/main" xmlns="" id="{EC18DB71-3399-4E5E-B321-6A9670FF95D7}"/>
                   </a:ext>
                 </a:extLst>
               </p:cNvPr>
@@ -9244,7 +10262,7 @@
           <p:cNvPr id="9" name="그룹 8">
             <a:extLst>
               <a:ext uri="{FF2B5EF4-FFF2-40B4-BE49-F238E27FC236}">
-                <a16:creationId xmlns="" xmlns:a16="http://schemas.microsoft.com/office/drawing/2014/main" id="{F54825A1-879E-45C3-84C9-39758CFBC1AD}"/>
+                <a16:creationId xmlns:a16="http://schemas.microsoft.com/office/drawing/2014/main" xmlns="" id="{F54825A1-879E-45C3-84C9-39758CFBC1AD}"/>
               </a:ext>
             </a:extLst>
           </p:cNvPr>
@@ -9667,7 +10685,7 @@
           <p:cNvPr id="19" name="자유형: 도형 18">
             <a:extLst>
               <a:ext uri="{FF2B5EF4-FFF2-40B4-BE49-F238E27FC236}">
-                <a16:creationId xmlns="" xmlns:a16="http://schemas.microsoft.com/office/drawing/2014/main" id="{28DE563C-2016-4934-A4EE-657070DFAE5E}"/>
+                <a16:creationId xmlns:a16="http://schemas.microsoft.com/office/drawing/2014/main" xmlns="" id="{28DE563C-2016-4934-A4EE-657070DFAE5E}"/>
               </a:ext>
             </a:extLst>
           </p:cNvPr>
@@ -9759,7 +10777,7 @@
               <p:cNvPr id="22" name="TextBox 21">
                 <a:extLst>
                   <a:ext uri="{FF2B5EF4-FFF2-40B4-BE49-F238E27FC236}">
-                    <a16:creationId xmlns="" xmlns:a16="http://schemas.microsoft.com/office/drawing/2014/main" id="{702F36E8-3840-4F82-ACA9-0ADC9BF2CD7E}"/>
+                    <a16:creationId xmlns:a16="http://schemas.microsoft.com/office/drawing/2014/main" xmlns="" id="{702F36E8-3840-4F82-ACA9-0ADC9BF2CD7E}"/>
                   </a:ext>
                 </a:extLst>
               </p:cNvPr>
@@ -9880,7 +10898,7 @@
           <p:cNvPr id="23" name="자유형: 도형 22">
             <a:extLst>
               <a:ext uri="{FF2B5EF4-FFF2-40B4-BE49-F238E27FC236}">
-                <a16:creationId xmlns="" xmlns:a16="http://schemas.microsoft.com/office/drawing/2014/main" id="{D4262DC8-AC8F-4E4E-8F9A-78963014DDC7}"/>
+                <a16:creationId xmlns:a16="http://schemas.microsoft.com/office/drawing/2014/main" xmlns="" id="{D4262DC8-AC8F-4E4E-8F9A-78963014DDC7}"/>
               </a:ext>
             </a:extLst>
           </p:cNvPr>
@@ -9972,7 +10990,7 @@
               <p:cNvPr id="26" name="TextBox 25">
                 <a:extLst>
                   <a:ext uri="{FF2B5EF4-FFF2-40B4-BE49-F238E27FC236}">
-                    <a16:creationId xmlns="" xmlns:a16="http://schemas.microsoft.com/office/drawing/2014/main" id="{4C456F18-AA04-4135-AED2-7569217695DC}"/>
+                    <a16:creationId xmlns:a16="http://schemas.microsoft.com/office/drawing/2014/main" xmlns="" id="{4C456F18-AA04-4135-AED2-7569217695DC}"/>
                   </a:ext>
                 </a:extLst>
               </p:cNvPr>
@@ -10852,7 +11870,7 @@
           <p:cNvPr id="19" name="자유형: 도형 18">
             <a:extLst>
               <a:ext uri="{FF2B5EF4-FFF2-40B4-BE49-F238E27FC236}">
-                <a16:creationId xmlns="" xmlns:a16="http://schemas.microsoft.com/office/drawing/2014/main" id="{28DE563C-2016-4934-A4EE-657070DFAE5E}"/>
+                <a16:creationId xmlns:a16="http://schemas.microsoft.com/office/drawing/2014/main" xmlns="" id="{28DE563C-2016-4934-A4EE-657070DFAE5E}"/>
               </a:ext>
             </a:extLst>
           </p:cNvPr>
@@ -10944,7 +11962,7 @@
               <p:cNvPr id="22" name="TextBox 21">
                 <a:extLst>
                   <a:ext uri="{FF2B5EF4-FFF2-40B4-BE49-F238E27FC236}">
-                    <a16:creationId xmlns="" xmlns:a16="http://schemas.microsoft.com/office/drawing/2014/main" id="{702F36E8-3840-4F82-ACA9-0ADC9BF2CD7E}"/>
+                    <a16:creationId xmlns:a16="http://schemas.microsoft.com/office/drawing/2014/main" xmlns="" id="{702F36E8-3840-4F82-ACA9-0ADC9BF2CD7E}"/>
                   </a:ext>
                 </a:extLst>
               </p:cNvPr>
@@ -11065,7 +12083,7 @@
           <p:cNvPr id="23" name="자유형: 도형 22">
             <a:extLst>
               <a:ext uri="{FF2B5EF4-FFF2-40B4-BE49-F238E27FC236}">
-                <a16:creationId xmlns="" xmlns:a16="http://schemas.microsoft.com/office/drawing/2014/main" id="{D4262DC8-AC8F-4E4E-8F9A-78963014DDC7}"/>
+                <a16:creationId xmlns:a16="http://schemas.microsoft.com/office/drawing/2014/main" xmlns="" id="{D4262DC8-AC8F-4E4E-8F9A-78963014DDC7}"/>
               </a:ext>
             </a:extLst>
           </p:cNvPr>
@@ -11157,7 +12175,7 @@
               <p:cNvPr id="26" name="TextBox 25">
                 <a:extLst>
                   <a:ext uri="{FF2B5EF4-FFF2-40B4-BE49-F238E27FC236}">
-                    <a16:creationId xmlns="" xmlns:a16="http://schemas.microsoft.com/office/drawing/2014/main" id="{4C456F18-AA04-4135-AED2-7569217695DC}"/>
+                    <a16:creationId xmlns:a16="http://schemas.microsoft.com/office/drawing/2014/main" xmlns="" id="{4C456F18-AA04-4135-AED2-7569217695DC}"/>
                   </a:ext>
                 </a:extLst>
               </p:cNvPr>
@@ -11280,7 +12298,7 @@
               <p:cNvPr id="21" name="TextBox 20">
                 <a:extLst>
                   <a:ext uri="{FF2B5EF4-FFF2-40B4-BE49-F238E27FC236}">
-                    <a16:creationId xmlns="" xmlns:a16="http://schemas.microsoft.com/office/drawing/2014/main" id="{7F1A4031-C0F9-4078-B611-60510E555779}"/>
+                    <a16:creationId xmlns:a16="http://schemas.microsoft.com/office/drawing/2014/main" xmlns="" id="{7F1A4031-C0F9-4078-B611-60510E555779}"/>
                   </a:ext>
                 </a:extLst>
               </p:cNvPr>
@@ -11393,7 +12411,7 @@
           <p:cNvPr id="27" name="원호 26">
             <a:extLst>
               <a:ext uri="{FF2B5EF4-FFF2-40B4-BE49-F238E27FC236}">
-                <a16:creationId xmlns="" xmlns:a16="http://schemas.microsoft.com/office/drawing/2014/main" id="{73F2FA99-BAB3-4AEA-A0D4-FFD161E5142F}"/>
+                <a16:creationId xmlns:a16="http://schemas.microsoft.com/office/drawing/2014/main" xmlns="" id="{73F2FA99-BAB3-4AEA-A0D4-FFD161E5142F}"/>
               </a:ext>
             </a:extLst>
           </p:cNvPr>
@@ -11480,6 +12498,3982 @@
         </p:nvSpPr>
         <p:spPr>
           <a:xfrm>
+            <a:off x="3055600" y="2176632"/>
+            <a:ext cx="5040000" cy="360000"/>
+          </a:xfrm>
+          <a:prstGeom prst="rect">
+            <a:avLst/>
+          </a:prstGeom>
+          <a:noFill/>
+          <a:ln w="28575">
+            <a:solidFill>
+              <a:schemeClr val="tx1"/>
+            </a:solidFill>
+          </a:ln>
+        </p:spPr>
+        <p:style>
+          <a:lnRef idx="2">
+            <a:schemeClr val="accent1">
+              <a:shade val="50000"/>
+            </a:schemeClr>
+          </a:lnRef>
+          <a:fillRef idx="1">
+            <a:schemeClr val="accent1"/>
+          </a:fillRef>
+          <a:effectRef idx="0">
+            <a:schemeClr val="accent1"/>
+          </a:effectRef>
+          <a:fontRef idx="minor">
+            <a:schemeClr val="lt1"/>
+          </a:fontRef>
+        </p:style>
+        <p:txBody>
+          <a:bodyPr rtlCol="0" anchor="ctr"/>
+          <a:lstStyle/>
+          <a:p>
+            <a:pPr algn="ctr"/>
+            <a:endParaRPr lang="ko-KR" altLang="en-US"/>
+          </a:p>
+        </p:txBody>
+      </p:sp>
+      <p:cxnSp>
+        <p:nvCxnSpPr>
+          <p:cNvPr id="6" name="직선 연결선 5"/>
+          <p:cNvCxnSpPr/>
+          <p:nvPr/>
+        </p:nvCxnSpPr>
+        <p:spPr>
+          <a:xfrm>
+            <a:off x="5575600" y="1996632"/>
+            <a:ext cx="0" cy="720000"/>
+          </a:xfrm>
+          <a:prstGeom prst="line">
+            <a:avLst/>
+          </a:prstGeom>
+          <a:ln w="19050">
+            <a:solidFill>
+              <a:schemeClr val="tx1"/>
+            </a:solidFill>
+            <a:prstDash val="lgDash"/>
+          </a:ln>
+        </p:spPr>
+        <p:style>
+          <a:lnRef idx="1">
+            <a:schemeClr val="accent1"/>
+          </a:lnRef>
+          <a:fillRef idx="0">
+            <a:schemeClr val="accent1"/>
+          </a:fillRef>
+          <a:effectRef idx="0">
+            <a:schemeClr val="accent1"/>
+          </a:effectRef>
+          <a:fontRef idx="minor">
+            <a:schemeClr val="tx1"/>
+          </a:fontRef>
+        </p:style>
+      </p:cxnSp>
+      <p:cxnSp>
+        <p:nvCxnSpPr>
+          <p:cNvPr id="3" name="직선 연결선 2"/>
+          <p:cNvCxnSpPr/>
+          <p:nvPr/>
+        </p:nvCxnSpPr>
+        <p:spPr>
+          <a:xfrm>
+            <a:off x="3055600" y="1620455"/>
+            <a:ext cx="0" cy="1388962"/>
+          </a:xfrm>
+          <a:prstGeom prst="line">
+            <a:avLst/>
+          </a:prstGeom>
+          <a:ln w="28575">
+            <a:solidFill>
+              <a:schemeClr val="tx1"/>
+            </a:solidFill>
+          </a:ln>
+        </p:spPr>
+        <p:style>
+          <a:lnRef idx="1">
+            <a:schemeClr val="accent1"/>
+          </a:lnRef>
+          <a:fillRef idx="0">
+            <a:schemeClr val="accent1"/>
+          </a:fillRef>
+          <a:effectRef idx="0">
+            <a:schemeClr val="accent1"/>
+          </a:effectRef>
+          <a:fontRef idx="minor">
+            <a:schemeClr val="tx1"/>
+          </a:fontRef>
+        </p:style>
+      </p:cxnSp>
+      <p:cxnSp>
+        <p:nvCxnSpPr>
+          <p:cNvPr id="5" name="직선 화살표 연결선 4"/>
+          <p:cNvCxnSpPr/>
+          <p:nvPr/>
+        </p:nvCxnSpPr>
+        <p:spPr>
+          <a:xfrm>
+            <a:off x="8095600" y="1504708"/>
+            <a:ext cx="0" cy="671924"/>
+          </a:xfrm>
+          <a:prstGeom prst="straightConnector1">
+            <a:avLst/>
+          </a:prstGeom>
+          <a:ln w="28575">
+            <a:solidFill>
+              <a:schemeClr val="tx1"/>
+            </a:solidFill>
+            <a:headEnd w="lg" len="lg"/>
+            <a:tailEnd type="triangle" w="lg" len="lg"/>
+          </a:ln>
+        </p:spPr>
+        <p:style>
+          <a:lnRef idx="1">
+            <a:schemeClr val="accent1"/>
+          </a:lnRef>
+          <a:fillRef idx="0">
+            <a:schemeClr val="accent1"/>
+          </a:fillRef>
+          <a:effectRef idx="0">
+            <a:schemeClr val="accent1"/>
+          </a:effectRef>
+          <a:fontRef idx="minor">
+            <a:schemeClr val="tx1"/>
+          </a:fontRef>
+        </p:style>
+      </p:cxnSp>
+      <mc:AlternateContent xmlns:mc="http://schemas.openxmlformats.org/markup-compatibility/2006">
+        <mc:Choice xmlns:a14="http://schemas.microsoft.com/office/drawing/2010/main" Requires="a14">
+          <p:sp>
+            <p:nvSpPr>
+              <p:cNvPr id="36" name="TextBox 35"/>
+              <p:cNvSpPr txBox="1"/>
+              <p:nvPr/>
+            </p:nvSpPr>
+            <p:spPr>
+              <a:xfrm>
+                <a:off x="7963611" y="1088120"/>
+                <a:ext cx="215123" cy="276999"/>
+              </a:xfrm>
+              <a:prstGeom prst="rect">
+                <a:avLst/>
+              </a:prstGeom>
+              <a:noFill/>
+            </p:spPr>
+            <p:txBody>
+              <a:bodyPr wrap="none" lIns="0" tIns="0" rIns="0" bIns="0" rtlCol="0">
+                <a:spAutoFit/>
+              </a:bodyPr>
+              <a:lstStyle/>
+              <a:p>
+                <a:pPr/>
+                <a14:m>
+                  <m:oMathPara xmlns:m="http://schemas.openxmlformats.org/officeDocument/2006/math">
+                    <m:oMathParaPr>
+                      <m:jc m:val="centerGroup"/>
+                    </m:oMathParaPr>
+                    <m:oMath xmlns:m="http://schemas.openxmlformats.org/officeDocument/2006/math">
+                      <m:r>
+                        <a:rPr lang="en-US" altLang="ko-KR" b="0" i="1" smtClean="0">
+                          <a:latin typeface="Cambria Math" panose="02040503050406030204" pitchFamily="18" charset="0"/>
+                        </a:rPr>
+                        <m:t>𝑓</m:t>
+                      </m:r>
+                    </m:oMath>
+                  </m:oMathPara>
+                </a14:m>
+                <a:endParaRPr lang="ko-KR" altLang="en-US" dirty="0"/>
+              </a:p>
+            </p:txBody>
+          </p:sp>
+        </mc:Choice>
+        <mc:Fallback>
+          <p:sp>
+            <p:nvSpPr>
+              <p:cNvPr id="36" name="TextBox 35"/>
+              <p:cNvSpPr txBox="1">
+                <a:spLocks noRot="1" noChangeAspect="1" noMove="1" noResize="1" noEditPoints="1" noAdjustHandles="1" noChangeArrowheads="1" noChangeShapeType="1" noTextEdit="1"/>
+              </p:cNvSpPr>
+              <p:nvPr/>
+            </p:nvSpPr>
+            <p:spPr>
+              <a:xfrm>
+                <a:off x="7963611" y="1088120"/>
+                <a:ext cx="215123" cy="276999"/>
+              </a:xfrm>
+              <a:prstGeom prst="rect">
+                <a:avLst/>
+              </a:prstGeom>
+              <a:blipFill rotWithShape="0">
+                <a:blip r:embed="rId2"/>
+                <a:stretch>
+                  <a:fillRect l="-30556" r="-27778" b="-36957"/>
+                </a:stretch>
+              </a:blipFill>
+            </p:spPr>
+            <p:txBody>
+              <a:bodyPr/>
+              <a:lstStyle/>
+              <a:p>
+                <a:r>
+                  <a:rPr lang="ko-KR" altLang="en-US">
+                    <a:noFill/>
+                  </a:rPr>
+                  <a:t> </a:t>
+                </a:r>
+              </a:p>
+            </p:txBody>
+          </p:sp>
+        </mc:Fallback>
+      </mc:AlternateContent>
+      <p:sp>
+        <p:nvSpPr>
+          <p:cNvPr id="37" name="직사각형 36"/>
+          <p:cNvSpPr/>
+          <p:nvPr/>
+        </p:nvSpPr>
+        <p:spPr>
+          <a:xfrm>
+            <a:off x="3055600" y="3826717"/>
+            <a:ext cx="2520000" cy="360000"/>
+          </a:xfrm>
+          <a:prstGeom prst="rect">
+            <a:avLst/>
+          </a:prstGeom>
+          <a:noFill/>
+          <a:ln w="28575">
+            <a:solidFill>
+              <a:schemeClr val="tx1"/>
+            </a:solidFill>
+          </a:ln>
+        </p:spPr>
+        <p:style>
+          <a:lnRef idx="2">
+            <a:schemeClr val="accent1">
+              <a:shade val="50000"/>
+            </a:schemeClr>
+          </a:lnRef>
+          <a:fillRef idx="1">
+            <a:schemeClr val="accent1"/>
+          </a:fillRef>
+          <a:effectRef idx="0">
+            <a:schemeClr val="accent1"/>
+          </a:effectRef>
+          <a:fontRef idx="minor">
+            <a:schemeClr val="lt1"/>
+          </a:fontRef>
+        </p:style>
+        <p:txBody>
+          <a:bodyPr rtlCol="0" anchor="ctr"/>
+          <a:lstStyle/>
+          <a:p>
+            <a:pPr algn="ctr"/>
+            <a:endParaRPr lang="ko-KR" altLang="en-US"/>
+          </a:p>
+        </p:txBody>
+      </p:sp>
+      <p:sp>
+        <p:nvSpPr>
+          <p:cNvPr id="38" name="직사각형 37"/>
+          <p:cNvSpPr/>
+          <p:nvPr/>
+        </p:nvSpPr>
+        <p:spPr>
+          <a:xfrm>
+            <a:off x="5575600" y="5178672"/>
+            <a:ext cx="2520000" cy="360000"/>
+          </a:xfrm>
+          <a:prstGeom prst="rect">
+            <a:avLst/>
+          </a:prstGeom>
+          <a:noFill/>
+          <a:ln w="28575">
+            <a:solidFill>
+              <a:schemeClr val="tx1"/>
+            </a:solidFill>
+          </a:ln>
+        </p:spPr>
+        <p:style>
+          <a:lnRef idx="2">
+            <a:schemeClr val="accent1">
+              <a:shade val="50000"/>
+            </a:schemeClr>
+          </a:lnRef>
+          <a:fillRef idx="1">
+            <a:schemeClr val="accent1"/>
+          </a:fillRef>
+          <a:effectRef idx="0">
+            <a:schemeClr val="accent1"/>
+          </a:effectRef>
+          <a:fontRef idx="minor">
+            <a:schemeClr val="lt1"/>
+          </a:fontRef>
+        </p:style>
+        <p:txBody>
+          <a:bodyPr rtlCol="0" anchor="ctr"/>
+          <a:lstStyle/>
+          <a:p>
+            <a:pPr algn="ctr"/>
+            <a:endParaRPr lang="ko-KR" altLang="en-US"/>
+          </a:p>
+        </p:txBody>
+      </p:sp>
+      <p:cxnSp>
+        <p:nvCxnSpPr>
+          <p:cNvPr id="48" name="직선 화살표 연결선 47"/>
+          <p:cNvCxnSpPr>
+            <a:stCxn id="37" idx="3"/>
+          </p:cNvCxnSpPr>
+          <p:nvPr/>
+        </p:nvCxnSpPr>
+        <p:spPr>
+          <a:xfrm>
+            <a:off x="5575600" y="4006717"/>
+            <a:ext cx="582131" cy="0"/>
+          </a:xfrm>
+          <a:prstGeom prst="straightConnector1">
+            <a:avLst/>
+          </a:prstGeom>
+          <a:ln w="28575">
+            <a:solidFill>
+              <a:schemeClr val="tx1"/>
+            </a:solidFill>
+            <a:headEnd w="lg" len="lg"/>
+            <a:tailEnd type="triangle" w="lg" len="lg"/>
+          </a:ln>
+        </p:spPr>
+        <p:style>
+          <a:lnRef idx="1">
+            <a:schemeClr val="accent1"/>
+          </a:lnRef>
+          <a:fillRef idx="0">
+            <a:schemeClr val="accent1"/>
+          </a:fillRef>
+          <a:effectRef idx="0">
+            <a:schemeClr val="accent1"/>
+          </a:effectRef>
+          <a:fontRef idx="minor">
+            <a:schemeClr val="tx1"/>
+          </a:fontRef>
+        </p:style>
+      </p:cxnSp>
+      <p:cxnSp>
+        <p:nvCxnSpPr>
+          <p:cNvPr id="49" name="직선 화살표 연결선 48"/>
+          <p:cNvCxnSpPr/>
+          <p:nvPr/>
+        </p:nvCxnSpPr>
+        <p:spPr>
+          <a:xfrm flipH="1" flipV="1">
+            <a:off x="5752617" y="3587688"/>
+            <a:ext cx="10107" cy="709862"/>
+          </a:xfrm>
+          <a:prstGeom prst="straightConnector1">
+            <a:avLst/>
+          </a:prstGeom>
+          <a:ln w="28575">
+            <a:solidFill>
+              <a:schemeClr val="tx1"/>
+            </a:solidFill>
+            <a:headEnd w="lg" len="lg"/>
+            <a:tailEnd type="triangle" w="lg" len="lg"/>
+          </a:ln>
+        </p:spPr>
+        <p:style>
+          <a:lnRef idx="1">
+            <a:schemeClr val="accent1"/>
+          </a:lnRef>
+          <a:fillRef idx="0">
+            <a:schemeClr val="accent1"/>
+          </a:fillRef>
+          <a:effectRef idx="0">
+            <a:schemeClr val="accent1"/>
+          </a:effectRef>
+          <a:fontRef idx="minor">
+            <a:schemeClr val="tx1"/>
+          </a:fontRef>
+        </p:style>
+      </p:cxnSp>
+      <p:sp>
+        <p:nvSpPr>
+          <p:cNvPr id="50" name="오른쪽으로 구부러진 화살표 49"/>
+          <p:cNvSpPr/>
+          <p:nvPr/>
+        </p:nvSpPr>
+        <p:spPr>
+          <a:xfrm rot="10800000">
+            <a:off x="6432437" y="3777754"/>
+            <a:ext cx="403163" cy="457926"/>
+          </a:xfrm>
+          <a:prstGeom prst="curvedRightArrow">
+            <a:avLst>
+              <a:gd name="adj1" fmla="val 14127"/>
+              <a:gd name="adj2" fmla="val 50000"/>
+              <a:gd name="adj3" fmla="val 25000"/>
+            </a:avLst>
+          </a:prstGeom>
+          <a:solidFill>
+            <a:schemeClr val="tx1"/>
+          </a:solidFill>
+          <a:ln>
+            <a:solidFill>
+              <a:schemeClr val="tx1"/>
+            </a:solidFill>
+          </a:ln>
+        </p:spPr>
+        <p:style>
+          <a:lnRef idx="2">
+            <a:schemeClr val="accent1">
+              <a:shade val="50000"/>
+            </a:schemeClr>
+          </a:lnRef>
+          <a:fillRef idx="1">
+            <a:schemeClr val="accent1"/>
+          </a:fillRef>
+          <a:effectRef idx="0">
+            <a:schemeClr val="accent1"/>
+          </a:effectRef>
+          <a:fontRef idx="minor">
+            <a:schemeClr val="lt1"/>
+          </a:fontRef>
+        </p:style>
+        <p:txBody>
+          <a:bodyPr rtlCol="0" anchor="ctr"/>
+          <a:lstStyle/>
+          <a:p>
+            <a:pPr algn="ctr"/>
+            <a:endParaRPr lang="ko-KR" altLang="en-US">
+              <a:solidFill>
+                <a:schemeClr val="tx1"/>
+              </a:solidFill>
+            </a:endParaRPr>
+          </a:p>
+        </p:txBody>
+      </p:sp>
+      <p:cxnSp>
+        <p:nvCxnSpPr>
+          <p:cNvPr id="51" name="직선 화살표 연결선 50"/>
+          <p:cNvCxnSpPr/>
+          <p:nvPr/>
+        </p:nvCxnSpPr>
+        <p:spPr>
+          <a:xfrm flipH="1">
+            <a:off x="4907665" y="5376667"/>
+            <a:ext cx="633451" cy="0"/>
+          </a:xfrm>
+          <a:prstGeom prst="straightConnector1">
+            <a:avLst/>
+          </a:prstGeom>
+          <a:ln w="28575">
+            <a:solidFill>
+              <a:schemeClr val="tx1"/>
+            </a:solidFill>
+            <a:headEnd w="lg" len="lg"/>
+            <a:tailEnd type="triangle" w="lg" len="lg"/>
+          </a:ln>
+        </p:spPr>
+        <p:style>
+          <a:lnRef idx="1">
+            <a:schemeClr val="accent1"/>
+          </a:lnRef>
+          <a:fillRef idx="0">
+            <a:schemeClr val="accent1"/>
+          </a:fillRef>
+          <a:effectRef idx="0">
+            <a:schemeClr val="accent1"/>
+          </a:effectRef>
+          <a:fontRef idx="minor">
+            <a:schemeClr val="tx1"/>
+          </a:fontRef>
+        </p:style>
+      </p:cxnSp>
+      <p:cxnSp>
+        <p:nvCxnSpPr>
+          <p:cNvPr id="52" name="직선 화살표 연결선 51"/>
+          <p:cNvCxnSpPr/>
+          <p:nvPr/>
+        </p:nvCxnSpPr>
+        <p:spPr>
+          <a:xfrm>
+            <a:off x="5334702" y="5080086"/>
+            <a:ext cx="9799" cy="688322"/>
+          </a:xfrm>
+          <a:prstGeom prst="straightConnector1">
+            <a:avLst/>
+          </a:prstGeom>
+          <a:ln w="28575">
+            <a:solidFill>
+              <a:schemeClr val="tx1"/>
+            </a:solidFill>
+            <a:headEnd w="lg" len="lg"/>
+            <a:tailEnd type="triangle" w="lg" len="lg"/>
+          </a:ln>
+        </p:spPr>
+        <p:style>
+          <a:lnRef idx="1">
+            <a:schemeClr val="accent1"/>
+          </a:lnRef>
+          <a:fillRef idx="0">
+            <a:schemeClr val="accent1"/>
+          </a:fillRef>
+          <a:effectRef idx="0">
+            <a:schemeClr val="accent1"/>
+          </a:effectRef>
+          <a:fontRef idx="minor">
+            <a:schemeClr val="tx1"/>
+          </a:fontRef>
+        </p:style>
+      </p:cxnSp>
+      <p:sp>
+        <p:nvSpPr>
+          <p:cNvPr id="53" name="왼쪽으로 구부러진 화살표 52"/>
+          <p:cNvSpPr/>
+          <p:nvPr/>
+        </p:nvSpPr>
+        <p:spPr>
+          <a:xfrm rot="10800000">
+            <a:off x="4369529" y="5106092"/>
+            <a:ext cx="380670" cy="505159"/>
+          </a:xfrm>
+          <a:prstGeom prst="curvedLeftArrow">
+            <a:avLst>
+              <a:gd name="adj1" fmla="val 12111"/>
+              <a:gd name="adj2" fmla="val 50000"/>
+              <a:gd name="adj3" fmla="val 25000"/>
+            </a:avLst>
+          </a:prstGeom>
+          <a:solidFill>
+            <a:schemeClr val="tx1"/>
+          </a:solidFill>
+          <a:ln>
+            <a:solidFill>
+              <a:schemeClr val="tx1"/>
+            </a:solidFill>
+          </a:ln>
+        </p:spPr>
+        <p:style>
+          <a:lnRef idx="2">
+            <a:schemeClr val="accent1">
+              <a:shade val="50000"/>
+            </a:schemeClr>
+          </a:lnRef>
+          <a:fillRef idx="1">
+            <a:schemeClr val="accent1"/>
+          </a:fillRef>
+          <a:effectRef idx="0">
+            <a:schemeClr val="accent1"/>
+          </a:effectRef>
+          <a:fontRef idx="minor">
+            <a:schemeClr val="lt1"/>
+          </a:fontRef>
+        </p:style>
+        <p:txBody>
+          <a:bodyPr rtlCol="0" anchor="ctr"/>
+          <a:lstStyle/>
+          <a:p>
+            <a:pPr algn="ctr"/>
+            <a:endParaRPr lang="ko-KR" altLang="en-US">
+              <a:solidFill>
+                <a:schemeClr val="tx1"/>
+              </a:solidFill>
+            </a:endParaRPr>
+          </a:p>
+        </p:txBody>
+      </p:sp>
+      <mc:AlternateContent xmlns:mc="http://schemas.openxmlformats.org/markup-compatibility/2006">
+        <mc:Choice xmlns:a14="http://schemas.microsoft.com/office/drawing/2010/main" Requires="a14">
+          <p:sp>
+            <p:nvSpPr>
+              <p:cNvPr id="54" name="TextBox 53"/>
+              <p:cNvSpPr txBox="1"/>
+              <p:nvPr/>
+            </p:nvSpPr>
+            <p:spPr>
+              <a:xfrm>
+                <a:off x="5832179" y="3341124"/>
+                <a:ext cx="323229" cy="276999"/>
+              </a:xfrm>
+              <a:prstGeom prst="rect">
+                <a:avLst/>
+              </a:prstGeom>
+              <a:noFill/>
+            </p:spPr>
+            <p:txBody>
+              <a:bodyPr wrap="none" lIns="0" tIns="0" rIns="0" bIns="0" rtlCol="0">
+                <a:spAutoFit/>
+              </a:bodyPr>
+              <a:lstStyle/>
+              <a:p>
+                <a:pPr/>
+                <a14:m>
+                  <m:oMathPara xmlns:m="http://schemas.openxmlformats.org/officeDocument/2006/math">
+                    <m:oMathParaPr>
+                      <m:jc m:val="centerGroup"/>
+                    </m:oMathParaPr>
+                    <m:oMath xmlns:m="http://schemas.openxmlformats.org/officeDocument/2006/math">
+                      <m:sSub>
+                        <m:sSubPr>
+                          <m:ctrlPr>
+                            <a:rPr lang="en-US" altLang="ko-KR" b="0" i="1" smtClean="0">
+                              <a:latin typeface="Cambria Math" panose="02040503050406030204" pitchFamily="18" charset="0"/>
+                            </a:rPr>
+                          </m:ctrlPr>
+                        </m:sSubPr>
+                        <m:e>
+                          <m:r>
+                            <a:rPr lang="en-US" altLang="ko-KR" b="0" i="1" smtClean="0">
+                              <a:latin typeface="Cambria Math" panose="02040503050406030204" pitchFamily="18" charset="0"/>
+                            </a:rPr>
+                            <m:t>𝑉</m:t>
+                          </m:r>
+                        </m:e>
+                        <m:sub>
+                          <m:r>
+                            <a:rPr lang="en-US" altLang="ko-KR" b="0" i="1" smtClean="0">
+                              <a:latin typeface="Cambria Math" panose="02040503050406030204" pitchFamily="18" charset="0"/>
+                            </a:rPr>
+                            <m:t>𝐵</m:t>
+                          </m:r>
+                        </m:sub>
+                      </m:sSub>
+                    </m:oMath>
+                  </m:oMathPara>
+                </a14:m>
+                <a:endParaRPr lang="ko-KR" altLang="en-US" dirty="0"/>
+              </a:p>
+            </p:txBody>
+          </p:sp>
+        </mc:Choice>
+        <mc:Fallback>
+          <p:sp>
+            <p:nvSpPr>
+              <p:cNvPr id="54" name="TextBox 53"/>
+              <p:cNvSpPr txBox="1">
+                <a:spLocks noRot="1" noChangeAspect="1" noMove="1" noResize="1" noEditPoints="1" noAdjustHandles="1" noChangeArrowheads="1" noChangeShapeType="1" noTextEdit="1"/>
+              </p:cNvSpPr>
+              <p:nvPr/>
+            </p:nvSpPr>
+            <p:spPr>
+              <a:xfrm>
+                <a:off x="5832179" y="3341124"/>
+                <a:ext cx="323229" cy="276999"/>
+              </a:xfrm>
+              <a:prstGeom prst="rect">
+                <a:avLst/>
+              </a:prstGeom>
+              <a:blipFill rotWithShape="0">
+                <a:blip r:embed="rId3"/>
+                <a:stretch>
+                  <a:fillRect l="-13208" r="-1887" b="-19565"/>
+                </a:stretch>
+              </a:blipFill>
+            </p:spPr>
+            <p:txBody>
+              <a:bodyPr/>
+              <a:lstStyle/>
+              <a:p>
+                <a:r>
+                  <a:rPr lang="ko-KR" altLang="en-US">
+                    <a:noFill/>
+                  </a:rPr>
+                  <a:t> </a:t>
+                </a:r>
+              </a:p>
+            </p:txBody>
+          </p:sp>
+        </mc:Fallback>
+      </mc:AlternateContent>
+      <mc:AlternateContent xmlns:mc="http://schemas.openxmlformats.org/markup-compatibility/2006">
+        <mc:Choice xmlns:a14="http://schemas.microsoft.com/office/drawing/2010/main" Requires="a14">
+          <p:sp>
+            <p:nvSpPr>
+              <p:cNvPr id="55" name="TextBox 54"/>
+              <p:cNvSpPr txBox="1"/>
+              <p:nvPr/>
+            </p:nvSpPr>
+            <p:spPr>
+              <a:xfrm>
+                <a:off x="5910879" y="4097180"/>
+                <a:ext cx="358752" cy="276999"/>
+              </a:xfrm>
+              <a:prstGeom prst="rect">
+                <a:avLst/>
+              </a:prstGeom>
+              <a:noFill/>
+            </p:spPr>
+            <p:txBody>
+              <a:bodyPr wrap="none" lIns="0" tIns="0" rIns="0" bIns="0" rtlCol="0">
+                <a:spAutoFit/>
+              </a:bodyPr>
+              <a:lstStyle/>
+              <a:p>
+                <a:pPr/>
+                <a14:m>
+                  <m:oMathPara xmlns:m="http://schemas.openxmlformats.org/officeDocument/2006/math">
+                    <m:oMathParaPr>
+                      <m:jc m:val="centerGroup"/>
+                    </m:oMathParaPr>
+                    <m:oMath xmlns:m="http://schemas.openxmlformats.org/officeDocument/2006/math">
+                      <m:sSub>
+                        <m:sSubPr>
+                          <m:ctrlPr>
+                            <a:rPr lang="en-US" altLang="ko-KR" b="0" i="1" smtClean="0">
+                              <a:latin typeface="Cambria Math" panose="02040503050406030204" pitchFamily="18" charset="0"/>
+                            </a:rPr>
+                          </m:ctrlPr>
+                        </m:sSubPr>
+                        <m:e>
+                          <m:r>
+                            <a:rPr lang="en-US" altLang="ko-KR" b="0" i="1" smtClean="0">
+                              <a:latin typeface="Cambria Math" panose="02040503050406030204" pitchFamily="18" charset="0"/>
+                            </a:rPr>
+                            <m:t>𝑁</m:t>
+                          </m:r>
+                        </m:e>
+                        <m:sub>
+                          <m:r>
+                            <a:rPr lang="en-US" altLang="ko-KR" b="0" i="1" smtClean="0">
+                              <a:latin typeface="Cambria Math" panose="02040503050406030204" pitchFamily="18" charset="0"/>
+                            </a:rPr>
+                            <m:t>𝐵</m:t>
+                          </m:r>
+                        </m:sub>
+                      </m:sSub>
+                    </m:oMath>
+                  </m:oMathPara>
+                </a14:m>
+                <a:endParaRPr lang="ko-KR" altLang="en-US" dirty="0"/>
+              </a:p>
+            </p:txBody>
+          </p:sp>
+        </mc:Choice>
+        <mc:Fallback>
+          <p:sp>
+            <p:nvSpPr>
+              <p:cNvPr id="55" name="TextBox 54"/>
+              <p:cNvSpPr txBox="1">
+                <a:spLocks noRot="1" noChangeAspect="1" noMove="1" noResize="1" noEditPoints="1" noAdjustHandles="1" noChangeArrowheads="1" noChangeShapeType="1" noTextEdit="1"/>
+              </p:cNvSpPr>
+              <p:nvPr/>
+            </p:nvSpPr>
+            <p:spPr>
+              <a:xfrm>
+                <a:off x="5910879" y="4097180"/>
+                <a:ext cx="358752" cy="276999"/>
+              </a:xfrm>
+              <a:prstGeom prst="rect">
+                <a:avLst/>
+              </a:prstGeom>
+              <a:blipFill rotWithShape="0">
+                <a:blip r:embed="rId4"/>
+                <a:stretch>
+                  <a:fillRect l="-12069" r="-3448" b="-19565"/>
+                </a:stretch>
+              </a:blipFill>
+            </p:spPr>
+            <p:txBody>
+              <a:bodyPr/>
+              <a:lstStyle/>
+              <a:p>
+                <a:r>
+                  <a:rPr lang="ko-KR" altLang="en-US">
+                    <a:noFill/>
+                  </a:rPr>
+                  <a:t> </a:t>
+                </a:r>
+              </a:p>
+            </p:txBody>
+          </p:sp>
+        </mc:Fallback>
+      </mc:AlternateContent>
+      <mc:AlternateContent xmlns:mc="http://schemas.openxmlformats.org/markup-compatibility/2006">
+        <mc:Choice xmlns:a14="http://schemas.microsoft.com/office/drawing/2010/main" Requires="a14">
+          <p:sp>
+            <p:nvSpPr>
+              <p:cNvPr id="56" name="TextBox 55"/>
+              <p:cNvSpPr txBox="1"/>
+              <p:nvPr/>
+            </p:nvSpPr>
+            <p:spPr>
+              <a:xfrm>
+                <a:off x="6939343" y="3868217"/>
+                <a:ext cx="393248" cy="276999"/>
+              </a:xfrm>
+              <a:prstGeom prst="rect">
+                <a:avLst/>
+              </a:prstGeom>
+              <a:noFill/>
+            </p:spPr>
+            <p:txBody>
+              <a:bodyPr wrap="none" lIns="0" tIns="0" rIns="0" bIns="0" rtlCol="0">
+                <a:spAutoFit/>
+              </a:bodyPr>
+              <a:lstStyle/>
+              <a:p>
+                <a:pPr/>
+                <a14:m>
+                  <m:oMathPara xmlns:m="http://schemas.openxmlformats.org/officeDocument/2006/math">
+                    <m:oMathParaPr>
+                      <m:jc m:val="centerGroup"/>
+                    </m:oMathParaPr>
+                    <m:oMath xmlns:m="http://schemas.openxmlformats.org/officeDocument/2006/math">
+                      <m:sSub>
+                        <m:sSubPr>
+                          <m:ctrlPr>
+                            <a:rPr lang="en-US" altLang="ko-KR" b="0" i="1" smtClean="0">
+                              <a:latin typeface="Cambria Math" panose="02040503050406030204" pitchFamily="18" charset="0"/>
+                            </a:rPr>
+                          </m:ctrlPr>
+                        </m:sSubPr>
+                        <m:e>
+                          <m:r>
+                            <a:rPr lang="en-US" altLang="ko-KR" b="0" i="1" smtClean="0">
+                              <a:latin typeface="Cambria Math" panose="02040503050406030204" pitchFamily="18" charset="0"/>
+                            </a:rPr>
+                            <m:t>𝑀</m:t>
+                          </m:r>
+                        </m:e>
+                        <m:sub>
+                          <m:r>
+                            <a:rPr lang="en-US" altLang="ko-KR" b="0" i="1" smtClean="0">
+                              <a:latin typeface="Cambria Math" panose="02040503050406030204" pitchFamily="18" charset="0"/>
+                            </a:rPr>
+                            <m:t>𝐵</m:t>
+                          </m:r>
+                        </m:sub>
+                      </m:sSub>
+                    </m:oMath>
+                  </m:oMathPara>
+                </a14:m>
+                <a:endParaRPr lang="ko-KR" altLang="en-US" dirty="0"/>
+              </a:p>
+            </p:txBody>
+          </p:sp>
+        </mc:Choice>
+        <mc:Fallback>
+          <p:sp>
+            <p:nvSpPr>
+              <p:cNvPr id="56" name="TextBox 55"/>
+              <p:cNvSpPr txBox="1">
+                <a:spLocks noRot="1" noChangeAspect="1" noMove="1" noResize="1" noEditPoints="1" noAdjustHandles="1" noChangeArrowheads="1" noChangeShapeType="1" noTextEdit="1"/>
+              </p:cNvSpPr>
+              <p:nvPr/>
+            </p:nvSpPr>
+            <p:spPr>
+              <a:xfrm>
+                <a:off x="6939343" y="3868217"/>
+                <a:ext cx="393248" cy="276999"/>
+              </a:xfrm>
+              <a:prstGeom prst="rect">
+                <a:avLst/>
+              </a:prstGeom>
+              <a:blipFill rotWithShape="0">
+                <a:blip r:embed="rId5"/>
+                <a:stretch>
+                  <a:fillRect l="-9231" r="-1538" b="-20000"/>
+                </a:stretch>
+              </a:blipFill>
+            </p:spPr>
+            <p:txBody>
+              <a:bodyPr/>
+              <a:lstStyle/>
+              <a:p>
+                <a:r>
+                  <a:rPr lang="ko-KR" altLang="en-US">
+                    <a:noFill/>
+                  </a:rPr>
+                  <a:t> </a:t>
+                </a:r>
+              </a:p>
+            </p:txBody>
+          </p:sp>
+        </mc:Fallback>
+      </mc:AlternateContent>
+      <mc:AlternateContent xmlns:mc="http://schemas.openxmlformats.org/markup-compatibility/2006">
+        <mc:Choice xmlns:a14="http://schemas.microsoft.com/office/drawing/2010/main" Requires="a14">
+          <p:sp>
+            <p:nvSpPr>
+              <p:cNvPr id="57" name="TextBox 56"/>
+              <p:cNvSpPr txBox="1"/>
+              <p:nvPr/>
+            </p:nvSpPr>
+            <p:spPr>
+              <a:xfrm>
+                <a:off x="5403994" y="5619969"/>
+                <a:ext cx="323229" cy="276999"/>
+              </a:xfrm>
+              <a:prstGeom prst="rect">
+                <a:avLst/>
+              </a:prstGeom>
+              <a:noFill/>
+            </p:spPr>
+            <p:txBody>
+              <a:bodyPr wrap="none" lIns="0" tIns="0" rIns="0" bIns="0" rtlCol="0">
+                <a:spAutoFit/>
+              </a:bodyPr>
+              <a:lstStyle/>
+              <a:p>
+                <a:pPr/>
+                <a14:m>
+                  <m:oMathPara xmlns:m="http://schemas.openxmlformats.org/officeDocument/2006/math">
+                    <m:oMathParaPr>
+                      <m:jc m:val="centerGroup"/>
+                    </m:oMathParaPr>
+                    <m:oMath xmlns:m="http://schemas.openxmlformats.org/officeDocument/2006/math">
+                      <m:sSub>
+                        <m:sSubPr>
+                          <m:ctrlPr>
+                            <a:rPr lang="en-US" altLang="ko-KR" b="0" i="1" smtClean="0">
+                              <a:latin typeface="Cambria Math" panose="02040503050406030204" pitchFamily="18" charset="0"/>
+                            </a:rPr>
+                          </m:ctrlPr>
+                        </m:sSubPr>
+                        <m:e>
+                          <m:r>
+                            <a:rPr lang="en-US" altLang="ko-KR" b="0" i="1" smtClean="0">
+                              <a:latin typeface="Cambria Math" panose="02040503050406030204" pitchFamily="18" charset="0"/>
+                            </a:rPr>
+                            <m:t>𝑉</m:t>
+                          </m:r>
+                        </m:e>
+                        <m:sub>
+                          <m:r>
+                            <a:rPr lang="en-US" altLang="ko-KR" b="0" i="1" smtClean="0">
+                              <a:latin typeface="Cambria Math" panose="02040503050406030204" pitchFamily="18" charset="0"/>
+                            </a:rPr>
+                            <m:t>𝐵</m:t>
+                          </m:r>
+                        </m:sub>
+                      </m:sSub>
+                    </m:oMath>
+                  </m:oMathPara>
+                </a14:m>
+                <a:endParaRPr lang="ko-KR" altLang="en-US" dirty="0"/>
+              </a:p>
+            </p:txBody>
+          </p:sp>
+        </mc:Choice>
+        <mc:Fallback>
+          <p:sp>
+            <p:nvSpPr>
+              <p:cNvPr id="57" name="TextBox 56"/>
+              <p:cNvSpPr txBox="1">
+                <a:spLocks noRot="1" noChangeAspect="1" noMove="1" noResize="1" noEditPoints="1" noAdjustHandles="1" noChangeArrowheads="1" noChangeShapeType="1" noTextEdit="1"/>
+              </p:cNvSpPr>
+              <p:nvPr/>
+            </p:nvSpPr>
+            <p:spPr>
+              <a:xfrm>
+                <a:off x="5403994" y="5619969"/>
+                <a:ext cx="323229" cy="276999"/>
+              </a:xfrm>
+              <a:prstGeom prst="rect">
+                <a:avLst/>
+              </a:prstGeom>
+              <a:blipFill rotWithShape="0">
+                <a:blip r:embed="rId6"/>
+                <a:stretch>
+                  <a:fillRect l="-11111" r="-1852" b="-20000"/>
+                </a:stretch>
+              </a:blipFill>
+            </p:spPr>
+            <p:txBody>
+              <a:bodyPr/>
+              <a:lstStyle/>
+              <a:p>
+                <a:r>
+                  <a:rPr lang="ko-KR" altLang="en-US">
+                    <a:noFill/>
+                  </a:rPr>
+                  <a:t> </a:t>
+                </a:r>
+              </a:p>
+            </p:txBody>
+          </p:sp>
+        </mc:Fallback>
+      </mc:AlternateContent>
+      <mc:AlternateContent xmlns:mc="http://schemas.openxmlformats.org/markup-compatibility/2006">
+        <mc:Choice xmlns:a14="http://schemas.microsoft.com/office/drawing/2010/main" Requires="a14">
+          <p:sp>
+            <p:nvSpPr>
+              <p:cNvPr id="58" name="TextBox 57"/>
+              <p:cNvSpPr txBox="1"/>
+              <p:nvPr/>
+            </p:nvSpPr>
+            <p:spPr>
+              <a:xfrm>
+                <a:off x="4865748" y="5025291"/>
+                <a:ext cx="358752" cy="276999"/>
+              </a:xfrm>
+              <a:prstGeom prst="rect">
+                <a:avLst/>
+              </a:prstGeom>
+              <a:noFill/>
+            </p:spPr>
+            <p:txBody>
+              <a:bodyPr wrap="none" lIns="0" tIns="0" rIns="0" bIns="0" rtlCol="0">
+                <a:spAutoFit/>
+              </a:bodyPr>
+              <a:lstStyle/>
+              <a:p>
+                <a:pPr/>
+                <a14:m>
+                  <m:oMathPara xmlns:m="http://schemas.openxmlformats.org/officeDocument/2006/math">
+                    <m:oMathParaPr>
+                      <m:jc m:val="centerGroup"/>
+                    </m:oMathParaPr>
+                    <m:oMath xmlns:m="http://schemas.openxmlformats.org/officeDocument/2006/math">
+                      <m:sSub>
+                        <m:sSubPr>
+                          <m:ctrlPr>
+                            <a:rPr lang="en-US" altLang="ko-KR" b="0" i="1" smtClean="0">
+                              <a:latin typeface="Cambria Math" panose="02040503050406030204" pitchFamily="18" charset="0"/>
+                            </a:rPr>
+                          </m:ctrlPr>
+                        </m:sSubPr>
+                        <m:e>
+                          <m:r>
+                            <a:rPr lang="en-US" altLang="ko-KR" b="0" i="1" smtClean="0">
+                              <a:latin typeface="Cambria Math" panose="02040503050406030204" pitchFamily="18" charset="0"/>
+                            </a:rPr>
+                            <m:t>𝑁</m:t>
+                          </m:r>
+                        </m:e>
+                        <m:sub>
+                          <m:r>
+                            <a:rPr lang="en-US" altLang="ko-KR" b="0" i="1" smtClean="0">
+                              <a:latin typeface="Cambria Math" panose="02040503050406030204" pitchFamily="18" charset="0"/>
+                            </a:rPr>
+                            <m:t>𝐵</m:t>
+                          </m:r>
+                        </m:sub>
+                      </m:sSub>
+                    </m:oMath>
+                  </m:oMathPara>
+                </a14:m>
+                <a:endParaRPr lang="ko-KR" altLang="en-US" dirty="0"/>
+              </a:p>
+            </p:txBody>
+          </p:sp>
+        </mc:Choice>
+        <mc:Fallback>
+          <p:sp>
+            <p:nvSpPr>
+              <p:cNvPr id="58" name="TextBox 57"/>
+              <p:cNvSpPr txBox="1">
+                <a:spLocks noRot="1" noChangeAspect="1" noMove="1" noResize="1" noEditPoints="1" noAdjustHandles="1" noChangeArrowheads="1" noChangeShapeType="1" noTextEdit="1"/>
+              </p:cNvSpPr>
+              <p:nvPr/>
+            </p:nvSpPr>
+            <p:spPr>
+              <a:xfrm>
+                <a:off x="4865748" y="5025291"/>
+                <a:ext cx="358752" cy="276999"/>
+              </a:xfrm>
+              <a:prstGeom prst="rect">
+                <a:avLst/>
+              </a:prstGeom>
+              <a:blipFill rotWithShape="0">
+                <a:blip r:embed="rId7"/>
+                <a:stretch>
+                  <a:fillRect l="-10169" r="-3390" b="-19565"/>
+                </a:stretch>
+              </a:blipFill>
+            </p:spPr>
+            <p:txBody>
+              <a:bodyPr/>
+              <a:lstStyle/>
+              <a:p>
+                <a:r>
+                  <a:rPr lang="ko-KR" altLang="en-US">
+                    <a:noFill/>
+                  </a:rPr>
+                  <a:t> </a:t>
+                </a:r>
+              </a:p>
+            </p:txBody>
+          </p:sp>
+        </mc:Fallback>
+      </mc:AlternateContent>
+      <mc:AlternateContent xmlns:mc="http://schemas.openxmlformats.org/markup-compatibility/2006">
+        <mc:Choice xmlns:a14="http://schemas.microsoft.com/office/drawing/2010/main" Requires="a14">
+          <p:sp>
+            <p:nvSpPr>
+              <p:cNvPr id="59" name="TextBox 58"/>
+              <p:cNvSpPr txBox="1"/>
+              <p:nvPr/>
+            </p:nvSpPr>
+            <p:spPr>
+              <a:xfrm>
+                <a:off x="3918506" y="5199803"/>
+                <a:ext cx="393248" cy="276999"/>
+              </a:xfrm>
+              <a:prstGeom prst="rect">
+                <a:avLst/>
+              </a:prstGeom>
+              <a:noFill/>
+            </p:spPr>
+            <p:txBody>
+              <a:bodyPr wrap="none" lIns="0" tIns="0" rIns="0" bIns="0" rtlCol="0">
+                <a:spAutoFit/>
+              </a:bodyPr>
+              <a:lstStyle/>
+              <a:p>
+                <a:pPr/>
+                <a14:m>
+                  <m:oMathPara xmlns:m="http://schemas.openxmlformats.org/officeDocument/2006/math">
+                    <m:oMathParaPr>
+                      <m:jc m:val="centerGroup"/>
+                    </m:oMathParaPr>
+                    <m:oMath xmlns:m="http://schemas.openxmlformats.org/officeDocument/2006/math">
+                      <m:sSub>
+                        <m:sSubPr>
+                          <m:ctrlPr>
+                            <a:rPr lang="en-US" altLang="ko-KR" b="0" i="1" smtClean="0">
+                              <a:latin typeface="Cambria Math" panose="02040503050406030204" pitchFamily="18" charset="0"/>
+                            </a:rPr>
+                          </m:ctrlPr>
+                        </m:sSubPr>
+                        <m:e>
+                          <m:r>
+                            <a:rPr lang="en-US" altLang="ko-KR" b="0" i="1" smtClean="0">
+                              <a:latin typeface="Cambria Math" panose="02040503050406030204" pitchFamily="18" charset="0"/>
+                            </a:rPr>
+                            <m:t>𝑀</m:t>
+                          </m:r>
+                        </m:e>
+                        <m:sub>
+                          <m:r>
+                            <a:rPr lang="en-US" altLang="ko-KR" b="0" i="1" smtClean="0">
+                              <a:latin typeface="Cambria Math" panose="02040503050406030204" pitchFamily="18" charset="0"/>
+                            </a:rPr>
+                            <m:t>𝐵</m:t>
+                          </m:r>
+                        </m:sub>
+                      </m:sSub>
+                    </m:oMath>
+                  </m:oMathPara>
+                </a14:m>
+                <a:endParaRPr lang="ko-KR" altLang="en-US" dirty="0"/>
+              </a:p>
+            </p:txBody>
+          </p:sp>
+        </mc:Choice>
+        <mc:Fallback>
+          <p:sp>
+            <p:nvSpPr>
+              <p:cNvPr id="59" name="TextBox 58"/>
+              <p:cNvSpPr txBox="1">
+                <a:spLocks noRot="1" noChangeAspect="1" noMove="1" noResize="1" noEditPoints="1" noAdjustHandles="1" noChangeArrowheads="1" noChangeShapeType="1" noTextEdit="1"/>
+              </p:cNvSpPr>
+              <p:nvPr/>
+            </p:nvSpPr>
+            <p:spPr>
+              <a:xfrm>
+                <a:off x="3918506" y="5199803"/>
+                <a:ext cx="393248" cy="276999"/>
+              </a:xfrm>
+              <a:prstGeom prst="rect">
+                <a:avLst/>
+              </a:prstGeom>
+              <a:blipFill rotWithShape="0">
+                <a:blip r:embed="rId8"/>
+                <a:stretch>
+                  <a:fillRect l="-10938" r="-1563" b="-20000"/>
+                </a:stretch>
+              </a:blipFill>
+            </p:spPr>
+            <p:txBody>
+              <a:bodyPr/>
+              <a:lstStyle/>
+              <a:p>
+                <a:r>
+                  <a:rPr lang="ko-KR" altLang="en-US">
+                    <a:noFill/>
+                  </a:rPr>
+                  <a:t> </a:t>
+                </a:r>
+              </a:p>
+            </p:txBody>
+          </p:sp>
+        </mc:Fallback>
+      </mc:AlternateContent>
+      <p:cxnSp>
+        <p:nvCxnSpPr>
+          <p:cNvPr id="60" name="직선 화살표 연결선 59"/>
+          <p:cNvCxnSpPr/>
+          <p:nvPr/>
+        </p:nvCxnSpPr>
+        <p:spPr>
+          <a:xfrm>
+            <a:off x="8095600" y="4434168"/>
+            <a:ext cx="0" cy="671924"/>
+          </a:xfrm>
+          <a:prstGeom prst="straightConnector1">
+            <a:avLst/>
+          </a:prstGeom>
+          <a:ln w="28575">
+            <a:solidFill>
+              <a:schemeClr val="tx1"/>
+            </a:solidFill>
+            <a:headEnd w="lg" len="lg"/>
+            <a:tailEnd type="triangle" w="lg" len="lg"/>
+          </a:ln>
+        </p:spPr>
+        <p:style>
+          <a:lnRef idx="1">
+            <a:schemeClr val="accent1"/>
+          </a:lnRef>
+          <a:fillRef idx="0">
+            <a:schemeClr val="accent1"/>
+          </a:fillRef>
+          <a:effectRef idx="0">
+            <a:schemeClr val="accent1"/>
+          </a:effectRef>
+          <a:fontRef idx="minor">
+            <a:schemeClr val="tx1"/>
+          </a:fontRef>
+        </p:style>
+      </p:cxnSp>
+      <mc:AlternateContent xmlns:mc="http://schemas.openxmlformats.org/markup-compatibility/2006">
+        <mc:Choice xmlns:a14="http://schemas.microsoft.com/office/drawing/2010/main" Requires="a14">
+          <p:sp>
+            <p:nvSpPr>
+              <p:cNvPr id="61" name="TextBox 60"/>
+              <p:cNvSpPr txBox="1"/>
+              <p:nvPr/>
+            </p:nvSpPr>
+            <p:spPr>
+              <a:xfrm>
+                <a:off x="7963611" y="4017580"/>
+                <a:ext cx="215123" cy="276999"/>
+              </a:xfrm>
+              <a:prstGeom prst="rect">
+                <a:avLst/>
+              </a:prstGeom>
+              <a:noFill/>
+            </p:spPr>
+            <p:txBody>
+              <a:bodyPr wrap="none" lIns="0" tIns="0" rIns="0" bIns="0" rtlCol="0">
+                <a:spAutoFit/>
+              </a:bodyPr>
+              <a:lstStyle/>
+              <a:p>
+                <a:pPr/>
+                <a14:m>
+                  <m:oMathPara xmlns:m="http://schemas.openxmlformats.org/officeDocument/2006/math">
+                    <m:oMathParaPr>
+                      <m:jc m:val="centerGroup"/>
+                    </m:oMathParaPr>
+                    <m:oMath xmlns:m="http://schemas.openxmlformats.org/officeDocument/2006/math">
+                      <m:r>
+                        <a:rPr lang="en-US" altLang="ko-KR" b="0" i="1" smtClean="0">
+                          <a:latin typeface="Cambria Math" panose="02040503050406030204" pitchFamily="18" charset="0"/>
+                        </a:rPr>
+                        <m:t>𝑓</m:t>
+                      </m:r>
+                    </m:oMath>
+                  </m:oMathPara>
+                </a14:m>
+                <a:endParaRPr lang="ko-KR" altLang="en-US" dirty="0"/>
+              </a:p>
+            </p:txBody>
+          </p:sp>
+        </mc:Choice>
+        <mc:Fallback>
+          <p:sp>
+            <p:nvSpPr>
+              <p:cNvPr id="61" name="TextBox 60"/>
+              <p:cNvSpPr txBox="1">
+                <a:spLocks noRot="1" noChangeAspect="1" noMove="1" noResize="1" noEditPoints="1" noAdjustHandles="1" noChangeArrowheads="1" noChangeShapeType="1" noTextEdit="1"/>
+              </p:cNvSpPr>
+              <p:nvPr/>
+            </p:nvSpPr>
+            <p:spPr>
+              <a:xfrm>
+                <a:off x="7963611" y="4017580"/>
+                <a:ext cx="215123" cy="276999"/>
+              </a:xfrm>
+              <a:prstGeom prst="rect">
+                <a:avLst/>
+              </a:prstGeom>
+              <a:blipFill rotWithShape="0">
+                <a:blip r:embed="rId9"/>
+                <a:stretch>
+                  <a:fillRect l="-30556" r="-27778" b="-40000"/>
+                </a:stretch>
+              </a:blipFill>
+            </p:spPr>
+            <p:txBody>
+              <a:bodyPr/>
+              <a:lstStyle/>
+              <a:p>
+                <a:r>
+                  <a:rPr lang="ko-KR" altLang="en-US">
+                    <a:noFill/>
+                  </a:rPr>
+                  <a:t> </a:t>
+                </a:r>
+              </a:p>
+            </p:txBody>
+          </p:sp>
+        </mc:Fallback>
+      </mc:AlternateContent>
+      <mc:AlternateContent xmlns:mc="http://schemas.openxmlformats.org/markup-compatibility/2006">
+        <mc:Choice xmlns:a14="http://schemas.microsoft.com/office/drawing/2010/main" Requires="a14">
+          <p:sp>
+            <p:nvSpPr>
+              <p:cNvPr id="62" name="TextBox 61"/>
+              <p:cNvSpPr txBox="1"/>
+              <p:nvPr/>
+            </p:nvSpPr>
+            <p:spPr>
+              <a:xfrm>
+                <a:off x="2948038" y="1144763"/>
+                <a:ext cx="229871" cy="276999"/>
+              </a:xfrm>
+              <a:prstGeom prst="rect">
+                <a:avLst/>
+              </a:prstGeom>
+              <a:noFill/>
+            </p:spPr>
+            <p:txBody>
+              <a:bodyPr wrap="none" lIns="0" tIns="0" rIns="0" bIns="0" rtlCol="0">
+                <a:spAutoFit/>
+              </a:bodyPr>
+              <a:lstStyle/>
+              <a:p>
+                <a:pPr/>
+                <a14:m>
+                  <m:oMathPara xmlns:m="http://schemas.openxmlformats.org/officeDocument/2006/math">
+                    <m:oMathParaPr>
+                      <m:jc m:val="centerGroup"/>
+                    </m:oMathParaPr>
+                    <m:oMath xmlns:m="http://schemas.openxmlformats.org/officeDocument/2006/math">
+                      <m:r>
+                        <a:rPr lang="en-US" altLang="ko-KR" b="0" i="1" smtClean="0">
+                          <a:latin typeface="Cambria Math" panose="02040503050406030204" pitchFamily="18" charset="0"/>
+                        </a:rPr>
+                        <m:t>𝐴</m:t>
+                      </m:r>
+                    </m:oMath>
+                  </m:oMathPara>
+                </a14:m>
+                <a:endParaRPr lang="ko-KR" altLang="en-US" dirty="0"/>
+              </a:p>
+            </p:txBody>
+          </p:sp>
+        </mc:Choice>
+        <mc:Fallback>
+          <p:sp>
+            <p:nvSpPr>
+              <p:cNvPr id="62" name="TextBox 61"/>
+              <p:cNvSpPr txBox="1">
+                <a:spLocks noRot="1" noChangeAspect="1" noMove="1" noResize="1" noEditPoints="1" noAdjustHandles="1" noChangeArrowheads="1" noChangeShapeType="1" noTextEdit="1"/>
+              </p:cNvSpPr>
+              <p:nvPr/>
+            </p:nvSpPr>
+            <p:spPr>
+              <a:xfrm>
+                <a:off x="2948038" y="1144763"/>
+                <a:ext cx="229871" cy="276999"/>
+              </a:xfrm>
+              <a:prstGeom prst="rect">
+                <a:avLst/>
+              </a:prstGeom>
+              <a:blipFill rotWithShape="0">
+                <a:blip r:embed="rId10"/>
+                <a:stretch>
+                  <a:fillRect l="-18919" r="-18919" b="-11111"/>
+                </a:stretch>
+              </a:blipFill>
+            </p:spPr>
+            <p:txBody>
+              <a:bodyPr/>
+              <a:lstStyle/>
+              <a:p>
+                <a:r>
+                  <a:rPr lang="ko-KR" altLang="en-US">
+                    <a:noFill/>
+                  </a:rPr>
+                  <a:t> </a:t>
+                </a:r>
+              </a:p>
+            </p:txBody>
+          </p:sp>
+        </mc:Fallback>
+      </mc:AlternateContent>
+      <mc:AlternateContent xmlns:mc="http://schemas.openxmlformats.org/markup-compatibility/2006">
+        <mc:Choice xmlns:a14="http://schemas.microsoft.com/office/drawing/2010/main" Requires="a14">
+          <p:sp>
+            <p:nvSpPr>
+              <p:cNvPr id="63" name="TextBox 62"/>
+              <p:cNvSpPr txBox="1"/>
+              <p:nvPr/>
+            </p:nvSpPr>
+            <p:spPr>
+              <a:xfrm>
+                <a:off x="5480649" y="1551619"/>
+                <a:ext cx="240259" cy="276999"/>
+              </a:xfrm>
+              <a:prstGeom prst="rect">
+                <a:avLst/>
+              </a:prstGeom>
+              <a:noFill/>
+            </p:spPr>
+            <p:txBody>
+              <a:bodyPr wrap="none" lIns="0" tIns="0" rIns="0" bIns="0" rtlCol="0">
+                <a:spAutoFit/>
+              </a:bodyPr>
+              <a:lstStyle/>
+              <a:p>
+                <a:pPr/>
+                <a14:m>
+                  <m:oMathPara xmlns:m="http://schemas.openxmlformats.org/officeDocument/2006/math">
+                    <m:oMathParaPr>
+                      <m:jc m:val="centerGroup"/>
+                    </m:oMathParaPr>
+                    <m:oMath xmlns:m="http://schemas.openxmlformats.org/officeDocument/2006/math">
+                      <m:r>
+                        <a:rPr lang="en-US" altLang="ko-KR" b="0" i="1" smtClean="0">
+                          <a:latin typeface="Cambria Math" panose="02040503050406030204" pitchFamily="18" charset="0"/>
+                        </a:rPr>
+                        <m:t>𝐵</m:t>
+                      </m:r>
+                    </m:oMath>
+                  </m:oMathPara>
+                </a14:m>
+                <a:endParaRPr lang="ko-KR" altLang="en-US" dirty="0"/>
+              </a:p>
+            </p:txBody>
+          </p:sp>
+        </mc:Choice>
+        <mc:Fallback>
+          <p:sp>
+            <p:nvSpPr>
+              <p:cNvPr id="63" name="TextBox 62"/>
+              <p:cNvSpPr txBox="1">
+                <a:spLocks noRot="1" noChangeAspect="1" noMove="1" noResize="1" noEditPoints="1" noAdjustHandles="1" noChangeArrowheads="1" noChangeShapeType="1" noTextEdit="1"/>
+              </p:cNvSpPr>
+              <p:nvPr/>
+            </p:nvSpPr>
+            <p:spPr>
+              <a:xfrm>
+                <a:off x="5480649" y="1551619"/>
+                <a:ext cx="240259" cy="276999"/>
+              </a:xfrm>
+              <a:prstGeom prst="rect">
+                <a:avLst/>
+              </a:prstGeom>
+              <a:blipFill rotWithShape="0">
+                <a:blip r:embed="rId11"/>
+                <a:stretch>
+                  <a:fillRect l="-15385" r="-17949" b="-11111"/>
+                </a:stretch>
+              </a:blipFill>
+            </p:spPr>
+            <p:txBody>
+              <a:bodyPr/>
+              <a:lstStyle/>
+              <a:p>
+                <a:r>
+                  <a:rPr lang="ko-KR" altLang="en-US">
+                    <a:noFill/>
+                  </a:rPr>
+                  <a:t> </a:t>
+                </a:r>
+              </a:p>
+            </p:txBody>
+          </p:sp>
+        </mc:Fallback>
+      </mc:AlternateContent>
+      <p:cxnSp>
+        <p:nvCxnSpPr>
+          <p:cNvPr id="64" name="직선 화살표 연결선 63"/>
+          <p:cNvCxnSpPr/>
+          <p:nvPr/>
+        </p:nvCxnSpPr>
+        <p:spPr>
+          <a:xfrm>
+            <a:off x="2450262" y="4008132"/>
+            <a:ext cx="582131" cy="0"/>
+          </a:xfrm>
+          <a:prstGeom prst="straightConnector1">
+            <a:avLst/>
+          </a:prstGeom>
+          <a:ln w="28575">
+            <a:solidFill>
+              <a:schemeClr val="tx1"/>
+            </a:solidFill>
+            <a:headEnd w="lg" len="lg"/>
+            <a:tailEnd type="triangle" w="lg" len="lg"/>
+          </a:ln>
+        </p:spPr>
+        <p:style>
+          <a:lnRef idx="1">
+            <a:schemeClr val="accent1"/>
+          </a:lnRef>
+          <a:fillRef idx="0">
+            <a:schemeClr val="accent1"/>
+          </a:fillRef>
+          <a:effectRef idx="0">
+            <a:schemeClr val="accent1"/>
+          </a:effectRef>
+          <a:fontRef idx="minor">
+            <a:schemeClr val="tx1"/>
+          </a:fontRef>
+        </p:style>
+      </p:cxnSp>
+      <p:cxnSp>
+        <p:nvCxnSpPr>
+          <p:cNvPr id="65" name="직선 화살표 연결선 64"/>
+          <p:cNvCxnSpPr/>
+          <p:nvPr/>
+        </p:nvCxnSpPr>
+        <p:spPr>
+          <a:xfrm flipH="1" flipV="1">
+            <a:off x="2627279" y="3589103"/>
+            <a:ext cx="10107" cy="709862"/>
+          </a:xfrm>
+          <a:prstGeom prst="straightConnector1">
+            <a:avLst/>
+          </a:prstGeom>
+          <a:ln w="28575">
+            <a:solidFill>
+              <a:schemeClr val="tx1"/>
+            </a:solidFill>
+            <a:headEnd w="lg" len="lg"/>
+            <a:tailEnd type="triangle" w="lg" len="lg"/>
+          </a:ln>
+        </p:spPr>
+        <p:style>
+          <a:lnRef idx="1">
+            <a:schemeClr val="accent1"/>
+          </a:lnRef>
+          <a:fillRef idx="0">
+            <a:schemeClr val="accent1"/>
+          </a:fillRef>
+          <a:effectRef idx="0">
+            <a:schemeClr val="accent1"/>
+          </a:effectRef>
+          <a:fontRef idx="minor">
+            <a:schemeClr val="tx1"/>
+          </a:fontRef>
+        </p:style>
+      </p:cxnSp>
+      <p:sp>
+        <p:nvSpPr>
+          <p:cNvPr id="66" name="오른쪽으로 구부러진 화살표 65"/>
+          <p:cNvSpPr/>
+          <p:nvPr/>
+        </p:nvSpPr>
+        <p:spPr>
+          <a:xfrm rot="10800000">
+            <a:off x="1845941" y="3718696"/>
+            <a:ext cx="403163" cy="457926"/>
+          </a:xfrm>
+          <a:prstGeom prst="curvedRightArrow">
+            <a:avLst>
+              <a:gd name="adj1" fmla="val 14127"/>
+              <a:gd name="adj2" fmla="val 50000"/>
+              <a:gd name="adj3" fmla="val 25000"/>
+            </a:avLst>
+          </a:prstGeom>
+          <a:solidFill>
+            <a:schemeClr val="tx1"/>
+          </a:solidFill>
+          <a:ln>
+            <a:solidFill>
+              <a:schemeClr val="tx1"/>
+            </a:solidFill>
+          </a:ln>
+        </p:spPr>
+        <p:style>
+          <a:lnRef idx="2">
+            <a:schemeClr val="accent1">
+              <a:shade val="50000"/>
+            </a:schemeClr>
+          </a:lnRef>
+          <a:fillRef idx="1">
+            <a:schemeClr val="accent1"/>
+          </a:fillRef>
+          <a:effectRef idx="0">
+            <a:schemeClr val="accent1"/>
+          </a:effectRef>
+          <a:fontRef idx="minor">
+            <a:schemeClr val="lt1"/>
+          </a:fontRef>
+        </p:style>
+        <p:txBody>
+          <a:bodyPr rtlCol="0" anchor="ctr"/>
+          <a:lstStyle/>
+          <a:p>
+            <a:pPr algn="ctr"/>
+            <a:endParaRPr lang="ko-KR" altLang="en-US">
+              <a:solidFill>
+                <a:schemeClr val="tx1"/>
+              </a:solidFill>
+            </a:endParaRPr>
+          </a:p>
+        </p:txBody>
+      </p:sp>
+      <mc:AlternateContent xmlns:mc="http://schemas.openxmlformats.org/markup-compatibility/2006">
+        <mc:Choice xmlns:a14="http://schemas.microsoft.com/office/drawing/2010/main" Requires="a14">
+          <p:sp>
+            <p:nvSpPr>
+              <p:cNvPr id="67" name="TextBox 66"/>
+              <p:cNvSpPr txBox="1"/>
+              <p:nvPr/>
+            </p:nvSpPr>
+            <p:spPr>
+              <a:xfrm>
+                <a:off x="2706841" y="3342539"/>
+                <a:ext cx="307328" cy="276999"/>
+              </a:xfrm>
+              <a:prstGeom prst="rect">
+                <a:avLst/>
+              </a:prstGeom>
+              <a:noFill/>
+            </p:spPr>
+            <p:txBody>
+              <a:bodyPr wrap="none" lIns="0" tIns="0" rIns="0" bIns="0" rtlCol="0">
+                <a:spAutoFit/>
+              </a:bodyPr>
+              <a:lstStyle/>
+              <a:p>
+                <a:pPr/>
+                <a14:m>
+                  <m:oMathPara xmlns:m="http://schemas.openxmlformats.org/officeDocument/2006/math">
+                    <m:oMathParaPr>
+                      <m:jc m:val="centerGroup"/>
+                    </m:oMathParaPr>
+                    <m:oMath xmlns:m="http://schemas.openxmlformats.org/officeDocument/2006/math">
+                      <m:sSub>
+                        <m:sSubPr>
+                          <m:ctrlPr>
+                            <a:rPr lang="en-US" altLang="ko-KR" b="0" i="1" smtClean="0">
+                              <a:latin typeface="Cambria Math" panose="02040503050406030204" pitchFamily="18" charset="0"/>
+                            </a:rPr>
+                          </m:ctrlPr>
+                        </m:sSubPr>
+                        <m:e>
+                          <m:r>
+                            <a:rPr lang="en-US" altLang="ko-KR" b="0" i="1" smtClean="0">
+                              <a:latin typeface="Cambria Math" panose="02040503050406030204" pitchFamily="18" charset="0"/>
+                            </a:rPr>
+                            <m:t>𝑉</m:t>
+                          </m:r>
+                        </m:e>
+                        <m:sub>
+                          <m:r>
+                            <a:rPr lang="en-US" altLang="ko-KR" b="0" i="1" smtClean="0">
+                              <a:latin typeface="Cambria Math" panose="02040503050406030204" pitchFamily="18" charset="0"/>
+                            </a:rPr>
+                            <m:t>𝐴</m:t>
+                          </m:r>
+                        </m:sub>
+                      </m:sSub>
+                    </m:oMath>
+                  </m:oMathPara>
+                </a14:m>
+                <a:endParaRPr lang="ko-KR" altLang="en-US" dirty="0"/>
+              </a:p>
+            </p:txBody>
+          </p:sp>
+        </mc:Choice>
+        <mc:Fallback>
+          <p:sp>
+            <p:nvSpPr>
+              <p:cNvPr id="67" name="TextBox 66"/>
+              <p:cNvSpPr txBox="1">
+                <a:spLocks noRot="1" noChangeAspect="1" noMove="1" noResize="1" noEditPoints="1" noAdjustHandles="1" noChangeArrowheads="1" noChangeShapeType="1" noTextEdit="1"/>
+              </p:cNvSpPr>
+              <p:nvPr/>
+            </p:nvSpPr>
+            <p:spPr>
+              <a:xfrm>
+                <a:off x="2706841" y="3342539"/>
+                <a:ext cx="307328" cy="276999"/>
+              </a:xfrm>
+              <a:prstGeom prst="rect">
+                <a:avLst/>
+              </a:prstGeom>
+              <a:blipFill rotWithShape="0">
+                <a:blip r:embed="rId12"/>
+                <a:stretch>
+                  <a:fillRect l="-12000" r="-6000" b="-19565"/>
+                </a:stretch>
+              </a:blipFill>
+            </p:spPr>
+            <p:txBody>
+              <a:bodyPr/>
+              <a:lstStyle/>
+              <a:p>
+                <a:r>
+                  <a:rPr lang="ko-KR" altLang="en-US">
+                    <a:noFill/>
+                  </a:rPr>
+                  <a:t> </a:t>
+                </a:r>
+              </a:p>
+            </p:txBody>
+          </p:sp>
+        </mc:Fallback>
+      </mc:AlternateContent>
+      <mc:AlternateContent xmlns:mc="http://schemas.openxmlformats.org/markup-compatibility/2006">
+        <mc:Choice xmlns:a14="http://schemas.microsoft.com/office/drawing/2010/main" Requires="a14">
+          <p:sp>
+            <p:nvSpPr>
+              <p:cNvPr id="68" name="TextBox 67"/>
+              <p:cNvSpPr txBox="1"/>
+              <p:nvPr/>
+            </p:nvSpPr>
+            <p:spPr>
+              <a:xfrm>
+                <a:off x="2785541" y="4098595"/>
+                <a:ext cx="342851" cy="276999"/>
+              </a:xfrm>
+              <a:prstGeom prst="rect">
+                <a:avLst/>
+              </a:prstGeom>
+              <a:noFill/>
+            </p:spPr>
+            <p:txBody>
+              <a:bodyPr wrap="none" lIns="0" tIns="0" rIns="0" bIns="0" rtlCol="0">
+                <a:spAutoFit/>
+              </a:bodyPr>
+              <a:lstStyle/>
+              <a:p>
+                <a:pPr/>
+                <a14:m>
+                  <m:oMathPara xmlns:m="http://schemas.openxmlformats.org/officeDocument/2006/math">
+                    <m:oMathParaPr>
+                      <m:jc m:val="centerGroup"/>
+                    </m:oMathParaPr>
+                    <m:oMath xmlns:m="http://schemas.openxmlformats.org/officeDocument/2006/math">
+                      <m:sSub>
+                        <m:sSubPr>
+                          <m:ctrlPr>
+                            <a:rPr lang="en-US" altLang="ko-KR" b="0" i="1" smtClean="0">
+                              <a:latin typeface="Cambria Math" panose="02040503050406030204" pitchFamily="18" charset="0"/>
+                            </a:rPr>
+                          </m:ctrlPr>
+                        </m:sSubPr>
+                        <m:e>
+                          <m:r>
+                            <a:rPr lang="en-US" altLang="ko-KR" b="0" i="1" smtClean="0">
+                              <a:latin typeface="Cambria Math" panose="02040503050406030204" pitchFamily="18" charset="0"/>
+                            </a:rPr>
+                            <m:t>𝑁</m:t>
+                          </m:r>
+                        </m:e>
+                        <m:sub>
+                          <m:r>
+                            <a:rPr lang="en-US" altLang="ko-KR" b="0" i="1" smtClean="0">
+                              <a:latin typeface="Cambria Math" panose="02040503050406030204" pitchFamily="18" charset="0"/>
+                            </a:rPr>
+                            <m:t>𝐴</m:t>
+                          </m:r>
+                        </m:sub>
+                      </m:sSub>
+                    </m:oMath>
+                  </m:oMathPara>
+                </a14:m>
+                <a:endParaRPr lang="ko-KR" altLang="en-US" dirty="0"/>
+              </a:p>
+            </p:txBody>
+          </p:sp>
+        </mc:Choice>
+        <mc:Fallback>
+          <p:sp>
+            <p:nvSpPr>
+              <p:cNvPr id="68" name="TextBox 67"/>
+              <p:cNvSpPr txBox="1">
+                <a:spLocks noRot="1" noChangeAspect="1" noMove="1" noResize="1" noEditPoints="1" noAdjustHandles="1" noChangeArrowheads="1" noChangeShapeType="1" noTextEdit="1"/>
+              </p:cNvSpPr>
+              <p:nvPr/>
+            </p:nvSpPr>
+            <p:spPr>
+              <a:xfrm>
+                <a:off x="2785541" y="4098595"/>
+                <a:ext cx="342851" cy="276999"/>
+              </a:xfrm>
+              <a:prstGeom prst="rect">
+                <a:avLst/>
+              </a:prstGeom>
+              <a:blipFill rotWithShape="0">
+                <a:blip r:embed="rId13"/>
+                <a:stretch>
+                  <a:fillRect l="-12500" r="-1786" b="-19565"/>
+                </a:stretch>
+              </a:blipFill>
+            </p:spPr>
+            <p:txBody>
+              <a:bodyPr/>
+              <a:lstStyle/>
+              <a:p>
+                <a:r>
+                  <a:rPr lang="ko-KR" altLang="en-US">
+                    <a:noFill/>
+                  </a:rPr>
+                  <a:t> </a:t>
+                </a:r>
+              </a:p>
+            </p:txBody>
+          </p:sp>
+        </mc:Fallback>
+      </mc:AlternateContent>
+      <mc:AlternateContent xmlns:mc="http://schemas.openxmlformats.org/markup-compatibility/2006">
+        <mc:Choice xmlns:a14="http://schemas.microsoft.com/office/drawing/2010/main" Requires="a14">
+          <p:sp>
+            <p:nvSpPr>
+              <p:cNvPr id="69" name="TextBox 68"/>
+              <p:cNvSpPr txBox="1"/>
+              <p:nvPr/>
+            </p:nvSpPr>
+            <p:spPr>
+              <a:xfrm>
+                <a:off x="1383238" y="3804119"/>
+                <a:ext cx="377347" cy="276999"/>
+              </a:xfrm>
+              <a:prstGeom prst="rect">
+                <a:avLst/>
+              </a:prstGeom>
+              <a:noFill/>
+            </p:spPr>
+            <p:txBody>
+              <a:bodyPr wrap="none" lIns="0" tIns="0" rIns="0" bIns="0" rtlCol="0">
+                <a:spAutoFit/>
+              </a:bodyPr>
+              <a:lstStyle/>
+              <a:p>
+                <a:pPr/>
+                <a14:m>
+                  <m:oMathPara xmlns:m="http://schemas.openxmlformats.org/officeDocument/2006/math">
+                    <m:oMathParaPr>
+                      <m:jc m:val="centerGroup"/>
+                    </m:oMathParaPr>
+                    <m:oMath xmlns:m="http://schemas.openxmlformats.org/officeDocument/2006/math">
+                      <m:sSub>
+                        <m:sSubPr>
+                          <m:ctrlPr>
+                            <a:rPr lang="en-US" altLang="ko-KR" b="0" i="1" smtClean="0">
+                              <a:latin typeface="Cambria Math" panose="02040503050406030204" pitchFamily="18" charset="0"/>
+                            </a:rPr>
+                          </m:ctrlPr>
+                        </m:sSubPr>
+                        <m:e>
+                          <m:r>
+                            <a:rPr lang="en-US" altLang="ko-KR" b="0" i="1" smtClean="0">
+                              <a:latin typeface="Cambria Math" panose="02040503050406030204" pitchFamily="18" charset="0"/>
+                            </a:rPr>
+                            <m:t>𝑀</m:t>
+                          </m:r>
+                        </m:e>
+                        <m:sub>
+                          <m:r>
+                            <a:rPr lang="en-US" altLang="ko-KR" b="0" i="1" smtClean="0">
+                              <a:latin typeface="Cambria Math" panose="02040503050406030204" pitchFamily="18" charset="0"/>
+                            </a:rPr>
+                            <m:t>𝐴</m:t>
+                          </m:r>
+                        </m:sub>
+                      </m:sSub>
+                    </m:oMath>
+                  </m:oMathPara>
+                </a14:m>
+                <a:endParaRPr lang="ko-KR" altLang="en-US" dirty="0"/>
+              </a:p>
+            </p:txBody>
+          </p:sp>
+        </mc:Choice>
+        <mc:Fallback>
+          <p:sp>
+            <p:nvSpPr>
+              <p:cNvPr id="69" name="TextBox 68"/>
+              <p:cNvSpPr txBox="1">
+                <a:spLocks noRot="1" noChangeAspect="1" noMove="1" noResize="1" noEditPoints="1" noAdjustHandles="1" noChangeArrowheads="1" noChangeShapeType="1" noTextEdit="1"/>
+              </p:cNvSpPr>
+              <p:nvPr/>
+            </p:nvSpPr>
+            <p:spPr>
+              <a:xfrm>
+                <a:off x="1383238" y="3804119"/>
+                <a:ext cx="377347" cy="276999"/>
+              </a:xfrm>
+              <a:prstGeom prst="rect">
+                <a:avLst/>
+              </a:prstGeom>
+              <a:blipFill rotWithShape="0">
+                <a:blip r:embed="rId14"/>
+                <a:stretch>
+                  <a:fillRect l="-11290" r="-1613" b="-22222"/>
+                </a:stretch>
+              </a:blipFill>
+            </p:spPr>
+            <p:txBody>
+              <a:bodyPr/>
+              <a:lstStyle/>
+              <a:p>
+                <a:r>
+                  <a:rPr lang="ko-KR" altLang="en-US">
+                    <a:noFill/>
+                  </a:rPr>
+                  <a:t> </a:t>
+                </a:r>
+              </a:p>
+            </p:txBody>
+          </p:sp>
+        </mc:Fallback>
+      </mc:AlternateContent>
+    </p:spTree>
+    <p:extLst>
+      <p:ext uri="{BB962C8B-B14F-4D97-AF65-F5344CB8AC3E}">
+        <p14:creationId xmlns:p14="http://schemas.microsoft.com/office/powerpoint/2010/main" val="1255524511"/>
+      </p:ext>
+    </p:extLst>
+  </p:cSld>
+  <p:clrMapOvr>
+    <a:masterClrMapping/>
+  </p:clrMapOvr>
+</p:sld>
+</file>
+
+<file path=ppt/slides/slide6.xml><?xml version="1.0" encoding="utf-8"?>
+<p:sld xmlns:a="http://schemas.openxmlformats.org/drawingml/2006/main" xmlns:r="http://schemas.openxmlformats.org/officeDocument/2006/relationships" xmlns:p="http://schemas.openxmlformats.org/presentationml/2006/main">
+  <p:cSld>
+    <p:spTree>
+      <p:nvGrpSpPr>
+        <p:cNvPr id="1" name=""/>
+        <p:cNvGrpSpPr/>
+        <p:nvPr/>
+      </p:nvGrpSpPr>
+      <p:grpSpPr>
+        <a:xfrm>
+          <a:off x="0" y="0"/>
+          <a:ext cx="0" cy="0"/>
+          <a:chOff x="0" y="0"/>
+          <a:chExt cx="0" cy="0"/>
+        </a:xfrm>
+      </p:grpSpPr>
+      <p:cxnSp>
+        <p:nvCxnSpPr>
+          <p:cNvPr id="48" name="직선 화살표 연결선 47"/>
+          <p:cNvCxnSpPr/>
+          <p:nvPr/>
+        </p:nvCxnSpPr>
+        <p:spPr>
+          <a:xfrm>
+            <a:off x="8884022" y="4169240"/>
+            <a:ext cx="582131" cy="0"/>
+          </a:xfrm>
+          <a:prstGeom prst="straightConnector1">
+            <a:avLst/>
+          </a:prstGeom>
+          <a:ln w="28575">
+            <a:solidFill>
+              <a:schemeClr val="tx1"/>
+            </a:solidFill>
+            <a:headEnd w="lg" len="lg"/>
+            <a:tailEnd type="triangle" w="lg" len="lg"/>
+          </a:ln>
+        </p:spPr>
+        <p:style>
+          <a:lnRef idx="1">
+            <a:schemeClr val="accent1"/>
+          </a:lnRef>
+          <a:fillRef idx="0">
+            <a:schemeClr val="accent1"/>
+          </a:fillRef>
+          <a:effectRef idx="0">
+            <a:schemeClr val="accent1"/>
+          </a:effectRef>
+          <a:fontRef idx="minor">
+            <a:schemeClr val="tx1"/>
+          </a:fontRef>
+        </p:style>
+      </p:cxnSp>
+      <p:cxnSp>
+        <p:nvCxnSpPr>
+          <p:cNvPr id="49" name="직선 화살표 연결선 48"/>
+          <p:cNvCxnSpPr/>
+          <p:nvPr/>
+        </p:nvCxnSpPr>
+        <p:spPr>
+          <a:xfrm flipH="1" flipV="1">
+            <a:off x="9061039" y="3750211"/>
+            <a:ext cx="10107" cy="709862"/>
+          </a:xfrm>
+          <a:prstGeom prst="straightConnector1">
+            <a:avLst/>
+          </a:prstGeom>
+          <a:ln w="28575">
+            <a:solidFill>
+              <a:schemeClr val="tx1"/>
+            </a:solidFill>
+            <a:headEnd w="lg" len="lg"/>
+            <a:tailEnd type="triangle" w="lg" len="lg"/>
+          </a:ln>
+        </p:spPr>
+        <p:style>
+          <a:lnRef idx="1">
+            <a:schemeClr val="accent1"/>
+          </a:lnRef>
+          <a:fillRef idx="0">
+            <a:schemeClr val="accent1"/>
+          </a:fillRef>
+          <a:effectRef idx="0">
+            <a:schemeClr val="accent1"/>
+          </a:effectRef>
+          <a:fontRef idx="minor">
+            <a:schemeClr val="tx1"/>
+          </a:fontRef>
+        </p:style>
+      </p:cxnSp>
+      <mc:AlternateContent xmlns:mc="http://schemas.openxmlformats.org/markup-compatibility/2006">
+        <mc:Choice xmlns:a14="http://schemas.microsoft.com/office/drawing/2010/main" Requires="a14">
+          <p:sp>
+            <p:nvSpPr>
+              <p:cNvPr id="54" name="TextBox 53"/>
+              <p:cNvSpPr txBox="1"/>
+              <p:nvPr/>
+            </p:nvSpPr>
+            <p:spPr>
+              <a:xfrm>
+                <a:off x="9014943" y="3399844"/>
+                <a:ext cx="274947" cy="276999"/>
+              </a:xfrm>
+              <a:prstGeom prst="rect">
+                <a:avLst/>
+              </a:prstGeom>
+              <a:noFill/>
+            </p:spPr>
+            <p:txBody>
+              <a:bodyPr wrap="none" lIns="0" tIns="0" rIns="0" bIns="0" rtlCol="0">
+                <a:spAutoFit/>
+              </a:bodyPr>
+              <a:lstStyle/>
+              <a:p>
+                <a:pPr/>
+                <a14:m>
+                  <m:oMathPara xmlns:m="http://schemas.openxmlformats.org/officeDocument/2006/math">
+                    <m:oMathParaPr>
+                      <m:jc m:val="centerGroup"/>
+                    </m:oMathParaPr>
+                    <m:oMath xmlns:m="http://schemas.openxmlformats.org/officeDocument/2006/math">
+                      <m:sSub>
+                        <m:sSubPr>
+                          <m:ctrlPr>
+                            <a:rPr lang="en-US" altLang="ko-KR" b="0" i="1" smtClean="0">
+                              <a:latin typeface="Cambria Math" panose="02040503050406030204" pitchFamily="18" charset="0"/>
+                            </a:rPr>
+                          </m:ctrlPr>
+                        </m:sSubPr>
+                        <m:e>
+                          <m:r>
+                            <a:rPr lang="en-US" altLang="ko-KR" b="0" i="1" smtClean="0">
+                              <a:latin typeface="Cambria Math" panose="02040503050406030204" pitchFamily="18" charset="0"/>
+                            </a:rPr>
+                            <m:t>𝑉</m:t>
+                          </m:r>
+                        </m:e>
+                        <m:sub>
+                          <m:r>
+                            <a:rPr lang="en-US" altLang="ko-KR" b="0" i="1" smtClean="0">
+                              <a:latin typeface="Cambria Math" panose="02040503050406030204" pitchFamily="18" charset="0"/>
+                            </a:rPr>
+                            <m:t>𝑧</m:t>
+                          </m:r>
+                        </m:sub>
+                      </m:sSub>
+                    </m:oMath>
+                  </m:oMathPara>
+                </a14:m>
+                <a:endParaRPr lang="ko-KR" altLang="en-US" dirty="0"/>
+              </a:p>
+            </p:txBody>
+          </p:sp>
+        </mc:Choice>
+        <mc:Fallback>
+          <p:sp>
+            <p:nvSpPr>
+              <p:cNvPr id="54" name="TextBox 53"/>
+              <p:cNvSpPr txBox="1">
+                <a:spLocks noRot="1" noChangeAspect="1" noMove="1" noResize="1" noEditPoints="1" noAdjustHandles="1" noChangeArrowheads="1" noChangeShapeType="1" noTextEdit="1"/>
+              </p:cNvSpPr>
+              <p:nvPr/>
+            </p:nvSpPr>
+            <p:spPr>
+              <a:xfrm>
+                <a:off x="9014943" y="3399844"/>
+                <a:ext cx="274947" cy="276999"/>
+              </a:xfrm>
+              <a:prstGeom prst="rect">
+                <a:avLst/>
+              </a:prstGeom>
+              <a:blipFill rotWithShape="0">
+                <a:blip r:embed="rId2"/>
+                <a:stretch>
+                  <a:fillRect l="-15556" b="-15556"/>
+                </a:stretch>
+              </a:blipFill>
+            </p:spPr>
+            <p:txBody>
+              <a:bodyPr/>
+              <a:lstStyle/>
+              <a:p>
+                <a:r>
+                  <a:rPr lang="ko-KR" altLang="en-US">
+                    <a:noFill/>
+                  </a:rPr>
+                  <a:t> </a:t>
+                </a:r>
+              </a:p>
+            </p:txBody>
+          </p:sp>
+        </mc:Fallback>
+      </mc:AlternateContent>
+      <mc:AlternateContent xmlns:mc="http://schemas.openxmlformats.org/markup-compatibility/2006">
+        <mc:Choice xmlns:a14="http://schemas.microsoft.com/office/drawing/2010/main" Requires="a14">
+          <p:sp>
+            <p:nvSpPr>
+              <p:cNvPr id="55" name="TextBox 54"/>
+              <p:cNvSpPr txBox="1"/>
+              <p:nvPr/>
+            </p:nvSpPr>
+            <p:spPr>
+              <a:xfrm>
+                <a:off x="9503900" y="4006980"/>
+                <a:ext cx="351955" cy="298928"/>
+              </a:xfrm>
+              <a:prstGeom prst="rect">
+                <a:avLst/>
+              </a:prstGeom>
+              <a:noFill/>
+            </p:spPr>
+            <p:txBody>
+              <a:bodyPr wrap="none" lIns="0" tIns="0" rIns="0" bIns="0" rtlCol="0">
+                <a:spAutoFit/>
+              </a:bodyPr>
+              <a:lstStyle/>
+              <a:p>
+                <a:pPr/>
+                <a14:m>
+                  <m:oMathPara xmlns:m="http://schemas.openxmlformats.org/officeDocument/2006/math">
+                    <m:oMathParaPr>
+                      <m:jc m:val="centerGroup"/>
+                    </m:oMathParaPr>
+                    <m:oMath xmlns:m="http://schemas.openxmlformats.org/officeDocument/2006/math">
+                      <m:sSub>
+                        <m:sSubPr>
+                          <m:ctrlPr>
+                            <a:rPr lang="en-US" altLang="ko-KR" b="0" i="1" smtClean="0">
+                              <a:latin typeface="Cambria Math" panose="02040503050406030204" pitchFamily="18" charset="0"/>
+                            </a:rPr>
+                          </m:ctrlPr>
+                        </m:sSubPr>
+                        <m:e>
+                          <m:r>
+                            <a:rPr lang="en-US" altLang="ko-KR" b="0" i="1" smtClean="0">
+                              <a:latin typeface="Cambria Math" panose="02040503050406030204" pitchFamily="18" charset="0"/>
+                            </a:rPr>
+                            <m:t>𝑁</m:t>
+                          </m:r>
+                        </m:e>
+                        <m:sub>
+                          <m:r>
+                            <a:rPr lang="en-US" altLang="ko-KR" b="0" i="1" smtClean="0">
+                              <a:latin typeface="Cambria Math" panose="02040503050406030204" pitchFamily="18" charset="0"/>
+                            </a:rPr>
+                            <m:t>𝑦</m:t>
+                          </m:r>
+                        </m:sub>
+                      </m:sSub>
+                    </m:oMath>
+                  </m:oMathPara>
+                </a14:m>
+                <a:endParaRPr lang="ko-KR" altLang="en-US" dirty="0"/>
+              </a:p>
+            </p:txBody>
+          </p:sp>
+        </mc:Choice>
+        <mc:Fallback>
+          <p:sp>
+            <p:nvSpPr>
+              <p:cNvPr id="55" name="TextBox 54"/>
+              <p:cNvSpPr txBox="1">
+                <a:spLocks noRot="1" noChangeAspect="1" noMove="1" noResize="1" noEditPoints="1" noAdjustHandles="1" noChangeArrowheads="1" noChangeShapeType="1" noTextEdit="1"/>
+              </p:cNvSpPr>
+              <p:nvPr/>
+            </p:nvSpPr>
+            <p:spPr>
+              <a:xfrm>
+                <a:off x="9503900" y="4006980"/>
+                <a:ext cx="351955" cy="298928"/>
+              </a:xfrm>
+              <a:prstGeom prst="rect">
+                <a:avLst/>
+              </a:prstGeom>
+              <a:blipFill rotWithShape="0">
+                <a:blip r:embed="rId3"/>
+                <a:stretch>
+                  <a:fillRect l="-10345" r="-3448" b="-20408"/>
+                </a:stretch>
+              </a:blipFill>
+            </p:spPr>
+            <p:txBody>
+              <a:bodyPr/>
+              <a:lstStyle/>
+              <a:p>
+                <a:r>
+                  <a:rPr lang="ko-KR" altLang="en-US">
+                    <a:noFill/>
+                  </a:rPr>
+                  <a:t> </a:t>
+                </a:r>
+              </a:p>
+            </p:txBody>
+          </p:sp>
+        </mc:Fallback>
+      </mc:AlternateContent>
+      <p:sp>
+        <p:nvSpPr>
+          <p:cNvPr id="2" name="정육면체 1"/>
+          <p:cNvSpPr/>
+          <p:nvPr/>
+        </p:nvSpPr>
+        <p:spPr>
+          <a:xfrm>
+            <a:off x="6273478" y="3680749"/>
+            <a:ext cx="2562323" cy="868102"/>
+          </a:xfrm>
+          <a:prstGeom prst="cube">
+            <a:avLst/>
+          </a:prstGeom>
+          <a:noFill/>
+          <a:ln w="28575">
+            <a:solidFill>
+              <a:schemeClr val="tx1"/>
+            </a:solidFill>
+          </a:ln>
+        </p:spPr>
+        <p:style>
+          <a:lnRef idx="2">
+            <a:schemeClr val="accent1">
+              <a:shade val="50000"/>
+            </a:schemeClr>
+          </a:lnRef>
+          <a:fillRef idx="1">
+            <a:schemeClr val="accent1"/>
+          </a:fillRef>
+          <a:effectRef idx="0">
+            <a:schemeClr val="accent1"/>
+          </a:effectRef>
+          <a:fontRef idx="minor">
+            <a:schemeClr val="lt1"/>
+          </a:fontRef>
+        </p:style>
+        <p:txBody>
+          <a:bodyPr rtlCol="0" anchor="ctr"/>
+          <a:lstStyle/>
+          <a:p>
+            <a:pPr algn="ctr"/>
+            <a:endParaRPr lang="ko-KR" altLang="en-US"/>
+          </a:p>
+        </p:txBody>
+      </p:sp>
+      <p:cxnSp>
+        <p:nvCxnSpPr>
+          <p:cNvPr id="33" name="직선 화살표 연결선 32"/>
+          <p:cNvCxnSpPr/>
+          <p:nvPr/>
+        </p:nvCxnSpPr>
+        <p:spPr>
+          <a:xfrm flipH="1">
+            <a:off x="8884336" y="3991171"/>
+            <a:ext cx="279415" cy="516167"/>
+          </a:xfrm>
+          <a:prstGeom prst="straightConnector1">
+            <a:avLst/>
+          </a:prstGeom>
+          <a:ln w="28575">
+            <a:solidFill>
+              <a:schemeClr val="tx1"/>
+            </a:solidFill>
+            <a:headEnd w="lg" len="lg"/>
+            <a:tailEnd type="triangle" w="lg" len="lg"/>
+          </a:ln>
+        </p:spPr>
+        <p:style>
+          <a:lnRef idx="1">
+            <a:schemeClr val="accent1"/>
+          </a:lnRef>
+          <a:fillRef idx="0">
+            <a:schemeClr val="accent1"/>
+          </a:fillRef>
+          <a:effectRef idx="0">
+            <a:schemeClr val="accent1"/>
+          </a:effectRef>
+          <a:fontRef idx="minor">
+            <a:schemeClr val="tx1"/>
+          </a:fontRef>
+        </p:style>
+      </p:cxnSp>
+      <mc:AlternateContent xmlns:mc="http://schemas.openxmlformats.org/markup-compatibility/2006">
+        <mc:Choice xmlns:a14="http://schemas.microsoft.com/office/drawing/2010/main" Requires="a14">
+          <p:sp>
+            <p:nvSpPr>
+              <p:cNvPr id="35" name="TextBox 34"/>
+              <p:cNvSpPr txBox="1"/>
+              <p:nvPr/>
+            </p:nvSpPr>
+            <p:spPr>
+              <a:xfrm>
+                <a:off x="8698217" y="4560810"/>
+                <a:ext cx="285335" cy="276999"/>
+              </a:xfrm>
+              <a:prstGeom prst="rect">
+                <a:avLst/>
+              </a:prstGeom>
+              <a:noFill/>
+            </p:spPr>
+            <p:txBody>
+              <a:bodyPr wrap="none" lIns="0" tIns="0" rIns="0" bIns="0" rtlCol="0">
+                <a:spAutoFit/>
+              </a:bodyPr>
+              <a:lstStyle/>
+              <a:p>
+                <a:pPr/>
+                <a14:m>
+                  <m:oMathPara xmlns:m="http://schemas.openxmlformats.org/officeDocument/2006/math">
+                    <m:oMathParaPr>
+                      <m:jc m:val="centerGroup"/>
+                    </m:oMathParaPr>
+                    <m:oMath xmlns:m="http://schemas.openxmlformats.org/officeDocument/2006/math">
+                      <m:sSub>
+                        <m:sSubPr>
+                          <m:ctrlPr>
+                            <a:rPr lang="en-US" altLang="ko-KR" b="0" i="1" smtClean="0">
+                              <a:latin typeface="Cambria Math" panose="02040503050406030204" pitchFamily="18" charset="0"/>
+                            </a:rPr>
+                          </m:ctrlPr>
+                        </m:sSubPr>
+                        <m:e>
+                          <m:r>
+                            <a:rPr lang="en-US" altLang="ko-KR" b="0" i="1" smtClean="0">
+                              <a:latin typeface="Cambria Math" panose="02040503050406030204" pitchFamily="18" charset="0"/>
+                            </a:rPr>
+                            <m:t>𝑉</m:t>
+                          </m:r>
+                        </m:e>
+                        <m:sub>
+                          <m:r>
+                            <a:rPr lang="en-US" altLang="ko-KR" b="0" i="1" smtClean="0">
+                              <a:latin typeface="Cambria Math" panose="02040503050406030204" pitchFamily="18" charset="0"/>
+                            </a:rPr>
+                            <m:t>𝑥</m:t>
+                          </m:r>
+                        </m:sub>
+                      </m:sSub>
+                    </m:oMath>
+                  </m:oMathPara>
+                </a14:m>
+                <a:endParaRPr lang="ko-KR" altLang="en-US" dirty="0"/>
+              </a:p>
+            </p:txBody>
+          </p:sp>
+        </mc:Choice>
+        <mc:Fallback>
+          <p:sp>
+            <p:nvSpPr>
+              <p:cNvPr id="35" name="TextBox 34"/>
+              <p:cNvSpPr txBox="1">
+                <a:spLocks noRot="1" noChangeAspect="1" noMove="1" noResize="1" noEditPoints="1" noAdjustHandles="1" noChangeArrowheads="1" noChangeShapeType="1" noTextEdit="1"/>
+              </p:cNvSpPr>
+              <p:nvPr/>
+            </p:nvSpPr>
+            <p:spPr>
+              <a:xfrm>
+                <a:off x="8698217" y="4560810"/>
+                <a:ext cx="285335" cy="276999"/>
+              </a:xfrm>
+              <a:prstGeom prst="rect">
+                <a:avLst/>
+              </a:prstGeom>
+              <a:blipFill rotWithShape="0">
+                <a:blip r:embed="rId4"/>
+                <a:stretch>
+                  <a:fillRect l="-14894" b="-15217"/>
+                </a:stretch>
+              </a:blipFill>
+            </p:spPr>
+            <p:txBody>
+              <a:bodyPr/>
+              <a:lstStyle/>
+              <a:p>
+                <a:r>
+                  <a:rPr lang="ko-KR" altLang="en-US">
+                    <a:noFill/>
+                  </a:rPr>
+                  <a:t> </a:t>
+                </a:r>
+              </a:p>
+            </p:txBody>
+          </p:sp>
+        </mc:Fallback>
+      </mc:AlternateContent>
+      <p:cxnSp>
+        <p:nvCxnSpPr>
+          <p:cNvPr id="39" name="직선 화살표 연결선 38"/>
+          <p:cNvCxnSpPr/>
+          <p:nvPr/>
+        </p:nvCxnSpPr>
+        <p:spPr>
+          <a:xfrm>
+            <a:off x="10155835" y="4169240"/>
+            <a:ext cx="582131" cy="0"/>
+          </a:xfrm>
+          <a:prstGeom prst="straightConnector1">
+            <a:avLst/>
+          </a:prstGeom>
+          <a:ln w="28575">
+            <a:solidFill>
+              <a:schemeClr val="tx1"/>
+            </a:solidFill>
+            <a:headEnd w="lg" len="lg"/>
+            <a:tailEnd type="triangle" w="lg" len="lg"/>
+          </a:ln>
+        </p:spPr>
+        <p:style>
+          <a:lnRef idx="1">
+            <a:schemeClr val="accent1"/>
+          </a:lnRef>
+          <a:fillRef idx="0">
+            <a:schemeClr val="accent1"/>
+          </a:fillRef>
+          <a:effectRef idx="0">
+            <a:schemeClr val="accent1"/>
+          </a:effectRef>
+          <a:fontRef idx="minor">
+            <a:schemeClr val="tx1"/>
+          </a:fontRef>
+        </p:style>
+      </p:cxnSp>
+      <p:sp>
+        <p:nvSpPr>
+          <p:cNvPr id="40" name="직사각형 39"/>
+          <p:cNvSpPr/>
+          <p:nvPr/>
+        </p:nvSpPr>
+        <p:spPr>
+          <a:xfrm>
+            <a:off x="311286" y="4013348"/>
+            <a:ext cx="2520000" cy="360000"/>
+          </a:xfrm>
+          <a:prstGeom prst="rect">
+            <a:avLst/>
+          </a:prstGeom>
+          <a:noFill/>
+          <a:ln w="28575">
+            <a:solidFill>
+              <a:schemeClr val="tx1"/>
+            </a:solidFill>
+          </a:ln>
+        </p:spPr>
+        <p:style>
+          <a:lnRef idx="2">
+            <a:schemeClr val="accent1">
+              <a:shade val="50000"/>
+            </a:schemeClr>
+          </a:lnRef>
+          <a:fillRef idx="1">
+            <a:schemeClr val="accent1"/>
+          </a:fillRef>
+          <a:effectRef idx="0">
+            <a:schemeClr val="accent1"/>
+          </a:effectRef>
+          <a:fontRef idx="minor">
+            <a:schemeClr val="lt1"/>
+          </a:fontRef>
+        </p:style>
+        <p:txBody>
+          <a:bodyPr rtlCol="0" anchor="ctr"/>
+          <a:lstStyle/>
+          <a:p>
+            <a:pPr algn="ctr"/>
+            <a:endParaRPr lang="ko-KR" altLang="en-US"/>
+          </a:p>
+        </p:txBody>
+      </p:sp>
+      <p:cxnSp>
+        <p:nvCxnSpPr>
+          <p:cNvPr id="41" name="직선 화살표 연결선 40"/>
+          <p:cNvCxnSpPr>
+            <a:stCxn id="40" idx="3"/>
+          </p:cNvCxnSpPr>
+          <p:nvPr/>
+        </p:nvCxnSpPr>
+        <p:spPr>
+          <a:xfrm>
+            <a:off x="2831286" y="4193348"/>
+            <a:ext cx="582131" cy="0"/>
+          </a:xfrm>
+          <a:prstGeom prst="straightConnector1">
+            <a:avLst/>
+          </a:prstGeom>
+          <a:ln w="28575">
+            <a:solidFill>
+              <a:schemeClr val="tx1"/>
+            </a:solidFill>
+            <a:headEnd w="lg" len="lg"/>
+            <a:tailEnd type="triangle" w="lg" len="lg"/>
+          </a:ln>
+        </p:spPr>
+        <p:style>
+          <a:lnRef idx="1">
+            <a:schemeClr val="accent1"/>
+          </a:lnRef>
+          <a:fillRef idx="0">
+            <a:schemeClr val="accent1"/>
+          </a:fillRef>
+          <a:effectRef idx="0">
+            <a:schemeClr val="accent1"/>
+          </a:effectRef>
+          <a:fontRef idx="minor">
+            <a:schemeClr val="tx1"/>
+          </a:fontRef>
+        </p:style>
+      </p:cxnSp>
+      <p:cxnSp>
+        <p:nvCxnSpPr>
+          <p:cNvPr id="42" name="직선 화살표 연결선 41"/>
+          <p:cNvCxnSpPr/>
+          <p:nvPr/>
+        </p:nvCxnSpPr>
+        <p:spPr>
+          <a:xfrm flipH="1" flipV="1">
+            <a:off x="3008303" y="3774319"/>
+            <a:ext cx="10107" cy="709862"/>
+          </a:xfrm>
+          <a:prstGeom prst="straightConnector1">
+            <a:avLst/>
+          </a:prstGeom>
+          <a:ln w="28575">
+            <a:solidFill>
+              <a:schemeClr val="tx1"/>
+            </a:solidFill>
+            <a:headEnd w="lg" len="lg"/>
+            <a:tailEnd type="triangle" w="lg" len="lg"/>
+          </a:ln>
+        </p:spPr>
+        <p:style>
+          <a:lnRef idx="1">
+            <a:schemeClr val="accent1"/>
+          </a:lnRef>
+          <a:fillRef idx="0">
+            <a:schemeClr val="accent1"/>
+          </a:fillRef>
+          <a:effectRef idx="0">
+            <a:schemeClr val="accent1"/>
+          </a:effectRef>
+          <a:fontRef idx="minor">
+            <a:schemeClr val="tx1"/>
+          </a:fontRef>
+        </p:style>
+      </p:cxnSp>
+      <p:sp>
+        <p:nvSpPr>
+          <p:cNvPr id="43" name="오른쪽으로 구부러진 화살표 42"/>
+          <p:cNvSpPr/>
+          <p:nvPr/>
+        </p:nvSpPr>
+        <p:spPr>
+          <a:xfrm rot="10800000">
+            <a:off x="3688123" y="3964385"/>
+            <a:ext cx="403163" cy="457926"/>
+          </a:xfrm>
+          <a:prstGeom prst="curvedRightArrow">
+            <a:avLst>
+              <a:gd name="adj1" fmla="val 14127"/>
+              <a:gd name="adj2" fmla="val 50000"/>
+              <a:gd name="adj3" fmla="val 25000"/>
+            </a:avLst>
+          </a:prstGeom>
+          <a:solidFill>
+            <a:schemeClr val="tx1"/>
+          </a:solidFill>
+          <a:ln>
+            <a:solidFill>
+              <a:schemeClr val="tx1"/>
+            </a:solidFill>
+          </a:ln>
+        </p:spPr>
+        <p:style>
+          <a:lnRef idx="2">
+            <a:schemeClr val="accent1">
+              <a:shade val="50000"/>
+            </a:schemeClr>
+          </a:lnRef>
+          <a:fillRef idx="1">
+            <a:schemeClr val="accent1"/>
+          </a:fillRef>
+          <a:effectRef idx="0">
+            <a:schemeClr val="accent1"/>
+          </a:effectRef>
+          <a:fontRef idx="minor">
+            <a:schemeClr val="lt1"/>
+          </a:fontRef>
+        </p:style>
+        <p:txBody>
+          <a:bodyPr rtlCol="0" anchor="ctr"/>
+          <a:lstStyle/>
+          <a:p>
+            <a:pPr algn="ctr"/>
+            <a:endParaRPr lang="ko-KR" altLang="en-US">
+              <a:solidFill>
+                <a:schemeClr val="tx1"/>
+              </a:solidFill>
+            </a:endParaRPr>
+          </a:p>
+        </p:txBody>
+      </p:sp>
+      <mc:AlternateContent xmlns:mc="http://schemas.openxmlformats.org/markup-compatibility/2006">
+        <mc:Choice xmlns:a14="http://schemas.microsoft.com/office/drawing/2010/main" Requires="a14">
+          <p:sp>
+            <p:nvSpPr>
+              <p:cNvPr id="44" name="TextBox 43"/>
+              <p:cNvSpPr txBox="1"/>
+              <p:nvPr/>
+            </p:nvSpPr>
+            <p:spPr>
+              <a:xfrm>
+                <a:off x="3087865" y="3527755"/>
+                <a:ext cx="292964" cy="298928"/>
+              </a:xfrm>
+              <a:prstGeom prst="rect">
+                <a:avLst/>
+              </a:prstGeom>
+              <a:noFill/>
+            </p:spPr>
+            <p:txBody>
+              <a:bodyPr wrap="none" lIns="0" tIns="0" rIns="0" bIns="0" rtlCol="0">
+                <a:spAutoFit/>
+              </a:bodyPr>
+              <a:lstStyle/>
+              <a:p>
+                <a:pPr/>
+                <a14:m>
+                  <m:oMathPara xmlns:m="http://schemas.openxmlformats.org/officeDocument/2006/math">
+                    <m:oMathParaPr>
+                      <m:jc m:val="centerGroup"/>
+                    </m:oMathParaPr>
+                    <m:oMath xmlns:m="http://schemas.openxmlformats.org/officeDocument/2006/math">
+                      <m:sSub>
+                        <m:sSubPr>
+                          <m:ctrlPr>
+                            <a:rPr lang="en-US" altLang="ko-KR" b="0" i="1" smtClean="0">
+                              <a:latin typeface="Cambria Math" panose="02040503050406030204" pitchFamily="18" charset="0"/>
+                            </a:rPr>
+                          </m:ctrlPr>
+                        </m:sSubPr>
+                        <m:e>
+                          <m:r>
+                            <a:rPr lang="en-US" altLang="ko-KR" b="0" i="1" smtClean="0">
+                              <a:latin typeface="Cambria Math" panose="02040503050406030204" pitchFamily="18" charset="0"/>
+                            </a:rPr>
+                            <m:t>𝑉</m:t>
+                          </m:r>
+                        </m:e>
+                        <m:sub>
+                          <m:r>
+                            <a:rPr lang="en-US" altLang="ko-KR" b="0" i="1" smtClean="0">
+                              <a:latin typeface="Cambria Math" panose="02040503050406030204" pitchFamily="18" charset="0"/>
+                            </a:rPr>
+                            <m:t>𝑦</m:t>
+                          </m:r>
+                        </m:sub>
+                      </m:sSub>
+                    </m:oMath>
+                  </m:oMathPara>
+                </a14:m>
+                <a:endParaRPr lang="ko-KR" altLang="en-US" dirty="0"/>
+              </a:p>
+            </p:txBody>
+          </p:sp>
+        </mc:Choice>
+        <mc:Fallback>
+          <p:sp>
+            <p:nvSpPr>
+              <p:cNvPr id="44" name="TextBox 43"/>
+              <p:cNvSpPr txBox="1">
+                <a:spLocks noRot="1" noChangeAspect="1" noMove="1" noResize="1" noEditPoints="1" noAdjustHandles="1" noChangeArrowheads="1" noChangeShapeType="1" noTextEdit="1"/>
+              </p:cNvSpPr>
+              <p:nvPr/>
+            </p:nvSpPr>
+            <p:spPr>
+              <a:xfrm>
+                <a:off x="3087865" y="3527755"/>
+                <a:ext cx="292964" cy="298928"/>
+              </a:xfrm>
+              <a:prstGeom prst="rect">
+                <a:avLst/>
+              </a:prstGeom>
+              <a:blipFill rotWithShape="0">
+                <a:blip r:embed="rId5"/>
+                <a:stretch>
+                  <a:fillRect l="-14583" r="-4167" b="-20408"/>
+                </a:stretch>
+              </a:blipFill>
+            </p:spPr>
+            <p:txBody>
+              <a:bodyPr/>
+              <a:lstStyle/>
+              <a:p>
+                <a:r>
+                  <a:rPr lang="ko-KR" altLang="en-US">
+                    <a:noFill/>
+                  </a:rPr>
+                  <a:t> </a:t>
+                </a:r>
+              </a:p>
+            </p:txBody>
+          </p:sp>
+        </mc:Fallback>
+      </mc:AlternateContent>
+      <mc:AlternateContent xmlns:mc="http://schemas.openxmlformats.org/markup-compatibility/2006">
+        <mc:Choice xmlns:a14="http://schemas.microsoft.com/office/drawing/2010/main" Requires="a14">
+          <p:sp>
+            <p:nvSpPr>
+              <p:cNvPr id="45" name="TextBox 44"/>
+              <p:cNvSpPr txBox="1"/>
+              <p:nvPr/>
+            </p:nvSpPr>
+            <p:spPr>
+              <a:xfrm>
+                <a:off x="3166565" y="4283811"/>
+                <a:ext cx="344325" cy="276999"/>
+              </a:xfrm>
+              <a:prstGeom prst="rect">
+                <a:avLst/>
+              </a:prstGeom>
+              <a:noFill/>
+            </p:spPr>
+            <p:txBody>
+              <a:bodyPr wrap="none" lIns="0" tIns="0" rIns="0" bIns="0" rtlCol="0">
+                <a:spAutoFit/>
+              </a:bodyPr>
+              <a:lstStyle/>
+              <a:p>
+                <a:pPr/>
+                <a14:m>
+                  <m:oMathPara xmlns:m="http://schemas.openxmlformats.org/officeDocument/2006/math">
+                    <m:oMathParaPr>
+                      <m:jc m:val="centerGroup"/>
+                    </m:oMathParaPr>
+                    <m:oMath xmlns:m="http://schemas.openxmlformats.org/officeDocument/2006/math">
+                      <m:sSub>
+                        <m:sSubPr>
+                          <m:ctrlPr>
+                            <a:rPr lang="en-US" altLang="ko-KR" b="0" i="1" smtClean="0">
+                              <a:latin typeface="Cambria Math" panose="02040503050406030204" pitchFamily="18" charset="0"/>
+                            </a:rPr>
+                          </m:ctrlPr>
+                        </m:sSubPr>
+                        <m:e>
+                          <m:r>
+                            <a:rPr lang="en-US" altLang="ko-KR" b="0" i="1" smtClean="0">
+                              <a:latin typeface="Cambria Math" panose="02040503050406030204" pitchFamily="18" charset="0"/>
+                            </a:rPr>
+                            <m:t>𝑁</m:t>
+                          </m:r>
+                        </m:e>
+                        <m:sub>
+                          <m:r>
+                            <a:rPr lang="en-US" altLang="ko-KR" b="0" i="1" smtClean="0">
+                              <a:latin typeface="Cambria Math" panose="02040503050406030204" pitchFamily="18" charset="0"/>
+                            </a:rPr>
+                            <m:t>𝑥</m:t>
+                          </m:r>
+                        </m:sub>
+                      </m:sSub>
+                    </m:oMath>
+                  </m:oMathPara>
+                </a14:m>
+                <a:endParaRPr lang="ko-KR" altLang="en-US" dirty="0"/>
+              </a:p>
+            </p:txBody>
+          </p:sp>
+        </mc:Choice>
+        <mc:Fallback>
+          <p:sp>
+            <p:nvSpPr>
+              <p:cNvPr id="45" name="TextBox 44"/>
+              <p:cNvSpPr txBox="1">
+                <a:spLocks noRot="1" noChangeAspect="1" noMove="1" noResize="1" noEditPoints="1" noAdjustHandles="1" noChangeArrowheads="1" noChangeShapeType="1" noTextEdit="1"/>
+              </p:cNvSpPr>
+              <p:nvPr/>
+            </p:nvSpPr>
+            <p:spPr>
+              <a:xfrm>
+                <a:off x="3166565" y="4283811"/>
+                <a:ext cx="344325" cy="276999"/>
+              </a:xfrm>
+              <a:prstGeom prst="rect">
+                <a:avLst/>
+              </a:prstGeom>
+              <a:blipFill rotWithShape="0">
+                <a:blip r:embed="rId6"/>
+                <a:stretch>
+                  <a:fillRect l="-10526" b="-15556"/>
+                </a:stretch>
+              </a:blipFill>
+            </p:spPr>
+            <p:txBody>
+              <a:bodyPr/>
+              <a:lstStyle/>
+              <a:p>
+                <a:r>
+                  <a:rPr lang="ko-KR" altLang="en-US">
+                    <a:noFill/>
+                  </a:rPr>
+                  <a:t> </a:t>
+                </a:r>
+              </a:p>
+            </p:txBody>
+          </p:sp>
+        </mc:Fallback>
+      </mc:AlternateContent>
+      <mc:AlternateContent xmlns:mc="http://schemas.openxmlformats.org/markup-compatibility/2006">
+        <mc:Choice xmlns:a14="http://schemas.microsoft.com/office/drawing/2010/main" Requires="a14">
+          <p:sp>
+            <p:nvSpPr>
+              <p:cNvPr id="46" name="TextBox 45"/>
+              <p:cNvSpPr txBox="1"/>
+              <p:nvPr/>
+            </p:nvSpPr>
+            <p:spPr>
+              <a:xfrm>
+                <a:off x="4195029" y="4054848"/>
+                <a:ext cx="378822" cy="276999"/>
+              </a:xfrm>
+              <a:prstGeom prst="rect">
+                <a:avLst/>
+              </a:prstGeom>
+              <a:noFill/>
+            </p:spPr>
+            <p:txBody>
+              <a:bodyPr wrap="none" lIns="0" tIns="0" rIns="0" bIns="0" rtlCol="0">
+                <a:spAutoFit/>
+              </a:bodyPr>
+              <a:lstStyle/>
+              <a:p>
+                <a:pPr/>
+                <a14:m>
+                  <m:oMathPara xmlns:m="http://schemas.openxmlformats.org/officeDocument/2006/math">
+                    <m:oMathParaPr>
+                      <m:jc m:val="centerGroup"/>
+                    </m:oMathParaPr>
+                    <m:oMath xmlns:m="http://schemas.openxmlformats.org/officeDocument/2006/math">
+                      <m:sSub>
+                        <m:sSubPr>
+                          <m:ctrlPr>
+                            <a:rPr lang="en-US" altLang="ko-KR" b="0" i="1" smtClean="0">
+                              <a:latin typeface="Cambria Math" panose="02040503050406030204" pitchFamily="18" charset="0"/>
+                            </a:rPr>
+                          </m:ctrlPr>
+                        </m:sSubPr>
+                        <m:e>
+                          <m:r>
+                            <a:rPr lang="en-US" altLang="ko-KR" b="0" i="1" smtClean="0">
+                              <a:latin typeface="Cambria Math" panose="02040503050406030204" pitchFamily="18" charset="0"/>
+                            </a:rPr>
+                            <m:t>𝑀</m:t>
+                          </m:r>
+                        </m:e>
+                        <m:sub>
+                          <m:r>
+                            <a:rPr lang="en-US" altLang="ko-KR" b="0" i="1" smtClean="0">
+                              <a:latin typeface="Cambria Math" panose="02040503050406030204" pitchFamily="18" charset="0"/>
+                            </a:rPr>
+                            <m:t>𝑥</m:t>
+                          </m:r>
+                        </m:sub>
+                      </m:sSub>
+                    </m:oMath>
+                  </m:oMathPara>
+                </a14:m>
+                <a:endParaRPr lang="ko-KR" altLang="en-US" dirty="0"/>
+              </a:p>
+            </p:txBody>
+          </p:sp>
+        </mc:Choice>
+        <mc:Fallback>
+          <p:sp>
+            <p:nvSpPr>
+              <p:cNvPr id="46" name="TextBox 45"/>
+              <p:cNvSpPr txBox="1">
+                <a:spLocks noRot="1" noChangeAspect="1" noMove="1" noResize="1" noEditPoints="1" noAdjustHandles="1" noChangeArrowheads="1" noChangeShapeType="1" noTextEdit="1"/>
+              </p:cNvSpPr>
+              <p:nvPr/>
+            </p:nvSpPr>
+            <p:spPr>
+              <a:xfrm>
+                <a:off x="4195029" y="4054848"/>
+                <a:ext cx="378822" cy="276999"/>
+              </a:xfrm>
+              <a:prstGeom prst="rect">
+                <a:avLst/>
+              </a:prstGeom>
+              <a:blipFill rotWithShape="0">
+                <a:blip r:embed="rId7"/>
+                <a:stretch>
+                  <a:fillRect l="-9677" b="-15217"/>
+                </a:stretch>
+              </a:blipFill>
+            </p:spPr>
+            <p:txBody>
+              <a:bodyPr/>
+              <a:lstStyle/>
+              <a:p>
+                <a:r>
+                  <a:rPr lang="ko-KR" altLang="en-US">
+                    <a:noFill/>
+                  </a:rPr>
+                  <a:t> </a:t>
+                </a:r>
+              </a:p>
+            </p:txBody>
+          </p:sp>
+        </mc:Fallback>
+      </mc:AlternateContent>
+      <mc:AlternateContent xmlns:mc="http://schemas.openxmlformats.org/markup-compatibility/2006">
+        <mc:Choice xmlns:a14="http://schemas.microsoft.com/office/drawing/2010/main" Requires="a14">
+          <p:sp>
+            <p:nvSpPr>
+              <p:cNvPr id="75" name="TextBox 74"/>
+              <p:cNvSpPr txBox="1"/>
+              <p:nvPr/>
+            </p:nvSpPr>
+            <p:spPr>
+              <a:xfrm>
+                <a:off x="10848952" y="4006980"/>
+                <a:ext cx="393248" cy="298928"/>
+              </a:xfrm>
+              <a:prstGeom prst="rect">
+                <a:avLst/>
+              </a:prstGeom>
+              <a:noFill/>
+            </p:spPr>
+            <p:txBody>
+              <a:bodyPr wrap="square" lIns="0" tIns="0" rIns="0" bIns="0" rtlCol="0">
+                <a:spAutoFit/>
+              </a:bodyPr>
+              <a:lstStyle/>
+              <a:p>
+                <a:pPr/>
+                <a14:m>
+                  <m:oMathPara xmlns:m="http://schemas.openxmlformats.org/officeDocument/2006/math">
+                    <m:oMathParaPr>
+                      <m:jc m:val="centerGroup"/>
+                    </m:oMathParaPr>
+                    <m:oMath xmlns:m="http://schemas.openxmlformats.org/officeDocument/2006/math">
+                      <m:sSub>
+                        <m:sSubPr>
+                          <m:ctrlPr>
+                            <a:rPr lang="en-US" altLang="ko-KR" b="0" i="1" smtClean="0">
+                              <a:latin typeface="Cambria Math" panose="02040503050406030204" pitchFamily="18" charset="0"/>
+                            </a:rPr>
+                          </m:ctrlPr>
+                        </m:sSubPr>
+                        <m:e>
+                          <m:r>
+                            <a:rPr lang="en-US" altLang="ko-KR" b="0" i="1" smtClean="0">
+                              <a:latin typeface="Cambria Math" panose="02040503050406030204" pitchFamily="18" charset="0"/>
+                            </a:rPr>
+                            <m:t>𝑀</m:t>
+                          </m:r>
+                        </m:e>
+                        <m:sub>
+                          <m:r>
+                            <a:rPr lang="en-US" altLang="ko-KR" b="0" i="1" smtClean="0">
+                              <a:latin typeface="Cambria Math" panose="02040503050406030204" pitchFamily="18" charset="0"/>
+                            </a:rPr>
+                            <m:t>𝑦</m:t>
+                          </m:r>
+                        </m:sub>
+                      </m:sSub>
+                    </m:oMath>
+                  </m:oMathPara>
+                </a14:m>
+                <a:endParaRPr lang="ko-KR" altLang="en-US" dirty="0"/>
+              </a:p>
+            </p:txBody>
+          </p:sp>
+        </mc:Choice>
+        <mc:Fallback>
+          <p:sp>
+            <p:nvSpPr>
+              <p:cNvPr id="75" name="TextBox 74"/>
+              <p:cNvSpPr txBox="1">
+                <a:spLocks noRot="1" noChangeAspect="1" noMove="1" noResize="1" noEditPoints="1" noAdjustHandles="1" noChangeArrowheads="1" noChangeShapeType="1" noTextEdit="1"/>
+              </p:cNvSpPr>
+              <p:nvPr/>
+            </p:nvSpPr>
+            <p:spPr>
+              <a:xfrm>
+                <a:off x="10848952" y="4006980"/>
+                <a:ext cx="393248" cy="298928"/>
+              </a:xfrm>
+              <a:prstGeom prst="rect">
+                <a:avLst/>
+              </a:prstGeom>
+              <a:blipFill rotWithShape="0">
+                <a:blip r:embed="rId8"/>
+                <a:stretch>
+                  <a:fillRect l="-10938" r="-1563" b="-20408"/>
+                </a:stretch>
+              </a:blipFill>
+            </p:spPr>
+            <p:txBody>
+              <a:bodyPr/>
+              <a:lstStyle/>
+              <a:p>
+                <a:r>
+                  <a:rPr lang="ko-KR" altLang="en-US">
+                    <a:noFill/>
+                  </a:rPr>
+                  <a:t> </a:t>
+                </a:r>
+              </a:p>
+            </p:txBody>
+          </p:sp>
+        </mc:Fallback>
+      </mc:AlternateContent>
+      <p:cxnSp>
+        <p:nvCxnSpPr>
+          <p:cNvPr id="78" name="직선 화살표 연결선 77"/>
+          <p:cNvCxnSpPr/>
+          <p:nvPr/>
+        </p:nvCxnSpPr>
+        <p:spPr>
+          <a:xfrm flipH="1">
+            <a:off x="8418802" y="4912247"/>
+            <a:ext cx="279415" cy="516167"/>
+          </a:xfrm>
+          <a:prstGeom prst="straightConnector1">
+            <a:avLst/>
+          </a:prstGeom>
+          <a:ln w="28575">
+            <a:solidFill>
+              <a:schemeClr val="tx1"/>
+            </a:solidFill>
+            <a:headEnd w="lg" len="lg"/>
+            <a:tailEnd type="triangle" w="lg" len="lg"/>
+          </a:ln>
+        </p:spPr>
+        <p:style>
+          <a:lnRef idx="1">
+            <a:schemeClr val="accent1"/>
+          </a:lnRef>
+          <a:fillRef idx="0">
+            <a:schemeClr val="accent1"/>
+          </a:fillRef>
+          <a:effectRef idx="0">
+            <a:schemeClr val="accent1"/>
+          </a:effectRef>
+          <a:fontRef idx="minor">
+            <a:schemeClr val="tx1"/>
+          </a:fontRef>
+        </p:style>
+      </p:cxnSp>
+      <mc:AlternateContent xmlns:mc="http://schemas.openxmlformats.org/markup-compatibility/2006">
+        <mc:Choice xmlns:a14="http://schemas.microsoft.com/office/drawing/2010/main" Requires="a14">
+          <p:sp>
+            <p:nvSpPr>
+              <p:cNvPr id="79" name="TextBox 78"/>
+              <p:cNvSpPr txBox="1"/>
+              <p:nvPr/>
+            </p:nvSpPr>
+            <p:spPr>
+              <a:xfrm>
+                <a:off x="8232683" y="5481886"/>
+                <a:ext cx="378822" cy="276999"/>
+              </a:xfrm>
+              <a:prstGeom prst="rect">
+                <a:avLst/>
+              </a:prstGeom>
+              <a:noFill/>
+            </p:spPr>
+            <p:txBody>
+              <a:bodyPr wrap="none" lIns="0" tIns="0" rIns="0" bIns="0" rtlCol="0">
+                <a:spAutoFit/>
+              </a:bodyPr>
+              <a:lstStyle/>
+              <a:p>
+                <a:pPr/>
+                <a14:m>
+                  <m:oMathPara xmlns:m="http://schemas.openxmlformats.org/officeDocument/2006/math">
+                    <m:oMathParaPr>
+                      <m:jc m:val="centerGroup"/>
+                    </m:oMathParaPr>
+                    <m:oMath xmlns:m="http://schemas.openxmlformats.org/officeDocument/2006/math">
+                      <m:sSub>
+                        <m:sSubPr>
+                          <m:ctrlPr>
+                            <a:rPr lang="en-US" altLang="ko-KR" b="0" i="1" smtClean="0">
+                              <a:latin typeface="Cambria Math" panose="02040503050406030204" pitchFamily="18" charset="0"/>
+                            </a:rPr>
+                          </m:ctrlPr>
+                        </m:sSubPr>
+                        <m:e>
+                          <m:r>
+                            <a:rPr lang="en-US" altLang="ko-KR" b="0" i="1" smtClean="0">
+                              <a:latin typeface="Cambria Math" panose="02040503050406030204" pitchFamily="18" charset="0"/>
+                            </a:rPr>
+                            <m:t>𝑀</m:t>
+                          </m:r>
+                        </m:e>
+                        <m:sub>
+                          <m:r>
+                            <a:rPr lang="en-US" altLang="ko-KR" b="0" i="1" smtClean="0">
+                              <a:latin typeface="Cambria Math" panose="02040503050406030204" pitchFamily="18" charset="0"/>
+                            </a:rPr>
+                            <m:t>𝑥</m:t>
+                          </m:r>
+                        </m:sub>
+                      </m:sSub>
+                    </m:oMath>
+                  </m:oMathPara>
+                </a14:m>
+                <a:endParaRPr lang="ko-KR" altLang="en-US" dirty="0"/>
+              </a:p>
+            </p:txBody>
+          </p:sp>
+        </mc:Choice>
+        <mc:Fallback>
+          <p:sp>
+            <p:nvSpPr>
+              <p:cNvPr id="79" name="TextBox 78"/>
+              <p:cNvSpPr txBox="1">
+                <a:spLocks noRot="1" noChangeAspect="1" noMove="1" noResize="1" noEditPoints="1" noAdjustHandles="1" noChangeArrowheads="1" noChangeShapeType="1" noTextEdit="1"/>
+              </p:cNvSpPr>
+              <p:nvPr/>
+            </p:nvSpPr>
+            <p:spPr>
+              <a:xfrm>
+                <a:off x="8232683" y="5481886"/>
+                <a:ext cx="378822" cy="276999"/>
+              </a:xfrm>
+              <a:prstGeom prst="rect">
+                <a:avLst/>
+              </a:prstGeom>
+              <a:blipFill rotWithShape="0">
+                <a:blip r:embed="rId9"/>
+                <a:stretch>
+                  <a:fillRect l="-11290" b="-15217"/>
+                </a:stretch>
+              </a:blipFill>
+            </p:spPr>
+            <p:txBody>
+              <a:bodyPr/>
+              <a:lstStyle/>
+              <a:p>
+                <a:r>
+                  <a:rPr lang="ko-KR" altLang="en-US">
+                    <a:noFill/>
+                  </a:rPr>
+                  <a:t> </a:t>
+                </a:r>
+              </a:p>
+            </p:txBody>
+          </p:sp>
+        </mc:Fallback>
+      </mc:AlternateContent>
+      <p:cxnSp>
+        <p:nvCxnSpPr>
+          <p:cNvPr id="80" name="직선 화살표 연결선 79"/>
+          <p:cNvCxnSpPr/>
+          <p:nvPr/>
+        </p:nvCxnSpPr>
+        <p:spPr>
+          <a:xfrm flipH="1" flipV="1">
+            <a:off x="9055985" y="2399150"/>
+            <a:ext cx="10107" cy="709862"/>
+          </a:xfrm>
+          <a:prstGeom prst="straightConnector1">
+            <a:avLst/>
+          </a:prstGeom>
+          <a:ln w="28575">
+            <a:solidFill>
+              <a:schemeClr val="tx1"/>
+            </a:solidFill>
+            <a:headEnd w="lg" len="lg"/>
+            <a:tailEnd type="triangle" w="lg" len="lg"/>
+          </a:ln>
+        </p:spPr>
+        <p:style>
+          <a:lnRef idx="1">
+            <a:schemeClr val="accent1"/>
+          </a:lnRef>
+          <a:fillRef idx="0">
+            <a:schemeClr val="accent1"/>
+          </a:fillRef>
+          <a:effectRef idx="0">
+            <a:schemeClr val="accent1"/>
+          </a:effectRef>
+          <a:fontRef idx="minor">
+            <a:schemeClr val="tx1"/>
+          </a:fontRef>
+        </p:style>
+      </p:cxnSp>
+      <mc:AlternateContent xmlns:mc="http://schemas.openxmlformats.org/markup-compatibility/2006">
+        <mc:Choice xmlns:a14="http://schemas.microsoft.com/office/drawing/2010/main" Requires="a14">
+          <p:sp>
+            <p:nvSpPr>
+              <p:cNvPr id="81" name="TextBox 80"/>
+              <p:cNvSpPr txBox="1"/>
+              <p:nvPr/>
+            </p:nvSpPr>
+            <p:spPr>
+              <a:xfrm>
+                <a:off x="9009889" y="2048783"/>
+                <a:ext cx="368434" cy="276999"/>
+              </a:xfrm>
+              <a:prstGeom prst="rect">
+                <a:avLst/>
+              </a:prstGeom>
+              <a:noFill/>
+            </p:spPr>
+            <p:txBody>
+              <a:bodyPr wrap="none" lIns="0" tIns="0" rIns="0" bIns="0" rtlCol="0">
+                <a:spAutoFit/>
+              </a:bodyPr>
+              <a:lstStyle/>
+              <a:p>
+                <a:pPr/>
+                <a14:m>
+                  <m:oMathPara xmlns:m="http://schemas.openxmlformats.org/officeDocument/2006/math">
+                    <m:oMathParaPr>
+                      <m:jc m:val="centerGroup"/>
+                    </m:oMathParaPr>
+                    <m:oMath xmlns:m="http://schemas.openxmlformats.org/officeDocument/2006/math">
+                      <m:sSub>
+                        <m:sSubPr>
+                          <m:ctrlPr>
+                            <a:rPr lang="en-US" altLang="ko-KR" b="0" i="1" smtClean="0">
+                              <a:latin typeface="Cambria Math" panose="02040503050406030204" pitchFamily="18" charset="0"/>
+                            </a:rPr>
+                          </m:ctrlPr>
+                        </m:sSubPr>
+                        <m:e>
+                          <m:r>
+                            <a:rPr lang="en-US" altLang="ko-KR" b="0" i="1" smtClean="0">
+                              <a:latin typeface="Cambria Math" panose="02040503050406030204" pitchFamily="18" charset="0"/>
+                            </a:rPr>
+                            <m:t>𝑀</m:t>
+                          </m:r>
+                        </m:e>
+                        <m:sub>
+                          <m:r>
+                            <a:rPr lang="en-US" altLang="ko-KR" b="0" i="1" smtClean="0">
+                              <a:latin typeface="Cambria Math" panose="02040503050406030204" pitchFamily="18" charset="0"/>
+                            </a:rPr>
+                            <m:t>𝑧</m:t>
+                          </m:r>
+                        </m:sub>
+                      </m:sSub>
+                    </m:oMath>
+                  </m:oMathPara>
+                </a14:m>
+                <a:endParaRPr lang="ko-KR" altLang="en-US" dirty="0"/>
+              </a:p>
+            </p:txBody>
+          </p:sp>
+        </mc:Choice>
+        <mc:Fallback>
+          <p:sp>
+            <p:nvSpPr>
+              <p:cNvPr id="81" name="TextBox 80"/>
+              <p:cNvSpPr txBox="1">
+                <a:spLocks noRot="1" noChangeAspect="1" noMove="1" noResize="1" noEditPoints="1" noAdjustHandles="1" noChangeArrowheads="1" noChangeShapeType="1" noTextEdit="1"/>
+              </p:cNvSpPr>
+              <p:nvPr/>
+            </p:nvSpPr>
+            <p:spPr>
+              <a:xfrm>
+                <a:off x="9009889" y="2048783"/>
+                <a:ext cx="368434" cy="276999"/>
+              </a:xfrm>
+              <a:prstGeom prst="rect">
+                <a:avLst/>
+              </a:prstGeom>
+              <a:blipFill rotWithShape="0">
+                <a:blip r:embed="rId10"/>
+                <a:stretch>
+                  <a:fillRect l="-10000" b="-15217"/>
+                </a:stretch>
+              </a:blipFill>
+            </p:spPr>
+            <p:txBody>
+              <a:bodyPr/>
+              <a:lstStyle/>
+              <a:p>
+                <a:r>
+                  <a:rPr lang="ko-KR" altLang="en-US">
+                    <a:noFill/>
+                  </a:rPr>
+                  <a:t> </a:t>
+                </a:r>
+              </a:p>
+            </p:txBody>
+          </p:sp>
+        </mc:Fallback>
+      </mc:AlternateContent>
+      <p:cxnSp>
+        <p:nvCxnSpPr>
+          <p:cNvPr id="82" name="직선 화살표 연결선 81"/>
+          <p:cNvCxnSpPr/>
+          <p:nvPr/>
+        </p:nvCxnSpPr>
+        <p:spPr>
+          <a:xfrm>
+            <a:off x="356233" y="2799807"/>
+            <a:ext cx="511868" cy="1266"/>
+          </a:xfrm>
+          <a:prstGeom prst="straightConnector1">
+            <a:avLst/>
+          </a:prstGeom>
+          <a:ln w="28575">
+            <a:solidFill>
+              <a:schemeClr val="tx1"/>
+            </a:solidFill>
+            <a:headEnd w="lg" len="lg"/>
+            <a:tailEnd type="triangle" w="lg" len="lg"/>
+          </a:ln>
+        </p:spPr>
+        <p:style>
+          <a:lnRef idx="1">
+            <a:schemeClr val="accent1"/>
+          </a:lnRef>
+          <a:fillRef idx="0">
+            <a:schemeClr val="accent1"/>
+          </a:fillRef>
+          <a:effectRef idx="0">
+            <a:schemeClr val="accent1"/>
+          </a:effectRef>
+          <a:fontRef idx="minor">
+            <a:schemeClr val="tx1"/>
+          </a:fontRef>
+        </p:style>
+      </p:cxnSp>
+      <p:cxnSp>
+        <p:nvCxnSpPr>
+          <p:cNvPr id="83" name="직선 화살표 연결선 82"/>
+          <p:cNvCxnSpPr/>
+          <p:nvPr/>
+        </p:nvCxnSpPr>
+        <p:spPr>
+          <a:xfrm flipV="1">
+            <a:off x="520861" y="2415503"/>
+            <a:ext cx="815" cy="501318"/>
+          </a:xfrm>
+          <a:prstGeom prst="straightConnector1">
+            <a:avLst/>
+          </a:prstGeom>
+          <a:ln w="28575">
+            <a:solidFill>
+              <a:schemeClr val="tx1"/>
+            </a:solidFill>
+            <a:headEnd w="lg" len="lg"/>
+            <a:tailEnd type="triangle" w="lg" len="lg"/>
+          </a:ln>
+        </p:spPr>
+        <p:style>
+          <a:lnRef idx="1">
+            <a:schemeClr val="accent1"/>
+          </a:lnRef>
+          <a:fillRef idx="0">
+            <a:schemeClr val="accent1"/>
+          </a:fillRef>
+          <a:effectRef idx="0">
+            <a:schemeClr val="accent1"/>
+          </a:effectRef>
+          <a:fontRef idx="minor">
+            <a:schemeClr val="tx1"/>
+          </a:fontRef>
+        </p:style>
+      </p:cxnSp>
+      <mc:AlternateContent xmlns:mc="http://schemas.openxmlformats.org/markup-compatibility/2006">
+        <mc:Choice xmlns:a14="http://schemas.microsoft.com/office/drawing/2010/main" Requires="a14">
+          <p:sp>
+            <p:nvSpPr>
+              <p:cNvPr id="84" name="TextBox 83"/>
+              <p:cNvSpPr txBox="1"/>
+              <p:nvPr/>
+            </p:nvSpPr>
+            <p:spPr>
+              <a:xfrm>
+                <a:off x="615082" y="2187282"/>
+                <a:ext cx="215572" cy="276999"/>
+              </a:xfrm>
+              <a:prstGeom prst="rect">
+                <a:avLst/>
+              </a:prstGeom>
+              <a:noFill/>
+            </p:spPr>
+            <p:txBody>
+              <a:bodyPr wrap="none" lIns="0" tIns="0" rIns="0" bIns="0" rtlCol="0">
+                <a:spAutoFit/>
+              </a:bodyPr>
+              <a:lstStyle/>
+              <a:p>
+                <a:pPr/>
+                <a14:m>
+                  <m:oMathPara xmlns:m="http://schemas.openxmlformats.org/officeDocument/2006/math">
+                    <m:oMathParaPr>
+                      <m:jc m:val="centerGroup"/>
+                    </m:oMathParaPr>
+                    <m:oMath xmlns:m="http://schemas.openxmlformats.org/officeDocument/2006/math">
+                      <m:r>
+                        <a:rPr lang="en-US" altLang="ko-KR" b="0" i="1" smtClean="0">
+                          <a:latin typeface="Cambria Math" panose="02040503050406030204" pitchFamily="18" charset="0"/>
+                        </a:rPr>
+                        <m:t>𝑦</m:t>
+                      </m:r>
+                    </m:oMath>
+                  </m:oMathPara>
+                </a14:m>
+                <a:endParaRPr lang="ko-KR" altLang="en-US" dirty="0"/>
+              </a:p>
+            </p:txBody>
+          </p:sp>
+        </mc:Choice>
+        <mc:Fallback>
+          <p:sp>
+            <p:nvSpPr>
+              <p:cNvPr id="84" name="TextBox 83"/>
+              <p:cNvSpPr txBox="1">
+                <a:spLocks noRot="1" noChangeAspect="1" noMove="1" noResize="1" noEditPoints="1" noAdjustHandles="1" noChangeArrowheads="1" noChangeShapeType="1" noTextEdit="1"/>
+              </p:cNvSpPr>
+              <p:nvPr/>
+            </p:nvSpPr>
+            <p:spPr>
+              <a:xfrm>
+                <a:off x="615082" y="2187282"/>
+                <a:ext cx="215572" cy="276999"/>
+              </a:xfrm>
+              <a:prstGeom prst="rect">
+                <a:avLst/>
+              </a:prstGeom>
+              <a:blipFill rotWithShape="0">
+                <a:blip r:embed="rId11"/>
+                <a:stretch>
+                  <a:fillRect l="-20000" r="-20000" b="-31111"/>
+                </a:stretch>
+              </a:blipFill>
+            </p:spPr>
+            <p:txBody>
+              <a:bodyPr/>
+              <a:lstStyle/>
+              <a:p>
+                <a:r>
+                  <a:rPr lang="ko-KR" altLang="en-US">
+                    <a:noFill/>
+                  </a:rPr>
+                  <a:t> </a:t>
+                </a:r>
+              </a:p>
+            </p:txBody>
+          </p:sp>
+        </mc:Fallback>
+      </mc:AlternateContent>
+      <mc:AlternateContent xmlns:mc="http://schemas.openxmlformats.org/markup-compatibility/2006">
+        <mc:Choice xmlns:a14="http://schemas.microsoft.com/office/drawing/2010/main" Requires="a14">
+          <p:sp>
+            <p:nvSpPr>
+              <p:cNvPr id="85" name="TextBox 84"/>
+              <p:cNvSpPr txBox="1"/>
+              <p:nvPr/>
+            </p:nvSpPr>
+            <p:spPr>
+              <a:xfrm>
+                <a:off x="920038" y="2639822"/>
+                <a:ext cx="215572" cy="276999"/>
+              </a:xfrm>
+              <a:prstGeom prst="rect">
+                <a:avLst/>
+              </a:prstGeom>
+              <a:noFill/>
+            </p:spPr>
+            <p:txBody>
+              <a:bodyPr wrap="none" lIns="0" tIns="0" rIns="0" bIns="0" rtlCol="0">
+                <a:spAutoFit/>
+              </a:bodyPr>
+              <a:lstStyle/>
+              <a:p>
+                <a:pPr/>
+                <a14:m>
+                  <m:oMathPara xmlns:m="http://schemas.openxmlformats.org/officeDocument/2006/math">
+                    <m:oMathParaPr>
+                      <m:jc m:val="centerGroup"/>
+                    </m:oMathParaPr>
+                    <m:oMath xmlns:m="http://schemas.openxmlformats.org/officeDocument/2006/math">
+                      <m:r>
+                        <a:rPr lang="en-US" altLang="ko-KR" b="0" i="1" smtClean="0">
+                          <a:latin typeface="Cambria Math" panose="02040503050406030204" pitchFamily="18" charset="0"/>
+                        </a:rPr>
+                        <m:t>𝑥</m:t>
+                      </m:r>
+                    </m:oMath>
+                  </m:oMathPara>
+                </a14:m>
+                <a:endParaRPr lang="ko-KR" altLang="en-US" dirty="0"/>
+              </a:p>
+            </p:txBody>
+          </p:sp>
+        </mc:Choice>
+        <mc:Fallback>
+          <p:sp>
+            <p:nvSpPr>
+              <p:cNvPr id="85" name="TextBox 84"/>
+              <p:cNvSpPr txBox="1">
+                <a:spLocks noRot="1" noChangeAspect="1" noMove="1" noResize="1" noEditPoints="1" noAdjustHandles="1" noChangeArrowheads="1" noChangeShapeType="1" noTextEdit="1"/>
+              </p:cNvSpPr>
+              <p:nvPr/>
+            </p:nvSpPr>
+            <p:spPr>
+              <a:xfrm>
+                <a:off x="920038" y="2639822"/>
+                <a:ext cx="215572" cy="276999"/>
+              </a:xfrm>
+              <a:prstGeom prst="rect">
+                <a:avLst/>
+              </a:prstGeom>
+              <a:blipFill rotWithShape="0">
+                <a:blip r:embed="rId12"/>
+                <a:stretch>
+                  <a:fillRect l="-8571" r="-5714" b="-4444"/>
+                </a:stretch>
+              </a:blipFill>
+            </p:spPr>
+            <p:txBody>
+              <a:bodyPr/>
+              <a:lstStyle/>
+              <a:p>
+                <a:r>
+                  <a:rPr lang="ko-KR" altLang="en-US">
+                    <a:noFill/>
+                  </a:rPr>
+                  <a:t> </a:t>
+                </a:r>
+              </a:p>
+            </p:txBody>
+          </p:sp>
+        </mc:Fallback>
+      </mc:AlternateContent>
+      <p:cxnSp>
+        <p:nvCxnSpPr>
+          <p:cNvPr id="86" name="직선 화살표 연결선 85"/>
+          <p:cNvCxnSpPr/>
+          <p:nvPr/>
+        </p:nvCxnSpPr>
+        <p:spPr>
+          <a:xfrm>
+            <a:off x="6464454" y="2719792"/>
+            <a:ext cx="582131" cy="0"/>
+          </a:xfrm>
+          <a:prstGeom prst="straightConnector1">
+            <a:avLst/>
+          </a:prstGeom>
+          <a:ln w="28575">
+            <a:solidFill>
+              <a:schemeClr val="tx1"/>
+            </a:solidFill>
+            <a:headEnd w="lg" len="lg"/>
+            <a:tailEnd type="triangle" w="lg" len="lg"/>
+          </a:ln>
+        </p:spPr>
+        <p:style>
+          <a:lnRef idx="1">
+            <a:schemeClr val="accent1"/>
+          </a:lnRef>
+          <a:fillRef idx="0">
+            <a:schemeClr val="accent1"/>
+          </a:fillRef>
+          <a:effectRef idx="0">
+            <a:schemeClr val="accent1"/>
+          </a:effectRef>
+          <a:fontRef idx="minor">
+            <a:schemeClr val="tx1"/>
+          </a:fontRef>
+        </p:style>
+      </p:cxnSp>
+      <p:cxnSp>
+        <p:nvCxnSpPr>
+          <p:cNvPr id="87" name="직선 화살표 연결선 86"/>
+          <p:cNvCxnSpPr/>
+          <p:nvPr/>
+        </p:nvCxnSpPr>
+        <p:spPr>
+          <a:xfrm flipH="1" flipV="1">
+            <a:off x="6641471" y="2300763"/>
+            <a:ext cx="10107" cy="709862"/>
+          </a:xfrm>
+          <a:prstGeom prst="straightConnector1">
+            <a:avLst/>
+          </a:prstGeom>
+          <a:ln w="28575">
+            <a:solidFill>
+              <a:schemeClr val="tx1"/>
+            </a:solidFill>
+            <a:headEnd w="lg" len="lg"/>
+            <a:tailEnd type="triangle" w="lg" len="lg"/>
+          </a:ln>
+        </p:spPr>
+        <p:style>
+          <a:lnRef idx="1">
+            <a:schemeClr val="accent1"/>
+          </a:lnRef>
+          <a:fillRef idx="0">
+            <a:schemeClr val="accent1"/>
+          </a:fillRef>
+          <a:effectRef idx="0">
+            <a:schemeClr val="accent1"/>
+          </a:effectRef>
+          <a:fontRef idx="minor">
+            <a:schemeClr val="tx1"/>
+          </a:fontRef>
+        </p:style>
+      </p:cxnSp>
+      <mc:AlternateContent xmlns:mc="http://schemas.openxmlformats.org/markup-compatibility/2006">
+        <mc:Choice xmlns:a14="http://schemas.microsoft.com/office/drawing/2010/main" Requires="a14">
+          <p:sp>
+            <p:nvSpPr>
+              <p:cNvPr id="88" name="TextBox 87"/>
+              <p:cNvSpPr txBox="1"/>
+              <p:nvPr/>
+            </p:nvSpPr>
+            <p:spPr>
+              <a:xfrm>
+                <a:off x="7084332" y="2557532"/>
+                <a:ext cx="215572" cy="276999"/>
+              </a:xfrm>
+              <a:prstGeom prst="rect">
+                <a:avLst/>
+              </a:prstGeom>
+              <a:noFill/>
+            </p:spPr>
+            <p:txBody>
+              <a:bodyPr wrap="none" lIns="0" tIns="0" rIns="0" bIns="0" rtlCol="0">
+                <a:spAutoFit/>
+              </a:bodyPr>
+              <a:lstStyle/>
+              <a:p>
+                <a:pPr/>
+                <a14:m>
+                  <m:oMathPara xmlns:m="http://schemas.openxmlformats.org/officeDocument/2006/math">
+                    <m:oMathParaPr>
+                      <m:jc m:val="centerGroup"/>
+                    </m:oMathParaPr>
+                    <m:oMath xmlns:m="http://schemas.openxmlformats.org/officeDocument/2006/math">
+                      <m:r>
+                        <a:rPr lang="en-US" altLang="ko-KR" b="0" i="1" smtClean="0">
+                          <a:latin typeface="Cambria Math" panose="02040503050406030204" pitchFamily="18" charset="0"/>
+                        </a:rPr>
+                        <m:t>𝑦</m:t>
+                      </m:r>
+                    </m:oMath>
+                  </m:oMathPara>
+                </a14:m>
+                <a:endParaRPr lang="ko-KR" altLang="en-US" dirty="0"/>
+              </a:p>
+            </p:txBody>
+          </p:sp>
+        </mc:Choice>
+        <mc:Fallback>
+          <p:sp>
+            <p:nvSpPr>
+              <p:cNvPr id="88" name="TextBox 87"/>
+              <p:cNvSpPr txBox="1">
+                <a:spLocks noRot="1" noChangeAspect="1" noMove="1" noResize="1" noEditPoints="1" noAdjustHandles="1" noChangeArrowheads="1" noChangeShapeType="1" noTextEdit="1"/>
+              </p:cNvSpPr>
+              <p:nvPr/>
+            </p:nvSpPr>
+            <p:spPr>
+              <a:xfrm>
+                <a:off x="7084332" y="2557532"/>
+                <a:ext cx="215572" cy="276999"/>
+              </a:xfrm>
+              <a:prstGeom prst="rect">
+                <a:avLst/>
+              </a:prstGeom>
+              <a:blipFill rotWithShape="0">
+                <a:blip r:embed="rId13"/>
+                <a:stretch>
+                  <a:fillRect l="-20000" r="-20000" b="-31111"/>
+                </a:stretch>
+              </a:blipFill>
+            </p:spPr>
+            <p:txBody>
+              <a:bodyPr/>
+              <a:lstStyle/>
+              <a:p>
+                <a:r>
+                  <a:rPr lang="ko-KR" altLang="en-US">
+                    <a:noFill/>
+                  </a:rPr>
+                  <a:t> </a:t>
+                </a:r>
+              </a:p>
+            </p:txBody>
+          </p:sp>
+        </mc:Fallback>
+      </mc:AlternateContent>
+      <p:cxnSp>
+        <p:nvCxnSpPr>
+          <p:cNvPr id="89" name="직선 화살표 연결선 88"/>
+          <p:cNvCxnSpPr/>
+          <p:nvPr/>
+        </p:nvCxnSpPr>
+        <p:spPr>
+          <a:xfrm flipH="1">
+            <a:off x="6464768" y="2541723"/>
+            <a:ext cx="279415" cy="516167"/>
+          </a:xfrm>
+          <a:prstGeom prst="straightConnector1">
+            <a:avLst/>
+          </a:prstGeom>
+          <a:ln w="28575">
+            <a:solidFill>
+              <a:schemeClr val="tx1"/>
+            </a:solidFill>
+            <a:headEnd w="lg" len="lg"/>
+            <a:tailEnd type="triangle" w="lg" len="lg"/>
+          </a:ln>
+        </p:spPr>
+        <p:style>
+          <a:lnRef idx="1">
+            <a:schemeClr val="accent1"/>
+          </a:lnRef>
+          <a:fillRef idx="0">
+            <a:schemeClr val="accent1"/>
+          </a:fillRef>
+          <a:effectRef idx="0">
+            <a:schemeClr val="accent1"/>
+          </a:effectRef>
+          <a:fontRef idx="minor">
+            <a:schemeClr val="tx1"/>
+          </a:fontRef>
+        </p:style>
+      </p:cxnSp>
+      <mc:AlternateContent xmlns:mc="http://schemas.openxmlformats.org/markup-compatibility/2006">
+        <mc:Choice xmlns:a14="http://schemas.microsoft.com/office/drawing/2010/main" Requires="a14">
+          <p:sp>
+            <p:nvSpPr>
+              <p:cNvPr id="90" name="TextBox 89"/>
+              <p:cNvSpPr txBox="1"/>
+              <p:nvPr/>
+            </p:nvSpPr>
+            <p:spPr>
+              <a:xfrm>
+                <a:off x="6278649" y="3111362"/>
+                <a:ext cx="212174" cy="276999"/>
+              </a:xfrm>
+              <a:prstGeom prst="rect">
+                <a:avLst/>
+              </a:prstGeom>
+              <a:noFill/>
+            </p:spPr>
+            <p:txBody>
+              <a:bodyPr wrap="none" lIns="0" tIns="0" rIns="0" bIns="0" rtlCol="0">
+                <a:spAutoFit/>
+              </a:bodyPr>
+              <a:lstStyle/>
+              <a:p>
+                <a:pPr/>
+                <a14:m>
+                  <m:oMathPara xmlns:m="http://schemas.openxmlformats.org/officeDocument/2006/math">
+                    <m:oMathParaPr>
+                      <m:jc m:val="centerGroup"/>
+                    </m:oMathParaPr>
+                    <m:oMath xmlns:m="http://schemas.openxmlformats.org/officeDocument/2006/math">
+                      <m:r>
+                        <a:rPr lang="en-US" altLang="ko-KR" b="0" i="1" smtClean="0">
+                          <a:latin typeface="Cambria Math" panose="02040503050406030204" pitchFamily="18" charset="0"/>
+                        </a:rPr>
+                        <m:t>𝑥</m:t>
+                      </m:r>
+                    </m:oMath>
+                  </m:oMathPara>
+                </a14:m>
+                <a:endParaRPr lang="ko-KR" altLang="en-US" dirty="0"/>
+              </a:p>
+            </p:txBody>
+          </p:sp>
+        </mc:Choice>
+        <mc:Fallback>
+          <p:sp>
+            <p:nvSpPr>
+              <p:cNvPr id="90" name="TextBox 89"/>
+              <p:cNvSpPr txBox="1">
+                <a:spLocks noRot="1" noChangeAspect="1" noMove="1" noResize="1" noEditPoints="1" noAdjustHandles="1" noChangeArrowheads="1" noChangeShapeType="1" noTextEdit="1"/>
+              </p:cNvSpPr>
+              <p:nvPr/>
+            </p:nvSpPr>
+            <p:spPr>
+              <a:xfrm>
+                <a:off x="6278649" y="3111362"/>
+                <a:ext cx="212174" cy="276999"/>
+              </a:xfrm>
+              <a:prstGeom prst="rect">
+                <a:avLst/>
+              </a:prstGeom>
+              <a:blipFill rotWithShape="0">
+                <a:blip r:embed="rId14"/>
+                <a:stretch>
+                  <a:fillRect l="-8571" r="-5714" b="-2174"/>
+                </a:stretch>
+              </a:blipFill>
+            </p:spPr>
+            <p:txBody>
+              <a:bodyPr/>
+              <a:lstStyle/>
+              <a:p>
+                <a:r>
+                  <a:rPr lang="ko-KR" altLang="en-US">
+                    <a:noFill/>
+                  </a:rPr>
+                  <a:t> </a:t>
+                </a:r>
+              </a:p>
+            </p:txBody>
+          </p:sp>
+        </mc:Fallback>
+      </mc:AlternateContent>
+      <mc:AlternateContent xmlns:mc="http://schemas.openxmlformats.org/markup-compatibility/2006">
+        <mc:Choice xmlns:a14="http://schemas.microsoft.com/office/drawing/2010/main" Requires="a14">
+          <p:sp>
+            <p:nvSpPr>
+              <p:cNvPr id="91" name="TextBox 90"/>
+              <p:cNvSpPr txBox="1"/>
+              <p:nvPr/>
+            </p:nvSpPr>
+            <p:spPr>
+              <a:xfrm>
+                <a:off x="6656549" y="1934729"/>
+                <a:ext cx="197939" cy="276999"/>
+              </a:xfrm>
+              <a:prstGeom prst="rect">
+                <a:avLst/>
+              </a:prstGeom>
+              <a:noFill/>
+            </p:spPr>
+            <p:txBody>
+              <a:bodyPr wrap="none" lIns="0" tIns="0" rIns="0" bIns="0" rtlCol="0">
+                <a:spAutoFit/>
+              </a:bodyPr>
+              <a:lstStyle/>
+              <a:p>
+                <a:pPr/>
+                <a14:m>
+                  <m:oMathPara xmlns:m="http://schemas.openxmlformats.org/officeDocument/2006/math">
+                    <m:oMathParaPr>
+                      <m:jc m:val="centerGroup"/>
+                    </m:oMathParaPr>
+                    <m:oMath xmlns:m="http://schemas.openxmlformats.org/officeDocument/2006/math">
+                      <m:r>
+                        <a:rPr lang="en-US" altLang="ko-KR" b="0" i="1" smtClean="0">
+                          <a:latin typeface="Cambria Math" panose="02040503050406030204" pitchFamily="18" charset="0"/>
+                        </a:rPr>
+                        <m:t>𝑧</m:t>
+                      </m:r>
+                    </m:oMath>
+                  </m:oMathPara>
+                </a14:m>
+                <a:endParaRPr lang="ko-KR" altLang="en-US" dirty="0"/>
+              </a:p>
+            </p:txBody>
+          </p:sp>
+        </mc:Choice>
+        <mc:Fallback>
+          <p:sp>
+            <p:nvSpPr>
+              <p:cNvPr id="91" name="TextBox 90"/>
+              <p:cNvSpPr txBox="1">
+                <a:spLocks noRot="1" noChangeAspect="1" noMove="1" noResize="1" noEditPoints="1" noAdjustHandles="1" noChangeArrowheads="1" noChangeShapeType="1" noTextEdit="1"/>
+              </p:cNvSpPr>
+              <p:nvPr/>
+            </p:nvSpPr>
+            <p:spPr>
+              <a:xfrm>
+                <a:off x="6656549" y="1934729"/>
+                <a:ext cx="197939" cy="276999"/>
+              </a:xfrm>
+              <a:prstGeom prst="rect">
+                <a:avLst/>
+              </a:prstGeom>
+              <a:blipFill rotWithShape="0">
+                <a:blip r:embed="rId15"/>
+                <a:stretch>
+                  <a:fillRect l="-9375" r="-9375" b="-2174"/>
+                </a:stretch>
+              </a:blipFill>
+            </p:spPr>
+            <p:txBody>
+              <a:bodyPr/>
+              <a:lstStyle/>
+              <a:p>
+                <a:r>
+                  <a:rPr lang="ko-KR" altLang="en-US">
+                    <a:noFill/>
+                  </a:rPr>
+                  <a:t> </a:t>
+                </a:r>
+              </a:p>
+            </p:txBody>
+          </p:sp>
+        </mc:Fallback>
+      </mc:AlternateContent>
+    </p:spTree>
+    <p:extLst>
+      <p:ext uri="{BB962C8B-B14F-4D97-AF65-F5344CB8AC3E}">
+        <p14:creationId xmlns:p14="http://schemas.microsoft.com/office/powerpoint/2010/main" val="1368233712"/>
+      </p:ext>
+    </p:extLst>
+  </p:cSld>
+  <p:clrMapOvr>
+    <a:masterClrMapping/>
+  </p:clrMapOvr>
+</p:sld>
+</file>
+
+<file path=ppt/slides/slide7.xml><?xml version="1.0" encoding="utf-8"?>
+<p:sld xmlns:a="http://schemas.openxmlformats.org/drawingml/2006/main" xmlns:r="http://schemas.openxmlformats.org/officeDocument/2006/relationships" xmlns:p="http://schemas.openxmlformats.org/presentationml/2006/main">
+  <p:cSld>
+    <p:spTree>
+      <p:nvGrpSpPr>
+        <p:cNvPr id="1" name=""/>
+        <p:cNvGrpSpPr/>
+        <p:nvPr/>
+      </p:nvGrpSpPr>
+      <p:grpSpPr>
+        <a:xfrm>
+          <a:off x="0" y="0"/>
+          <a:ext cx="0" cy="0"/>
+          <a:chOff x="0" y="0"/>
+          <a:chExt cx="0" cy="0"/>
+        </a:xfrm>
+      </p:grpSpPr>
+      <p:sp>
+        <p:nvSpPr>
+          <p:cNvPr id="4" name="직사각형 3"/>
+          <p:cNvSpPr/>
+          <p:nvPr/>
+        </p:nvSpPr>
+        <p:spPr>
+          <a:xfrm>
             <a:off x="740664" y="637200"/>
             <a:ext cx="5040000" cy="360000"/>
           </a:xfrm>
@@ -12546,6 +17540,41 @@
           </a:fontRef>
         </p:style>
       </p:cxnSp>
+      <p:cxnSp>
+        <p:nvCxnSpPr>
+          <p:cNvPr id="3" name="직선 연결선 2"/>
+          <p:cNvCxnSpPr/>
+          <p:nvPr/>
+        </p:nvCxnSpPr>
+        <p:spPr>
+          <a:xfrm>
+            <a:off x="740664" y="81023"/>
+            <a:ext cx="0" cy="1388962"/>
+          </a:xfrm>
+          <a:prstGeom prst="line">
+            <a:avLst/>
+          </a:prstGeom>
+          <a:ln w="28575">
+            <a:solidFill>
+              <a:schemeClr val="tx1"/>
+            </a:solidFill>
+          </a:ln>
+        </p:spPr>
+        <p:style>
+          <a:lnRef idx="1">
+            <a:schemeClr val="accent1"/>
+          </a:lnRef>
+          <a:fillRef idx="0">
+            <a:schemeClr val="accent1"/>
+          </a:fillRef>
+          <a:effectRef idx="0">
+            <a:schemeClr val="accent1"/>
+          </a:effectRef>
+          <a:fontRef idx="minor">
+            <a:schemeClr val="tx1"/>
+          </a:fontRef>
+        </p:style>
+      </p:cxnSp>
     </p:spTree>
     <p:extLst>
       <p:ext uri="{BB962C8B-B14F-4D97-AF65-F5344CB8AC3E}">
@@ -12559,7 +17588,7 @@
 </p:sld>
 </file>
 
-<file path=ppt/slides/slide6.xml><?xml version="1.0" encoding="utf-8"?>
+<file path=ppt/slides/slide8.xml><?xml version="1.0" encoding="utf-8"?>
 <p:sld xmlns:a="http://schemas.openxmlformats.org/drawingml/2006/main" xmlns:r="http://schemas.openxmlformats.org/officeDocument/2006/relationships" xmlns:p="http://schemas.openxmlformats.org/presentationml/2006/main">
   <p:cSld>
     <p:spTree>
@@ -13299,7 +18328,7 @@
 </p:sld>
 </file>
 
-<file path=ppt/slides/slide7.xml><?xml version="1.0" encoding="utf-8"?>
+<file path=ppt/slides/slide9.xml><?xml version="1.0" encoding="utf-8"?>
 <p:sld xmlns:a="http://schemas.openxmlformats.org/drawingml/2006/main" xmlns:r="http://schemas.openxmlformats.org/officeDocument/2006/relationships" xmlns:p="http://schemas.openxmlformats.org/presentationml/2006/main">
   <p:cSld>
     <p:spTree>
@@ -13344,1020 +18373,6 @@
     <p:extLst>
       <p:ext uri="{BB962C8B-B14F-4D97-AF65-F5344CB8AC3E}">
         <p14:creationId xmlns:p14="http://schemas.microsoft.com/office/powerpoint/2010/main" val="3736881120"/>
-      </p:ext>
-    </p:extLst>
-  </p:cSld>
-  <p:clrMapOvr>
-    <a:masterClrMapping/>
-  </p:clrMapOvr>
-</p:sld>
-</file>
-
-<file path=ppt/slides/slide8.xml><?xml version="1.0" encoding="utf-8"?>
-<p:sld xmlns:a="http://schemas.openxmlformats.org/drawingml/2006/main" xmlns:r="http://schemas.openxmlformats.org/officeDocument/2006/relationships" xmlns:p="http://schemas.openxmlformats.org/presentationml/2006/main">
-  <p:cSld>
-    <p:spTree>
-      <p:nvGrpSpPr>
-        <p:cNvPr id="1" name=""/>
-        <p:cNvGrpSpPr/>
-        <p:nvPr/>
-      </p:nvGrpSpPr>
-      <p:grpSpPr>
-        <a:xfrm>
-          <a:off x="0" y="0"/>
-          <a:ext cx="0" cy="0"/>
-          <a:chOff x="0" y="0"/>
-          <a:chExt cx="0" cy="0"/>
-        </a:xfrm>
-      </p:grpSpPr>
-      <p:pic>
-        <p:nvPicPr>
-          <p:cNvPr id="5" name="그림 4"/>
-          <p:cNvPicPr>
-            <a:picLocks noChangeAspect="1"/>
-          </p:cNvPicPr>
-          <p:nvPr/>
-        </p:nvPicPr>
-        <p:blipFill>
-          <a:blip r:embed="rId2"/>
-          <a:stretch>
-            <a:fillRect/>
-          </a:stretch>
-        </p:blipFill>
-        <p:spPr>
-          <a:xfrm>
-            <a:off x="3954850" y="974569"/>
-            <a:ext cx="4378922" cy="3946987"/>
-          </a:xfrm>
-          <a:prstGeom prst="rect">
-            <a:avLst/>
-          </a:prstGeom>
-        </p:spPr>
-      </p:pic>
-      <p:sp>
-        <p:nvSpPr>
-          <p:cNvPr id="2" name="곱셈 기호 1"/>
-          <p:cNvSpPr/>
-          <p:nvPr/>
-        </p:nvSpPr>
-        <p:spPr>
-          <a:xfrm>
-            <a:off x="4629874" y="1805650"/>
-            <a:ext cx="682906" cy="590309"/>
-          </a:xfrm>
-          <a:prstGeom prst="mathMultiply">
-            <a:avLst>
-              <a:gd name="adj1" fmla="val 5882"/>
-            </a:avLst>
-          </a:prstGeom>
-          <a:solidFill>
-            <a:schemeClr val="accent1"/>
-          </a:solidFill>
-          <a:ln>
-            <a:noFill/>
-          </a:ln>
-        </p:spPr>
-        <p:style>
-          <a:lnRef idx="2">
-            <a:schemeClr val="accent1">
-              <a:shade val="50000"/>
-            </a:schemeClr>
-          </a:lnRef>
-          <a:fillRef idx="1">
-            <a:schemeClr val="accent1"/>
-          </a:fillRef>
-          <a:effectRef idx="0">
-            <a:schemeClr val="accent1"/>
-          </a:effectRef>
-          <a:fontRef idx="minor">
-            <a:schemeClr val="lt1"/>
-          </a:fontRef>
-        </p:style>
-        <p:txBody>
-          <a:bodyPr rtlCol="0" anchor="ctr"/>
-          <a:lstStyle/>
-          <a:p>
-            <a:pPr algn="ctr"/>
-            <a:endParaRPr lang="ko-KR" altLang="en-US" sz="2400"/>
-          </a:p>
-        </p:txBody>
-      </p:sp>
-      <p:sp>
-        <p:nvSpPr>
-          <p:cNvPr id="4" name="곱셈 기호 3"/>
-          <p:cNvSpPr/>
-          <p:nvPr/>
-        </p:nvSpPr>
-        <p:spPr>
-          <a:xfrm>
-            <a:off x="4606724" y="3983620"/>
-            <a:ext cx="682906" cy="590309"/>
-          </a:xfrm>
-          <a:prstGeom prst="mathMultiply">
-            <a:avLst>
-              <a:gd name="adj1" fmla="val 5882"/>
-            </a:avLst>
-          </a:prstGeom>
-          <a:solidFill>
-            <a:schemeClr val="accent1"/>
-          </a:solidFill>
-          <a:ln>
-            <a:noFill/>
-          </a:ln>
-        </p:spPr>
-        <p:style>
-          <a:lnRef idx="2">
-            <a:schemeClr val="accent1">
-              <a:shade val="50000"/>
-            </a:schemeClr>
-          </a:lnRef>
-          <a:fillRef idx="1">
-            <a:schemeClr val="accent1"/>
-          </a:fillRef>
-          <a:effectRef idx="0">
-            <a:schemeClr val="accent1"/>
-          </a:effectRef>
-          <a:fontRef idx="minor">
-            <a:schemeClr val="lt1"/>
-          </a:fontRef>
-        </p:style>
-        <p:txBody>
-          <a:bodyPr rtlCol="0" anchor="ctr"/>
-          <a:lstStyle/>
-          <a:p>
-            <a:pPr algn="ctr"/>
-            <a:endParaRPr lang="ko-KR" altLang="en-US" sz="2400"/>
-          </a:p>
-        </p:txBody>
-      </p:sp>
-      <p:sp>
-        <p:nvSpPr>
-          <p:cNvPr id="6" name="곱셈 기호 5"/>
-          <p:cNvSpPr/>
-          <p:nvPr/>
-        </p:nvSpPr>
-        <p:spPr>
-          <a:xfrm>
-            <a:off x="6796270" y="3983619"/>
-            <a:ext cx="682906" cy="590309"/>
-          </a:xfrm>
-          <a:prstGeom prst="mathMultiply">
-            <a:avLst>
-              <a:gd name="adj1" fmla="val 5882"/>
-            </a:avLst>
-          </a:prstGeom>
-          <a:solidFill>
-            <a:schemeClr val="accent1"/>
-          </a:solidFill>
-          <a:ln>
-            <a:noFill/>
-          </a:ln>
-        </p:spPr>
-        <p:style>
-          <a:lnRef idx="2">
-            <a:schemeClr val="accent1">
-              <a:shade val="50000"/>
-            </a:schemeClr>
-          </a:lnRef>
-          <a:fillRef idx="1">
-            <a:schemeClr val="accent1"/>
-          </a:fillRef>
-          <a:effectRef idx="0">
-            <a:schemeClr val="accent1"/>
-          </a:effectRef>
-          <a:fontRef idx="minor">
-            <a:schemeClr val="lt1"/>
-          </a:fontRef>
-        </p:style>
-        <p:txBody>
-          <a:bodyPr rtlCol="0" anchor="ctr"/>
-          <a:lstStyle/>
-          <a:p>
-            <a:pPr algn="ctr"/>
-            <a:endParaRPr lang="ko-KR" altLang="en-US" sz="2400"/>
-          </a:p>
-        </p:txBody>
-      </p:sp>
-      <mc:AlternateContent xmlns:mc="http://schemas.openxmlformats.org/markup-compatibility/2006" xmlns:a14="http://schemas.microsoft.com/office/drawing/2010/main">
-        <mc:Choice Requires="a14">
-          <p:sp>
-            <p:nvSpPr>
-              <p:cNvPr id="7" name="TextBox 6"/>
-              <p:cNvSpPr txBox="1"/>
-              <p:nvPr/>
-            </p:nvSpPr>
-            <p:spPr>
-              <a:xfrm>
-                <a:off x="5043476" y="4573928"/>
-                <a:ext cx="390363" cy="369332"/>
-              </a:xfrm>
-              <a:prstGeom prst="rect">
-                <a:avLst/>
-              </a:prstGeom>
-              <a:noFill/>
-            </p:spPr>
-            <p:txBody>
-              <a:bodyPr wrap="none" lIns="0" tIns="0" rIns="0" bIns="0" rtlCol="0">
-                <a:spAutoFit/>
-              </a:bodyPr>
-              <a:lstStyle/>
-              <a:p>
-                <a:pPr/>
-                <a14:m>
-                  <m:oMathPara xmlns:m="http://schemas.openxmlformats.org/officeDocument/2006/math">
-                    <m:oMathParaPr>
-                      <m:jc m:val="centerGroup"/>
-                    </m:oMathParaPr>
-                    <m:oMath xmlns:m="http://schemas.openxmlformats.org/officeDocument/2006/math">
-                      <m:sSub>
-                        <m:sSubPr>
-                          <m:ctrlPr>
-                            <a:rPr lang="en-US" altLang="ko-KR" sz="2400" i="1" smtClean="0">
-                              <a:latin typeface="Cambria Math" panose="02040503050406030204" pitchFamily="18" charset="0"/>
-                            </a:rPr>
-                          </m:ctrlPr>
-                        </m:sSubPr>
-                        <m:e>
-                          <m:r>
-                            <a:rPr lang="en-US" altLang="ko-KR" sz="2400" b="1" i="0" smtClean="0">
-                              <a:latin typeface="Cambria Math" panose="02040503050406030204" pitchFamily="18" charset="0"/>
-                            </a:rPr>
-                            <m:t>𝐬</m:t>
-                          </m:r>
-                        </m:e>
-                        <m:sub>
-                          <m:r>
-                            <a:rPr lang="en-US" altLang="ko-KR" sz="2400" b="0" i="1" smtClean="0">
-                              <a:latin typeface="Cambria Math" panose="02040503050406030204" pitchFamily="18" charset="0"/>
-                            </a:rPr>
-                            <m:t>1</m:t>
-                          </m:r>
-                        </m:sub>
-                      </m:sSub>
-                    </m:oMath>
-                  </m:oMathPara>
-                </a14:m>
-                <a:endParaRPr lang="ko-KR" altLang="en-US" sz="2400" dirty="0"/>
-              </a:p>
-            </p:txBody>
-          </p:sp>
-        </mc:Choice>
-        <mc:Fallback xmlns="">
-          <p:sp>
-            <p:nvSpPr>
-              <p:cNvPr id="7" name="TextBox 6"/>
-              <p:cNvSpPr txBox="1">
-                <a:spLocks noRot="1" noChangeAspect="1" noMove="1" noResize="1" noEditPoints="1" noAdjustHandles="1" noChangeArrowheads="1" noChangeShapeType="1" noTextEdit="1"/>
-              </p:cNvSpPr>
-              <p:nvPr/>
-            </p:nvSpPr>
-            <p:spPr>
-              <a:xfrm>
-                <a:off x="5043476" y="4573928"/>
-                <a:ext cx="390363" cy="369332"/>
-              </a:xfrm>
-              <a:prstGeom prst="rect">
-                <a:avLst/>
-              </a:prstGeom>
-              <a:blipFill rotWithShape="0">
-                <a:blip r:embed="rId3"/>
-                <a:stretch>
-                  <a:fillRect l="-6250" r="-1563" b="-16393"/>
-                </a:stretch>
-              </a:blipFill>
-            </p:spPr>
-            <p:txBody>
-              <a:bodyPr/>
-              <a:lstStyle/>
-              <a:p>
-                <a:r>
-                  <a:rPr lang="ko-KR" altLang="en-US">
-                    <a:noFill/>
-                  </a:rPr>
-                  <a:t> </a:t>
-                </a:r>
-              </a:p>
-            </p:txBody>
-          </p:sp>
-        </mc:Fallback>
-      </mc:AlternateContent>
-      <mc:AlternateContent xmlns:mc="http://schemas.openxmlformats.org/markup-compatibility/2006" xmlns:a14="http://schemas.microsoft.com/office/drawing/2010/main">
-        <mc:Choice Requires="a14">
-          <p:sp>
-            <p:nvSpPr>
-              <p:cNvPr id="8" name="TextBox 7"/>
-              <p:cNvSpPr txBox="1"/>
-              <p:nvPr/>
-            </p:nvSpPr>
-            <p:spPr>
-              <a:xfrm>
-                <a:off x="7431248" y="4539698"/>
-                <a:ext cx="397480" cy="369332"/>
-              </a:xfrm>
-              <a:prstGeom prst="rect">
-                <a:avLst/>
-              </a:prstGeom>
-              <a:noFill/>
-            </p:spPr>
-            <p:txBody>
-              <a:bodyPr wrap="none" lIns="0" tIns="0" rIns="0" bIns="0" rtlCol="0">
-                <a:spAutoFit/>
-              </a:bodyPr>
-              <a:lstStyle/>
-              <a:p>
-                <a:pPr/>
-                <a14:m>
-                  <m:oMathPara xmlns:m="http://schemas.openxmlformats.org/officeDocument/2006/math">
-                    <m:oMathParaPr>
-                      <m:jc m:val="centerGroup"/>
-                    </m:oMathParaPr>
-                    <m:oMath xmlns:m="http://schemas.openxmlformats.org/officeDocument/2006/math">
-                      <m:sSub>
-                        <m:sSubPr>
-                          <m:ctrlPr>
-                            <a:rPr lang="en-US" altLang="ko-KR" sz="2400" i="1" smtClean="0">
-                              <a:latin typeface="Cambria Math" panose="02040503050406030204" pitchFamily="18" charset="0"/>
-                            </a:rPr>
-                          </m:ctrlPr>
-                        </m:sSubPr>
-                        <m:e>
-                          <m:r>
-                            <a:rPr lang="en-US" altLang="ko-KR" sz="2400" b="1" i="0" smtClean="0">
-                              <a:latin typeface="Cambria Math" panose="02040503050406030204" pitchFamily="18" charset="0"/>
-                            </a:rPr>
-                            <m:t>𝐬</m:t>
-                          </m:r>
-                        </m:e>
-                        <m:sub>
-                          <m:r>
-                            <a:rPr lang="en-US" altLang="ko-KR" sz="2400" b="0" i="1" smtClean="0">
-                              <a:latin typeface="Cambria Math" panose="02040503050406030204" pitchFamily="18" charset="0"/>
-                            </a:rPr>
-                            <m:t>2</m:t>
-                          </m:r>
-                        </m:sub>
-                      </m:sSub>
-                    </m:oMath>
-                  </m:oMathPara>
-                </a14:m>
-                <a:endParaRPr lang="ko-KR" altLang="en-US" sz="2400" dirty="0"/>
-              </a:p>
-            </p:txBody>
-          </p:sp>
-        </mc:Choice>
-        <mc:Fallback xmlns="">
-          <p:sp>
-            <p:nvSpPr>
-              <p:cNvPr id="8" name="TextBox 7"/>
-              <p:cNvSpPr txBox="1">
-                <a:spLocks noRot="1" noChangeAspect="1" noMove="1" noResize="1" noEditPoints="1" noAdjustHandles="1" noChangeArrowheads="1" noChangeShapeType="1" noTextEdit="1"/>
-              </p:cNvSpPr>
-              <p:nvPr/>
-            </p:nvSpPr>
-            <p:spPr>
-              <a:xfrm>
-                <a:off x="7431248" y="4539698"/>
-                <a:ext cx="397480" cy="369332"/>
-              </a:xfrm>
-              <a:prstGeom prst="rect">
-                <a:avLst/>
-              </a:prstGeom>
-              <a:blipFill rotWithShape="0">
-                <a:blip r:embed="rId4"/>
-                <a:stretch>
-                  <a:fillRect l="-6154" r="-1538" b="-18333"/>
-                </a:stretch>
-              </a:blipFill>
-            </p:spPr>
-            <p:txBody>
-              <a:bodyPr/>
-              <a:lstStyle/>
-              <a:p>
-                <a:r>
-                  <a:rPr lang="ko-KR" altLang="en-US">
-                    <a:noFill/>
-                  </a:rPr>
-                  <a:t> </a:t>
-                </a:r>
-              </a:p>
-            </p:txBody>
-          </p:sp>
-        </mc:Fallback>
-      </mc:AlternateContent>
-      <mc:AlternateContent xmlns:mc="http://schemas.openxmlformats.org/markup-compatibility/2006" xmlns:a14="http://schemas.microsoft.com/office/drawing/2010/main">
-        <mc:Choice Requires="a14">
-          <p:sp>
-            <p:nvSpPr>
-              <p:cNvPr id="9" name="TextBox 8"/>
-              <p:cNvSpPr txBox="1"/>
-              <p:nvPr/>
-            </p:nvSpPr>
-            <p:spPr>
-              <a:xfrm>
-                <a:off x="5289630" y="1930401"/>
-                <a:ext cx="397480" cy="369332"/>
-              </a:xfrm>
-              <a:prstGeom prst="rect">
-                <a:avLst/>
-              </a:prstGeom>
-              <a:noFill/>
-            </p:spPr>
-            <p:txBody>
-              <a:bodyPr wrap="none" lIns="0" tIns="0" rIns="0" bIns="0" rtlCol="0">
-                <a:spAutoFit/>
-              </a:bodyPr>
-              <a:lstStyle/>
-              <a:p>
-                <a:pPr/>
-                <a14:m>
-                  <m:oMathPara xmlns:m="http://schemas.openxmlformats.org/officeDocument/2006/math">
-                    <m:oMathParaPr>
-                      <m:jc m:val="centerGroup"/>
-                    </m:oMathParaPr>
-                    <m:oMath xmlns:m="http://schemas.openxmlformats.org/officeDocument/2006/math">
-                      <m:sSub>
-                        <m:sSubPr>
-                          <m:ctrlPr>
-                            <a:rPr lang="en-US" altLang="ko-KR" sz="2400" i="1" smtClean="0">
-                              <a:latin typeface="Cambria Math" panose="02040503050406030204" pitchFamily="18" charset="0"/>
-                            </a:rPr>
-                          </m:ctrlPr>
-                        </m:sSubPr>
-                        <m:e>
-                          <m:r>
-                            <a:rPr lang="en-US" altLang="ko-KR" sz="2400" b="1" i="0" smtClean="0">
-                              <a:latin typeface="Cambria Math" panose="02040503050406030204" pitchFamily="18" charset="0"/>
-                            </a:rPr>
-                            <m:t>𝐬</m:t>
-                          </m:r>
-                        </m:e>
-                        <m:sub>
-                          <m:r>
-                            <a:rPr lang="en-US" altLang="ko-KR" sz="2400" b="0" i="1" smtClean="0">
-                              <a:latin typeface="Cambria Math" panose="02040503050406030204" pitchFamily="18" charset="0"/>
-                            </a:rPr>
-                            <m:t>3</m:t>
-                          </m:r>
-                        </m:sub>
-                      </m:sSub>
-                    </m:oMath>
-                  </m:oMathPara>
-                </a14:m>
-                <a:endParaRPr lang="ko-KR" altLang="en-US" sz="2400" dirty="0"/>
-              </a:p>
-            </p:txBody>
-          </p:sp>
-        </mc:Choice>
-        <mc:Fallback xmlns="">
-          <p:sp>
-            <p:nvSpPr>
-              <p:cNvPr id="9" name="TextBox 8"/>
-              <p:cNvSpPr txBox="1">
-                <a:spLocks noRot="1" noChangeAspect="1" noMove="1" noResize="1" noEditPoints="1" noAdjustHandles="1" noChangeArrowheads="1" noChangeShapeType="1" noTextEdit="1"/>
-              </p:cNvSpPr>
-              <p:nvPr/>
-            </p:nvSpPr>
-            <p:spPr>
-              <a:xfrm>
-                <a:off x="5289630" y="1930401"/>
-                <a:ext cx="397480" cy="369332"/>
-              </a:xfrm>
-              <a:prstGeom prst="rect">
-                <a:avLst/>
-              </a:prstGeom>
-              <a:blipFill rotWithShape="0">
-                <a:blip r:embed="rId5"/>
-                <a:stretch>
-                  <a:fillRect l="-6154" r="-1538" b="-18333"/>
-                </a:stretch>
-              </a:blipFill>
-            </p:spPr>
-            <p:txBody>
-              <a:bodyPr/>
-              <a:lstStyle/>
-              <a:p>
-                <a:r>
-                  <a:rPr lang="ko-KR" altLang="en-US">
-                    <a:noFill/>
-                  </a:rPr>
-                  <a:t> </a:t>
-                </a:r>
-              </a:p>
-            </p:txBody>
-          </p:sp>
-        </mc:Fallback>
-      </mc:AlternateContent>
-    </p:spTree>
-    <p:extLst>
-      <p:ext uri="{BB962C8B-B14F-4D97-AF65-F5344CB8AC3E}">
-        <p14:creationId xmlns:p14="http://schemas.microsoft.com/office/powerpoint/2010/main" val="3360536600"/>
-      </p:ext>
-    </p:extLst>
-  </p:cSld>
-  <p:clrMapOvr>
-    <a:masterClrMapping/>
-  </p:clrMapOvr>
-</p:sld>
-</file>
-
-<file path=ppt/slides/slide9.xml><?xml version="1.0" encoding="utf-8"?>
-<p:sld xmlns:a="http://schemas.openxmlformats.org/drawingml/2006/main" xmlns:r="http://schemas.openxmlformats.org/officeDocument/2006/relationships" xmlns:p="http://schemas.openxmlformats.org/presentationml/2006/main">
-  <p:cSld>
-    <p:spTree>
-      <p:nvGrpSpPr>
-        <p:cNvPr id="1" name=""/>
-        <p:cNvGrpSpPr/>
-        <p:nvPr/>
-      </p:nvGrpSpPr>
-      <p:grpSpPr>
-        <a:xfrm>
-          <a:off x="0" y="0"/>
-          <a:ext cx="0" cy="0"/>
-          <a:chOff x="0" y="0"/>
-          <a:chExt cx="0" cy="0"/>
-        </a:xfrm>
-      </p:grpSpPr>
-      <p:pic>
-        <p:nvPicPr>
-          <p:cNvPr id="5" name="그림 4"/>
-          <p:cNvPicPr>
-            <a:picLocks noChangeAspect="1"/>
-          </p:cNvPicPr>
-          <p:nvPr/>
-        </p:nvPicPr>
-        <p:blipFill>
-          <a:blip r:embed="rId2"/>
-          <a:stretch>
-            <a:fillRect/>
-          </a:stretch>
-        </p:blipFill>
-        <p:spPr>
-          <a:xfrm>
-            <a:off x="3954850" y="974569"/>
-            <a:ext cx="4378922" cy="3946987"/>
-          </a:xfrm>
-          <a:prstGeom prst="rect">
-            <a:avLst/>
-          </a:prstGeom>
-        </p:spPr>
-      </p:pic>
-      <p:sp>
-        <p:nvSpPr>
-          <p:cNvPr id="2" name="곱셈 기호 1"/>
-          <p:cNvSpPr/>
-          <p:nvPr/>
-        </p:nvSpPr>
-        <p:spPr>
-          <a:xfrm>
-            <a:off x="4581324" y="2948062"/>
-            <a:ext cx="682906" cy="590309"/>
-          </a:xfrm>
-          <a:prstGeom prst="mathMultiply">
-            <a:avLst>
-              <a:gd name="adj1" fmla="val 5882"/>
-            </a:avLst>
-          </a:prstGeom>
-          <a:solidFill>
-            <a:schemeClr val="accent1"/>
-          </a:solidFill>
-          <a:ln>
-            <a:noFill/>
-          </a:ln>
-        </p:spPr>
-        <p:style>
-          <a:lnRef idx="2">
-            <a:schemeClr val="accent1">
-              <a:shade val="50000"/>
-            </a:schemeClr>
-          </a:lnRef>
-          <a:fillRef idx="1">
-            <a:schemeClr val="accent1"/>
-          </a:fillRef>
-          <a:effectRef idx="0">
-            <a:schemeClr val="accent1"/>
-          </a:effectRef>
-          <a:fontRef idx="minor">
-            <a:schemeClr val="lt1"/>
-          </a:fontRef>
-        </p:style>
-        <p:txBody>
-          <a:bodyPr rtlCol="0" anchor="ctr"/>
-          <a:lstStyle/>
-          <a:p>
-            <a:pPr algn="ctr"/>
-            <a:endParaRPr lang="ko-KR" altLang="en-US" sz="2400"/>
-          </a:p>
-        </p:txBody>
-      </p:sp>
-      <p:sp>
-        <p:nvSpPr>
-          <p:cNvPr id="4" name="곱셈 기호 3"/>
-          <p:cNvSpPr/>
-          <p:nvPr/>
-        </p:nvSpPr>
-        <p:spPr>
-          <a:xfrm>
-            <a:off x="5750610" y="3983619"/>
-            <a:ext cx="682906" cy="590309"/>
-          </a:xfrm>
-          <a:prstGeom prst="mathMultiply">
-            <a:avLst>
-              <a:gd name="adj1" fmla="val 5882"/>
-            </a:avLst>
-          </a:prstGeom>
-          <a:solidFill>
-            <a:schemeClr val="accent1"/>
-          </a:solidFill>
-          <a:ln>
-            <a:noFill/>
-          </a:ln>
-        </p:spPr>
-        <p:style>
-          <a:lnRef idx="2">
-            <a:schemeClr val="accent1">
-              <a:shade val="50000"/>
-            </a:schemeClr>
-          </a:lnRef>
-          <a:fillRef idx="1">
-            <a:schemeClr val="accent1"/>
-          </a:fillRef>
-          <a:effectRef idx="0">
-            <a:schemeClr val="accent1"/>
-          </a:effectRef>
-          <a:fontRef idx="minor">
-            <a:schemeClr val="lt1"/>
-          </a:fontRef>
-        </p:style>
-        <p:txBody>
-          <a:bodyPr rtlCol="0" anchor="ctr"/>
-          <a:lstStyle/>
-          <a:p>
-            <a:pPr algn="ctr"/>
-            <a:endParaRPr lang="ko-KR" altLang="en-US" sz="2400"/>
-          </a:p>
-        </p:txBody>
-      </p:sp>
-      <p:sp>
-        <p:nvSpPr>
-          <p:cNvPr id="6" name="곱셈 기호 5"/>
-          <p:cNvSpPr/>
-          <p:nvPr/>
-        </p:nvSpPr>
-        <p:spPr>
-          <a:xfrm>
-            <a:off x="5750610" y="2948061"/>
-            <a:ext cx="682906" cy="590309"/>
-          </a:xfrm>
-          <a:prstGeom prst="mathMultiply">
-            <a:avLst>
-              <a:gd name="adj1" fmla="val 5882"/>
-            </a:avLst>
-          </a:prstGeom>
-          <a:solidFill>
-            <a:schemeClr val="accent1"/>
-          </a:solidFill>
-          <a:ln>
-            <a:noFill/>
-          </a:ln>
-        </p:spPr>
-        <p:style>
-          <a:lnRef idx="2">
-            <a:schemeClr val="accent1">
-              <a:shade val="50000"/>
-            </a:schemeClr>
-          </a:lnRef>
-          <a:fillRef idx="1">
-            <a:schemeClr val="accent1"/>
-          </a:fillRef>
-          <a:effectRef idx="0">
-            <a:schemeClr val="accent1"/>
-          </a:effectRef>
-          <a:fontRef idx="minor">
-            <a:schemeClr val="lt1"/>
-          </a:fontRef>
-        </p:style>
-        <p:txBody>
-          <a:bodyPr rtlCol="0" anchor="ctr"/>
-          <a:lstStyle/>
-          <a:p>
-            <a:pPr algn="ctr"/>
-            <a:endParaRPr lang="ko-KR" altLang="en-US" sz="2400"/>
-          </a:p>
-        </p:txBody>
-      </p:sp>
-      <mc:AlternateContent xmlns:mc="http://schemas.openxmlformats.org/markup-compatibility/2006" xmlns:a14="http://schemas.microsoft.com/office/drawing/2010/main">
-        <mc:Choice Requires="a14">
-          <p:sp>
-            <p:nvSpPr>
-              <p:cNvPr id="7" name="TextBox 6"/>
-              <p:cNvSpPr txBox="1"/>
-              <p:nvPr/>
-            </p:nvSpPr>
-            <p:spPr>
-              <a:xfrm>
-                <a:off x="5973383" y="4518932"/>
-                <a:ext cx="373564" cy="369332"/>
-              </a:xfrm>
-              <a:prstGeom prst="rect">
-                <a:avLst/>
-              </a:prstGeom>
-              <a:noFill/>
-            </p:spPr>
-            <p:txBody>
-              <a:bodyPr wrap="none" lIns="0" tIns="0" rIns="0" bIns="0" rtlCol="0">
-                <a:spAutoFit/>
-              </a:bodyPr>
-              <a:lstStyle/>
-              <a:p>
-                <a:pPr/>
-                <a14:m>
-                  <m:oMathPara xmlns:m="http://schemas.openxmlformats.org/officeDocument/2006/math">
-                    <m:oMathParaPr>
-                      <m:jc m:val="centerGroup"/>
-                    </m:oMathParaPr>
-                    <m:oMath xmlns:m="http://schemas.openxmlformats.org/officeDocument/2006/math">
-                      <m:sSub>
-                        <m:sSubPr>
-                          <m:ctrlPr>
-                            <a:rPr lang="en-US" altLang="ko-KR" sz="2400" i="1" smtClean="0">
-                              <a:latin typeface="Cambria Math" panose="02040503050406030204" pitchFamily="18" charset="0"/>
-                            </a:rPr>
-                          </m:ctrlPr>
-                        </m:sSubPr>
-                        <m:e>
-                          <m:r>
-                            <a:rPr lang="en-US" altLang="ko-KR" sz="2400" b="1" i="0" smtClean="0">
-                              <a:latin typeface="Cambria Math" panose="02040503050406030204" pitchFamily="18" charset="0"/>
-                            </a:rPr>
-                            <m:t>𝐭</m:t>
-                          </m:r>
-                        </m:e>
-                        <m:sub>
-                          <m:r>
-                            <a:rPr lang="en-US" altLang="ko-KR" sz="2400" b="0" i="1" smtClean="0">
-                              <a:latin typeface="Cambria Math" panose="02040503050406030204" pitchFamily="18" charset="0"/>
-                            </a:rPr>
-                            <m:t>1</m:t>
-                          </m:r>
-                        </m:sub>
-                      </m:sSub>
-                    </m:oMath>
-                  </m:oMathPara>
-                </a14:m>
-                <a:endParaRPr lang="ko-KR" altLang="en-US" sz="2400" dirty="0"/>
-              </a:p>
-            </p:txBody>
-          </p:sp>
-        </mc:Choice>
-        <mc:Fallback xmlns="">
-          <p:sp>
-            <p:nvSpPr>
-              <p:cNvPr id="7" name="TextBox 6"/>
-              <p:cNvSpPr txBox="1">
-                <a:spLocks noRot="1" noChangeAspect="1" noMove="1" noResize="1" noEditPoints="1" noAdjustHandles="1" noChangeArrowheads="1" noChangeShapeType="1" noTextEdit="1"/>
-              </p:cNvSpPr>
-              <p:nvPr/>
-            </p:nvSpPr>
-            <p:spPr>
-              <a:xfrm>
-                <a:off x="5973383" y="4518932"/>
-                <a:ext cx="373564" cy="369332"/>
-              </a:xfrm>
-              <a:prstGeom prst="rect">
-                <a:avLst/>
-              </a:prstGeom>
-              <a:blipFill rotWithShape="0">
-                <a:blip r:embed="rId3"/>
-                <a:stretch>
-                  <a:fillRect l="-11475" r="-1639" b="-16393"/>
-                </a:stretch>
-              </a:blipFill>
-            </p:spPr>
-            <p:txBody>
-              <a:bodyPr/>
-              <a:lstStyle/>
-              <a:p>
-                <a:r>
-                  <a:rPr lang="ko-KR" altLang="en-US">
-                    <a:noFill/>
-                  </a:rPr>
-                  <a:t> </a:t>
-                </a:r>
-              </a:p>
-            </p:txBody>
-          </p:sp>
-        </mc:Fallback>
-      </mc:AlternateContent>
-      <mc:AlternateContent xmlns:mc="http://schemas.openxmlformats.org/markup-compatibility/2006" xmlns:a14="http://schemas.microsoft.com/office/drawing/2010/main">
-        <mc:Choice Requires="a14">
-          <p:sp>
-            <p:nvSpPr>
-              <p:cNvPr id="8" name="TextBox 7"/>
-              <p:cNvSpPr txBox="1"/>
-              <p:nvPr/>
-            </p:nvSpPr>
-            <p:spPr>
-              <a:xfrm>
-                <a:off x="6401521" y="3058549"/>
-                <a:ext cx="380682" cy="369332"/>
-              </a:xfrm>
-              <a:prstGeom prst="rect">
-                <a:avLst/>
-              </a:prstGeom>
-              <a:noFill/>
-            </p:spPr>
-            <p:txBody>
-              <a:bodyPr wrap="none" lIns="0" tIns="0" rIns="0" bIns="0" rtlCol="0">
-                <a:spAutoFit/>
-              </a:bodyPr>
-              <a:lstStyle/>
-              <a:p>
-                <a:pPr/>
-                <a14:m>
-                  <m:oMathPara xmlns:m="http://schemas.openxmlformats.org/officeDocument/2006/math">
-                    <m:oMathParaPr>
-                      <m:jc m:val="centerGroup"/>
-                    </m:oMathParaPr>
-                    <m:oMath xmlns:m="http://schemas.openxmlformats.org/officeDocument/2006/math">
-                      <m:sSub>
-                        <m:sSubPr>
-                          <m:ctrlPr>
-                            <a:rPr lang="en-US" altLang="ko-KR" sz="2400" i="1" smtClean="0">
-                              <a:latin typeface="Cambria Math" panose="02040503050406030204" pitchFamily="18" charset="0"/>
-                            </a:rPr>
-                          </m:ctrlPr>
-                        </m:sSubPr>
-                        <m:e>
-                          <m:r>
-                            <a:rPr lang="en-US" altLang="ko-KR" sz="2400" b="1" i="0" smtClean="0">
-                              <a:latin typeface="Cambria Math" panose="02040503050406030204" pitchFamily="18" charset="0"/>
-                            </a:rPr>
-                            <m:t>𝐭</m:t>
-                          </m:r>
-                        </m:e>
-                        <m:sub>
-                          <m:r>
-                            <a:rPr lang="en-US" altLang="ko-KR" sz="2400" b="0" i="1" smtClean="0">
-                              <a:latin typeface="Cambria Math" panose="02040503050406030204" pitchFamily="18" charset="0"/>
-                            </a:rPr>
-                            <m:t>3</m:t>
-                          </m:r>
-                        </m:sub>
-                      </m:sSub>
-                    </m:oMath>
-                  </m:oMathPara>
-                </a14:m>
-                <a:endParaRPr lang="ko-KR" altLang="en-US" sz="2400" dirty="0"/>
-              </a:p>
-            </p:txBody>
-          </p:sp>
-        </mc:Choice>
-        <mc:Fallback xmlns="">
-          <p:sp>
-            <p:nvSpPr>
-              <p:cNvPr id="8" name="TextBox 7"/>
-              <p:cNvSpPr txBox="1">
-                <a:spLocks noRot="1" noChangeAspect="1" noMove="1" noResize="1" noEditPoints="1" noAdjustHandles="1" noChangeArrowheads="1" noChangeShapeType="1" noTextEdit="1"/>
-              </p:cNvSpPr>
-              <p:nvPr/>
-            </p:nvSpPr>
-            <p:spPr>
-              <a:xfrm>
-                <a:off x="6401521" y="3058549"/>
-                <a:ext cx="380682" cy="369332"/>
-              </a:xfrm>
-              <a:prstGeom prst="rect">
-                <a:avLst/>
-              </a:prstGeom>
-              <a:blipFill rotWithShape="0">
-                <a:blip r:embed="rId4"/>
-                <a:stretch>
-                  <a:fillRect l="-11111" b="-18333"/>
-                </a:stretch>
-              </a:blipFill>
-            </p:spPr>
-            <p:txBody>
-              <a:bodyPr/>
-              <a:lstStyle/>
-              <a:p>
-                <a:r>
-                  <a:rPr lang="ko-KR" altLang="en-US">
-                    <a:noFill/>
-                  </a:rPr>
-                  <a:t> </a:t>
-                </a:r>
-              </a:p>
-            </p:txBody>
-          </p:sp>
-        </mc:Fallback>
-      </mc:AlternateContent>
-      <mc:AlternateContent xmlns:mc="http://schemas.openxmlformats.org/markup-compatibility/2006" xmlns:a14="http://schemas.microsoft.com/office/drawing/2010/main">
-        <mc:Choice Requires="a14">
-          <p:sp>
-            <p:nvSpPr>
-              <p:cNvPr id="9" name="TextBox 8"/>
-              <p:cNvSpPr txBox="1"/>
-              <p:nvPr/>
-            </p:nvSpPr>
-            <p:spPr>
-              <a:xfrm>
-                <a:off x="4094944" y="3058549"/>
-                <a:ext cx="380682" cy="369332"/>
-              </a:xfrm>
-              <a:prstGeom prst="rect">
-                <a:avLst/>
-              </a:prstGeom>
-              <a:noFill/>
-            </p:spPr>
-            <p:txBody>
-              <a:bodyPr wrap="none" lIns="0" tIns="0" rIns="0" bIns="0" rtlCol="0">
-                <a:spAutoFit/>
-              </a:bodyPr>
-              <a:lstStyle/>
-              <a:p>
-                <a:pPr/>
-                <a14:m>
-                  <m:oMathPara xmlns:m="http://schemas.openxmlformats.org/officeDocument/2006/math">
-                    <m:oMathParaPr>
-                      <m:jc m:val="centerGroup"/>
-                    </m:oMathParaPr>
-                    <m:oMath xmlns:m="http://schemas.openxmlformats.org/officeDocument/2006/math">
-                      <m:sSub>
-                        <m:sSubPr>
-                          <m:ctrlPr>
-                            <a:rPr lang="en-US" altLang="ko-KR" sz="2400" i="1" smtClean="0">
-                              <a:latin typeface="Cambria Math" panose="02040503050406030204" pitchFamily="18" charset="0"/>
-                            </a:rPr>
-                          </m:ctrlPr>
-                        </m:sSubPr>
-                        <m:e>
-                          <m:r>
-                            <a:rPr lang="en-US" altLang="ko-KR" sz="2400" b="1" i="0" smtClean="0">
-                              <a:latin typeface="Cambria Math" panose="02040503050406030204" pitchFamily="18" charset="0"/>
-                            </a:rPr>
-                            <m:t>𝐭</m:t>
-                          </m:r>
-                        </m:e>
-                        <m:sub>
-                          <m:r>
-                            <a:rPr lang="en-US" altLang="ko-KR" sz="2400" b="0" i="1" smtClean="0">
-                              <a:latin typeface="Cambria Math" panose="02040503050406030204" pitchFamily="18" charset="0"/>
-                            </a:rPr>
-                            <m:t>2</m:t>
-                          </m:r>
-                        </m:sub>
-                      </m:sSub>
-                    </m:oMath>
-                  </m:oMathPara>
-                </a14:m>
-                <a:endParaRPr lang="ko-KR" altLang="en-US" sz="2400" dirty="0"/>
-              </a:p>
-            </p:txBody>
-          </p:sp>
-        </mc:Choice>
-        <mc:Fallback xmlns="">
-          <p:sp>
-            <p:nvSpPr>
-              <p:cNvPr id="9" name="TextBox 8"/>
-              <p:cNvSpPr txBox="1">
-                <a:spLocks noRot="1" noChangeAspect="1" noMove="1" noResize="1" noEditPoints="1" noAdjustHandles="1" noChangeArrowheads="1" noChangeShapeType="1" noTextEdit="1"/>
-              </p:cNvSpPr>
-              <p:nvPr/>
-            </p:nvSpPr>
-            <p:spPr>
-              <a:xfrm>
-                <a:off x="4094944" y="3058549"/>
-                <a:ext cx="380682" cy="369332"/>
-              </a:xfrm>
-              <a:prstGeom prst="rect">
-                <a:avLst/>
-              </a:prstGeom>
-              <a:blipFill rotWithShape="0">
-                <a:blip r:embed="rId5"/>
-                <a:stretch>
-                  <a:fillRect l="-11290" r="-1613" b="-18333"/>
-                </a:stretch>
-              </a:blipFill>
-            </p:spPr>
-            <p:txBody>
-              <a:bodyPr/>
-              <a:lstStyle/>
-              <a:p>
-                <a:r>
-                  <a:rPr lang="ko-KR" altLang="en-US">
-                    <a:noFill/>
-                  </a:rPr>
-                  <a:t> </a:t>
-                </a:r>
-              </a:p>
-            </p:txBody>
-          </p:sp>
-        </mc:Fallback>
-      </mc:AlternateContent>
-    </p:spTree>
-    <p:extLst>
-      <p:ext uri="{BB962C8B-B14F-4D97-AF65-F5344CB8AC3E}">
-        <p14:creationId xmlns:p14="http://schemas.microsoft.com/office/powerpoint/2010/main" val="3498275178"/>
       </p:ext>
     </p:extLst>
   </p:cSld>

--- a/그림.pptx
+++ b/그림.pptx
@@ -19,10 +19,11 @@
     <p:sldId id="269" r:id="rId13"/>
     <p:sldId id="270" r:id="rId14"/>
     <p:sldId id="271" r:id="rId15"/>
-    <p:sldId id="272" r:id="rId16"/>
-    <p:sldId id="259" r:id="rId17"/>
-    <p:sldId id="264" r:id="rId18"/>
-    <p:sldId id="273" r:id="rId19"/>
+    <p:sldId id="276" r:id="rId16"/>
+    <p:sldId id="272" r:id="rId17"/>
+    <p:sldId id="259" r:id="rId18"/>
+    <p:sldId id="264" r:id="rId19"/>
+    <p:sldId id="273" r:id="rId20"/>
   </p:sldIdLst>
   <p:sldSz cx="12192000" cy="6858000"/>
   <p:notesSz cx="6858000" cy="9144000"/>
@@ -140,6 +141,7 @@
             <p14:sldId id="269"/>
             <p14:sldId id="270"/>
             <p14:sldId id="271"/>
+            <p14:sldId id="276"/>
             <p14:sldId id="272"/>
           </p14:sldIdLst>
         </p14:section>
@@ -288,7 +290,7 @@
           <a:p>
             <a:fld id="{586A42AD-E6DF-43A8-BCEE-31B231F72482}" type="datetimeFigureOut">
               <a:rPr lang="ko-KR" altLang="en-US" smtClean="0"/>
-              <a:t>2022-09-07</a:t>
+              <a:t>2022-09-14</a:t>
             </a:fld>
             <a:endParaRPr lang="ko-KR" altLang="en-US"/>
           </a:p>
@@ -456,7 +458,7 @@
           <a:p>
             <a:fld id="{586A42AD-E6DF-43A8-BCEE-31B231F72482}" type="datetimeFigureOut">
               <a:rPr lang="ko-KR" altLang="en-US" smtClean="0"/>
-              <a:t>2022-09-07</a:t>
+              <a:t>2022-09-14</a:t>
             </a:fld>
             <a:endParaRPr lang="ko-KR" altLang="en-US"/>
           </a:p>
@@ -634,7 +636,7 @@
           <a:p>
             <a:fld id="{586A42AD-E6DF-43A8-BCEE-31B231F72482}" type="datetimeFigureOut">
               <a:rPr lang="ko-KR" altLang="en-US" smtClean="0"/>
-              <a:t>2022-09-07</a:t>
+              <a:t>2022-09-14</a:t>
             </a:fld>
             <a:endParaRPr lang="ko-KR" altLang="en-US"/>
           </a:p>
@@ -802,7 +804,7 @@
           <a:p>
             <a:fld id="{586A42AD-E6DF-43A8-BCEE-31B231F72482}" type="datetimeFigureOut">
               <a:rPr lang="ko-KR" altLang="en-US" smtClean="0"/>
-              <a:t>2022-09-07</a:t>
+              <a:t>2022-09-14</a:t>
             </a:fld>
             <a:endParaRPr lang="ko-KR" altLang="en-US"/>
           </a:p>
@@ -1047,7 +1049,7 @@
           <a:p>
             <a:fld id="{586A42AD-E6DF-43A8-BCEE-31B231F72482}" type="datetimeFigureOut">
               <a:rPr lang="ko-KR" altLang="en-US" smtClean="0"/>
-              <a:t>2022-09-07</a:t>
+              <a:t>2022-09-14</a:t>
             </a:fld>
             <a:endParaRPr lang="ko-KR" altLang="en-US"/>
           </a:p>
@@ -1276,7 +1278,7 @@
           <a:p>
             <a:fld id="{586A42AD-E6DF-43A8-BCEE-31B231F72482}" type="datetimeFigureOut">
               <a:rPr lang="ko-KR" altLang="en-US" smtClean="0"/>
-              <a:t>2022-09-07</a:t>
+              <a:t>2022-09-14</a:t>
             </a:fld>
             <a:endParaRPr lang="ko-KR" altLang="en-US"/>
           </a:p>
@@ -1640,7 +1642,7 @@
           <a:p>
             <a:fld id="{586A42AD-E6DF-43A8-BCEE-31B231F72482}" type="datetimeFigureOut">
               <a:rPr lang="ko-KR" altLang="en-US" smtClean="0"/>
-              <a:t>2022-09-07</a:t>
+              <a:t>2022-09-14</a:t>
             </a:fld>
             <a:endParaRPr lang="ko-KR" altLang="en-US"/>
           </a:p>
@@ -1757,7 +1759,7 @@
           <a:p>
             <a:fld id="{586A42AD-E6DF-43A8-BCEE-31B231F72482}" type="datetimeFigureOut">
               <a:rPr lang="ko-KR" altLang="en-US" smtClean="0"/>
-              <a:t>2022-09-07</a:t>
+              <a:t>2022-09-14</a:t>
             </a:fld>
             <a:endParaRPr lang="ko-KR" altLang="en-US"/>
           </a:p>
@@ -1852,7 +1854,7 @@
           <a:p>
             <a:fld id="{586A42AD-E6DF-43A8-BCEE-31B231F72482}" type="datetimeFigureOut">
               <a:rPr lang="ko-KR" altLang="en-US" smtClean="0"/>
-              <a:t>2022-09-07</a:t>
+              <a:t>2022-09-14</a:t>
             </a:fld>
             <a:endParaRPr lang="ko-KR" altLang="en-US"/>
           </a:p>
@@ -2127,7 +2129,7 @@
           <a:p>
             <a:fld id="{586A42AD-E6DF-43A8-BCEE-31B231F72482}" type="datetimeFigureOut">
               <a:rPr lang="ko-KR" altLang="en-US" smtClean="0"/>
-              <a:t>2022-09-07</a:t>
+              <a:t>2022-09-14</a:t>
             </a:fld>
             <a:endParaRPr lang="ko-KR" altLang="en-US"/>
           </a:p>
@@ -2379,7 +2381,7 @@
           <a:p>
             <a:fld id="{586A42AD-E6DF-43A8-BCEE-31B231F72482}" type="datetimeFigureOut">
               <a:rPr lang="ko-KR" altLang="en-US" smtClean="0"/>
-              <a:t>2022-09-07</a:t>
+              <a:t>2022-09-14</a:t>
             </a:fld>
             <a:endParaRPr lang="ko-KR" altLang="en-US"/>
           </a:p>
@@ -2590,7 +2592,7 @@
           <a:p>
             <a:fld id="{586A42AD-E6DF-43A8-BCEE-31B231F72482}" type="datetimeFigureOut">
               <a:rPr lang="ko-KR" altLang="en-US" smtClean="0"/>
-              <a:t>2022-09-07</a:t>
+              <a:t>2022-09-14</a:t>
             </a:fld>
             <a:endParaRPr lang="ko-KR" altLang="en-US"/>
           </a:p>
@@ -7675,6 +7677,2340 @@
           <a:chExt cx="0" cy="0"/>
         </a:xfrm>
       </p:grpSpPr>
+      <p:cxnSp>
+        <p:nvCxnSpPr>
+          <p:cNvPr id="5" name="직선 화살표 연결선 4"/>
+          <p:cNvCxnSpPr/>
+          <p:nvPr/>
+        </p:nvCxnSpPr>
+        <p:spPr>
+          <a:xfrm>
+            <a:off x="1285807" y="5335238"/>
+            <a:ext cx="4505489" cy="4589"/>
+          </a:xfrm>
+          <a:prstGeom prst="straightConnector1">
+            <a:avLst/>
+          </a:prstGeom>
+          <a:ln w="38100">
+            <a:solidFill>
+              <a:schemeClr val="tx1"/>
+            </a:solidFill>
+            <a:tailEnd type="triangle"/>
+          </a:ln>
+        </p:spPr>
+        <p:style>
+          <a:lnRef idx="1">
+            <a:schemeClr val="accent1"/>
+          </a:lnRef>
+          <a:fillRef idx="0">
+            <a:schemeClr val="accent1"/>
+          </a:fillRef>
+          <a:effectRef idx="0">
+            <a:schemeClr val="accent1"/>
+          </a:effectRef>
+          <a:fontRef idx="minor">
+            <a:schemeClr val="tx1"/>
+          </a:fontRef>
+        </p:style>
+      </p:cxnSp>
+      <p:cxnSp>
+        <p:nvCxnSpPr>
+          <p:cNvPr id="6" name="직선 화살표 연결선 5"/>
+          <p:cNvCxnSpPr/>
+          <p:nvPr/>
+        </p:nvCxnSpPr>
+        <p:spPr>
+          <a:xfrm flipH="1">
+            <a:off x="1728684" y="1481559"/>
+            <a:ext cx="1" cy="4338216"/>
+          </a:xfrm>
+          <a:prstGeom prst="straightConnector1">
+            <a:avLst/>
+          </a:prstGeom>
+          <a:ln w="38100">
+            <a:solidFill>
+              <a:schemeClr val="tx1"/>
+            </a:solidFill>
+            <a:headEnd type="triangle"/>
+            <a:tailEnd type="none"/>
+          </a:ln>
+        </p:spPr>
+        <p:style>
+          <a:lnRef idx="1">
+            <a:schemeClr val="accent1"/>
+          </a:lnRef>
+          <a:fillRef idx="0">
+            <a:schemeClr val="accent1"/>
+          </a:fillRef>
+          <a:effectRef idx="0">
+            <a:schemeClr val="accent1"/>
+          </a:effectRef>
+          <a:fontRef idx="minor">
+            <a:schemeClr val="tx1"/>
+          </a:fontRef>
+        </p:style>
+      </p:cxnSp>
+      <mc:AlternateContent xmlns:mc="http://schemas.openxmlformats.org/markup-compatibility/2006">
+        <mc:Choice xmlns:a14="http://schemas.microsoft.com/office/drawing/2010/main" Requires="a14">
+          <p:sp>
+            <p:nvSpPr>
+              <p:cNvPr id="8" name="TextBox 7"/>
+              <p:cNvSpPr txBox="1"/>
+              <p:nvPr/>
+            </p:nvSpPr>
+            <p:spPr>
+              <a:xfrm>
+                <a:off x="1064369" y="2261778"/>
+                <a:ext cx="442877" cy="276999"/>
+              </a:xfrm>
+              <a:prstGeom prst="rect">
+                <a:avLst/>
+              </a:prstGeom>
+              <a:noFill/>
+            </p:spPr>
+            <p:txBody>
+              <a:bodyPr wrap="none" lIns="0" tIns="0" rIns="0" bIns="0" rtlCol="0">
+                <a:spAutoFit/>
+              </a:bodyPr>
+              <a:lstStyle/>
+              <a:p>
+                <a:pPr/>
+                <a14:m>
+                  <m:oMathPara xmlns:m="http://schemas.openxmlformats.org/officeDocument/2006/math">
+                    <m:oMathParaPr>
+                      <m:jc m:val="centerGroup"/>
+                    </m:oMathParaPr>
+                    <m:oMath xmlns:m="http://schemas.openxmlformats.org/officeDocument/2006/math">
+                      <m:sSup>
+                        <m:sSupPr>
+                          <m:ctrlPr>
+                            <a:rPr lang="en-US" altLang="ko-KR" b="0" i="1" smtClean="0">
+                              <a:latin typeface="Cambria Math" panose="02040503050406030204" pitchFamily="18" charset="0"/>
+                            </a:rPr>
+                          </m:ctrlPr>
+                        </m:sSupPr>
+                        <m:e>
+                          <m:r>
+                            <a:rPr lang="en-US" altLang="ko-KR" b="0" i="1" smtClean="0">
+                              <a:latin typeface="Cambria Math" panose="02040503050406030204" pitchFamily="18" charset="0"/>
+                            </a:rPr>
+                            <m:t> </m:t>
+                          </m:r>
+                        </m:e>
+                        <m:sup>
+                          <m:r>
+                            <a:rPr lang="en-US" altLang="ko-KR" b="0" i="1" smtClean="0">
+                              <a:latin typeface="Cambria Math" panose="02040503050406030204" pitchFamily="18" charset="0"/>
+                            </a:rPr>
+                            <m:t>𝑡𝑟</m:t>
+                          </m:r>
+                        </m:sup>
+                      </m:sSup>
+                      <m:r>
+                        <m:rPr>
+                          <m:sty m:val="p"/>
+                        </m:rPr>
+                        <a:rPr lang="en-US" altLang="ko-KR" b="0" i="1" smtClean="0">
+                          <a:latin typeface="Cambria Math" panose="02040503050406030204" pitchFamily="18" charset="0"/>
+                        </a:rPr>
+                        <m:t>σ</m:t>
+                      </m:r>
+                    </m:oMath>
+                  </m:oMathPara>
+                </a14:m>
+                <a:endParaRPr lang="ko-KR" altLang="en-US" dirty="0"/>
+              </a:p>
+            </p:txBody>
+          </p:sp>
+        </mc:Choice>
+        <mc:Fallback>
+          <p:sp>
+            <p:nvSpPr>
+              <p:cNvPr id="8" name="TextBox 7"/>
+              <p:cNvSpPr txBox="1">
+                <a:spLocks noRot="1" noChangeAspect="1" noMove="1" noResize="1" noEditPoints="1" noAdjustHandles="1" noChangeArrowheads="1" noChangeShapeType="1" noTextEdit="1"/>
+              </p:cNvSpPr>
+              <p:nvPr/>
+            </p:nvSpPr>
+            <p:spPr>
+              <a:xfrm>
+                <a:off x="1064369" y="2261778"/>
+                <a:ext cx="442877" cy="276999"/>
+              </a:xfrm>
+              <a:prstGeom prst="rect">
+                <a:avLst/>
+              </a:prstGeom>
+              <a:blipFill rotWithShape="0">
+                <a:blip r:embed="rId2"/>
+                <a:stretch>
+                  <a:fillRect r="-6944" b="-4444"/>
+                </a:stretch>
+              </a:blipFill>
+            </p:spPr>
+            <p:txBody>
+              <a:bodyPr/>
+              <a:lstStyle/>
+              <a:p>
+                <a:r>
+                  <a:rPr lang="ko-KR" altLang="en-US">
+                    <a:noFill/>
+                  </a:rPr>
+                  <a:t> </a:t>
+                </a:r>
+              </a:p>
+            </p:txBody>
+          </p:sp>
+        </mc:Fallback>
+      </mc:AlternateContent>
+      <p:cxnSp>
+        <p:nvCxnSpPr>
+          <p:cNvPr id="10" name="직선 연결선 9"/>
+          <p:cNvCxnSpPr/>
+          <p:nvPr/>
+        </p:nvCxnSpPr>
+        <p:spPr>
+          <a:xfrm flipH="1">
+            <a:off x="1728685" y="4003467"/>
+            <a:ext cx="1123494" cy="1331772"/>
+          </a:xfrm>
+          <a:prstGeom prst="line">
+            <a:avLst/>
+          </a:prstGeom>
+          <a:ln w="38100"/>
+        </p:spPr>
+        <p:style>
+          <a:lnRef idx="1">
+            <a:schemeClr val="accent1"/>
+          </a:lnRef>
+          <a:fillRef idx="0">
+            <a:schemeClr val="accent1"/>
+          </a:fillRef>
+          <a:effectRef idx="0">
+            <a:schemeClr val="accent1"/>
+          </a:effectRef>
+          <a:fontRef idx="minor">
+            <a:schemeClr val="tx1"/>
+          </a:fontRef>
+        </p:style>
+      </p:cxnSp>
+      <mc:AlternateContent xmlns:mc="http://schemas.openxmlformats.org/markup-compatibility/2006">
+        <mc:Choice xmlns:a14="http://schemas.microsoft.com/office/drawing/2010/main" Requires="a14">
+          <p:sp>
+            <p:nvSpPr>
+              <p:cNvPr id="16" name="TextBox 15"/>
+              <p:cNvSpPr txBox="1"/>
+              <p:nvPr/>
+            </p:nvSpPr>
+            <p:spPr>
+              <a:xfrm>
+                <a:off x="5951841" y="5196739"/>
+                <a:ext cx="196464" cy="276999"/>
+              </a:xfrm>
+              <a:prstGeom prst="rect">
+                <a:avLst/>
+              </a:prstGeom>
+              <a:noFill/>
+            </p:spPr>
+            <p:txBody>
+              <a:bodyPr wrap="none" lIns="0" tIns="0" rIns="0" bIns="0" rtlCol="0">
+                <a:spAutoFit/>
+              </a:bodyPr>
+              <a:lstStyle/>
+              <a:p>
+                <a:pPr/>
+                <a14:m>
+                  <m:oMathPara xmlns:m="http://schemas.openxmlformats.org/officeDocument/2006/math">
+                    <m:oMathParaPr>
+                      <m:jc m:val="centerGroup"/>
+                    </m:oMathParaPr>
+                    <m:oMath xmlns:m="http://schemas.openxmlformats.org/officeDocument/2006/math">
+                      <m:r>
+                        <a:rPr lang="en-US" altLang="ko-KR" b="0" i="1" smtClean="0">
+                          <a:latin typeface="Cambria Math" panose="02040503050406030204" pitchFamily="18" charset="0"/>
+                        </a:rPr>
+                        <m:t>𝜖</m:t>
+                      </m:r>
+                    </m:oMath>
+                  </m:oMathPara>
+                </a14:m>
+                <a:endParaRPr lang="ko-KR" altLang="en-US" dirty="0"/>
+              </a:p>
+            </p:txBody>
+          </p:sp>
+        </mc:Choice>
+        <mc:Fallback>
+          <p:sp>
+            <p:nvSpPr>
+              <p:cNvPr id="16" name="TextBox 15"/>
+              <p:cNvSpPr txBox="1">
+                <a:spLocks noRot="1" noChangeAspect="1" noMove="1" noResize="1" noEditPoints="1" noAdjustHandles="1" noChangeArrowheads="1" noChangeShapeType="1" noTextEdit="1"/>
+              </p:cNvSpPr>
+              <p:nvPr/>
+            </p:nvSpPr>
+            <p:spPr>
+              <a:xfrm>
+                <a:off x="5951841" y="5196739"/>
+                <a:ext cx="196464" cy="276999"/>
+              </a:xfrm>
+              <a:prstGeom prst="rect">
+                <a:avLst/>
+              </a:prstGeom>
+              <a:blipFill rotWithShape="0">
+                <a:blip r:embed="rId3"/>
+                <a:stretch>
+                  <a:fillRect l="-9091" r="-6061" b="-2174"/>
+                </a:stretch>
+              </a:blipFill>
+            </p:spPr>
+            <p:txBody>
+              <a:bodyPr/>
+              <a:lstStyle/>
+              <a:p>
+                <a:r>
+                  <a:rPr lang="ko-KR" altLang="en-US">
+                    <a:noFill/>
+                  </a:rPr>
+                  <a:t> </a:t>
+                </a:r>
+              </a:p>
+            </p:txBody>
+          </p:sp>
+        </mc:Fallback>
+      </mc:AlternateContent>
+      <p:cxnSp>
+        <p:nvCxnSpPr>
+          <p:cNvPr id="11" name="직선 연결선 10"/>
+          <p:cNvCxnSpPr>
+            <a:cxnSpLocks/>
+          </p:cNvCxnSpPr>
+          <p:nvPr/>
+        </p:nvCxnSpPr>
+        <p:spPr>
+          <a:xfrm flipV="1">
+            <a:off x="2761269" y="3226208"/>
+            <a:ext cx="2147495" cy="807922"/>
+          </a:xfrm>
+          <a:prstGeom prst="line">
+            <a:avLst/>
+          </a:prstGeom>
+          <a:ln w="38100"/>
+        </p:spPr>
+        <p:style>
+          <a:lnRef idx="1">
+            <a:schemeClr val="accent1"/>
+          </a:lnRef>
+          <a:fillRef idx="0">
+            <a:schemeClr val="accent1"/>
+          </a:fillRef>
+          <a:effectRef idx="0">
+            <a:schemeClr val="accent1"/>
+          </a:effectRef>
+          <a:fontRef idx="minor">
+            <a:schemeClr val="tx1"/>
+          </a:fontRef>
+        </p:style>
+      </p:cxnSp>
+      <mc:AlternateContent xmlns:mc="http://schemas.openxmlformats.org/markup-compatibility/2006">
+        <mc:Choice xmlns:a14="http://schemas.microsoft.com/office/drawing/2010/main" Requires="a14">
+          <p:sp>
+            <p:nvSpPr>
+              <p:cNvPr id="13" name="TextBox 12"/>
+              <p:cNvSpPr txBox="1"/>
+              <p:nvPr/>
+            </p:nvSpPr>
+            <p:spPr>
+              <a:xfrm>
+                <a:off x="2875076" y="4287269"/>
+                <a:ext cx="215636" cy="276999"/>
+              </a:xfrm>
+              <a:prstGeom prst="rect">
+                <a:avLst/>
+              </a:prstGeom>
+              <a:noFill/>
+            </p:spPr>
+            <p:txBody>
+              <a:bodyPr wrap="none" lIns="0" tIns="0" rIns="0" bIns="0" rtlCol="0">
+                <a:spAutoFit/>
+              </a:bodyPr>
+              <a:lstStyle/>
+              <a:p>
+                <a:pPr/>
+                <a14:m>
+                  <m:oMathPara xmlns:m="http://schemas.openxmlformats.org/officeDocument/2006/math">
+                    <m:oMathParaPr>
+                      <m:jc m:val="centerGroup"/>
+                    </m:oMathParaPr>
+                    <m:oMath xmlns:m="http://schemas.openxmlformats.org/officeDocument/2006/math">
+                      <m:r>
+                        <a:rPr lang="en-US" altLang="ko-KR" b="0" i="1" smtClean="0">
+                          <a:latin typeface="Cambria Math" panose="02040503050406030204" pitchFamily="18" charset="0"/>
+                        </a:rPr>
+                        <m:t>𝑎</m:t>
+                      </m:r>
+                    </m:oMath>
+                  </m:oMathPara>
+                </a14:m>
+                <a:endParaRPr lang="ko-KR" altLang="en-US" dirty="0"/>
+              </a:p>
+            </p:txBody>
+          </p:sp>
+        </mc:Choice>
+        <mc:Fallback>
+          <p:sp>
+            <p:nvSpPr>
+              <p:cNvPr id="13" name="TextBox 12"/>
+              <p:cNvSpPr txBox="1">
+                <a:spLocks noRot="1" noChangeAspect="1" noMove="1" noResize="1" noEditPoints="1" noAdjustHandles="1" noChangeArrowheads="1" noChangeShapeType="1" noTextEdit="1"/>
+              </p:cNvSpPr>
+              <p:nvPr/>
+            </p:nvSpPr>
+            <p:spPr>
+              <a:xfrm>
+                <a:off x="2875076" y="4287269"/>
+                <a:ext cx="215636" cy="276999"/>
+              </a:xfrm>
+              <a:prstGeom prst="rect">
+                <a:avLst/>
+              </a:prstGeom>
+              <a:blipFill rotWithShape="0">
+                <a:blip r:embed="rId4"/>
+                <a:stretch>
+                  <a:fillRect l="-8571" r="-8571" b="-2174"/>
+                </a:stretch>
+              </a:blipFill>
+            </p:spPr>
+            <p:txBody>
+              <a:bodyPr/>
+              <a:lstStyle/>
+              <a:p>
+                <a:r>
+                  <a:rPr lang="ko-KR" altLang="en-US">
+                    <a:noFill/>
+                  </a:rPr>
+                  <a:t> </a:t>
+                </a:r>
+              </a:p>
+            </p:txBody>
+          </p:sp>
+        </mc:Fallback>
+      </mc:AlternateContent>
+      <mc:AlternateContent xmlns:mc="http://schemas.openxmlformats.org/markup-compatibility/2006">
+        <mc:Choice xmlns:a14="http://schemas.microsoft.com/office/drawing/2010/main" Requires="a14">
+          <p:sp>
+            <p:nvSpPr>
+              <p:cNvPr id="14" name="TextBox 13"/>
+              <p:cNvSpPr txBox="1"/>
+              <p:nvPr/>
+            </p:nvSpPr>
+            <p:spPr>
+              <a:xfrm>
+                <a:off x="5022489" y="2261413"/>
+                <a:ext cx="194862" cy="276999"/>
+              </a:xfrm>
+              <a:prstGeom prst="rect">
+                <a:avLst/>
+              </a:prstGeom>
+              <a:noFill/>
+            </p:spPr>
+            <p:txBody>
+              <a:bodyPr wrap="none" lIns="0" tIns="0" rIns="0" bIns="0" rtlCol="0">
+                <a:spAutoFit/>
+              </a:bodyPr>
+              <a:lstStyle/>
+              <a:p>
+                <a:pPr/>
+                <a14:m>
+                  <m:oMathPara xmlns:m="http://schemas.openxmlformats.org/officeDocument/2006/math">
+                    <m:oMathParaPr>
+                      <m:jc m:val="centerGroup"/>
+                    </m:oMathParaPr>
+                    <m:oMath xmlns:m="http://schemas.openxmlformats.org/officeDocument/2006/math">
+                      <m:r>
+                        <a:rPr lang="en-US" altLang="ko-KR" b="0" i="1" smtClean="0">
+                          <a:latin typeface="Cambria Math" panose="02040503050406030204" pitchFamily="18" charset="0"/>
+                        </a:rPr>
+                        <m:t>𝑐</m:t>
+                      </m:r>
+                    </m:oMath>
+                  </m:oMathPara>
+                </a14:m>
+                <a:endParaRPr lang="ko-KR" altLang="en-US" dirty="0"/>
+              </a:p>
+            </p:txBody>
+          </p:sp>
+        </mc:Choice>
+        <mc:Fallback>
+          <p:sp>
+            <p:nvSpPr>
+              <p:cNvPr id="14" name="TextBox 13"/>
+              <p:cNvSpPr txBox="1">
+                <a:spLocks noRot="1" noChangeAspect="1" noMove="1" noResize="1" noEditPoints="1" noAdjustHandles="1" noChangeArrowheads="1" noChangeShapeType="1" noTextEdit="1"/>
+              </p:cNvSpPr>
+              <p:nvPr/>
+            </p:nvSpPr>
+            <p:spPr>
+              <a:xfrm>
+                <a:off x="5022489" y="2261413"/>
+                <a:ext cx="194862" cy="276999"/>
+              </a:xfrm>
+              <a:prstGeom prst="rect">
+                <a:avLst/>
+              </a:prstGeom>
+              <a:blipFill rotWithShape="0">
+                <a:blip r:embed="rId5"/>
+                <a:stretch>
+                  <a:fillRect l="-9375" r="-6250" b="-4444"/>
+                </a:stretch>
+              </a:blipFill>
+            </p:spPr>
+            <p:txBody>
+              <a:bodyPr/>
+              <a:lstStyle/>
+              <a:p>
+                <a:r>
+                  <a:rPr lang="ko-KR" altLang="en-US">
+                    <a:noFill/>
+                  </a:rPr>
+                  <a:t> </a:t>
+                </a:r>
+              </a:p>
+            </p:txBody>
+          </p:sp>
+        </mc:Fallback>
+      </mc:AlternateContent>
+      <p:cxnSp>
+        <p:nvCxnSpPr>
+          <p:cNvPr id="25" name="직선 연결선 24"/>
+          <p:cNvCxnSpPr>
+            <a:cxnSpLocks/>
+          </p:cNvCxnSpPr>
+          <p:nvPr/>
+        </p:nvCxnSpPr>
+        <p:spPr>
+          <a:xfrm flipH="1" flipV="1">
+            <a:off x="4870625" y="1770927"/>
+            <a:ext cx="3" cy="3568901"/>
+          </a:xfrm>
+          <a:prstGeom prst="line">
+            <a:avLst/>
+          </a:prstGeom>
+          <a:ln w="38100">
+            <a:solidFill>
+              <a:schemeClr val="tx1"/>
+            </a:solidFill>
+            <a:prstDash val="sysDot"/>
+          </a:ln>
+        </p:spPr>
+        <p:style>
+          <a:lnRef idx="1">
+            <a:schemeClr val="accent1"/>
+          </a:lnRef>
+          <a:fillRef idx="0">
+            <a:schemeClr val="accent1"/>
+          </a:fillRef>
+          <a:effectRef idx="0">
+            <a:schemeClr val="accent1"/>
+          </a:effectRef>
+          <a:fontRef idx="minor">
+            <a:schemeClr val="tx1"/>
+          </a:fontRef>
+        </p:style>
+      </p:cxnSp>
+      <p:cxnSp>
+        <p:nvCxnSpPr>
+          <p:cNvPr id="28" name="직선 연결선 27"/>
+          <p:cNvCxnSpPr>
+            <a:cxnSpLocks/>
+          </p:cNvCxnSpPr>
+          <p:nvPr/>
+        </p:nvCxnSpPr>
+        <p:spPr>
+          <a:xfrm flipV="1">
+            <a:off x="2475402" y="2400280"/>
+            <a:ext cx="2403087" cy="2934959"/>
+          </a:xfrm>
+          <a:prstGeom prst="line">
+            <a:avLst/>
+          </a:prstGeom>
+          <a:ln w="38100">
+            <a:solidFill>
+              <a:schemeClr val="tx1"/>
+            </a:solidFill>
+            <a:prstDash val="sysDot"/>
+          </a:ln>
+        </p:spPr>
+        <p:style>
+          <a:lnRef idx="1">
+            <a:schemeClr val="accent1"/>
+          </a:lnRef>
+          <a:fillRef idx="0">
+            <a:schemeClr val="accent1"/>
+          </a:fillRef>
+          <a:effectRef idx="0">
+            <a:schemeClr val="accent1"/>
+          </a:effectRef>
+          <a:fontRef idx="minor">
+            <a:schemeClr val="tx1"/>
+          </a:fontRef>
+        </p:style>
+      </p:cxnSp>
+      <p:cxnSp>
+        <p:nvCxnSpPr>
+          <p:cNvPr id="32" name="직선 연결선 31"/>
+          <p:cNvCxnSpPr>
+            <a:cxnSpLocks/>
+          </p:cNvCxnSpPr>
+          <p:nvPr/>
+        </p:nvCxnSpPr>
+        <p:spPr>
+          <a:xfrm>
+            <a:off x="1701296" y="4022188"/>
+            <a:ext cx="1150883" cy="11942"/>
+          </a:xfrm>
+          <a:prstGeom prst="line">
+            <a:avLst/>
+          </a:prstGeom>
+          <a:ln w="38100">
+            <a:solidFill>
+              <a:schemeClr val="tx1"/>
+            </a:solidFill>
+            <a:prstDash val="sysDot"/>
+          </a:ln>
+        </p:spPr>
+        <p:style>
+          <a:lnRef idx="1">
+            <a:schemeClr val="accent1"/>
+          </a:lnRef>
+          <a:fillRef idx="0">
+            <a:schemeClr val="accent1"/>
+          </a:fillRef>
+          <a:effectRef idx="0">
+            <a:schemeClr val="accent1"/>
+          </a:effectRef>
+          <a:fontRef idx="minor">
+            <a:schemeClr val="tx1"/>
+          </a:fontRef>
+        </p:style>
+      </p:cxnSp>
+      <p:cxnSp>
+        <p:nvCxnSpPr>
+          <p:cNvPr id="39" name="직선 연결선 38"/>
+          <p:cNvCxnSpPr>
+            <a:cxnSpLocks/>
+          </p:cNvCxnSpPr>
+          <p:nvPr/>
+        </p:nvCxnSpPr>
+        <p:spPr>
+          <a:xfrm>
+            <a:off x="1714990" y="4613166"/>
+            <a:ext cx="3189898" cy="56187"/>
+          </a:xfrm>
+          <a:prstGeom prst="line">
+            <a:avLst/>
+          </a:prstGeom>
+          <a:ln w="38100">
+            <a:solidFill>
+              <a:schemeClr val="tx1"/>
+            </a:solidFill>
+            <a:prstDash val="sysDot"/>
+          </a:ln>
+        </p:spPr>
+        <p:style>
+          <a:lnRef idx="1">
+            <a:schemeClr val="accent1"/>
+          </a:lnRef>
+          <a:fillRef idx="0">
+            <a:schemeClr val="accent1"/>
+          </a:fillRef>
+          <a:effectRef idx="0">
+            <a:schemeClr val="accent1"/>
+          </a:effectRef>
+          <a:fontRef idx="minor">
+            <a:schemeClr val="tx1"/>
+          </a:fontRef>
+        </p:style>
+      </p:cxnSp>
+      <p:cxnSp>
+        <p:nvCxnSpPr>
+          <p:cNvPr id="41" name="직선 연결선 40"/>
+          <p:cNvCxnSpPr>
+            <a:cxnSpLocks/>
+          </p:cNvCxnSpPr>
+          <p:nvPr/>
+        </p:nvCxnSpPr>
+        <p:spPr>
+          <a:xfrm flipV="1">
+            <a:off x="1737312" y="3630168"/>
+            <a:ext cx="3141177" cy="1"/>
+          </a:xfrm>
+          <a:prstGeom prst="line">
+            <a:avLst/>
+          </a:prstGeom>
+          <a:ln w="38100">
+            <a:solidFill>
+              <a:schemeClr val="tx1"/>
+            </a:solidFill>
+            <a:prstDash val="sysDot"/>
+          </a:ln>
+        </p:spPr>
+        <p:style>
+          <a:lnRef idx="1">
+            <a:schemeClr val="accent1"/>
+          </a:lnRef>
+          <a:fillRef idx="0">
+            <a:schemeClr val="accent1"/>
+          </a:fillRef>
+          <a:effectRef idx="0">
+            <a:schemeClr val="accent1"/>
+          </a:effectRef>
+          <a:fontRef idx="minor">
+            <a:schemeClr val="tx1"/>
+          </a:fontRef>
+        </p:style>
+      </p:cxnSp>
+      <p:cxnSp>
+        <p:nvCxnSpPr>
+          <p:cNvPr id="43" name="직선 연결선 42"/>
+          <p:cNvCxnSpPr>
+            <a:cxnSpLocks/>
+          </p:cNvCxnSpPr>
+          <p:nvPr/>
+        </p:nvCxnSpPr>
+        <p:spPr>
+          <a:xfrm flipV="1">
+            <a:off x="1728683" y="3226208"/>
+            <a:ext cx="3141942" cy="0"/>
+          </a:xfrm>
+          <a:prstGeom prst="line">
+            <a:avLst/>
+          </a:prstGeom>
+          <a:ln w="38100">
+            <a:solidFill>
+              <a:schemeClr val="tx1"/>
+            </a:solidFill>
+            <a:prstDash val="sysDot"/>
+          </a:ln>
+        </p:spPr>
+        <p:style>
+          <a:lnRef idx="1">
+            <a:schemeClr val="accent1"/>
+          </a:lnRef>
+          <a:fillRef idx="0">
+            <a:schemeClr val="accent1"/>
+          </a:fillRef>
+          <a:effectRef idx="0">
+            <a:schemeClr val="accent1"/>
+          </a:effectRef>
+          <a:fontRef idx="minor">
+            <a:schemeClr val="tx1"/>
+          </a:fontRef>
+        </p:style>
+      </p:cxnSp>
+      <p:cxnSp>
+        <p:nvCxnSpPr>
+          <p:cNvPr id="46" name="직선 연결선 45"/>
+          <p:cNvCxnSpPr>
+            <a:cxnSpLocks/>
+          </p:cNvCxnSpPr>
+          <p:nvPr/>
+        </p:nvCxnSpPr>
+        <p:spPr>
+          <a:xfrm flipV="1">
+            <a:off x="1777374" y="2400278"/>
+            <a:ext cx="3141942" cy="0"/>
+          </a:xfrm>
+          <a:prstGeom prst="line">
+            <a:avLst/>
+          </a:prstGeom>
+          <a:ln w="38100">
+            <a:solidFill>
+              <a:schemeClr val="tx1"/>
+            </a:solidFill>
+            <a:prstDash val="sysDot"/>
+          </a:ln>
+        </p:spPr>
+        <p:style>
+          <a:lnRef idx="1">
+            <a:schemeClr val="accent1"/>
+          </a:lnRef>
+          <a:fillRef idx="0">
+            <a:schemeClr val="accent1"/>
+          </a:fillRef>
+          <a:effectRef idx="0">
+            <a:schemeClr val="accent1"/>
+          </a:effectRef>
+          <a:fontRef idx="minor">
+            <a:schemeClr val="tx1"/>
+          </a:fontRef>
+        </p:style>
+      </p:cxnSp>
+      <mc:AlternateContent xmlns:mc="http://schemas.openxmlformats.org/markup-compatibility/2006">
+        <mc:Choice xmlns:a14="http://schemas.microsoft.com/office/drawing/2010/main" Requires="a14">
+          <p:sp>
+            <p:nvSpPr>
+              <p:cNvPr id="47" name="TextBox 46"/>
+              <p:cNvSpPr txBox="1"/>
+              <p:nvPr/>
+            </p:nvSpPr>
+            <p:spPr>
+              <a:xfrm>
+                <a:off x="1020494" y="3009174"/>
+                <a:ext cx="605550" cy="276999"/>
+              </a:xfrm>
+              <a:prstGeom prst="rect">
+                <a:avLst/>
+              </a:prstGeom>
+              <a:noFill/>
+            </p:spPr>
+            <p:txBody>
+              <a:bodyPr wrap="none" lIns="0" tIns="0" rIns="0" bIns="0" rtlCol="0">
+                <a:spAutoFit/>
+              </a:bodyPr>
+              <a:lstStyle/>
+              <a:p>
+                <a:pPr/>
+                <a14:m>
+                  <m:oMathPara xmlns:m="http://schemas.openxmlformats.org/officeDocument/2006/math">
+                    <m:oMathParaPr>
+                      <m:jc m:val="centerGroup"/>
+                    </m:oMathParaPr>
+                    <m:oMath xmlns:m="http://schemas.openxmlformats.org/officeDocument/2006/math">
+                      <m:sSup>
+                        <m:sSupPr>
+                          <m:ctrlPr>
+                            <a:rPr lang="en-US" altLang="ko-KR" b="0" i="1" smtClean="0">
+                              <a:latin typeface="Cambria Math" panose="02040503050406030204" pitchFamily="18" charset="0"/>
+                            </a:rPr>
+                          </m:ctrlPr>
+                        </m:sSupPr>
+                        <m:e>
+                          <m:r>
+                            <a:rPr lang="en-US" altLang="ko-KR" b="0" i="1" smtClean="0">
+                              <a:latin typeface="Cambria Math" panose="02040503050406030204" pitchFamily="18" charset="0"/>
+                            </a:rPr>
+                            <m:t> </m:t>
+                          </m:r>
+                        </m:e>
+                        <m:sup>
+                          <m:r>
+                            <a:rPr lang="en-US" altLang="ko-KR" b="0" i="1" smtClean="0">
+                              <a:latin typeface="Cambria Math" panose="02040503050406030204" pitchFamily="18" charset="0"/>
+                            </a:rPr>
+                            <m:t>𝑛</m:t>
+                          </m:r>
+                          <m:r>
+                            <a:rPr lang="en-US" altLang="ko-KR" b="0" i="1" smtClean="0">
+                              <a:latin typeface="Cambria Math" panose="02040503050406030204" pitchFamily="18" charset="0"/>
+                            </a:rPr>
+                            <m:t>+1</m:t>
+                          </m:r>
+                        </m:sup>
+                      </m:sSup>
+                      <m:r>
+                        <m:rPr>
+                          <m:sty m:val="p"/>
+                        </m:rPr>
+                        <a:rPr lang="en-US" altLang="ko-KR" b="0" i="1" smtClean="0">
+                          <a:latin typeface="Cambria Math" panose="02040503050406030204" pitchFamily="18" charset="0"/>
+                        </a:rPr>
+                        <m:t>σ</m:t>
+                      </m:r>
+                    </m:oMath>
+                  </m:oMathPara>
+                </a14:m>
+                <a:endParaRPr lang="ko-KR" altLang="en-US" dirty="0"/>
+              </a:p>
+            </p:txBody>
+          </p:sp>
+        </mc:Choice>
+        <mc:Fallback>
+          <p:sp>
+            <p:nvSpPr>
+              <p:cNvPr id="47" name="TextBox 46"/>
+              <p:cNvSpPr txBox="1">
+                <a:spLocks noRot="1" noChangeAspect="1" noMove="1" noResize="1" noEditPoints="1" noAdjustHandles="1" noChangeArrowheads="1" noChangeShapeType="1" noTextEdit="1"/>
+              </p:cNvSpPr>
+              <p:nvPr/>
+            </p:nvSpPr>
+            <p:spPr>
+              <a:xfrm>
+                <a:off x="1020494" y="3009174"/>
+                <a:ext cx="605550" cy="276999"/>
+              </a:xfrm>
+              <a:prstGeom prst="rect">
+                <a:avLst/>
+              </a:prstGeom>
+              <a:blipFill rotWithShape="0">
+                <a:blip r:embed="rId6"/>
+                <a:stretch>
+                  <a:fillRect r="-3000" b="-4444"/>
+                </a:stretch>
+              </a:blipFill>
+            </p:spPr>
+            <p:txBody>
+              <a:bodyPr/>
+              <a:lstStyle/>
+              <a:p>
+                <a:r>
+                  <a:rPr lang="ko-KR" altLang="en-US">
+                    <a:noFill/>
+                  </a:rPr>
+                  <a:t> </a:t>
+                </a:r>
+              </a:p>
+            </p:txBody>
+          </p:sp>
+        </mc:Fallback>
+      </mc:AlternateContent>
+      <mc:AlternateContent xmlns:mc="http://schemas.openxmlformats.org/markup-compatibility/2006">
+        <mc:Choice xmlns:a14="http://schemas.microsoft.com/office/drawing/2010/main" Requires="a14">
+          <p:sp>
+            <p:nvSpPr>
+              <p:cNvPr id="48" name="TextBox 47"/>
+              <p:cNvSpPr txBox="1"/>
+              <p:nvPr/>
+            </p:nvSpPr>
+            <p:spPr>
+              <a:xfrm>
+                <a:off x="1035824" y="3491669"/>
+                <a:ext cx="505010" cy="276999"/>
+              </a:xfrm>
+              <a:prstGeom prst="rect">
+                <a:avLst/>
+              </a:prstGeom>
+              <a:noFill/>
+            </p:spPr>
+            <p:txBody>
+              <a:bodyPr wrap="none" lIns="0" tIns="0" rIns="0" bIns="0" rtlCol="0">
+                <a:spAutoFit/>
+              </a:bodyPr>
+              <a:lstStyle/>
+              <a:p>
+                <a:pPr/>
+                <a14:m>
+                  <m:oMathPara xmlns:m="http://schemas.openxmlformats.org/officeDocument/2006/math">
+                    <m:oMathParaPr>
+                      <m:jc m:val="centerGroup"/>
+                    </m:oMathParaPr>
+                    <m:oMath xmlns:m="http://schemas.openxmlformats.org/officeDocument/2006/math">
+                      <m:sSup>
+                        <m:sSupPr>
+                          <m:ctrlPr>
+                            <a:rPr lang="en-US" altLang="ko-KR" b="0" i="1" smtClean="0">
+                              <a:latin typeface="Cambria Math" panose="02040503050406030204" pitchFamily="18" charset="0"/>
+                            </a:rPr>
+                          </m:ctrlPr>
+                        </m:sSupPr>
+                        <m:e>
+                          <m:r>
+                            <a:rPr lang="en-US" altLang="ko-KR" b="0" i="1" smtClean="0">
+                              <a:latin typeface="Cambria Math" panose="02040503050406030204" pitchFamily="18" charset="0"/>
+                            </a:rPr>
+                            <m:t> </m:t>
+                          </m:r>
+                        </m:e>
+                        <m:sup>
+                          <m:r>
+                            <a:rPr lang="en-US" altLang="ko-KR" b="0" i="1" smtClean="0">
+                              <a:latin typeface="Cambria Math" panose="02040503050406030204" pitchFamily="18" charset="0"/>
+                            </a:rPr>
+                            <m:t>𝑛</m:t>
+                          </m:r>
+                        </m:sup>
+                      </m:sSup>
+                      <m:sSub>
+                        <m:sSubPr>
+                          <m:ctrlPr>
+                            <a:rPr lang="en-US" altLang="ko-KR" b="0" i="1" smtClean="0">
+                              <a:latin typeface="Cambria Math" panose="02040503050406030204" pitchFamily="18" charset="0"/>
+                            </a:rPr>
+                          </m:ctrlPr>
+                        </m:sSubPr>
+                        <m:e>
+                          <m:r>
+                            <m:rPr>
+                              <m:sty m:val="p"/>
+                            </m:rPr>
+                            <a:rPr lang="en-US" altLang="ko-KR" b="0" i="1" smtClean="0">
+                              <a:latin typeface="Cambria Math" panose="02040503050406030204" pitchFamily="18" charset="0"/>
+                            </a:rPr>
+                            <m:t>σ</m:t>
+                          </m:r>
+                        </m:e>
+                        <m:sub>
+                          <m:r>
+                            <a:rPr lang="en-US" altLang="ko-KR" b="0" i="1" smtClean="0">
+                              <a:latin typeface="Cambria Math" panose="02040503050406030204" pitchFamily="18" charset="0"/>
+                            </a:rPr>
+                            <m:t>𝑌</m:t>
+                          </m:r>
+                        </m:sub>
+                      </m:sSub>
+                    </m:oMath>
+                  </m:oMathPara>
+                </a14:m>
+                <a:endParaRPr lang="ko-KR" altLang="en-US" dirty="0"/>
+              </a:p>
+            </p:txBody>
+          </p:sp>
+        </mc:Choice>
+        <mc:Fallback>
+          <p:sp>
+            <p:nvSpPr>
+              <p:cNvPr id="48" name="TextBox 47"/>
+              <p:cNvSpPr txBox="1">
+                <a:spLocks noRot="1" noChangeAspect="1" noMove="1" noResize="1" noEditPoints="1" noAdjustHandles="1" noChangeArrowheads="1" noChangeShapeType="1" noTextEdit="1"/>
+              </p:cNvSpPr>
+              <p:nvPr/>
+            </p:nvSpPr>
+            <p:spPr>
+              <a:xfrm>
+                <a:off x="1035824" y="3491669"/>
+                <a:ext cx="505010" cy="276999"/>
+              </a:xfrm>
+              <a:prstGeom prst="rect">
+                <a:avLst/>
+              </a:prstGeom>
+              <a:blipFill rotWithShape="0">
+                <a:blip r:embed="rId7"/>
+                <a:stretch>
+                  <a:fillRect b="-20000"/>
+                </a:stretch>
+              </a:blipFill>
+            </p:spPr>
+            <p:txBody>
+              <a:bodyPr/>
+              <a:lstStyle/>
+              <a:p>
+                <a:r>
+                  <a:rPr lang="ko-KR" altLang="en-US">
+                    <a:noFill/>
+                  </a:rPr>
+                  <a:t> </a:t>
+                </a:r>
+              </a:p>
+            </p:txBody>
+          </p:sp>
+        </mc:Fallback>
+      </mc:AlternateContent>
+      <mc:AlternateContent xmlns:mc="http://schemas.openxmlformats.org/markup-compatibility/2006">
+        <mc:Choice xmlns:a14="http://schemas.microsoft.com/office/drawing/2010/main" Requires="a14">
+          <p:sp>
+            <p:nvSpPr>
+              <p:cNvPr id="49" name="TextBox 48"/>
+              <p:cNvSpPr txBox="1"/>
+              <p:nvPr/>
+            </p:nvSpPr>
+            <p:spPr>
+              <a:xfrm>
+                <a:off x="1073882" y="3863268"/>
+                <a:ext cx="505010" cy="276999"/>
+              </a:xfrm>
+              <a:prstGeom prst="rect">
+                <a:avLst/>
+              </a:prstGeom>
+              <a:noFill/>
+            </p:spPr>
+            <p:txBody>
+              <a:bodyPr wrap="none" lIns="0" tIns="0" rIns="0" bIns="0" rtlCol="0">
+                <a:spAutoFit/>
+              </a:bodyPr>
+              <a:lstStyle/>
+              <a:p>
+                <a:pPr/>
+                <a14:m>
+                  <m:oMathPara xmlns:m="http://schemas.openxmlformats.org/officeDocument/2006/math">
+                    <m:oMathParaPr>
+                      <m:jc m:val="centerGroup"/>
+                    </m:oMathParaPr>
+                    <m:oMath xmlns:m="http://schemas.openxmlformats.org/officeDocument/2006/math">
+                      <m:sSup>
+                        <m:sSupPr>
+                          <m:ctrlPr>
+                            <a:rPr lang="en-US" altLang="ko-KR" b="0" i="1" smtClean="0">
+                              <a:latin typeface="Cambria Math" panose="02040503050406030204" pitchFamily="18" charset="0"/>
+                            </a:rPr>
+                          </m:ctrlPr>
+                        </m:sSupPr>
+                        <m:e>
+                          <m:r>
+                            <a:rPr lang="en-US" altLang="ko-KR" b="0" i="1" smtClean="0">
+                              <a:latin typeface="Cambria Math" panose="02040503050406030204" pitchFamily="18" charset="0"/>
+                            </a:rPr>
+                            <m:t> </m:t>
+                          </m:r>
+                        </m:e>
+                        <m:sup>
+                          <m:r>
+                            <a:rPr lang="en-US" altLang="ko-KR" b="0" i="1" smtClean="0">
+                              <a:latin typeface="Cambria Math" panose="02040503050406030204" pitchFamily="18" charset="0"/>
+                            </a:rPr>
+                            <m:t>0</m:t>
+                          </m:r>
+                        </m:sup>
+                      </m:sSup>
+                      <m:sSub>
+                        <m:sSubPr>
+                          <m:ctrlPr>
+                            <a:rPr lang="en-US" altLang="ko-KR" b="0" i="1" smtClean="0">
+                              <a:latin typeface="Cambria Math" panose="02040503050406030204" pitchFamily="18" charset="0"/>
+                            </a:rPr>
+                          </m:ctrlPr>
+                        </m:sSubPr>
+                        <m:e>
+                          <m:r>
+                            <m:rPr>
+                              <m:sty m:val="p"/>
+                            </m:rPr>
+                            <a:rPr lang="en-US" altLang="ko-KR" b="0" i="1" smtClean="0">
+                              <a:latin typeface="Cambria Math" panose="02040503050406030204" pitchFamily="18" charset="0"/>
+                            </a:rPr>
+                            <m:t>σ</m:t>
+                          </m:r>
+                        </m:e>
+                        <m:sub>
+                          <m:r>
+                            <a:rPr lang="en-US" altLang="ko-KR" b="0" i="1" smtClean="0">
+                              <a:latin typeface="Cambria Math" panose="02040503050406030204" pitchFamily="18" charset="0"/>
+                            </a:rPr>
+                            <m:t>𝑌</m:t>
+                          </m:r>
+                        </m:sub>
+                      </m:sSub>
+                    </m:oMath>
+                  </m:oMathPara>
+                </a14:m>
+                <a:endParaRPr lang="ko-KR" altLang="en-US" dirty="0"/>
+              </a:p>
+            </p:txBody>
+          </p:sp>
+        </mc:Choice>
+        <mc:Fallback>
+          <p:sp>
+            <p:nvSpPr>
+              <p:cNvPr id="49" name="TextBox 48"/>
+              <p:cNvSpPr txBox="1">
+                <a:spLocks noRot="1" noChangeAspect="1" noMove="1" noResize="1" noEditPoints="1" noAdjustHandles="1" noChangeArrowheads="1" noChangeShapeType="1" noTextEdit="1"/>
+              </p:cNvSpPr>
+              <p:nvPr/>
+            </p:nvSpPr>
+            <p:spPr>
+              <a:xfrm>
+                <a:off x="1073882" y="3863268"/>
+                <a:ext cx="505010" cy="276999"/>
+              </a:xfrm>
+              <a:prstGeom prst="rect">
+                <a:avLst/>
+              </a:prstGeom>
+              <a:blipFill rotWithShape="0">
+                <a:blip r:embed="rId8"/>
+                <a:stretch>
+                  <a:fillRect b="-20000"/>
+                </a:stretch>
+              </a:blipFill>
+            </p:spPr>
+            <p:txBody>
+              <a:bodyPr/>
+              <a:lstStyle/>
+              <a:p>
+                <a:r>
+                  <a:rPr lang="ko-KR" altLang="en-US">
+                    <a:noFill/>
+                  </a:rPr>
+                  <a:t> </a:t>
+                </a:r>
+              </a:p>
+            </p:txBody>
+          </p:sp>
+        </mc:Fallback>
+      </mc:AlternateContent>
+      <mc:AlternateContent xmlns:mc="http://schemas.openxmlformats.org/markup-compatibility/2006">
+        <mc:Choice xmlns:a14="http://schemas.microsoft.com/office/drawing/2010/main" Requires="a14">
+          <p:sp>
+            <p:nvSpPr>
+              <p:cNvPr id="50" name="TextBox 49"/>
+              <p:cNvSpPr txBox="1"/>
+              <p:nvPr/>
+            </p:nvSpPr>
+            <p:spPr>
+              <a:xfrm>
+                <a:off x="1096071" y="4427079"/>
+                <a:ext cx="385938" cy="276999"/>
+              </a:xfrm>
+              <a:prstGeom prst="rect">
+                <a:avLst/>
+              </a:prstGeom>
+              <a:noFill/>
+            </p:spPr>
+            <p:txBody>
+              <a:bodyPr wrap="none" lIns="0" tIns="0" rIns="0" bIns="0" rtlCol="0">
+                <a:spAutoFit/>
+              </a:bodyPr>
+              <a:lstStyle/>
+              <a:p>
+                <a:pPr/>
+                <a14:m>
+                  <m:oMathPara xmlns:m="http://schemas.openxmlformats.org/officeDocument/2006/math">
+                    <m:oMathParaPr>
+                      <m:jc m:val="centerGroup"/>
+                    </m:oMathParaPr>
+                    <m:oMath xmlns:m="http://schemas.openxmlformats.org/officeDocument/2006/math">
+                      <m:sSup>
+                        <m:sSupPr>
+                          <m:ctrlPr>
+                            <a:rPr lang="en-US" altLang="ko-KR" b="0" i="1" smtClean="0">
+                              <a:latin typeface="Cambria Math" panose="02040503050406030204" pitchFamily="18" charset="0"/>
+                            </a:rPr>
+                          </m:ctrlPr>
+                        </m:sSupPr>
+                        <m:e>
+                          <m:r>
+                            <a:rPr lang="en-US" altLang="ko-KR" b="0" i="1" smtClean="0">
+                              <a:latin typeface="Cambria Math" panose="02040503050406030204" pitchFamily="18" charset="0"/>
+                            </a:rPr>
+                            <m:t> </m:t>
+                          </m:r>
+                        </m:e>
+                        <m:sup>
+                          <m:r>
+                            <a:rPr lang="en-US" altLang="ko-KR" b="0" i="1" smtClean="0">
+                              <a:latin typeface="Cambria Math" panose="02040503050406030204" pitchFamily="18" charset="0"/>
+                            </a:rPr>
+                            <m:t>𝑛</m:t>
+                          </m:r>
+                        </m:sup>
+                      </m:sSup>
+                      <m:r>
+                        <m:rPr>
+                          <m:sty m:val="p"/>
+                        </m:rPr>
+                        <a:rPr lang="en-US" altLang="ko-KR" i="1">
+                          <a:latin typeface="Cambria Math" panose="02040503050406030204" pitchFamily="18" charset="0"/>
+                        </a:rPr>
+                        <m:t>σ</m:t>
+                      </m:r>
+                    </m:oMath>
+                  </m:oMathPara>
+                </a14:m>
+                <a:endParaRPr lang="ko-KR" altLang="en-US" dirty="0"/>
+              </a:p>
+            </p:txBody>
+          </p:sp>
+        </mc:Choice>
+        <mc:Fallback>
+          <p:sp>
+            <p:nvSpPr>
+              <p:cNvPr id="50" name="TextBox 49"/>
+              <p:cNvSpPr txBox="1">
+                <a:spLocks noRot="1" noChangeAspect="1" noMove="1" noResize="1" noEditPoints="1" noAdjustHandles="1" noChangeArrowheads="1" noChangeShapeType="1" noTextEdit="1"/>
+              </p:cNvSpPr>
+              <p:nvPr/>
+            </p:nvSpPr>
+            <p:spPr>
+              <a:xfrm>
+                <a:off x="1096071" y="4427079"/>
+                <a:ext cx="385938" cy="276999"/>
+              </a:xfrm>
+              <a:prstGeom prst="rect">
+                <a:avLst/>
+              </a:prstGeom>
+              <a:blipFill rotWithShape="0">
+                <a:blip r:embed="rId9"/>
+                <a:stretch>
+                  <a:fillRect r="-6349" b="-2174"/>
+                </a:stretch>
+              </a:blipFill>
+            </p:spPr>
+            <p:txBody>
+              <a:bodyPr/>
+              <a:lstStyle/>
+              <a:p>
+                <a:r>
+                  <a:rPr lang="ko-KR" altLang="en-US">
+                    <a:noFill/>
+                  </a:rPr>
+                  <a:t> </a:t>
+                </a:r>
+              </a:p>
+            </p:txBody>
+          </p:sp>
+        </mc:Fallback>
+      </mc:AlternateContent>
+      <mc:AlternateContent xmlns:mc="http://schemas.openxmlformats.org/markup-compatibility/2006">
+        <mc:Choice xmlns:a14="http://schemas.microsoft.com/office/drawing/2010/main" Requires="a14">
+          <p:sp>
+            <p:nvSpPr>
+              <p:cNvPr id="51" name="TextBox 50"/>
+              <p:cNvSpPr txBox="1"/>
+              <p:nvPr/>
+            </p:nvSpPr>
+            <p:spPr>
+              <a:xfrm>
+                <a:off x="1385923" y="1106963"/>
+                <a:ext cx="213200" cy="276999"/>
+              </a:xfrm>
+              <a:prstGeom prst="rect">
+                <a:avLst/>
+              </a:prstGeom>
+              <a:noFill/>
+            </p:spPr>
+            <p:txBody>
+              <a:bodyPr wrap="none" lIns="0" tIns="0" rIns="0" bIns="0" rtlCol="0">
+                <a:spAutoFit/>
+              </a:bodyPr>
+              <a:lstStyle/>
+              <a:p>
+                <a:pPr/>
+                <a14:m>
+                  <m:oMathPara xmlns:m="http://schemas.openxmlformats.org/officeDocument/2006/math">
+                    <m:oMathParaPr>
+                      <m:jc m:val="centerGroup"/>
+                    </m:oMathParaPr>
+                    <m:oMath xmlns:m="http://schemas.openxmlformats.org/officeDocument/2006/math">
+                      <m:r>
+                        <m:rPr>
+                          <m:sty m:val="p"/>
+                        </m:rPr>
+                        <a:rPr lang="en-US" altLang="ko-KR" i="1">
+                          <a:latin typeface="Cambria Math" panose="02040503050406030204" pitchFamily="18" charset="0"/>
+                        </a:rPr>
+                        <m:t>σ</m:t>
+                      </m:r>
+                    </m:oMath>
+                  </m:oMathPara>
+                </a14:m>
+                <a:endParaRPr lang="ko-KR" altLang="en-US" dirty="0"/>
+              </a:p>
+            </p:txBody>
+          </p:sp>
+        </mc:Choice>
+        <mc:Fallback>
+          <p:sp>
+            <p:nvSpPr>
+              <p:cNvPr id="51" name="TextBox 50"/>
+              <p:cNvSpPr txBox="1">
+                <a:spLocks noRot="1" noChangeAspect="1" noMove="1" noResize="1" noEditPoints="1" noAdjustHandles="1" noChangeArrowheads="1" noChangeShapeType="1" noTextEdit="1"/>
+              </p:cNvSpPr>
+              <p:nvPr/>
+            </p:nvSpPr>
+            <p:spPr>
+              <a:xfrm>
+                <a:off x="1385923" y="1106963"/>
+                <a:ext cx="213200" cy="276999"/>
+              </a:xfrm>
+              <a:prstGeom prst="rect">
+                <a:avLst/>
+              </a:prstGeom>
+              <a:blipFill rotWithShape="0">
+                <a:blip r:embed="rId10"/>
+                <a:stretch>
+                  <a:fillRect l="-8571" r="-11429" b="-4444"/>
+                </a:stretch>
+              </a:blipFill>
+            </p:spPr>
+            <p:txBody>
+              <a:bodyPr/>
+              <a:lstStyle/>
+              <a:p>
+                <a:r>
+                  <a:rPr lang="ko-KR" altLang="en-US">
+                    <a:noFill/>
+                  </a:rPr>
+                  <a:t> </a:t>
+                </a:r>
+              </a:p>
+            </p:txBody>
+          </p:sp>
+        </mc:Fallback>
+      </mc:AlternateContent>
+      <mc:AlternateContent xmlns:mc="http://schemas.openxmlformats.org/markup-compatibility/2006">
+        <mc:Choice xmlns:a14="http://schemas.microsoft.com/office/drawing/2010/main" Requires="a14">
+          <p:sp>
+            <p:nvSpPr>
+              <p:cNvPr id="54" name="TextBox 53"/>
+              <p:cNvSpPr txBox="1"/>
+              <p:nvPr/>
+            </p:nvSpPr>
+            <p:spPr>
+              <a:xfrm>
+                <a:off x="4961535" y="4548479"/>
+                <a:ext cx="215636" cy="276999"/>
+              </a:xfrm>
+              <a:prstGeom prst="rect">
+                <a:avLst/>
+              </a:prstGeom>
+              <a:noFill/>
+            </p:spPr>
+            <p:txBody>
+              <a:bodyPr wrap="none" lIns="0" tIns="0" rIns="0" bIns="0" rtlCol="0">
+                <a:spAutoFit/>
+              </a:bodyPr>
+              <a:lstStyle/>
+              <a:p>
+                <a:pPr/>
+                <a14:m>
+                  <m:oMathPara xmlns:m="http://schemas.openxmlformats.org/officeDocument/2006/math">
+                    <m:oMathParaPr>
+                      <m:jc m:val="centerGroup"/>
+                    </m:oMathParaPr>
+                    <m:oMath xmlns:m="http://schemas.openxmlformats.org/officeDocument/2006/math">
+                      <m:r>
+                        <a:rPr lang="en-US" altLang="ko-KR" b="0" i="1" smtClean="0">
+                          <a:latin typeface="Cambria Math" panose="02040503050406030204" pitchFamily="18" charset="0"/>
+                        </a:rPr>
+                        <m:t>𝑏</m:t>
+                      </m:r>
+                    </m:oMath>
+                  </m:oMathPara>
+                </a14:m>
+                <a:endParaRPr lang="ko-KR" altLang="en-US" dirty="0"/>
+              </a:p>
+            </p:txBody>
+          </p:sp>
+        </mc:Choice>
+        <mc:Fallback>
+          <p:sp>
+            <p:nvSpPr>
+              <p:cNvPr id="54" name="TextBox 53"/>
+              <p:cNvSpPr txBox="1">
+                <a:spLocks noRot="1" noChangeAspect="1" noMove="1" noResize="1" noEditPoints="1" noAdjustHandles="1" noChangeArrowheads="1" noChangeShapeType="1" noTextEdit="1"/>
+              </p:cNvSpPr>
+              <p:nvPr/>
+            </p:nvSpPr>
+            <p:spPr>
+              <a:xfrm>
+                <a:off x="4961535" y="4548479"/>
+                <a:ext cx="215636" cy="276999"/>
+              </a:xfrm>
+              <a:prstGeom prst="rect">
+                <a:avLst/>
+              </a:prstGeom>
+              <a:blipFill rotWithShape="0">
+                <a:blip r:embed="rId11"/>
+                <a:stretch>
+                  <a:fillRect l="-20000" r="-17143" b="-10870"/>
+                </a:stretch>
+              </a:blipFill>
+            </p:spPr>
+            <p:txBody>
+              <a:bodyPr/>
+              <a:lstStyle/>
+              <a:p>
+                <a:r>
+                  <a:rPr lang="ko-KR" altLang="en-US">
+                    <a:noFill/>
+                  </a:rPr>
+                  <a:t> </a:t>
+                </a:r>
+              </a:p>
+            </p:txBody>
+          </p:sp>
+        </mc:Fallback>
+      </mc:AlternateContent>
+      <p:sp>
+        <p:nvSpPr>
+          <p:cNvPr id="56" name="곱셈 기호 55"/>
+          <p:cNvSpPr/>
+          <p:nvPr/>
+        </p:nvSpPr>
+        <p:spPr>
+          <a:xfrm>
+            <a:off x="2902517" y="4497259"/>
+            <a:ext cx="288000" cy="288000"/>
+          </a:xfrm>
+          <a:prstGeom prst="mathMultiply">
+            <a:avLst>
+              <a:gd name="adj1" fmla="val 13598"/>
+            </a:avLst>
+          </a:prstGeom>
+          <a:solidFill>
+            <a:schemeClr val="accent1"/>
+          </a:solidFill>
+          <a:ln>
+            <a:noFill/>
+          </a:ln>
+        </p:spPr>
+        <p:style>
+          <a:lnRef idx="2">
+            <a:schemeClr val="accent1">
+              <a:shade val="50000"/>
+            </a:schemeClr>
+          </a:lnRef>
+          <a:fillRef idx="1">
+            <a:schemeClr val="accent1"/>
+          </a:fillRef>
+          <a:effectRef idx="0">
+            <a:schemeClr val="accent1"/>
+          </a:effectRef>
+          <a:fontRef idx="minor">
+            <a:schemeClr val="lt1"/>
+          </a:fontRef>
+        </p:style>
+        <p:txBody>
+          <a:bodyPr rtlCol="0" anchor="ctr"/>
+          <a:lstStyle/>
+          <a:p>
+            <a:pPr algn="ctr"/>
+            <a:endParaRPr lang="ko-KR" altLang="en-US"/>
+          </a:p>
+        </p:txBody>
+      </p:sp>
+      <p:sp>
+        <p:nvSpPr>
+          <p:cNvPr id="57" name="곱셈 기호 56"/>
+          <p:cNvSpPr/>
+          <p:nvPr/>
+        </p:nvSpPr>
+        <p:spPr>
+          <a:xfrm>
+            <a:off x="4699934" y="4525353"/>
+            <a:ext cx="288000" cy="288000"/>
+          </a:xfrm>
+          <a:prstGeom prst="mathMultiply">
+            <a:avLst>
+              <a:gd name="adj1" fmla="val 13598"/>
+            </a:avLst>
+          </a:prstGeom>
+          <a:solidFill>
+            <a:schemeClr val="accent1"/>
+          </a:solidFill>
+          <a:ln>
+            <a:noFill/>
+          </a:ln>
+        </p:spPr>
+        <p:style>
+          <a:lnRef idx="2">
+            <a:schemeClr val="accent1">
+              <a:shade val="50000"/>
+            </a:schemeClr>
+          </a:lnRef>
+          <a:fillRef idx="1">
+            <a:schemeClr val="accent1"/>
+          </a:fillRef>
+          <a:effectRef idx="0">
+            <a:schemeClr val="accent1"/>
+          </a:effectRef>
+          <a:fontRef idx="minor">
+            <a:schemeClr val="lt1"/>
+          </a:fontRef>
+        </p:style>
+        <p:txBody>
+          <a:bodyPr rtlCol="0" anchor="ctr"/>
+          <a:lstStyle/>
+          <a:p>
+            <a:pPr algn="ctr"/>
+            <a:endParaRPr lang="ko-KR" altLang="en-US"/>
+          </a:p>
+        </p:txBody>
+      </p:sp>
+      <p:sp>
+        <p:nvSpPr>
+          <p:cNvPr id="58" name="곱셈 기호 57"/>
+          <p:cNvSpPr/>
+          <p:nvPr/>
+        </p:nvSpPr>
+        <p:spPr>
+          <a:xfrm>
+            <a:off x="4726625" y="2261413"/>
+            <a:ext cx="288000" cy="288000"/>
+          </a:xfrm>
+          <a:prstGeom prst="mathMultiply">
+            <a:avLst>
+              <a:gd name="adj1" fmla="val 13598"/>
+            </a:avLst>
+          </a:prstGeom>
+          <a:solidFill>
+            <a:schemeClr val="accent1"/>
+          </a:solidFill>
+          <a:ln>
+            <a:noFill/>
+          </a:ln>
+        </p:spPr>
+        <p:style>
+          <a:lnRef idx="2">
+            <a:schemeClr val="accent1">
+              <a:shade val="50000"/>
+            </a:schemeClr>
+          </a:lnRef>
+          <a:fillRef idx="1">
+            <a:schemeClr val="accent1"/>
+          </a:fillRef>
+          <a:effectRef idx="0">
+            <a:schemeClr val="accent1"/>
+          </a:effectRef>
+          <a:fontRef idx="minor">
+            <a:schemeClr val="lt1"/>
+          </a:fontRef>
+        </p:style>
+        <p:txBody>
+          <a:bodyPr rtlCol="0" anchor="ctr"/>
+          <a:lstStyle/>
+          <a:p>
+            <a:pPr algn="ctr"/>
+            <a:endParaRPr lang="ko-KR" altLang="en-US"/>
+          </a:p>
+        </p:txBody>
+      </p:sp>
+      <mc:AlternateContent xmlns:mc="http://schemas.openxmlformats.org/markup-compatibility/2006">
+        <mc:Choice xmlns:a14="http://schemas.microsoft.com/office/drawing/2010/main" Requires="a14">
+          <p:sp>
+            <p:nvSpPr>
+              <p:cNvPr id="60" name="TextBox 59"/>
+              <p:cNvSpPr txBox="1"/>
+              <p:nvPr/>
+            </p:nvSpPr>
+            <p:spPr>
+              <a:xfrm>
+                <a:off x="3936057" y="3726468"/>
+                <a:ext cx="222112" cy="276999"/>
+              </a:xfrm>
+              <a:prstGeom prst="rect">
+                <a:avLst/>
+              </a:prstGeom>
+              <a:noFill/>
+            </p:spPr>
+            <p:txBody>
+              <a:bodyPr wrap="none" lIns="0" tIns="0" rIns="0" bIns="0" rtlCol="0">
+                <a:spAutoFit/>
+              </a:bodyPr>
+              <a:lstStyle/>
+              <a:p>
+                <a:pPr/>
+                <a14:m>
+                  <m:oMathPara xmlns:m="http://schemas.openxmlformats.org/officeDocument/2006/math">
+                    <m:oMathParaPr>
+                      <m:jc m:val="centerGroup"/>
+                    </m:oMathParaPr>
+                    <m:oMath xmlns:m="http://schemas.openxmlformats.org/officeDocument/2006/math">
+                      <m:r>
+                        <a:rPr lang="en-US" altLang="ko-KR" b="0" i="1" smtClean="0">
+                          <a:latin typeface="Cambria Math" panose="02040503050406030204" pitchFamily="18" charset="0"/>
+                        </a:rPr>
+                        <m:t>𝑑</m:t>
+                      </m:r>
+                    </m:oMath>
+                  </m:oMathPara>
+                </a14:m>
+                <a:endParaRPr lang="ko-KR" altLang="en-US" dirty="0"/>
+              </a:p>
+            </p:txBody>
+          </p:sp>
+        </mc:Choice>
+        <mc:Fallback>
+          <p:sp>
+            <p:nvSpPr>
+              <p:cNvPr id="60" name="TextBox 59"/>
+              <p:cNvSpPr txBox="1">
+                <a:spLocks noRot="1" noChangeAspect="1" noMove="1" noResize="1" noEditPoints="1" noAdjustHandles="1" noChangeArrowheads="1" noChangeShapeType="1" noTextEdit="1"/>
+              </p:cNvSpPr>
+              <p:nvPr/>
+            </p:nvSpPr>
+            <p:spPr>
+              <a:xfrm>
+                <a:off x="3936057" y="3726468"/>
+                <a:ext cx="222112" cy="276999"/>
+              </a:xfrm>
+              <a:prstGeom prst="rect">
+                <a:avLst/>
+              </a:prstGeom>
+              <a:blipFill rotWithShape="0">
+                <a:blip r:embed="rId12"/>
+                <a:stretch>
+                  <a:fillRect l="-19444" r="-19444" b="-10870"/>
+                </a:stretch>
+              </a:blipFill>
+            </p:spPr>
+            <p:txBody>
+              <a:bodyPr/>
+              <a:lstStyle/>
+              <a:p>
+                <a:r>
+                  <a:rPr lang="ko-KR" altLang="en-US">
+                    <a:noFill/>
+                  </a:rPr>
+                  <a:t> </a:t>
+                </a:r>
+              </a:p>
+            </p:txBody>
+          </p:sp>
+        </mc:Fallback>
+      </mc:AlternateContent>
+      <p:sp>
+        <p:nvSpPr>
+          <p:cNvPr id="61" name="곱셈 기호 60"/>
+          <p:cNvSpPr/>
+          <p:nvPr/>
+        </p:nvSpPr>
+        <p:spPr>
+          <a:xfrm>
+            <a:off x="3755875" y="3488459"/>
+            <a:ext cx="288000" cy="288000"/>
+          </a:xfrm>
+          <a:prstGeom prst="mathMultiply">
+            <a:avLst>
+              <a:gd name="adj1" fmla="val 13598"/>
+            </a:avLst>
+          </a:prstGeom>
+          <a:solidFill>
+            <a:schemeClr val="accent1"/>
+          </a:solidFill>
+          <a:ln>
+            <a:noFill/>
+          </a:ln>
+        </p:spPr>
+        <p:style>
+          <a:lnRef idx="2">
+            <a:schemeClr val="accent1">
+              <a:shade val="50000"/>
+            </a:schemeClr>
+          </a:lnRef>
+          <a:fillRef idx="1">
+            <a:schemeClr val="accent1"/>
+          </a:fillRef>
+          <a:effectRef idx="0">
+            <a:schemeClr val="accent1"/>
+          </a:effectRef>
+          <a:fontRef idx="minor">
+            <a:schemeClr val="lt1"/>
+          </a:fontRef>
+        </p:style>
+        <p:txBody>
+          <a:bodyPr rtlCol="0" anchor="ctr"/>
+          <a:lstStyle/>
+          <a:p>
+            <a:pPr algn="ctr"/>
+            <a:endParaRPr lang="ko-KR" altLang="en-US"/>
+          </a:p>
+        </p:txBody>
+      </p:sp>
+      <mc:AlternateContent xmlns:mc="http://schemas.openxmlformats.org/markup-compatibility/2006">
+        <mc:Choice xmlns:a14="http://schemas.microsoft.com/office/drawing/2010/main" Requires="a14">
+          <p:sp>
+            <p:nvSpPr>
+              <p:cNvPr id="62" name="TextBox 61"/>
+              <p:cNvSpPr txBox="1"/>
+              <p:nvPr/>
+            </p:nvSpPr>
+            <p:spPr>
+              <a:xfrm>
+                <a:off x="4901168" y="3726468"/>
+                <a:ext cx="200632" cy="276999"/>
+              </a:xfrm>
+              <a:prstGeom prst="rect">
+                <a:avLst/>
+              </a:prstGeom>
+              <a:noFill/>
+            </p:spPr>
+            <p:txBody>
+              <a:bodyPr wrap="none" lIns="0" tIns="0" rIns="0" bIns="0" rtlCol="0">
+                <a:spAutoFit/>
+              </a:bodyPr>
+              <a:lstStyle/>
+              <a:p>
+                <a:pPr/>
+                <a14:m>
+                  <m:oMathPara xmlns:m="http://schemas.openxmlformats.org/officeDocument/2006/math">
+                    <m:oMathParaPr>
+                      <m:jc m:val="centerGroup"/>
+                    </m:oMathParaPr>
+                    <m:oMath xmlns:m="http://schemas.openxmlformats.org/officeDocument/2006/math">
+                      <m:r>
+                        <a:rPr lang="en-US" altLang="ko-KR" b="0" i="1" smtClean="0">
+                          <a:latin typeface="Cambria Math" panose="02040503050406030204" pitchFamily="18" charset="0"/>
+                        </a:rPr>
+                        <m:t>𝑒</m:t>
+                      </m:r>
+                    </m:oMath>
+                  </m:oMathPara>
+                </a14:m>
+                <a:endParaRPr lang="ko-KR" altLang="en-US" dirty="0"/>
+              </a:p>
+            </p:txBody>
+          </p:sp>
+        </mc:Choice>
+        <mc:Fallback>
+          <p:sp>
+            <p:nvSpPr>
+              <p:cNvPr id="62" name="TextBox 61"/>
+              <p:cNvSpPr txBox="1">
+                <a:spLocks noRot="1" noChangeAspect="1" noMove="1" noResize="1" noEditPoints="1" noAdjustHandles="1" noChangeArrowheads="1" noChangeShapeType="1" noTextEdit="1"/>
+              </p:cNvSpPr>
+              <p:nvPr/>
+            </p:nvSpPr>
+            <p:spPr>
+              <a:xfrm>
+                <a:off x="4901168" y="3726468"/>
+                <a:ext cx="200632" cy="276999"/>
+              </a:xfrm>
+              <a:prstGeom prst="rect">
+                <a:avLst/>
+              </a:prstGeom>
+              <a:blipFill rotWithShape="0">
+                <a:blip r:embed="rId13"/>
+                <a:stretch>
+                  <a:fillRect l="-9091" r="-9091" b="-2174"/>
+                </a:stretch>
+              </a:blipFill>
+            </p:spPr>
+            <p:txBody>
+              <a:bodyPr/>
+              <a:lstStyle/>
+              <a:p>
+                <a:r>
+                  <a:rPr lang="ko-KR" altLang="en-US">
+                    <a:noFill/>
+                  </a:rPr>
+                  <a:t> </a:t>
+                </a:r>
+              </a:p>
+            </p:txBody>
+          </p:sp>
+        </mc:Fallback>
+      </mc:AlternateContent>
+      <p:sp>
+        <p:nvSpPr>
+          <p:cNvPr id="63" name="곱셈 기호 62"/>
+          <p:cNvSpPr/>
+          <p:nvPr/>
+        </p:nvSpPr>
+        <p:spPr>
+          <a:xfrm>
+            <a:off x="4720986" y="3488459"/>
+            <a:ext cx="288000" cy="288000"/>
+          </a:xfrm>
+          <a:prstGeom prst="mathMultiply">
+            <a:avLst>
+              <a:gd name="adj1" fmla="val 13598"/>
+            </a:avLst>
+          </a:prstGeom>
+          <a:solidFill>
+            <a:schemeClr val="accent1"/>
+          </a:solidFill>
+          <a:ln>
+            <a:noFill/>
+          </a:ln>
+        </p:spPr>
+        <p:style>
+          <a:lnRef idx="2">
+            <a:schemeClr val="accent1">
+              <a:shade val="50000"/>
+            </a:schemeClr>
+          </a:lnRef>
+          <a:fillRef idx="1">
+            <a:schemeClr val="accent1"/>
+          </a:fillRef>
+          <a:effectRef idx="0">
+            <a:schemeClr val="accent1"/>
+          </a:effectRef>
+          <a:fontRef idx="minor">
+            <a:schemeClr val="lt1"/>
+          </a:fontRef>
+        </p:style>
+        <p:txBody>
+          <a:bodyPr rtlCol="0" anchor="ctr"/>
+          <a:lstStyle/>
+          <a:p>
+            <a:pPr algn="ctr"/>
+            <a:endParaRPr lang="ko-KR" altLang="en-US"/>
+          </a:p>
+        </p:txBody>
+      </p:sp>
+      <p:cxnSp>
+        <p:nvCxnSpPr>
+          <p:cNvPr id="64" name="직선 연결선 63"/>
+          <p:cNvCxnSpPr>
+            <a:cxnSpLocks/>
+          </p:cNvCxnSpPr>
+          <p:nvPr/>
+        </p:nvCxnSpPr>
+        <p:spPr>
+          <a:xfrm flipH="1" flipV="1">
+            <a:off x="3895725" y="3619500"/>
+            <a:ext cx="0" cy="1707127"/>
+          </a:xfrm>
+          <a:prstGeom prst="line">
+            <a:avLst/>
+          </a:prstGeom>
+          <a:ln w="38100">
+            <a:solidFill>
+              <a:schemeClr val="tx1"/>
+            </a:solidFill>
+            <a:prstDash val="sysDot"/>
+          </a:ln>
+        </p:spPr>
+        <p:style>
+          <a:lnRef idx="1">
+            <a:schemeClr val="accent1"/>
+          </a:lnRef>
+          <a:fillRef idx="0">
+            <a:schemeClr val="accent1"/>
+          </a:fillRef>
+          <a:effectRef idx="0">
+            <a:schemeClr val="accent1"/>
+          </a:effectRef>
+          <a:fontRef idx="minor">
+            <a:schemeClr val="tx1"/>
+          </a:fontRef>
+        </p:style>
+      </p:cxnSp>
+      <p:cxnSp>
+        <p:nvCxnSpPr>
+          <p:cNvPr id="67" name="직선 연결선 66"/>
+          <p:cNvCxnSpPr>
+            <a:cxnSpLocks/>
+          </p:cNvCxnSpPr>
+          <p:nvPr/>
+        </p:nvCxnSpPr>
+        <p:spPr>
+          <a:xfrm flipV="1">
+            <a:off x="3046517" y="4641260"/>
+            <a:ext cx="0" cy="693978"/>
+          </a:xfrm>
+          <a:prstGeom prst="line">
+            <a:avLst/>
+          </a:prstGeom>
+          <a:ln w="38100">
+            <a:solidFill>
+              <a:schemeClr val="tx1"/>
+            </a:solidFill>
+            <a:prstDash val="sysDot"/>
+          </a:ln>
+        </p:spPr>
+        <p:style>
+          <a:lnRef idx="1">
+            <a:schemeClr val="accent1"/>
+          </a:lnRef>
+          <a:fillRef idx="0">
+            <a:schemeClr val="accent1"/>
+          </a:fillRef>
+          <a:effectRef idx="0">
+            <a:schemeClr val="accent1"/>
+          </a:effectRef>
+          <a:fontRef idx="minor">
+            <a:schemeClr val="tx1"/>
+          </a:fontRef>
+        </p:style>
+      </p:cxnSp>
+      <p:sp>
+        <p:nvSpPr>
+          <p:cNvPr id="71" name="자유형: 도형 18">
+            <a:extLst>
+              <a:ext uri="{FF2B5EF4-FFF2-40B4-BE49-F238E27FC236}">
+                <a16:creationId xmlns="" xmlns:a16="http://schemas.microsoft.com/office/drawing/2014/main" id="{28DE563C-2016-4934-A4EE-657070DFAE5E}"/>
+              </a:ext>
+            </a:extLst>
+          </p:cNvPr>
+          <p:cNvSpPr/>
+          <p:nvPr/>
+        </p:nvSpPr>
+        <p:spPr>
+          <a:xfrm rot="10800000">
+            <a:off x="3044560" y="5370314"/>
+            <a:ext cx="1826065" cy="119475"/>
+          </a:xfrm>
+          <a:custGeom>
+            <a:avLst/>
+            <a:gdLst>
+              <a:gd name="connsiteX0" fmla="*/ 0 w 1081217"/>
+              <a:gd name="connsiteY0" fmla="*/ 290384 h 290450"/>
+              <a:gd name="connsiteX1" fmla="*/ 537519 w 1081217"/>
+              <a:gd name="connsiteY1" fmla="*/ 0 h 290450"/>
+              <a:gd name="connsiteX2" fmla="*/ 1081217 w 1081217"/>
+              <a:gd name="connsiteY2" fmla="*/ 290384 h 290450"/>
+            </a:gdLst>
+            <a:ahLst/>
+            <a:cxnLst>
+              <a:cxn ang="0">
+                <a:pos x="connsiteX0" y="connsiteY0"/>
+              </a:cxn>
+              <a:cxn ang="0">
+                <a:pos x="connsiteX1" y="connsiteY1"/>
+              </a:cxn>
+              <a:cxn ang="0">
+                <a:pos x="connsiteX2" y="connsiteY2"/>
+              </a:cxn>
+            </a:cxnLst>
+            <a:rect l="l" t="t" r="r" b="b"/>
+            <a:pathLst>
+              <a:path w="1081217" h="290450">
+                <a:moveTo>
+                  <a:pt x="0" y="290384"/>
+                </a:moveTo>
+                <a:cubicBezTo>
+                  <a:pt x="178658" y="145192"/>
+                  <a:pt x="357316" y="0"/>
+                  <a:pt x="537519" y="0"/>
+                </a:cubicBezTo>
+                <a:cubicBezTo>
+                  <a:pt x="717722" y="0"/>
+                  <a:pt x="1029730" y="295533"/>
+                  <a:pt x="1081217" y="290384"/>
+                </a:cubicBezTo>
+              </a:path>
+            </a:pathLst>
+          </a:custGeom>
+          <a:noFill/>
+          <a:ln w="19050">
+            <a:solidFill>
+              <a:schemeClr val="tx1"/>
+            </a:solidFill>
+          </a:ln>
+        </p:spPr>
+        <p:style>
+          <a:lnRef idx="2">
+            <a:schemeClr val="accent1">
+              <a:shade val="50000"/>
+            </a:schemeClr>
+          </a:lnRef>
+          <a:fillRef idx="1">
+            <a:schemeClr val="accent1"/>
+          </a:fillRef>
+          <a:effectRef idx="0">
+            <a:schemeClr val="accent1"/>
+          </a:effectRef>
+          <a:fontRef idx="minor">
+            <a:schemeClr val="lt1"/>
+          </a:fontRef>
+        </p:style>
+        <p:txBody>
+          <a:bodyPr rtlCol="0" anchor="ctr"/>
+          <a:lstStyle/>
+          <a:p>
+            <a:pPr algn="ctr"/>
+            <a:endParaRPr lang="ko-KR" altLang="en-US"/>
+          </a:p>
+        </p:txBody>
+      </p:sp>
+      <mc:AlternateContent xmlns:mc="http://schemas.openxmlformats.org/markup-compatibility/2006">
+        <mc:Choice xmlns:a14="http://schemas.microsoft.com/office/drawing/2010/main" Requires="a14">
+          <p:sp>
+            <p:nvSpPr>
+              <p:cNvPr id="72" name="TextBox 71">
+                <a:extLst>
+                  <a:ext uri="{FF2B5EF4-FFF2-40B4-BE49-F238E27FC236}">
+                    <a16:creationId xmlns="" xmlns:a16="http://schemas.microsoft.com/office/drawing/2014/main" id="{702F36E8-3840-4F82-ACA9-0ADC9BF2CD7E}"/>
+                  </a:ext>
+                </a:extLst>
+              </p:cNvPr>
+              <p:cNvSpPr txBox="1"/>
+              <p:nvPr/>
+            </p:nvSpPr>
+            <p:spPr>
+              <a:xfrm>
+                <a:off x="3788068" y="5473738"/>
+                <a:ext cx="339047" cy="276999"/>
+              </a:xfrm>
+              <a:prstGeom prst="rect">
+                <a:avLst/>
+              </a:prstGeom>
+              <a:noFill/>
+            </p:spPr>
+            <p:txBody>
+              <a:bodyPr wrap="square" lIns="0" tIns="0" rIns="0" bIns="0" rtlCol="0">
+                <a:spAutoFit/>
+              </a:bodyPr>
+              <a:lstStyle/>
+              <a:p>
+                <a:pPr/>
+                <a14:m>
+                  <m:oMathPara xmlns:m="http://schemas.openxmlformats.org/officeDocument/2006/math">
+                    <m:oMathParaPr>
+                      <m:jc m:val="centerGroup"/>
+                    </m:oMathParaPr>
+                    <m:oMath xmlns:m="http://schemas.openxmlformats.org/officeDocument/2006/math">
+                      <m:r>
+                        <a:rPr lang="en-US" altLang="ko-KR" b="0" i="1" smtClean="0">
+                          <a:latin typeface="Cambria Math" panose="02040503050406030204" pitchFamily="18" charset="0"/>
+                        </a:rPr>
+                        <m:t>∆</m:t>
+                      </m:r>
+                      <m:r>
+                        <a:rPr lang="en-US" altLang="ko-KR" b="0" i="1" smtClean="0">
+                          <a:latin typeface="Cambria Math" panose="02040503050406030204" pitchFamily="18" charset="0"/>
+                        </a:rPr>
+                        <m:t>𝜖</m:t>
+                      </m:r>
+                    </m:oMath>
+                  </m:oMathPara>
+                </a14:m>
+                <a:endParaRPr lang="ko-KR" altLang="en-US" dirty="0"/>
+              </a:p>
+            </p:txBody>
+          </p:sp>
+        </mc:Choice>
+        <mc:Fallback>
+          <p:sp>
+            <p:nvSpPr>
+              <p:cNvPr id="72" name="TextBox 71">
+                <a:extLst>
+                  <a:ext uri="{FF2B5EF4-FFF2-40B4-BE49-F238E27FC236}">
+                    <a16:creationId xmlns="" xmlns:a16="http://schemas.microsoft.com/office/drawing/2014/main" xmlns:a14="http://schemas.microsoft.com/office/drawing/2010/main" id="{702F36E8-3840-4F82-ACA9-0ADC9BF2CD7E}"/>
+                  </a:ext>
+                </a:extLst>
+              </p:cNvPr>
+              <p:cNvSpPr txBox="1">
+                <a:spLocks noRot="1" noChangeAspect="1" noMove="1" noResize="1" noEditPoints="1" noAdjustHandles="1" noChangeArrowheads="1" noChangeShapeType="1" noTextEdit="1"/>
+              </p:cNvSpPr>
+              <p:nvPr/>
+            </p:nvSpPr>
+            <p:spPr>
+              <a:xfrm>
+                <a:off x="3788068" y="5473738"/>
+                <a:ext cx="339047" cy="276999"/>
+              </a:xfrm>
+              <a:prstGeom prst="rect">
+                <a:avLst/>
+              </a:prstGeom>
+              <a:blipFill rotWithShape="0">
+                <a:blip r:embed="rId14"/>
+                <a:stretch>
+                  <a:fillRect l="-10714" r="-3571" b="-11111"/>
+                </a:stretch>
+              </a:blipFill>
+            </p:spPr>
+            <p:txBody>
+              <a:bodyPr/>
+              <a:lstStyle/>
+              <a:p>
+                <a:r>
+                  <a:rPr lang="ko-KR" altLang="en-US">
+                    <a:noFill/>
+                  </a:rPr>
+                  <a:t> </a:t>
+                </a:r>
+              </a:p>
+            </p:txBody>
+          </p:sp>
+        </mc:Fallback>
+      </mc:AlternateContent>
+      <p:sp>
+        <p:nvSpPr>
+          <p:cNvPr id="73" name="자유형: 도형 18">
+            <a:extLst>
+              <a:ext uri="{FF2B5EF4-FFF2-40B4-BE49-F238E27FC236}">
+                <a16:creationId xmlns="" xmlns:a16="http://schemas.microsoft.com/office/drawing/2014/main" id="{28DE563C-2016-4934-A4EE-657070DFAE5E}"/>
+              </a:ext>
+            </a:extLst>
+          </p:cNvPr>
+          <p:cNvSpPr/>
+          <p:nvPr/>
+        </p:nvSpPr>
+        <p:spPr>
+          <a:xfrm>
+            <a:off x="3055111" y="5195827"/>
+            <a:ext cx="846915" cy="102385"/>
+          </a:xfrm>
+          <a:custGeom>
+            <a:avLst/>
+            <a:gdLst>
+              <a:gd name="connsiteX0" fmla="*/ 0 w 1081217"/>
+              <a:gd name="connsiteY0" fmla="*/ 290384 h 290450"/>
+              <a:gd name="connsiteX1" fmla="*/ 537519 w 1081217"/>
+              <a:gd name="connsiteY1" fmla="*/ 0 h 290450"/>
+              <a:gd name="connsiteX2" fmla="*/ 1081217 w 1081217"/>
+              <a:gd name="connsiteY2" fmla="*/ 290384 h 290450"/>
+            </a:gdLst>
+            <a:ahLst/>
+            <a:cxnLst>
+              <a:cxn ang="0">
+                <a:pos x="connsiteX0" y="connsiteY0"/>
+              </a:cxn>
+              <a:cxn ang="0">
+                <a:pos x="connsiteX1" y="connsiteY1"/>
+              </a:cxn>
+              <a:cxn ang="0">
+                <a:pos x="connsiteX2" y="connsiteY2"/>
+              </a:cxn>
+            </a:cxnLst>
+            <a:rect l="l" t="t" r="r" b="b"/>
+            <a:pathLst>
+              <a:path w="1081217" h="290450">
+                <a:moveTo>
+                  <a:pt x="0" y="290384"/>
+                </a:moveTo>
+                <a:cubicBezTo>
+                  <a:pt x="178658" y="145192"/>
+                  <a:pt x="357316" y="0"/>
+                  <a:pt x="537519" y="0"/>
+                </a:cubicBezTo>
+                <a:cubicBezTo>
+                  <a:pt x="717722" y="0"/>
+                  <a:pt x="1029730" y="295533"/>
+                  <a:pt x="1081217" y="290384"/>
+                </a:cubicBezTo>
+              </a:path>
+            </a:pathLst>
+          </a:custGeom>
+          <a:noFill/>
+          <a:ln w="19050">
+            <a:solidFill>
+              <a:schemeClr val="tx1"/>
+            </a:solidFill>
+          </a:ln>
+        </p:spPr>
+        <p:style>
+          <a:lnRef idx="2">
+            <a:schemeClr val="accent1">
+              <a:shade val="50000"/>
+            </a:schemeClr>
+          </a:lnRef>
+          <a:fillRef idx="1">
+            <a:schemeClr val="accent1"/>
+          </a:fillRef>
+          <a:effectRef idx="0">
+            <a:schemeClr val="accent1"/>
+          </a:effectRef>
+          <a:fontRef idx="minor">
+            <a:schemeClr val="lt1"/>
+          </a:fontRef>
+        </p:style>
+        <p:txBody>
+          <a:bodyPr rtlCol="0" anchor="ctr"/>
+          <a:lstStyle/>
+          <a:p>
+            <a:pPr algn="ctr"/>
+            <a:endParaRPr lang="ko-KR" altLang="en-US"/>
+          </a:p>
+        </p:txBody>
+      </p:sp>
+      <mc:AlternateContent xmlns:mc="http://schemas.openxmlformats.org/markup-compatibility/2006">
+        <mc:Choice xmlns:a14="http://schemas.microsoft.com/office/drawing/2010/main" Requires="a14">
+          <p:sp>
+            <p:nvSpPr>
+              <p:cNvPr id="74" name="TextBox 73">
+                <a:extLst>
+                  <a:ext uri="{FF2B5EF4-FFF2-40B4-BE49-F238E27FC236}">
+                    <a16:creationId xmlns="" xmlns:a16="http://schemas.microsoft.com/office/drawing/2014/main" id="{702F36E8-3840-4F82-ACA9-0ADC9BF2CD7E}"/>
+                  </a:ext>
+                </a:extLst>
+              </p:cNvPr>
+              <p:cNvSpPr txBox="1"/>
+              <p:nvPr/>
+            </p:nvSpPr>
+            <p:spPr>
+              <a:xfrm>
+                <a:off x="3290659" y="4902235"/>
+                <a:ext cx="339047" cy="276999"/>
+              </a:xfrm>
+              <a:prstGeom prst="rect">
+                <a:avLst/>
+              </a:prstGeom>
+              <a:noFill/>
+            </p:spPr>
+            <p:txBody>
+              <a:bodyPr wrap="square" lIns="0" tIns="0" rIns="0" bIns="0" rtlCol="0">
+                <a:spAutoFit/>
+              </a:bodyPr>
+              <a:lstStyle/>
+              <a:p>
+                <a:pPr/>
+                <a14:m>
+                  <m:oMathPara xmlns:m="http://schemas.openxmlformats.org/officeDocument/2006/math">
+                    <m:oMathParaPr>
+                      <m:jc m:val="centerGroup"/>
+                    </m:oMathParaPr>
+                    <m:oMath xmlns:m="http://schemas.openxmlformats.org/officeDocument/2006/math">
+                      <m:r>
+                        <a:rPr lang="en-US" altLang="ko-KR" b="0" i="1" smtClean="0">
+                          <a:latin typeface="Cambria Math" panose="02040503050406030204" pitchFamily="18" charset="0"/>
+                        </a:rPr>
+                        <m:t>𝑅</m:t>
+                      </m:r>
+                      <m:r>
+                        <a:rPr lang="en-US" altLang="ko-KR" b="0" i="1" smtClean="0">
+                          <a:latin typeface="Cambria Math" panose="02040503050406030204" pitchFamily="18" charset="0"/>
+                        </a:rPr>
+                        <m:t>∆</m:t>
+                      </m:r>
+                      <m:r>
+                        <a:rPr lang="en-US" altLang="ko-KR" b="0" i="1" smtClean="0">
+                          <a:latin typeface="Cambria Math" panose="02040503050406030204" pitchFamily="18" charset="0"/>
+                        </a:rPr>
+                        <m:t>𝜖</m:t>
+                      </m:r>
+                    </m:oMath>
+                  </m:oMathPara>
+                </a14:m>
+                <a:endParaRPr lang="ko-KR" altLang="en-US" dirty="0"/>
+              </a:p>
+            </p:txBody>
+          </p:sp>
+        </mc:Choice>
+        <mc:Fallback>
+          <p:sp>
+            <p:nvSpPr>
+              <p:cNvPr id="74" name="TextBox 73">
+                <a:extLst>
+                  <a:ext uri="{FF2B5EF4-FFF2-40B4-BE49-F238E27FC236}">
+                    <a16:creationId xmlns="" xmlns:a16="http://schemas.microsoft.com/office/drawing/2014/main" xmlns:a14="http://schemas.microsoft.com/office/drawing/2010/main" id="{702F36E8-3840-4F82-ACA9-0ADC9BF2CD7E}"/>
+                  </a:ext>
+                </a:extLst>
+              </p:cNvPr>
+              <p:cNvSpPr txBox="1">
+                <a:spLocks noRot="1" noChangeAspect="1" noMove="1" noResize="1" noEditPoints="1" noAdjustHandles="1" noChangeArrowheads="1" noChangeShapeType="1" noTextEdit="1"/>
+              </p:cNvSpPr>
+              <p:nvPr/>
+            </p:nvSpPr>
+            <p:spPr>
+              <a:xfrm>
+                <a:off x="3290659" y="4902235"/>
+                <a:ext cx="339047" cy="276999"/>
+              </a:xfrm>
+              <a:prstGeom prst="rect">
+                <a:avLst/>
+              </a:prstGeom>
+              <a:blipFill rotWithShape="0">
+                <a:blip r:embed="rId15"/>
+                <a:stretch>
+                  <a:fillRect l="-25455" r="-38182" b="-10870"/>
+                </a:stretch>
+              </a:blipFill>
+            </p:spPr>
+            <p:txBody>
+              <a:bodyPr/>
+              <a:lstStyle/>
+              <a:p>
+                <a:r>
+                  <a:rPr lang="ko-KR" altLang="en-US">
+                    <a:noFill/>
+                  </a:rPr>
+                  <a:t> </a:t>
+                </a:r>
+              </a:p>
+            </p:txBody>
+          </p:sp>
+        </mc:Fallback>
+      </mc:AlternateContent>
+    </p:spTree>
+    <p:extLst>
+      <p:ext uri="{BB962C8B-B14F-4D97-AF65-F5344CB8AC3E}">
+        <p14:creationId xmlns:p14="http://schemas.microsoft.com/office/powerpoint/2010/main" val="1846664363"/>
+      </p:ext>
+    </p:extLst>
+  </p:cSld>
+  <p:clrMapOvr>
+    <a:masterClrMapping/>
+  </p:clrMapOvr>
+</p:sld>
+</file>
+
+<file path=ppt/slides/slide16.xml><?xml version="1.0" encoding="utf-8"?>
+<p:sld xmlns:a="http://schemas.openxmlformats.org/drawingml/2006/main" xmlns:r="http://schemas.openxmlformats.org/officeDocument/2006/relationships" xmlns:p="http://schemas.openxmlformats.org/presentationml/2006/main">
+  <p:cSld>
+    <p:spTree>
+      <p:nvGrpSpPr>
+        <p:cNvPr id="1" name=""/>
+        <p:cNvGrpSpPr/>
+        <p:nvPr/>
+      </p:nvGrpSpPr>
+      <p:grpSpPr>
+        <a:xfrm>
+          <a:off x="0" y="0"/>
+          <a:ext cx="0" cy="0"/>
+          <a:chOff x="0" y="0"/>
+          <a:chExt cx="0" cy="0"/>
+        </a:xfrm>
+      </p:grpSpPr>
     </p:spTree>
     <p:extLst>
       <p:ext uri="{BB962C8B-B14F-4D97-AF65-F5344CB8AC3E}">
@@ -7688,7 +10024,7 @@
 </p:sld>
 </file>
 
-<file path=ppt/slides/slide16.xml><?xml version="1.0" encoding="utf-8"?>
+<file path=ppt/slides/slide17.xml><?xml version="1.0" encoding="utf-8"?>
 <p:sld xmlns:a="http://schemas.openxmlformats.org/drawingml/2006/main" xmlns:r="http://schemas.openxmlformats.org/officeDocument/2006/relationships" xmlns:p="http://schemas.openxmlformats.org/presentationml/2006/main">
   <p:cSld>
     <p:spTree>
@@ -8274,7 +10610,7 @@
 </p:sld>
 </file>
 
-<file path=ppt/slides/slide17.xml><?xml version="1.0" encoding="utf-8"?>
+<file path=ppt/slides/slide18.xml><?xml version="1.0" encoding="utf-8"?>
 <p:sld xmlns:a="http://schemas.openxmlformats.org/drawingml/2006/main" xmlns:r="http://schemas.openxmlformats.org/officeDocument/2006/relationships" xmlns:p="http://schemas.openxmlformats.org/presentationml/2006/main">
   <p:cSld>
     <p:spTree>
@@ -8296,7 +10632,7 @@
           <p:cNvPr id="4" name="내용 개체 틀 5">
             <a:extLst>
               <a:ext uri="{FF2B5EF4-FFF2-40B4-BE49-F238E27FC236}">
-                <a16:creationId xmlns="" xmlns:a16="http://schemas.microsoft.com/office/drawing/2014/main" id="{26E65B15-652C-471C-B503-9BD1A7ECA9FF}"/>
+                <a16:creationId xmlns:a16="http://schemas.microsoft.com/office/drawing/2014/main" xmlns="" id="{26E65B15-652C-471C-B503-9BD1A7ECA9FF}"/>
               </a:ext>
             </a:extLst>
           </p:cNvPr>
@@ -8325,7 +10661,7 @@
           <p:cNvPr id="5" name="그림 4">
             <a:extLst>
               <a:ext uri="{FF2B5EF4-FFF2-40B4-BE49-F238E27FC236}">
-                <a16:creationId xmlns="" xmlns:a16="http://schemas.microsoft.com/office/drawing/2014/main" id="{8D86471E-9C3A-40C3-8F27-66A11AC93C24}"/>
+                <a16:creationId xmlns:a16="http://schemas.microsoft.com/office/drawing/2014/main" xmlns="" id="{8D86471E-9C3A-40C3-8F27-66A11AC93C24}"/>
               </a:ext>
             </a:extLst>
           </p:cNvPr>
@@ -8363,7 +10699,7 @@
 </p:sld>
 </file>
 
-<file path=ppt/slides/slide18.xml><?xml version="1.0" encoding="utf-8"?>
+<file path=ppt/slides/slide19.xml><?xml version="1.0" encoding="utf-8"?>
 <p:sld xmlns:a="http://schemas.openxmlformats.org/drawingml/2006/main" xmlns:r="http://schemas.openxmlformats.org/officeDocument/2006/relationships" xmlns:p="http://schemas.openxmlformats.org/presentationml/2006/main">
   <p:cSld>
     <p:spTree>
@@ -9296,7 +11632,7 @@
           <p:cNvPr id="27" name="직선 화살표 연결선 26">
             <a:extLst>
               <a:ext uri="{FF2B5EF4-FFF2-40B4-BE49-F238E27FC236}">
-                <a16:creationId xmlns:a16="http://schemas.microsoft.com/office/drawing/2014/main" xmlns="" id="{C93B29A1-F190-44D3-A9D0-DFAD4F83776E}"/>
+                <a16:creationId xmlns="" xmlns:a16="http://schemas.microsoft.com/office/drawing/2014/main" id="{C93B29A1-F190-44D3-A9D0-DFAD4F83776E}"/>
               </a:ext>
             </a:extLst>
           </p:cNvPr>
@@ -9342,7 +11678,7 @@
               <p:cNvPr id="28" name="TextBox 27">
                 <a:extLst>
                   <a:ext uri="{FF2B5EF4-FFF2-40B4-BE49-F238E27FC236}">
-                    <a16:creationId xmlns:a16="http://schemas.microsoft.com/office/drawing/2014/main" xmlns="" id="{07B5ABC4-CAA0-493B-ACDF-C42A51522079}"/>
+                    <a16:creationId xmlns="" xmlns:a16="http://schemas.microsoft.com/office/drawing/2014/main" id="{07B5ABC4-CAA0-493B-ACDF-C42A51522079}"/>
                   </a:ext>
                 </a:extLst>
               </p:cNvPr>
@@ -9455,7 +11791,7 @@
           <p:cNvPr id="29" name="직선 화살표 연결선 28">
             <a:extLst>
               <a:ext uri="{FF2B5EF4-FFF2-40B4-BE49-F238E27FC236}">
-                <a16:creationId xmlns:a16="http://schemas.microsoft.com/office/drawing/2014/main" xmlns="" id="{782BF86B-4207-4FE7-8DAC-CEB1861B292A}"/>
+                <a16:creationId xmlns="" xmlns:a16="http://schemas.microsoft.com/office/drawing/2014/main" id="{782BF86B-4207-4FE7-8DAC-CEB1861B292A}"/>
               </a:ext>
             </a:extLst>
           </p:cNvPr>
@@ -9501,7 +11837,7 @@
               <p:cNvPr id="32" name="TextBox 31">
                 <a:extLst>
                   <a:ext uri="{FF2B5EF4-FFF2-40B4-BE49-F238E27FC236}">
-                    <a16:creationId xmlns:a16="http://schemas.microsoft.com/office/drawing/2014/main" xmlns="" id="{5DB3AE05-D351-4E8F-8481-E70A4D8B443E}"/>
+                    <a16:creationId xmlns="" xmlns:a16="http://schemas.microsoft.com/office/drawing/2014/main" id="{5DB3AE05-D351-4E8F-8481-E70A4D8B443E}"/>
                   </a:ext>
                 </a:extLst>
               </p:cNvPr>
@@ -9595,7 +11931,7 @@
           <p:cNvPr id="33" name="직선 화살표 연결선 32">
             <a:extLst>
               <a:ext uri="{FF2B5EF4-FFF2-40B4-BE49-F238E27FC236}">
-                <a16:creationId xmlns:a16="http://schemas.microsoft.com/office/drawing/2014/main" xmlns="" id="{F5FC4C0A-B591-4F3B-BD15-9D9E5EC72772}"/>
+                <a16:creationId xmlns="" xmlns:a16="http://schemas.microsoft.com/office/drawing/2014/main" id="{F5FC4C0A-B591-4F3B-BD15-9D9E5EC72772}"/>
               </a:ext>
             </a:extLst>
           </p:cNvPr>
@@ -9641,7 +11977,7 @@
               <p:cNvPr id="38" name="TextBox 37">
                 <a:extLst>
                   <a:ext uri="{FF2B5EF4-FFF2-40B4-BE49-F238E27FC236}">
-                    <a16:creationId xmlns:a16="http://schemas.microsoft.com/office/drawing/2014/main" xmlns="" id="{EC18DB71-3399-4E5E-B321-6A9670FF95D7}"/>
+                    <a16:creationId xmlns="" xmlns:a16="http://schemas.microsoft.com/office/drawing/2014/main" id="{EC18DB71-3399-4E5E-B321-6A9670FF95D7}"/>
                   </a:ext>
                 </a:extLst>
               </p:cNvPr>
@@ -10262,7 +12598,7 @@
           <p:cNvPr id="9" name="그룹 8">
             <a:extLst>
               <a:ext uri="{FF2B5EF4-FFF2-40B4-BE49-F238E27FC236}">
-                <a16:creationId xmlns:a16="http://schemas.microsoft.com/office/drawing/2014/main" xmlns="" id="{F54825A1-879E-45C3-84C9-39758CFBC1AD}"/>
+                <a16:creationId xmlns="" xmlns:a16="http://schemas.microsoft.com/office/drawing/2014/main" id="{F54825A1-879E-45C3-84C9-39758CFBC1AD}"/>
               </a:ext>
             </a:extLst>
           </p:cNvPr>
@@ -10685,7 +13021,7 @@
           <p:cNvPr id="19" name="자유형: 도형 18">
             <a:extLst>
               <a:ext uri="{FF2B5EF4-FFF2-40B4-BE49-F238E27FC236}">
-                <a16:creationId xmlns:a16="http://schemas.microsoft.com/office/drawing/2014/main" xmlns="" id="{28DE563C-2016-4934-A4EE-657070DFAE5E}"/>
+                <a16:creationId xmlns="" xmlns:a16="http://schemas.microsoft.com/office/drawing/2014/main" id="{28DE563C-2016-4934-A4EE-657070DFAE5E}"/>
               </a:ext>
             </a:extLst>
           </p:cNvPr>
@@ -10777,7 +13113,7 @@
               <p:cNvPr id="22" name="TextBox 21">
                 <a:extLst>
                   <a:ext uri="{FF2B5EF4-FFF2-40B4-BE49-F238E27FC236}">
-                    <a16:creationId xmlns:a16="http://schemas.microsoft.com/office/drawing/2014/main" xmlns="" id="{702F36E8-3840-4F82-ACA9-0ADC9BF2CD7E}"/>
+                    <a16:creationId xmlns="" xmlns:a16="http://schemas.microsoft.com/office/drawing/2014/main" id="{702F36E8-3840-4F82-ACA9-0ADC9BF2CD7E}"/>
                   </a:ext>
                 </a:extLst>
               </p:cNvPr>
@@ -10898,7 +13234,7 @@
           <p:cNvPr id="23" name="자유형: 도형 22">
             <a:extLst>
               <a:ext uri="{FF2B5EF4-FFF2-40B4-BE49-F238E27FC236}">
-                <a16:creationId xmlns:a16="http://schemas.microsoft.com/office/drawing/2014/main" xmlns="" id="{D4262DC8-AC8F-4E4E-8F9A-78963014DDC7}"/>
+                <a16:creationId xmlns="" xmlns:a16="http://schemas.microsoft.com/office/drawing/2014/main" id="{D4262DC8-AC8F-4E4E-8F9A-78963014DDC7}"/>
               </a:ext>
             </a:extLst>
           </p:cNvPr>
@@ -10990,7 +13326,7 @@
               <p:cNvPr id="26" name="TextBox 25">
                 <a:extLst>
                   <a:ext uri="{FF2B5EF4-FFF2-40B4-BE49-F238E27FC236}">
-                    <a16:creationId xmlns:a16="http://schemas.microsoft.com/office/drawing/2014/main" xmlns="" id="{4C456F18-AA04-4135-AED2-7569217695DC}"/>
+                    <a16:creationId xmlns="" xmlns:a16="http://schemas.microsoft.com/office/drawing/2014/main" id="{4C456F18-AA04-4135-AED2-7569217695DC}"/>
                   </a:ext>
                 </a:extLst>
               </p:cNvPr>
@@ -11870,7 +14206,7 @@
           <p:cNvPr id="19" name="자유형: 도형 18">
             <a:extLst>
               <a:ext uri="{FF2B5EF4-FFF2-40B4-BE49-F238E27FC236}">
-                <a16:creationId xmlns:a16="http://schemas.microsoft.com/office/drawing/2014/main" xmlns="" id="{28DE563C-2016-4934-A4EE-657070DFAE5E}"/>
+                <a16:creationId xmlns="" xmlns:a16="http://schemas.microsoft.com/office/drawing/2014/main" id="{28DE563C-2016-4934-A4EE-657070DFAE5E}"/>
               </a:ext>
             </a:extLst>
           </p:cNvPr>
@@ -11962,7 +14298,7 @@
               <p:cNvPr id="22" name="TextBox 21">
                 <a:extLst>
                   <a:ext uri="{FF2B5EF4-FFF2-40B4-BE49-F238E27FC236}">
-                    <a16:creationId xmlns:a16="http://schemas.microsoft.com/office/drawing/2014/main" xmlns="" id="{702F36E8-3840-4F82-ACA9-0ADC9BF2CD7E}"/>
+                    <a16:creationId xmlns="" xmlns:a16="http://schemas.microsoft.com/office/drawing/2014/main" id="{702F36E8-3840-4F82-ACA9-0ADC9BF2CD7E}"/>
                   </a:ext>
                 </a:extLst>
               </p:cNvPr>
@@ -12083,7 +14419,7 @@
           <p:cNvPr id="23" name="자유형: 도형 22">
             <a:extLst>
               <a:ext uri="{FF2B5EF4-FFF2-40B4-BE49-F238E27FC236}">
-                <a16:creationId xmlns:a16="http://schemas.microsoft.com/office/drawing/2014/main" xmlns="" id="{D4262DC8-AC8F-4E4E-8F9A-78963014DDC7}"/>
+                <a16:creationId xmlns="" xmlns:a16="http://schemas.microsoft.com/office/drawing/2014/main" id="{D4262DC8-AC8F-4E4E-8F9A-78963014DDC7}"/>
               </a:ext>
             </a:extLst>
           </p:cNvPr>
@@ -12175,7 +14511,7 @@
               <p:cNvPr id="26" name="TextBox 25">
                 <a:extLst>
                   <a:ext uri="{FF2B5EF4-FFF2-40B4-BE49-F238E27FC236}">
-                    <a16:creationId xmlns:a16="http://schemas.microsoft.com/office/drawing/2014/main" xmlns="" id="{4C456F18-AA04-4135-AED2-7569217695DC}"/>
+                    <a16:creationId xmlns="" xmlns:a16="http://schemas.microsoft.com/office/drawing/2014/main" id="{4C456F18-AA04-4135-AED2-7569217695DC}"/>
                   </a:ext>
                 </a:extLst>
               </p:cNvPr>
@@ -12298,7 +14634,7 @@
               <p:cNvPr id="21" name="TextBox 20">
                 <a:extLst>
                   <a:ext uri="{FF2B5EF4-FFF2-40B4-BE49-F238E27FC236}">
-                    <a16:creationId xmlns:a16="http://schemas.microsoft.com/office/drawing/2014/main" xmlns="" id="{7F1A4031-C0F9-4078-B611-60510E555779}"/>
+                    <a16:creationId xmlns="" xmlns:a16="http://schemas.microsoft.com/office/drawing/2014/main" id="{7F1A4031-C0F9-4078-B611-60510E555779}"/>
                   </a:ext>
                 </a:extLst>
               </p:cNvPr>
@@ -12411,7 +14747,7 @@
           <p:cNvPr id="27" name="원호 26">
             <a:extLst>
               <a:ext uri="{FF2B5EF4-FFF2-40B4-BE49-F238E27FC236}">
-                <a16:creationId xmlns:a16="http://schemas.microsoft.com/office/drawing/2014/main" xmlns="" id="{73F2FA99-BAB3-4AEA-A0D4-FFD161E5142F}"/>
+                <a16:creationId xmlns="" xmlns:a16="http://schemas.microsoft.com/office/drawing/2014/main" id="{73F2FA99-BAB3-4AEA-A0D4-FFD161E5142F}"/>
               </a:ext>
             </a:extLst>
           </p:cNvPr>
@@ -12644,8 +14980,8 @@
           </a:fontRef>
         </p:style>
       </p:cxnSp>
-      <mc:AlternateContent xmlns:mc="http://schemas.openxmlformats.org/markup-compatibility/2006">
-        <mc:Choice xmlns:a14="http://schemas.microsoft.com/office/drawing/2010/main" Requires="a14">
+      <mc:AlternateContent xmlns:mc="http://schemas.openxmlformats.org/markup-compatibility/2006" xmlns:a14="http://schemas.microsoft.com/office/drawing/2010/main">
+        <mc:Choice Requires="a14">
           <p:sp>
             <p:nvSpPr>
               <p:cNvPr id="36" name="TextBox 35"/>
@@ -12689,7 +15025,7 @@
             </p:txBody>
           </p:sp>
         </mc:Choice>
-        <mc:Fallback>
+        <mc:Fallback xmlns="">
           <p:sp>
             <p:nvSpPr>
               <p:cNvPr id="36" name="TextBox 35"/>
@@ -13082,8 +15418,8 @@
           </a:p>
         </p:txBody>
       </p:sp>
-      <mc:AlternateContent xmlns:mc="http://schemas.openxmlformats.org/markup-compatibility/2006">
-        <mc:Choice xmlns:a14="http://schemas.microsoft.com/office/drawing/2010/main" Requires="a14">
+      <mc:AlternateContent xmlns:mc="http://schemas.openxmlformats.org/markup-compatibility/2006" xmlns:a14="http://schemas.microsoft.com/office/drawing/2010/main">
+        <mc:Choice Requires="a14">
           <p:sp>
             <p:nvSpPr>
               <p:cNvPr id="54" name="TextBox 53"/>
@@ -13146,7 +15482,7 @@
             </p:txBody>
           </p:sp>
         </mc:Choice>
-        <mc:Fallback>
+        <mc:Fallback xmlns="">
           <p:sp>
             <p:nvSpPr>
               <p:cNvPr id="54" name="TextBox 53"/>
@@ -13185,8 +15521,8 @@
           </p:sp>
         </mc:Fallback>
       </mc:AlternateContent>
-      <mc:AlternateContent xmlns:mc="http://schemas.openxmlformats.org/markup-compatibility/2006">
-        <mc:Choice xmlns:a14="http://schemas.microsoft.com/office/drawing/2010/main" Requires="a14">
+      <mc:AlternateContent xmlns:mc="http://schemas.openxmlformats.org/markup-compatibility/2006" xmlns:a14="http://schemas.microsoft.com/office/drawing/2010/main">
+        <mc:Choice Requires="a14">
           <p:sp>
             <p:nvSpPr>
               <p:cNvPr id="55" name="TextBox 54"/>
@@ -13249,7 +15585,7 @@
             </p:txBody>
           </p:sp>
         </mc:Choice>
-        <mc:Fallback>
+        <mc:Fallback xmlns="">
           <p:sp>
             <p:nvSpPr>
               <p:cNvPr id="55" name="TextBox 54"/>
@@ -13288,8 +15624,8 @@
           </p:sp>
         </mc:Fallback>
       </mc:AlternateContent>
-      <mc:AlternateContent xmlns:mc="http://schemas.openxmlformats.org/markup-compatibility/2006">
-        <mc:Choice xmlns:a14="http://schemas.microsoft.com/office/drawing/2010/main" Requires="a14">
+      <mc:AlternateContent xmlns:mc="http://schemas.openxmlformats.org/markup-compatibility/2006" xmlns:a14="http://schemas.microsoft.com/office/drawing/2010/main">
+        <mc:Choice Requires="a14">
           <p:sp>
             <p:nvSpPr>
               <p:cNvPr id="56" name="TextBox 55"/>
@@ -13352,7 +15688,7 @@
             </p:txBody>
           </p:sp>
         </mc:Choice>
-        <mc:Fallback>
+        <mc:Fallback xmlns="">
           <p:sp>
             <p:nvSpPr>
               <p:cNvPr id="56" name="TextBox 55"/>
@@ -13391,8 +15727,8 @@
           </p:sp>
         </mc:Fallback>
       </mc:AlternateContent>
-      <mc:AlternateContent xmlns:mc="http://schemas.openxmlformats.org/markup-compatibility/2006">
-        <mc:Choice xmlns:a14="http://schemas.microsoft.com/office/drawing/2010/main" Requires="a14">
+      <mc:AlternateContent xmlns:mc="http://schemas.openxmlformats.org/markup-compatibility/2006" xmlns:a14="http://schemas.microsoft.com/office/drawing/2010/main">
+        <mc:Choice Requires="a14">
           <p:sp>
             <p:nvSpPr>
               <p:cNvPr id="57" name="TextBox 56"/>
@@ -13455,7 +15791,7 @@
             </p:txBody>
           </p:sp>
         </mc:Choice>
-        <mc:Fallback>
+        <mc:Fallback xmlns="">
           <p:sp>
             <p:nvSpPr>
               <p:cNvPr id="57" name="TextBox 56"/>
@@ -13494,8 +15830,8 @@
           </p:sp>
         </mc:Fallback>
       </mc:AlternateContent>
-      <mc:AlternateContent xmlns:mc="http://schemas.openxmlformats.org/markup-compatibility/2006">
-        <mc:Choice xmlns:a14="http://schemas.microsoft.com/office/drawing/2010/main" Requires="a14">
+      <mc:AlternateContent xmlns:mc="http://schemas.openxmlformats.org/markup-compatibility/2006" xmlns:a14="http://schemas.microsoft.com/office/drawing/2010/main">
+        <mc:Choice Requires="a14">
           <p:sp>
             <p:nvSpPr>
               <p:cNvPr id="58" name="TextBox 57"/>
@@ -13558,7 +15894,7 @@
             </p:txBody>
           </p:sp>
         </mc:Choice>
-        <mc:Fallback>
+        <mc:Fallback xmlns="">
           <p:sp>
             <p:nvSpPr>
               <p:cNvPr id="58" name="TextBox 57"/>
@@ -13597,8 +15933,8 @@
           </p:sp>
         </mc:Fallback>
       </mc:AlternateContent>
-      <mc:AlternateContent xmlns:mc="http://schemas.openxmlformats.org/markup-compatibility/2006">
-        <mc:Choice xmlns:a14="http://schemas.microsoft.com/office/drawing/2010/main" Requires="a14">
+      <mc:AlternateContent xmlns:mc="http://schemas.openxmlformats.org/markup-compatibility/2006" xmlns:a14="http://schemas.microsoft.com/office/drawing/2010/main">
+        <mc:Choice Requires="a14">
           <p:sp>
             <p:nvSpPr>
               <p:cNvPr id="59" name="TextBox 58"/>
@@ -13661,7 +15997,7 @@
             </p:txBody>
           </p:sp>
         </mc:Choice>
-        <mc:Fallback>
+        <mc:Fallback xmlns="">
           <p:sp>
             <p:nvSpPr>
               <p:cNvPr id="59" name="TextBox 58"/>
@@ -13737,8 +16073,8 @@
           </a:fontRef>
         </p:style>
       </p:cxnSp>
-      <mc:AlternateContent xmlns:mc="http://schemas.openxmlformats.org/markup-compatibility/2006">
-        <mc:Choice xmlns:a14="http://schemas.microsoft.com/office/drawing/2010/main" Requires="a14">
+      <mc:AlternateContent xmlns:mc="http://schemas.openxmlformats.org/markup-compatibility/2006" xmlns:a14="http://schemas.microsoft.com/office/drawing/2010/main">
+        <mc:Choice Requires="a14">
           <p:sp>
             <p:nvSpPr>
               <p:cNvPr id="61" name="TextBox 60"/>
@@ -13782,7 +16118,7 @@
             </p:txBody>
           </p:sp>
         </mc:Choice>
-        <mc:Fallback>
+        <mc:Fallback xmlns="">
           <p:sp>
             <p:nvSpPr>
               <p:cNvPr id="61" name="TextBox 60"/>
@@ -13821,8 +16157,8 @@
           </p:sp>
         </mc:Fallback>
       </mc:AlternateContent>
-      <mc:AlternateContent xmlns:mc="http://schemas.openxmlformats.org/markup-compatibility/2006">
-        <mc:Choice xmlns:a14="http://schemas.microsoft.com/office/drawing/2010/main" Requires="a14">
+      <mc:AlternateContent xmlns:mc="http://schemas.openxmlformats.org/markup-compatibility/2006" xmlns:a14="http://schemas.microsoft.com/office/drawing/2010/main">
+        <mc:Choice Requires="a14">
           <p:sp>
             <p:nvSpPr>
               <p:cNvPr id="62" name="TextBox 61"/>
@@ -13866,7 +16202,7 @@
             </p:txBody>
           </p:sp>
         </mc:Choice>
-        <mc:Fallback>
+        <mc:Fallback xmlns="">
           <p:sp>
             <p:nvSpPr>
               <p:cNvPr id="62" name="TextBox 61"/>
@@ -13905,8 +16241,8 @@
           </p:sp>
         </mc:Fallback>
       </mc:AlternateContent>
-      <mc:AlternateContent xmlns:mc="http://schemas.openxmlformats.org/markup-compatibility/2006">
-        <mc:Choice xmlns:a14="http://schemas.microsoft.com/office/drawing/2010/main" Requires="a14">
+      <mc:AlternateContent xmlns:mc="http://schemas.openxmlformats.org/markup-compatibility/2006" xmlns:a14="http://schemas.microsoft.com/office/drawing/2010/main">
+        <mc:Choice Requires="a14">
           <p:sp>
             <p:nvSpPr>
               <p:cNvPr id="63" name="TextBox 62"/>
@@ -13950,7 +16286,7 @@
             </p:txBody>
           </p:sp>
         </mc:Choice>
-        <mc:Fallback>
+        <mc:Fallback xmlns="">
           <p:sp>
             <p:nvSpPr>
               <p:cNvPr id="63" name="TextBox 62"/>
@@ -14119,8 +16455,8 @@
           </a:p>
         </p:txBody>
       </p:sp>
-      <mc:AlternateContent xmlns:mc="http://schemas.openxmlformats.org/markup-compatibility/2006">
-        <mc:Choice xmlns:a14="http://schemas.microsoft.com/office/drawing/2010/main" Requires="a14">
+      <mc:AlternateContent xmlns:mc="http://schemas.openxmlformats.org/markup-compatibility/2006" xmlns:a14="http://schemas.microsoft.com/office/drawing/2010/main">
+        <mc:Choice Requires="a14">
           <p:sp>
             <p:nvSpPr>
               <p:cNvPr id="67" name="TextBox 66"/>
@@ -14183,7 +16519,7 @@
             </p:txBody>
           </p:sp>
         </mc:Choice>
-        <mc:Fallback>
+        <mc:Fallback xmlns="">
           <p:sp>
             <p:nvSpPr>
               <p:cNvPr id="67" name="TextBox 66"/>
@@ -14222,8 +16558,8 @@
           </p:sp>
         </mc:Fallback>
       </mc:AlternateContent>
-      <mc:AlternateContent xmlns:mc="http://schemas.openxmlformats.org/markup-compatibility/2006">
-        <mc:Choice xmlns:a14="http://schemas.microsoft.com/office/drawing/2010/main" Requires="a14">
+      <mc:AlternateContent xmlns:mc="http://schemas.openxmlformats.org/markup-compatibility/2006" xmlns:a14="http://schemas.microsoft.com/office/drawing/2010/main">
+        <mc:Choice Requires="a14">
           <p:sp>
             <p:nvSpPr>
               <p:cNvPr id="68" name="TextBox 67"/>
@@ -14286,7 +16622,7 @@
             </p:txBody>
           </p:sp>
         </mc:Choice>
-        <mc:Fallback>
+        <mc:Fallback xmlns="">
           <p:sp>
             <p:nvSpPr>
               <p:cNvPr id="68" name="TextBox 67"/>
@@ -14325,8 +16661,8 @@
           </p:sp>
         </mc:Fallback>
       </mc:AlternateContent>
-      <mc:AlternateContent xmlns:mc="http://schemas.openxmlformats.org/markup-compatibility/2006">
-        <mc:Choice xmlns:a14="http://schemas.microsoft.com/office/drawing/2010/main" Requires="a14">
+      <mc:AlternateContent xmlns:mc="http://schemas.openxmlformats.org/markup-compatibility/2006" xmlns:a14="http://schemas.microsoft.com/office/drawing/2010/main">
+        <mc:Choice Requires="a14">
           <p:sp>
             <p:nvSpPr>
               <p:cNvPr id="69" name="TextBox 68"/>
@@ -14389,7 +16725,7 @@
             </p:txBody>
           </p:sp>
         </mc:Choice>
-        <mc:Fallback>
+        <mc:Fallback xmlns="">
           <p:sp>
             <p:nvSpPr>
               <p:cNvPr id="69" name="TextBox 68"/>
@@ -14532,8 +16868,8 @@
           </a:fontRef>
         </p:style>
       </p:cxnSp>
-      <mc:AlternateContent xmlns:mc="http://schemas.openxmlformats.org/markup-compatibility/2006">
-        <mc:Choice xmlns:a14="http://schemas.microsoft.com/office/drawing/2010/main" Requires="a14">
+      <mc:AlternateContent xmlns:mc="http://schemas.openxmlformats.org/markup-compatibility/2006" xmlns:a14="http://schemas.microsoft.com/office/drawing/2010/main">
+        <mc:Choice Requires="a14">
           <p:sp>
             <p:nvSpPr>
               <p:cNvPr id="54" name="TextBox 53"/>
@@ -14596,7 +16932,7 @@
             </p:txBody>
           </p:sp>
         </mc:Choice>
-        <mc:Fallback>
+        <mc:Fallback xmlns="">
           <p:sp>
             <p:nvSpPr>
               <p:cNvPr id="54" name="TextBox 53"/>
@@ -14635,8 +16971,8 @@
           </p:sp>
         </mc:Fallback>
       </mc:AlternateContent>
-      <mc:AlternateContent xmlns:mc="http://schemas.openxmlformats.org/markup-compatibility/2006">
-        <mc:Choice xmlns:a14="http://schemas.microsoft.com/office/drawing/2010/main" Requires="a14">
+      <mc:AlternateContent xmlns:mc="http://schemas.openxmlformats.org/markup-compatibility/2006" xmlns:a14="http://schemas.microsoft.com/office/drawing/2010/main">
+        <mc:Choice Requires="a14">
           <p:sp>
             <p:nvSpPr>
               <p:cNvPr id="55" name="TextBox 54"/>
@@ -14699,7 +17035,7 @@
             </p:txBody>
           </p:sp>
         </mc:Choice>
-        <mc:Fallback>
+        <mc:Fallback xmlns="">
           <p:sp>
             <p:nvSpPr>
               <p:cNvPr id="55" name="TextBox 54"/>
@@ -14821,8 +17157,8 @@
           </a:fontRef>
         </p:style>
       </p:cxnSp>
-      <mc:AlternateContent xmlns:mc="http://schemas.openxmlformats.org/markup-compatibility/2006">
-        <mc:Choice xmlns:a14="http://schemas.microsoft.com/office/drawing/2010/main" Requires="a14">
+      <mc:AlternateContent xmlns:mc="http://schemas.openxmlformats.org/markup-compatibility/2006" xmlns:a14="http://schemas.microsoft.com/office/drawing/2010/main">
+        <mc:Choice Requires="a14">
           <p:sp>
             <p:nvSpPr>
               <p:cNvPr id="35" name="TextBox 34"/>
@@ -14885,7 +17221,7 @@
             </p:txBody>
           </p:sp>
         </mc:Choice>
-        <mc:Fallback>
+        <mc:Fallback xmlns="">
           <p:sp>
             <p:nvSpPr>
               <p:cNvPr id="35" name="TextBox 34"/>
@@ -15139,8 +17475,8 @@
           </a:p>
         </p:txBody>
       </p:sp>
-      <mc:AlternateContent xmlns:mc="http://schemas.openxmlformats.org/markup-compatibility/2006">
-        <mc:Choice xmlns:a14="http://schemas.microsoft.com/office/drawing/2010/main" Requires="a14">
+      <mc:AlternateContent xmlns:mc="http://schemas.openxmlformats.org/markup-compatibility/2006" xmlns:a14="http://schemas.microsoft.com/office/drawing/2010/main">
+        <mc:Choice Requires="a14">
           <p:sp>
             <p:nvSpPr>
               <p:cNvPr id="44" name="TextBox 43"/>
@@ -15203,7 +17539,7 @@
             </p:txBody>
           </p:sp>
         </mc:Choice>
-        <mc:Fallback>
+        <mc:Fallback xmlns="">
           <p:sp>
             <p:nvSpPr>
               <p:cNvPr id="44" name="TextBox 43"/>
@@ -15242,8 +17578,8 @@
           </p:sp>
         </mc:Fallback>
       </mc:AlternateContent>
-      <mc:AlternateContent xmlns:mc="http://schemas.openxmlformats.org/markup-compatibility/2006">
-        <mc:Choice xmlns:a14="http://schemas.microsoft.com/office/drawing/2010/main" Requires="a14">
+      <mc:AlternateContent xmlns:mc="http://schemas.openxmlformats.org/markup-compatibility/2006" xmlns:a14="http://schemas.microsoft.com/office/drawing/2010/main">
+        <mc:Choice Requires="a14">
           <p:sp>
             <p:nvSpPr>
               <p:cNvPr id="45" name="TextBox 44"/>
@@ -15306,7 +17642,7 @@
             </p:txBody>
           </p:sp>
         </mc:Choice>
-        <mc:Fallback>
+        <mc:Fallback xmlns="">
           <p:sp>
             <p:nvSpPr>
               <p:cNvPr id="45" name="TextBox 44"/>
@@ -15345,8 +17681,8 @@
           </p:sp>
         </mc:Fallback>
       </mc:AlternateContent>
-      <mc:AlternateContent xmlns:mc="http://schemas.openxmlformats.org/markup-compatibility/2006">
-        <mc:Choice xmlns:a14="http://schemas.microsoft.com/office/drawing/2010/main" Requires="a14">
+      <mc:AlternateContent xmlns:mc="http://schemas.openxmlformats.org/markup-compatibility/2006" xmlns:a14="http://schemas.microsoft.com/office/drawing/2010/main">
+        <mc:Choice Requires="a14">
           <p:sp>
             <p:nvSpPr>
               <p:cNvPr id="46" name="TextBox 45"/>
@@ -15409,7 +17745,7 @@
             </p:txBody>
           </p:sp>
         </mc:Choice>
-        <mc:Fallback>
+        <mc:Fallback xmlns="">
           <p:sp>
             <p:nvSpPr>
               <p:cNvPr id="46" name="TextBox 45"/>
@@ -15448,8 +17784,8 @@
           </p:sp>
         </mc:Fallback>
       </mc:AlternateContent>
-      <mc:AlternateContent xmlns:mc="http://schemas.openxmlformats.org/markup-compatibility/2006">
-        <mc:Choice xmlns:a14="http://schemas.microsoft.com/office/drawing/2010/main" Requires="a14">
+      <mc:AlternateContent xmlns:mc="http://schemas.openxmlformats.org/markup-compatibility/2006" xmlns:a14="http://schemas.microsoft.com/office/drawing/2010/main">
+        <mc:Choice Requires="a14">
           <p:sp>
             <p:nvSpPr>
               <p:cNvPr id="75" name="TextBox 74"/>
@@ -15512,7 +17848,7 @@
             </p:txBody>
           </p:sp>
         </mc:Choice>
-        <mc:Fallback>
+        <mc:Fallback xmlns="">
           <p:sp>
             <p:nvSpPr>
               <p:cNvPr id="75" name="TextBox 74"/>
@@ -15588,8 +17924,8 @@
           </a:fontRef>
         </p:style>
       </p:cxnSp>
-      <mc:AlternateContent xmlns:mc="http://schemas.openxmlformats.org/markup-compatibility/2006">
-        <mc:Choice xmlns:a14="http://schemas.microsoft.com/office/drawing/2010/main" Requires="a14">
+      <mc:AlternateContent xmlns:mc="http://schemas.openxmlformats.org/markup-compatibility/2006" xmlns:a14="http://schemas.microsoft.com/office/drawing/2010/main">
+        <mc:Choice Requires="a14">
           <p:sp>
             <p:nvSpPr>
               <p:cNvPr id="79" name="TextBox 78"/>
@@ -15652,7 +17988,7 @@
             </p:txBody>
           </p:sp>
         </mc:Choice>
-        <mc:Fallback>
+        <mc:Fallback xmlns="">
           <p:sp>
             <p:nvSpPr>
               <p:cNvPr id="79" name="TextBox 78"/>
@@ -15728,8 +18064,8 @@
           </a:fontRef>
         </p:style>
       </p:cxnSp>
-      <mc:AlternateContent xmlns:mc="http://schemas.openxmlformats.org/markup-compatibility/2006">
-        <mc:Choice xmlns:a14="http://schemas.microsoft.com/office/drawing/2010/main" Requires="a14">
+      <mc:AlternateContent xmlns:mc="http://schemas.openxmlformats.org/markup-compatibility/2006" xmlns:a14="http://schemas.microsoft.com/office/drawing/2010/main">
+        <mc:Choice Requires="a14">
           <p:sp>
             <p:nvSpPr>
               <p:cNvPr id="81" name="TextBox 80"/>
@@ -15792,7 +18128,7 @@
             </p:txBody>
           </p:sp>
         </mc:Choice>
-        <mc:Fallback>
+        <mc:Fallback xmlns="">
           <p:sp>
             <p:nvSpPr>
               <p:cNvPr id="81" name="TextBox 80"/>
@@ -15905,8 +18241,8 @@
           </a:fontRef>
         </p:style>
       </p:cxnSp>
-      <mc:AlternateContent xmlns:mc="http://schemas.openxmlformats.org/markup-compatibility/2006">
-        <mc:Choice xmlns:a14="http://schemas.microsoft.com/office/drawing/2010/main" Requires="a14">
+      <mc:AlternateContent xmlns:mc="http://schemas.openxmlformats.org/markup-compatibility/2006" xmlns:a14="http://schemas.microsoft.com/office/drawing/2010/main">
+        <mc:Choice Requires="a14">
           <p:sp>
             <p:nvSpPr>
               <p:cNvPr id="84" name="TextBox 83"/>
@@ -15950,7 +18286,7 @@
             </p:txBody>
           </p:sp>
         </mc:Choice>
-        <mc:Fallback>
+        <mc:Fallback xmlns="">
           <p:sp>
             <p:nvSpPr>
               <p:cNvPr id="84" name="TextBox 83"/>
@@ -15989,8 +18325,8 @@
           </p:sp>
         </mc:Fallback>
       </mc:AlternateContent>
-      <mc:AlternateContent xmlns:mc="http://schemas.openxmlformats.org/markup-compatibility/2006">
-        <mc:Choice xmlns:a14="http://schemas.microsoft.com/office/drawing/2010/main" Requires="a14">
+      <mc:AlternateContent xmlns:mc="http://schemas.openxmlformats.org/markup-compatibility/2006" xmlns:a14="http://schemas.microsoft.com/office/drawing/2010/main">
+        <mc:Choice Requires="a14">
           <p:sp>
             <p:nvSpPr>
               <p:cNvPr id="85" name="TextBox 84"/>
@@ -16034,7 +18370,7 @@
             </p:txBody>
           </p:sp>
         </mc:Choice>
-        <mc:Fallback>
+        <mc:Fallback xmlns="">
           <p:sp>
             <p:nvSpPr>
               <p:cNvPr id="85" name="TextBox 84"/>
@@ -16147,8 +18483,8 @@
           </a:fontRef>
         </p:style>
       </p:cxnSp>
-      <mc:AlternateContent xmlns:mc="http://schemas.openxmlformats.org/markup-compatibility/2006">
-        <mc:Choice xmlns:a14="http://schemas.microsoft.com/office/drawing/2010/main" Requires="a14">
+      <mc:AlternateContent xmlns:mc="http://schemas.openxmlformats.org/markup-compatibility/2006" xmlns:a14="http://schemas.microsoft.com/office/drawing/2010/main">
+        <mc:Choice Requires="a14">
           <p:sp>
             <p:nvSpPr>
               <p:cNvPr id="88" name="TextBox 87"/>
@@ -16192,7 +18528,7 @@
             </p:txBody>
           </p:sp>
         </mc:Choice>
-        <mc:Fallback>
+        <mc:Fallback xmlns="">
           <p:sp>
             <p:nvSpPr>
               <p:cNvPr id="88" name="TextBox 87"/>
@@ -16268,8 +18604,8 @@
           </a:fontRef>
         </p:style>
       </p:cxnSp>
-      <mc:AlternateContent xmlns:mc="http://schemas.openxmlformats.org/markup-compatibility/2006">
-        <mc:Choice xmlns:a14="http://schemas.microsoft.com/office/drawing/2010/main" Requires="a14">
+      <mc:AlternateContent xmlns:mc="http://schemas.openxmlformats.org/markup-compatibility/2006" xmlns:a14="http://schemas.microsoft.com/office/drawing/2010/main">
+        <mc:Choice Requires="a14">
           <p:sp>
             <p:nvSpPr>
               <p:cNvPr id="90" name="TextBox 89"/>
@@ -16313,7 +18649,7 @@
             </p:txBody>
           </p:sp>
         </mc:Choice>
-        <mc:Fallback>
+        <mc:Fallback xmlns="">
           <p:sp>
             <p:nvSpPr>
               <p:cNvPr id="90" name="TextBox 89"/>
@@ -16352,8 +18688,8 @@
           </p:sp>
         </mc:Fallback>
       </mc:AlternateContent>
-      <mc:AlternateContent xmlns:mc="http://schemas.openxmlformats.org/markup-compatibility/2006">
-        <mc:Choice xmlns:a14="http://schemas.microsoft.com/office/drawing/2010/main" Requires="a14">
+      <mc:AlternateContent xmlns:mc="http://schemas.openxmlformats.org/markup-compatibility/2006" xmlns:a14="http://schemas.microsoft.com/office/drawing/2010/main">
+        <mc:Choice Requires="a14">
           <p:sp>
             <p:nvSpPr>
               <p:cNvPr id="91" name="TextBox 90"/>
@@ -16397,7 +18733,7 @@
             </p:txBody>
           </p:sp>
         </mc:Choice>
-        <mc:Fallback>
+        <mc:Fallback xmlns="">
           <p:sp>
             <p:nvSpPr>
               <p:cNvPr id="91" name="TextBox 90"/>

--- a/그림.pptx
+++ b/그림.pptx
@@ -20,10 +20,12 @@
     <p:sldId id="270" r:id="rId14"/>
     <p:sldId id="271" r:id="rId15"/>
     <p:sldId id="276" r:id="rId16"/>
-    <p:sldId id="272" r:id="rId17"/>
-    <p:sldId id="259" r:id="rId18"/>
-    <p:sldId id="264" r:id="rId19"/>
-    <p:sldId id="273" r:id="rId20"/>
+    <p:sldId id="277" r:id="rId17"/>
+    <p:sldId id="278" r:id="rId18"/>
+    <p:sldId id="272" r:id="rId19"/>
+    <p:sldId id="259" r:id="rId20"/>
+    <p:sldId id="264" r:id="rId21"/>
+    <p:sldId id="273" r:id="rId22"/>
   </p:sldIdLst>
   <p:sldSz cx="12192000" cy="6858000"/>
   <p:notesSz cx="6858000" cy="9144000"/>
@@ -142,6 +144,8 @@
             <p14:sldId id="270"/>
             <p14:sldId id="271"/>
             <p14:sldId id="276"/>
+            <p14:sldId id="277"/>
+            <p14:sldId id="278"/>
             <p14:sldId id="272"/>
           </p14:sldIdLst>
         </p14:section>
@@ -290,7 +294,7 @@
           <a:p>
             <a:fld id="{586A42AD-E6DF-43A8-BCEE-31B231F72482}" type="datetimeFigureOut">
               <a:rPr lang="ko-KR" altLang="en-US" smtClean="0"/>
-              <a:t>2022-09-14</a:t>
+              <a:t>2022-09-15</a:t>
             </a:fld>
             <a:endParaRPr lang="ko-KR" altLang="en-US"/>
           </a:p>
@@ -458,7 +462,7 @@
           <a:p>
             <a:fld id="{586A42AD-E6DF-43A8-BCEE-31B231F72482}" type="datetimeFigureOut">
               <a:rPr lang="ko-KR" altLang="en-US" smtClean="0"/>
-              <a:t>2022-09-14</a:t>
+              <a:t>2022-09-15</a:t>
             </a:fld>
             <a:endParaRPr lang="ko-KR" altLang="en-US"/>
           </a:p>
@@ -636,7 +640,7 @@
           <a:p>
             <a:fld id="{586A42AD-E6DF-43A8-BCEE-31B231F72482}" type="datetimeFigureOut">
               <a:rPr lang="ko-KR" altLang="en-US" smtClean="0"/>
-              <a:t>2022-09-14</a:t>
+              <a:t>2022-09-15</a:t>
             </a:fld>
             <a:endParaRPr lang="ko-KR" altLang="en-US"/>
           </a:p>
@@ -804,7 +808,7 @@
           <a:p>
             <a:fld id="{586A42AD-E6DF-43A8-BCEE-31B231F72482}" type="datetimeFigureOut">
               <a:rPr lang="ko-KR" altLang="en-US" smtClean="0"/>
-              <a:t>2022-09-14</a:t>
+              <a:t>2022-09-15</a:t>
             </a:fld>
             <a:endParaRPr lang="ko-KR" altLang="en-US"/>
           </a:p>
@@ -1049,7 +1053,7 @@
           <a:p>
             <a:fld id="{586A42AD-E6DF-43A8-BCEE-31B231F72482}" type="datetimeFigureOut">
               <a:rPr lang="ko-KR" altLang="en-US" smtClean="0"/>
-              <a:t>2022-09-14</a:t>
+              <a:t>2022-09-15</a:t>
             </a:fld>
             <a:endParaRPr lang="ko-KR" altLang="en-US"/>
           </a:p>
@@ -1278,7 +1282,7 @@
           <a:p>
             <a:fld id="{586A42AD-E6DF-43A8-BCEE-31B231F72482}" type="datetimeFigureOut">
               <a:rPr lang="ko-KR" altLang="en-US" smtClean="0"/>
-              <a:t>2022-09-14</a:t>
+              <a:t>2022-09-15</a:t>
             </a:fld>
             <a:endParaRPr lang="ko-KR" altLang="en-US"/>
           </a:p>
@@ -1642,7 +1646,7 @@
           <a:p>
             <a:fld id="{586A42AD-E6DF-43A8-BCEE-31B231F72482}" type="datetimeFigureOut">
               <a:rPr lang="ko-KR" altLang="en-US" smtClean="0"/>
-              <a:t>2022-09-14</a:t>
+              <a:t>2022-09-15</a:t>
             </a:fld>
             <a:endParaRPr lang="ko-KR" altLang="en-US"/>
           </a:p>
@@ -1759,7 +1763,7 @@
           <a:p>
             <a:fld id="{586A42AD-E6DF-43A8-BCEE-31B231F72482}" type="datetimeFigureOut">
               <a:rPr lang="ko-KR" altLang="en-US" smtClean="0"/>
-              <a:t>2022-09-14</a:t>
+              <a:t>2022-09-15</a:t>
             </a:fld>
             <a:endParaRPr lang="ko-KR" altLang="en-US"/>
           </a:p>
@@ -1854,7 +1858,7 @@
           <a:p>
             <a:fld id="{586A42AD-E6DF-43A8-BCEE-31B231F72482}" type="datetimeFigureOut">
               <a:rPr lang="ko-KR" altLang="en-US" smtClean="0"/>
-              <a:t>2022-09-14</a:t>
+              <a:t>2022-09-15</a:t>
             </a:fld>
             <a:endParaRPr lang="ko-KR" altLang="en-US"/>
           </a:p>
@@ -2129,7 +2133,7 @@
           <a:p>
             <a:fld id="{586A42AD-E6DF-43A8-BCEE-31B231F72482}" type="datetimeFigureOut">
               <a:rPr lang="ko-KR" altLang="en-US" smtClean="0"/>
-              <a:t>2022-09-14</a:t>
+              <a:t>2022-09-15</a:t>
             </a:fld>
             <a:endParaRPr lang="ko-KR" altLang="en-US"/>
           </a:p>
@@ -2381,7 +2385,7 @@
           <a:p>
             <a:fld id="{586A42AD-E6DF-43A8-BCEE-31B231F72482}" type="datetimeFigureOut">
               <a:rPr lang="ko-KR" altLang="en-US" smtClean="0"/>
-              <a:t>2022-09-14</a:t>
+              <a:t>2022-09-15</a:t>
             </a:fld>
             <a:endParaRPr lang="ko-KR" altLang="en-US"/>
           </a:p>
@@ -2592,7 +2596,7 @@
           <a:p>
             <a:fld id="{586A42AD-E6DF-43A8-BCEE-31B231F72482}" type="datetimeFigureOut">
               <a:rPr lang="ko-KR" altLang="en-US" smtClean="0"/>
-              <a:t>2022-09-14</a:t>
+              <a:t>2022-09-15</a:t>
             </a:fld>
             <a:endParaRPr lang="ko-KR" altLang="en-US"/>
           </a:p>
@@ -7750,8 +7754,8 @@
           </a:fontRef>
         </p:style>
       </p:cxnSp>
-      <mc:AlternateContent xmlns:mc="http://schemas.openxmlformats.org/markup-compatibility/2006">
-        <mc:Choice xmlns:a14="http://schemas.microsoft.com/office/drawing/2010/main" Requires="a14">
+      <mc:AlternateContent xmlns:mc="http://schemas.openxmlformats.org/markup-compatibility/2006" xmlns:a14="http://schemas.microsoft.com/office/drawing/2010/main">
+        <mc:Choice Requires="a14">
           <p:sp>
             <p:nvSpPr>
               <p:cNvPr id="8" name="TextBox 7"/>
@@ -7823,7 +7827,7 @@
             </p:txBody>
           </p:sp>
         </mc:Choice>
-        <mc:Fallback>
+        <mc:Fallback xmlns="">
           <p:sp>
             <p:nvSpPr>
               <p:cNvPr id="8" name="TextBox 7"/>
@@ -7893,8 +7897,8 @@
           </a:fontRef>
         </p:style>
       </p:cxnSp>
-      <mc:AlternateContent xmlns:mc="http://schemas.openxmlformats.org/markup-compatibility/2006">
-        <mc:Choice xmlns:a14="http://schemas.microsoft.com/office/drawing/2010/main" Requires="a14">
+      <mc:AlternateContent xmlns:mc="http://schemas.openxmlformats.org/markup-compatibility/2006" xmlns:a14="http://schemas.microsoft.com/office/drawing/2010/main">
+        <mc:Choice Requires="a14">
           <p:sp>
             <p:nvSpPr>
               <p:cNvPr id="16" name="TextBox 15"/>
@@ -7938,7 +7942,7 @@
             </p:txBody>
           </p:sp>
         </mc:Choice>
-        <mc:Fallback>
+        <mc:Fallback xmlns="">
           <p:sp>
             <p:nvSpPr>
               <p:cNvPr id="16" name="TextBox 15"/>
@@ -8010,8 +8014,8 @@
           </a:fontRef>
         </p:style>
       </p:cxnSp>
-      <mc:AlternateContent xmlns:mc="http://schemas.openxmlformats.org/markup-compatibility/2006">
-        <mc:Choice xmlns:a14="http://schemas.microsoft.com/office/drawing/2010/main" Requires="a14">
+      <mc:AlternateContent xmlns:mc="http://schemas.openxmlformats.org/markup-compatibility/2006" xmlns:a14="http://schemas.microsoft.com/office/drawing/2010/main">
+        <mc:Choice Requires="a14">
           <p:sp>
             <p:nvSpPr>
               <p:cNvPr id="13" name="TextBox 12"/>
@@ -8055,7 +8059,7 @@
             </p:txBody>
           </p:sp>
         </mc:Choice>
-        <mc:Fallback>
+        <mc:Fallback xmlns="">
           <p:sp>
             <p:nvSpPr>
               <p:cNvPr id="13" name="TextBox 12"/>
@@ -8094,8 +8098,8 @@
           </p:sp>
         </mc:Fallback>
       </mc:AlternateContent>
-      <mc:AlternateContent xmlns:mc="http://schemas.openxmlformats.org/markup-compatibility/2006">
-        <mc:Choice xmlns:a14="http://schemas.microsoft.com/office/drawing/2010/main" Requires="a14">
+      <mc:AlternateContent xmlns:mc="http://schemas.openxmlformats.org/markup-compatibility/2006" xmlns:a14="http://schemas.microsoft.com/office/drawing/2010/main">
+        <mc:Choice Requires="a14">
           <p:sp>
             <p:nvSpPr>
               <p:cNvPr id="14" name="TextBox 13"/>
@@ -8139,7 +8143,7 @@
             </p:txBody>
           </p:sp>
         </mc:Choice>
-        <mc:Fallback>
+        <mc:Fallback xmlns="">
           <p:sp>
             <p:nvSpPr>
               <p:cNvPr id="14" name="TextBox 13"/>
@@ -8444,8 +8448,8 @@
           </a:fontRef>
         </p:style>
       </p:cxnSp>
-      <mc:AlternateContent xmlns:mc="http://schemas.openxmlformats.org/markup-compatibility/2006">
-        <mc:Choice xmlns:a14="http://schemas.microsoft.com/office/drawing/2010/main" Requires="a14">
+      <mc:AlternateContent xmlns:mc="http://schemas.openxmlformats.org/markup-compatibility/2006" xmlns:a14="http://schemas.microsoft.com/office/drawing/2010/main">
+        <mc:Choice Requires="a14">
           <p:sp>
             <p:nvSpPr>
               <p:cNvPr id="47" name="TextBox 46"/>
@@ -8523,7 +8527,7 @@
             </p:txBody>
           </p:sp>
         </mc:Choice>
-        <mc:Fallback>
+        <mc:Fallback xmlns="">
           <p:sp>
             <p:nvSpPr>
               <p:cNvPr id="47" name="TextBox 46"/>
@@ -8562,8 +8566,8 @@
           </p:sp>
         </mc:Fallback>
       </mc:AlternateContent>
-      <mc:AlternateContent xmlns:mc="http://schemas.openxmlformats.org/markup-compatibility/2006">
-        <mc:Choice xmlns:a14="http://schemas.microsoft.com/office/drawing/2010/main" Requires="a14">
+      <mc:AlternateContent xmlns:mc="http://schemas.openxmlformats.org/markup-compatibility/2006" xmlns:a14="http://schemas.microsoft.com/office/drawing/2010/main">
+        <mc:Choice Requires="a14">
           <p:sp>
             <p:nvSpPr>
               <p:cNvPr id="48" name="TextBox 47"/>
@@ -8654,7 +8658,7 @@
             </p:txBody>
           </p:sp>
         </mc:Choice>
-        <mc:Fallback>
+        <mc:Fallback xmlns="">
           <p:sp>
             <p:nvSpPr>
               <p:cNvPr id="48" name="TextBox 47"/>
@@ -8693,8 +8697,8 @@
           </p:sp>
         </mc:Fallback>
       </mc:AlternateContent>
-      <mc:AlternateContent xmlns:mc="http://schemas.openxmlformats.org/markup-compatibility/2006">
-        <mc:Choice xmlns:a14="http://schemas.microsoft.com/office/drawing/2010/main" Requires="a14">
+      <mc:AlternateContent xmlns:mc="http://schemas.openxmlformats.org/markup-compatibility/2006" xmlns:a14="http://schemas.microsoft.com/office/drawing/2010/main">
+        <mc:Choice Requires="a14">
           <p:sp>
             <p:nvSpPr>
               <p:cNvPr id="49" name="TextBox 48"/>
@@ -8785,7 +8789,7 @@
             </p:txBody>
           </p:sp>
         </mc:Choice>
-        <mc:Fallback>
+        <mc:Fallback xmlns="">
           <p:sp>
             <p:nvSpPr>
               <p:cNvPr id="49" name="TextBox 48"/>
@@ -8824,8 +8828,8 @@
           </p:sp>
         </mc:Fallback>
       </mc:AlternateContent>
-      <mc:AlternateContent xmlns:mc="http://schemas.openxmlformats.org/markup-compatibility/2006">
-        <mc:Choice xmlns:a14="http://schemas.microsoft.com/office/drawing/2010/main" Requires="a14">
+      <mc:AlternateContent xmlns:mc="http://schemas.openxmlformats.org/markup-compatibility/2006" xmlns:a14="http://schemas.microsoft.com/office/drawing/2010/main">
+        <mc:Choice Requires="a14">
           <p:sp>
             <p:nvSpPr>
               <p:cNvPr id="50" name="TextBox 49"/>
@@ -8897,7 +8901,7 @@
             </p:txBody>
           </p:sp>
         </mc:Choice>
-        <mc:Fallback>
+        <mc:Fallback xmlns="">
           <p:sp>
             <p:nvSpPr>
               <p:cNvPr id="50" name="TextBox 49"/>
@@ -8936,8 +8940,8 @@
           </p:sp>
         </mc:Fallback>
       </mc:AlternateContent>
-      <mc:AlternateContent xmlns:mc="http://schemas.openxmlformats.org/markup-compatibility/2006">
-        <mc:Choice xmlns:a14="http://schemas.microsoft.com/office/drawing/2010/main" Requires="a14">
+      <mc:AlternateContent xmlns:mc="http://schemas.openxmlformats.org/markup-compatibility/2006" xmlns:a14="http://schemas.microsoft.com/office/drawing/2010/main">
+        <mc:Choice Requires="a14">
           <p:sp>
             <p:nvSpPr>
               <p:cNvPr id="51" name="TextBox 50"/>
@@ -8984,7 +8988,7 @@
             </p:txBody>
           </p:sp>
         </mc:Choice>
-        <mc:Fallback>
+        <mc:Fallback xmlns="">
           <p:sp>
             <p:nvSpPr>
               <p:cNvPr id="51" name="TextBox 50"/>
@@ -9023,8 +9027,8 @@
           </p:sp>
         </mc:Fallback>
       </mc:AlternateContent>
-      <mc:AlternateContent xmlns:mc="http://schemas.openxmlformats.org/markup-compatibility/2006">
-        <mc:Choice xmlns:a14="http://schemas.microsoft.com/office/drawing/2010/main" Requires="a14">
+      <mc:AlternateContent xmlns:mc="http://schemas.openxmlformats.org/markup-compatibility/2006" xmlns:a14="http://schemas.microsoft.com/office/drawing/2010/main">
+        <mc:Choice Requires="a14">
           <p:sp>
             <p:nvSpPr>
               <p:cNvPr id="54" name="TextBox 53"/>
@@ -9068,7 +9072,7 @@
             </p:txBody>
           </p:sp>
         </mc:Choice>
-        <mc:Fallback>
+        <mc:Fallback xmlns="">
           <p:sp>
             <p:nvSpPr>
               <p:cNvPr id="54" name="TextBox 53"/>
@@ -9251,8 +9255,8 @@
           </a:p>
         </p:txBody>
       </p:sp>
-      <mc:AlternateContent xmlns:mc="http://schemas.openxmlformats.org/markup-compatibility/2006">
-        <mc:Choice xmlns:a14="http://schemas.microsoft.com/office/drawing/2010/main" Requires="a14">
+      <mc:AlternateContent xmlns:mc="http://schemas.openxmlformats.org/markup-compatibility/2006" xmlns:a14="http://schemas.microsoft.com/office/drawing/2010/main">
+        <mc:Choice Requires="a14">
           <p:sp>
             <p:nvSpPr>
               <p:cNvPr id="60" name="TextBox 59"/>
@@ -9296,7 +9300,7 @@
             </p:txBody>
           </p:sp>
         </mc:Choice>
-        <mc:Fallback>
+        <mc:Fallback xmlns="">
           <p:sp>
             <p:nvSpPr>
               <p:cNvPr id="60" name="TextBox 59"/>
@@ -9383,8 +9387,8 @@
           </a:p>
         </p:txBody>
       </p:sp>
-      <mc:AlternateContent xmlns:mc="http://schemas.openxmlformats.org/markup-compatibility/2006">
-        <mc:Choice xmlns:a14="http://schemas.microsoft.com/office/drawing/2010/main" Requires="a14">
+      <mc:AlternateContent xmlns:mc="http://schemas.openxmlformats.org/markup-compatibility/2006" xmlns:a14="http://schemas.microsoft.com/office/drawing/2010/main">
+        <mc:Choice Requires="a14">
           <p:sp>
             <p:nvSpPr>
               <p:cNvPr id="62" name="TextBox 61"/>
@@ -9428,7 +9432,7 @@
             </p:txBody>
           </p:sp>
         </mc:Choice>
-        <mc:Fallback>
+        <mc:Fallback xmlns="">
           <p:sp>
             <p:nvSpPr>
               <p:cNvPr id="62" name="TextBox 61"/>
@@ -9596,7 +9600,7 @@
           <p:cNvPr id="71" name="자유형: 도형 18">
             <a:extLst>
               <a:ext uri="{FF2B5EF4-FFF2-40B4-BE49-F238E27FC236}">
-                <a16:creationId xmlns="" xmlns:a16="http://schemas.microsoft.com/office/drawing/2014/main" id="{28DE563C-2016-4934-A4EE-657070DFAE5E}"/>
+                <a16:creationId xmlns:a16="http://schemas.microsoft.com/office/drawing/2014/main" xmlns="" id="{28DE563C-2016-4934-A4EE-657070DFAE5E}"/>
               </a:ext>
             </a:extLst>
           </p:cNvPr>
@@ -9681,14 +9685,14 @@
           </a:p>
         </p:txBody>
       </p:sp>
-      <mc:AlternateContent xmlns:mc="http://schemas.openxmlformats.org/markup-compatibility/2006">
-        <mc:Choice xmlns:a14="http://schemas.microsoft.com/office/drawing/2010/main" Requires="a14">
+      <mc:AlternateContent xmlns:mc="http://schemas.openxmlformats.org/markup-compatibility/2006" xmlns:a14="http://schemas.microsoft.com/office/drawing/2010/main">
+        <mc:Choice Requires="a14">
           <p:sp>
             <p:nvSpPr>
               <p:cNvPr id="72" name="TextBox 71">
                 <a:extLst>
                   <a:ext uri="{FF2B5EF4-FFF2-40B4-BE49-F238E27FC236}">
-                    <a16:creationId xmlns="" xmlns:a16="http://schemas.microsoft.com/office/drawing/2014/main" id="{702F36E8-3840-4F82-ACA9-0ADC9BF2CD7E}"/>
+                    <a16:creationId xmlns:a16="http://schemas.microsoft.com/office/drawing/2014/main" xmlns="" id="{702F36E8-3840-4F82-ACA9-0ADC9BF2CD7E}"/>
                   </a:ext>
                 </a:extLst>
               </p:cNvPr>
@@ -9738,7 +9742,7 @@
             </p:txBody>
           </p:sp>
         </mc:Choice>
-        <mc:Fallback>
+        <mc:Fallback xmlns="">
           <p:sp>
             <p:nvSpPr>
               <p:cNvPr id="72" name="TextBox 71">
@@ -9788,7 +9792,7 @@
           <p:cNvPr id="73" name="자유형: 도형 18">
             <a:extLst>
               <a:ext uri="{FF2B5EF4-FFF2-40B4-BE49-F238E27FC236}">
-                <a16:creationId xmlns="" xmlns:a16="http://schemas.microsoft.com/office/drawing/2014/main" id="{28DE563C-2016-4934-A4EE-657070DFAE5E}"/>
+                <a16:creationId xmlns:a16="http://schemas.microsoft.com/office/drawing/2014/main" xmlns="" id="{28DE563C-2016-4934-A4EE-657070DFAE5E}"/>
               </a:ext>
             </a:extLst>
           </p:cNvPr>
@@ -9873,14 +9877,14 @@
           </a:p>
         </p:txBody>
       </p:sp>
-      <mc:AlternateContent xmlns:mc="http://schemas.openxmlformats.org/markup-compatibility/2006">
-        <mc:Choice xmlns:a14="http://schemas.microsoft.com/office/drawing/2010/main" Requires="a14">
+      <mc:AlternateContent xmlns:mc="http://schemas.openxmlformats.org/markup-compatibility/2006" xmlns:a14="http://schemas.microsoft.com/office/drawing/2010/main">
+        <mc:Choice Requires="a14">
           <p:sp>
             <p:nvSpPr>
               <p:cNvPr id="74" name="TextBox 73">
                 <a:extLst>
                   <a:ext uri="{FF2B5EF4-FFF2-40B4-BE49-F238E27FC236}">
-                    <a16:creationId xmlns="" xmlns:a16="http://schemas.microsoft.com/office/drawing/2014/main" id="{702F36E8-3840-4F82-ACA9-0ADC9BF2CD7E}"/>
+                    <a16:creationId xmlns:a16="http://schemas.microsoft.com/office/drawing/2014/main" xmlns="" id="{702F36E8-3840-4F82-ACA9-0ADC9BF2CD7E}"/>
                   </a:ext>
                 </a:extLst>
               </p:cNvPr>
@@ -9936,7 +9940,7 @@
             </p:txBody>
           </p:sp>
         </mc:Choice>
-        <mc:Fallback>
+        <mc:Fallback xmlns="">
           <p:sp>
             <p:nvSpPr>
               <p:cNvPr id="74" name="TextBox 73">
@@ -10011,6 +10015,1131 @@
           <a:chExt cx="0" cy="0"/>
         </a:xfrm>
       </p:grpSpPr>
+      <p:sp>
+        <p:nvSpPr>
+          <p:cNvPr id="53" name="직각 삼각형 52"/>
+          <p:cNvSpPr/>
+          <p:nvPr/>
+        </p:nvSpPr>
+        <p:spPr>
+          <a:xfrm rot="16200000">
+            <a:off x="8183822" y="2565332"/>
+            <a:ext cx="663848" cy="1845505"/>
+          </a:xfrm>
+          <a:prstGeom prst="rtTriangle">
+            <a:avLst/>
+          </a:prstGeom>
+          <a:solidFill>
+            <a:schemeClr val="bg2">
+              <a:lumMod val="90000"/>
+            </a:schemeClr>
+          </a:solidFill>
+          <a:ln>
+            <a:noFill/>
+          </a:ln>
+        </p:spPr>
+        <p:style>
+          <a:lnRef idx="2">
+            <a:schemeClr val="accent1">
+              <a:shade val="50000"/>
+            </a:schemeClr>
+          </a:lnRef>
+          <a:fillRef idx="1">
+            <a:schemeClr val="accent1"/>
+          </a:fillRef>
+          <a:effectRef idx="0">
+            <a:schemeClr val="accent1"/>
+          </a:effectRef>
+          <a:fontRef idx="minor">
+            <a:schemeClr val="lt1"/>
+          </a:fontRef>
+        </p:style>
+        <p:txBody>
+          <a:bodyPr rtlCol="0" anchor="ctr"/>
+          <a:lstStyle/>
+          <a:p>
+            <a:pPr algn="ctr"/>
+            <a:endParaRPr lang="ko-KR" altLang="en-US"/>
+          </a:p>
+        </p:txBody>
+      </p:sp>
+      <p:sp>
+        <p:nvSpPr>
+          <p:cNvPr id="18" name="직각 삼각형 17"/>
+          <p:cNvSpPr/>
+          <p:nvPr/>
+        </p:nvSpPr>
+        <p:spPr>
+          <a:xfrm rot="5400000">
+            <a:off x="2977327" y="3339374"/>
+            <a:ext cx="581526" cy="1586902"/>
+          </a:xfrm>
+          <a:prstGeom prst="rtTriangle">
+            <a:avLst/>
+          </a:prstGeom>
+          <a:solidFill>
+            <a:schemeClr val="bg2">
+              <a:lumMod val="90000"/>
+            </a:schemeClr>
+          </a:solidFill>
+          <a:ln>
+            <a:noFill/>
+          </a:ln>
+        </p:spPr>
+        <p:style>
+          <a:lnRef idx="2">
+            <a:schemeClr val="accent1">
+              <a:shade val="50000"/>
+            </a:schemeClr>
+          </a:lnRef>
+          <a:fillRef idx="1">
+            <a:schemeClr val="accent1"/>
+          </a:fillRef>
+          <a:effectRef idx="0">
+            <a:schemeClr val="accent1"/>
+          </a:effectRef>
+          <a:fontRef idx="minor">
+            <a:schemeClr val="lt1"/>
+          </a:fontRef>
+        </p:style>
+        <p:txBody>
+          <a:bodyPr rtlCol="0" anchor="ctr"/>
+          <a:lstStyle/>
+          <a:p>
+            <a:pPr algn="ctr"/>
+            <a:endParaRPr lang="ko-KR" altLang="en-US"/>
+          </a:p>
+        </p:txBody>
+      </p:sp>
+      <p:grpSp>
+        <p:nvGrpSpPr>
+          <p:cNvPr id="2" name="그룹 1"/>
+          <p:cNvGrpSpPr/>
+          <p:nvPr/>
+        </p:nvGrpSpPr>
+        <p:grpSpPr>
+          <a:xfrm>
+            <a:off x="2035789" y="3703648"/>
+            <a:ext cx="8034186" cy="288054"/>
+            <a:chOff x="1285807" y="5196739"/>
+            <a:chExt cx="4862498" cy="276999"/>
+          </a:xfrm>
+        </p:grpSpPr>
+        <p:cxnSp>
+          <p:nvCxnSpPr>
+            <p:cNvPr id="5" name="직선 화살표 연결선 4"/>
+            <p:cNvCxnSpPr/>
+            <p:nvPr/>
+          </p:nvCxnSpPr>
+          <p:spPr>
+            <a:xfrm>
+              <a:off x="1285807" y="5335238"/>
+              <a:ext cx="4505489" cy="4589"/>
+            </a:xfrm>
+            <a:prstGeom prst="straightConnector1">
+              <a:avLst/>
+            </a:prstGeom>
+            <a:ln w="38100">
+              <a:solidFill>
+                <a:schemeClr val="tx1"/>
+              </a:solidFill>
+              <a:tailEnd type="triangle"/>
+            </a:ln>
+          </p:spPr>
+          <p:style>
+            <a:lnRef idx="1">
+              <a:schemeClr val="accent1"/>
+            </a:lnRef>
+            <a:fillRef idx="0">
+              <a:schemeClr val="accent1"/>
+            </a:fillRef>
+            <a:effectRef idx="0">
+              <a:schemeClr val="accent1"/>
+            </a:effectRef>
+            <a:fontRef idx="minor">
+              <a:schemeClr val="tx1"/>
+            </a:fontRef>
+          </p:style>
+        </p:cxnSp>
+        <mc:AlternateContent xmlns:mc="http://schemas.openxmlformats.org/markup-compatibility/2006" xmlns:a14="http://schemas.microsoft.com/office/drawing/2010/main">
+          <mc:Choice Requires="a14">
+            <p:sp>
+              <p:nvSpPr>
+                <p:cNvPr id="16" name="TextBox 15"/>
+                <p:cNvSpPr txBox="1"/>
+                <p:nvPr/>
+              </p:nvSpPr>
+              <p:spPr>
+                <a:xfrm>
+                  <a:off x="5951841" y="5196739"/>
+                  <a:ext cx="196464" cy="276999"/>
+                </a:xfrm>
+                <a:prstGeom prst="rect">
+                  <a:avLst/>
+                </a:prstGeom>
+                <a:noFill/>
+              </p:spPr>
+              <p:txBody>
+                <a:bodyPr wrap="none" lIns="0" tIns="0" rIns="0" bIns="0" rtlCol="0">
+                  <a:spAutoFit/>
+                </a:bodyPr>
+                <a:lstStyle/>
+                <a:p>
+                  <a:pPr/>
+                  <a14:m>
+                    <m:oMathPara xmlns:m="http://schemas.openxmlformats.org/officeDocument/2006/math">
+                      <m:oMathParaPr>
+                        <m:jc m:val="centerGroup"/>
+                      </m:oMathParaPr>
+                      <m:oMath xmlns:m="http://schemas.openxmlformats.org/officeDocument/2006/math">
+                        <m:r>
+                          <a:rPr lang="en-US" altLang="ko-KR" b="0" i="1" smtClean="0">
+                            <a:latin typeface="Cambria Math" panose="02040503050406030204" pitchFamily="18" charset="0"/>
+                          </a:rPr>
+                          <m:t>𝜖</m:t>
+                        </m:r>
+                      </m:oMath>
+                    </m:oMathPara>
+                  </a14:m>
+                  <a:endParaRPr lang="ko-KR" altLang="en-US" dirty="0"/>
+                </a:p>
+              </p:txBody>
+            </p:sp>
+          </mc:Choice>
+          <mc:Fallback xmlns="">
+            <p:sp>
+              <p:nvSpPr>
+                <p:cNvPr id="16" name="TextBox 15"/>
+                <p:cNvSpPr txBox="1">
+                  <a:spLocks noRot="1" noChangeAspect="1" noMove="1" noResize="1" noEditPoints="1" noAdjustHandles="1" noChangeArrowheads="1" noChangeShapeType="1" noTextEdit="1"/>
+                </p:cNvSpPr>
+                <p:nvPr/>
+              </p:nvSpPr>
+              <p:spPr>
+                <a:xfrm>
+                  <a:off x="5951841" y="5196739"/>
+                  <a:ext cx="196464" cy="276999"/>
+                </a:xfrm>
+                <a:prstGeom prst="rect">
+                  <a:avLst/>
+                </a:prstGeom>
+                <a:blipFill rotWithShape="0">
+                  <a:blip r:embed="rId3"/>
+                  <a:stretch>
+                    <a:fillRect l="-9091" r="-6061" b="-2174"/>
+                  </a:stretch>
+                </a:blipFill>
+              </p:spPr>
+              <p:txBody>
+                <a:bodyPr/>
+                <a:lstStyle/>
+                <a:p>
+                  <a:r>
+                    <a:rPr lang="ko-KR" altLang="en-US">
+                      <a:noFill/>
+                    </a:rPr>
+                    <a:t> </a:t>
+                  </a:r>
+                </a:p>
+              </p:txBody>
+            </p:sp>
+          </mc:Fallback>
+        </mc:AlternateContent>
+      </p:grpSp>
+      <p:cxnSp>
+        <p:nvCxnSpPr>
+          <p:cNvPr id="46" name="직선 연결선 45"/>
+          <p:cNvCxnSpPr>
+            <a:cxnSpLocks/>
+          </p:cNvCxnSpPr>
+          <p:nvPr/>
+        </p:nvCxnSpPr>
+        <p:spPr>
+          <a:xfrm flipV="1">
+            <a:off x="2474640" y="1865632"/>
+            <a:ext cx="6913625" cy="2534806"/>
+          </a:xfrm>
+          <a:prstGeom prst="line">
+            <a:avLst/>
+          </a:prstGeom>
+          <a:ln w="38100">
+            <a:solidFill>
+              <a:schemeClr val="tx1"/>
+            </a:solidFill>
+            <a:prstDash val="sysDot"/>
+          </a:ln>
+        </p:spPr>
+        <p:style>
+          <a:lnRef idx="1">
+            <a:schemeClr val="accent1"/>
+          </a:lnRef>
+          <a:fillRef idx="0">
+            <a:schemeClr val="accent1"/>
+          </a:fillRef>
+          <a:effectRef idx="0">
+            <a:schemeClr val="accent1"/>
+          </a:effectRef>
+          <a:fontRef idx="minor">
+            <a:schemeClr val="tx1"/>
+          </a:fontRef>
+        </p:style>
+      </p:cxnSp>
+      <p:grpSp>
+        <p:nvGrpSpPr>
+          <p:cNvPr id="3" name="그룹 2"/>
+          <p:cNvGrpSpPr/>
+          <p:nvPr/>
+        </p:nvGrpSpPr>
+        <p:grpSpPr>
+          <a:xfrm>
+            <a:off x="5425761" y="872146"/>
+            <a:ext cx="342762" cy="5516044"/>
+            <a:chOff x="1385923" y="1106963"/>
+            <a:chExt cx="342762" cy="4712812"/>
+          </a:xfrm>
+        </p:grpSpPr>
+        <p:cxnSp>
+          <p:nvCxnSpPr>
+            <p:cNvPr id="6" name="직선 화살표 연결선 5"/>
+            <p:cNvCxnSpPr/>
+            <p:nvPr/>
+          </p:nvCxnSpPr>
+          <p:spPr>
+            <a:xfrm flipH="1">
+              <a:off x="1728684" y="1481559"/>
+              <a:ext cx="1" cy="4338216"/>
+            </a:xfrm>
+            <a:prstGeom prst="straightConnector1">
+              <a:avLst/>
+            </a:prstGeom>
+            <a:ln w="38100">
+              <a:solidFill>
+                <a:schemeClr val="tx1"/>
+              </a:solidFill>
+              <a:headEnd type="triangle"/>
+              <a:tailEnd type="none"/>
+            </a:ln>
+          </p:spPr>
+          <p:style>
+            <a:lnRef idx="1">
+              <a:schemeClr val="accent1"/>
+            </a:lnRef>
+            <a:fillRef idx="0">
+              <a:schemeClr val="accent1"/>
+            </a:fillRef>
+            <a:effectRef idx="0">
+              <a:schemeClr val="accent1"/>
+            </a:effectRef>
+            <a:fontRef idx="minor">
+              <a:schemeClr val="tx1"/>
+            </a:fontRef>
+          </p:style>
+        </p:cxnSp>
+        <mc:AlternateContent xmlns:mc="http://schemas.openxmlformats.org/markup-compatibility/2006" xmlns:a14="http://schemas.microsoft.com/office/drawing/2010/main">
+          <mc:Choice Requires="a14">
+            <p:sp>
+              <p:nvSpPr>
+                <p:cNvPr id="51" name="TextBox 50"/>
+                <p:cNvSpPr txBox="1"/>
+                <p:nvPr/>
+              </p:nvSpPr>
+              <p:spPr>
+                <a:xfrm>
+                  <a:off x="1385923" y="1106963"/>
+                  <a:ext cx="213200" cy="276999"/>
+                </a:xfrm>
+                <a:prstGeom prst="rect">
+                  <a:avLst/>
+                </a:prstGeom>
+                <a:noFill/>
+              </p:spPr>
+              <p:txBody>
+                <a:bodyPr wrap="none" lIns="0" tIns="0" rIns="0" bIns="0" rtlCol="0">
+                  <a:spAutoFit/>
+                </a:bodyPr>
+                <a:lstStyle/>
+                <a:p>
+                  <a:pPr/>
+                  <a14:m>
+                    <m:oMathPara xmlns:m="http://schemas.openxmlformats.org/officeDocument/2006/math">
+                      <m:oMathParaPr>
+                        <m:jc m:val="centerGroup"/>
+                      </m:oMathParaPr>
+                      <m:oMath xmlns:m="http://schemas.openxmlformats.org/officeDocument/2006/math">
+                        <m:r>
+                          <m:rPr>
+                            <m:sty m:val="p"/>
+                          </m:rPr>
+                          <a:rPr lang="en-US" altLang="ko-KR" i="1">
+                            <a:latin typeface="Cambria Math" panose="02040503050406030204" pitchFamily="18" charset="0"/>
+                          </a:rPr>
+                          <m:t>σ</m:t>
+                        </m:r>
+                      </m:oMath>
+                    </m:oMathPara>
+                  </a14:m>
+                  <a:endParaRPr lang="ko-KR" altLang="en-US" dirty="0"/>
+                </a:p>
+              </p:txBody>
+            </p:sp>
+          </mc:Choice>
+          <mc:Fallback xmlns="">
+            <p:sp>
+              <p:nvSpPr>
+                <p:cNvPr id="51" name="TextBox 50"/>
+                <p:cNvSpPr txBox="1">
+                  <a:spLocks noRot="1" noChangeAspect="1" noMove="1" noResize="1" noEditPoints="1" noAdjustHandles="1" noChangeArrowheads="1" noChangeShapeType="1" noTextEdit="1"/>
+                </p:cNvSpPr>
+                <p:nvPr/>
+              </p:nvSpPr>
+              <p:spPr>
+                <a:xfrm>
+                  <a:off x="1385923" y="1106963"/>
+                  <a:ext cx="213200" cy="276999"/>
+                </a:xfrm>
+                <a:prstGeom prst="rect">
+                  <a:avLst/>
+                </a:prstGeom>
+                <a:blipFill rotWithShape="0">
+                  <a:blip r:embed="rId10"/>
+                  <a:stretch>
+                    <a:fillRect l="-8571" r="-11429" b="-4444"/>
+                  </a:stretch>
+                </a:blipFill>
+              </p:spPr>
+              <p:txBody>
+                <a:bodyPr/>
+                <a:lstStyle/>
+                <a:p>
+                  <a:r>
+                    <a:rPr lang="ko-KR" altLang="en-US">
+                      <a:noFill/>
+                    </a:rPr>
+                    <a:t> </a:t>
+                  </a:r>
+                </a:p>
+              </p:txBody>
+            </p:sp>
+          </mc:Fallback>
+        </mc:AlternateContent>
+      </p:grpSp>
+      <p:cxnSp>
+        <p:nvCxnSpPr>
+          <p:cNvPr id="42" name="직선 연결선 41"/>
+          <p:cNvCxnSpPr>
+            <a:cxnSpLocks/>
+          </p:cNvCxnSpPr>
+          <p:nvPr/>
+        </p:nvCxnSpPr>
+        <p:spPr>
+          <a:xfrm flipV="1">
+            <a:off x="2483267" y="2526457"/>
+            <a:ext cx="6913625" cy="2534806"/>
+          </a:xfrm>
+          <a:prstGeom prst="line">
+            <a:avLst/>
+          </a:prstGeom>
+          <a:ln w="38100">
+            <a:solidFill>
+              <a:schemeClr val="tx1"/>
+            </a:solidFill>
+            <a:prstDash val="sysDot"/>
+          </a:ln>
+        </p:spPr>
+        <p:style>
+          <a:lnRef idx="1">
+            <a:schemeClr val="accent1"/>
+          </a:lnRef>
+          <a:fillRef idx="0">
+            <a:schemeClr val="accent1"/>
+          </a:fillRef>
+          <a:effectRef idx="0">
+            <a:schemeClr val="accent1"/>
+          </a:effectRef>
+          <a:fontRef idx="minor">
+            <a:schemeClr val="tx1"/>
+          </a:fontRef>
+        </p:style>
+      </p:cxnSp>
+      <p:cxnSp>
+        <p:nvCxnSpPr>
+          <p:cNvPr id="44" name="직선 연결선 43"/>
+          <p:cNvCxnSpPr>
+            <a:cxnSpLocks/>
+          </p:cNvCxnSpPr>
+          <p:nvPr/>
+        </p:nvCxnSpPr>
+        <p:spPr>
+          <a:xfrm flipV="1">
+            <a:off x="2524870" y="3156161"/>
+            <a:ext cx="6913625" cy="2534806"/>
+          </a:xfrm>
+          <a:prstGeom prst="line">
+            <a:avLst/>
+          </a:prstGeom>
+          <a:ln w="38100">
+            <a:solidFill>
+              <a:schemeClr val="tx1"/>
+            </a:solidFill>
+            <a:prstDash val="sysDot"/>
+          </a:ln>
+        </p:spPr>
+        <p:style>
+          <a:lnRef idx="1">
+            <a:schemeClr val="accent1"/>
+          </a:lnRef>
+          <a:fillRef idx="0">
+            <a:schemeClr val="accent1"/>
+          </a:fillRef>
+          <a:effectRef idx="0">
+            <a:schemeClr val="accent1"/>
+          </a:effectRef>
+          <a:fontRef idx="minor">
+            <a:schemeClr val="tx1"/>
+          </a:fontRef>
+        </p:style>
+      </p:cxnSp>
+    </p:spTree>
+    <p:extLst>
+      <p:ext uri="{BB962C8B-B14F-4D97-AF65-F5344CB8AC3E}">
+        <p14:creationId xmlns:p14="http://schemas.microsoft.com/office/powerpoint/2010/main" val="2048697714"/>
+      </p:ext>
+    </p:extLst>
+  </p:cSld>
+  <p:clrMapOvr>
+    <a:masterClrMapping/>
+  </p:clrMapOvr>
+</p:sld>
+</file>
+
+<file path=ppt/slides/slide17.xml><?xml version="1.0" encoding="utf-8"?>
+<p:sld xmlns:a="http://schemas.openxmlformats.org/drawingml/2006/main" xmlns:r="http://schemas.openxmlformats.org/officeDocument/2006/relationships" xmlns:p="http://schemas.openxmlformats.org/presentationml/2006/main">
+  <p:cSld>
+    <p:spTree>
+      <p:nvGrpSpPr>
+        <p:cNvPr id="1" name=""/>
+        <p:cNvGrpSpPr/>
+        <p:nvPr/>
+      </p:nvGrpSpPr>
+      <p:grpSpPr>
+        <a:xfrm>
+          <a:off x="0" y="0"/>
+          <a:ext cx="0" cy="0"/>
+          <a:chOff x="0" y="0"/>
+          <a:chExt cx="0" cy="0"/>
+        </a:xfrm>
+      </p:grpSpPr>
+      <p:grpSp>
+        <p:nvGrpSpPr>
+          <p:cNvPr id="2" name="그룹 1"/>
+          <p:cNvGrpSpPr/>
+          <p:nvPr/>
+        </p:nvGrpSpPr>
+        <p:grpSpPr>
+          <a:xfrm>
+            <a:off x="2035789" y="3492362"/>
+            <a:ext cx="8034186" cy="288054"/>
+            <a:chOff x="1285807" y="5196739"/>
+            <a:chExt cx="4862498" cy="276999"/>
+          </a:xfrm>
+        </p:grpSpPr>
+        <p:cxnSp>
+          <p:nvCxnSpPr>
+            <p:cNvPr id="5" name="직선 화살표 연결선 4"/>
+            <p:cNvCxnSpPr/>
+            <p:nvPr/>
+          </p:nvCxnSpPr>
+          <p:spPr>
+            <a:xfrm>
+              <a:off x="1285807" y="5335238"/>
+              <a:ext cx="4505489" cy="4589"/>
+            </a:xfrm>
+            <a:prstGeom prst="straightConnector1">
+              <a:avLst/>
+            </a:prstGeom>
+            <a:ln w="38100">
+              <a:solidFill>
+                <a:schemeClr val="tx1"/>
+              </a:solidFill>
+              <a:tailEnd type="triangle"/>
+            </a:ln>
+          </p:spPr>
+          <p:style>
+            <a:lnRef idx="1">
+              <a:schemeClr val="accent1"/>
+            </a:lnRef>
+            <a:fillRef idx="0">
+              <a:schemeClr val="accent1"/>
+            </a:fillRef>
+            <a:effectRef idx="0">
+              <a:schemeClr val="accent1"/>
+            </a:effectRef>
+            <a:fontRef idx="minor">
+              <a:schemeClr val="tx1"/>
+            </a:fontRef>
+          </p:style>
+        </p:cxnSp>
+        <mc:AlternateContent xmlns:mc="http://schemas.openxmlformats.org/markup-compatibility/2006" xmlns:a14="http://schemas.microsoft.com/office/drawing/2010/main">
+          <mc:Choice Requires="a14">
+            <p:sp>
+              <p:nvSpPr>
+                <p:cNvPr id="16" name="TextBox 15"/>
+                <p:cNvSpPr txBox="1"/>
+                <p:nvPr/>
+              </p:nvSpPr>
+              <p:spPr>
+                <a:xfrm>
+                  <a:off x="5951841" y="5196739"/>
+                  <a:ext cx="196464" cy="276999"/>
+                </a:xfrm>
+                <a:prstGeom prst="rect">
+                  <a:avLst/>
+                </a:prstGeom>
+                <a:noFill/>
+              </p:spPr>
+              <p:txBody>
+                <a:bodyPr wrap="none" lIns="0" tIns="0" rIns="0" bIns="0" rtlCol="0">
+                  <a:spAutoFit/>
+                </a:bodyPr>
+                <a:lstStyle/>
+                <a:p>
+                  <a:pPr/>
+                  <a14:m>
+                    <m:oMathPara xmlns:m="http://schemas.openxmlformats.org/officeDocument/2006/math">
+                      <m:oMathParaPr>
+                        <m:jc m:val="centerGroup"/>
+                      </m:oMathParaPr>
+                      <m:oMath xmlns:m="http://schemas.openxmlformats.org/officeDocument/2006/math">
+                        <m:r>
+                          <a:rPr lang="en-US" altLang="ko-KR" b="0" i="1" smtClean="0">
+                            <a:latin typeface="Cambria Math" panose="02040503050406030204" pitchFamily="18" charset="0"/>
+                          </a:rPr>
+                          <m:t>𝜖</m:t>
+                        </m:r>
+                      </m:oMath>
+                    </m:oMathPara>
+                  </a14:m>
+                  <a:endParaRPr lang="ko-KR" altLang="en-US" dirty="0"/>
+                </a:p>
+              </p:txBody>
+            </p:sp>
+          </mc:Choice>
+          <mc:Fallback xmlns="">
+            <p:sp>
+              <p:nvSpPr>
+                <p:cNvPr id="16" name="TextBox 15"/>
+                <p:cNvSpPr txBox="1">
+                  <a:spLocks noRot="1" noChangeAspect="1" noMove="1" noResize="1" noEditPoints="1" noAdjustHandles="1" noChangeArrowheads="1" noChangeShapeType="1" noTextEdit="1"/>
+                </p:cNvSpPr>
+                <p:nvPr/>
+              </p:nvSpPr>
+              <p:spPr>
+                <a:xfrm>
+                  <a:off x="5951841" y="5196739"/>
+                  <a:ext cx="196464" cy="276999"/>
+                </a:xfrm>
+                <a:prstGeom prst="rect">
+                  <a:avLst/>
+                </a:prstGeom>
+                <a:blipFill rotWithShape="0">
+                  <a:blip r:embed="rId3"/>
+                  <a:stretch>
+                    <a:fillRect l="-9091" r="-6061" b="-2174"/>
+                  </a:stretch>
+                </a:blipFill>
+              </p:spPr>
+              <p:txBody>
+                <a:bodyPr/>
+                <a:lstStyle/>
+                <a:p>
+                  <a:r>
+                    <a:rPr lang="ko-KR" altLang="en-US">
+                      <a:noFill/>
+                    </a:rPr>
+                    <a:t> </a:t>
+                  </a:r>
+                </a:p>
+              </p:txBody>
+            </p:sp>
+          </mc:Fallback>
+        </mc:AlternateContent>
+      </p:grpSp>
+      <p:cxnSp>
+        <p:nvCxnSpPr>
+          <p:cNvPr id="46" name="직선 연결선 45"/>
+          <p:cNvCxnSpPr>
+            <a:cxnSpLocks/>
+          </p:cNvCxnSpPr>
+          <p:nvPr/>
+        </p:nvCxnSpPr>
+        <p:spPr>
+          <a:xfrm flipV="1">
+            <a:off x="2474640" y="1804672"/>
+            <a:ext cx="6913625" cy="2534806"/>
+          </a:xfrm>
+          <a:prstGeom prst="line">
+            <a:avLst/>
+          </a:prstGeom>
+          <a:ln w="38100">
+            <a:solidFill>
+              <a:schemeClr val="tx1"/>
+            </a:solidFill>
+            <a:prstDash val="sysDot"/>
+          </a:ln>
+        </p:spPr>
+        <p:style>
+          <a:lnRef idx="1">
+            <a:schemeClr val="accent1"/>
+          </a:lnRef>
+          <a:fillRef idx="0">
+            <a:schemeClr val="accent1"/>
+          </a:fillRef>
+          <a:effectRef idx="0">
+            <a:schemeClr val="accent1"/>
+          </a:effectRef>
+          <a:fontRef idx="minor">
+            <a:schemeClr val="tx1"/>
+          </a:fontRef>
+        </p:style>
+      </p:cxnSp>
+      <p:grpSp>
+        <p:nvGrpSpPr>
+          <p:cNvPr id="3" name="그룹 2"/>
+          <p:cNvGrpSpPr/>
+          <p:nvPr/>
+        </p:nvGrpSpPr>
+        <p:grpSpPr>
+          <a:xfrm>
+            <a:off x="5425761" y="872146"/>
+            <a:ext cx="342762" cy="5516044"/>
+            <a:chOff x="1385923" y="1106963"/>
+            <a:chExt cx="342762" cy="4712812"/>
+          </a:xfrm>
+        </p:grpSpPr>
+        <p:cxnSp>
+          <p:nvCxnSpPr>
+            <p:cNvPr id="6" name="직선 화살표 연결선 5"/>
+            <p:cNvCxnSpPr/>
+            <p:nvPr/>
+          </p:nvCxnSpPr>
+          <p:spPr>
+            <a:xfrm flipH="1">
+              <a:off x="1728684" y="1481559"/>
+              <a:ext cx="1" cy="4338216"/>
+            </a:xfrm>
+            <a:prstGeom prst="straightConnector1">
+              <a:avLst/>
+            </a:prstGeom>
+            <a:ln w="38100">
+              <a:solidFill>
+                <a:schemeClr val="tx1"/>
+              </a:solidFill>
+              <a:headEnd type="triangle"/>
+              <a:tailEnd type="none"/>
+            </a:ln>
+          </p:spPr>
+          <p:style>
+            <a:lnRef idx="1">
+              <a:schemeClr val="accent1"/>
+            </a:lnRef>
+            <a:fillRef idx="0">
+              <a:schemeClr val="accent1"/>
+            </a:fillRef>
+            <a:effectRef idx="0">
+              <a:schemeClr val="accent1"/>
+            </a:effectRef>
+            <a:fontRef idx="minor">
+              <a:schemeClr val="tx1"/>
+            </a:fontRef>
+          </p:style>
+        </p:cxnSp>
+        <mc:AlternateContent xmlns:mc="http://schemas.openxmlformats.org/markup-compatibility/2006" xmlns:a14="http://schemas.microsoft.com/office/drawing/2010/main">
+          <mc:Choice Requires="a14">
+            <p:sp>
+              <p:nvSpPr>
+                <p:cNvPr id="51" name="TextBox 50"/>
+                <p:cNvSpPr txBox="1"/>
+                <p:nvPr/>
+              </p:nvSpPr>
+              <p:spPr>
+                <a:xfrm>
+                  <a:off x="1385923" y="1106963"/>
+                  <a:ext cx="213200" cy="276999"/>
+                </a:xfrm>
+                <a:prstGeom prst="rect">
+                  <a:avLst/>
+                </a:prstGeom>
+                <a:noFill/>
+              </p:spPr>
+              <p:txBody>
+                <a:bodyPr wrap="none" lIns="0" tIns="0" rIns="0" bIns="0" rtlCol="0">
+                  <a:spAutoFit/>
+                </a:bodyPr>
+                <a:lstStyle/>
+                <a:p>
+                  <a:pPr/>
+                  <a14:m>
+                    <m:oMathPara xmlns:m="http://schemas.openxmlformats.org/officeDocument/2006/math">
+                      <m:oMathParaPr>
+                        <m:jc m:val="centerGroup"/>
+                      </m:oMathParaPr>
+                      <m:oMath xmlns:m="http://schemas.openxmlformats.org/officeDocument/2006/math">
+                        <m:r>
+                          <m:rPr>
+                            <m:sty m:val="p"/>
+                          </m:rPr>
+                          <a:rPr lang="en-US" altLang="ko-KR" i="1">
+                            <a:latin typeface="Cambria Math" panose="02040503050406030204" pitchFamily="18" charset="0"/>
+                          </a:rPr>
+                          <m:t>σ</m:t>
+                        </m:r>
+                      </m:oMath>
+                    </m:oMathPara>
+                  </a14:m>
+                  <a:endParaRPr lang="ko-KR" altLang="en-US" dirty="0"/>
+                </a:p>
+              </p:txBody>
+            </p:sp>
+          </mc:Choice>
+          <mc:Fallback xmlns="">
+            <p:sp>
+              <p:nvSpPr>
+                <p:cNvPr id="51" name="TextBox 50"/>
+                <p:cNvSpPr txBox="1">
+                  <a:spLocks noRot="1" noChangeAspect="1" noMove="1" noResize="1" noEditPoints="1" noAdjustHandles="1" noChangeArrowheads="1" noChangeShapeType="1" noTextEdit="1"/>
+                </p:cNvSpPr>
+                <p:nvPr/>
+              </p:nvSpPr>
+              <p:spPr>
+                <a:xfrm>
+                  <a:off x="1385923" y="1106963"/>
+                  <a:ext cx="213200" cy="276999"/>
+                </a:xfrm>
+                <a:prstGeom prst="rect">
+                  <a:avLst/>
+                </a:prstGeom>
+                <a:blipFill rotWithShape="0">
+                  <a:blip r:embed="rId10"/>
+                  <a:stretch>
+                    <a:fillRect l="-8571" r="-11429" b="-4444"/>
+                  </a:stretch>
+                </a:blipFill>
+              </p:spPr>
+              <p:txBody>
+                <a:bodyPr/>
+                <a:lstStyle/>
+                <a:p>
+                  <a:r>
+                    <a:rPr lang="ko-KR" altLang="en-US">
+                      <a:noFill/>
+                    </a:rPr>
+                    <a:t> </a:t>
+                  </a:r>
+                </a:p>
+              </p:txBody>
+            </p:sp>
+          </mc:Fallback>
+        </mc:AlternateContent>
+      </p:grpSp>
+      <p:cxnSp>
+        <p:nvCxnSpPr>
+          <p:cNvPr id="15" name="직선 연결선 14"/>
+          <p:cNvCxnSpPr/>
+          <p:nvPr/>
+        </p:nvCxnSpPr>
+        <p:spPr>
+          <a:xfrm flipH="1">
+            <a:off x="5494261" y="3015723"/>
+            <a:ext cx="583345" cy="1221532"/>
+          </a:xfrm>
+          <a:prstGeom prst="line">
+            <a:avLst/>
+          </a:prstGeom>
+          <a:ln w="38100"/>
+        </p:spPr>
+        <p:style>
+          <a:lnRef idx="1">
+            <a:schemeClr val="accent1"/>
+          </a:lnRef>
+          <a:fillRef idx="0">
+            <a:schemeClr val="accent1"/>
+          </a:fillRef>
+          <a:effectRef idx="0">
+            <a:schemeClr val="accent1"/>
+          </a:effectRef>
+          <a:fontRef idx="minor">
+            <a:schemeClr val="tx1"/>
+          </a:fontRef>
+        </p:style>
+      </p:cxnSp>
+      <p:cxnSp>
+        <p:nvCxnSpPr>
+          <p:cNvPr id="17" name="직선 연결선 16"/>
+          <p:cNvCxnSpPr/>
+          <p:nvPr/>
+        </p:nvCxnSpPr>
+        <p:spPr>
+          <a:xfrm flipH="1">
+            <a:off x="6427332" y="2514600"/>
+            <a:ext cx="1040268" cy="2089769"/>
+          </a:xfrm>
+          <a:prstGeom prst="line">
+            <a:avLst/>
+          </a:prstGeom>
+          <a:ln w="38100"/>
+        </p:spPr>
+        <p:style>
+          <a:lnRef idx="1">
+            <a:schemeClr val="accent1"/>
+          </a:lnRef>
+          <a:fillRef idx="0">
+            <a:schemeClr val="accent1"/>
+          </a:fillRef>
+          <a:effectRef idx="0">
+            <a:schemeClr val="accent1"/>
+          </a:effectRef>
+          <a:fontRef idx="minor">
+            <a:schemeClr val="tx1"/>
+          </a:fontRef>
+        </p:style>
+      </p:cxnSp>
+      <p:cxnSp>
+        <p:nvCxnSpPr>
+          <p:cNvPr id="19" name="직선 연결선 18"/>
+          <p:cNvCxnSpPr/>
+          <p:nvPr/>
+        </p:nvCxnSpPr>
+        <p:spPr>
+          <a:xfrm flipH="1">
+            <a:off x="1396981" y="529474"/>
+            <a:ext cx="1014202" cy="2534806"/>
+          </a:xfrm>
+          <a:prstGeom prst="line">
+            <a:avLst/>
+          </a:prstGeom>
+          <a:ln w="38100"/>
+        </p:spPr>
+        <p:style>
+          <a:lnRef idx="1">
+            <a:schemeClr val="accent1"/>
+          </a:lnRef>
+          <a:fillRef idx="0">
+            <a:schemeClr val="accent1"/>
+          </a:fillRef>
+          <a:effectRef idx="0">
+            <a:schemeClr val="accent1"/>
+          </a:effectRef>
+          <a:fontRef idx="minor">
+            <a:schemeClr val="tx1"/>
+          </a:fontRef>
+        </p:style>
+      </p:cxnSp>
+      <p:cxnSp>
+        <p:nvCxnSpPr>
+          <p:cNvPr id="28" name="직선 연결선 27"/>
+          <p:cNvCxnSpPr>
+            <a:cxnSpLocks/>
+          </p:cNvCxnSpPr>
+          <p:nvPr/>
+        </p:nvCxnSpPr>
+        <p:spPr>
+          <a:xfrm flipV="1">
+            <a:off x="2182199" y="2999096"/>
+            <a:ext cx="7172646" cy="71968"/>
+          </a:xfrm>
+          <a:prstGeom prst="line">
+            <a:avLst/>
+          </a:prstGeom>
+          <a:ln w="38100">
+            <a:solidFill>
+              <a:schemeClr val="tx1"/>
+            </a:solidFill>
+            <a:prstDash val="sysDot"/>
+          </a:ln>
+        </p:spPr>
+        <p:style>
+          <a:lnRef idx="1">
+            <a:schemeClr val="accent1"/>
+          </a:lnRef>
+          <a:fillRef idx="0">
+            <a:schemeClr val="accent1"/>
+          </a:fillRef>
+          <a:effectRef idx="0">
+            <a:schemeClr val="accent1"/>
+          </a:effectRef>
+          <a:fontRef idx="minor">
+            <a:schemeClr val="tx1"/>
+          </a:fontRef>
+        </p:style>
+      </p:cxnSp>
+      <p:cxnSp>
+        <p:nvCxnSpPr>
+          <p:cNvPr id="54" name="직선 연결선 53"/>
+          <p:cNvCxnSpPr/>
+          <p:nvPr/>
+        </p:nvCxnSpPr>
+        <p:spPr>
+          <a:xfrm flipH="1">
+            <a:off x="5824033" y="2811780"/>
+            <a:ext cx="788429" cy="1527698"/>
+          </a:xfrm>
+          <a:prstGeom prst="line">
+            <a:avLst/>
+          </a:prstGeom>
+          <a:ln w="38100"/>
+        </p:spPr>
+        <p:style>
+          <a:lnRef idx="1">
+            <a:schemeClr val="accent1"/>
+          </a:lnRef>
+          <a:fillRef idx="0">
+            <a:schemeClr val="accent1"/>
+          </a:fillRef>
+          <a:effectRef idx="0">
+            <a:schemeClr val="accent1"/>
+          </a:effectRef>
+          <a:fontRef idx="minor">
+            <a:schemeClr val="tx1"/>
+          </a:fontRef>
+        </p:style>
+      </p:cxnSp>
+      <p:cxnSp>
+        <p:nvCxnSpPr>
+          <p:cNvPr id="55" name="직선 연결선 54"/>
+          <p:cNvCxnSpPr/>
+          <p:nvPr/>
+        </p:nvCxnSpPr>
+        <p:spPr>
+          <a:xfrm flipH="1">
+            <a:off x="6118249" y="2717610"/>
+            <a:ext cx="887726" cy="1754793"/>
+          </a:xfrm>
+          <a:prstGeom prst="line">
+            <a:avLst/>
+          </a:prstGeom>
+          <a:ln w="38100"/>
+        </p:spPr>
+        <p:style>
+          <a:lnRef idx="1">
+            <a:schemeClr val="accent1"/>
+          </a:lnRef>
+          <a:fillRef idx="0">
+            <a:schemeClr val="accent1"/>
+          </a:fillRef>
+          <a:effectRef idx="0">
+            <a:schemeClr val="accent1"/>
+          </a:effectRef>
+          <a:fontRef idx="minor">
+            <a:schemeClr val="tx1"/>
+          </a:fontRef>
+        </p:style>
+      </p:cxnSp>
+      <p:cxnSp>
+        <p:nvCxnSpPr>
+          <p:cNvPr id="75" name="직선 연결선 74"/>
+          <p:cNvCxnSpPr>
+            <a:cxnSpLocks/>
+          </p:cNvCxnSpPr>
+          <p:nvPr/>
+        </p:nvCxnSpPr>
+        <p:spPr>
+          <a:xfrm>
+            <a:off x="3424893" y="3335955"/>
+            <a:ext cx="5381625" cy="2272896"/>
+          </a:xfrm>
+          <a:prstGeom prst="line">
+            <a:avLst/>
+          </a:prstGeom>
+          <a:ln w="38100">
+            <a:solidFill>
+              <a:schemeClr val="tx1"/>
+            </a:solidFill>
+            <a:prstDash val="sysDot"/>
+          </a:ln>
+        </p:spPr>
+        <p:style>
+          <a:lnRef idx="1">
+            <a:schemeClr val="accent1"/>
+          </a:lnRef>
+          <a:fillRef idx="0">
+            <a:schemeClr val="accent1"/>
+          </a:fillRef>
+          <a:effectRef idx="0">
+            <a:schemeClr val="accent1"/>
+          </a:effectRef>
+          <a:fontRef idx="minor">
+            <a:schemeClr val="tx1"/>
+          </a:fontRef>
+        </p:style>
+      </p:cxnSp>
+      <p:cxnSp>
+        <p:nvCxnSpPr>
+          <p:cNvPr id="79" name="직선 연결선 78"/>
+          <p:cNvCxnSpPr>
+            <a:cxnSpLocks/>
+          </p:cNvCxnSpPr>
+          <p:nvPr/>
+        </p:nvCxnSpPr>
+        <p:spPr>
+          <a:xfrm flipV="1">
+            <a:off x="2237710" y="4194094"/>
+            <a:ext cx="7172646" cy="71968"/>
+          </a:xfrm>
+          <a:prstGeom prst="line">
+            <a:avLst/>
+          </a:prstGeom>
+          <a:ln w="38100">
+            <a:solidFill>
+              <a:schemeClr val="tx1"/>
+            </a:solidFill>
+            <a:prstDash val="sysDot"/>
+          </a:ln>
+        </p:spPr>
+        <p:style>
+          <a:lnRef idx="1">
+            <a:schemeClr val="accent1"/>
+          </a:lnRef>
+          <a:fillRef idx="0">
+            <a:schemeClr val="accent1"/>
+          </a:fillRef>
+          <a:effectRef idx="0">
+            <a:schemeClr val="accent1"/>
+          </a:effectRef>
+          <a:fontRef idx="minor">
+            <a:schemeClr val="tx1"/>
+          </a:fontRef>
+        </p:style>
+      </p:cxnSp>
+    </p:spTree>
+    <p:extLst>
+      <p:ext uri="{BB962C8B-B14F-4D97-AF65-F5344CB8AC3E}">
+        <p14:creationId xmlns:p14="http://schemas.microsoft.com/office/powerpoint/2010/main" val="1591959122"/>
+      </p:ext>
+    </p:extLst>
+  </p:cSld>
+  <p:clrMapOvr>
+    <a:masterClrMapping/>
+  </p:clrMapOvr>
+</p:sld>
+</file>
+
+<file path=ppt/slides/slide18.xml><?xml version="1.0" encoding="utf-8"?>
+<p:sld xmlns:a="http://schemas.openxmlformats.org/drawingml/2006/main" xmlns:r="http://schemas.openxmlformats.org/officeDocument/2006/relationships" xmlns:p="http://schemas.openxmlformats.org/presentationml/2006/main">
+  <p:cSld>
+    <p:spTree>
+      <p:nvGrpSpPr>
+        <p:cNvPr id="1" name=""/>
+        <p:cNvGrpSpPr/>
+        <p:nvPr/>
+      </p:nvGrpSpPr>
+      <p:grpSpPr>
+        <a:xfrm>
+          <a:off x="0" y="0"/>
+          <a:ext cx="0" cy="0"/>
+          <a:chOff x="0" y="0"/>
+          <a:chExt cx="0" cy="0"/>
+        </a:xfrm>
+      </p:grpSpPr>
     </p:spTree>
     <p:extLst>
       <p:ext uri="{BB962C8B-B14F-4D97-AF65-F5344CB8AC3E}">
@@ -10024,7 +11153,7 @@
 </p:sld>
 </file>
 
-<file path=ppt/slides/slide17.xml><?xml version="1.0" encoding="utf-8"?>
+<file path=ppt/slides/slide19.xml><?xml version="1.0" encoding="utf-8"?>
 <p:sld xmlns:a="http://schemas.openxmlformats.org/drawingml/2006/main" xmlns:r="http://schemas.openxmlformats.org/officeDocument/2006/relationships" xmlns:p="http://schemas.openxmlformats.org/presentationml/2006/main">
   <p:cSld>
     <p:spTree>
@@ -10610,313 +11739,6 @@
 </p:sld>
 </file>
 
-<file path=ppt/slides/slide18.xml><?xml version="1.0" encoding="utf-8"?>
-<p:sld xmlns:a="http://schemas.openxmlformats.org/drawingml/2006/main" xmlns:r="http://schemas.openxmlformats.org/officeDocument/2006/relationships" xmlns:p="http://schemas.openxmlformats.org/presentationml/2006/main">
-  <p:cSld>
-    <p:spTree>
-      <p:nvGrpSpPr>
-        <p:cNvPr id="1" name=""/>
-        <p:cNvGrpSpPr/>
-        <p:nvPr/>
-      </p:nvGrpSpPr>
-      <p:grpSpPr>
-        <a:xfrm>
-          <a:off x="0" y="0"/>
-          <a:ext cx="0" cy="0"/>
-          <a:chOff x="0" y="0"/>
-          <a:chExt cx="0" cy="0"/>
-        </a:xfrm>
-      </p:grpSpPr>
-      <p:pic>
-        <p:nvPicPr>
-          <p:cNvPr id="4" name="내용 개체 틀 5">
-            <a:extLst>
-              <a:ext uri="{FF2B5EF4-FFF2-40B4-BE49-F238E27FC236}">
-                <a16:creationId xmlns:a16="http://schemas.microsoft.com/office/drawing/2014/main" xmlns="" id="{26E65B15-652C-471C-B503-9BD1A7ECA9FF}"/>
-              </a:ext>
-            </a:extLst>
-          </p:cNvPr>
-          <p:cNvPicPr>
-            <a:picLocks noGrp="1" noChangeAspect="1"/>
-          </p:cNvPicPr>
-          <p:nvPr>
-            <p:ph sz="quarter" idx="11"/>
-          </p:nvPr>
-        </p:nvPicPr>
-        <p:blipFill>
-          <a:blip r:embed="rId2"/>
-          <a:stretch>
-            <a:fillRect/>
-          </a:stretch>
-        </p:blipFill>
-        <p:spPr>
-          <a:xfrm>
-            <a:off x="1951443" y="687786"/>
-            <a:ext cx="4063469" cy="5541962"/>
-          </a:xfrm>
-        </p:spPr>
-      </p:pic>
-      <p:pic>
-        <p:nvPicPr>
-          <p:cNvPr id="5" name="그림 4">
-            <a:extLst>
-              <a:ext uri="{FF2B5EF4-FFF2-40B4-BE49-F238E27FC236}">
-                <a16:creationId xmlns:a16="http://schemas.microsoft.com/office/drawing/2014/main" xmlns="" id="{8D86471E-9C3A-40C3-8F27-66A11AC93C24}"/>
-              </a:ext>
-            </a:extLst>
-          </p:cNvPr>
-          <p:cNvPicPr>
-            <a:picLocks noChangeAspect="1"/>
-          </p:cNvPicPr>
-          <p:nvPr/>
-        </p:nvPicPr>
-        <p:blipFill>
-          <a:blip r:embed="rId3"/>
-          <a:stretch>
-            <a:fillRect/>
-          </a:stretch>
-        </p:blipFill>
-        <p:spPr>
-          <a:xfrm>
-            <a:off x="6328152" y="687786"/>
-            <a:ext cx="3835307" cy="5307980"/>
-          </a:xfrm>
-          <a:prstGeom prst="rect">
-            <a:avLst/>
-          </a:prstGeom>
-        </p:spPr>
-      </p:pic>
-    </p:spTree>
-    <p:extLst>
-      <p:ext uri="{BB962C8B-B14F-4D97-AF65-F5344CB8AC3E}">
-        <p14:creationId xmlns:p14="http://schemas.microsoft.com/office/powerpoint/2010/main" val="2505969060"/>
-      </p:ext>
-    </p:extLst>
-  </p:cSld>
-  <p:clrMapOvr>
-    <a:masterClrMapping/>
-  </p:clrMapOvr>
-</p:sld>
-</file>
-
-<file path=ppt/slides/slide19.xml><?xml version="1.0" encoding="utf-8"?>
-<p:sld xmlns:a="http://schemas.openxmlformats.org/drawingml/2006/main" xmlns:r="http://schemas.openxmlformats.org/officeDocument/2006/relationships" xmlns:p="http://schemas.openxmlformats.org/presentationml/2006/main">
-  <p:cSld>
-    <p:spTree>
-      <p:nvGrpSpPr>
-        <p:cNvPr id="1" name=""/>
-        <p:cNvGrpSpPr/>
-        <p:nvPr/>
-      </p:nvGrpSpPr>
-      <p:grpSpPr>
-        <a:xfrm>
-          <a:off x="0" y="0"/>
-          <a:ext cx="0" cy="0"/>
-          <a:chOff x="0" y="0"/>
-          <a:chExt cx="0" cy="0"/>
-        </a:xfrm>
-      </p:grpSpPr>
-      <p:pic>
-        <p:nvPicPr>
-          <p:cNvPr id="4" name="그림 3"/>
-          <p:cNvPicPr>
-            <a:picLocks noChangeAspect="1"/>
-          </p:cNvPicPr>
-          <p:nvPr/>
-        </p:nvPicPr>
-        <p:blipFill>
-          <a:blip r:embed="rId2"/>
-          <a:stretch>
-            <a:fillRect/>
-          </a:stretch>
-        </p:blipFill>
-        <p:spPr>
-          <a:xfrm>
-            <a:off x="4938377" y="3655619"/>
-            <a:ext cx="2495898" cy="695422"/>
-          </a:xfrm>
-          <a:prstGeom prst="rect">
-            <a:avLst/>
-          </a:prstGeom>
-        </p:spPr>
-      </p:pic>
-      <p:pic>
-        <p:nvPicPr>
-          <p:cNvPr id="5" name="그림 4"/>
-          <p:cNvPicPr>
-            <a:picLocks noChangeAspect="1"/>
-          </p:cNvPicPr>
-          <p:nvPr/>
-        </p:nvPicPr>
-        <p:blipFill>
-          <a:blip r:embed="rId3"/>
-          <a:stretch>
-            <a:fillRect/>
-          </a:stretch>
-        </p:blipFill>
-        <p:spPr>
-          <a:xfrm>
-            <a:off x="412978" y="70520"/>
-            <a:ext cx="3583171" cy="4616605"/>
-          </a:xfrm>
-          <a:prstGeom prst="rect">
-            <a:avLst/>
-          </a:prstGeom>
-        </p:spPr>
-      </p:pic>
-      <p:sp>
-        <p:nvSpPr>
-          <p:cNvPr id="6" name="직사각형 5"/>
-          <p:cNvSpPr/>
-          <p:nvPr/>
-        </p:nvSpPr>
-        <p:spPr>
-          <a:xfrm>
-            <a:off x="7652757" y="4687125"/>
-            <a:ext cx="4539243" cy="2102296"/>
-          </a:xfrm>
-          <a:prstGeom prst="rect">
-            <a:avLst/>
-          </a:prstGeom>
-          <a:blipFill dpi="0" rotWithShape="1">
-            <a:blip r:embed="rId4">
-              <a:alphaModFix amt="31000"/>
-            </a:blip>
-            <a:srcRect/>
-            <a:stretch>
-              <a:fillRect/>
-            </a:stretch>
-          </a:blipFill>
-          <a:ln>
-            <a:noFill/>
-          </a:ln>
-        </p:spPr>
-        <p:style>
-          <a:lnRef idx="2">
-            <a:schemeClr val="accent1">
-              <a:shade val="50000"/>
-            </a:schemeClr>
-          </a:lnRef>
-          <a:fillRef idx="1">
-            <a:schemeClr val="accent1"/>
-          </a:fillRef>
-          <a:effectRef idx="0">
-            <a:schemeClr val="accent1"/>
-          </a:effectRef>
-          <a:fontRef idx="minor">
-            <a:schemeClr val="lt1"/>
-          </a:fontRef>
-        </p:style>
-        <p:txBody>
-          <a:bodyPr rtlCol="0" anchor="ctr"/>
-          <a:lstStyle/>
-          <a:p>
-            <a:pPr algn="ctr"/>
-            <a:endParaRPr lang="ko-KR" altLang="en-US"/>
-          </a:p>
-        </p:txBody>
-      </p:sp>
-      <p:sp>
-        <p:nvSpPr>
-          <p:cNvPr id="7" name="위로 구부러진 화살표 6"/>
-          <p:cNvSpPr/>
-          <p:nvPr/>
-        </p:nvSpPr>
-        <p:spPr>
-          <a:xfrm rot="13054116">
-            <a:off x="7317653" y="3024640"/>
-            <a:ext cx="1920129" cy="883920"/>
-          </a:xfrm>
-          <a:prstGeom prst="curvedUpArrow">
-            <a:avLst/>
-          </a:prstGeom>
-        </p:spPr>
-        <p:style>
-          <a:lnRef idx="2">
-            <a:schemeClr val="accent1">
-              <a:shade val="50000"/>
-            </a:schemeClr>
-          </a:lnRef>
-          <a:fillRef idx="1">
-            <a:schemeClr val="accent1"/>
-          </a:fillRef>
-          <a:effectRef idx="0">
-            <a:schemeClr val="accent1"/>
-          </a:effectRef>
-          <a:fontRef idx="minor">
-            <a:schemeClr val="lt1"/>
-          </a:fontRef>
-        </p:style>
-        <p:txBody>
-          <a:bodyPr rtlCol="0" anchor="ctr"/>
-          <a:lstStyle/>
-          <a:p>
-            <a:pPr algn="ctr"/>
-            <a:endParaRPr lang="ko-KR" altLang="en-US">
-              <a:solidFill>
-                <a:schemeClr val="tx1"/>
-              </a:solidFill>
-            </a:endParaRPr>
-          </a:p>
-        </p:txBody>
-      </p:sp>
-      <p:sp>
-        <p:nvSpPr>
-          <p:cNvPr id="8" name="위로 구부러진 화살표 7"/>
-          <p:cNvSpPr/>
-          <p:nvPr/>
-        </p:nvSpPr>
-        <p:spPr>
-          <a:xfrm rot="13054116">
-            <a:off x="4314549" y="1936862"/>
-            <a:ext cx="1920129" cy="883920"/>
-          </a:xfrm>
-          <a:prstGeom prst="curvedUpArrow">
-            <a:avLst/>
-          </a:prstGeom>
-        </p:spPr>
-        <p:style>
-          <a:lnRef idx="2">
-            <a:schemeClr val="accent1">
-              <a:shade val="50000"/>
-            </a:schemeClr>
-          </a:lnRef>
-          <a:fillRef idx="1">
-            <a:schemeClr val="accent1"/>
-          </a:fillRef>
-          <a:effectRef idx="0">
-            <a:schemeClr val="accent1"/>
-          </a:effectRef>
-          <a:fontRef idx="minor">
-            <a:schemeClr val="lt1"/>
-          </a:fontRef>
-        </p:style>
-        <p:txBody>
-          <a:bodyPr rtlCol="0" anchor="ctr"/>
-          <a:lstStyle/>
-          <a:p>
-            <a:pPr algn="ctr"/>
-            <a:endParaRPr lang="ko-KR" altLang="en-US">
-              <a:solidFill>
-                <a:schemeClr val="tx1"/>
-              </a:solidFill>
-            </a:endParaRPr>
-          </a:p>
-        </p:txBody>
-      </p:sp>
-    </p:spTree>
-    <p:extLst>
-      <p:ext uri="{BB962C8B-B14F-4D97-AF65-F5344CB8AC3E}">
-        <p14:creationId xmlns:p14="http://schemas.microsoft.com/office/powerpoint/2010/main" val="3151026552"/>
-      </p:ext>
-    </p:extLst>
-  </p:cSld>
-  <p:clrMapOvr>
-    <a:masterClrMapping/>
-  </p:clrMapOvr>
-</p:sld>
-</file>
-
 <file path=ppt/slides/slide2.xml><?xml version="1.0" encoding="utf-8"?>
 <p:sld xmlns:a="http://schemas.openxmlformats.org/drawingml/2006/main" xmlns:r="http://schemas.openxmlformats.org/officeDocument/2006/relationships" xmlns:p="http://schemas.openxmlformats.org/presentationml/2006/main">
   <p:cSld>
@@ -11632,7 +12454,7 @@
           <p:cNvPr id="27" name="직선 화살표 연결선 26">
             <a:extLst>
               <a:ext uri="{FF2B5EF4-FFF2-40B4-BE49-F238E27FC236}">
-                <a16:creationId xmlns="" xmlns:a16="http://schemas.microsoft.com/office/drawing/2014/main" id="{C93B29A1-F190-44D3-A9D0-DFAD4F83776E}"/>
+                <a16:creationId xmlns:a16="http://schemas.microsoft.com/office/drawing/2014/main" xmlns="" id="{C93B29A1-F190-44D3-A9D0-DFAD4F83776E}"/>
               </a:ext>
             </a:extLst>
           </p:cNvPr>
@@ -11678,7 +12500,7 @@
               <p:cNvPr id="28" name="TextBox 27">
                 <a:extLst>
                   <a:ext uri="{FF2B5EF4-FFF2-40B4-BE49-F238E27FC236}">
-                    <a16:creationId xmlns="" xmlns:a16="http://schemas.microsoft.com/office/drawing/2014/main" id="{07B5ABC4-CAA0-493B-ACDF-C42A51522079}"/>
+                    <a16:creationId xmlns:a16="http://schemas.microsoft.com/office/drawing/2014/main" xmlns="" id="{07B5ABC4-CAA0-493B-ACDF-C42A51522079}"/>
                   </a:ext>
                 </a:extLst>
               </p:cNvPr>
@@ -11791,7 +12613,7 @@
           <p:cNvPr id="29" name="직선 화살표 연결선 28">
             <a:extLst>
               <a:ext uri="{FF2B5EF4-FFF2-40B4-BE49-F238E27FC236}">
-                <a16:creationId xmlns="" xmlns:a16="http://schemas.microsoft.com/office/drawing/2014/main" id="{782BF86B-4207-4FE7-8DAC-CEB1861B292A}"/>
+                <a16:creationId xmlns:a16="http://schemas.microsoft.com/office/drawing/2014/main" xmlns="" id="{782BF86B-4207-4FE7-8DAC-CEB1861B292A}"/>
               </a:ext>
             </a:extLst>
           </p:cNvPr>
@@ -11837,7 +12659,7 @@
               <p:cNvPr id="32" name="TextBox 31">
                 <a:extLst>
                   <a:ext uri="{FF2B5EF4-FFF2-40B4-BE49-F238E27FC236}">
-                    <a16:creationId xmlns="" xmlns:a16="http://schemas.microsoft.com/office/drawing/2014/main" id="{5DB3AE05-D351-4E8F-8481-E70A4D8B443E}"/>
+                    <a16:creationId xmlns:a16="http://schemas.microsoft.com/office/drawing/2014/main" xmlns="" id="{5DB3AE05-D351-4E8F-8481-E70A4D8B443E}"/>
                   </a:ext>
                 </a:extLst>
               </p:cNvPr>
@@ -11931,7 +12753,7 @@
           <p:cNvPr id="33" name="직선 화살표 연결선 32">
             <a:extLst>
               <a:ext uri="{FF2B5EF4-FFF2-40B4-BE49-F238E27FC236}">
-                <a16:creationId xmlns="" xmlns:a16="http://schemas.microsoft.com/office/drawing/2014/main" id="{F5FC4C0A-B591-4F3B-BD15-9D9E5EC72772}"/>
+                <a16:creationId xmlns:a16="http://schemas.microsoft.com/office/drawing/2014/main" xmlns="" id="{F5FC4C0A-B591-4F3B-BD15-9D9E5EC72772}"/>
               </a:ext>
             </a:extLst>
           </p:cNvPr>
@@ -11977,7 +12799,7 @@
               <p:cNvPr id="38" name="TextBox 37">
                 <a:extLst>
                   <a:ext uri="{FF2B5EF4-FFF2-40B4-BE49-F238E27FC236}">
-                    <a16:creationId xmlns="" xmlns:a16="http://schemas.microsoft.com/office/drawing/2014/main" id="{EC18DB71-3399-4E5E-B321-6A9670FF95D7}"/>
+                    <a16:creationId xmlns:a16="http://schemas.microsoft.com/office/drawing/2014/main" xmlns="" id="{EC18DB71-3399-4E5E-B321-6A9670FF95D7}"/>
                   </a:ext>
                 </a:extLst>
               </p:cNvPr>
@@ -12089,6 +12911,313 @@
     <p:extLst>
       <p:ext uri="{BB962C8B-B14F-4D97-AF65-F5344CB8AC3E}">
         <p14:creationId xmlns:p14="http://schemas.microsoft.com/office/powerpoint/2010/main" val="564488203"/>
+      </p:ext>
+    </p:extLst>
+  </p:cSld>
+  <p:clrMapOvr>
+    <a:masterClrMapping/>
+  </p:clrMapOvr>
+</p:sld>
+</file>
+
+<file path=ppt/slides/slide20.xml><?xml version="1.0" encoding="utf-8"?>
+<p:sld xmlns:a="http://schemas.openxmlformats.org/drawingml/2006/main" xmlns:r="http://schemas.openxmlformats.org/officeDocument/2006/relationships" xmlns:p="http://schemas.openxmlformats.org/presentationml/2006/main">
+  <p:cSld>
+    <p:spTree>
+      <p:nvGrpSpPr>
+        <p:cNvPr id="1" name=""/>
+        <p:cNvGrpSpPr/>
+        <p:nvPr/>
+      </p:nvGrpSpPr>
+      <p:grpSpPr>
+        <a:xfrm>
+          <a:off x="0" y="0"/>
+          <a:ext cx="0" cy="0"/>
+          <a:chOff x="0" y="0"/>
+          <a:chExt cx="0" cy="0"/>
+        </a:xfrm>
+      </p:grpSpPr>
+      <p:pic>
+        <p:nvPicPr>
+          <p:cNvPr id="4" name="내용 개체 틀 5">
+            <a:extLst>
+              <a:ext uri="{FF2B5EF4-FFF2-40B4-BE49-F238E27FC236}">
+                <a16:creationId xmlns="" xmlns:a16="http://schemas.microsoft.com/office/drawing/2014/main" id="{26E65B15-652C-471C-B503-9BD1A7ECA9FF}"/>
+              </a:ext>
+            </a:extLst>
+          </p:cNvPr>
+          <p:cNvPicPr>
+            <a:picLocks noGrp="1" noChangeAspect="1"/>
+          </p:cNvPicPr>
+          <p:nvPr>
+            <p:ph sz="quarter" idx="11"/>
+          </p:nvPr>
+        </p:nvPicPr>
+        <p:blipFill>
+          <a:blip r:embed="rId2"/>
+          <a:stretch>
+            <a:fillRect/>
+          </a:stretch>
+        </p:blipFill>
+        <p:spPr>
+          <a:xfrm>
+            <a:off x="1951443" y="687786"/>
+            <a:ext cx="4063469" cy="5541962"/>
+          </a:xfrm>
+        </p:spPr>
+      </p:pic>
+      <p:pic>
+        <p:nvPicPr>
+          <p:cNvPr id="5" name="그림 4">
+            <a:extLst>
+              <a:ext uri="{FF2B5EF4-FFF2-40B4-BE49-F238E27FC236}">
+                <a16:creationId xmlns="" xmlns:a16="http://schemas.microsoft.com/office/drawing/2014/main" id="{8D86471E-9C3A-40C3-8F27-66A11AC93C24}"/>
+              </a:ext>
+            </a:extLst>
+          </p:cNvPr>
+          <p:cNvPicPr>
+            <a:picLocks noChangeAspect="1"/>
+          </p:cNvPicPr>
+          <p:nvPr/>
+        </p:nvPicPr>
+        <p:blipFill>
+          <a:blip r:embed="rId3"/>
+          <a:stretch>
+            <a:fillRect/>
+          </a:stretch>
+        </p:blipFill>
+        <p:spPr>
+          <a:xfrm>
+            <a:off x="6328152" y="687786"/>
+            <a:ext cx="3835307" cy="5307980"/>
+          </a:xfrm>
+          <a:prstGeom prst="rect">
+            <a:avLst/>
+          </a:prstGeom>
+        </p:spPr>
+      </p:pic>
+    </p:spTree>
+    <p:extLst>
+      <p:ext uri="{BB962C8B-B14F-4D97-AF65-F5344CB8AC3E}">
+        <p14:creationId xmlns:p14="http://schemas.microsoft.com/office/powerpoint/2010/main" val="2505969060"/>
+      </p:ext>
+    </p:extLst>
+  </p:cSld>
+  <p:clrMapOvr>
+    <a:masterClrMapping/>
+  </p:clrMapOvr>
+</p:sld>
+</file>
+
+<file path=ppt/slides/slide21.xml><?xml version="1.0" encoding="utf-8"?>
+<p:sld xmlns:a="http://schemas.openxmlformats.org/drawingml/2006/main" xmlns:r="http://schemas.openxmlformats.org/officeDocument/2006/relationships" xmlns:p="http://schemas.openxmlformats.org/presentationml/2006/main">
+  <p:cSld>
+    <p:spTree>
+      <p:nvGrpSpPr>
+        <p:cNvPr id="1" name=""/>
+        <p:cNvGrpSpPr/>
+        <p:nvPr/>
+      </p:nvGrpSpPr>
+      <p:grpSpPr>
+        <a:xfrm>
+          <a:off x="0" y="0"/>
+          <a:ext cx="0" cy="0"/>
+          <a:chOff x="0" y="0"/>
+          <a:chExt cx="0" cy="0"/>
+        </a:xfrm>
+      </p:grpSpPr>
+      <p:pic>
+        <p:nvPicPr>
+          <p:cNvPr id="4" name="그림 3"/>
+          <p:cNvPicPr>
+            <a:picLocks noChangeAspect="1"/>
+          </p:cNvPicPr>
+          <p:nvPr/>
+        </p:nvPicPr>
+        <p:blipFill>
+          <a:blip r:embed="rId2"/>
+          <a:stretch>
+            <a:fillRect/>
+          </a:stretch>
+        </p:blipFill>
+        <p:spPr>
+          <a:xfrm>
+            <a:off x="4938377" y="3655619"/>
+            <a:ext cx="2495898" cy="695422"/>
+          </a:xfrm>
+          <a:prstGeom prst="rect">
+            <a:avLst/>
+          </a:prstGeom>
+        </p:spPr>
+      </p:pic>
+      <p:pic>
+        <p:nvPicPr>
+          <p:cNvPr id="5" name="그림 4"/>
+          <p:cNvPicPr>
+            <a:picLocks noChangeAspect="1"/>
+          </p:cNvPicPr>
+          <p:nvPr/>
+        </p:nvPicPr>
+        <p:blipFill>
+          <a:blip r:embed="rId3"/>
+          <a:stretch>
+            <a:fillRect/>
+          </a:stretch>
+        </p:blipFill>
+        <p:spPr>
+          <a:xfrm>
+            <a:off x="412978" y="70520"/>
+            <a:ext cx="3583171" cy="4616605"/>
+          </a:xfrm>
+          <a:prstGeom prst="rect">
+            <a:avLst/>
+          </a:prstGeom>
+        </p:spPr>
+      </p:pic>
+      <p:sp>
+        <p:nvSpPr>
+          <p:cNvPr id="6" name="직사각형 5"/>
+          <p:cNvSpPr/>
+          <p:nvPr/>
+        </p:nvSpPr>
+        <p:spPr>
+          <a:xfrm>
+            <a:off x="7652757" y="4687125"/>
+            <a:ext cx="4539243" cy="2102296"/>
+          </a:xfrm>
+          <a:prstGeom prst="rect">
+            <a:avLst/>
+          </a:prstGeom>
+          <a:blipFill dpi="0" rotWithShape="1">
+            <a:blip r:embed="rId4">
+              <a:alphaModFix amt="31000"/>
+            </a:blip>
+            <a:srcRect/>
+            <a:stretch>
+              <a:fillRect/>
+            </a:stretch>
+          </a:blipFill>
+          <a:ln>
+            <a:noFill/>
+          </a:ln>
+        </p:spPr>
+        <p:style>
+          <a:lnRef idx="2">
+            <a:schemeClr val="accent1">
+              <a:shade val="50000"/>
+            </a:schemeClr>
+          </a:lnRef>
+          <a:fillRef idx="1">
+            <a:schemeClr val="accent1"/>
+          </a:fillRef>
+          <a:effectRef idx="0">
+            <a:schemeClr val="accent1"/>
+          </a:effectRef>
+          <a:fontRef idx="minor">
+            <a:schemeClr val="lt1"/>
+          </a:fontRef>
+        </p:style>
+        <p:txBody>
+          <a:bodyPr rtlCol="0" anchor="ctr"/>
+          <a:lstStyle/>
+          <a:p>
+            <a:pPr algn="ctr"/>
+            <a:endParaRPr lang="ko-KR" altLang="en-US"/>
+          </a:p>
+        </p:txBody>
+      </p:sp>
+      <p:sp>
+        <p:nvSpPr>
+          <p:cNvPr id="7" name="위로 구부러진 화살표 6"/>
+          <p:cNvSpPr/>
+          <p:nvPr/>
+        </p:nvSpPr>
+        <p:spPr>
+          <a:xfrm rot="13054116">
+            <a:off x="7317653" y="3024640"/>
+            <a:ext cx="1920129" cy="883920"/>
+          </a:xfrm>
+          <a:prstGeom prst="curvedUpArrow">
+            <a:avLst/>
+          </a:prstGeom>
+        </p:spPr>
+        <p:style>
+          <a:lnRef idx="2">
+            <a:schemeClr val="accent1">
+              <a:shade val="50000"/>
+            </a:schemeClr>
+          </a:lnRef>
+          <a:fillRef idx="1">
+            <a:schemeClr val="accent1"/>
+          </a:fillRef>
+          <a:effectRef idx="0">
+            <a:schemeClr val="accent1"/>
+          </a:effectRef>
+          <a:fontRef idx="minor">
+            <a:schemeClr val="lt1"/>
+          </a:fontRef>
+        </p:style>
+        <p:txBody>
+          <a:bodyPr rtlCol="0" anchor="ctr"/>
+          <a:lstStyle/>
+          <a:p>
+            <a:pPr algn="ctr"/>
+            <a:endParaRPr lang="ko-KR" altLang="en-US">
+              <a:solidFill>
+                <a:schemeClr val="tx1"/>
+              </a:solidFill>
+            </a:endParaRPr>
+          </a:p>
+        </p:txBody>
+      </p:sp>
+      <p:sp>
+        <p:nvSpPr>
+          <p:cNvPr id="8" name="위로 구부러진 화살표 7"/>
+          <p:cNvSpPr/>
+          <p:nvPr/>
+        </p:nvSpPr>
+        <p:spPr>
+          <a:xfrm rot="13054116">
+            <a:off x="4314549" y="1936862"/>
+            <a:ext cx="1920129" cy="883920"/>
+          </a:xfrm>
+          <a:prstGeom prst="curvedUpArrow">
+            <a:avLst/>
+          </a:prstGeom>
+        </p:spPr>
+        <p:style>
+          <a:lnRef idx="2">
+            <a:schemeClr val="accent1">
+              <a:shade val="50000"/>
+            </a:schemeClr>
+          </a:lnRef>
+          <a:fillRef idx="1">
+            <a:schemeClr val="accent1"/>
+          </a:fillRef>
+          <a:effectRef idx="0">
+            <a:schemeClr val="accent1"/>
+          </a:effectRef>
+          <a:fontRef idx="minor">
+            <a:schemeClr val="lt1"/>
+          </a:fontRef>
+        </p:style>
+        <p:txBody>
+          <a:bodyPr rtlCol="0" anchor="ctr"/>
+          <a:lstStyle/>
+          <a:p>
+            <a:pPr algn="ctr"/>
+            <a:endParaRPr lang="ko-KR" altLang="en-US">
+              <a:solidFill>
+                <a:schemeClr val="tx1"/>
+              </a:solidFill>
+            </a:endParaRPr>
+          </a:p>
+        </p:txBody>
+      </p:sp>
+    </p:spTree>
+    <p:extLst>
+      <p:ext uri="{BB962C8B-B14F-4D97-AF65-F5344CB8AC3E}">
+        <p14:creationId xmlns:p14="http://schemas.microsoft.com/office/powerpoint/2010/main" val="3151026552"/>
       </p:ext>
     </p:extLst>
   </p:cSld>
@@ -12598,7 +13727,7 @@
           <p:cNvPr id="9" name="그룹 8">
             <a:extLst>
               <a:ext uri="{FF2B5EF4-FFF2-40B4-BE49-F238E27FC236}">
-                <a16:creationId xmlns="" xmlns:a16="http://schemas.microsoft.com/office/drawing/2014/main" id="{F54825A1-879E-45C3-84C9-39758CFBC1AD}"/>
+                <a16:creationId xmlns:a16="http://schemas.microsoft.com/office/drawing/2014/main" xmlns="" id="{F54825A1-879E-45C3-84C9-39758CFBC1AD}"/>
               </a:ext>
             </a:extLst>
           </p:cNvPr>
@@ -13021,7 +14150,7 @@
           <p:cNvPr id="19" name="자유형: 도형 18">
             <a:extLst>
               <a:ext uri="{FF2B5EF4-FFF2-40B4-BE49-F238E27FC236}">
-                <a16:creationId xmlns="" xmlns:a16="http://schemas.microsoft.com/office/drawing/2014/main" id="{28DE563C-2016-4934-A4EE-657070DFAE5E}"/>
+                <a16:creationId xmlns:a16="http://schemas.microsoft.com/office/drawing/2014/main" xmlns="" id="{28DE563C-2016-4934-A4EE-657070DFAE5E}"/>
               </a:ext>
             </a:extLst>
           </p:cNvPr>
@@ -13113,7 +14242,7 @@
               <p:cNvPr id="22" name="TextBox 21">
                 <a:extLst>
                   <a:ext uri="{FF2B5EF4-FFF2-40B4-BE49-F238E27FC236}">
-                    <a16:creationId xmlns="" xmlns:a16="http://schemas.microsoft.com/office/drawing/2014/main" id="{702F36E8-3840-4F82-ACA9-0ADC9BF2CD7E}"/>
+                    <a16:creationId xmlns:a16="http://schemas.microsoft.com/office/drawing/2014/main" xmlns="" id="{702F36E8-3840-4F82-ACA9-0ADC9BF2CD7E}"/>
                   </a:ext>
                 </a:extLst>
               </p:cNvPr>
@@ -13234,7 +14363,7 @@
           <p:cNvPr id="23" name="자유형: 도형 22">
             <a:extLst>
               <a:ext uri="{FF2B5EF4-FFF2-40B4-BE49-F238E27FC236}">
-                <a16:creationId xmlns="" xmlns:a16="http://schemas.microsoft.com/office/drawing/2014/main" id="{D4262DC8-AC8F-4E4E-8F9A-78963014DDC7}"/>
+                <a16:creationId xmlns:a16="http://schemas.microsoft.com/office/drawing/2014/main" xmlns="" id="{D4262DC8-AC8F-4E4E-8F9A-78963014DDC7}"/>
               </a:ext>
             </a:extLst>
           </p:cNvPr>
@@ -13326,7 +14455,7 @@
               <p:cNvPr id="26" name="TextBox 25">
                 <a:extLst>
                   <a:ext uri="{FF2B5EF4-FFF2-40B4-BE49-F238E27FC236}">
-                    <a16:creationId xmlns="" xmlns:a16="http://schemas.microsoft.com/office/drawing/2014/main" id="{4C456F18-AA04-4135-AED2-7569217695DC}"/>
+                    <a16:creationId xmlns:a16="http://schemas.microsoft.com/office/drawing/2014/main" xmlns="" id="{4C456F18-AA04-4135-AED2-7569217695DC}"/>
                   </a:ext>
                 </a:extLst>
               </p:cNvPr>
@@ -14206,7 +15335,7 @@
           <p:cNvPr id="19" name="자유형: 도형 18">
             <a:extLst>
               <a:ext uri="{FF2B5EF4-FFF2-40B4-BE49-F238E27FC236}">
-                <a16:creationId xmlns="" xmlns:a16="http://schemas.microsoft.com/office/drawing/2014/main" id="{28DE563C-2016-4934-A4EE-657070DFAE5E}"/>
+                <a16:creationId xmlns:a16="http://schemas.microsoft.com/office/drawing/2014/main" xmlns="" id="{28DE563C-2016-4934-A4EE-657070DFAE5E}"/>
               </a:ext>
             </a:extLst>
           </p:cNvPr>
@@ -14298,7 +15427,7 @@
               <p:cNvPr id="22" name="TextBox 21">
                 <a:extLst>
                   <a:ext uri="{FF2B5EF4-FFF2-40B4-BE49-F238E27FC236}">
-                    <a16:creationId xmlns="" xmlns:a16="http://schemas.microsoft.com/office/drawing/2014/main" id="{702F36E8-3840-4F82-ACA9-0ADC9BF2CD7E}"/>
+                    <a16:creationId xmlns:a16="http://schemas.microsoft.com/office/drawing/2014/main" xmlns="" id="{702F36E8-3840-4F82-ACA9-0ADC9BF2CD7E}"/>
                   </a:ext>
                 </a:extLst>
               </p:cNvPr>
@@ -14419,7 +15548,7 @@
           <p:cNvPr id="23" name="자유형: 도형 22">
             <a:extLst>
               <a:ext uri="{FF2B5EF4-FFF2-40B4-BE49-F238E27FC236}">
-                <a16:creationId xmlns="" xmlns:a16="http://schemas.microsoft.com/office/drawing/2014/main" id="{D4262DC8-AC8F-4E4E-8F9A-78963014DDC7}"/>
+                <a16:creationId xmlns:a16="http://schemas.microsoft.com/office/drawing/2014/main" xmlns="" id="{D4262DC8-AC8F-4E4E-8F9A-78963014DDC7}"/>
               </a:ext>
             </a:extLst>
           </p:cNvPr>
@@ -14511,7 +15640,7 @@
               <p:cNvPr id="26" name="TextBox 25">
                 <a:extLst>
                   <a:ext uri="{FF2B5EF4-FFF2-40B4-BE49-F238E27FC236}">
-                    <a16:creationId xmlns="" xmlns:a16="http://schemas.microsoft.com/office/drawing/2014/main" id="{4C456F18-AA04-4135-AED2-7569217695DC}"/>
+                    <a16:creationId xmlns:a16="http://schemas.microsoft.com/office/drawing/2014/main" xmlns="" id="{4C456F18-AA04-4135-AED2-7569217695DC}"/>
                   </a:ext>
                 </a:extLst>
               </p:cNvPr>
@@ -14634,7 +15763,7 @@
               <p:cNvPr id="21" name="TextBox 20">
                 <a:extLst>
                   <a:ext uri="{FF2B5EF4-FFF2-40B4-BE49-F238E27FC236}">
-                    <a16:creationId xmlns="" xmlns:a16="http://schemas.microsoft.com/office/drawing/2014/main" id="{7F1A4031-C0F9-4078-B611-60510E555779}"/>
+                    <a16:creationId xmlns:a16="http://schemas.microsoft.com/office/drawing/2014/main" xmlns="" id="{7F1A4031-C0F9-4078-B611-60510E555779}"/>
                   </a:ext>
                 </a:extLst>
               </p:cNvPr>
@@ -14747,7 +15876,7 @@
           <p:cNvPr id="27" name="원호 26">
             <a:extLst>
               <a:ext uri="{FF2B5EF4-FFF2-40B4-BE49-F238E27FC236}">
-                <a16:creationId xmlns="" xmlns:a16="http://schemas.microsoft.com/office/drawing/2014/main" id="{73F2FA99-BAB3-4AEA-A0D4-FFD161E5142F}"/>
+                <a16:creationId xmlns:a16="http://schemas.microsoft.com/office/drawing/2014/main" xmlns="" id="{73F2FA99-BAB3-4AEA-A0D4-FFD161E5142F}"/>
               </a:ext>
             </a:extLst>
           </p:cNvPr>

--- a/그림.pptx
+++ b/그림.pptx
@@ -22,10 +22,11 @@
     <p:sldId id="276" r:id="rId16"/>
     <p:sldId id="277" r:id="rId17"/>
     <p:sldId id="278" r:id="rId18"/>
-    <p:sldId id="272" r:id="rId19"/>
-    <p:sldId id="259" r:id="rId20"/>
-    <p:sldId id="264" r:id="rId21"/>
-    <p:sldId id="273" r:id="rId22"/>
+    <p:sldId id="279" r:id="rId19"/>
+    <p:sldId id="272" r:id="rId20"/>
+    <p:sldId id="259" r:id="rId21"/>
+    <p:sldId id="264" r:id="rId22"/>
+    <p:sldId id="273" r:id="rId23"/>
   </p:sldIdLst>
   <p:sldSz cx="12192000" cy="6858000"/>
   <p:notesSz cx="6858000" cy="9144000"/>
@@ -146,6 +147,7 @@
             <p14:sldId id="276"/>
             <p14:sldId id="277"/>
             <p14:sldId id="278"/>
+            <p14:sldId id="279"/>
             <p14:sldId id="272"/>
           </p14:sldIdLst>
         </p14:section>
@@ -294,7 +296,7 @@
           <a:p>
             <a:fld id="{586A42AD-E6DF-43A8-BCEE-31B231F72482}" type="datetimeFigureOut">
               <a:rPr lang="ko-KR" altLang="en-US" smtClean="0"/>
-              <a:t>2022-09-15</a:t>
+              <a:t>2022-09-19</a:t>
             </a:fld>
             <a:endParaRPr lang="ko-KR" altLang="en-US"/>
           </a:p>
@@ -462,7 +464,7 @@
           <a:p>
             <a:fld id="{586A42AD-E6DF-43A8-BCEE-31B231F72482}" type="datetimeFigureOut">
               <a:rPr lang="ko-KR" altLang="en-US" smtClean="0"/>
-              <a:t>2022-09-15</a:t>
+              <a:t>2022-09-19</a:t>
             </a:fld>
             <a:endParaRPr lang="ko-KR" altLang="en-US"/>
           </a:p>
@@ -640,7 +642,7 @@
           <a:p>
             <a:fld id="{586A42AD-E6DF-43A8-BCEE-31B231F72482}" type="datetimeFigureOut">
               <a:rPr lang="ko-KR" altLang="en-US" smtClean="0"/>
-              <a:t>2022-09-15</a:t>
+              <a:t>2022-09-19</a:t>
             </a:fld>
             <a:endParaRPr lang="ko-KR" altLang="en-US"/>
           </a:p>
@@ -808,7 +810,7 @@
           <a:p>
             <a:fld id="{586A42AD-E6DF-43A8-BCEE-31B231F72482}" type="datetimeFigureOut">
               <a:rPr lang="ko-KR" altLang="en-US" smtClean="0"/>
-              <a:t>2022-09-15</a:t>
+              <a:t>2022-09-19</a:t>
             </a:fld>
             <a:endParaRPr lang="ko-KR" altLang="en-US"/>
           </a:p>
@@ -1053,7 +1055,7 @@
           <a:p>
             <a:fld id="{586A42AD-E6DF-43A8-BCEE-31B231F72482}" type="datetimeFigureOut">
               <a:rPr lang="ko-KR" altLang="en-US" smtClean="0"/>
-              <a:t>2022-09-15</a:t>
+              <a:t>2022-09-19</a:t>
             </a:fld>
             <a:endParaRPr lang="ko-KR" altLang="en-US"/>
           </a:p>
@@ -1282,7 +1284,7 @@
           <a:p>
             <a:fld id="{586A42AD-E6DF-43A8-BCEE-31B231F72482}" type="datetimeFigureOut">
               <a:rPr lang="ko-KR" altLang="en-US" smtClean="0"/>
-              <a:t>2022-09-15</a:t>
+              <a:t>2022-09-19</a:t>
             </a:fld>
             <a:endParaRPr lang="ko-KR" altLang="en-US"/>
           </a:p>
@@ -1646,7 +1648,7 @@
           <a:p>
             <a:fld id="{586A42AD-E6DF-43A8-BCEE-31B231F72482}" type="datetimeFigureOut">
               <a:rPr lang="ko-KR" altLang="en-US" smtClean="0"/>
-              <a:t>2022-09-15</a:t>
+              <a:t>2022-09-19</a:t>
             </a:fld>
             <a:endParaRPr lang="ko-KR" altLang="en-US"/>
           </a:p>
@@ -1763,7 +1765,7 @@
           <a:p>
             <a:fld id="{586A42AD-E6DF-43A8-BCEE-31B231F72482}" type="datetimeFigureOut">
               <a:rPr lang="ko-KR" altLang="en-US" smtClean="0"/>
-              <a:t>2022-09-15</a:t>
+              <a:t>2022-09-19</a:t>
             </a:fld>
             <a:endParaRPr lang="ko-KR" altLang="en-US"/>
           </a:p>
@@ -1858,7 +1860,7 @@
           <a:p>
             <a:fld id="{586A42AD-E6DF-43A8-BCEE-31B231F72482}" type="datetimeFigureOut">
               <a:rPr lang="ko-KR" altLang="en-US" smtClean="0"/>
-              <a:t>2022-09-15</a:t>
+              <a:t>2022-09-19</a:t>
             </a:fld>
             <a:endParaRPr lang="ko-KR" altLang="en-US"/>
           </a:p>
@@ -2133,7 +2135,7 @@
           <a:p>
             <a:fld id="{586A42AD-E6DF-43A8-BCEE-31B231F72482}" type="datetimeFigureOut">
               <a:rPr lang="ko-KR" altLang="en-US" smtClean="0"/>
-              <a:t>2022-09-15</a:t>
+              <a:t>2022-09-19</a:t>
             </a:fld>
             <a:endParaRPr lang="ko-KR" altLang="en-US"/>
           </a:p>
@@ -2385,7 +2387,7 @@
           <a:p>
             <a:fld id="{586A42AD-E6DF-43A8-BCEE-31B231F72482}" type="datetimeFigureOut">
               <a:rPr lang="ko-KR" altLang="en-US" smtClean="0"/>
-              <a:t>2022-09-15</a:t>
+              <a:t>2022-09-19</a:t>
             </a:fld>
             <a:endParaRPr lang="ko-KR" altLang="en-US"/>
           </a:p>
@@ -2596,7 +2598,7 @@
           <a:p>
             <a:fld id="{586A42AD-E6DF-43A8-BCEE-31B231F72482}" type="datetimeFigureOut">
               <a:rPr lang="ko-KR" altLang="en-US" smtClean="0"/>
-              <a:t>2022-09-15</a:t>
+              <a:t>2022-09-19</a:t>
             </a:fld>
             <a:endParaRPr lang="ko-KR" altLang="en-US"/>
           </a:p>
@@ -9600,7 +9602,7 @@
           <p:cNvPr id="71" name="자유형: 도형 18">
             <a:extLst>
               <a:ext uri="{FF2B5EF4-FFF2-40B4-BE49-F238E27FC236}">
-                <a16:creationId xmlns:a16="http://schemas.microsoft.com/office/drawing/2014/main" xmlns="" id="{28DE563C-2016-4934-A4EE-657070DFAE5E}"/>
+                <a16:creationId xmlns="" xmlns:a16="http://schemas.microsoft.com/office/drawing/2014/main" id="{28DE563C-2016-4934-A4EE-657070DFAE5E}"/>
               </a:ext>
             </a:extLst>
           </p:cNvPr>
@@ -9692,7 +9694,7 @@
               <p:cNvPr id="72" name="TextBox 71">
                 <a:extLst>
                   <a:ext uri="{FF2B5EF4-FFF2-40B4-BE49-F238E27FC236}">
-                    <a16:creationId xmlns:a16="http://schemas.microsoft.com/office/drawing/2014/main" xmlns="" id="{702F36E8-3840-4F82-ACA9-0ADC9BF2CD7E}"/>
+                    <a16:creationId xmlns="" xmlns:a16="http://schemas.microsoft.com/office/drawing/2014/main" id="{702F36E8-3840-4F82-ACA9-0ADC9BF2CD7E}"/>
                   </a:ext>
                 </a:extLst>
               </p:cNvPr>
@@ -9792,7 +9794,7 @@
           <p:cNvPr id="73" name="자유형: 도형 18">
             <a:extLst>
               <a:ext uri="{FF2B5EF4-FFF2-40B4-BE49-F238E27FC236}">
-                <a16:creationId xmlns:a16="http://schemas.microsoft.com/office/drawing/2014/main" xmlns="" id="{28DE563C-2016-4934-A4EE-657070DFAE5E}"/>
+                <a16:creationId xmlns="" xmlns:a16="http://schemas.microsoft.com/office/drawing/2014/main" id="{28DE563C-2016-4934-A4EE-657070DFAE5E}"/>
               </a:ext>
             </a:extLst>
           </p:cNvPr>
@@ -9884,7 +9886,7 @@
               <p:cNvPr id="74" name="TextBox 73">
                 <a:extLst>
                   <a:ext uri="{FF2B5EF4-FFF2-40B4-BE49-F238E27FC236}">
-                    <a16:creationId xmlns:a16="http://schemas.microsoft.com/office/drawing/2014/main" xmlns="" id="{702F36E8-3840-4F82-ACA9-0ADC9BF2CD7E}"/>
+                    <a16:creationId xmlns="" xmlns:a16="http://schemas.microsoft.com/office/drawing/2014/main" id="{702F36E8-3840-4F82-ACA9-0ADC9BF2CD7E}"/>
                   </a:ext>
                 </a:extLst>
               </p:cNvPr>
@@ -11140,6 +11142,1962 @@
           <a:chExt cx="0" cy="0"/>
         </a:xfrm>
       </p:grpSpPr>
+      <p:sp>
+        <p:nvSpPr>
+          <p:cNvPr id="40" name="직사각형 39"/>
+          <p:cNvSpPr/>
+          <p:nvPr/>
+        </p:nvSpPr>
+        <p:spPr>
+          <a:xfrm>
+            <a:off x="3918471" y="3585795"/>
+            <a:ext cx="1800000" cy="1080000"/>
+          </a:xfrm>
+          <a:prstGeom prst="rect">
+            <a:avLst/>
+          </a:prstGeom>
+          <a:noFill/>
+          <a:ln w="28575">
+            <a:solidFill>
+              <a:schemeClr val="tx1"/>
+            </a:solidFill>
+          </a:ln>
+        </p:spPr>
+        <p:style>
+          <a:lnRef idx="2">
+            <a:schemeClr val="accent1">
+              <a:shade val="50000"/>
+            </a:schemeClr>
+          </a:lnRef>
+          <a:fillRef idx="1">
+            <a:schemeClr val="accent1"/>
+          </a:fillRef>
+          <a:effectRef idx="0">
+            <a:schemeClr val="accent1"/>
+          </a:effectRef>
+          <a:fontRef idx="minor">
+            <a:schemeClr val="lt1"/>
+          </a:fontRef>
+        </p:style>
+        <p:txBody>
+          <a:bodyPr rtlCol="0" anchor="ctr"/>
+          <a:lstStyle/>
+          <a:p>
+            <a:pPr algn="ctr"/>
+            <a:endParaRPr lang="ko-KR" altLang="en-US"/>
+          </a:p>
+        </p:txBody>
+      </p:sp>
+      <p:cxnSp>
+        <p:nvCxnSpPr>
+          <p:cNvPr id="41" name="직선 화살표 연결선 40"/>
+          <p:cNvCxnSpPr>
+            <a:stCxn id="40" idx="3"/>
+          </p:cNvCxnSpPr>
+          <p:nvPr/>
+        </p:nvCxnSpPr>
+        <p:spPr>
+          <a:xfrm>
+            <a:off x="5718471" y="4125795"/>
+            <a:ext cx="720000" cy="0"/>
+          </a:xfrm>
+          <a:prstGeom prst="straightConnector1">
+            <a:avLst/>
+          </a:prstGeom>
+          <a:ln w="28575">
+            <a:solidFill>
+              <a:schemeClr val="tx1"/>
+            </a:solidFill>
+            <a:headEnd w="lg" len="lg"/>
+            <a:tailEnd type="triangle" w="lg" len="lg"/>
+          </a:ln>
+        </p:spPr>
+        <p:style>
+          <a:lnRef idx="1">
+            <a:schemeClr val="accent1"/>
+          </a:lnRef>
+          <a:fillRef idx="0">
+            <a:schemeClr val="accent1"/>
+          </a:fillRef>
+          <a:effectRef idx="0">
+            <a:schemeClr val="accent1"/>
+          </a:effectRef>
+          <a:fontRef idx="minor">
+            <a:schemeClr val="tx1"/>
+          </a:fontRef>
+        </p:style>
+      </p:cxnSp>
+      <p:cxnSp>
+        <p:nvCxnSpPr>
+          <p:cNvPr id="42" name="직선 화살표 연결선 41"/>
+          <p:cNvCxnSpPr/>
+          <p:nvPr/>
+        </p:nvCxnSpPr>
+        <p:spPr>
+          <a:xfrm flipH="1" flipV="1">
+            <a:off x="5832527" y="3569896"/>
+            <a:ext cx="0" cy="1080000"/>
+          </a:xfrm>
+          <a:prstGeom prst="straightConnector1">
+            <a:avLst/>
+          </a:prstGeom>
+          <a:ln w="28575">
+            <a:solidFill>
+              <a:schemeClr val="tx1"/>
+            </a:solidFill>
+            <a:headEnd w="lg" len="lg"/>
+            <a:tailEnd type="triangle" w="lg" len="lg"/>
+          </a:ln>
+        </p:spPr>
+        <p:style>
+          <a:lnRef idx="1">
+            <a:schemeClr val="accent1"/>
+          </a:lnRef>
+          <a:fillRef idx="0">
+            <a:schemeClr val="accent1"/>
+          </a:fillRef>
+          <a:effectRef idx="0">
+            <a:schemeClr val="accent1"/>
+          </a:effectRef>
+          <a:fontRef idx="minor">
+            <a:schemeClr val="tx1"/>
+          </a:fontRef>
+        </p:style>
+      </p:cxnSp>
+      <mc:AlternateContent xmlns:mc="http://schemas.openxmlformats.org/markup-compatibility/2006">
+        <mc:Choice xmlns:a14="http://schemas.microsoft.com/office/drawing/2010/main" Requires="a14">
+          <p:sp>
+            <p:nvSpPr>
+              <p:cNvPr id="45" name="TextBox 44"/>
+              <p:cNvSpPr txBox="1"/>
+              <p:nvPr/>
+            </p:nvSpPr>
+            <p:spPr>
+              <a:xfrm>
+                <a:off x="6188937" y="4226205"/>
+                <a:ext cx="996491" cy="279628"/>
+              </a:xfrm>
+              <a:prstGeom prst="rect">
+                <a:avLst/>
+              </a:prstGeom>
+              <a:noFill/>
+            </p:spPr>
+            <p:txBody>
+              <a:bodyPr wrap="none" lIns="0" tIns="0" rIns="0" bIns="0" rtlCol="0">
+                <a:spAutoFit/>
+              </a:bodyPr>
+              <a:lstStyle/>
+              <a:p>
+                <a:pPr/>
+                <a14:m>
+                  <m:oMathPara xmlns:m="http://schemas.openxmlformats.org/officeDocument/2006/math">
+                    <m:oMathParaPr>
+                      <m:jc m:val="centerGroup"/>
+                    </m:oMathParaPr>
+                    <m:oMath xmlns:m="http://schemas.openxmlformats.org/officeDocument/2006/math">
+                      <m:sSubSup>
+                        <m:sSubSupPr>
+                          <m:ctrlPr>
+                            <a:rPr lang="en-US" altLang="ko-KR" i="1">
+                              <a:latin typeface="Cambria Math" panose="02040503050406030204" pitchFamily="18" charset="0"/>
+                            </a:rPr>
+                          </m:ctrlPr>
+                        </m:sSubSupPr>
+                        <m:e>
+                          <m:r>
+                            <a:rPr lang="en-US" altLang="ko-KR" i="1">
+                              <a:latin typeface="Cambria Math" panose="02040503050406030204" pitchFamily="18" charset="0"/>
+                            </a:rPr>
+                            <m:t>𝜎</m:t>
+                          </m:r>
+                        </m:e>
+                        <m:sub>
+                          <m:r>
+                            <a:rPr lang="en-US" altLang="ko-KR" i="1">
+                              <a:latin typeface="Cambria Math" panose="02040503050406030204" pitchFamily="18" charset="0"/>
+                            </a:rPr>
+                            <m:t>1</m:t>
+                          </m:r>
+                        </m:sub>
+                        <m:sup>
+                          <m:r>
+                            <a:rPr lang="en-US" altLang="ko-KR" i="1">
+                              <a:latin typeface="Cambria Math" panose="02040503050406030204" pitchFamily="18" charset="0"/>
+                            </a:rPr>
+                            <m:t>1</m:t>
+                          </m:r>
+                        </m:sup>
+                      </m:sSubSup>
+                      <m:r>
+                        <a:rPr lang="en-US" altLang="ko-KR" i="1">
+                          <a:latin typeface="Cambria Math" panose="02040503050406030204" pitchFamily="18" charset="0"/>
+                        </a:rPr>
+                        <m:t>+∆</m:t>
+                      </m:r>
+                      <m:sSubSup>
+                        <m:sSubSupPr>
+                          <m:ctrlPr>
+                            <a:rPr lang="en-US" altLang="ko-KR" i="1">
+                              <a:latin typeface="Cambria Math" panose="02040503050406030204" pitchFamily="18" charset="0"/>
+                            </a:rPr>
+                          </m:ctrlPr>
+                        </m:sSubSupPr>
+                        <m:e>
+                          <m:r>
+                            <a:rPr lang="en-US" altLang="ko-KR" i="1">
+                              <a:latin typeface="Cambria Math" panose="02040503050406030204" pitchFamily="18" charset="0"/>
+                            </a:rPr>
+                            <m:t>𝜎</m:t>
+                          </m:r>
+                        </m:e>
+                        <m:sub>
+                          <m:r>
+                            <a:rPr lang="en-US" altLang="ko-KR" i="1">
+                              <a:latin typeface="Cambria Math" panose="02040503050406030204" pitchFamily="18" charset="0"/>
+                            </a:rPr>
+                            <m:t>1</m:t>
+                          </m:r>
+                        </m:sub>
+                        <m:sup>
+                          <m:r>
+                            <a:rPr lang="en-US" altLang="ko-KR" i="1">
+                              <a:latin typeface="Cambria Math" panose="02040503050406030204" pitchFamily="18" charset="0"/>
+                            </a:rPr>
+                            <m:t>1</m:t>
+                          </m:r>
+                        </m:sup>
+                      </m:sSubSup>
+                    </m:oMath>
+                  </m:oMathPara>
+                </a14:m>
+                <a:endParaRPr lang="ko-KR" altLang="en-US" dirty="0"/>
+              </a:p>
+            </p:txBody>
+          </p:sp>
+        </mc:Choice>
+        <mc:Fallback>
+          <p:sp>
+            <p:nvSpPr>
+              <p:cNvPr id="45" name="TextBox 44"/>
+              <p:cNvSpPr txBox="1">
+                <a:spLocks noRot="1" noChangeAspect="1" noMove="1" noResize="1" noEditPoints="1" noAdjustHandles="1" noChangeArrowheads="1" noChangeShapeType="1" noTextEdit="1"/>
+              </p:cNvSpPr>
+              <p:nvPr/>
+            </p:nvSpPr>
+            <p:spPr>
+              <a:xfrm>
+                <a:off x="6188937" y="4226205"/>
+                <a:ext cx="996491" cy="279628"/>
+              </a:xfrm>
+              <a:prstGeom prst="rect">
+                <a:avLst/>
+              </a:prstGeom>
+              <a:blipFill rotWithShape="0">
+                <a:blip r:embed="rId2"/>
+                <a:stretch>
+                  <a:fillRect l="-1829" r="-610" b="-21739"/>
+                </a:stretch>
+              </a:blipFill>
+            </p:spPr>
+            <p:txBody>
+              <a:bodyPr/>
+              <a:lstStyle/>
+              <a:p>
+                <a:r>
+                  <a:rPr lang="ko-KR" altLang="en-US">
+                    <a:noFill/>
+                  </a:rPr>
+                  <a:t> </a:t>
+                </a:r>
+              </a:p>
+            </p:txBody>
+          </p:sp>
+        </mc:Fallback>
+      </mc:AlternateContent>
+      <p:grpSp>
+        <p:nvGrpSpPr>
+          <p:cNvPr id="6" name="그룹 5"/>
+          <p:cNvGrpSpPr/>
+          <p:nvPr/>
+        </p:nvGrpSpPr>
+        <p:grpSpPr>
+          <a:xfrm>
+            <a:off x="2686603" y="5037121"/>
+            <a:ext cx="841610" cy="1016042"/>
+            <a:chOff x="2686603" y="5037121"/>
+            <a:chExt cx="841610" cy="1016042"/>
+          </a:xfrm>
+        </p:grpSpPr>
+        <p:cxnSp>
+          <p:nvCxnSpPr>
+            <p:cNvPr id="82" name="직선 화살표 연결선 81"/>
+            <p:cNvCxnSpPr/>
+            <p:nvPr/>
+          </p:nvCxnSpPr>
+          <p:spPr>
+            <a:xfrm>
+              <a:off x="2686603" y="5775085"/>
+              <a:ext cx="511868" cy="1266"/>
+            </a:xfrm>
+            <a:prstGeom prst="straightConnector1">
+              <a:avLst/>
+            </a:prstGeom>
+            <a:ln w="28575">
+              <a:solidFill>
+                <a:schemeClr val="tx1"/>
+              </a:solidFill>
+              <a:headEnd type="none" w="med" len="med"/>
+              <a:tailEnd type="none" w="med" len="med"/>
+            </a:ln>
+          </p:spPr>
+          <p:style>
+            <a:lnRef idx="1">
+              <a:schemeClr val="accent1"/>
+            </a:lnRef>
+            <a:fillRef idx="0">
+              <a:schemeClr val="accent1"/>
+            </a:fillRef>
+            <a:effectRef idx="0">
+              <a:schemeClr val="accent1"/>
+            </a:effectRef>
+            <a:fontRef idx="minor">
+              <a:schemeClr val="tx1"/>
+            </a:fontRef>
+          </p:style>
+        </p:cxnSp>
+        <p:cxnSp>
+          <p:nvCxnSpPr>
+            <p:cNvPr id="83" name="직선 화살표 연결선 82"/>
+            <p:cNvCxnSpPr/>
+            <p:nvPr/>
+          </p:nvCxnSpPr>
+          <p:spPr>
+            <a:xfrm flipV="1">
+              <a:off x="2696129" y="5275033"/>
+              <a:ext cx="815" cy="501318"/>
+            </a:xfrm>
+            <a:prstGeom prst="straightConnector1">
+              <a:avLst/>
+            </a:prstGeom>
+            <a:ln w="28575">
+              <a:solidFill>
+                <a:schemeClr val="tx1"/>
+              </a:solidFill>
+              <a:headEnd type="none" w="med" len="med"/>
+              <a:tailEnd type="none" w="med" len="med"/>
+            </a:ln>
+          </p:spPr>
+          <p:style>
+            <a:lnRef idx="1">
+              <a:schemeClr val="accent1"/>
+            </a:lnRef>
+            <a:fillRef idx="0">
+              <a:schemeClr val="accent1"/>
+            </a:fillRef>
+            <a:effectRef idx="0">
+              <a:schemeClr val="accent1"/>
+            </a:effectRef>
+            <a:fontRef idx="minor">
+              <a:schemeClr val="tx1"/>
+            </a:fontRef>
+          </p:style>
+        </p:cxnSp>
+        <mc:AlternateContent xmlns:mc="http://schemas.openxmlformats.org/markup-compatibility/2006">
+          <mc:Choice xmlns:a14="http://schemas.microsoft.com/office/drawing/2010/main" Requires="a14">
+            <p:sp>
+              <p:nvSpPr>
+                <p:cNvPr id="84" name="TextBox 83"/>
+                <p:cNvSpPr txBox="1"/>
+                <p:nvPr/>
+              </p:nvSpPr>
+              <p:spPr>
+                <a:xfrm>
+                  <a:off x="2822077" y="5037121"/>
+                  <a:ext cx="325153" cy="276999"/>
+                </a:xfrm>
+                <a:prstGeom prst="rect">
+                  <a:avLst/>
+                </a:prstGeom>
+                <a:noFill/>
+              </p:spPr>
+              <p:txBody>
+                <a:bodyPr wrap="none" lIns="0" tIns="0" rIns="0" bIns="0" rtlCol="0">
+                  <a:spAutoFit/>
+                </a:bodyPr>
+                <a:lstStyle/>
+                <a:p>
+                  <a:pPr/>
+                  <a14:m>
+                    <m:oMathPara xmlns:m="http://schemas.openxmlformats.org/officeDocument/2006/math">
+                      <m:oMathParaPr>
+                        <m:jc m:val="centerGroup"/>
+                      </m:oMathParaPr>
+                      <m:oMath xmlns:m="http://schemas.openxmlformats.org/officeDocument/2006/math">
+                        <m:sSup>
+                          <m:sSupPr>
+                            <m:ctrlPr>
+                              <a:rPr lang="en-US" altLang="ko-KR" b="0" i="1" smtClean="0">
+                                <a:latin typeface="Cambria Math" panose="02040503050406030204" pitchFamily="18" charset="0"/>
+                              </a:rPr>
+                            </m:ctrlPr>
+                          </m:sSupPr>
+                          <m:e>
+                            <m:r>
+                              <a:rPr lang="en-US" altLang="ko-KR" b="0" i="1" smtClean="0">
+                                <a:latin typeface="Cambria Math" panose="02040503050406030204" pitchFamily="18" charset="0"/>
+                              </a:rPr>
+                              <m:t>𝑥</m:t>
+                            </m:r>
+                          </m:e>
+                          <m:sup>
+                            <m:r>
+                              <a:rPr lang="en-US" altLang="ko-KR" b="0" i="1" smtClean="0">
+                                <a:latin typeface="Cambria Math" panose="02040503050406030204" pitchFamily="18" charset="0"/>
+                              </a:rPr>
+                              <m:t>2</m:t>
+                            </m:r>
+                          </m:sup>
+                        </m:sSup>
+                      </m:oMath>
+                    </m:oMathPara>
+                  </a14:m>
+                  <a:endParaRPr lang="ko-KR" altLang="en-US" dirty="0"/>
+                </a:p>
+              </p:txBody>
+            </p:sp>
+          </mc:Choice>
+          <mc:Fallback>
+            <p:sp>
+              <p:nvSpPr>
+                <p:cNvPr id="84" name="TextBox 83"/>
+                <p:cNvSpPr txBox="1">
+                  <a:spLocks noRot="1" noChangeAspect="1" noMove="1" noResize="1" noEditPoints="1" noAdjustHandles="1" noChangeArrowheads="1" noChangeShapeType="1" noTextEdit="1"/>
+                </p:cNvSpPr>
+                <p:nvPr/>
+              </p:nvSpPr>
+              <p:spPr>
+                <a:xfrm>
+                  <a:off x="2822077" y="5037121"/>
+                  <a:ext cx="325153" cy="276999"/>
+                </a:xfrm>
+                <a:prstGeom prst="rect">
+                  <a:avLst/>
+                </a:prstGeom>
+                <a:blipFill rotWithShape="0">
+                  <a:blip r:embed="rId3"/>
+                  <a:stretch>
+                    <a:fillRect l="-5660" r="-1887" b="-2174"/>
+                  </a:stretch>
+                </a:blipFill>
+              </p:spPr>
+              <p:txBody>
+                <a:bodyPr/>
+                <a:lstStyle/>
+                <a:p>
+                  <a:r>
+                    <a:rPr lang="ko-KR" altLang="en-US">
+                      <a:noFill/>
+                    </a:rPr>
+                    <a:t> </a:t>
+                  </a:r>
+                </a:p>
+              </p:txBody>
+            </p:sp>
+          </mc:Fallback>
+        </mc:AlternateContent>
+        <mc:AlternateContent xmlns:mc="http://schemas.openxmlformats.org/markup-compatibility/2006">
+          <mc:Choice xmlns:a14="http://schemas.microsoft.com/office/drawing/2010/main" Requires="a14">
+            <p:sp>
+              <p:nvSpPr>
+                <p:cNvPr id="85" name="TextBox 84"/>
+                <p:cNvSpPr txBox="1"/>
+                <p:nvPr/>
+              </p:nvSpPr>
+              <p:spPr>
+                <a:xfrm>
+                  <a:off x="3207997" y="5776164"/>
+                  <a:ext cx="320216" cy="276999"/>
+                </a:xfrm>
+                <a:prstGeom prst="rect">
+                  <a:avLst/>
+                </a:prstGeom>
+                <a:noFill/>
+              </p:spPr>
+              <p:txBody>
+                <a:bodyPr wrap="none" lIns="0" tIns="0" rIns="0" bIns="0" rtlCol="0">
+                  <a:spAutoFit/>
+                </a:bodyPr>
+                <a:lstStyle/>
+                <a:p>
+                  <a:pPr/>
+                  <a14:m>
+                    <m:oMathPara xmlns:m="http://schemas.openxmlformats.org/officeDocument/2006/math">
+                      <m:oMathParaPr>
+                        <m:jc m:val="centerGroup"/>
+                      </m:oMathParaPr>
+                      <m:oMath xmlns:m="http://schemas.openxmlformats.org/officeDocument/2006/math">
+                        <m:sSup>
+                          <m:sSupPr>
+                            <m:ctrlPr>
+                              <a:rPr lang="en-US" altLang="ko-KR" b="0" i="1" smtClean="0">
+                                <a:latin typeface="Cambria Math" panose="02040503050406030204" pitchFamily="18" charset="0"/>
+                              </a:rPr>
+                            </m:ctrlPr>
+                          </m:sSupPr>
+                          <m:e>
+                            <m:r>
+                              <a:rPr lang="en-US" altLang="ko-KR" b="0" i="1" smtClean="0">
+                                <a:latin typeface="Cambria Math" panose="02040503050406030204" pitchFamily="18" charset="0"/>
+                              </a:rPr>
+                              <m:t>𝑥</m:t>
+                            </m:r>
+                          </m:e>
+                          <m:sup>
+                            <m:r>
+                              <a:rPr lang="en-US" altLang="ko-KR" b="0" i="1" smtClean="0">
+                                <a:latin typeface="Cambria Math" panose="02040503050406030204" pitchFamily="18" charset="0"/>
+                              </a:rPr>
+                              <m:t>1</m:t>
+                            </m:r>
+                          </m:sup>
+                        </m:sSup>
+                      </m:oMath>
+                    </m:oMathPara>
+                  </a14:m>
+                  <a:endParaRPr lang="ko-KR" altLang="en-US" dirty="0"/>
+                </a:p>
+              </p:txBody>
+            </p:sp>
+          </mc:Choice>
+          <mc:Fallback>
+            <p:sp>
+              <p:nvSpPr>
+                <p:cNvPr id="85" name="TextBox 84"/>
+                <p:cNvSpPr txBox="1">
+                  <a:spLocks noRot="1" noChangeAspect="1" noMove="1" noResize="1" noEditPoints="1" noAdjustHandles="1" noChangeArrowheads="1" noChangeShapeType="1" noTextEdit="1"/>
+                </p:cNvSpPr>
+                <p:nvPr/>
+              </p:nvSpPr>
+              <p:spPr>
+                <a:xfrm>
+                  <a:off x="3207997" y="5776164"/>
+                  <a:ext cx="320216" cy="276999"/>
+                </a:xfrm>
+                <a:prstGeom prst="rect">
+                  <a:avLst/>
+                </a:prstGeom>
+                <a:blipFill rotWithShape="0">
+                  <a:blip r:embed="rId4"/>
+                  <a:stretch>
+                    <a:fillRect l="-5660" r="-1887" b="-4444"/>
+                  </a:stretch>
+                </a:blipFill>
+              </p:spPr>
+              <p:txBody>
+                <a:bodyPr/>
+                <a:lstStyle/>
+                <a:p>
+                  <a:r>
+                    <a:rPr lang="ko-KR" altLang="en-US">
+                      <a:noFill/>
+                    </a:rPr>
+                    <a:t> </a:t>
+                  </a:r>
+                </a:p>
+              </p:txBody>
+            </p:sp>
+          </mc:Fallback>
+        </mc:AlternateContent>
+      </p:grpSp>
+      <mc:AlternateContent xmlns:mc="http://schemas.openxmlformats.org/markup-compatibility/2006">
+        <mc:Choice xmlns:a14="http://schemas.microsoft.com/office/drawing/2010/main" Requires="a14">
+          <p:sp>
+            <p:nvSpPr>
+              <p:cNvPr id="34" name="TextBox 33"/>
+              <p:cNvSpPr txBox="1"/>
+              <p:nvPr/>
+            </p:nvSpPr>
+            <p:spPr>
+              <a:xfrm>
+                <a:off x="5985363" y="3546102"/>
+                <a:ext cx="1006366" cy="280205"/>
+              </a:xfrm>
+              <a:prstGeom prst="rect">
+                <a:avLst/>
+              </a:prstGeom>
+              <a:noFill/>
+            </p:spPr>
+            <p:txBody>
+              <a:bodyPr wrap="none" lIns="0" tIns="0" rIns="0" bIns="0" rtlCol="0">
+                <a:spAutoFit/>
+              </a:bodyPr>
+              <a:lstStyle/>
+              <a:p>
+                <a14:m>
+                  <m:oMathPara xmlns:m="http://schemas.openxmlformats.org/officeDocument/2006/math">
+                    <m:oMathParaPr>
+                      <m:jc m:val="centerGroup"/>
+                    </m:oMathParaPr>
+                    <m:oMath xmlns:m="http://schemas.openxmlformats.org/officeDocument/2006/math">
+                      <m:sSubSup>
+                        <m:sSubSupPr>
+                          <m:ctrlPr>
+                            <a:rPr lang="en-US" altLang="ko-KR" i="1" smtClean="0">
+                              <a:latin typeface="Cambria Math" panose="02040503050406030204" pitchFamily="18" charset="0"/>
+                            </a:rPr>
+                          </m:ctrlPr>
+                        </m:sSubSupPr>
+                        <m:e>
+                          <m:r>
+                            <a:rPr lang="en-US" altLang="ko-KR" i="1">
+                              <a:latin typeface="Cambria Math" panose="02040503050406030204" pitchFamily="18" charset="0"/>
+                            </a:rPr>
+                            <m:t>𝜎</m:t>
+                          </m:r>
+                        </m:e>
+                        <m:sub>
+                          <m:r>
+                            <a:rPr lang="en-US" altLang="ko-KR" i="1">
+                              <a:latin typeface="Cambria Math" panose="02040503050406030204" pitchFamily="18" charset="0"/>
+                            </a:rPr>
+                            <m:t>1</m:t>
+                          </m:r>
+                        </m:sub>
+                        <m:sup>
+                          <m:r>
+                            <a:rPr lang="en-US" altLang="ko-KR" b="0" i="1" smtClean="0">
+                              <a:latin typeface="Cambria Math" panose="02040503050406030204" pitchFamily="18" charset="0"/>
+                            </a:rPr>
+                            <m:t>2</m:t>
+                          </m:r>
+                        </m:sup>
+                      </m:sSubSup>
+                      <m:r>
+                        <a:rPr lang="en-US" altLang="ko-KR" b="0" i="1" smtClean="0">
+                          <a:latin typeface="Cambria Math" panose="02040503050406030204" pitchFamily="18" charset="0"/>
+                        </a:rPr>
+                        <m:t>+</m:t>
+                      </m:r>
+                      <m:r>
+                        <m:rPr>
+                          <m:sty m:val="p"/>
+                        </m:rPr>
+                        <a:rPr lang="en-US" altLang="ko-KR" b="0" i="0" smtClean="0">
+                          <a:latin typeface="Cambria Math" panose="02040503050406030204" pitchFamily="18" charset="0"/>
+                        </a:rPr>
+                        <m:t>Δ</m:t>
+                      </m:r>
+                      <m:sSubSup>
+                        <m:sSubSupPr>
+                          <m:ctrlPr>
+                            <a:rPr lang="en-US" altLang="ko-KR" i="1">
+                              <a:latin typeface="Cambria Math" panose="02040503050406030204" pitchFamily="18" charset="0"/>
+                            </a:rPr>
+                          </m:ctrlPr>
+                        </m:sSubSupPr>
+                        <m:e>
+                          <m:r>
+                            <a:rPr lang="en-US" altLang="ko-KR" i="1">
+                              <a:latin typeface="Cambria Math" panose="02040503050406030204" pitchFamily="18" charset="0"/>
+                            </a:rPr>
+                            <m:t>𝜎</m:t>
+                          </m:r>
+                        </m:e>
+                        <m:sub>
+                          <m:r>
+                            <a:rPr lang="en-US" altLang="ko-KR" i="1">
+                              <a:latin typeface="Cambria Math" panose="02040503050406030204" pitchFamily="18" charset="0"/>
+                            </a:rPr>
+                            <m:t>1</m:t>
+                          </m:r>
+                        </m:sub>
+                        <m:sup>
+                          <m:r>
+                            <a:rPr lang="en-US" altLang="ko-KR" i="1">
+                              <a:latin typeface="Cambria Math" panose="02040503050406030204" pitchFamily="18" charset="0"/>
+                            </a:rPr>
+                            <m:t>2</m:t>
+                          </m:r>
+                        </m:sup>
+                      </m:sSubSup>
+                    </m:oMath>
+                  </m:oMathPara>
+                </a14:m>
+                <a:endParaRPr lang="ko-KR" altLang="en-US" dirty="0"/>
+              </a:p>
+            </p:txBody>
+          </p:sp>
+        </mc:Choice>
+        <mc:Fallback>
+          <p:sp>
+            <p:nvSpPr>
+              <p:cNvPr id="34" name="TextBox 33"/>
+              <p:cNvSpPr txBox="1">
+                <a:spLocks noRot="1" noChangeAspect="1" noMove="1" noResize="1" noEditPoints="1" noAdjustHandles="1" noChangeArrowheads="1" noChangeShapeType="1" noTextEdit="1"/>
+              </p:cNvSpPr>
+              <p:nvPr/>
+            </p:nvSpPr>
+            <p:spPr>
+              <a:xfrm>
+                <a:off x="5985363" y="3546102"/>
+                <a:ext cx="1006366" cy="280205"/>
+              </a:xfrm>
+              <a:prstGeom prst="rect">
+                <a:avLst/>
+              </a:prstGeom>
+              <a:blipFill rotWithShape="0">
+                <a:blip r:embed="rId5"/>
+                <a:stretch>
+                  <a:fillRect l="-1818" r="-606" b="-19565"/>
+                </a:stretch>
+              </a:blipFill>
+            </p:spPr>
+            <p:txBody>
+              <a:bodyPr/>
+              <a:lstStyle/>
+              <a:p>
+                <a:r>
+                  <a:rPr lang="ko-KR" altLang="en-US">
+                    <a:noFill/>
+                  </a:rPr>
+                  <a:t> </a:t>
+                </a:r>
+              </a:p>
+            </p:txBody>
+          </p:sp>
+        </mc:Fallback>
+      </mc:AlternateContent>
+      <p:cxnSp>
+        <p:nvCxnSpPr>
+          <p:cNvPr id="36" name="직선 화살표 연결선 35"/>
+          <p:cNvCxnSpPr/>
+          <p:nvPr/>
+        </p:nvCxnSpPr>
+        <p:spPr>
+          <a:xfrm>
+            <a:off x="4263435" y="3483185"/>
+            <a:ext cx="1078114" cy="0"/>
+          </a:xfrm>
+          <a:prstGeom prst="straightConnector1">
+            <a:avLst/>
+          </a:prstGeom>
+          <a:ln w="28575">
+            <a:solidFill>
+              <a:schemeClr val="tx1"/>
+            </a:solidFill>
+            <a:headEnd w="lg" len="lg"/>
+            <a:tailEnd type="triangle" w="lg" len="lg"/>
+          </a:ln>
+        </p:spPr>
+        <p:style>
+          <a:lnRef idx="1">
+            <a:schemeClr val="accent1"/>
+          </a:lnRef>
+          <a:fillRef idx="0">
+            <a:schemeClr val="accent1"/>
+          </a:fillRef>
+          <a:effectRef idx="0">
+            <a:schemeClr val="accent1"/>
+          </a:effectRef>
+          <a:fontRef idx="minor">
+            <a:schemeClr val="tx1"/>
+          </a:fontRef>
+        </p:style>
+      </p:cxnSp>
+      <p:cxnSp>
+        <p:nvCxnSpPr>
+          <p:cNvPr id="37" name="직선 화살표 연결선 36"/>
+          <p:cNvCxnSpPr/>
+          <p:nvPr/>
+        </p:nvCxnSpPr>
+        <p:spPr>
+          <a:xfrm flipV="1">
+            <a:off x="4818471" y="2865795"/>
+            <a:ext cx="0" cy="720000"/>
+          </a:xfrm>
+          <a:prstGeom prst="straightConnector1">
+            <a:avLst/>
+          </a:prstGeom>
+          <a:ln w="28575">
+            <a:solidFill>
+              <a:schemeClr val="tx1"/>
+            </a:solidFill>
+            <a:headEnd w="lg" len="lg"/>
+            <a:tailEnd type="triangle" w="lg" len="lg"/>
+          </a:ln>
+        </p:spPr>
+        <p:style>
+          <a:lnRef idx="1">
+            <a:schemeClr val="accent1"/>
+          </a:lnRef>
+          <a:fillRef idx="0">
+            <a:schemeClr val="accent1"/>
+          </a:fillRef>
+          <a:effectRef idx="0">
+            <a:schemeClr val="accent1"/>
+          </a:effectRef>
+          <a:fontRef idx="minor">
+            <a:schemeClr val="tx1"/>
+          </a:fontRef>
+        </p:style>
+      </p:cxnSp>
+      <mc:AlternateContent xmlns:mc="http://schemas.openxmlformats.org/markup-compatibility/2006">
+        <mc:Choice xmlns:a14="http://schemas.microsoft.com/office/drawing/2010/main" Requires="a14">
+          <p:sp>
+            <p:nvSpPr>
+              <p:cNvPr id="38" name="TextBox 37"/>
+              <p:cNvSpPr txBox="1"/>
+              <p:nvPr/>
+            </p:nvSpPr>
+            <p:spPr>
+              <a:xfrm>
+                <a:off x="5036607" y="3027704"/>
+                <a:ext cx="996491" cy="280141"/>
+              </a:xfrm>
+              <a:prstGeom prst="rect">
+                <a:avLst/>
+              </a:prstGeom>
+              <a:noFill/>
+            </p:spPr>
+            <p:txBody>
+              <a:bodyPr wrap="none" lIns="0" tIns="0" rIns="0" bIns="0" rtlCol="0">
+                <a:spAutoFit/>
+              </a:bodyPr>
+              <a:lstStyle/>
+              <a:p>
+                <a:pPr/>
+                <a14:m>
+                  <m:oMathPara xmlns:m="http://schemas.openxmlformats.org/officeDocument/2006/math">
+                    <m:oMathParaPr>
+                      <m:jc m:val="centerGroup"/>
+                    </m:oMathParaPr>
+                    <m:oMath xmlns:m="http://schemas.openxmlformats.org/officeDocument/2006/math">
+                      <m:sSubSup>
+                        <m:sSubSupPr>
+                          <m:ctrlPr>
+                            <a:rPr lang="en-US" altLang="ko-KR" i="1" smtClean="0">
+                              <a:latin typeface="Cambria Math" panose="02040503050406030204" pitchFamily="18" charset="0"/>
+                            </a:rPr>
+                          </m:ctrlPr>
+                        </m:sSubSupPr>
+                        <m:e>
+                          <m:r>
+                            <a:rPr lang="en-US" altLang="ko-KR" i="1">
+                              <a:latin typeface="Cambria Math" panose="02040503050406030204" pitchFamily="18" charset="0"/>
+                            </a:rPr>
+                            <m:t>𝜎</m:t>
+                          </m:r>
+                        </m:e>
+                        <m:sub>
+                          <m:r>
+                            <a:rPr lang="en-US" altLang="ko-KR" b="0" i="1" smtClean="0">
+                              <a:latin typeface="Cambria Math" panose="02040503050406030204" pitchFamily="18" charset="0"/>
+                            </a:rPr>
+                            <m:t>2</m:t>
+                          </m:r>
+                        </m:sub>
+                        <m:sup>
+                          <m:r>
+                            <a:rPr lang="en-US" altLang="ko-KR" i="1">
+                              <a:latin typeface="Cambria Math" panose="02040503050406030204" pitchFamily="18" charset="0"/>
+                            </a:rPr>
+                            <m:t>1</m:t>
+                          </m:r>
+                        </m:sup>
+                      </m:sSubSup>
+                      <m:r>
+                        <a:rPr lang="en-US" altLang="ko-KR" b="0" i="1" smtClean="0">
+                          <a:latin typeface="Cambria Math" panose="02040503050406030204" pitchFamily="18" charset="0"/>
+                        </a:rPr>
+                        <m:t>+</m:t>
+                      </m:r>
+                      <m:r>
+                        <m:rPr>
+                          <m:sty m:val="p"/>
+                        </m:rPr>
+                        <a:rPr lang="en-US" altLang="ko-KR" b="0" i="0" smtClean="0">
+                          <a:latin typeface="Cambria Math" panose="02040503050406030204" pitchFamily="18" charset="0"/>
+                        </a:rPr>
+                        <m:t>Δ</m:t>
+                      </m:r>
+                      <m:sSubSup>
+                        <m:sSubSupPr>
+                          <m:ctrlPr>
+                            <a:rPr lang="en-US" altLang="ko-KR" i="1">
+                              <a:latin typeface="Cambria Math" panose="02040503050406030204" pitchFamily="18" charset="0"/>
+                            </a:rPr>
+                          </m:ctrlPr>
+                        </m:sSubSupPr>
+                        <m:e>
+                          <m:r>
+                            <a:rPr lang="en-US" altLang="ko-KR" i="1">
+                              <a:latin typeface="Cambria Math" panose="02040503050406030204" pitchFamily="18" charset="0"/>
+                            </a:rPr>
+                            <m:t>𝜎</m:t>
+                          </m:r>
+                        </m:e>
+                        <m:sub>
+                          <m:r>
+                            <a:rPr lang="en-US" altLang="ko-KR" i="1">
+                              <a:latin typeface="Cambria Math" panose="02040503050406030204" pitchFamily="18" charset="0"/>
+                            </a:rPr>
+                            <m:t>2</m:t>
+                          </m:r>
+                        </m:sub>
+                        <m:sup>
+                          <m:r>
+                            <a:rPr lang="en-US" altLang="ko-KR" i="1">
+                              <a:latin typeface="Cambria Math" panose="02040503050406030204" pitchFamily="18" charset="0"/>
+                            </a:rPr>
+                            <m:t>1</m:t>
+                          </m:r>
+                        </m:sup>
+                      </m:sSubSup>
+                    </m:oMath>
+                  </m:oMathPara>
+                </a14:m>
+                <a:endParaRPr lang="ko-KR" altLang="en-US" dirty="0"/>
+              </a:p>
+            </p:txBody>
+          </p:sp>
+        </mc:Choice>
+        <mc:Fallback>
+          <p:sp>
+            <p:nvSpPr>
+              <p:cNvPr id="38" name="TextBox 37"/>
+              <p:cNvSpPr txBox="1">
+                <a:spLocks noRot="1" noChangeAspect="1" noMove="1" noResize="1" noEditPoints="1" noAdjustHandles="1" noChangeArrowheads="1" noChangeShapeType="1" noTextEdit="1"/>
+              </p:cNvSpPr>
+              <p:nvPr/>
+            </p:nvSpPr>
+            <p:spPr>
+              <a:xfrm>
+                <a:off x="5036607" y="3027704"/>
+                <a:ext cx="996491" cy="280141"/>
+              </a:xfrm>
+              <a:prstGeom prst="rect">
+                <a:avLst/>
+              </a:prstGeom>
+              <a:blipFill rotWithShape="0">
+                <a:blip r:embed="rId6"/>
+                <a:stretch>
+                  <a:fillRect l="-1829" r="-610" b="-19565"/>
+                </a:stretch>
+              </a:blipFill>
+            </p:spPr>
+            <p:txBody>
+              <a:bodyPr/>
+              <a:lstStyle/>
+              <a:p>
+                <a:r>
+                  <a:rPr lang="ko-KR" altLang="en-US">
+                    <a:noFill/>
+                  </a:rPr>
+                  <a:t> </a:t>
+                </a:r>
+              </a:p>
+            </p:txBody>
+          </p:sp>
+        </mc:Fallback>
+      </mc:AlternateContent>
+      <mc:AlternateContent xmlns:mc="http://schemas.openxmlformats.org/markup-compatibility/2006">
+        <mc:Choice xmlns:a14="http://schemas.microsoft.com/office/drawing/2010/main" Requires="a14">
+          <p:sp>
+            <p:nvSpPr>
+              <p:cNvPr id="47" name="TextBox 46"/>
+              <p:cNvSpPr txBox="1"/>
+              <p:nvPr/>
+            </p:nvSpPr>
+            <p:spPr>
+              <a:xfrm>
+                <a:off x="4322799" y="2463385"/>
+                <a:ext cx="1006366" cy="280718"/>
+              </a:xfrm>
+              <a:prstGeom prst="rect">
+                <a:avLst/>
+              </a:prstGeom>
+              <a:noFill/>
+            </p:spPr>
+            <p:txBody>
+              <a:bodyPr wrap="none" lIns="0" tIns="0" rIns="0" bIns="0" rtlCol="0">
+                <a:spAutoFit/>
+              </a:bodyPr>
+              <a:lstStyle/>
+              <a:p>
+                <a:pPr/>
+                <a14:m>
+                  <m:oMathPara xmlns:m="http://schemas.openxmlformats.org/officeDocument/2006/math">
+                    <m:oMathParaPr>
+                      <m:jc m:val="centerGroup"/>
+                    </m:oMathParaPr>
+                    <m:oMath xmlns:m="http://schemas.openxmlformats.org/officeDocument/2006/math">
+                      <m:sSubSup>
+                        <m:sSubSupPr>
+                          <m:ctrlPr>
+                            <a:rPr lang="en-US" altLang="ko-KR" i="1" smtClean="0">
+                              <a:latin typeface="Cambria Math" panose="02040503050406030204" pitchFamily="18" charset="0"/>
+                            </a:rPr>
+                          </m:ctrlPr>
+                        </m:sSubSupPr>
+                        <m:e>
+                          <m:r>
+                            <a:rPr lang="en-US" altLang="ko-KR" i="1">
+                              <a:latin typeface="Cambria Math" panose="02040503050406030204" pitchFamily="18" charset="0"/>
+                            </a:rPr>
+                            <m:t>𝜎</m:t>
+                          </m:r>
+                        </m:e>
+                        <m:sub>
+                          <m:r>
+                            <a:rPr lang="en-US" altLang="ko-KR" b="0" i="1" smtClean="0">
+                              <a:latin typeface="Cambria Math" panose="02040503050406030204" pitchFamily="18" charset="0"/>
+                            </a:rPr>
+                            <m:t>2</m:t>
+                          </m:r>
+                        </m:sub>
+                        <m:sup>
+                          <m:r>
+                            <a:rPr lang="en-US" altLang="ko-KR" b="0" i="1" smtClean="0">
+                              <a:latin typeface="Cambria Math" panose="02040503050406030204" pitchFamily="18" charset="0"/>
+                            </a:rPr>
+                            <m:t>2</m:t>
+                          </m:r>
+                        </m:sup>
+                      </m:sSubSup>
+                      <m:r>
+                        <a:rPr lang="en-US" altLang="ko-KR" b="0" i="1" smtClean="0">
+                          <a:latin typeface="Cambria Math" panose="02040503050406030204" pitchFamily="18" charset="0"/>
+                        </a:rPr>
+                        <m:t>+</m:t>
+                      </m:r>
+                      <m:r>
+                        <m:rPr>
+                          <m:sty m:val="p"/>
+                        </m:rPr>
+                        <a:rPr lang="en-US" altLang="ko-KR" b="0" i="0" smtClean="0">
+                          <a:latin typeface="Cambria Math" panose="02040503050406030204" pitchFamily="18" charset="0"/>
+                        </a:rPr>
+                        <m:t>Δ</m:t>
+                      </m:r>
+                      <m:sSubSup>
+                        <m:sSubSupPr>
+                          <m:ctrlPr>
+                            <a:rPr lang="en-US" altLang="ko-KR" i="1">
+                              <a:latin typeface="Cambria Math" panose="02040503050406030204" pitchFamily="18" charset="0"/>
+                            </a:rPr>
+                          </m:ctrlPr>
+                        </m:sSubSupPr>
+                        <m:e>
+                          <m:r>
+                            <a:rPr lang="en-US" altLang="ko-KR" i="1">
+                              <a:latin typeface="Cambria Math" panose="02040503050406030204" pitchFamily="18" charset="0"/>
+                            </a:rPr>
+                            <m:t>𝜎</m:t>
+                          </m:r>
+                        </m:e>
+                        <m:sub>
+                          <m:r>
+                            <a:rPr lang="en-US" altLang="ko-KR" i="1">
+                              <a:latin typeface="Cambria Math" panose="02040503050406030204" pitchFamily="18" charset="0"/>
+                            </a:rPr>
+                            <m:t>2</m:t>
+                          </m:r>
+                        </m:sub>
+                        <m:sup>
+                          <m:r>
+                            <a:rPr lang="en-US" altLang="ko-KR" i="1">
+                              <a:latin typeface="Cambria Math" panose="02040503050406030204" pitchFamily="18" charset="0"/>
+                            </a:rPr>
+                            <m:t>2</m:t>
+                          </m:r>
+                        </m:sup>
+                      </m:sSubSup>
+                    </m:oMath>
+                  </m:oMathPara>
+                </a14:m>
+                <a:endParaRPr lang="ko-KR" altLang="en-US" dirty="0"/>
+              </a:p>
+            </p:txBody>
+          </p:sp>
+        </mc:Choice>
+        <mc:Fallback>
+          <p:sp>
+            <p:nvSpPr>
+              <p:cNvPr id="47" name="TextBox 46"/>
+              <p:cNvSpPr txBox="1">
+                <a:spLocks noRot="1" noChangeAspect="1" noMove="1" noResize="1" noEditPoints="1" noAdjustHandles="1" noChangeArrowheads="1" noChangeShapeType="1" noTextEdit="1"/>
+              </p:cNvSpPr>
+              <p:nvPr/>
+            </p:nvSpPr>
+            <p:spPr>
+              <a:xfrm>
+                <a:off x="4322799" y="2463385"/>
+                <a:ext cx="1006366" cy="280718"/>
+              </a:xfrm>
+              <a:prstGeom prst="rect">
+                <a:avLst/>
+              </a:prstGeom>
+              <a:blipFill rotWithShape="0">
+                <a:blip r:embed="rId7"/>
+                <a:stretch>
+                  <a:fillRect l="-1818" r="-1212" b="-21739"/>
+                </a:stretch>
+              </a:blipFill>
+            </p:spPr>
+            <p:txBody>
+              <a:bodyPr/>
+              <a:lstStyle/>
+              <a:p>
+                <a:r>
+                  <a:rPr lang="ko-KR" altLang="en-US">
+                    <a:noFill/>
+                  </a:rPr>
+                  <a:t> </a:t>
+                </a:r>
+              </a:p>
+            </p:txBody>
+          </p:sp>
+        </mc:Fallback>
+      </mc:AlternateContent>
+      <p:cxnSp>
+        <p:nvCxnSpPr>
+          <p:cNvPr id="56" name="직선 화살표 연결선 55"/>
+          <p:cNvCxnSpPr/>
+          <p:nvPr/>
+        </p:nvCxnSpPr>
+        <p:spPr>
+          <a:xfrm>
+            <a:off x="3198471" y="4125795"/>
+            <a:ext cx="720000" cy="0"/>
+          </a:xfrm>
+          <a:prstGeom prst="straightConnector1">
+            <a:avLst/>
+          </a:prstGeom>
+          <a:ln w="28575">
+            <a:solidFill>
+              <a:schemeClr val="tx1"/>
+            </a:solidFill>
+            <a:headEnd type="triangle" w="lg" len="lg"/>
+            <a:tailEnd type="none" w="lg" len="med"/>
+          </a:ln>
+        </p:spPr>
+        <p:style>
+          <a:lnRef idx="1">
+            <a:schemeClr val="accent1"/>
+          </a:lnRef>
+          <a:fillRef idx="0">
+            <a:schemeClr val="accent1"/>
+          </a:fillRef>
+          <a:effectRef idx="0">
+            <a:schemeClr val="accent1"/>
+          </a:effectRef>
+          <a:fontRef idx="minor">
+            <a:schemeClr val="tx1"/>
+          </a:fontRef>
+        </p:style>
+      </p:cxnSp>
+      <p:cxnSp>
+        <p:nvCxnSpPr>
+          <p:cNvPr id="57" name="직선 화살표 연결선 56"/>
+          <p:cNvCxnSpPr/>
+          <p:nvPr/>
+        </p:nvCxnSpPr>
+        <p:spPr>
+          <a:xfrm flipH="1" flipV="1">
+            <a:off x="3701255" y="3686205"/>
+            <a:ext cx="0" cy="1080000"/>
+          </a:xfrm>
+          <a:prstGeom prst="straightConnector1">
+            <a:avLst/>
+          </a:prstGeom>
+          <a:ln w="28575">
+            <a:solidFill>
+              <a:schemeClr val="tx1"/>
+            </a:solidFill>
+            <a:headEnd type="triangle" w="lg" len="lg"/>
+            <a:tailEnd type="none" w="lg" len="med"/>
+          </a:ln>
+        </p:spPr>
+        <p:style>
+          <a:lnRef idx="1">
+            <a:schemeClr val="accent1"/>
+          </a:lnRef>
+          <a:fillRef idx="0">
+            <a:schemeClr val="accent1"/>
+          </a:fillRef>
+          <a:effectRef idx="0">
+            <a:schemeClr val="accent1"/>
+          </a:effectRef>
+          <a:fontRef idx="minor">
+            <a:schemeClr val="tx1"/>
+          </a:fontRef>
+        </p:style>
+      </p:cxnSp>
+      <p:cxnSp>
+        <p:nvCxnSpPr>
+          <p:cNvPr id="58" name="직선 화살표 연결선 57"/>
+          <p:cNvCxnSpPr/>
+          <p:nvPr/>
+        </p:nvCxnSpPr>
+        <p:spPr>
+          <a:xfrm>
+            <a:off x="4279414" y="4936913"/>
+            <a:ext cx="1078114" cy="0"/>
+          </a:xfrm>
+          <a:prstGeom prst="straightConnector1">
+            <a:avLst/>
+          </a:prstGeom>
+          <a:ln w="28575">
+            <a:solidFill>
+              <a:schemeClr val="tx1"/>
+            </a:solidFill>
+            <a:headEnd type="triangle" w="lg" len="lg"/>
+            <a:tailEnd type="none" w="med" len="med"/>
+          </a:ln>
+        </p:spPr>
+        <p:style>
+          <a:lnRef idx="1">
+            <a:schemeClr val="accent1"/>
+          </a:lnRef>
+          <a:fillRef idx="0">
+            <a:schemeClr val="accent1"/>
+          </a:fillRef>
+          <a:effectRef idx="0">
+            <a:schemeClr val="accent1"/>
+          </a:effectRef>
+          <a:fontRef idx="minor">
+            <a:schemeClr val="tx1"/>
+          </a:fontRef>
+        </p:style>
+      </p:cxnSp>
+      <p:cxnSp>
+        <p:nvCxnSpPr>
+          <p:cNvPr id="59" name="직선 화살표 연결선 58"/>
+          <p:cNvCxnSpPr/>
+          <p:nvPr/>
+        </p:nvCxnSpPr>
+        <p:spPr>
+          <a:xfrm flipV="1">
+            <a:off x="4818471" y="4698584"/>
+            <a:ext cx="0" cy="720000"/>
+          </a:xfrm>
+          <a:prstGeom prst="straightConnector1">
+            <a:avLst/>
+          </a:prstGeom>
+          <a:ln w="28575">
+            <a:solidFill>
+              <a:schemeClr val="tx1"/>
+            </a:solidFill>
+            <a:headEnd type="triangle" w="lg" len="lg"/>
+            <a:tailEnd type="none" w="med" len="med"/>
+          </a:ln>
+        </p:spPr>
+        <p:style>
+          <a:lnRef idx="1">
+            <a:schemeClr val="accent1"/>
+          </a:lnRef>
+          <a:fillRef idx="0">
+            <a:schemeClr val="accent1"/>
+          </a:fillRef>
+          <a:effectRef idx="0">
+            <a:schemeClr val="accent1"/>
+          </a:effectRef>
+          <a:fontRef idx="minor">
+            <a:schemeClr val="tx1"/>
+          </a:fontRef>
+        </p:style>
+      </p:cxnSp>
+      <mc:AlternateContent xmlns:mc="http://schemas.openxmlformats.org/markup-compatibility/2006">
+        <mc:Choice xmlns:a14="http://schemas.microsoft.com/office/drawing/2010/main" Requires="a14">
+          <p:sp>
+            <p:nvSpPr>
+              <p:cNvPr id="60" name="TextBox 59"/>
+              <p:cNvSpPr txBox="1"/>
+              <p:nvPr/>
+            </p:nvSpPr>
+            <p:spPr>
+              <a:xfrm>
+                <a:off x="4649835" y="5494367"/>
+                <a:ext cx="337272" cy="280718"/>
+              </a:xfrm>
+              <a:prstGeom prst="rect">
+                <a:avLst/>
+              </a:prstGeom>
+              <a:noFill/>
+            </p:spPr>
+            <p:txBody>
+              <a:bodyPr wrap="none" lIns="0" tIns="0" rIns="0" bIns="0" rtlCol="0">
+                <a:spAutoFit/>
+              </a:bodyPr>
+              <a:lstStyle/>
+              <a:p>
+                <a:pPr/>
+                <a14:m>
+                  <m:oMathPara xmlns:m="http://schemas.openxmlformats.org/officeDocument/2006/math">
+                    <m:oMathParaPr>
+                      <m:jc m:val="centerGroup"/>
+                    </m:oMathParaPr>
+                    <m:oMath xmlns:m="http://schemas.openxmlformats.org/officeDocument/2006/math">
+                      <m:sSubSup>
+                        <m:sSubSupPr>
+                          <m:ctrlPr>
+                            <a:rPr lang="en-US" altLang="ko-KR" i="1" smtClean="0">
+                              <a:latin typeface="Cambria Math" panose="02040503050406030204" pitchFamily="18" charset="0"/>
+                            </a:rPr>
+                          </m:ctrlPr>
+                        </m:sSubSupPr>
+                        <m:e>
+                          <m:r>
+                            <a:rPr lang="en-US" altLang="ko-KR" i="1">
+                              <a:latin typeface="Cambria Math" panose="02040503050406030204" pitchFamily="18" charset="0"/>
+                            </a:rPr>
+                            <m:t>𝜎</m:t>
+                          </m:r>
+                        </m:e>
+                        <m:sub>
+                          <m:r>
+                            <a:rPr lang="en-US" altLang="ko-KR" b="0" i="1" smtClean="0">
+                              <a:latin typeface="Cambria Math" panose="02040503050406030204" pitchFamily="18" charset="0"/>
+                            </a:rPr>
+                            <m:t>2</m:t>
+                          </m:r>
+                        </m:sub>
+                        <m:sup>
+                          <m:r>
+                            <a:rPr lang="en-US" altLang="ko-KR" b="0" i="1" smtClean="0">
+                              <a:latin typeface="Cambria Math" panose="02040503050406030204" pitchFamily="18" charset="0"/>
+                            </a:rPr>
+                            <m:t>2</m:t>
+                          </m:r>
+                        </m:sup>
+                      </m:sSubSup>
+                    </m:oMath>
+                  </m:oMathPara>
+                </a14:m>
+                <a:endParaRPr lang="ko-KR" altLang="en-US" dirty="0"/>
+              </a:p>
+            </p:txBody>
+          </p:sp>
+        </mc:Choice>
+        <mc:Fallback>
+          <p:sp>
+            <p:nvSpPr>
+              <p:cNvPr id="60" name="TextBox 59"/>
+              <p:cNvSpPr txBox="1">
+                <a:spLocks noRot="1" noChangeAspect="1" noMove="1" noResize="1" noEditPoints="1" noAdjustHandles="1" noChangeArrowheads="1" noChangeShapeType="1" noTextEdit="1"/>
+              </p:cNvSpPr>
+              <p:nvPr/>
+            </p:nvSpPr>
+            <p:spPr>
+              <a:xfrm>
+                <a:off x="4649835" y="5494367"/>
+                <a:ext cx="337272" cy="280718"/>
+              </a:xfrm>
+              <a:prstGeom prst="rect">
+                <a:avLst/>
+              </a:prstGeom>
+              <a:blipFill rotWithShape="0">
+                <a:blip r:embed="rId8"/>
+                <a:stretch>
+                  <a:fillRect l="-5455" r="-1818" b="-21739"/>
+                </a:stretch>
+              </a:blipFill>
+            </p:spPr>
+            <p:txBody>
+              <a:bodyPr/>
+              <a:lstStyle/>
+              <a:p>
+                <a:r>
+                  <a:rPr lang="ko-KR" altLang="en-US">
+                    <a:noFill/>
+                  </a:rPr>
+                  <a:t> </a:t>
+                </a:r>
+              </a:p>
+            </p:txBody>
+          </p:sp>
+        </mc:Fallback>
+      </mc:AlternateContent>
+      <mc:AlternateContent xmlns:mc="http://schemas.openxmlformats.org/markup-compatibility/2006">
+        <mc:Choice xmlns:a14="http://schemas.microsoft.com/office/drawing/2010/main" Requires="a14">
+          <p:sp>
+            <p:nvSpPr>
+              <p:cNvPr id="61" name="TextBox 60"/>
+              <p:cNvSpPr txBox="1"/>
+              <p:nvPr/>
+            </p:nvSpPr>
+            <p:spPr>
+              <a:xfrm>
+                <a:off x="4030241" y="5025063"/>
+                <a:ext cx="332334" cy="280141"/>
+              </a:xfrm>
+              <a:prstGeom prst="rect">
+                <a:avLst/>
+              </a:prstGeom>
+              <a:noFill/>
+            </p:spPr>
+            <p:txBody>
+              <a:bodyPr wrap="none" lIns="0" tIns="0" rIns="0" bIns="0" rtlCol="0">
+                <a:spAutoFit/>
+              </a:bodyPr>
+              <a:lstStyle/>
+              <a:p>
+                <a:pPr/>
+                <a14:m>
+                  <m:oMathPara xmlns:m="http://schemas.openxmlformats.org/officeDocument/2006/math">
+                    <m:oMathParaPr>
+                      <m:jc m:val="centerGroup"/>
+                    </m:oMathParaPr>
+                    <m:oMath xmlns:m="http://schemas.openxmlformats.org/officeDocument/2006/math">
+                      <m:sSubSup>
+                        <m:sSubSupPr>
+                          <m:ctrlPr>
+                            <a:rPr lang="en-US" altLang="ko-KR" i="1" smtClean="0">
+                              <a:latin typeface="Cambria Math" panose="02040503050406030204" pitchFamily="18" charset="0"/>
+                            </a:rPr>
+                          </m:ctrlPr>
+                        </m:sSubSupPr>
+                        <m:e>
+                          <m:r>
+                            <a:rPr lang="en-US" altLang="ko-KR" i="1">
+                              <a:latin typeface="Cambria Math" panose="02040503050406030204" pitchFamily="18" charset="0"/>
+                            </a:rPr>
+                            <m:t>𝜎</m:t>
+                          </m:r>
+                        </m:e>
+                        <m:sub>
+                          <m:r>
+                            <a:rPr lang="en-US" altLang="ko-KR" b="0" i="1" smtClean="0">
+                              <a:latin typeface="Cambria Math" panose="02040503050406030204" pitchFamily="18" charset="0"/>
+                            </a:rPr>
+                            <m:t>2</m:t>
+                          </m:r>
+                        </m:sub>
+                        <m:sup>
+                          <m:r>
+                            <a:rPr lang="en-US" altLang="ko-KR" i="1">
+                              <a:latin typeface="Cambria Math" panose="02040503050406030204" pitchFamily="18" charset="0"/>
+                            </a:rPr>
+                            <m:t>1</m:t>
+                          </m:r>
+                        </m:sup>
+                      </m:sSubSup>
+                    </m:oMath>
+                  </m:oMathPara>
+                </a14:m>
+                <a:endParaRPr lang="ko-KR" altLang="en-US" dirty="0"/>
+              </a:p>
+            </p:txBody>
+          </p:sp>
+        </mc:Choice>
+        <mc:Fallback>
+          <p:sp>
+            <p:nvSpPr>
+              <p:cNvPr id="61" name="TextBox 60"/>
+              <p:cNvSpPr txBox="1">
+                <a:spLocks noRot="1" noChangeAspect="1" noMove="1" noResize="1" noEditPoints="1" noAdjustHandles="1" noChangeArrowheads="1" noChangeShapeType="1" noTextEdit="1"/>
+              </p:cNvSpPr>
+              <p:nvPr/>
+            </p:nvSpPr>
+            <p:spPr>
+              <a:xfrm>
+                <a:off x="4030241" y="5025063"/>
+                <a:ext cx="332334" cy="280141"/>
+              </a:xfrm>
+              <a:prstGeom prst="rect">
+                <a:avLst/>
+              </a:prstGeom>
+              <a:blipFill rotWithShape="0">
+                <a:blip r:embed="rId9"/>
+                <a:stretch>
+                  <a:fillRect l="-5455" r="-1818" b="-21739"/>
+                </a:stretch>
+              </a:blipFill>
+            </p:spPr>
+            <p:txBody>
+              <a:bodyPr/>
+              <a:lstStyle/>
+              <a:p>
+                <a:r>
+                  <a:rPr lang="ko-KR" altLang="en-US">
+                    <a:noFill/>
+                  </a:rPr>
+                  <a:t> </a:t>
+                </a:r>
+              </a:p>
+            </p:txBody>
+          </p:sp>
+        </mc:Fallback>
+      </mc:AlternateContent>
+      <mc:AlternateContent xmlns:mc="http://schemas.openxmlformats.org/markup-compatibility/2006">
+        <mc:Choice xmlns:a14="http://schemas.microsoft.com/office/drawing/2010/main" Requires="a14">
+          <p:sp>
+            <p:nvSpPr>
+              <p:cNvPr id="62" name="TextBox 61"/>
+              <p:cNvSpPr txBox="1"/>
+              <p:nvPr/>
+            </p:nvSpPr>
+            <p:spPr>
+              <a:xfrm>
+                <a:off x="3281838" y="4510227"/>
+                <a:ext cx="337272" cy="280205"/>
+              </a:xfrm>
+              <a:prstGeom prst="rect">
+                <a:avLst/>
+              </a:prstGeom>
+              <a:noFill/>
+            </p:spPr>
+            <p:txBody>
+              <a:bodyPr wrap="none" lIns="0" tIns="0" rIns="0" bIns="0" rtlCol="0">
+                <a:spAutoFit/>
+              </a:bodyPr>
+              <a:lstStyle/>
+              <a:p>
+                <a14:m>
+                  <m:oMathPara xmlns:m="http://schemas.openxmlformats.org/officeDocument/2006/math">
+                    <m:oMathParaPr>
+                      <m:jc m:val="centerGroup"/>
+                    </m:oMathParaPr>
+                    <m:oMath xmlns:m="http://schemas.openxmlformats.org/officeDocument/2006/math">
+                      <m:sSubSup>
+                        <m:sSubSupPr>
+                          <m:ctrlPr>
+                            <a:rPr lang="en-US" altLang="ko-KR" i="1" smtClean="0">
+                              <a:latin typeface="Cambria Math" panose="02040503050406030204" pitchFamily="18" charset="0"/>
+                            </a:rPr>
+                          </m:ctrlPr>
+                        </m:sSubSupPr>
+                        <m:e>
+                          <m:r>
+                            <a:rPr lang="en-US" altLang="ko-KR" i="1">
+                              <a:latin typeface="Cambria Math" panose="02040503050406030204" pitchFamily="18" charset="0"/>
+                            </a:rPr>
+                            <m:t>𝜎</m:t>
+                          </m:r>
+                        </m:e>
+                        <m:sub>
+                          <m:r>
+                            <a:rPr lang="en-US" altLang="ko-KR" i="1">
+                              <a:latin typeface="Cambria Math" panose="02040503050406030204" pitchFamily="18" charset="0"/>
+                            </a:rPr>
+                            <m:t>1</m:t>
+                          </m:r>
+                        </m:sub>
+                        <m:sup>
+                          <m:r>
+                            <a:rPr lang="en-US" altLang="ko-KR" b="0" i="1" smtClean="0">
+                              <a:latin typeface="Cambria Math" panose="02040503050406030204" pitchFamily="18" charset="0"/>
+                            </a:rPr>
+                            <m:t>2</m:t>
+                          </m:r>
+                        </m:sup>
+                      </m:sSubSup>
+                    </m:oMath>
+                  </m:oMathPara>
+                </a14:m>
+                <a:endParaRPr lang="ko-KR" altLang="en-US" dirty="0"/>
+              </a:p>
+            </p:txBody>
+          </p:sp>
+        </mc:Choice>
+        <mc:Fallback>
+          <p:sp>
+            <p:nvSpPr>
+              <p:cNvPr id="62" name="TextBox 61"/>
+              <p:cNvSpPr txBox="1">
+                <a:spLocks noRot="1" noChangeAspect="1" noMove="1" noResize="1" noEditPoints="1" noAdjustHandles="1" noChangeArrowheads="1" noChangeShapeType="1" noTextEdit="1"/>
+              </p:cNvSpPr>
+              <p:nvPr/>
+            </p:nvSpPr>
+            <p:spPr>
+              <a:xfrm>
+                <a:off x="3281838" y="4510227"/>
+                <a:ext cx="337272" cy="280205"/>
+              </a:xfrm>
+              <a:prstGeom prst="rect">
+                <a:avLst/>
+              </a:prstGeom>
+              <a:blipFill rotWithShape="0">
+                <a:blip r:embed="rId10"/>
+                <a:stretch>
+                  <a:fillRect l="-5357" r="-1786" b="-19565"/>
+                </a:stretch>
+              </a:blipFill>
+            </p:spPr>
+            <p:txBody>
+              <a:bodyPr/>
+              <a:lstStyle/>
+              <a:p>
+                <a:r>
+                  <a:rPr lang="ko-KR" altLang="en-US">
+                    <a:noFill/>
+                  </a:rPr>
+                  <a:t> </a:t>
+                </a:r>
+              </a:p>
+            </p:txBody>
+          </p:sp>
+        </mc:Fallback>
+      </mc:AlternateContent>
+      <mc:AlternateContent xmlns:mc="http://schemas.openxmlformats.org/markup-compatibility/2006">
+        <mc:Choice xmlns:a14="http://schemas.microsoft.com/office/drawing/2010/main" Requires="a14">
+          <p:sp>
+            <p:nvSpPr>
+              <p:cNvPr id="63" name="TextBox 62"/>
+              <p:cNvSpPr txBox="1"/>
+              <p:nvPr/>
+            </p:nvSpPr>
+            <p:spPr>
+              <a:xfrm>
+                <a:off x="3115671" y="3653952"/>
+                <a:ext cx="332334" cy="279628"/>
+              </a:xfrm>
+              <a:prstGeom prst="rect">
+                <a:avLst/>
+              </a:prstGeom>
+              <a:noFill/>
+            </p:spPr>
+            <p:txBody>
+              <a:bodyPr wrap="none" lIns="0" tIns="0" rIns="0" bIns="0" rtlCol="0">
+                <a:spAutoFit/>
+              </a:bodyPr>
+              <a:lstStyle/>
+              <a:p>
+                <a:pPr/>
+                <a14:m>
+                  <m:oMathPara xmlns:m="http://schemas.openxmlformats.org/officeDocument/2006/math">
+                    <m:oMathParaPr>
+                      <m:jc m:val="centerGroup"/>
+                    </m:oMathParaPr>
+                    <m:oMath xmlns:m="http://schemas.openxmlformats.org/officeDocument/2006/math">
+                      <m:sSubSup>
+                        <m:sSubSupPr>
+                          <m:ctrlPr>
+                            <a:rPr lang="en-US" altLang="ko-KR" i="1">
+                              <a:latin typeface="Cambria Math" panose="02040503050406030204" pitchFamily="18" charset="0"/>
+                            </a:rPr>
+                          </m:ctrlPr>
+                        </m:sSubSupPr>
+                        <m:e>
+                          <m:r>
+                            <a:rPr lang="en-US" altLang="ko-KR" i="1">
+                              <a:latin typeface="Cambria Math" panose="02040503050406030204" pitchFamily="18" charset="0"/>
+                            </a:rPr>
+                            <m:t>𝜎</m:t>
+                          </m:r>
+                        </m:e>
+                        <m:sub>
+                          <m:r>
+                            <a:rPr lang="en-US" altLang="ko-KR" i="1">
+                              <a:latin typeface="Cambria Math" panose="02040503050406030204" pitchFamily="18" charset="0"/>
+                            </a:rPr>
+                            <m:t>1</m:t>
+                          </m:r>
+                        </m:sub>
+                        <m:sup>
+                          <m:r>
+                            <a:rPr lang="en-US" altLang="ko-KR" i="1">
+                              <a:latin typeface="Cambria Math" panose="02040503050406030204" pitchFamily="18" charset="0"/>
+                            </a:rPr>
+                            <m:t>1</m:t>
+                          </m:r>
+                        </m:sup>
+                      </m:sSubSup>
+                    </m:oMath>
+                  </m:oMathPara>
+                </a14:m>
+                <a:endParaRPr lang="ko-KR" altLang="en-US" dirty="0"/>
+              </a:p>
+            </p:txBody>
+          </p:sp>
+        </mc:Choice>
+        <mc:Fallback>
+          <p:sp>
+            <p:nvSpPr>
+              <p:cNvPr id="63" name="TextBox 62"/>
+              <p:cNvSpPr txBox="1">
+                <a:spLocks noRot="1" noChangeAspect="1" noMove="1" noResize="1" noEditPoints="1" noAdjustHandles="1" noChangeArrowheads="1" noChangeShapeType="1" noTextEdit="1"/>
+              </p:cNvSpPr>
+              <p:nvPr/>
+            </p:nvSpPr>
+            <p:spPr>
+              <a:xfrm>
+                <a:off x="3115671" y="3653952"/>
+                <a:ext cx="332334" cy="279628"/>
+              </a:xfrm>
+              <a:prstGeom prst="rect">
+                <a:avLst/>
+              </a:prstGeom>
+              <a:blipFill rotWithShape="0">
+                <a:blip r:embed="rId11"/>
+                <a:stretch>
+                  <a:fillRect l="-5455" r="-1818" b="-21739"/>
+                </a:stretch>
+              </a:blipFill>
+            </p:spPr>
+            <p:txBody>
+              <a:bodyPr/>
+              <a:lstStyle/>
+              <a:p>
+                <a:r>
+                  <a:rPr lang="ko-KR" altLang="en-US">
+                    <a:noFill/>
+                  </a:rPr>
+                  <a:t> </a:t>
+                </a:r>
+              </a:p>
+            </p:txBody>
+          </p:sp>
+        </mc:Fallback>
+      </mc:AlternateContent>
+      <mc:AlternateContent xmlns:mc="http://schemas.openxmlformats.org/markup-compatibility/2006">
+        <mc:Choice xmlns:a14="http://schemas.microsoft.com/office/drawing/2010/main" Requires="a14">
+          <p:sp>
+            <p:nvSpPr>
+              <p:cNvPr id="64" name="TextBox 63"/>
+              <p:cNvSpPr txBox="1"/>
+              <p:nvPr/>
+            </p:nvSpPr>
+            <p:spPr>
+              <a:xfrm>
+                <a:off x="4589434" y="4300408"/>
+                <a:ext cx="458074" cy="276999"/>
+              </a:xfrm>
+              <a:prstGeom prst="rect">
+                <a:avLst/>
+              </a:prstGeom>
+              <a:noFill/>
+            </p:spPr>
+            <p:txBody>
+              <a:bodyPr wrap="none" lIns="0" tIns="0" rIns="0" bIns="0" rtlCol="0">
+                <a:spAutoFit/>
+              </a:bodyPr>
+              <a:lstStyle/>
+              <a:p>
+                <a:pPr/>
+                <a14:m>
+                  <m:oMathPara xmlns:m="http://schemas.openxmlformats.org/officeDocument/2006/math">
+                    <m:oMathParaPr>
+                      <m:jc m:val="centerGroup"/>
+                    </m:oMathParaPr>
+                    <m:oMath xmlns:m="http://schemas.openxmlformats.org/officeDocument/2006/math">
+                      <m:r>
+                        <a:rPr lang="en-US" altLang="ko-KR" i="1" smtClean="0">
+                          <a:latin typeface="Cambria Math" panose="02040503050406030204" pitchFamily="18" charset="0"/>
+                        </a:rPr>
+                        <m:t>∆</m:t>
+                      </m:r>
+                      <m:sSup>
+                        <m:sSupPr>
+                          <m:ctrlPr>
+                            <a:rPr lang="en-US" altLang="ko-KR" b="0" i="1" smtClean="0">
+                              <a:latin typeface="Cambria Math" panose="02040503050406030204" pitchFamily="18" charset="0"/>
+                            </a:rPr>
+                          </m:ctrlPr>
+                        </m:sSupPr>
+                        <m:e>
+                          <m:r>
+                            <a:rPr lang="en-US" altLang="ko-KR" b="0" i="1" smtClean="0">
+                              <a:latin typeface="Cambria Math" panose="02040503050406030204" pitchFamily="18" charset="0"/>
+                            </a:rPr>
+                            <m:t>𝑥</m:t>
+                          </m:r>
+                        </m:e>
+                        <m:sup>
+                          <m:r>
+                            <a:rPr lang="en-US" altLang="ko-KR" b="0" i="1" smtClean="0">
+                              <a:latin typeface="Cambria Math" panose="02040503050406030204" pitchFamily="18" charset="0"/>
+                            </a:rPr>
+                            <m:t>1</m:t>
+                          </m:r>
+                        </m:sup>
+                      </m:sSup>
+                    </m:oMath>
+                  </m:oMathPara>
+                </a14:m>
+                <a:endParaRPr lang="ko-KR" altLang="en-US" dirty="0"/>
+              </a:p>
+            </p:txBody>
+          </p:sp>
+        </mc:Choice>
+        <mc:Fallback>
+          <p:sp>
+            <p:nvSpPr>
+              <p:cNvPr id="64" name="TextBox 63"/>
+              <p:cNvSpPr txBox="1">
+                <a:spLocks noRot="1" noChangeAspect="1" noMove="1" noResize="1" noEditPoints="1" noAdjustHandles="1" noChangeArrowheads="1" noChangeShapeType="1" noTextEdit="1"/>
+              </p:cNvSpPr>
+              <p:nvPr/>
+            </p:nvSpPr>
+            <p:spPr>
+              <a:xfrm>
+                <a:off x="4589434" y="4300408"/>
+                <a:ext cx="458074" cy="276999"/>
+              </a:xfrm>
+              <a:prstGeom prst="rect">
+                <a:avLst/>
+              </a:prstGeom>
+              <a:blipFill rotWithShape="0">
+                <a:blip r:embed="rId12"/>
+                <a:stretch>
+                  <a:fillRect l="-9333" r="-1333" b="-10870"/>
+                </a:stretch>
+              </a:blipFill>
+            </p:spPr>
+            <p:txBody>
+              <a:bodyPr/>
+              <a:lstStyle/>
+              <a:p>
+                <a:r>
+                  <a:rPr lang="ko-KR" altLang="en-US">
+                    <a:noFill/>
+                  </a:rPr>
+                  <a:t> </a:t>
+                </a:r>
+              </a:p>
+            </p:txBody>
+          </p:sp>
+        </mc:Fallback>
+      </mc:AlternateContent>
+      <mc:AlternateContent xmlns:mc="http://schemas.openxmlformats.org/markup-compatibility/2006">
+        <mc:Choice xmlns:a14="http://schemas.microsoft.com/office/drawing/2010/main" Requires="a14">
+          <p:sp>
+            <p:nvSpPr>
+              <p:cNvPr id="65" name="TextBox 64"/>
+              <p:cNvSpPr txBox="1"/>
+              <p:nvPr/>
+            </p:nvSpPr>
+            <p:spPr>
+              <a:xfrm>
+                <a:off x="5272219" y="3962076"/>
+                <a:ext cx="463011" cy="276999"/>
+              </a:xfrm>
+              <a:prstGeom prst="rect">
+                <a:avLst/>
+              </a:prstGeom>
+              <a:noFill/>
+            </p:spPr>
+            <p:txBody>
+              <a:bodyPr wrap="none" lIns="0" tIns="0" rIns="0" bIns="0" rtlCol="0">
+                <a:spAutoFit/>
+              </a:bodyPr>
+              <a:lstStyle/>
+              <a:p>
+                <a:pPr/>
+                <a14:m>
+                  <m:oMathPara xmlns:m="http://schemas.openxmlformats.org/officeDocument/2006/math">
+                    <m:oMathParaPr>
+                      <m:jc m:val="centerGroup"/>
+                    </m:oMathParaPr>
+                    <m:oMath xmlns:m="http://schemas.openxmlformats.org/officeDocument/2006/math">
+                      <m:r>
+                        <a:rPr lang="en-US" altLang="ko-KR" i="1" smtClean="0">
+                          <a:latin typeface="Cambria Math" panose="02040503050406030204" pitchFamily="18" charset="0"/>
+                        </a:rPr>
+                        <m:t>∆</m:t>
+                      </m:r>
+                      <m:sSup>
+                        <m:sSupPr>
+                          <m:ctrlPr>
+                            <a:rPr lang="en-US" altLang="ko-KR" b="0" i="1" smtClean="0">
+                              <a:latin typeface="Cambria Math" panose="02040503050406030204" pitchFamily="18" charset="0"/>
+                            </a:rPr>
+                          </m:ctrlPr>
+                        </m:sSupPr>
+                        <m:e>
+                          <m:r>
+                            <a:rPr lang="en-US" altLang="ko-KR" b="0" i="1" smtClean="0">
+                              <a:latin typeface="Cambria Math" panose="02040503050406030204" pitchFamily="18" charset="0"/>
+                            </a:rPr>
+                            <m:t>𝑥</m:t>
+                          </m:r>
+                        </m:e>
+                        <m:sup>
+                          <m:r>
+                            <a:rPr lang="en-US" altLang="ko-KR" b="0" i="1" smtClean="0">
+                              <a:latin typeface="Cambria Math" panose="02040503050406030204" pitchFamily="18" charset="0"/>
+                            </a:rPr>
+                            <m:t>2</m:t>
+                          </m:r>
+                        </m:sup>
+                      </m:sSup>
+                    </m:oMath>
+                  </m:oMathPara>
+                </a14:m>
+                <a:endParaRPr lang="ko-KR" altLang="en-US" dirty="0"/>
+              </a:p>
+            </p:txBody>
+          </p:sp>
+        </mc:Choice>
+        <mc:Fallback>
+          <p:sp>
+            <p:nvSpPr>
+              <p:cNvPr id="65" name="TextBox 64"/>
+              <p:cNvSpPr txBox="1">
+                <a:spLocks noRot="1" noChangeAspect="1" noMove="1" noResize="1" noEditPoints="1" noAdjustHandles="1" noChangeArrowheads="1" noChangeShapeType="1" noTextEdit="1"/>
+              </p:cNvSpPr>
+              <p:nvPr/>
+            </p:nvSpPr>
+            <p:spPr>
+              <a:xfrm>
+                <a:off x="5272219" y="3962076"/>
+                <a:ext cx="463011" cy="276999"/>
+              </a:xfrm>
+              <a:prstGeom prst="rect">
+                <a:avLst/>
+              </a:prstGeom>
+              <a:blipFill rotWithShape="0">
+                <a:blip r:embed="rId13"/>
+                <a:stretch>
+                  <a:fillRect l="-9211" r="-1316" b="-11111"/>
+                </a:stretch>
+              </a:blipFill>
+            </p:spPr>
+            <p:txBody>
+              <a:bodyPr/>
+              <a:lstStyle/>
+              <a:p>
+                <a:r>
+                  <a:rPr lang="ko-KR" altLang="en-US">
+                    <a:noFill/>
+                  </a:rPr>
+                  <a:t> </a:t>
+                </a:r>
+              </a:p>
+            </p:txBody>
+          </p:sp>
+        </mc:Fallback>
+      </mc:AlternateContent>
+    </p:spTree>
+    <p:extLst>
+      <p:ext uri="{BB962C8B-B14F-4D97-AF65-F5344CB8AC3E}">
+        <p14:creationId xmlns:p14="http://schemas.microsoft.com/office/powerpoint/2010/main" val="1482029114"/>
+      </p:ext>
+    </p:extLst>
+  </p:cSld>
+  <p:clrMapOvr>
+    <a:masterClrMapping/>
+  </p:clrMapOvr>
+</p:sld>
+</file>
+
+<file path=ppt/slides/slide19.xml><?xml version="1.0" encoding="utf-8"?>
+<p:sld xmlns:a="http://schemas.openxmlformats.org/drawingml/2006/main" xmlns:r="http://schemas.openxmlformats.org/officeDocument/2006/relationships" xmlns:p="http://schemas.openxmlformats.org/presentationml/2006/main">
+  <p:cSld>
+    <p:spTree>
+      <p:nvGrpSpPr>
+        <p:cNvPr id="1" name=""/>
+        <p:cNvGrpSpPr/>
+        <p:nvPr/>
+      </p:nvGrpSpPr>
+      <p:grpSpPr>
+        <a:xfrm>
+          <a:off x="0" y="0"/>
+          <a:ext cx="0" cy="0"/>
+          <a:chOff x="0" y="0"/>
+          <a:chExt cx="0" cy="0"/>
+        </a:xfrm>
+      </p:grpSpPr>
     </p:spTree>
     <p:extLst>
       <p:ext uri="{BB962C8B-B14F-4D97-AF65-F5344CB8AC3E}">
@@ -11153,7 +13111,1188 @@
 </p:sld>
 </file>
 
-<file path=ppt/slides/slide19.xml><?xml version="1.0" encoding="utf-8"?>
+<file path=ppt/slides/slide2.xml><?xml version="1.0" encoding="utf-8"?>
+<p:sld xmlns:a="http://schemas.openxmlformats.org/drawingml/2006/main" xmlns:r="http://schemas.openxmlformats.org/officeDocument/2006/relationships" xmlns:p="http://schemas.openxmlformats.org/presentationml/2006/main">
+  <p:cSld>
+    <p:spTree>
+      <p:nvGrpSpPr>
+        <p:cNvPr id="1" name=""/>
+        <p:cNvGrpSpPr/>
+        <p:nvPr/>
+      </p:nvGrpSpPr>
+      <p:grpSpPr>
+        <a:xfrm>
+          <a:off x="0" y="0"/>
+          <a:ext cx="0" cy="0"/>
+          <a:chOff x="0" y="0"/>
+          <a:chExt cx="0" cy="0"/>
+        </a:xfrm>
+      </p:grpSpPr>
+      <p:cxnSp>
+        <p:nvCxnSpPr>
+          <p:cNvPr id="5" name="직선 화살표 연결선 4"/>
+          <p:cNvCxnSpPr/>
+          <p:nvPr/>
+        </p:nvCxnSpPr>
+        <p:spPr>
+          <a:xfrm>
+            <a:off x="1312967" y="2951338"/>
+            <a:ext cx="5400000" cy="0"/>
+          </a:xfrm>
+          <a:prstGeom prst="straightConnector1">
+            <a:avLst/>
+          </a:prstGeom>
+          <a:ln w="28575">
+            <a:solidFill>
+              <a:schemeClr val="tx1"/>
+            </a:solidFill>
+            <a:tailEnd type="triangle"/>
+          </a:ln>
+        </p:spPr>
+        <p:style>
+          <a:lnRef idx="1">
+            <a:schemeClr val="accent1"/>
+          </a:lnRef>
+          <a:fillRef idx="0">
+            <a:schemeClr val="accent1"/>
+          </a:fillRef>
+          <a:effectRef idx="0">
+            <a:schemeClr val="accent1"/>
+          </a:effectRef>
+          <a:fontRef idx="minor">
+            <a:schemeClr val="tx1"/>
+          </a:fontRef>
+        </p:style>
+      </p:cxnSp>
+      <p:cxnSp>
+        <p:nvCxnSpPr>
+          <p:cNvPr id="6" name="직선 화살표 연결선 5"/>
+          <p:cNvCxnSpPr/>
+          <p:nvPr/>
+        </p:nvCxnSpPr>
+        <p:spPr>
+          <a:xfrm>
+            <a:off x="2650354" y="348792"/>
+            <a:ext cx="0" cy="3600000"/>
+          </a:xfrm>
+          <a:prstGeom prst="straightConnector1">
+            <a:avLst/>
+          </a:prstGeom>
+          <a:ln w="28575">
+            <a:solidFill>
+              <a:schemeClr val="tx1"/>
+            </a:solidFill>
+            <a:headEnd type="triangle"/>
+            <a:tailEnd type="none"/>
+          </a:ln>
+        </p:spPr>
+        <p:style>
+          <a:lnRef idx="1">
+            <a:schemeClr val="accent1"/>
+          </a:lnRef>
+          <a:fillRef idx="0">
+            <a:schemeClr val="accent1"/>
+          </a:fillRef>
+          <a:effectRef idx="0">
+            <a:schemeClr val="accent1"/>
+          </a:effectRef>
+          <a:fontRef idx="minor">
+            <a:schemeClr val="tx1"/>
+          </a:fontRef>
+        </p:style>
+      </p:cxnSp>
+      <mc:AlternateContent xmlns:mc="http://schemas.openxmlformats.org/markup-compatibility/2006" xmlns:a14="http://schemas.microsoft.com/office/drawing/2010/main">
+        <mc:Choice Requires="a14">
+          <p:sp>
+            <p:nvSpPr>
+              <p:cNvPr id="7" name="TextBox 6"/>
+              <p:cNvSpPr txBox="1"/>
+              <p:nvPr/>
+            </p:nvSpPr>
+            <p:spPr>
+              <a:xfrm>
+                <a:off x="833438" y="4709546"/>
+                <a:ext cx="310278" cy="276999"/>
+              </a:xfrm>
+              <a:prstGeom prst="rect">
+                <a:avLst/>
+              </a:prstGeom>
+              <a:noFill/>
+            </p:spPr>
+            <p:txBody>
+              <a:bodyPr wrap="none" lIns="0" tIns="0" rIns="0" bIns="0" rtlCol="0">
+                <a:spAutoFit/>
+              </a:bodyPr>
+              <a:lstStyle/>
+              <a:p>
+                <a:pPr/>
+                <a14:m>
+                  <m:oMathPara xmlns:m="http://schemas.openxmlformats.org/officeDocument/2006/math">
+                    <m:oMathParaPr>
+                      <m:jc m:val="centerGroup"/>
+                    </m:oMathParaPr>
+                    <m:oMath xmlns:m="http://schemas.openxmlformats.org/officeDocument/2006/math">
+                      <m:sSub>
+                        <m:sSubPr>
+                          <m:ctrlPr>
+                            <a:rPr lang="en-US" altLang="ko-KR" b="0" i="1" smtClean="0">
+                              <a:latin typeface="Cambria Math" panose="02040503050406030204" pitchFamily="18" charset="0"/>
+                            </a:rPr>
+                          </m:ctrlPr>
+                        </m:sSubPr>
+                        <m:e>
+                          <m:r>
+                            <a:rPr lang="en-US" altLang="ko-KR" b="0" i="1" smtClean="0">
+                              <a:latin typeface="Cambria Math" panose="02040503050406030204" pitchFamily="18" charset="0"/>
+                            </a:rPr>
+                            <m:t>𝑥</m:t>
+                          </m:r>
+                        </m:e>
+                        <m:sub>
+                          <m:r>
+                            <a:rPr lang="en-US" altLang="ko-KR" b="0" i="1" smtClean="0">
+                              <a:latin typeface="Cambria Math" panose="02040503050406030204" pitchFamily="18" charset="0"/>
+                            </a:rPr>
+                            <m:t>1</m:t>
+                          </m:r>
+                        </m:sub>
+                      </m:sSub>
+                    </m:oMath>
+                  </m:oMathPara>
+                </a14:m>
+                <a:endParaRPr lang="ko-KR" altLang="en-US" dirty="0"/>
+              </a:p>
+            </p:txBody>
+          </p:sp>
+        </mc:Choice>
+        <mc:Fallback xmlns="">
+          <p:sp>
+            <p:nvSpPr>
+              <p:cNvPr id="7" name="TextBox 6"/>
+              <p:cNvSpPr txBox="1">
+                <a:spLocks noRot="1" noChangeAspect="1" noMove="1" noResize="1" noEditPoints="1" noAdjustHandles="1" noChangeArrowheads="1" noChangeShapeType="1" noTextEdit="1"/>
+              </p:cNvSpPr>
+              <p:nvPr/>
+            </p:nvSpPr>
+            <p:spPr>
+              <a:xfrm>
+                <a:off x="833438" y="4709546"/>
+                <a:ext cx="310278" cy="276999"/>
+              </a:xfrm>
+              <a:prstGeom prst="rect">
+                <a:avLst/>
+              </a:prstGeom>
+              <a:blipFill>
+                <a:blip r:embed="rId2"/>
+                <a:stretch>
+                  <a:fillRect l="-5882" b="-20000"/>
+                </a:stretch>
+              </a:blipFill>
+            </p:spPr>
+            <p:txBody>
+              <a:bodyPr/>
+              <a:lstStyle/>
+              <a:p>
+                <a:r>
+                  <a:rPr lang="ko-KR" altLang="en-US">
+                    <a:noFill/>
+                  </a:rPr>
+                  <a:t> </a:t>
+                </a:r>
+              </a:p>
+            </p:txBody>
+          </p:sp>
+        </mc:Fallback>
+      </mc:AlternateContent>
+      <mc:AlternateContent xmlns:mc="http://schemas.openxmlformats.org/markup-compatibility/2006" xmlns:a14="http://schemas.microsoft.com/office/drawing/2010/main">
+        <mc:Choice Requires="a14">
+          <p:sp>
+            <p:nvSpPr>
+              <p:cNvPr id="8" name="TextBox 7"/>
+              <p:cNvSpPr txBox="1"/>
+              <p:nvPr/>
+            </p:nvSpPr>
+            <p:spPr>
+              <a:xfrm>
+                <a:off x="1780453" y="657712"/>
+                <a:ext cx="310278" cy="276999"/>
+              </a:xfrm>
+              <a:prstGeom prst="rect">
+                <a:avLst/>
+              </a:prstGeom>
+              <a:noFill/>
+            </p:spPr>
+            <p:txBody>
+              <a:bodyPr wrap="none" lIns="0" tIns="0" rIns="0" bIns="0" rtlCol="0">
+                <a:spAutoFit/>
+              </a:bodyPr>
+              <a:lstStyle/>
+              <a:p>
+                <a:pPr/>
+                <a14:m>
+                  <m:oMathPara xmlns:m="http://schemas.openxmlformats.org/officeDocument/2006/math">
+                    <m:oMathParaPr>
+                      <m:jc m:val="centerGroup"/>
+                    </m:oMathParaPr>
+                    <m:oMath xmlns:m="http://schemas.openxmlformats.org/officeDocument/2006/math">
+                      <m:sSub>
+                        <m:sSubPr>
+                          <m:ctrlPr>
+                            <a:rPr lang="en-US" altLang="ko-KR" b="0" i="1" smtClean="0">
+                              <a:latin typeface="Cambria Math" panose="02040503050406030204" pitchFamily="18" charset="0"/>
+                            </a:rPr>
+                          </m:ctrlPr>
+                        </m:sSubPr>
+                        <m:e>
+                          <m:r>
+                            <a:rPr lang="en-US" altLang="ko-KR" b="0" i="1" smtClean="0">
+                              <a:latin typeface="Cambria Math" panose="02040503050406030204" pitchFamily="18" charset="0"/>
+                            </a:rPr>
+                            <m:t>𝑥</m:t>
+                          </m:r>
+                        </m:e>
+                        <m:sub>
+                          <m:r>
+                            <a:rPr lang="en-US" altLang="ko-KR" b="0" i="1" smtClean="0">
+                              <a:latin typeface="Cambria Math" panose="02040503050406030204" pitchFamily="18" charset="0"/>
+                            </a:rPr>
+                            <m:t>3</m:t>
+                          </m:r>
+                        </m:sub>
+                      </m:sSub>
+                    </m:oMath>
+                  </m:oMathPara>
+                </a14:m>
+                <a:endParaRPr lang="ko-KR" altLang="en-US" dirty="0"/>
+              </a:p>
+            </p:txBody>
+          </p:sp>
+        </mc:Choice>
+        <mc:Fallback xmlns="">
+          <p:sp>
+            <p:nvSpPr>
+              <p:cNvPr id="8" name="TextBox 7"/>
+              <p:cNvSpPr txBox="1">
+                <a:spLocks noRot="1" noChangeAspect="1" noMove="1" noResize="1" noEditPoints="1" noAdjustHandles="1" noChangeArrowheads="1" noChangeShapeType="1" noTextEdit="1"/>
+              </p:cNvSpPr>
+              <p:nvPr/>
+            </p:nvSpPr>
+            <p:spPr>
+              <a:xfrm>
+                <a:off x="1780453" y="657712"/>
+                <a:ext cx="310278" cy="276999"/>
+              </a:xfrm>
+              <a:prstGeom prst="rect">
+                <a:avLst/>
+              </a:prstGeom>
+              <a:blipFill rotWithShape="0">
+                <a:blip r:embed="rId3"/>
+                <a:stretch>
+                  <a:fillRect l="-5882" r="-3922" b="-20000"/>
+                </a:stretch>
+              </a:blipFill>
+            </p:spPr>
+            <p:txBody>
+              <a:bodyPr/>
+              <a:lstStyle/>
+              <a:p>
+                <a:r>
+                  <a:rPr lang="ko-KR" altLang="en-US">
+                    <a:noFill/>
+                  </a:rPr>
+                  <a:t> </a:t>
+                </a:r>
+              </a:p>
+            </p:txBody>
+          </p:sp>
+        </mc:Fallback>
+      </mc:AlternateContent>
+      <p:cxnSp>
+        <p:nvCxnSpPr>
+          <p:cNvPr id="10" name="직선 연결선 9"/>
+          <p:cNvCxnSpPr>
+            <a:cxnSpLocks/>
+          </p:cNvCxnSpPr>
+          <p:nvPr/>
+        </p:nvCxnSpPr>
+        <p:spPr>
+          <a:xfrm>
+            <a:off x="3263807" y="1215586"/>
+            <a:ext cx="0" cy="2074914"/>
+          </a:xfrm>
+          <a:prstGeom prst="line">
+            <a:avLst/>
+          </a:prstGeom>
+          <a:ln w="38100"/>
+        </p:spPr>
+        <p:style>
+          <a:lnRef idx="1">
+            <a:schemeClr val="accent1"/>
+          </a:lnRef>
+          <a:fillRef idx="0">
+            <a:schemeClr val="accent1"/>
+          </a:fillRef>
+          <a:effectRef idx="0">
+            <a:schemeClr val="accent1"/>
+          </a:effectRef>
+          <a:fontRef idx="minor">
+            <a:schemeClr val="tx1"/>
+          </a:fontRef>
+        </p:style>
+      </p:cxnSp>
+      <mc:AlternateContent xmlns:mc="http://schemas.openxmlformats.org/markup-compatibility/2006" xmlns:a14="http://schemas.microsoft.com/office/drawing/2010/main">
+        <mc:Choice Requires="a14">
+          <p:sp>
+            <p:nvSpPr>
+              <p:cNvPr id="15" name="TextBox 14"/>
+              <p:cNvSpPr txBox="1"/>
+              <p:nvPr/>
+            </p:nvSpPr>
+            <p:spPr>
+              <a:xfrm>
+                <a:off x="2918503" y="1548661"/>
+                <a:ext cx="213776" cy="276999"/>
+              </a:xfrm>
+              <a:prstGeom prst="rect">
+                <a:avLst/>
+              </a:prstGeom>
+              <a:noFill/>
+            </p:spPr>
+            <p:txBody>
+              <a:bodyPr wrap="none" lIns="0" tIns="0" rIns="0" bIns="0" rtlCol="0">
+                <a:spAutoFit/>
+              </a:bodyPr>
+              <a:lstStyle/>
+              <a:p>
+                <a:pPr/>
+                <a14:m>
+                  <m:oMathPara xmlns:m="http://schemas.openxmlformats.org/officeDocument/2006/math">
+                    <m:oMathParaPr>
+                      <m:jc m:val="centerGroup"/>
+                    </m:oMathParaPr>
+                    <m:oMath xmlns:m="http://schemas.openxmlformats.org/officeDocument/2006/math">
+                      <m:r>
+                        <a:rPr lang="en-US" altLang="ko-KR" b="0" i="1" smtClean="0">
+                          <a:latin typeface="Cambria Math" panose="02040503050406030204" pitchFamily="18" charset="0"/>
+                        </a:rPr>
+                        <m:t>𝑞</m:t>
+                      </m:r>
+                    </m:oMath>
+                  </m:oMathPara>
+                </a14:m>
+                <a:endParaRPr lang="ko-KR" altLang="en-US" dirty="0"/>
+              </a:p>
+            </p:txBody>
+          </p:sp>
+        </mc:Choice>
+        <mc:Fallback xmlns="">
+          <p:sp>
+            <p:nvSpPr>
+              <p:cNvPr id="15" name="TextBox 14"/>
+              <p:cNvSpPr txBox="1">
+                <a:spLocks noRot="1" noChangeAspect="1" noMove="1" noResize="1" noEditPoints="1" noAdjustHandles="1" noChangeArrowheads="1" noChangeShapeType="1" noTextEdit="1"/>
+              </p:cNvSpPr>
+              <p:nvPr/>
+            </p:nvSpPr>
+            <p:spPr>
+              <a:xfrm>
+                <a:off x="2918503" y="1548661"/>
+                <a:ext cx="213776" cy="276999"/>
+              </a:xfrm>
+              <a:prstGeom prst="rect">
+                <a:avLst/>
+              </a:prstGeom>
+              <a:blipFill>
+                <a:blip r:embed="rId4"/>
+                <a:stretch>
+                  <a:fillRect l="-20000" r="-17143" b="-31111"/>
+                </a:stretch>
+              </a:blipFill>
+            </p:spPr>
+            <p:txBody>
+              <a:bodyPr/>
+              <a:lstStyle/>
+              <a:p>
+                <a:r>
+                  <a:rPr lang="ko-KR" altLang="en-US">
+                    <a:noFill/>
+                  </a:rPr>
+                  <a:t> </a:t>
+                </a:r>
+              </a:p>
+            </p:txBody>
+          </p:sp>
+        </mc:Fallback>
+      </mc:AlternateContent>
+      <mc:AlternateContent xmlns:mc="http://schemas.openxmlformats.org/markup-compatibility/2006" xmlns:a14="http://schemas.microsoft.com/office/drawing/2010/main">
+        <mc:Choice Requires="a14">
+          <p:sp>
+            <p:nvSpPr>
+              <p:cNvPr id="16" name="TextBox 15"/>
+              <p:cNvSpPr txBox="1"/>
+              <p:nvPr/>
+            </p:nvSpPr>
+            <p:spPr>
+              <a:xfrm>
+                <a:off x="2905306" y="3290500"/>
+                <a:ext cx="212814" cy="276999"/>
+              </a:xfrm>
+              <a:prstGeom prst="rect">
+                <a:avLst/>
+              </a:prstGeom>
+              <a:noFill/>
+            </p:spPr>
+            <p:txBody>
+              <a:bodyPr wrap="none" lIns="0" tIns="0" rIns="0" bIns="0" rtlCol="0">
+                <a:spAutoFit/>
+              </a:bodyPr>
+              <a:lstStyle/>
+              <a:p>
+                <a:pPr/>
+                <a14:m>
+                  <m:oMathPara xmlns:m="http://schemas.openxmlformats.org/officeDocument/2006/math">
+                    <m:oMathParaPr>
+                      <m:jc m:val="centerGroup"/>
+                    </m:oMathParaPr>
+                    <m:oMath xmlns:m="http://schemas.openxmlformats.org/officeDocument/2006/math">
+                      <m:r>
+                        <a:rPr lang="en-US" altLang="ko-KR" b="0" i="1" smtClean="0">
+                          <a:latin typeface="Cambria Math" panose="02040503050406030204" pitchFamily="18" charset="0"/>
+                        </a:rPr>
+                        <m:t>𝑝</m:t>
+                      </m:r>
+                    </m:oMath>
+                  </m:oMathPara>
+                </a14:m>
+                <a:endParaRPr lang="ko-KR" altLang="en-US" dirty="0"/>
+              </a:p>
+            </p:txBody>
+          </p:sp>
+        </mc:Choice>
+        <mc:Fallback xmlns="">
+          <p:sp>
+            <p:nvSpPr>
+              <p:cNvPr id="16" name="TextBox 15"/>
+              <p:cNvSpPr txBox="1">
+                <a:spLocks noRot="1" noChangeAspect="1" noMove="1" noResize="1" noEditPoints="1" noAdjustHandles="1" noChangeArrowheads="1" noChangeShapeType="1" noTextEdit="1"/>
+              </p:cNvSpPr>
+              <p:nvPr/>
+            </p:nvSpPr>
+            <p:spPr>
+              <a:xfrm>
+                <a:off x="2905306" y="3290500"/>
+                <a:ext cx="212814" cy="276999"/>
+              </a:xfrm>
+              <a:prstGeom prst="rect">
+                <a:avLst/>
+              </a:prstGeom>
+              <a:blipFill>
+                <a:blip r:embed="rId5"/>
+                <a:stretch>
+                  <a:fillRect l="-20000" r="-20000" b="-31111"/>
+                </a:stretch>
+              </a:blipFill>
+            </p:spPr>
+            <p:txBody>
+              <a:bodyPr/>
+              <a:lstStyle/>
+              <a:p>
+                <a:r>
+                  <a:rPr lang="ko-KR" altLang="en-US">
+                    <a:noFill/>
+                  </a:rPr>
+                  <a:t> </a:t>
+                </a:r>
+              </a:p>
+            </p:txBody>
+          </p:sp>
+        </mc:Fallback>
+      </mc:AlternateContent>
+      <p:cxnSp>
+        <p:nvCxnSpPr>
+          <p:cNvPr id="11" name="직선 연결선 10"/>
+          <p:cNvCxnSpPr>
+            <a:cxnSpLocks/>
+          </p:cNvCxnSpPr>
+          <p:nvPr/>
+        </p:nvCxnSpPr>
+        <p:spPr>
+          <a:xfrm>
+            <a:off x="4546082" y="2303490"/>
+            <a:ext cx="875338" cy="1210962"/>
+          </a:xfrm>
+          <a:prstGeom prst="line">
+            <a:avLst/>
+          </a:prstGeom>
+          <a:ln w="38100"/>
+        </p:spPr>
+        <p:style>
+          <a:lnRef idx="1">
+            <a:schemeClr val="accent1"/>
+          </a:lnRef>
+          <a:fillRef idx="0">
+            <a:schemeClr val="accent1"/>
+          </a:fillRef>
+          <a:effectRef idx="0">
+            <a:schemeClr val="accent1"/>
+          </a:effectRef>
+          <a:fontRef idx="minor">
+            <a:schemeClr val="tx1"/>
+          </a:fontRef>
+        </p:style>
+      </p:cxnSp>
+      <mc:AlternateContent xmlns:mc="http://schemas.openxmlformats.org/markup-compatibility/2006" xmlns:a14="http://schemas.microsoft.com/office/drawing/2010/main">
+        <mc:Choice Requires="a14">
+          <p:sp>
+            <p:nvSpPr>
+              <p:cNvPr id="13" name="TextBox 12"/>
+              <p:cNvSpPr txBox="1"/>
+              <p:nvPr/>
+            </p:nvSpPr>
+            <p:spPr>
+              <a:xfrm>
+                <a:off x="5283264" y="3638570"/>
+                <a:ext cx="406766" cy="344083"/>
+              </a:xfrm>
+              <a:prstGeom prst="rect">
+                <a:avLst/>
+              </a:prstGeom>
+              <a:noFill/>
+            </p:spPr>
+            <p:txBody>
+              <a:bodyPr wrap="none" lIns="0" tIns="0" rIns="0" bIns="0" rtlCol="0">
+                <a:spAutoFit/>
+              </a:bodyPr>
+              <a:lstStyle/>
+              <a:p>
+                <a:pPr/>
+                <a14:m>
+                  <m:oMathPara xmlns:m="http://schemas.openxmlformats.org/officeDocument/2006/math">
+                    <m:oMathParaPr>
+                      <m:jc m:val="centerGroup"/>
+                    </m:oMathParaPr>
+                    <m:oMath xmlns:m="http://schemas.openxmlformats.org/officeDocument/2006/math">
+                      <m:r>
+                        <a:rPr lang="en-US" altLang="ko-KR" b="0" i="1" smtClean="0">
+                          <a:latin typeface="Cambria Math" panose="02040503050406030204" pitchFamily="18" charset="0"/>
+                        </a:rPr>
+                        <m:t>𝑝</m:t>
+                      </m:r>
+                      <m:r>
+                        <a:rPr lang="en-US" altLang="ko-KR" b="0" i="1" smtClean="0">
+                          <a:latin typeface="Cambria Math" panose="02040503050406030204" pitchFamily="18" charset="0"/>
+                        </a:rPr>
+                        <m:t>′</m:t>
+                      </m:r>
+                    </m:oMath>
+                  </m:oMathPara>
+                </a14:m>
+                <a:endParaRPr lang="ko-KR" altLang="en-US" dirty="0"/>
+              </a:p>
+            </p:txBody>
+          </p:sp>
+        </mc:Choice>
+        <mc:Fallback xmlns="">
+          <p:sp>
+            <p:nvSpPr>
+              <p:cNvPr id="13" name="TextBox 12"/>
+              <p:cNvSpPr txBox="1">
+                <a:spLocks noRot="1" noChangeAspect="1" noMove="1" noResize="1" noEditPoints="1" noAdjustHandles="1" noChangeArrowheads="1" noChangeShapeType="1" noTextEdit="1"/>
+              </p:cNvSpPr>
+              <p:nvPr/>
+            </p:nvSpPr>
+            <p:spPr>
+              <a:xfrm>
+                <a:off x="5283264" y="3638570"/>
+                <a:ext cx="406766" cy="344083"/>
+              </a:xfrm>
+              <a:prstGeom prst="rect">
+                <a:avLst/>
+              </a:prstGeom>
+              <a:blipFill>
+                <a:blip r:embed="rId6"/>
+                <a:stretch>
+                  <a:fillRect l="-1515" t="-3571" r="-3030" b="-14286"/>
+                </a:stretch>
+              </a:blipFill>
+            </p:spPr>
+            <p:txBody>
+              <a:bodyPr/>
+              <a:lstStyle/>
+              <a:p>
+                <a:r>
+                  <a:rPr lang="ko-KR" altLang="en-US">
+                    <a:noFill/>
+                  </a:rPr>
+                  <a:t> </a:t>
+                </a:r>
+              </a:p>
+            </p:txBody>
+          </p:sp>
+        </mc:Fallback>
+      </mc:AlternateContent>
+      <mc:AlternateContent xmlns:mc="http://schemas.openxmlformats.org/markup-compatibility/2006" xmlns:a14="http://schemas.microsoft.com/office/drawing/2010/main">
+        <mc:Choice Requires="a14">
+          <p:sp>
+            <p:nvSpPr>
+              <p:cNvPr id="14" name="TextBox 13"/>
+              <p:cNvSpPr txBox="1"/>
+              <p:nvPr/>
+            </p:nvSpPr>
+            <p:spPr>
+              <a:xfrm>
+                <a:off x="4681305" y="2184505"/>
+                <a:ext cx="406766" cy="344083"/>
+              </a:xfrm>
+              <a:prstGeom prst="rect">
+                <a:avLst/>
+              </a:prstGeom>
+              <a:noFill/>
+            </p:spPr>
+            <p:txBody>
+              <a:bodyPr wrap="none" lIns="0" tIns="0" rIns="0" bIns="0" rtlCol="0">
+                <a:spAutoFit/>
+              </a:bodyPr>
+              <a:lstStyle/>
+              <a:p>
+                <a:pPr/>
+                <a14:m>
+                  <m:oMathPara xmlns:m="http://schemas.openxmlformats.org/officeDocument/2006/math">
+                    <m:oMathParaPr>
+                      <m:jc m:val="centerGroup"/>
+                    </m:oMathParaPr>
+                    <m:oMath xmlns:m="http://schemas.openxmlformats.org/officeDocument/2006/math">
+                      <m:r>
+                        <a:rPr lang="en-US" altLang="ko-KR" b="0" i="1" smtClean="0">
+                          <a:latin typeface="Cambria Math" panose="02040503050406030204" pitchFamily="18" charset="0"/>
+                        </a:rPr>
+                        <m:t>𝑞</m:t>
+                      </m:r>
+                      <m:r>
+                        <a:rPr lang="en-US" altLang="ko-KR" b="0" i="1" smtClean="0">
+                          <a:latin typeface="Cambria Math" panose="02040503050406030204" pitchFamily="18" charset="0"/>
+                        </a:rPr>
+                        <m:t>′</m:t>
+                      </m:r>
+                    </m:oMath>
+                  </m:oMathPara>
+                </a14:m>
+                <a:endParaRPr lang="ko-KR" altLang="en-US" dirty="0"/>
+              </a:p>
+            </p:txBody>
+          </p:sp>
+        </mc:Choice>
+        <mc:Fallback xmlns="">
+          <p:sp>
+            <p:nvSpPr>
+              <p:cNvPr id="14" name="TextBox 13"/>
+              <p:cNvSpPr txBox="1">
+                <a:spLocks noRot="1" noChangeAspect="1" noMove="1" noResize="1" noEditPoints="1" noAdjustHandles="1" noChangeArrowheads="1" noChangeShapeType="1" noTextEdit="1"/>
+              </p:cNvSpPr>
+              <p:nvPr/>
+            </p:nvSpPr>
+            <p:spPr>
+              <a:xfrm>
+                <a:off x="4681305" y="2184505"/>
+                <a:ext cx="406766" cy="344083"/>
+              </a:xfrm>
+              <a:prstGeom prst="rect">
+                <a:avLst/>
+              </a:prstGeom>
+              <a:blipFill>
+                <a:blip r:embed="rId7"/>
+                <a:stretch>
+                  <a:fillRect l="-1493" t="-1754" b="-12281"/>
+                </a:stretch>
+              </a:blipFill>
+            </p:spPr>
+            <p:txBody>
+              <a:bodyPr/>
+              <a:lstStyle/>
+              <a:p>
+                <a:r>
+                  <a:rPr lang="ko-KR" altLang="en-US">
+                    <a:noFill/>
+                  </a:rPr>
+                  <a:t> </a:t>
+                </a:r>
+              </a:p>
+            </p:txBody>
+          </p:sp>
+        </mc:Fallback>
+      </mc:AlternateContent>
+      <p:cxnSp>
+        <p:nvCxnSpPr>
+          <p:cNvPr id="27" name="직선 화살표 연결선 26">
+            <a:extLst>
+              <a:ext uri="{FF2B5EF4-FFF2-40B4-BE49-F238E27FC236}">
+                <a16:creationId xmlns="" xmlns:a16="http://schemas.microsoft.com/office/drawing/2014/main" id="{C93B29A1-F190-44D3-A9D0-DFAD4F83776E}"/>
+              </a:ext>
+            </a:extLst>
+          </p:cNvPr>
+          <p:cNvCxnSpPr>
+            <a:cxnSpLocks/>
+          </p:cNvCxnSpPr>
+          <p:nvPr/>
+        </p:nvCxnSpPr>
+        <p:spPr>
+          <a:xfrm flipH="1">
+            <a:off x="605481" y="1699473"/>
+            <a:ext cx="3601995" cy="2921954"/>
+          </a:xfrm>
+          <a:prstGeom prst="straightConnector1">
+            <a:avLst/>
+          </a:prstGeom>
+          <a:ln w="28575">
+            <a:solidFill>
+              <a:schemeClr val="tx1"/>
+            </a:solidFill>
+            <a:tailEnd type="triangle"/>
+          </a:ln>
+        </p:spPr>
+        <p:style>
+          <a:lnRef idx="1">
+            <a:schemeClr val="accent1"/>
+          </a:lnRef>
+          <a:fillRef idx="0">
+            <a:schemeClr val="accent1"/>
+          </a:fillRef>
+          <a:effectRef idx="0">
+            <a:schemeClr val="accent1"/>
+          </a:effectRef>
+          <a:fontRef idx="minor">
+            <a:schemeClr val="tx1"/>
+          </a:fontRef>
+        </p:style>
+      </p:cxnSp>
+      <mc:AlternateContent xmlns:mc="http://schemas.openxmlformats.org/markup-compatibility/2006" xmlns:a14="http://schemas.microsoft.com/office/drawing/2010/main">
+        <mc:Choice Requires="a14">
+          <p:sp>
+            <p:nvSpPr>
+              <p:cNvPr id="28" name="TextBox 27">
+                <a:extLst>
+                  <a:ext uri="{FF2B5EF4-FFF2-40B4-BE49-F238E27FC236}">
+                    <a16:creationId xmlns="" xmlns:a16="http://schemas.microsoft.com/office/drawing/2014/main" id="{07B5ABC4-CAA0-493B-ACDF-C42A51522079}"/>
+                  </a:ext>
+                </a:extLst>
+              </p:cNvPr>
+              <p:cNvSpPr txBox="1"/>
+              <p:nvPr/>
+            </p:nvSpPr>
+            <p:spPr>
+              <a:xfrm>
+                <a:off x="6407690" y="3261885"/>
+                <a:ext cx="310278" cy="276999"/>
+              </a:xfrm>
+              <a:prstGeom prst="rect">
+                <a:avLst/>
+              </a:prstGeom>
+              <a:noFill/>
+            </p:spPr>
+            <p:txBody>
+              <a:bodyPr wrap="none" lIns="0" tIns="0" rIns="0" bIns="0" rtlCol="0">
+                <a:spAutoFit/>
+              </a:bodyPr>
+              <a:lstStyle/>
+              <a:p>
+                <a:pPr/>
+                <a14:m>
+                  <m:oMathPara xmlns:m="http://schemas.openxmlformats.org/officeDocument/2006/math">
+                    <m:oMathParaPr>
+                      <m:jc m:val="centerGroup"/>
+                    </m:oMathParaPr>
+                    <m:oMath xmlns:m="http://schemas.openxmlformats.org/officeDocument/2006/math">
+                      <m:sSub>
+                        <m:sSubPr>
+                          <m:ctrlPr>
+                            <a:rPr lang="en-US" altLang="ko-KR" b="0" i="1" smtClean="0">
+                              <a:latin typeface="Cambria Math" panose="02040503050406030204" pitchFamily="18" charset="0"/>
+                            </a:rPr>
+                          </m:ctrlPr>
+                        </m:sSubPr>
+                        <m:e>
+                          <m:r>
+                            <a:rPr lang="en-US" altLang="ko-KR" b="0" i="1" smtClean="0">
+                              <a:latin typeface="Cambria Math" panose="02040503050406030204" pitchFamily="18" charset="0"/>
+                            </a:rPr>
+                            <m:t>𝑥</m:t>
+                          </m:r>
+                        </m:e>
+                        <m:sub>
+                          <m:r>
+                            <a:rPr lang="en-US" altLang="ko-KR" b="0" i="1" smtClean="0">
+                              <a:latin typeface="Cambria Math" panose="02040503050406030204" pitchFamily="18" charset="0"/>
+                            </a:rPr>
+                            <m:t>2</m:t>
+                          </m:r>
+                        </m:sub>
+                      </m:sSub>
+                    </m:oMath>
+                  </m:oMathPara>
+                </a14:m>
+                <a:endParaRPr lang="ko-KR" altLang="en-US" dirty="0"/>
+              </a:p>
+            </p:txBody>
+          </p:sp>
+        </mc:Choice>
+        <mc:Fallback xmlns="">
+          <p:sp>
+            <p:nvSpPr>
+              <p:cNvPr id="28" name="TextBox 27">
+                <a:extLst>
+                  <a:ext uri="{FF2B5EF4-FFF2-40B4-BE49-F238E27FC236}">
+                    <a16:creationId xmlns:a16="http://schemas.microsoft.com/office/drawing/2014/main" id="{07B5ABC4-CAA0-493B-ACDF-C42A51522079}"/>
+                  </a:ext>
+                </a:extLst>
+              </p:cNvPr>
+              <p:cNvSpPr txBox="1">
+                <a:spLocks noRot="1" noChangeAspect="1" noMove="1" noResize="1" noEditPoints="1" noAdjustHandles="1" noChangeArrowheads="1" noChangeShapeType="1" noTextEdit="1"/>
+              </p:cNvSpPr>
+              <p:nvPr/>
+            </p:nvSpPr>
+            <p:spPr>
+              <a:xfrm>
+                <a:off x="6407690" y="3261885"/>
+                <a:ext cx="310278" cy="276999"/>
+              </a:xfrm>
+              <a:prstGeom prst="rect">
+                <a:avLst/>
+              </a:prstGeom>
+              <a:blipFill>
+                <a:blip r:embed="rId8"/>
+                <a:stretch>
+                  <a:fillRect l="-5882" r="-3922" b="-19565"/>
+                </a:stretch>
+              </a:blipFill>
+            </p:spPr>
+            <p:txBody>
+              <a:bodyPr/>
+              <a:lstStyle/>
+              <a:p>
+                <a:r>
+                  <a:rPr lang="ko-KR" altLang="en-US">
+                    <a:noFill/>
+                  </a:rPr>
+                  <a:t> </a:t>
+                </a:r>
+              </a:p>
+            </p:txBody>
+          </p:sp>
+        </mc:Fallback>
+      </mc:AlternateContent>
+      <p:cxnSp>
+        <p:nvCxnSpPr>
+          <p:cNvPr id="29" name="직선 화살표 연결선 28">
+            <a:extLst>
+              <a:ext uri="{FF2B5EF4-FFF2-40B4-BE49-F238E27FC236}">
+                <a16:creationId xmlns="" xmlns:a16="http://schemas.microsoft.com/office/drawing/2014/main" id="{782BF86B-4207-4FE7-8DAC-CEB1861B292A}"/>
+              </a:ext>
+            </a:extLst>
+          </p:cNvPr>
+          <p:cNvCxnSpPr>
+            <a:cxnSpLocks/>
+          </p:cNvCxnSpPr>
+          <p:nvPr/>
+        </p:nvCxnSpPr>
+        <p:spPr>
+          <a:xfrm>
+            <a:off x="3256557" y="1229955"/>
+            <a:ext cx="1289525" cy="1072687"/>
+          </a:xfrm>
+          <a:prstGeom prst="straightConnector1">
+            <a:avLst/>
+          </a:prstGeom>
+          <a:ln>
+            <a:solidFill>
+              <a:schemeClr val="tx1"/>
+            </a:solidFill>
+            <a:tailEnd type="triangle"/>
+          </a:ln>
+        </p:spPr>
+        <p:style>
+          <a:lnRef idx="1">
+            <a:schemeClr val="accent1"/>
+          </a:lnRef>
+          <a:fillRef idx="0">
+            <a:schemeClr val="accent1"/>
+          </a:fillRef>
+          <a:effectRef idx="0">
+            <a:schemeClr val="accent1"/>
+          </a:effectRef>
+          <a:fontRef idx="minor">
+            <a:schemeClr val="tx1"/>
+          </a:fontRef>
+        </p:style>
+      </p:cxnSp>
+      <mc:AlternateContent xmlns:mc="http://schemas.openxmlformats.org/markup-compatibility/2006" xmlns:a14="http://schemas.microsoft.com/office/drawing/2010/main">
+        <mc:Choice Requires="a14">
+          <p:sp>
+            <p:nvSpPr>
+              <p:cNvPr id="32" name="TextBox 31">
+                <a:extLst>
+                  <a:ext uri="{FF2B5EF4-FFF2-40B4-BE49-F238E27FC236}">
+                    <a16:creationId xmlns="" xmlns:a16="http://schemas.microsoft.com/office/drawing/2014/main" id="{5DB3AE05-D351-4E8F-8481-E70A4D8B443E}"/>
+                  </a:ext>
+                </a:extLst>
+              </p:cNvPr>
+              <p:cNvSpPr txBox="1"/>
+              <p:nvPr/>
+            </p:nvSpPr>
+            <p:spPr>
+              <a:xfrm>
+                <a:off x="3822703" y="1374016"/>
+                <a:ext cx="230832" cy="276999"/>
+              </a:xfrm>
+              <a:prstGeom prst="rect">
+                <a:avLst/>
+              </a:prstGeom>
+              <a:noFill/>
+            </p:spPr>
+            <p:txBody>
+              <a:bodyPr wrap="none" lIns="0" tIns="0" rIns="0" bIns="0" rtlCol="0">
+                <a:spAutoFit/>
+              </a:bodyPr>
+              <a:lstStyle/>
+              <a:p>
+                <a:pPr/>
+                <a14:m>
+                  <m:oMathPara xmlns:m="http://schemas.openxmlformats.org/officeDocument/2006/math">
+                    <m:oMathParaPr>
+                      <m:jc m:val="centerGroup"/>
+                    </m:oMathParaPr>
+                    <m:oMath xmlns:m="http://schemas.openxmlformats.org/officeDocument/2006/math">
+                      <m:r>
+                        <a:rPr lang="en-US" altLang="ko-KR" b="1" i="0" smtClean="0">
+                          <a:latin typeface="Cambria Math" panose="02040503050406030204" pitchFamily="18" charset="0"/>
+                        </a:rPr>
+                        <m:t>𝐝</m:t>
+                      </m:r>
+                    </m:oMath>
+                  </m:oMathPara>
+                </a14:m>
+                <a:endParaRPr lang="ko-KR" altLang="en-US" b="1" dirty="0"/>
+              </a:p>
+            </p:txBody>
+          </p:sp>
+        </mc:Choice>
+        <mc:Fallback xmlns="">
+          <p:sp>
+            <p:nvSpPr>
+              <p:cNvPr id="32" name="TextBox 31">
+                <a:extLst>
+                  <a:ext uri="{FF2B5EF4-FFF2-40B4-BE49-F238E27FC236}">
+                    <a16:creationId xmlns:a16="http://schemas.microsoft.com/office/drawing/2014/main" id="{5DB3AE05-D351-4E8F-8481-E70A4D8B443E}"/>
+                  </a:ext>
+                </a:extLst>
+              </p:cNvPr>
+              <p:cNvSpPr txBox="1">
+                <a:spLocks noRot="1" noChangeAspect="1" noMove="1" noResize="1" noEditPoints="1" noAdjustHandles="1" noChangeArrowheads="1" noChangeShapeType="1" noTextEdit="1"/>
+              </p:cNvSpPr>
+              <p:nvPr/>
+            </p:nvSpPr>
+            <p:spPr>
+              <a:xfrm>
+                <a:off x="3822703" y="1374016"/>
+                <a:ext cx="230832" cy="276999"/>
+              </a:xfrm>
+              <a:prstGeom prst="rect">
+                <a:avLst/>
+              </a:prstGeom>
+              <a:blipFill>
+                <a:blip r:embed="rId9"/>
+                <a:stretch>
+                  <a:fillRect l="-18421" r="-18421" b="-13043"/>
+                </a:stretch>
+              </a:blipFill>
+            </p:spPr>
+            <p:txBody>
+              <a:bodyPr/>
+              <a:lstStyle/>
+              <a:p>
+                <a:r>
+                  <a:rPr lang="ko-KR" altLang="en-US">
+                    <a:noFill/>
+                  </a:rPr>
+                  <a:t> </a:t>
+                </a:r>
+              </a:p>
+            </p:txBody>
+          </p:sp>
+        </mc:Fallback>
+      </mc:AlternateContent>
+      <p:cxnSp>
+        <p:nvCxnSpPr>
+          <p:cNvPr id="33" name="직선 화살표 연결선 32">
+            <a:extLst>
+              <a:ext uri="{FF2B5EF4-FFF2-40B4-BE49-F238E27FC236}">
+                <a16:creationId xmlns="" xmlns:a16="http://schemas.microsoft.com/office/drawing/2014/main" id="{F5FC4C0A-B591-4F3B-BD15-9D9E5EC72772}"/>
+              </a:ext>
+            </a:extLst>
+          </p:cNvPr>
+          <p:cNvCxnSpPr>
+            <a:cxnSpLocks/>
+          </p:cNvCxnSpPr>
+          <p:nvPr/>
+        </p:nvCxnSpPr>
+        <p:spPr>
+          <a:xfrm>
+            <a:off x="3271058" y="3276796"/>
+            <a:ext cx="2150362" cy="237656"/>
+          </a:xfrm>
+          <a:prstGeom prst="straightConnector1">
+            <a:avLst/>
+          </a:prstGeom>
+          <a:ln>
+            <a:solidFill>
+              <a:schemeClr val="tx1"/>
+            </a:solidFill>
+            <a:tailEnd type="triangle"/>
+          </a:ln>
+        </p:spPr>
+        <p:style>
+          <a:lnRef idx="1">
+            <a:schemeClr val="accent1"/>
+          </a:lnRef>
+          <a:fillRef idx="0">
+            <a:schemeClr val="accent1"/>
+          </a:fillRef>
+          <a:effectRef idx="0">
+            <a:schemeClr val="accent1"/>
+          </a:effectRef>
+          <a:fontRef idx="minor">
+            <a:schemeClr val="tx1"/>
+          </a:fontRef>
+        </p:style>
+      </p:cxnSp>
+      <mc:AlternateContent xmlns:mc="http://schemas.openxmlformats.org/markup-compatibility/2006" xmlns:a14="http://schemas.microsoft.com/office/drawing/2010/main">
+        <mc:Choice Requires="a14">
+          <p:sp>
+            <p:nvSpPr>
+              <p:cNvPr id="38" name="TextBox 37">
+                <a:extLst>
+                  <a:ext uri="{FF2B5EF4-FFF2-40B4-BE49-F238E27FC236}">
+                    <a16:creationId xmlns="" xmlns:a16="http://schemas.microsoft.com/office/drawing/2014/main" id="{EC18DB71-3399-4E5E-B321-6A9670FF95D7}"/>
+                  </a:ext>
+                </a:extLst>
+              </p:cNvPr>
+              <p:cNvSpPr txBox="1"/>
+              <p:nvPr/>
+            </p:nvSpPr>
+            <p:spPr>
+              <a:xfrm>
+                <a:off x="3892982" y="3554507"/>
+                <a:ext cx="392350" cy="276999"/>
+              </a:xfrm>
+              <a:prstGeom prst="rect">
+                <a:avLst/>
+              </a:prstGeom>
+              <a:noFill/>
+            </p:spPr>
+            <p:txBody>
+              <a:bodyPr wrap="none" lIns="0" tIns="0" rIns="0" bIns="0" rtlCol="0">
+                <a:spAutoFit/>
+              </a:bodyPr>
+              <a:lstStyle/>
+              <a:p>
+                <a:pPr/>
+                <a14:m>
+                  <m:oMathPara xmlns:m="http://schemas.openxmlformats.org/officeDocument/2006/math">
+                    <m:oMathParaPr>
+                      <m:jc m:val="centerGroup"/>
+                    </m:oMathParaPr>
+                    <m:oMath xmlns:m="http://schemas.openxmlformats.org/officeDocument/2006/math">
+                      <m:sSup>
+                        <m:sSupPr>
+                          <m:ctrlPr>
+                            <a:rPr lang="en-US" altLang="ko-KR" b="1" i="1" smtClean="0">
+                              <a:latin typeface="Cambria Math" panose="02040503050406030204" pitchFamily="18" charset="0"/>
+                            </a:rPr>
+                          </m:ctrlPr>
+                        </m:sSupPr>
+                        <m:e>
+                          <m:r>
+                            <a:rPr lang="en-US" altLang="ko-KR" b="1" i="0" smtClean="0">
+                              <a:latin typeface="Cambria Math" panose="02040503050406030204" pitchFamily="18" charset="0"/>
+                            </a:rPr>
+                            <m:t>𝐝</m:t>
+                          </m:r>
+                        </m:e>
+                        <m:sup>
+                          <m:r>
+                            <a:rPr lang="en-US" altLang="ko-KR" b="0" i="1" smtClean="0">
+                              <a:latin typeface="Cambria Math" panose="02040503050406030204" pitchFamily="18" charset="0"/>
+                            </a:rPr>
+                            <m:t>𝑚</m:t>
+                          </m:r>
+                        </m:sup>
+                      </m:sSup>
+                    </m:oMath>
+                  </m:oMathPara>
+                </a14:m>
+                <a:endParaRPr lang="ko-KR" altLang="en-US" b="1" dirty="0"/>
+              </a:p>
+            </p:txBody>
+          </p:sp>
+        </mc:Choice>
+        <mc:Fallback xmlns="">
+          <p:sp>
+            <p:nvSpPr>
+              <p:cNvPr id="38" name="TextBox 37">
+                <a:extLst>
+                  <a:ext uri="{FF2B5EF4-FFF2-40B4-BE49-F238E27FC236}">
+                    <a16:creationId xmlns:a16="http://schemas.microsoft.com/office/drawing/2014/main" id="{EC18DB71-3399-4E5E-B321-6A9670FF95D7}"/>
+                  </a:ext>
+                </a:extLst>
+              </p:cNvPr>
+              <p:cNvSpPr txBox="1">
+                <a:spLocks noRot="1" noChangeAspect="1" noMove="1" noResize="1" noEditPoints="1" noAdjustHandles="1" noChangeArrowheads="1" noChangeShapeType="1" noTextEdit="1"/>
+              </p:cNvSpPr>
+              <p:nvPr/>
+            </p:nvSpPr>
+            <p:spPr>
+              <a:xfrm>
+                <a:off x="3892982" y="3554507"/>
+                <a:ext cx="392350" cy="276999"/>
+              </a:xfrm>
+              <a:prstGeom prst="rect">
+                <a:avLst/>
+              </a:prstGeom>
+              <a:blipFill>
+                <a:blip r:embed="rId10"/>
+                <a:stretch>
+                  <a:fillRect l="-12500" b="-13043"/>
+                </a:stretch>
+              </a:blipFill>
+            </p:spPr>
+            <p:txBody>
+              <a:bodyPr/>
+              <a:lstStyle/>
+              <a:p>
+                <a:r>
+                  <a:rPr lang="ko-KR" altLang="en-US">
+                    <a:noFill/>
+                  </a:rPr>
+                  <a:t> </a:t>
+                </a:r>
+              </a:p>
+            </p:txBody>
+          </p:sp>
+        </mc:Fallback>
+      </mc:AlternateContent>
+    </p:spTree>
+    <p:extLst>
+      <p:ext uri="{BB962C8B-B14F-4D97-AF65-F5344CB8AC3E}">
+        <p14:creationId xmlns:p14="http://schemas.microsoft.com/office/powerpoint/2010/main" val="564488203"/>
+      </p:ext>
+    </p:extLst>
+  </p:cSld>
+  <p:clrMapOvr>
+    <a:masterClrMapping/>
+  </p:clrMapOvr>
+</p:sld>
+</file>
+
+<file path=ppt/slides/slide20.xml><?xml version="1.0" encoding="utf-8"?>
 <p:sld xmlns:a="http://schemas.openxmlformats.org/drawingml/2006/main" xmlns:r="http://schemas.openxmlformats.org/officeDocument/2006/relationships" xmlns:p="http://schemas.openxmlformats.org/presentationml/2006/main">
   <p:cSld>
     <p:spTree>
@@ -11739,1188 +14878,7 @@
 </p:sld>
 </file>
 
-<file path=ppt/slides/slide2.xml><?xml version="1.0" encoding="utf-8"?>
-<p:sld xmlns:a="http://schemas.openxmlformats.org/drawingml/2006/main" xmlns:r="http://schemas.openxmlformats.org/officeDocument/2006/relationships" xmlns:p="http://schemas.openxmlformats.org/presentationml/2006/main">
-  <p:cSld>
-    <p:spTree>
-      <p:nvGrpSpPr>
-        <p:cNvPr id="1" name=""/>
-        <p:cNvGrpSpPr/>
-        <p:nvPr/>
-      </p:nvGrpSpPr>
-      <p:grpSpPr>
-        <a:xfrm>
-          <a:off x="0" y="0"/>
-          <a:ext cx="0" cy="0"/>
-          <a:chOff x="0" y="0"/>
-          <a:chExt cx="0" cy="0"/>
-        </a:xfrm>
-      </p:grpSpPr>
-      <p:cxnSp>
-        <p:nvCxnSpPr>
-          <p:cNvPr id="5" name="직선 화살표 연결선 4"/>
-          <p:cNvCxnSpPr/>
-          <p:nvPr/>
-        </p:nvCxnSpPr>
-        <p:spPr>
-          <a:xfrm>
-            <a:off x="1312967" y="2951338"/>
-            <a:ext cx="5400000" cy="0"/>
-          </a:xfrm>
-          <a:prstGeom prst="straightConnector1">
-            <a:avLst/>
-          </a:prstGeom>
-          <a:ln w="28575">
-            <a:solidFill>
-              <a:schemeClr val="tx1"/>
-            </a:solidFill>
-            <a:tailEnd type="triangle"/>
-          </a:ln>
-        </p:spPr>
-        <p:style>
-          <a:lnRef idx="1">
-            <a:schemeClr val="accent1"/>
-          </a:lnRef>
-          <a:fillRef idx="0">
-            <a:schemeClr val="accent1"/>
-          </a:fillRef>
-          <a:effectRef idx="0">
-            <a:schemeClr val="accent1"/>
-          </a:effectRef>
-          <a:fontRef idx="minor">
-            <a:schemeClr val="tx1"/>
-          </a:fontRef>
-        </p:style>
-      </p:cxnSp>
-      <p:cxnSp>
-        <p:nvCxnSpPr>
-          <p:cNvPr id="6" name="직선 화살표 연결선 5"/>
-          <p:cNvCxnSpPr/>
-          <p:nvPr/>
-        </p:nvCxnSpPr>
-        <p:spPr>
-          <a:xfrm>
-            <a:off x="2650354" y="348792"/>
-            <a:ext cx="0" cy="3600000"/>
-          </a:xfrm>
-          <a:prstGeom prst="straightConnector1">
-            <a:avLst/>
-          </a:prstGeom>
-          <a:ln w="28575">
-            <a:solidFill>
-              <a:schemeClr val="tx1"/>
-            </a:solidFill>
-            <a:headEnd type="triangle"/>
-            <a:tailEnd type="none"/>
-          </a:ln>
-        </p:spPr>
-        <p:style>
-          <a:lnRef idx="1">
-            <a:schemeClr val="accent1"/>
-          </a:lnRef>
-          <a:fillRef idx="0">
-            <a:schemeClr val="accent1"/>
-          </a:fillRef>
-          <a:effectRef idx="0">
-            <a:schemeClr val="accent1"/>
-          </a:effectRef>
-          <a:fontRef idx="minor">
-            <a:schemeClr val="tx1"/>
-          </a:fontRef>
-        </p:style>
-      </p:cxnSp>
-      <mc:AlternateContent xmlns:mc="http://schemas.openxmlformats.org/markup-compatibility/2006" xmlns:a14="http://schemas.microsoft.com/office/drawing/2010/main">
-        <mc:Choice Requires="a14">
-          <p:sp>
-            <p:nvSpPr>
-              <p:cNvPr id="7" name="TextBox 6"/>
-              <p:cNvSpPr txBox="1"/>
-              <p:nvPr/>
-            </p:nvSpPr>
-            <p:spPr>
-              <a:xfrm>
-                <a:off x="833438" y="4709546"/>
-                <a:ext cx="310278" cy="276999"/>
-              </a:xfrm>
-              <a:prstGeom prst="rect">
-                <a:avLst/>
-              </a:prstGeom>
-              <a:noFill/>
-            </p:spPr>
-            <p:txBody>
-              <a:bodyPr wrap="none" lIns="0" tIns="0" rIns="0" bIns="0" rtlCol="0">
-                <a:spAutoFit/>
-              </a:bodyPr>
-              <a:lstStyle/>
-              <a:p>
-                <a:pPr/>
-                <a14:m>
-                  <m:oMathPara xmlns:m="http://schemas.openxmlformats.org/officeDocument/2006/math">
-                    <m:oMathParaPr>
-                      <m:jc m:val="centerGroup"/>
-                    </m:oMathParaPr>
-                    <m:oMath xmlns:m="http://schemas.openxmlformats.org/officeDocument/2006/math">
-                      <m:sSub>
-                        <m:sSubPr>
-                          <m:ctrlPr>
-                            <a:rPr lang="en-US" altLang="ko-KR" b="0" i="1" smtClean="0">
-                              <a:latin typeface="Cambria Math" panose="02040503050406030204" pitchFamily="18" charset="0"/>
-                            </a:rPr>
-                          </m:ctrlPr>
-                        </m:sSubPr>
-                        <m:e>
-                          <m:r>
-                            <a:rPr lang="en-US" altLang="ko-KR" b="0" i="1" smtClean="0">
-                              <a:latin typeface="Cambria Math" panose="02040503050406030204" pitchFamily="18" charset="0"/>
-                            </a:rPr>
-                            <m:t>𝑥</m:t>
-                          </m:r>
-                        </m:e>
-                        <m:sub>
-                          <m:r>
-                            <a:rPr lang="en-US" altLang="ko-KR" b="0" i="1" smtClean="0">
-                              <a:latin typeface="Cambria Math" panose="02040503050406030204" pitchFamily="18" charset="0"/>
-                            </a:rPr>
-                            <m:t>1</m:t>
-                          </m:r>
-                        </m:sub>
-                      </m:sSub>
-                    </m:oMath>
-                  </m:oMathPara>
-                </a14:m>
-                <a:endParaRPr lang="ko-KR" altLang="en-US" dirty="0"/>
-              </a:p>
-            </p:txBody>
-          </p:sp>
-        </mc:Choice>
-        <mc:Fallback xmlns="">
-          <p:sp>
-            <p:nvSpPr>
-              <p:cNvPr id="7" name="TextBox 6"/>
-              <p:cNvSpPr txBox="1">
-                <a:spLocks noRot="1" noChangeAspect="1" noMove="1" noResize="1" noEditPoints="1" noAdjustHandles="1" noChangeArrowheads="1" noChangeShapeType="1" noTextEdit="1"/>
-              </p:cNvSpPr>
-              <p:nvPr/>
-            </p:nvSpPr>
-            <p:spPr>
-              <a:xfrm>
-                <a:off x="833438" y="4709546"/>
-                <a:ext cx="310278" cy="276999"/>
-              </a:xfrm>
-              <a:prstGeom prst="rect">
-                <a:avLst/>
-              </a:prstGeom>
-              <a:blipFill>
-                <a:blip r:embed="rId2"/>
-                <a:stretch>
-                  <a:fillRect l="-5882" b="-20000"/>
-                </a:stretch>
-              </a:blipFill>
-            </p:spPr>
-            <p:txBody>
-              <a:bodyPr/>
-              <a:lstStyle/>
-              <a:p>
-                <a:r>
-                  <a:rPr lang="ko-KR" altLang="en-US">
-                    <a:noFill/>
-                  </a:rPr>
-                  <a:t> </a:t>
-                </a:r>
-              </a:p>
-            </p:txBody>
-          </p:sp>
-        </mc:Fallback>
-      </mc:AlternateContent>
-      <mc:AlternateContent xmlns:mc="http://schemas.openxmlformats.org/markup-compatibility/2006" xmlns:a14="http://schemas.microsoft.com/office/drawing/2010/main">
-        <mc:Choice Requires="a14">
-          <p:sp>
-            <p:nvSpPr>
-              <p:cNvPr id="8" name="TextBox 7"/>
-              <p:cNvSpPr txBox="1"/>
-              <p:nvPr/>
-            </p:nvSpPr>
-            <p:spPr>
-              <a:xfrm>
-                <a:off x="1780453" y="657712"/>
-                <a:ext cx="310278" cy="276999"/>
-              </a:xfrm>
-              <a:prstGeom prst="rect">
-                <a:avLst/>
-              </a:prstGeom>
-              <a:noFill/>
-            </p:spPr>
-            <p:txBody>
-              <a:bodyPr wrap="none" lIns="0" tIns="0" rIns="0" bIns="0" rtlCol="0">
-                <a:spAutoFit/>
-              </a:bodyPr>
-              <a:lstStyle/>
-              <a:p>
-                <a:pPr/>
-                <a14:m>
-                  <m:oMathPara xmlns:m="http://schemas.openxmlformats.org/officeDocument/2006/math">
-                    <m:oMathParaPr>
-                      <m:jc m:val="centerGroup"/>
-                    </m:oMathParaPr>
-                    <m:oMath xmlns:m="http://schemas.openxmlformats.org/officeDocument/2006/math">
-                      <m:sSub>
-                        <m:sSubPr>
-                          <m:ctrlPr>
-                            <a:rPr lang="en-US" altLang="ko-KR" b="0" i="1" smtClean="0">
-                              <a:latin typeface="Cambria Math" panose="02040503050406030204" pitchFamily="18" charset="0"/>
-                            </a:rPr>
-                          </m:ctrlPr>
-                        </m:sSubPr>
-                        <m:e>
-                          <m:r>
-                            <a:rPr lang="en-US" altLang="ko-KR" b="0" i="1" smtClean="0">
-                              <a:latin typeface="Cambria Math" panose="02040503050406030204" pitchFamily="18" charset="0"/>
-                            </a:rPr>
-                            <m:t>𝑥</m:t>
-                          </m:r>
-                        </m:e>
-                        <m:sub>
-                          <m:r>
-                            <a:rPr lang="en-US" altLang="ko-KR" b="0" i="1" smtClean="0">
-                              <a:latin typeface="Cambria Math" panose="02040503050406030204" pitchFamily="18" charset="0"/>
-                            </a:rPr>
-                            <m:t>3</m:t>
-                          </m:r>
-                        </m:sub>
-                      </m:sSub>
-                    </m:oMath>
-                  </m:oMathPara>
-                </a14:m>
-                <a:endParaRPr lang="ko-KR" altLang="en-US" dirty="0"/>
-              </a:p>
-            </p:txBody>
-          </p:sp>
-        </mc:Choice>
-        <mc:Fallback xmlns="">
-          <p:sp>
-            <p:nvSpPr>
-              <p:cNvPr id="8" name="TextBox 7"/>
-              <p:cNvSpPr txBox="1">
-                <a:spLocks noRot="1" noChangeAspect="1" noMove="1" noResize="1" noEditPoints="1" noAdjustHandles="1" noChangeArrowheads="1" noChangeShapeType="1" noTextEdit="1"/>
-              </p:cNvSpPr>
-              <p:nvPr/>
-            </p:nvSpPr>
-            <p:spPr>
-              <a:xfrm>
-                <a:off x="1780453" y="657712"/>
-                <a:ext cx="310278" cy="276999"/>
-              </a:xfrm>
-              <a:prstGeom prst="rect">
-                <a:avLst/>
-              </a:prstGeom>
-              <a:blipFill rotWithShape="0">
-                <a:blip r:embed="rId3"/>
-                <a:stretch>
-                  <a:fillRect l="-5882" r="-3922" b="-20000"/>
-                </a:stretch>
-              </a:blipFill>
-            </p:spPr>
-            <p:txBody>
-              <a:bodyPr/>
-              <a:lstStyle/>
-              <a:p>
-                <a:r>
-                  <a:rPr lang="ko-KR" altLang="en-US">
-                    <a:noFill/>
-                  </a:rPr>
-                  <a:t> </a:t>
-                </a:r>
-              </a:p>
-            </p:txBody>
-          </p:sp>
-        </mc:Fallback>
-      </mc:AlternateContent>
-      <p:cxnSp>
-        <p:nvCxnSpPr>
-          <p:cNvPr id="10" name="직선 연결선 9"/>
-          <p:cNvCxnSpPr>
-            <a:cxnSpLocks/>
-          </p:cNvCxnSpPr>
-          <p:nvPr/>
-        </p:nvCxnSpPr>
-        <p:spPr>
-          <a:xfrm>
-            <a:off x="3263807" y="1215586"/>
-            <a:ext cx="0" cy="2074914"/>
-          </a:xfrm>
-          <a:prstGeom prst="line">
-            <a:avLst/>
-          </a:prstGeom>
-          <a:ln w="38100"/>
-        </p:spPr>
-        <p:style>
-          <a:lnRef idx="1">
-            <a:schemeClr val="accent1"/>
-          </a:lnRef>
-          <a:fillRef idx="0">
-            <a:schemeClr val="accent1"/>
-          </a:fillRef>
-          <a:effectRef idx="0">
-            <a:schemeClr val="accent1"/>
-          </a:effectRef>
-          <a:fontRef idx="minor">
-            <a:schemeClr val="tx1"/>
-          </a:fontRef>
-        </p:style>
-      </p:cxnSp>
-      <mc:AlternateContent xmlns:mc="http://schemas.openxmlformats.org/markup-compatibility/2006" xmlns:a14="http://schemas.microsoft.com/office/drawing/2010/main">
-        <mc:Choice Requires="a14">
-          <p:sp>
-            <p:nvSpPr>
-              <p:cNvPr id="15" name="TextBox 14"/>
-              <p:cNvSpPr txBox="1"/>
-              <p:nvPr/>
-            </p:nvSpPr>
-            <p:spPr>
-              <a:xfrm>
-                <a:off x="2918503" y="1548661"/>
-                <a:ext cx="213776" cy="276999"/>
-              </a:xfrm>
-              <a:prstGeom prst="rect">
-                <a:avLst/>
-              </a:prstGeom>
-              <a:noFill/>
-            </p:spPr>
-            <p:txBody>
-              <a:bodyPr wrap="none" lIns="0" tIns="0" rIns="0" bIns="0" rtlCol="0">
-                <a:spAutoFit/>
-              </a:bodyPr>
-              <a:lstStyle/>
-              <a:p>
-                <a:pPr/>
-                <a14:m>
-                  <m:oMathPara xmlns:m="http://schemas.openxmlformats.org/officeDocument/2006/math">
-                    <m:oMathParaPr>
-                      <m:jc m:val="centerGroup"/>
-                    </m:oMathParaPr>
-                    <m:oMath xmlns:m="http://schemas.openxmlformats.org/officeDocument/2006/math">
-                      <m:r>
-                        <a:rPr lang="en-US" altLang="ko-KR" b="0" i="1" smtClean="0">
-                          <a:latin typeface="Cambria Math" panose="02040503050406030204" pitchFamily="18" charset="0"/>
-                        </a:rPr>
-                        <m:t>𝑞</m:t>
-                      </m:r>
-                    </m:oMath>
-                  </m:oMathPara>
-                </a14:m>
-                <a:endParaRPr lang="ko-KR" altLang="en-US" dirty="0"/>
-              </a:p>
-            </p:txBody>
-          </p:sp>
-        </mc:Choice>
-        <mc:Fallback xmlns="">
-          <p:sp>
-            <p:nvSpPr>
-              <p:cNvPr id="15" name="TextBox 14"/>
-              <p:cNvSpPr txBox="1">
-                <a:spLocks noRot="1" noChangeAspect="1" noMove="1" noResize="1" noEditPoints="1" noAdjustHandles="1" noChangeArrowheads="1" noChangeShapeType="1" noTextEdit="1"/>
-              </p:cNvSpPr>
-              <p:nvPr/>
-            </p:nvSpPr>
-            <p:spPr>
-              <a:xfrm>
-                <a:off x="2918503" y="1548661"/>
-                <a:ext cx="213776" cy="276999"/>
-              </a:xfrm>
-              <a:prstGeom prst="rect">
-                <a:avLst/>
-              </a:prstGeom>
-              <a:blipFill>
-                <a:blip r:embed="rId4"/>
-                <a:stretch>
-                  <a:fillRect l="-20000" r="-17143" b="-31111"/>
-                </a:stretch>
-              </a:blipFill>
-            </p:spPr>
-            <p:txBody>
-              <a:bodyPr/>
-              <a:lstStyle/>
-              <a:p>
-                <a:r>
-                  <a:rPr lang="ko-KR" altLang="en-US">
-                    <a:noFill/>
-                  </a:rPr>
-                  <a:t> </a:t>
-                </a:r>
-              </a:p>
-            </p:txBody>
-          </p:sp>
-        </mc:Fallback>
-      </mc:AlternateContent>
-      <mc:AlternateContent xmlns:mc="http://schemas.openxmlformats.org/markup-compatibility/2006" xmlns:a14="http://schemas.microsoft.com/office/drawing/2010/main">
-        <mc:Choice Requires="a14">
-          <p:sp>
-            <p:nvSpPr>
-              <p:cNvPr id="16" name="TextBox 15"/>
-              <p:cNvSpPr txBox="1"/>
-              <p:nvPr/>
-            </p:nvSpPr>
-            <p:spPr>
-              <a:xfrm>
-                <a:off x="2905306" y="3290500"/>
-                <a:ext cx="212814" cy="276999"/>
-              </a:xfrm>
-              <a:prstGeom prst="rect">
-                <a:avLst/>
-              </a:prstGeom>
-              <a:noFill/>
-            </p:spPr>
-            <p:txBody>
-              <a:bodyPr wrap="none" lIns="0" tIns="0" rIns="0" bIns="0" rtlCol="0">
-                <a:spAutoFit/>
-              </a:bodyPr>
-              <a:lstStyle/>
-              <a:p>
-                <a:pPr/>
-                <a14:m>
-                  <m:oMathPara xmlns:m="http://schemas.openxmlformats.org/officeDocument/2006/math">
-                    <m:oMathParaPr>
-                      <m:jc m:val="centerGroup"/>
-                    </m:oMathParaPr>
-                    <m:oMath xmlns:m="http://schemas.openxmlformats.org/officeDocument/2006/math">
-                      <m:r>
-                        <a:rPr lang="en-US" altLang="ko-KR" b="0" i="1" smtClean="0">
-                          <a:latin typeface="Cambria Math" panose="02040503050406030204" pitchFamily="18" charset="0"/>
-                        </a:rPr>
-                        <m:t>𝑝</m:t>
-                      </m:r>
-                    </m:oMath>
-                  </m:oMathPara>
-                </a14:m>
-                <a:endParaRPr lang="ko-KR" altLang="en-US" dirty="0"/>
-              </a:p>
-            </p:txBody>
-          </p:sp>
-        </mc:Choice>
-        <mc:Fallback xmlns="">
-          <p:sp>
-            <p:nvSpPr>
-              <p:cNvPr id="16" name="TextBox 15"/>
-              <p:cNvSpPr txBox="1">
-                <a:spLocks noRot="1" noChangeAspect="1" noMove="1" noResize="1" noEditPoints="1" noAdjustHandles="1" noChangeArrowheads="1" noChangeShapeType="1" noTextEdit="1"/>
-              </p:cNvSpPr>
-              <p:nvPr/>
-            </p:nvSpPr>
-            <p:spPr>
-              <a:xfrm>
-                <a:off x="2905306" y="3290500"/>
-                <a:ext cx="212814" cy="276999"/>
-              </a:xfrm>
-              <a:prstGeom prst="rect">
-                <a:avLst/>
-              </a:prstGeom>
-              <a:blipFill>
-                <a:blip r:embed="rId5"/>
-                <a:stretch>
-                  <a:fillRect l="-20000" r="-20000" b="-31111"/>
-                </a:stretch>
-              </a:blipFill>
-            </p:spPr>
-            <p:txBody>
-              <a:bodyPr/>
-              <a:lstStyle/>
-              <a:p>
-                <a:r>
-                  <a:rPr lang="ko-KR" altLang="en-US">
-                    <a:noFill/>
-                  </a:rPr>
-                  <a:t> </a:t>
-                </a:r>
-              </a:p>
-            </p:txBody>
-          </p:sp>
-        </mc:Fallback>
-      </mc:AlternateContent>
-      <p:cxnSp>
-        <p:nvCxnSpPr>
-          <p:cNvPr id="11" name="직선 연결선 10"/>
-          <p:cNvCxnSpPr>
-            <a:cxnSpLocks/>
-          </p:cNvCxnSpPr>
-          <p:nvPr/>
-        </p:nvCxnSpPr>
-        <p:spPr>
-          <a:xfrm>
-            <a:off x="4546082" y="2303490"/>
-            <a:ext cx="875338" cy="1210962"/>
-          </a:xfrm>
-          <a:prstGeom prst="line">
-            <a:avLst/>
-          </a:prstGeom>
-          <a:ln w="38100"/>
-        </p:spPr>
-        <p:style>
-          <a:lnRef idx="1">
-            <a:schemeClr val="accent1"/>
-          </a:lnRef>
-          <a:fillRef idx="0">
-            <a:schemeClr val="accent1"/>
-          </a:fillRef>
-          <a:effectRef idx="0">
-            <a:schemeClr val="accent1"/>
-          </a:effectRef>
-          <a:fontRef idx="minor">
-            <a:schemeClr val="tx1"/>
-          </a:fontRef>
-        </p:style>
-      </p:cxnSp>
-      <mc:AlternateContent xmlns:mc="http://schemas.openxmlformats.org/markup-compatibility/2006" xmlns:a14="http://schemas.microsoft.com/office/drawing/2010/main">
-        <mc:Choice Requires="a14">
-          <p:sp>
-            <p:nvSpPr>
-              <p:cNvPr id="13" name="TextBox 12"/>
-              <p:cNvSpPr txBox="1"/>
-              <p:nvPr/>
-            </p:nvSpPr>
-            <p:spPr>
-              <a:xfrm>
-                <a:off x="5283264" y="3638570"/>
-                <a:ext cx="406766" cy="344083"/>
-              </a:xfrm>
-              <a:prstGeom prst="rect">
-                <a:avLst/>
-              </a:prstGeom>
-              <a:noFill/>
-            </p:spPr>
-            <p:txBody>
-              <a:bodyPr wrap="none" lIns="0" tIns="0" rIns="0" bIns="0" rtlCol="0">
-                <a:spAutoFit/>
-              </a:bodyPr>
-              <a:lstStyle/>
-              <a:p>
-                <a:pPr/>
-                <a14:m>
-                  <m:oMathPara xmlns:m="http://schemas.openxmlformats.org/officeDocument/2006/math">
-                    <m:oMathParaPr>
-                      <m:jc m:val="centerGroup"/>
-                    </m:oMathParaPr>
-                    <m:oMath xmlns:m="http://schemas.openxmlformats.org/officeDocument/2006/math">
-                      <m:r>
-                        <a:rPr lang="en-US" altLang="ko-KR" b="0" i="1" smtClean="0">
-                          <a:latin typeface="Cambria Math" panose="02040503050406030204" pitchFamily="18" charset="0"/>
-                        </a:rPr>
-                        <m:t>𝑝</m:t>
-                      </m:r>
-                      <m:r>
-                        <a:rPr lang="en-US" altLang="ko-KR" b="0" i="1" smtClean="0">
-                          <a:latin typeface="Cambria Math" panose="02040503050406030204" pitchFamily="18" charset="0"/>
-                        </a:rPr>
-                        <m:t>′</m:t>
-                      </m:r>
-                    </m:oMath>
-                  </m:oMathPara>
-                </a14:m>
-                <a:endParaRPr lang="ko-KR" altLang="en-US" dirty="0"/>
-              </a:p>
-            </p:txBody>
-          </p:sp>
-        </mc:Choice>
-        <mc:Fallback xmlns="">
-          <p:sp>
-            <p:nvSpPr>
-              <p:cNvPr id="13" name="TextBox 12"/>
-              <p:cNvSpPr txBox="1">
-                <a:spLocks noRot="1" noChangeAspect="1" noMove="1" noResize="1" noEditPoints="1" noAdjustHandles="1" noChangeArrowheads="1" noChangeShapeType="1" noTextEdit="1"/>
-              </p:cNvSpPr>
-              <p:nvPr/>
-            </p:nvSpPr>
-            <p:spPr>
-              <a:xfrm>
-                <a:off x="5283264" y="3638570"/>
-                <a:ext cx="406766" cy="344083"/>
-              </a:xfrm>
-              <a:prstGeom prst="rect">
-                <a:avLst/>
-              </a:prstGeom>
-              <a:blipFill>
-                <a:blip r:embed="rId6"/>
-                <a:stretch>
-                  <a:fillRect l="-1515" t="-3571" r="-3030" b="-14286"/>
-                </a:stretch>
-              </a:blipFill>
-            </p:spPr>
-            <p:txBody>
-              <a:bodyPr/>
-              <a:lstStyle/>
-              <a:p>
-                <a:r>
-                  <a:rPr lang="ko-KR" altLang="en-US">
-                    <a:noFill/>
-                  </a:rPr>
-                  <a:t> </a:t>
-                </a:r>
-              </a:p>
-            </p:txBody>
-          </p:sp>
-        </mc:Fallback>
-      </mc:AlternateContent>
-      <mc:AlternateContent xmlns:mc="http://schemas.openxmlformats.org/markup-compatibility/2006" xmlns:a14="http://schemas.microsoft.com/office/drawing/2010/main">
-        <mc:Choice Requires="a14">
-          <p:sp>
-            <p:nvSpPr>
-              <p:cNvPr id="14" name="TextBox 13"/>
-              <p:cNvSpPr txBox="1"/>
-              <p:nvPr/>
-            </p:nvSpPr>
-            <p:spPr>
-              <a:xfrm>
-                <a:off x="4681305" y="2184505"/>
-                <a:ext cx="406766" cy="344083"/>
-              </a:xfrm>
-              <a:prstGeom prst="rect">
-                <a:avLst/>
-              </a:prstGeom>
-              <a:noFill/>
-            </p:spPr>
-            <p:txBody>
-              <a:bodyPr wrap="none" lIns="0" tIns="0" rIns="0" bIns="0" rtlCol="0">
-                <a:spAutoFit/>
-              </a:bodyPr>
-              <a:lstStyle/>
-              <a:p>
-                <a:pPr/>
-                <a14:m>
-                  <m:oMathPara xmlns:m="http://schemas.openxmlformats.org/officeDocument/2006/math">
-                    <m:oMathParaPr>
-                      <m:jc m:val="centerGroup"/>
-                    </m:oMathParaPr>
-                    <m:oMath xmlns:m="http://schemas.openxmlformats.org/officeDocument/2006/math">
-                      <m:r>
-                        <a:rPr lang="en-US" altLang="ko-KR" b="0" i="1" smtClean="0">
-                          <a:latin typeface="Cambria Math" panose="02040503050406030204" pitchFamily="18" charset="0"/>
-                        </a:rPr>
-                        <m:t>𝑞</m:t>
-                      </m:r>
-                      <m:r>
-                        <a:rPr lang="en-US" altLang="ko-KR" b="0" i="1" smtClean="0">
-                          <a:latin typeface="Cambria Math" panose="02040503050406030204" pitchFamily="18" charset="0"/>
-                        </a:rPr>
-                        <m:t>′</m:t>
-                      </m:r>
-                    </m:oMath>
-                  </m:oMathPara>
-                </a14:m>
-                <a:endParaRPr lang="ko-KR" altLang="en-US" dirty="0"/>
-              </a:p>
-            </p:txBody>
-          </p:sp>
-        </mc:Choice>
-        <mc:Fallback xmlns="">
-          <p:sp>
-            <p:nvSpPr>
-              <p:cNvPr id="14" name="TextBox 13"/>
-              <p:cNvSpPr txBox="1">
-                <a:spLocks noRot="1" noChangeAspect="1" noMove="1" noResize="1" noEditPoints="1" noAdjustHandles="1" noChangeArrowheads="1" noChangeShapeType="1" noTextEdit="1"/>
-              </p:cNvSpPr>
-              <p:nvPr/>
-            </p:nvSpPr>
-            <p:spPr>
-              <a:xfrm>
-                <a:off x="4681305" y="2184505"/>
-                <a:ext cx="406766" cy="344083"/>
-              </a:xfrm>
-              <a:prstGeom prst="rect">
-                <a:avLst/>
-              </a:prstGeom>
-              <a:blipFill>
-                <a:blip r:embed="rId7"/>
-                <a:stretch>
-                  <a:fillRect l="-1493" t="-1754" b="-12281"/>
-                </a:stretch>
-              </a:blipFill>
-            </p:spPr>
-            <p:txBody>
-              <a:bodyPr/>
-              <a:lstStyle/>
-              <a:p>
-                <a:r>
-                  <a:rPr lang="ko-KR" altLang="en-US">
-                    <a:noFill/>
-                  </a:rPr>
-                  <a:t> </a:t>
-                </a:r>
-              </a:p>
-            </p:txBody>
-          </p:sp>
-        </mc:Fallback>
-      </mc:AlternateContent>
-      <p:cxnSp>
-        <p:nvCxnSpPr>
-          <p:cNvPr id="27" name="직선 화살표 연결선 26">
-            <a:extLst>
-              <a:ext uri="{FF2B5EF4-FFF2-40B4-BE49-F238E27FC236}">
-                <a16:creationId xmlns:a16="http://schemas.microsoft.com/office/drawing/2014/main" xmlns="" id="{C93B29A1-F190-44D3-A9D0-DFAD4F83776E}"/>
-              </a:ext>
-            </a:extLst>
-          </p:cNvPr>
-          <p:cNvCxnSpPr>
-            <a:cxnSpLocks/>
-          </p:cNvCxnSpPr>
-          <p:nvPr/>
-        </p:nvCxnSpPr>
-        <p:spPr>
-          <a:xfrm flipH="1">
-            <a:off x="605481" y="1699473"/>
-            <a:ext cx="3601995" cy="2921954"/>
-          </a:xfrm>
-          <a:prstGeom prst="straightConnector1">
-            <a:avLst/>
-          </a:prstGeom>
-          <a:ln w="28575">
-            <a:solidFill>
-              <a:schemeClr val="tx1"/>
-            </a:solidFill>
-            <a:tailEnd type="triangle"/>
-          </a:ln>
-        </p:spPr>
-        <p:style>
-          <a:lnRef idx="1">
-            <a:schemeClr val="accent1"/>
-          </a:lnRef>
-          <a:fillRef idx="0">
-            <a:schemeClr val="accent1"/>
-          </a:fillRef>
-          <a:effectRef idx="0">
-            <a:schemeClr val="accent1"/>
-          </a:effectRef>
-          <a:fontRef idx="minor">
-            <a:schemeClr val="tx1"/>
-          </a:fontRef>
-        </p:style>
-      </p:cxnSp>
-      <mc:AlternateContent xmlns:mc="http://schemas.openxmlformats.org/markup-compatibility/2006" xmlns:a14="http://schemas.microsoft.com/office/drawing/2010/main">
-        <mc:Choice Requires="a14">
-          <p:sp>
-            <p:nvSpPr>
-              <p:cNvPr id="28" name="TextBox 27">
-                <a:extLst>
-                  <a:ext uri="{FF2B5EF4-FFF2-40B4-BE49-F238E27FC236}">
-                    <a16:creationId xmlns:a16="http://schemas.microsoft.com/office/drawing/2014/main" xmlns="" id="{07B5ABC4-CAA0-493B-ACDF-C42A51522079}"/>
-                  </a:ext>
-                </a:extLst>
-              </p:cNvPr>
-              <p:cNvSpPr txBox="1"/>
-              <p:nvPr/>
-            </p:nvSpPr>
-            <p:spPr>
-              <a:xfrm>
-                <a:off x="6407690" y="3261885"/>
-                <a:ext cx="310278" cy="276999"/>
-              </a:xfrm>
-              <a:prstGeom prst="rect">
-                <a:avLst/>
-              </a:prstGeom>
-              <a:noFill/>
-            </p:spPr>
-            <p:txBody>
-              <a:bodyPr wrap="none" lIns="0" tIns="0" rIns="0" bIns="0" rtlCol="0">
-                <a:spAutoFit/>
-              </a:bodyPr>
-              <a:lstStyle/>
-              <a:p>
-                <a:pPr/>
-                <a14:m>
-                  <m:oMathPara xmlns:m="http://schemas.openxmlformats.org/officeDocument/2006/math">
-                    <m:oMathParaPr>
-                      <m:jc m:val="centerGroup"/>
-                    </m:oMathParaPr>
-                    <m:oMath xmlns:m="http://schemas.openxmlformats.org/officeDocument/2006/math">
-                      <m:sSub>
-                        <m:sSubPr>
-                          <m:ctrlPr>
-                            <a:rPr lang="en-US" altLang="ko-KR" b="0" i="1" smtClean="0">
-                              <a:latin typeface="Cambria Math" panose="02040503050406030204" pitchFamily="18" charset="0"/>
-                            </a:rPr>
-                          </m:ctrlPr>
-                        </m:sSubPr>
-                        <m:e>
-                          <m:r>
-                            <a:rPr lang="en-US" altLang="ko-KR" b="0" i="1" smtClean="0">
-                              <a:latin typeface="Cambria Math" panose="02040503050406030204" pitchFamily="18" charset="0"/>
-                            </a:rPr>
-                            <m:t>𝑥</m:t>
-                          </m:r>
-                        </m:e>
-                        <m:sub>
-                          <m:r>
-                            <a:rPr lang="en-US" altLang="ko-KR" b="0" i="1" smtClean="0">
-                              <a:latin typeface="Cambria Math" panose="02040503050406030204" pitchFamily="18" charset="0"/>
-                            </a:rPr>
-                            <m:t>2</m:t>
-                          </m:r>
-                        </m:sub>
-                      </m:sSub>
-                    </m:oMath>
-                  </m:oMathPara>
-                </a14:m>
-                <a:endParaRPr lang="ko-KR" altLang="en-US" dirty="0"/>
-              </a:p>
-            </p:txBody>
-          </p:sp>
-        </mc:Choice>
-        <mc:Fallback xmlns="">
-          <p:sp>
-            <p:nvSpPr>
-              <p:cNvPr id="28" name="TextBox 27">
-                <a:extLst>
-                  <a:ext uri="{FF2B5EF4-FFF2-40B4-BE49-F238E27FC236}">
-                    <a16:creationId xmlns:a16="http://schemas.microsoft.com/office/drawing/2014/main" id="{07B5ABC4-CAA0-493B-ACDF-C42A51522079}"/>
-                  </a:ext>
-                </a:extLst>
-              </p:cNvPr>
-              <p:cNvSpPr txBox="1">
-                <a:spLocks noRot="1" noChangeAspect="1" noMove="1" noResize="1" noEditPoints="1" noAdjustHandles="1" noChangeArrowheads="1" noChangeShapeType="1" noTextEdit="1"/>
-              </p:cNvSpPr>
-              <p:nvPr/>
-            </p:nvSpPr>
-            <p:spPr>
-              <a:xfrm>
-                <a:off x="6407690" y="3261885"/>
-                <a:ext cx="310278" cy="276999"/>
-              </a:xfrm>
-              <a:prstGeom prst="rect">
-                <a:avLst/>
-              </a:prstGeom>
-              <a:blipFill>
-                <a:blip r:embed="rId8"/>
-                <a:stretch>
-                  <a:fillRect l="-5882" r="-3922" b="-19565"/>
-                </a:stretch>
-              </a:blipFill>
-            </p:spPr>
-            <p:txBody>
-              <a:bodyPr/>
-              <a:lstStyle/>
-              <a:p>
-                <a:r>
-                  <a:rPr lang="ko-KR" altLang="en-US">
-                    <a:noFill/>
-                  </a:rPr>
-                  <a:t> </a:t>
-                </a:r>
-              </a:p>
-            </p:txBody>
-          </p:sp>
-        </mc:Fallback>
-      </mc:AlternateContent>
-      <p:cxnSp>
-        <p:nvCxnSpPr>
-          <p:cNvPr id="29" name="직선 화살표 연결선 28">
-            <a:extLst>
-              <a:ext uri="{FF2B5EF4-FFF2-40B4-BE49-F238E27FC236}">
-                <a16:creationId xmlns:a16="http://schemas.microsoft.com/office/drawing/2014/main" xmlns="" id="{782BF86B-4207-4FE7-8DAC-CEB1861B292A}"/>
-              </a:ext>
-            </a:extLst>
-          </p:cNvPr>
-          <p:cNvCxnSpPr>
-            <a:cxnSpLocks/>
-          </p:cNvCxnSpPr>
-          <p:nvPr/>
-        </p:nvCxnSpPr>
-        <p:spPr>
-          <a:xfrm>
-            <a:off x="3256557" y="1229955"/>
-            <a:ext cx="1289525" cy="1072687"/>
-          </a:xfrm>
-          <a:prstGeom prst="straightConnector1">
-            <a:avLst/>
-          </a:prstGeom>
-          <a:ln>
-            <a:solidFill>
-              <a:schemeClr val="tx1"/>
-            </a:solidFill>
-            <a:tailEnd type="triangle"/>
-          </a:ln>
-        </p:spPr>
-        <p:style>
-          <a:lnRef idx="1">
-            <a:schemeClr val="accent1"/>
-          </a:lnRef>
-          <a:fillRef idx="0">
-            <a:schemeClr val="accent1"/>
-          </a:fillRef>
-          <a:effectRef idx="0">
-            <a:schemeClr val="accent1"/>
-          </a:effectRef>
-          <a:fontRef idx="minor">
-            <a:schemeClr val="tx1"/>
-          </a:fontRef>
-        </p:style>
-      </p:cxnSp>
-      <mc:AlternateContent xmlns:mc="http://schemas.openxmlformats.org/markup-compatibility/2006" xmlns:a14="http://schemas.microsoft.com/office/drawing/2010/main">
-        <mc:Choice Requires="a14">
-          <p:sp>
-            <p:nvSpPr>
-              <p:cNvPr id="32" name="TextBox 31">
-                <a:extLst>
-                  <a:ext uri="{FF2B5EF4-FFF2-40B4-BE49-F238E27FC236}">
-                    <a16:creationId xmlns:a16="http://schemas.microsoft.com/office/drawing/2014/main" xmlns="" id="{5DB3AE05-D351-4E8F-8481-E70A4D8B443E}"/>
-                  </a:ext>
-                </a:extLst>
-              </p:cNvPr>
-              <p:cNvSpPr txBox="1"/>
-              <p:nvPr/>
-            </p:nvSpPr>
-            <p:spPr>
-              <a:xfrm>
-                <a:off x="3822703" y="1374016"/>
-                <a:ext cx="230832" cy="276999"/>
-              </a:xfrm>
-              <a:prstGeom prst="rect">
-                <a:avLst/>
-              </a:prstGeom>
-              <a:noFill/>
-            </p:spPr>
-            <p:txBody>
-              <a:bodyPr wrap="none" lIns="0" tIns="0" rIns="0" bIns="0" rtlCol="0">
-                <a:spAutoFit/>
-              </a:bodyPr>
-              <a:lstStyle/>
-              <a:p>
-                <a:pPr/>
-                <a14:m>
-                  <m:oMathPara xmlns:m="http://schemas.openxmlformats.org/officeDocument/2006/math">
-                    <m:oMathParaPr>
-                      <m:jc m:val="centerGroup"/>
-                    </m:oMathParaPr>
-                    <m:oMath xmlns:m="http://schemas.openxmlformats.org/officeDocument/2006/math">
-                      <m:r>
-                        <a:rPr lang="en-US" altLang="ko-KR" b="1" i="0" smtClean="0">
-                          <a:latin typeface="Cambria Math" panose="02040503050406030204" pitchFamily="18" charset="0"/>
-                        </a:rPr>
-                        <m:t>𝐝</m:t>
-                      </m:r>
-                    </m:oMath>
-                  </m:oMathPara>
-                </a14:m>
-                <a:endParaRPr lang="ko-KR" altLang="en-US" b="1" dirty="0"/>
-              </a:p>
-            </p:txBody>
-          </p:sp>
-        </mc:Choice>
-        <mc:Fallback xmlns="">
-          <p:sp>
-            <p:nvSpPr>
-              <p:cNvPr id="32" name="TextBox 31">
-                <a:extLst>
-                  <a:ext uri="{FF2B5EF4-FFF2-40B4-BE49-F238E27FC236}">
-                    <a16:creationId xmlns:a16="http://schemas.microsoft.com/office/drawing/2014/main" id="{5DB3AE05-D351-4E8F-8481-E70A4D8B443E}"/>
-                  </a:ext>
-                </a:extLst>
-              </p:cNvPr>
-              <p:cNvSpPr txBox="1">
-                <a:spLocks noRot="1" noChangeAspect="1" noMove="1" noResize="1" noEditPoints="1" noAdjustHandles="1" noChangeArrowheads="1" noChangeShapeType="1" noTextEdit="1"/>
-              </p:cNvSpPr>
-              <p:nvPr/>
-            </p:nvSpPr>
-            <p:spPr>
-              <a:xfrm>
-                <a:off x="3822703" y="1374016"/>
-                <a:ext cx="230832" cy="276999"/>
-              </a:xfrm>
-              <a:prstGeom prst="rect">
-                <a:avLst/>
-              </a:prstGeom>
-              <a:blipFill>
-                <a:blip r:embed="rId9"/>
-                <a:stretch>
-                  <a:fillRect l="-18421" r="-18421" b="-13043"/>
-                </a:stretch>
-              </a:blipFill>
-            </p:spPr>
-            <p:txBody>
-              <a:bodyPr/>
-              <a:lstStyle/>
-              <a:p>
-                <a:r>
-                  <a:rPr lang="ko-KR" altLang="en-US">
-                    <a:noFill/>
-                  </a:rPr>
-                  <a:t> </a:t>
-                </a:r>
-              </a:p>
-            </p:txBody>
-          </p:sp>
-        </mc:Fallback>
-      </mc:AlternateContent>
-      <p:cxnSp>
-        <p:nvCxnSpPr>
-          <p:cNvPr id="33" name="직선 화살표 연결선 32">
-            <a:extLst>
-              <a:ext uri="{FF2B5EF4-FFF2-40B4-BE49-F238E27FC236}">
-                <a16:creationId xmlns:a16="http://schemas.microsoft.com/office/drawing/2014/main" xmlns="" id="{F5FC4C0A-B591-4F3B-BD15-9D9E5EC72772}"/>
-              </a:ext>
-            </a:extLst>
-          </p:cNvPr>
-          <p:cNvCxnSpPr>
-            <a:cxnSpLocks/>
-          </p:cNvCxnSpPr>
-          <p:nvPr/>
-        </p:nvCxnSpPr>
-        <p:spPr>
-          <a:xfrm>
-            <a:off x="3271058" y="3276796"/>
-            <a:ext cx="2150362" cy="237656"/>
-          </a:xfrm>
-          <a:prstGeom prst="straightConnector1">
-            <a:avLst/>
-          </a:prstGeom>
-          <a:ln>
-            <a:solidFill>
-              <a:schemeClr val="tx1"/>
-            </a:solidFill>
-            <a:tailEnd type="triangle"/>
-          </a:ln>
-        </p:spPr>
-        <p:style>
-          <a:lnRef idx="1">
-            <a:schemeClr val="accent1"/>
-          </a:lnRef>
-          <a:fillRef idx="0">
-            <a:schemeClr val="accent1"/>
-          </a:fillRef>
-          <a:effectRef idx="0">
-            <a:schemeClr val="accent1"/>
-          </a:effectRef>
-          <a:fontRef idx="minor">
-            <a:schemeClr val="tx1"/>
-          </a:fontRef>
-        </p:style>
-      </p:cxnSp>
-      <mc:AlternateContent xmlns:mc="http://schemas.openxmlformats.org/markup-compatibility/2006" xmlns:a14="http://schemas.microsoft.com/office/drawing/2010/main">
-        <mc:Choice Requires="a14">
-          <p:sp>
-            <p:nvSpPr>
-              <p:cNvPr id="38" name="TextBox 37">
-                <a:extLst>
-                  <a:ext uri="{FF2B5EF4-FFF2-40B4-BE49-F238E27FC236}">
-                    <a16:creationId xmlns:a16="http://schemas.microsoft.com/office/drawing/2014/main" xmlns="" id="{EC18DB71-3399-4E5E-B321-6A9670FF95D7}"/>
-                  </a:ext>
-                </a:extLst>
-              </p:cNvPr>
-              <p:cNvSpPr txBox="1"/>
-              <p:nvPr/>
-            </p:nvSpPr>
-            <p:spPr>
-              <a:xfrm>
-                <a:off x="3892982" y="3554507"/>
-                <a:ext cx="392350" cy="276999"/>
-              </a:xfrm>
-              <a:prstGeom prst="rect">
-                <a:avLst/>
-              </a:prstGeom>
-              <a:noFill/>
-            </p:spPr>
-            <p:txBody>
-              <a:bodyPr wrap="none" lIns="0" tIns="0" rIns="0" bIns="0" rtlCol="0">
-                <a:spAutoFit/>
-              </a:bodyPr>
-              <a:lstStyle/>
-              <a:p>
-                <a:pPr/>
-                <a14:m>
-                  <m:oMathPara xmlns:m="http://schemas.openxmlformats.org/officeDocument/2006/math">
-                    <m:oMathParaPr>
-                      <m:jc m:val="centerGroup"/>
-                    </m:oMathParaPr>
-                    <m:oMath xmlns:m="http://schemas.openxmlformats.org/officeDocument/2006/math">
-                      <m:sSup>
-                        <m:sSupPr>
-                          <m:ctrlPr>
-                            <a:rPr lang="en-US" altLang="ko-KR" b="1" i="1" smtClean="0">
-                              <a:latin typeface="Cambria Math" panose="02040503050406030204" pitchFamily="18" charset="0"/>
-                            </a:rPr>
-                          </m:ctrlPr>
-                        </m:sSupPr>
-                        <m:e>
-                          <m:r>
-                            <a:rPr lang="en-US" altLang="ko-KR" b="1" i="0" smtClean="0">
-                              <a:latin typeface="Cambria Math" panose="02040503050406030204" pitchFamily="18" charset="0"/>
-                            </a:rPr>
-                            <m:t>𝐝</m:t>
-                          </m:r>
-                        </m:e>
-                        <m:sup>
-                          <m:r>
-                            <a:rPr lang="en-US" altLang="ko-KR" b="0" i="1" smtClean="0">
-                              <a:latin typeface="Cambria Math" panose="02040503050406030204" pitchFamily="18" charset="0"/>
-                            </a:rPr>
-                            <m:t>𝑚</m:t>
-                          </m:r>
-                        </m:sup>
-                      </m:sSup>
-                    </m:oMath>
-                  </m:oMathPara>
-                </a14:m>
-                <a:endParaRPr lang="ko-KR" altLang="en-US" b="1" dirty="0"/>
-              </a:p>
-            </p:txBody>
-          </p:sp>
-        </mc:Choice>
-        <mc:Fallback xmlns="">
-          <p:sp>
-            <p:nvSpPr>
-              <p:cNvPr id="38" name="TextBox 37">
-                <a:extLst>
-                  <a:ext uri="{FF2B5EF4-FFF2-40B4-BE49-F238E27FC236}">
-                    <a16:creationId xmlns:a16="http://schemas.microsoft.com/office/drawing/2014/main" id="{EC18DB71-3399-4E5E-B321-6A9670FF95D7}"/>
-                  </a:ext>
-                </a:extLst>
-              </p:cNvPr>
-              <p:cNvSpPr txBox="1">
-                <a:spLocks noRot="1" noChangeAspect="1" noMove="1" noResize="1" noEditPoints="1" noAdjustHandles="1" noChangeArrowheads="1" noChangeShapeType="1" noTextEdit="1"/>
-              </p:cNvSpPr>
-              <p:nvPr/>
-            </p:nvSpPr>
-            <p:spPr>
-              <a:xfrm>
-                <a:off x="3892982" y="3554507"/>
-                <a:ext cx="392350" cy="276999"/>
-              </a:xfrm>
-              <a:prstGeom prst="rect">
-                <a:avLst/>
-              </a:prstGeom>
-              <a:blipFill>
-                <a:blip r:embed="rId10"/>
-                <a:stretch>
-                  <a:fillRect l="-12500" b="-13043"/>
-                </a:stretch>
-              </a:blipFill>
-            </p:spPr>
-            <p:txBody>
-              <a:bodyPr/>
-              <a:lstStyle/>
-              <a:p>
-                <a:r>
-                  <a:rPr lang="ko-KR" altLang="en-US">
-                    <a:noFill/>
-                  </a:rPr>
-                  <a:t> </a:t>
-                </a:r>
-              </a:p>
-            </p:txBody>
-          </p:sp>
-        </mc:Fallback>
-      </mc:AlternateContent>
-    </p:spTree>
-    <p:extLst>
-      <p:ext uri="{BB962C8B-B14F-4D97-AF65-F5344CB8AC3E}">
-        <p14:creationId xmlns:p14="http://schemas.microsoft.com/office/powerpoint/2010/main" val="564488203"/>
-      </p:ext>
-    </p:extLst>
-  </p:cSld>
-  <p:clrMapOvr>
-    <a:masterClrMapping/>
-  </p:clrMapOvr>
-</p:sld>
-</file>
-
-<file path=ppt/slides/slide20.xml><?xml version="1.0" encoding="utf-8"?>
+<file path=ppt/slides/slide21.xml><?xml version="1.0" encoding="utf-8"?>
 <p:sld xmlns:a="http://schemas.openxmlformats.org/drawingml/2006/main" xmlns:r="http://schemas.openxmlformats.org/officeDocument/2006/relationships" xmlns:p="http://schemas.openxmlformats.org/presentationml/2006/main">
   <p:cSld>
     <p:spTree>
@@ -12942,7 +14900,7 @@
           <p:cNvPr id="4" name="내용 개체 틀 5">
             <a:extLst>
               <a:ext uri="{FF2B5EF4-FFF2-40B4-BE49-F238E27FC236}">
-                <a16:creationId xmlns="" xmlns:a16="http://schemas.microsoft.com/office/drawing/2014/main" id="{26E65B15-652C-471C-B503-9BD1A7ECA9FF}"/>
+                <a16:creationId xmlns:a16="http://schemas.microsoft.com/office/drawing/2014/main" xmlns="" id="{26E65B15-652C-471C-B503-9BD1A7ECA9FF}"/>
               </a:ext>
             </a:extLst>
           </p:cNvPr>
@@ -12971,7 +14929,7 @@
           <p:cNvPr id="5" name="그림 4">
             <a:extLst>
               <a:ext uri="{FF2B5EF4-FFF2-40B4-BE49-F238E27FC236}">
-                <a16:creationId xmlns="" xmlns:a16="http://schemas.microsoft.com/office/drawing/2014/main" id="{8D86471E-9C3A-40C3-8F27-66A11AC93C24}"/>
+                <a16:creationId xmlns:a16="http://schemas.microsoft.com/office/drawing/2014/main" xmlns="" id="{8D86471E-9C3A-40C3-8F27-66A11AC93C24}"/>
               </a:ext>
             </a:extLst>
           </p:cNvPr>
@@ -13009,7 +14967,7 @@
 </p:sld>
 </file>
 
-<file path=ppt/slides/slide21.xml><?xml version="1.0" encoding="utf-8"?>
+<file path=ppt/slides/slide22.xml><?xml version="1.0" encoding="utf-8"?>
 <p:sld xmlns:a="http://schemas.openxmlformats.org/drawingml/2006/main" xmlns:r="http://schemas.openxmlformats.org/officeDocument/2006/relationships" xmlns:p="http://schemas.openxmlformats.org/presentationml/2006/main">
   <p:cSld>
     <p:spTree>
@@ -13727,7 +15685,7 @@
           <p:cNvPr id="9" name="그룹 8">
             <a:extLst>
               <a:ext uri="{FF2B5EF4-FFF2-40B4-BE49-F238E27FC236}">
-                <a16:creationId xmlns:a16="http://schemas.microsoft.com/office/drawing/2014/main" xmlns="" id="{F54825A1-879E-45C3-84C9-39758CFBC1AD}"/>
+                <a16:creationId xmlns="" xmlns:a16="http://schemas.microsoft.com/office/drawing/2014/main" id="{F54825A1-879E-45C3-84C9-39758CFBC1AD}"/>
               </a:ext>
             </a:extLst>
           </p:cNvPr>
@@ -14150,7 +16108,7 @@
           <p:cNvPr id="19" name="자유형: 도형 18">
             <a:extLst>
               <a:ext uri="{FF2B5EF4-FFF2-40B4-BE49-F238E27FC236}">
-                <a16:creationId xmlns:a16="http://schemas.microsoft.com/office/drawing/2014/main" xmlns="" id="{28DE563C-2016-4934-A4EE-657070DFAE5E}"/>
+                <a16:creationId xmlns="" xmlns:a16="http://schemas.microsoft.com/office/drawing/2014/main" id="{28DE563C-2016-4934-A4EE-657070DFAE5E}"/>
               </a:ext>
             </a:extLst>
           </p:cNvPr>
@@ -14242,7 +16200,7 @@
               <p:cNvPr id="22" name="TextBox 21">
                 <a:extLst>
                   <a:ext uri="{FF2B5EF4-FFF2-40B4-BE49-F238E27FC236}">
-                    <a16:creationId xmlns:a16="http://schemas.microsoft.com/office/drawing/2014/main" xmlns="" id="{702F36E8-3840-4F82-ACA9-0ADC9BF2CD7E}"/>
+                    <a16:creationId xmlns="" xmlns:a16="http://schemas.microsoft.com/office/drawing/2014/main" id="{702F36E8-3840-4F82-ACA9-0ADC9BF2CD7E}"/>
                   </a:ext>
                 </a:extLst>
               </p:cNvPr>
@@ -14363,7 +16321,7 @@
           <p:cNvPr id="23" name="자유형: 도형 22">
             <a:extLst>
               <a:ext uri="{FF2B5EF4-FFF2-40B4-BE49-F238E27FC236}">
-                <a16:creationId xmlns:a16="http://schemas.microsoft.com/office/drawing/2014/main" xmlns="" id="{D4262DC8-AC8F-4E4E-8F9A-78963014DDC7}"/>
+                <a16:creationId xmlns="" xmlns:a16="http://schemas.microsoft.com/office/drawing/2014/main" id="{D4262DC8-AC8F-4E4E-8F9A-78963014DDC7}"/>
               </a:ext>
             </a:extLst>
           </p:cNvPr>
@@ -14455,7 +16413,7 @@
               <p:cNvPr id="26" name="TextBox 25">
                 <a:extLst>
                   <a:ext uri="{FF2B5EF4-FFF2-40B4-BE49-F238E27FC236}">
-                    <a16:creationId xmlns:a16="http://schemas.microsoft.com/office/drawing/2014/main" xmlns="" id="{4C456F18-AA04-4135-AED2-7569217695DC}"/>
+                    <a16:creationId xmlns="" xmlns:a16="http://schemas.microsoft.com/office/drawing/2014/main" id="{4C456F18-AA04-4135-AED2-7569217695DC}"/>
                   </a:ext>
                 </a:extLst>
               </p:cNvPr>
@@ -15335,7 +17293,7 @@
           <p:cNvPr id="19" name="자유형: 도형 18">
             <a:extLst>
               <a:ext uri="{FF2B5EF4-FFF2-40B4-BE49-F238E27FC236}">
-                <a16:creationId xmlns:a16="http://schemas.microsoft.com/office/drawing/2014/main" xmlns="" id="{28DE563C-2016-4934-A4EE-657070DFAE5E}"/>
+                <a16:creationId xmlns="" xmlns:a16="http://schemas.microsoft.com/office/drawing/2014/main" id="{28DE563C-2016-4934-A4EE-657070DFAE5E}"/>
               </a:ext>
             </a:extLst>
           </p:cNvPr>
@@ -15427,7 +17385,7 @@
               <p:cNvPr id="22" name="TextBox 21">
                 <a:extLst>
                   <a:ext uri="{FF2B5EF4-FFF2-40B4-BE49-F238E27FC236}">
-                    <a16:creationId xmlns:a16="http://schemas.microsoft.com/office/drawing/2014/main" xmlns="" id="{702F36E8-3840-4F82-ACA9-0ADC9BF2CD7E}"/>
+                    <a16:creationId xmlns="" xmlns:a16="http://schemas.microsoft.com/office/drawing/2014/main" id="{702F36E8-3840-4F82-ACA9-0ADC9BF2CD7E}"/>
                   </a:ext>
                 </a:extLst>
               </p:cNvPr>
@@ -15548,7 +17506,7 @@
           <p:cNvPr id="23" name="자유형: 도형 22">
             <a:extLst>
               <a:ext uri="{FF2B5EF4-FFF2-40B4-BE49-F238E27FC236}">
-                <a16:creationId xmlns:a16="http://schemas.microsoft.com/office/drawing/2014/main" xmlns="" id="{D4262DC8-AC8F-4E4E-8F9A-78963014DDC7}"/>
+                <a16:creationId xmlns="" xmlns:a16="http://schemas.microsoft.com/office/drawing/2014/main" id="{D4262DC8-AC8F-4E4E-8F9A-78963014DDC7}"/>
               </a:ext>
             </a:extLst>
           </p:cNvPr>
@@ -15640,7 +17598,7 @@
               <p:cNvPr id="26" name="TextBox 25">
                 <a:extLst>
                   <a:ext uri="{FF2B5EF4-FFF2-40B4-BE49-F238E27FC236}">
-                    <a16:creationId xmlns:a16="http://schemas.microsoft.com/office/drawing/2014/main" xmlns="" id="{4C456F18-AA04-4135-AED2-7569217695DC}"/>
+                    <a16:creationId xmlns="" xmlns:a16="http://schemas.microsoft.com/office/drawing/2014/main" id="{4C456F18-AA04-4135-AED2-7569217695DC}"/>
                   </a:ext>
                 </a:extLst>
               </p:cNvPr>
@@ -15763,7 +17721,7 @@
               <p:cNvPr id="21" name="TextBox 20">
                 <a:extLst>
                   <a:ext uri="{FF2B5EF4-FFF2-40B4-BE49-F238E27FC236}">
-                    <a16:creationId xmlns:a16="http://schemas.microsoft.com/office/drawing/2014/main" xmlns="" id="{7F1A4031-C0F9-4078-B611-60510E555779}"/>
+                    <a16:creationId xmlns="" xmlns:a16="http://schemas.microsoft.com/office/drawing/2014/main" id="{7F1A4031-C0F9-4078-B611-60510E555779}"/>
                   </a:ext>
                 </a:extLst>
               </p:cNvPr>
@@ -15876,7 +17834,7 @@
           <p:cNvPr id="27" name="원호 26">
             <a:extLst>
               <a:ext uri="{FF2B5EF4-FFF2-40B4-BE49-F238E27FC236}">
-                <a16:creationId xmlns:a16="http://schemas.microsoft.com/office/drawing/2014/main" xmlns="" id="{73F2FA99-BAB3-4AEA-A0D4-FFD161E5142F}"/>
+                <a16:creationId xmlns="" xmlns:a16="http://schemas.microsoft.com/office/drawing/2014/main" id="{73F2FA99-BAB3-4AEA-A0D4-FFD161E5142F}"/>
               </a:ext>
             </a:extLst>
           </p:cNvPr>

--- a/그림.pptx
+++ b/그림.pptx
@@ -23,10 +23,11 @@
     <p:sldId id="277" r:id="rId17"/>
     <p:sldId id="278" r:id="rId18"/>
     <p:sldId id="279" r:id="rId19"/>
-    <p:sldId id="272" r:id="rId20"/>
-    <p:sldId id="259" r:id="rId21"/>
-    <p:sldId id="264" r:id="rId22"/>
-    <p:sldId id="273" r:id="rId23"/>
+    <p:sldId id="280" r:id="rId20"/>
+    <p:sldId id="272" r:id="rId21"/>
+    <p:sldId id="259" r:id="rId22"/>
+    <p:sldId id="264" r:id="rId23"/>
+    <p:sldId id="273" r:id="rId24"/>
   </p:sldIdLst>
   <p:sldSz cx="12192000" cy="6858000"/>
   <p:notesSz cx="6858000" cy="9144000"/>
@@ -148,6 +149,7 @@
             <p14:sldId id="277"/>
             <p14:sldId id="278"/>
             <p14:sldId id="279"/>
+            <p14:sldId id="280"/>
             <p14:sldId id="272"/>
           </p14:sldIdLst>
         </p14:section>
@@ -296,7 +298,7 @@
           <a:p>
             <a:fld id="{586A42AD-E6DF-43A8-BCEE-31B231F72482}" type="datetimeFigureOut">
               <a:rPr lang="ko-KR" altLang="en-US" smtClean="0"/>
-              <a:t>2022-09-19</a:t>
+              <a:t>2022-09-23</a:t>
             </a:fld>
             <a:endParaRPr lang="ko-KR" altLang="en-US"/>
           </a:p>
@@ -464,7 +466,7 @@
           <a:p>
             <a:fld id="{586A42AD-E6DF-43A8-BCEE-31B231F72482}" type="datetimeFigureOut">
               <a:rPr lang="ko-KR" altLang="en-US" smtClean="0"/>
-              <a:t>2022-09-19</a:t>
+              <a:t>2022-09-23</a:t>
             </a:fld>
             <a:endParaRPr lang="ko-KR" altLang="en-US"/>
           </a:p>
@@ -642,7 +644,7 @@
           <a:p>
             <a:fld id="{586A42AD-E6DF-43A8-BCEE-31B231F72482}" type="datetimeFigureOut">
               <a:rPr lang="ko-KR" altLang="en-US" smtClean="0"/>
-              <a:t>2022-09-19</a:t>
+              <a:t>2022-09-23</a:t>
             </a:fld>
             <a:endParaRPr lang="ko-KR" altLang="en-US"/>
           </a:p>
@@ -810,7 +812,7 @@
           <a:p>
             <a:fld id="{586A42AD-E6DF-43A8-BCEE-31B231F72482}" type="datetimeFigureOut">
               <a:rPr lang="ko-KR" altLang="en-US" smtClean="0"/>
-              <a:t>2022-09-19</a:t>
+              <a:t>2022-09-23</a:t>
             </a:fld>
             <a:endParaRPr lang="ko-KR" altLang="en-US"/>
           </a:p>
@@ -1055,7 +1057,7 @@
           <a:p>
             <a:fld id="{586A42AD-E6DF-43A8-BCEE-31B231F72482}" type="datetimeFigureOut">
               <a:rPr lang="ko-KR" altLang="en-US" smtClean="0"/>
-              <a:t>2022-09-19</a:t>
+              <a:t>2022-09-23</a:t>
             </a:fld>
             <a:endParaRPr lang="ko-KR" altLang="en-US"/>
           </a:p>
@@ -1284,7 +1286,7 @@
           <a:p>
             <a:fld id="{586A42AD-E6DF-43A8-BCEE-31B231F72482}" type="datetimeFigureOut">
               <a:rPr lang="ko-KR" altLang="en-US" smtClean="0"/>
-              <a:t>2022-09-19</a:t>
+              <a:t>2022-09-23</a:t>
             </a:fld>
             <a:endParaRPr lang="ko-KR" altLang="en-US"/>
           </a:p>
@@ -1648,7 +1650,7 @@
           <a:p>
             <a:fld id="{586A42AD-E6DF-43A8-BCEE-31B231F72482}" type="datetimeFigureOut">
               <a:rPr lang="ko-KR" altLang="en-US" smtClean="0"/>
-              <a:t>2022-09-19</a:t>
+              <a:t>2022-09-23</a:t>
             </a:fld>
             <a:endParaRPr lang="ko-KR" altLang="en-US"/>
           </a:p>
@@ -1765,7 +1767,7 @@
           <a:p>
             <a:fld id="{586A42AD-E6DF-43A8-BCEE-31B231F72482}" type="datetimeFigureOut">
               <a:rPr lang="ko-KR" altLang="en-US" smtClean="0"/>
-              <a:t>2022-09-19</a:t>
+              <a:t>2022-09-23</a:t>
             </a:fld>
             <a:endParaRPr lang="ko-KR" altLang="en-US"/>
           </a:p>
@@ -1860,7 +1862,7 @@
           <a:p>
             <a:fld id="{586A42AD-E6DF-43A8-BCEE-31B231F72482}" type="datetimeFigureOut">
               <a:rPr lang="ko-KR" altLang="en-US" smtClean="0"/>
-              <a:t>2022-09-19</a:t>
+              <a:t>2022-09-23</a:t>
             </a:fld>
             <a:endParaRPr lang="ko-KR" altLang="en-US"/>
           </a:p>
@@ -2135,7 +2137,7 @@
           <a:p>
             <a:fld id="{586A42AD-E6DF-43A8-BCEE-31B231F72482}" type="datetimeFigureOut">
               <a:rPr lang="ko-KR" altLang="en-US" smtClean="0"/>
-              <a:t>2022-09-19</a:t>
+              <a:t>2022-09-23</a:t>
             </a:fld>
             <a:endParaRPr lang="ko-KR" altLang="en-US"/>
           </a:p>
@@ -2387,7 +2389,7 @@
           <a:p>
             <a:fld id="{586A42AD-E6DF-43A8-BCEE-31B231F72482}" type="datetimeFigureOut">
               <a:rPr lang="ko-KR" altLang="en-US" smtClean="0"/>
-              <a:t>2022-09-19</a:t>
+              <a:t>2022-09-23</a:t>
             </a:fld>
             <a:endParaRPr lang="ko-KR" altLang="en-US"/>
           </a:p>
@@ -2598,7 +2600,7 @@
           <a:p>
             <a:fld id="{586A42AD-E6DF-43A8-BCEE-31B231F72482}" type="datetimeFigureOut">
               <a:rPr lang="ko-KR" altLang="en-US" smtClean="0"/>
-              <a:t>2022-09-19</a:t>
+              <a:t>2022-09-23</a:t>
             </a:fld>
             <a:endParaRPr lang="ko-KR" altLang="en-US"/>
           </a:p>
@@ -9602,7 +9604,7 @@
           <p:cNvPr id="71" name="자유형: 도형 18">
             <a:extLst>
               <a:ext uri="{FF2B5EF4-FFF2-40B4-BE49-F238E27FC236}">
-                <a16:creationId xmlns="" xmlns:a16="http://schemas.microsoft.com/office/drawing/2014/main" id="{28DE563C-2016-4934-A4EE-657070DFAE5E}"/>
+                <a16:creationId xmlns:a16="http://schemas.microsoft.com/office/drawing/2014/main" xmlns="" id="{28DE563C-2016-4934-A4EE-657070DFAE5E}"/>
               </a:ext>
             </a:extLst>
           </p:cNvPr>
@@ -9694,7 +9696,7 @@
               <p:cNvPr id="72" name="TextBox 71">
                 <a:extLst>
                   <a:ext uri="{FF2B5EF4-FFF2-40B4-BE49-F238E27FC236}">
-                    <a16:creationId xmlns="" xmlns:a16="http://schemas.microsoft.com/office/drawing/2014/main" id="{702F36E8-3840-4F82-ACA9-0ADC9BF2CD7E}"/>
+                    <a16:creationId xmlns:a16="http://schemas.microsoft.com/office/drawing/2014/main" xmlns="" id="{702F36E8-3840-4F82-ACA9-0ADC9BF2CD7E}"/>
                   </a:ext>
                 </a:extLst>
               </p:cNvPr>
@@ -9794,7 +9796,7 @@
           <p:cNvPr id="73" name="자유형: 도형 18">
             <a:extLst>
               <a:ext uri="{FF2B5EF4-FFF2-40B4-BE49-F238E27FC236}">
-                <a16:creationId xmlns="" xmlns:a16="http://schemas.microsoft.com/office/drawing/2014/main" id="{28DE563C-2016-4934-A4EE-657070DFAE5E}"/>
+                <a16:creationId xmlns:a16="http://schemas.microsoft.com/office/drawing/2014/main" xmlns="" id="{28DE563C-2016-4934-A4EE-657070DFAE5E}"/>
               </a:ext>
             </a:extLst>
           </p:cNvPr>
@@ -9886,7 +9888,7 @@
               <p:cNvPr id="74" name="TextBox 73">
                 <a:extLst>
                   <a:ext uri="{FF2B5EF4-FFF2-40B4-BE49-F238E27FC236}">
-                    <a16:creationId xmlns="" xmlns:a16="http://schemas.microsoft.com/office/drawing/2014/main" id="{702F36E8-3840-4F82-ACA9-0ADC9BF2CD7E}"/>
+                    <a16:creationId xmlns:a16="http://schemas.microsoft.com/office/drawing/2014/main" xmlns="" id="{702F36E8-3840-4F82-ACA9-0ADC9BF2CD7E}"/>
                   </a:ext>
                 </a:extLst>
               </p:cNvPr>
@@ -11264,8 +11266,8 @@
           </a:fontRef>
         </p:style>
       </p:cxnSp>
-      <mc:AlternateContent xmlns:mc="http://schemas.openxmlformats.org/markup-compatibility/2006">
-        <mc:Choice xmlns:a14="http://schemas.microsoft.com/office/drawing/2010/main" Requires="a14">
+      <mc:AlternateContent xmlns:mc="http://schemas.openxmlformats.org/markup-compatibility/2006" xmlns:a14="http://schemas.microsoft.com/office/drawing/2010/main">
+        <mc:Choice Requires="a14">
           <p:sp>
             <p:nvSpPr>
               <p:cNvPr id="45" name="TextBox 44"/>
@@ -11375,7 +11377,7 @@
             </p:txBody>
           </p:sp>
         </mc:Choice>
-        <mc:Fallback>
+        <mc:Fallback xmlns="">
           <p:sp>
             <p:nvSpPr>
               <p:cNvPr id="45" name="TextBox 44"/>
@@ -11502,8 +11504,8 @@
             </a:fontRef>
           </p:style>
         </p:cxnSp>
-        <mc:AlternateContent xmlns:mc="http://schemas.openxmlformats.org/markup-compatibility/2006">
-          <mc:Choice xmlns:a14="http://schemas.microsoft.com/office/drawing/2010/main" Requires="a14">
+        <mc:AlternateContent xmlns:mc="http://schemas.openxmlformats.org/markup-compatibility/2006" xmlns:a14="http://schemas.microsoft.com/office/drawing/2010/main">
+          <mc:Choice Requires="a14">
             <p:sp>
               <p:nvSpPr>
                 <p:cNvPr id="84" name="TextBox 83"/>
@@ -11566,7 +11568,7 @@
               </p:txBody>
             </p:sp>
           </mc:Choice>
-          <mc:Fallback>
+          <mc:Fallback xmlns="">
             <p:sp>
               <p:nvSpPr>
                 <p:cNvPr id="84" name="TextBox 83"/>
@@ -11605,8 +11607,8 @@
             </p:sp>
           </mc:Fallback>
         </mc:AlternateContent>
-        <mc:AlternateContent xmlns:mc="http://schemas.openxmlformats.org/markup-compatibility/2006">
-          <mc:Choice xmlns:a14="http://schemas.microsoft.com/office/drawing/2010/main" Requires="a14">
+        <mc:AlternateContent xmlns:mc="http://schemas.openxmlformats.org/markup-compatibility/2006" xmlns:a14="http://schemas.microsoft.com/office/drawing/2010/main">
+          <mc:Choice Requires="a14">
             <p:sp>
               <p:nvSpPr>
                 <p:cNvPr id="85" name="TextBox 84"/>
@@ -11669,7 +11671,7 @@
               </p:txBody>
             </p:sp>
           </mc:Choice>
-          <mc:Fallback>
+          <mc:Fallback xmlns="">
             <p:sp>
               <p:nvSpPr>
                 <p:cNvPr id="85" name="TextBox 84"/>
@@ -11709,8 +11711,8 @@
           </mc:Fallback>
         </mc:AlternateContent>
       </p:grpSp>
-      <mc:AlternateContent xmlns:mc="http://schemas.openxmlformats.org/markup-compatibility/2006">
-        <mc:Choice xmlns:a14="http://schemas.microsoft.com/office/drawing/2010/main" Requires="a14">
+      <mc:AlternateContent xmlns:mc="http://schemas.openxmlformats.org/markup-compatibility/2006" xmlns:a14="http://schemas.microsoft.com/office/drawing/2010/main">
+        <mc:Choice Requires="a14">
           <p:sp>
             <p:nvSpPr>
               <p:cNvPr id="34" name="TextBox 33"/>
@@ -11733,6 +11735,7 @@
               </a:bodyPr>
               <a:lstStyle/>
               <a:p>
+                <a:pPr/>
                 <a14:m>
                   <m:oMathPara xmlns:m="http://schemas.openxmlformats.org/officeDocument/2006/math">
                     <m:oMathParaPr>
@@ -11828,7 +11831,7 @@
             </p:txBody>
           </p:sp>
         </mc:Choice>
-        <mc:Fallback>
+        <mc:Fallback xmlns="">
           <p:sp>
             <p:nvSpPr>
               <p:cNvPr id="34" name="TextBox 33"/>
@@ -11941,8 +11944,8 @@
           </a:fontRef>
         </p:style>
       </p:cxnSp>
-      <mc:AlternateContent xmlns:mc="http://schemas.openxmlformats.org/markup-compatibility/2006">
-        <mc:Choice xmlns:a14="http://schemas.microsoft.com/office/drawing/2010/main" Requires="a14">
+      <mc:AlternateContent xmlns:mc="http://schemas.openxmlformats.org/markup-compatibility/2006" xmlns:a14="http://schemas.microsoft.com/office/drawing/2010/main">
+        <mc:Choice Requires="a14">
           <p:sp>
             <p:nvSpPr>
               <p:cNvPr id="38" name="TextBox 37"/>
@@ -12061,7 +12064,7 @@
             </p:txBody>
           </p:sp>
         </mc:Choice>
-        <mc:Fallback>
+        <mc:Fallback xmlns="">
           <p:sp>
             <p:nvSpPr>
               <p:cNvPr id="38" name="TextBox 37"/>
@@ -12100,8 +12103,8 @@
           </p:sp>
         </mc:Fallback>
       </mc:AlternateContent>
-      <mc:AlternateContent xmlns:mc="http://schemas.openxmlformats.org/markup-compatibility/2006">
-        <mc:Choice xmlns:a14="http://schemas.microsoft.com/office/drawing/2010/main" Requires="a14">
+      <mc:AlternateContent xmlns:mc="http://schemas.openxmlformats.org/markup-compatibility/2006" xmlns:a14="http://schemas.microsoft.com/office/drawing/2010/main">
+        <mc:Choice Requires="a14">
           <p:sp>
             <p:nvSpPr>
               <p:cNvPr id="47" name="TextBox 46"/>
@@ -12220,7 +12223,7 @@
             </p:txBody>
           </p:sp>
         </mc:Choice>
-        <mc:Fallback>
+        <mc:Fallback xmlns="">
           <p:sp>
             <p:nvSpPr>
               <p:cNvPr id="47" name="TextBox 46"/>
@@ -12407,8 +12410,8 @@
           </a:fontRef>
         </p:style>
       </p:cxnSp>
-      <mc:AlternateContent xmlns:mc="http://schemas.openxmlformats.org/markup-compatibility/2006">
-        <mc:Choice xmlns:a14="http://schemas.microsoft.com/office/drawing/2010/main" Requires="a14">
+      <mc:AlternateContent xmlns:mc="http://schemas.openxmlformats.org/markup-compatibility/2006" xmlns:a14="http://schemas.microsoft.com/office/drawing/2010/main">
+        <mc:Choice Requires="a14">
           <p:sp>
             <p:nvSpPr>
               <p:cNvPr id="60" name="TextBox 59"/>
@@ -12479,7 +12482,7 @@
             </p:txBody>
           </p:sp>
         </mc:Choice>
-        <mc:Fallback>
+        <mc:Fallback xmlns="">
           <p:sp>
             <p:nvSpPr>
               <p:cNvPr id="60" name="TextBox 59"/>
@@ -12518,8 +12521,8 @@
           </p:sp>
         </mc:Fallback>
       </mc:AlternateContent>
-      <mc:AlternateContent xmlns:mc="http://schemas.openxmlformats.org/markup-compatibility/2006">
-        <mc:Choice xmlns:a14="http://schemas.microsoft.com/office/drawing/2010/main" Requires="a14">
+      <mc:AlternateContent xmlns:mc="http://schemas.openxmlformats.org/markup-compatibility/2006" xmlns:a14="http://schemas.microsoft.com/office/drawing/2010/main">
+        <mc:Choice Requires="a14">
           <p:sp>
             <p:nvSpPr>
               <p:cNvPr id="61" name="TextBox 60"/>
@@ -12590,7 +12593,7 @@
             </p:txBody>
           </p:sp>
         </mc:Choice>
-        <mc:Fallback>
+        <mc:Fallback xmlns="">
           <p:sp>
             <p:nvSpPr>
               <p:cNvPr id="61" name="TextBox 60"/>
@@ -12629,8 +12632,8 @@
           </p:sp>
         </mc:Fallback>
       </mc:AlternateContent>
-      <mc:AlternateContent xmlns:mc="http://schemas.openxmlformats.org/markup-compatibility/2006">
-        <mc:Choice xmlns:a14="http://schemas.microsoft.com/office/drawing/2010/main" Requires="a14">
+      <mc:AlternateContent xmlns:mc="http://schemas.openxmlformats.org/markup-compatibility/2006" xmlns:a14="http://schemas.microsoft.com/office/drawing/2010/main">
+        <mc:Choice Requires="a14">
           <p:sp>
             <p:nvSpPr>
               <p:cNvPr id="62" name="TextBox 61"/>
@@ -12653,6 +12656,7 @@
               </a:bodyPr>
               <a:lstStyle/>
               <a:p>
+                <a:pPr/>
                 <a14:m>
                   <m:oMathPara xmlns:m="http://schemas.openxmlformats.org/officeDocument/2006/math">
                     <m:oMathParaPr>
@@ -12700,7 +12704,7 @@
             </p:txBody>
           </p:sp>
         </mc:Choice>
-        <mc:Fallback>
+        <mc:Fallback xmlns="">
           <p:sp>
             <p:nvSpPr>
               <p:cNvPr id="62" name="TextBox 61"/>
@@ -12739,8 +12743,8 @@
           </p:sp>
         </mc:Fallback>
       </mc:AlternateContent>
-      <mc:AlternateContent xmlns:mc="http://schemas.openxmlformats.org/markup-compatibility/2006">
-        <mc:Choice xmlns:a14="http://schemas.microsoft.com/office/drawing/2010/main" Requires="a14">
+      <mc:AlternateContent xmlns:mc="http://schemas.openxmlformats.org/markup-compatibility/2006" xmlns:a14="http://schemas.microsoft.com/office/drawing/2010/main">
+        <mc:Choice Requires="a14">
           <p:sp>
             <p:nvSpPr>
               <p:cNvPr id="63" name="TextBox 62"/>
@@ -12811,7 +12815,7 @@
             </p:txBody>
           </p:sp>
         </mc:Choice>
-        <mc:Fallback>
+        <mc:Fallback xmlns="">
           <p:sp>
             <p:nvSpPr>
               <p:cNvPr id="63" name="TextBox 62"/>
@@ -12850,8 +12854,8 @@
           </p:sp>
         </mc:Fallback>
       </mc:AlternateContent>
-      <mc:AlternateContent xmlns:mc="http://schemas.openxmlformats.org/markup-compatibility/2006">
-        <mc:Choice xmlns:a14="http://schemas.microsoft.com/office/drawing/2010/main" Requires="a14">
+      <mc:AlternateContent xmlns:mc="http://schemas.openxmlformats.org/markup-compatibility/2006" xmlns:a14="http://schemas.microsoft.com/office/drawing/2010/main">
+        <mc:Choice Requires="a14">
           <p:sp>
             <p:nvSpPr>
               <p:cNvPr id="64" name="TextBox 63"/>
@@ -12920,7 +12924,7 @@
             </p:txBody>
           </p:sp>
         </mc:Choice>
-        <mc:Fallback>
+        <mc:Fallback xmlns="">
           <p:sp>
             <p:nvSpPr>
               <p:cNvPr id="64" name="TextBox 63"/>
@@ -12959,8 +12963,8 @@
           </p:sp>
         </mc:Fallback>
       </mc:AlternateContent>
-      <mc:AlternateContent xmlns:mc="http://schemas.openxmlformats.org/markup-compatibility/2006">
-        <mc:Choice xmlns:a14="http://schemas.microsoft.com/office/drawing/2010/main" Requires="a14">
+      <mc:AlternateContent xmlns:mc="http://schemas.openxmlformats.org/markup-compatibility/2006" xmlns:a14="http://schemas.microsoft.com/office/drawing/2010/main">
+        <mc:Choice Requires="a14">
           <p:sp>
             <p:nvSpPr>
               <p:cNvPr id="65" name="TextBox 64"/>
@@ -13029,7 +13033,7 @@
             </p:txBody>
           </p:sp>
         </mc:Choice>
-        <mc:Fallback>
+        <mc:Fallback xmlns="">
           <p:sp>
             <p:nvSpPr>
               <p:cNvPr id="65" name="TextBox 64"/>
@@ -13098,10 +13102,440 @@
           <a:chExt cx="0" cy="0"/>
         </a:xfrm>
       </p:grpSpPr>
+      <p:pic>
+        <p:nvPicPr>
+          <p:cNvPr id="19" name="그림 18"/>
+          <p:cNvPicPr>
+            <a:picLocks noChangeAspect="1"/>
+          </p:cNvPicPr>
+          <p:nvPr/>
+        </p:nvPicPr>
+        <p:blipFill>
+          <a:blip r:embed="rId2"/>
+          <a:stretch>
+            <a:fillRect/>
+          </a:stretch>
+        </p:blipFill>
+        <p:spPr>
+          <a:xfrm>
+            <a:off x="3238523" y="1353594"/>
+            <a:ext cx="4858428" cy="4058216"/>
+          </a:xfrm>
+          <a:prstGeom prst="rect">
+            <a:avLst/>
+          </a:prstGeom>
+        </p:spPr>
+      </p:pic>
+      <mc:AlternateContent xmlns:mc="http://schemas.openxmlformats.org/markup-compatibility/2006">
+        <mc:Choice xmlns:a14="http://schemas.microsoft.com/office/drawing/2010/main" Requires="a14">
+          <p:sp>
+            <p:nvSpPr>
+              <p:cNvPr id="53" name="TextBox 52"/>
+              <p:cNvSpPr txBox="1"/>
+              <p:nvPr/>
+            </p:nvSpPr>
+            <p:spPr>
+              <a:xfrm>
+                <a:off x="7962823" y="3382702"/>
+                <a:ext cx="268255" cy="276999"/>
+              </a:xfrm>
+              <a:prstGeom prst="rect">
+                <a:avLst/>
+              </a:prstGeom>
+              <a:noFill/>
+            </p:spPr>
+            <p:txBody>
+              <a:bodyPr wrap="square" lIns="0" tIns="0" rIns="0" bIns="0" rtlCol="0">
+                <a:spAutoFit/>
+              </a:bodyPr>
+              <a:lstStyle/>
+              <a:p>
+                <a:pPr/>
+                <a14:m>
+                  <m:oMathPara xmlns:m="http://schemas.openxmlformats.org/officeDocument/2006/math">
+                    <m:oMathParaPr>
+                      <m:jc m:val="centerGroup"/>
+                    </m:oMathParaPr>
+                    <m:oMath xmlns:m="http://schemas.openxmlformats.org/officeDocument/2006/math">
+                      <m:r>
+                        <a:rPr lang="en-US" altLang="ko-KR" b="0" i="1" smtClean="0">
+                          <a:latin typeface="Cambria Math" panose="02040503050406030204" pitchFamily="18" charset="0"/>
+                        </a:rPr>
+                        <m:t>𝑥</m:t>
+                      </m:r>
+                    </m:oMath>
+                  </m:oMathPara>
+                </a14:m>
+                <a:endParaRPr lang="ko-KR" altLang="en-US" i="1" dirty="0"/>
+              </a:p>
+            </p:txBody>
+          </p:sp>
+        </mc:Choice>
+        <mc:Fallback>
+          <p:sp>
+            <p:nvSpPr>
+              <p:cNvPr id="53" name="TextBox 52"/>
+              <p:cNvSpPr txBox="1">
+                <a:spLocks noRot="1" noChangeAspect="1" noMove="1" noResize="1" noEditPoints="1" noAdjustHandles="1" noChangeArrowheads="1" noChangeShapeType="1" noTextEdit="1"/>
+              </p:cNvSpPr>
+              <p:nvPr/>
+            </p:nvSpPr>
+            <p:spPr>
+              <a:xfrm>
+                <a:off x="7962823" y="3382702"/>
+                <a:ext cx="268255" cy="276999"/>
+              </a:xfrm>
+              <a:prstGeom prst="rect">
+                <a:avLst/>
+              </a:prstGeom>
+              <a:blipFill rotWithShape="0">
+                <a:blip r:embed="rId3"/>
+                <a:stretch>
+                  <a:fillRect b="-4444"/>
+                </a:stretch>
+              </a:blipFill>
+            </p:spPr>
+            <p:txBody>
+              <a:bodyPr/>
+              <a:lstStyle/>
+              <a:p>
+                <a:r>
+                  <a:rPr lang="ko-KR" altLang="en-US">
+                    <a:noFill/>
+                  </a:rPr>
+                  <a:t> </a:t>
+                </a:r>
+              </a:p>
+            </p:txBody>
+          </p:sp>
+        </mc:Fallback>
+      </mc:AlternateContent>
+      <mc:AlternateContent xmlns:mc="http://schemas.openxmlformats.org/markup-compatibility/2006">
+        <mc:Choice xmlns:a14="http://schemas.microsoft.com/office/drawing/2010/main" Requires="a14">
+          <p:sp>
+            <p:nvSpPr>
+              <p:cNvPr id="32" name="TextBox 31"/>
+              <p:cNvSpPr txBox="1"/>
+              <p:nvPr/>
+            </p:nvSpPr>
+            <p:spPr>
+              <a:xfrm>
+                <a:off x="5029562" y="1215094"/>
+                <a:ext cx="268255" cy="276999"/>
+              </a:xfrm>
+              <a:prstGeom prst="rect">
+                <a:avLst/>
+              </a:prstGeom>
+              <a:noFill/>
+            </p:spPr>
+            <p:txBody>
+              <a:bodyPr wrap="square" lIns="0" tIns="0" rIns="0" bIns="0" rtlCol="0">
+                <a:spAutoFit/>
+              </a:bodyPr>
+              <a:lstStyle/>
+              <a:p>
+                <a:pPr/>
+                <a14:m>
+                  <m:oMathPara xmlns:m="http://schemas.openxmlformats.org/officeDocument/2006/math">
+                    <m:oMathParaPr>
+                      <m:jc m:val="centerGroup"/>
+                    </m:oMathParaPr>
+                    <m:oMath xmlns:m="http://schemas.openxmlformats.org/officeDocument/2006/math">
+                      <m:r>
+                        <a:rPr lang="en-US" altLang="ko-KR" b="0" i="1" smtClean="0">
+                          <a:latin typeface="Cambria Math" panose="02040503050406030204" pitchFamily="18" charset="0"/>
+                        </a:rPr>
+                        <m:t>𝑦</m:t>
+                      </m:r>
+                    </m:oMath>
+                  </m:oMathPara>
+                </a14:m>
+                <a:endParaRPr lang="ko-KR" altLang="en-US" i="1" dirty="0"/>
+              </a:p>
+            </p:txBody>
+          </p:sp>
+        </mc:Choice>
+        <mc:Fallback>
+          <p:sp>
+            <p:nvSpPr>
+              <p:cNvPr id="32" name="TextBox 31"/>
+              <p:cNvSpPr txBox="1">
+                <a:spLocks noRot="1" noChangeAspect="1" noMove="1" noResize="1" noEditPoints="1" noAdjustHandles="1" noChangeArrowheads="1" noChangeShapeType="1" noTextEdit="1"/>
+              </p:cNvSpPr>
+              <p:nvPr/>
+            </p:nvSpPr>
+            <p:spPr>
+              <a:xfrm>
+                <a:off x="5029562" y="1215094"/>
+                <a:ext cx="268255" cy="276999"/>
+              </a:xfrm>
+              <a:prstGeom prst="rect">
+                <a:avLst/>
+              </a:prstGeom>
+              <a:blipFill rotWithShape="0">
+                <a:blip r:embed="rId4"/>
+                <a:stretch>
+                  <a:fillRect l="-6818" r="-4545" b="-28261"/>
+                </a:stretch>
+              </a:blipFill>
+            </p:spPr>
+            <p:txBody>
+              <a:bodyPr/>
+              <a:lstStyle/>
+              <a:p>
+                <a:r>
+                  <a:rPr lang="ko-KR" altLang="en-US">
+                    <a:noFill/>
+                  </a:rPr>
+                  <a:t> </a:t>
+                </a:r>
+              </a:p>
+            </p:txBody>
+          </p:sp>
+        </mc:Fallback>
+      </mc:AlternateContent>
+      <p:cxnSp>
+        <p:nvCxnSpPr>
+          <p:cNvPr id="22" name="직선 연결선 21"/>
+          <p:cNvCxnSpPr/>
+          <p:nvPr/>
+        </p:nvCxnSpPr>
+        <p:spPr>
+          <a:xfrm>
+            <a:off x="3311837" y="2048000"/>
+            <a:ext cx="4919241" cy="2946402"/>
+          </a:xfrm>
+          <a:prstGeom prst="line">
+            <a:avLst/>
+          </a:prstGeom>
+          <a:ln w="28575">
+            <a:solidFill>
+              <a:srgbClr val="303030"/>
+            </a:solidFill>
+          </a:ln>
+        </p:spPr>
+        <p:style>
+          <a:lnRef idx="1">
+            <a:schemeClr val="accent1"/>
+          </a:lnRef>
+          <a:fillRef idx="0">
+            <a:schemeClr val="accent1"/>
+          </a:fillRef>
+          <a:effectRef idx="0">
+            <a:schemeClr val="accent1"/>
+          </a:effectRef>
+          <a:fontRef idx="minor">
+            <a:schemeClr val="tx1"/>
+          </a:fontRef>
+        </p:style>
+      </p:cxnSp>
+      <p:cxnSp>
+        <p:nvCxnSpPr>
+          <p:cNvPr id="48" name="직선 연결선 47"/>
+          <p:cNvCxnSpPr/>
+          <p:nvPr/>
+        </p:nvCxnSpPr>
+        <p:spPr>
+          <a:xfrm flipV="1">
+            <a:off x="4653022" y="1689979"/>
+            <a:ext cx="2614417" cy="3721831"/>
+          </a:xfrm>
+          <a:prstGeom prst="line">
+            <a:avLst/>
+          </a:prstGeom>
+          <a:ln w="28575">
+            <a:solidFill>
+              <a:srgbClr val="303030"/>
+            </a:solidFill>
+          </a:ln>
+        </p:spPr>
+        <p:style>
+          <a:lnRef idx="1">
+            <a:schemeClr val="accent1"/>
+          </a:lnRef>
+          <a:fillRef idx="0">
+            <a:schemeClr val="accent1"/>
+          </a:fillRef>
+          <a:effectRef idx="0">
+            <a:schemeClr val="accent1"/>
+          </a:effectRef>
+          <a:fontRef idx="minor">
+            <a:schemeClr val="tx1"/>
+          </a:fontRef>
+        </p:style>
+      </p:cxnSp>
+      <mc:AlternateContent xmlns:mc="http://schemas.openxmlformats.org/markup-compatibility/2006">
+        <mc:Choice xmlns:a14="http://schemas.microsoft.com/office/drawing/2010/main" Requires="a14">
+          <p:sp>
+            <p:nvSpPr>
+              <p:cNvPr id="52" name="TextBox 51"/>
+              <p:cNvSpPr txBox="1"/>
+              <p:nvPr/>
+            </p:nvSpPr>
+            <p:spPr>
+              <a:xfrm>
+                <a:off x="7163061" y="1728295"/>
+                <a:ext cx="268255" cy="276999"/>
+              </a:xfrm>
+              <a:prstGeom prst="rect">
+                <a:avLst/>
+              </a:prstGeom>
+              <a:noFill/>
+            </p:spPr>
+            <p:txBody>
+              <a:bodyPr wrap="square" lIns="0" tIns="0" rIns="0" bIns="0" rtlCol="0">
+                <a:spAutoFit/>
+              </a:bodyPr>
+              <a:lstStyle/>
+              <a:p>
+                <a:pPr/>
+                <a14:m>
+                  <m:oMathPara xmlns:m="http://schemas.openxmlformats.org/officeDocument/2006/math">
+                    <m:oMathParaPr>
+                      <m:jc m:val="centerGroup"/>
+                    </m:oMathParaPr>
+                    <m:oMath xmlns:m="http://schemas.openxmlformats.org/officeDocument/2006/math">
+                      <m:r>
+                        <a:rPr lang="en-US" altLang="ko-KR" b="0" i="1" smtClean="0">
+                          <a:latin typeface="Cambria Math" panose="02040503050406030204" pitchFamily="18" charset="0"/>
+                        </a:rPr>
+                        <m:t>𝑣</m:t>
+                      </m:r>
+                    </m:oMath>
+                  </m:oMathPara>
+                </a14:m>
+                <a:endParaRPr lang="ko-KR" altLang="en-US" i="1" dirty="0"/>
+              </a:p>
+            </p:txBody>
+          </p:sp>
+        </mc:Choice>
+        <mc:Fallback>
+          <p:sp>
+            <p:nvSpPr>
+              <p:cNvPr id="52" name="TextBox 51"/>
+              <p:cNvSpPr txBox="1">
+                <a:spLocks noRot="1" noChangeAspect="1" noMove="1" noResize="1" noEditPoints="1" noAdjustHandles="1" noChangeArrowheads="1" noChangeShapeType="1" noTextEdit="1"/>
+              </p:cNvSpPr>
+              <p:nvPr/>
+            </p:nvSpPr>
+            <p:spPr>
+              <a:xfrm>
+                <a:off x="7163061" y="1728295"/>
+                <a:ext cx="268255" cy="276999"/>
+              </a:xfrm>
+              <a:prstGeom prst="rect">
+                <a:avLst/>
+              </a:prstGeom>
+              <a:blipFill rotWithShape="0">
+                <a:blip r:embed="rId5"/>
+                <a:stretch>
+                  <a:fillRect b="-4444"/>
+                </a:stretch>
+              </a:blipFill>
+            </p:spPr>
+            <p:txBody>
+              <a:bodyPr/>
+              <a:lstStyle/>
+              <a:p>
+                <a:r>
+                  <a:rPr lang="ko-KR" altLang="en-US">
+                    <a:noFill/>
+                  </a:rPr>
+                  <a:t> </a:t>
+                </a:r>
+              </a:p>
+            </p:txBody>
+          </p:sp>
+        </mc:Fallback>
+      </mc:AlternateContent>
+      <mc:AlternateContent xmlns:mc="http://schemas.openxmlformats.org/markup-compatibility/2006">
+        <mc:Choice xmlns:a14="http://schemas.microsoft.com/office/drawing/2010/main" Requires="a14">
+          <p:sp>
+            <p:nvSpPr>
+              <p:cNvPr id="54" name="TextBox 53"/>
+              <p:cNvSpPr txBox="1"/>
+              <p:nvPr/>
+            </p:nvSpPr>
+            <p:spPr>
+              <a:xfrm>
+                <a:off x="8089133" y="5037108"/>
+                <a:ext cx="268255" cy="276999"/>
+              </a:xfrm>
+              <a:prstGeom prst="rect">
+                <a:avLst/>
+              </a:prstGeom>
+              <a:noFill/>
+            </p:spPr>
+            <p:txBody>
+              <a:bodyPr wrap="square" lIns="0" tIns="0" rIns="0" bIns="0" rtlCol="0">
+                <a:spAutoFit/>
+              </a:bodyPr>
+              <a:lstStyle/>
+              <a:p>
+                <a:pPr/>
+                <a14:m>
+                  <m:oMathPara xmlns:m="http://schemas.openxmlformats.org/officeDocument/2006/math">
+                    <m:oMathParaPr>
+                      <m:jc m:val="centerGroup"/>
+                    </m:oMathParaPr>
+                    <m:oMath xmlns:m="http://schemas.openxmlformats.org/officeDocument/2006/math">
+                      <m:r>
+                        <a:rPr lang="en-US" altLang="ko-KR" b="0" i="1" smtClean="0">
+                          <a:latin typeface="Cambria Math" panose="02040503050406030204" pitchFamily="18" charset="0"/>
+                        </a:rPr>
+                        <m:t>𝑢</m:t>
+                      </m:r>
+                    </m:oMath>
+                  </m:oMathPara>
+                </a14:m>
+                <a:endParaRPr lang="ko-KR" altLang="en-US" i="1" dirty="0"/>
+              </a:p>
+            </p:txBody>
+          </p:sp>
+        </mc:Choice>
+        <mc:Fallback>
+          <p:sp>
+            <p:nvSpPr>
+              <p:cNvPr id="54" name="TextBox 53"/>
+              <p:cNvSpPr txBox="1">
+                <a:spLocks noRot="1" noChangeAspect="1" noMove="1" noResize="1" noEditPoints="1" noAdjustHandles="1" noChangeArrowheads="1" noChangeShapeType="1" noTextEdit="1"/>
+              </p:cNvSpPr>
+              <p:nvPr/>
+            </p:nvSpPr>
+            <p:spPr>
+              <a:xfrm>
+                <a:off x="8089133" y="5037108"/>
+                <a:ext cx="268255" cy="276999"/>
+              </a:xfrm>
+              <a:prstGeom prst="rect">
+                <a:avLst/>
+              </a:prstGeom>
+              <a:blipFill rotWithShape="0">
+                <a:blip r:embed="rId6"/>
+                <a:stretch>
+                  <a:fillRect b="-2174"/>
+                </a:stretch>
+              </a:blipFill>
+            </p:spPr>
+            <p:txBody>
+              <a:bodyPr/>
+              <a:lstStyle/>
+              <a:p>
+                <a:r>
+                  <a:rPr lang="ko-KR" altLang="en-US">
+                    <a:noFill/>
+                  </a:rPr>
+                  <a:t> </a:t>
+                </a:r>
+              </a:p>
+            </p:txBody>
+          </p:sp>
+        </mc:Fallback>
+      </mc:AlternateContent>
     </p:spTree>
     <p:extLst>
       <p:ext uri="{BB962C8B-B14F-4D97-AF65-F5344CB8AC3E}">
-        <p14:creationId xmlns:p14="http://schemas.microsoft.com/office/powerpoint/2010/main" val="425703836"/>
+        <p14:creationId xmlns:p14="http://schemas.microsoft.com/office/powerpoint/2010/main" val="2417832355"/>
       </p:ext>
     </p:extLst>
   </p:cSld>
@@ -13826,7 +14260,7 @@
           <p:cNvPr id="27" name="직선 화살표 연결선 26">
             <a:extLst>
               <a:ext uri="{FF2B5EF4-FFF2-40B4-BE49-F238E27FC236}">
-                <a16:creationId xmlns="" xmlns:a16="http://schemas.microsoft.com/office/drawing/2014/main" id="{C93B29A1-F190-44D3-A9D0-DFAD4F83776E}"/>
+                <a16:creationId xmlns:a16="http://schemas.microsoft.com/office/drawing/2014/main" xmlns="" id="{C93B29A1-F190-44D3-A9D0-DFAD4F83776E}"/>
               </a:ext>
             </a:extLst>
           </p:cNvPr>
@@ -13872,7 +14306,7 @@
               <p:cNvPr id="28" name="TextBox 27">
                 <a:extLst>
                   <a:ext uri="{FF2B5EF4-FFF2-40B4-BE49-F238E27FC236}">
-                    <a16:creationId xmlns="" xmlns:a16="http://schemas.microsoft.com/office/drawing/2014/main" id="{07B5ABC4-CAA0-493B-ACDF-C42A51522079}"/>
+                    <a16:creationId xmlns:a16="http://schemas.microsoft.com/office/drawing/2014/main" xmlns="" id="{07B5ABC4-CAA0-493B-ACDF-C42A51522079}"/>
                   </a:ext>
                 </a:extLst>
               </p:cNvPr>
@@ -13985,7 +14419,7 @@
           <p:cNvPr id="29" name="직선 화살표 연결선 28">
             <a:extLst>
               <a:ext uri="{FF2B5EF4-FFF2-40B4-BE49-F238E27FC236}">
-                <a16:creationId xmlns="" xmlns:a16="http://schemas.microsoft.com/office/drawing/2014/main" id="{782BF86B-4207-4FE7-8DAC-CEB1861B292A}"/>
+                <a16:creationId xmlns:a16="http://schemas.microsoft.com/office/drawing/2014/main" xmlns="" id="{782BF86B-4207-4FE7-8DAC-CEB1861B292A}"/>
               </a:ext>
             </a:extLst>
           </p:cNvPr>
@@ -14031,7 +14465,7 @@
               <p:cNvPr id="32" name="TextBox 31">
                 <a:extLst>
                   <a:ext uri="{FF2B5EF4-FFF2-40B4-BE49-F238E27FC236}">
-                    <a16:creationId xmlns="" xmlns:a16="http://schemas.microsoft.com/office/drawing/2014/main" id="{5DB3AE05-D351-4E8F-8481-E70A4D8B443E}"/>
+                    <a16:creationId xmlns:a16="http://schemas.microsoft.com/office/drawing/2014/main" xmlns="" id="{5DB3AE05-D351-4E8F-8481-E70A4D8B443E}"/>
                   </a:ext>
                 </a:extLst>
               </p:cNvPr>
@@ -14125,7 +14559,7 @@
           <p:cNvPr id="33" name="직선 화살표 연결선 32">
             <a:extLst>
               <a:ext uri="{FF2B5EF4-FFF2-40B4-BE49-F238E27FC236}">
-                <a16:creationId xmlns="" xmlns:a16="http://schemas.microsoft.com/office/drawing/2014/main" id="{F5FC4C0A-B591-4F3B-BD15-9D9E5EC72772}"/>
+                <a16:creationId xmlns:a16="http://schemas.microsoft.com/office/drawing/2014/main" xmlns="" id="{F5FC4C0A-B591-4F3B-BD15-9D9E5EC72772}"/>
               </a:ext>
             </a:extLst>
           </p:cNvPr>
@@ -14171,7 +14605,7 @@
               <p:cNvPr id="38" name="TextBox 37">
                 <a:extLst>
                   <a:ext uri="{FF2B5EF4-FFF2-40B4-BE49-F238E27FC236}">
-                    <a16:creationId xmlns="" xmlns:a16="http://schemas.microsoft.com/office/drawing/2014/main" id="{EC18DB71-3399-4E5E-B321-6A9670FF95D7}"/>
+                    <a16:creationId xmlns:a16="http://schemas.microsoft.com/office/drawing/2014/main" xmlns="" id="{EC18DB71-3399-4E5E-B321-6A9670FF95D7}"/>
                   </a:ext>
                 </a:extLst>
               </p:cNvPr>
@@ -14293,6 +14727,36 @@
 </file>
 
 <file path=ppt/slides/slide20.xml><?xml version="1.0" encoding="utf-8"?>
+<p:sld xmlns:a="http://schemas.openxmlformats.org/drawingml/2006/main" xmlns:r="http://schemas.openxmlformats.org/officeDocument/2006/relationships" xmlns:p="http://schemas.openxmlformats.org/presentationml/2006/main">
+  <p:cSld>
+    <p:spTree>
+      <p:nvGrpSpPr>
+        <p:cNvPr id="1" name=""/>
+        <p:cNvGrpSpPr/>
+        <p:nvPr/>
+      </p:nvGrpSpPr>
+      <p:grpSpPr>
+        <a:xfrm>
+          <a:off x="0" y="0"/>
+          <a:ext cx="0" cy="0"/>
+          <a:chOff x="0" y="0"/>
+          <a:chExt cx="0" cy="0"/>
+        </a:xfrm>
+      </p:grpSpPr>
+    </p:spTree>
+    <p:extLst>
+      <p:ext uri="{BB962C8B-B14F-4D97-AF65-F5344CB8AC3E}">
+        <p14:creationId xmlns:p14="http://schemas.microsoft.com/office/powerpoint/2010/main" val="425703836"/>
+      </p:ext>
+    </p:extLst>
+  </p:cSld>
+  <p:clrMapOvr>
+    <a:masterClrMapping/>
+  </p:clrMapOvr>
+</p:sld>
+</file>
+
+<file path=ppt/slides/slide21.xml><?xml version="1.0" encoding="utf-8"?>
 <p:sld xmlns:a="http://schemas.openxmlformats.org/drawingml/2006/main" xmlns:r="http://schemas.openxmlformats.org/officeDocument/2006/relationships" xmlns:p="http://schemas.openxmlformats.org/presentationml/2006/main">
   <p:cSld>
     <p:spTree>
@@ -14878,7 +15342,7 @@
 </p:sld>
 </file>
 
-<file path=ppt/slides/slide21.xml><?xml version="1.0" encoding="utf-8"?>
+<file path=ppt/slides/slide22.xml><?xml version="1.0" encoding="utf-8"?>
 <p:sld xmlns:a="http://schemas.openxmlformats.org/drawingml/2006/main" xmlns:r="http://schemas.openxmlformats.org/officeDocument/2006/relationships" xmlns:p="http://schemas.openxmlformats.org/presentationml/2006/main">
   <p:cSld>
     <p:spTree>
@@ -14900,7 +15364,7 @@
           <p:cNvPr id="4" name="내용 개체 틀 5">
             <a:extLst>
               <a:ext uri="{FF2B5EF4-FFF2-40B4-BE49-F238E27FC236}">
-                <a16:creationId xmlns:a16="http://schemas.microsoft.com/office/drawing/2014/main" xmlns="" id="{26E65B15-652C-471C-B503-9BD1A7ECA9FF}"/>
+                <a16:creationId xmlns="" xmlns:a16="http://schemas.microsoft.com/office/drawing/2014/main" id="{26E65B15-652C-471C-B503-9BD1A7ECA9FF}"/>
               </a:ext>
             </a:extLst>
           </p:cNvPr>
@@ -14929,7 +15393,7 @@
           <p:cNvPr id="5" name="그림 4">
             <a:extLst>
               <a:ext uri="{FF2B5EF4-FFF2-40B4-BE49-F238E27FC236}">
-                <a16:creationId xmlns:a16="http://schemas.microsoft.com/office/drawing/2014/main" xmlns="" id="{8D86471E-9C3A-40C3-8F27-66A11AC93C24}"/>
+                <a16:creationId xmlns="" xmlns:a16="http://schemas.microsoft.com/office/drawing/2014/main" id="{8D86471E-9C3A-40C3-8F27-66A11AC93C24}"/>
               </a:ext>
             </a:extLst>
           </p:cNvPr>
@@ -14967,7 +15431,7 @@
 </p:sld>
 </file>
 
-<file path=ppt/slides/slide22.xml><?xml version="1.0" encoding="utf-8"?>
+<file path=ppt/slides/slide23.xml><?xml version="1.0" encoding="utf-8"?>
 <p:sld xmlns:a="http://schemas.openxmlformats.org/drawingml/2006/main" xmlns:r="http://schemas.openxmlformats.org/officeDocument/2006/relationships" xmlns:p="http://schemas.openxmlformats.org/presentationml/2006/main">
   <p:cSld>
     <p:spTree>
@@ -15685,7 +16149,7 @@
           <p:cNvPr id="9" name="그룹 8">
             <a:extLst>
               <a:ext uri="{FF2B5EF4-FFF2-40B4-BE49-F238E27FC236}">
-                <a16:creationId xmlns="" xmlns:a16="http://schemas.microsoft.com/office/drawing/2014/main" id="{F54825A1-879E-45C3-84C9-39758CFBC1AD}"/>
+                <a16:creationId xmlns:a16="http://schemas.microsoft.com/office/drawing/2014/main" xmlns="" id="{F54825A1-879E-45C3-84C9-39758CFBC1AD}"/>
               </a:ext>
             </a:extLst>
           </p:cNvPr>
@@ -16108,7 +16572,7 @@
           <p:cNvPr id="19" name="자유형: 도형 18">
             <a:extLst>
               <a:ext uri="{FF2B5EF4-FFF2-40B4-BE49-F238E27FC236}">
-                <a16:creationId xmlns="" xmlns:a16="http://schemas.microsoft.com/office/drawing/2014/main" id="{28DE563C-2016-4934-A4EE-657070DFAE5E}"/>
+                <a16:creationId xmlns:a16="http://schemas.microsoft.com/office/drawing/2014/main" xmlns="" id="{28DE563C-2016-4934-A4EE-657070DFAE5E}"/>
               </a:ext>
             </a:extLst>
           </p:cNvPr>
@@ -16200,7 +16664,7 @@
               <p:cNvPr id="22" name="TextBox 21">
                 <a:extLst>
                   <a:ext uri="{FF2B5EF4-FFF2-40B4-BE49-F238E27FC236}">
-                    <a16:creationId xmlns="" xmlns:a16="http://schemas.microsoft.com/office/drawing/2014/main" id="{702F36E8-3840-4F82-ACA9-0ADC9BF2CD7E}"/>
+                    <a16:creationId xmlns:a16="http://schemas.microsoft.com/office/drawing/2014/main" xmlns="" id="{702F36E8-3840-4F82-ACA9-0ADC9BF2CD7E}"/>
                   </a:ext>
                 </a:extLst>
               </p:cNvPr>
@@ -16321,7 +16785,7 @@
           <p:cNvPr id="23" name="자유형: 도형 22">
             <a:extLst>
               <a:ext uri="{FF2B5EF4-FFF2-40B4-BE49-F238E27FC236}">
-                <a16:creationId xmlns="" xmlns:a16="http://schemas.microsoft.com/office/drawing/2014/main" id="{D4262DC8-AC8F-4E4E-8F9A-78963014DDC7}"/>
+                <a16:creationId xmlns:a16="http://schemas.microsoft.com/office/drawing/2014/main" xmlns="" id="{D4262DC8-AC8F-4E4E-8F9A-78963014DDC7}"/>
               </a:ext>
             </a:extLst>
           </p:cNvPr>
@@ -16413,7 +16877,7 @@
               <p:cNvPr id="26" name="TextBox 25">
                 <a:extLst>
                   <a:ext uri="{FF2B5EF4-FFF2-40B4-BE49-F238E27FC236}">
-                    <a16:creationId xmlns="" xmlns:a16="http://schemas.microsoft.com/office/drawing/2014/main" id="{4C456F18-AA04-4135-AED2-7569217695DC}"/>
+                    <a16:creationId xmlns:a16="http://schemas.microsoft.com/office/drawing/2014/main" xmlns="" id="{4C456F18-AA04-4135-AED2-7569217695DC}"/>
                   </a:ext>
                 </a:extLst>
               </p:cNvPr>
@@ -17293,7 +17757,7 @@
           <p:cNvPr id="19" name="자유형: 도형 18">
             <a:extLst>
               <a:ext uri="{FF2B5EF4-FFF2-40B4-BE49-F238E27FC236}">
-                <a16:creationId xmlns="" xmlns:a16="http://schemas.microsoft.com/office/drawing/2014/main" id="{28DE563C-2016-4934-A4EE-657070DFAE5E}"/>
+                <a16:creationId xmlns:a16="http://schemas.microsoft.com/office/drawing/2014/main" xmlns="" id="{28DE563C-2016-4934-A4EE-657070DFAE5E}"/>
               </a:ext>
             </a:extLst>
           </p:cNvPr>
@@ -17385,7 +17849,7 @@
               <p:cNvPr id="22" name="TextBox 21">
                 <a:extLst>
                   <a:ext uri="{FF2B5EF4-FFF2-40B4-BE49-F238E27FC236}">
-                    <a16:creationId xmlns="" xmlns:a16="http://schemas.microsoft.com/office/drawing/2014/main" id="{702F36E8-3840-4F82-ACA9-0ADC9BF2CD7E}"/>
+                    <a16:creationId xmlns:a16="http://schemas.microsoft.com/office/drawing/2014/main" xmlns="" id="{702F36E8-3840-4F82-ACA9-0ADC9BF2CD7E}"/>
                   </a:ext>
                 </a:extLst>
               </p:cNvPr>
@@ -17506,7 +17970,7 @@
           <p:cNvPr id="23" name="자유형: 도형 22">
             <a:extLst>
               <a:ext uri="{FF2B5EF4-FFF2-40B4-BE49-F238E27FC236}">
-                <a16:creationId xmlns="" xmlns:a16="http://schemas.microsoft.com/office/drawing/2014/main" id="{D4262DC8-AC8F-4E4E-8F9A-78963014DDC7}"/>
+                <a16:creationId xmlns:a16="http://schemas.microsoft.com/office/drawing/2014/main" xmlns="" id="{D4262DC8-AC8F-4E4E-8F9A-78963014DDC7}"/>
               </a:ext>
             </a:extLst>
           </p:cNvPr>
@@ -17598,7 +18062,7 @@
               <p:cNvPr id="26" name="TextBox 25">
                 <a:extLst>
                   <a:ext uri="{FF2B5EF4-FFF2-40B4-BE49-F238E27FC236}">
-                    <a16:creationId xmlns="" xmlns:a16="http://schemas.microsoft.com/office/drawing/2014/main" id="{4C456F18-AA04-4135-AED2-7569217695DC}"/>
+                    <a16:creationId xmlns:a16="http://schemas.microsoft.com/office/drawing/2014/main" xmlns="" id="{4C456F18-AA04-4135-AED2-7569217695DC}"/>
                   </a:ext>
                 </a:extLst>
               </p:cNvPr>
@@ -17721,7 +18185,7 @@
               <p:cNvPr id="21" name="TextBox 20">
                 <a:extLst>
                   <a:ext uri="{FF2B5EF4-FFF2-40B4-BE49-F238E27FC236}">
-                    <a16:creationId xmlns="" xmlns:a16="http://schemas.microsoft.com/office/drawing/2014/main" id="{7F1A4031-C0F9-4078-B611-60510E555779}"/>
+                    <a16:creationId xmlns:a16="http://schemas.microsoft.com/office/drawing/2014/main" xmlns="" id="{7F1A4031-C0F9-4078-B611-60510E555779}"/>
                   </a:ext>
                 </a:extLst>
               </p:cNvPr>
@@ -17834,7 +18298,7 @@
           <p:cNvPr id="27" name="원호 26">
             <a:extLst>
               <a:ext uri="{FF2B5EF4-FFF2-40B4-BE49-F238E27FC236}">
-                <a16:creationId xmlns="" xmlns:a16="http://schemas.microsoft.com/office/drawing/2014/main" id="{73F2FA99-BAB3-4AEA-A0D4-FFD161E5142F}"/>
+                <a16:creationId xmlns:a16="http://schemas.microsoft.com/office/drawing/2014/main" xmlns="" id="{73F2FA99-BAB3-4AEA-A0D4-FFD161E5142F}"/>
               </a:ext>
             </a:extLst>
           </p:cNvPr>

--- a/그림.pptx
+++ b/그림.pptx
@@ -28,6 +28,7 @@
     <p:sldId id="259" r:id="rId22"/>
     <p:sldId id="264" r:id="rId23"/>
     <p:sldId id="273" r:id="rId24"/>
+    <p:sldId id="281" r:id="rId25"/>
   </p:sldIdLst>
   <p:sldSz cx="12192000" cy="6858000"/>
   <p:notesSz cx="6858000" cy="9144000"/>
@@ -158,6 +159,7 @@
             <p14:sldId id="259"/>
             <p14:sldId id="264"/>
             <p14:sldId id="273"/>
+            <p14:sldId id="281"/>
           </p14:sldIdLst>
         </p14:section>
       </p14:sectionLst>
@@ -298,7 +300,7 @@
           <a:p>
             <a:fld id="{586A42AD-E6DF-43A8-BCEE-31B231F72482}" type="datetimeFigureOut">
               <a:rPr lang="ko-KR" altLang="en-US" smtClean="0"/>
-              <a:t>2022-09-23</a:t>
+              <a:t>2022-12-01</a:t>
             </a:fld>
             <a:endParaRPr lang="ko-KR" altLang="en-US"/>
           </a:p>
@@ -466,7 +468,7 @@
           <a:p>
             <a:fld id="{586A42AD-E6DF-43A8-BCEE-31B231F72482}" type="datetimeFigureOut">
               <a:rPr lang="ko-KR" altLang="en-US" smtClean="0"/>
-              <a:t>2022-09-23</a:t>
+              <a:t>2022-12-01</a:t>
             </a:fld>
             <a:endParaRPr lang="ko-KR" altLang="en-US"/>
           </a:p>
@@ -644,7 +646,7 @@
           <a:p>
             <a:fld id="{586A42AD-E6DF-43A8-BCEE-31B231F72482}" type="datetimeFigureOut">
               <a:rPr lang="ko-KR" altLang="en-US" smtClean="0"/>
-              <a:t>2022-09-23</a:t>
+              <a:t>2022-12-01</a:t>
             </a:fld>
             <a:endParaRPr lang="ko-KR" altLang="en-US"/>
           </a:p>
@@ -812,7 +814,7 @@
           <a:p>
             <a:fld id="{586A42AD-E6DF-43A8-BCEE-31B231F72482}" type="datetimeFigureOut">
               <a:rPr lang="ko-KR" altLang="en-US" smtClean="0"/>
-              <a:t>2022-09-23</a:t>
+              <a:t>2022-12-01</a:t>
             </a:fld>
             <a:endParaRPr lang="ko-KR" altLang="en-US"/>
           </a:p>
@@ -1057,7 +1059,7 @@
           <a:p>
             <a:fld id="{586A42AD-E6DF-43A8-BCEE-31B231F72482}" type="datetimeFigureOut">
               <a:rPr lang="ko-KR" altLang="en-US" smtClean="0"/>
-              <a:t>2022-09-23</a:t>
+              <a:t>2022-12-01</a:t>
             </a:fld>
             <a:endParaRPr lang="ko-KR" altLang="en-US"/>
           </a:p>
@@ -1286,7 +1288,7 @@
           <a:p>
             <a:fld id="{586A42AD-E6DF-43A8-BCEE-31B231F72482}" type="datetimeFigureOut">
               <a:rPr lang="ko-KR" altLang="en-US" smtClean="0"/>
-              <a:t>2022-09-23</a:t>
+              <a:t>2022-12-01</a:t>
             </a:fld>
             <a:endParaRPr lang="ko-KR" altLang="en-US"/>
           </a:p>
@@ -1650,7 +1652,7 @@
           <a:p>
             <a:fld id="{586A42AD-E6DF-43A8-BCEE-31B231F72482}" type="datetimeFigureOut">
               <a:rPr lang="ko-KR" altLang="en-US" smtClean="0"/>
-              <a:t>2022-09-23</a:t>
+              <a:t>2022-12-01</a:t>
             </a:fld>
             <a:endParaRPr lang="ko-KR" altLang="en-US"/>
           </a:p>
@@ -1767,7 +1769,7 @@
           <a:p>
             <a:fld id="{586A42AD-E6DF-43A8-BCEE-31B231F72482}" type="datetimeFigureOut">
               <a:rPr lang="ko-KR" altLang="en-US" smtClean="0"/>
-              <a:t>2022-09-23</a:t>
+              <a:t>2022-12-01</a:t>
             </a:fld>
             <a:endParaRPr lang="ko-KR" altLang="en-US"/>
           </a:p>
@@ -1862,7 +1864,7 @@
           <a:p>
             <a:fld id="{586A42AD-E6DF-43A8-BCEE-31B231F72482}" type="datetimeFigureOut">
               <a:rPr lang="ko-KR" altLang="en-US" smtClean="0"/>
-              <a:t>2022-09-23</a:t>
+              <a:t>2022-12-01</a:t>
             </a:fld>
             <a:endParaRPr lang="ko-KR" altLang="en-US"/>
           </a:p>
@@ -2137,7 +2139,7 @@
           <a:p>
             <a:fld id="{586A42AD-E6DF-43A8-BCEE-31B231F72482}" type="datetimeFigureOut">
               <a:rPr lang="ko-KR" altLang="en-US" smtClean="0"/>
-              <a:t>2022-09-23</a:t>
+              <a:t>2022-12-01</a:t>
             </a:fld>
             <a:endParaRPr lang="ko-KR" altLang="en-US"/>
           </a:p>
@@ -2389,7 +2391,7 @@
           <a:p>
             <a:fld id="{586A42AD-E6DF-43A8-BCEE-31B231F72482}" type="datetimeFigureOut">
               <a:rPr lang="ko-KR" altLang="en-US" smtClean="0"/>
-              <a:t>2022-09-23</a:t>
+              <a:t>2022-12-01</a:t>
             </a:fld>
             <a:endParaRPr lang="ko-KR" altLang="en-US"/>
           </a:p>
@@ -2600,7 +2602,7 @@
           <a:p>
             <a:fld id="{586A42AD-E6DF-43A8-BCEE-31B231F72482}" type="datetimeFigureOut">
               <a:rPr lang="ko-KR" altLang="en-US" smtClean="0"/>
-              <a:t>2022-09-23</a:t>
+              <a:t>2022-12-01</a:t>
             </a:fld>
             <a:endParaRPr lang="ko-KR" altLang="en-US"/>
           </a:p>
@@ -9604,7 +9606,7 @@
           <p:cNvPr id="71" name="자유형: 도형 18">
             <a:extLst>
               <a:ext uri="{FF2B5EF4-FFF2-40B4-BE49-F238E27FC236}">
-                <a16:creationId xmlns:a16="http://schemas.microsoft.com/office/drawing/2014/main" xmlns="" id="{28DE563C-2016-4934-A4EE-657070DFAE5E}"/>
+                <a16:creationId xmlns="" xmlns:a16="http://schemas.microsoft.com/office/drawing/2014/main" id="{28DE563C-2016-4934-A4EE-657070DFAE5E}"/>
               </a:ext>
             </a:extLst>
           </p:cNvPr>
@@ -9696,7 +9698,7 @@
               <p:cNvPr id="72" name="TextBox 71">
                 <a:extLst>
                   <a:ext uri="{FF2B5EF4-FFF2-40B4-BE49-F238E27FC236}">
-                    <a16:creationId xmlns:a16="http://schemas.microsoft.com/office/drawing/2014/main" xmlns="" id="{702F36E8-3840-4F82-ACA9-0ADC9BF2CD7E}"/>
+                    <a16:creationId xmlns="" xmlns:a16="http://schemas.microsoft.com/office/drawing/2014/main" id="{702F36E8-3840-4F82-ACA9-0ADC9BF2CD7E}"/>
                   </a:ext>
                 </a:extLst>
               </p:cNvPr>
@@ -9796,7 +9798,7 @@
           <p:cNvPr id="73" name="자유형: 도형 18">
             <a:extLst>
               <a:ext uri="{FF2B5EF4-FFF2-40B4-BE49-F238E27FC236}">
-                <a16:creationId xmlns:a16="http://schemas.microsoft.com/office/drawing/2014/main" xmlns="" id="{28DE563C-2016-4934-A4EE-657070DFAE5E}"/>
+                <a16:creationId xmlns="" xmlns:a16="http://schemas.microsoft.com/office/drawing/2014/main" id="{28DE563C-2016-4934-A4EE-657070DFAE5E}"/>
               </a:ext>
             </a:extLst>
           </p:cNvPr>
@@ -9888,7 +9890,7 @@
               <p:cNvPr id="74" name="TextBox 73">
                 <a:extLst>
                   <a:ext uri="{FF2B5EF4-FFF2-40B4-BE49-F238E27FC236}">
-                    <a16:creationId xmlns:a16="http://schemas.microsoft.com/office/drawing/2014/main" xmlns="" id="{702F36E8-3840-4F82-ACA9-0ADC9BF2CD7E}"/>
+                    <a16:creationId xmlns="" xmlns:a16="http://schemas.microsoft.com/office/drawing/2014/main" id="{702F36E8-3840-4F82-ACA9-0ADC9BF2CD7E}"/>
                   </a:ext>
                 </a:extLst>
               </p:cNvPr>
@@ -13126,8 +13128,8 @@
           </a:prstGeom>
         </p:spPr>
       </p:pic>
-      <mc:AlternateContent xmlns:mc="http://schemas.openxmlformats.org/markup-compatibility/2006">
-        <mc:Choice xmlns:a14="http://schemas.microsoft.com/office/drawing/2010/main" Requires="a14">
+      <mc:AlternateContent xmlns:mc="http://schemas.openxmlformats.org/markup-compatibility/2006" xmlns:a14="http://schemas.microsoft.com/office/drawing/2010/main">
+        <mc:Choice Requires="a14">
           <p:sp>
             <p:nvSpPr>
               <p:cNvPr id="53" name="TextBox 52"/>
@@ -13171,7 +13173,7 @@
             </p:txBody>
           </p:sp>
         </mc:Choice>
-        <mc:Fallback>
+        <mc:Fallback xmlns="">
           <p:sp>
             <p:nvSpPr>
               <p:cNvPr id="53" name="TextBox 52"/>
@@ -13210,8 +13212,8 @@
           </p:sp>
         </mc:Fallback>
       </mc:AlternateContent>
-      <mc:AlternateContent xmlns:mc="http://schemas.openxmlformats.org/markup-compatibility/2006">
-        <mc:Choice xmlns:a14="http://schemas.microsoft.com/office/drawing/2010/main" Requires="a14">
+      <mc:AlternateContent xmlns:mc="http://schemas.openxmlformats.org/markup-compatibility/2006" xmlns:a14="http://schemas.microsoft.com/office/drawing/2010/main">
+        <mc:Choice Requires="a14">
           <p:sp>
             <p:nvSpPr>
               <p:cNvPr id="32" name="TextBox 31"/>
@@ -13255,7 +13257,7 @@
             </p:txBody>
           </p:sp>
         </mc:Choice>
-        <mc:Fallback>
+        <mc:Fallback xmlns="">
           <p:sp>
             <p:nvSpPr>
               <p:cNvPr id="32" name="TextBox 31"/>
@@ -13364,8 +13366,8 @@
           </a:fontRef>
         </p:style>
       </p:cxnSp>
-      <mc:AlternateContent xmlns:mc="http://schemas.openxmlformats.org/markup-compatibility/2006">
-        <mc:Choice xmlns:a14="http://schemas.microsoft.com/office/drawing/2010/main" Requires="a14">
+      <mc:AlternateContent xmlns:mc="http://schemas.openxmlformats.org/markup-compatibility/2006" xmlns:a14="http://schemas.microsoft.com/office/drawing/2010/main">
+        <mc:Choice Requires="a14">
           <p:sp>
             <p:nvSpPr>
               <p:cNvPr id="52" name="TextBox 51"/>
@@ -13409,7 +13411,7 @@
             </p:txBody>
           </p:sp>
         </mc:Choice>
-        <mc:Fallback>
+        <mc:Fallback xmlns="">
           <p:sp>
             <p:nvSpPr>
               <p:cNvPr id="52" name="TextBox 51"/>
@@ -13448,8 +13450,8 @@
           </p:sp>
         </mc:Fallback>
       </mc:AlternateContent>
-      <mc:AlternateContent xmlns:mc="http://schemas.openxmlformats.org/markup-compatibility/2006">
-        <mc:Choice xmlns:a14="http://schemas.microsoft.com/office/drawing/2010/main" Requires="a14">
+      <mc:AlternateContent xmlns:mc="http://schemas.openxmlformats.org/markup-compatibility/2006" xmlns:a14="http://schemas.microsoft.com/office/drawing/2010/main">
+        <mc:Choice Requires="a14">
           <p:sp>
             <p:nvSpPr>
               <p:cNvPr id="54" name="TextBox 53"/>
@@ -13493,7 +13495,7 @@
             </p:txBody>
           </p:sp>
         </mc:Choice>
-        <mc:Fallback>
+        <mc:Fallback xmlns="">
           <p:sp>
             <p:nvSpPr>
               <p:cNvPr id="54" name="TextBox 53"/>
@@ -14260,7 +14262,7 @@
           <p:cNvPr id="27" name="직선 화살표 연결선 26">
             <a:extLst>
               <a:ext uri="{FF2B5EF4-FFF2-40B4-BE49-F238E27FC236}">
-                <a16:creationId xmlns:a16="http://schemas.microsoft.com/office/drawing/2014/main" xmlns="" id="{C93B29A1-F190-44D3-A9D0-DFAD4F83776E}"/>
+                <a16:creationId xmlns="" xmlns:a16="http://schemas.microsoft.com/office/drawing/2014/main" id="{C93B29A1-F190-44D3-A9D0-DFAD4F83776E}"/>
               </a:ext>
             </a:extLst>
           </p:cNvPr>
@@ -14306,7 +14308,7 @@
               <p:cNvPr id="28" name="TextBox 27">
                 <a:extLst>
                   <a:ext uri="{FF2B5EF4-FFF2-40B4-BE49-F238E27FC236}">
-                    <a16:creationId xmlns:a16="http://schemas.microsoft.com/office/drawing/2014/main" xmlns="" id="{07B5ABC4-CAA0-493B-ACDF-C42A51522079}"/>
+                    <a16:creationId xmlns="" xmlns:a16="http://schemas.microsoft.com/office/drawing/2014/main" id="{07B5ABC4-CAA0-493B-ACDF-C42A51522079}"/>
                   </a:ext>
                 </a:extLst>
               </p:cNvPr>
@@ -14419,7 +14421,7 @@
           <p:cNvPr id="29" name="직선 화살표 연결선 28">
             <a:extLst>
               <a:ext uri="{FF2B5EF4-FFF2-40B4-BE49-F238E27FC236}">
-                <a16:creationId xmlns:a16="http://schemas.microsoft.com/office/drawing/2014/main" xmlns="" id="{782BF86B-4207-4FE7-8DAC-CEB1861B292A}"/>
+                <a16:creationId xmlns="" xmlns:a16="http://schemas.microsoft.com/office/drawing/2014/main" id="{782BF86B-4207-4FE7-8DAC-CEB1861B292A}"/>
               </a:ext>
             </a:extLst>
           </p:cNvPr>
@@ -14465,7 +14467,7 @@
               <p:cNvPr id="32" name="TextBox 31">
                 <a:extLst>
                   <a:ext uri="{FF2B5EF4-FFF2-40B4-BE49-F238E27FC236}">
-                    <a16:creationId xmlns:a16="http://schemas.microsoft.com/office/drawing/2014/main" xmlns="" id="{5DB3AE05-D351-4E8F-8481-E70A4D8B443E}"/>
+                    <a16:creationId xmlns="" xmlns:a16="http://schemas.microsoft.com/office/drawing/2014/main" id="{5DB3AE05-D351-4E8F-8481-E70A4D8B443E}"/>
                   </a:ext>
                 </a:extLst>
               </p:cNvPr>
@@ -14559,7 +14561,7 @@
           <p:cNvPr id="33" name="직선 화살표 연결선 32">
             <a:extLst>
               <a:ext uri="{FF2B5EF4-FFF2-40B4-BE49-F238E27FC236}">
-                <a16:creationId xmlns:a16="http://schemas.microsoft.com/office/drawing/2014/main" xmlns="" id="{F5FC4C0A-B591-4F3B-BD15-9D9E5EC72772}"/>
+                <a16:creationId xmlns="" xmlns:a16="http://schemas.microsoft.com/office/drawing/2014/main" id="{F5FC4C0A-B591-4F3B-BD15-9D9E5EC72772}"/>
               </a:ext>
             </a:extLst>
           </p:cNvPr>
@@ -14605,7 +14607,7 @@
               <p:cNvPr id="38" name="TextBox 37">
                 <a:extLst>
                   <a:ext uri="{FF2B5EF4-FFF2-40B4-BE49-F238E27FC236}">
-                    <a16:creationId xmlns:a16="http://schemas.microsoft.com/office/drawing/2014/main" xmlns="" id="{EC18DB71-3399-4E5E-B321-6A9670FF95D7}"/>
+                    <a16:creationId xmlns="" xmlns:a16="http://schemas.microsoft.com/office/drawing/2014/main" id="{EC18DB71-3399-4E5E-B321-6A9670FF95D7}"/>
                   </a:ext>
                 </a:extLst>
               </p:cNvPr>
@@ -15364,7 +15366,7 @@
           <p:cNvPr id="4" name="내용 개체 틀 5">
             <a:extLst>
               <a:ext uri="{FF2B5EF4-FFF2-40B4-BE49-F238E27FC236}">
-                <a16:creationId xmlns="" xmlns:a16="http://schemas.microsoft.com/office/drawing/2014/main" id="{26E65B15-652C-471C-B503-9BD1A7ECA9FF}"/>
+                <a16:creationId xmlns:a16="http://schemas.microsoft.com/office/drawing/2014/main" xmlns="" id="{26E65B15-652C-471C-B503-9BD1A7ECA9FF}"/>
               </a:ext>
             </a:extLst>
           </p:cNvPr>
@@ -15393,7 +15395,7 @@
           <p:cNvPr id="5" name="그림 4">
             <a:extLst>
               <a:ext uri="{FF2B5EF4-FFF2-40B4-BE49-F238E27FC236}">
-                <a16:creationId xmlns="" xmlns:a16="http://schemas.microsoft.com/office/drawing/2014/main" id="{8D86471E-9C3A-40C3-8F27-66A11AC93C24}"/>
+                <a16:creationId xmlns:a16="http://schemas.microsoft.com/office/drawing/2014/main" xmlns="" id="{8D86471E-9C3A-40C3-8F27-66A11AC93C24}"/>
               </a:ext>
             </a:extLst>
           </p:cNvPr>
@@ -15640,6 +15642,60 @@
     <p:extLst>
       <p:ext uri="{BB962C8B-B14F-4D97-AF65-F5344CB8AC3E}">
         <p14:creationId xmlns:p14="http://schemas.microsoft.com/office/powerpoint/2010/main" val="3151026552"/>
+      </p:ext>
+    </p:extLst>
+  </p:cSld>
+  <p:clrMapOvr>
+    <a:masterClrMapping/>
+  </p:clrMapOvr>
+</p:sld>
+</file>
+
+<file path=ppt/slides/slide24.xml><?xml version="1.0" encoding="utf-8"?>
+<p:sld xmlns:a="http://schemas.openxmlformats.org/drawingml/2006/main" xmlns:r="http://schemas.openxmlformats.org/officeDocument/2006/relationships" xmlns:p="http://schemas.openxmlformats.org/presentationml/2006/main">
+  <p:cSld>
+    <p:spTree>
+      <p:nvGrpSpPr>
+        <p:cNvPr id="1" name=""/>
+        <p:cNvGrpSpPr/>
+        <p:nvPr/>
+      </p:nvGrpSpPr>
+      <p:grpSpPr>
+        <a:xfrm>
+          <a:off x="0" y="0"/>
+          <a:ext cx="0" cy="0"/>
+          <a:chOff x="0" y="0"/>
+          <a:chExt cx="0" cy="0"/>
+        </a:xfrm>
+      </p:grpSpPr>
+      <p:pic>
+        <p:nvPicPr>
+          <p:cNvPr id="4" name="그림 3"/>
+          <p:cNvPicPr>
+            <a:picLocks noChangeAspect="1"/>
+          </p:cNvPicPr>
+          <p:nvPr/>
+        </p:nvPicPr>
+        <p:blipFill>
+          <a:blip r:embed="rId2"/>
+          <a:stretch>
+            <a:fillRect/>
+          </a:stretch>
+        </p:blipFill>
+        <p:spPr>
+          <a:xfrm>
+            <a:off x="162485" y="0"/>
+            <a:ext cx="11867030" cy="6858000"/>
+          </a:xfrm>
+          <a:prstGeom prst="rect">
+            <a:avLst/>
+          </a:prstGeom>
+        </p:spPr>
+      </p:pic>
+    </p:spTree>
+    <p:extLst>
+      <p:ext uri="{BB962C8B-B14F-4D97-AF65-F5344CB8AC3E}">
+        <p14:creationId xmlns:p14="http://schemas.microsoft.com/office/powerpoint/2010/main" val="760118274"/>
       </p:ext>
     </p:extLst>
   </p:cSld>
@@ -16149,7 +16205,7 @@
           <p:cNvPr id="9" name="그룹 8">
             <a:extLst>
               <a:ext uri="{FF2B5EF4-FFF2-40B4-BE49-F238E27FC236}">
-                <a16:creationId xmlns:a16="http://schemas.microsoft.com/office/drawing/2014/main" xmlns="" id="{F54825A1-879E-45C3-84C9-39758CFBC1AD}"/>
+                <a16:creationId xmlns="" xmlns:a16="http://schemas.microsoft.com/office/drawing/2014/main" id="{F54825A1-879E-45C3-84C9-39758CFBC1AD}"/>
               </a:ext>
             </a:extLst>
           </p:cNvPr>
@@ -16572,7 +16628,7 @@
           <p:cNvPr id="19" name="자유형: 도형 18">
             <a:extLst>
               <a:ext uri="{FF2B5EF4-FFF2-40B4-BE49-F238E27FC236}">
-                <a16:creationId xmlns:a16="http://schemas.microsoft.com/office/drawing/2014/main" xmlns="" id="{28DE563C-2016-4934-A4EE-657070DFAE5E}"/>
+                <a16:creationId xmlns="" xmlns:a16="http://schemas.microsoft.com/office/drawing/2014/main" id="{28DE563C-2016-4934-A4EE-657070DFAE5E}"/>
               </a:ext>
             </a:extLst>
           </p:cNvPr>
@@ -16664,7 +16720,7 @@
               <p:cNvPr id="22" name="TextBox 21">
                 <a:extLst>
                   <a:ext uri="{FF2B5EF4-FFF2-40B4-BE49-F238E27FC236}">
-                    <a16:creationId xmlns:a16="http://schemas.microsoft.com/office/drawing/2014/main" xmlns="" id="{702F36E8-3840-4F82-ACA9-0ADC9BF2CD7E}"/>
+                    <a16:creationId xmlns="" xmlns:a16="http://schemas.microsoft.com/office/drawing/2014/main" id="{702F36E8-3840-4F82-ACA9-0ADC9BF2CD7E}"/>
                   </a:ext>
                 </a:extLst>
               </p:cNvPr>
@@ -16785,7 +16841,7 @@
           <p:cNvPr id="23" name="자유형: 도형 22">
             <a:extLst>
               <a:ext uri="{FF2B5EF4-FFF2-40B4-BE49-F238E27FC236}">
-                <a16:creationId xmlns:a16="http://schemas.microsoft.com/office/drawing/2014/main" xmlns="" id="{D4262DC8-AC8F-4E4E-8F9A-78963014DDC7}"/>
+                <a16:creationId xmlns="" xmlns:a16="http://schemas.microsoft.com/office/drawing/2014/main" id="{D4262DC8-AC8F-4E4E-8F9A-78963014DDC7}"/>
               </a:ext>
             </a:extLst>
           </p:cNvPr>
@@ -16877,7 +16933,7 @@
               <p:cNvPr id="26" name="TextBox 25">
                 <a:extLst>
                   <a:ext uri="{FF2B5EF4-FFF2-40B4-BE49-F238E27FC236}">
-                    <a16:creationId xmlns:a16="http://schemas.microsoft.com/office/drawing/2014/main" xmlns="" id="{4C456F18-AA04-4135-AED2-7569217695DC}"/>
+                    <a16:creationId xmlns="" xmlns:a16="http://schemas.microsoft.com/office/drawing/2014/main" id="{4C456F18-AA04-4135-AED2-7569217695DC}"/>
                   </a:ext>
                 </a:extLst>
               </p:cNvPr>
@@ -17757,7 +17813,7 @@
           <p:cNvPr id="19" name="자유형: 도형 18">
             <a:extLst>
               <a:ext uri="{FF2B5EF4-FFF2-40B4-BE49-F238E27FC236}">
-                <a16:creationId xmlns:a16="http://schemas.microsoft.com/office/drawing/2014/main" xmlns="" id="{28DE563C-2016-4934-A4EE-657070DFAE5E}"/>
+                <a16:creationId xmlns="" xmlns:a16="http://schemas.microsoft.com/office/drawing/2014/main" id="{28DE563C-2016-4934-A4EE-657070DFAE5E}"/>
               </a:ext>
             </a:extLst>
           </p:cNvPr>
@@ -17849,7 +17905,7 @@
               <p:cNvPr id="22" name="TextBox 21">
                 <a:extLst>
                   <a:ext uri="{FF2B5EF4-FFF2-40B4-BE49-F238E27FC236}">
-                    <a16:creationId xmlns:a16="http://schemas.microsoft.com/office/drawing/2014/main" xmlns="" id="{702F36E8-3840-4F82-ACA9-0ADC9BF2CD7E}"/>
+                    <a16:creationId xmlns="" xmlns:a16="http://schemas.microsoft.com/office/drawing/2014/main" id="{702F36E8-3840-4F82-ACA9-0ADC9BF2CD7E}"/>
                   </a:ext>
                 </a:extLst>
               </p:cNvPr>
@@ -17970,7 +18026,7 @@
           <p:cNvPr id="23" name="자유형: 도형 22">
             <a:extLst>
               <a:ext uri="{FF2B5EF4-FFF2-40B4-BE49-F238E27FC236}">
-                <a16:creationId xmlns:a16="http://schemas.microsoft.com/office/drawing/2014/main" xmlns="" id="{D4262DC8-AC8F-4E4E-8F9A-78963014DDC7}"/>
+                <a16:creationId xmlns="" xmlns:a16="http://schemas.microsoft.com/office/drawing/2014/main" id="{D4262DC8-AC8F-4E4E-8F9A-78963014DDC7}"/>
               </a:ext>
             </a:extLst>
           </p:cNvPr>
@@ -18062,7 +18118,7 @@
               <p:cNvPr id="26" name="TextBox 25">
                 <a:extLst>
                   <a:ext uri="{FF2B5EF4-FFF2-40B4-BE49-F238E27FC236}">
-                    <a16:creationId xmlns:a16="http://schemas.microsoft.com/office/drawing/2014/main" xmlns="" id="{4C456F18-AA04-4135-AED2-7569217695DC}"/>
+                    <a16:creationId xmlns="" xmlns:a16="http://schemas.microsoft.com/office/drawing/2014/main" id="{4C456F18-AA04-4135-AED2-7569217695DC}"/>
                   </a:ext>
                 </a:extLst>
               </p:cNvPr>
@@ -18185,7 +18241,7 @@
               <p:cNvPr id="21" name="TextBox 20">
                 <a:extLst>
                   <a:ext uri="{FF2B5EF4-FFF2-40B4-BE49-F238E27FC236}">
-                    <a16:creationId xmlns:a16="http://schemas.microsoft.com/office/drawing/2014/main" xmlns="" id="{7F1A4031-C0F9-4078-B611-60510E555779}"/>
+                    <a16:creationId xmlns="" xmlns:a16="http://schemas.microsoft.com/office/drawing/2014/main" id="{7F1A4031-C0F9-4078-B611-60510E555779}"/>
                   </a:ext>
                 </a:extLst>
               </p:cNvPr>
@@ -18298,7 +18354,7 @@
           <p:cNvPr id="27" name="원호 26">
             <a:extLst>
               <a:ext uri="{FF2B5EF4-FFF2-40B4-BE49-F238E27FC236}">
-                <a16:creationId xmlns:a16="http://schemas.microsoft.com/office/drawing/2014/main" xmlns="" id="{73F2FA99-BAB3-4AEA-A0D4-FFD161E5142F}"/>
+                <a16:creationId xmlns="" xmlns:a16="http://schemas.microsoft.com/office/drawing/2014/main" id="{73F2FA99-BAB3-4AEA-A0D4-FFD161E5142F}"/>
               </a:ext>
             </a:extLst>
           </p:cNvPr>

--- a/그림.pptx
+++ b/그림.pptx
@@ -314,7 +314,7 @@
           <a:p>
             <a:fld id="{586A42AD-E6DF-43A8-BCEE-31B231F72482}" type="datetimeFigureOut">
               <a:rPr lang="ko-KR" altLang="en-US" smtClean="0"/>
-              <a:t>2022-12-27</a:t>
+              <a:t>2023-01-02</a:t>
             </a:fld>
             <a:endParaRPr lang="ko-KR" altLang="en-US"/>
           </a:p>
@@ -482,7 +482,7 @@
           <a:p>
             <a:fld id="{586A42AD-E6DF-43A8-BCEE-31B231F72482}" type="datetimeFigureOut">
               <a:rPr lang="ko-KR" altLang="en-US" smtClean="0"/>
-              <a:t>2022-12-27</a:t>
+              <a:t>2023-01-02</a:t>
             </a:fld>
             <a:endParaRPr lang="ko-KR" altLang="en-US"/>
           </a:p>
@@ -660,7 +660,7 @@
           <a:p>
             <a:fld id="{586A42AD-E6DF-43A8-BCEE-31B231F72482}" type="datetimeFigureOut">
               <a:rPr lang="ko-KR" altLang="en-US" smtClean="0"/>
-              <a:t>2022-12-27</a:t>
+              <a:t>2023-01-02</a:t>
             </a:fld>
             <a:endParaRPr lang="ko-KR" altLang="en-US"/>
           </a:p>
@@ -828,7 +828,7 @@
           <a:p>
             <a:fld id="{586A42AD-E6DF-43A8-BCEE-31B231F72482}" type="datetimeFigureOut">
               <a:rPr lang="ko-KR" altLang="en-US" smtClean="0"/>
-              <a:t>2022-12-27</a:t>
+              <a:t>2023-01-02</a:t>
             </a:fld>
             <a:endParaRPr lang="ko-KR" altLang="en-US"/>
           </a:p>
@@ -1073,7 +1073,7 @@
           <a:p>
             <a:fld id="{586A42AD-E6DF-43A8-BCEE-31B231F72482}" type="datetimeFigureOut">
               <a:rPr lang="ko-KR" altLang="en-US" smtClean="0"/>
-              <a:t>2022-12-27</a:t>
+              <a:t>2023-01-02</a:t>
             </a:fld>
             <a:endParaRPr lang="ko-KR" altLang="en-US"/>
           </a:p>
@@ -1302,7 +1302,7 @@
           <a:p>
             <a:fld id="{586A42AD-E6DF-43A8-BCEE-31B231F72482}" type="datetimeFigureOut">
               <a:rPr lang="ko-KR" altLang="en-US" smtClean="0"/>
-              <a:t>2022-12-27</a:t>
+              <a:t>2023-01-02</a:t>
             </a:fld>
             <a:endParaRPr lang="ko-KR" altLang="en-US"/>
           </a:p>
@@ -1666,7 +1666,7 @@
           <a:p>
             <a:fld id="{586A42AD-E6DF-43A8-BCEE-31B231F72482}" type="datetimeFigureOut">
               <a:rPr lang="ko-KR" altLang="en-US" smtClean="0"/>
-              <a:t>2022-12-27</a:t>
+              <a:t>2023-01-02</a:t>
             </a:fld>
             <a:endParaRPr lang="ko-KR" altLang="en-US"/>
           </a:p>
@@ -1783,7 +1783,7 @@
           <a:p>
             <a:fld id="{586A42AD-E6DF-43A8-BCEE-31B231F72482}" type="datetimeFigureOut">
               <a:rPr lang="ko-KR" altLang="en-US" smtClean="0"/>
-              <a:t>2022-12-27</a:t>
+              <a:t>2023-01-02</a:t>
             </a:fld>
             <a:endParaRPr lang="ko-KR" altLang="en-US"/>
           </a:p>
@@ -1878,7 +1878,7 @@
           <a:p>
             <a:fld id="{586A42AD-E6DF-43A8-BCEE-31B231F72482}" type="datetimeFigureOut">
               <a:rPr lang="ko-KR" altLang="en-US" smtClean="0"/>
-              <a:t>2022-12-27</a:t>
+              <a:t>2023-01-02</a:t>
             </a:fld>
             <a:endParaRPr lang="ko-KR" altLang="en-US"/>
           </a:p>
@@ -2153,7 +2153,7 @@
           <a:p>
             <a:fld id="{586A42AD-E6DF-43A8-BCEE-31B231F72482}" type="datetimeFigureOut">
               <a:rPr lang="ko-KR" altLang="en-US" smtClean="0"/>
-              <a:t>2022-12-27</a:t>
+              <a:t>2023-01-02</a:t>
             </a:fld>
             <a:endParaRPr lang="ko-KR" altLang="en-US"/>
           </a:p>
@@ -2405,7 +2405,7 @@
           <a:p>
             <a:fld id="{586A42AD-E6DF-43A8-BCEE-31B231F72482}" type="datetimeFigureOut">
               <a:rPr lang="ko-KR" altLang="en-US" smtClean="0"/>
-              <a:t>2022-12-27</a:t>
+              <a:t>2023-01-02</a:t>
             </a:fld>
             <a:endParaRPr lang="ko-KR" altLang="en-US"/>
           </a:p>
@@ -2616,7 +2616,7 @@
           <a:p>
             <a:fld id="{586A42AD-E6DF-43A8-BCEE-31B231F72482}" type="datetimeFigureOut">
               <a:rPr lang="ko-KR" altLang="en-US" smtClean="0"/>
-              <a:t>2022-12-27</a:t>
+              <a:t>2023-01-02</a:t>
             </a:fld>
             <a:endParaRPr lang="ko-KR" altLang="en-US"/>
           </a:p>
@@ -11599,7 +11599,7 @@
           <p:cNvPr id="19" name="자유형: 도형 18">
             <a:extLst>
               <a:ext uri="{FF2B5EF4-FFF2-40B4-BE49-F238E27FC236}">
-                <a16:creationId xmlns="" xmlns:a16="http://schemas.microsoft.com/office/drawing/2014/main" id="{28DE563C-2016-4934-A4EE-657070DFAE5E}"/>
+                <a16:creationId xmlns:a16="http://schemas.microsoft.com/office/drawing/2014/main" id="{28DE563C-2016-4934-A4EE-657070DFAE5E}"/>
               </a:ext>
             </a:extLst>
           </p:cNvPr>
@@ -11691,7 +11691,7 @@
               <p:cNvPr id="22" name="TextBox 21">
                 <a:extLst>
                   <a:ext uri="{FF2B5EF4-FFF2-40B4-BE49-F238E27FC236}">
-                    <a16:creationId xmlns="" xmlns:a16="http://schemas.microsoft.com/office/drawing/2014/main" id="{702F36E8-3840-4F82-ACA9-0ADC9BF2CD7E}"/>
+                    <a16:creationId xmlns:a16="http://schemas.microsoft.com/office/drawing/2014/main" id="{702F36E8-3840-4F82-ACA9-0ADC9BF2CD7E}"/>
                   </a:ext>
                 </a:extLst>
               </p:cNvPr>
@@ -11812,7 +11812,7 @@
           <p:cNvPr id="23" name="자유형: 도형 22">
             <a:extLst>
               <a:ext uri="{FF2B5EF4-FFF2-40B4-BE49-F238E27FC236}">
-                <a16:creationId xmlns="" xmlns:a16="http://schemas.microsoft.com/office/drawing/2014/main" id="{D4262DC8-AC8F-4E4E-8F9A-78963014DDC7}"/>
+                <a16:creationId xmlns:a16="http://schemas.microsoft.com/office/drawing/2014/main" id="{D4262DC8-AC8F-4E4E-8F9A-78963014DDC7}"/>
               </a:ext>
             </a:extLst>
           </p:cNvPr>
@@ -11904,7 +11904,7 @@
               <p:cNvPr id="26" name="TextBox 25">
                 <a:extLst>
                   <a:ext uri="{FF2B5EF4-FFF2-40B4-BE49-F238E27FC236}">
-                    <a16:creationId xmlns="" xmlns:a16="http://schemas.microsoft.com/office/drawing/2014/main" id="{4C456F18-AA04-4135-AED2-7569217695DC}"/>
+                    <a16:creationId xmlns:a16="http://schemas.microsoft.com/office/drawing/2014/main" id="{4C456F18-AA04-4135-AED2-7569217695DC}"/>
                   </a:ext>
                 </a:extLst>
               </p:cNvPr>
@@ -12027,7 +12027,7 @@
               <p:cNvPr id="21" name="TextBox 20">
                 <a:extLst>
                   <a:ext uri="{FF2B5EF4-FFF2-40B4-BE49-F238E27FC236}">
-                    <a16:creationId xmlns="" xmlns:a16="http://schemas.microsoft.com/office/drawing/2014/main" id="{7F1A4031-C0F9-4078-B611-60510E555779}"/>
+                    <a16:creationId xmlns:a16="http://schemas.microsoft.com/office/drawing/2014/main" id="{7F1A4031-C0F9-4078-B611-60510E555779}"/>
                   </a:ext>
                 </a:extLst>
               </p:cNvPr>
@@ -12140,7 +12140,7 @@
           <p:cNvPr id="27" name="원호 26">
             <a:extLst>
               <a:ext uri="{FF2B5EF4-FFF2-40B4-BE49-F238E27FC236}">
-                <a16:creationId xmlns="" xmlns:a16="http://schemas.microsoft.com/office/drawing/2014/main" id="{73F2FA99-BAB3-4AEA-A0D4-FFD161E5142F}"/>
+                <a16:creationId xmlns:a16="http://schemas.microsoft.com/office/drawing/2014/main" id="{73F2FA99-BAB3-4AEA-A0D4-FFD161E5142F}"/>
               </a:ext>
             </a:extLst>
           </p:cNvPr>
@@ -12389,7 +12389,7 @@
           <a:lstStyle/>
           <a:p>
             <a:r>
-              <a:rPr lang="en-US" altLang="ko-KR" smtClean="0"/>
+              <a:rPr lang="en-US" altLang="ko-KR"/>
               <a:t>applied force</a:t>
             </a:r>
             <a:endParaRPr lang="ko-KR" altLang="en-US" dirty="0"/>
@@ -25390,7 +25390,7 @@
           <p:cNvPr id="71" name="자유형: 도형 18">
             <a:extLst>
               <a:ext uri="{FF2B5EF4-FFF2-40B4-BE49-F238E27FC236}">
-                <a16:creationId xmlns="" xmlns:a16="http://schemas.microsoft.com/office/drawing/2014/main" id="{28DE563C-2016-4934-A4EE-657070DFAE5E}"/>
+                <a16:creationId xmlns:a16="http://schemas.microsoft.com/office/drawing/2014/main" id="{28DE563C-2016-4934-A4EE-657070DFAE5E}"/>
               </a:ext>
             </a:extLst>
           </p:cNvPr>
@@ -25482,7 +25482,7 @@
               <p:cNvPr id="72" name="TextBox 71">
                 <a:extLst>
                   <a:ext uri="{FF2B5EF4-FFF2-40B4-BE49-F238E27FC236}">
-                    <a16:creationId xmlns="" xmlns:a16="http://schemas.microsoft.com/office/drawing/2014/main" id="{702F36E8-3840-4F82-ACA9-0ADC9BF2CD7E}"/>
+                    <a16:creationId xmlns:a16="http://schemas.microsoft.com/office/drawing/2014/main" id="{702F36E8-3840-4F82-ACA9-0ADC9BF2CD7E}"/>
                   </a:ext>
                 </a:extLst>
               </p:cNvPr>
@@ -25582,7 +25582,7 @@
           <p:cNvPr id="73" name="자유형: 도형 18">
             <a:extLst>
               <a:ext uri="{FF2B5EF4-FFF2-40B4-BE49-F238E27FC236}">
-                <a16:creationId xmlns="" xmlns:a16="http://schemas.microsoft.com/office/drawing/2014/main" id="{28DE563C-2016-4934-A4EE-657070DFAE5E}"/>
+                <a16:creationId xmlns:a16="http://schemas.microsoft.com/office/drawing/2014/main" id="{28DE563C-2016-4934-A4EE-657070DFAE5E}"/>
               </a:ext>
             </a:extLst>
           </p:cNvPr>
@@ -25674,7 +25674,7 @@
               <p:cNvPr id="74" name="TextBox 73">
                 <a:extLst>
                   <a:ext uri="{FF2B5EF4-FFF2-40B4-BE49-F238E27FC236}">
-                    <a16:creationId xmlns="" xmlns:a16="http://schemas.microsoft.com/office/drawing/2014/main" id="{702F36E8-3840-4F82-ACA9-0ADC9BF2CD7E}"/>
+                    <a16:creationId xmlns:a16="http://schemas.microsoft.com/office/drawing/2014/main" id="{702F36E8-3840-4F82-ACA9-0ADC9BF2CD7E}"/>
                   </a:ext>
                 </a:extLst>
               </p:cNvPr>
@@ -29969,7 +29969,7 @@
           <p:cNvPr id="4" name="내용 개체 틀 5">
             <a:extLst>
               <a:ext uri="{FF2B5EF4-FFF2-40B4-BE49-F238E27FC236}">
-                <a16:creationId xmlns:a16="http://schemas.microsoft.com/office/drawing/2014/main" xmlns="" id="{26E65B15-652C-471C-B503-9BD1A7ECA9FF}"/>
+                <a16:creationId xmlns:a16="http://schemas.microsoft.com/office/drawing/2014/main" id="{26E65B15-652C-471C-B503-9BD1A7ECA9FF}"/>
               </a:ext>
             </a:extLst>
           </p:cNvPr>
@@ -29998,7 +29998,7 @@
           <p:cNvPr id="5" name="그림 4">
             <a:extLst>
               <a:ext uri="{FF2B5EF4-FFF2-40B4-BE49-F238E27FC236}">
-                <a16:creationId xmlns:a16="http://schemas.microsoft.com/office/drawing/2014/main" xmlns="" id="{8D86471E-9C3A-40C3-8F27-66A11AC93C24}"/>
+                <a16:creationId xmlns:a16="http://schemas.microsoft.com/office/drawing/2014/main" id="{8D86471E-9C3A-40C3-8F27-66A11AC93C24}"/>
               </a:ext>
             </a:extLst>
           </p:cNvPr>
@@ -30077,7 +30077,7 @@
           <a:p>
             <a:pPr algn="ctr"/>
             <a:r>
-              <a:rPr lang="en-US" altLang="ko-KR" sz="13800" b="1" smtClean="0"/>
+              <a:rPr lang="en-US" altLang="ko-KR" sz="13800" b="1"/>
               <a:t>Bar</a:t>
             </a:r>
             <a:endParaRPr lang="ko-KR" altLang="en-US" sz="13800" b="1"/>
@@ -30909,8 +30909,8 @@
           </a:fontRef>
         </p:style>
       </p:cxnSp>
-      <mc:AlternateContent xmlns:mc="http://schemas.openxmlformats.org/markup-compatibility/2006" xmlns:a14="http://schemas.microsoft.com/office/drawing/2010/main">
-        <mc:Choice Requires="a14">
+      <mc:AlternateContent xmlns:mc="http://schemas.openxmlformats.org/markup-compatibility/2006">
+        <mc:Choice xmlns:a14="http://schemas.microsoft.com/office/drawing/2010/main" Requires="a14">
           <p:sp>
             <p:nvSpPr>
               <p:cNvPr id="55" name="TextBox 54"/>
@@ -30920,7 +30920,7 @@
             <p:spPr>
               <a:xfrm>
                 <a:off x="7368768" y="1742979"/>
-                <a:ext cx="1619931" cy="276999"/>
+                <a:ext cx="1422890" cy="276999"/>
               </a:xfrm>
               <a:prstGeom prst="rect">
                 <a:avLst/>
@@ -30949,31 +30949,12 @@
                           </m:ctrlPr>
                         </m:dPr>
                         <m:e>
-                          <m:sSub>
-                            <m:sSubPr>
-                              <m:ctrlPr>
-                                <a:rPr lang="en-US" altLang="ko-KR" b="0" i="1" smtClean="0">
-                                  <a:latin typeface="Cambria Math" panose="02040503050406030204" pitchFamily="18" charset="0"/>
-                                </a:rPr>
-                              </m:ctrlPr>
-                            </m:sSubPr>
-                            <m:e>
-                              <m:r>
-                                <a:rPr lang="en-US" altLang="ko-KR" b="0" i="1" smtClean="0">
-                                  <a:latin typeface="Cambria Math" panose="02040503050406030204" pitchFamily="18" charset="0"/>
-                                </a:rPr>
-                                <m:t>𝜎</m:t>
-                              </m:r>
-                            </m:e>
-                            <m:sub>
-                              <m:r>
-                                <a:rPr lang="en-US" altLang="ko-KR" b="0" i="1" smtClean="0">
-                                  <a:latin typeface="Cambria Math" panose="02040503050406030204" pitchFamily="18" charset="0"/>
-                                </a:rPr>
-                                <m:t>𝑥𝑥</m:t>
-                              </m:r>
-                            </m:sub>
-                          </m:sSub>
+                          <m:r>
+                            <a:rPr lang="en-US" altLang="ko-KR" i="1">
+                              <a:latin typeface="Cambria Math" panose="02040503050406030204" pitchFamily="18" charset="0"/>
+                            </a:rPr>
+                            <m:t>𝜎</m:t>
+                          </m:r>
                           <m:r>
                             <a:rPr lang="en-US" altLang="ko-KR" b="0" i="1" smtClean="0">
                               <a:latin typeface="Cambria Math" panose="02040503050406030204" pitchFamily="18" charset="0"/>
@@ -31020,7 +31001,7 @@
             </p:txBody>
           </p:sp>
         </mc:Choice>
-        <mc:Fallback xmlns="">
+        <mc:Fallback>
           <p:sp>
             <p:nvSpPr>
               <p:cNvPr id="55" name="TextBox 54"/>
@@ -31032,15 +31013,15 @@
             <p:spPr>
               <a:xfrm>
                 <a:off x="7368768" y="1742979"/>
-                <a:ext cx="1619931" cy="276999"/>
+                <a:ext cx="1422890" cy="276999"/>
               </a:xfrm>
               <a:prstGeom prst="rect">
                 <a:avLst/>
               </a:prstGeom>
-              <a:blipFill rotWithShape="0">
+              <a:blipFill>
                 <a:blip r:embed="rId2"/>
                 <a:stretch>
-                  <a:fillRect r="-3759" b="-40000"/>
+                  <a:fillRect r="-4721" b="-40000"/>
                 </a:stretch>
               </a:blipFill>
             </p:spPr>
@@ -31096,8 +31077,8 @@
           </a:fontRef>
         </p:style>
       </p:cxnSp>
-      <mc:AlternateContent xmlns:mc="http://schemas.openxmlformats.org/markup-compatibility/2006" xmlns:a14="http://schemas.microsoft.com/office/drawing/2010/main">
-        <mc:Choice Requires="a14">
+      <mc:AlternateContent xmlns:mc="http://schemas.openxmlformats.org/markup-compatibility/2006">
+        <mc:Choice xmlns:a14="http://schemas.microsoft.com/office/drawing/2010/main" Requires="a14">
           <p:sp>
             <p:nvSpPr>
               <p:cNvPr id="32" name="TextBox 31"/>
@@ -31107,7 +31088,7 @@
             <p:spPr>
               <a:xfrm>
                 <a:off x="2550677" y="1742980"/>
-                <a:ext cx="1075936" cy="276999"/>
+                <a:ext cx="878126" cy="276999"/>
               </a:xfrm>
               <a:prstGeom prst="rect">
                 <a:avLst/>
@@ -31136,31 +31117,12 @@
                           </m:ctrlPr>
                         </m:dPr>
                         <m:e>
-                          <m:sSub>
-                            <m:sSubPr>
-                              <m:ctrlPr>
-                                <a:rPr lang="en-US" altLang="ko-KR" b="0" i="1" smtClean="0">
-                                  <a:latin typeface="Cambria Math" panose="02040503050406030204" pitchFamily="18" charset="0"/>
-                                </a:rPr>
-                              </m:ctrlPr>
-                            </m:sSubPr>
-                            <m:e>
-                              <m:r>
-                                <a:rPr lang="en-US" altLang="ko-KR" b="0" i="1" smtClean="0">
-                                  <a:latin typeface="Cambria Math" panose="02040503050406030204" pitchFamily="18" charset="0"/>
-                                </a:rPr>
-                                <m:t>𝜎</m:t>
-                              </m:r>
-                            </m:e>
-                            <m:sub>
-                              <m:r>
-                                <a:rPr lang="en-US" altLang="ko-KR" b="0" i="1" smtClean="0">
-                                  <a:latin typeface="Cambria Math" panose="02040503050406030204" pitchFamily="18" charset="0"/>
-                                </a:rPr>
-                                <m:t>𝑥𝑥</m:t>
-                              </m:r>
-                            </m:sub>
-                          </m:sSub>
+                          <m:r>
+                            <a:rPr lang="en-US" altLang="ko-KR" i="1">
+                              <a:latin typeface="Cambria Math" panose="02040503050406030204" pitchFamily="18" charset="0"/>
+                            </a:rPr>
+                            <m:t>𝜎</m:t>
+                          </m:r>
                           <m:r>
                             <a:rPr lang="en-US" altLang="ko-KR" b="0" i="1" smtClean="0">
                               <a:latin typeface="Cambria Math" panose="02040503050406030204" pitchFamily="18" charset="0"/>
@@ -31194,7 +31156,7 @@
             </p:txBody>
           </p:sp>
         </mc:Choice>
-        <mc:Fallback xmlns="">
+        <mc:Fallback>
           <p:sp>
             <p:nvSpPr>
               <p:cNvPr id="32" name="TextBox 31"/>
@@ -31206,15 +31168,15 @@
             <p:spPr>
               <a:xfrm>
                 <a:off x="2550677" y="1742980"/>
-                <a:ext cx="1075936" cy="276999"/>
+                <a:ext cx="878126" cy="276999"/>
               </a:xfrm>
               <a:prstGeom prst="rect">
                 <a:avLst/>
               </a:prstGeom>
-              <a:blipFill rotWithShape="0">
+              <a:blipFill>
                 <a:blip r:embed="rId3"/>
                 <a:stretch>
-                  <a:fillRect b="-15556"/>
+                  <a:fillRect b="-11111"/>
                 </a:stretch>
               </a:blipFill>
             </p:spPr>
@@ -31360,8 +31322,8 @@
           </a:fontRef>
         </p:style>
       </p:cxnSp>
-      <mc:AlternateContent xmlns:mc="http://schemas.openxmlformats.org/markup-compatibility/2006" xmlns:a14="http://schemas.microsoft.com/office/drawing/2010/main">
-        <mc:Choice Requires="a14">
+      <mc:AlternateContent xmlns:mc="http://schemas.openxmlformats.org/markup-compatibility/2006">
+        <mc:Choice xmlns:a14="http://schemas.microsoft.com/office/drawing/2010/main" Requires="a14">
           <p:sp>
             <p:nvSpPr>
               <p:cNvPr id="35" name="TextBox 34"/>
@@ -31371,7 +31333,7 @@
             <p:spPr>
               <a:xfrm>
                 <a:off x="5075934" y="1105571"/>
-                <a:ext cx="537134" cy="276999"/>
+                <a:ext cx="534826" cy="276999"/>
               </a:xfrm>
               <a:prstGeom prst="rect">
                 <a:avLst/>
@@ -31395,7 +31357,7 @@
                         <a:rPr lang="en-US" altLang="ko-KR" b="0" i="1" smtClean="0">
                           <a:latin typeface="Cambria Math" panose="02040503050406030204" pitchFamily="18" charset="0"/>
                         </a:rPr>
-                        <m:t>𝑓</m:t>
+                        <m:t>𝑝</m:t>
                       </m:r>
                       <m:d>
                         <m:dPr>
@@ -31422,7 +31384,7 @@
             </p:txBody>
           </p:sp>
         </mc:Choice>
-        <mc:Fallback xmlns="">
+        <mc:Fallback>
           <p:sp>
             <p:nvSpPr>
               <p:cNvPr id="35" name="TextBox 34"/>
@@ -31434,15 +31396,15 @@
             <p:spPr>
               <a:xfrm>
                 <a:off x="5075934" y="1105571"/>
-                <a:ext cx="537134" cy="276999"/>
+                <a:ext cx="534826" cy="276999"/>
               </a:xfrm>
               <a:prstGeom prst="rect">
                 <a:avLst/>
               </a:prstGeom>
-              <a:blipFill rotWithShape="0">
+              <a:blipFill>
                 <a:blip r:embed="rId5"/>
                 <a:stretch>
-                  <a:fillRect l="-12500" b="-36957"/>
+                  <a:fillRect l="-8046" b="-28261"/>
                 </a:stretch>
               </a:blipFill>
             </p:spPr>
@@ -34858,7 +34820,7 @@
           <p:cNvPr id="27" name="직선 화살표 연결선 26">
             <a:extLst>
               <a:ext uri="{FF2B5EF4-FFF2-40B4-BE49-F238E27FC236}">
-                <a16:creationId xmlns="" xmlns:a16="http://schemas.microsoft.com/office/drawing/2014/main" id="{C93B29A1-F190-44D3-A9D0-DFAD4F83776E}"/>
+                <a16:creationId xmlns:a16="http://schemas.microsoft.com/office/drawing/2014/main" id="{C93B29A1-F190-44D3-A9D0-DFAD4F83776E}"/>
               </a:ext>
             </a:extLst>
           </p:cNvPr>
@@ -34904,7 +34866,7 @@
               <p:cNvPr id="28" name="TextBox 27">
                 <a:extLst>
                   <a:ext uri="{FF2B5EF4-FFF2-40B4-BE49-F238E27FC236}">
-                    <a16:creationId xmlns="" xmlns:a16="http://schemas.microsoft.com/office/drawing/2014/main" id="{07B5ABC4-CAA0-493B-ACDF-C42A51522079}"/>
+                    <a16:creationId xmlns:a16="http://schemas.microsoft.com/office/drawing/2014/main" id="{07B5ABC4-CAA0-493B-ACDF-C42A51522079}"/>
                   </a:ext>
                 </a:extLst>
               </p:cNvPr>
@@ -35017,7 +34979,7 @@
           <p:cNvPr id="29" name="직선 화살표 연결선 28">
             <a:extLst>
               <a:ext uri="{FF2B5EF4-FFF2-40B4-BE49-F238E27FC236}">
-                <a16:creationId xmlns="" xmlns:a16="http://schemas.microsoft.com/office/drawing/2014/main" id="{782BF86B-4207-4FE7-8DAC-CEB1861B292A}"/>
+                <a16:creationId xmlns:a16="http://schemas.microsoft.com/office/drawing/2014/main" id="{782BF86B-4207-4FE7-8DAC-CEB1861B292A}"/>
               </a:ext>
             </a:extLst>
           </p:cNvPr>
@@ -35063,7 +35025,7 @@
               <p:cNvPr id="32" name="TextBox 31">
                 <a:extLst>
                   <a:ext uri="{FF2B5EF4-FFF2-40B4-BE49-F238E27FC236}">
-                    <a16:creationId xmlns="" xmlns:a16="http://schemas.microsoft.com/office/drawing/2014/main" id="{5DB3AE05-D351-4E8F-8481-E70A4D8B443E}"/>
+                    <a16:creationId xmlns:a16="http://schemas.microsoft.com/office/drawing/2014/main" id="{5DB3AE05-D351-4E8F-8481-E70A4D8B443E}"/>
                   </a:ext>
                 </a:extLst>
               </p:cNvPr>
@@ -35157,7 +35119,7 @@
           <p:cNvPr id="33" name="직선 화살표 연결선 32">
             <a:extLst>
               <a:ext uri="{FF2B5EF4-FFF2-40B4-BE49-F238E27FC236}">
-                <a16:creationId xmlns="" xmlns:a16="http://schemas.microsoft.com/office/drawing/2014/main" id="{F5FC4C0A-B591-4F3B-BD15-9D9E5EC72772}"/>
+                <a16:creationId xmlns:a16="http://schemas.microsoft.com/office/drawing/2014/main" id="{F5FC4C0A-B591-4F3B-BD15-9D9E5EC72772}"/>
               </a:ext>
             </a:extLst>
           </p:cNvPr>
@@ -35203,7 +35165,7 @@
               <p:cNvPr id="38" name="TextBox 37">
                 <a:extLst>
                   <a:ext uri="{FF2B5EF4-FFF2-40B4-BE49-F238E27FC236}">
-                    <a16:creationId xmlns="" xmlns:a16="http://schemas.microsoft.com/office/drawing/2014/main" id="{EC18DB71-3399-4E5E-B321-6A9670FF95D7}"/>
+                    <a16:creationId xmlns:a16="http://schemas.microsoft.com/office/drawing/2014/main" id="{EC18DB71-3399-4E5E-B321-6A9670FF95D7}"/>
                   </a:ext>
                 </a:extLst>
               </p:cNvPr>
@@ -35824,7 +35786,7 @@
           <p:cNvPr id="9" name="그룹 8">
             <a:extLst>
               <a:ext uri="{FF2B5EF4-FFF2-40B4-BE49-F238E27FC236}">
-                <a16:creationId xmlns="" xmlns:a16="http://schemas.microsoft.com/office/drawing/2014/main" id="{F54825A1-879E-45C3-84C9-39758CFBC1AD}"/>
+                <a16:creationId xmlns:a16="http://schemas.microsoft.com/office/drawing/2014/main" id="{F54825A1-879E-45C3-84C9-39758CFBC1AD}"/>
               </a:ext>
             </a:extLst>
           </p:cNvPr>
@@ -36247,7 +36209,7 @@
           <p:cNvPr id="19" name="자유형: 도형 18">
             <a:extLst>
               <a:ext uri="{FF2B5EF4-FFF2-40B4-BE49-F238E27FC236}">
-                <a16:creationId xmlns="" xmlns:a16="http://schemas.microsoft.com/office/drawing/2014/main" id="{28DE563C-2016-4934-A4EE-657070DFAE5E}"/>
+                <a16:creationId xmlns:a16="http://schemas.microsoft.com/office/drawing/2014/main" id="{28DE563C-2016-4934-A4EE-657070DFAE5E}"/>
               </a:ext>
             </a:extLst>
           </p:cNvPr>
@@ -36339,7 +36301,7 @@
               <p:cNvPr id="22" name="TextBox 21">
                 <a:extLst>
                   <a:ext uri="{FF2B5EF4-FFF2-40B4-BE49-F238E27FC236}">
-                    <a16:creationId xmlns="" xmlns:a16="http://schemas.microsoft.com/office/drawing/2014/main" id="{702F36E8-3840-4F82-ACA9-0ADC9BF2CD7E}"/>
+                    <a16:creationId xmlns:a16="http://schemas.microsoft.com/office/drawing/2014/main" id="{702F36E8-3840-4F82-ACA9-0ADC9BF2CD7E}"/>
                   </a:ext>
                 </a:extLst>
               </p:cNvPr>
@@ -36460,7 +36422,7 @@
           <p:cNvPr id="23" name="자유형: 도형 22">
             <a:extLst>
               <a:ext uri="{FF2B5EF4-FFF2-40B4-BE49-F238E27FC236}">
-                <a16:creationId xmlns="" xmlns:a16="http://schemas.microsoft.com/office/drawing/2014/main" id="{D4262DC8-AC8F-4E4E-8F9A-78963014DDC7}"/>
+                <a16:creationId xmlns:a16="http://schemas.microsoft.com/office/drawing/2014/main" id="{D4262DC8-AC8F-4E4E-8F9A-78963014DDC7}"/>
               </a:ext>
             </a:extLst>
           </p:cNvPr>
@@ -36552,7 +36514,7 @@
               <p:cNvPr id="26" name="TextBox 25">
                 <a:extLst>
                   <a:ext uri="{FF2B5EF4-FFF2-40B4-BE49-F238E27FC236}">
-                    <a16:creationId xmlns="" xmlns:a16="http://schemas.microsoft.com/office/drawing/2014/main" id="{4C456F18-AA04-4135-AED2-7569217695DC}"/>
+                    <a16:creationId xmlns:a16="http://schemas.microsoft.com/office/drawing/2014/main" id="{4C456F18-AA04-4135-AED2-7569217695DC}"/>
                   </a:ext>
                 </a:extLst>
               </p:cNvPr>

--- a/그림.pptx
+++ b/그림.pptx
@@ -11,35 +11,36 @@
     <p:sldId id="287" r:id="rId5"/>
     <p:sldId id="286" r:id="rId6"/>
     <p:sldId id="283" r:id="rId7"/>
-    <p:sldId id="291" r:id="rId8"/>
-    <p:sldId id="289" r:id="rId9"/>
-    <p:sldId id="292" r:id="rId10"/>
-    <p:sldId id="293" r:id="rId11"/>
-    <p:sldId id="260" r:id="rId12"/>
-    <p:sldId id="262" r:id="rId13"/>
-    <p:sldId id="261" r:id="rId14"/>
-    <p:sldId id="263" r:id="rId15"/>
-    <p:sldId id="282" r:id="rId16"/>
-    <p:sldId id="274" r:id="rId17"/>
-    <p:sldId id="275" r:id="rId18"/>
-    <p:sldId id="256" r:id="rId19"/>
-    <p:sldId id="257" r:id="rId20"/>
-    <p:sldId id="265" r:id="rId21"/>
-    <p:sldId id="267" r:id="rId22"/>
-    <p:sldId id="268" r:id="rId23"/>
-    <p:sldId id="269" r:id="rId24"/>
-    <p:sldId id="270" r:id="rId25"/>
-    <p:sldId id="271" r:id="rId26"/>
-    <p:sldId id="276" r:id="rId27"/>
-    <p:sldId id="277" r:id="rId28"/>
-    <p:sldId id="278" r:id="rId29"/>
-    <p:sldId id="279" r:id="rId30"/>
-    <p:sldId id="280" r:id="rId31"/>
-    <p:sldId id="272" r:id="rId32"/>
-    <p:sldId id="259" r:id="rId33"/>
-    <p:sldId id="264" r:id="rId34"/>
-    <p:sldId id="273" r:id="rId35"/>
-    <p:sldId id="281" r:id="rId36"/>
+    <p:sldId id="294" r:id="rId8"/>
+    <p:sldId id="291" r:id="rId9"/>
+    <p:sldId id="289" r:id="rId10"/>
+    <p:sldId id="292" r:id="rId11"/>
+    <p:sldId id="293" r:id="rId12"/>
+    <p:sldId id="260" r:id="rId13"/>
+    <p:sldId id="262" r:id="rId14"/>
+    <p:sldId id="261" r:id="rId15"/>
+    <p:sldId id="263" r:id="rId16"/>
+    <p:sldId id="282" r:id="rId17"/>
+    <p:sldId id="274" r:id="rId18"/>
+    <p:sldId id="275" r:id="rId19"/>
+    <p:sldId id="256" r:id="rId20"/>
+    <p:sldId id="257" r:id="rId21"/>
+    <p:sldId id="265" r:id="rId22"/>
+    <p:sldId id="267" r:id="rId23"/>
+    <p:sldId id="268" r:id="rId24"/>
+    <p:sldId id="269" r:id="rId25"/>
+    <p:sldId id="270" r:id="rId26"/>
+    <p:sldId id="271" r:id="rId27"/>
+    <p:sldId id="276" r:id="rId28"/>
+    <p:sldId id="277" r:id="rId29"/>
+    <p:sldId id="278" r:id="rId30"/>
+    <p:sldId id="279" r:id="rId31"/>
+    <p:sldId id="280" r:id="rId32"/>
+    <p:sldId id="272" r:id="rId33"/>
+    <p:sldId id="259" r:id="rId34"/>
+    <p:sldId id="264" r:id="rId35"/>
+    <p:sldId id="273" r:id="rId36"/>
+    <p:sldId id="281" r:id="rId37"/>
   </p:sldIdLst>
   <p:sldSz cx="12192000" cy="6858000"/>
   <p:notesSz cx="6858000" cy="9144000"/>
@@ -149,6 +150,7 @@
             <p14:sldId id="287"/>
             <p14:sldId id="286"/>
             <p14:sldId id="283"/>
+            <p14:sldId id="294"/>
             <p14:sldId id="291"/>
             <p14:sldId id="289"/>
             <p14:sldId id="292"/>
@@ -322,7 +324,7 @@
           <a:p>
             <a:fld id="{586A42AD-E6DF-43A8-BCEE-31B231F72482}" type="datetimeFigureOut">
               <a:rPr lang="ko-KR" altLang="en-US" smtClean="0"/>
-              <a:t>2023-01-05</a:t>
+              <a:t>2023-01-09</a:t>
             </a:fld>
             <a:endParaRPr lang="ko-KR" altLang="en-US"/>
           </a:p>
@@ -490,7 +492,7 @@
           <a:p>
             <a:fld id="{586A42AD-E6DF-43A8-BCEE-31B231F72482}" type="datetimeFigureOut">
               <a:rPr lang="ko-KR" altLang="en-US" smtClean="0"/>
-              <a:t>2023-01-05</a:t>
+              <a:t>2023-01-09</a:t>
             </a:fld>
             <a:endParaRPr lang="ko-KR" altLang="en-US"/>
           </a:p>
@@ -668,7 +670,7 @@
           <a:p>
             <a:fld id="{586A42AD-E6DF-43A8-BCEE-31B231F72482}" type="datetimeFigureOut">
               <a:rPr lang="ko-KR" altLang="en-US" smtClean="0"/>
-              <a:t>2023-01-05</a:t>
+              <a:t>2023-01-09</a:t>
             </a:fld>
             <a:endParaRPr lang="ko-KR" altLang="en-US"/>
           </a:p>
@@ -836,7 +838,7 @@
           <a:p>
             <a:fld id="{586A42AD-E6DF-43A8-BCEE-31B231F72482}" type="datetimeFigureOut">
               <a:rPr lang="ko-KR" altLang="en-US" smtClean="0"/>
-              <a:t>2023-01-05</a:t>
+              <a:t>2023-01-09</a:t>
             </a:fld>
             <a:endParaRPr lang="ko-KR" altLang="en-US"/>
           </a:p>
@@ -1081,7 +1083,7 @@
           <a:p>
             <a:fld id="{586A42AD-E6DF-43A8-BCEE-31B231F72482}" type="datetimeFigureOut">
               <a:rPr lang="ko-KR" altLang="en-US" smtClean="0"/>
-              <a:t>2023-01-05</a:t>
+              <a:t>2023-01-09</a:t>
             </a:fld>
             <a:endParaRPr lang="ko-KR" altLang="en-US"/>
           </a:p>
@@ -1310,7 +1312,7 @@
           <a:p>
             <a:fld id="{586A42AD-E6DF-43A8-BCEE-31B231F72482}" type="datetimeFigureOut">
               <a:rPr lang="ko-KR" altLang="en-US" smtClean="0"/>
-              <a:t>2023-01-05</a:t>
+              <a:t>2023-01-09</a:t>
             </a:fld>
             <a:endParaRPr lang="ko-KR" altLang="en-US"/>
           </a:p>
@@ -1674,7 +1676,7 @@
           <a:p>
             <a:fld id="{586A42AD-E6DF-43A8-BCEE-31B231F72482}" type="datetimeFigureOut">
               <a:rPr lang="ko-KR" altLang="en-US" smtClean="0"/>
-              <a:t>2023-01-05</a:t>
+              <a:t>2023-01-09</a:t>
             </a:fld>
             <a:endParaRPr lang="ko-KR" altLang="en-US"/>
           </a:p>
@@ -1791,7 +1793,7 @@
           <a:p>
             <a:fld id="{586A42AD-E6DF-43A8-BCEE-31B231F72482}" type="datetimeFigureOut">
               <a:rPr lang="ko-KR" altLang="en-US" smtClean="0"/>
-              <a:t>2023-01-05</a:t>
+              <a:t>2023-01-09</a:t>
             </a:fld>
             <a:endParaRPr lang="ko-KR" altLang="en-US"/>
           </a:p>
@@ -1886,7 +1888,7 @@
           <a:p>
             <a:fld id="{586A42AD-E6DF-43A8-BCEE-31B231F72482}" type="datetimeFigureOut">
               <a:rPr lang="ko-KR" altLang="en-US" smtClean="0"/>
-              <a:t>2023-01-05</a:t>
+              <a:t>2023-01-09</a:t>
             </a:fld>
             <a:endParaRPr lang="ko-KR" altLang="en-US"/>
           </a:p>
@@ -2161,7 +2163,7 @@
           <a:p>
             <a:fld id="{586A42AD-E6DF-43A8-BCEE-31B231F72482}" type="datetimeFigureOut">
               <a:rPr lang="ko-KR" altLang="en-US" smtClean="0"/>
-              <a:t>2023-01-05</a:t>
+              <a:t>2023-01-09</a:t>
             </a:fld>
             <a:endParaRPr lang="ko-KR" altLang="en-US"/>
           </a:p>
@@ -2413,7 +2415,7 @@
           <a:p>
             <a:fld id="{586A42AD-E6DF-43A8-BCEE-31B231F72482}" type="datetimeFigureOut">
               <a:rPr lang="ko-KR" altLang="en-US" smtClean="0"/>
-              <a:t>2023-01-05</a:t>
+              <a:t>2023-01-09</a:t>
             </a:fld>
             <a:endParaRPr lang="ko-KR" altLang="en-US"/>
           </a:p>
@@ -2624,7 +2626,7 @@
           <a:p>
             <a:fld id="{586A42AD-E6DF-43A8-BCEE-31B231F72482}" type="datetimeFigureOut">
               <a:rPr lang="ko-KR" altLang="en-US" smtClean="0"/>
-              <a:t>2023-01-05</a:t>
+              <a:t>2023-01-09</a:t>
             </a:fld>
             <a:endParaRPr lang="ko-KR" altLang="en-US"/>
           </a:p>
@@ -10875,6 +10877,67 @@
       </p:grpSpPr>
       <p:sp>
         <p:nvSpPr>
+          <p:cNvPr id="2" name="제목 1"/>
+          <p:cNvSpPr>
+            <a:spLocks noGrp="1"/>
+          </p:cNvSpPr>
+          <p:nvPr>
+            <p:ph type="title"/>
+          </p:nvPr>
+        </p:nvSpPr>
+        <p:spPr>
+          <a:xfrm>
+            <a:off x="884695" y="2658874"/>
+            <a:ext cx="10515600" cy="1325563"/>
+          </a:xfrm>
+        </p:spPr>
+        <p:txBody>
+          <a:bodyPr>
+            <a:noAutofit/>
+          </a:bodyPr>
+          <a:lstStyle/>
+          <a:p>
+            <a:pPr algn="ctr"/>
+            <a:r>
+              <a:rPr lang="en-US" altLang="ko-KR" sz="13800" b="1" smtClean="0"/>
+              <a:t>Composite Shell</a:t>
+            </a:r>
+            <a:endParaRPr lang="ko-KR" altLang="en-US" sz="13800" b="1"/>
+          </a:p>
+        </p:txBody>
+      </p:sp>
+    </p:spTree>
+    <p:extLst>
+      <p:ext uri="{BB962C8B-B14F-4D97-AF65-F5344CB8AC3E}">
+        <p14:creationId xmlns:p14="http://schemas.microsoft.com/office/powerpoint/2010/main" val="4191110846"/>
+      </p:ext>
+    </p:extLst>
+  </p:cSld>
+  <p:clrMapOvr>
+    <a:masterClrMapping/>
+  </p:clrMapOvr>
+</p:sld>
+</file>
+
+<file path=ppt/slides/slide11.xml><?xml version="1.0" encoding="utf-8"?>
+<p:sld xmlns:a="http://schemas.openxmlformats.org/drawingml/2006/main" xmlns:r="http://schemas.openxmlformats.org/officeDocument/2006/relationships" xmlns:p="http://schemas.openxmlformats.org/presentationml/2006/main">
+  <p:cSld>
+    <p:spTree>
+      <p:nvGrpSpPr>
+        <p:cNvPr id="1" name=""/>
+        <p:cNvGrpSpPr/>
+        <p:nvPr/>
+      </p:nvGrpSpPr>
+      <p:grpSpPr>
+        <a:xfrm>
+          <a:off x="0" y="0"/>
+          <a:ext cx="0" cy="0"/>
+          <a:chOff x="0" y="0"/>
+          <a:chExt cx="0" cy="0"/>
+        </a:xfrm>
+      </p:grpSpPr>
+      <p:sp>
+        <p:nvSpPr>
           <p:cNvPr id="5" name="곱셈 기호 4"/>
           <p:cNvSpPr/>
           <p:nvPr/>
@@ -13187,7 +13250,6 @@
           </a:bodyPr>
           <a:lstStyle/>
           <a:p>
-            <a:pPr/>
             <a:r>
               <a:rPr lang="en-US" altLang="ko-KR" smtClean="0"/>
               <a:t>Layer1</a:t>
@@ -13218,7 +13280,6 @@
           </a:bodyPr>
           <a:lstStyle/>
           <a:p>
-            <a:pPr/>
             <a:r>
               <a:rPr lang="en-US" altLang="ko-KR" smtClean="0"/>
               <a:t>Layer2</a:t>
@@ -13249,7 +13310,6 @@
           </a:bodyPr>
           <a:lstStyle/>
           <a:p>
-            <a:pPr/>
             <a:r>
               <a:rPr lang="en-US" altLang="ko-KR" smtClean="0"/>
               <a:t>Layer3</a:t>
@@ -13271,7 +13331,7 @@
 </p:sld>
 </file>
 
-<file path=ppt/slides/slide11.xml><?xml version="1.0" encoding="utf-8"?>
+<file path=ppt/slides/slide12.xml><?xml version="1.0" encoding="utf-8"?>
 <p:sld xmlns:a="http://schemas.openxmlformats.org/drawingml/2006/main" xmlns:r="http://schemas.openxmlformats.org/officeDocument/2006/relationships" xmlns:p="http://schemas.openxmlformats.org/presentationml/2006/main">
   <p:cSld>
     <p:spTree>
@@ -14967,7 +15027,7 @@
 </p:sld>
 </file>
 
-<file path=ppt/slides/slide12.xml><?xml version="1.0" encoding="utf-8"?>
+<file path=ppt/slides/slide13.xml><?xml version="1.0" encoding="utf-8"?>
 <p:sld xmlns:a="http://schemas.openxmlformats.org/drawingml/2006/main" xmlns:r="http://schemas.openxmlformats.org/officeDocument/2006/relationships" xmlns:p="http://schemas.openxmlformats.org/presentationml/2006/main">
   <p:cSld>
     <p:spTree>
@@ -15682,7 +15742,7 @@
           <p:cNvPr id="27" name="직선 화살표 연결선 26">
             <a:extLst>
               <a:ext uri="{FF2B5EF4-FFF2-40B4-BE49-F238E27FC236}">
-                <a16:creationId xmlns:a16="http://schemas.microsoft.com/office/drawing/2014/main" xmlns="" id="{C93B29A1-F190-44D3-A9D0-DFAD4F83776E}"/>
+                <a16:creationId xmlns="" xmlns:a16="http://schemas.microsoft.com/office/drawing/2014/main" id="{C93B29A1-F190-44D3-A9D0-DFAD4F83776E}"/>
               </a:ext>
             </a:extLst>
           </p:cNvPr>
@@ -15728,7 +15788,7 @@
               <p:cNvPr id="28" name="TextBox 27">
                 <a:extLst>
                   <a:ext uri="{FF2B5EF4-FFF2-40B4-BE49-F238E27FC236}">
-                    <a16:creationId xmlns:a16="http://schemas.microsoft.com/office/drawing/2014/main" xmlns="" id="{07B5ABC4-CAA0-493B-ACDF-C42A51522079}"/>
+                    <a16:creationId xmlns="" xmlns:a16="http://schemas.microsoft.com/office/drawing/2014/main" id="{07B5ABC4-CAA0-493B-ACDF-C42A51522079}"/>
                   </a:ext>
                 </a:extLst>
               </p:cNvPr>
@@ -15841,7 +15901,7 @@
           <p:cNvPr id="29" name="직선 화살표 연결선 28">
             <a:extLst>
               <a:ext uri="{FF2B5EF4-FFF2-40B4-BE49-F238E27FC236}">
-                <a16:creationId xmlns:a16="http://schemas.microsoft.com/office/drawing/2014/main" xmlns="" id="{782BF86B-4207-4FE7-8DAC-CEB1861B292A}"/>
+                <a16:creationId xmlns="" xmlns:a16="http://schemas.microsoft.com/office/drawing/2014/main" id="{782BF86B-4207-4FE7-8DAC-CEB1861B292A}"/>
               </a:ext>
             </a:extLst>
           </p:cNvPr>
@@ -15887,7 +15947,7 @@
               <p:cNvPr id="32" name="TextBox 31">
                 <a:extLst>
                   <a:ext uri="{FF2B5EF4-FFF2-40B4-BE49-F238E27FC236}">
-                    <a16:creationId xmlns:a16="http://schemas.microsoft.com/office/drawing/2014/main" xmlns="" id="{5DB3AE05-D351-4E8F-8481-E70A4D8B443E}"/>
+                    <a16:creationId xmlns="" xmlns:a16="http://schemas.microsoft.com/office/drawing/2014/main" id="{5DB3AE05-D351-4E8F-8481-E70A4D8B443E}"/>
                   </a:ext>
                 </a:extLst>
               </p:cNvPr>
@@ -15981,7 +16041,7 @@
           <p:cNvPr id="33" name="직선 화살표 연결선 32">
             <a:extLst>
               <a:ext uri="{FF2B5EF4-FFF2-40B4-BE49-F238E27FC236}">
-                <a16:creationId xmlns:a16="http://schemas.microsoft.com/office/drawing/2014/main" xmlns="" id="{F5FC4C0A-B591-4F3B-BD15-9D9E5EC72772}"/>
+                <a16:creationId xmlns="" xmlns:a16="http://schemas.microsoft.com/office/drawing/2014/main" id="{F5FC4C0A-B591-4F3B-BD15-9D9E5EC72772}"/>
               </a:ext>
             </a:extLst>
           </p:cNvPr>
@@ -16027,7 +16087,7 @@
               <p:cNvPr id="38" name="TextBox 37">
                 <a:extLst>
                   <a:ext uri="{FF2B5EF4-FFF2-40B4-BE49-F238E27FC236}">
-                    <a16:creationId xmlns:a16="http://schemas.microsoft.com/office/drawing/2014/main" xmlns="" id="{EC18DB71-3399-4E5E-B321-6A9670FF95D7}"/>
+                    <a16:creationId xmlns="" xmlns:a16="http://schemas.microsoft.com/office/drawing/2014/main" id="{EC18DB71-3399-4E5E-B321-6A9670FF95D7}"/>
                   </a:ext>
                 </a:extLst>
               </p:cNvPr>
@@ -16148,7 +16208,7 @@
 </p:sld>
 </file>
 
-<file path=ppt/slides/slide13.xml><?xml version="1.0" encoding="utf-8"?>
+<file path=ppt/slides/slide14.xml><?xml version="1.0" encoding="utf-8"?>
 <p:sld xmlns:a="http://schemas.openxmlformats.org/drawingml/2006/main" xmlns:r="http://schemas.openxmlformats.org/officeDocument/2006/relationships" xmlns:p="http://schemas.openxmlformats.org/presentationml/2006/main">
   <p:cSld>
     <p:spTree>
@@ -16648,7 +16708,7 @@
           <p:cNvPr id="9" name="그룹 8">
             <a:extLst>
               <a:ext uri="{FF2B5EF4-FFF2-40B4-BE49-F238E27FC236}">
-                <a16:creationId xmlns:a16="http://schemas.microsoft.com/office/drawing/2014/main" xmlns="" id="{F54825A1-879E-45C3-84C9-39758CFBC1AD}"/>
+                <a16:creationId xmlns="" xmlns:a16="http://schemas.microsoft.com/office/drawing/2014/main" id="{F54825A1-879E-45C3-84C9-39758CFBC1AD}"/>
               </a:ext>
             </a:extLst>
           </p:cNvPr>
@@ -17071,7 +17131,7 @@
           <p:cNvPr id="19" name="자유형: 도형 18">
             <a:extLst>
               <a:ext uri="{FF2B5EF4-FFF2-40B4-BE49-F238E27FC236}">
-                <a16:creationId xmlns:a16="http://schemas.microsoft.com/office/drawing/2014/main" xmlns="" id="{28DE563C-2016-4934-A4EE-657070DFAE5E}"/>
+                <a16:creationId xmlns="" xmlns:a16="http://schemas.microsoft.com/office/drawing/2014/main" id="{28DE563C-2016-4934-A4EE-657070DFAE5E}"/>
               </a:ext>
             </a:extLst>
           </p:cNvPr>
@@ -17163,7 +17223,7 @@
               <p:cNvPr id="22" name="TextBox 21">
                 <a:extLst>
                   <a:ext uri="{FF2B5EF4-FFF2-40B4-BE49-F238E27FC236}">
-                    <a16:creationId xmlns:a16="http://schemas.microsoft.com/office/drawing/2014/main" xmlns="" id="{702F36E8-3840-4F82-ACA9-0ADC9BF2CD7E}"/>
+                    <a16:creationId xmlns="" xmlns:a16="http://schemas.microsoft.com/office/drawing/2014/main" id="{702F36E8-3840-4F82-ACA9-0ADC9BF2CD7E}"/>
                   </a:ext>
                 </a:extLst>
               </p:cNvPr>
@@ -17284,7 +17344,7 @@
           <p:cNvPr id="23" name="자유형: 도형 22">
             <a:extLst>
               <a:ext uri="{FF2B5EF4-FFF2-40B4-BE49-F238E27FC236}">
-                <a16:creationId xmlns:a16="http://schemas.microsoft.com/office/drawing/2014/main" xmlns="" id="{D4262DC8-AC8F-4E4E-8F9A-78963014DDC7}"/>
+                <a16:creationId xmlns="" xmlns:a16="http://schemas.microsoft.com/office/drawing/2014/main" id="{D4262DC8-AC8F-4E4E-8F9A-78963014DDC7}"/>
               </a:ext>
             </a:extLst>
           </p:cNvPr>
@@ -17376,7 +17436,7 @@
               <p:cNvPr id="26" name="TextBox 25">
                 <a:extLst>
                   <a:ext uri="{FF2B5EF4-FFF2-40B4-BE49-F238E27FC236}">
-                    <a16:creationId xmlns:a16="http://schemas.microsoft.com/office/drawing/2014/main" xmlns="" id="{4C456F18-AA04-4135-AED2-7569217695DC}"/>
+                    <a16:creationId xmlns="" xmlns:a16="http://schemas.microsoft.com/office/drawing/2014/main" id="{4C456F18-AA04-4135-AED2-7569217695DC}"/>
                   </a:ext>
                 </a:extLst>
               </p:cNvPr>
@@ -17505,7 +17565,7 @@
 </p:sld>
 </file>
 
-<file path=ppt/slides/slide14.xml><?xml version="1.0" encoding="utf-8"?>
+<file path=ppt/slides/slide15.xml><?xml version="1.0" encoding="utf-8"?>
 <p:sld xmlns:a="http://schemas.openxmlformats.org/drawingml/2006/main" xmlns:r="http://schemas.openxmlformats.org/officeDocument/2006/relationships" xmlns:p="http://schemas.openxmlformats.org/presentationml/2006/main">
   <p:cSld>
     <p:spTree>
@@ -18256,7 +18316,7 @@
           <p:cNvPr id="19" name="자유형: 도형 18">
             <a:extLst>
               <a:ext uri="{FF2B5EF4-FFF2-40B4-BE49-F238E27FC236}">
-                <a16:creationId xmlns:a16="http://schemas.microsoft.com/office/drawing/2014/main" xmlns="" id="{28DE563C-2016-4934-A4EE-657070DFAE5E}"/>
+                <a16:creationId xmlns="" xmlns:a16="http://schemas.microsoft.com/office/drawing/2014/main" id="{28DE563C-2016-4934-A4EE-657070DFAE5E}"/>
               </a:ext>
             </a:extLst>
           </p:cNvPr>
@@ -18348,7 +18408,7 @@
               <p:cNvPr id="22" name="TextBox 21">
                 <a:extLst>
                   <a:ext uri="{FF2B5EF4-FFF2-40B4-BE49-F238E27FC236}">
-                    <a16:creationId xmlns:a16="http://schemas.microsoft.com/office/drawing/2014/main" xmlns="" id="{702F36E8-3840-4F82-ACA9-0ADC9BF2CD7E}"/>
+                    <a16:creationId xmlns="" xmlns:a16="http://schemas.microsoft.com/office/drawing/2014/main" id="{702F36E8-3840-4F82-ACA9-0ADC9BF2CD7E}"/>
                   </a:ext>
                 </a:extLst>
               </p:cNvPr>
@@ -18469,7 +18529,7 @@
           <p:cNvPr id="23" name="자유형: 도형 22">
             <a:extLst>
               <a:ext uri="{FF2B5EF4-FFF2-40B4-BE49-F238E27FC236}">
-                <a16:creationId xmlns:a16="http://schemas.microsoft.com/office/drawing/2014/main" xmlns="" id="{D4262DC8-AC8F-4E4E-8F9A-78963014DDC7}"/>
+                <a16:creationId xmlns="" xmlns:a16="http://schemas.microsoft.com/office/drawing/2014/main" id="{D4262DC8-AC8F-4E4E-8F9A-78963014DDC7}"/>
               </a:ext>
             </a:extLst>
           </p:cNvPr>
@@ -18561,7 +18621,7 @@
               <p:cNvPr id="26" name="TextBox 25">
                 <a:extLst>
                   <a:ext uri="{FF2B5EF4-FFF2-40B4-BE49-F238E27FC236}">
-                    <a16:creationId xmlns:a16="http://schemas.microsoft.com/office/drawing/2014/main" xmlns="" id="{4C456F18-AA04-4135-AED2-7569217695DC}"/>
+                    <a16:creationId xmlns="" xmlns:a16="http://schemas.microsoft.com/office/drawing/2014/main" id="{4C456F18-AA04-4135-AED2-7569217695DC}"/>
                   </a:ext>
                 </a:extLst>
               </p:cNvPr>
@@ -18684,7 +18744,7 @@
               <p:cNvPr id="21" name="TextBox 20">
                 <a:extLst>
                   <a:ext uri="{FF2B5EF4-FFF2-40B4-BE49-F238E27FC236}">
-                    <a16:creationId xmlns:a16="http://schemas.microsoft.com/office/drawing/2014/main" xmlns="" id="{7F1A4031-C0F9-4078-B611-60510E555779}"/>
+                    <a16:creationId xmlns="" xmlns:a16="http://schemas.microsoft.com/office/drawing/2014/main" id="{7F1A4031-C0F9-4078-B611-60510E555779}"/>
                   </a:ext>
                 </a:extLst>
               </p:cNvPr>
@@ -18797,7 +18857,7 @@
           <p:cNvPr id="27" name="원호 26">
             <a:extLst>
               <a:ext uri="{FF2B5EF4-FFF2-40B4-BE49-F238E27FC236}">
-                <a16:creationId xmlns:a16="http://schemas.microsoft.com/office/drawing/2014/main" xmlns="" id="{73F2FA99-BAB3-4AEA-A0D4-FFD161E5142F}"/>
+                <a16:creationId xmlns="" xmlns:a16="http://schemas.microsoft.com/office/drawing/2014/main" id="{73F2FA99-BAB3-4AEA-A0D4-FFD161E5142F}"/>
               </a:ext>
             </a:extLst>
           </p:cNvPr>
@@ -18859,7 +18919,7 @@
 </p:sld>
 </file>
 
-<file path=ppt/slides/slide15.xml><?xml version="1.0" encoding="utf-8"?>
+<file path=ppt/slides/slide16.xml><?xml version="1.0" encoding="utf-8"?>
 <p:sld xmlns:a="http://schemas.openxmlformats.org/drawingml/2006/main" xmlns:r="http://schemas.openxmlformats.org/officeDocument/2006/relationships" xmlns:p="http://schemas.openxmlformats.org/presentationml/2006/main">
   <p:cSld>
     <p:spTree>
@@ -19066,7 +19126,7 @@
 </p:sld>
 </file>
 
-<file path=ppt/slides/slide16.xml><?xml version="1.0" encoding="utf-8"?>
+<file path=ppt/slides/slide17.xml><?xml version="1.0" encoding="utf-8"?>
 <p:sld xmlns:a="http://schemas.openxmlformats.org/drawingml/2006/main" xmlns:r="http://schemas.openxmlformats.org/officeDocument/2006/relationships" xmlns:p="http://schemas.openxmlformats.org/presentationml/2006/main">
   <p:cSld>
     <p:spTree>
@@ -21034,7 +21094,7 @@
 </p:sld>
 </file>
 
-<file path=ppt/slides/slide17.xml><?xml version="1.0" encoding="utf-8"?>
+<file path=ppt/slides/slide18.xml><?xml version="1.0" encoding="utf-8"?>
 <p:sld xmlns:a="http://schemas.openxmlformats.org/drawingml/2006/main" xmlns:r="http://schemas.openxmlformats.org/officeDocument/2006/relationships" xmlns:p="http://schemas.openxmlformats.org/presentationml/2006/main">
   <p:cSld>
     <p:spTree>
@@ -23042,1145 +23102,6 @@
 </p:sld>
 </file>
 
-<file path=ppt/slides/slide18.xml><?xml version="1.0" encoding="utf-8"?>
-<p:sld xmlns:a="http://schemas.openxmlformats.org/drawingml/2006/main" xmlns:r="http://schemas.openxmlformats.org/officeDocument/2006/relationships" xmlns:p="http://schemas.openxmlformats.org/presentationml/2006/main">
-  <p:cSld>
-    <p:spTree>
-      <p:nvGrpSpPr>
-        <p:cNvPr id="1" name=""/>
-        <p:cNvGrpSpPr/>
-        <p:nvPr/>
-      </p:nvGrpSpPr>
-      <p:grpSpPr>
-        <a:xfrm>
-          <a:off x="0" y="0"/>
-          <a:ext cx="0" cy="0"/>
-          <a:chOff x="0" y="0"/>
-          <a:chExt cx="0" cy="0"/>
-        </a:xfrm>
-      </p:grpSpPr>
-      <p:sp>
-        <p:nvSpPr>
-          <p:cNvPr id="4" name="직사각형 3"/>
-          <p:cNvSpPr/>
-          <p:nvPr/>
-        </p:nvSpPr>
-        <p:spPr>
-          <a:xfrm>
-            <a:off x="740664" y="637200"/>
-            <a:ext cx="5040000" cy="360000"/>
-          </a:xfrm>
-          <a:prstGeom prst="rect">
-            <a:avLst/>
-          </a:prstGeom>
-          <a:noFill/>
-          <a:ln w="28575">
-            <a:solidFill>
-              <a:schemeClr val="tx1"/>
-            </a:solidFill>
-          </a:ln>
-        </p:spPr>
-        <p:style>
-          <a:lnRef idx="2">
-            <a:schemeClr val="accent1">
-              <a:shade val="50000"/>
-            </a:schemeClr>
-          </a:lnRef>
-          <a:fillRef idx="1">
-            <a:schemeClr val="accent1"/>
-          </a:fillRef>
-          <a:effectRef idx="0">
-            <a:schemeClr val="accent1"/>
-          </a:effectRef>
-          <a:fontRef idx="minor">
-            <a:schemeClr val="lt1"/>
-          </a:fontRef>
-        </p:style>
-        <p:txBody>
-          <a:bodyPr rtlCol="0" anchor="ctr"/>
-          <a:lstStyle/>
-          <a:p>
-            <a:pPr algn="ctr"/>
-            <a:endParaRPr lang="ko-KR" altLang="en-US"/>
-          </a:p>
-        </p:txBody>
-      </p:sp>
-      <p:cxnSp>
-        <p:nvCxnSpPr>
-          <p:cNvPr id="6" name="직선 연결선 5"/>
-          <p:cNvCxnSpPr/>
-          <p:nvPr/>
-        </p:nvCxnSpPr>
-        <p:spPr>
-          <a:xfrm>
-            <a:off x="3260664" y="457200"/>
-            <a:ext cx="0" cy="720000"/>
-          </a:xfrm>
-          <a:prstGeom prst="line">
-            <a:avLst/>
-          </a:prstGeom>
-          <a:ln w="19050">
-            <a:solidFill>
-              <a:schemeClr val="tx1"/>
-            </a:solidFill>
-            <a:prstDash val="lgDash"/>
-          </a:ln>
-        </p:spPr>
-        <p:style>
-          <a:lnRef idx="1">
-            <a:schemeClr val="accent1"/>
-          </a:lnRef>
-          <a:fillRef idx="0">
-            <a:schemeClr val="accent1"/>
-          </a:fillRef>
-          <a:effectRef idx="0">
-            <a:schemeClr val="accent1"/>
-          </a:effectRef>
-          <a:fontRef idx="minor">
-            <a:schemeClr val="tx1"/>
-          </a:fontRef>
-        </p:style>
-      </p:cxnSp>
-      <p:sp>
-        <p:nvSpPr>
-          <p:cNvPr id="10" name="직사각형 9"/>
-          <p:cNvSpPr/>
-          <p:nvPr/>
-        </p:nvSpPr>
-        <p:spPr>
-          <a:xfrm>
-            <a:off x="740664" y="1758864"/>
-            <a:ext cx="2520000" cy="360000"/>
-          </a:xfrm>
-          <a:prstGeom prst="rect">
-            <a:avLst/>
-          </a:prstGeom>
-          <a:noFill/>
-          <a:ln w="28575">
-            <a:solidFill>
-              <a:schemeClr val="tx1"/>
-            </a:solidFill>
-          </a:ln>
-        </p:spPr>
-        <p:style>
-          <a:lnRef idx="2">
-            <a:schemeClr val="accent1">
-              <a:shade val="50000"/>
-            </a:schemeClr>
-          </a:lnRef>
-          <a:fillRef idx="1">
-            <a:schemeClr val="accent1"/>
-          </a:fillRef>
-          <a:effectRef idx="0">
-            <a:schemeClr val="accent1"/>
-          </a:effectRef>
-          <a:fontRef idx="minor">
-            <a:schemeClr val="lt1"/>
-          </a:fontRef>
-        </p:style>
-        <p:txBody>
-          <a:bodyPr rtlCol="0" anchor="ctr"/>
-          <a:lstStyle/>
-          <a:p>
-            <a:pPr algn="ctr"/>
-            <a:endParaRPr lang="ko-KR" altLang="en-US"/>
-          </a:p>
-        </p:txBody>
-      </p:sp>
-      <p:sp>
-        <p:nvSpPr>
-          <p:cNvPr id="11" name="직사각형 10"/>
-          <p:cNvSpPr/>
-          <p:nvPr/>
-        </p:nvSpPr>
-        <p:spPr>
-          <a:xfrm>
-            <a:off x="3260664" y="2520528"/>
-            <a:ext cx="2520000" cy="360000"/>
-          </a:xfrm>
-          <a:prstGeom prst="rect">
-            <a:avLst/>
-          </a:prstGeom>
-          <a:noFill/>
-          <a:ln w="28575">
-            <a:solidFill>
-              <a:schemeClr val="tx1"/>
-            </a:solidFill>
-          </a:ln>
-        </p:spPr>
-        <p:style>
-          <a:lnRef idx="2">
-            <a:schemeClr val="accent1">
-              <a:shade val="50000"/>
-            </a:schemeClr>
-          </a:lnRef>
-          <a:fillRef idx="1">
-            <a:schemeClr val="accent1"/>
-          </a:fillRef>
-          <a:effectRef idx="0">
-            <a:schemeClr val="accent1"/>
-          </a:effectRef>
-          <a:fontRef idx="minor">
-            <a:schemeClr val="lt1"/>
-          </a:fontRef>
-        </p:style>
-        <p:txBody>
-          <a:bodyPr rtlCol="0" anchor="ctr"/>
-          <a:lstStyle/>
-          <a:p>
-            <a:pPr algn="ctr"/>
-            <a:endParaRPr lang="ko-KR" altLang="en-US"/>
-          </a:p>
-        </p:txBody>
-      </p:sp>
-      <p:cxnSp>
-        <p:nvCxnSpPr>
-          <p:cNvPr id="13" name="직선 화살표 연결선 12"/>
-          <p:cNvCxnSpPr/>
-          <p:nvPr/>
-        </p:nvCxnSpPr>
-        <p:spPr>
-          <a:xfrm flipH="1">
-            <a:off x="3361120" y="1820328"/>
-            <a:ext cx="540000" cy="0"/>
-          </a:xfrm>
-          <a:prstGeom prst="straightConnector1">
-            <a:avLst/>
-          </a:prstGeom>
-          <a:ln w="28575">
-            <a:solidFill>
-              <a:schemeClr val="tx1"/>
-            </a:solidFill>
-            <a:tailEnd type="triangle"/>
-          </a:ln>
-        </p:spPr>
-        <p:style>
-          <a:lnRef idx="1">
-            <a:schemeClr val="accent1"/>
-          </a:lnRef>
-          <a:fillRef idx="0">
-            <a:schemeClr val="accent1"/>
-          </a:fillRef>
-          <a:effectRef idx="0">
-            <a:schemeClr val="accent1"/>
-          </a:effectRef>
-          <a:fontRef idx="minor">
-            <a:schemeClr val="tx1"/>
-          </a:fontRef>
-        </p:style>
-      </p:cxnSp>
-      <p:cxnSp>
-        <p:nvCxnSpPr>
-          <p:cNvPr id="14" name="직선 화살표 연결선 13"/>
-          <p:cNvCxnSpPr/>
-          <p:nvPr/>
-        </p:nvCxnSpPr>
-        <p:spPr>
-          <a:xfrm flipH="1">
-            <a:off x="3361120" y="1915944"/>
-            <a:ext cx="360000" cy="0"/>
-          </a:xfrm>
-          <a:prstGeom prst="straightConnector1">
-            <a:avLst/>
-          </a:prstGeom>
-          <a:ln w="28575">
-            <a:solidFill>
-              <a:schemeClr val="tx1"/>
-            </a:solidFill>
-            <a:tailEnd type="triangle"/>
-          </a:ln>
-        </p:spPr>
-        <p:style>
-          <a:lnRef idx="1">
-            <a:schemeClr val="accent1"/>
-          </a:lnRef>
-          <a:fillRef idx="0">
-            <a:schemeClr val="accent1"/>
-          </a:fillRef>
-          <a:effectRef idx="0">
-            <a:schemeClr val="accent1"/>
-          </a:effectRef>
-          <a:fontRef idx="minor">
-            <a:schemeClr val="tx1"/>
-          </a:fontRef>
-        </p:style>
-      </p:cxnSp>
-      <p:cxnSp>
-        <p:nvCxnSpPr>
-          <p:cNvPr id="15" name="직선 화살표 연결선 14"/>
-          <p:cNvCxnSpPr/>
-          <p:nvPr/>
-        </p:nvCxnSpPr>
-        <p:spPr>
-          <a:xfrm flipH="1">
-            <a:off x="3361120" y="2011560"/>
-            <a:ext cx="360000" cy="0"/>
-          </a:xfrm>
-          <a:prstGeom prst="straightConnector1">
-            <a:avLst/>
-          </a:prstGeom>
-          <a:ln w="28575">
-            <a:solidFill>
-              <a:schemeClr val="tx1"/>
-            </a:solidFill>
-            <a:headEnd type="triangle"/>
-            <a:tailEnd type="none"/>
-          </a:ln>
-        </p:spPr>
-        <p:style>
-          <a:lnRef idx="1">
-            <a:schemeClr val="accent1"/>
-          </a:lnRef>
-          <a:fillRef idx="0">
-            <a:schemeClr val="accent1"/>
-          </a:fillRef>
-          <a:effectRef idx="0">
-            <a:schemeClr val="accent1"/>
-          </a:effectRef>
-          <a:fontRef idx="minor">
-            <a:schemeClr val="tx1"/>
-          </a:fontRef>
-        </p:style>
-      </p:cxnSp>
-      <p:cxnSp>
-        <p:nvCxnSpPr>
-          <p:cNvPr id="16" name="직선 화살표 연결선 15"/>
-          <p:cNvCxnSpPr/>
-          <p:nvPr/>
-        </p:nvCxnSpPr>
-        <p:spPr>
-          <a:xfrm flipH="1">
-            <a:off x="3361120" y="2107176"/>
-            <a:ext cx="540000" cy="0"/>
-          </a:xfrm>
-          <a:prstGeom prst="straightConnector1">
-            <a:avLst/>
-          </a:prstGeom>
-          <a:ln w="28575">
-            <a:solidFill>
-              <a:schemeClr val="tx1"/>
-            </a:solidFill>
-            <a:headEnd type="triangle"/>
-            <a:tailEnd type="none"/>
-          </a:ln>
-        </p:spPr>
-        <p:style>
-          <a:lnRef idx="1">
-            <a:schemeClr val="accent1"/>
-          </a:lnRef>
-          <a:fillRef idx="0">
-            <a:schemeClr val="accent1"/>
-          </a:fillRef>
-          <a:effectRef idx="0">
-            <a:schemeClr val="accent1"/>
-          </a:effectRef>
-          <a:fontRef idx="minor">
-            <a:schemeClr val="tx1"/>
-          </a:fontRef>
-        </p:style>
-      </p:cxnSp>
-      <p:cxnSp>
-        <p:nvCxnSpPr>
-          <p:cNvPr id="19" name="직선 화살표 연결선 18"/>
-          <p:cNvCxnSpPr/>
-          <p:nvPr/>
-        </p:nvCxnSpPr>
-        <p:spPr>
-          <a:xfrm flipH="1">
-            <a:off x="2608264" y="2557104"/>
-            <a:ext cx="540000" cy="0"/>
-          </a:xfrm>
-          <a:prstGeom prst="straightConnector1">
-            <a:avLst/>
-          </a:prstGeom>
-          <a:ln w="28575">
-            <a:solidFill>
-              <a:schemeClr val="tx1"/>
-            </a:solidFill>
-            <a:headEnd type="triangle"/>
-            <a:tailEnd type="none"/>
-          </a:ln>
-        </p:spPr>
-        <p:style>
-          <a:lnRef idx="1">
-            <a:schemeClr val="accent1"/>
-          </a:lnRef>
-          <a:fillRef idx="0">
-            <a:schemeClr val="accent1"/>
-          </a:fillRef>
-          <a:effectRef idx="0">
-            <a:schemeClr val="accent1"/>
-          </a:effectRef>
-          <a:fontRef idx="minor">
-            <a:schemeClr val="tx1"/>
-          </a:fontRef>
-        </p:style>
-      </p:cxnSp>
-      <p:cxnSp>
-        <p:nvCxnSpPr>
-          <p:cNvPr id="20" name="직선 화살표 연결선 19"/>
-          <p:cNvCxnSpPr/>
-          <p:nvPr/>
-        </p:nvCxnSpPr>
-        <p:spPr>
-          <a:xfrm flipH="1">
-            <a:off x="2788264" y="2652720"/>
-            <a:ext cx="360000" cy="0"/>
-          </a:xfrm>
-          <a:prstGeom prst="straightConnector1">
-            <a:avLst/>
-          </a:prstGeom>
-          <a:ln w="28575">
-            <a:solidFill>
-              <a:schemeClr val="tx1"/>
-            </a:solidFill>
-            <a:headEnd type="triangle"/>
-            <a:tailEnd type="none"/>
-          </a:ln>
-        </p:spPr>
-        <p:style>
-          <a:lnRef idx="1">
-            <a:schemeClr val="accent1"/>
-          </a:lnRef>
-          <a:fillRef idx="0">
-            <a:schemeClr val="accent1"/>
-          </a:fillRef>
-          <a:effectRef idx="0">
-            <a:schemeClr val="accent1"/>
-          </a:effectRef>
-          <a:fontRef idx="minor">
-            <a:schemeClr val="tx1"/>
-          </a:fontRef>
-        </p:style>
-      </p:cxnSp>
-      <p:cxnSp>
-        <p:nvCxnSpPr>
-          <p:cNvPr id="21" name="직선 화살표 연결선 20"/>
-          <p:cNvCxnSpPr/>
-          <p:nvPr/>
-        </p:nvCxnSpPr>
-        <p:spPr>
-          <a:xfrm flipH="1">
-            <a:off x="2788264" y="2748336"/>
-            <a:ext cx="360000" cy="0"/>
-          </a:xfrm>
-          <a:prstGeom prst="straightConnector1">
-            <a:avLst/>
-          </a:prstGeom>
-          <a:ln w="28575">
-            <a:solidFill>
-              <a:schemeClr val="tx1"/>
-            </a:solidFill>
-            <a:headEnd type="none"/>
-            <a:tailEnd type="triangle"/>
-          </a:ln>
-        </p:spPr>
-        <p:style>
-          <a:lnRef idx="1">
-            <a:schemeClr val="accent1"/>
-          </a:lnRef>
-          <a:fillRef idx="0">
-            <a:schemeClr val="accent1"/>
-          </a:fillRef>
-          <a:effectRef idx="0">
-            <a:schemeClr val="accent1"/>
-          </a:effectRef>
-          <a:fontRef idx="minor">
-            <a:schemeClr val="tx1"/>
-          </a:fontRef>
-        </p:style>
-      </p:cxnSp>
-      <p:cxnSp>
-        <p:nvCxnSpPr>
-          <p:cNvPr id="22" name="직선 화살표 연결선 21"/>
-          <p:cNvCxnSpPr/>
-          <p:nvPr/>
-        </p:nvCxnSpPr>
-        <p:spPr>
-          <a:xfrm flipH="1">
-            <a:off x="2608264" y="2843952"/>
-            <a:ext cx="540000" cy="0"/>
-          </a:xfrm>
-          <a:prstGeom prst="straightConnector1">
-            <a:avLst/>
-          </a:prstGeom>
-          <a:ln w="28575">
-            <a:solidFill>
-              <a:schemeClr val="tx1"/>
-            </a:solidFill>
-            <a:headEnd type="none"/>
-            <a:tailEnd type="triangle"/>
-          </a:ln>
-        </p:spPr>
-        <p:style>
-          <a:lnRef idx="1">
-            <a:schemeClr val="accent1"/>
-          </a:lnRef>
-          <a:fillRef idx="0">
-            <a:schemeClr val="accent1"/>
-          </a:fillRef>
-          <a:effectRef idx="0">
-            <a:schemeClr val="accent1"/>
-          </a:effectRef>
-          <a:fontRef idx="minor">
-            <a:schemeClr val="tx1"/>
-          </a:fontRef>
-        </p:style>
-      </p:cxnSp>
-      <p:cxnSp>
-        <p:nvCxnSpPr>
-          <p:cNvPr id="23" name="직선 화살표 연결선 22"/>
-          <p:cNvCxnSpPr/>
-          <p:nvPr/>
-        </p:nvCxnSpPr>
-        <p:spPr>
-          <a:xfrm flipH="1">
-            <a:off x="4029112" y="1788600"/>
-            <a:ext cx="0" cy="360000"/>
-          </a:xfrm>
-          <a:prstGeom prst="straightConnector1">
-            <a:avLst/>
-          </a:prstGeom>
-          <a:ln w="28575">
-            <a:solidFill>
-              <a:schemeClr val="tx1"/>
-            </a:solidFill>
-            <a:headEnd type="triangle"/>
-            <a:tailEnd type="none"/>
-          </a:ln>
-        </p:spPr>
-        <p:style>
-          <a:lnRef idx="1">
-            <a:schemeClr val="accent1"/>
-          </a:lnRef>
-          <a:fillRef idx="0">
-            <a:schemeClr val="accent1"/>
-          </a:fillRef>
-          <a:effectRef idx="0">
-            <a:schemeClr val="accent1"/>
-          </a:effectRef>
-          <a:fontRef idx="minor">
-            <a:schemeClr val="tx1"/>
-          </a:fontRef>
-        </p:style>
-      </p:cxnSp>
-      <p:cxnSp>
-        <p:nvCxnSpPr>
-          <p:cNvPr id="24" name="직선 화살표 연결선 23"/>
-          <p:cNvCxnSpPr/>
-          <p:nvPr/>
-        </p:nvCxnSpPr>
-        <p:spPr>
-          <a:xfrm flipH="1">
-            <a:off x="2444152" y="2520528"/>
-            <a:ext cx="0" cy="360000"/>
-          </a:xfrm>
-          <a:prstGeom prst="straightConnector1">
-            <a:avLst/>
-          </a:prstGeom>
-          <a:ln w="28575">
-            <a:solidFill>
-              <a:schemeClr val="tx1"/>
-            </a:solidFill>
-            <a:headEnd type="none"/>
-            <a:tailEnd type="triangle"/>
-          </a:ln>
-        </p:spPr>
-        <p:style>
-          <a:lnRef idx="1">
-            <a:schemeClr val="accent1"/>
-          </a:lnRef>
-          <a:fillRef idx="0">
-            <a:schemeClr val="accent1"/>
-          </a:fillRef>
-          <a:effectRef idx="0">
-            <a:schemeClr val="accent1"/>
-          </a:effectRef>
-          <a:fontRef idx="minor">
-            <a:schemeClr val="tx1"/>
-          </a:fontRef>
-        </p:style>
-      </p:cxnSp>
-      <p:sp>
-        <p:nvSpPr>
-          <p:cNvPr id="25" name="직사각형 24"/>
-          <p:cNvSpPr/>
-          <p:nvPr/>
-        </p:nvSpPr>
-        <p:spPr>
-          <a:xfrm>
-            <a:off x="6690360" y="637200"/>
-            <a:ext cx="5040000" cy="360000"/>
-          </a:xfrm>
-          <a:prstGeom prst="rect">
-            <a:avLst/>
-          </a:prstGeom>
-          <a:noFill/>
-          <a:ln w="28575">
-            <a:solidFill>
-              <a:schemeClr val="tx1"/>
-            </a:solidFill>
-          </a:ln>
-        </p:spPr>
-        <p:style>
-          <a:lnRef idx="2">
-            <a:schemeClr val="accent1">
-              <a:shade val="50000"/>
-            </a:schemeClr>
-          </a:lnRef>
-          <a:fillRef idx="1">
-            <a:schemeClr val="accent1"/>
-          </a:fillRef>
-          <a:effectRef idx="0">
-            <a:schemeClr val="accent1"/>
-          </a:effectRef>
-          <a:fontRef idx="minor">
-            <a:schemeClr val="lt1"/>
-          </a:fontRef>
-        </p:style>
-        <p:txBody>
-          <a:bodyPr rtlCol="0" anchor="ctr"/>
-          <a:lstStyle/>
-          <a:p>
-            <a:pPr algn="ctr"/>
-            <a:endParaRPr lang="ko-KR" altLang="en-US"/>
-          </a:p>
-        </p:txBody>
-      </p:sp>
-      <p:cxnSp>
-        <p:nvCxnSpPr>
-          <p:cNvPr id="26" name="직선 연결선 25"/>
-          <p:cNvCxnSpPr/>
-          <p:nvPr/>
-        </p:nvCxnSpPr>
-        <p:spPr>
-          <a:xfrm>
-            <a:off x="8872032" y="457200"/>
-            <a:ext cx="0" cy="720000"/>
-          </a:xfrm>
-          <a:prstGeom prst="line">
-            <a:avLst/>
-          </a:prstGeom>
-          <a:ln w="19050">
-            <a:solidFill>
-              <a:schemeClr val="tx1"/>
-            </a:solidFill>
-            <a:prstDash val="lgDash"/>
-          </a:ln>
-        </p:spPr>
-        <p:style>
-          <a:lnRef idx="1">
-            <a:schemeClr val="accent1"/>
-          </a:lnRef>
-          <a:fillRef idx="0">
-            <a:schemeClr val="accent1"/>
-          </a:fillRef>
-          <a:effectRef idx="0">
-            <a:schemeClr val="accent1"/>
-          </a:effectRef>
-          <a:fontRef idx="minor">
-            <a:schemeClr val="tx1"/>
-          </a:fontRef>
-        </p:style>
-      </p:cxnSp>
-      <p:cxnSp>
-        <p:nvCxnSpPr>
-          <p:cNvPr id="27" name="직선 연결선 26"/>
-          <p:cNvCxnSpPr/>
-          <p:nvPr/>
-        </p:nvCxnSpPr>
-        <p:spPr>
-          <a:xfrm>
-            <a:off x="9576120" y="457200"/>
-            <a:ext cx="0" cy="720000"/>
-          </a:xfrm>
-          <a:prstGeom prst="line">
-            <a:avLst/>
-          </a:prstGeom>
-          <a:ln w="19050">
-            <a:solidFill>
-              <a:schemeClr val="tx1"/>
-            </a:solidFill>
-            <a:prstDash val="lgDash"/>
-          </a:ln>
-        </p:spPr>
-        <p:style>
-          <a:lnRef idx="1">
-            <a:schemeClr val="accent1"/>
-          </a:lnRef>
-          <a:fillRef idx="0">
-            <a:schemeClr val="accent1"/>
-          </a:fillRef>
-          <a:effectRef idx="0">
-            <a:schemeClr val="accent1"/>
-          </a:effectRef>
-          <a:fontRef idx="minor">
-            <a:schemeClr val="tx1"/>
-          </a:fontRef>
-        </p:style>
-      </p:cxnSp>
-      <p:sp>
-        <p:nvSpPr>
-          <p:cNvPr id="28" name="직사각형 27"/>
-          <p:cNvSpPr/>
-          <p:nvPr/>
-        </p:nvSpPr>
-        <p:spPr>
-          <a:xfrm>
-            <a:off x="8872032" y="1735656"/>
-            <a:ext cx="704088" cy="360000"/>
-          </a:xfrm>
-          <a:prstGeom prst="rect">
-            <a:avLst/>
-          </a:prstGeom>
-          <a:noFill/>
-          <a:ln w="28575">
-            <a:solidFill>
-              <a:schemeClr val="tx1"/>
-            </a:solidFill>
-          </a:ln>
-        </p:spPr>
-        <p:style>
-          <a:lnRef idx="2">
-            <a:schemeClr val="accent1">
-              <a:shade val="50000"/>
-            </a:schemeClr>
-          </a:lnRef>
-          <a:fillRef idx="1">
-            <a:schemeClr val="accent1"/>
-          </a:fillRef>
-          <a:effectRef idx="0">
-            <a:schemeClr val="accent1"/>
-          </a:effectRef>
-          <a:fontRef idx="minor">
-            <a:schemeClr val="lt1"/>
-          </a:fontRef>
-        </p:style>
-        <p:txBody>
-          <a:bodyPr rtlCol="0" anchor="ctr"/>
-          <a:lstStyle/>
-          <a:p>
-            <a:pPr algn="ctr"/>
-            <a:endParaRPr lang="ko-KR" altLang="en-US"/>
-          </a:p>
-        </p:txBody>
-      </p:sp>
-      <p:cxnSp>
-        <p:nvCxnSpPr>
-          <p:cNvPr id="31" name="직선 화살표 연결선 30"/>
-          <p:cNvCxnSpPr/>
-          <p:nvPr/>
-        </p:nvCxnSpPr>
-        <p:spPr>
-          <a:xfrm flipH="1">
-            <a:off x="9685720" y="1791528"/>
-            <a:ext cx="540000" cy="0"/>
-          </a:xfrm>
-          <a:prstGeom prst="straightConnector1">
-            <a:avLst/>
-          </a:prstGeom>
-          <a:ln w="28575">
-            <a:solidFill>
-              <a:schemeClr val="tx1"/>
-            </a:solidFill>
-            <a:tailEnd type="triangle"/>
-          </a:ln>
-        </p:spPr>
-        <p:style>
-          <a:lnRef idx="1">
-            <a:schemeClr val="accent1"/>
-          </a:lnRef>
-          <a:fillRef idx="0">
-            <a:schemeClr val="accent1"/>
-          </a:fillRef>
-          <a:effectRef idx="0">
-            <a:schemeClr val="accent1"/>
-          </a:effectRef>
-          <a:fontRef idx="minor">
-            <a:schemeClr val="tx1"/>
-          </a:fontRef>
-        </p:style>
-      </p:cxnSp>
-      <p:cxnSp>
-        <p:nvCxnSpPr>
-          <p:cNvPr id="32" name="직선 화살표 연결선 31"/>
-          <p:cNvCxnSpPr/>
-          <p:nvPr/>
-        </p:nvCxnSpPr>
-        <p:spPr>
-          <a:xfrm flipH="1">
-            <a:off x="9685720" y="1887144"/>
-            <a:ext cx="360000" cy="0"/>
-          </a:xfrm>
-          <a:prstGeom prst="straightConnector1">
-            <a:avLst/>
-          </a:prstGeom>
-          <a:ln w="28575">
-            <a:solidFill>
-              <a:schemeClr val="tx1"/>
-            </a:solidFill>
-            <a:tailEnd type="triangle"/>
-          </a:ln>
-        </p:spPr>
-        <p:style>
-          <a:lnRef idx="1">
-            <a:schemeClr val="accent1"/>
-          </a:lnRef>
-          <a:fillRef idx="0">
-            <a:schemeClr val="accent1"/>
-          </a:fillRef>
-          <a:effectRef idx="0">
-            <a:schemeClr val="accent1"/>
-          </a:effectRef>
-          <a:fontRef idx="minor">
-            <a:schemeClr val="tx1"/>
-          </a:fontRef>
-        </p:style>
-      </p:cxnSp>
-      <p:cxnSp>
-        <p:nvCxnSpPr>
-          <p:cNvPr id="33" name="직선 화살표 연결선 32"/>
-          <p:cNvCxnSpPr/>
-          <p:nvPr/>
-        </p:nvCxnSpPr>
-        <p:spPr>
-          <a:xfrm flipH="1">
-            <a:off x="9685720" y="1982760"/>
-            <a:ext cx="360000" cy="0"/>
-          </a:xfrm>
-          <a:prstGeom prst="straightConnector1">
-            <a:avLst/>
-          </a:prstGeom>
-          <a:ln w="28575">
-            <a:solidFill>
-              <a:schemeClr val="tx1"/>
-            </a:solidFill>
-            <a:headEnd type="triangle"/>
-            <a:tailEnd type="none"/>
-          </a:ln>
-        </p:spPr>
-        <p:style>
-          <a:lnRef idx="1">
-            <a:schemeClr val="accent1"/>
-          </a:lnRef>
-          <a:fillRef idx="0">
-            <a:schemeClr val="accent1"/>
-          </a:fillRef>
-          <a:effectRef idx="0">
-            <a:schemeClr val="accent1"/>
-          </a:effectRef>
-          <a:fontRef idx="minor">
-            <a:schemeClr val="tx1"/>
-          </a:fontRef>
-        </p:style>
-      </p:cxnSp>
-      <p:cxnSp>
-        <p:nvCxnSpPr>
-          <p:cNvPr id="34" name="직선 화살표 연결선 33"/>
-          <p:cNvCxnSpPr/>
-          <p:nvPr/>
-        </p:nvCxnSpPr>
-        <p:spPr>
-          <a:xfrm flipH="1">
-            <a:off x="9685720" y="2078376"/>
-            <a:ext cx="540000" cy="0"/>
-          </a:xfrm>
-          <a:prstGeom prst="straightConnector1">
-            <a:avLst/>
-          </a:prstGeom>
-          <a:ln w="28575">
-            <a:solidFill>
-              <a:schemeClr val="tx1"/>
-            </a:solidFill>
-            <a:headEnd type="triangle"/>
-            <a:tailEnd type="none"/>
-          </a:ln>
-        </p:spPr>
-        <p:style>
-          <a:lnRef idx="1">
-            <a:schemeClr val="accent1"/>
-          </a:lnRef>
-          <a:fillRef idx="0">
-            <a:schemeClr val="accent1"/>
-          </a:fillRef>
-          <a:effectRef idx="0">
-            <a:schemeClr val="accent1"/>
-          </a:effectRef>
-          <a:fontRef idx="minor">
-            <a:schemeClr val="tx1"/>
-          </a:fontRef>
-        </p:style>
-      </p:cxnSp>
-      <p:cxnSp>
-        <p:nvCxnSpPr>
-          <p:cNvPr id="35" name="직선 화살표 연결선 34"/>
-          <p:cNvCxnSpPr/>
-          <p:nvPr/>
-        </p:nvCxnSpPr>
-        <p:spPr>
-          <a:xfrm flipH="1">
-            <a:off x="10353712" y="1759800"/>
-            <a:ext cx="0" cy="360000"/>
-          </a:xfrm>
-          <a:prstGeom prst="straightConnector1">
-            <a:avLst/>
-          </a:prstGeom>
-          <a:ln w="28575">
-            <a:solidFill>
-              <a:schemeClr val="tx1"/>
-            </a:solidFill>
-            <a:headEnd type="triangle"/>
-            <a:tailEnd type="none"/>
-          </a:ln>
-        </p:spPr>
-        <p:style>
-          <a:lnRef idx="1">
-            <a:schemeClr val="accent1"/>
-          </a:lnRef>
-          <a:fillRef idx="0">
-            <a:schemeClr val="accent1"/>
-          </a:fillRef>
-          <a:effectRef idx="0">
-            <a:schemeClr val="accent1"/>
-          </a:effectRef>
-          <a:fontRef idx="minor">
-            <a:schemeClr val="tx1"/>
-          </a:fontRef>
-        </p:style>
-      </p:cxnSp>
-      <p:cxnSp>
-        <p:nvCxnSpPr>
-          <p:cNvPr id="41" name="직선 화살표 연결선 40"/>
-          <p:cNvCxnSpPr/>
-          <p:nvPr/>
-        </p:nvCxnSpPr>
-        <p:spPr>
-          <a:xfrm flipH="1">
-            <a:off x="8201344" y="1770360"/>
-            <a:ext cx="540000" cy="0"/>
-          </a:xfrm>
-          <a:prstGeom prst="straightConnector1">
-            <a:avLst/>
-          </a:prstGeom>
-          <a:ln w="28575">
-            <a:solidFill>
-              <a:schemeClr val="tx1"/>
-            </a:solidFill>
-            <a:headEnd type="triangle"/>
-            <a:tailEnd type="none"/>
-          </a:ln>
-        </p:spPr>
-        <p:style>
-          <a:lnRef idx="1">
-            <a:schemeClr val="accent1"/>
-          </a:lnRef>
-          <a:fillRef idx="0">
-            <a:schemeClr val="accent1"/>
-          </a:fillRef>
-          <a:effectRef idx="0">
-            <a:schemeClr val="accent1"/>
-          </a:effectRef>
-          <a:fontRef idx="minor">
-            <a:schemeClr val="tx1"/>
-          </a:fontRef>
-        </p:style>
-      </p:cxnSp>
-      <p:cxnSp>
-        <p:nvCxnSpPr>
-          <p:cNvPr id="42" name="직선 화살표 연결선 41"/>
-          <p:cNvCxnSpPr/>
-          <p:nvPr/>
-        </p:nvCxnSpPr>
-        <p:spPr>
-          <a:xfrm flipH="1">
-            <a:off x="8381344" y="1865976"/>
-            <a:ext cx="360000" cy="0"/>
-          </a:xfrm>
-          <a:prstGeom prst="straightConnector1">
-            <a:avLst/>
-          </a:prstGeom>
-          <a:ln w="28575">
-            <a:solidFill>
-              <a:schemeClr val="tx1"/>
-            </a:solidFill>
-            <a:headEnd type="triangle"/>
-            <a:tailEnd type="none"/>
-          </a:ln>
-        </p:spPr>
-        <p:style>
-          <a:lnRef idx="1">
-            <a:schemeClr val="accent1"/>
-          </a:lnRef>
-          <a:fillRef idx="0">
-            <a:schemeClr val="accent1"/>
-          </a:fillRef>
-          <a:effectRef idx="0">
-            <a:schemeClr val="accent1"/>
-          </a:effectRef>
-          <a:fontRef idx="minor">
-            <a:schemeClr val="tx1"/>
-          </a:fontRef>
-        </p:style>
-      </p:cxnSp>
-      <p:cxnSp>
-        <p:nvCxnSpPr>
-          <p:cNvPr id="43" name="직선 화살표 연결선 42"/>
-          <p:cNvCxnSpPr/>
-          <p:nvPr/>
-        </p:nvCxnSpPr>
-        <p:spPr>
-          <a:xfrm flipH="1">
-            <a:off x="8381344" y="1961592"/>
-            <a:ext cx="360000" cy="0"/>
-          </a:xfrm>
-          <a:prstGeom prst="straightConnector1">
-            <a:avLst/>
-          </a:prstGeom>
-          <a:ln w="28575">
-            <a:solidFill>
-              <a:schemeClr val="tx1"/>
-            </a:solidFill>
-            <a:headEnd type="none"/>
-            <a:tailEnd type="triangle"/>
-          </a:ln>
-        </p:spPr>
-        <p:style>
-          <a:lnRef idx="1">
-            <a:schemeClr val="accent1"/>
-          </a:lnRef>
-          <a:fillRef idx="0">
-            <a:schemeClr val="accent1"/>
-          </a:fillRef>
-          <a:effectRef idx="0">
-            <a:schemeClr val="accent1"/>
-          </a:effectRef>
-          <a:fontRef idx="minor">
-            <a:schemeClr val="tx1"/>
-          </a:fontRef>
-        </p:style>
-      </p:cxnSp>
-      <p:cxnSp>
-        <p:nvCxnSpPr>
-          <p:cNvPr id="44" name="직선 화살표 연결선 43"/>
-          <p:cNvCxnSpPr/>
-          <p:nvPr/>
-        </p:nvCxnSpPr>
-        <p:spPr>
-          <a:xfrm flipH="1">
-            <a:off x="8201344" y="2057208"/>
-            <a:ext cx="540000" cy="0"/>
-          </a:xfrm>
-          <a:prstGeom prst="straightConnector1">
-            <a:avLst/>
-          </a:prstGeom>
-          <a:ln w="28575">
-            <a:solidFill>
-              <a:schemeClr val="tx1"/>
-            </a:solidFill>
-            <a:headEnd type="none"/>
-            <a:tailEnd type="triangle"/>
-          </a:ln>
-        </p:spPr>
-        <p:style>
-          <a:lnRef idx="1">
-            <a:schemeClr val="accent1"/>
-          </a:lnRef>
-          <a:fillRef idx="0">
-            <a:schemeClr val="accent1"/>
-          </a:fillRef>
-          <a:effectRef idx="0">
-            <a:schemeClr val="accent1"/>
-          </a:effectRef>
-          <a:fontRef idx="minor">
-            <a:schemeClr val="tx1"/>
-          </a:fontRef>
-        </p:style>
-      </p:cxnSp>
-      <p:cxnSp>
-        <p:nvCxnSpPr>
-          <p:cNvPr id="45" name="직선 화살표 연결선 44"/>
-          <p:cNvCxnSpPr/>
-          <p:nvPr/>
-        </p:nvCxnSpPr>
-        <p:spPr>
-          <a:xfrm flipH="1">
-            <a:off x="8037232" y="1733784"/>
-            <a:ext cx="0" cy="360000"/>
-          </a:xfrm>
-          <a:prstGeom prst="straightConnector1">
-            <a:avLst/>
-          </a:prstGeom>
-          <a:ln w="28575">
-            <a:solidFill>
-              <a:schemeClr val="tx1"/>
-            </a:solidFill>
-            <a:headEnd type="none"/>
-            <a:tailEnd type="triangle"/>
-          </a:ln>
-        </p:spPr>
-        <p:style>
-          <a:lnRef idx="1">
-            <a:schemeClr val="accent1"/>
-          </a:lnRef>
-          <a:fillRef idx="0">
-            <a:schemeClr val="accent1"/>
-          </a:fillRef>
-          <a:effectRef idx="0">
-            <a:schemeClr val="accent1"/>
-          </a:effectRef>
-          <a:fontRef idx="minor">
-            <a:schemeClr val="tx1"/>
-          </a:fontRef>
-        </p:style>
-      </p:cxnSp>
-      <p:cxnSp>
-        <p:nvCxnSpPr>
-          <p:cNvPr id="3" name="직선 연결선 2"/>
-          <p:cNvCxnSpPr/>
-          <p:nvPr/>
-        </p:nvCxnSpPr>
-        <p:spPr>
-          <a:xfrm>
-            <a:off x="740664" y="81023"/>
-            <a:ext cx="0" cy="1388962"/>
-          </a:xfrm>
-          <a:prstGeom prst="line">
-            <a:avLst/>
-          </a:prstGeom>
-          <a:ln w="28575">
-            <a:solidFill>
-              <a:schemeClr val="tx1"/>
-            </a:solidFill>
-          </a:ln>
-        </p:spPr>
-        <p:style>
-          <a:lnRef idx="1">
-            <a:schemeClr val="accent1"/>
-          </a:lnRef>
-          <a:fillRef idx="0">
-            <a:schemeClr val="accent1"/>
-          </a:fillRef>
-          <a:effectRef idx="0">
-            <a:schemeClr val="accent1"/>
-          </a:effectRef>
-          <a:fontRef idx="minor">
-            <a:schemeClr val="tx1"/>
-          </a:fontRef>
-        </p:style>
-      </p:cxnSp>
-    </p:spTree>
-    <p:extLst>
-      <p:ext uri="{BB962C8B-B14F-4D97-AF65-F5344CB8AC3E}">
-        <p14:creationId xmlns:p14="http://schemas.microsoft.com/office/powerpoint/2010/main" val="3178709268"/>
-      </p:ext>
-    </p:extLst>
-  </p:cSld>
-  <p:clrMapOvr>
-    <a:masterClrMapping/>
-  </p:clrMapOvr>
-</p:sld>
-</file>
-
 <file path=ppt/slides/slide19.xml><?xml version="1.0" encoding="utf-8"?>
 <p:sld xmlns:a="http://schemas.openxmlformats.org/drawingml/2006/main" xmlns:r="http://schemas.openxmlformats.org/officeDocument/2006/relationships" xmlns:p="http://schemas.openxmlformats.org/presentationml/2006/main">
   <p:cSld>
@@ -24374,13 +23295,307 @@
       </p:sp>
       <p:cxnSp>
         <p:nvCxnSpPr>
+          <p:cNvPr id="13" name="직선 화살표 연결선 12"/>
+          <p:cNvCxnSpPr/>
+          <p:nvPr/>
+        </p:nvCxnSpPr>
+        <p:spPr>
+          <a:xfrm flipH="1">
+            <a:off x="3361120" y="1820328"/>
+            <a:ext cx="540000" cy="0"/>
+          </a:xfrm>
+          <a:prstGeom prst="straightConnector1">
+            <a:avLst/>
+          </a:prstGeom>
+          <a:ln w="28575">
+            <a:solidFill>
+              <a:schemeClr val="tx1"/>
+            </a:solidFill>
+            <a:tailEnd type="triangle"/>
+          </a:ln>
+        </p:spPr>
+        <p:style>
+          <a:lnRef idx="1">
+            <a:schemeClr val="accent1"/>
+          </a:lnRef>
+          <a:fillRef idx="0">
+            <a:schemeClr val="accent1"/>
+          </a:fillRef>
+          <a:effectRef idx="0">
+            <a:schemeClr val="accent1"/>
+          </a:effectRef>
+          <a:fontRef idx="minor">
+            <a:schemeClr val="tx1"/>
+          </a:fontRef>
+        </p:style>
+      </p:cxnSp>
+      <p:cxnSp>
+        <p:nvCxnSpPr>
+          <p:cNvPr id="14" name="직선 화살표 연결선 13"/>
+          <p:cNvCxnSpPr/>
+          <p:nvPr/>
+        </p:nvCxnSpPr>
+        <p:spPr>
+          <a:xfrm flipH="1">
+            <a:off x="3361120" y="1915944"/>
+            <a:ext cx="360000" cy="0"/>
+          </a:xfrm>
+          <a:prstGeom prst="straightConnector1">
+            <a:avLst/>
+          </a:prstGeom>
+          <a:ln w="28575">
+            <a:solidFill>
+              <a:schemeClr val="tx1"/>
+            </a:solidFill>
+            <a:tailEnd type="triangle"/>
+          </a:ln>
+        </p:spPr>
+        <p:style>
+          <a:lnRef idx="1">
+            <a:schemeClr val="accent1"/>
+          </a:lnRef>
+          <a:fillRef idx="0">
+            <a:schemeClr val="accent1"/>
+          </a:fillRef>
+          <a:effectRef idx="0">
+            <a:schemeClr val="accent1"/>
+          </a:effectRef>
+          <a:fontRef idx="minor">
+            <a:schemeClr val="tx1"/>
+          </a:fontRef>
+        </p:style>
+      </p:cxnSp>
+      <p:cxnSp>
+        <p:nvCxnSpPr>
+          <p:cNvPr id="15" name="직선 화살표 연결선 14"/>
+          <p:cNvCxnSpPr/>
+          <p:nvPr/>
+        </p:nvCxnSpPr>
+        <p:spPr>
+          <a:xfrm flipH="1">
+            <a:off x="3361120" y="2011560"/>
+            <a:ext cx="360000" cy="0"/>
+          </a:xfrm>
+          <a:prstGeom prst="straightConnector1">
+            <a:avLst/>
+          </a:prstGeom>
+          <a:ln w="28575">
+            <a:solidFill>
+              <a:schemeClr val="tx1"/>
+            </a:solidFill>
+            <a:headEnd type="triangle"/>
+            <a:tailEnd type="none"/>
+          </a:ln>
+        </p:spPr>
+        <p:style>
+          <a:lnRef idx="1">
+            <a:schemeClr val="accent1"/>
+          </a:lnRef>
+          <a:fillRef idx="0">
+            <a:schemeClr val="accent1"/>
+          </a:fillRef>
+          <a:effectRef idx="0">
+            <a:schemeClr val="accent1"/>
+          </a:effectRef>
+          <a:fontRef idx="minor">
+            <a:schemeClr val="tx1"/>
+          </a:fontRef>
+        </p:style>
+      </p:cxnSp>
+      <p:cxnSp>
+        <p:nvCxnSpPr>
+          <p:cNvPr id="16" name="직선 화살표 연결선 15"/>
+          <p:cNvCxnSpPr/>
+          <p:nvPr/>
+        </p:nvCxnSpPr>
+        <p:spPr>
+          <a:xfrm flipH="1">
+            <a:off x="3361120" y="2107176"/>
+            <a:ext cx="540000" cy="0"/>
+          </a:xfrm>
+          <a:prstGeom prst="straightConnector1">
+            <a:avLst/>
+          </a:prstGeom>
+          <a:ln w="28575">
+            <a:solidFill>
+              <a:schemeClr val="tx1"/>
+            </a:solidFill>
+            <a:headEnd type="triangle"/>
+            <a:tailEnd type="none"/>
+          </a:ln>
+        </p:spPr>
+        <p:style>
+          <a:lnRef idx="1">
+            <a:schemeClr val="accent1"/>
+          </a:lnRef>
+          <a:fillRef idx="0">
+            <a:schemeClr val="accent1"/>
+          </a:fillRef>
+          <a:effectRef idx="0">
+            <a:schemeClr val="accent1"/>
+          </a:effectRef>
+          <a:fontRef idx="minor">
+            <a:schemeClr val="tx1"/>
+          </a:fontRef>
+        </p:style>
+      </p:cxnSp>
+      <p:cxnSp>
+        <p:nvCxnSpPr>
+          <p:cNvPr id="19" name="직선 화살표 연결선 18"/>
+          <p:cNvCxnSpPr/>
+          <p:nvPr/>
+        </p:nvCxnSpPr>
+        <p:spPr>
+          <a:xfrm flipH="1">
+            <a:off x="2608264" y="2557104"/>
+            <a:ext cx="540000" cy="0"/>
+          </a:xfrm>
+          <a:prstGeom prst="straightConnector1">
+            <a:avLst/>
+          </a:prstGeom>
+          <a:ln w="28575">
+            <a:solidFill>
+              <a:schemeClr val="tx1"/>
+            </a:solidFill>
+            <a:headEnd type="triangle"/>
+            <a:tailEnd type="none"/>
+          </a:ln>
+        </p:spPr>
+        <p:style>
+          <a:lnRef idx="1">
+            <a:schemeClr val="accent1"/>
+          </a:lnRef>
+          <a:fillRef idx="0">
+            <a:schemeClr val="accent1"/>
+          </a:fillRef>
+          <a:effectRef idx="0">
+            <a:schemeClr val="accent1"/>
+          </a:effectRef>
+          <a:fontRef idx="minor">
+            <a:schemeClr val="tx1"/>
+          </a:fontRef>
+        </p:style>
+      </p:cxnSp>
+      <p:cxnSp>
+        <p:nvCxnSpPr>
+          <p:cNvPr id="20" name="직선 화살표 연결선 19"/>
+          <p:cNvCxnSpPr/>
+          <p:nvPr/>
+        </p:nvCxnSpPr>
+        <p:spPr>
+          <a:xfrm flipH="1">
+            <a:off x="2788264" y="2652720"/>
+            <a:ext cx="360000" cy="0"/>
+          </a:xfrm>
+          <a:prstGeom prst="straightConnector1">
+            <a:avLst/>
+          </a:prstGeom>
+          <a:ln w="28575">
+            <a:solidFill>
+              <a:schemeClr val="tx1"/>
+            </a:solidFill>
+            <a:headEnd type="triangle"/>
+            <a:tailEnd type="none"/>
+          </a:ln>
+        </p:spPr>
+        <p:style>
+          <a:lnRef idx="1">
+            <a:schemeClr val="accent1"/>
+          </a:lnRef>
+          <a:fillRef idx="0">
+            <a:schemeClr val="accent1"/>
+          </a:fillRef>
+          <a:effectRef idx="0">
+            <a:schemeClr val="accent1"/>
+          </a:effectRef>
+          <a:fontRef idx="minor">
+            <a:schemeClr val="tx1"/>
+          </a:fontRef>
+        </p:style>
+      </p:cxnSp>
+      <p:cxnSp>
+        <p:nvCxnSpPr>
+          <p:cNvPr id="21" name="직선 화살표 연결선 20"/>
+          <p:cNvCxnSpPr/>
+          <p:nvPr/>
+        </p:nvCxnSpPr>
+        <p:spPr>
+          <a:xfrm flipH="1">
+            <a:off x="2788264" y="2748336"/>
+            <a:ext cx="360000" cy="0"/>
+          </a:xfrm>
+          <a:prstGeom prst="straightConnector1">
+            <a:avLst/>
+          </a:prstGeom>
+          <a:ln w="28575">
+            <a:solidFill>
+              <a:schemeClr val="tx1"/>
+            </a:solidFill>
+            <a:headEnd type="none"/>
+            <a:tailEnd type="triangle"/>
+          </a:ln>
+        </p:spPr>
+        <p:style>
+          <a:lnRef idx="1">
+            <a:schemeClr val="accent1"/>
+          </a:lnRef>
+          <a:fillRef idx="0">
+            <a:schemeClr val="accent1"/>
+          </a:fillRef>
+          <a:effectRef idx="0">
+            <a:schemeClr val="accent1"/>
+          </a:effectRef>
+          <a:fontRef idx="minor">
+            <a:schemeClr val="tx1"/>
+          </a:fontRef>
+        </p:style>
+      </p:cxnSp>
+      <p:cxnSp>
+        <p:nvCxnSpPr>
+          <p:cNvPr id="22" name="직선 화살표 연결선 21"/>
+          <p:cNvCxnSpPr/>
+          <p:nvPr/>
+        </p:nvCxnSpPr>
+        <p:spPr>
+          <a:xfrm flipH="1">
+            <a:off x="2608264" y="2843952"/>
+            <a:ext cx="540000" cy="0"/>
+          </a:xfrm>
+          <a:prstGeom prst="straightConnector1">
+            <a:avLst/>
+          </a:prstGeom>
+          <a:ln w="28575">
+            <a:solidFill>
+              <a:schemeClr val="tx1"/>
+            </a:solidFill>
+            <a:headEnd type="none"/>
+            <a:tailEnd type="triangle"/>
+          </a:ln>
+        </p:spPr>
+        <p:style>
+          <a:lnRef idx="1">
+            <a:schemeClr val="accent1"/>
+          </a:lnRef>
+          <a:fillRef idx="0">
+            <a:schemeClr val="accent1"/>
+          </a:fillRef>
+          <a:effectRef idx="0">
+            <a:schemeClr val="accent1"/>
+          </a:effectRef>
+          <a:fontRef idx="minor">
+            <a:schemeClr val="tx1"/>
+          </a:fontRef>
+        </p:style>
+      </p:cxnSp>
+      <p:cxnSp>
+        <p:nvCxnSpPr>
           <p:cNvPr id="23" name="직선 화살표 연결선 22"/>
           <p:cNvCxnSpPr/>
           <p:nvPr/>
         </p:nvCxnSpPr>
         <p:spPr>
           <a:xfrm flipH="1">
-            <a:off x="3946816" y="1770360"/>
+            <a:off x="4029112" y="1788600"/>
             <a:ext cx="0" cy="360000"/>
           </a:xfrm>
           <a:prstGeom prst="straightConnector1">
@@ -24417,7 +23632,7 @@
         </p:nvCxnSpPr>
         <p:spPr>
           <a:xfrm flipH="1">
-            <a:off x="2718472" y="2496738"/>
+            <a:off x="2444152" y="2520528"/>
             <a:ext cx="0" cy="360000"/>
           </a:xfrm>
           <a:prstGeom prst="straightConnector1">
@@ -24610,127 +23825,161 @@
           </a:p>
         </p:txBody>
       </p:sp>
-      <p:sp>
-        <p:nvSpPr>
-          <p:cNvPr id="39" name="오른쪽으로 구부러진 화살표 38"/>
-          <p:cNvSpPr/>
-          <p:nvPr/>
-        </p:nvSpPr>
-        <p:spPr>
-          <a:xfrm>
-            <a:off x="3543732" y="1788156"/>
-            <a:ext cx="182695" cy="346872"/>
-          </a:xfrm>
-          <a:prstGeom prst="curvedRightArrow">
-            <a:avLst>
-              <a:gd name="adj1" fmla="val 14127"/>
-              <a:gd name="adj2" fmla="val 50000"/>
-              <a:gd name="adj3" fmla="val 25000"/>
-            </a:avLst>
-          </a:prstGeom>
-          <a:solidFill>
-            <a:schemeClr val="tx1"/>
-          </a:solidFill>
-          <a:ln>
-            <a:solidFill>
-              <a:schemeClr val="tx1"/>
-            </a:solidFill>
-          </a:ln>
-        </p:spPr>
-        <p:style>
-          <a:lnRef idx="2">
-            <a:schemeClr val="accent1">
-              <a:shade val="50000"/>
-            </a:schemeClr>
-          </a:lnRef>
-          <a:fillRef idx="1">
-            <a:schemeClr val="accent1"/>
-          </a:fillRef>
-          <a:effectRef idx="0">
-            <a:schemeClr val="accent1"/>
-          </a:effectRef>
-          <a:fontRef idx="minor">
-            <a:schemeClr val="lt1"/>
-          </a:fontRef>
-        </p:style>
-        <p:txBody>
-          <a:bodyPr rtlCol="0" anchor="ctr"/>
-          <a:lstStyle/>
-          <a:p>
-            <a:pPr algn="ctr"/>
-            <a:endParaRPr lang="ko-KR" altLang="en-US">
-              <a:solidFill>
-                <a:schemeClr val="tx1"/>
-              </a:solidFill>
-            </a:endParaRPr>
-          </a:p>
-        </p:txBody>
-      </p:sp>
-      <p:sp>
-        <p:nvSpPr>
-          <p:cNvPr id="40" name="왼쪽으로 구부러진 화살표 39"/>
-          <p:cNvSpPr/>
-          <p:nvPr/>
-        </p:nvSpPr>
-        <p:spPr>
-          <a:xfrm>
-            <a:off x="2857500" y="2520528"/>
-            <a:ext cx="240304" cy="312420"/>
-          </a:xfrm>
-          <a:prstGeom prst="curvedLeftArrow">
-            <a:avLst>
-              <a:gd name="adj1" fmla="val 12111"/>
-              <a:gd name="adj2" fmla="val 50000"/>
-              <a:gd name="adj3" fmla="val 25000"/>
-            </a:avLst>
-          </a:prstGeom>
-          <a:solidFill>
-            <a:schemeClr val="tx1"/>
-          </a:solidFill>
-          <a:ln>
-            <a:solidFill>
-              <a:schemeClr val="tx1"/>
-            </a:solidFill>
-          </a:ln>
-        </p:spPr>
-        <p:style>
-          <a:lnRef idx="2">
-            <a:schemeClr val="accent1">
-              <a:shade val="50000"/>
-            </a:schemeClr>
-          </a:lnRef>
-          <a:fillRef idx="1">
-            <a:schemeClr val="accent1"/>
-          </a:fillRef>
-          <a:effectRef idx="0">
-            <a:schemeClr val="accent1"/>
-          </a:effectRef>
-          <a:fontRef idx="minor">
-            <a:schemeClr val="lt1"/>
-          </a:fontRef>
-        </p:style>
-        <p:txBody>
-          <a:bodyPr rtlCol="0" anchor="ctr"/>
-          <a:lstStyle/>
-          <a:p>
-            <a:pPr algn="ctr"/>
-            <a:endParaRPr lang="ko-KR" altLang="en-US">
-              <a:solidFill>
-                <a:schemeClr val="tx1"/>
-              </a:solidFill>
-            </a:endParaRPr>
-          </a:p>
-        </p:txBody>
-      </p:sp>
       <p:cxnSp>
         <p:nvCxnSpPr>
-          <p:cNvPr id="47" name="직선 화살표 연결선 46"/>
+          <p:cNvPr id="31" name="직선 화살표 연결선 30"/>
           <p:cNvCxnSpPr/>
           <p:nvPr/>
         </p:nvCxnSpPr>
         <p:spPr>
           <a:xfrm flipH="1">
-            <a:off x="10096876" y="1735680"/>
+            <a:off x="9685720" y="1791528"/>
+            <a:ext cx="540000" cy="0"/>
+          </a:xfrm>
+          <a:prstGeom prst="straightConnector1">
+            <a:avLst/>
+          </a:prstGeom>
+          <a:ln w="28575">
+            <a:solidFill>
+              <a:schemeClr val="tx1"/>
+            </a:solidFill>
+            <a:tailEnd type="triangle"/>
+          </a:ln>
+        </p:spPr>
+        <p:style>
+          <a:lnRef idx="1">
+            <a:schemeClr val="accent1"/>
+          </a:lnRef>
+          <a:fillRef idx="0">
+            <a:schemeClr val="accent1"/>
+          </a:fillRef>
+          <a:effectRef idx="0">
+            <a:schemeClr val="accent1"/>
+          </a:effectRef>
+          <a:fontRef idx="minor">
+            <a:schemeClr val="tx1"/>
+          </a:fontRef>
+        </p:style>
+      </p:cxnSp>
+      <p:cxnSp>
+        <p:nvCxnSpPr>
+          <p:cNvPr id="32" name="직선 화살표 연결선 31"/>
+          <p:cNvCxnSpPr/>
+          <p:nvPr/>
+        </p:nvCxnSpPr>
+        <p:spPr>
+          <a:xfrm flipH="1">
+            <a:off x="9685720" y="1887144"/>
+            <a:ext cx="360000" cy="0"/>
+          </a:xfrm>
+          <a:prstGeom prst="straightConnector1">
+            <a:avLst/>
+          </a:prstGeom>
+          <a:ln w="28575">
+            <a:solidFill>
+              <a:schemeClr val="tx1"/>
+            </a:solidFill>
+            <a:tailEnd type="triangle"/>
+          </a:ln>
+        </p:spPr>
+        <p:style>
+          <a:lnRef idx="1">
+            <a:schemeClr val="accent1"/>
+          </a:lnRef>
+          <a:fillRef idx="0">
+            <a:schemeClr val="accent1"/>
+          </a:fillRef>
+          <a:effectRef idx="0">
+            <a:schemeClr val="accent1"/>
+          </a:effectRef>
+          <a:fontRef idx="minor">
+            <a:schemeClr val="tx1"/>
+          </a:fontRef>
+        </p:style>
+      </p:cxnSp>
+      <p:cxnSp>
+        <p:nvCxnSpPr>
+          <p:cNvPr id="33" name="직선 화살표 연결선 32"/>
+          <p:cNvCxnSpPr/>
+          <p:nvPr/>
+        </p:nvCxnSpPr>
+        <p:spPr>
+          <a:xfrm flipH="1">
+            <a:off x="9685720" y="1982760"/>
+            <a:ext cx="360000" cy="0"/>
+          </a:xfrm>
+          <a:prstGeom prst="straightConnector1">
+            <a:avLst/>
+          </a:prstGeom>
+          <a:ln w="28575">
+            <a:solidFill>
+              <a:schemeClr val="tx1"/>
+            </a:solidFill>
+            <a:headEnd type="triangle"/>
+            <a:tailEnd type="none"/>
+          </a:ln>
+        </p:spPr>
+        <p:style>
+          <a:lnRef idx="1">
+            <a:schemeClr val="accent1"/>
+          </a:lnRef>
+          <a:fillRef idx="0">
+            <a:schemeClr val="accent1"/>
+          </a:fillRef>
+          <a:effectRef idx="0">
+            <a:schemeClr val="accent1"/>
+          </a:effectRef>
+          <a:fontRef idx="minor">
+            <a:schemeClr val="tx1"/>
+          </a:fontRef>
+        </p:style>
+      </p:cxnSp>
+      <p:cxnSp>
+        <p:nvCxnSpPr>
+          <p:cNvPr id="34" name="직선 화살표 연결선 33"/>
+          <p:cNvCxnSpPr/>
+          <p:nvPr/>
+        </p:nvCxnSpPr>
+        <p:spPr>
+          <a:xfrm flipH="1">
+            <a:off x="9685720" y="2078376"/>
+            <a:ext cx="540000" cy="0"/>
+          </a:xfrm>
+          <a:prstGeom prst="straightConnector1">
+            <a:avLst/>
+          </a:prstGeom>
+          <a:ln w="28575">
+            <a:solidFill>
+              <a:schemeClr val="tx1"/>
+            </a:solidFill>
+            <a:headEnd type="triangle"/>
+            <a:tailEnd type="none"/>
+          </a:ln>
+        </p:spPr>
+        <p:style>
+          <a:lnRef idx="1">
+            <a:schemeClr val="accent1"/>
+          </a:lnRef>
+          <a:fillRef idx="0">
+            <a:schemeClr val="accent1"/>
+          </a:fillRef>
+          <a:effectRef idx="0">
+            <a:schemeClr val="accent1"/>
+          </a:effectRef>
+          <a:fontRef idx="minor">
+            <a:schemeClr val="tx1"/>
+          </a:fontRef>
+        </p:style>
+      </p:cxnSp>
+      <p:cxnSp>
+        <p:nvCxnSpPr>
+          <p:cNvPr id="35" name="직선 화살표 연결선 34"/>
+          <p:cNvCxnSpPr/>
+          <p:nvPr/>
+        </p:nvCxnSpPr>
+        <p:spPr>
+          <a:xfrm flipH="1">
+            <a:off x="10353712" y="1759800"/>
             <a:ext cx="0" cy="360000"/>
           </a:xfrm>
           <a:prstGeom prst="straightConnector1">
@@ -24759,71 +24008,163 @@
           </a:fontRef>
         </p:style>
       </p:cxnSp>
-      <p:sp>
-        <p:nvSpPr>
-          <p:cNvPr id="48" name="오른쪽으로 구부러진 화살표 47"/>
-          <p:cNvSpPr/>
-          <p:nvPr/>
-        </p:nvSpPr>
-        <p:spPr>
-          <a:xfrm>
-            <a:off x="9693792" y="1753476"/>
-            <a:ext cx="182695" cy="346872"/>
-          </a:xfrm>
-          <a:prstGeom prst="curvedRightArrow">
-            <a:avLst>
-              <a:gd name="adj1" fmla="val 14127"/>
-              <a:gd name="adj2" fmla="val 50000"/>
-              <a:gd name="adj3" fmla="val 25000"/>
-            </a:avLst>
-          </a:prstGeom>
-          <a:solidFill>
-            <a:schemeClr val="tx1"/>
-          </a:solidFill>
-          <a:ln>
-            <a:solidFill>
-              <a:schemeClr val="tx1"/>
-            </a:solidFill>
-          </a:ln>
-        </p:spPr>
-        <p:style>
-          <a:lnRef idx="2">
-            <a:schemeClr val="accent1">
-              <a:shade val="50000"/>
-            </a:schemeClr>
-          </a:lnRef>
-          <a:fillRef idx="1">
-            <a:schemeClr val="accent1"/>
-          </a:fillRef>
-          <a:effectRef idx="0">
-            <a:schemeClr val="accent1"/>
-          </a:effectRef>
-          <a:fontRef idx="minor">
-            <a:schemeClr val="lt1"/>
-          </a:fontRef>
-        </p:style>
-        <p:txBody>
-          <a:bodyPr rtlCol="0" anchor="ctr"/>
-          <a:lstStyle/>
-          <a:p>
-            <a:pPr algn="ctr"/>
-            <a:endParaRPr lang="ko-KR" altLang="en-US">
-              <a:solidFill>
-                <a:schemeClr val="tx1"/>
-              </a:solidFill>
-            </a:endParaRPr>
-          </a:p>
-        </p:txBody>
-      </p:sp>
       <p:cxnSp>
         <p:nvCxnSpPr>
-          <p:cNvPr id="49" name="직선 화살표 연결선 48"/>
+          <p:cNvPr id="41" name="직선 화살표 연결선 40"/>
           <p:cNvCxnSpPr/>
           <p:nvPr/>
         </p:nvCxnSpPr>
         <p:spPr>
           <a:xfrm flipH="1">
-            <a:off x="8313712" y="1764366"/>
+            <a:off x="8201344" y="1770360"/>
+            <a:ext cx="540000" cy="0"/>
+          </a:xfrm>
+          <a:prstGeom prst="straightConnector1">
+            <a:avLst/>
+          </a:prstGeom>
+          <a:ln w="28575">
+            <a:solidFill>
+              <a:schemeClr val="tx1"/>
+            </a:solidFill>
+            <a:headEnd type="triangle"/>
+            <a:tailEnd type="none"/>
+          </a:ln>
+        </p:spPr>
+        <p:style>
+          <a:lnRef idx="1">
+            <a:schemeClr val="accent1"/>
+          </a:lnRef>
+          <a:fillRef idx="0">
+            <a:schemeClr val="accent1"/>
+          </a:fillRef>
+          <a:effectRef idx="0">
+            <a:schemeClr val="accent1"/>
+          </a:effectRef>
+          <a:fontRef idx="minor">
+            <a:schemeClr val="tx1"/>
+          </a:fontRef>
+        </p:style>
+      </p:cxnSp>
+      <p:cxnSp>
+        <p:nvCxnSpPr>
+          <p:cNvPr id="42" name="직선 화살표 연결선 41"/>
+          <p:cNvCxnSpPr/>
+          <p:nvPr/>
+        </p:nvCxnSpPr>
+        <p:spPr>
+          <a:xfrm flipH="1">
+            <a:off x="8381344" y="1865976"/>
+            <a:ext cx="360000" cy="0"/>
+          </a:xfrm>
+          <a:prstGeom prst="straightConnector1">
+            <a:avLst/>
+          </a:prstGeom>
+          <a:ln w="28575">
+            <a:solidFill>
+              <a:schemeClr val="tx1"/>
+            </a:solidFill>
+            <a:headEnd type="triangle"/>
+            <a:tailEnd type="none"/>
+          </a:ln>
+        </p:spPr>
+        <p:style>
+          <a:lnRef idx="1">
+            <a:schemeClr val="accent1"/>
+          </a:lnRef>
+          <a:fillRef idx="0">
+            <a:schemeClr val="accent1"/>
+          </a:fillRef>
+          <a:effectRef idx="0">
+            <a:schemeClr val="accent1"/>
+          </a:effectRef>
+          <a:fontRef idx="minor">
+            <a:schemeClr val="tx1"/>
+          </a:fontRef>
+        </p:style>
+      </p:cxnSp>
+      <p:cxnSp>
+        <p:nvCxnSpPr>
+          <p:cNvPr id="43" name="직선 화살표 연결선 42"/>
+          <p:cNvCxnSpPr/>
+          <p:nvPr/>
+        </p:nvCxnSpPr>
+        <p:spPr>
+          <a:xfrm flipH="1">
+            <a:off x="8381344" y="1961592"/>
+            <a:ext cx="360000" cy="0"/>
+          </a:xfrm>
+          <a:prstGeom prst="straightConnector1">
+            <a:avLst/>
+          </a:prstGeom>
+          <a:ln w="28575">
+            <a:solidFill>
+              <a:schemeClr val="tx1"/>
+            </a:solidFill>
+            <a:headEnd type="none"/>
+            <a:tailEnd type="triangle"/>
+          </a:ln>
+        </p:spPr>
+        <p:style>
+          <a:lnRef idx="1">
+            <a:schemeClr val="accent1"/>
+          </a:lnRef>
+          <a:fillRef idx="0">
+            <a:schemeClr val="accent1"/>
+          </a:fillRef>
+          <a:effectRef idx="0">
+            <a:schemeClr val="accent1"/>
+          </a:effectRef>
+          <a:fontRef idx="minor">
+            <a:schemeClr val="tx1"/>
+          </a:fontRef>
+        </p:style>
+      </p:cxnSp>
+      <p:cxnSp>
+        <p:nvCxnSpPr>
+          <p:cNvPr id="44" name="직선 화살표 연결선 43"/>
+          <p:cNvCxnSpPr/>
+          <p:nvPr/>
+        </p:nvCxnSpPr>
+        <p:spPr>
+          <a:xfrm flipH="1">
+            <a:off x="8201344" y="2057208"/>
+            <a:ext cx="540000" cy="0"/>
+          </a:xfrm>
+          <a:prstGeom prst="straightConnector1">
+            <a:avLst/>
+          </a:prstGeom>
+          <a:ln w="28575">
+            <a:solidFill>
+              <a:schemeClr val="tx1"/>
+            </a:solidFill>
+            <a:headEnd type="none"/>
+            <a:tailEnd type="triangle"/>
+          </a:ln>
+        </p:spPr>
+        <p:style>
+          <a:lnRef idx="1">
+            <a:schemeClr val="accent1"/>
+          </a:lnRef>
+          <a:fillRef idx="0">
+            <a:schemeClr val="accent1"/>
+          </a:fillRef>
+          <a:effectRef idx="0">
+            <a:schemeClr val="accent1"/>
+          </a:effectRef>
+          <a:fontRef idx="minor">
+            <a:schemeClr val="tx1"/>
+          </a:fontRef>
+        </p:style>
+      </p:cxnSp>
+      <p:cxnSp>
+        <p:nvCxnSpPr>
+          <p:cNvPr id="45" name="직선 화살표 연결선 44"/>
+          <p:cNvCxnSpPr/>
+          <p:nvPr/>
+        </p:nvCxnSpPr>
+        <p:spPr>
+          <a:xfrm flipH="1">
+            <a:off x="8037232" y="1733784"/>
             <a:ext cx="0" cy="360000"/>
           </a:xfrm>
           <a:prstGeom prst="straightConnector1">
@@ -24852,66 +24193,45 @@
           </a:fontRef>
         </p:style>
       </p:cxnSp>
-      <p:sp>
-        <p:nvSpPr>
-          <p:cNvPr id="50" name="왼쪽으로 구부러진 화살표 49"/>
-          <p:cNvSpPr/>
+      <p:cxnSp>
+        <p:nvCxnSpPr>
+          <p:cNvPr id="3" name="직선 연결선 2"/>
+          <p:cNvCxnSpPr/>
           <p:nvPr/>
-        </p:nvSpPr>
+        </p:nvCxnSpPr>
         <p:spPr>
           <a:xfrm>
-            <a:off x="8452740" y="1788156"/>
-            <a:ext cx="240304" cy="312420"/>
+            <a:off x="740664" y="81023"/>
+            <a:ext cx="0" cy="1388962"/>
           </a:xfrm>
-          <a:prstGeom prst="curvedLeftArrow">
-            <a:avLst>
-              <a:gd name="adj1" fmla="val 12111"/>
-              <a:gd name="adj2" fmla="val 50000"/>
-              <a:gd name="adj3" fmla="val 25000"/>
-            </a:avLst>
+          <a:prstGeom prst="line">
+            <a:avLst/>
           </a:prstGeom>
-          <a:solidFill>
-            <a:schemeClr val="tx1"/>
-          </a:solidFill>
-          <a:ln>
+          <a:ln w="28575">
             <a:solidFill>
               <a:schemeClr val="tx1"/>
             </a:solidFill>
           </a:ln>
         </p:spPr>
         <p:style>
-          <a:lnRef idx="2">
-            <a:schemeClr val="accent1">
-              <a:shade val="50000"/>
-            </a:schemeClr>
+          <a:lnRef idx="1">
+            <a:schemeClr val="accent1"/>
           </a:lnRef>
-          <a:fillRef idx="1">
+          <a:fillRef idx="0">
             <a:schemeClr val="accent1"/>
           </a:fillRef>
           <a:effectRef idx="0">
             <a:schemeClr val="accent1"/>
           </a:effectRef>
           <a:fontRef idx="minor">
-            <a:schemeClr val="lt1"/>
+            <a:schemeClr val="tx1"/>
           </a:fontRef>
         </p:style>
-        <p:txBody>
-          <a:bodyPr rtlCol="0" anchor="ctr"/>
-          <a:lstStyle/>
-          <a:p>
-            <a:pPr algn="ctr"/>
-            <a:endParaRPr lang="ko-KR" altLang="en-US">
-              <a:solidFill>
-                <a:schemeClr val="tx1"/>
-              </a:solidFill>
-            </a:endParaRPr>
-          </a:p>
-        </p:txBody>
-      </p:sp>
+      </p:cxnSp>
     </p:spTree>
     <p:extLst>
       <p:ext uri="{BB962C8B-B14F-4D97-AF65-F5344CB8AC3E}">
-        <p14:creationId xmlns:p14="http://schemas.microsoft.com/office/powerpoint/2010/main" val="1296612212"/>
+        <p14:creationId xmlns:p14="http://schemas.microsoft.com/office/powerpoint/2010/main" val="3178709268"/>
       </p:ext>
     </p:extLst>
   </p:cSld>
@@ -27090,6 +26410,746 @@
           <a:chExt cx="0" cy="0"/>
         </a:xfrm>
       </p:grpSpPr>
+      <p:sp>
+        <p:nvSpPr>
+          <p:cNvPr id="4" name="직사각형 3"/>
+          <p:cNvSpPr/>
+          <p:nvPr/>
+        </p:nvSpPr>
+        <p:spPr>
+          <a:xfrm>
+            <a:off x="740664" y="637200"/>
+            <a:ext cx="5040000" cy="360000"/>
+          </a:xfrm>
+          <a:prstGeom prst="rect">
+            <a:avLst/>
+          </a:prstGeom>
+          <a:noFill/>
+          <a:ln w="28575">
+            <a:solidFill>
+              <a:schemeClr val="tx1"/>
+            </a:solidFill>
+          </a:ln>
+        </p:spPr>
+        <p:style>
+          <a:lnRef idx="2">
+            <a:schemeClr val="accent1">
+              <a:shade val="50000"/>
+            </a:schemeClr>
+          </a:lnRef>
+          <a:fillRef idx="1">
+            <a:schemeClr val="accent1"/>
+          </a:fillRef>
+          <a:effectRef idx="0">
+            <a:schemeClr val="accent1"/>
+          </a:effectRef>
+          <a:fontRef idx="minor">
+            <a:schemeClr val="lt1"/>
+          </a:fontRef>
+        </p:style>
+        <p:txBody>
+          <a:bodyPr rtlCol="0" anchor="ctr"/>
+          <a:lstStyle/>
+          <a:p>
+            <a:pPr algn="ctr"/>
+            <a:endParaRPr lang="ko-KR" altLang="en-US"/>
+          </a:p>
+        </p:txBody>
+      </p:sp>
+      <p:cxnSp>
+        <p:nvCxnSpPr>
+          <p:cNvPr id="6" name="직선 연결선 5"/>
+          <p:cNvCxnSpPr/>
+          <p:nvPr/>
+        </p:nvCxnSpPr>
+        <p:spPr>
+          <a:xfrm>
+            <a:off x="3260664" y="457200"/>
+            <a:ext cx="0" cy="720000"/>
+          </a:xfrm>
+          <a:prstGeom prst="line">
+            <a:avLst/>
+          </a:prstGeom>
+          <a:ln w="19050">
+            <a:solidFill>
+              <a:schemeClr val="tx1"/>
+            </a:solidFill>
+            <a:prstDash val="lgDash"/>
+          </a:ln>
+        </p:spPr>
+        <p:style>
+          <a:lnRef idx="1">
+            <a:schemeClr val="accent1"/>
+          </a:lnRef>
+          <a:fillRef idx="0">
+            <a:schemeClr val="accent1"/>
+          </a:fillRef>
+          <a:effectRef idx="0">
+            <a:schemeClr val="accent1"/>
+          </a:effectRef>
+          <a:fontRef idx="minor">
+            <a:schemeClr val="tx1"/>
+          </a:fontRef>
+        </p:style>
+      </p:cxnSp>
+      <p:sp>
+        <p:nvSpPr>
+          <p:cNvPr id="10" name="직사각형 9"/>
+          <p:cNvSpPr/>
+          <p:nvPr/>
+        </p:nvSpPr>
+        <p:spPr>
+          <a:xfrm>
+            <a:off x="740664" y="1758864"/>
+            <a:ext cx="2520000" cy="360000"/>
+          </a:xfrm>
+          <a:prstGeom prst="rect">
+            <a:avLst/>
+          </a:prstGeom>
+          <a:noFill/>
+          <a:ln w="28575">
+            <a:solidFill>
+              <a:schemeClr val="tx1"/>
+            </a:solidFill>
+          </a:ln>
+        </p:spPr>
+        <p:style>
+          <a:lnRef idx="2">
+            <a:schemeClr val="accent1">
+              <a:shade val="50000"/>
+            </a:schemeClr>
+          </a:lnRef>
+          <a:fillRef idx="1">
+            <a:schemeClr val="accent1"/>
+          </a:fillRef>
+          <a:effectRef idx="0">
+            <a:schemeClr val="accent1"/>
+          </a:effectRef>
+          <a:fontRef idx="minor">
+            <a:schemeClr val="lt1"/>
+          </a:fontRef>
+        </p:style>
+        <p:txBody>
+          <a:bodyPr rtlCol="0" anchor="ctr"/>
+          <a:lstStyle/>
+          <a:p>
+            <a:pPr algn="ctr"/>
+            <a:endParaRPr lang="ko-KR" altLang="en-US"/>
+          </a:p>
+        </p:txBody>
+      </p:sp>
+      <p:sp>
+        <p:nvSpPr>
+          <p:cNvPr id="11" name="직사각형 10"/>
+          <p:cNvSpPr/>
+          <p:nvPr/>
+        </p:nvSpPr>
+        <p:spPr>
+          <a:xfrm>
+            <a:off x="3260664" y="2520528"/>
+            <a:ext cx="2520000" cy="360000"/>
+          </a:xfrm>
+          <a:prstGeom prst="rect">
+            <a:avLst/>
+          </a:prstGeom>
+          <a:noFill/>
+          <a:ln w="28575">
+            <a:solidFill>
+              <a:schemeClr val="tx1"/>
+            </a:solidFill>
+          </a:ln>
+        </p:spPr>
+        <p:style>
+          <a:lnRef idx="2">
+            <a:schemeClr val="accent1">
+              <a:shade val="50000"/>
+            </a:schemeClr>
+          </a:lnRef>
+          <a:fillRef idx="1">
+            <a:schemeClr val="accent1"/>
+          </a:fillRef>
+          <a:effectRef idx="0">
+            <a:schemeClr val="accent1"/>
+          </a:effectRef>
+          <a:fontRef idx="minor">
+            <a:schemeClr val="lt1"/>
+          </a:fontRef>
+        </p:style>
+        <p:txBody>
+          <a:bodyPr rtlCol="0" anchor="ctr"/>
+          <a:lstStyle/>
+          <a:p>
+            <a:pPr algn="ctr"/>
+            <a:endParaRPr lang="ko-KR" altLang="en-US"/>
+          </a:p>
+        </p:txBody>
+      </p:sp>
+      <p:cxnSp>
+        <p:nvCxnSpPr>
+          <p:cNvPr id="23" name="직선 화살표 연결선 22"/>
+          <p:cNvCxnSpPr/>
+          <p:nvPr/>
+        </p:nvCxnSpPr>
+        <p:spPr>
+          <a:xfrm flipH="1">
+            <a:off x="3946816" y="1770360"/>
+            <a:ext cx="0" cy="360000"/>
+          </a:xfrm>
+          <a:prstGeom prst="straightConnector1">
+            <a:avLst/>
+          </a:prstGeom>
+          <a:ln w="28575">
+            <a:solidFill>
+              <a:schemeClr val="tx1"/>
+            </a:solidFill>
+            <a:headEnd type="triangle"/>
+            <a:tailEnd type="none"/>
+          </a:ln>
+        </p:spPr>
+        <p:style>
+          <a:lnRef idx="1">
+            <a:schemeClr val="accent1"/>
+          </a:lnRef>
+          <a:fillRef idx="0">
+            <a:schemeClr val="accent1"/>
+          </a:fillRef>
+          <a:effectRef idx="0">
+            <a:schemeClr val="accent1"/>
+          </a:effectRef>
+          <a:fontRef idx="minor">
+            <a:schemeClr val="tx1"/>
+          </a:fontRef>
+        </p:style>
+      </p:cxnSp>
+      <p:cxnSp>
+        <p:nvCxnSpPr>
+          <p:cNvPr id="24" name="직선 화살표 연결선 23"/>
+          <p:cNvCxnSpPr/>
+          <p:nvPr/>
+        </p:nvCxnSpPr>
+        <p:spPr>
+          <a:xfrm flipH="1">
+            <a:off x="2718472" y="2496738"/>
+            <a:ext cx="0" cy="360000"/>
+          </a:xfrm>
+          <a:prstGeom prst="straightConnector1">
+            <a:avLst/>
+          </a:prstGeom>
+          <a:ln w="28575">
+            <a:solidFill>
+              <a:schemeClr val="tx1"/>
+            </a:solidFill>
+            <a:headEnd type="none"/>
+            <a:tailEnd type="triangle"/>
+          </a:ln>
+        </p:spPr>
+        <p:style>
+          <a:lnRef idx="1">
+            <a:schemeClr val="accent1"/>
+          </a:lnRef>
+          <a:fillRef idx="0">
+            <a:schemeClr val="accent1"/>
+          </a:fillRef>
+          <a:effectRef idx="0">
+            <a:schemeClr val="accent1"/>
+          </a:effectRef>
+          <a:fontRef idx="minor">
+            <a:schemeClr val="tx1"/>
+          </a:fontRef>
+        </p:style>
+      </p:cxnSp>
+      <p:sp>
+        <p:nvSpPr>
+          <p:cNvPr id="25" name="직사각형 24"/>
+          <p:cNvSpPr/>
+          <p:nvPr/>
+        </p:nvSpPr>
+        <p:spPr>
+          <a:xfrm>
+            <a:off x="6690360" y="637200"/>
+            <a:ext cx="5040000" cy="360000"/>
+          </a:xfrm>
+          <a:prstGeom prst="rect">
+            <a:avLst/>
+          </a:prstGeom>
+          <a:noFill/>
+          <a:ln w="28575">
+            <a:solidFill>
+              <a:schemeClr val="tx1"/>
+            </a:solidFill>
+          </a:ln>
+        </p:spPr>
+        <p:style>
+          <a:lnRef idx="2">
+            <a:schemeClr val="accent1">
+              <a:shade val="50000"/>
+            </a:schemeClr>
+          </a:lnRef>
+          <a:fillRef idx="1">
+            <a:schemeClr val="accent1"/>
+          </a:fillRef>
+          <a:effectRef idx="0">
+            <a:schemeClr val="accent1"/>
+          </a:effectRef>
+          <a:fontRef idx="minor">
+            <a:schemeClr val="lt1"/>
+          </a:fontRef>
+        </p:style>
+        <p:txBody>
+          <a:bodyPr rtlCol="0" anchor="ctr"/>
+          <a:lstStyle/>
+          <a:p>
+            <a:pPr algn="ctr"/>
+            <a:endParaRPr lang="ko-KR" altLang="en-US"/>
+          </a:p>
+        </p:txBody>
+      </p:sp>
+      <p:cxnSp>
+        <p:nvCxnSpPr>
+          <p:cNvPr id="26" name="직선 연결선 25"/>
+          <p:cNvCxnSpPr/>
+          <p:nvPr/>
+        </p:nvCxnSpPr>
+        <p:spPr>
+          <a:xfrm>
+            <a:off x="8872032" y="457200"/>
+            <a:ext cx="0" cy="720000"/>
+          </a:xfrm>
+          <a:prstGeom prst="line">
+            <a:avLst/>
+          </a:prstGeom>
+          <a:ln w="19050">
+            <a:solidFill>
+              <a:schemeClr val="tx1"/>
+            </a:solidFill>
+            <a:prstDash val="lgDash"/>
+          </a:ln>
+        </p:spPr>
+        <p:style>
+          <a:lnRef idx="1">
+            <a:schemeClr val="accent1"/>
+          </a:lnRef>
+          <a:fillRef idx="0">
+            <a:schemeClr val="accent1"/>
+          </a:fillRef>
+          <a:effectRef idx="0">
+            <a:schemeClr val="accent1"/>
+          </a:effectRef>
+          <a:fontRef idx="minor">
+            <a:schemeClr val="tx1"/>
+          </a:fontRef>
+        </p:style>
+      </p:cxnSp>
+      <p:cxnSp>
+        <p:nvCxnSpPr>
+          <p:cNvPr id="27" name="직선 연결선 26"/>
+          <p:cNvCxnSpPr/>
+          <p:nvPr/>
+        </p:nvCxnSpPr>
+        <p:spPr>
+          <a:xfrm>
+            <a:off x="9576120" y="457200"/>
+            <a:ext cx="0" cy="720000"/>
+          </a:xfrm>
+          <a:prstGeom prst="line">
+            <a:avLst/>
+          </a:prstGeom>
+          <a:ln w="19050">
+            <a:solidFill>
+              <a:schemeClr val="tx1"/>
+            </a:solidFill>
+            <a:prstDash val="lgDash"/>
+          </a:ln>
+        </p:spPr>
+        <p:style>
+          <a:lnRef idx="1">
+            <a:schemeClr val="accent1"/>
+          </a:lnRef>
+          <a:fillRef idx="0">
+            <a:schemeClr val="accent1"/>
+          </a:fillRef>
+          <a:effectRef idx="0">
+            <a:schemeClr val="accent1"/>
+          </a:effectRef>
+          <a:fontRef idx="minor">
+            <a:schemeClr val="tx1"/>
+          </a:fontRef>
+        </p:style>
+      </p:cxnSp>
+      <p:sp>
+        <p:nvSpPr>
+          <p:cNvPr id="28" name="직사각형 27"/>
+          <p:cNvSpPr/>
+          <p:nvPr/>
+        </p:nvSpPr>
+        <p:spPr>
+          <a:xfrm>
+            <a:off x="8872032" y="1735656"/>
+            <a:ext cx="704088" cy="360000"/>
+          </a:xfrm>
+          <a:prstGeom prst="rect">
+            <a:avLst/>
+          </a:prstGeom>
+          <a:noFill/>
+          <a:ln w="28575">
+            <a:solidFill>
+              <a:schemeClr val="tx1"/>
+            </a:solidFill>
+          </a:ln>
+        </p:spPr>
+        <p:style>
+          <a:lnRef idx="2">
+            <a:schemeClr val="accent1">
+              <a:shade val="50000"/>
+            </a:schemeClr>
+          </a:lnRef>
+          <a:fillRef idx="1">
+            <a:schemeClr val="accent1"/>
+          </a:fillRef>
+          <a:effectRef idx="0">
+            <a:schemeClr val="accent1"/>
+          </a:effectRef>
+          <a:fontRef idx="minor">
+            <a:schemeClr val="lt1"/>
+          </a:fontRef>
+        </p:style>
+        <p:txBody>
+          <a:bodyPr rtlCol="0" anchor="ctr"/>
+          <a:lstStyle/>
+          <a:p>
+            <a:pPr algn="ctr"/>
+            <a:endParaRPr lang="ko-KR" altLang="en-US"/>
+          </a:p>
+        </p:txBody>
+      </p:sp>
+      <p:sp>
+        <p:nvSpPr>
+          <p:cNvPr id="39" name="오른쪽으로 구부러진 화살표 38"/>
+          <p:cNvSpPr/>
+          <p:nvPr/>
+        </p:nvSpPr>
+        <p:spPr>
+          <a:xfrm>
+            <a:off x="3543732" y="1788156"/>
+            <a:ext cx="182695" cy="346872"/>
+          </a:xfrm>
+          <a:prstGeom prst="curvedRightArrow">
+            <a:avLst>
+              <a:gd name="adj1" fmla="val 14127"/>
+              <a:gd name="adj2" fmla="val 50000"/>
+              <a:gd name="adj3" fmla="val 25000"/>
+            </a:avLst>
+          </a:prstGeom>
+          <a:solidFill>
+            <a:schemeClr val="tx1"/>
+          </a:solidFill>
+          <a:ln>
+            <a:solidFill>
+              <a:schemeClr val="tx1"/>
+            </a:solidFill>
+          </a:ln>
+        </p:spPr>
+        <p:style>
+          <a:lnRef idx="2">
+            <a:schemeClr val="accent1">
+              <a:shade val="50000"/>
+            </a:schemeClr>
+          </a:lnRef>
+          <a:fillRef idx="1">
+            <a:schemeClr val="accent1"/>
+          </a:fillRef>
+          <a:effectRef idx="0">
+            <a:schemeClr val="accent1"/>
+          </a:effectRef>
+          <a:fontRef idx="minor">
+            <a:schemeClr val="lt1"/>
+          </a:fontRef>
+        </p:style>
+        <p:txBody>
+          <a:bodyPr rtlCol="0" anchor="ctr"/>
+          <a:lstStyle/>
+          <a:p>
+            <a:pPr algn="ctr"/>
+            <a:endParaRPr lang="ko-KR" altLang="en-US">
+              <a:solidFill>
+                <a:schemeClr val="tx1"/>
+              </a:solidFill>
+            </a:endParaRPr>
+          </a:p>
+        </p:txBody>
+      </p:sp>
+      <p:sp>
+        <p:nvSpPr>
+          <p:cNvPr id="40" name="왼쪽으로 구부러진 화살표 39"/>
+          <p:cNvSpPr/>
+          <p:nvPr/>
+        </p:nvSpPr>
+        <p:spPr>
+          <a:xfrm>
+            <a:off x="2857500" y="2520528"/>
+            <a:ext cx="240304" cy="312420"/>
+          </a:xfrm>
+          <a:prstGeom prst="curvedLeftArrow">
+            <a:avLst>
+              <a:gd name="adj1" fmla="val 12111"/>
+              <a:gd name="adj2" fmla="val 50000"/>
+              <a:gd name="adj3" fmla="val 25000"/>
+            </a:avLst>
+          </a:prstGeom>
+          <a:solidFill>
+            <a:schemeClr val="tx1"/>
+          </a:solidFill>
+          <a:ln>
+            <a:solidFill>
+              <a:schemeClr val="tx1"/>
+            </a:solidFill>
+          </a:ln>
+        </p:spPr>
+        <p:style>
+          <a:lnRef idx="2">
+            <a:schemeClr val="accent1">
+              <a:shade val="50000"/>
+            </a:schemeClr>
+          </a:lnRef>
+          <a:fillRef idx="1">
+            <a:schemeClr val="accent1"/>
+          </a:fillRef>
+          <a:effectRef idx="0">
+            <a:schemeClr val="accent1"/>
+          </a:effectRef>
+          <a:fontRef idx="minor">
+            <a:schemeClr val="lt1"/>
+          </a:fontRef>
+        </p:style>
+        <p:txBody>
+          <a:bodyPr rtlCol="0" anchor="ctr"/>
+          <a:lstStyle/>
+          <a:p>
+            <a:pPr algn="ctr"/>
+            <a:endParaRPr lang="ko-KR" altLang="en-US">
+              <a:solidFill>
+                <a:schemeClr val="tx1"/>
+              </a:solidFill>
+            </a:endParaRPr>
+          </a:p>
+        </p:txBody>
+      </p:sp>
+      <p:cxnSp>
+        <p:nvCxnSpPr>
+          <p:cNvPr id="47" name="직선 화살표 연결선 46"/>
+          <p:cNvCxnSpPr/>
+          <p:nvPr/>
+        </p:nvCxnSpPr>
+        <p:spPr>
+          <a:xfrm flipH="1">
+            <a:off x="10096876" y="1735680"/>
+            <a:ext cx="0" cy="360000"/>
+          </a:xfrm>
+          <a:prstGeom prst="straightConnector1">
+            <a:avLst/>
+          </a:prstGeom>
+          <a:ln w="28575">
+            <a:solidFill>
+              <a:schemeClr val="tx1"/>
+            </a:solidFill>
+            <a:headEnd type="triangle"/>
+            <a:tailEnd type="none"/>
+          </a:ln>
+        </p:spPr>
+        <p:style>
+          <a:lnRef idx="1">
+            <a:schemeClr val="accent1"/>
+          </a:lnRef>
+          <a:fillRef idx="0">
+            <a:schemeClr val="accent1"/>
+          </a:fillRef>
+          <a:effectRef idx="0">
+            <a:schemeClr val="accent1"/>
+          </a:effectRef>
+          <a:fontRef idx="minor">
+            <a:schemeClr val="tx1"/>
+          </a:fontRef>
+        </p:style>
+      </p:cxnSp>
+      <p:sp>
+        <p:nvSpPr>
+          <p:cNvPr id="48" name="오른쪽으로 구부러진 화살표 47"/>
+          <p:cNvSpPr/>
+          <p:nvPr/>
+        </p:nvSpPr>
+        <p:spPr>
+          <a:xfrm>
+            <a:off x="9693792" y="1753476"/>
+            <a:ext cx="182695" cy="346872"/>
+          </a:xfrm>
+          <a:prstGeom prst="curvedRightArrow">
+            <a:avLst>
+              <a:gd name="adj1" fmla="val 14127"/>
+              <a:gd name="adj2" fmla="val 50000"/>
+              <a:gd name="adj3" fmla="val 25000"/>
+            </a:avLst>
+          </a:prstGeom>
+          <a:solidFill>
+            <a:schemeClr val="tx1"/>
+          </a:solidFill>
+          <a:ln>
+            <a:solidFill>
+              <a:schemeClr val="tx1"/>
+            </a:solidFill>
+          </a:ln>
+        </p:spPr>
+        <p:style>
+          <a:lnRef idx="2">
+            <a:schemeClr val="accent1">
+              <a:shade val="50000"/>
+            </a:schemeClr>
+          </a:lnRef>
+          <a:fillRef idx="1">
+            <a:schemeClr val="accent1"/>
+          </a:fillRef>
+          <a:effectRef idx="0">
+            <a:schemeClr val="accent1"/>
+          </a:effectRef>
+          <a:fontRef idx="minor">
+            <a:schemeClr val="lt1"/>
+          </a:fontRef>
+        </p:style>
+        <p:txBody>
+          <a:bodyPr rtlCol="0" anchor="ctr"/>
+          <a:lstStyle/>
+          <a:p>
+            <a:pPr algn="ctr"/>
+            <a:endParaRPr lang="ko-KR" altLang="en-US">
+              <a:solidFill>
+                <a:schemeClr val="tx1"/>
+              </a:solidFill>
+            </a:endParaRPr>
+          </a:p>
+        </p:txBody>
+      </p:sp>
+      <p:cxnSp>
+        <p:nvCxnSpPr>
+          <p:cNvPr id="49" name="직선 화살표 연결선 48"/>
+          <p:cNvCxnSpPr/>
+          <p:nvPr/>
+        </p:nvCxnSpPr>
+        <p:spPr>
+          <a:xfrm flipH="1">
+            <a:off x="8313712" y="1764366"/>
+            <a:ext cx="0" cy="360000"/>
+          </a:xfrm>
+          <a:prstGeom prst="straightConnector1">
+            <a:avLst/>
+          </a:prstGeom>
+          <a:ln w="28575">
+            <a:solidFill>
+              <a:schemeClr val="tx1"/>
+            </a:solidFill>
+            <a:headEnd type="none"/>
+            <a:tailEnd type="triangle"/>
+          </a:ln>
+        </p:spPr>
+        <p:style>
+          <a:lnRef idx="1">
+            <a:schemeClr val="accent1"/>
+          </a:lnRef>
+          <a:fillRef idx="0">
+            <a:schemeClr val="accent1"/>
+          </a:fillRef>
+          <a:effectRef idx="0">
+            <a:schemeClr val="accent1"/>
+          </a:effectRef>
+          <a:fontRef idx="minor">
+            <a:schemeClr val="tx1"/>
+          </a:fontRef>
+        </p:style>
+      </p:cxnSp>
+      <p:sp>
+        <p:nvSpPr>
+          <p:cNvPr id="50" name="왼쪽으로 구부러진 화살표 49"/>
+          <p:cNvSpPr/>
+          <p:nvPr/>
+        </p:nvSpPr>
+        <p:spPr>
+          <a:xfrm>
+            <a:off x="8452740" y="1788156"/>
+            <a:ext cx="240304" cy="312420"/>
+          </a:xfrm>
+          <a:prstGeom prst="curvedLeftArrow">
+            <a:avLst>
+              <a:gd name="adj1" fmla="val 12111"/>
+              <a:gd name="adj2" fmla="val 50000"/>
+              <a:gd name="adj3" fmla="val 25000"/>
+            </a:avLst>
+          </a:prstGeom>
+          <a:solidFill>
+            <a:schemeClr val="tx1"/>
+          </a:solidFill>
+          <a:ln>
+            <a:solidFill>
+              <a:schemeClr val="tx1"/>
+            </a:solidFill>
+          </a:ln>
+        </p:spPr>
+        <p:style>
+          <a:lnRef idx="2">
+            <a:schemeClr val="accent1">
+              <a:shade val="50000"/>
+            </a:schemeClr>
+          </a:lnRef>
+          <a:fillRef idx="1">
+            <a:schemeClr val="accent1"/>
+          </a:fillRef>
+          <a:effectRef idx="0">
+            <a:schemeClr val="accent1"/>
+          </a:effectRef>
+          <a:fontRef idx="minor">
+            <a:schemeClr val="lt1"/>
+          </a:fontRef>
+        </p:style>
+        <p:txBody>
+          <a:bodyPr rtlCol="0" anchor="ctr"/>
+          <a:lstStyle/>
+          <a:p>
+            <a:pPr algn="ctr"/>
+            <a:endParaRPr lang="ko-KR" altLang="en-US">
+              <a:solidFill>
+                <a:schemeClr val="tx1"/>
+              </a:solidFill>
+            </a:endParaRPr>
+          </a:p>
+        </p:txBody>
+      </p:sp>
+    </p:spTree>
+    <p:extLst>
+      <p:ext uri="{BB962C8B-B14F-4D97-AF65-F5344CB8AC3E}">
+        <p14:creationId xmlns:p14="http://schemas.microsoft.com/office/powerpoint/2010/main" val="1296612212"/>
+      </p:ext>
+    </p:extLst>
+  </p:cSld>
+  <p:clrMapOvr>
+    <a:masterClrMapping/>
+  </p:clrMapOvr>
+</p:sld>
+</file>
+
+<file path=ppt/slides/slide21.xml><?xml version="1.0" encoding="utf-8"?>
+<p:sld xmlns:a="http://schemas.openxmlformats.org/drawingml/2006/main" xmlns:r="http://schemas.openxmlformats.org/officeDocument/2006/relationships" xmlns:p="http://schemas.openxmlformats.org/presentationml/2006/main">
+  <p:cSld>
+    <p:spTree>
+      <p:nvGrpSpPr>
+        <p:cNvPr id="1" name=""/>
+        <p:cNvGrpSpPr/>
+        <p:nvPr/>
+      </p:nvGrpSpPr>
+      <p:grpSpPr>
+        <a:xfrm>
+          <a:off x="0" y="0"/>
+          <a:ext cx="0" cy="0"/>
+          <a:chOff x="0" y="0"/>
+          <a:chExt cx="0" cy="0"/>
+        </a:xfrm>
+      </p:grpSpPr>
       <p:pic>
         <p:nvPicPr>
           <p:cNvPr id="5" name="그림 4"/>
@@ -27127,7 +27187,7 @@
 </p:sld>
 </file>
 
-<file path=ppt/slides/slide21.xml><?xml version="1.0" encoding="utf-8"?>
+<file path=ppt/slides/slide22.xml><?xml version="1.0" encoding="utf-8"?>
 <p:sld xmlns:a="http://schemas.openxmlformats.org/drawingml/2006/main" xmlns:r="http://schemas.openxmlformats.org/officeDocument/2006/relationships" xmlns:p="http://schemas.openxmlformats.org/presentationml/2006/main">
   <p:cSld>
     <p:spTree>
@@ -27634,7 +27694,7 @@
 </p:sld>
 </file>
 
-<file path=ppt/slides/slide22.xml><?xml version="1.0" encoding="utf-8"?>
+<file path=ppt/slides/slide23.xml><?xml version="1.0" encoding="utf-8"?>
 <p:sld xmlns:a="http://schemas.openxmlformats.org/drawingml/2006/main" xmlns:r="http://schemas.openxmlformats.org/officeDocument/2006/relationships" xmlns:p="http://schemas.openxmlformats.org/presentationml/2006/main">
   <p:cSld>
     <p:spTree>
@@ -28141,7 +28201,7 @@
 </p:sld>
 </file>
 
-<file path=ppt/slides/slide23.xml><?xml version="1.0" encoding="utf-8"?>
+<file path=ppt/slides/slide24.xml><?xml version="1.0" encoding="utf-8"?>
 <p:sld xmlns:a="http://schemas.openxmlformats.org/drawingml/2006/main" xmlns:r="http://schemas.openxmlformats.org/officeDocument/2006/relationships" xmlns:p="http://schemas.openxmlformats.org/presentationml/2006/main">
   <p:cSld>
     <p:spTree>
@@ -28755,7 +28815,7 @@
 </p:sld>
 </file>
 
-<file path=ppt/slides/slide24.xml><?xml version="1.0" encoding="utf-8"?>
+<file path=ppt/slides/slide25.xml><?xml version="1.0" encoding="utf-8"?>
 <p:sld xmlns:a="http://schemas.openxmlformats.org/drawingml/2006/main" xmlns:r="http://schemas.openxmlformats.org/officeDocument/2006/relationships" xmlns:p="http://schemas.openxmlformats.org/presentationml/2006/main">
   <p:cSld>
     <p:spTree>
@@ -29313,7 +29373,7 @@
 </p:sld>
 </file>
 
-<file path=ppt/slides/slide25.xml><?xml version="1.0" encoding="utf-8"?>
+<file path=ppt/slides/slide26.xml><?xml version="1.0" encoding="utf-8"?>
 <p:sld xmlns:a="http://schemas.openxmlformats.org/drawingml/2006/main" xmlns:r="http://schemas.openxmlformats.org/officeDocument/2006/relationships" xmlns:p="http://schemas.openxmlformats.org/presentationml/2006/main">
   <p:cSld>
     <p:spTree>
@@ -30111,7 +30171,7 @@
 </p:sld>
 </file>
 
-<file path=ppt/slides/slide26.xml><?xml version="1.0" encoding="utf-8"?>
+<file path=ppt/slides/slide27.xml><?xml version="1.0" encoding="utf-8"?>
 <p:sld xmlns:a="http://schemas.openxmlformats.org/drawingml/2006/main" xmlns:r="http://schemas.openxmlformats.org/officeDocument/2006/relationships" xmlns:p="http://schemas.openxmlformats.org/presentationml/2006/main">
   <p:cSld>
     <p:spTree>
@@ -32047,7 +32107,7 @@
           <p:cNvPr id="71" name="자유형: 도형 18">
             <a:extLst>
               <a:ext uri="{FF2B5EF4-FFF2-40B4-BE49-F238E27FC236}">
-                <a16:creationId xmlns:a16="http://schemas.microsoft.com/office/drawing/2014/main" xmlns="" id="{28DE563C-2016-4934-A4EE-657070DFAE5E}"/>
+                <a16:creationId xmlns="" xmlns:a16="http://schemas.microsoft.com/office/drawing/2014/main" id="{28DE563C-2016-4934-A4EE-657070DFAE5E}"/>
               </a:ext>
             </a:extLst>
           </p:cNvPr>
@@ -32139,7 +32199,7 @@
               <p:cNvPr id="72" name="TextBox 71">
                 <a:extLst>
                   <a:ext uri="{FF2B5EF4-FFF2-40B4-BE49-F238E27FC236}">
-                    <a16:creationId xmlns:a16="http://schemas.microsoft.com/office/drawing/2014/main" xmlns="" id="{702F36E8-3840-4F82-ACA9-0ADC9BF2CD7E}"/>
+                    <a16:creationId xmlns="" xmlns:a16="http://schemas.microsoft.com/office/drawing/2014/main" id="{702F36E8-3840-4F82-ACA9-0ADC9BF2CD7E}"/>
                   </a:ext>
                 </a:extLst>
               </p:cNvPr>
@@ -32239,7 +32299,7 @@
           <p:cNvPr id="73" name="자유형: 도형 18">
             <a:extLst>
               <a:ext uri="{FF2B5EF4-FFF2-40B4-BE49-F238E27FC236}">
-                <a16:creationId xmlns:a16="http://schemas.microsoft.com/office/drawing/2014/main" xmlns="" id="{28DE563C-2016-4934-A4EE-657070DFAE5E}"/>
+                <a16:creationId xmlns="" xmlns:a16="http://schemas.microsoft.com/office/drawing/2014/main" id="{28DE563C-2016-4934-A4EE-657070DFAE5E}"/>
               </a:ext>
             </a:extLst>
           </p:cNvPr>
@@ -32331,7 +32391,7 @@
               <p:cNvPr id="74" name="TextBox 73">
                 <a:extLst>
                   <a:ext uri="{FF2B5EF4-FFF2-40B4-BE49-F238E27FC236}">
-                    <a16:creationId xmlns:a16="http://schemas.microsoft.com/office/drawing/2014/main" xmlns="" id="{702F36E8-3840-4F82-ACA9-0ADC9BF2CD7E}"/>
+                    <a16:creationId xmlns="" xmlns:a16="http://schemas.microsoft.com/office/drawing/2014/main" id="{702F36E8-3840-4F82-ACA9-0ADC9BF2CD7E}"/>
                   </a:ext>
                 </a:extLst>
               </p:cNvPr>
@@ -32445,7 +32505,7 @@
 </p:sld>
 </file>
 
-<file path=ppt/slides/slide27.xml><?xml version="1.0" encoding="utf-8"?>
+<file path=ppt/slides/slide28.xml><?xml version="1.0" encoding="utf-8"?>
 <p:sld xmlns:a="http://schemas.openxmlformats.org/drawingml/2006/main" xmlns:r="http://schemas.openxmlformats.org/officeDocument/2006/relationships" xmlns:p="http://schemas.openxmlformats.org/presentationml/2006/main">
   <p:cSld>
     <p:spTree>
@@ -32959,7 +33019,7 @@
 </p:sld>
 </file>
 
-<file path=ppt/slides/slide28.xml><?xml version="1.0" encoding="utf-8"?>
+<file path=ppt/slides/slide29.xml><?xml version="1.0" encoding="utf-8"?>
 <p:sld xmlns:a="http://schemas.openxmlformats.org/drawingml/2006/main" xmlns:r="http://schemas.openxmlformats.org/officeDocument/2006/relationships" xmlns:p="http://schemas.openxmlformats.org/presentationml/2006/main">
   <p:cSld>
     <p:spTree>
@@ -33570,7 +33630,68 @@
 </p:sld>
 </file>
 
-<file path=ppt/slides/slide29.xml><?xml version="1.0" encoding="utf-8"?>
+<file path=ppt/slides/slide3.xml><?xml version="1.0" encoding="utf-8"?>
+<p:sld xmlns:a="http://schemas.openxmlformats.org/drawingml/2006/main" xmlns:r="http://schemas.openxmlformats.org/officeDocument/2006/relationships" xmlns:p="http://schemas.openxmlformats.org/presentationml/2006/main">
+  <p:cSld>
+    <p:spTree>
+      <p:nvGrpSpPr>
+        <p:cNvPr id="1" name=""/>
+        <p:cNvGrpSpPr/>
+        <p:nvPr/>
+      </p:nvGrpSpPr>
+      <p:grpSpPr>
+        <a:xfrm>
+          <a:off x="0" y="0"/>
+          <a:ext cx="0" cy="0"/>
+          <a:chOff x="0" y="0"/>
+          <a:chExt cx="0" cy="0"/>
+        </a:xfrm>
+      </p:grpSpPr>
+      <p:sp>
+        <p:nvSpPr>
+          <p:cNvPr id="2" name="제목 1"/>
+          <p:cNvSpPr>
+            <a:spLocks noGrp="1"/>
+          </p:cNvSpPr>
+          <p:nvPr>
+            <p:ph type="title"/>
+          </p:nvPr>
+        </p:nvSpPr>
+        <p:spPr>
+          <a:xfrm>
+            <a:off x="884695" y="2658874"/>
+            <a:ext cx="10515600" cy="1325563"/>
+          </a:xfrm>
+        </p:spPr>
+        <p:txBody>
+          <a:bodyPr>
+            <a:noAutofit/>
+          </a:bodyPr>
+          <a:lstStyle/>
+          <a:p>
+            <a:pPr algn="ctr"/>
+            <a:r>
+              <a:rPr lang="en-US" altLang="ko-KR" sz="13800" b="1"/>
+              <a:t>Bar</a:t>
+            </a:r>
+            <a:endParaRPr lang="ko-KR" altLang="en-US" sz="13800" b="1"/>
+          </a:p>
+        </p:txBody>
+      </p:sp>
+    </p:spTree>
+    <p:extLst>
+      <p:ext uri="{BB962C8B-B14F-4D97-AF65-F5344CB8AC3E}">
+        <p14:creationId xmlns:p14="http://schemas.microsoft.com/office/powerpoint/2010/main" val="3892476986"/>
+      </p:ext>
+    </p:extLst>
+  </p:cSld>
+  <p:clrMapOvr>
+    <a:masterClrMapping/>
+  </p:clrMapOvr>
+</p:sld>
+</file>
+
+<file path=ppt/slides/slide30.xml><?xml version="1.0" encoding="utf-8"?>
 <p:sld xmlns:a="http://schemas.openxmlformats.org/drawingml/2006/main" xmlns:r="http://schemas.openxmlformats.org/officeDocument/2006/relationships" xmlns:p="http://schemas.openxmlformats.org/presentationml/2006/main">
   <p:cSld>
     <p:spTree>
@@ -35528,68 +35649,7 @@
 </p:sld>
 </file>
 
-<file path=ppt/slides/slide3.xml><?xml version="1.0" encoding="utf-8"?>
-<p:sld xmlns:a="http://schemas.openxmlformats.org/drawingml/2006/main" xmlns:r="http://schemas.openxmlformats.org/officeDocument/2006/relationships" xmlns:p="http://schemas.openxmlformats.org/presentationml/2006/main">
-  <p:cSld>
-    <p:spTree>
-      <p:nvGrpSpPr>
-        <p:cNvPr id="1" name=""/>
-        <p:cNvGrpSpPr/>
-        <p:nvPr/>
-      </p:nvGrpSpPr>
-      <p:grpSpPr>
-        <a:xfrm>
-          <a:off x="0" y="0"/>
-          <a:ext cx="0" cy="0"/>
-          <a:chOff x="0" y="0"/>
-          <a:chExt cx="0" cy="0"/>
-        </a:xfrm>
-      </p:grpSpPr>
-      <p:sp>
-        <p:nvSpPr>
-          <p:cNvPr id="2" name="제목 1"/>
-          <p:cNvSpPr>
-            <a:spLocks noGrp="1"/>
-          </p:cNvSpPr>
-          <p:nvPr>
-            <p:ph type="title"/>
-          </p:nvPr>
-        </p:nvSpPr>
-        <p:spPr>
-          <a:xfrm>
-            <a:off x="884695" y="2658874"/>
-            <a:ext cx="10515600" cy="1325563"/>
-          </a:xfrm>
-        </p:spPr>
-        <p:txBody>
-          <a:bodyPr>
-            <a:noAutofit/>
-          </a:bodyPr>
-          <a:lstStyle/>
-          <a:p>
-            <a:pPr algn="ctr"/>
-            <a:r>
-              <a:rPr lang="en-US" altLang="ko-KR" sz="13800" b="1"/>
-              <a:t>Bar</a:t>
-            </a:r>
-            <a:endParaRPr lang="ko-KR" altLang="en-US" sz="13800" b="1"/>
-          </a:p>
-        </p:txBody>
-      </p:sp>
-    </p:spTree>
-    <p:extLst>
-      <p:ext uri="{BB962C8B-B14F-4D97-AF65-F5344CB8AC3E}">
-        <p14:creationId xmlns:p14="http://schemas.microsoft.com/office/powerpoint/2010/main" val="3892476986"/>
-      </p:ext>
-    </p:extLst>
-  </p:cSld>
-  <p:clrMapOvr>
-    <a:masterClrMapping/>
-  </p:clrMapOvr>
-</p:sld>
-</file>
-
-<file path=ppt/slides/slide30.xml><?xml version="1.0" encoding="utf-8"?>
+<file path=ppt/slides/slide31.xml><?xml version="1.0" encoding="utf-8"?>
 <p:sld xmlns:a="http://schemas.openxmlformats.org/drawingml/2006/main" xmlns:r="http://schemas.openxmlformats.org/officeDocument/2006/relationships" xmlns:p="http://schemas.openxmlformats.org/presentationml/2006/main">
   <p:cSld>
     <p:spTree>
@@ -36049,7 +36109,7 @@
 </p:sld>
 </file>
 
-<file path=ppt/slides/slide31.xml><?xml version="1.0" encoding="utf-8"?>
+<file path=ppt/slides/slide32.xml><?xml version="1.0" encoding="utf-8"?>
 <p:sld xmlns:a="http://schemas.openxmlformats.org/drawingml/2006/main" xmlns:r="http://schemas.openxmlformats.org/officeDocument/2006/relationships" xmlns:p="http://schemas.openxmlformats.org/presentationml/2006/main">
   <p:cSld>
     <p:spTree>
@@ -36079,7 +36139,7 @@
 </p:sld>
 </file>
 
-<file path=ppt/slides/slide32.xml><?xml version="1.0" encoding="utf-8"?>
+<file path=ppt/slides/slide33.xml><?xml version="1.0" encoding="utf-8"?>
 <p:sld xmlns:a="http://schemas.openxmlformats.org/drawingml/2006/main" xmlns:r="http://schemas.openxmlformats.org/officeDocument/2006/relationships" xmlns:p="http://schemas.openxmlformats.org/presentationml/2006/main">
   <p:cSld>
     <p:spTree>
@@ -36665,7 +36725,7 @@
 </p:sld>
 </file>
 
-<file path=ppt/slides/slide33.xml><?xml version="1.0" encoding="utf-8"?>
+<file path=ppt/slides/slide34.xml><?xml version="1.0" encoding="utf-8"?>
 <p:sld xmlns:a="http://schemas.openxmlformats.org/drawingml/2006/main" xmlns:r="http://schemas.openxmlformats.org/officeDocument/2006/relationships" xmlns:p="http://schemas.openxmlformats.org/presentationml/2006/main">
   <p:cSld>
     <p:spTree>
@@ -36687,7 +36747,7 @@
           <p:cNvPr id="4" name="내용 개체 틀 5">
             <a:extLst>
               <a:ext uri="{FF2B5EF4-FFF2-40B4-BE49-F238E27FC236}">
-                <a16:creationId xmlns:a16="http://schemas.microsoft.com/office/drawing/2014/main" xmlns="" id="{26E65B15-652C-471C-B503-9BD1A7ECA9FF}"/>
+                <a16:creationId xmlns="" xmlns:a16="http://schemas.microsoft.com/office/drawing/2014/main" id="{26E65B15-652C-471C-B503-9BD1A7ECA9FF}"/>
               </a:ext>
             </a:extLst>
           </p:cNvPr>
@@ -36716,7 +36776,7 @@
           <p:cNvPr id="5" name="그림 4">
             <a:extLst>
               <a:ext uri="{FF2B5EF4-FFF2-40B4-BE49-F238E27FC236}">
-                <a16:creationId xmlns:a16="http://schemas.microsoft.com/office/drawing/2014/main" xmlns="" id="{8D86471E-9C3A-40C3-8F27-66A11AC93C24}"/>
+                <a16:creationId xmlns="" xmlns:a16="http://schemas.microsoft.com/office/drawing/2014/main" id="{8D86471E-9C3A-40C3-8F27-66A11AC93C24}"/>
               </a:ext>
             </a:extLst>
           </p:cNvPr>
@@ -36754,7 +36814,7 @@
 </p:sld>
 </file>
 
-<file path=ppt/slides/slide34.xml><?xml version="1.0" encoding="utf-8"?>
+<file path=ppt/slides/slide35.xml><?xml version="1.0" encoding="utf-8"?>
 <p:sld xmlns:a="http://schemas.openxmlformats.org/drawingml/2006/main" xmlns:r="http://schemas.openxmlformats.org/officeDocument/2006/relationships" xmlns:p="http://schemas.openxmlformats.org/presentationml/2006/main">
   <p:cSld>
     <p:spTree>
@@ -36972,7 +37032,7 @@
 </p:sld>
 </file>
 
-<file path=ppt/slides/slide35.xml><?xml version="1.0" encoding="utf-8"?>
+<file path=ppt/slides/slide36.xml><?xml version="1.0" encoding="utf-8"?>
 <p:sld xmlns:a="http://schemas.openxmlformats.org/drawingml/2006/main" xmlns:r="http://schemas.openxmlformats.org/officeDocument/2006/relationships" xmlns:p="http://schemas.openxmlformats.org/presentationml/2006/main">
   <p:cSld>
     <p:spTree>
@@ -37338,7 +37398,7 @@
         </p:nvCxnSpPr>
         <p:spPr>
           <a:xfrm>
-            <a:off x="3357047" y="5341954"/>
+            <a:off x="3357050" y="4963685"/>
             <a:ext cx="511868" cy="1266"/>
           </a:xfrm>
           <a:prstGeom prst="straightConnector1">
@@ -37367,8 +37427,8 @@
           </a:fontRef>
         </p:style>
       </p:cxnSp>
-      <mc:AlternateContent xmlns:mc="http://schemas.openxmlformats.org/markup-compatibility/2006" xmlns:a14="http://schemas.microsoft.com/office/drawing/2010/main">
-        <mc:Choice Requires="a14">
+      <mc:AlternateContent xmlns:mc="http://schemas.openxmlformats.org/markup-compatibility/2006">
+        <mc:Choice xmlns:a14="http://schemas.microsoft.com/office/drawing/2010/main" Requires="a14">
           <p:sp>
             <p:nvSpPr>
               <p:cNvPr id="27" name="TextBox 26"/>
@@ -37377,7 +37437,7 @@
             </p:nvSpPr>
             <p:spPr>
               <a:xfrm>
-                <a:off x="3920852" y="5181969"/>
+                <a:off x="3920855" y="4803700"/>
                 <a:ext cx="215572" cy="276999"/>
               </a:xfrm>
               <a:prstGeom prst="rect">
@@ -37412,7 +37472,7 @@
             </p:txBody>
           </p:sp>
         </mc:Choice>
-        <mc:Fallback xmlns="">
+        <mc:Fallback>
           <p:sp>
             <p:nvSpPr>
               <p:cNvPr id="27" name="TextBox 26"/>
@@ -37423,7 +37483,7 @@
             </p:nvSpPr>
             <p:spPr>
               <a:xfrm>
-                <a:off x="3920852" y="5181969"/>
+                <a:off x="3920855" y="4803700"/>
                 <a:ext cx="215572" cy="276999"/>
               </a:xfrm>
               <a:prstGeom prst="rect">
@@ -37432,7 +37492,7 @@
               <a:blipFill rotWithShape="0">
                 <a:blip r:embed="rId4"/>
                 <a:stretch>
-                  <a:fillRect l="-8333" r="-2778" b="-2174"/>
+                  <a:fillRect l="-8333" r="-2778" b="-4444"/>
                 </a:stretch>
               </a:blipFill>
             </p:spPr>
@@ -38118,7 +38178,7 @@
         </p:nvSpPr>
         <p:spPr>
           <a:xfrm>
-            <a:off x="2824487" y="2216825"/>
+            <a:off x="3041056" y="1097889"/>
             <a:ext cx="5040000" cy="360000"/>
           </a:xfrm>
           <a:prstGeom prst="rect">
@@ -38164,7 +38224,7 @@
         </p:nvCxnSpPr>
         <p:spPr>
           <a:xfrm>
-            <a:off x="2824487" y="1660648"/>
+            <a:off x="3041056" y="541712"/>
             <a:ext cx="0" cy="1388962"/>
           </a:xfrm>
           <a:prstGeom prst="line">
@@ -38199,7 +38259,7 @@
         </p:nvCxnSpPr>
         <p:spPr>
           <a:xfrm>
-            <a:off x="4764638" y="2053002"/>
+            <a:off x="4981207" y="934066"/>
             <a:ext cx="1132092" cy="0"/>
           </a:xfrm>
           <a:prstGeom prst="straightConnector1">
@@ -38228,8 +38288,8 @@
           </a:fontRef>
         </p:style>
       </p:cxnSp>
-      <mc:AlternateContent xmlns:mc="http://schemas.openxmlformats.org/markup-compatibility/2006" xmlns:a14="http://schemas.microsoft.com/office/drawing/2010/main">
-        <mc:Choice Requires="a14">
+      <mc:AlternateContent xmlns:mc="http://schemas.openxmlformats.org/markup-compatibility/2006">
+        <mc:Choice xmlns:a14="http://schemas.microsoft.com/office/drawing/2010/main" Requires="a14">
           <p:sp>
             <p:nvSpPr>
               <p:cNvPr id="8" name="TextBox 7"/>
@@ -38238,7 +38298,7 @@
             </p:nvSpPr>
             <p:spPr>
               <a:xfrm>
-                <a:off x="5085613" y="1661737"/>
+                <a:off x="5302182" y="542801"/>
                 <a:ext cx="535596" cy="276999"/>
               </a:xfrm>
               <a:prstGeom prst="rect">
@@ -38291,7 +38351,7 @@
             </p:txBody>
           </p:sp>
         </mc:Choice>
-        <mc:Fallback xmlns="">
+        <mc:Fallback>
           <p:sp>
             <p:nvSpPr>
               <p:cNvPr id="8" name="TextBox 7"/>
@@ -38302,7 +38362,7 @@
             </p:nvSpPr>
             <p:spPr>
               <a:xfrm>
-                <a:off x="5085613" y="1661737"/>
+                <a:off x="5302182" y="542801"/>
                 <a:ext cx="535596" cy="276999"/>
               </a:xfrm>
               <a:prstGeom prst="rect">
@@ -38330,8 +38390,8 @@
           </p:sp>
         </mc:Fallback>
       </mc:AlternateContent>
-      <mc:AlternateContent xmlns:mc="http://schemas.openxmlformats.org/markup-compatibility/2006" xmlns:a14="http://schemas.microsoft.com/office/drawing/2010/main">
-        <mc:Choice Requires="a14">
+      <mc:AlternateContent xmlns:mc="http://schemas.openxmlformats.org/markup-compatibility/2006">
+        <mc:Choice xmlns:a14="http://schemas.microsoft.com/office/drawing/2010/main" Requires="a14">
           <p:sp>
             <p:nvSpPr>
               <p:cNvPr id="9" name="TextBox 8"/>
@@ -38340,7 +38400,7 @@
             </p:nvSpPr>
             <p:spPr>
               <a:xfrm>
-                <a:off x="5054358" y="2728046"/>
+                <a:off x="5270927" y="1609110"/>
                 <a:ext cx="552652" cy="276999"/>
               </a:xfrm>
               <a:prstGeom prst="rect">
@@ -38393,7 +38453,7 @@
             </p:txBody>
           </p:sp>
         </mc:Choice>
-        <mc:Fallback xmlns="">
+        <mc:Fallback>
           <p:sp>
             <p:nvSpPr>
               <p:cNvPr id="9" name="TextBox 8"/>
@@ -38404,7 +38464,7 @@
             </p:nvSpPr>
             <p:spPr>
               <a:xfrm>
-                <a:off x="5054358" y="2728046"/>
+                <a:off x="5270927" y="1609110"/>
                 <a:ext cx="552652" cy="276999"/>
               </a:xfrm>
               <a:prstGeom prst="rect">
@@ -38413,7 +38473,7 @@
               <a:blipFill rotWithShape="0">
                 <a:blip r:embed="rId3"/>
                 <a:stretch>
-                  <a:fillRect l="-6593" r="-12088" b="-40000"/>
+                  <a:fillRect l="-7778" r="-13333" b="-40000"/>
                 </a:stretch>
               </a:blipFill>
             </p:spPr>
@@ -38440,7 +38500,7 @@
         </p:nvGrpSpPr>
         <p:grpSpPr>
           <a:xfrm>
-            <a:off x="2612571" y="1905674"/>
+            <a:off x="2829140" y="786738"/>
             <a:ext cx="211915" cy="982302"/>
             <a:chOff x="3145134" y="3838559"/>
             <a:chExt cx="211915" cy="982302"/>
@@ -38735,7 +38795,7 @@
         </p:nvCxnSpPr>
         <p:spPr>
           <a:xfrm>
-            <a:off x="2824484" y="3543299"/>
+            <a:off x="3041053" y="2128095"/>
             <a:ext cx="511868" cy="1266"/>
           </a:xfrm>
           <a:prstGeom prst="straightConnector1">
@@ -38764,8 +38824,8 @@
           </a:fontRef>
         </p:style>
       </p:cxnSp>
-      <mc:AlternateContent xmlns:mc="http://schemas.openxmlformats.org/markup-compatibility/2006" xmlns:a14="http://schemas.microsoft.com/office/drawing/2010/main">
-        <mc:Choice Requires="a14">
+      <mc:AlternateContent xmlns:mc="http://schemas.openxmlformats.org/markup-compatibility/2006">
+        <mc:Choice xmlns:a14="http://schemas.microsoft.com/office/drawing/2010/main" Requires="a14">
           <p:sp>
             <p:nvSpPr>
               <p:cNvPr id="27" name="TextBox 26"/>
@@ -38774,7 +38834,7 @@
             </p:nvSpPr>
             <p:spPr>
               <a:xfrm>
-                <a:off x="3388289" y="3383314"/>
+                <a:off x="3604858" y="1968110"/>
                 <a:ext cx="215572" cy="276999"/>
               </a:xfrm>
               <a:prstGeom prst="rect">
@@ -38809,7 +38869,7 @@
             </p:txBody>
           </p:sp>
         </mc:Choice>
-        <mc:Fallback xmlns="">
+        <mc:Fallback>
           <p:sp>
             <p:nvSpPr>
               <p:cNvPr id="27" name="TextBox 26"/>
@@ -38820,7 +38880,7 @@
             </p:nvSpPr>
             <p:spPr>
               <a:xfrm>
-                <a:off x="3388289" y="3383314"/>
+                <a:off x="3604858" y="1968110"/>
                 <a:ext cx="215572" cy="276999"/>
               </a:xfrm>
               <a:prstGeom prst="rect">
@@ -38829,7 +38889,7 @@
               <a:blipFill rotWithShape="0">
                 <a:blip r:embed="rId4"/>
                 <a:stretch>
-                  <a:fillRect l="-8571" r="-5714" b="-4444"/>
+                  <a:fillRect l="-8333" r="-2778" b="-4444"/>
                 </a:stretch>
               </a:blipFill>
             </p:spPr>
@@ -38856,7 +38916,7 @@
         </p:nvCxnSpPr>
         <p:spPr>
           <a:xfrm>
-            <a:off x="7864487" y="2410822"/>
+            <a:off x="8081056" y="1291886"/>
             <a:ext cx="1132092" cy="0"/>
           </a:xfrm>
           <a:prstGeom prst="straightConnector1">
@@ -38885,8 +38945,8 @@
           </a:fontRef>
         </p:style>
       </p:cxnSp>
-      <mc:AlternateContent xmlns:mc="http://schemas.openxmlformats.org/markup-compatibility/2006" xmlns:a14="http://schemas.microsoft.com/office/drawing/2010/main">
-        <mc:Choice Requires="a14">
+      <mc:AlternateContent xmlns:mc="http://schemas.openxmlformats.org/markup-compatibility/2006">
+        <mc:Choice xmlns:a14="http://schemas.microsoft.com/office/drawing/2010/main" Requires="a14">
           <p:sp>
             <p:nvSpPr>
               <p:cNvPr id="29" name="TextBox 28"/>
@@ -38895,8 +38955,8 @@
             </p:nvSpPr>
             <p:spPr>
               <a:xfrm>
-                <a:off x="8278450" y="2019557"/>
-                <a:ext cx="215122" cy="276999"/>
+                <a:off x="8495019" y="900621"/>
+                <a:ext cx="500971" cy="276999"/>
               </a:xfrm>
               <a:prstGeom prst="rect">
                 <a:avLst/>
@@ -38916,12 +38976,31 @@
                       <m:jc m:val="centerGroup"/>
                     </m:oMathParaPr>
                     <m:oMath xmlns:m="http://schemas.openxmlformats.org/officeDocument/2006/math">
-                      <m:r>
-                        <a:rPr lang="en-US" altLang="ko-KR" b="0" i="1" smtClean="0">
-                          <a:latin typeface="Cambria Math" panose="02040503050406030204" pitchFamily="18" charset="0"/>
-                        </a:rPr>
-                        <m:t>𝑓</m:t>
-                      </m:r>
+                      <m:sSup>
+                        <m:sSupPr>
+                          <m:ctrlPr>
+                            <a:rPr lang="en-US" altLang="ko-KR" b="0" i="1" smtClean="0">
+                              <a:latin typeface="Cambria Math" panose="02040503050406030204" pitchFamily="18" charset="0"/>
+                            </a:rPr>
+                          </m:ctrlPr>
+                        </m:sSupPr>
+                        <m:e>
+                          <m:r>
+                            <a:rPr lang="en-US" altLang="ko-KR" b="0" i="1" smtClean="0">
+                              <a:latin typeface="Cambria Math" panose="02040503050406030204" pitchFamily="18" charset="0"/>
+                            </a:rPr>
+                            <m:t>𝑓</m:t>
+                          </m:r>
+                        </m:e>
+                        <m:sup>
+                          <m:r>
+                            <a:rPr lang="en-US" altLang="ko-KR" b="0" i="1" smtClean="0">
+                              <a:latin typeface="Cambria Math" panose="02040503050406030204" pitchFamily="18" charset="0"/>
+                            </a:rPr>
+                            <m:t>𝑒𝑥𝑡</m:t>
+                          </m:r>
+                        </m:sup>
+                      </m:sSup>
                     </m:oMath>
                   </m:oMathPara>
                 </a14:m>
@@ -38930,7 +39009,7 @@
             </p:txBody>
           </p:sp>
         </mc:Choice>
-        <mc:Fallback xmlns="">
+        <mc:Fallback>
           <p:sp>
             <p:nvSpPr>
               <p:cNvPr id="29" name="TextBox 28"/>
@@ -38941,8 +39020,8 @@
             </p:nvSpPr>
             <p:spPr>
               <a:xfrm>
-                <a:off x="8278450" y="2019557"/>
-                <a:ext cx="215122" cy="276999"/>
+                <a:off x="8495019" y="900621"/>
+                <a:ext cx="500971" cy="276999"/>
               </a:xfrm>
               <a:prstGeom prst="rect">
                 <a:avLst/>
@@ -38950,7 +39029,7 @@
               <a:blipFill rotWithShape="0">
                 <a:blip r:embed="rId5"/>
                 <a:stretch>
-                  <a:fillRect l="-31429" r="-31429" b="-36957"/>
+                  <a:fillRect l="-13415" r="-1220" b="-40000"/>
                 </a:stretch>
               </a:blipFill>
             </p:spPr>
@@ -38969,8 +39048,8 @@
           </p:sp>
         </mc:Fallback>
       </mc:AlternateContent>
-      <mc:AlternateContent xmlns:mc="http://schemas.openxmlformats.org/markup-compatibility/2006" xmlns:a14="http://schemas.microsoft.com/office/drawing/2010/main">
-        <mc:Choice Requires="a14">
+      <mc:AlternateContent xmlns:mc="http://schemas.openxmlformats.org/markup-compatibility/2006">
+        <mc:Choice xmlns:a14="http://schemas.microsoft.com/office/drawing/2010/main" Requires="a14">
           <p:sp>
             <p:nvSpPr>
               <p:cNvPr id="30" name="TextBox 29"/>
@@ -38979,7 +39058,7 @@
             </p:nvSpPr>
             <p:spPr>
               <a:xfrm>
-                <a:off x="7785372" y="2703070"/>
+                <a:off x="8001941" y="1584134"/>
                 <a:ext cx="215572" cy="276999"/>
               </a:xfrm>
               <a:prstGeom prst="rect">
@@ -39014,7 +39093,7 @@
             </p:txBody>
           </p:sp>
         </mc:Choice>
-        <mc:Fallback xmlns="">
+        <mc:Fallback>
           <p:sp>
             <p:nvSpPr>
               <p:cNvPr id="30" name="TextBox 29"/>
@@ -39025,7 +39104,7 @@
             </p:nvSpPr>
             <p:spPr>
               <a:xfrm>
-                <a:off x="7785372" y="2703070"/>
+                <a:off x="8001941" y="1584134"/>
                 <a:ext cx="215572" cy="276999"/>
               </a:xfrm>
               <a:prstGeom prst="rect">
@@ -39034,7 +39113,1495 @@
               <a:blipFill rotWithShape="0">
                 <a:blip r:embed="rId6"/>
                 <a:stretch>
-                  <a:fillRect l="-17143" r="-17143" b="-10870"/>
+                  <a:fillRect l="-20000" r="-14286" b="-11111"/>
+                </a:stretch>
+              </a:blipFill>
+            </p:spPr>
+            <p:txBody>
+              <a:bodyPr/>
+              <a:lstStyle/>
+              <a:p>
+                <a:r>
+                  <a:rPr lang="ko-KR" altLang="en-US">
+                    <a:noFill/>
+                  </a:rPr>
+                  <a:t> </a:t>
+                </a:r>
+              </a:p>
+            </p:txBody>
+          </p:sp>
+        </mc:Fallback>
+      </mc:AlternateContent>
+      <p:sp>
+        <p:nvSpPr>
+          <p:cNvPr id="25" name="직사각형 24"/>
+          <p:cNvSpPr/>
+          <p:nvPr/>
+        </p:nvSpPr>
+        <p:spPr>
+          <a:xfrm>
+            <a:off x="3041056" y="3734094"/>
+            <a:ext cx="5040000" cy="360000"/>
+          </a:xfrm>
+          <a:prstGeom prst="rect">
+            <a:avLst/>
+          </a:prstGeom>
+          <a:noFill/>
+          <a:ln w="28575">
+            <a:solidFill>
+              <a:schemeClr val="tx1"/>
+            </a:solidFill>
+          </a:ln>
+        </p:spPr>
+        <p:style>
+          <a:lnRef idx="2">
+            <a:schemeClr val="accent1">
+              <a:shade val="50000"/>
+            </a:schemeClr>
+          </a:lnRef>
+          <a:fillRef idx="1">
+            <a:schemeClr val="accent1"/>
+          </a:fillRef>
+          <a:effectRef idx="0">
+            <a:schemeClr val="accent1"/>
+          </a:effectRef>
+          <a:fontRef idx="minor">
+            <a:schemeClr val="lt1"/>
+          </a:fontRef>
+        </p:style>
+        <p:txBody>
+          <a:bodyPr rtlCol="0" anchor="ctr"/>
+          <a:lstStyle/>
+          <a:p>
+            <a:pPr algn="ctr"/>
+            <a:endParaRPr lang="ko-KR" altLang="en-US"/>
+          </a:p>
+        </p:txBody>
+      </p:sp>
+      <p:cxnSp>
+        <p:nvCxnSpPr>
+          <p:cNvPr id="26" name="직선 연결선 25"/>
+          <p:cNvCxnSpPr/>
+          <p:nvPr/>
+        </p:nvCxnSpPr>
+        <p:spPr>
+          <a:xfrm>
+            <a:off x="3041056" y="3177917"/>
+            <a:ext cx="0" cy="1388962"/>
+          </a:xfrm>
+          <a:prstGeom prst="line">
+            <a:avLst/>
+          </a:prstGeom>
+          <a:ln w="28575">
+            <a:solidFill>
+              <a:schemeClr val="tx1"/>
+            </a:solidFill>
+          </a:ln>
+        </p:spPr>
+        <p:style>
+          <a:lnRef idx="1">
+            <a:schemeClr val="accent1"/>
+          </a:lnRef>
+          <a:fillRef idx="0">
+            <a:schemeClr val="accent1"/>
+          </a:fillRef>
+          <a:effectRef idx="0">
+            <a:schemeClr val="accent1"/>
+          </a:effectRef>
+          <a:fontRef idx="minor">
+            <a:schemeClr val="tx1"/>
+          </a:fontRef>
+        </p:style>
+      </p:cxnSp>
+      <p:cxnSp>
+        <p:nvCxnSpPr>
+          <p:cNvPr id="31" name="직선 화살표 연결선 30"/>
+          <p:cNvCxnSpPr/>
+          <p:nvPr/>
+        </p:nvCxnSpPr>
+        <p:spPr>
+          <a:xfrm>
+            <a:off x="4981207" y="3570271"/>
+            <a:ext cx="1132092" cy="0"/>
+          </a:xfrm>
+          <a:prstGeom prst="straightConnector1">
+            <a:avLst/>
+          </a:prstGeom>
+          <a:ln w="28575">
+            <a:solidFill>
+              <a:schemeClr val="tx1"/>
+            </a:solidFill>
+            <a:headEnd w="lg" len="lg"/>
+            <a:tailEnd type="triangle" w="lg" len="lg"/>
+          </a:ln>
+        </p:spPr>
+        <p:style>
+          <a:lnRef idx="1">
+            <a:schemeClr val="accent1"/>
+          </a:lnRef>
+          <a:fillRef idx="0">
+            <a:schemeClr val="accent1"/>
+          </a:fillRef>
+          <a:effectRef idx="0">
+            <a:schemeClr val="accent1"/>
+          </a:effectRef>
+          <a:fontRef idx="minor">
+            <a:schemeClr val="tx1"/>
+          </a:fontRef>
+        </p:style>
+      </p:cxnSp>
+      <mc:AlternateContent xmlns:mc="http://schemas.openxmlformats.org/markup-compatibility/2006">
+        <mc:Choice xmlns:a14="http://schemas.microsoft.com/office/drawing/2010/main" Requires="a14">
+          <p:sp>
+            <p:nvSpPr>
+              <p:cNvPr id="32" name="TextBox 31"/>
+              <p:cNvSpPr txBox="1"/>
+              <p:nvPr/>
+            </p:nvSpPr>
+            <p:spPr>
+              <a:xfrm>
+                <a:off x="5302182" y="3179006"/>
+                <a:ext cx="535596" cy="276999"/>
+              </a:xfrm>
+              <a:prstGeom prst="rect">
+                <a:avLst/>
+              </a:prstGeom>
+              <a:noFill/>
+            </p:spPr>
+            <p:txBody>
+              <a:bodyPr wrap="none" lIns="0" tIns="0" rIns="0" bIns="0" rtlCol="0">
+                <a:spAutoFit/>
+              </a:bodyPr>
+              <a:lstStyle/>
+              <a:p>
+                <a:pPr/>
+                <a14:m>
+                  <m:oMathPara xmlns:m="http://schemas.openxmlformats.org/officeDocument/2006/math">
+                    <m:oMathParaPr>
+                      <m:jc m:val="centerGroup"/>
+                    </m:oMathParaPr>
+                    <m:oMath xmlns:m="http://schemas.openxmlformats.org/officeDocument/2006/math">
+                      <m:r>
+                        <a:rPr lang="en-US" altLang="ko-KR" b="0" i="1" smtClean="0">
+                          <a:latin typeface="Cambria Math" panose="02040503050406030204" pitchFamily="18" charset="0"/>
+                        </a:rPr>
+                        <m:t>𝑝</m:t>
+                      </m:r>
+                      <m:r>
+                        <a:rPr lang="en-US" altLang="ko-KR" b="0" i="1" smtClean="0">
+                          <a:latin typeface="Cambria Math" panose="02040503050406030204" pitchFamily="18" charset="0"/>
+                        </a:rPr>
+                        <m:t>(</m:t>
+                      </m:r>
+                      <m:r>
+                        <a:rPr lang="en-US" altLang="ko-KR" b="0" i="1" smtClean="0">
+                          <a:latin typeface="Cambria Math" panose="02040503050406030204" pitchFamily="18" charset="0"/>
+                        </a:rPr>
+                        <m:t>𝑥</m:t>
+                      </m:r>
+                      <m:r>
+                        <a:rPr lang="en-US" altLang="ko-KR" b="0" i="1" smtClean="0">
+                          <a:latin typeface="Cambria Math" panose="02040503050406030204" pitchFamily="18" charset="0"/>
+                        </a:rPr>
+                        <m:t>)</m:t>
+                      </m:r>
+                    </m:oMath>
+                  </m:oMathPara>
+                </a14:m>
+                <a:endParaRPr lang="ko-KR" altLang="en-US" dirty="0"/>
+              </a:p>
+            </p:txBody>
+          </p:sp>
+        </mc:Choice>
+        <mc:Fallback>
+          <p:sp>
+            <p:nvSpPr>
+              <p:cNvPr id="32" name="TextBox 31"/>
+              <p:cNvSpPr txBox="1">
+                <a:spLocks noRot="1" noChangeAspect="1" noMove="1" noResize="1" noEditPoints="1" noAdjustHandles="1" noChangeArrowheads="1" noChangeShapeType="1" noTextEdit="1"/>
+              </p:cNvSpPr>
+              <p:nvPr/>
+            </p:nvSpPr>
+            <p:spPr>
+              <a:xfrm>
+                <a:off x="5302182" y="3179006"/>
+                <a:ext cx="535596" cy="276999"/>
+              </a:xfrm>
+              <a:prstGeom prst="rect">
+                <a:avLst/>
+              </a:prstGeom>
+              <a:blipFill rotWithShape="0">
+                <a:blip r:embed="rId7"/>
+                <a:stretch>
+                  <a:fillRect l="-7955" r="-12500" b="-36957"/>
+                </a:stretch>
+              </a:blipFill>
+            </p:spPr>
+            <p:txBody>
+              <a:bodyPr/>
+              <a:lstStyle/>
+              <a:p>
+                <a:r>
+                  <a:rPr lang="ko-KR" altLang="en-US">
+                    <a:noFill/>
+                  </a:rPr>
+                  <a:t> </a:t>
+                </a:r>
+              </a:p>
+            </p:txBody>
+          </p:sp>
+        </mc:Fallback>
+      </mc:AlternateContent>
+      <mc:AlternateContent xmlns:mc="http://schemas.openxmlformats.org/markup-compatibility/2006">
+        <mc:Choice xmlns:a14="http://schemas.microsoft.com/office/drawing/2010/main" Requires="a14">
+          <p:sp>
+            <p:nvSpPr>
+              <p:cNvPr id="33" name="TextBox 32"/>
+              <p:cNvSpPr txBox="1"/>
+              <p:nvPr/>
+            </p:nvSpPr>
+            <p:spPr>
+              <a:xfrm>
+                <a:off x="5270927" y="4245315"/>
+                <a:ext cx="552652" cy="276999"/>
+              </a:xfrm>
+              <a:prstGeom prst="rect">
+                <a:avLst/>
+              </a:prstGeom>
+              <a:noFill/>
+            </p:spPr>
+            <p:txBody>
+              <a:bodyPr wrap="none" lIns="0" tIns="0" rIns="0" bIns="0" rtlCol="0">
+                <a:spAutoFit/>
+              </a:bodyPr>
+              <a:lstStyle/>
+              <a:p>
+                <a:pPr/>
+                <a14:m>
+                  <m:oMathPara xmlns:m="http://schemas.openxmlformats.org/officeDocument/2006/math">
+                    <m:oMathParaPr>
+                      <m:jc m:val="centerGroup"/>
+                    </m:oMathParaPr>
+                    <m:oMath xmlns:m="http://schemas.openxmlformats.org/officeDocument/2006/math">
+                      <m:r>
+                        <a:rPr lang="en-US" altLang="ko-KR" b="0" i="1" smtClean="0">
+                          <a:latin typeface="Cambria Math" panose="02040503050406030204" pitchFamily="18" charset="0"/>
+                        </a:rPr>
+                        <m:t>𝐴</m:t>
+                      </m:r>
+                      <m:r>
+                        <a:rPr lang="en-US" altLang="ko-KR" b="0" i="1" smtClean="0">
+                          <a:latin typeface="Cambria Math" panose="02040503050406030204" pitchFamily="18" charset="0"/>
+                        </a:rPr>
+                        <m:t>(</m:t>
+                      </m:r>
+                      <m:r>
+                        <a:rPr lang="en-US" altLang="ko-KR" b="0" i="1" smtClean="0">
+                          <a:latin typeface="Cambria Math" panose="02040503050406030204" pitchFamily="18" charset="0"/>
+                        </a:rPr>
+                        <m:t>𝑥</m:t>
+                      </m:r>
+                      <m:r>
+                        <a:rPr lang="en-US" altLang="ko-KR" b="0" i="1" smtClean="0">
+                          <a:latin typeface="Cambria Math" panose="02040503050406030204" pitchFamily="18" charset="0"/>
+                        </a:rPr>
+                        <m:t>)</m:t>
+                      </m:r>
+                    </m:oMath>
+                  </m:oMathPara>
+                </a14:m>
+                <a:endParaRPr lang="ko-KR" altLang="en-US" dirty="0"/>
+              </a:p>
+            </p:txBody>
+          </p:sp>
+        </mc:Choice>
+        <mc:Fallback>
+          <p:sp>
+            <p:nvSpPr>
+              <p:cNvPr id="33" name="TextBox 32"/>
+              <p:cNvSpPr txBox="1">
+                <a:spLocks noRot="1" noChangeAspect="1" noMove="1" noResize="1" noEditPoints="1" noAdjustHandles="1" noChangeArrowheads="1" noChangeShapeType="1" noTextEdit="1"/>
+              </p:cNvSpPr>
+              <p:nvPr/>
+            </p:nvSpPr>
+            <p:spPr>
+              <a:xfrm>
+                <a:off x="5270927" y="4245315"/>
+                <a:ext cx="552652" cy="276999"/>
+              </a:xfrm>
+              <a:prstGeom prst="rect">
+                <a:avLst/>
+              </a:prstGeom>
+              <a:blipFill rotWithShape="0">
+                <a:blip r:embed="rId8"/>
+                <a:stretch>
+                  <a:fillRect l="-7778" r="-13333" b="-36957"/>
+                </a:stretch>
+              </a:blipFill>
+            </p:spPr>
+            <p:txBody>
+              <a:bodyPr/>
+              <a:lstStyle/>
+              <a:p>
+                <a:r>
+                  <a:rPr lang="ko-KR" altLang="en-US">
+                    <a:noFill/>
+                  </a:rPr>
+                  <a:t> </a:t>
+                </a:r>
+              </a:p>
+            </p:txBody>
+          </p:sp>
+        </mc:Fallback>
+      </mc:AlternateContent>
+      <p:grpSp>
+        <p:nvGrpSpPr>
+          <p:cNvPr id="34" name="그룹 33"/>
+          <p:cNvGrpSpPr/>
+          <p:nvPr/>
+        </p:nvGrpSpPr>
+        <p:grpSpPr>
+          <a:xfrm>
+            <a:off x="2829140" y="3422943"/>
+            <a:ext cx="211915" cy="982302"/>
+            <a:chOff x="3145134" y="3838559"/>
+            <a:chExt cx="211915" cy="982302"/>
+          </a:xfrm>
+        </p:grpSpPr>
+        <p:cxnSp>
+          <p:nvCxnSpPr>
+            <p:cNvPr id="35" name="직선 연결선 34"/>
+            <p:cNvCxnSpPr/>
+            <p:nvPr/>
+          </p:nvCxnSpPr>
+          <p:spPr>
+            <a:xfrm flipH="1">
+              <a:off x="3145136" y="3838559"/>
+              <a:ext cx="211913" cy="199529"/>
+            </a:xfrm>
+            <a:prstGeom prst="line">
+              <a:avLst/>
+            </a:prstGeom>
+            <a:ln w="12700">
+              <a:solidFill>
+                <a:schemeClr val="tx1"/>
+              </a:solidFill>
+            </a:ln>
+          </p:spPr>
+          <p:style>
+            <a:lnRef idx="1">
+              <a:schemeClr val="accent1"/>
+            </a:lnRef>
+            <a:fillRef idx="0">
+              <a:schemeClr val="accent1"/>
+            </a:fillRef>
+            <a:effectRef idx="0">
+              <a:schemeClr val="accent1"/>
+            </a:effectRef>
+            <a:fontRef idx="minor">
+              <a:schemeClr val="tx1"/>
+            </a:fontRef>
+          </p:style>
+        </p:cxnSp>
+        <p:cxnSp>
+          <p:nvCxnSpPr>
+            <p:cNvPr id="36" name="직선 연결선 35"/>
+            <p:cNvCxnSpPr/>
+            <p:nvPr/>
+          </p:nvCxnSpPr>
+          <p:spPr>
+            <a:xfrm flipH="1">
+              <a:off x="3145136" y="3951023"/>
+              <a:ext cx="211913" cy="199529"/>
+            </a:xfrm>
+            <a:prstGeom prst="line">
+              <a:avLst/>
+            </a:prstGeom>
+            <a:ln w="12700">
+              <a:solidFill>
+                <a:schemeClr val="tx1"/>
+              </a:solidFill>
+            </a:ln>
+          </p:spPr>
+          <p:style>
+            <a:lnRef idx="1">
+              <a:schemeClr val="accent1"/>
+            </a:lnRef>
+            <a:fillRef idx="0">
+              <a:schemeClr val="accent1"/>
+            </a:fillRef>
+            <a:effectRef idx="0">
+              <a:schemeClr val="accent1"/>
+            </a:effectRef>
+            <a:fontRef idx="minor">
+              <a:schemeClr val="tx1"/>
+            </a:fontRef>
+          </p:style>
+        </p:cxnSp>
+        <p:cxnSp>
+          <p:nvCxnSpPr>
+            <p:cNvPr id="37" name="직선 연결선 36"/>
+            <p:cNvCxnSpPr/>
+            <p:nvPr/>
+          </p:nvCxnSpPr>
+          <p:spPr>
+            <a:xfrm flipH="1">
+              <a:off x="3145135" y="4063487"/>
+              <a:ext cx="211913" cy="199529"/>
+            </a:xfrm>
+            <a:prstGeom prst="line">
+              <a:avLst/>
+            </a:prstGeom>
+            <a:ln w="12700">
+              <a:solidFill>
+                <a:schemeClr val="tx1"/>
+              </a:solidFill>
+            </a:ln>
+          </p:spPr>
+          <p:style>
+            <a:lnRef idx="1">
+              <a:schemeClr val="accent1"/>
+            </a:lnRef>
+            <a:fillRef idx="0">
+              <a:schemeClr val="accent1"/>
+            </a:fillRef>
+            <a:effectRef idx="0">
+              <a:schemeClr val="accent1"/>
+            </a:effectRef>
+            <a:fontRef idx="minor">
+              <a:schemeClr val="tx1"/>
+            </a:fontRef>
+          </p:style>
+        </p:cxnSp>
+        <p:cxnSp>
+          <p:nvCxnSpPr>
+            <p:cNvPr id="38" name="직선 연결선 37"/>
+            <p:cNvCxnSpPr/>
+            <p:nvPr/>
+          </p:nvCxnSpPr>
+          <p:spPr>
+            <a:xfrm flipH="1">
+              <a:off x="3145134" y="4175951"/>
+              <a:ext cx="211913" cy="199529"/>
+            </a:xfrm>
+            <a:prstGeom prst="line">
+              <a:avLst/>
+            </a:prstGeom>
+            <a:ln w="12700">
+              <a:solidFill>
+                <a:schemeClr val="tx1"/>
+              </a:solidFill>
+            </a:ln>
+          </p:spPr>
+          <p:style>
+            <a:lnRef idx="1">
+              <a:schemeClr val="accent1"/>
+            </a:lnRef>
+            <a:fillRef idx="0">
+              <a:schemeClr val="accent1"/>
+            </a:fillRef>
+            <a:effectRef idx="0">
+              <a:schemeClr val="accent1"/>
+            </a:effectRef>
+            <a:fontRef idx="minor">
+              <a:schemeClr val="tx1"/>
+            </a:fontRef>
+          </p:style>
+        </p:cxnSp>
+        <p:cxnSp>
+          <p:nvCxnSpPr>
+            <p:cNvPr id="39" name="직선 연결선 38"/>
+            <p:cNvCxnSpPr/>
+            <p:nvPr/>
+          </p:nvCxnSpPr>
+          <p:spPr>
+            <a:xfrm flipH="1">
+              <a:off x="3145136" y="4283940"/>
+              <a:ext cx="211913" cy="199529"/>
+            </a:xfrm>
+            <a:prstGeom prst="line">
+              <a:avLst/>
+            </a:prstGeom>
+            <a:ln w="12700">
+              <a:solidFill>
+                <a:schemeClr val="tx1"/>
+              </a:solidFill>
+            </a:ln>
+          </p:spPr>
+          <p:style>
+            <a:lnRef idx="1">
+              <a:schemeClr val="accent1"/>
+            </a:lnRef>
+            <a:fillRef idx="0">
+              <a:schemeClr val="accent1"/>
+            </a:fillRef>
+            <a:effectRef idx="0">
+              <a:schemeClr val="accent1"/>
+            </a:effectRef>
+            <a:fontRef idx="minor">
+              <a:schemeClr val="tx1"/>
+            </a:fontRef>
+          </p:style>
+        </p:cxnSp>
+        <p:cxnSp>
+          <p:nvCxnSpPr>
+            <p:cNvPr id="40" name="직선 연결선 39"/>
+            <p:cNvCxnSpPr/>
+            <p:nvPr/>
+          </p:nvCxnSpPr>
+          <p:spPr>
+            <a:xfrm flipH="1">
+              <a:off x="3145136" y="4396404"/>
+              <a:ext cx="211913" cy="199529"/>
+            </a:xfrm>
+            <a:prstGeom prst="line">
+              <a:avLst/>
+            </a:prstGeom>
+            <a:ln w="12700">
+              <a:solidFill>
+                <a:schemeClr val="tx1"/>
+              </a:solidFill>
+            </a:ln>
+          </p:spPr>
+          <p:style>
+            <a:lnRef idx="1">
+              <a:schemeClr val="accent1"/>
+            </a:lnRef>
+            <a:fillRef idx="0">
+              <a:schemeClr val="accent1"/>
+            </a:fillRef>
+            <a:effectRef idx="0">
+              <a:schemeClr val="accent1"/>
+            </a:effectRef>
+            <a:fontRef idx="minor">
+              <a:schemeClr val="tx1"/>
+            </a:fontRef>
+          </p:style>
+        </p:cxnSp>
+        <p:cxnSp>
+          <p:nvCxnSpPr>
+            <p:cNvPr id="41" name="직선 연결선 40"/>
+            <p:cNvCxnSpPr/>
+            <p:nvPr/>
+          </p:nvCxnSpPr>
+          <p:spPr>
+            <a:xfrm flipH="1">
+              <a:off x="3145135" y="4508868"/>
+              <a:ext cx="211913" cy="199529"/>
+            </a:xfrm>
+            <a:prstGeom prst="line">
+              <a:avLst/>
+            </a:prstGeom>
+            <a:ln w="12700">
+              <a:solidFill>
+                <a:schemeClr val="tx1"/>
+              </a:solidFill>
+            </a:ln>
+          </p:spPr>
+          <p:style>
+            <a:lnRef idx="1">
+              <a:schemeClr val="accent1"/>
+            </a:lnRef>
+            <a:fillRef idx="0">
+              <a:schemeClr val="accent1"/>
+            </a:fillRef>
+            <a:effectRef idx="0">
+              <a:schemeClr val="accent1"/>
+            </a:effectRef>
+            <a:fontRef idx="minor">
+              <a:schemeClr val="tx1"/>
+            </a:fontRef>
+          </p:style>
+        </p:cxnSp>
+        <p:cxnSp>
+          <p:nvCxnSpPr>
+            <p:cNvPr id="42" name="직선 연결선 41"/>
+            <p:cNvCxnSpPr/>
+            <p:nvPr/>
+          </p:nvCxnSpPr>
+          <p:spPr>
+            <a:xfrm flipH="1">
+              <a:off x="3145134" y="4621332"/>
+              <a:ext cx="211913" cy="199529"/>
+            </a:xfrm>
+            <a:prstGeom prst="line">
+              <a:avLst/>
+            </a:prstGeom>
+            <a:ln w="12700">
+              <a:solidFill>
+                <a:schemeClr val="tx1"/>
+              </a:solidFill>
+            </a:ln>
+          </p:spPr>
+          <p:style>
+            <a:lnRef idx="1">
+              <a:schemeClr val="accent1"/>
+            </a:lnRef>
+            <a:fillRef idx="0">
+              <a:schemeClr val="accent1"/>
+            </a:fillRef>
+            <a:effectRef idx="0">
+              <a:schemeClr val="accent1"/>
+            </a:effectRef>
+            <a:fontRef idx="minor">
+              <a:schemeClr val="tx1"/>
+            </a:fontRef>
+          </p:style>
+        </p:cxnSp>
+      </p:grpSp>
+      <p:cxnSp>
+        <p:nvCxnSpPr>
+          <p:cNvPr id="43" name="직선 화살표 연결선 42"/>
+          <p:cNvCxnSpPr/>
+          <p:nvPr/>
+        </p:nvCxnSpPr>
+        <p:spPr>
+          <a:xfrm>
+            <a:off x="3041053" y="4764300"/>
+            <a:ext cx="511868" cy="1266"/>
+          </a:xfrm>
+          <a:prstGeom prst="straightConnector1">
+            <a:avLst/>
+          </a:prstGeom>
+          <a:ln w="28575">
+            <a:solidFill>
+              <a:schemeClr val="tx1"/>
+            </a:solidFill>
+            <a:headEnd w="lg" len="lg"/>
+            <a:tailEnd type="triangle" w="med" len="lg"/>
+          </a:ln>
+        </p:spPr>
+        <p:style>
+          <a:lnRef idx="1">
+            <a:schemeClr val="accent1"/>
+          </a:lnRef>
+          <a:fillRef idx="0">
+            <a:schemeClr val="accent1"/>
+          </a:fillRef>
+          <a:effectRef idx="0">
+            <a:schemeClr val="accent1"/>
+          </a:effectRef>
+          <a:fontRef idx="minor">
+            <a:schemeClr val="tx1"/>
+          </a:fontRef>
+        </p:style>
+      </p:cxnSp>
+      <mc:AlternateContent xmlns:mc="http://schemas.openxmlformats.org/markup-compatibility/2006">
+        <mc:Choice xmlns:a14="http://schemas.microsoft.com/office/drawing/2010/main" Requires="a14">
+          <p:sp>
+            <p:nvSpPr>
+              <p:cNvPr id="44" name="TextBox 43"/>
+              <p:cNvSpPr txBox="1"/>
+              <p:nvPr/>
+            </p:nvSpPr>
+            <p:spPr>
+              <a:xfrm>
+                <a:off x="3604858" y="4604315"/>
+                <a:ext cx="215572" cy="276999"/>
+              </a:xfrm>
+              <a:prstGeom prst="rect">
+                <a:avLst/>
+              </a:prstGeom>
+              <a:noFill/>
+            </p:spPr>
+            <p:txBody>
+              <a:bodyPr wrap="none" lIns="0" tIns="0" rIns="0" bIns="0" rtlCol="0">
+                <a:spAutoFit/>
+              </a:bodyPr>
+              <a:lstStyle/>
+              <a:p>
+                <a:pPr/>
+                <a14:m>
+                  <m:oMathPara xmlns:m="http://schemas.openxmlformats.org/officeDocument/2006/math">
+                    <m:oMathParaPr>
+                      <m:jc m:val="centerGroup"/>
+                    </m:oMathParaPr>
+                    <m:oMath xmlns:m="http://schemas.openxmlformats.org/officeDocument/2006/math">
+                      <m:r>
+                        <a:rPr lang="en-US" altLang="ko-KR" b="0" i="1" smtClean="0">
+                          <a:latin typeface="Cambria Math" panose="02040503050406030204" pitchFamily="18" charset="0"/>
+                        </a:rPr>
+                        <m:t>𝑥</m:t>
+                      </m:r>
+                    </m:oMath>
+                  </m:oMathPara>
+                </a14:m>
+                <a:endParaRPr lang="ko-KR" altLang="en-US" dirty="0"/>
+              </a:p>
+            </p:txBody>
+          </p:sp>
+        </mc:Choice>
+        <mc:Fallback>
+          <p:sp>
+            <p:nvSpPr>
+              <p:cNvPr id="44" name="TextBox 43"/>
+              <p:cNvSpPr txBox="1">
+                <a:spLocks noRot="1" noChangeAspect="1" noMove="1" noResize="1" noEditPoints="1" noAdjustHandles="1" noChangeArrowheads="1" noChangeShapeType="1" noTextEdit="1"/>
+              </p:cNvSpPr>
+              <p:nvPr/>
+            </p:nvSpPr>
+            <p:spPr>
+              <a:xfrm>
+                <a:off x="3604858" y="4604315"/>
+                <a:ext cx="215572" cy="276999"/>
+              </a:xfrm>
+              <a:prstGeom prst="rect">
+                <a:avLst/>
+              </a:prstGeom>
+              <a:blipFill rotWithShape="0">
+                <a:blip r:embed="rId9"/>
+                <a:stretch>
+                  <a:fillRect l="-8333" r="-2778" b="-2174"/>
+                </a:stretch>
+              </a:blipFill>
+            </p:spPr>
+            <p:txBody>
+              <a:bodyPr/>
+              <a:lstStyle/>
+              <a:p>
+                <a:r>
+                  <a:rPr lang="ko-KR" altLang="en-US">
+                    <a:noFill/>
+                  </a:rPr>
+                  <a:t> </a:t>
+                </a:r>
+              </a:p>
+            </p:txBody>
+          </p:sp>
+        </mc:Fallback>
+      </mc:AlternateContent>
+      <p:cxnSp>
+        <p:nvCxnSpPr>
+          <p:cNvPr id="45" name="직선 화살표 연결선 44"/>
+          <p:cNvCxnSpPr/>
+          <p:nvPr/>
+        </p:nvCxnSpPr>
+        <p:spPr>
+          <a:xfrm>
+            <a:off x="8081056" y="3928091"/>
+            <a:ext cx="1132092" cy="0"/>
+          </a:xfrm>
+          <a:prstGeom prst="straightConnector1">
+            <a:avLst/>
+          </a:prstGeom>
+          <a:ln w="28575">
+            <a:solidFill>
+              <a:schemeClr val="tx1"/>
+            </a:solidFill>
+            <a:headEnd w="lg" len="lg"/>
+            <a:tailEnd type="triangle" w="lg" len="lg"/>
+          </a:ln>
+        </p:spPr>
+        <p:style>
+          <a:lnRef idx="1">
+            <a:schemeClr val="accent1"/>
+          </a:lnRef>
+          <a:fillRef idx="0">
+            <a:schemeClr val="accent1"/>
+          </a:fillRef>
+          <a:effectRef idx="0">
+            <a:schemeClr val="accent1"/>
+          </a:effectRef>
+          <a:fontRef idx="minor">
+            <a:schemeClr val="tx1"/>
+          </a:fontRef>
+        </p:style>
+      </p:cxnSp>
+      <mc:AlternateContent xmlns:mc="http://schemas.openxmlformats.org/markup-compatibility/2006">
+        <mc:Choice xmlns:a14="http://schemas.microsoft.com/office/drawing/2010/main" Requires="a14">
+          <p:sp>
+            <p:nvSpPr>
+              <p:cNvPr id="46" name="TextBox 45"/>
+              <p:cNvSpPr txBox="1"/>
+              <p:nvPr/>
+            </p:nvSpPr>
+            <p:spPr>
+              <a:xfrm>
+                <a:off x="8495019" y="3536826"/>
+                <a:ext cx="500971" cy="276999"/>
+              </a:xfrm>
+              <a:prstGeom prst="rect">
+                <a:avLst/>
+              </a:prstGeom>
+              <a:noFill/>
+            </p:spPr>
+            <p:txBody>
+              <a:bodyPr wrap="none" lIns="0" tIns="0" rIns="0" bIns="0" rtlCol="0">
+                <a:spAutoFit/>
+              </a:bodyPr>
+              <a:lstStyle/>
+              <a:p>
+                <a:pPr/>
+                <a14:m>
+                  <m:oMathPara xmlns:m="http://schemas.openxmlformats.org/officeDocument/2006/math">
+                    <m:oMathParaPr>
+                      <m:jc m:val="centerGroup"/>
+                    </m:oMathParaPr>
+                    <m:oMath xmlns:m="http://schemas.openxmlformats.org/officeDocument/2006/math">
+                      <m:sSup>
+                        <m:sSupPr>
+                          <m:ctrlPr>
+                            <a:rPr lang="en-US" altLang="ko-KR" b="0" i="1" smtClean="0">
+                              <a:latin typeface="Cambria Math" panose="02040503050406030204" pitchFamily="18" charset="0"/>
+                            </a:rPr>
+                          </m:ctrlPr>
+                        </m:sSupPr>
+                        <m:e>
+                          <m:r>
+                            <a:rPr lang="en-US" altLang="ko-KR" b="0" i="1" smtClean="0">
+                              <a:latin typeface="Cambria Math" panose="02040503050406030204" pitchFamily="18" charset="0"/>
+                            </a:rPr>
+                            <m:t>𝑓</m:t>
+                          </m:r>
+                        </m:e>
+                        <m:sup>
+                          <m:r>
+                            <a:rPr lang="en-US" altLang="ko-KR" b="0" i="1" smtClean="0">
+                              <a:latin typeface="Cambria Math" panose="02040503050406030204" pitchFamily="18" charset="0"/>
+                            </a:rPr>
+                            <m:t>𝑒𝑥𝑡</m:t>
+                          </m:r>
+                        </m:sup>
+                      </m:sSup>
+                    </m:oMath>
+                  </m:oMathPara>
+                </a14:m>
+                <a:endParaRPr lang="ko-KR" altLang="en-US" dirty="0"/>
+              </a:p>
+            </p:txBody>
+          </p:sp>
+        </mc:Choice>
+        <mc:Fallback>
+          <p:sp>
+            <p:nvSpPr>
+              <p:cNvPr id="46" name="TextBox 45"/>
+              <p:cNvSpPr txBox="1">
+                <a:spLocks noRot="1" noChangeAspect="1" noMove="1" noResize="1" noEditPoints="1" noAdjustHandles="1" noChangeArrowheads="1" noChangeShapeType="1" noTextEdit="1"/>
+              </p:cNvSpPr>
+              <p:nvPr/>
+            </p:nvSpPr>
+            <p:spPr>
+              <a:xfrm>
+                <a:off x="8495019" y="3536826"/>
+                <a:ext cx="500971" cy="276999"/>
+              </a:xfrm>
+              <a:prstGeom prst="rect">
+                <a:avLst/>
+              </a:prstGeom>
+              <a:blipFill rotWithShape="0">
+                <a:blip r:embed="rId10"/>
+                <a:stretch>
+                  <a:fillRect l="-13415" r="-1220" b="-36957"/>
+                </a:stretch>
+              </a:blipFill>
+            </p:spPr>
+            <p:txBody>
+              <a:bodyPr/>
+              <a:lstStyle/>
+              <a:p>
+                <a:r>
+                  <a:rPr lang="ko-KR" altLang="en-US">
+                    <a:noFill/>
+                  </a:rPr>
+                  <a:t> </a:t>
+                </a:r>
+              </a:p>
+            </p:txBody>
+          </p:sp>
+        </mc:Fallback>
+      </mc:AlternateContent>
+      <mc:AlternateContent xmlns:mc="http://schemas.openxmlformats.org/markup-compatibility/2006">
+        <mc:Choice xmlns:a14="http://schemas.microsoft.com/office/drawing/2010/main" Requires="a14">
+          <p:sp>
+            <p:nvSpPr>
+              <p:cNvPr id="47" name="TextBox 46"/>
+              <p:cNvSpPr txBox="1"/>
+              <p:nvPr/>
+            </p:nvSpPr>
+            <p:spPr>
+              <a:xfrm>
+                <a:off x="8001941" y="4220339"/>
+                <a:ext cx="215572" cy="276999"/>
+              </a:xfrm>
+              <a:prstGeom prst="rect">
+                <a:avLst/>
+              </a:prstGeom>
+              <a:noFill/>
+            </p:spPr>
+            <p:txBody>
+              <a:bodyPr wrap="none" lIns="0" tIns="0" rIns="0" bIns="0" rtlCol="0">
+                <a:spAutoFit/>
+              </a:bodyPr>
+              <a:lstStyle/>
+              <a:p>
+                <a:pPr/>
+                <a14:m>
+                  <m:oMathPara xmlns:m="http://schemas.openxmlformats.org/officeDocument/2006/math">
+                    <m:oMathParaPr>
+                      <m:jc m:val="centerGroup"/>
+                    </m:oMathParaPr>
+                    <m:oMath xmlns:m="http://schemas.openxmlformats.org/officeDocument/2006/math">
+                      <m:r>
+                        <a:rPr lang="en-US" altLang="ko-KR" b="0" i="1" smtClean="0">
+                          <a:latin typeface="Cambria Math" panose="02040503050406030204" pitchFamily="18" charset="0"/>
+                        </a:rPr>
+                        <m:t>𝐿</m:t>
+                      </m:r>
+                    </m:oMath>
+                  </m:oMathPara>
+                </a14:m>
+                <a:endParaRPr lang="ko-KR" altLang="en-US" dirty="0"/>
+              </a:p>
+            </p:txBody>
+          </p:sp>
+        </mc:Choice>
+        <mc:Fallback>
+          <p:sp>
+            <p:nvSpPr>
+              <p:cNvPr id="47" name="TextBox 46"/>
+              <p:cNvSpPr txBox="1">
+                <a:spLocks noRot="1" noChangeAspect="1" noMove="1" noResize="1" noEditPoints="1" noAdjustHandles="1" noChangeArrowheads="1" noChangeShapeType="1" noTextEdit="1"/>
+              </p:cNvSpPr>
+              <p:nvPr/>
+            </p:nvSpPr>
+            <p:spPr>
+              <a:xfrm>
+                <a:off x="8001941" y="4220339"/>
+                <a:ext cx="215572" cy="276999"/>
+              </a:xfrm>
+              <a:prstGeom prst="rect">
+                <a:avLst/>
+              </a:prstGeom>
+              <a:blipFill rotWithShape="0">
+                <a:blip r:embed="rId11"/>
+                <a:stretch>
+                  <a:fillRect l="-20000" r="-14286" b="-10870"/>
+                </a:stretch>
+              </a:blipFill>
+            </p:spPr>
+            <p:txBody>
+              <a:bodyPr/>
+              <a:lstStyle/>
+              <a:p>
+                <a:r>
+                  <a:rPr lang="ko-KR" altLang="en-US">
+                    <a:noFill/>
+                  </a:rPr>
+                  <a:t> </a:t>
+                </a:r>
+              </a:p>
+            </p:txBody>
+          </p:sp>
+        </mc:Fallback>
+      </mc:AlternateContent>
+      <p:cxnSp>
+        <p:nvCxnSpPr>
+          <p:cNvPr id="3" name="직선 연결선 2"/>
+          <p:cNvCxnSpPr/>
+          <p:nvPr/>
+        </p:nvCxnSpPr>
+        <p:spPr>
+          <a:xfrm>
+            <a:off x="3725175" y="3734094"/>
+            <a:ext cx="0" cy="359158"/>
+          </a:xfrm>
+          <a:prstGeom prst="line">
+            <a:avLst/>
+          </a:prstGeom>
+          <a:ln w="28575">
+            <a:solidFill>
+              <a:schemeClr val="tx1"/>
+            </a:solidFill>
+          </a:ln>
+        </p:spPr>
+        <p:style>
+          <a:lnRef idx="1">
+            <a:schemeClr val="accent1"/>
+          </a:lnRef>
+          <a:fillRef idx="0">
+            <a:schemeClr val="accent1"/>
+          </a:fillRef>
+          <a:effectRef idx="0">
+            <a:schemeClr val="accent1"/>
+          </a:effectRef>
+          <a:fontRef idx="minor">
+            <a:schemeClr val="tx1"/>
+          </a:fontRef>
+        </p:style>
+      </p:cxnSp>
+      <p:cxnSp>
+        <p:nvCxnSpPr>
+          <p:cNvPr id="48" name="직선 연결선 47"/>
+          <p:cNvCxnSpPr/>
+          <p:nvPr/>
+        </p:nvCxnSpPr>
+        <p:spPr>
+          <a:xfrm>
+            <a:off x="4611501" y="3718049"/>
+            <a:ext cx="0" cy="359158"/>
+          </a:xfrm>
+          <a:prstGeom prst="line">
+            <a:avLst/>
+          </a:prstGeom>
+          <a:ln w="28575">
+            <a:solidFill>
+              <a:schemeClr val="tx1"/>
+            </a:solidFill>
+          </a:ln>
+        </p:spPr>
+        <p:style>
+          <a:lnRef idx="1">
+            <a:schemeClr val="accent1"/>
+          </a:lnRef>
+          <a:fillRef idx="0">
+            <a:schemeClr val="accent1"/>
+          </a:fillRef>
+          <a:effectRef idx="0">
+            <a:schemeClr val="accent1"/>
+          </a:effectRef>
+          <a:fontRef idx="minor">
+            <a:schemeClr val="tx1"/>
+          </a:fontRef>
+        </p:style>
+      </p:cxnSp>
+      <p:cxnSp>
+        <p:nvCxnSpPr>
+          <p:cNvPr id="49" name="직선 연결선 48"/>
+          <p:cNvCxnSpPr/>
+          <p:nvPr/>
+        </p:nvCxnSpPr>
+        <p:spPr>
+          <a:xfrm>
+            <a:off x="6977711" y="3723365"/>
+            <a:ext cx="0" cy="359158"/>
+          </a:xfrm>
+          <a:prstGeom prst="line">
+            <a:avLst/>
+          </a:prstGeom>
+          <a:ln w="28575">
+            <a:solidFill>
+              <a:schemeClr val="tx1"/>
+            </a:solidFill>
+          </a:ln>
+        </p:spPr>
+        <p:style>
+          <a:lnRef idx="1">
+            <a:schemeClr val="accent1"/>
+          </a:lnRef>
+          <a:fillRef idx="0">
+            <a:schemeClr val="accent1"/>
+          </a:fillRef>
+          <a:effectRef idx="0">
+            <a:schemeClr val="accent1"/>
+          </a:effectRef>
+          <a:fontRef idx="minor">
+            <a:schemeClr val="tx1"/>
+          </a:fontRef>
+        </p:style>
+      </p:cxnSp>
+      <mc:AlternateContent xmlns:mc="http://schemas.openxmlformats.org/markup-compatibility/2006">
+        <mc:Choice xmlns:a14="http://schemas.microsoft.com/office/drawing/2010/main" Requires="a14">
+          <p:sp>
+            <p:nvSpPr>
+              <p:cNvPr id="50" name="TextBox 49"/>
+              <p:cNvSpPr txBox="1"/>
+              <p:nvPr/>
+            </p:nvSpPr>
+            <p:spPr>
+              <a:xfrm>
+                <a:off x="3275995" y="3770123"/>
+                <a:ext cx="340863" cy="276999"/>
+              </a:xfrm>
+              <a:prstGeom prst="rect">
+                <a:avLst/>
+              </a:prstGeom>
+              <a:noFill/>
+            </p:spPr>
+            <p:txBody>
+              <a:bodyPr wrap="none" lIns="0" tIns="0" rIns="0" bIns="0" rtlCol="0">
+                <a:spAutoFit/>
+              </a:bodyPr>
+              <a:lstStyle/>
+              <a:p>
+                <a:pPr/>
+                <a14:m>
+                  <m:oMathPara xmlns:m="http://schemas.openxmlformats.org/officeDocument/2006/math">
+                    <m:oMathParaPr>
+                      <m:jc m:val="centerGroup"/>
+                    </m:oMathParaPr>
+                    <m:oMath xmlns:m="http://schemas.openxmlformats.org/officeDocument/2006/math">
+                      <m:sSub>
+                        <m:sSubPr>
+                          <m:ctrlPr>
+                            <a:rPr lang="en-US" altLang="ko-KR" b="0" i="1" smtClean="0">
+                              <a:latin typeface="Cambria Math" panose="02040503050406030204" pitchFamily="18" charset="0"/>
+                            </a:rPr>
+                          </m:ctrlPr>
+                        </m:sSubPr>
+                        <m:e>
+                          <m:r>
+                            <m:rPr>
+                              <m:sty m:val="p"/>
+                            </m:rPr>
+                            <a:rPr lang="en-US" altLang="ko-KR" b="0" i="0" smtClean="0">
+                              <a:latin typeface="Cambria Math" panose="02040503050406030204" pitchFamily="18" charset="0"/>
+                            </a:rPr>
+                            <m:t>Ω</m:t>
+                          </m:r>
+                        </m:e>
+                        <m:sub>
+                          <m:r>
+                            <a:rPr lang="en-US" altLang="ko-KR" b="0" i="1" smtClean="0">
+                              <a:latin typeface="Cambria Math" panose="02040503050406030204" pitchFamily="18" charset="0"/>
+                            </a:rPr>
+                            <m:t>1</m:t>
+                          </m:r>
+                        </m:sub>
+                      </m:sSub>
+                    </m:oMath>
+                  </m:oMathPara>
+                </a14:m>
+                <a:endParaRPr lang="ko-KR" altLang="en-US" dirty="0"/>
+              </a:p>
+            </p:txBody>
+          </p:sp>
+        </mc:Choice>
+        <mc:Fallback>
+          <p:sp>
+            <p:nvSpPr>
+              <p:cNvPr id="50" name="TextBox 49"/>
+              <p:cNvSpPr txBox="1">
+                <a:spLocks noRot="1" noChangeAspect="1" noMove="1" noResize="1" noEditPoints="1" noAdjustHandles="1" noChangeArrowheads="1" noChangeShapeType="1" noTextEdit="1"/>
+              </p:cNvSpPr>
+              <p:nvPr/>
+            </p:nvSpPr>
+            <p:spPr>
+              <a:xfrm>
+                <a:off x="3275995" y="3770123"/>
+                <a:ext cx="340863" cy="276999"/>
+              </a:xfrm>
+              <a:prstGeom prst="rect">
+                <a:avLst/>
+              </a:prstGeom>
+              <a:blipFill rotWithShape="0">
+                <a:blip r:embed="rId12"/>
+                <a:stretch>
+                  <a:fillRect l="-10714" r="-3571" b="-19565"/>
+                </a:stretch>
+              </a:blipFill>
+            </p:spPr>
+            <p:txBody>
+              <a:bodyPr/>
+              <a:lstStyle/>
+              <a:p>
+                <a:r>
+                  <a:rPr lang="ko-KR" altLang="en-US">
+                    <a:noFill/>
+                  </a:rPr>
+                  <a:t> </a:t>
+                </a:r>
+              </a:p>
+            </p:txBody>
+          </p:sp>
+        </mc:Fallback>
+      </mc:AlternateContent>
+      <mc:AlternateContent xmlns:mc="http://schemas.openxmlformats.org/markup-compatibility/2006">
+        <mc:Choice xmlns:a14="http://schemas.microsoft.com/office/drawing/2010/main" Requires="a14">
+          <p:sp>
+            <p:nvSpPr>
+              <p:cNvPr id="51" name="TextBox 50"/>
+              <p:cNvSpPr txBox="1"/>
+              <p:nvPr/>
+            </p:nvSpPr>
+            <p:spPr>
+              <a:xfrm>
+                <a:off x="4029972" y="3766110"/>
+                <a:ext cx="346184" cy="276999"/>
+              </a:xfrm>
+              <a:prstGeom prst="rect">
+                <a:avLst/>
+              </a:prstGeom>
+              <a:noFill/>
+            </p:spPr>
+            <p:txBody>
+              <a:bodyPr wrap="none" lIns="0" tIns="0" rIns="0" bIns="0" rtlCol="0">
+                <a:spAutoFit/>
+              </a:bodyPr>
+              <a:lstStyle/>
+              <a:p>
+                <a:pPr/>
+                <a14:m>
+                  <m:oMathPara xmlns:m="http://schemas.openxmlformats.org/officeDocument/2006/math">
+                    <m:oMathParaPr>
+                      <m:jc m:val="centerGroup"/>
+                    </m:oMathParaPr>
+                    <m:oMath xmlns:m="http://schemas.openxmlformats.org/officeDocument/2006/math">
+                      <m:sSub>
+                        <m:sSubPr>
+                          <m:ctrlPr>
+                            <a:rPr lang="en-US" altLang="ko-KR" b="0" i="1" smtClean="0">
+                              <a:latin typeface="Cambria Math" panose="02040503050406030204" pitchFamily="18" charset="0"/>
+                            </a:rPr>
+                          </m:ctrlPr>
+                        </m:sSubPr>
+                        <m:e>
+                          <m:r>
+                            <m:rPr>
+                              <m:sty m:val="p"/>
+                            </m:rPr>
+                            <a:rPr lang="en-US" altLang="ko-KR" b="0" i="0" smtClean="0">
+                              <a:latin typeface="Cambria Math" panose="02040503050406030204" pitchFamily="18" charset="0"/>
+                            </a:rPr>
+                            <m:t>Ω</m:t>
+                          </m:r>
+                        </m:e>
+                        <m:sub>
+                          <m:r>
+                            <a:rPr lang="en-US" altLang="ko-KR" b="0" i="1" smtClean="0">
+                              <a:latin typeface="Cambria Math" panose="02040503050406030204" pitchFamily="18" charset="0"/>
+                            </a:rPr>
+                            <m:t>2</m:t>
+                          </m:r>
+                        </m:sub>
+                      </m:sSub>
+                    </m:oMath>
+                  </m:oMathPara>
+                </a14:m>
+                <a:endParaRPr lang="ko-KR" altLang="en-US" dirty="0"/>
+              </a:p>
+            </p:txBody>
+          </p:sp>
+        </mc:Choice>
+        <mc:Fallback>
+          <p:sp>
+            <p:nvSpPr>
+              <p:cNvPr id="51" name="TextBox 50"/>
+              <p:cNvSpPr txBox="1">
+                <a:spLocks noRot="1" noChangeAspect="1" noMove="1" noResize="1" noEditPoints="1" noAdjustHandles="1" noChangeArrowheads="1" noChangeShapeType="1" noTextEdit="1"/>
+              </p:cNvSpPr>
+              <p:nvPr/>
+            </p:nvSpPr>
+            <p:spPr>
+              <a:xfrm>
+                <a:off x="4029972" y="3766110"/>
+                <a:ext cx="346184" cy="276999"/>
+              </a:xfrm>
+              <a:prstGeom prst="rect">
+                <a:avLst/>
+              </a:prstGeom>
+              <a:blipFill rotWithShape="0">
+                <a:blip r:embed="rId13"/>
+                <a:stretch>
+                  <a:fillRect l="-10526" r="-3509" b="-20000"/>
+                </a:stretch>
+              </a:blipFill>
+            </p:spPr>
+            <p:txBody>
+              <a:bodyPr/>
+              <a:lstStyle/>
+              <a:p>
+                <a:r>
+                  <a:rPr lang="ko-KR" altLang="en-US">
+                    <a:noFill/>
+                  </a:rPr>
+                  <a:t> </a:t>
+                </a:r>
+              </a:p>
+            </p:txBody>
+          </p:sp>
+        </mc:Fallback>
+      </mc:AlternateContent>
+      <mc:AlternateContent xmlns:mc="http://schemas.openxmlformats.org/markup-compatibility/2006">
+        <mc:Choice xmlns:a14="http://schemas.microsoft.com/office/drawing/2010/main" Requires="a14">
+          <p:sp>
+            <p:nvSpPr>
+              <p:cNvPr id="52" name="TextBox 51"/>
+              <p:cNvSpPr txBox="1"/>
+              <p:nvPr/>
+            </p:nvSpPr>
+            <p:spPr>
+              <a:xfrm>
+                <a:off x="5590067" y="3762100"/>
+                <a:ext cx="278923" cy="276999"/>
+              </a:xfrm>
+              <a:prstGeom prst="rect">
+                <a:avLst/>
+              </a:prstGeom>
+              <a:noFill/>
+            </p:spPr>
+            <p:txBody>
+              <a:bodyPr wrap="none" lIns="0" tIns="0" rIns="0" bIns="0" rtlCol="0">
+                <a:spAutoFit/>
+              </a:bodyPr>
+              <a:lstStyle/>
+              <a:p>
+                <a:pPr/>
+                <a14:m>
+                  <m:oMathPara xmlns:m="http://schemas.openxmlformats.org/officeDocument/2006/math">
+                    <m:oMathParaPr>
+                      <m:jc m:val="centerGroup"/>
+                    </m:oMathParaPr>
+                    <m:oMath xmlns:m="http://schemas.openxmlformats.org/officeDocument/2006/math">
+                      <m:r>
+                        <a:rPr lang="en-US" altLang="ko-KR" b="0" i="1" smtClean="0">
+                          <a:latin typeface="Cambria Math" panose="02040503050406030204" pitchFamily="18" charset="0"/>
+                        </a:rPr>
+                        <m:t>⋯</m:t>
+                      </m:r>
+                    </m:oMath>
+                  </m:oMathPara>
+                </a14:m>
+                <a:endParaRPr lang="ko-KR" altLang="en-US" dirty="0"/>
+              </a:p>
+            </p:txBody>
+          </p:sp>
+        </mc:Choice>
+        <mc:Fallback>
+          <p:sp>
+            <p:nvSpPr>
+              <p:cNvPr id="52" name="TextBox 51"/>
+              <p:cNvSpPr txBox="1">
+                <a:spLocks noRot="1" noChangeAspect="1" noMove="1" noResize="1" noEditPoints="1" noAdjustHandles="1" noChangeArrowheads="1" noChangeShapeType="1" noTextEdit="1"/>
+              </p:cNvSpPr>
+              <p:nvPr/>
+            </p:nvSpPr>
+            <p:spPr>
+              <a:xfrm>
+                <a:off x="5590067" y="3762100"/>
+                <a:ext cx="278923" cy="276999"/>
+              </a:xfrm>
+              <a:prstGeom prst="rect">
+                <a:avLst/>
+              </a:prstGeom>
+              <a:blipFill rotWithShape="0">
+                <a:blip r:embed="rId14"/>
+                <a:stretch>
+                  <a:fillRect r="-2174"/>
+                </a:stretch>
+              </a:blipFill>
+            </p:spPr>
+            <p:txBody>
+              <a:bodyPr/>
+              <a:lstStyle/>
+              <a:p>
+                <a:r>
+                  <a:rPr lang="ko-KR" altLang="en-US">
+                    <a:noFill/>
+                  </a:rPr>
+                  <a:t> </a:t>
+                </a:r>
+              </a:p>
+            </p:txBody>
+          </p:sp>
+        </mc:Fallback>
+      </mc:AlternateContent>
+      <mc:AlternateContent xmlns:mc="http://schemas.openxmlformats.org/markup-compatibility/2006">
+        <mc:Choice xmlns:a14="http://schemas.microsoft.com/office/drawing/2010/main" Requires="a14">
+          <p:sp>
+            <p:nvSpPr>
+              <p:cNvPr id="53" name="TextBox 52"/>
+              <p:cNvSpPr txBox="1"/>
+              <p:nvPr/>
+            </p:nvSpPr>
+            <p:spPr>
+              <a:xfrm>
+                <a:off x="7475010" y="3770120"/>
+                <a:ext cx="479810" cy="300788"/>
+              </a:xfrm>
+              <a:prstGeom prst="rect">
+                <a:avLst/>
+              </a:prstGeom>
+              <a:noFill/>
+            </p:spPr>
+            <p:txBody>
+              <a:bodyPr wrap="none" lIns="0" tIns="0" rIns="0" bIns="0" rtlCol="0">
+                <a:spAutoFit/>
+              </a:bodyPr>
+              <a:lstStyle/>
+              <a:p>
+                <a:pPr/>
+                <a14:m>
+                  <m:oMathPara xmlns:m="http://schemas.openxmlformats.org/officeDocument/2006/math">
+                    <m:oMathParaPr>
+                      <m:jc m:val="centerGroup"/>
+                    </m:oMathParaPr>
+                    <m:oMath xmlns:m="http://schemas.openxmlformats.org/officeDocument/2006/math">
+                      <m:sSub>
+                        <m:sSubPr>
+                          <m:ctrlPr>
+                            <a:rPr lang="en-US" altLang="ko-KR" b="0" i="1" smtClean="0">
+                              <a:latin typeface="Cambria Math" panose="02040503050406030204" pitchFamily="18" charset="0"/>
+                            </a:rPr>
+                          </m:ctrlPr>
+                        </m:sSubPr>
+                        <m:e>
+                          <m:r>
+                            <m:rPr>
+                              <m:sty m:val="p"/>
+                            </m:rPr>
+                            <a:rPr lang="en-US" altLang="ko-KR" b="0" i="0" smtClean="0">
+                              <a:latin typeface="Cambria Math" panose="02040503050406030204" pitchFamily="18" charset="0"/>
+                            </a:rPr>
+                            <m:t>Ω</m:t>
+                          </m:r>
+                        </m:e>
+                        <m:sub>
+                          <m:sSub>
+                            <m:sSubPr>
+                              <m:ctrlPr>
+                                <a:rPr lang="en-US" altLang="ko-KR" b="0" i="1" smtClean="0">
+                                  <a:latin typeface="Cambria Math" panose="02040503050406030204" pitchFamily="18" charset="0"/>
+                                </a:rPr>
+                              </m:ctrlPr>
+                            </m:sSubPr>
+                            <m:e>
+                              <m:r>
+                                <a:rPr lang="en-US" altLang="ko-KR" b="0" i="1" smtClean="0">
+                                  <a:latin typeface="Cambria Math" panose="02040503050406030204" pitchFamily="18" charset="0"/>
+                                </a:rPr>
+                                <m:t>𝑁</m:t>
+                              </m:r>
+                            </m:e>
+                            <m:sub>
+                              <m:r>
+                                <a:rPr lang="en-US" altLang="ko-KR" b="0" i="1" smtClean="0">
+                                  <a:latin typeface="Cambria Math" panose="02040503050406030204" pitchFamily="18" charset="0"/>
+                                </a:rPr>
+                                <m:t>𝐸</m:t>
+                              </m:r>
+                            </m:sub>
+                          </m:sSub>
+                        </m:sub>
+                      </m:sSub>
+                    </m:oMath>
+                  </m:oMathPara>
+                </a14:m>
+                <a:endParaRPr lang="ko-KR" altLang="en-US" dirty="0"/>
+              </a:p>
+            </p:txBody>
+          </p:sp>
+        </mc:Choice>
+        <mc:Fallback>
+          <p:sp>
+            <p:nvSpPr>
+              <p:cNvPr id="53" name="TextBox 52"/>
+              <p:cNvSpPr txBox="1">
+                <a:spLocks noRot="1" noChangeAspect="1" noMove="1" noResize="1" noEditPoints="1" noAdjustHandles="1" noChangeArrowheads="1" noChangeShapeType="1" noTextEdit="1"/>
+              </p:cNvSpPr>
+              <p:nvPr/>
+            </p:nvSpPr>
+            <p:spPr>
+              <a:xfrm>
+                <a:off x="7475010" y="3770120"/>
+                <a:ext cx="479810" cy="300788"/>
+              </a:xfrm>
+              <a:prstGeom prst="rect">
+                <a:avLst/>
+              </a:prstGeom>
+              <a:blipFill rotWithShape="0">
+                <a:blip r:embed="rId15"/>
+                <a:stretch>
+                  <a:fillRect l="-7595" b="-16000"/>
                 </a:stretch>
               </a:blipFill>
             </p:spPr>
@@ -39067,6 +40634,695 @@
 </file>
 
 <file path=ppt/slides/slide7.xml><?xml version="1.0" encoding="utf-8"?>
+<p:sld xmlns:a="http://schemas.openxmlformats.org/drawingml/2006/main" xmlns:r="http://schemas.openxmlformats.org/officeDocument/2006/relationships" xmlns:p="http://schemas.openxmlformats.org/presentationml/2006/main">
+  <p:cSld>
+    <p:spTree>
+      <p:nvGrpSpPr>
+        <p:cNvPr id="1" name=""/>
+        <p:cNvGrpSpPr/>
+        <p:nvPr/>
+      </p:nvGrpSpPr>
+      <p:grpSpPr>
+        <a:xfrm>
+          <a:off x="0" y="0"/>
+          <a:ext cx="0" cy="0"/>
+          <a:chOff x="0" y="0"/>
+          <a:chExt cx="0" cy="0"/>
+        </a:xfrm>
+      </p:grpSpPr>
+      <p:cxnSp>
+        <p:nvCxnSpPr>
+          <p:cNvPr id="5" name="직선 연결선 4"/>
+          <p:cNvCxnSpPr/>
+          <p:nvPr/>
+        </p:nvCxnSpPr>
+        <p:spPr>
+          <a:xfrm>
+            <a:off x="4559968" y="3729789"/>
+            <a:ext cx="3104148" cy="0"/>
+          </a:xfrm>
+          <a:prstGeom prst="line">
+            <a:avLst/>
+          </a:prstGeom>
+          <a:ln w="38100">
+            <a:solidFill>
+              <a:schemeClr val="tx1"/>
+            </a:solidFill>
+          </a:ln>
+        </p:spPr>
+        <p:style>
+          <a:lnRef idx="1">
+            <a:schemeClr val="accent1"/>
+          </a:lnRef>
+          <a:fillRef idx="0">
+            <a:schemeClr val="accent1"/>
+          </a:fillRef>
+          <a:effectRef idx="0">
+            <a:schemeClr val="accent1"/>
+          </a:effectRef>
+          <a:fontRef idx="minor">
+            <a:schemeClr val="tx1"/>
+          </a:fontRef>
+        </p:style>
+      </p:cxnSp>
+      <mc:AlternateContent xmlns:mc="http://schemas.openxmlformats.org/markup-compatibility/2006">
+        <mc:Choice xmlns:a14="http://schemas.microsoft.com/office/drawing/2010/main" Requires="a14">
+          <p:sp>
+            <p:nvSpPr>
+              <p:cNvPr id="6" name="TextBox 5"/>
+              <p:cNvSpPr txBox="1"/>
+              <p:nvPr/>
+            </p:nvSpPr>
+            <p:spPr>
+              <a:xfrm>
+                <a:off x="4452182" y="3882420"/>
+                <a:ext cx="304955" cy="291426"/>
+              </a:xfrm>
+              <a:prstGeom prst="rect">
+                <a:avLst/>
+              </a:prstGeom>
+              <a:noFill/>
+            </p:spPr>
+            <p:txBody>
+              <a:bodyPr wrap="none" lIns="0" tIns="0" rIns="0" bIns="0" rtlCol="0">
+                <a:spAutoFit/>
+              </a:bodyPr>
+              <a:lstStyle/>
+              <a:p>
+                <a:pPr/>
+                <a14:m>
+                  <m:oMathPara xmlns:m="http://schemas.openxmlformats.org/officeDocument/2006/math">
+                    <m:oMathParaPr>
+                      <m:jc m:val="centerGroup"/>
+                    </m:oMathParaPr>
+                    <m:oMath xmlns:m="http://schemas.openxmlformats.org/officeDocument/2006/math">
+                      <m:sSubSup>
+                        <m:sSubSupPr>
+                          <m:ctrlPr>
+                            <a:rPr lang="en-US" altLang="ko-KR" b="0" i="1" smtClean="0">
+                              <a:latin typeface="Cambria Math" panose="02040503050406030204" pitchFamily="18" charset="0"/>
+                            </a:rPr>
+                          </m:ctrlPr>
+                        </m:sSubSupPr>
+                        <m:e>
+                          <m:r>
+                            <a:rPr lang="en-US" altLang="ko-KR" b="0" i="1" smtClean="0">
+                              <a:latin typeface="Cambria Math" panose="02040503050406030204" pitchFamily="18" charset="0"/>
+                            </a:rPr>
+                            <m:t>𝑥</m:t>
+                          </m:r>
+                        </m:e>
+                        <m:sub>
+                          <m:r>
+                            <a:rPr lang="en-US" altLang="ko-KR" b="0" i="1" smtClean="0">
+                              <a:latin typeface="Cambria Math" panose="02040503050406030204" pitchFamily="18" charset="0"/>
+                            </a:rPr>
+                            <m:t>1</m:t>
+                          </m:r>
+                        </m:sub>
+                        <m:sup>
+                          <m:r>
+                            <a:rPr lang="en-US" altLang="ko-KR" b="0" i="1" smtClean="0">
+                              <a:latin typeface="Cambria Math" panose="02040503050406030204" pitchFamily="18" charset="0"/>
+                            </a:rPr>
+                            <m:t>𝑖</m:t>
+                          </m:r>
+                        </m:sup>
+                      </m:sSubSup>
+                    </m:oMath>
+                  </m:oMathPara>
+                </a14:m>
+                <a:endParaRPr lang="ko-KR" altLang="en-US" dirty="0"/>
+              </a:p>
+            </p:txBody>
+          </p:sp>
+        </mc:Choice>
+        <mc:Fallback>
+          <p:sp>
+            <p:nvSpPr>
+              <p:cNvPr id="6" name="TextBox 5"/>
+              <p:cNvSpPr txBox="1">
+                <a:spLocks noRot="1" noChangeAspect="1" noMove="1" noResize="1" noEditPoints="1" noAdjustHandles="1" noChangeArrowheads="1" noChangeShapeType="1" noTextEdit="1"/>
+              </p:cNvSpPr>
+              <p:nvPr/>
+            </p:nvSpPr>
+            <p:spPr>
+              <a:xfrm>
+                <a:off x="4452182" y="3882420"/>
+                <a:ext cx="304955" cy="291426"/>
+              </a:xfrm>
+              <a:prstGeom prst="rect">
+                <a:avLst/>
+              </a:prstGeom>
+              <a:blipFill rotWithShape="0">
+                <a:blip r:embed="rId2"/>
+                <a:stretch>
+                  <a:fillRect l="-6000" t="-2083" r="-4000" b="-18750"/>
+                </a:stretch>
+              </a:blipFill>
+            </p:spPr>
+            <p:txBody>
+              <a:bodyPr/>
+              <a:lstStyle/>
+              <a:p>
+                <a:r>
+                  <a:rPr lang="ko-KR" altLang="en-US">
+                    <a:noFill/>
+                  </a:rPr>
+                  <a:t> </a:t>
+                </a:r>
+              </a:p>
+            </p:txBody>
+          </p:sp>
+        </mc:Fallback>
+      </mc:AlternateContent>
+      <mc:AlternateContent xmlns:mc="http://schemas.openxmlformats.org/markup-compatibility/2006">
+        <mc:Choice xmlns:a14="http://schemas.microsoft.com/office/drawing/2010/main" Requires="a14">
+          <p:sp>
+            <p:nvSpPr>
+              <p:cNvPr id="7" name="TextBox 6"/>
+              <p:cNvSpPr txBox="1"/>
+              <p:nvPr/>
+            </p:nvSpPr>
+            <p:spPr>
+              <a:xfrm>
+                <a:off x="7556330" y="3882420"/>
+                <a:ext cx="310277" cy="292003"/>
+              </a:xfrm>
+              <a:prstGeom prst="rect">
+                <a:avLst/>
+              </a:prstGeom>
+              <a:noFill/>
+            </p:spPr>
+            <p:txBody>
+              <a:bodyPr wrap="none" lIns="0" tIns="0" rIns="0" bIns="0" rtlCol="0">
+                <a:spAutoFit/>
+              </a:bodyPr>
+              <a:lstStyle/>
+              <a:p>
+                <a:pPr/>
+                <a14:m>
+                  <m:oMathPara xmlns:m="http://schemas.openxmlformats.org/officeDocument/2006/math">
+                    <m:oMathParaPr>
+                      <m:jc m:val="centerGroup"/>
+                    </m:oMathParaPr>
+                    <m:oMath xmlns:m="http://schemas.openxmlformats.org/officeDocument/2006/math">
+                      <m:sSubSup>
+                        <m:sSubSupPr>
+                          <m:ctrlPr>
+                            <a:rPr lang="en-US" altLang="ko-KR" b="0" i="1" smtClean="0">
+                              <a:latin typeface="Cambria Math" panose="02040503050406030204" pitchFamily="18" charset="0"/>
+                            </a:rPr>
+                          </m:ctrlPr>
+                        </m:sSubSupPr>
+                        <m:e>
+                          <m:r>
+                            <a:rPr lang="en-US" altLang="ko-KR" b="0" i="1" smtClean="0">
+                              <a:latin typeface="Cambria Math" panose="02040503050406030204" pitchFamily="18" charset="0"/>
+                            </a:rPr>
+                            <m:t>𝑥</m:t>
+                          </m:r>
+                        </m:e>
+                        <m:sub>
+                          <m:r>
+                            <a:rPr lang="en-US" altLang="ko-KR" b="0" i="1" smtClean="0">
+                              <a:latin typeface="Cambria Math" panose="02040503050406030204" pitchFamily="18" charset="0"/>
+                            </a:rPr>
+                            <m:t>2</m:t>
+                          </m:r>
+                        </m:sub>
+                        <m:sup>
+                          <m:r>
+                            <a:rPr lang="en-US" altLang="ko-KR" b="0" i="1" smtClean="0">
+                              <a:latin typeface="Cambria Math" panose="02040503050406030204" pitchFamily="18" charset="0"/>
+                            </a:rPr>
+                            <m:t>𝑖</m:t>
+                          </m:r>
+                        </m:sup>
+                      </m:sSubSup>
+                    </m:oMath>
+                  </m:oMathPara>
+                </a14:m>
+                <a:endParaRPr lang="ko-KR" altLang="en-US" dirty="0"/>
+              </a:p>
+            </p:txBody>
+          </p:sp>
+        </mc:Choice>
+        <mc:Fallback>
+          <p:sp>
+            <p:nvSpPr>
+              <p:cNvPr id="7" name="TextBox 6"/>
+              <p:cNvSpPr txBox="1">
+                <a:spLocks noRot="1" noChangeAspect="1" noMove="1" noResize="1" noEditPoints="1" noAdjustHandles="1" noChangeArrowheads="1" noChangeShapeType="1" noTextEdit="1"/>
+              </p:cNvSpPr>
+              <p:nvPr/>
+            </p:nvSpPr>
+            <p:spPr>
+              <a:xfrm>
+                <a:off x="7556330" y="3882420"/>
+                <a:ext cx="310277" cy="292003"/>
+              </a:xfrm>
+              <a:prstGeom prst="rect">
+                <a:avLst/>
+              </a:prstGeom>
+              <a:blipFill rotWithShape="0">
+                <a:blip r:embed="rId3"/>
+                <a:stretch>
+                  <a:fillRect l="-6000" t="-2083" r="-4000" b="-18750"/>
+                </a:stretch>
+              </a:blipFill>
+            </p:spPr>
+            <p:txBody>
+              <a:bodyPr/>
+              <a:lstStyle/>
+              <a:p>
+                <a:r>
+                  <a:rPr lang="ko-KR" altLang="en-US">
+                    <a:noFill/>
+                  </a:rPr>
+                  <a:t> </a:t>
+                </a:r>
+              </a:p>
+            </p:txBody>
+          </p:sp>
+        </mc:Fallback>
+      </mc:AlternateContent>
+      <mc:AlternateContent xmlns:mc="http://schemas.openxmlformats.org/markup-compatibility/2006">
+        <mc:Choice xmlns:a14="http://schemas.microsoft.com/office/drawing/2010/main" Requires="a14">
+          <p:sp>
+            <p:nvSpPr>
+              <p:cNvPr id="8" name="TextBox 7"/>
+              <p:cNvSpPr txBox="1"/>
+              <p:nvPr/>
+            </p:nvSpPr>
+            <p:spPr>
+              <a:xfrm>
+                <a:off x="6004256" y="3324960"/>
+                <a:ext cx="313483" cy="276999"/>
+              </a:xfrm>
+              <a:prstGeom prst="rect">
+                <a:avLst/>
+              </a:prstGeom>
+              <a:noFill/>
+            </p:spPr>
+            <p:txBody>
+              <a:bodyPr wrap="none" lIns="0" tIns="0" rIns="0" bIns="0" rtlCol="0">
+                <a:spAutoFit/>
+              </a:bodyPr>
+              <a:lstStyle/>
+              <a:p>
+                <a:pPr/>
+                <a14:m>
+                  <m:oMathPara xmlns:m="http://schemas.openxmlformats.org/officeDocument/2006/math">
+                    <m:oMathParaPr>
+                      <m:jc m:val="centerGroup"/>
+                    </m:oMathParaPr>
+                    <m:oMath xmlns:m="http://schemas.openxmlformats.org/officeDocument/2006/math">
+                      <m:sSub>
+                        <m:sSubPr>
+                          <m:ctrlPr>
+                            <a:rPr lang="en-US" altLang="ko-KR" b="0" i="1" smtClean="0">
+                              <a:latin typeface="Cambria Math" panose="02040503050406030204" pitchFamily="18" charset="0"/>
+                            </a:rPr>
+                          </m:ctrlPr>
+                        </m:sSubPr>
+                        <m:e>
+                          <m:r>
+                            <m:rPr>
+                              <m:sty m:val="p"/>
+                            </m:rPr>
+                            <a:rPr lang="en-US" altLang="ko-KR" b="0" i="0" smtClean="0">
+                              <a:latin typeface="Cambria Math" panose="02040503050406030204" pitchFamily="18" charset="0"/>
+                            </a:rPr>
+                            <m:t>Ω</m:t>
+                          </m:r>
+                        </m:e>
+                        <m:sub>
+                          <m:r>
+                            <a:rPr lang="en-US" altLang="ko-KR" b="0" i="1" smtClean="0">
+                              <a:latin typeface="Cambria Math" panose="02040503050406030204" pitchFamily="18" charset="0"/>
+                            </a:rPr>
+                            <m:t>𝑖</m:t>
+                          </m:r>
+                        </m:sub>
+                      </m:sSub>
+                    </m:oMath>
+                  </m:oMathPara>
+                </a14:m>
+                <a:endParaRPr lang="en-US" altLang="ko-KR" b="0" smtClean="0"/>
+              </a:p>
+            </p:txBody>
+          </p:sp>
+        </mc:Choice>
+        <mc:Fallback>
+          <p:sp>
+            <p:nvSpPr>
+              <p:cNvPr id="8" name="TextBox 7"/>
+              <p:cNvSpPr txBox="1">
+                <a:spLocks noRot="1" noChangeAspect="1" noMove="1" noResize="1" noEditPoints="1" noAdjustHandles="1" noChangeArrowheads="1" noChangeShapeType="1" noTextEdit="1"/>
+              </p:cNvSpPr>
+              <p:nvPr/>
+            </p:nvSpPr>
+            <p:spPr>
+              <a:xfrm>
+                <a:off x="6004256" y="3324960"/>
+                <a:ext cx="313483" cy="276999"/>
+              </a:xfrm>
+              <a:prstGeom prst="rect">
+                <a:avLst/>
+              </a:prstGeom>
+              <a:blipFill rotWithShape="0">
+                <a:blip r:embed="rId4"/>
+                <a:stretch>
+                  <a:fillRect l="-13725" r="-3922" b="-21739"/>
+                </a:stretch>
+              </a:blipFill>
+            </p:spPr>
+            <p:txBody>
+              <a:bodyPr/>
+              <a:lstStyle/>
+              <a:p>
+                <a:r>
+                  <a:rPr lang="ko-KR" altLang="en-US">
+                    <a:noFill/>
+                  </a:rPr>
+                  <a:t> </a:t>
+                </a:r>
+              </a:p>
+            </p:txBody>
+          </p:sp>
+        </mc:Fallback>
+      </mc:AlternateContent>
+      <p:cxnSp>
+        <p:nvCxnSpPr>
+          <p:cNvPr id="9" name="직선 화살표 연결선 8"/>
+          <p:cNvCxnSpPr/>
+          <p:nvPr/>
+        </p:nvCxnSpPr>
+        <p:spPr>
+          <a:xfrm>
+            <a:off x="3320090" y="3729789"/>
+            <a:ext cx="1132092" cy="0"/>
+          </a:xfrm>
+          <a:prstGeom prst="straightConnector1">
+            <a:avLst/>
+          </a:prstGeom>
+          <a:ln w="28575">
+            <a:solidFill>
+              <a:schemeClr val="tx1"/>
+            </a:solidFill>
+            <a:headEnd w="lg" len="lg"/>
+            <a:tailEnd type="triangle" w="lg" len="lg"/>
+          </a:ln>
+        </p:spPr>
+        <p:style>
+          <a:lnRef idx="1">
+            <a:schemeClr val="accent1"/>
+          </a:lnRef>
+          <a:fillRef idx="0">
+            <a:schemeClr val="accent1"/>
+          </a:fillRef>
+          <a:effectRef idx="0">
+            <a:schemeClr val="accent1"/>
+          </a:effectRef>
+          <a:fontRef idx="minor">
+            <a:schemeClr val="tx1"/>
+          </a:fontRef>
+        </p:style>
+      </p:cxnSp>
+      <mc:AlternateContent xmlns:mc="http://schemas.openxmlformats.org/markup-compatibility/2006">
+        <mc:Choice xmlns:a14="http://schemas.microsoft.com/office/drawing/2010/main" Requires="a14">
+          <p:sp>
+            <p:nvSpPr>
+              <p:cNvPr id="10" name="TextBox 9"/>
+              <p:cNvSpPr txBox="1"/>
+              <p:nvPr/>
+            </p:nvSpPr>
+            <p:spPr>
+              <a:xfrm>
+                <a:off x="3653097" y="3338524"/>
+                <a:ext cx="297069" cy="291426"/>
+              </a:xfrm>
+              <a:prstGeom prst="rect">
+                <a:avLst/>
+              </a:prstGeom>
+              <a:noFill/>
+            </p:spPr>
+            <p:txBody>
+              <a:bodyPr wrap="none" lIns="0" tIns="0" rIns="0" bIns="0" rtlCol="0">
+                <a:spAutoFit/>
+              </a:bodyPr>
+              <a:lstStyle/>
+              <a:p>
+                <a:pPr/>
+                <a14:m>
+                  <m:oMathPara xmlns:m="http://schemas.openxmlformats.org/officeDocument/2006/math">
+                    <m:oMathParaPr>
+                      <m:jc m:val="centerGroup"/>
+                    </m:oMathParaPr>
+                    <m:oMath xmlns:m="http://schemas.openxmlformats.org/officeDocument/2006/math">
+                      <m:sSubSup>
+                        <m:sSubSupPr>
+                          <m:ctrlPr>
+                            <a:rPr lang="en-US" altLang="ko-KR" b="0" i="1" smtClean="0">
+                              <a:latin typeface="Cambria Math" panose="02040503050406030204" pitchFamily="18" charset="0"/>
+                            </a:rPr>
+                          </m:ctrlPr>
+                        </m:sSubSupPr>
+                        <m:e>
+                          <m:r>
+                            <a:rPr lang="en-US" altLang="ko-KR" b="0" i="1" smtClean="0">
+                              <a:latin typeface="Cambria Math" panose="02040503050406030204" pitchFamily="18" charset="0"/>
+                            </a:rPr>
+                            <m:t>𝑓</m:t>
+                          </m:r>
+                        </m:e>
+                        <m:sub>
+                          <m:r>
+                            <a:rPr lang="en-US" altLang="ko-KR" b="0" i="1" smtClean="0">
+                              <a:latin typeface="Cambria Math" panose="02040503050406030204" pitchFamily="18" charset="0"/>
+                            </a:rPr>
+                            <m:t>1</m:t>
+                          </m:r>
+                        </m:sub>
+                        <m:sup>
+                          <m:r>
+                            <a:rPr lang="en-US" altLang="ko-KR" b="0" i="1" smtClean="0">
+                              <a:latin typeface="Cambria Math" panose="02040503050406030204" pitchFamily="18" charset="0"/>
+                            </a:rPr>
+                            <m:t>𝑖</m:t>
+                          </m:r>
+                        </m:sup>
+                      </m:sSubSup>
+                    </m:oMath>
+                  </m:oMathPara>
+                </a14:m>
+                <a:endParaRPr lang="ko-KR" altLang="en-US" dirty="0"/>
+              </a:p>
+            </p:txBody>
+          </p:sp>
+        </mc:Choice>
+        <mc:Fallback>
+          <p:sp>
+            <p:nvSpPr>
+              <p:cNvPr id="10" name="TextBox 9"/>
+              <p:cNvSpPr txBox="1">
+                <a:spLocks noRot="1" noChangeAspect="1" noMove="1" noResize="1" noEditPoints="1" noAdjustHandles="1" noChangeArrowheads="1" noChangeShapeType="1" noTextEdit="1"/>
+              </p:cNvSpPr>
+              <p:nvPr/>
+            </p:nvSpPr>
+            <p:spPr>
+              <a:xfrm>
+                <a:off x="3653097" y="3338524"/>
+                <a:ext cx="297069" cy="291426"/>
+              </a:xfrm>
+              <a:prstGeom prst="rect">
+                <a:avLst/>
+              </a:prstGeom>
+              <a:blipFill rotWithShape="0">
+                <a:blip r:embed="rId5"/>
+                <a:stretch>
+                  <a:fillRect l="-22449" t="-2128" r="-4082" b="-38298"/>
+                </a:stretch>
+              </a:blipFill>
+            </p:spPr>
+            <p:txBody>
+              <a:bodyPr/>
+              <a:lstStyle/>
+              <a:p>
+                <a:r>
+                  <a:rPr lang="ko-KR" altLang="en-US">
+                    <a:noFill/>
+                  </a:rPr>
+                  <a:t> </a:t>
+                </a:r>
+              </a:p>
+            </p:txBody>
+          </p:sp>
+        </mc:Fallback>
+      </mc:AlternateContent>
+      <p:cxnSp>
+        <p:nvCxnSpPr>
+          <p:cNvPr id="11" name="직선 화살표 연결선 10"/>
+          <p:cNvCxnSpPr/>
+          <p:nvPr/>
+        </p:nvCxnSpPr>
+        <p:spPr>
+          <a:xfrm>
+            <a:off x="7866607" y="3729789"/>
+            <a:ext cx="1132092" cy="0"/>
+          </a:xfrm>
+          <a:prstGeom prst="straightConnector1">
+            <a:avLst/>
+          </a:prstGeom>
+          <a:ln w="28575">
+            <a:solidFill>
+              <a:schemeClr val="tx1"/>
+            </a:solidFill>
+            <a:headEnd w="lg" len="lg"/>
+            <a:tailEnd type="triangle" w="lg" len="lg"/>
+          </a:ln>
+        </p:spPr>
+        <p:style>
+          <a:lnRef idx="1">
+            <a:schemeClr val="accent1"/>
+          </a:lnRef>
+          <a:fillRef idx="0">
+            <a:schemeClr val="accent1"/>
+          </a:fillRef>
+          <a:effectRef idx="0">
+            <a:schemeClr val="accent1"/>
+          </a:effectRef>
+          <a:fontRef idx="minor">
+            <a:schemeClr val="tx1"/>
+          </a:fontRef>
+        </p:style>
+      </p:cxnSp>
+      <mc:AlternateContent xmlns:mc="http://schemas.openxmlformats.org/markup-compatibility/2006">
+        <mc:Choice xmlns:a14="http://schemas.microsoft.com/office/drawing/2010/main" Requires="a14">
+          <p:sp>
+            <p:nvSpPr>
+              <p:cNvPr id="12" name="TextBox 11"/>
+              <p:cNvSpPr txBox="1"/>
+              <p:nvPr/>
+            </p:nvSpPr>
+            <p:spPr>
+              <a:xfrm>
+                <a:off x="8199614" y="3338524"/>
+                <a:ext cx="297069" cy="291426"/>
+              </a:xfrm>
+              <a:prstGeom prst="rect">
+                <a:avLst/>
+              </a:prstGeom>
+              <a:noFill/>
+            </p:spPr>
+            <p:txBody>
+              <a:bodyPr wrap="none" lIns="0" tIns="0" rIns="0" bIns="0" rtlCol="0">
+                <a:spAutoFit/>
+              </a:bodyPr>
+              <a:lstStyle/>
+              <a:p>
+                <a:pPr/>
+                <a14:m>
+                  <m:oMathPara xmlns:m="http://schemas.openxmlformats.org/officeDocument/2006/math">
+                    <m:oMathParaPr>
+                      <m:jc m:val="centerGroup"/>
+                    </m:oMathParaPr>
+                    <m:oMath xmlns:m="http://schemas.openxmlformats.org/officeDocument/2006/math">
+                      <m:sSubSup>
+                        <m:sSubSupPr>
+                          <m:ctrlPr>
+                            <a:rPr lang="en-US" altLang="ko-KR" b="0" i="1" smtClean="0">
+                              <a:latin typeface="Cambria Math" panose="02040503050406030204" pitchFamily="18" charset="0"/>
+                            </a:rPr>
+                          </m:ctrlPr>
+                        </m:sSubSupPr>
+                        <m:e>
+                          <m:r>
+                            <a:rPr lang="en-US" altLang="ko-KR" b="0" i="1" smtClean="0">
+                              <a:latin typeface="Cambria Math" panose="02040503050406030204" pitchFamily="18" charset="0"/>
+                            </a:rPr>
+                            <m:t>𝑓</m:t>
+                          </m:r>
+                        </m:e>
+                        <m:sub>
+                          <m:r>
+                            <a:rPr lang="en-US" altLang="ko-KR" b="0" i="1" smtClean="0">
+                              <a:latin typeface="Cambria Math" panose="02040503050406030204" pitchFamily="18" charset="0"/>
+                            </a:rPr>
+                            <m:t>2</m:t>
+                          </m:r>
+                        </m:sub>
+                        <m:sup>
+                          <m:r>
+                            <a:rPr lang="en-US" altLang="ko-KR" b="0" i="1" smtClean="0">
+                              <a:latin typeface="Cambria Math" panose="02040503050406030204" pitchFamily="18" charset="0"/>
+                            </a:rPr>
+                            <m:t>𝑖</m:t>
+                          </m:r>
+                        </m:sup>
+                      </m:sSubSup>
+                    </m:oMath>
+                  </m:oMathPara>
+                </a14:m>
+                <a:endParaRPr lang="ko-KR" altLang="en-US" dirty="0"/>
+              </a:p>
+            </p:txBody>
+          </p:sp>
+        </mc:Choice>
+        <mc:Fallback>
+          <p:sp>
+            <p:nvSpPr>
+              <p:cNvPr id="12" name="TextBox 11"/>
+              <p:cNvSpPr txBox="1">
+                <a:spLocks noRot="1" noChangeAspect="1" noMove="1" noResize="1" noEditPoints="1" noAdjustHandles="1" noChangeArrowheads="1" noChangeShapeType="1" noTextEdit="1"/>
+              </p:cNvSpPr>
+              <p:nvPr/>
+            </p:nvSpPr>
+            <p:spPr>
+              <a:xfrm>
+                <a:off x="8199614" y="3338524"/>
+                <a:ext cx="297069" cy="291426"/>
+              </a:xfrm>
+              <a:prstGeom prst="rect">
+                <a:avLst/>
+              </a:prstGeom>
+              <a:blipFill rotWithShape="0">
+                <a:blip r:embed="rId6"/>
+                <a:stretch>
+                  <a:fillRect l="-22449" t="-2128" r="-4082" b="-38298"/>
+                </a:stretch>
+              </a:blipFill>
+            </p:spPr>
+            <p:txBody>
+              <a:bodyPr/>
+              <a:lstStyle/>
+              <a:p>
+                <a:r>
+                  <a:rPr lang="ko-KR" altLang="en-US">
+                    <a:noFill/>
+                  </a:rPr>
+                  <a:t> </a:t>
+                </a:r>
+              </a:p>
+            </p:txBody>
+          </p:sp>
+        </mc:Fallback>
+      </mc:AlternateContent>
+    </p:spTree>
+    <p:extLst>
+      <p:ext uri="{BB962C8B-B14F-4D97-AF65-F5344CB8AC3E}">
+        <p14:creationId xmlns:p14="http://schemas.microsoft.com/office/powerpoint/2010/main" val="3570161181"/>
+      </p:ext>
+    </p:extLst>
+  </p:cSld>
+  <p:clrMapOvr>
+    <a:masterClrMapping/>
+  </p:clrMapOvr>
+</p:sld>
+</file>
+
+<file path=ppt/slides/slide8.xml><?xml version="1.0" encoding="utf-8"?>
 <p:sld xmlns:a="http://schemas.openxmlformats.org/drawingml/2006/main" xmlns:r="http://schemas.openxmlformats.org/officeDocument/2006/relationships" xmlns:p="http://schemas.openxmlformats.org/presentationml/2006/main">
   <p:cSld>
     <p:spTree>
@@ -39127,7 +41383,7 @@
 </p:sld>
 </file>
 
-<file path=ppt/slides/slide8.xml><?xml version="1.0" encoding="utf-8"?>
+<file path=ppt/slides/slide9.xml><?xml version="1.0" encoding="utf-8"?>
 <p:sld xmlns:a="http://schemas.openxmlformats.org/drawingml/2006/main" xmlns:r="http://schemas.openxmlformats.org/officeDocument/2006/relationships" xmlns:p="http://schemas.openxmlformats.org/presentationml/2006/main">
   <p:cSld>
     <p:spTree>
@@ -39901,67 +42157,6 @@
     <p:extLst>
       <p:ext uri="{BB962C8B-B14F-4D97-AF65-F5344CB8AC3E}">
         <p14:creationId xmlns:p14="http://schemas.microsoft.com/office/powerpoint/2010/main" val="664316482"/>
-      </p:ext>
-    </p:extLst>
-  </p:cSld>
-  <p:clrMapOvr>
-    <a:masterClrMapping/>
-  </p:clrMapOvr>
-</p:sld>
-</file>
-
-<file path=ppt/slides/slide9.xml><?xml version="1.0" encoding="utf-8"?>
-<p:sld xmlns:a="http://schemas.openxmlformats.org/drawingml/2006/main" xmlns:r="http://schemas.openxmlformats.org/officeDocument/2006/relationships" xmlns:p="http://schemas.openxmlformats.org/presentationml/2006/main">
-  <p:cSld>
-    <p:spTree>
-      <p:nvGrpSpPr>
-        <p:cNvPr id="1" name=""/>
-        <p:cNvGrpSpPr/>
-        <p:nvPr/>
-      </p:nvGrpSpPr>
-      <p:grpSpPr>
-        <a:xfrm>
-          <a:off x="0" y="0"/>
-          <a:ext cx="0" cy="0"/>
-          <a:chOff x="0" y="0"/>
-          <a:chExt cx="0" cy="0"/>
-        </a:xfrm>
-      </p:grpSpPr>
-      <p:sp>
-        <p:nvSpPr>
-          <p:cNvPr id="2" name="제목 1"/>
-          <p:cNvSpPr>
-            <a:spLocks noGrp="1"/>
-          </p:cNvSpPr>
-          <p:nvPr>
-            <p:ph type="title"/>
-          </p:nvPr>
-        </p:nvSpPr>
-        <p:spPr>
-          <a:xfrm>
-            <a:off x="884695" y="2658874"/>
-            <a:ext cx="10515600" cy="1325563"/>
-          </a:xfrm>
-        </p:spPr>
-        <p:txBody>
-          <a:bodyPr>
-            <a:noAutofit/>
-          </a:bodyPr>
-          <a:lstStyle/>
-          <a:p>
-            <a:pPr algn="ctr"/>
-            <a:r>
-              <a:rPr lang="en-US" altLang="ko-KR" sz="13800" b="1" smtClean="0"/>
-              <a:t>Composite Shell</a:t>
-            </a:r>
-            <a:endParaRPr lang="ko-KR" altLang="en-US" sz="13800" b="1"/>
-          </a:p>
-        </p:txBody>
-      </p:sp>
-    </p:spTree>
-    <p:extLst>
-      <p:ext uri="{BB962C8B-B14F-4D97-AF65-F5344CB8AC3E}">
-        <p14:creationId xmlns:p14="http://schemas.microsoft.com/office/powerpoint/2010/main" val="4191110846"/>
       </p:ext>
     </p:extLst>
   </p:cSld>

--- a/그림.pptx
+++ b/그림.pptx
@@ -35,13 +35,14 @@
     <p:sldId id="276" r:id="rId29"/>
     <p:sldId id="277" r:id="rId30"/>
     <p:sldId id="278" r:id="rId31"/>
-    <p:sldId id="279" r:id="rId32"/>
-    <p:sldId id="280" r:id="rId33"/>
-    <p:sldId id="272" r:id="rId34"/>
-    <p:sldId id="259" r:id="rId35"/>
-    <p:sldId id="264" r:id="rId36"/>
-    <p:sldId id="273" r:id="rId37"/>
-    <p:sldId id="281" r:id="rId38"/>
+    <p:sldId id="301" r:id="rId32"/>
+    <p:sldId id="279" r:id="rId33"/>
+    <p:sldId id="280" r:id="rId34"/>
+    <p:sldId id="272" r:id="rId35"/>
+    <p:sldId id="259" r:id="rId36"/>
+    <p:sldId id="264" r:id="rId37"/>
+    <p:sldId id="273" r:id="rId38"/>
+    <p:sldId id="281" r:id="rId39"/>
   </p:sldIdLst>
   <p:sldSz cx="12192000" cy="6858000"/>
   <p:notesSz cx="6858000" cy="9144000"/>
@@ -175,6 +176,7 @@
             <p14:sldId id="276"/>
             <p14:sldId id="277"/>
             <p14:sldId id="278"/>
+            <p14:sldId id="301"/>
             <p14:sldId id="279"/>
             <p14:sldId id="280"/>
             <p14:sldId id="272"/>
@@ -326,7 +328,7 @@
           <a:p>
             <a:fld id="{586A42AD-E6DF-43A8-BCEE-31B231F72482}" type="datetimeFigureOut">
               <a:rPr lang="ko-KR" altLang="en-US" smtClean="0"/>
-              <a:t>2023-01-12</a:t>
+              <a:t>2023-01-17</a:t>
             </a:fld>
             <a:endParaRPr lang="ko-KR" altLang="en-US"/>
           </a:p>
@@ -494,7 +496,7 @@
           <a:p>
             <a:fld id="{586A42AD-E6DF-43A8-BCEE-31B231F72482}" type="datetimeFigureOut">
               <a:rPr lang="ko-KR" altLang="en-US" smtClean="0"/>
-              <a:t>2023-01-12</a:t>
+              <a:t>2023-01-17</a:t>
             </a:fld>
             <a:endParaRPr lang="ko-KR" altLang="en-US"/>
           </a:p>
@@ -672,7 +674,7 @@
           <a:p>
             <a:fld id="{586A42AD-E6DF-43A8-BCEE-31B231F72482}" type="datetimeFigureOut">
               <a:rPr lang="ko-KR" altLang="en-US" smtClean="0"/>
-              <a:t>2023-01-12</a:t>
+              <a:t>2023-01-17</a:t>
             </a:fld>
             <a:endParaRPr lang="ko-KR" altLang="en-US"/>
           </a:p>
@@ -840,7 +842,7 @@
           <a:p>
             <a:fld id="{586A42AD-E6DF-43A8-BCEE-31B231F72482}" type="datetimeFigureOut">
               <a:rPr lang="ko-KR" altLang="en-US" smtClean="0"/>
-              <a:t>2023-01-12</a:t>
+              <a:t>2023-01-17</a:t>
             </a:fld>
             <a:endParaRPr lang="ko-KR" altLang="en-US"/>
           </a:p>
@@ -1085,7 +1087,7 @@
           <a:p>
             <a:fld id="{586A42AD-E6DF-43A8-BCEE-31B231F72482}" type="datetimeFigureOut">
               <a:rPr lang="ko-KR" altLang="en-US" smtClean="0"/>
-              <a:t>2023-01-12</a:t>
+              <a:t>2023-01-17</a:t>
             </a:fld>
             <a:endParaRPr lang="ko-KR" altLang="en-US"/>
           </a:p>
@@ -1314,7 +1316,7 @@
           <a:p>
             <a:fld id="{586A42AD-E6DF-43A8-BCEE-31B231F72482}" type="datetimeFigureOut">
               <a:rPr lang="ko-KR" altLang="en-US" smtClean="0"/>
-              <a:t>2023-01-12</a:t>
+              <a:t>2023-01-17</a:t>
             </a:fld>
             <a:endParaRPr lang="ko-KR" altLang="en-US"/>
           </a:p>
@@ -1678,7 +1680,7 @@
           <a:p>
             <a:fld id="{586A42AD-E6DF-43A8-BCEE-31B231F72482}" type="datetimeFigureOut">
               <a:rPr lang="ko-KR" altLang="en-US" smtClean="0"/>
-              <a:t>2023-01-12</a:t>
+              <a:t>2023-01-17</a:t>
             </a:fld>
             <a:endParaRPr lang="ko-KR" altLang="en-US"/>
           </a:p>
@@ -1795,7 +1797,7 @@
           <a:p>
             <a:fld id="{586A42AD-E6DF-43A8-BCEE-31B231F72482}" type="datetimeFigureOut">
               <a:rPr lang="ko-KR" altLang="en-US" smtClean="0"/>
-              <a:t>2023-01-12</a:t>
+              <a:t>2023-01-17</a:t>
             </a:fld>
             <a:endParaRPr lang="ko-KR" altLang="en-US"/>
           </a:p>
@@ -1890,7 +1892,7 @@
           <a:p>
             <a:fld id="{586A42AD-E6DF-43A8-BCEE-31B231F72482}" type="datetimeFigureOut">
               <a:rPr lang="ko-KR" altLang="en-US" smtClean="0"/>
-              <a:t>2023-01-12</a:t>
+              <a:t>2023-01-17</a:t>
             </a:fld>
             <a:endParaRPr lang="ko-KR" altLang="en-US"/>
           </a:p>
@@ -2165,7 +2167,7 @@
           <a:p>
             <a:fld id="{586A42AD-E6DF-43A8-BCEE-31B231F72482}" type="datetimeFigureOut">
               <a:rPr lang="ko-KR" altLang="en-US" smtClean="0"/>
-              <a:t>2023-01-12</a:t>
+              <a:t>2023-01-17</a:t>
             </a:fld>
             <a:endParaRPr lang="ko-KR" altLang="en-US"/>
           </a:p>
@@ -2417,7 +2419,7 @@
           <a:p>
             <a:fld id="{586A42AD-E6DF-43A8-BCEE-31B231F72482}" type="datetimeFigureOut">
               <a:rPr lang="ko-KR" altLang="en-US" smtClean="0"/>
-              <a:t>2023-01-12</a:t>
+              <a:t>2023-01-17</a:t>
             </a:fld>
             <a:endParaRPr lang="ko-KR" altLang="en-US"/>
           </a:p>
@@ -2628,7 +2630,7 @@
           <a:p>
             <a:fld id="{586A42AD-E6DF-43A8-BCEE-31B231F72482}" type="datetimeFigureOut">
               <a:rPr lang="ko-KR" altLang="en-US" smtClean="0"/>
-              <a:t>2023-01-12</a:t>
+              <a:t>2023-01-17</a:t>
             </a:fld>
             <a:endParaRPr lang="ko-KR" altLang="en-US"/>
           </a:p>
@@ -12229,8 +12231,8 @@
           </a:p>
         </p:txBody>
       </p:sp>
-      <mc:AlternateContent xmlns:mc="http://schemas.openxmlformats.org/markup-compatibility/2006">
-        <mc:Choice xmlns:a14="http://schemas.microsoft.com/office/drawing/2010/main" Requires="a14">
+      <mc:AlternateContent xmlns:mc="http://schemas.openxmlformats.org/markup-compatibility/2006" xmlns:a14="http://schemas.microsoft.com/office/drawing/2010/main">
+        <mc:Choice Requires="a14">
           <p:sp>
             <p:nvSpPr>
               <p:cNvPr id="47" name="TextBox 46"/>
@@ -12274,7 +12276,7 @@
             </p:txBody>
           </p:sp>
         </mc:Choice>
-        <mc:Fallback>
+        <mc:Fallback xmlns="">
           <p:sp>
             <p:nvSpPr>
               <p:cNvPr id="47" name="TextBox 46"/>
@@ -12313,8 +12315,8 @@
           </p:sp>
         </mc:Fallback>
       </mc:AlternateContent>
-      <mc:AlternateContent xmlns:mc="http://schemas.openxmlformats.org/markup-compatibility/2006">
-        <mc:Choice xmlns:a14="http://schemas.microsoft.com/office/drawing/2010/main" Requires="a14">
+      <mc:AlternateContent xmlns:mc="http://schemas.openxmlformats.org/markup-compatibility/2006" xmlns:a14="http://schemas.microsoft.com/office/drawing/2010/main">
+        <mc:Choice Requires="a14">
           <p:sp>
             <p:nvSpPr>
               <p:cNvPr id="48" name="TextBox 47"/>
@@ -12358,7 +12360,7 @@
             </p:txBody>
           </p:sp>
         </mc:Choice>
-        <mc:Fallback>
+        <mc:Fallback xmlns="">
           <p:sp>
             <p:nvSpPr>
               <p:cNvPr id="48" name="TextBox 47"/>
@@ -12397,8 +12399,8 @@
           </p:sp>
         </mc:Fallback>
       </mc:AlternateContent>
-      <mc:AlternateContent xmlns:mc="http://schemas.openxmlformats.org/markup-compatibility/2006">
-        <mc:Choice xmlns:a14="http://schemas.microsoft.com/office/drawing/2010/main" Requires="a14">
+      <mc:AlternateContent xmlns:mc="http://schemas.openxmlformats.org/markup-compatibility/2006" xmlns:a14="http://schemas.microsoft.com/office/drawing/2010/main">
+        <mc:Choice Requires="a14">
           <p:sp>
             <p:nvSpPr>
               <p:cNvPr id="49" name="TextBox 48"/>
@@ -12442,7 +12444,7 @@
             </p:txBody>
           </p:sp>
         </mc:Choice>
-        <mc:Fallback>
+        <mc:Fallback xmlns="">
           <p:sp>
             <p:nvSpPr>
               <p:cNvPr id="49" name="TextBox 48"/>
@@ -12481,8 +12483,8 @@
           </p:sp>
         </mc:Fallback>
       </mc:AlternateContent>
-      <mc:AlternateContent xmlns:mc="http://schemas.openxmlformats.org/markup-compatibility/2006">
-        <mc:Choice xmlns:a14="http://schemas.microsoft.com/office/drawing/2010/main" Requires="a14">
+      <mc:AlternateContent xmlns:mc="http://schemas.openxmlformats.org/markup-compatibility/2006" xmlns:a14="http://schemas.microsoft.com/office/drawing/2010/main">
+        <mc:Choice Requires="a14">
           <p:sp>
             <p:nvSpPr>
               <p:cNvPr id="50" name="TextBox 49"/>
@@ -12526,7 +12528,7 @@
             </p:txBody>
           </p:sp>
         </mc:Choice>
-        <mc:Fallback>
+        <mc:Fallback xmlns="">
           <p:sp>
             <p:nvSpPr>
               <p:cNvPr id="50" name="TextBox 49"/>
@@ -23254,7 +23256,7 @@
           <p:cNvPr id="27" name="직선 화살표 연결선 26">
             <a:extLst>
               <a:ext uri="{FF2B5EF4-FFF2-40B4-BE49-F238E27FC236}">
-                <a16:creationId xmlns:a16="http://schemas.microsoft.com/office/drawing/2014/main" xmlns="" id="{C93B29A1-F190-44D3-A9D0-DFAD4F83776E}"/>
+                <a16:creationId xmlns="" xmlns:a16="http://schemas.microsoft.com/office/drawing/2014/main" id="{C93B29A1-F190-44D3-A9D0-DFAD4F83776E}"/>
               </a:ext>
             </a:extLst>
           </p:cNvPr>
@@ -23300,7 +23302,7 @@
               <p:cNvPr id="28" name="TextBox 27">
                 <a:extLst>
                   <a:ext uri="{FF2B5EF4-FFF2-40B4-BE49-F238E27FC236}">
-                    <a16:creationId xmlns:a16="http://schemas.microsoft.com/office/drawing/2014/main" xmlns="" id="{07B5ABC4-CAA0-493B-ACDF-C42A51522079}"/>
+                    <a16:creationId xmlns="" xmlns:a16="http://schemas.microsoft.com/office/drawing/2014/main" id="{07B5ABC4-CAA0-493B-ACDF-C42A51522079}"/>
                   </a:ext>
                 </a:extLst>
               </p:cNvPr>
@@ -23413,7 +23415,7 @@
           <p:cNvPr id="29" name="직선 화살표 연결선 28">
             <a:extLst>
               <a:ext uri="{FF2B5EF4-FFF2-40B4-BE49-F238E27FC236}">
-                <a16:creationId xmlns:a16="http://schemas.microsoft.com/office/drawing/2014/main" xmlns="" id="{782BF86B-4207-4FE7-8DAC-CEB1861B292A}"/>
+                <a16:creationId xmlns="" xmlns:a16="http://schemas.microsoft.com/office/drawing/2014/main" id="{782BF86B-4207-4FE7-8DAC-CEB1861B292A}"/>
               </a:ext>
             </a:extLst>
           </p:cNvPr>
@@ -23459,7 +23461,7 @@
               <p:cNvPr id="32" name="TextBox 31">
                 <a:extLst>
                   <a:ext uri="{FF2B5EF4-FFF2-40B4-BE49-F238E27FC236}">
-                    <a16:creationId xmlns:a16="http://schemas.microsoft.com/office/drawing/2014/main" xmlns="" id="{5DB3AE05-D351-4E8F-8481-E70A4D8B443E}"/>
+                    <a16:creationId xmlns="" xmlns:a16="http://schemas.microsoft.com/office/drawing/2014/main" id="{5DB3AE05-D351-4E8F-8481-E70A4D8B443E}"/>
                   </a:ext>
                 </a:extLst>
               </p:cNvPr>
@@ -23553,7 +23555,7 @@
           <p:cNvPr id="33" name="직선 화살표 연결선 32">
             <a:extLst>
               <a:ext uri="{FF2B5EF4-FFF2-40B4-BE49-F238E27FC236}">
-                <a16:creationId xmlns:a16="http://schemas.microsoft.com/office/drawing/2014/main" xmlns="" id="{F5FC4C0A-B591-4F3B-BD15-9D9E5EC72772}"/>
+                <a16:creationId xmlns="" xmlns:a16="http://schemas.microsoft.com/office/drawing/2014/main" id="{F5FC4C0A-B591-4F3B-BD15-9D9E5EC72772}"/>
               </a:ext>
             </a:extLst>
           </p:cNvPr>
@@ -23599,7 +23601,7 @@
               <p:cNvPr id="38" name="TextBox 37">
                 <a:extLst>
                   <a:ext uri="{FF2B5EF4-FFF2-40B4-BE49-F238E27FC236}">
-                    <a16:creationId xmlns:a16="http://schemas.microsoft.com/office/drawing/2014/main" xmlns="" id="{EC18DB71-3399-4E5E-B321-6A9670FF95D7}"/>
+                    <a16:creationId xmlns="" xmlns:a16="http://schemas.microsoft.com/office/drawing/2014/main" id="{EC18DB71-3399-4E5E-B321-6A9670FF95D7}"/>
                   </a:ext>
                 </a:extLst>
               </p:cNvPr>
@@ -26372,7 +26374,7 @@
           <p:cNvPr id="9" name="그룹 8">
             <a:extLst>
               <a:ext uri="{FF2B5EF4-FFF2-40B4-BE49-F238E27FC236}">
-                <a16:creationId xmlns:a16="http://schemas.microsoft.com/office/drawing/2014/main" xmlns="" id="{F54825A1-879E-45C3-84C9-39758CFBC1AD}"/>
+                <a16:creationId xmlns="" xmlns:a16="http://schemas.microsoft.com/office/drawing/2014/main" id="{F54825A1-879E-45C3-84C9-39758CFBC1AD}"/>
               </a:ext>
             </a:extLst>
           </p:cNvPr>
@@ -26795,7 +26797,7 @@
           <p:cNvPr id="19" name="자유형: 도형 18">
             <a:extLst>
               <a:ext uri="{FF2B5EF4-FFF2-40B4-BE49-F238E27FC236}">
-                <a16:creationId xmlns:a16="http://schemas.microsoft.com/office/drawing/2014/main" xmlns="" id="{28DE563C-2016-4934-A4EE-657070DFAE5E}"/>
+                <a16:creationId xmlns="" xmlns:a16="http://schemas.microsoft.com/office/drawing/2014/main" id="{28DE563C-2016-4934-A4EE-657070DFAE5E}"/>
               </a:ext>
             </a:extLst>
           </p:cNvPr>
@@ -26887,7 +26889,7 @@
               <p:cNvPr id="22" name="TextBox 21">
                 <a:extLst>
                   <a:ext uri="{FF2B5EF4-FFF2-40B4-BE49-F238E27FC236}">
-                    <a16:creationId xmlns:a16="http://schemas.microsoft.com/office/drawing/2014/main" xmlns="" id="{702F36E8-3840-4F82-ACA9-0ADC9BF2CD7E}"/>
+                    <a16:creationId xmlns="" xmlns:a16="http://schemas.microsoft.com/office/drawing/2014/main" id="{702F36E8-3840-4F82-ACA9-0ADC9BF2CD7E}"/>
                   </a:ext>
                 </a:extLst>
               </p:cNvPr>
@@ -27008,7 +27010,7 @@
           <p:cNvPr id="23" name="자유형: 도형 22">
             <a:extLst>
               <a:ext uri="{FF2B5EF4-FFF2-40B4-BE49-F238E27FC236}">
-                <a16:creationId xmlns:a16="http://schemas.microsoft.com/office/drawing/2014/main" xmlns="" id="{D4262DC8-AC8F-4E4E-8F9A-78963014DDC7}"/>
+                <a16:creationId xmlns="" xmlns:a16="http://schemas.microsoft.com/office/drawing/2014/main" id="{D4262DC8-AC8F-4E4E-8F9A-78963014DDC7}"/>
               </a:ext>
             </a:extLst>
           </p:cNvPr>
@@ -27100,7 +27102,7 @@
               <p:cNvPr id="26" name="TextBox 25">
                 <a:extLst>
                   <a:ext uri="{FF2B5EF4-FFF2-40B4-BE49-F238E27FC236}">
-                    <a16:creationId xmlns:a16="http://schemas.microsoft.com/office/drawing/2014/main" xmlns="" id="{4C456F18-AA04-4135-AED2-7569217695DC}"/>
+                    <a16:creationId xmlns="" xmlns:a16="http://schemas.microsoft.com/office/drawing/2014/main" id="{4C456F18-AA04-4135-AED2-7569217695DC}"/>
                   </a:ext>
                 </a:extLst>
               </p:cNvPr>
@@ -27980,7 +27982,7 @@
           <p:cNvPr id="19" name="자유형: 도형 18">
             <a:extLst>
               <a:ext uri="{FF2B5EF4-FFF2-40B4-BE49-F238E27FC236}">
-                <a16:creationId xmlns:a16="http://schemas.microsoft.com/office/drawing/2014/main" xmlns="" id="{28DE563C-2016-4934-A4EE-657070DFAE5E}"/>
+                <a16:creationId xmlns="" xmlns:a16="http://schemas.microsoft.com/office/drawing/2014/main" id="{28DE563C-2016-4934-A4EE-657070DFAE5E}"/>
               </a:ext>
             </a:extLst>
           </p:cNvPr>
@@ -28072,7 +28074,7 @@
               <p:cNvPr id="22" name="TextBox 21">
                 <a:extLst>
                   <a:ext uri="{FF2B5EF4-FFF2-40B4-BE49-F238E27FC236}">
-                    <a16:creationId xmlns:a16="http://schemas.microsoft.com/office/drawing/2014/main" xmlns="" id="{702F36E8-3840-4F82-ACA9-0ADC9BF2CD7E}"/>
+                    <a16:creationId xmlns="" xmlns:a16="http://schemas.microsoft.com/office/drawing/2014/main" id="{702F36E8-3840-4F82-ACA9-0ADC9BF2CD7E}"/>
                   </a:ext>
                 </a:extLst>
               </p:cNvPr>
@@ -28193,7 +28195,7 @@
           <p:cNvPr id="23" name="자유형: 도형 22">
             <a:extLst>
               <a:ext uri="{FF2B5EF4-FFF2-40B4-BE49-F238E27FC236}">
-                <a16:creationId xmlns:a16="http://schemas.microsoft.com/office/drawing/2014/main" xmlns="" id="{D4262DC8-AC8F-4E4E-8F9A-78963014DDC7}"/>
+                <a16:creationId xmlns="" xmlns:a16="http://schemas.microsoft.com/office/drawing/2014/main" id="{D4262DC8-AC8F-4E4E-8F9A-78963014DDC7}"/>
               </a:ext>
             </a:extLst>
           </p:cNvPr>
@@ -28285,7 +28287,7 @@
               <p:cNvPr id="26" name="TextBox 25">
                 <a:extLst>
                   <a:ext uri="{FF2B5EF4-FFF2-40B4-BE49-F238E27FC236}">
-                    <a16:creationId xmlns:a16="http://schemas.microsoft.com/office/drawing/2014/main" xmlns="" id="{4C456F18-AA04-4135-AED2-7569217695DC}"/>
+                    <a16:creationId xmlns="" xmlns:a16="http://schemas.microsoft.com/office/drawing/2014/main" id="{4C456F18-AA04-4135-AED2-7569217695DC}"/>
                   </a:ext>
                 </a:extLst>
               </p:cNvPr>
@@ -28408,7 +28410,7 @@
               <p:cNvPr id="21" name="TextBox 20">
                 <a:extLst>
                   <a:ext uri="{FF2B5EF4-FFF2-40B4-BE49-F238E27FC236}">
-                    <a16:creationId xmlns:a16="http://schemas.microsoft.com/office/drawing/2014/main" xmlns="" id="{7F1A4031-C0F9-4078-B611-60510E555779}"/>
+                    <a16:creationId xmlns="" xmlns:a16="http://schemas.microsoft.com/office/drawing/2014/main" id="{7F1A4031-C0F9-4078-B611-60510E555779}"/>
                   </a:ext>
                 </a:extLst>
               </p:cNvPr>
@@ -28521,7 +28523,7 @@
           <p:cNvPr id="27" name="원호 26">
             <a:extLst>
               <a:ext uri="{FF2B5EF4-FFF2-40B4-BE49-F238E27FC236}">
-                <a16:creationId xmlns:a16="http://schemas.microsoft.com/office/drawing/2014/main" xmlns="" id="{73F2FA99-BAB3-4AEA-A0D4-FFD161E5142F}"/>
+                <a16:creationId xmlns="" xmlns:a16="http://schemas.microsoft.com/office/drawing/2014/main" id="{73F2FA99-BAB3-4AEA-A0D4-FFD161E5142F}"/>
               </a:ext>
             </a:extLst>
           </p:cNvPr>
@@ -33557,7 +33559,7 @@
           <p:cNvPr id="71" name="자유형: 도형 18">
             <a:extLst>
               <a:ext uri="{FF2B5EF4-FFF2-40B4-BE49-F238E27FC236}">
-                <a16:creationId xmlns:a16="http://schemas.microsoft.com/office/drawing/2014/main" xmlns="" id="{28DE563C-2016-4934-A4EE-657070DFAE5E}"/>
+                <a16:creationId xmlns="" xmlns:a16="http://schemas.microsoft.com/office/drawing/2014/main" id="{28DE563C-2016-4934-A4EE-657070DFAE5E}"/>
               </a:ext>
             </a:extLst>
           </p:cNvPr>
@@ -33649,7 +33651,7 @@
               <p:cNvPr id="72" name="TextBox 71">
                 <a:extLst>
                   <a:ext uri="{FF2B5EF4-FFF2-40B4-BE49-F238E27FC236}">
-                    <a16:creationId xmlns:a16="http://schemas.microsoft.com/office/drawing/2014/main" xmlns="" id="{702F36E8-3840-4F82-ACA9-0ADC9BF2CD7E}"/>
+                    <a16:creationId xmlns="" xmlns:a16="http://schemas.microsoft.com/office/drawing/2014/main" id="{702F36E8-3840-4F82-ACA9-0ADC9BF2CD7E}"/>
                   </a:ext>
                 </a:extLst>
               </p:cNvPr>
@@ -33749,7 +33751,7 @@
           <p:cNvPr id="73" name="자유형: 도형 18">
             <a:extLst>
               <a:ext uri="{FF2B5EF4-FFF2-40B4-BE49-F238E27FC236}">
-                <a16:creationId xmlns:a16="http://schemas.microsoft.com/office/drawing/2014/main" xmlns="" id="{28DE563C-2016-4934-A4EE-657070DFAE5E}"/>
+                <a16:creationId xmlns="" xmlns:a16="http://schemas.microsoft.com/office/drawing/2014/main" id="{28DE563C-2016-4934-A4EE-657070DFAE5E}"/>
               </a:ext>
             </a:extLst>
           </p:cNvPr>
@@ -33841,7 +33843,7 @@
               <p:cNvPr id="74" name="TextBox 73">
                 <a:extLst>
                   <a:ext uri="{FF2B5EF4-FFF2-40B4-BE49-F238E27FC236}">
-                    <a16:creationId xmlns:a16="http://schemas.microsoft.com/office/drawing/2014/main" xmlns="" id="{702F36E8-3840-4F82-ACA9-0ADC9BF2CD7E}"/>
+                    <a16:creationId xmlns="" xmlns:a16="http://schemas.microsoft.com/office/drawing/2014/main" id="{702F36E8-3840-4F82-ACA9-0ADC9BF2CD7E}"/>
                   </a:ext>
                 </a:extLst>
               </p:cNvPr>
@@ -35160,13 +35162,74 @@
       </p:grpSpPr>
       <p:sp>
         <p:nvSpPr>
+          <p:cNvPr id="2" name="제목 1"/>
+          <p:cNvSpPr>
+            <a:spLocks noGrp="1"/>
+          </p:cNvSpPr>
+          <p:nvPr>
+            <p:ph type="title"/>
+          </p:nvPr>
+        </p:nvSpPr>
+        <p:spPr>
+          <a:xfrm>
+            <a:off x="884695" y="2658874"/>
+            <a:ext cx="10515600" cy="1325563"/>
+          </a:xfrm>
+        </p:spPr>
+        <p:txBody>
+          <a:bodyPr>
+            <a:noAutofit/>
+          </a:bodyPr>
+          <a:lstStyle/>
+          <a:p>
+            <a:pPr algn="ctr"/>
+            <a:r>
+              <a:rPr lang="en-US" altLang="ko-KR" sz="13800" b="1" smtClean="0"/>
+              <a:t>Continuum</a:t>
+            </a:r>
+            <a:endParaRPr lang="ko-KR" altLang="en-US" sz="13800" b="1"/>
+          </a:p>
+        </p:txBody>
+      </p:sp>
+    </p:spTree>
+    <p:extLst>
+      <p:ext uri="{BB962C8B-B14F-4D97-AF65-F5344CB8AC3E}">
+        <p14:creationId xmlns:p14="http://schemas.microsoft.com/office/powerpoint/2010/main" val="541654971"/>
+      </p:ext>
+    </p:extLst>
+  </p:cSld>
+  <p:clrMapOvr>
+    <a:masterClrMapping/>
+  </p:clrMapOvr>
+</p:sld>
+</file>
+
+<file path=ppt/slides/slide32.xml><?xml version="1.0" encoding="utf-8"?>
+<p:sld xmlns:a="http://schemas.openxmlformats.org/drawingml/2006/main" xmlns:r="http://schemas.openxmlformats.org/officeDocument/2006/relationships" xmlns:p="http://schemas.openxmlformats.org/presentationml/2006/main">
+  <p:cSld>
+    <p:spTree>
+      <p:nvGrpSpPr>
+        <p:cNvPr id="1" name=""/>
+        <p:cNvGrpSpPr/>
+        <p:nvPr/>
+      </p:nvGrpSpPr>
+      <p:grpSpPr>
+        <a:xfrm>
+          <a:off x="0" y="0"/>
+          <a:ext cx="0" cy="0"/>
+          <a:chOff x="0" y="0"/>
+          <a:chExt cx="0" cy="0"/>
+        </a:xfrm>
+      </p:grpSpPr>
+      <p:sp>
+        <p:nvSpPr>
           <p:cNvPr id="40" name="직사각형 39"/>
           <p:cNvSpPr/>
           <p:nvPr/>
         </p:nvSpPr>
         <p:spPr>
           <a:xfrm>
-            <a:off x="3918471" y="3585795"/>
+            <a:off x="8719071" y="3852495"/>
             <a:ext cx="1800000" cy="1080000"/>
           </a:xfrm>
           <a:prstGeom prst="rect">
@@ -35214,7 +35277,7 @@
         </p:nvCxnSpPr>
         <p:spPr>
           <a:xfrm>
-            <a:off x="5718471" y="4125795"/>
+            <a:off x="10519071" y="4392495"/>
             <a:ext cx="720000" cy="0"/>
           </a:xfrm>
           <a:prstGeom prst="straightConnector1">
@@ -35251,7 +35314,7 @@
         </p:nvCxnSpPr>
         <p:spPr>
           <a:xfrm flipH="1" flipV="1">
-            <a:off x="5832527" y="3569896"/>
+            <a:off x="10633127" y="3836596"/>
             <a:ext cx="0" cy="1080000"/>
           </a:xfrm>
           <a:prstGeom prst="straightConnector1">
@@ -35280,8 +35343,8 @@
           </a:fontRef>
         </p:style>
       </p:cxnSp>
-      <mc:AlternateContent xmlns:mc="http://schemas.openxmlformats.org/markup-compatibility/2006" xmlns:a14="http://schemas.microsoft.com/office/drawing/2010/main">
-        <mc:Choice Requires="a14">
+      <mc:AlternateContent xmlns:mc="http://schemas.openxmlformats.org/markup-compatibility/2006">
+        <mc:Choice xmlns:a14="http://schemas.microsoft.com/office/drawing/2010/main" Requires="a14">
           <p:sp>
             <p:nvSpPr>
               <p:cNvPr id="45" name="TextBox 44"/>
@@ -35290,7 +35353,7 @@
             </p:nvSpPr>
             <p:spPr>
               <a:xfrm>
-                <a:off x="6188937" y="4226205"/>
+                <a:off x="10989537" y="4492905"/>
                 <a:ext cx="996491" cy="279628"/>
               </a:xfrm>
               <a:prstGeom prst="rect">
@@ -35391,7 +35454,7 @@
             </p:txBody>
           </p:sp>
         </mc:Choice>
-        <mc:Fallback xmlns="">
+        <mc:Fallback>
           <p:sp>
             <p:nvSpPr>
               <p:cNvPr id="45" name="TextBox 44"/>
@@ -35402,7 +35465,7 @@
             </p:nvSpPr>
             <p:spPr>
               <a:xfrm>
-                <a:off x="6188937" y="4226205"/>
+                <a:off x="10989537" y="4492905"/>
                 <a:ext cx="996491" cy="279628"/>
               </a:xfrm>
               <a:prstGeom prst="rect">
@@ -35411,7 +35474,7 @@
               <a:blipFill rotWithShape="0">
                 <a:blip r:embed="rId2"/>
                 <a:stretch>
-                  <a:fillRect l="-1829" r="-610" b="-21739"/>
+                  <a:fillRect l="-1840" r="-613" b="-21739"/>
                 </a:stretch>
               </a:blipFill>
             </p:spPr>
@@ -35430,303 +35493,288 @@
           </p:sp>
         </mc:Fallback>
       </mc:AlternateContent>
-      <p:grpSp>
-        <p:nvGrpSpPr>
-          <p:cNvPr id="6" name="그룹 5"/>
-          <p:cNvGrpSpPr/>
+      <p:cxnSp>
+        <p:nvCxnSpPr>
+          <p:cNvPr id="82" name="직선 화살표 연결선 81"/>
+          <p:cNvCxnSpPr/>
           <p:nvPr/>
-        </p:nvGrpSpPr>
-        <p:grpSpPr>
+        </p:nvCxnSpPr>
+        <p:spPr>
           <a:xfrm>
-            <a:off x="2686603" y="5037121"/>
-            <a:ext cx="841610" cy="1016042"/>
-            <a:chOff x="2686603" y="5037121"/>
-            <a:chExt cx="841610" cy="1016042"/>
+            <a:off x="7487203" y="6041785"/>
+            <a:ext cx="511868" cy="1266"/>
           </a:xfrm>
-        </p:grpSpPr>
-        <p:cxnSp>
-          <p:nvCxnSpPr>
-            <p:cNvPr id="82" name="직선 화살표 연결선 81"/>
-            <p:cNvCxnSpPr/>
-            <p:nvPr/>
-          </p:nvCxnSpPr>
-          <p:spPr>
-            <a:xfrm>
-              <a:off x="2686603" y="5775085"/>
-              <a:ext cx="511868" cy="1266"/>
-            </a:xfrm>
-            <a:prstGeom prst="straightConnector1">
-              <a:avLst/>
-            </a:prstGeom>
-            <a:ln w="28575">
-              <a:solidFill>
-                <a:schemeClr val="tx1"/>
-              </a:solidFill>
-              <a:headEnd type="none" w="med" len="med"/>
-              <a:tailEnd type="none" w="med" len="med"/>
-            </a:ln>
-          </p:spPr>
-          <p:style>
-            <a:lnRef idx="1">
-              <a:schemeClr val="accent1"/>
-            </a:lnRef>
-            <a:fillRef idx="0">
-              <a:schemeClr val="accent1"/>
-            </a:fillRef>
-            <a:effectRef idx="0">
-              <a:schemeClr val="accent1"/>
-            </a:effectRef>
-            <a:fontRef idx="minor">
+          <a:prstGeom prst="straightConnector1">
+            <a:avLst/>
+          </a:prstGeom>
+          <a:ln w="28575">
+            <a:solidFill>
               <a:schemeClr val="tx1"/>
-            </a:fontRef>
-          </p:style>
-        </p:cxnSp>
-        <p:cxnSp>
-          <p:nvCxnSpPr>
-            <p:cNvPr id="83" name="직선 화살표 연결선 82"/>
-            <p:cNvCxnSpPr/>
-            <p:nvPr/>
-          </p:nvCxnSpPr>
-          <p:spPr>
-            <a:xfrm flipV="1">
-              <a:off x="2696129" y="5275033"/>
-              <a:ext cx="815" cy="501318"/>
-            </a:xfrm>
-            <a:prstGeom prst="straightConnector1">
-              <a:avLst/>
-            </a:prstGeom>
-            <a:ln w="28575">
-              <a:solidFill>
-                <a:schemeClr val="tx1"/>
-              </a:solidFill>
-              <a:headEnd type="none" w="med" len="med"/>
-              <a:tailEnd type="none" w="med" len="med"/>
-            </a:ln>
-          </p:spPr>
-          <p:style>
-            <a:lnRef idx="1">
-              <a:schemeClr val="accent1"/>
-            </a:lnRef>
-            <a:fillRef idx="0">
-              <a:schemeClr val="accent1"/>
-            </a:fillRef>
-            <a:effectRef idx="0">
-              <a:schemeClr val="accent1"/>
-            </a:effectRef>
-            <a:fontRef idx="minor">
+            </a:solidFill>
+            <a:headEnd type="none" w="med" len="med"/>
+            <a:tailEnd type="none" w="med" len="med"/>
+          </a:ln>
+        </p:spPr>
+        <p:style>
+          <a:lnRef idx="1">
+            <a:schemeClr val="accent1"/>
+          </a:lnRef>
+          <a:fillRef idx="0">
+            <a:schemeClr val="accent1"/>
+          </a:fillRef>
+          <a:effectRef idx="0">
+            <a:schemeClr val="accent1"/>
+          </a:effectRef>
+          <a:fontRef idx="minor">
+            <a:schemeClr val="tx1"/>
+          </a:fontRef>
+        </p:style>
+      </p:cxnSp>
+      <p:cxnSp>
+        <p:nvCxnSpPr>
+          <p:cNvPr id="83" name="직선 화살표 연결선 82"/>
+          <p:cNvCxnSpPr/>
+          <p:nvPr/>
+        </p:nvCxnSpPr>
+        <p:spPr>
+          <a:xfrm flipV="1">
+            <a:off x="7496729" y="5541733"/>
+            <a:ext cx="815" cy="501318"/>
+          </a:xfrm>
+          <a:prstGeom prst="straightConnector1">
+            <a:avLst/>
+          </a:prstGeom>
+          <a:ln w="28575">
+            <a:solidFill>
               <a:schemeClr val="tx1"/>
-            </a:fontRef>
-          </p:style>
-        </p:cxnSp>
-        <mc:AlternateContent xmlns:mc="http://schemas.openxmlformats.org/markup-compatibility/2006" xmlns:a14="http://schemas.microsoft.com/office/drawing/2010/main">
-          <mc:Choice Requires="a14">
-            <p:sp>
-              <p:nvSpPr>
-                <p:cNvPr id="84" name="TextBox 83"/>
-                <p:cNvSpPr txBox="1"/>
-                <p:nvPr/>
-              </p:nvSpPr>
-              <p:spPr>
-                <a:xfrm>
-                  <a:off x="2822077" y="5037121"/>
-                  <a:ext cx="325153" cy="276999"/>
-                </a:xfrm>
-                <a:prstGeom prst="rect">
-                  <a:avLst/>
-                </a:prstGeom>
-                <a:noFill/>
-              </p:spPr>
-              <p:txBody>
-                <a:bodyPr wrap="none" lIns="0" tIns="0" rIns="0" bIns="0" rtlCol="0">
-                  <a:spAutoFit/>
-                </a:bodyPr>
-                <a:lstStyle/>
-                <a:p>
-                  <a:pPr/>
-                  <a14:m>
-                    <m:oMathPara xmlns:m="http://schemas.openxmlformats.org/officeDocument/2006/math">
-                      <m:oMathParaPr>
-                        <m:jc m:val="centerGroup"/>
-                      </m:oMathParaPr>
-                      <m:oMath xmlns:m="http://schemas.openxmlformats.org/officeDocument/2006/math">
-                        <m:sSup>
-                          <m:sSupPr>
-                            <m:ctrlPr>
-                              <a:rPr lang="en-US" altLang="ko-KR" b="0" i="1" smtClean="0">
-                                <a:latin typeface="Cambria Math" panose="02040503050406030204" pitchFamily="18" charset="0"/>
-                              </a:rPr>
-                            </m:ctrlPr>
-                          </m:sSupPr>
-                          <m:e>
-                            <m:r>
-                              <a:rPr lang="en-US" altLang="ko-KR" b="0" i="1" smtClean="0">
-                                <a:latin typeface="Cambria Math" panose="02040503050406030204" pitchFamily="18" charset="0"/>
-                              </a:rPr>
-                              <m:t>𝑥</m:t>
-                            </m:r>
-                          </m:e>
-                          <m:sup>
-                            <m:r>
-                              <a:rPr lang="en-US" altLang="ko-KR" b="0" i="1" smtClean="0">
-                                <a:latin typeface="Cambria Math" panose="02040503050406030204" pitchFamily="18" charset="0"/>
-                              </a:rPr>
-                              <m:t>2</m:t>
-                            </m:r>
-                          </m:sup>
-                        </m:sSup>
-                      </m:oMath>
-                    </m:oMathPara>
-                  </a14:m>
-                  <a:endParaRPr lang="ko-KR" altLang="en-US" dirty="0"/>
-                </a:p>
-              </p:txBody>
-            </p:sp>
-          </mc:Choice>
-          <mc:Fallback xmlns="">
-            <p:sp>
-              <p:nvSpPr>
-                <p:cNvPr id="84" name="TextBox 83"/>
-                <p:cNvSpPr txBox="1">
-                  <a:spLocks noRot="1" noChangeAspect="1" noMove="1" noResize="1" noEditPoints="1" noAdjustHandles="1" noChangeArrowheads="1" noChangeShapeType="1" noTextEdit="1"/>
-                </p:cNvSpPr>
-                <p:nvPr/>
-              </p:nvSpPr>
-              <p:spPr>
-                <a:xfrm>
-                  <a:off x="2822077" y="5037121"/>
-                  <a:ext cx="325153" cy="276999"/>
-                </a:xfrm>
-                <a:prstGeom prst="rect">
-                  <a:avLst/>
-                </a:prstGeom>
-                <a:blipFill rotWithShape="0">
-                  <a:blip r:embed="rId3"/>
-                  <a:stretch>
-                    <a:fillRect l="-5660" r="-1887" b="-2174"/>
-                  </a:stretch>
-                </a:blipFill>
-              </p:spPr>
-              <p:txBody>
-                <a:bodyPr/>
-                <a:lstStyle/>
-                <a:p>
-                  <a:r>
-                    <a:rPr lang="ko-KR" altLang="en-US">
-                      <a:noFill/>
-                    </a:rPr>
-                    <a:t> </a:t>
-                  </a:r>
-                </a:p>
-              </p:txBody>
-            </p:sp>
-          </mc:Fallback>
-        </mc:AlternateContent>
-        <mc:AlternateContent xmlns:mc="http://schemas.openxmlformats.org/markup-compatibility/2006" xmlns:a14="http://schemas.microsoft.com/office/drawing/2010/main">
-          <mc:Choice Requires="a14">
-            <p:sp>
-              <p:nvSpPr>
-                <p:cNvPr id="85" name="TextBox 84"/>
-                <p:cNvSpPr txBox="1"/>
-                <p:nvPr/>
-              </p:nvSpPr>
-              <p:spPr>
-                <a:xfrm>
-                  <a:off x="3207997" y="5776164"/>
-                  <a:ext cx="320216" cy="276999"/>
-                </a:xfrm>
-                <a:prstGeom prst="rect">
-                  <a:avLst/>
-                </a:prstGeom>
-                <a:noFill/>
-              </p:spPr>
-              <p:txBody>
-                <a:bodyPr wrap="none" lIns="0" tIns="0" rIns="0" bIns="0" rtlCol="0">
-                  <a:spAutoFit/>
-                </a:bodyPr>
-                <a:lstStyle/>
-                <a:p>
-                  <a:pPr/>
-                  <a14:m>
-                    <m:oMathPara xmlns:m="http://schemas.openxmlformats.org/officeDocument/2006/math">
-                      <m:oMathParaPr>
-                        <m:jc m:val="centerGroup"/>
-                      </m:oMathParaPr>
-                      <m:oMath xmlns:m="http://schemas.openxmlformats.org/officeDocument/2006/math">
-                        <m:sSup>
-                          <m:sSupPr>
-                            <m:ctrlPr>
-                              <a:rPr lang="en-US" altLang="ko-KR" b="0" i="1" smtClean="0">
-                                <a:latin typeface="Cambria Math" panose="02040503050406030204" pitchFamily="18" charset="0"/>
-                              </a:rPr>
-                            </m:ctrlPr>
-                          </m:sSupPr>
-                          <m:e>
-                            <m:r>
-                              <a:rPr lang="en-US" altLang="ko-KR" b="0" i="1" smtClean="0">
-                                <a:latin typeface="Cambria Math" panose="02040503050406030204" pitchFamily="18" charset="0"/>
-                              </a:rPr>
-                              <m:t>𝑥</m:t>
-                            </m:r>
-                          </m:e>
-                          <m:sup>
-                            <m:r>
-                              <a:rPr lang="en-US" altLang="ko-KR" b="0" i="1" smtClean="0">
-                                <a:latin typeface="Cambria Math" panose="02040503050406030204" pitchFamily="18" charset="0"/>
-                              </a:rPr>
-                              <m:t>1</m:t>
-                            </m:r>
-                          </m:sup>
-                        </m:sSup>
-                      </m:oMath>
-                    </m:oMathPara>
-                  </a14:m>
-                  <a:endParaRPr lang="ko-KR" altLang="en-US" dirty="0"/>
-                </a:p>
-              </p:txBody>
-            </p:sp>
-          </mc:Choice>
-          <mc:Fallback xmlns="">
-            <p:sp>
-              <p:nvSpPr>
-                <p:cNvPr id="85" name="TextBox 84"/>
-                <p:cNvSpPr txBox="1">
-                  <a:spLocks noRot="1" noChangeAspect="1" noMove="1" noResize="1" noEditPoints="1" noAdjustHandles="1" noChangeArrowheads="1" noChangeShapeType="1" noTextEdit="1"/>
-                </p:cNvSpPr>
-                <p:nvPr/>
-              </p:nvSpPr>
-              <p:spPr>
-                <a:xfrm>
-                  <a:off x="3207997" y="5776164"/>
-                  <a:ext cx="320216" cy="276999"/>
-                </a:xfrm>
-                <a:prstGeom prst="rect">
-                  <a:avLst/>
-                </a:prstGeom>
-                <a:blipFill rotWithShape="0">
-                  <a:blip r:embed="rId4"/>
-                  <a:stretch>
-                    <a:fillRect l="-5660" r="-1887" b="-4444"/>
-                  </a:stretch>
-                </a:blipFill>
-              </p:spPr>
-              <p:txBody>
-                <a:bodyPr/>
-                <a:lstStyle/>
-                <a:p>
-                  <a:r>
-                    <a:rPr lang="ko-KR" altLang="en-US">
-                      <a:noFill/>
-                    </a:rPr>
-                    <a:t> </a:t>
-                  </a:r>
-                </a:p>
-              </p:txBody>
-            </p:sp>
-          </mc:Fallback>
-        </mc:AlternateContent>
-      </p:grpSp>
-      <mc:AlternateContent xmlns:mc="http://schemas.openxmlformats.org/markup-compatibility/2006" xmlns:a14="http://schemas.microsoft.com/office/drawing/2010/main">
-        <mc:Choice Requires="a14">
+            </a:solidFill>
+            <a:headEnd type="none" w="med" len="med"/>
+            <a:tailEnd type="none" w="med" len="med"/>
+          </a:ln>
+        </p:spPr>
+        <p:style>
+          <a:lnRef idx="1">
+            <a:schemeClr val="accent1"/>
+          </a:lnRef>
+          <a:fillRef idx="0">
+            <a:schemeClr val="accent1"/>
+          </a:fillRef>
+          <a:effectRef idx="0">
+            <a:schemeClr val="accent1"/>
+          </a:effectRef>
+          <a:fontRef idx="minor">
+            <a:schemeClr val="tx1"/>
+          </a:fontRef>
+        </p:style>
+      </p:cxnSp>
+      <mc:AlternateContent xmlns:mc="http://schemas.openxmlformats.org/markup-compatibility/2006">
+        <mc:Choice xmlns:a14="http://schemas.microsoft.com/office/drawing/2010/main" Requires="a14">
+          <p:sp>
+            <p:nvSpPr>
+              <p:cNvPr id="84" name="TextBox 83"/>
+              <p:cNvSpPr txBox="1"/>
+              <p:nvPr/>
+            </p:nvSpPr>
+            <p:spPr>
+              <a:xfrm>
+                <a:off x="7586203" y="5264734"/>
+                <a:ext cx="313867" cy="276999"/>
+              </a:xfrm>
+              <a:prstGeom prst="rect">
+                <a:avLst/>
+              </a:prstGeom>
+              <a:noFill/>
+            </p:spPr>
+            <p:txBody>
+              <a:bodyPr wrap="none" lIns="0" tIns="0" rIns="0" bIns="0" rtlCol="0">
+                <a:spAutoFit/>
+              </a:bodyPr>
+              <a:lstStyle/>
+              <a:p>
+                <a:pPr/>
+                <a14:m>
+                  <m:oMathPara xmlns:m="http://schemas.openxmlformats.org/officeDocument/2006/math">
+                    <m:oMathParaPr>
+                      <m:jc m:val="centerGroup"/>
+                    </m:oMathParaPr>
+                    <m:oMath xmlns:m="http://schemas.openxmlformats.org/officeDocument/2006/math">
+                      <m:sSub>
+                        <m:sSubPr>
+                          <m:ctrlPr>
+                            <a:rPr lang="en-US" altLang="ko-KR" i="1" smtClean="0">
+                              <a:latin typeface="Cambria Math" panose="02040503050406030204" pitchFamily="18" charset="0"/>
+                            </a:rPr>
+                          </m:ctrlPr>
+                        </m:sSubPr>
+                        <m:e>
+                          <m:r>
+                            <a:rPr lang="en-US" altLang="ko-KR" i="1">
+                              <a:latin typeface="Cambria Math" panose="02040503050406030204" pitchFamily="18" charset="0"/>
+                            </a:rPr>
+                            <m:t>𝛽</m:t>
+                          </m:r>
+                        </m:e>
+                        <m:sub>
+                          <m:r>
+                            <a:rPr lang="en-US" altLang="ko-KR" b="0" i="1" smtClean="0">
+                              <a:latin typeface="Cambria Math" panose="02040503050406030204" pitchFamily="18" charset="0"/>
+                            </a:rPr>
+                            <m:t>3</m:t>
+                          </m:r>
+                        </m:sub>
+                      </m:sSub>
+                    </m:oMath>
+                  </m:oMathPara>
+                </a14:m>
+                <a:endParaRPr lang="ko-KR" altLang="en-US" dirty="0"/>
+              </a:p>
+            </p:txBody>
+          </p:sp>
+        </mc:Choice>
+        <mc:Fallback>
+          <p:sp>
+            <p:nvSpPr>
+              <p:cNvPr id="84" name="TextBox 83"/>
+              <p:cNvSpPr txBox="1">
+                <a:spLocks noRot="1" noChangeAspect="1" noMove="1" noResize="1" noEditPoints="1" noAdjustHandles="1" noChangeArrowheads="1" noChangeShapeType="1" noTextEdit="1"/>
+              </p:cNvSpPr>
+              <p:nvPr/>
+            </p:nvSpPr>
+            <p:spPr>
+              <a:xfrm>
+                <a:off x="7586203" y="5264734"/>
+                <a:ext cx="313867" cy="276999"/>
+              </a:xfrm>
+              <a:prstGeom prst="rect">
+                <a:avLst/>
+              </a:prstGeom>
+              <a:blipFill rotWithShape="0">
+                <a:blip r:embed="rId3"/>
+                <a:stretch>
+                  <a:fillRect l="-21154" r="-3846" b="-40000"/>
+                </a:stretch>
+              </a:blipFill>
+            </p:spPr>
+            <p:txBody>
+              <a:bodyPr/>
+              <a:lstStyle/>
+              <a:p>
+                <a:r>
+                  <a:rPr lang="ko-KR" altLang="en-US">
+                    <a:noFill/>
+                  </a:rPr>
+                  <a:t> </a:t>
+                </a:r>
+              </a:p>
+            </p:txBody>
+          </p:sp>
+        </mc:Fallback>
+      </mc:AlternateContent>
+      <mc:AlternateContent xmlns:mc="http://schemas.openxmlformats.org/markup-compatibility/2006">
+        <mc:Choice xmlns:a14="http://schemas.microsoft.com/office/drawing/2010/main" Requires="a14">
+          <p:sp>
+            <p:nvSpPr>
+              <p:cNvPr id="85" name="TextBox 84"/>
+              <p:cNvSpPr txBox="1"/>
+              <p:nvPr/>
+            </p:nvSpPr>
+            <p:spPr>
+              <a:xfrm>
+                <a:off x="7178657" y="6365516"/>
+                <a:ext cx="308546" cy="276999"/>
+              </a:xfrm>
+              <a:prstGeom prst="rect">
+                <a:avLst/>
+              </a:prstGeom>
+              <a:noFill/>
+            </p:spPr>
+            <p:txBody>
+              <a:bodyPr wrap="none" lIns="0" tIns="0" rIns="0" bIns="0" rtlCol="0">
+                <a:spAutoFit/>
+              </a:bodyPr>
+              <a:lstStyle/>
+              <a:p>
+                <a:pPr/>
+                <a14:m>
+                  <m:oMathPara xmlns:m="http://schemas.openxmlformats.org/officeDocument/2006/math">
+                    <m:oMathParaPr>
+                      <m:jc m:val="centerGroup"/>
+                    </m:oMathParaPr>
+                    <m:oMath xmlns:m="http://schemas.openxmlformats.org/officeDocument/2006/math">
+                      <m:sSub>
+                        <m:sSubPr>
+                          <m:ctrlPr>
+                            <a:rPr lang="en-US" altLang="ko-KR" b="0" i="1" smtClean="0">
+                              <a:latin typeface="Cambria Math" panose="02040503050406030204" pitchFamily="18" charset="0"/>
+                            </a:rPr>
+                          </m:ctrlPr>
+                        </m:sSubPr>
+                        <m:e>
+                          <m:r>
+                            <a:rPr lang="en-US" altLang="ko-KR" b="0" i="1" smtClean="0">
+                              <a:latin typeface="Cambria Math" panose="02040503050406030204" pitchFamily="18" charset="0"/>
+                            </a:rPr>
+                            <m:t>𝛽</m:t>
+                          </m:r>
+                        </m:e>
+                        <m:sub>
+                          <m:r>
+                            <a:rPr lang="en-US" altLang="ko-KR" b="0" i="1" smtClean="0">
+                              <a:latin typeface="Cambria Math" panose="02040503050406030204" pitchFamily="18" charset="0"/>
+                            </a:rPr>
+                            <m:t>1</m:t>
+                          </m:r>
+                        </m:sub>
+                      </m:sSub>
+                    </m:oMath>
+                  </m:oMathPara>
+                </a14:m>
+                <a:endParaRPr lang="ko-KR" altLang="en-US" dirty="0"/>
+              </a:p>
+            </p:txBody>
+          </p:sp>
+        </mc:Choice>
+        <mc:Fallback>
+          <p:sp>
+            <p:nvSpPr>
+              <p:cNvPr id="85" name="TextBox 84"/>
+              <p:cNvSpPr txBox="1">
+                <a:spLocks noRot="1" noChangeAspect="1" noMove="1" noResize="1" noEditPoints="1" noAdjustHandles="1" noChangeArrowheads="1" noChangeShapeType="1" noTextEdit="1"/>
+              </p:cNvSpPr>
+              <p:nvPr/>
+            </p:nvSpPr>
+            <p:spPr>
+              <a:xfrm>
+                <a:off x="7178657" y="6365516"/>
+                <a:ext cx="308546" cy="276999"/>
+              </a:xfrm>
+              <a:prstGeom prst="rect">
+                <a:avLst/>
+              </a:prstGeom>
+              <a:blipFill rotWithShape="0">
+                <a:blip r:embed="rId4"/>
+                <a:stretch>
+                  <a:fillRect l="-22000" r="-4000" b="-36957"/>
+                </a:stretch>
+              </a:blipFill>
+            </p:spPr>
+            <p:txBody>
+              <a:bodyPr/>
+              <a:lstStyle/>
+              <a:p>
+                <a:r>
+                  <a:rPr lang="ko-KR" altLang="en-US">
+                    <a:noFill/>
+                  </a:rPr>
+                  <a:t> </a:t>
+                </a:r>
+              </a:p>
+            </p:txBody>
+          </p:sp>
+        </mc:Fallback>
+      </mc:AlternateContent>
+      <mc:AlternateContent xmlns:mc="http://schemas.openxmlformats.org/markup-compatibility/2006">
+        <mc:Choice xmlns:a14="http://schemas.microsoft.com/office/drawing/2010/main" Requires="a14">
           <p:sp>
             <p:nvSpPr>
               <p:cNvPr id="34" name="TextBox 33"/>
@@ -35735,7 +35783,7 @@
             </p:nvSpPr>
             <p:spPr>
               <a:xfrm>
-                <a:off x="5985363" y="3546102"/>
+                <a:off x="10785963" y="3812802"/>
                 <a:ext cx="1006366" cy="280205"/>
               </a:xfrm>
               <a:prstGeom prst="rect">
@@ -35845,7 +35893,7 @@
             </p:txBody>
           </p:sp>
         </mc:Choice>
-        <mc:Fallback xmlns="">
+        <mc:Fallback>
           <p:sp>
             <p:nvSpPr>
               <p:cNvPr id="34" name="TextBox 33"/>
@@ -35856,7 +35904,7 @@
             </p:nvSpPr>
             <p:spPr>
               <a:xfrm>
-                <a:off x="5985363" y="3546102"/>
+                <a:off x="10785963" y="3812802"/>
                 <a:ext cx="1006366" cy="280205"/>
               </a:xfrm>
               <a:prstGeom prst="rect">
@@ -35865,7 +35913,7 @@
               <a:blipFill rotWithShape="0">
                 <a:blip r:embed="rId5"/>
                 <a:stretch>
-                  <a:fillRect l="-1818" r="-606" b="-19565"/>
+                  <a:fillRect l="-1818" r="-1212" b="-21739"/>
                 </a:stretch>
               </a:blipFill>
             </p:spPr>
@@ -35892,7 +35940,7 @@
         </p:nvCxnSpPr>
         <p:spPr>
           <a:xfrm>
-            <a:off x="4263435" y="3483185"/>
+            <a:off x="9064035" y="3749885"/>
             <a:ext cx="1078114" cy="0"/>
           </a:xfrm>
           <a:prstGeom prst="straightConnector1">
@@ -35929,7 +35977,7 @@
         </p:nvCxnSpPr>
         <p:spPr>
           <a:xfrm flipV="1">
-            <a:off x="4818471" y="2865795"/>
+            <a:off x="9619071" y="3132495"/>
             <a:ext cx="0" cy="720000"/>
           </a:xfrm>
           <a:prstGeom prst="straightConnector1">
@@ -35958,8 +36006,8 @@
           </a:fontRef>
         </p:style>
       </p:cxnSp>
-      <mc:AlternateContent xmlns:mc="http://schemas.openxmlformats.org/markup-compatibility/2006" xmlns:a14="http://schemas.microsoft.com/office/drawing/2010/main">
-        <mc:Choice Requires="a14">
+      <mc:AlternateContent xmlns:mc="http://schemas.openxmlformats.org/markup-compatibility/2006">
+        <mc:Choice xmlns:a14="http://schemas.microsoft.com/office/drawing/2010/main" Requires="a14">
           <p:sp>
             <p:nvSpPr>
               <p:cNvPr id="38" name="TextBox 37"/>
@@ -35968,7 +36016,7 @@
             </p:nvSpPr>
             <p:spPr>
               <a:xfrm>
-                <a:off x="5036607" y="3027704"/>
+                <a:off x="9837207" y="3294404"/>
                 <a:ext cx="996491" cy="280141"/>
               </a:xfrm>
               <a:prstGeom prst="rect">
@@ -36078,7 +36126,7 @@
             </p:txBody>
           </p:sp>
         </mc:Choice>
-        <mc:Fallback xmlns="">
+        <mc:Fallback>
           <p:sp>
             <p:nvSpPr>
               <p:cNvPr id="38" name="TextBox 37"/>
@@ -36089,7 +36137,7 @@
             </p:nvSpPr>
             <p:spPr>
               <a:xfrm>
-                <a:off x="5036607" y="3027704"/>
+                <a:off x="9837207" y="3294404"/>
                 <a:ext cx="996491" cy="280141"/>
               </a:xfrm>
               <a:prstGeom prst="rect">
@@ -36098,7 +36146,7 @@
               <a:blipFill rotWithShape="0">
                 <a:blip r:embed="rId6"/>
                 <a:stretch>
-                  <a:fillRect l="-1829" r="-610" b="-19565"/>
+                  <a:fillRect l="-1840" r="-613" b="-21739"/>
                 </a:stretch>
               </a:blipFill>
             </p:spPr>
@@ -36117,8 +36165,8 @@
           </p:sp>
         </mc:Fallback>
       </mc:AlternateContent>
-      <mc:AlternateContent xmlns:mc="http://schemas.openxmlformats.org/markup-compatibility/2006" xmlns:a14="http://schemas.microsoft.com/office/drawing/2010/main">
-        <mc:Choice Requires="a14">
+      <mc:AlternateContent xmlns:mc="http://schemas.openxmlformats.org/markup-compatibility/2006">
+        <mc:Choice xmlns:a14="http://schemas.microsoft.com/office/drawing/2010/main" Requires="a14">
           <p:sp>
             <p:nvSpPr>
               <p:cNvPr id="47" name="TextBox 46"/>
@@ -36127,7 +36175,7 @@
             </p:nvSpPr>
             <p:spPr>
               <a:xfrm>
-                <a:off x="4322799" y="2463385"/>
+                <a:off x="9123399" y="2730085"/>
                 <a:ext cx="1006366" cy="280718"/>
               </a:xfrm>
               <a:prstGeom prst="rect">
@@ -36237,7 +36285,7 @@
             </p:txBody>
           </p:sp>
         </mc:Choice>
-        <mc:Fallback xmlns="">
+        <mc:Fallback>
           <p:sp>
             <p:nvSpPr>
               <p:cNvPr id="47" name="TextBox 46"/>
@@ -36248,7 +36296,7 @@
             </p:nvSpPr>
             <p:spPr>
               <a:xfrm>
-                <a:off x="4322799" y="2463385"/>
+                <a:off x="9123399" y="2730085"/>
                 <a:ext cx="1006366" cy="280718"/>
               </a:xfrm>
               <a:prstGeom prst="rect">
@@ -36257,7 +36305,7 @@
               <a:blipFill rotWithShape="0">
                 <a:blip r:embed="rId7"/>
                 <a:stretch>
-                  <a:fillRect l="-1818" r="-1212" b="-21739"/>
+                  <a:fillRect l="-1818" r="-606" b="-19565"/>
                 </a:stretch>
               </a:blipFill>
             </p:spPr>
@@ -36276,600 +36324,8 @@
           </p:sp>
         </mc:Fallback>
       </mc:AlternateContent>
-      <p:cxnSp>
-        <p:nvCxnSpPr>
-          <p:cNvPr id="56" name="직선 화살표 연결선 55"/>
-          <p:cNvCxnSpPr/>
-          <p:nvPr/>
-        </p:nvCxnSpPr>
-        <p:spPr>
-          <a:xfrm>
-            <a:off x="3198471" y="4125795"/>
-            <a:ext cx="720000" cy="0"/>
-          </a:xfrm>
-          <a:prstGeom prst="straightConnector1">
-            <a:avLst/>
-          </a:prstGeom>
-          <a:ln w="28575">
-            <a:solidFill>
-              <a:schemeClr val="tx1"/>
-            </a:solidFill>
-            <a:headEnd type="triangle" w="lg" len="lg"/>
-            <a:tailEnd type="none" w="lg" len="med"/>
-          </a:ln>
-        </p:spPr>
-        <p:style>
-          <a:lnRef idx="1">
-            <a:schemeClr val="accent1"/>
-          </a:lnRef>
-          <a:fillRef idx="0">
-            <a:schemeClr val="accent1"/>
-          </a:fillRef>
-          <a:effectRef idx="0">
-            <a:schemeClr val="accent1"/>
-          </a:effectRef>
-          <a:fontRef idx="minor">
-            <a:schemeClr val="tx1"/>
-          </a:fontRef>
-        </p:style>
-      </p:cxnSp>
-      <p:cxnSp>
-        <p:nvCxnSpPr>
-          <p:cNvPr id="57" name="직선 화살표 연결선 56"/>
-          <p:cNvCxnSpPr/>
-          <p:nvPr/>
-        </p:nvCxnSpPr>
-        <p:spPr>
-          <a:xfrm flipH="1" flipV="1">
-            <a:off x="3701255" y="3686205"/>
-            <a:ext cx="0" cy="1080000"/>
-          </a:xfrm>
-          <a:prstGeom prst="straightConnector1">
-            <a:avLst/>
-          </a:prstGeom>
-          <a:ln w="28575">
-            <a:solidFill>
-              <a:schemeClr val="tx1"/>
-            </a:solidFill>
-            <a:headEnd type="triangle" w="lg" len="lg"/>
-            <a:tailEnd type="none" w="lg" len="med"/>
-          </a:ln>
-        </p:spPr>
-        <p:style>
-          <a:lnRef idx="1">
-            <a:schemeClr val="accent1"/>
-          </a:lnRef>
-          <a:fillRef idx="0">
-            <a:schemeClr val="accent1"/>
-          </a:fillRef>
-          <a:effectRef idx="0">
-            <a:schemeClr val="accent1"/>
-          </a:effectRef>
-          <a:fontRef idx="minor">
-            <a:schemeClr val="tx1"/>
-          </a:fontRef>
-        </p:style>
-      </p:cxnSp>
-      <p:cxnSp>
-        <p:nvCxnSpPr>
-          <p:cNvPr id="58" name="직선 화살표 연결선 57"/>
-          <p:cNvCxnSpPr/>
-          <p:nvPr/>
-        </p:nvCxnSpPr>
-        <p:spPr>
-          <a:xfrm>
-            <a:off x="4279414" y="4936913"/>
-            <a:ext cx="1078114" cy="0"/>
-          </a:xfrm>
-          <a:prstGeom prst="straightConnector1">
-            <a:avLst/>
-          </a:prstGeom>
-          <a:ln w="28575">
-            <a:solidFill>
-              <a:schemeClr val="tx1"/>
-            </a:solidFill>
-            <a:headEnd type="triangle" w="lg" len="lg"/>
-            <a:tailEnd type="none" w="med" len="med"/>
-          </a:ln>
-        </p:spPr>
-        <p:style>
-          <a:lnRef idx="1">
-            <a:schemeClr val="accent1"/>
-          </a:lnRef>
-          <a:fillRef idx="0">
-            <a:schemeClr val="accent1"/>
-          </a:fillRef>
-          <a:effectRef idx="0">
-            <a:schemeClr val="accent1"/>
-          </a:effectRef>
-          <a:fontRef idx="minor">
-            <a:schemeClr val="tx1"/>
-          </a:fontRef>
-        </p:style>
-      </p:cxnSp>
-      <p:cxnSp>
-        <p:nvCxnSpPr>
-          <p:cNvPr id="59" name="직선 화살표 연결선 58"/>
-          <p:cNvCxnSpPr/>
-          <p:nvPr/>
-        </p:nvCxnSpPr>
-        <p:spPr>
-          <a:xfrm flipV="1">
-            <a:off x="4818471" y="4698584"/>
-            <a:ext cx="0" cy="720000"/>
-          </a:xfrm>
-          <a:prstGeom prst="straightConnector1">
-            <a:avLst/>
-          </a:prstGeom>
-          <a:ln w="28575">
-            <a:solidFill>
-              <a:schemeClr val="tx1"/>
-            </a:solidFill>
-            <a:headEnd type="triangle" w="lg" len="lg"/>
-            <a:tailEnd type="none" w="med" len="med"/>
-          </a:ln>
-        </p:spPr>
-        <p:style>
-          <a:lnRef idx="1">
-            <a:schemeClr val="accent1"/>
-          </a:lnRef>
-          <a:fillRef idx="0">
-            <a:schemeClr val="accent1"/>
-          </a:fillRef>
-          <a:effectRef idx="0">
-            <a:schemeClr val="accent1"/>
-          </a:effectRef>
-          <a:fontRef idx="minor">
-            <a:schemeClr val="tx1"/>
-          </a:fontRef>
-        </p:style>
-      </p:cxnSp>
-      <mc:AlternateContent xmlns:mc="http://schemas.openxmlformats.org/markup-compatibility/2006" xmlns:a14="http://schemas.microsoft.com/office/drawing/2010/main">
-        <mc:Choice Requires="a14">
-          <p:sp>
-            <p:nvSpPr>
-              <p:cNvPr id="60" name="TextBox 59"/>
-              <p:cNvSpPr txBox="1"/>
-              <p:nvPr/>
-            </p:nvSpPr>
-            <p:spPr>
-              <a:xfrm>
-                <a:off x="4649835" y="5494367"/>
-                <a:ext cx="337272" cy="280718"/>
-              </a:xfrm>
-              <a:prstGeom prst="rect">
-                <a:avLst/>
-              </a:prstGeom>
-              <a:noFill/>
-            </p:spPr>
-            <p:txBody>
-              <a:bodyPr wrap="none" lIns="0" tIns="0" rIns="0" bIns="0" rtlCol="0">
-                <a:spAutoFit/>
-              </a:bodyPr>
-              <a:lstStyle/>
-              <a:p>
-                <a:pPr/>
-                <a14:m>
-                  <m:oMathPara xmlns:m="http://schemas.openxmlformats.org/officeDocument/2006/math">
-                    <m:oMathParaPr>
-                      <m:jc m:val="centerGroup"/>
-                    </m:oMathParaPr>
-                    <m:oMath xmlns:m="http://schemas.openxmlformats.org/officeDocument/2006/math">
-                      <m:sSubSup>
-                        <m:sSubSupPr>
-                          <m:ctrlPr>
-                            <a:rPr lang="en-US" altLang="ko-KR" i="1" smtClean="0">
-                              <a:latin typeface="Cambria Math" panose="02040503050406030204" pitchFamily="18" charset="0"/>
-                            </a:rPr>
-                          </m:ctrlPr>
-                        </m:sSubSupPr>
-                        <m:e>
-                          <m:r>
-                            <a:rPr lang="en-US" altLang="ko-KR" i="1">
-                              <a:latin typeface="Cambria Math" panose="02040503050406030204" pitchFamily="18" charset="0"/>
-                            </a:rPr>
-                            <m:t>𝜎</m:t>
-                          </m:r>
-                        </m:e>
-                        <m:sub>
-                          <m:r>
-                            <a:rPr lang="en-US" altLang="ko-KR" b="0" i="1" smtClean="0">
-                              <a:latin typeface="Cambria Math" panose="02040503050406030204" pitchFamily="18" charset="0"/>
-                            </a:rPr>
-                            <m:t>2</m:t>
-                          </m:r>
-                        </m:sub>
-                        <m:sup>
-                          <m:r>
-                            <a:rPr lang="en-US" altLang="ko-KR" b="0" i="1" smtClean="0">
-                              <a:latin typeface="Cambria Math" panose="02040503050406030204" pitchFamily="18" charset="0"/>
-                            </a:rPr>
-                            <m:t>2</m:t>
-                          </m:r>
-                        </m:sup>
-                      </m:sSubSup>
-                    </m:oMath>
-                  </m:oMathPara>
-                </a14:m>
-                <a:endParaRPr lang="ko-KR" altLang="en-US" dirty="0"/>
-              </a:p>
-            </p:txBody>
-          </p:sp>
-        </mc:Choice>
-        <mc:Fallback xmlns="">
-          <p:sp>
-            <p:nvSpPr>
-              <p:cNvPr id="60" name="TextBox 59"/>
-              <p:cNvSpPr txBox="1">
-                <a:spLocks noRot="1" noChangeAspect="1" noMove="1" noResize="1" noEditPoints="1" noAdjustHandles="1" noChangeArrowheads="1" noChangeShapeType="1" noTextEdit="1"/>
-              </p:cNvSpPr>
-              <p:nvPr/>
-            </p:nvSpPr>
-            <p:spPr>
-              <a:xfrm>
-                <a:off x="4649835" y="5494367"/>
-                <a:ext cx="337272" cy="280718"/>
-              </a:xfrm>
-              <a:prstGeom prst="rect">
-                <a:avLst/>
-              </a:prstGeom>
-              <a:blipFill rotWithShape="0">
-                <a:blip r:embed="rId8"/>
-                <a:stretch>
-                  <a:fillRect l="-5455" r="-1818" b="-21739"/>
-                </a:stretch>
-              </a:blipFill>
-            </p:spPr>
-            <p:txBody>
-              <a:bodyPr/>
-              <a:lstStyle/>
-              <a:p>
-                <a:r>
-                  <a:rPr lang="ko-KR" altLang="en-US">
-                    <a:noFill/>
-                  </a:rPr>
-                  <a:t> </a:t>
-                </a:r>
-              </a:p>
-            </p:txBody>
-          </p:sp>
-        </mc:Fallback>
-      </mc:AlternateContent>
-      <mc:AlternateContent xmlns:mc="http://schemas.openxmlformats.org/markup-compatibility/2006" xmlns:a14="http://schemas.microsoft.com/office/drawing/2010/main">
-        <mc:Choice Requires="a14">
-          <p:sp>
-            <p:nvSpPr>
-              <p:cNvPr id="61" name="TextBox 60"/>
-              <p:cNvSpPr txBox="1"/>
-              <p:nvPr/>
-            </p:nvSpPr>
-            <p:spPr>
-              <a:xfrm>
-                <a:off x="4030241" y="5025063"/>
-                <a:ext cx="332334" cy="280141"/>
-              </a:xfrm>
-              <a:prstGeom prst="rect">
-                <a:avLst/>
-              </a:prstGeom>
-              <a:noFill/>
-            </p:spPr>
-            <p:txBody>
-              <a:bodyPr wrap="none" lIns="0" tIns="0" rIns="0" bIns="0" rtlCol="0">
-                <a:spAutoFit/>
-              </a:bodyPr>
-              <a:lstStyle/>
-              <a:p>
-                <a:pPr/>
-                <a14:m>
-                  <m:oMathPara xmlns:m="http://schemas.openxmlformats.org/officeDocument/2006/math">
-                    <m:oMathParaPr>
-                      <m:jc m:val="centerGroup"/>
-                    </m:oMathParaPr>
-                    <m:oMath xmlns:m="http://schemas.openxmlformats.org/officeDocument/2006/math">
-                      <m:sSubSup>
-                        <m:sSubSupPr>
-                          <m:ctrlPr>
-                            <a:rPr lang="en-US" altLang="ko-KR" i="1" smtClean="0">
-                              <a:latin typeface="Cambria Math" panose="02040503050406030204" pitchFamily="18" charset="0"/>
-                            </a:rPr>
-                          </m:ctrlPr>
-                        </m:sSubSupPr>
-                        <m:e>
-                          <m:r>
-                            <a:rPr lang="en-US" altLang="ko-KR" i="1">
-                              <a:latin typeface="Cambria Math" panose="02040503050406030204" pitchFamily="18" charset="0"/>
-                            </a:rPr>
-                            <m:t>𝜎</m:t>
-                          </m:r>
-                        </m:e>
-                        <m:sub>
-                          <m:r>
-                            <a:rPr lang="en-US" altLang="ko-KR" b="0" i="1" smtClean="0">
-                              <a:latin typeface="Cambria Math" panose="02040503050406030204" pitchFamily="18" charset="0"/>
-                            </a:rPr>
-                            <m:t>2</m:t>
-                          </m:r>
-                        </m:sub>
-                        <m:sup>
-                          <m:r>
-                            <a:rPr lang="en-US" altLang="ko-KR" i="1">
-                              <a:latin typeface="Cambria Math" panose="02040503050406030204" pitchFamily="18" charset="0"/>
-                            </a:rPr>
-                            <m:t>1</m:t>
-                          </m:r>
-                        </m:sup>
-                      </m:sSubSup>
-                    </m:oMath>
-                  </m:oMathPara>
-                </a14:m>
-                <a:endParaRPr lang="ko-KR" altLang="en-US" dirty="0"/>
-              </a:p>
-            </p:txBody>
-          </p:sp>
-        </mc:Choice>
-        <mc:Fallback xmlns="">
-          <p:sp>
-            <p:nvSpPr>
-              <p:cNvPr id="61" name="TextBox 60"/>
-              <p:cNvSpPr txBox="1">
-                <a:spLocks noRot="1" noChangeAspect="1" noMove="1" noResize="1" noEditPoints="1" noAdjustHandles="1" noChangeArrowheads="1" noChangeShapeType="1" noTextEdit="1"/>
-              </p:cNvSpPr>
-              <p:nvPr/>
-            </p:nvSpPr>
-            <p:spPr>
-              <a:xfrm>
-                <a:off x="4030241" y="5025063"/>
-                <a:ext cx="332334" cy="280141"/>
-              </a:xfrm>
-              <a:prstGeom prst="rect">
-                <a:avLst/>
-              </a:prstGeom>
-              <a:blipFill rotWithShape="0">
-                <a:blip r:embed="rId9"/>
-                <a:stretch>
-                  <a:fillRect l="-5455" r="-1818" b="-21739"/>
-                </a:stretch>
-              </a:blipFill>
-            </p:spPr>
-            <p:txBody>
-              <a:bodyPr/>
-              <a:lstStyle/>
-              <a:p>
-                <a:r>
-                  <a:rPr lang="ko-KR" altLang="en-US">
-                    <a:noFill/>
-                  </a:rPr>
-                  <a:t> </a:t>
-                </a:r>
-              </a:p>
-            </p:txBody>
-          </p:sp>
-        </mc:Fallback>
-      </mc:AlternateContent>
-      <mc:AlternateContent xmlns:mc="http://schemas.openxmlformats.org/markup-compatibility/2006" xmlns:a14="http://schemas.microsoft.com/office/drawing/2010/main">
-        <mc:Choice Requires="a14">
-          <p:sp>
-            <p:nvSpPr>
-              <p:cNvPr id="62" name="TextBox 61"/>
-              <p:cNvSpPr txBox="1"/>
-              <p:nvPr/>
-            </p:nvSpPr>
-            <p:spPr>
-              <a:xfrm>
-                <a:off x="3281838" y="4510227"/>
-                <a:ext cx="337272" cy="280205"/>
-              </a:xfrm>
-              <a:prstGeom prst="rect">
-                <a:avLst/>
-              </a:prstGeom>
-              <a:noFill/>
-            </p:spPr>
-            <p:txBody>
-              <a:bodyPr wrap="none" lIns="0" tIns="0" rIns="0" bIns="0" rtlCol="0">
-                <a:spAutoFit/>
-              </a:bodyPr>
-              <a:lstStyle/>
-              <a:p>
-                <a:pPr/>
-                <a14:m>
-                  <m:oMathPara xmlns:m="http://schemas.openxmlformats.org/officeDocument/2006/math">
-                    <m:oMathParaPr>
-                      <m:jc m:val="centerGroup"/>
-                    </m:oMathParaPr>
-                    <m:oMath xmlns:m="http://schemas.openxmlformats.org/officeDocument/2006/math">
-                      <m:sSubSup>
-                        <m:sSubSupPr>
-                          <m:ctrlPr>
-                            <a:rPr lang="en-US" altLang="ko-KR" i="1" smtClean="0">
-                              <a:latin typeface="Cambria Math" panose="02040503050406030204" pitchFamily="18" charset="0"/>
-                            </a:rPr>
-                          </m:ctrlPr>
-                        </m:sSubSupPr>
-                        <m:e>
-                          <m:r>
-                            <a:rPr lang="en-US" altLang="ko-KR" i="1">
-                              <a:latin typeface="Cambria Math" panose="02040503050406030204" pitchFamily="18" charset="0"/>
-                            </a:rPr>
-                            <m:t>𝜎</m:t>
-                          </m:r>
-                        </m:e>
-                        <m:sub>
-                          <m:r>
-                            <a:rPr lang="en-US" altLang="ko-KR" i="1">
-                              <a:latin typeface="Cambria Math" panose="02040503050406030204" pitchFamily="18" charset="0"/>
-                            </a:rPr>
-                            <m:t>1</m:t>
-                          </m:r>
-                        </m:sub>
-                        <m:sup>
-                          <m:r>
-                            <a:rPr lang="en-US" altLang="ko-KR" b="0" i="1" smtClean="0">
-                              <a:latin typeface="Cambria Math" panose="02040503050406030204" pitchFamily="18" charset="0"/>
-                            </a:rPr>
-                            <m:t>2</m:t>
-                          </m:r>
-                        </m:sup>
-                      </m:sSubSup>
-                    </m:oMath>
-                  </m:oMathPara>
-                </a14:m>
-                <a:endParaRPr lang="ko-KR" altLang="en-US" dirty="0"/>
-              </a:p>
-            </p:txBody>
-          </p:sp>
-        </mc:Choice>
-        <mc:Fallback xmlns="">
-          <p:sp>
-            <p:nvSpPr>
-              <p:cNvPr id="62" name="TextBox 61"/>
-              <p:cNvSpPr txBox="1">
-                <a:spLocks noRot="1" noChangeAspect="1" noMove="1" noResize="1" noEditPoints="1" noAdjustHandles="1" noChangeArrowheads="1" noChangeShapeType="1" noTextEdit="1"/>
-              </p:cNvSpPr>
-              <p:nvPr/>
-            </p:nvSpPr>
-            <p:spPr>
-              <a:xfrm>
-                <a:off x="3281838" y="4510227"/>
-                <a:ext cx="337272" cy="280205"/>
-              </a:xfrm>
-              <a:prstGeom prst="rect">
-                <a:avLst/>
-              </a:prstGeom>
-              <a:blipFill rotWithShape="0">
-                <a:blip r:embed="rId10"/>
-                <a:stretch>
-                  <a:fillRect l="-5357" r="-1786" b="-19565"/>
-                </a:stretch>
-              </a:blipFill>
-            </p:spPr>
-            <p:txBody>
-              <a:bodyPr/>
-              <a:lstStyle/>
-              <a:p>
-                <a:r>
-                  <a:rPr lang="ko-KR" altLang="en-US">
-                    <a:noFill/>
-                  </a:rPr>
-                  <a:t> </a:t>
-                </a:r>
-              </a:p>
-            </p:txBody>
-          </p:sp>
-        </mc:Fallback>
-      </mc:AlternateContent>
-      <mc:AlternateContent xmlns:mc="http://schemas.openxmlformats.org/markup-compatibility/2006" xmlns:a14="http://schemas.microsoft.com/office/drawing/2010/main">
-        <mc:Choice Requires="a14">
-          <p:sp>
-            <p:nvSpPr>
-              <p:cNvPr id="63" name="TextBox 62"/>
-              <p:cNvSpPr txBox="1"/>
-              <p:nvPr/>
-            </p:nvSpPr>
-            <p:spPr>
-              <a:xfrm>
-                <a:off x="3115671" y="3653952"/>
-                <a:ext cx="332334" cy="279628"/>
-              </a:xfrm>
-              <a:prstGeom prst="rect">
-                <a:avLst/>
-              </a:prstGeom>
-              <a:noFill/>
-            </p:spPr>
-            <p:txBody>
-              <a:bodyPr wrap="none" lIns="0" tIns="0" rIns="0" bIns="0" rtlCol="0">
-                <a:spAutoFit/>
-              </a:bodyPr>
-              <a:lstStyle/>
-              <a:p>
-                <a:pPr/>
-                <a14:m>
-                  <m:oMathPara xmlns:m="http://schemas.openxmlformats.org/officeDocument/2006/math">
-                    <m:oMathParaPr>
-                      <m:jc m:val="centerGroup"/>
-                    </m:oMathParaPr>
-                    <m:oMath xmlns:m="http://schemas.openxmlformats.org/officeDocument/2006/math">
-                      <m:sSubSup>
-                        <m:sSubSupPr>
-                          <m:ctrlPr>
-                            <a:rPr lang="en-US" altLang="ko-KR" i="1">
-                              <a:latin typeface="Cambria Math" panose="02040503050406030204" pitchFamily="18" charset="0"/>
-                            </a:rPr>
-                          </m:ctrlPr>
-                        </m:sSubSupPr>
-                        <m:e>
-                          <m:r>
-                            <a:rPr lang="en-US" altLang="ko-KR" i="1">
-                              <a:latin typeface="Cambria Math" panose="02040503050406030204" pitchFamily="18" charset="0"/>
-                            </a:rPr>
-                            <m:t>𝜎</m:t>
-                          </m:r>
-                        </m:e>
-                        <m:sub>
-                          <m:r>
-                            <a:rPr lang="en-US" altLang="ko-KR" i="1">
-                              <a:latin typeface="Cambria Math" panose="02040503050406030204" pitchFamily="18" charset="0"/>
-                            </a:rPr>
-                            <m:t>1</m:t>
-                          </m:r>
-                        </m:sub>
-                        <m:sup>
-                          <m:r>
-                            <a:rPr lang="en-US" altLang="ko-KR" i="1">
-                              <a:latin typeface="Cambria Math" panose="02040503050406030204" pitchFamily="18" charset="0"/>
-                            </a:rPr>
-                            <m:t>1</m:t>
-                          </m:r>
-                        </m:sup>
-                      </m:sSubSup>
-                    </m:oMath>
-                  </m:oMathPara>
-                </a14:m>
-                <a:endParaRPr lang="ko-KR" altLang="en-US" dirty="0"/>
-              </a:p>
-            </p:txBody>
-          </p:sp>
-        </mc:Choice>
-        <mc:Fallback xmlns="">
-          <p:sp>
-            <p:nvSpPr>
-              <p:cNvPr id="63" name="TextBox 62"/>
-              <p:cNvSpPr txBox="1">
-                <a:spLocks noRot="1" noChangeAspect="1" noMove="1" noResize="1" noEditPoints="1" noAdjustHandles="1" noChangeArrowheads="1" noChangeShapeType="1" noTextEdit="1"/>
-              </p:cNvSpPr>
-              <p:nvPr/>
-            </p:nvSpPr>
-            <p:spPr>
-              <a:xfrm>
-                <a:off x="3115671" y="3653952"/>
-                <a:ext cx="332334" cy="279628"/>
-              </a:xfrm>
-              <a:prstGeom prst="rect">
-                <a:avLst/>
-              </a:prstGeom>
-              <a:blipFill rotWithShape="0">
-                <a:blip r:embed="rId11"/>
-                <a:stretch>
-                  <a:fillRect l="-5455" r="-1818" b="-21739"/>
-                </a:stretch>
-              </a:blipFill>
-            </p:spPr>
-            <p:txBody>
-              <a:bodyPr/>
-              <a:lstStyle/>
-              <a:p>
-                <a:r>
-                  <a:rPr lang="ko-KR" altLang="en-US">
-                    <a:noFill/>
-                  </a:rPr>
-                  <a:t> </a:t>
-                </a:r>
-              </a:p>
-            </p:txBody>
-          </p:sp>
-        </mc:Fallback>
-      </mc:AlternateContent>
-      <mc:AlternateContent xmlns:mc="http://schemas.openxmlformats.org/markup-compatibility/2006" xmlns:a14="http://schemas.microsoft.com/office/drawing/2010/main">
-        <mc:Choice Requires="a14">
+      <mc:AlternateContent xmlns:mc="http://schemas.openxmlformats.org/markup-compatibility/2006">
+        <mc:Choice xmlns:a14="http://schemas.microsoft.com/office/drawing/2010/main" Requires="a14">
           <p:sp>
             <p:nvSpPr>
               <p:cNvPr id="64" name="TextBox 63"/>
@@ -36878,7 +36334,7 @@
             </p:nvSpPr>
             <p:spPr>
               <a:xfrm>
-                <a:off x="4589434" y="4300408"/>
+                <a:off x="9390034" y="4567108"/>
                 <a:ext cx="458074" cy="276999"/>
               </a:xfrm>
               <a:prstGeom prst="rect">
@@ -36938,7 +36394,7 @@
             </p:txBody>
           </p:sp>
         </mc:Choice>
-        <mc:Fallback xmlns="">
+        <mc:Fallback>
           <p:sp>
             <p:nvSpPr>
               <p:cNvPr id="64" name="TextBox 63"/>
@@ -36949,16 +36405,16 @@
             </p:nvSpPr>
             <p:spPr>
               <a:xfrm>
-                <a:off x="4589434" y="4300408"/>
+                <a:off x="9390034" y="4567108"/>
                 <a:ext cx="458074" cy="276999"/>
               </a:xfrm>
               <a:prstGeom prst="rect">
                 <a:avLst/>
               </a:prstGeom>
               <a:blipFill rotWithShape="0">
-                <a:blip r:embed="rId12"/>
+                <a:blip r:embed="rId8"/>
                 <a:stretch>
-                  <a:fillRect l="-9333" r="-1333" b="-10870"/>
+                  <a:fillRect l="-7895" r="-1316" b="-10870"/>
                 </a:stretch>
               </a:blipFill>
             </p:spPr>
@@ -36977,8 +36433,8 @@
           </p:sp>
         </mc:Fallback>
       </mc:AlternateContent>
-      <mc:AlternateContent xmlns:mc="http://schemas.openxmlformats.org/markup-compatibility/2006" xmlns:a14="http://schemas.microsoft.com/office/drawing/2010/main">
-        <mc:Choice Requires="a14">
+      <mc:AlternateContent xmlns:mc="http://schemas.openxmlformats.org/markup-compatibility/2006">
+        <mc:Choice xmlns:a14="http://schemas.microsoft.com/office/drawing/2010/main" Requires="a14">
           <p:sp>
             <p:nvSpPr>
               <p:cNvPr id="65" name="TextBox 64"/>
@@ -36987,7 +36443,7 @@
             </p:nvSpPr>
             <p:spPr>
               <a:xfrm>
-                <a:off x="5272219" y="3962076"/>
+                <a:off x="10072819" y="4228776"/>
                 <a:ext cx="463011" cy="276999"/>
               </a:xfrm>
               <a:prstGeom prst="rect">
@@ -37047,7 +36503,7 @@
             </p:txBody>
           </p:sp>
         </mc:Choice>
-        <mc:Fallback xmlns="">
+        <mc:Fallback>
           <p:sp>
             <p:nvSpPr>
               <p:cNvPr id="65" name="TextBox 64"/>
@@ -37058,16 +36514,16 @@
             </p:nvSpPr>
             <p:spPr>
               <a:xfrm>
-                <a:off x="5272219" y="3962076"/>
+                <a:off x="10072819" y="4228776"/>
                 <a:ext cx="463011" cy="276999"/>
               </a:xfrm>
               <a:prstGeom prst="rect">
                 <a:avLst/>
               </a:prstGeom>
               <a:blipFill rotWithShape="0">
-                <a:blip r:embed="rId13"/>
+                <a:blip r:embed="rId9"/>
                 <a:stretch>
-                  <a:fillRect l="-9211" r="-1316" b="-11111"/>
+                  <a:fillRect l="-7895" r="-2632" b="-11111"/>
                 </a:stretch>
               </a:blipFill>
             </p:spPr>
@@ -37086,6 +36542,2132 @@
           </p:sp>
         </mc:Fallback>
       </mc:AlternateContent>
+      <p:cxnSp>
+        <p:nvCxnSpPr>
+          <p:cNvPr id="26" name="직선 화살표 연결선 25"/>
+          <p:cNvCxnSpPr/>
+          <p:nvPr/>
+        </p:nvCxnSpPr>
+        <p:spPr>
+          <a:xfrm flipV="1">
+            <a:off x="7229911" y="6041785"/>
+            <a:ext cx="257292" cy="278078"/>
+          </a:xfrm>
+          <a:prstGeom prst="straightConnector1">
+            <a:avLst/>
+          </a:prstGeom>
+          <a:ln w="28575">
+            <a:solidFill>
+              <a:schemeClr val="tx1"/>
+            </a:solidFill>
+            <a:headEnd type="none" w="med" len="med"/>
+            <a:tailEnd type="none" w="med" len="med"/>
+          </a:ln>
+        </p:spPr>
+        <p:style>
+          <a:lnRef idx="1">
+            <a:schemeClr val="accent1"/>
+          </a:lnRef>
+          <a:fillRef idx="0">
+            <a:schemeClr val="accent1"/>
+          </a:fillRef>
+          <a:effectRef idx="0">
+            <a:schemeClr val="accent1"/>
+          </a:effectRef>
+          <a:fontRef idx="minor">
+            <a:schemeClr val="tx1"/>
+          </a:fontRef>
+        </p:style>
+      </p:cxnSp>
+      <mc:AlternateContent xmlns:mc="http://schemas.openxmlformats.org/markup-compatibility/2006">
+        <mc:Choice xmlns:a14="http://schemas.microsoft.com/office/drawing/2010/main" Requires="a14">
+          <p:sp>
+            <p:nvSpPr>
+              <p:cNvPr id="29" name="TextBox 28"/>
+              <p:cNvSpPr txBox="1"/>
+              <p:nvPr/>
+            </p:nvSpPr>
+            <p:spPr>
+              <a:xfrm>
+                <a:off x="8085538" y="5903825"/>
+                <a:ext cx="313867" cy="276999"/>
+              </a:xfrm>
+              <a:prstGeom prst="rect">
+                <a:avLst/>
+              </a:prstGeom>
+              <a:noFill/>
+            </p:spPr>
+            <p:txBody>
+              <a:bodyPr wrap="none" lIns="0" tIns="0" rIns="0" bIns="0" rtlCol="0">
+                <a:spAutoFit/>
+              </a:bodyPr>
+              <a:lstStyle/>
+              <a:p>
+                <a:pPr/>
+                <a14:m>
+                  <m:oMathPara xmlns:m="http://schemas.openxmlformats.org/officeDocument/2006/math">
+                    <m:oMathParaPr>
+                      <m:jc m:val="centerGroup"/>
+                    </m:oMathParaPr>
+                    <m:oMath xmlns:m="http://schemas.openxmlformats.org/officeDocument/2006/math">
+                      <m:sSub>
+                        <m:sSubPr>
+                          <m:ctrlPr>
+                            <a:rPr lang="en-US" altLang="ko-KR" b="0" i="1" smtClean="0">
+                              <a:latin typeface="Cambria Math" panose="02040503050406030204" pitchFamily="18" charset="0"/>
+                            </a:rPr>
+                          </m:ctrlPr>
+                        </m:sSubPr>
+                        <m:e>
+                          <m:r>
+                            <a:rPr lang="en-US" altLang="ko-KR" b="0" i="1" smtClean="0">
+                              <a:latin typeface="Cambria Math" panose="02040503050406030204" pitchFamily="18" charset="0"/>
+                            </a:rPr>
+                            <m:t>𝛽</m:t>
+                          </m:r>
+                        </m:e>
+                        <m:sub>
+                          <m:r>
+                            <a:rPr lang="en-US" altLang="ko-KR" b="0" i="1" smtClean="0">
+                              <a:latin typeface="Cambria Math" panose="02040503050406030204" pitchFamily="18" charset="0"/>
+                            </a:rPr>
+                            <m:t>2</m:t>
+                          </m:r>
+                        </m:sub>
+                      </m:sSub>
+                    </m:oMath>
+                  </m:oMathPara>
+                </a14:m>
+                <a:endParaRPr lang="ko-KR" altLang="en-US" dirty="0"/>
+              </a:p>
+            </p:txBody>
+          </p:sp>
+        </mc:Choice>
+        <mc:Fallback>
+          <p:sp>
+            <p:nvSpPr>
+              <p:cNvPr id="29" name="TextBox 28"/>
+              <p:cNvSpPr txBox="1">
+                <a:spLocks noRot="1" noChangeAspect="1" noMove="1" noResize="1" noEditPoints="1" noAdjustHandles="1" noChangeArrowheads="1" noChangeShapeType="1" noTextEdit="1"/>
+              </p:cNvSpPr>
+              <p:nvPr/>
+            </p:nvSpPr>
+            <p:spPr>
+              <a:xfrm>
+                <a:off x="8085538" y="5903825"/>
+                <a:ext cx="313867" cy="276999"/>
+              </a:xfrm>
+              <a:prstGeom prst="rect">
+                <a:avLst/>
+              </a:prstGeom>
+              <a:blipFill rotWithShape="0">
+                <a:blip r:embed="rId10"/>
+                <a:stretch>
+                  <a:fillRect l="-21154" r="-3846" b="-36957"/>
+                </a:stretch>
+              </a:blipFill>
+            </p:spPr>
+            <p:txBody>
+              <a:bodyPr/>
+              <a:lstStyle/>
+              <a:p>
+                <a:r>
+                  <a:rPr lang="ko-KR" altLang="en-US">
+                    <a:noFill/>
+                  </a:rPr>
+                  <a:t> </a:t>
+                </a:r>
+              </a:p>
+            </p:txBody>
+          </p:sp>
+        </mc:Fallback>
+      </mc:AlternateContent>
+      <p:grpSp>
+        <p:nvGrpSpPr>
+          <p:cNvPr id="30" name="그룹 29"/>
+          <p:cNvGrpSpPr/>
+          <p:nvPr/>
+        </p:nvGrpSpPr>
+        <p:grpSpPr>
+          <a:xfrm>
+            <a:off x="2308957" y="802802"/>
+            <a:ext cx="3789414" cy="3165146"/>
+            <a:chOff x="2086736" y="5146499"/>
+            <a:chExt cx="1509568" cy="1399170"/>
+          </a:xfrm>
+        </p:grpSpPr>
+        <p:sp>
+          <p:nvSpPr>
+            <p:cNvPr id="31" name="정육면체 30"/>
+            <p:cNvSpPr/>
+            <p:nvPr/>
+          </p:nvSpPr>
+          <p:spPr>
+            <a:xfrm>
+              <a:off x="2089777" y="5149489"/>
+              <a:ext cx="1506527" cy="1396180"/>
+            </a:xfrm>
+            <a:prstGeom prst="cube">
+              <a:avLst>
+                <a:gd name="adj" fmla="val 29825"/>
+              </a:avLst>
+            </a:prstGeom>
+            <a:noFill/>
+            <a:ln w="28575">
+              <a:solidFill>
+                <a:schemeClr val="tx1"/>
+              </a:solidFill>
+            </a:ln>
+          </p:spPr>
+          <p:style>
+            <a:lnRef idx="2">
+              <a:schemeClr val="accent1">
+                <a:shade val="50000"/>
+              </a:schemeClr>
+            </a:lnRef>
+            <a:fillRef idx="1">
+              <a:schemeClr val="accent1"/>
+            </a:fillRef>
+            <a:effectRef idx="0">
+              <a:schemeClr val="accent1"/>
+            </a:effectRef>
+            <a:fontRef idx="minor">
+              <a:schemeClr val="lt1"/>
+            </a:fontRef>
+          </p:style>
+          <p:txBody>
+            <a:bodyPr rtlCol="0" anchor="ctr"/>
+            <a:lstStyle/>
+            <a:p>
+              <a:pPr algn="ctr"/>
+              <a:endParaRPr lang="ko-KR" altLang="en-US"/>
+            </a:p>
+          </p:txBody>
+        </p:sp>
+        <p:cxnSp>
+          <p:nvCxnSpPr>
+            <p:cNvPr id="32" name="직선 연결선 31"/>
+            <p:cNvCxnSpPr/>
+            <p:nvPr/>
+          </p:nvCxnSpPr>
+          <p:spPr>
+            <a:xfrm flipV="1">
+              <a:off x="2086736" y="6133746"/>
+              <a:ext cx="373982" cy="400069"/>
+            </a:xfrm>
+            <a:prstGeom prst="line">
+              <a:avLst/>
+            </a:prstGeom>
+            <a:ln>
+              <a:prstDash val="dash"/>
+            </a:ln>
+          </p:spPr>
+          <p:style>
+            <a:lnRef idx="1">
+              <a:schemeClr val="dk1"/>
+            </a:lnRef>
+            <a:fillRef idx="0">
+              <a:schemeClr val="dk1"/>
+            </a:fillRef>
+            <a:effectRef idx="0">
+              <a:schemeClr val="dk1"/>
+            </a:effectRef>
+            <a:fontRef idx="minor">
+              <a:schemeClr val="tx1"/>
+            </a:fontRef>
+          </p:style>
+        </p:cxnSp>
+        <p:cxnSp>
+          <p:nvCxnSpPr>
+            <p:cNvPr id="33" name="직선 연결선 32"/>
+            <p:cNvCxnSpPr/>
+            <p:nvPr/>
+          </p:nvCxnSpPr>
+          <p:spPr>
+            <a:xfrm flipH="1" flipV="1">
+              <a:off x="2457146" y="5146499"/>
+              <a:ext cx="8224" cy="976058"/>
+            </a:xfrm>
+            <a:prstGeom prst="line">
+              <a:avLst/>
+            </a:prstGeom>
+            <a:ln>
+              <a:prstDash val="dash"/>
+            </a:ln>
+          </p:spPr>
+          <p:style>
+            <a:lnRef idx="1">
+              <a:schemeClr val="dk1"/>
+            </a:lnRef>
+            <a:fillRef idx="0">
+              <a:schemeClr val="dk1"/>
+            </a:fillRef>
+            <a:effectRef idx="0">
+              <a:schemeClr val="dk1"/>
+            </a:effectRef>
+            <a:fontRef idx="minor">
+              <a:schemeClr val="tx1"/>
+            </a:fontRef>
+          </p:style>
+        </p:cxnSp>
+        <p:cxnSp>
+          <p:nvCxnSpPr>
+            <p:cNvPr id="35" name="직선 연결선 34"/>
+            <p:cNvCxnSpPr/>
+            <p:nvPr/>
+          </p:nvCxnSpPr>
+          <p:spPr>
+            <a:xfrm flipV="1">
+              <a:off x="2469653" y="6122558"/>
+              <a:ext cx="1124204" cy="6247"/>
+            </a:xfrm>
+            <a:prstGeom prst="line">
+              <a:avLst/>
+            </a:prstGeom>
+            <a:ln>
+              <a:prstDash val="dash"/>
+            </a:ln>
+          </p:spPr>
+          <p:style>
+            <a:lnRef idx="1">
+              <a:schemeClr val="dk1"/>
+            </a:lnRef>
+            <a:fillRef idx="0">
+              <a:schemeClr val="dk1"/>
+            </a:fillRef>
+            <a:effectRef idx="0">
+              <a:schemeClr val="dk1"/>
+            </a:effectRef>
+            <a:fontRef idx="minor">
+              <a:schemeClr val="tx1"/>
+            </a:fontRef>
+          </p:style>
+        </p:cxnSp>
+      </p:grpSp>
+      <p:cxnSp>
+        <p:nvCxnSpPr>
+          <p:cNvPr id="39" name="직선 화살표 연결선 38"/>
+          <p:cNvCxnSpPr/>
+          <p:nvPr/>
+        </p:nvCxnSpPr>
+        <p:spPr>
+          <a:xfrm>
+            <a:off x="1178694" y="1131574"/>
+            <a:ext cx="511868" cy="1266"/>
+          </a:xfrm>
+          <a:prstGeom prst="straightConnector1">
+            <a:avLst/>
+          </a:prstGeom>
+          <a:ln w="28575">
+            <a:solidFill>
+              <a:schemeClr val="tx1"/>
+            </a:solidFill>
+            <a:headEnd type="none" w="med" len="med"/>
+            <a:tailEnd type="none" w="med" len="med"/>
+          </a:ln>
+        </p:spPr>
+        <p:style>
+          <a:lnRef idx="1">
+            <a:schemeClr val="accent1"/>
+          </a:lnRef>
+          <a:fillRef idx="0">
+            <a:schemeClr val="accent1"/>
+          </a:fillRef>
+          <a:effectRef idx="0">
+            <a:schemeClr val="accent1"/>
+          </a:effectRef>
+          <a:fontRef idx="minor">
+            <a:schemeClr val="tx1"/>
+          </a:fontRef>
+        </p:style>
+      </p:cxnSp>
+      <p:cxnSp>
+        <p:nvCxnSpPr>
+          <p:cNvPr id="43" name="직선 화살표 연결선 42"/>
+          <p:cNvCxnSpPr/>
+          <p:nvPr/>
+        </p:nvCxnSpPr>
+        <p:spPr>
+          <a:xfrm flipV="1">
+            <a:off x="1188220" y="631522"/>
+            <a:ext cx="815" cy="501318"/>
+          </a:xfrm>
+          <a:prstGeom prst="straightConnector1">
+            <a:avLst/>
+          </a:prstGeom>
+          <a:ln w="28575">
+            <a:solidFill>
+              <a:schemeClr val="tx1"/>
+            </a:solidFill>
+            <a:headEnd type="none" w="med" len="med"/>
+            <a:tailEnd type="none" w="med" len="med"/>
+          </a:ln>
+        </p:spPr>
+        <p:style>
+          <a:lnRef idx="1">
+            <a:schemeClr val="accent1"/>
+          </a:lnRef>
+          <a:fillRef idx="0">
+            <a:schemeClr val="accent1"/>
+          </a:fillRef>
+          <a:effectRef idx="0">
+            <a:schemeClr val="accent1"/>
+          </a:effectRef>
+          <a:fontRef idx="minor">
+            <a:schemeClr val="tx1"/>
+          </a:fontRef>
+        </p:style>
+      </p:cxnSp>
+      <mc:AlternateContent xmlns:mc="http://schemas.openxmlformats.org/markup-compatibility/2006">
+        <mc:Choice xmlns:a14="http://schemas.microsoft.com/office/drawing/2010/main" Requires="a14">
+          <p:sp>
+            <p:nvSpPr>
+              <p:cNvPr id="44" name="TextBox 43"/>
+              <p:cNvSpPr txBox="1"/>
+              <p:nvPr/>
+            </p:nvSpPr>
+            <p:spPr>
+              <a:xfrm>
+                <a:off x="1277694" y="354523"/>
+                <a:ext cx="313867" cy="276999"/>
+              </a:xfrm>
+              <a:prstGeom prst="rect">
+                <a:avLst/>
+              </a:prstGeom>
+              <a:noFill/>
+            </p:spPr>
+            <p:txBody>
+              <a:bodyPr wrap="none" lIns="0" tIns="0" rIns="0" bIns="0" rtlCol="0">
+                <a:spAutoFit/>
+              </a:bodyPr>
+              <a:lstStyle/>
+              <a:p>
+                <a:pPr/>
+                <a14:m>
+                  <m:oMathPara xmlns:m="http://schemas.openxmlformats.org/officeDocument/2006/math">
+                    <m:oMathParaPr>
+                      <m:jc m:val="centerGroup"/>
+                    </m:oMathParaPr>
+                    <m:oMath xmlns:m="http://schemas.openxmlformats.org/officeDocument/2006/math">
+                      <m:sSub>
+                        <m:sSubPr>
+                          <m:ctrlPr>
+                            <a:rPr lang="en-US" altLang="ko-KR" i="1" smtClean="0">
+                              <a:latin typeface="Cambria Math" panose="02040503050406030204" pitchFamily="18" charset="0"/>
+                            </a:rPr>
+                          </m:ctrlPr>
+                        </m:sSubPr>
+                        <m:e>
+                          <m:r>
+                            <a:rPr lang="en-US" altLang="ko-KR" i="1">
+                              <a:latin typeface="Cambria Math" panose="02040503050406030204" pitchFamily="18" charset="0"/>
+                            </a:rPr>
+                            <m:t>𝛽</m:t>
+                          </m:r>
+                        </m:e>
+                        <m:sub>
+                          <m:r>
+                            <a:rPr lang="en-US" altLang="ko-KR" b="0" i="1" smtClean="0">
+                              <a:latin typeface="Cambria Math" panose="02040503050406030204" pitchFamily="18" charset="0"/>
+                            </a:rPr>
+                            <m:t>3</m:t>
+                          </m:r>
+                        </m:sub>
+                      </m:sSub>
+                    </m:oMath>
+                  </m:oMathPara>
+                </a14:m>
+                <a:endParaRPr lang="ko-KR" altLang="en-US" dirty="0"/>
+              </a:p>
+            </p:txBody>
+          </p:sp>
+        </mc:Choice>
+        <mc:Fallback>
+          <p:sp>
+            <p:nvSpPr>
+              <p:cNvPr id="44" name="TextBox 43"/>
+              <p:cNvSpPr txBox="1">
+                <a:spLocks noRot="1" noChangeAspect="1" noMove="1" noResize="1" noEditPoints="1" noAdjustHandles="1" noChangeArrowheads="1" noChangeShapeType="1" noTextEdit="1"/>
+              </p:cNvSpPr>
+              <p:nvPr/>
+            </p:nvSpPr>
+            <p:spPr>
+              <a:xfrm>
+                <a:off x="1277694" y="354523"/>
+                <a:ext cx="313867" cy="276999"/>
+              </a:xfrm>
+              <a:prstGeom prst="rect">
+                <a:avLst/>
+              </a:prstGeom>
+              <a:blipFill rotWithShape="0">
+                <a:blip r:embed="rId11"/>
+                <a:stretch>
+                  <a:fillRect l="-21569" r="-3922" b="-36957"/>
+                </a:stretch>
+              </a:blipFill>
+            </p:spPr>
+            <p:txBody>
+              <a:bodyPr/>
+              <a:lstStyle/>
+              <a:p>
+                <a:r>
+                  <a:rPr lang="ko-KR" altLang="en-US">
+                    <a:noFill/>
+                  </a:rPr>
+                  <a:t> </a:t>
+                </a:r>
+              </a:p>
+            </p:txBody>
+          </p:sp>
+        </mc:Fallback>
+      </mc:AlternateContent>
+      <mc:AlternateContent xmlns:mc="http://schemas.openxmlformats.org/markup-compatibility/2006">
+        <mc:Choice xmlns:a14="http://schemas.microsoft.com/office/drawing/2010/main" Requires="a14">
+          <p:sp>
+            <p:nvSpPr>
+              <p:cNvPr id="46" name="TextBox 45"/>
+              <p:cNvSpPr txBox="1"/>
+              <p:nvPr/>
+            </p:nvSpPr>
+            <p:spPr>
+              <a:xfrm>
+                <a:off x="870148" y="1455305"/>
+                <a:ext cx="308546" cy="276999"/>
+              </a:xfrm>
+              <a:prstGeom prst="rect">
+                <a:avLst/>
+              </a:prstGeom>
+              <a:noFill/>
+            </p:spPr>
+            <p:txBody>
+              <a:bodyPr wrap="none" lIns="0" tIns="0" rIns="0" bIns="0" rtlCol="0">
+                <a:spAutoFit/>
+              </a:bodyPr>
+              <a:lstStyle/>
+              <a:p>
+                <a:pPr/>
+                <a14:m>
+                  <m:oMathPara xmlns:m="http://schemas.openxmlformats.org/officeDocument/2006/math">
+                    <m:oMathParaPr>
+                      <m:jc m:val="centerGroup"/>
+                    </m:oMathParaPr>
+                    <m:oMath xmlns:m="http://schemas.openxmlformats.org/officeDocument/2006/math">
+                      <m:sSub>
+                        <m:sSubPr>
+                          <m:ctrlPr>
+                            <a:rPr lang="en-US" altLang="ko-KR" b="0" i="1" smtClean="0">
+                              <a:latin typeface="Cambria Math" panose="02040503050406030204" pitchFamily="18" charset="0"/>
+                            </a:rPr>
+                          </m:ctrlPr>
+                        </m:sSubPr>
+                        <m:e>
+                          <m:r>
+                            <a:rPr lang="en-US" altLang="ko-KR" b="0" i="1" smtClean="0">
+                              <a:latin typeface="Cambria Math" panose="02040503050406030204" pitchFamily="18" charset="0"/>
+                            </a:rPr>
+                            <m:t>𝛽</m:t>
+                          </m:r>
+                        </m:e>
+                        <m:sub>
+                          <m:r>
+                            <a:rPr lang="en-US" altLang="ko-KR" b="0" i="1" smtClean="0">
+                              <a:latin typeface="Cambria Math" panose="02040503050406030204" pitchFamily="18" charset="0"/>
+                            </a:rPr>
+                            <m:t>1</m:t>
+                          </m:r>
+                        </m:sub>
+                      </m:sSub>
+                    </m:oMath>
+                  </m:oMathPara>
+                </a14:m>
+                <a:endParaRPr lang="ko-KR" altLang="en-US" dirty="0"/>
+              </a:p>
+            </p:txBody>
+          </p:sp>
+        </mc:Choice>
+        <mc:Fallback>
+          <p:sp>
+            <p:nvSpPr>
+              <p:cNvPr id="46" name="TextBox 45"/>
+              <p:cNvSpPr txBox="1">
+                <a:spLocks noRot="1" noChangeAspect="1" noMove="1" noResize="1" noEditPoints="1" noAdjustHandles="1" noChangeArrowheads="1" noChangeShapeType="1" noTextEdit="1"/>
+              </p:cNvSpPr>
+              <p:nvPr/>
+            </p:nvSpPr>
+            <p:spPr>
+              <a:xfrm>
+                <a:off x="870148" y="1455305"/>
+                <a:ext cx="308546" cy="276999"/>
+              </a:xfrm>
+              <a:prstGeom prst="rect">
+                <a:avLst/>
+              </a:prstGeom>
+              <a:blipFill rotWithShape="0">
+                <a:blip r:embed="rId12"/>
+                <a:stretch>
+                  <a:fillRect l="-22000" r="-4000" b="-40000"/>
+                </a:stretch>
+              </a:blipFill>
+            </p:spPr>
+            <p:txBody>
+              <a:bodyPr/>
+              <a:lstStyle/>
+              <a:p>
+                <a:r>
+                  <a:rPr lang="ko-KR" altLang="en-US">
+                    <a:noFill/>
+                  </a:rPr>
+                  <a:t> </a:t>
+                </a:r>
+              </a:p>
+            </p:txBody>
+          </p:sp>
+        </mc:Fallback>
+      </mc:AlternateContent>
+      <p:cxnSp>
+        <p:nvCxnSpPr>
+          <p:cNvPr id="48" name="직선 화살표 연결선 47"/>
+          <p:cNvCxnSpPr/>
+          <p:nvPr/>
+        </p:nvCxnSpPr>
+        <p:spPr>
+          <a:xfrm flipV="1">
+            <a:off x="921402" y="1131574"/>
+            <a:ext cx="257292" cy="278078"/>
+          </a:xfrm>
+          <a:prstGeom prst="straightConnector1">
+            <a:avLst/>
+          </a:prstGeom>
+          <a:ln w="28575">
+            <a:solidFill>
+              <a:schemeClr val="tx1"/>
+            </a:solidFill>
+            <a:headEnd type="none" w="med" len="med"/>
+            <a:tailEnd type="none" w="med" len="med"/>
+          </a:ln>
+        </p:spPr>
+        <p:style>
+          <a:lnRef idx="1">
+            <a:schemeClr val="accent1"/>
+          </a:lnRef>
+          <a:fillRef idx="0">
+            <a:schemeClr val="accent1"/>
+          </a:fillRef>
+          <a:effectRef idx="0">
+            <a:schemeClr val="accent1"/>
+          </a:effectRef>
+          <a:fontRef idx="minor">
+            <a:schemeClr val="tx1"/>
+          </a:fontRef>
+        </p:style>
+      </p:cxnSp>
+      <mc:AlternateContent xmlns:mc="http://schemas.openxmlformats.org/markup-compatibility/2006">
+        <mc:Choice xmlns:a14="http://schemas.microsoft.com/office/drawing/2010/main" Requires="a14">
+          <p:sp>
+            <p:nvSpPr>
+              <p:cNvPr id="49" name="TextBox 48"/>
+              <p:cNvSpPr txBox="1"/>
+              <p:nvPr/>
+            </p:nvSpPr>
+            <p:spPr>
+              <a:xfrm>
+                <a:off x="1777029" y="993614"/>
+                <a:ext cx="313867" cy="276999"/>
+              </a:xfrm>
+              <a:prstGeom prst="rect">
+                <a:avLst/>
+              </a:prstGeom>
+              <a:noFill/>
+            </p:spPr>
+            <p:txBody>
+              <a:bodyPr wrap="none" lIns="0" tIns="0" rIns="0" bIns="0" rtlCol="0">
+                <a:spAutoFit/>
+              </a:bodyPr>
+              <a:lstStyle/>
+              <a:p>
+                <a:pPr/>
+                <a14:m>
+                  <m:oMathPara xmlns:m="http://schemas.openxmlformats.org/officeDocument/2006/math">
+                    <m:oMathParaPr>
+                      <m:jc m:val="centerGroup"/>
+                    </m:oMathParaPr>
+                    <m:oMath xmlns:m="http://schemas.openxmlformats.org/officeDocument/2006/math">
+                      <m:sSub>
+                        <m:sSubPr>
+                          <m:ctrlPr>
+                            <a:rPr lang="en-US" altLang="ko-KR" b="0" i="1" smtClean="0">
+                              <a:latin typeface="Cambria Math" panose="02040503050406030204" pitchFamily="18" charset="0"/>
+                            </a:rPr>
+                          </m:ctrlPr>
+                        </m:sSubPr>
+                        <m:e>
+                          <m:r>
+                            <a:rPr lang="en-US" altLang="ko-KR" b="0" i="1" smtClean="0">
+                              <a:latin typeface="Cambria Math" panose="02040503050406030204" pitchFamily="18" charset="0"/>
+                            </a:rPr>
+                            <m:t>𝛽</m:t>
+                          </m:r>
+                        </m:e>
+                        <m:sub>
+                          <m:r>
+                            <a:rPr lang="en-US" altLang="ko-KR" b="0" i="1" smtClean="0">
+                              <a:latin typeface="Cambria Math" panose="02040503050406030204" pitchFamily="18" charset="0"/>
+                            </a:rPr>
+                            <m:t>2</m:t>
+                          </m:r>
+                        </m:sub>
+                      </m:sSub>
+                    </m:oMath>
+                  </m:oMathPara>
+                </a14:m>
+                <a:endParaRPr lang="ko-KR" altLang="en-US" dirty="0"/>
+              </a:p>
+            </p:txBody>
+          </p:sp>
+        </mc:Choice>
+        <mc:Fallback>
+          <p:sp>
+            <p:nvSpPr>
+              <p:cNvPr id="49" name="TextBox 48"/>
+              <p:cNvSpPr txBox="1">
+                <a:spLocks noRot="1" noChangeAspect="1" noMove="1" noResize="1" noEditPoints="1" noAdjustHandles="1" noChangeArrowheads="1" noChangeShapeType="1" noTextEdit="1"/>
+              </p:cNvSpPr>
+              <p:nvPr/>
+            </p:nvSpPr>
+            <p:spPr>
+              <a:xfrm>
+                <a:off x="1777029" y="993614"/>
+                <a:ext cx="313867" cy="276999"/>
+              </a:xfrm>
+              <a:prstGeom prst="rect">
+                <a:avLst/>
+              </a:prstGeom>
+              <a:blipFill rotWithShape="0">
+                <a:blip r:embed="rId13"/>
+                <a:stretch>
+                  <a:fillRect l="-21569" r="-3922" b="-40000"/>
+                </a:stretch>
+              </a:blipFill>
+            </p:spPr>
+            <p:txBody>
+              <a:bodyPr/>
+              <a:lstStyle/>
+              <a:p>
+                <a:r>
+                  <a:rPr lang="ko-KR" altLang="en-US">
+                    <a:noFill/>
+                  </a:rPr>
+                  <a:t> </a:t>
+                </a:r>
+              </a:p>
+            </p:txBody>
+          </p:sp>
+        </mc:Fallback>
+      </mc:AlternateContent>
+      <p:grpSp>
+        <p:nvGrpSpPr>
+          <p:cNvPr id="15" name="그룹 14"/>
+          <p:cNvGrpSpPr/>
+          <p:nvPr/>
+        </p:nvGrpSpPr>
+        <p:grpSpPr>
+          <a:xfrm>
+            <a:off x="3566022" y="405750"/>
+            <a:ext cx="1640993" cy="1250844"/>
+            <a:chOff x="2177208" y="716923"/>
+            <a:chExt cx="1640993" cy="1250844"/>
+          </a:xfrm>
+        </p:grpSpPr>
+        <p:grpSp>
+          <p:nvGrpSpPr>
+            <p:cNvPr id="13" name="그룹 12"/>
+            <p:cNvGrpSpPr/>
+            <p:nvPr/>
+          </p:nvGrpSpPr>
+          <p:grpSpPr>
+            <a:xfrm>
+              <a:off x="2595409" y="882181"/>
+              <a:ext cx="744691" cy="833353"/>
+              <a:chOff x="2691590" y="800099"/>
+              <a:chExt cx="744691" cy="833353"/>
+            </a:xfrm>
+          </p:grpSpPr>
+          <p:cxnSp>
+            <p:nvCxnSpPr>
+              <p:cNvPr id="50" name="직선 화살표 연결선 49"/>
+              <p:cNvCxnSpPr/>
+              <p:nvPr/>
+            </p:nvCxnSpPr>
+            <p:spPr>
+              <a:xfrm flipH="1">
+                <a:off x="2691590" y="1270613"/>
+                <a:ext cx="267511" cy="362839"/>
+              </a:xfrm>
+              <a:prstGeom prst="straightConnector1">
+                <a:avLst/>
+              </a:prstGeom>
+              <a:ln w="28575">
+                <a:solidFill>
+                  <a:schemeClr val="tx1"/>
+                </a:solidFill>
+                <a:headEnd w="lg" len="lg"/>
+                <a:tailEnd type="triangle" w="lg" len="lg"/>
+              </a:ln>
+            </p:spPr>
+            <p:style>
+              <a:lnRef idx="1">
+                <a:schemeClr val="accent1"/>
+              </a:lnRef>
+              <a:fillRef idx="0">
+                <a:schemeClr val="accent1"/>
+              </a:fillRef>
+              <a:effectRef idx="0">
+                <a:schemeClr val="accent1"/>
+              </a:effectRef>
+              <a:fontRef idx="minor">
+                <a:schemeClr val="tx1"/>
+              </a:fontRef>
+            </p:style>
+          </p:cxnSp>
+          <p:cxnSp>
+            <p:nvCxnSpPr>
+              <p:cNvPr id="51" name="직선 화살표 연결선 50"/>
+              <p:cNvCxnSpPr/>
+              <p:nvPr/>
+            </p:nvCxnSpPr>
+            <p:spPr>
+              <a:xfrm flipV="1">
+                <a:off x="2948690" y="1276818"/>
+                <a:ext cx="487591" cy="7930"/>
+              </a:xfrm>
+              <a:prstGeom prst="straightConnector1">
+                <a:avLst/>
+              </a:prstGeom>
+              <a:ln w="28575">
+                <a:solidFill>
+                  <a:schemeClr val="tx1"/>
+                </a:solidFill>
+                <a:headEnd w="lg" len="lg"/>
+                <a:tailEnd type="triangle" w="lg" len="lg"/>
+              </a:ln>
+            </p:spPr>
+            <p:style>
+              <a:lnRef idx="1">
+                <a:schemeClr val="accent1"/>
+              </a:lnRef>
+              <a:fillRef idx="0">
+                <a:schemeClr val="accent1"/>
+              </a:fillRef>
+              <a:effectRef idx="0">
+                <a:schemeClr val="accent1"/>
+              </a:effectRef>
+              <a:fontRef idx="minor">
+                <a:schemeClr val="tx1"/>
+              </a:fontRef>
+            </p:style>
+          </p:cxnSp>
+          <p:cxnSp>
+            <p:nvCxnSpPr>
+              <p:cNvPr id="52" name="직선 화살표 연결선 51"/>
+              <p:cNvCxnSpPr/>
+              <p:nvPr/>
+            </p:nvCxnSpPr>
+            <p:spPr>
+              <a:xfrm flipH="1" flipV="1">
+                <a:off x="2946400" y="800099"/>
+                <a:ext cx="0" cy="504000"/>
+              </a:xfrm>
+              <a:prstGeom prst="straightConnector1">
+                <a:avLst/>
+              </a:prstGeom>
+              <a:ln w="28575">
+                <a:solidFill>
+                  <a:schemeClr val="tx1"/>
+                </a:solidFill>
+                <a:headEnd w="lg" len="lg"/>
+                <a:tailEnd type="triangle" w="lg" len="lg"/>
+              </a:ln>
+            </p:spPr>
+            <p:style>
+              <a:lnRef idx="1">
+                <a:schemeClr val="accent1"/>
+              </a:lnRef>
+              <a:fillRef idx="0">
+                <a:schemeClr val="accent1"/>
+              </a:fillRef>
+              <a:effectRef idx="0">
+                <a:schemeClr val="accent1"/>
+              </a:effectRef>
+              <a:fontRef idx="minor">
+                <a:schemeClr val="tx1"/>
+              </a:fontRef>
+            </p:style>
+          </p:cxnSp>
+        </p:grpSp>
+        <mc:AlternateContent xmlns:mc="http://schemas.openxmlformats.org/markup-compatibility/2006">
+          <mc:Choice xmlns:a14="http://schemas.microsoft.com/office/drawing/2010/main" Requires="a14">
+            <p:sp>
+              <p:nvSpPr>
+                <p:cNvPr id="14" name="직사각형 13"/>
+                <p:cNvSpPr/>
+                <p:nvPr/>
+              </p:nvSpPr>
+              <p:spPr>
+                <a:xfrm>
+                  <a:off x="2177208" y="1594716"/>
+                  <a:ext cx="521938" cy="373051"/>
+                </a:xfrm>
+                <a:prstGeom prst="rect">
+                  <a:avLst/>
+                </a:prstGeom>
+              </p:spPr>
+              <p:txBody>
+                <a:bodyPr wrap="none">
+                  <a:spAutoFit/>
+                </a:bodyPr>
+                <a:lstStyle/>
+                <a:p>
+                  <a14:m>
+                    <m:oMathPara xmlns:m="http://schemas.openxmlformats.org/officeDocument/2006/math">
+                      <m:oMathParaPr>
+                        <m:jc m:val="centerGroup"/>
+                      </m:oMathParaPr>
+                      <m:oMath xmlns:m="http://schemas.openxmlformats.org/officeDocument/2006/math">
+                        <m:sSubSup>
+                          <m:sSubSupPr>
+                            <m:ctrlPr>
+                              <a:rPr lang="en-US" altLang="ko-KR" i="1" smtClean="0">
+                                <a:latin typeface="Cambria Math" panose="02040503050406030204" pitchFamily="18" charset="0"/>
+                              </a:rPr>
+                            </m:ctrlPr>
+                          </m:sSubSupPr>
+                          <m:e>
+                            <m:r>
+                              <a:rPr lang="en-US" altLang="ko-KR" b="0" i="1" smtClean="0">
+                                <a:latin typeface="Cambria Math" panose="02040503050406030204" pitchFamily="18" charset="0"/>
+                              </a:rPr>
+                              <m:t>𝑇</m:t>
+                            </m:r>
+                          </m:e>
+                          <m:sub>
+                            <m:r>
+                              <a:rPr lang="en-US" altLang="ko-KR" b="0" i="1" smtClean="0">
+                                <a:latin typeface="Cambria Math" panose="02040503050406030204" pitchFamily="18" charset="0"/>
+                              </a:rPr>
+                              <m:t>3</m:t>
+                            </m:r>
+                          </m:sub>
+                          <m:sup>
+                            <m:r>
+                              <a:rPr lang="en-US" altLang="ko-KR" b="0" i="1" smtClean="0">
+                                <a:latin typeface="Cambria Math" panose="02040503050406030204" pitchFamily="18" charset="0"/>
+                              </a:rPr>
+                              <m:t>1</m:t>
+                            </m:r>
+                          </m:sup>
+                        </m:sSubSup>
+                      </m:oMath>
+                    </m:oMathPara>
+                  </a14:m>
+                  <a:endParaRPr lang="ko-KR" altLang="en-US"/>
+                </a:p>
+              </p:txBody>
+            </p:sp>
+          </mc:Choice>
+          <mc:Fallback>
+            <p:sp>
+              <p:nvSpPr>
+                <p:cNvPr id="14" name="직사각형 13"/>
+                <p:cNvSpPr>
+                  <a:spLocks noRot="1" noChangeAspect="1" noMove="1" noResize="1" noEditPoints="1" noAdjustHandles="1" noChangeArrowheads="1" noChangeShapeType="1" noTextEdit="1"/>
+                </p:cNvSpPr>
+                <p:nvPr/>
+              </p:nvSpPr>
+              <p:spPr>
+                <a:xfrm>
+                  <a:off x="2177208" y="1594716"/>
+                  <a:ext cx="521938" cy="373051"/>
+                </a:xfrm>
+                <a:prstGeom prst="rect">
+                  <a:avLst/>
+                </a:prstGeom>
+                <a:blipFill rotWithShape="0">
+                  <a:blip r:embed="rId14"/>
+                  <a:stretch>
+                    <a:fillRect b="-3279"/>
+                  </a:stretch>
+                </a:blipFill>
+              </p:spPr>
+              <p:txBody>
+                <a:bodyPr/>
+                <a:lstStyle/>
+                <a:p>
+                  <a:r>
+                    <a:rPr lang="ko-KR" altLang="en-US">
+                      <a:noFill/>
+                    </a:rPr>
+                    <a:t> </a:t>
+                  </a:r>
+                </a:p>
+              </p:txBody>
+            </p:sp>
+          </mc:Fallback>
+        </mc:AlternateContent>
+        <mc:AlternateContent xmlns:mc="http://schemas.openxmlformats.org/markup-compatibility/2006">
+          <mc:Choice xmlns:a14="http://schemas.microsoft.com/office/drawing/2010/main" Requires="a14">
+            <p:sp>
+              <p:nvSpPr>
+                <p:cNvPr id="54" name="직사각형 53"/>
+                <p:cNvSpPr/>
+                <p:nvPr/>
+              </p:nvSpPr>
+              <p:spPr>
+                <a:xfrm>
+                  <a:off x="3296263" y="1176339"/>
+                  <a:ext cx="521938" cy="373051"/>
+                </a:xfrm>
+                <a:prstGeom prst="rect">
+                  <a:avLst/>
+                </a:prstGeom>
+              </p:spPr>
+              <p:txBody>
+                <a:bodyPr wrap="none">
+                  <a:spAutoFit/>
+                </a:bodyPr>
+                <a:lstStyle/>
+                <a:p>
+                  <a14:m>
+                    <m:oMathPara xmlns:m="http://schemas.openxmlformats.org/officeDocument/2006/math">
+                      <m:oMathParaPr>
+                        <m:jc m:val="centerGroup"/>
+                      </m:oMathParaPr>
+                      <m:oMath xmlns:m="http://schemas.openxmlformats.org/officeDocument/2006/math">
+                        <m:sSubSup>
+                          <m:sSubSupPr>
+                            <m:ctrlPr>
+                              <a:rPr lang="en-US" altLang="ko-KR" i="1" smtClean="0">
+                                <a:latin typeface="Cambria Math" panose="02040503050406030204" pitchFamily="18" charset="0"/>
+                              </a:rPr>
+                            </m:ctrlPr>
+                          </m:sSubSupPr>
+                          <m:e>
+                            <m:r>
+                              <a:rPr lang="en-US" altLang="ko-KR" b="0" i="1" smtClean="0">
+                                <a:latin typeface="Cambria Math" panose="02040503050406030204" pitchFamily="18" charset="0"/>
+                              </a:rPr>
+                              <m:t>𝑇</m:t>
+                            </m:r>
+                          </m:e>
+                          <m:sub>
+                            <m:r>
+                              <a:rPr lang="en-US" altLang="ko-KR" b="0" i="1" smtClean="0">
+                                <a:latin typeface="Cambria Math" panose="02040503050406030204" pitchFamily="18" charset="0"/>
+                              </a:rPr>
+                              <m:t>3</m:t>
+                            </m:r>
+                          </m:sub>
+                          <m:sup>
+                            <m:r>
+                              <a:rPr lang="en-US" altLang="ko-KR" b="0" i="1" smtClean="0">
+                                <a:latin typeface="Cambria Math" panose="02040503050406030204" pitchFamily="18" charset="0"/>
+                              </a:rPr>
+                              <m:t>2</m:t>
+                            </m:r>
+                          </m:sup>
+                        </m:sSubSup>
+                      </m:oMath>
+                    </m:oMathPara>
+                  </a14:m>
+                  <a:endParaRPr lang="ko-KR" altLang="en-US"/>
+                </a:p>
+              </p:txBody>
+            </p:sp>
+          </mc:Choice>
+          <mc:Fallback>
+            <p:sp>
+              <p:nvSpPr>
+                <p:cNvPr id="54" name="직사각형 53"/>
+                <p:cNvSpPr>
+                  <a:spLocks noRot="1" noChangeAspect="1" noMove="1" noResize="1" noEditPoints="1" noAdjustHandles="1" noChangeArrowheads="1" noChangeShapeType="1" noTextEdit="1"/>
+                </p:cNvSpPr>
+                <p:nvPr/>
+              </p:nvSpPr>
+              <p:spPr>
+                <a:xfrm>
+                  <a:off x="3296263" y="1176339"/>
+                  <a:ext cx="521938" cy="373051"/>
+                </a:xfrm>
+                <a:prstGeom prst="rect">
+                  <a:avLst/>
+                </a:prstGeom>
+                <a:blipFill rotWithShape="0">
+                  <a:blip r:embed="rId15"/>
+                  <a:stretch>
+                    <a:fillRect b="-3279"/>
+                  </a:stretch>
+                </a:blipFill>
+              </p:spPr>
+              <p:txBody>
+                <a:bodyPr/>
+                <a:lstStyle/>
+                <a:p>
+                  <a:r>
+                    <a:rPr lang="ko-KR" altLang="en-US">
+                      <a:noFill/>
+                    </a:rPr>
+                    <a:t> </a:t>
+                  </a:r>
+                </a:p>
+              </p:txBody>
+            </p:sp>
+          </mc:Fallback>
+        </mc:AlternateContent>
+        <mc:AlternateContent xmlns:mc="http://schemas.openxmlformats.org/markup-compatibility/2006">
+          <mc:Choice xmlns:a14="http://schemas.microsoft.com/office/drawing/2010/main" Requires="a14">
+            <p:sp>
+              <p:nvSpPr>
+                <p:cNvPr id="55" name="직사각형 54"/>
+                <p:cNvSpPr/>
+                <p:nvPr/>
+              </p:nvSpPr>
+              <p:spPr>
+                <a:xfrm>
+                  <a:off x="2296729" y="716923"/>
+                  <a:ext cx="521938" cy="373051"/>
+                </a:xfrm>
+                <a:prstGeom prst="rect">
+                  <a:avLst/>
+                </a:prstGeom>
+              </p:spPr>
+              <p:txBody>
+                <a:bodyPr wrap="none">
+                  <a:spAutoFit/>
+                </a:bodyPr>
+                <a:lstStyle/>
+                <a:p>
+                  <a14:m>
+                    <m:oMathPara xmlns:m="http://schemas.openxmlformats.org/officeDocument/2006/math">
+                      <m:oMathParaPr>
+                        <m:jc m:val="centerGroup"/>
+                      </m:oMathParaPr>
+                      <m:oMath xmlns:m="http://schemas.openxmlformats.org/officeDocument/2006/math">
+                        <m:sSubSup>
+                          <m:sSubSupPr>
+                            <m:ctrlPr>
+                              <a:rPr lang="en-US" altLang="ko-KR" i="1" smtClean="0">
+                                <a:latin typeface="Cambria Math" panose="02040503050406030204" pitchFamily="18" charset="0"/>
+                              </a:rPr>
+                            </m:ctrlPr>
+                          </m:sSubSupPr>
+                          <m:e>
+                            <m:r>
+                              <a:rPr lang="en-US" altLang="ko-KR" b="0" i="1" smtClean="0">
+                                <a:latin typeface="Cambria Math" panose="02040503050406030204" pitchFamily="18" charset="0"/>
+                              </a:rPr>
+                              <m:t>𝑇</m:t>
+                            </m:r>
+                          </m:e>
+                          <m:sub>
+                            <m:r>
+                              <a:rPr lang="en-US" altLang="ko-KR" b="0" i="1" smtClean="0">
+                                <a:latin typeface="Cambria Math" panose="02040503050406030204" pitchFamily="18" charset="0"/>
+                              </a:rPr>
+                              <m:t>3</m:t>
+                            </m:r>
+                          </m:sub>
+                          <m:sup>
+                            <m:r>
+                              <a:rPr lang="en-US" altLang="ko-KR" b="0" i="1" smtClean="0">
+                                <a:latin typeface="Cambria Math" panose="02040503050406030204" pitchFamily="18" charset="0"/>
+                              </a:rPr>
+                              <m:t>3</m:t>
+                            </m:r>
+                          </m:sup>
+                        </m:sSubSup>
+                      </m:oMath>
+                    </m:oMathPara>
+                  </a14:m>
+                  <a:endParaRPr lang="ko-KR" altLang="en-US"/>
+                </a:p>
+              </p:txBody>
+            </p:sp>
+          </mc:Choice>
+          <mc:Fallback>
+            <p:sp>
+              <p:nvSpPr>
+                <p:cNvPr id="55" name="직사각형 54"/>
+                <p:cNvSpPr>
+                  <a:spLocks noRot="1" noChangeAspect="1" noMove="1" noResize="1" noEditPoints="1" noAdjustHandles="1" noChangeArrowheads="1" noChangeShapeType="1" noTextEdit="1"/>
+                </p:cNvSpPr>
+                <p:nvPr/>
+              </p:nvSpPr>
+              <p:spPr>
+                <a:xfrm>
+                  <a:off x="2296729" y="716923"/>
+                  <a:ext cx="521938" cy="373051"/>
+                </a:xfrm>
+                <a:prstGeom prst="rect">
+                  <a:avLst/>
+                </a:prstGeom>
+                <a:blipFill rotWithShape="0">
+                  <a:blip r:embed="rId16"/>
+                  <a:stretch>
+                    <a:fillRect b="-3279"/>
+                  </a:stretch>
+                </a:blipFill>
+              </p:spPr>
+              <p:txBody>
+                <a:bodyPr/>
+                <a:lstStyle/>
+                <a:p>
+                  <a:r>
+                    <a:rPr lang="ko-KR" altLang="en-US">
+                      <a:noFill/>
+                    </a:rPr>
+                    <a:t> </a:t>
+                  </a:r>
+                </a:p>
+              </p:txBody>
+            </p:sp>
+          </mc:Fallback>
+        </mc:AlternateContent>
+      </p:grpSp>
+      <p:grpSp>
+        <p:nvGrpSpPr>
+          <p:cNvPr id="66" name="그룹 65"/>
+          <p:cNvGrpSpPr/>
+          <p:nvPr/>
+        </p:nvGrpSpPr>
+        <p:grpSpPr>
+          <a:xfrm>
+            <a:off x="5351875" y="1569182"/>
+            <a:ext cx="1262291" cy="1441621"/>
+            <a:chOff x="2595409" y="586002"/>
+            <a:chExt cx="1262291" cy="1441621"/>
+          </a:xfrm>
+        </p:grpSpPr>
+        <p:grpSp>
+          <p:nvGrpSpPr>
+            <p:cNvPr id="67" name="그룹 66"/>
+            <p:cNvGrpSpPr/>
+            <p:nvPr/>
+          </p:nvGrpSpPr>
+          <p:grpSpPr>
+            <a:xfrm>
+              <a:off x="2595409" y="882181"/>
+              <a:ext cx="813619" cy="833353"/>
+              <a:chOff x="2691590" y="800099"/>
+              <a:chExt cx="813619" cy="833353"/>
+            </a:xfrm>
+          </p:grpSpPr>
+          <p:cxnSp>
+            <p:nvCxnSpPr>
+              <p:cNvPr id="71" name="직선 화살표 연결선 70"/>
+              <p:cNvCxnSpPr/>
+              <p:nvPr/>
+            </p:nvCxnSpPr>
+            <p:spPr>
+              <a:xfrm flipH="1">
+                <a:off x="2691590" y="1270613"/>
+                <a:ext cx="267511" cy="362839"/>
+              </a:xfrm>
+              <a:prstGeom prst="straightConnector1">
+                <a:avLst/>
+              </a:prstGeom>
+              <a:ln w="28575">
+                <a:solidFill>
+                  <a:schemeClr val="tx1"/>
+                </a:solidFill>
+                <a:headEnd w="lg" len="lg"/>
+                <a:tailEnd type="triangle" w="lg" len="lg"/>
+              </a:ln>
+            </p:spPr>
+            <p:style>
+              <a:lnRef idx="1">
+                <a:schemeClr val="accent1"/>
+              </a:lnRef>
+              <a:fillRef idx="0">
+                <a:schemeClr val="accent1"/>
+              </a:fillRef>
+              <a:effectRef idx="0">
+                <a:schemeClr val="accent1"/>
+              </a:effectRef>
+              <a:fontRef idx="minor">
+                <a:schemeClr val="tx1"/>
+              </a:fontRef>
+            </p:style>
+          </p:cxnSp>
+          <p:cxnSp>
+            <p:nvCxnSpPr>
+              <p:cNvPr id="72" name="직선 화살표 연결선 71"/>
+              <p:cNvCxnSpPr/>
+              <p:nvPr/>
+            </p:nvCxnSpPr>
+            <p:spPr>
+              <a:xfrm>
+                <a:off x="2948690" y="1284748"/>
+                <a:ext cx="556519" cy="254"/>
+              </a:xfrm>
+              <a:prstGeom prst="straightConnector1">
+                <a:avLst/>
+              </a:prstGeom>
+              <a:ln w="28575">
+                <a:solidFill>
+                  <a:schemeClr val="tx1"/>
+                </a:solidFill>
+                <a:headEnd w="lg" len="lg"/>
+                <a:tailEnd type="triangle" w="lg" len="lg"/>
+              </a:ln>
+            </p:spPr>
+            <p:style>
+              <a:lnRef idx="1">
+                <a:schemeClr val="accent1"/>
+              </a:lnRef>
+              <a:fillRef idx="0">
+                <a:schemeClr val="accent1"/>
+              </a:fillRef>
+              <a:effectRef idx="0">
+                <a:schemeClr val="accent1"/>
+              </a:effectRef>
+              <a:fontRef idx="minor">
+                <a:schemeClr val="tx1"/>
+              </a:fontRef>
+            </p:style>
+          </p:cxnSp>
+          <p:cxnSp>
+            <p:nvCxnSpPr>
+              <p:cNvPr id="73" name="직선 화살표 연결선 72"/>
+              <p:cNvCxnSpPr/>
+              <p:nvPr/>
+            </p:nvCxnSpPr>
+            <p:spPr>
+              <a:xfrm flipH="1" flipV="1">
+                <a:off x="2946400" y="800099"/>
+                <a:ext cx="0" cy="504000"/>
+              </a:xfrm>
+              <a:prstGeom prst="straightConnector1">
+                <a:avLst/>
+              </a:prstGeom>
+              <a:ln w="28575">
+                <a:solidFill>
+                  <a:schemeClr val="tx1"/>
+                </a:solidFill>
+                <a:headEnd w="lg" len="lg"/>
+                <a:tailEnd type="triangle" w="lg" len="lg"/>
+              </a:ln>
+            </p:spPr>
+            <p:style>
+              <a:lnRef idx="1">
+                <a:schemeClr val="accent1"/>
+              </a:lnRef>
+              <a:fillRef idx="0">
+                <a:schemeClr val="accent1"/>
+              </a:fillRef>
+              <a:effectRef idx="0">
+                <a:schemeClr val="accent1"/>
+              </a:effectRef>
+              <a:fontRef idx="minor">
+                <a:schemeClr val="tx1"/>
+              </a:fontRef>
+            </p:style>
+          </p:cxnSp>
+        </p:grpSp>
+        <mc:AlternateContent xmlns:mc="http://schemas.openxmlformats.org/markup-compatibility/2006">
+          <mc:Choice xmlns:a14="http://schemas.microsoft.com/office/drawing/2010/main" Requires="a14">
+            <p:sp>
+              <p:nvSpPr>
+                <p:cNvPr id="68" name="직사각형 67"/>
+                <p:cNvSpPr/>
+                <p:nvPr/>
+              </p:nvSpPr>
+              <p:spPr>
+                <a:xfrm>
+                  <a:off x="2657908" y="1654572"/>
+                  <a:ext cx="521938" cy="373051"/>
+                </a:xfrm>
+                <a:prstGeom prst="rect">
+                  <a:avLst/>
+                </a:prstGeom>
+              </p:spPr>
+              <p:txBody>
+                <a:bodyPr wrap="none">
+                  <a:spAutoFit/>
+                </a:bodyPr>
+                <a:lstStyle/>
+                <a:p>
+                  <a14:m>
+                    <m:oMathPara xmlns:m="http://schemas.openxmlformats.org/officeDocument/2006/math">
+                      <m:oMathParaPr>
+                        <m:jc m:val="centerGroup"/>
+                      </m:oMathParaPr>
+                      <m:oMath xmlns:m="http://schemas.openxmlformats.org/officeDocument/2006/math">
+                        <m:sSubSup>
+                          <m:sSubSupPr>
+                            <m:ctrlPr>
+                              <a:rPr lang="en-US" altLang="ko-KR" i="1" smtClean="0">
+                                <a:latin typeface="Cambria Math" panose="02040503050406030204" pitchFamily="18" charset="0"/>
+                              </a:rPr>
+                            </m:ctrlPr>
+                          </m:sSubSupPr>
+                          <m:e>
+                            <m:r>
+                              <a:rPr lang="en-US" altLang="ko-KR" b="0" i="1" smtClean="0">
+                                <a:latin typeface="Cambria Math" panose="02040503050406030204" pitchFamily="18" charset="0"/>
+                              </a:rPr>
+                              <m:t>𝑇</m:t>
+                            </m:r>
+                          </m:e>
+                          <m:sub>
+                            <m:r>
+                              <a:rPr lang="en-US" altLang="ko-KR" b="0" i="1" smtClean="0">
+                                <a:latin typeface="Cambria Math" panose="02040503050406030204" pitchFamily="18" charset="0"/>
+                              </a:rPr>
+                              <m:t>2</m:t>
+                            </m:r>
+                          </m:sub>
+                          <m:sup>
+                            <m:r>
+                              <a:rPr lang="en-US" altLang="ko-KR" b="0" i="1" smtClean="0">
+                                <a:latin typeface="Cambria Math" panose="02040503050406030204" pitchFamily="18" charset="0"/>
+                              </a:rPr>
+                              <m:t>1</m:t>
+                            </m:r>
+                          </m:sup>
+                        </m:sSubSup>
+                      </m:oMath>
+                    </m:oMathPara>
+                  </a14:m>
+                  <a:endParaRPr lang="ko-KR" altLang="en-US"/>
+                </a:p>
+              </p:txBody>
+            </p:sp>
+          </mc:Choice>
+          <mc:Fallback>
+            <p:sp>
+              <p:nvSpPr>
+                <p:cNvPr id="68" name="직사각형 67"/>
+                <p:cNvSpPr>
+                  <a:spLocks noRot="1" noChangeAspect="1" noMove="1" noResize="1" noEditPoints="1" noAdjustHandles="1" noChangeArrowheads="1" noChangeShapeType="1" noTextEdit="1"/>
+                </p:cNvSpPr>
+                <p:nvPr/>
+              </p:nvSpPr>
+              <p:spPr>
+                <a:xfrm>
+                  <a:off x="2657908" y="1654572"/>
+                  <a:ext cx="521938" cy="373051"/>
+                </a:xfrm>
+                <a:prstGeom prst="rect">
+                  <a:avLst/>
+                </a:prstGeom>
+                <a:blipFill rotWithShape="0">
+                  <a:blip r:embed="rId17"/>
+                  <a:stretch>
+                    <a:fillRect b="-3279"/>
+                  </a:stretch>
+                </a:blipFill>
+              </p:spPr>
+              <p:txBody>
+                <a:bodyPr/>
+                <a:lstStyle/>
+                <a:p>
+                  <a:r>
+                    <a:rPr lang="ko-KR" altLang="en-US">
+                      <a:noFill/>
+                    </a:rPr>
+                    <a:t> </a:t>
+                  </a:r>
+                </a:p>
+              </p:txBody>
+            </p:sp>
+          </mc:Fallback>
+        </mc:AlternateContent>
+        <mc:AlternateContent xmlns:mc="http://schemas.openxmlformats.org/markup-compatibility/2006">
+          <mc:Choice xmlns:a14="http://schemas.microsoft.com/office/drawing/2010/main" Requires="a14">
+            <p:sp>
+              <p:nvSpPr>
+                <p:cNvPr id="69" name="직사각형 68"/>
+                <p:cNvSpPr/>
+                <p:nvPr/>
+              </p:nvSpPr>
+              <p:spPr>
+                <a:xfrm>
+                  <a:off x="3335762" y="1211850"/>
+                  <a:ext cx="521938" cy="373051"/>
+                </a:xfrm>
+                <a:prstGeom prst="rect">
+                  <a:avLst/>
+                </a:prstGeom>
+              </p:spPr>
+              <p:txBody>
+                <a:bodyPr wrap="none">
+                  <a:spAutoFit/>
+                </a:bodyPr>
+                <a:lstStyle/>
+                <a:p>
+                  <a14:m>
+                    <m:oMathPara xmlns:m="http://schemas.openxmlformats.org/officeDocument/2006/math">
+                      <m:oMathParaPr>
+                        <m:jc m:val="centerGroup"/>
+                      </m:oMathParaPr>
+                      <m:oMath xmlns:m="http://schemas.openxmlformats.org/officeDocument/2006/math">
+                        <m:sSubSup>
+                          <m:sSubSupPr>
+                            <m:ctrlPr>
+                              <a:rPr lang="en-US" altLang="ko-KR" i="1" smtClean="0">
+                                <a:latin typeface="Cambria Math" panose="02040503050406030204" pitchFamily="18" charset="0"/>
+                              </a:rPr>
+                            </m:ctrlPr>
+                          </m:sSubSupPr>
+                          <m:e>
+                            <m:r>
+                              <a:rPr lang="en-US" altLang="ko-KR" b="0" i="1" smtClean="0">
+                                <a:latin typeface="Cambria Math" panose="02040503050406030204" pitchFamily="18" charset="0"/>
+                              </a:rPr>
+                              <m:t>𝑇</m:t>
+                            </m:r>
+                          </m:e>
+                          <m:sub>
+                            <m:r>
+                              <a:rPr lang="en-US" altLang="ko-KR" b="0" i="1" smtClean="0">
+                                <a:latin typeface="Cambria Math" panose="02040503050406030204" pitchFamily="18" charset="0"/>
+                              </a:rPr>
+                              <m:t>2</m:t>
+                            </m:r>
+                          </m:sub>
+                          <m:sup>
+                            <m:r>
+                              <a:rPr lang="en-US" altLang="ko-KR" b="0" i="1" smtClean="0">
+                                <a:latin typeface="Cambria Math" panose="02040503050406030204" pitchFamily="18" charset="0"/>
+                              </a:rPr>
+                              <m:t>2</m:t>
+                            </m:r>
+                          </m:sup>
+                        </m:sSubSup>
+                      </m:oMath>
+                    </m:oMathPara>
+                  </a14:m>
+                  <a:endParaRPr lang="ko-KR" altLang="en-US"/>
+                </a:p>
+              </p:txBody>
+            </p:sp>
+          </mc:Choice>
+          <mc:Fallback>
+            <p:sp>
+              <p:nvSpPr>
+                <p:cNvPr id="69" name="직사각형 68"/>
+                <p:cNvSpPr>
+                  <a:spLocks noRot="1" noChangeAspect="1" noMove="1" noResize="1" noEditPoints="1" noAdjustHandles="1" noChangeArrowheads="1" noChangeShapeType="1" noTextEdit="1"/>
+                </p:cNvSpPr>
+                <p:nvPr/>
+              </p:nvSpPr>
+              <p:spPr>
+                <a:xfrm>
+                  <a:off x="3335762" y="1211850"/>
+                  <a:ext cx="521938" cy="373051"/>
+                </a:xfrm>
+                <a:prstGeom prst="rect">
+                  <a:avLst/>
+                </a:prstGeom>
+                <a:blipFill rotWithShape="0">
+                  <a:blip r:embed="rId18"/>
+                  <a:stretch>
+                    <a:fillRect b="-3279"/>
+                  </a:stretch>
+                </a:blipFill>
+              </p:spPr>
+              <p:txBody>
+                <a:bodyPr/>
+                <a:lstStyle/>
+                <a:p>
+                  <a:r>
+                    <a:rPr lang="ko-KR" altLang="en-US">
+                      <a:noFill/>
+                    </a:rPr>
+                    <a:t> </a:t>
+                  </a:r>
+                </a:p>
+              </p:txBody>
+            </p:sp>
+          </mc:Fallback>
+        </mc:AlternateContent>
+        <mc:AlternateContent xmlns:mc="http://schemas.openxmlformats.org/markup-compatibility/2006">
+          <mc:Choice xmlns:a14="http://schemas.microsoft.com/office/drawing/2010/main" Requires="a14">
+            <p:sp>
+              <p:nvSpPr>
+                <p:cNvPr id="70" name="직사각형 69"/>
+                <p:cNvSpPr/>
+                <p:nvPr/>
+              </p:nvSpPr>
+              <p:spPr>
+                <a:xfrm>
+                  <a:off x="2918877" y="586002"/>
+                  <a:ext cx="521938" cy="373051"/>
+                </a:xfrm>
+                <a:prstGeom prst="rect">
+                  <a:avLst/>
+                </a:prstGeom>
+              </p:spPr>
+              <p:txBody>
+                <a:bodyPr wrap="none">
+                  <a:spAutoFit/>
+                </a:bodyPr>
+                <a:lstStyle/>
+                <a:p>
+                  <a14:m>
+                    <m:oMathPara xmlns:m="http://schemas.openxmlformats.org/officeDocument/2006/math">
+                      <m:oMathParaPr>
+                        <m:jc m:val="centerGroup"/>
+                      </m:oMathParaPr>
+                      <m:oMath xmlns:m="http://schemas.openxmlformats.org/officeDocument/2006/math">
+                        <m:sSubSup>
+                          <m:sSubSupPr>
+                            <m:ctrlPr>
+                              <a:rPr lang="en-US" altLang="ko-KR" i="1" smtClean="0">
+                                <a:latin typeface="Cambria Math" panose="02040503050406030204" pitchFamily="18" charset="0"/>
+                              </a:rPr>
+                            </m:ctrlPr>
+                          </m:sSubSupPr>
+                          <m:e>
+                            <m:r>
+                              <a:rPr lang="en-US" altLang="ko-KR" b="0" i="1" smtClean="0">
+                                <a:latin typeface="Cambria Math" panose="02040503050406030204" pitchFamily="18" charset="0"/>
+                              </a:rPr>
+                              <m:t>𝑇</m:t>
+                            </m:r>
+                          </m:e>
+                          <m:sub>
+                            <m:r>
+                              <a:rPr lang="en-US" altLang="ko-KR" b="0" i="1" smtClean="0">
+                                <a:latin typeface="Cambria Math" panose="02040503050406030204" pitchFamily="18" charset="0"/>
+                              </a:rPr>
+                              <m:t>2</m:t>
+                            </m:r>
+                          </m:sub>
+                          <m:sup>
+                            <m:r>
+                              <a:rPr lang="en-US" altLang="ko-KR" b="0" i="1" smtClean="0">
+                                <a:latin typeface="Cambria Math" panose="02040503050406030204" pitchFamily="18" charset="0"/>
+                              </a:rPr>
+                              <m:t>3</m:t>
+                            </m:r>
+                          </m:sup>
+                        </m:sSubSup>
+                      </m:oMath>
+                    </m:oMathPara>
+                  </a14:m>
+                  <a:endParaRPr lang="ko-KR" altLang="en-US"/>
+                </a:p>
+              </p:txBody>
+            </p:sp>
+          </mc:Choice>
+          <mc:Fallback>
+            <p:sp>
+              <p:nvSpPr>
+                <p:cNvPr id="70" name="직사각형 69"/>
+                <p:cNvSpPr>
+                  <a:spLocks noRot="1" noChangeAspect="1" noMove="1" noResize="1" noEditPoints="1" noAdjustHandles="1" noChangeArrowheads="1" noChangeShapeType="1" noTextEdit="1"/>
+                </p:cNvSpPr>
+                <p:nvPr/>
+              </p:nvSpPr>
+              <p:spPr>
+                <a:xfrm>
+                  <a:off x="2918877" y="586002"/>
+                  <a:ext cx="521938" cy="373051"/>
+                </a:xfrm>
+                <a:prstGeom prst="rect">
+                  <a:avLst/>
+                </a:prstGeom>
+                <a:blipFill rotWithShape="0">
+                  <a:blip r:embed="rId19"/>
+                  <a:stretch>
+                    <a:fillRect b="-1613"/>
+                  </a:stretch>
+                </a:blipFill>
+              </p:spPr>
+              <p:txBody>
+                <a:bodyPr/>
+                <a:lstStyle/>
+                <a:p>
+                  <a:r>
+                    <a:rPr lang="ko-KR" altLang="en-US">
+                      <a:noFill/>
+                    </a:rPr>
+                    <a:t> </a:t>
+                  </a:r>
+                </a:p>
+              </p:txBody>
+            </p:sp>
+          </mc:Fallback>
+        </mc:AlternateContent>
+      </p:grpSp>
+      <p:grpSp>
+        <p:nvGrpSpPr>
+          <p:cNvPr id="74" name="그룹 73"/>
+          <p:cNvGrpSpPr/>
+          <p:nvPr/>
+        </p:nvGrpSpPr>
+        <p:grpSpPr>
+          <a:xfrm>
+            <a:off x="3208631" y="2110311"/>
+            <a:ext cx="1601877" cy="1589332"/>
+            <a:chOff x="2255505" y="553779"/>
+            <a:chExt cx="1601877" cy="1589332"/>
+          </a:xfrm>
+        </p:grpSpPr>
+        <p:grpSp>
+          <p:nvGrpSpPr>
+            <p:cNvPr id="75" name="그룹 74"/>
+            <p:cNvGrpSpPr/>
+            <p:nvPr/>
+          </p:nvGrpSpPr>
+          <p:grpSpPr>
+            <a:xfrm>
+              <a:off x="2595409" y="882181"/>
+              <a:ext cx="744691" cy="833353"/>
+              <a:chOff x="2691590" y="800099"/>
+              <a:chExt cx="744691" cy="833353"/>
+            </a:xfrm>
+          </p:grpSpPr>
+          <p:cxnSp>
+            <p:nvCxnSpPr>
+              <p:cNvPr id="79" name="직선 화살표 연결선 78"/>
+              <p:cNvCxnSpPr/>
+              <p:nvPr/>
+            </p:nvCxnSpPr>
+            <p:spPr>
+              <a:xfrm flipH="1">
+                <a:off x="2691590" y="1270613"/>
+                <a:ext cx="267511" cy="362839"/>
+              </a:xfrm>
+              <a:prstGeom prst="straightConnector1">
+                <a:avLst/>
+              </a:prstGeom>
+              <a:ln w="28575">
+                <a:solidFill>
+                  <a:schemeClr val="tx1"/>
+                </a:solidFill>
+                <a:headEnd w="lg" len="lg"/>
+                <a:tailEnd type="triangle" w="lg" len="lg"/>
+              </a:ln>
+            </p:spPr>
+            <p:style>
+              <a:lnRef idx="1">
+                <a:schemeClr val="accent1"/>
+              </a:lnRef>
+              <a:fillRef idx="0">
+                <a:schemeClr val="accent1"/>
+              </a:fillRef>
+              <a:effectRef idx="0">
+                <a:schemeClr val="accent1"/>
+              </a:effectRef>
+              <a:fontRef idx="minor">
+                <a:schemeClr val="tx1"/>
+              </a:fontRef>
+            </p:style>
+          </p:cxnSp>
+          <p:cxnSp>
+            <p:nvCxnSpPr>
+              <p:cNvPr id="80" name="직선 화살표 연결선 79"/>
+              <p:cNvCxnSpPr/>
+              <p:nvPr/>
+            </p:nvCxnSpPr>
+            <p:spPr>
+              <a:xfrm flipV="1">
+                <a:off x="2948690" y="1276818"/>
+                <a:ext cx="487591" cy="7930"/>
+              </a:xfrm>
+              <a:prstGeom prst="straightConnector1">
+                <a:avLst/>
+              </a:prstGeom>
+              <a:ln w="28575">
+                <a:solidFill>
+                  <a:schemeClr val="tx1"/>
+                </a:solidFill>
+                <a:headEnd w="lg" len="lg"/>
+                <a:tailEnd type="triangle" w="lg" len="lg"/>
+              </a:ln>
+            </p:spPr>
+            <p:style>
+              <a:lnRef idx="1">
+                <a:schemeClr val="accent1"/>
+              </a:lnRef>
+              <a:fillRef idx="0">
+                <a:schemeClr val="accent1"/>
+              </a:fillRef>
+              <a:effectRef idx="0">
+                <a:schemeClr val="accent1"/>
+              </a:effectRef>
+              <a:fontRef idx="minor">
+                <a:schemeClr val="tx1"/>
+              </a:fontRef>
+            </p:style>
+          </p:cxnSp>
+          <p:cxnSp>
+            <p:nvCxnSpPr>
+              <p:cNvPr id="81" name="직선 화살표 연결선 80"/>
+              <p:cNvCxnSpPr/>
+              <p:nvPr/>
+            </p:nvCxnSpPr>
+            <p:spPr>
+              <a:xfrm flipH="1" flipV="1">
+                <a:off x="2946400" y="800099"/>
+                <a:ext cx="0" cy="504000"/>
+              </a:xfrm>
+              <a:prstGeom prst="straightConnector1">
+                <a:avLst/>
+              </a:prstGeom>
+              <a:ln w="28575">
+                <a:solidFill>
+                  <a:schemeClr val="tx1"/>
+                </a:solidFill>
+                <a:headEnd w="lg" len="lg"/>
+                <a:tailEnd type="triangle" w="lg" len="lg"/>
+              </a:ln>
+            </p:spPr>
+            <p:style>
+              <a:lnRef idx="1">
+                <a:schemeClr val="accent1"/>
+              </a:lnRef>
+              <a:fillRef idx="0">
+                <a:schemeClr val="accent1"/>
+              </a:fillRef>
+              <a:effectRef idx="0">
+                <a:schemeClr val="accent1"/>
+              </a:effectRef>
+              <a:fontRef idx="minor">
+                <a:schemeClr val="tx1"/>
+              </a:fontRef>
+            </p:style>
+          </p:cxnSp>
+        </p:grpSp>
+        <mc:AlternateContent xmlns:mc="http://schemas.openxmlformats.org/markup-compatibility/2006">
+          <mc:Choice xmlns:a14="http://schemas.microsoft.com/office/drawing/2010/main" Requires="a14">
+            <p:sp>
+              <p:nvSpPr>
+                <p:cNvPr id="76" name="직사각형 75"/>
+                <p:cNvSpPr/>
+                <p:nvPr/>
+              </p:nvSpPr>
+              <p:spPr>
+                <a:xfrm>
+                  <a:off x="2255505" y="1770060"/>
+                  <a:ext cx="521938" cy="373051"/>
+                </a:xfrm>
+                <a:prstGeom prst="rect">
+                  <a:avLst/>
+                </a:prstGeom>
+              </p:spPr>
+              <p:txBody>
+                <a:bodyPr wrap="none">
+                  <a:spAutoFit/>
+                </a:bodyPr>
+                <a:lstStyle/>
+                <a:p>
+                  <a14:m>
+                    <m:oMathPara xmlns:m="http://schemas.openxmlformats.org/officeDocument/2006/math">
+                      <m:oMathParaPr>
+                        <m:jc m:val="centerGroup"/>
+                      </m:oMathParaPr>
+                      <m:oMath xmlns:m="http://schemas.openxmlformats.org/officeDocument/2006/math">
+                        <m:sSubSup>
+                          <m:sSubSupPr>
+                            <m:ctrlPr>
+                              <a:rPr lang="en-US" altLang="ko-KR" i="1" smtClean="0">
+                                <a:latin typeface="Cambria Math" panose="02040503050406030204" pitchFamily="18" charset="0"/>
+                              </a:rPr>
+                            </m:ctrlPr>
+                          </m:sSubSupPr>
+                          <m:e>
+                            <m:r>
+                              <a:rPr lang="en-US" altLang="ko-KR" b="0" i="1" smtClean="0">
+                                <a:latin typeface="Cambria Math" panose="02040503050406030204" pitchFamily="18" charset="0"/>
+                              </a:rPr>
+                              <m:t>𝑇</m:t>
+                            </m:r>
+                          </m:e>
+                          <m:sub>
+                            <m:r>
+                              <a:rPr lang="en-US" altLang="ko-KR" b="0" i="1" smtClean="0">
+                                <a:latin typeface="Cambria Math" panose="02040503050406030204" pitchFamily="18" charset="0"/>
+                              </a:rPr>
+                              <m:t>1</m:t>
+                            </m:r>
+                          </m:sub>
+                          <m:sup>
+                            <m:r>
+                              <a:rPr lang="en-US" altLang="ko-KR" b="0" i="1" smtClean="0">
+                                <a:latin typeface="Cambria Math" panose="02040503050406030204" pitchFamily="18" charset="0"/>
+                              </a:rPr>
+                              <m:t>1</m:t>
+                            </m:r>
+                          </m:sup>
+                        </m:sSubSup>
+                      </m:oMath>
+                    </m:oMathPara>
+                  </a14:m>
+                  <a:endParaRPr lang="ko-KR" altLang="en-US"/>
+                </a:p>
+              </p:txBody>
+            </p:sp>
+          </mc:Choice>
+          <mc:Fallback>
+            <p:sp>
+              <p:nvSpPr>
+                <p:cNvPr id="76" name="직사각형 75"/>
+                <p:cNvSpPr>
+                  <a:spLocks noRot="1" noChangeAspect="1" noMove="1" noResize="1" noEditPoints="1" noAdjustHandles="1" noChangeArrowheads="1" noChangeShapeType="1" noTextEdit="1"/>
+                </p:cNvSpPr>
+                <p:nvPr/>
+              </p:nvSpPr>
+              <p:spPr>
+                <a:xfrm>
+                  <a:off x="2255505" y="1770060"/>
+                  <a:ext cx="521938" cy="373051"/>
+                </a:xfrm>
+                <a:prstGeom prst="rect">
+                  <a:avLst/>
+                </a:prstGeom>
+                <a:blipFill rotWithShape="0">
+                  <a:blip r:embed="rId20"/>
+                  <a:stretch>
+                    <a:fillRect b="-3279"/>
+                  </a:stretch>
+                </a:blipFill>
+              </p:spPr>
+              <p:txBody>
+                <a:bodyPr/>
+                <a:lstStyle/>
+                <a:p>
+                  <a:r>
+                    <a:rPr lang="ko-KR" altLang="en-US">
+                      <a:noFill/>
+                    </a:rPr>
+                    <a:t> </a:t>
+                  </a:r>
+                </a:p>
+              </p:txBody>
+            </p:sp>
+          </mc:Fallback>
+        </mc:AlternateContent>
+        <mc:AlternateContent xmlns:mc="http://schemas.openxmlformats.org/markup-compatibility/2006">
+          <mc:Choice xmlns:a14="http://schemas.microsoft.com/office/drawing/2010/main" Requires="a14">
+            <p:sp>
+              <p:nvSpPr>
+                <p:cNvPr id="77" name="직사각형 76"/>
+                <p:cNvSpPr/>
+                <p:nvPr/>
+              </p:nvSpPr>
+              <p:spPr>
+                <a:xfrm>
+                  <a:off x="3335444" y="1134181"/>
+                  <a:ext cx="521938" cy="373051"/>
+                </a:xfrm>
+                <a:prstGeom prst="rect">
+                  <a:avLst/>
+                </a:prstGeom>
+              </p:spPr>
+              <p:txBody>
+                <a:bodyPr wrap="none">
+                  <a:spAutoFit/>
+                </a:bodyPr>
+                <a:lstStyle/>
+                <a:p>
+                  <a14:m>
+                    <m:oMathPara xmlns:m="http://schemas.openxmlformats.org/officeDocument/2006/math">
+                      <m:oMathParaPr>
+                        <m:jc m:val="centerGroup"/>
+                      </m:oMathParaPr>
+                      <m:oMath xmlns:m="http://schemas.openxmlformats.org/officeDocument/2006/math">
+                        <m:sSubSup>
+                          <m:sSubSupPr>
+                            <m:ctrlPr>
+                              <a:rPr lang="en-US" altLang="ko-KR" i="1" smtClean="0">
+                                <a:latin typeface="Cambria Math" panose="02040503050406030204" pitchFamily="18" charset="0"/>
+                              </a:rPr>
+                            </m:ctrlPr>
+                          </m:sSubSupPr>
+                          <m:e>
+                            <m:r>
+                              <a:rPr lang="en-US" altLang="ko-KR" b="0" i="1" smtClean="0">
+                                <a:latin typeface="Cambria Math" panose="02040503050406030204" pitchFamily="18" charset="0"/>
+                              </a:rPr>
+                              <m:t>𝑇</m:t>
+                            </m:r>
+                          </m:e>
+                          <m:sub>
+                            <m:r>
+                              <a:rPr lang="en-US" altLang="ko-KR" b="0" i="1" smtClean="0">
+                                <a:latin typeface="Cambria Math" panose="02040503050406030204" pitchFamily="18" charset="0"/>
+                              </a:rPr>
+                              <m:t>1</m:t>
+                            </m:r>
+                          </m:sub>
+                          <m:sup>
+                            <m:r>
+                              <a:rPr lang="en-US" altLang="ko-KR" b="0" i="1" smtClean="0">
+                                <a:latin typeface="Cambria Math" panose="02040503050406030204" pitchFamily="18" charset="0"/>
+                              </a:rPr>
+                              <m:t>2</m:t>
+                            </m:r>
+                          </m:sup>
+                        </m:sSubSup>
+                      </m:oMath>
+                    </m:oMathPara>
+                  </a14:m>
+                  <a:endParaRPr lang="ko-KR" altLang="en-US"/>
+                </a:p>
+              </p:txBody>
+            </p:sp>
+          </mc:Choice>
+          <mc:Fallback>
+            <p:sp>
+              <p:nvSpPr>
+                <p:cNvPr id="77" name="직사각형 76"/>
+                <p:cNvSpPr>
+                  <a:spLocks noRot="1" noChangeAspect="1" noMove="1" noResize="1" noEditPoints="1" noAdjustHandles="1" noChangeArrowheads="1" noChangeShapeType="1" noTextEdit="1"/>
+                </p:cNvSpPr>
+                <p:nvPr/>
+              </p:nvSpPr>
+              <p:spPr>
+                <a:xfrm>
+                  <a:off x="3335444" y="1134181"/>
+                  <a:ext cx="521938" cy="373051"/>
+                </a:xfrm>
+                <a:prstGeom prst="rect">
+                  <a:avLst/>
+                </a:prstGeom>
+                <a:blipFill rotWithShape="0">
+                  <a:blip r:embed="rId21"/>
+                  <a:stretch>
+                    <a:fillRect b="-1613"/>
+                  </a:stretch>
+                </a:blipFill>
+              </p:spPr>
+              <p:txBody>
+                <a:bodyPr/>
+                <a:lstStyle/>
+                <a:p>
+                  <a:r>
+                    <a:rPr lang="ko-KR" altLang="en-US">
+                      <a:noFill/>
+                    </a:rPr>
+                    <a:t> </a:t>
+                  </a:r>
+                </a:p>
+              </p:txBody>
+            </p:sp>
+          </mc:Fallback>
+        </mc:AlternateContent>
+        <mc:AlternateContent xmlns:mc="http://schemas.openxmlformats.org/markup-compatibility/2006">
+          <mc:Choice xmlns:a14="http://schemas.microsoft.com/office/drawing/2010/main" Requires="a14">
+            <p:sp>
+              <p:nvSpPr>
+                <p:cNvPr id="78" name="직사각형 77"/>
+                <p:cNvSpPr/>
+                <p:nvPr/>
+              </p:nvSpPr>
+              <p:spPr>
+                <a:xfrm>
+                  <a:off x="2768650" y="553779"/>
+                  <a:ext cx="521938" cy="373051"/>
+                </a:xfrm>
+                <a:prstGeom prst="rect">
+                  <a:avLst/>
+                </a:prstGeom>
+              </p:spPr>
+              <p:txBody>
+                <a:bodyPr wrap="none">
+                  <a:spAutoFit/>
+                </a:bodyPr>
+                <a:lstStyle/>
+                <a:p>
+                  <a14:m>
+                    <m:oMathPara xmlns:m="http://schemas.openxmlformats.org/officeDocument/2006/math">
+                      <m:oMathParaPr>
+                        <m:jc m:val="centerGroup"/>
+                      </m:oMathParaPr>
+                      <m:oMath xmlns:m="http://schemas.openxmlformats.org/officeDocument/2006/math">
+                        <m:sSubSup>
+                          <m:sSubSupPr>
+                            <m:ctrlPr>
+                              <a:rPr lang="en-US" altLang="ko-KR" i="1" smtClean="0">
+                                <a:latin typeface="Cambria Math" panose="02040503050406030204" pitchFamily="18" charset="0"/>
+                              </a:rPr>
+                            </m:ctrlPr>
+                          </m:sSubSupPr>
+                          <m:e>
+                            <m:r>
+                              <a:rPr lang="en-US" altLang="ko-KR" b="0" i="1" smtClean="0">
+                                <a:latin typeface="Cambria Math" panose="02040503050406030204" pitchFamily="18" charset="0"/>
+                              </a:rPr>
+                              <m:t>𝑇</m:t>
+                            </m:r>
+                          </m:e>
+                          <m:sub>
+                            <m:r>
+                              <a:rPr lang="en-US" altLang="ko-KR" b="0" i="1" smtClean="0">
+                                <a:latin typeface="Cambria Math" panose="02040503050406030204" pitchFamily="18" charset="0"/>
+                              </a:rPr>
+                              <m:t>1</m:t>
+                            </m:r>
+                          </m:sub>
+                          <m:sup>
+                            <m:r>
+                              <a:rPr lang="en-US" altLang="ko-KR" b="0" i="1" smtClean="0">
+                                <a:latin typeface="Cambria Math" panose="02040503050406030204" pitchFamily="18" charset="0"/>
+                              </a:rPr>
+                              <m:t>3</m:t>
+                            </m:r>
+                          </m:sup>
+                        </m:sSubSup>
+                      </m:oMath>
+                    </m:oMathPara>
+                  </a14:m>
+                  <a:endParaRPr lang="ko-KR" altLang="en-US"/>
+                </a:p>
+              </p:txBody>
+            </p:sp>
+          </mc:Choice>
+          <mc:Fallback>
+            <p:sp>
+              <p:nvSpPr>
+                <p:cNvPr id="78" name="직사각형 77"/>
+                <p:cNvSpPr>
+                  <a:spLocks noRot="1" noChangeAspect="1" noMove="1" noResize="1" noEditPoints="1" noAdjustHandles="1" noChangeArrowheads="1" noChangeShapeType="1" noTextEdit="1"/>
+                </p:cNvSpPr>
+                <p:nvPr/>
+              </p:nvSpPr>
+              <p:spPr>
+                <a:xfrm>
+                  <a:off x="2768650" y="553779"/>
+                  <a:ext cx="521938" cy="373051"/>
+                </a:xfrm>
+                <a:prstGeom prst="rect">
+                  <a:avLst/>
+                </a:prstGeom>
+                <a:blipFill rotWithShape="0">
+                  <a:blip r:embed="rId22"/>
+                  <a:stretch>
+                    <a:fillRect b="-3279"/>
+                  </a:stretch>
+                </a:blipFill>
+              </p:spPr>
+              <p:txBody>
+                <a:bodyPr/>
+                <a:lstStyle/>
+                <a:p>
+                  <a:r>
+                    <a:rPr lang="ko-KR" altLang="en-US">
+                      <a:noFill/>
+                    </a:rPr>
+                    <a:t> </a:t>
+                  </a:r>
+                </a:p>
+              </p:txBody>
+            </p:sp>
+          </mc:Fallback>
+        </mc:AlternateContent>
+      </p:grpSp>
     </p:spTree>
     <p:extLst>
       <p:ext uri="{BB962C8B-B14F-4D97-AF65-F5344CB8AC3E}">
@@ -37099,7 +38681,7 @@
 </p:sld>
 </file>
 
-<file path=ppt/slides/slide32.xml><?xml version="1.0" encoding="utf-8"?>
+<file path=ppt/slides/slide33.xml><?xml version="1.0" encoding="utf-8"?>
 <p:sld xmlns:a="http://schemas.openxmlformats.org/drawingml/2006/main" xmlns:r="http://schemas.openxmlformats.org/officeDocument/2006/relationships" xmlns:p="http://schemas.openxmlformats.org/presentationml/2006/main">
   <p:cSld>
     <p:spTree>
@@ -37559,7 +39141,7 @@
 </p:sld>
 </file>
 
-<file path=ppt/slides/slide33.xml><?xml version="1.0" encoding="utf-8"?>
+<file path=ppt/slides/slide34.xml><?xml version="1.0" encoding="utf-8"?>
 <p:sld xmlns:a="http://schemas.openxmlformats.org/drawingml/2006/main" xmlns:r="http://schemas.openxmlformats.org/officeDocument/2006/relationships" xmlns:p="http://schemas.openxmlformats.org/presentationml/2006/main">
   <p:cSld>
     <p:spTree>
@@ -37589,7 +39171,7 @@
 </p:sld>
 </file>
 
-<file path=ppt/slides/slide34.xml><?xml version="1.0" encoding="utf-8"?>
+<file path=ppt/slides/slide35.xml><?xml version="1.0" encoding="utf-8"?>
 <p:sld xmlns:a="http://schemas.openxmlformats.org/drawingml/2006/main" xmlns:r="http://schemas.openxmlformats.org/officeDocument/2006/relationships" xmlns:p="http://schemas.openxmlformats.org/presentationml/2006/main">
   <p:cSld>
     <p:spTree>
@@ -38175,7 +39757,7 @@
 </p:sld>
 </file>
 
-<file path=ppt/slides/slide35.xml><?xml version="1.0" encoding="utf-8"?>
+<file path=ppt/slides/slide36.xml><?xml version="1.0" encoding="utf-8"?>
 <p:sld xmlns:a="http://schemas.openxmlformats.org/drawingml/2006/main" xmlns:r="http://schemas.openxmlformats.org/officeDocument/2006/relationships" xmlns:p="http://schemas.openxmlformats.org/presentationml/2006/main">
   <p:cSld>
     <p:spTree>
@@ -38197,7 +39779,7 @@
           <p:cNvPr id="4" name="내용 개체 틀 5">
             <a:extLst>
               <a:ext uri="{FF2B5EF4-FFF2-40B4-BE49-F238E27FC236}">
-                <a16:creationId xmlns:a16="http://schemas.microsoft.com/office/drawing/2014/main" xmlns="" id="{26E65B15-652C-471C-B503-9BD1A7ECA9FF}"/>
+                <a16:creationId xmlns="" xmlns:a16="http://schemas.microsoft.com/office/drawing/2014/main" id="{26E65B15-652C-471C-B503-9BD1A7ECA9FF}"/>
               </a:ext>
             </a:extLst>
           </p:cNvPr>
@@ -38226,7 +39808,7 @@
           <p:cNvPr id="5" name="그림 4">
             <a:extLst>
               <a:ext uri="{FF2B5EF4-FFF2-40B4-BE49-F238E27FC236}">
-                <a16:creationId xmlns:a16="http://schemas.microsoft.com/office/drawing/2014/main" xmlns="" id="{8D86471E-9C3A-40C3-8F27-66A11AC93C24}"/>
+                <a16:creationId xmlns="" xmlns:a16="http://schemas.microsoft.com/office/drawing/2014/main" id="{8D86471E-9C3A-40C3-8F27-66A11AC93C24}"/>
               </a:ext>
             </a:extLst>
           </p:cNvPr>
@@ -38264,7 +39846,7 @@
 </p:sld>
 </file>
 
-<file path=ppt/slides/slide36.xml><?xml version="1.0" encoding="utf-8"?>
+<file path=ppt/slides/slide37.xml><?xml version="1.0" encoding="utf-8"?>
 <p:sld xmlns:a="http://schemas.openxmlformats.org/drawingml/2006/main" xmlns:r="http://schemas.openxmlformats.org/officeDocument/2006/relationships" xmlns:p="http://schemas.openxmlformats.org/presentationml/2006/main">
   <p:cSld>
     <p:spTree>
@@ -38482,7 +40064,7 @@
 </p:sld>
 </file>
 
-<file path=ppt/slides/slide37.xml><?xml version="1.0" encoding="utf-8"?>
+<file path=ppt/slides/slide38.xml><?xml version="1.0" encoding="utf-8"?>
 <p:sld xmlns:a="http://schemas.openxmlformats.org/drawingml/2006/main" xmlns:r="http://schemas.openxmlformats.org/officeDocument/2006/relationships" xmlns:p="http://schemas.openxmlformats.org/presentationml/2006/main">
   <p:cSld>
     <p:spTree>

--- a/그림.pptx
+++ b/그림.pptx
@@ -37,12 +37,13 @@
     <p:sldId id="278" r:id="rId31"/>
     <p:sldId id="301" r:id="rId32"/>
     <p:sldId id="279" r:id="rId33"/>
-    <p:sldId id="280" r:id="rId34"/>
-    <p:sldId id="272" r:id="rId35"/>
-    <p:sldId id="259" r:id="rId36"/>
-    <p:sldId id="264" r:id="rId37"/>
-    <p:sldId id="273" r:id="rId38"/>
-    <p:sldId id="281" r:id="rId39"/>
+    <p:sldId id="302" r:id="rId34"/>
+    <p:sldId id="280" r:id="rId35"/>
+    <p:sldId id="272" r:id="rId36"/>
+    <p:sldId id="259" r:id="rId37"/>
+    <p:sldId id="264" r:id="rId38"/>
+    <p:sldId id="273" r:id="rId39"/>
+    <p:sldId id="281" r:id="rId40"/>
   </p:sldIdLst>
   <p:sldSz cx="12192000" cy="6858000"/>
   <p:notesSz cx="6858000" cy="9144000"/>
@@ -178,6 +179,7 @@
             <p14:sldId id="278"/>
             <p14:sldId id="301"/>
             <p14:sldId id="279"/>
+            <p14:sldId id="302"/>
             <p14:sldId id="280"/>
             <p14:sldId id="272"/>
           </p14:sldIdLst>
@@ -17569,7 +17571,7 @@
           <a:p>
             <a:pPr algn="ctr"/>
             <a:r>
-              <a:rPr lang="en-US" altLang="ko-KR" sz="13800" b="1" smtClean="0"/>
+              <a:rPr lang="en-US" altLang="ko-KR" sz="13800" b="1"/>
               <a:t>Shell</a:t>
             </a:r>
             <a:endParaRPr lang="ko-KR" altLang="en-US" sz="13800" b="1"/>
@@ -18413,7 +18415,7 @@
           <a:p>
             <a:pPr algn="ctr"/>
             <a:r>
-              <a:rPr lang="en-US" altLang="ko-KR" sz="13800" b="1" smtClean="0"/>
+              <a:rPr lang="en-US" altLang="ko-KR" sz="13800" b="1"/>
               <a:t>Composite Shell</a:t>
             </a:r>
             <a:endParaRPr lang="ko-KR" altLang="en-US" sz="13800" b="1"/>
@@ -20765,7 +20767,7 @@
           <a:lstStyle/>
           <a:p>
             <a:r>
-              <a:rPr lang="en-US" altLang="ko-KR" smtClean="0"/>
+              <a:rPr lang="en-US" altLang="ko-KR"/>
               <a:t>Layer1</a:t>
             </a:r>
             <a:endParaRPr lang="ko-KR" altLang="en-US" dirty="0"/>
@@ -20795,7 +20797,7 @@
           <a:lstStyle/>
           <a:p>
             <a:r>
-              <a:rPr lang="en-US" altLang="ko-KR" smtClean="0"/>
+              <a:rPr lang="en-US" altLang="ko-KR"/>
               <a:t>Layer2</a:t>
             </a:r>
             <a:endParaRPr lang="ko-KR" altLang="en-US" dirty="0"/>
@@ -20825,7 +20827,7 @@
           <a:lstStyle/>
           <a:p>
             <a:r>
-              <a:rPr lang="en-US" altLang="ko-KR" smtClean="0"/>
+              <a:rPr lang="en-US" altLang="ko-KR"/>
               <a:t>Layer3</a:t>
             </a:r>
             <a:endParaRPr lang="ko-KR" altLang="en-US" dirty="0"/>
@@ -23256,7 +23258,7 @@
           <p:cNvPr id="27" name="직선 화살표 연결선 26">
             <a:extLst>
               <a:ext uri="{FF2B5EF4-FFF2-40B4-BE49-F238E27FC236}">
-                <a16:creationId xmlns="" xmlns:a16="http://schemas.microsoft.com/office/drawing/2014/main" id="{C93B29A1-F190-44D3-A9D0-DFAD4F83776E}"/>
+                <a16:creationId xmlns:a16="http://schemas.microsoft.com/office/drawing/2014/main" id="{C93B29A1-F190-44D3-A9D0-DFAD4F83776E}"/>
               </a:ext>
             </a:extLst>
           </p:cNvPr>
@@ -23302,7 +23304,7 @@
               <p:cNvPr id="28" name="TextBox 27">
                 <a:extLst>
                   <a:ext uri="{FF2B5EF4-FFF2-40B4-BE49-F238E27FC236}">
-                    <a16:creationId xmlns="" xmlns:a16="http://schemas.microsoft.com/office/drawing/2014/main" id="{07B5ABC4-CAA0-493B-ACDF-C42A51522079}"/>
+                    <a16:creationId xmlns:a16="http://schemas.microsoft.com/office/drawing/2014/main" id="{07B5ABC4-CAA0-493B-ACDF-C42A51522079}"/>
                   </a:ext>
                 </a:extLst>
               </p:cNvPr>
@@ -23415,7 +23417,7 @@
           <p:cNvPr id="29" name="직선 화살표 연결선 28">
             <a:extLst>
               <a:ext uri="{FF2B5EF4-FFF2-40B4-BE49-F238E27FC236}">
-                <a16:creationId xmlns="" xmlns:a16="http://schemas.microsoft.com/office/drawing/2014/main" id="{782BF86B-4207-4FE7-8DAC-CEB1861B292A}"/>
+                <a16:creationId xmlns:a16="http://schemas.microsoft.com/office/drawing/2014/main" id="{782BF86B-4207-4FE7-8DAC-CEB1861B292A}"/>
               </a:ext>
             </a:extLst>
           </p:cNvPr>
@@ -23461,7 +23463,7 @@
               <p:cNvPr id="32" name="TextBox 31">
                 <a:extLst>
                   <a:ext uri="{FF2B5EF4-FFF2-40B4-BE49-F238E27FC236}">
-                    <a16:creationId xmlns="" xmlns:a16="http://schemas.microsoft.com/office/drawing/2014/main" id="{5DB3AE05-D351-4E8F-8481-E70A4D8B443E}"/>
+                    <a16:creationId xmlns:a16="http://schemas.microsoft.com/office/drawing/2014/main" id="{5DB3AE05-D351-4E8F-8481-E70A4D8B443E}"/>
                   </a:ext>
                 </a:extLst>
               </p:cNvPr>
@@ -23555,7 +23557,7 @@
           <p:cNvPr id="33" name="직선 화살표 연결선 32">
             <a:extLst>
               <a:ext uri="{FF2B5EF4-FFF2-40B4-BE49-F238E27FC236}">
-                <a16:creationId xmlns="" xmlns:a16="http://schemas.microsoft.com/office/drawing/2014/main" id="{F5FC4C0A-B591-4F3B-BD15-9D9E5EC72772}"/>
+                <a16:creationId xmlns:a16="http://schemas.microsoft.com/office/drawing/2014/main" id="{F5FC4C0A-B591-4F3B-BD15-9D9E5EC72772}"/>
               </a:ext>
             </a:extLst>
           </p:cNvPr>
@@ -23601,7 +23603,7 @@
               <p:cNvPr id="38" name="TextBox 37">
                 <a:extLst>
                   <a:ext uri="{FF2B5EF4-FFF2-40B4-BE49-F238E27FC236}">
-                    <a16:creationId xmlns="" xmlns:a16="http://schemas.microsoft.com/office/drawing/2014/main" id="{EC18DB71-3399-4E5E-B321-6A9670FF95D7}"/>
+                    <a16:creationId xmlns:a16="http://schemas.microsoft.com/office/drawing/2014/main" id="{EC18DB71-3399-4E5E-B321-6A9670FF95D7}"/>
                   </a:ext>
                 </a:extLst>
               </p:cNvPr>
@@ -26374,7 +26376,7 @@
           <p:cNvPr id="9" name="그룹 8">
             <a:extLst>
               <a:ext uri="{FF2B5EF4-FFF2-40B4-BE49-F238E27FC236}">
-                <a16:creationId xmlns="" xmlns:a16="http://schemas.microsoft.com/office/drawing/2014/main" id="{F54825A1-879E-45C3-84C9-39758CFBC1AD}"/>
+                <a16:creationId xmlns:a16="http://schemas.microsoft.com/office/drawing/2014/main" id="{F54825A1-879E-45C3-84C9-39758CFBC1AD}"/>
               </a:ext>
             </a:extLst>
           </p:cNvPr>
@@ -26797,7 +26799,7 @@
           <p:cNvPr id="19" name="자유형: 도형 18">
             <a:extLst>
               <a:ext uri="{FF2B5EF4-FFF2-40B4-BE49-F238E27FC236}">
-                <a16:creationId xmlns="" xmlns:a16="http://schemas.microsoft.com/office/drawing/2014/main" id="{28DE563C-2016-4934-A4EE-657070DFAE5E}"/>
+                <a16:creationId xmlns:a16="http://schemas.microsoft.com/office/drawing/2014/main" id="{28DE563C-2016-4934-A4EE-657070DFAE5E}"/>
               </a:ext>
             </a:extLst>
           </p:cNvPr>
@@ -26889,7 +26891,7 @@
               <p:cNvPr id="22" name="TextBox 21">
                 <a:extLst>
                   <a:ext uri="{FF2B5EF4-FFF2-40B4-BE49-F238E27FC236}">
-                    <a16:creationId xmlns="" xmlns:a16="http://schemas.microsoft.com/office/drawing/2014/main" id="{702F36E8-3840-4F82-ACA9-0ADC9BF2CD7E}"/>
+                    <a16:creationId xmlns:a16="http://schemas.microsoft.com/office/drawing/2014/main" id="{702F36E8-3840-4F82-ACA9-0ADC9BF2CD7E}"/>
                   </a:ext>
                 </a:extLst>
               </p:cNvPr>
@@ -27010,7 +27012,7 @@
           <p:cNvPr id="23" name="자유형: 도형 22">
             <a:extLst>
               <a:ext uri="{FF2B5EF4-FFF2-40B4-BE49-F238E27FC236}">
-                <a16:creationId xmlns="" xmlns:a16="http://schemas.microsoft.com/office/drawing/2014/main" id="{D4262DC8-AC8F-4E4E-8F9A-78963014DDC7}"/>
+                <a16:creationId xmlns:a16="http://schemas.microsoft.com/office/drawing/2014/main" id="{D4262DC8-AC8F-4E4E-8F9A-78963014DDC7}"/>
               </a:ext>
             </a:extLst>
           </p:cNvPr>
@@ -27102,7 +27104,7 @@
               <p:cNvPr id="26" name="TextBox 25">
                 <a:extLst>
                   <a:ext uri="{FF2B5EF4-FFF2-40B4-BE49-F238E27FC236}">
-                    <a16:creationId xmlns="" xmlns:a16="http://schemas.microsoft.com/office/drawing/2014/main" id="{4C456F18-AA04-4135-AED2-7569217695DC}"/>
+                    <a16:creationId xmlns:a16="http://schemas.microsoft.com/office/drawing/2014/main" id="{4C456F18-AA04-4135-AED2-7569217695DC}"/>
                   </a:ext>
                 </a:extLst>
               </p:cNvPr>
@@ -27982,7 +27984,7 @@
           <p:cNvPr id="19" name="자유형: 도형 18">
             <a:extLst>
               <a:ext uri="{FF2B5EF4-FFF2-40B4-BE49-F238E27FC236}">
-                <a16:creationId xmlns="" xmlns:a16="http://schemas.microsoft.com/office/drawing/2014/main" id="{28DE563C-2016-4934-A4EE-657070DFAE5E}"/>
+                <a16:creationId xmlns:a16="http://schemas.microsoft.com/office/drawing/2014/main" id="{28DE563C-2016-4934-A4EE-657070DFAE5E}"/>
               </a:ext>
             </a:extLst>
           </p:cNvPr>
@@ -28074,7 +28076,7 @@
               <p:cNvPr id="22" name="TextBox 21">
                 <a:extLst>
                   <a:ext uri="{FF2B5EF4-FFF2-40B4-BE49-F238E27FC236}">
-                    <a16:creationId xmlns="" xmlns:a16="http://schemas.microsoft.com/office/drawing/2014/main" id="{702F36E8-3840-4F82-ACA9-0ADC9BF2CD7E}"/>
+                    <a16:creationId xmlns:a16="http://schemas.microsoft.com/office/drawing/2014/main" id="{702F36E8-3840-4F82-ACA9-0ADC9BF2CD7E}"/>
                   </a:ext>
                 </a:extLst>
               </p:cNvPr>
@@ -28195,7 +28197,7 @@
           <p:cNvPr id="23" name="자유형: 도형 22">
             <a:extLst>
               <a:ext uri="{FF2B5EF4-FFF2-40B4-BE49-F238E27FC236}">
-                <a16:creationId xmlns="" xmlns:a16="http://schemas.microsoft.com/office/drawing/2014/main" id="{D4262DC8-AC8F-4E4E-8F9A-78963014DDC7}"/>
+                <a16:creationId xmlns:a16="http://schemas.microsoft.com/office/drawing/2014/main" id="{D4262DC8-AC8F-4E4E-8F9A-78963014DDC7}"/>
               </a:ext>
             </a:extLst>
           </p:cNvPr>
@@ -28287,7 +28289,7 @@
               <p:cNvPr id="26" name="TextBox 25">
                 <a:extLst>
                   <a:ext uri="{FF2B5EF4-FFF2-40B4-BE49-F238E27FC236}">
-                    <a16:creationId xmlns="" xmlns:a16="http://schemas.microsoft.com/office/drawing/2014/main" id="{4C456F18-AA04-4135-AED2-7569217695DC}"/>
+                    <a16:creationId xmlns:a16="http://schemas.microsoft.com/office/drawing/2014/main" id="{4C456F18-AA04-4135-AED2-7569217695DC}"/>
                   </a:ext>
                 </a:extLst>
               </p:cNvPr>
@@ -28410,7 +28412,7 @@
               <p:cNvPr id="21" name="TextBox 20">
                 <a:extLst>
                   <a:ext uri="{FF2B5EF4-FFF2-40B4-BE49-F238E27FC236}">
-                    <a16:creationId xmlns="" xmlns:a16="http://schemas.microsoft.com/office/drawing/2014/main" id="{7F1A4031-C0F9-4078-B611-60510E555779}"/>
+                    <a16:creationId xmlns:a16="http://schemas.microsoft.com/office/drawing/2014/main" id="{7F1A4031-C0F9-4078-B611-60510E555779}"/>
                   </a:ext>
                 </a:extLst>
               </p:cNvPr>
@@ -28523,7 +28525,7 @@
           <p:cNvPr id="27" name="원호 26">
             <a:extLst>
               <a:ext uri="{FF2B5EF4-FFF2-40B4-BE49-F238E27FC236}">
-                <a16:creationId xmlns="" xmlns:a16="http://schemas.microsoft.com/office/drawing/2014/main" id="{73F2FA99-BAB3-4AEA-A0D4-FFD161E5142F}"/>
+                <a16:creationId xmlns:a16="http://schemas.microsoft.com/office/drawing/2014/main" id="{73F2FA99-BAB3-4AEA-A0D4-FFD161E5142F}"/>
               </a:ext>
             </a:extLst>
           </p:cNvPr>
@@ -33559,7 +33561,7 @@
           <p:cNvPr id="71" name="자유형: 도형 18">
             <a:extLst>
               <a:ext uri="{FF2B5EF4-FFF2-40B4-BE49-F238E27FC236}">
-                <a16:creationId xmlns="" xmlns:a16="http://schemas.microsoft.com/office/drawing/2014/main" id="{28DE563C-2016-4934-A4EE-657070DFAE5E}"/>
+                <a16:creationId xmlns:a16="http://schemas.microsoft.com/office/drawing/2014/main" id="{28DE563C-2016-4934-A4EE-657070DFAE5E}"/>
               </a:ext>
             </a:extLst>
           </p:cNvPr>
@@ -33651,7 +33653,7 @@
               <p:cNvPr id="72" name="TextBox 71">
                 <a:extLst>
                   <a:ext uri="{FF2B5EF4-FFF2-40B4-BE49-F238E27FC236}">
-                    <a16:creationId xmlns="" xmlns:a16="http://schemas.microsoft.com/office/drawing/2014/main" id="{702F36E8-3840-4F82-ACA9-0ADC9BF2CD7E}"/>
+                    <a16:creationId xmlns:a16="http://schemas.microsoft.com/office/drawing/2014/main" id="{702F36E8-3840-4F82-ACA9-0ADC9BF2CD7E}"/>
                   </a:ext>
                 </a:extLst>
               </p:cNvPr>
@@ -33751,7 +33753,7 @@
           <p:cNvPr id="73" name="자유형: 도형 18">
             <a:extLst>
               <a:ext uri="{FF2B5EF4-FFF2-40B4-BE49-F238E27FC236}">
-                <a16:creationId xmlns="" xmlns:a16="http://schemas.microsoft.com/office/drawing/2014/main" id="{28DE563C-2016-4934-A4EE-657070DFAE5E}"/>
+                <a16:creationId xmlns:a16="http://schemas.microsoft.com/office/drawing/2014/main" id="{28DE563C-2016-4934-A4EE-657070DFAE5E}"/>
               </a:ext>
             </a:extLst>
           </p:cNvPr>
@@ -33843,7 +33845,7 @@
               <p:cNvPr id="74" name="TextBox 73">
                 <a:extLst>
                   <a:ext uri="{FF2B5EF4-FFF2-40B4-BE49-F238E27FC236}">
-                    <a16:creationId xmlns="" xmlns:a16="http://schemas.microsoft.com/office/drawing/2014/main" id="{702F36E8-3840-4F82-ACA9-0ADC9BF2CD7E}"/>
+                    <a16:creationId xmlns:a16="http://schemas.microsoft.com/office/drawing/2014/main" id="{702F36E8-3840-4F82-ACA9-0ADC9BF2CD7E}"/>
                   </a:ext>
                 </a:extLst>
               </p:cNvPr>
@@ -35184,7 +35186,7 @@
           <a:p>
             <a:pPr algn="ctr"/>
             <a:r>
-              <a:rPr lang="en-US" altLang="ko-KR" sz="13800" b="1" smtClean="0"/>
+              <a:rPr lang="en-US" altLang="ko-KR" sz="13800" b="1"/>
               <a:t>Continuum</a:t>
             </a:r>
             <a:endParaRPr lang="ko-KR" altLang="en-US" sz="13800" b="1"/>
@@ -35343,8 +35345,8 @@
           </a:fontRef>
         </p:style>
       </p:cxnSp>
-      <mc:AlternateContent xmlns:mc="http://schemas.openxmlformats.org/markup-compatibility/2006">
-        <mc:Choice xmlns:a14="http://schemas.microsoft.com/office/drawing/2010/main" Requires="a14">
+      <mc:AlternateContent xmlns:mc="http://schemas.openxmlformats.org/markup-compatibility/2006" xmlns:a14="http://schemas.microsoft.com/office/drawing/2010/main">
+        <mc:Choice Requires="a14">
           <p:sp>
             <p:nvSpPr>
               <p:cNvPr id="45" name="TextBox 44"/>
@@ -35454,7 +35456,7 @@
             </p:txBody>
           </p:sp>
         </mc:Choice>
-        <mc:Fallback>
+        <mc:Fallback xmlns="">
           <p:sp>
             <p:nvSpPr>
               <p:cNvPr id="45" name="TextBox 44"/>
@@ -35567,8 +35569,8 @@
           </a:fontRef>
         </p:style>
       </p:cxnSp>
-      <mc:AlternateContent xmlns:mc="http://schemas.openxmlformats.org/markup-compatibility/2006">
-        <mc:Choice xmlns:a14="http://schemas.microsoft.com/office/drawing/2010/main" Requires="a14">
+      <mc:AlternateContent xmlns:mc="http://schemas.openxmlformats.org/markup-compatibility/2006" xmlns:a14="http://schemas.microsoft.com/office/drawing/2010/main">
+        <mc:Choice Requires="a14">
           <p:sp>
             <p:nvSpPr>
               <p:cNvPr id="84" name="TextBox 83"/>
@@ -35631,7 +35633,7 @@
             </p:txBody>
           </p:sp>
         </mc:Choice>
-        <mc:Fallback>
+        <mc:Fallback xmlns="">
           <p:sp>
             <p:nvSpPr>
               <p:cNvPr id="84" name="TextBox 83"/>
@@ -35670,8 +35672,8 @@
           </p:sp>
         </mc:Fallback>
       </mc:AlternateContent>
-      <mc:AlternateContent xmlns:mc="http://schemas.openxmlformats.org/markup-compatibility/2006">
-        <mc:Choice xmlns:a14="http://schemas.microsoft.com/office/drawing/2010/main" Requires="a14">
+      <mc:AlternateContent xmlns:mc="http://schemas.openxmlformats.org/markup-compatibility/2006" xmlns:a14="http://schemas.microsoft.com/office/drawing/2010/main">
+        <mc:Choice Requires="a14">
           <p:sp>
             <p:nvSpPr>
               <p:cNvPr id="85" name="TextBox 84"/>
@@ -35734,7 +35736,7 @@
             </p:txBody>
           </p:sp>
         </mc:Choice>
-        <mc:Fallback>
+        <mc:Fallback xmlns="">
           <p:sp>
             <p:nvSpPr>
               <p:cNvPr id="85" name="TextBox 84"/>
@@ -35773,8 +35775,8 @@
           </p:sp>
         </mc:Fallback>
       </mc:AlternateContent>
-      <mc:AlternateContent xmlns:mc="http://schemas.openxmlformats.org/markup-compatibility/2006">
-        <mc:Choice xmlns:a14="http://schemas.microsoft.com/office/drawing/2010/main" Requires="a14">
+      <mc:AlternateContent xmlns:mc="http://schemas.openxmlformats.org/markup-compatibility/2006" xmlns:a14="http://schemas.microsoft.com/office/drawing/2010/main">
+        <mc:Choice Requires="a14">
           <p:sp>
             <p:nvSpPr>
               <p:cNvPr id="34" name="TextBox 33"/>
@@ -35893,7 +35895,7 @@
             </p:txBody>
           </p:sp>
         </mc:Choice>
-        <mc:Fallback>
+        <mc:Fallback xmlns="">
           <p:sp>
             <p:nvSpPr>
               <p:cNvPr id="34" name="TextBox 33"/>
@@ -36006,8 +36008,8 @@
           </a:fontRef>
         </p:style>
       </p:cxnSp>
-      <mc:AlternateContent xmlns:mc="http://schemas.openxmlformats.org/markup-compatibility/2006">
-        <mc:Choice xmlns:a14="http://schemas.microsoft.com/office/drawing/2010/main" Requires="a14">
+      <mc:AlternateContent xmlns:mc="http://schemas.openxmlformats.org/markup-compatibility/2006" xmlns:a14="http://schemas.microsoft.com/office/drawing/2010/main">
+        <mc:Choice Requires="a14">
           <p:sp>
             <p:nvSpPr>
               <p:cNvPr id="38" name="TextBox 37"/>
@@ -36126,7 +36128,7 @@
             </p:txBody>
           </p:sp>
         </mc:Choice>
-        <mc:Fallback>
+        <mc:Fallback xmlns="">
           <p:sp>
             <p:nvSpPr>
               <p:cNvPr id="38" name="TextBox 37"/>
@@ -36165,8 +36167,8 @@
           </p:sp>
         </mc:Fallback>
       </mc:AlternateContent>
-      <mc:AlternateContent xmlns:mc="http://schemas.openxmlformats.org/markup-compatibility/2006">
-        <mc:Choice xmlns:a14="http://schemas.microsoft.com/office/drawing/2010/main" Requires="a14">
+      <mc:AlternateContent xmlns:mc="http://schemas.openxmlformats.org/markup-compatibility/2006" xmlns:a14="http://schemas.microsoft.com/office/drawing/2010/main">
+        <mc:Choice Requires="a14">
           <p:sp>
             <p:nvSpPr>
               <p:cNvPr id="47" name="TextBox 46"/>
@@ -36285,7 +36287,7 @@
             </p:txBody>
           </p:sp>
         </mc:Choice>
-        <mc:Fallback>
+        <mc:Fallback xmlns="">
           <p:sp>
             <p:nvSpPr>
               <p:cNvPr id="47" name="TextBox 46"/>
@@ -36324,8 +36326,8 @@
           </p:sp>
         </mc:Fallback>
       </mc:AlternateContent>
-      <mc:AlternateContent xmlns:mc="http://schemas.openxmlformats.org/markup-compatibility/2006">
-        <mc:Choice xmlns:a14="http://schemas.microsoft.com/office/drawing/2010/main" Requires="a14">
+      <mc:AlternateContent xmlns:mc="http://schemas.openxmlformats.org/markup-compatibility/2006" xmlns:a14="http://schemas.microsoft.com/office/drawing/2010/main">
+        <mc:Choice Requires="a14">
           <p:sp>
             <p:nvSpPr>
               <p:cNvPr id="64" name="TextBox 63"/>
@@ -36394,7 +36396,7 @@
             </p:txBody>
           </p:sp>
         </mc:Choice>
-        <mc:Fallback>
+        <mc:Fallback xmlns="">
           <p:sp>
             <p:nvSpPr>
               <p:cNvPr id="64" name="TextBox 63"/>
@@ -36433,8 +36435,8 @@
           </p:sp>
         </mc:Fallback>
       </mc:AlternateContent>
-      <mc:AlternateContent xmlns:mc="http://schemas.openxmlformats.org/markup-compatibility/2006">
-        <mc:Choice xmlns:a14="http://schemas.microsoft.com/office/drawing/2010/main" Requires="a14">
+      <mc:AlternateContent xmlns:mc="http://schemas.openxmlformats.org/markup-compatibility/2006" xmlns:a14="http://schemas.microsoft.com/office/drawing/2010/main">
+        <mc:Choice Requires="a14">
           <p:sp>
             <p:nvSpPr>
               <p:cNvPr id="65" name="TextBox 64"/>
@@ -36503,7 +36505,7 @@
             </p:txBody>
           </p:sp>
         </mc:Choice>
-        <mc:Fallback>
+        <mc:Fallback xmlns="">
           <p:sp>
             <p:nvSpPr>
               <p:cNvPr id="65" name="TextBox 64"/>
@@ -36579,8 +36581,8 @@
           </a:fontRef>
         </p:style>
       </p:cxnSp>
-      <mc:AlternateContent xmlns:mc="http://schemas.openxmlformats.org/markup-compatibility/2006">
-        <mc:Choice xmlns:a14="http://schemas.microsoft.com/office/drawing/2010/main" Requires="a14">
+      <mc:AlternateContent xmlns:mc="http://schemas.openxmlformats.org/markup-compatibility/2006" xmlns:a14="http://schemas.microsoft.com/office/drawing/2010/main">
+        <mc:Choice Requires="a14">
           <p:sp>
             <p:nvSpPr>
               <p:cNvPr id="29" name="TextBox 28"/>
@@ -36643,7 +36645,7 @@
             </p:txBody>
           </p:sp>
         </mc:Choice>
-        <mc:Fallback>
+        <mc:Fallback xmlns="">
           <p:sp>
             <p:nvSpPr>
               <p:cNvPr id="29" name="TextBox 28"/>
@@ -36918,8 +36920,8 @@
           </a:fontRef>
         </p:style>
       </p:cxnSp>
-      <mc:AlternateContent xmlns:mc="http://schemas.openxmlformats.org/markup-compatibility/2006">
-        <mc:Choice xmlns:a14="http://schemas.microsoft.com/office/drawing/2010/main" Requires="a14">
+      <mc:AlternateContent xmlns:mc="http://schemas.openxmlformats.org/markup-compatibility/2006" xmlns:a14="http://schemas.microsoft.com/office/drawing/2010/main">
+        <mc:Choice Requires="a14">
           <p:sp>
             <p:nvSpPr>
               <p:cNvPr id="44" name="TextBox 43"/>
@@ -36982,7 +36984,7 @@
             </p:txBody>
           </p:sp>
         </mc:Choice>
-        <mc:Fallback>
+        <mc:Fallback xmlns="">
           <p:sp>
             <p:nvSpPr>
               <p:cNvPr id="44" name="TextBox 43"/>
@@ -37021,8 +37023,8 @@
           </p:sp>
         </mc:Fallback>
       </mc:AlternateContent>
-      <mc:AlternateContent xmlns:mc="http://schemas.openxmlformats.org/markup-compatibility/2006">
-        <mc:Choice xmlns:a14="http://schemas.microsoft.com/office/drawing/2010/main" Requires="a14">
+      <mc:AlternateContent xmlns:mc="http://schemas.openxmlformats.org/markup-compatibility/2006" xmlns:a14="http://schemas.microsoft.com/office/drawing/2010/main">
+        <mc:Choice Requires="a14">
           <p:sp>
             <p:nvSpPr>
               <p:cNvPr id="46" name="TextBox 45"/>
@@ -37085,7 +37087,7 @@
             </p:txBody>
           </p:sp>
         </mc:Choice>
-        <mc:Fallback>
+        <mc:Fallback xmlns="">
           <p:sp>
             <p:nvSpPr>
               <p:cNvPr id="46" name="TextBox 45"/>
@@ -37161,8 +37163,8 @@
           </a:fontRef>
         </p:style>
       </p:cxnSp>
-      <mc:AlternateContent xmlns:mc="http://schemas.openxmlformats.org/markup-compatibility/2006">
-        <mc:Choice xmlns:a14="http://schemas.microsoft.com/office/drawing/2010/main" Requires="a14">
+      <mc:AlternateContent xmlns:mc="http://schemas.openxmlformats.org/markup-compatibility/2006" xmlns:a14="http://schemas.microsoft.com/office/drawing/2010/main">
+        <mc:Choice Requires="a14">
           <p:sp>
             <p:nvSpPr>
               <p:cNvPr id="49" name="TextBox 48"/>
@@ -37225,7 +37227,7 @@
             </p:txBody>
           </p:sp>
         </mc:Choice>
-        <mc:Fallback>
+        <mc:Fallback xmlns="">
           <p:sp>
             <p:nvSpPr>
               <p:cNvPr id="49" name="TextBox 48"/>
@@ -37404,8 +37406,8 @@
             </p:style>
           </p:cxnSp>
         </p:grpSp>
-        <mc:AlternateContent xmlns:mc="http://schemas.openxmlformats.org/markup-compatibility/2006">
-          <mc:Choice xmlns:a14="http://schemas.microsoft.com/office/drawing/2010/main" Requires="a14">
+        <mc:AlternateContent xmlns:mc="http://schemas.openxmlformats.org/markup-compatibility/2006" xmlns:a14="http://schemas.microsoft.com/office/drawing/2010/main">
+          <mc:Choice Requires="a14">
             <p:sp>
               <p:nvSpPr>
                 <p:cNvPr id="14" name="직사각형 13"/>
@@ -37427,6 +37429,7 @@
                 </a:bodyPr>
                 <a:lstStyle/>
                 <a:p>
+                  <a:pPr/>
                   <a14:m>
                     <m:oMathPara xmlns:m="http://schemas.openxmlformats.org/officeDocument/2006/math">
                       <m:oMathParaPr>
@@ -37474,7 +37477,7 @@
               </p:txBody>
             </p:sp>
           </mc:Choice>
-          <mc:Fallback>
+          <mc:Fallback xmlns="">
             <p:sp>
               <p:nvSpPr>
                 <p:cNvPr id="14" name="직사각형 13"/>
@@ -37513,8 +37516,8 @@
             </p:sp>
           </mc:Fallback>
         </mc:AlternateContent>
-        <mc:AlternateContent xmlns:mc="http://schemas.openxmlformats.org/markup-compatibility/2006">
-          <mc:Choice xmlns:a14="http://schemas.microsoft.com/office/drawing/2010/main" Requires="a14">
+        <mc:AlternateContent xmlns:mc="http://schemas.openxmlformats.org/markup-compatibility/2006" xmlns:a14="http://schemas.microsoft.com/office/drawing/2010/main">
+          <mc:Choice Requires="a14">
             <p:sp>
               <p:nvSpPr>
                 <p:cNvPr id="54" name="직사각형 53"/>
@@ -37536,6 +37539,7 @@
                 </a:bodyPr>
                 <a:lstStyle/>
                 <a:p>
+                  <a:pPr/>
                   <a14:m>
                     <m:oMathPara xmlns:m="http://schemas.openxmlformats.org/officeDocument/2006/math">
                       <m:oMathParaPr>
@@ -37583,7 +37587,7 @@
               </p:txBody>
             </p:sp>
           </mc:Choice>
-          <mc:Fallback>
+          <mc:Fallback xmlns="">
             <p:sp>
               <p:nvSpPr>
                 <p:cNvPr id="54" name="직사각형 53"/>
@@ -37622,8 +37626,8 @@
             </p:sp>
           </mc:Fallback>
         </mc:AlternateContent>
-        <mc:AlternateContent xmlns:mc="http://schemas.openxmlformats.org/markup-compatibility/2006">
-          <mc:Choice xmlns:a14="http://schemas.microsoft.com/office/drawing/2010/main" Requires="a14">
+        <mc:AlternateContent xmlns:mc="http://schemas.openxmlformats.org/markup-compatibility/2006" xmlns:a14="http://schemas.microsoft.com/office/drawing/2010/main">
+          <mc:Choice Requires="a14">
             <p:sp>
               <p:nvSpPr>
                 <p:cNvPr id="55" name="직사각형 54"/>
@@ -37645,6 +37649,7 @@
                 </a:bodyPr>
                 <a:lstStyle/>
                 <a:p>
+                  <a:pPr/>
                   <a14:m>
                     <m:oMathPara xmlns:m="http://schemas.openxmlformats.org/officeDocument/2006/math">
                       <m:oMathParaPr>
@@ -37687,12 +37692,12 @@
                       </m:oMath>
                     </m:oMathPara>
                   </a14:m>
-                  <a:endParaRPr lang="ko-KR" altLang="en-US"/>
+                  <a:endParaRPr lang="ko-KR" altLang="en-US" dirty="0"/>
                 </a:p>
               </p:txBody>
             </p:sp>
           </mc:Choice>
-          <mc:Fallback>
+          <mc:Fallback xmlns="">
             <p:sp>
               <p:nvSpPr>
                 <p:cNvPr id="55" name="직사각형 54"/>
@@ -37872,8 +37877,8 @@
             </p:style>
           </p:cxnSp>
         </p:grpSp>
-        <mc:AlternateContent xmlns:mc="http://schemas.openxmlformats.org/markup-compatibility/2006">
-          <mc:Choice xmlns:a14="http://schemas.microsoft.com/office/drawing/2010/main" Requires="a14">
+        <mc:AlternateContent xmlns:mc="http://schemas.openxmlformats.org/markup-compatibility/2006" xmlns:a14="http://schemas.microsoft.com/office/drawing/2010/main">
+          <mc:Choice Requires="a14">
             <p:sp>
               <p:nvSpPr>
                 <p:cNvPr id="68" name="직사각형 67"/>
@@ -37895,6 +37900,7 @@
                 </a:bodyPr>
                 <a:lstStyle/>
                 <a:p>
+                  <a:pPr/>
                   <a14:m>
                     <m:oMathPara xmlns:m="http://schemas.openxmlformats.org/officeDocument/2006/math">
                       <m:oMathParaPr>
@@ -37942,7 +37948,7 @@
               </p:txBody>
             </p:sp>
           </mc:Choice>
-          <mc:Fallback>
+          <mc:Fallback xmlns="">
             <p:sp>
               <p:nvSpPr>
                 <p:cNvPr id="68" name="직사각형 67"/>
@@ -37981,8 +37987,8 @@
             </p:sp>
           </mc:Fallback>
         </mc:AlternateContent>
-        <mc:AlternateContent xmlns:mc="http://schemas.openxmlformats.org/markup-compatibility/2006">
-          <mc:Choice xmlns:a14="http://schemas.microsoft.com/office/drawing/2010/main" Requires="a14">
+        <mc:AlternateContent xmlns:mc="http://schemas.openxmlformats.org/markup-compatibility/2006" xmlns:a14="http://schemas.microsoft.com/office/drawing/2010/main">
+          <mc:Choice Requires="a14">
             <p:sp>
               <p:nvSpPr>
                 <p:cNvPr id="69" name="직사각형 68"/>
@@ -38004,6 +38010,7 @@
                 </a:bodyPr>
                 <a:lstStyle/>
                 <a:p>
+                  <a:pPr/>
                   <a14:m>
                     <m:oMathPara xmlns:m="http://schemas.openxmlformats.org/officeDocument/2006/math">
                       <m:oMathParaPr>
@@ -38051,7 +38058,7 @@
               </p:txBody>
             </p:sp>
           </mc:Choice>
-          <mc:Fallback>
+          <mc:Fallback xmlns="">
             <p:sp>
               <p:nvSpPr>
                 <p:cNvPr id="69" name="직사각형 68"/>
@@ -38090,8 +38097,8 @@
             </p:sp>
           </mc:Fallback>
         </mc:AlternateContent>
-        <mc:AlternateContent xmlns:mc="http://schemas.openxmlformats.org/markup-compatibility/2006">
-          <mc:Choice xmlns:a14="http://schemas.microsoft.com/office/drawing/2010/main" Requires="a14">
+        <mc:AlternateContent xmlns:mc="http://schemas.openxmlformats.org/markup-compatibility/2006" xmlns:a14="http://schemas.microsoft.com/office/drawing/2010/main">
+          <mc:Choice Requires="a14">
             <p:sp>
               <p:nvSpPr>
                 <p:cNvPr id="70" name="직사각형 69"/>
@@ -38113,6 +38120,7 @@
                 </a:bodyPr>
                 <a:lstStyle/>
                 <a:p>
+                  <a:pPr/>
                   <a14:m>
                     <m:oMathPara xmlns:m="http://schemas.openxmlformats.org/officeDocument/2006/math">
                       <m:oMathParaPr>
@@ -38160,7 +38168,7 @@
               </p:txBody>
             </p:sp>
           </mc:Choice>
-          <mc:Fallback>
+          <mc:Fallback xmlns="">
             <p:sp>
               <p:nvSpPr>
                 <p:cNvPr id="70" name="직사각형 69"/>
@@ -38208,10 +38216,10 @@
         </p:nvGrpSpPr>
         <p:grpSpPr>
           <a:xfrm>
-            <a:off x="3208631" y="2110311"/>
-            <a:ext cx="1601877" cy="1589332"/>
-            <a:chOff x="2255505" y="553779"/>
-            <a:chExt cx="1601877" cy="1589332"/>
+            <a:off x="3056222" y="2364861"/>
+            <a:ext cx="1601877" cy="1334782"/>
+            <a:chOff x="2255505" y="808329"/>
+            <a:chExt cx="1601877" cy="1334782"/>
           </a:xfrm>
         </p:grpSpPr>
         <p:grpSp>
@@ -38340,8 +38348,8 @@
             </p:style>
           </p:cxnSp>
         </p:grpSp>
-        <mc:AlternateContent xmlns:mc="http://schemas.openxmlformats.org/markup-compatibility/2006">
-          <mc:Choice xmlns:a14="http://schemas.microsoft.com/office/drawing/2010/main" Requires="a14">
+        <mc:AlternateContent xmlns:mc="http://schemas.openxmlformats.org/markup-compatibility/2006" xmlns:a14="http://schemas.microsoft.com/office/drawing/2010/main">
+          <mc:Choice Requires="a14">
             <p:sp>
               <p:nvSpPr>
                 <p:cNvPr id="76" name="직사각형 75"/>
@@ -38363,6 +38371,7 @@
                 </a:bodyPr>
                 <a:lstStyle/>
                 <a:p>
+                  <a:pPr/>
                   <a14:m>
                     <m:oMathPara xmlns:m="http://schemas.openxmlformats.org/officeDocument/2006/math">
                       <m:oMathParaPr>
@@ -38410,7 +38419,7 @@
               </p:txBody>
             </p:sp>
           </mc:Choice>
-          <mc:Fallback>
+          <mc:Fallback xmlns="">
             <p:sp>
               <p:nvSpPr>
                 <p:cNvPr id="76" name="직사각형 75"/>
@@ -38449,8 +38458,8 @@
             </p:sp>
           </mc:Fallback>
         </mc:AlternateContent>
-        <mc:AlternateContent xmlns:mc="http://schemas.openxmlformats.org/markup-compatibility/2006">
-          <mc:Choice xmlns:a14="http://schemas.microsoft.com/office/drawing/2010/main" Requires="a14">
+        <mc:AlternateContent xmlns:mc="http://schemas.openxmlformats.org/markup-compatibility/2006" xmlns:a14="http://schemas.microsoft.com/office/drawing/2010/main">
+          <mc:Choice Requires="a14">
             <p:sp>
               <p:nvSpPr>
                 <p:cNvPr id="77" name="직사각형 76"/>
@@ -38472,6 +38481,7 @@
                 </a:bodyPr>
                 <a:lstStyle/>
                 <a:p>
+                  <a:pPr/>
                   <a14:m>
                     <m:oMathPara xmlns:m="http://schemas.openxmlformats.org/officeDocument/2006/math">
                       <m:oMathParaPr>
@@ -38519,7 +38529,7 @@
               </p:txBody>
             </p:sp>
           </mc:Choice>
-          <mc:Fallback>
+          <mc:Fallback xmlns="">
             <p:sp>
               <p:nvSpPr>
                 <p:cNvPr id="77" name="직사각형 76"/>
@@ -38568,7 +38578,7 @@
               </p:nvSpPr>
               <p:spPr>
                 <a:xfrm>
-                  <a:off x="2768650" y="553779"/>
+                  <a:off x="2258683" y="808329"/>
                   <a:ext cx="521938" cy="373051"/>
                 </a:xfrm>
                 <a:prstGeom prst="rect">
@@ -38581,6 +38591,7 @@
                 </a:bodyPr>
                 <a:lstStyle/>
                 <a:p>
+                  <a:pPr/>
                   <a14:m>
                     <m:oMathPara xmlns:m="http://schemas.openxmlformats.org/officeDocument/2006/math">
                       <m:oMathParaPr>
@@ -38623,7 +38634,7 @@
                       </m:oMath>
                     </m:oMathPara>
                   </a14:m>
-                  <a:endParaRPr lang="ko-KR" altLang="en-US"/>
+                  <a:endParaRPr lang="ko-KR" altLang="en-US" dirty="0"/>
                 </a:p>
               </p:txBody>
             </p:sp>
@@ -38639,13 +38650,13 @@
               </p:nvSpPr>
               <p:spPr>
                 <a:xfrm>
-                  <a:off x="2768650" y="553779"/>
+                  <a:off x="2258683" y="808329"/>
                   <a:ext cx="521938" cy="373051"/>
                 </a:xfrm>
                 <a:prstGeom prst="rect">
                   <a:avLst/>
                 </a:prstGeom>
-                <a:blipFill rotWithShape="0">
+                <a:blipFill>
                   <a:blip r:embed="rId22"/>
                   <a:stretch>
                     <a:fillRect b="-3279"/>
@@ -38668,6 +38679,726 @@
           </mc:Fallback>
         </mc:AlternateContent>
       </p:grpSp>
+      <p:cxnSp>
+        <p:nvCxnSpPr>
+          <p:cNvPr id="56" name="직선 화살표 연결선 55">
+            <a:extLst>
+              <a:ext uri="{FF2B5EF4-FFF2-40B4-BE49-F238E27FC236}">
+                <a16:creationId xmlns:a16="http://schemas.microsoft.com/office/drawing/2014/main" id="{B532E93A-858E-49DF-A73E-D8E54B57C408}"/>
+              </a:ext>
+            </a:extLst>
+          </p:cNvPr>
+          <p:cNvCxnSpPr>
+            <a:cxnSpLocks/>
+          </p:cNvCxnSpPr>
+          <p:nvPr/>
+        </p:nvCxnSpPr>
+        <p:spPr>
+          <a:xfrm flipV="1">
+            <a:off x="3650378" y="2364861"/>
+            <a:ext cx="743114" cy="531221"/>
+          </a:xfrm>
+          <a:prstGeom prst="straightConnector1">
+            <a:avLst/>
+          </a:prstGeom>
+          <a:ln w="28575">
+            <a:solidFill>
+              <a:schemeClr val="accent1"/>
+            </a:solidFill>
+            <a:headEnd w="lg" len="lg"/>
+            <a:tailEnd type="triangle" w="lg" len="lg"/>
+          </a:ln>
+        </p:spPr>
+        <p:style>
+          <a:lnRef idx="1">
+            <a:schemeClr val="accent1"/>
+          </a:lnRef>
+          <a:fillRef idx="0">
+            <a:schemeClr val="accent1"/>
+          </a:fillRef>
+          <a:effectRef idx="0">
+            <a:schemeClr val="accent1"/>
+          </a:effectRef>
+          <a:fontRef idx="minor">
+            <a:schemeClr val="tx1"/>
+          </a:fontRef>
+        </p:style>
+      </p:cxnSp>
+      <p:cxnSp>
+        <p:nvCxnSpPr>
+          <p:cNvPr id="59" name="직선 화살표 연결선 58">
+            <a:extLst>
+              <a:ext uri="{FF2B5EF4-FFF2-40B4-BE49-F238E27FC236}">
+                <a16:creationId xmlns:a16="http://schemas.microsoft.com/office/drawing/2014/main" id="{C51853A6-0174-46D6-A114-5B95FFF93153}"/>
+              </a:ext>
+            </a:extLst>
+          </p:cNvPr>
+          <p:cNvCxnSpPr>
+            <a:cxnSpLocks/>
+          </p:cNvCxnSpPr>
+          <p:nvPr/>
+        </p:nvCxnSpPr>
+        <p:spPr>
+          <a:xfrm>
+            <a:off x="5626764" y="2347169"/>
+            <a:ext cx="602163" cy="743477"/>
+          </a:xfrm>
+          <a:prstGeom prst="straightConnector1">
+            <a:avLst/>
+          </a:prstGeom>
+          <a:ln w="28575">
+            <a:solidFill>
+              <a:schemeClr val="accent1"/>
+            </a:solidFill>
+            <a:headEnd w="lg" len="lg"/>
+            <a:tailEnd type="triangle" w="lg" len="lg"/>
+          </a:ln>
+        </p:spPr>
+        <p:style>
+          <a:lnRef idx="1">
+            <a:schemeClr val="accent1"/>
+          </a:lnRef>
+          <a:fillRef idx="0">
+            <a:schemeClr val="accent1"/>
+          </a:fillRef>
+          <a:effectRef idx="0">
+            <a:schemeClr val="accent1"/>
+          </a:effectRef>
+          <a:fontRef idx="minor">
+            <a:schemeClr val="tx1"/>
+          </a:fontRef>
+        </p:style>
+      </p:cxnSp>
+      <p:cxnSp>
+        <p:nvCxnSpPr>
+          <p:cNvPr id="61" name="직선 화살표 연결선 60">
+            <a:extLst>
+              <a:ext uri="{FF2B5EF4-FFF2-40B4-BE49-F238E27FC236}">
+                <a16:creationId xmlns:a16="http://schemas.microsoft.com/office/drawing/2014/main" id="{81FF6666-D5B2-4BBA-91DA-3ABC6A93226B}"/>
+              </a:ext>
+            </a:extLst>
+          </p:cNvPr>
+          <p:cNvCxnSpPr>
+            <a:cxnSpLocks/>
+          </p:cNvCxnSpPr>
+          <p:nvPr/>
+        </p:nvCxnSpPr>
+        <p:spPr>
+          <a:xfrm flipV="1">
+            <a:off x="4259368" y="272185"/>
+            <a:ext cx="290171" cy="775542"/>
+          </a:xfrm>
+          <a:prstGeom prst="straightConnector1">
+            <a:avLst/>
+          </a:prstGeom>
+          <a:ln w="28575">
+            <a:solidFill>
+              <a:schemeClr val="accent1"/>
+            </a:solidFill>
+            <a:headEnd w="lg" len="lg"/>
+            <a:tailEnd type="triangle" w="lg" len="lg"/>
+          </a:ln>
+        </p:spPr>
+        <p:style>
+          <a:lnRef idx="1">
+            <a:schemeClr val="accent1"/>
+          </a:lnRef>
+          <a:fillRef idx="0">
+            <a:schemeClr val="accent1"/>
+          </a:fillRef>
+          <a:effectRef idx="0">
+            <a:schemeClr val="accent1"/>
+          </a:effectRef>
+          <a:fontRef idx="minor">
+            <a:schemeClr val="tx1"/>
+          </a:fontRef>
+        </p:style>
+      </p:cxnSp>
+      <mc:AlternateContent xmlns:mc="http://schemas.openxmlformats.org/markup-compatibility/2006">
+        <mc:Choice xmlns:a14="http://schemas.microsoft.com/office/drawing/2010/main" Requires="a14">
+          <p:sp>
+            <p:nvSpPr>
+              <p:cNvPr id="86" name="직사각형 85">
+                <a:extLst>
+                  <a:ext uri="{FF2B5EF4-FFF2-40B4-BE49-F238E27FC236}">
+                    <a16:creationId xmlns:a16="http://schemas.microsoft.com/office/drawing/2014/main" id="{657EC5A7-2E12-490B-B14D-19D6BB7F5046}"/>
+                  </a:ext>
+                </a:extLst>
+              </p:cNvPr>
+              <p:cNvSpPr/>
+              <p:nvPr/>
+            </p:nvSpPr>
+            <p:spPr>
+              <a:xfrm>
+                <a:off x="4567584" y="122191"/>
+                <a:ext cx="1556067" cy="385747"/>
+              </a:xfrm>
+              <a:prstGeom prst="rect">
+                <a:avLst/>
+              </a:prstGeom>
+            </p:spPr>
+            <p:txBody>
+              <a:bodyPr wrap="none">
+                <a:spAutoFit/>
+              </a:bodyPr>
+              <a:lstStyle/>
+              <a:p>
+                <a:pPr/>
+                <a14:m>
+                  <m:oMathPara xmlns:m="http://schemas.openxmlformats.org/officeDocument/2006/math">
+                    <m:oMathParaPr>
+                      <m:jc m:val="centerGroup"/>
+                    </m:oMathParaPr>
+                    <m:oMath xmlns:m="http://schemas.openxmlformats.org/officeDocument/2006/math">
+                      <m:r>
+                        <a:rPr lang="en-US" altLang="ko-KR" b="0" i="1" smtClean="0">
+                          <a:latin typeface="Cambria Math" panose="02040503050406030204" pitchFamily="18" charset="0"/>
+                        </a:rPr>
+                        <m:t>𝜎</m:t>
+                      </m:r>
+                      <m:d>
+                        <m:dPr>
+                          <m:ctrlPr>
+                            <a:rPr lang="en-US" altLang="ko-KR" b="0" i="1" smtClean="0">
+                              <a:latin typeface="Cambria Math" panose="02040503050406030204" pitchFamily="18" charset="0"/>
+                            </a:rPr>
+                          </m:ctrlPr>
+                        </m:dPr>
+                        <m:e>
+                          <m:sSub>
+                            <m:sSubPr>
+                              <m:ctrlPr>
+                                <a:rPr lang="en-US" altLang="ko-KR" b="0" i="1" smtClean="0">
+                                  <a:latin typeface="Cambria Math" panose="02040503050406030204" pitchFamily="18" charset="0"/>
+                                </a:rPr>
+                              </m:ctrlPr>
+                            </m:sSubPr>
+                            <m:e>
+                              <m:r>
+                                <a:rPr lang="en-US" altLang="ko-KR" b="0" i="1" smtClean="0">
+                                  <a:latin typeface="Cambria Math" panose="02040503050406030204" pitchFamily="18" charset="0"/>
+                                </a:rPr>
+                                <m:t>𝛽</m:t>
+                              </m:r>
+                            </m:e>
+                            <m:sub>
+                              <m:r>
+                                <a:rPr lang="en-US" altLang="ko-KR" b="0" i="1" smtClean="0">
+                                  <a:latin typeface="Cambria Math" panose="02040503050406030204" pitchFamily="18" charset="0"/>
+                                </a:rPr>
+                                <m:t>3</m:t>
+                              </m:r>
+                            </m:sub>
+                          </m:sSub>
+                        </m:e>
+                      </m:d>
+                      <m:r>
+                        <a:rPr lang="en-US" altLang="ko-KR" b="0" i="1" smtClean="0">
+                          <a:latin typeface="Cambria Math" panose="02040503050406030204" pitchFamily="18" charset="0"/>
+                        </a:rPr>
+                        <m:t>=</m:t>
+                      </m:r>
+                      <m:sSubSup>
+                        <m:sSubSupPr>
+                          <m:ctrlPr>
+                            <a:rPr lang="en-US" altLang="ko-KR" b="0" i="1" smtClean="0">
+                              <a:latin typeface="Cambria Math" panose="02040503050406030204" pitchFamily="18" charset="0"/>
+                            </a:rPr>
+                          </m:ctrlPr>
+                        </m:sSubSupPr>
+                        <m:e>
+                          <m:r>
+                            <a:rPr lang="en-US" altLang="ko-KR" b="0" i="1" smtClean="0">
+                              <a:latin typeface="Cambria Math" panose="02040503050406030204" pitchFamily="18" charset="0"/>
+                            </a:rPr>
+                            <m:t>𝑇</m:t>
+                          </m:r>
+                        </m:e>
+                        <m:sub>
+                          <m:r>
+                            <a:rPr lang="en-US" altLang="ko-KR" b="0" i="1" smtClean="0">
+                              <a:latin typeface="Cambria Math" panose="02040503050406030204" pitchFamily="18" charset="0"/>
+                            </a:rPr>
+                            <m:t>3</m:t>
+                          </m:r>
+                        </m:sub>
+                        <m:sup>
+                          <m:r>
+                            <a:rPr lang="en-US" altLang="ko-KR" b="0" i="1" smtClean="0">
+                              <a:latin typeface="Cambria Math" panose="02040503050406030204" pitchFamily="18" charset="0"/>
+                            </a:rPr>
+                            <m:t>𝑖</m:t>
+                          </m:r>
+                        </m:sup>
+                      </m:sSubSup>
+                      <m:sSub>
+                        <m:sSubPr>
+                          <m:ctrlPr>
+                            <a:rPr lang="en-US" altLang="ko-KR" b="0" i="1" smtClean="0">
+                              <a:latin typeface="Cambria Math" panose="02040503050406030204" pitchFamily="18" charset="0"/>
+                            </a:rPr>
+                          </m:ctrlPr>
+                        </m:sSubPr>
+                        <m:e>
+                          <m:r>
+                            <a:rPr lang="en-US" altLang="ko-KR" b="0" i="1" smtClean="0">
+                              <a:latin typeface="Cambria Math" panose="02040503050406030204" pitchFamily="18" charset="0"/>
+                            </a:rPr>
+                            <m:t>𝛽</m:t>
+                          </m:r>
+                        </m:e>
+                        <m:sub>
+                          <m:r>
+                            <a:rPr lang="en-US" altLang="ko-KR" b="0" i="1" smtClean="0">
+                              <a:latin typeface="Cambria Math" panose="02040503050406030204" pitchFamily="18" charset="0"/>
+                            </a:rPr>
+                            <m:t>𝑖</m:t>
+                          </m:r>
+                        </m:sub>
+                      </m:sSub>
+                    </m:oMath>
+                  </m:oMathPara>
+                </a14:m>
+                <a:endParaRPr lang="ko-KR" altLang="en-US" dirty="0"/>
+              </a:p>
+            </p:txBody>
+          </p:sp>
+        </mc:Choice>
+        <mc:Fallback>
+          <p:sp>
+            <p:nvSpPr>
+              <p:cNvPr id="86" name="직사각형 85">
+                <a:extLst>
+                  <a:ext uri="{FF2B5EF4-FFF2-40B4-BE49-F238E27FC236}">
+                    <a16:creationId xmlns:a16="http://schemas.microsoft.com/office/drawing/2014/main" id="{657EC5A7-2E12-490B-B14D-19D6BB7F5046}"/>
+                  </a:ext>
+                </a:extLst>
+              </p:cNvPr>
+              <p:cNvSpPr>
+                <a:spLocks noRot="1" noChangeAspect="1" noMove="1" noResize="1" noEditPoints="1" noAdjustHandles="1" noChangeArrowheads="1" noChangeShapeType="1" noTextEdit="1"/>
+              </p:cNvSpPr>
+              <p:nvPr/>
+            </p:nvSpPr>
+            <p:spPr>
+              <a:xfrm>
+                <a:off x="4567584" y="122191"/>
+                <a:ext cx="1556067" cy="385747"/>
+              </a:xfrm>
+              <a:prstGeom prst="rect">
+                <a:avLst/>
+              </a:prstGeom>
+              <a:blipFill>
+                <a:blip r:embed="rId23"/>
+                <a:stretch>
+                  <a:fillRect b="-15873"/>
+                </a:stretch>
+              </a:blipFill>
+            </p:spPr>
+            <p:txBody>
+              <a:bodyPr/>
+              <a:lstStyle/>
+              <a:p>
+                <a:r>
+                  <a:rPr lang="ko-KR" altLang="en-US">
+                    <a:noFill/>
+                  </a:rPr>
+                  <a:t> </a:t>
+                </a:r>
+              </a:p>
+            </p:txBody>
+          </p:sp>
+        </mc:Fallback>
+      </mc:AlternateContent>
+      <mc:AlternateContent xmlns:mc="http://schemas.openxmlformats.org/markup-compatibility/2006">
+        <mc:Choice xmlns:a14="http://schemas.microsoft.com/office/drawing/2010/main" Requires="a14">
+          <p:sp>
+            <p:nvSpPr>
+              <p:cNvPr id="87" name="직사각형 86">
+                <a:extLst>
+                  <a:ext uri="{FF2B5EF4-FFF2-40B4-BE49-F238E27FC236}">
+                    <a16:creationId xmlns:a16="http://schemas.microsoft.com/office/drawing/2014/main" id="{9CD9CE0B-2778-49ED-99B4-A3100EABDB19}"/>
+                  </a:ext>
+                </a:extLst>
+              </p:cNvPr>
+              <p:cNvSpPr/>
+              <p:nvPr/>
+            </p:nvSpPr>
+            <p:spPr>
+              <a:xfrm>
+                <a:off x="6105469" y="2956334"/>
+                <a:ext cx="1556067" cy="385747"/>
+              </a:xfrm>
+              <a:prstGeom prst="rect">
+                <a:avLst/>
+              </a:prstGeom>
+            </p:spPr>
+            <p:txBody>
+              <a:bodyPr wrap="none">
+                <a:spAutoFit/>
+              </a:bodyPr>
+              <a:lstStyle/>
+              <a:p>
+                <a:pPr/>
+                <a14:m>
+                  <m:oMathPara xmlns:m="http://schemas.openxmlformats.org/officeDocument/2006/math">
+                    <m:oMathParaPr>
+                      <m:jc m:val="centerGroup"/>
+                    </m:oMathParaPr>
+                    <m:oMath xmlns:m="http://schemas.openxmlformats.org/officeDocument/2006/math">
+                      <m:r>
+                        <a:rPr lang="en-US" altLang="ko-KR" b="0" i="1" smtClean="0">
+                          <a:latin typeface="Cambria Math" panose="02040503050406030204" pitchFamily="18" charset="0"/>
+                        </a:rPr>
+                        <m:t>𝜎</m:t>
+                      </m:r>
+                      <m:d>
+                        <m:dPr>
+                          <m:ctrlPr>
+                            <a:rPr lang="en-US" altLang="ko-KR" b="0" i="1" smtClean="0">
+                              <a:latin typeface="Cambria Math" panose="02040503050406030204" pitchFamily="18" charset="0"/>
+                            </a:rPr>
+                          </m:ctrlPr>
+                        </m:dPr>
+                        <m:e>
+                          <m:sSub>
+                            <m:sSubPr>
+                              <m:ctrlPr>
+                                <a:rPr lang="en-US" altLang="ko-KR" b="0" i="1" smtClean="0">
+                                  <a:latin typeface="Cambria Math" panose="02040503050406030204" pitchFamily="18" charset="0"/>
+                                </a:rPr>
+                              </m:ctrlPr>
+                            </m:sSubPr>
+                            <m:e>
+                              <m:r>
+                                <a:rPr lang="en-US" altLang="ko-KR" b="0" i="1" smtClean="0">
+                                  <a:latin typeface="Cambria Math" panose="02040503050406030204" pitchFamily="18" charset="0"/>
+                                </a:rPr>
+                                <m:t>𝛽</m:t>
+                              </m:r>
+                            </m:e>
+                            <m:sub>
+                              <m:r>
+                                <a:rPr lang="en-US" altLang="ko-KR" b="0" i="1" smtClean="0">
+                                  <a:latin typeface="Cambria Math" panose="02040503050406030204" pitchFamily="18" charset="0"/>
+                                </a:rPr>
+                                <m:t>2</m:t>
+                              </m:r>
+                            </m:sub>
+                          </m:sSub>
+                        </m:e>
+                      </m:d>
+                      <m:r>
+                        <a:rPr lang="en-US" altLang="ko-KR" b="0" i="1" smtClean="0">
+                          <a:latin typeface="Cambria Math" panose="02040503050406030204" pitchFamily="18" charset="0"/>
+                        </a:rPr>
+                        <m:t>=</m:t>
+                      </m:r>
+                      <m:sSubSup>
+                        <m:sSubSupPr>
+                          <m:ctrlPr>
+                            <a:rPr lang="en-US" altLang="ko-KR" b="0" i="1" smtClean="0">
+                              <a:latin typeface="Cambria Math" panose="02040503050406030204" pitchFamily="18" charset="0"/>
+                            </a:rPr>
+                          </m:ctrlPr>
+                        </m:sSubSupPr>
+                        <m:e>
+                          <m:r>
+                            <a:rPr lang="en-US" altLang="ko-KR" b="0" i="1" smtClean="0">
+                              <a:latin typeface="Cambria Math" panose="02040503050406030204" pitchFamily="18" charset="0"/>
+                            </a:rPr>
+                            <m:t>𝑇</m:t>
+                          </m:r>
+                        </m:e>
+                        <m:sub>
+                          <m:r>
+                            <a:rPr lang="en-US" altLang="ko-KR" b="0" i="1" smtClean="0">
+                              <a:latin typeface="Cambria Math" panose="02040503050406030204" pitchFamily="18" charset="0"/>
+                            </a:rPr>
+                            <m:t>2</m:t>
+                          </m:r>
+                        </m:sub>
+                        <m:sup>
+                          <m:r>
+                            <a:rPr lang="en-US" altLang="ko-KR" b="0" i="1" smtClean="0">
+                              <a:latin typeface="Cambria Math" panose="02040503050406030204" pitchFamily="18" charset="0"/>
+                            </a:rPr>
+                            <m:t>𝑖</m:t>
+                          </m:r>
+                        </m:sup>
+                      </m:sSubSup>
+                      <m:sSub>
+                        <m:sSubPr>
+                          <m:ctrlPr>
+                            <a:rPr lang="en-US" altLang="ko-KR" b="0" i="1" smtClean="0">
+                              <a:latin typeface="Cambria Math" panose="02040503050406030204" pitchFamily="18" charset="0"/>
+                            </a:rPr>
+                          </m:ctrlPr>
+                        </m:sSubPr>
+                        <m:e>
+                          <m:r>
+                            <a:rPr lang="en-US" altLang="ko-KR" b="0" i="1" smtClean="0">
+                              <a:latin typeface="Cambria Math" panose="02040503050406030204" pitchFamily="18" charset="0"/>
+                            </a:rPr>
+                            <m:t>𝛽</m:t>
+                          </m:r>
+                        </m:e>
+                        <m:sub>
+                          <m:r>
+                            <a:rPr lang="en-US" altLang="ko-KR" b="0" i="1" smtClean="0">
+                              <a:latin typeface="Cambria Math" panose="02040503050406030204" pitchFamily="18" charset="0"/>
+                            </a:rPr>
+                            <m:t>𝑖</m:t>
+                          </m:r>
+                        </m:sub>
+                      </m:sSub>
+                    </m:oMath>
+                  </m:oMathPara>
+                </a14:m>
+                <a:endParaRPr lang="ko-KR" altLang="en-US" dirty="0"/>
+              </a:p>
+            </p:txBody>
+          </p:sp>
+        </mc:Choice>
+        <mc:Fallback>
+          <p:sp>
+            <p:nvSpPr>
+              <p:cNvPr id="87" name="직사각형 86">
+                <a:extLst>
+                  <a:ext uri="{FF2B5EF4-FFF2-40B4-BE49-F238E27FC236}">
+                    <a16:creationId xmlns:a16="http://schemas.microsoft.com/office/drawing/2014/main" id="{9CD9CE0B-2778-49ED-99B4-A3100EABDB19}"/>
+                  </a:ext>
+                </a:extLst>
+              </p:cNvPr>
+              <p:cNvSpPr>
+                <a:spLocks noRot="1" noChangeAspect="1" noMove="1" noResize="1" noEditPoints="1" noAdjustHandles="1" noChangeArrowheads="1" noChangeShapeType="1" noTextEdit="1"/>
+              </p:cNvSpPr>
+              <p:nvPr/>
+            </p:nvSpPr>
+            <p:spPr>
+              <a:xfrm>
+                <a:off x="6105469" y="2956334"/>
+                <a:ext cx="1556067" cy="385747"/>
+              </a:xfrm>
+              <a:prstGeom prst="rect">
+                <a:avLst/>
+              </a:prstGeom>
+              <a:blipFill>
+                <a:blip r:embed="rId24"/>
+                <a:stretch>
+                  <a:fillRect b="-14286"/>
+                </a:stretch>
+              </a:blipFill>
+            </p:spPr>
+            <p:txBody>
+              <a:bodyPr/>
+              <a:lstStyle/>
+              <a:p>
+                <a:r>
+                  <a:rPr lang="ko-KR" altLang="en-US">
+                    <a:noFill/>
+                  </a:rPr>
+                  <a:t> </a:t>
+                </a:r>
+              </a:p>
+            </p:txBody>
+          </p:sp>
+        </mc:Fallback>
+      </mc:AlternateContent>
+      <mc:AlternateContent xmlns:mc="http://schemas.openxmlformats.org/markup-compatibility/2006">
+        <mc:Choice xmlns:a14="http://schemas.microsoft.com/office/drawing/2010/main" Requires="a14">
+          <p:sp>
+            <p:nvSpPr>
+              <p:cNvPr id="88" name="직사각형 87">
+                <a:extLst>
+                  <a:ext uri="{FF2B5EF4-FFF2-40B4-BE49-F238E27FC236}">
+                    <a16:creationId xmlns:a16="http://schemas.microsoft.com/office/drawing/2014/main" id="{9F383619-47B9-4958-AEA7-5E563EB03C84}"/>
+                  </a:ext>
+                </a:extLst>
+              </p:cNvPr>
+              <p:cNvSpPr/>
+              <p:nvPr/>
+            </p:nvSpPr>
+            <p:spPr>
+              <a:xfrm>
+                <a:off x="3556353" y="1982893"/>
+                <a:ext cx="1556067" cy="385747"/>
+              </a:xfrm>
+              <a:prstGeom prst="rect">
+                <a:avLst/>
+              </a:prstGeom>
+            </p:spPr>
+            <p:txBody>
+              <a:bodyPr wrap="none">
+                <a:spAutoFit/>
+              </a:bodyPr>
+              <a:lstStyle/>
+              <a:p>
+                <a:pPr/>
+                <a14:m>
+                  <m:oMathPara xmlns:m="http://schemas.openxmlformats.org/officeDocument/2006/math">
+                    <m:oMathParaPr>
+                      <m:jc m:val="centerGroup"/>
+                    </m:oMathParaPr>
+                    <m:oMath xmlns:m="http://schemas.openxmlformats.org/officeDocument/2006/math">
+                      <m:r>
+                        <a:rPr lang="en-US" altLang="ko-KR" b="0" i="1" smtClean="0">
+                          <a:latin typeface="Cambria Math" panose="02040503050406030204" pitchFamily="18" charset="0"/>
+                        </a:rPr>
+                        <m:t>𝜎</m:t>
+                      </m:r>
+                      <m:d>
+                        <m:dPr>
+                          <m:ctrlPr>
+                            <a:rPr lang="en-US" altLang="ko-KR" b="0" i="1" smtClean="0">
+                              <a:latin typeface="Cambria Math" panose="02040503050406030204" pitchFamily="18" charset="0"/>
+                            </a:rPr>
+                          </m:ctrlPr>
+                        </m:dPr>
+                        <m:e>
+                          <m:sSub>
+                            <m:sSubPr>
+                              <m:ctrlPr>
+                                <a:rPr lang="en-US" altLang="ko-KR" b="0" i="1" smtClean="0">
+                                  <a:latin typeface="Cambria Math" panose="02040503050406030204" pitchFamily="18" charset="0"/>
+                                </a:rPr>
+                              </m:ctrlPr>
+                            </m:sSubPr>
+                            <m:e>
+                              <m:r>
+                                <a:rPr lang="en-US" altLang="ko-KR" b="0" i="1" smtClean="0">
+                                  <a:latin typeface="Cambria Math" panose="02040503050406030204" pitchFamily="18" charset="0"/>
+                                </a:rPr>
+                                <m:t>𝛽</m:t>
+                              </m:r>
+                            </m:e>
+                            <m:sub>
+                              <m:r>
+                                <a:rPr lang="en-US" altLang="ko-KR" b="0" i="1" smtClean="0">
+                                  <a:latin typeface="Cambria Math" panose="02040503050406030204" pitchFamily="18" charset="0"/>
+                                </a:rPr>
+                                <m:t>1</m:t>
+                              </m:r>
+                            </m:sub>
+                          </m:sSub>
+                        </m:e>
+                      </m:d>
+                      <m:r>
+                        <a:rPr lang="en-US" altLang="ko-KR" b="0" i="1" smtClean="0">
+                          <a:latin typeface="Cambria Math" panose="02040503050406030204" pitchFamily="18" charset="0"/>
+                        </a:rPr>
+                        <m:t>=</m:t>
+                      </m:r>
+                      <m:sSubSup>
+                        <m:sSubSupPr>
+                          <m:ctrlPr>
+                            <a:rPr lang="en-US" altLang="ko-KR" b="0" i="1" smtClean="0">
+                              <a:latin typeface="Cambria Math" panose="02040503050406030204" pitchFamily="18" charset="0"/>
+                            </a:rPr>
+                          </m:ctrlPr>
+                        </m:sSubSupPr>
+                        <m:e>
+                          <m:r>
+                            <a:rPr lang="en-US" altLang="ko-KR" b="0" i="1" smtClean="0">
+                              <a:latin typeface="Cambria Math" panose="02040503050406030204" pitchFamily="18" charset="0"/>
+                            </a:rPr>
+                            <m:t>𝑇</m:t>
+                          </m:r>
+                        </m:e>
+                        <m:sub>
+                          <m:r>
+                            <a:rPr lang="en-US" altLang="ko-KR" b="0" i="1" smtClean="0">
+                              <a:latin typeface="Cambria Math" panose="02040503050406030204" pitchFamily="18" charset="0"/>
+                            </a:rPr>
+                            <m:t>1</m:t>
+                          </m:r>
+                        </m:sub>
+                        <m:sup>
+                          <m:r>
+                            <a:rPr lang="en-US" altLang="ko-KR" b="0" i="1" smtClean="0">
+                              <a:latin typeface="Cambria Math" panose="02040503050406030204" pitchFamily="18" charset="0"/>
+                            </a:rPr>
+                            <m:t>𝑖</m:t>
+                          </m:r>
+                        </m:sup>
+                      </m:sSubSup>
+                      <m:sSub>
+                        <m:sSubPr>
+                          <m:ctrlPr>
+                            <a:rPr lang="en-US" altLang="ko-KR" b="0" i="1" smtClean="0">
+                              <a:latin typeface="Cambria Math" panose="02040503050406030204" pitchFamily="18" charset="0"/>
+                            </a:rPr>
+                          </m:ctrlPr>
+                        </m:sSubPr>
+                        <m:e>
+                          <m:r>
+                            <a:rPr lang="en-US" altLang="ko-KR" b="0" i="1" smtClean="0">
+                              <a:latin typeface="Cambria Math" panose="02040503050406030204" pitchFamily="18" charset="0"/>
+                            </a:rPr>
+                            <m:t>𝛽</m:t>
+                          </m:r>
+                        </m:e>
+                        <m:sub>
+                          <m:r>
+                            <a:rPr lang="en-US" altLang="ko-KR" b="0" i="1" smtClean="0">
+                              <a:latin typeface="Cambria Math" panose="02040503050406030204" pitchFamily="18" charset="0"/>
+                            </a:rPr>
+                            <m:t>𝑖</m:t>
+                          </m:r>
+                        </m:sub>
+                      </m:sSub>
+                    </m:oMath>
+                  </m:oMathPara>
+                </a14:m>
+                <a:endParaRPr lang="ko-KR" altLang="en-US" dirty="0"/>
+              </a:p>
+            </p:txBody>
+          </p:sp>
+        </mc:Choice>
+        <mc:Fallback>
+          <p:sp>
+            <p:nvSpPr>
+              <p:cNvPr id="88" name="직사각형 87">
+                <a:extLst>
+                  <a:ext uri="{FF2B5EF4-FFF2-40B4-BE49-F238E27FC236}">
+                    <a16:creationId xmlns:a16="http://schemas.microsoft.com/office/drawing/2014/main" id="{9F383619-47B9-4958-AEA7-5E563EB03C84}"/>
+                  </a:ext>
+                </a:extLst>
+              </p:cNvPr>
+              <p:cNvSpPr>
+                <a:spLocks noRot="1" noChangeAspect="1" noMove="1" noResize="1" noEditPoints="1" noAdjustHandles="1" noChangeArrowheads="1" noChangeShapeType="1" noTextEdit="1"/>
+              </p:cNvSpPr>
+              <p:nvPr/>
+            </p:nvSpPr>
+            <p:spPr>
+              <a:xfrm>
+                <a:off x="3556353" y="1982893"/>
+                <a:ext cx="1556067" cy="385747"/>
+              </a:xfrm>
+              <a:prstGeom prst="rect">
+                <a:avLst/>
+              </a:prstGeom>
+              <a:blipFill>
+                <a:blip r:embed="rId25"/>
+                <a:stretch>
+                  <a:fillRect b="-14063"/>
+                </a:stretch>
+              </a:blipFill>
+            </p:spPr>
+            <p:txBody>
+              <a:bodyPr/>
+              <a:lstStyle/>
+              <a:p>
+                <a:r>
+                  <a:rPr lang="ko-KR" altLang="en-US">
+                    <a:noFill/>
+                  </a:rPr>
+                  <a:t> </a:t>
+                </a:r>
+              </a:p>
+            </p:txBody>
+          </p:sp>
+        </mc:Fallback>
+      </mc:AlternateContent>
     </p:spTree>
     <p:extLst>
       <p:ext uri="{BB962C8B-B14F-4D97-AF65-F5344CB8AC3E}">
@@ -38682,6 +39413,4212 @@
 </file>
 
 <file path=ppt/slides/slide33.xml><?xml version="1.0" encoding="utf-8"?>
+<p:sld xmlns:a="http://schemas.openxmlformats.org/drawingml/2006/main" xmlns:r="http://schemas.openxmlformats.org/officeDocument/2006/relationships" xmlns:p="http://schemas.openxmlformats.org/presentationml/2006/main">
+  <p:cSld>
+    <p:spTree>
+      <p:nvGrpSpPr>
+        <p:cNvPr id="1" name=""/>
+        <p:cNvGrpSpPr/>
+        <p:nvPr/>
+      </p:nvGrpSpPr>
+      <p:grpSpPr>
+        <a:xfrm>
+          <a:off x="0" y="0"/>
+          <a:ext cx="0" cy="0"/>
+          <a:chOff x="0" y="0"/>
+          <a:chExt cx="0" cy="0"/>
+        </a:xfrm>
+      </p:grpSpPr>
+      <p:sp>
+        <p:nvSpPr>
+          <p:cNvPr id="40" name="직사각형 39"/>
+          <p:cNvSpPr/>
+          <p:nvPr/>
+        </p:nvSpPr>
+        <p:spPr>
+          <a:xfrm>
+            <a:off x="8719071" y="3852495"/>
+            <a:ext cx="1800000" cy="1080000"/>
+          </a:xfrm>
+          <a:prstGeom prst="rect">
+            <a:avLst/>
+          </a:prstGeom>
+          <a:noFill/>
+          <a:ln w="28575">
+            <a:solidFill>
+              <a:schemeClr val="tx1"/>
+            </a:solidFill>
+          </a:ln>
+        </p:spPr>
+        <p:style>
+          <a:lnRef idx="2">
+            <a:schemeClr val="accent1">
+              <a:shade val="50000"/>
+            </a:schemeClr>
+          </a:lnRef>
+          <a:fillRef idx="1">
+            <a:schemeClr val="accent1"/>
+          </a:fillRef>
+          <a:effectRef idx="0">
+            <a:schemeClr val="accent1"/>
+          </a:effectRef>
+          <a:fontRef idx="minor">
+            <a:schemeClr val="lt1"/>
+          </a:fontRef>
+        </p:style>
+        <p:txBody>
+          <a:bodyPr rtlCol="0" anchor="ctr"/>
+          <a:lstStyle/>
+          <a:p>
+            <a:pPr algn="ctr"/>
+            <a:endParaRPr lang="ko-KR" altLang="en-US"/>
+          </a:p>
+        </p:txBody>
+      </p:sp>
+      <p:cxnSp>
+        <p:nvCxnSpPr>
+          <p:cNvPr id="41" name="직선 화살표 연결선 40"/>
+          <p:cNvCxnSpPr>
+            <a:stCxn id="40" idx="3"/>
+          </p:cNvCxnSpPr>
+          <p:nvPr/>
+        </p:nvCxnSpPr>
+        <p:spPr>
+          <a:xfrm>
+            <a:off x="10519071" y="4392495"/>
+            <a:ext cx="720000" cy="0"/>
+          </a:xfrm>
+          <a:prstGeom prst="straightConnector1">
+            <a:avLst/>
+          </a:prstGeom>
+          <a:ln w="28575">
+            <a:solidFill>
+              <a:schemeClr val="tx1"/>
+            </a:solidFill>
+            <a:headEnd w="lg" len="lg"/>
+            <a:tailEnd type="triangle" w="lg" len="lg"/>
+          </a:ln>
+        </p:spPr>
+        <p:style>
+          <a:lnRef idx="1">
+            <a:schemeClr val="accent1"/>
+          </a:lnRef>
+          <a:fillRef idx="0">
+            <a:schemeClr val="accent1"/>
+          </a:fillRef>
+          <a:effectRef idx="0">
+            <a:schemeClr val="accent1"/>
+          </a:effectRef>
+          <a:fontRef idx="minor">
+            <a:schemeClr val="tx1"/>
+          </a:fontRef>
+        </p:style>
+      </p:cxnSp>
+      <p:cxnSp>
+        <p:nvCxnSpPr>
+          <p:cNvPr id="42" name="직선 화살표 연결선 41"/>
+          <p:cNvCxnSpPr/>
+          <p:nvPr/>
+        </p:nvCxnSpPr>
+        <p:spPr>
+          <a:xfrm flipH="1" flipV="1">
+            <a:off x="10633127" y="3836596"/>
+            <a:ext cx="0" cy="1080000"/>
+          </a:xfrm>
+          <a:prstGeom prst="straightConnector1">
+            <a:avLst/>
+          </a:prstGeom>
+          <a:ln w="28575">
+            <a:solidFill>
+              <a:schemeClr val="tx1"/>
+            </a:solidFill>
+            <a:headEnd w="lg" len="lg"/>
+            <a:tailEnd type="triangle" w="lg" len="lg"/>
+          </a:ln>
+        </p:spPr>
+        <p:style>
+          <a:lnRef idx="1">
+            <a:schemeClr val="accent1"/>
+          </a:lnRef>
+          <a:fillRef idx="0">
+            <a:schemeClr val="accent1"/>
+          </a:fillRef>
+          <a:effectRef idx="0">
+            <a:schemeClr val="accent1"/>
+          </a:effectRef>
+          <a:fontRef idx="minor">
+            <a:schemeClr val="tx1"/>
+          </a:fontRef>
+        </p:style>
+      </p:cxnSp>
+      <mc:AlternateContent xmlns:mc="http://schemas.openxmlformats.org/markup-compatibility/2006" xmlns:a14="http://schemas.microsoft.com/office/drawing/2010/main">
+        <mc:Choice Requires="a14">
+          <p:sp>
+            <p:nvSpPr>
+              <p:cNvPr id="45" name="TextBox 44"/>
+              <p:cNvSpPr txBox="1"/>
+              <p:nvPr/>
+            </p:nvSpPr>
+            <p:spPr>
+              <a:xfrm>
+                <a:off x="10989537" y="4492905"/>
+                <a:ext cx="996491" cy="279628"/>
+              </a:xfrm>
+              <a:prstGeom prst="rect">
+                <a:avLst/>
+              </a:prstGeom>
+              <a:noFill/>
+            </p:spPr>
+            <p:txBody>
+              <a:bodyPr wrap="none" lIns="0" tIns="0" rIns="0" bIns="0" rtlCol="0">
+                <a:spAutoFit/>
+              </a:bodyPr>
+              <a:lstStyle/>
+              <a:p>
+                <a:pPr/>
+                <a14:m>
+                  <m:oMathPara xmlns:m="http://schemas.openxmlformats.org/officeDocument/2006/math">
+                    <m:oMathParaPr>
+                      <m:jc m:val="centerGroup"/>
+                    </m:oMathParaPr>
+                    <m:oMath xmlns:m="http://schemas.openxmlformats.org/officeDocument/2006/math">
+                      <m:sSubSup>
+                        <m:sSubSupPr>
+                          <m:ctrlPr>
+                            <a:rPr lang="en-US" altLang="ko-KR" i="1">
+                              <a:latin typeface="Cambria Math" panose="02040503050406030204" pitchFamily="18" charset="0"/>
+                            </a:rPr>
+                          </m:ctrlPr>
+                        </m:sSubSupPr>
+                        <m:e>
+                          <m:r>
+                            <a:rPr lang="en-US" altLang="ko-KR" i="1">
+                              <a:latin typeface="Cambria Math" panose="02040503050406030204" pitchFamily="18" charset="0"/>
+                            </a:rPr>
+                            <m:t>𝜎</m:t>
+                          </m:r>
+                        </m:e>
+                        <m:sub>
+                          <m:r>
+                            <a:rPr lang="en-US" altLang="ko-KR" i="1">
+                              <a:latin typeface="Cambria Math" panose="02040503050406030204" pitchFamily="18" charset="0"/>
+                            </a:rPr>
+                            <m:t>1</m:t>
+                          </m:r>
+                        </m:sub>
+                        <m:sup>
+                          <m:r>
+                            <a:rPr lang="en-US" altLang="ko-KR" i="1">
+                              <a:latin typeface="Cambria Math" panose="02040503050406030204" pitchFamily="18" charset="0"/>
+                            </a:rPr>
+                            <m:t>1</m:t>
+                          </m:r>
+                        </m:sup>
+                      </m:sSubSup>
+                      <m:r>
+                        <a:rPr lang="en-US" altLang="ko-KR" i="1">
+                          <a:latin typeface="Cambria Math" panose="02040503050406030204" pitchFamily="18" charset="0"/>
+                        </a:rPr>
+                        <m:t>+∆</m:t>
+                      </m:r>
+                      <m:sSubSup>
+                        <m:sSubSupPr>
+                          <m:ctrlPr>
+                            <a:rPr lang="en-US" altLang="ko-KR" i="1">
+                              <a:latin typeface="Cambria Math" panose="02040503050406030204" pitchFamily="18" charset="0"/>
+                            </a:rPr>
+                          </m:ctrlPr>
+                        </m:sSubSupPr>
+                        <m:e>
+                          <m:r>
+                            <a:rPr lang="en-US" altLang="ko-KR" i="1">
+                              <a:latin typeface="Cambria Math" panose="02040503050406030204" pitchFamily="18" charset="0"/>
+                            </a:rPr>
+                            <m:t>𝜎</m:t>
+                          </m:r>
+                        </m:e>
+                        <m:sub>
+                          <m:r>
+                            <a:rPr lang="en-US" altLang="ko-KR" i="1">
+                              <a:latin typeface="Cambria Math" panose="02040503050406030204" pitchFamily="18" charset="0"/>
+                            </a:rPr>
+                            <m:t>1</m:t>
+                          </m:r>
+                        </m:sub>
+                        <m:sup>
+                          <m:r>
+                            <a:rPr lang="en-US" altLang="ko-KR" i="1">
+                              <a:latin typeface="Cambria Math" panose="02040503050406030204" pitchFamily="18" charset="0"/>
+                            </a:rPr>
+                            <m:t>1</m:t>
+                          </m:r>
+                        </m:sup>
+                      </m:sSubSup>
+                    </m:oMath>
+                  </m:oMathPara>
+                </a14:m>
+                <a:endParaRPr lang="ko-KR" altLang="en-US" dirty="0"/>
+              </a:p>
+            </p:txBody>
+          </p:sp>
+        </mc:Choice>
+        <mc:Fallback xmlns="">
+          <p:sp>
+            <p:nvSpPr>
+              <p:cNvPr id="45" name="TextBox 44"/>
+              <p:cNvSpPr txBox="1">
+                <a:spLocks noRot="1" noChangeAspect="1" noMove="1" noResize="1" noEditPoints="1" noAdjustHandles="1" noChangeArrowheads="1" noChangeShapeType="1" noTextEdit="1"/>
+              </p:cNvSpPr>
+              <p:nvPr/>
+            </p:nvSpPr>
+            <p:spPr>
+              <a:xfrm>
+                <a:off x="10989537" y="4492905"/>
+                <a:ext cx="996491" cy="279628"/>
+              </a:xfrm>
+              <a:prstGeom prst="rect">
+                <a:avLst/>
+              </a:prstGeom>
+              <a:blipFill rotWithShape="0">
+                <a:blip r:embed="rId2"/>
+                <a:stretch>
+                  <a:fillRect l="-1840" r="-613" b="-21739"/>
+                </a:stretch>
+              </a:blipFill>
+            </p:spPr>
+            <p:txBody>
+              <a:bodyPr/>
+              <a:lstStyle/>
+              <a:p>
+                <a:r>
+                  <a:rPr lang="ko-KR" altLang="en-US">
+                    <a:noFill/>
+                  </a:rPr>
+                  <a:t> </a:t>
+                </a:r>
+              </a:p>
+            </p:txBody>
+          </p:sp>
+        </mc:Fallback>
+      </mc:AlternateContent>
+      <p:cxnSp>
+        <p:nvCxnSpPr>
+          <p:cNvPr id="82" name="직선 화살표 연결선 81"/>
+          <p:cNvCxnSpPr/>
+          <p:nvPr/>
+        </p:nvCxnSpPr>
+        <p:spPr>
+          <a:xfrm>
+            <a:off x="7487203" y="6041785"/>
+            <a:ext cx="511868" cy="1266"/>
+          </a:xfrm>
+          <a:prstGeom prst="straightConnector1">
+            <a:avLst/>
+          </a:prstGeom>
+          <a:ln w="28575">
+            <a:solidFill>
+              <a:schemeClr val="tx1"/>
+            </a:solidFill>
+            <a:headEnd type="none" w="med" len="med"/>
+            <a:tailEnd type="none" w="med" len="med"/>
+          </a:ln>
+        </p:spPr>
+        <p:style>
+          <a:lnRef idx="1">
+            <a:schemeClr val="accent1"/>
+          </a:lnRef>
+          <a:fillRef idx="0">
+            <a:schemeClr val="accent1"/>
+          </a:fillRef>
+          <a:effectRef idx="0">
+            <a:schemeClr val="accent1"/>
+          </a:effectRef>
+          <a:fontRef idx="minor">
+            <a:schemeClr val="tx1"/>
+          </a:fontRef>
+        </p:style>
+      </p:cxnSp>
+      <p:cxnSp>
+        <p:nvCxnSpPr>
+          <p:cNvPr id="83" name="직선 화살표 연결선 82"/>
+          <p:cNvCxnSpPr/>
+          <p:nvPr/>
+        </p:nvCxnSpPr>
+        <p:spPr>
+          <a:xfrm flipV="1">
+            <a:off x="7496729" y="5541733"/>
+            <a:ext cx="815" cy="501318"/>
+          </a:xfrm>
+          <a:prstGeom prst="straightConnector1">
+            <a:avLst/>
+          </a:prstGeom>
+          <a:ln w="28575">
+            <a:solidFill>
+              <a:schemeClr val="tx1"/>
+            </a:solidFill>
+            <a:headEnd type="none" w="med" len="med"/>
+            <a:tailEnd type="none" w="med" len="med"/>
+          </a:ln>
+        </p:spPr>
+        <p:style>
+          <a:lnRef idx="1">
+            <a:schemeClr val="accent1"/>
+          </a:lnRef>
+          <a:fillRef idx="0">
+            <a:schemeClr val="accent1"/>
+          </a:fillRef>
+          <a:effectRef idx="0">
+            <a:schemeClr val="accent1"/>
+          </a:effectRef>
+          <a:fontRef idx="minor">
+            <a:schemeClr val="tx1"/>
+          </a:fontRef>
+        </p:style>
+      </p:cxnSp>
+      <mc:AlternateContent xmlns:mc="http://schemas.openxmlformats.org/markup-compatibility/2006" xmlns:a14="http://schemas.microsoft.com/office/drawing/2010/main">
+        <mc:Choice Requires="a14">
+          <p:sp>
+            <p:nvSpPr>
+              <p:cNvPr id="84" name="TextBox 83"/>
+              <p:cNvSpPr txBox="1"/>
+              <p:nvPr/>
+            </p:nvSpPr>
+            <p:spPr>
+              <a:xfrm>
+                <a:off x="7586203" y="5264734"/>
+                <a:ext cx="313867" cy="276999"/>
+              </a:xfrm>
+              <a:prstGeom prst="rect">
+                <a:avLst/>
+              </a:prstGeom>
+              <a:noFill/>
+            </p:spPr>
+            <p:txBody>
+              <a:bodyPr wrap="none" lIns="0" tIns="0" rIns="0" bIns="0" rtlCol="0">
+                <a:spAutoFit/>
+              </a:bodyPr>
+              <a:lstStyle/>
+              <a:p>
+                <a:pPr/>
+                <a14:m>
+                  <m:oMathPara xmlns:m="http://schemas.openxmlformats.org/officeDocument/2006/math">
+                    <m:oMathParaPr>
+                      <m:jc m:val="centerGroup"/>
+                    </m:oMathParaPr>
+                    <m:oMath xmlns:m="http://schemas.openxmlformats.org/officeDocument/2006/math">
+                      <m:sSub>
+                        <m:sSubPr>
+                          <m:ctrlPr>
+                            <a:rPr lang="en-US" altLang="ko-KR" i="1" smtClean="0">
+                              <a:latin typeface="Cambria Math" panose="02040503050406030204" pitchFamily="18" charset="0"/>
+                            </a:rPr>
+                          </m:ctrlPr>
+                        </m:sSubPr>
+                        <m:e>
+                          <m:r>
+                            <a:rPr lang="en-US" altLang="ko-KR" i="1">
+                              <a:latin typeface="Cambria Math" panose="02040503050406030204" pitchFamily="18" charset="0"/>
+                            </a:rPr>
+                            <m:t>𝛽</m:t>
+                          </m:r>
+                        </m:e>
+                        <m:sub>
+                          <m:r>
+                            <a:rPr lang="en-US" altLang="ko-KR" b="0" i="1" smtClean="0">
+                              <a:latin typeface="Cambria Math" panose="02040503050406030204" pitchFamily="18" charset="0"/>
+                            </a:rPr>
+                            <m:t>3</m:t>
+                          </m:r>
+                        </m:sub>
+                      </m:sSub>
+                    </m:oMath>
+                  </m:oMathPara>
+                </a14:m>
+                <a:endParaRPr lang="ko-KR" altLang="en-US" dirty="0"/>
+              </a:p>
+            </p:txBody>
+          </p:sp>
+        </mc:Choice>
+        <mc:Fallback xmlns="">
+          <p:sp>
+            <p:nvSpPr>
+              <p:cNvPr id="84" name="TextBox 83"/>
+              <p:cNvSpPr txBox="1">
+                <a:spLocks noRot="1" noChangeAspect="1" noMove="1" noResize="1" noEditPoints="1" noAdjustHandles="1" noChangeArrowheads="1" noChangeShapeType="1" noTextEdit="1"/>
+              </p:cNvSpPr>
+              <p:nvPr/>
+            </p:nvSpPr>
+            <p:spPr>
+              <a:xfrm>
+                <a:off x="7586203" y="5264734"/>
+                <a:ext cx="313867" cy="276999"/>
+              </a:xfrm>
+              <a:prstGeom prst="rect">
+                <a:avLst/>
+              </a:prstGeom>
+              <a:blipFill rotWithShape="0">
+                <a:blip r:embed="rId3"/>
+                <a:stretch>
+                  <a:fillRect l="-21154" r="-3846" b="-40000"/>
+                </a:stretch>
+              </a:blipFill>
+            </p:spPr>
+            <p:txBody>
+              <a:bodyPr/>
+              <a:lstStyle/>
+              <a:p>
+                <a:r>
+                  <a:rPr lang="ko-KR" altLang="en-US">
+                    <a:noFill/>
+                  </a:rPr>
+                  <a:t> </a:t>
+                </a:r>
+              </a:p>
+            </p:txBody>
+          </p:sp>
+        </mc:Fallback>
+      </mc:AlternateContent>
+      <mc:AlternateContent xmlns:mc="http://schemas.openxmlformats.org/markup-compatibility/2006" xmlns:a14="http://schemas.microsoft.com/office/drawing/2010/main">
+        <mc:Choice Requires="a14">
+          <p:sp>
+            <p:nvSpPr>
+              <p:cNvPr id="85" name="TextBox 84"/>
+              <p:cNvSpPr txBox="1"/>
+              <p:nvPr/>
+            </p:nvSpPr>
+            <p:spPr>
+              <a:xfrm>
+                <a:off x="7178657" y="6365516"/>
+                <a:ext cx="308546" cy="276999"/>
+              </a:xfrm>
+              <a:prstGeom prst="rect">
+                <a:avLst/>
+              </a:prstGeom>
+              <a:noFill/>
+            </p:spPr>
+            <p:txBody>
+              <a:bodyPr wrap="none" lIns="0" tIns="0" rIns="0" bIns="0" rtlCol="0">
+                <a:spAutoFit/>
+              </a:bodyPr>
+              <a:lstStyle/>
+              <a:p>
+                <a:pPr/>
+                <a14:m>
+                  <m:oMathPara xmlns:m="http://schemas.openxmlformats.org/officeDocument/2006/math">
+                    <m:oMathParaPr>
+                      <m:jc m:val="centerGroup"/>
+                    </m:oMathParaPr>
+                    <m:oMath xmlns:m="http://schemas.openxmlformats.org/officeDocument/2006/math">
+                      <m:sSub>
+                        <m:sSubPr>
+                          <m:ctrlPr>
+                            <a:rPr lang="en-US" altLang="ko-KR" b="0" i="1" smtClean="0">
+                              <a:latin typeface="Cambria Math" panose="02040503050406030204" pitchFamily="18" charset="0"/>
+                            </a:rPr>
+                          </m:ctrlPr>
+                        </m:sSubPr>
+                        <m:e>
+                          <m:r>
+                            <a:rPr lang="en-US" altLang="ko-KR" b="0" i="1" smtClean="0">
+                              <a:latin typeface="Cambria Math" panose="02040503050406030204" pitchFamily="18" charset="0"/>
+                            </a:rPr>
+                            <m:t>𝛽</m:t>
+                          </m:r>
+                        </m:e>
+                        <m:sub>
+                          <m:r>
+                            <a:rPr lang="en-US" altLang="ko-KR" b="0" i="1" smtClean="0">
+                              <a:latin typeface="Cambria Math" panose="02040503050406030204" pitchFamily="18" charset="0"/>
+                            </a:rPr>
+                            <m:t>1</m:t>
+                          </m:r>
+                        </m:sub>
+                      </m:sSub>
+                    </m:oMath>
+                  </m:oMathPara>
+                </a14:m>
+                <a:endParaRPr lang="ko-KR" altLang="en-US" dirty="0"/>
+              </a:p>
+            </p:txBody>
+          </p:sp>
+        </mc:Choice>
+        <mc:Fallback xmlns="">
+          <p:sp>
+            <p:nvSpPr>
+              <p:cNvPr id="85" name="TextBox 84"/>
+              <p:cNvSpPr txBox="1">
+                <a:spLocks noRot="1" noChangeAspect="1" noMove="1" noResize="1" noEditPoints="1" noAdjustHandles="1" noChangeArrowheads="1" noChangeShapeType="1" noTextEdit="1"/>
+              </p:cNvSpPr>
+              <p:nvPr/>
+            </p:nvSpPr>
+            <p:spPr>
+              <a:xfrm>
+                <a:off x="7178657" y="6365516"/>
+                <a:ext cx="308546" cy="276999"/>
+              </a:xfrm>
+              <a:prstGeom prst="rect">
+                <a:avLst/>
+              </a:prstGeom>
+              <a:blipFill rotWithShape="0">
+                <a:blip r:embed="rId4"/>
+                <a:stretch>
+                  <a:fillRect l="-22000" r="-4000" b="-36957"/>
+                </a:stretch>
+              </a:blipFill>
+            </p:spPr>
+            <p:txBody>
+              <a:bodyPr/>
+              <a:lstStyle/>
+              <a:p>
+                <a:r>
+                  <a:rPr lang="ko-KR" altLang="en-US">
+                    <a:noFill/>
+                  </a:rPr>
+                  <a:t> </a:t>
+                </a:r>
+              </a:p>
+            </p:txBody>
+          </p:sp>
+        </mc:Fallback>
+      </mc:AlternateContent>
+      <mc:AlternateContent xmlns:mc="http://schemas.openxmlformats.org/markup-compatibility/2006" xmlns:a14="http://schemas.microsoft.com/office/drawing/2010/main">
+        <mc:Choice Requires="a14">
+          <p:sp>
+            <p:nvSpPr>
+              <p:cNvPr id="34" name="TextBox 33"/>
+              <p:cNvSpPr txBox="1"/>
+              <p:nvPr/>
+            </p:nvSpPr>
+            <p:spPr>
+              <a:xfrm>
+                <a:off x="10785963" y="3812802"/>
+                <a:ext cx="1006366" cy="280205"/>
+              </a:xfrm>
+              <a:prstGeom prst="rect">
+                <a:avLst/>
+              </a:prstGeom>
+              <a:noFill/>
+            </p:spPr>
+            <p:txBody>
+              <a:bodyPr wrap="none" lIns="0" tIns="0" rIns="0" bIns="0" rtlCol="0">
+                <a:spAutoFit/>
+              </a:bodyPr>
+              <a:lstStyle/>
+              <a:p>
+                <a:pPr/>
+                <a14:m>
+                  <m:oMathPara xmlns:m="http://schemas.openxmlformats.org/officeDocument/2006/math">
+                    <m:oMathParaPr>
+                      <m:jc m:val="centerGroup"/>
+                    </m:oMathParaPr>
+                    <m:oMath xmlns:m="http://schemas.openxmlformats.org/officeDocument/2006/math">
+                      <m:sSubSup>
+                        <m:sSubSupPr>
+                          <m:ctrlPr>
+                            <a:rPr lang="en-US" altLang="ko-KR" i="1" smtClean="0">
+                              <a:latin typeface="Cambria Math" panose="02040503050406030204" pitchFamily="18" charset="0"/>
+                            </a:rPr>
+                          </m:ctrlPr>
+                        </m:sSubSupPr>
+                        <m:e>
+                          <m:r>
+                            <a:rPr lang="en-US" altLang="ko-KR" i="1">
+                              <a:latin typeface="Cambria Math" panose="02040503050406030204" pitchFamily="18" charset="0"/>
+                            </a:rPr>
+                            <m:t>𝜎</m:t>
+                          </m:r>
+                        </m:e>
+                        <m:sub>
+                          <m:r>
+                            <a:rPr lang="en-US" altLang="ko-KR" i="1">
+                              <a:latin typeface="Cambria Math" panose="02040503050406030204" pitchFamily="18" charset="0"/>
+                            </a:rPr>
+                            <m:t>1</m:t>
+                          </m:r>
+                        </m:sub>
+                        <m:sup>
+                          <m:r>
+                            <a:rPr lang="en-US" altLang="ko-KR" b="0" i="1" smtClean="0">
+                              <a:latin typeface="Cambria Math" panose="02040503050406030204" pitchFamily="18" charset="0"/>
+                            </a:rPr>
+                            <m:t>2</m:t>
+                          </m:r>
+                        </m:sup>
+                      </m:sSubSup>
+                      <m:r>
+                        <a:rPr lang="en-US" altLang="ko-KR" b="0" i="1" smtClean="0">
+                          <a:latin typeface="Cambria Math" panose="02040503050406030204" pitchFamily="18" charset="0"/>
+                        </a:rPr>
+                        <m:t>+</m:t>
+                      </m:r>
+                      <m:r>
+                        <m:rPr>
+                          <m:sty m:val="p"/>
+                        </m:rPr>
+                        <a:rPr lang="en-US" altLang="ko-KR" b="0" i="0" smtClean="0">
+                          <a:latin typeface="Cambria Math" panose="02040503050406030204" pitchFamily="18" charset="0"/>
+                        </a:rPr>
+                        <m:t>Δ</m:t>
+                      </m:r>
+                      <m:sSubSup>
+                        <m:sSubSupPr>
+                          <m:ctrlPr>
+                            <a:rPr lang="en-US" altLang="ko-KR" i="1">
+                              <a:latin typeface="Cambria Math" panose="02040503050406030204" pitchFamily="18" charset="0"/>
+                            </a:rPr>
+                          </m:ctrlPr>
+                        </m:sSubSupPr>
+                        <m:e>
+                          <m:r>
+                            <a:rPr lang="en-US" altLang="ko-KR" i="1">
+                              <a:latin typeface="Cambria Math" panose="02040503050406030204" pitchFamily="18" charset="0"/>
+                            </a:rPr>
+                            <m:t>𝜎</m:t>
+                          </m:r>
+                        </m:e>
+                        <m:sub>
+                          <m:r>
+                            <a:rPr lang="en-US" altLang="ko-KR" i="1">
+                              <a:latin typeface="Cambria Math" panose="02040503050406030204" pitchFamily="18" charset="0"/>
+                            </a:rPr>
+                            <m:t>1</m:t>
+                          </m:r>
+                        </m:sub>
+                        <m:sup>
+                          <m:r>
+                            <a:rPr lang="en-US" altLang="ko-KR" i="1">
+                              <a:latin typeface="Cambria Math" panose="02040503050406030204" pitchFamily="18" charset="0"/>
+                            </a:rPr>
+                            <m:t>2</m:t>
+                          </m:r>
+                        </m:sup>
+                      </m:sSubSup>
+                    </m:oMath>
+                  </m:oMathPara>
+                </a14:m>
+                <a:endParaRPr lang="ko-KR" altLang="en-US" dirty="0"/>
+              </a:p>
+            </p:txBody>
+          </p:sp>
+        </mc:Choice>
+        <mc:Fallback xmlns="">
+          <p:sp>
+            <p:nvSpPr>
+              <p:cNvPr id="34" name="TextBox 33"/>
+              <p:cNvSpPr txBox="1">
+                <a:spLocks noRot="1" noChangeAspect="1" noMove="1" noResize="1" noEditPoints="1" noAdjustHandles="1" noChangeArrowheads="1" noChangeShapeType="1" noTextEdit="1"/>
+              </p:cNvSpPr>
+              <p:nvPr/>
+            </p:nvSpPr>
+            <p:spPr>
+              <a:xfrm>
+                <a:off x="10785963" y="3812802"/>
+                <a:ext cx="1006366" cy="280205"/>
+              </a:xfrm>
+              <a:prstGeom prst="rect">
+                <a:avLst/>
+              </a:prstGeom>
+              <a:blipFill rotWithShape="0">
+                <a:blip r:embed="rId5"/>
+                <a:stretch>
+                  <a:fillRect l="-1818" r="-1212" b="-21739"/>
+                </a:stretch>
+              </a:blipFill>
+            </p:spPr>
+            <p:txBody>
+              <a:bodyPr/>
+              <a:lstStyle/>
+              <a:p>
+                <a:r>
+                  <a:rPr lang="ko-KR" altLang="en-US">
+                    <a:noFill/>
+                  </a:rPr>
+                  <a:t> </a:t>
+                </a:r>
+              </a:p>
+            </p:txBody>
+          </p:sp>
+        </mc:Fallback>
+      </mc:AlternateContent>
+      <p:cxnSp>
+        <p:nvCxnSpPr>
+          <p:cNvPr id="36" name="직선 화살표 연결선 35"/>
+          <p:cNvCxnSpPr/>
+          <p:nvPr/>
+        </p:nvCxnSpPr>
+        <p:spPr>
+          <a:xfrm>
+            <a:off x="9064035" y="3749885"/>
+            <a:ext cx="1078114" cy="0"/>
+          </a:xfrm>
+          <a:prstGeom prst="straightConnector1">
+            <a:avLst/>
+          </a:prstGeom>
+          <a:ln w="28575">
+            <a:solidFill>
+              <a:schemeClr val="tx1"/>
+            </a:solidFill>
+            <a:headEnd w="lg" len="lg"/>
+            <a:tailEnd type="triangle" w="lg" len="lg"/>
+          </a:ln>
+        </p:spPr>
+        <p:style>
+          <a:lnRef idx="1">
+            <a:schemeClr val="accent1"/>
+          </a:lnRef>
+          <a:fillRef idx="0">
+            <a:schemeClr val="accent1"/>
+          </a:fillRef>
+          <a:effectRef idx="0">
+            <a:schemeClr val="accent1"/>
+          </a:effectRef>
+          <a:fontRef idx="minor">
+            <a:schemeClr val="tx1"/>
+          </a:fontRef>
+        </p:style>
+      </p:cxnSp>
+      <p:cxnSp>
+        <p:nvCxnSpPr>
+          <p:cNvPr id="37" name="직선 화살표 연결선 36"/>
+          <p:cNvCxnSpPr/>
+          <p:nvPr/>
+        </p:nvCxnSpPr>
+        <p:spPr>
+          <a:xfrm flipV="1">
+            <a:off x="9619071" y="3132495"/>
+            <a:ext cx="0" cy="720000"/>
+          </a:xfrm>
+          <a:prstGeom prst="straightConnector1">
+            <a:avLst/>
+          </a:prstGeom>
+          <a:ln w="28575">
+            <a:solidFill>
+              <a:schemeClr val="tx1"/>
+            </a:solidFill>
+            <a:headEnd w="lg" len="lg"/>
+            <a:tailEnd type="triangle" w="lg" len="lg"/>
+          </a:ln>
+        </p:spPr>
+        <p:style>
+          <a:lnRef idx="1">
+            <a:schemeClr val="accent1"/>
+          </a:lnRef>
+          <a:fillRef idx="0">
+            <a:schemeClr val="accent1"/>
+          </a:fillRef>
+          <a:effectRef idx="0">
+            <a:schemeClr val="accent1"/>
+          </a:effectRef>
+          <a:fontRef idx="minor">
+            <a:schemeClr val="tx1"/>
+          </a:fontRef>
+        </p:style>
+      </p:cxnSp>
+      <mc:AlternateContent xmlns:mc="http://schemas.openxmlformats.org/markup-compatibility/2006" xmlns:a14="http://schemas.microsoft.com/office/drawing/2010/main">
+        <mc:Choice Requires="a14">
+          <p:sp>
+            <p:nvSpPr>
+              <p:cNvPr id="38" name="TextBox 37"/>
+              <p:cNvSpPr txBox="1"/>
+              <p:nvPr/>
+            </p:nvSpPr>
+            <p:spPr>
+              <a:xfrm>
+                <a:off x="9837207" y="3294404"/>
+                <a:ext cx="996491" cy="280141"/>
+              </a:xfrm>
+              <a:prstGeom prst="rect">
+                <a:avLst/>
+              </a:prstGeom>
+              <a:noFill/>
+            </p:spPr>
+            <p:txBody>
+              <a:bodyPr wrap="none" lIns="0" tIns="0" rIns="0" bIns="0" rtlCol="0">
+                <a:spAutoFit/>
+              </a:bodyPr>
+              <a:lstStyle/>
+              <a:p>
+                <a:pPr/>
+                <a14:m>
+                  <m:oMathPara xmlns:m="http://schemas.openxmlformats.org/officeDocument/2006/math">
+                    <m:oMathParaPr>
+                      <m:jc m:val="centerGroup"/>
+                    </m:oMathParaPr>
+                    <m:oMath xmlns:m="http://schemas.openxmlformats.org/officeDocument/2006/math">
+                      <m:sSubSup>
+                        <m:sSubSupPr>
+                          <m:ctrlPr>
+                            <a:rPr lang="en-US" altLang="ko-KR" i="1" smtClean="0">
+                              <a:latin typeface="Cambria Math" panose="02040503050406030204" pitchFamily="18" charset="0"/>
+                            </a:rPr>
+                          </m:ctrlPr>
+                        </m:sSubSupPr>
+                        <m:e>
+                          <m:r>
+                            <a:rPr lang="en-US" altLang="ko-KR" i="1">
+                              <a:latin typeface="Cambria Math" panose="02040503050406030204" pitchFamily="18" charset="0"/>
+                            </a:rPr>
+                            <m:t>𝜎</m:t>
+                          </m:r>
+                        </m:e>
+                        <m:sub>
+                          <m:r>
+                            <a:rPr lang="en-US" altLang="ko-KR" b="0" i="1" smtClean="0">
+                              <a:latin typeface="Cambria Math" panose="02040503050406030204" pitchFamily="18" charset="0"/>
+                            </a:rPr>
+                            <m:t>2</m:t>
+                          </m:r>
+                        </m:sub>
+                        <m:sup>
+                          <m:r>
+                            <a:rPr lang="en-US" altLang="ko-KR" i="1">
+                              <a:latin typeface="Cambria Math" panose="02040503050406030204" pitchFamily="18" charset="0"/>
+                            </a:rPr>
+                            <m:t>1</m:t>
+                          </m:r>
+                        </m:sup>
+                      </m:sSubSup>
+                      <m:r>
+                        <a:rPr lang="en-US" altLang="ko-KR" b="0" i="1" smtClean="0">
+                          <a:latin typeface="Cambria Math" panose="02040503050406030204" pitchFamily="18" charset="0"/>
+                        </a:rPr>
+                        <m:t>+</m:t>
+                      </m:r>
+                      <m:r>
+                        <m:rPr>
+                          <m:sty m:val="p"/>
+                        </m:rPr>
+                        <a:rPr lang="en-US" altLang="ko-KR" b="0" i="0" smtClean="0">
+                          <a:latin typeface="Cambria Math" panose="02040503050406030204" pitchFamily="18" charset="0"/>
+                        </a:rPr>
+                        <m:t>Δ</m:t>
+                      </m:r>
+                      <m:sSubSup>
+                        <m:sSubSupPr>
+                          <m:ctrlPr>
+                            <a:rPr lang="en-US" altLang="ko-KR" i="1">
+                              <a:latin typeface="Cambria Math" panose="02040503050406030204" pitchFamily="18" charset="0"/>
+                            </a:rPr>
+                          </m:ctrlPr>
+                        </m:sSubSupPr>
+                        <m:e>
+                          <m:r>
+                            <a:rPr lang="en-US" altLang="ko-KR" i="1">
+                              <a:latin typeface="Cambria Math" panose="02040503050406030204" pitchFamily="18" charset="0"/>
+                            </a:rPr>
+                            <m:t>𝜎</m:t>
+                          </m:r>
+                        </m:e>
+                        <m:sub>
+                          <m:r>
+                            <a:rPr lang="en-US" altLang="ko-KR" i="1">
+                              <a:latin typeface="Cambria Math" panose="02040503050406030204" pitchFamily="18" charset="0"/>
+                            </a:rPr>
+                            <m:t>2</m:t>
+                          </m:r>
+                        </m:sub>
+                        <m:sup>
+                          <m:r>
+                            <a:rPr lang="en-US" altLang="ko-KR" i="1">
+                              <a:latin typeface="Cambria Math" panose="02040503050406030204" pitchFamily="18" charset="0"/>
+                            </a:rPr>
+                            <m:t>1</m:t>
+                          </m:r>
+                        </m:sup>
+                      </m:sSubSup>
+                    </m:oMath>
+                  </m:oMathPara>
+                </a14:m>
+                <a:endParaRPr lang="ko-KR" altLang="en-US" dirty="0"/>
+              </a:p>
+            </p:txBody>
+          </p:sp>
+        </mc:Choice>
+        <mc:Fallback xmlns="">
+          <p:sp>
+            <p:nvSpPr>
+              <p:cNvPr id="38" name="TextBox 37"/>
+              <p:cNvSpPr txBox="1">
+                <a:spLocks noRot="1" noChangeAspect="1" noMove="1" noResize="1" noEditPoints="1" noAdjustHandles="1" noChangeArrowheads="1" noChangeShapeType="1" noTextEdit="1"/>
+              </p:cNvSpPr>
+              <p:nvPr/>
+            </p:nvSpPr>
+            <p:spPr>
+              <a:xfrm>
+                <a:off x="9837207" y="3294404"/>
+                <a:ext cx="996491" cy="280141"/>
+              </a:xfrm>
+              <a:prstGeom prst="rect">
+                <a:avLst/>
+              </a:prstGeom>
+              <a:blipFill rotWithShape="0">
+                <a:blip r:embed="rId6"/>
+                <a:stretch>
+                  <a:fillRect l="-1840" r="-613" b="-21739"/>
+                </a:stretch>
+              </a:blipFill>
+            </p:spPr>
+            <p:txBody>
+              <a:bodyPr/>
+              <a:lstStyle/>
+              <a:p>
+                <a:r>
+                  <a:rPr lang="ko-KR" altLang="en-US">
+                    <a:noFill/>
+                  </a:rPr>
+                  <a:t> </a:t>
+                </a:r>
+              </a:p>
+            </p:txBody>
+          </p:sp>
+        </mc:Fallback>
+      </mc:AlternateContent>
+      <mc:AlternateContent xmlns:mc="http://schemas.openxmlformats.org/markup-compatibility/2006" xmlns:a14="http://schemas.microsoft.com/office/drawing/2010/main">
+        <mc:Choice Requires="a14">
+          <p:sp>
+            <p:nvSpPr>
+              <p:cNvPr id="47" name="TextBox 46"/>
+              <p:cNvSpPr txBox="1"/>
+              <p:nvPr/>
+            </p:nvSpPr>
+            <p:spPr>
+              <a:xfrm>
+                <a:off x="9123399" y="2730085"/>
+                <a:ext cx="1006366" cy="280718"/>
+              </a:xfrm>
+              <a:prstGeom prst="rect">
+                <a:avLst/>
+              </a:prstGeom>
+              <a:noFill/>
+            </p:spPr>
+            <p:txBody>
+              <a:bodyPr wrap="none" lIns="0" tIns="0" rIns="0" bIns="0" rtlCol="0">
+                <a:spAutoFit/>
+              </a:bodyPr>
+              <a:lstStyle/>
+              <a:p>
+                <a:pPr/>
+                <a14:m>
+                  <m:oMathPara xmlns:m="http://schemas.openxmlformats.org/officeDocument/2006/math">
+                    <m:oMathParaPr>
+                      <m:jc m:val="centerGroup"/>
+                    </m:oMathParaPr>
+                    <m:oMath xmlns:m="http://schemas.openxmlformats.org/officeDocument/2006/math">
+                      <m:sSubSup>
+                        <m:sSubSupPr>
+                          <m:ctrlPr>
+                            <a:rPr lang="en-US" altLang="ko-KR" i="1" smtClean="0">
+                              <a:latin typeface="Cambria Math" panose="02040503050406030204" pitchFamily="18" charset="0"/>
+                            </a:rPr>
+                          </m:ctrlPr>
+                        </m:sSubSupPr>
+                        <m:e>
+                          <m:r>
+                            <a:rPr lang="en-US" altLang="ko-KR" i="1">
+                              <a:latin typeface="Cambria Math" panose="02040503050406030204" pitchFamily="18" charset="0"/>
+                            </a:rPr>
+                            <m:t>𝜎</m:t>
+                          </m:r>
+                        </m:e>
+                        <m:sub>
+                          <m:r>
+                            <a:rPr lang="en-US" altLang="ko-KR" b="0" i="1" smtClean="0">
+                              <a:latin typeface="Cambria Math" panose="02040503050406030204" pitchFamily="18" charset="0"/>
+                            </a:rPr>
+                            <m:t>2</m:t>
+                          </m:r>
+                        </m:sub>
+                        <m:sup>
+                          <m:r>
+                            <a:rPr lang="en-US" altLang="ko-KR" b="0" i="1" smtClean="0">
+                              <a:latin typeface="Cambria Math" panose="02040503050406030204" pitchFamily="18" charset="0"/>
+                            </a:rPr>
+                            <m:t>2</m:t>
+                          </m:r>
+                        </m:sup>
+                      </m:sSubSup>
+                      <m:r>
+                        <a:rPr lang="en-US" altLang="ko-KR" b="0" i="1" smtClean="0">
+                          <a:latin typeface="Cambria Math" panose="02040503050406030204" pitchFamily="18" charset="0"/>
+                        </a:rPr>
+                        <m:t>+</m:t>
+                      </m:r>
+                      <m:r>
+                        <m:rPr>
+                          <m:sty m:val="p"/>
+                        </m:rPr>
+                        <a:rPr lang="en-US" altLang="ko-KR" b="0" i="0" smtClean="0">
+                          <a:latin typeface="Cambria Math" panose="02040503050406030204" pitchFamily="18" charset="0"/>
+                        </a:rPr>
+                        <m:t>Δ</m:t>
+                      </m:r>
+                      <m:sSubSup>
+                        <m:sSubSupPr>
+                          <m:ctrlPr>
+                            <a:rPr lang="en-US" altLang="ko-KR" i="1">
+                              <a:latin typeface="Cambria Math" panose="02040503050406030204" pitchFamily="18" charset="0"/>
+                            </a:rPr>
+                          </m:ctrlPr>
+                        </m:sSubSupPr>
+                        <m:e>
+                          <m:r>
+                            <a:rPr lang="en-US" altLang="ko-KR" i="1">
+                              <a:latin typeface="Cambria Math" panose="02040503050406030204" pitchFamily="18" charset="0"/>
+                            </a:rPr>
+                            <m:t>𝜎</m:t>
+                          </m:r>
+                        </m:e>
+                        <m:sub>
+                          <m:r>
+                            <a:rPr lang="en-US" altLang="ko-KR" i="1">
+                              <a:latin typeface="Cambria Math" panose="02040503050406030204" pitchFamily="18" charset="0"/>
+                            </a:rPr>
+                            <m:t>2</m:t>
+                          </m:r>
+                        </m:sub>
+                        <m:sup>
+                          <m:r>
+                            <a:rPr lang="en-US" altLang="ko-KR" i="1">
+                              <a:latin typeface="Cambria Math" panose="02040503050406030204" pitchFamily="18" charset="0"/>
+                            </a:rPr>
+                            <m:t>2</m:t>
+                          </m:r>
+                        </m:sup>
+                      </m:sSubSup>
+                    </m:oMath>
+                  </m:oMathPara>
+                </a14:m>
+                <a:endParaRPr lang="ko-KR" altLang="en-US" dirty="0"/>
+              </a:p>
+            </p:txBody>
+          </p:sp>
+        </mc:Choice>
+        <mc:Fallback xmlns="">
+          <p:sp>
+            <p:nvSpPr>
+              <p:cNvPr id="47" name="TextBox 46"/>
+              <p:cNvSpPr txBox="1">
+                <a:spLocks noRot="1" noChangeAspect="1" noMove="1" noResize="1" noEditPoints="1" noAdjustHandles="1" noChangeArrowheads="1" noChangeShapeType="1" noTextEdit="1"/>
+              </p:cNvSpPr>
+              <p:nvPr/>
+            </p:nvSpPr>
+            <p:spPr>
+              <a:xfrm>
+                <a:off x="9123399" y="2730085"/>
+                <a:ext cx="1006366" cy="280718"/>
+              </a:xfrm>
+              <a:prstGeom prst="rect">
+                <a:avLst/>
+              </a:prstGeom>
+              <a:blipFill rotWithShape="0">
+                <a:blip r:embed="rId7"/>
+                <a:stretch>
+                  <a:fillRect l="-1818" r="-606" b="-19565"/>
+                </a:stretch>
+              </a:blipFill>
+            </p:spPr>
+            <p:txBody>
+              <a:bodyPr/>
+              <a:lstStyle/>
+              <a:p>
+                <a:r>
+                  <a:rPr lang="ko-KR" altLang="en-US">
+                    <a:noFill/>
+                  </a:rPr>
+                  <a:t> </a:t>
+                </a:r>
+              </a:p>
+            </p:txBody>
+          </p:sp>
+        </mc:Fallback>
+      </mc:AlternateContent>
+      <mc:AlternateContent xmlns:mc="http://schemas.openxmlformats.org/markup-compatibility/2006" xmlns:a14="http://schemas.microsoft.com/office/drawing/2010/main">
+        <mc:Choice Requires="a14">
+          <p:sp>
+            <p:nvSpPr>
+              <p:cNvPr id="64" name="TextBox 63"/>
+              <p:cNvSpPr txBox="1"/>
+              <p:nvPr/>
+            </p:nvSpPr>
+            <p:spPr>
+              <a:xfrm>
+                <a:off x="9390034" y="4567108"/>
+                <a:ext cx="458074" cy="276999"/>
+              </a:xfrm>
+              <a:prstGeom prst="rect">
+                <a:avLst/>
+              </a:prstGeom>
+              <a:noFill/>
+            </p:spPr>
+            <p:txBody>
+              <a:bodyPr wrap="none" lIns="0" tIns="0" rIns="0" bIns="0" rtlCol="0">
+                <a:spAutoFit/>
+              </a:bodyPr>
+              <a:lstStyle/>
+              <a:p>
+                <a:pPr/>
+                <a14:m>
+                  <m:oMathPara xmlns:m="http://schemas.openxmlformats.org/officeDocument/2006/math">
+                    <m:oMathParaPr>
+                      <m:jc m:val="centerGroup"/>
+                    </m:oMathParaPr>
+                    <m:oMath xmlns:m="http://schemas.openxmlformats.org/officeDocument/2006/math">
+                      <m:r>
+                        <a:rPr lang="en-US" altLang="ko-KR" i="1" smtClean="0">
+                          <a:latin typeface="Cambria Math" panose="02040503050406030204" pitchFamily="18" charset="0"/>
+                        </a:rPr>
+                        <m:t>∆</m:t>
+                      </m:r>
+                      <m:sSup>
+                        <m:sSupPr>
+                          <m:ctrlPr>
+                            <a:rPr lang="en-US" altLang="ko-KR" b="0" i="1" smtClean="0">
+                              <a:latin typeface="Cambria Math" panose="02040503050406030204" pitchFamily="18" charset="0"/>
+                            </a:rPr>
+                          </m:ctrlPr>
+                        </m:sSupPr>
+                        <m:e>
+                          <m:r>
+                            <a:rPr lang="en-US" altLang="ko-KR" b="0" i="1" smtClean="0">
+                              <a:latin typeface="Cambria Math" panose="02040503050406030204" pitchFamily="18" charset="0"/>
+                            </a:rPr>
+                            <m:t>𝑥</m:t>
+                          </m:r>
+                        </m:e>
+                        <m:sup>
+                          <m:r>
+                            <a:rPr lang="en-US" altLang="ko-KR" b="0" i="1" smtClean="0">
+                              <a:latin typeface="Cambria Math" panose="02040503050406030204" pitchFamily="18" charset="0"/>
+                            </a:rPr>
+                            <m:t>1</m:t>
+                          </m:r>
+                        </m:sup>
+                      </m:sSup>
+                    </m:oMath>
+                  </m:oMathPara>
+                </a14:m>
+                <a:endParaRPr lang="ko-KR" altLang="en-US" dirty="0"/>
+              </a:p>
+            </p:txBody>
+          </p:sp>
+        </mc:Choice>
+        <mc:Fallback xmlns="">
+          <p:sp>
+            <p:nvSpPr>
+              <p:cNvPr id="64" name="TextBox 63"/>
+              <p:cNvSpPr txBox="1">
+                <a:spLocks noRot="1" noChangeAspect="1" noMove="1" noResize="1" noEditPoints="1" noAdjustHandles="1" noChangeArrowheads="1" noChangeShapeType="1" noTextEdit="1"/>
+              </p:cNvSpPr>
+              <p:nvPr/>
+            </p:nvSpPr>
+            <p:spPr>
+              <a:xfrm>
+                <a:off x="9390034" y="4567108"/>
+                <a:ext cx="458074" cy="276999"/>
+              </a:xfrm>
+              <a:prstGeom prst="rect">
+                <a:avLst/>
+              </a:prstGeom>
+              <a:blipFill rotWithShape="0">
+                <a:blip r:embed="rId8"/>
+                <a:stretch>
+                  <a:fillRect l="-7895" r="-1316" b="-10870"/>
+                </a:stretch>
+              </a:blipFill>
+            </p:spPr>
+            <p:txBody>
+              <a:bodyPr/>
+              <a:lstStyle/>
+              <a:p>
+                <a:r>
+                  <a:rPr lang="ko-KR" altLang="en-US">
+                    <a:noFill/>
+                  </a:rPr>
+                  <a:t> </a:t>
+                </a:r>
+              </a:p>
+            </p:txBody>
+          </p:sp>
+        </mc:Fallback>
+      </mc:AlternateContent>
+      <mc:AlternateContent xmlns:mc="http://schemas.openxmlformats.org/markup-compatibility/2006" xmlns:a14="http://schemas.microsoft.com/office/drawing/2010/main">
+        <mc:Choice Requires="a14">
+          <p:sp>
+            <p:nvSpPr>
+              <p:cNvPr id="65" name="TextBox 64"/>
+              <p:cNvSpPr txBox="1"/>
+              <p:nvPr/>
+            </p:nvSpPr>
+            <p:spPr>
+              <a:xfrm>
+                <a:off x="10072819" y="4228776"/>
+                <a:ext cx="463011" cy="276999"/>
+              </a:xfrm>
+              <a:prstGeom prst="rect">
+                <a:avLst/>
+              </a:prstGeom>
+              <a:noFill/>
+            </p:spPr>
+            <p:txBody>
+              <a:bodyPr wrap="none" lIns="0" tIns="0" rIns="0" bIns="0" rtlCol="0">
+                <a:spAutoFit/>
+              </a:bodyPr>
+              <a:lstStyle/>
+              <a:p>
+                <a:pPr/>
+                <a14:m>
+                  <m:oMathPara xmlns:m="http://schemas.openxmlformats.org/officeDocument/2006/math">
+                    <m:oMathParaPr>
+                      <m:jc m:val="centerGroup"/>
+                    </m:oMathParaPr>
+                    <m:oMath xmlns:m="http://schemas.openxmlformats.org/officeDocument/2006/math">
+                      <m:r>
+                        <a:rPr lang="en-US" altLang="ko-KR" i="1" smtClean="0">
+                          <a:latin typeface="Cambria Math" panose="02040503050406030204" pitchFamily="18" charset="0"/>
+                        </a:rPr>
+                        <m:t>∆</m:t>
+                      </m:r>
+                      <m:sSup>
+                        <m:sSupPr>
+                          <m:ctrlPr>
+                            <a:rPr lang="en-US" altLang="ko-KR" b="0" i="1" smtClean="0">
+                              <a:latin typeface="Cambria Math" panose="02040503050406030204" pitchFamily="18" charset="0"/>
+                            </a:rPr>
+                          </m:ctrlPr>
+                        </m:sSupPr>
+                        <m:e>
+                          <m:r>
+                            <a:rPr lang="en-US" altLang="ko-KR" b="0" i="1" smtClean="0">
+                              <a:latin typeface="Cambria Math" panose="02040503050406030204" pitchFamily="18" charset="0"/>
+                            </a:rPr>
+                            <m:t>𝑥</m:t>
+                          </m:r>
+                        </m:e>
+                        <m:sup>
+                          <m:r>
+                            <a:rPr lang="en-US" altLang="ko-KR" b="0" i="1" smtClean="0">
+                              <a:latin typeface="Cambria Math" panose="02040503050406030204" pitchFamily="18" charset="0"/>
+                            </a:rPr>
+                            <m:t>2</m:t>
+                          </m:r>
+                        </m:sup>
+                      </m:sSup>
+                    </m:oMath>
+                  </m:oMathPara>
+                </a14:m>
+                <a:endParaRPr lang="ko-KR" altLang="en-US" dirty="0"/>
+              </a:p>
+            </p:txBody>
+          </p:sp>
+        </mc:Choice>
+        <mc:Fallback xmlns="">
+          <p:sp>
+            <p:nvSpPr>
+              <p:cNvPr id="65" name="TextBox 64"/>
+              <p:cNvSpPr txBox="1">
+                <a:spLocks noRot="1" noChangeAspect="1" noMove="1" noResize="1" noEditPoints="1" noAdjustHandles="1" noChangeArrowheads="1" noChangeShapeType="1" noTextEdit="1"/>
+              </p:cNvSpPr>
+              <p:nvPr/>
+            </p:nvSpPr>
+            <p:spPr>
+              <a:xfrm>
+                <a:off x="10072819" y="4228776"/>
+                <a:ext cx="463011" cy="276999"/>
+              </a:xfrm>
+              <a:prstGeom prst="rect">
+                <a:avLst/>
+              </a:prstGeom>
+              <a:blipFill rotWithShape="0">
+                <a:blip r:embed="rId9"/>
+                <a:stretch>
+                  <a:fillRect l="-7895" r="-2632" b="-11111"/>
+                </a:stretch>
+              </a:blipFill>
+            </p:spPr>
+            <p:txBody>
+              <a:bodyPr/>
+              <a:lstStyle/>
+              <a:p>
+                <a:r>
+                  <a:rPr lang="ko-KR" altLang="en-US">
+                    <a:noFill/>
+                  </a:rPr>
+                  <a:t> </a:t>
+                </a:r>
+              </a:p>
+            </p:txBody>
+          </p:sp>
+        </mc:Fallback>
+      </mc:AlternateContent>
+      <p:cxnSp>
+        <p:nvCxnSpPr>
+          <p:cNvPr id="26" name="직선 화살표 연결선 25"/>
+          <p:cNvCxnSpPr/>
+          <p:nvPr/>
+        </p:nvCxnSpPr>
+        <p:spPr>
+          <a:xfrm flipV="1">
+            <a:off x="7229911" y="6041785"/>
+            <a:ext cx="257292" cy="278078"/>
+          </a:xfrm>
+          <a:prstGeom prst="straightConnector1">
+            <a:avLst/>
+          </a:prstGeom>
+          <a:ln w="28575">
+            <a:solidFill>
+              <a:schemeClr val="tx1"/>
+            </a:solidFill>
+            <a:headEnd type="none" w="med" len="med"/>
+            <a:tailEnd type="none" w="med" len="med"/>
+          </a:ln>
+        </p:spPr>
+        <p:style>
+          <a:lnRef idx="1">
+            <a:schemeClr val="accent1"/>
+          </a:lnRef>
+          <a:fillRef idx="0">
+            <a:schemeClr val="accent1"/>
+          </a:fillRef>
+          <a:effectRef idx="0">
+            <a:schemeClr val="accent1"/>
+          </a:effectRef>
+          <a:fontRef idx="minor">
+            <a:schemeClr val="tx1"/>
+          </a:fontRef>
+        </p:style>
+      </p:cxnSp>
+      <mc:AlternateContent xmlns:mc="http://schemas.openxmlformats.org/markup-compatibility/2006" xmlns:a14="http://schemas.microsoft.com/office/drawing/2010/main">
+        <mc:Choice Requires="a14">
+          <p:sp>
+            <p:nvSpPr>
+              <p:cNvPr id="29" name="TextBox 28"/>
+              <p:cNvSpPr txBox="1"/>
+              <p:nvPr/>
+            </p:nvSpPr>
+            <p:spPr>
+              <a:xfrm>
+                <a:off x="8085538" y="5903825"/>
+                <a:ext cx="313867" cy="276999"/>
+              </a:xfrm>
+              <a:prstGeom prst="rect">
+                <a:avLst/>
+              </a:prstGeom>
+              <a:noFill/>
+            </p:spPr>
+            <p:txBody>
+              <a:bodyPr wrap="none" lIns="0" tIns="0" rIns="0" bIns="0" rtlCol="0">
+                <a:spAutoFit/>
+              </a:bodyPr>
+              <a:lstStyle/>
+              <a:p>
+                <a:pPr/>
+                <a14:m>
+                  <m:oMathPara xmlns:m="http://schemas.openxmlformats.org/officeDocument/2006/math">
+                    <m:oMathParaPr>
+                      <m:jc m:val="centerGroup"/>
+                    </m:oMathParaPr>
+                    <m:oMath xmlns:m="http://schemas.openxmlformats.org/officeDocument/2006/math">
+                      <m:sSub>
+                        <m:sSubPr>
+                          <m:ctrlPr>
+                            <a:rPr lang="en-US" altLang="ko-KR" b="0" i="1" smtClean="0">
+                              <a:latin typeface="Cambria Math" panose="02040503050406030204" pitchFamily="18" charset="0"/>
+                            </a:rPr>
+                          </m:ctrlPr>
+                        </m:sSubPr>
+                        <m:e>
+                          <m:r>
+                            <a:rPr lang="en-US" altLang="ko-KR" b="0" i="1" smtClean="0">
+                              <a:latin typeface="Cambria Math" panose="02040503050406030204" pitchFamily="18" charset="0"/>
+                            </a:rPr>
+                            <m:t>𝛽</m:t>
+                          </m:r>
+                        </m:e>
+                        <m:sub>
+                          <m:r>
+                            <a:rPr lang="en-US" altLang="ko-KR" b="0" i="1" smtClean="0">
+                              <a:latin typeface="Cambria Math" panose="02040503050406030204" pitchFamily="18" charset="0"/>
+                            </a:rPr>
+                            <m:t>2</m:t>
+                          </m:r>
+                        </m:sub>
+                      </m:sSub>
+                    </m:oMath>
+                  </m:oMathPara>
+                </a14:m>
+                <a:endParaRPr lang="ko-KR" altLang="en-US" dirty="0"/>
+              </a:p>
+            </p:txBody>
+          </p:sp>
+        </mc:Choice>
+        <mc:Fallback xmlns="">
+          <p:sp>
+            <p:nvSpPr>
+              <p:cNvPr id="29" name="TextBox 28"/>
+              <p:cNvSpPr txBox="1">
+                <a:spLocks noRot="1" noChangeAspect="1" noMove="1" noResize="1" noEditPoints="1" noAdjustHandles="1" noChangeArrowheads="1" noChangeShapeType="1" noTextEdit="1"/>
+              </p:cNvSpPr>
+              <p:nvPr/>
+            </p:nvSpPr>
+            <p:spPr>
+              <a:xfrm>
+                <a:off x="8085538" y="5903825"/>
+                <a:ext cx="313867" cy="276999"/>
+              </a:xfrm>
+              <a:prstGeom prst="rect">
+                <a:avLst/>
+              </a:prstGeom>
+              <a:blipFill rotWithShape="0">
+                <a:blip r:embed="rId10"/>
+                <a:stretch>
+                  <a:fillRect l="-21154" r="-3846" b="-36957"/>
+                </a:stretch>
+              </a:blipFill>
+            </p:spPr>
+            <p:txBody>
+              <a:bodyPr/>
+              <a:lstStyle/>
+              <a:p>
+                <a:r>
+                  <a:rPr lang="ko-KR" altLang="en-US">
+                    <a:noFill/>
+                  </a:rPr>
+                  <a:t> </a:t>
+                </a:r>
+              </a:p>
+            </p:txBody>
+          </p:sp>
+        </mc:Fallback>
+      </mc:AlternateContent>
+      <p:grpSp>
+        <p:nvGrpSpPr>
+          <p:cNvPr id="30" name="그룹 29"/>
+          <p:cNvGrpSpPr/>
+          <p:nvPr/>
+        </p:nvGrpSpPr>
+        <p:grpSpPr>
+          <a:xfrm>
+            <a:off x="2308957" y="802802"/>
+            <a:ext cx="3789414" cy="3165146"/>
+            <a:chOff x="2086736" y="5146499"/>
+            <a:chExt cx="1509568" cy="1399170"/>
+          </a:xfrm>
+        </p:grpSpPr>
+        <p:sp>
+          <p:nvSpPr>
+            <p:cNvPr id="31" name="정육면체 30"/>
+            <p:cNvSpPr/>
+            <p:nvPr/>
+          </p:nvSpPr>
+          <p:spPr>
+            <a:xfrm>
+              <a:off x="2089777" y="5149489"/>
+              <a:ext cx="1506527" cy="1396180"/>
+            </a:xfrm>
+            <a:prstGeom prst="cube">
+              <a:avLst>
+                <a:gd name="adj" fmla="val 29825"/>
+              </a:avLst>
+            </a:prstGeom>
+            <a:noFill/>
+            <a:ln w="28575">
+              <a:solidFill>
+                <a:schemeClr val="tx1"/>
+              </a:solidFill>
+            </a:ln>
+          </p:spPr>
+          <p:style>
+            <a:lnRef idx="2">
+              <a:schemeClr val="accent1">
+                <a:shade val="50000"/>
+              </a:schemeClr>
+            </a:lnRef>
+            <a:fillRef idx="1">
+              <a:schemeClr val="accent1"/>
+            </a:fillRef>
+            <a:effectRef idx="0">
+              <a:schemeClr val="accent1"/>
+            </a:effectRef>
+            <a:fontRef idx="minor">
+              <a:schemeClr val="lt1"/>
+            </a:fontRef>
+          </p:style>
+          <p:txBody>
+            <a:bodyPr rtlCol="0" anchor="ctr"/>
+            <a:lstStyle/>
+            <a:p>
+              <a:pPr algn="ctr"/>
+              <a:endParaRPr lang="ko-KR" altLang="en-US"/>
+            </a:p>
+          </p:txBody>
+        </p:sp>
+        <p:cxnSp>
+          <p:nvCxnSpPr>
+            <p:cNvPr id="32" name="직선 연결선 31"/>
+            <p:cNvCxnSpPr/>
+            <p:nvPr/>
+          </p:nvCxnSpPr>
+          <p:spPr>
+            <a:xfrm flipV="1">
+              <a:off x="2086736" y="6133746"/>
+              <a:ext cx="373982" cy="400069"/>
+            </a:xfrm>
+            <a:prstGeom prst="line">
+              <a:avLst/>
+            </a:prstGeom>
+            <a:ln>
+              <a:prstDash val="dash"/>
+            </a:ln>
+          </p:spPr>
+          <p:style>
+            <a:lnRef idx="1">
+              <a:schemeClr val="dk1"/>
+            </a:lnRef>
+            <a:fillRef idx="0">
+              <a:schemeClr val="dk1"/>
+            </a:fillRef>
+            <a:effectRef idx="0">
+              <a:schemeClr val="dk1"/>
+            </a:effectRef>
+            <a:fontRef idx="minor">
+              <a:schemeClr val="tx1"/>
+            </a:fontRef>
+          </p:style>
+        </p:cxnSp>
+        <p:cxnSp>
+          <p:nvCxnSpPr>
+            <p:cNvPr id="33" name="직선 연결선 32"/>
+            <p:cNvCxnSpPr/>
+            <p:nvPr/>
+          </p:nvCxnSpPr>
+          <p:spPr>
+            <a:xfrm flipH="1" flipV="1">
+              <a:off x="2457146" y="5146499"/>
+              <a:ext cx="8224" cy="976058"/>
+            </a:xfrm>
+            <a:prstGeom prst="line">
+              <a:avLst/>
+            </a:prstGeom>
+            <a:ln>
+              <a:prstDash val="dash"/>
+            </a:ln>
+          </p:spPr>
+          <p:style>
+            <a:lnRef idx="1">
+              <a:schemeClr val="dk1"/>
+            </a:lnRef>
+            <a:fillRef idx="0">
+              <a:schemeClr val="dk1"/>
+            </a:fillRef>
+            <a:effectRef idx="0">
+              <a:schemeClr val="dk1"/>
+            </a:effectRef>
+            <a:fontRef idx="minor">
+              <a:schemeClr val="tx1"/>
+            </a:fontRef>
+          </p:style>
+        </p:cxnSp>
+        <p:cxnSp>
+          <p:nvCxnSpPr>
+            <p:cNvPr id="35" name="직선 연결선 34"/>
+            <p:cNvCxnSpPr/>
+            <p:nvPr/>
+          </p:nvCxnSpPr>
+          <p:spPr>
+            <a:xfrm flipV="1">
+              <a:off x="2469653" y="6122558"/>
+              <a:ext cx="1124204" cy="6247"/>
+            </a:xfrm>
+            <a:prstGeom prst="line">
+              <a:avLst/>
+            </a:prstGeom>
+            <a:ln>
+              <a:prstDash val="dash"/>
+            </a:ln>
+          </p:spPr>
+          <p:style>
+            <a:lnRef idx="1">
+              <a:schemeClr val="dk1"/>
+            </a:lnRef>
+            <a:fillRef idx="0">
+              <a:schemeClr val="dk1"/>
+            </a:fillRef>
+            <a:effectRef idx="0">
+              <a:schemeClr val="dk1"/>
+            </a:effectRef>
+            <a:fontRef idx="minor">
+              <a:schemeClr val="tx1"/>
+            </a:fontRef>
+          </p:style>
+        </p:cxnSp>
+      </p:grpSp>
+      <p:cxnSp>
+        <p:nvCxnSpPr>
+          <p:cNvPr id="39" name="직선 화살표 연결선 38"/>
+          <p:cNvCxnSpPr/>
+          <p:nvPr/>
+        </p:nvCxnSpPr>
+        <p:spPr>
+          <a:xfrm>
+            <a:off x="1178694" y="1131574"/>
+            <a:ext cx="511868" cy="1266"/>
+          </a:xfrm>
+          <a:prstGeom prst="straightConnector1">
+            <a:avLst/>
+          </a:prstGeom>
+          <a:ln w="28575">
+            <a:solidFill>
+              <a:schemeClr val="tx1"/>
+            </a:solidFill>
+            <a:headEnd type="none" w="med" len="med"/>
+            <a:tailEnd type="none" w="med" len="med"/>
+          </a:ln>
+        </p:spPr>
+        <p:style>
+          <a:lnRef idx="1">
+            <a:schemeClr val="accent1"/>
+          </a:lnRef>
+          <a:fillRef idx="0">
+            <a:schemeClr val="accent1"/>
+          </a:fillRef>
+          <a:effectRef idx="0">
+            <a:schemeClr val="accent1"/>
+          </a:effectRef>
+          <a:fontRef idx="minor">
+            <a:schemeClr val="tx1"/>
+          </a:fontRef>
+        </p:style>
+      </p:cxnSp>
+      <p:cxnSp>
+        <p:nvCxnSpPr>
+          <p:cNvPr id="43" name="직선 화살표 연결선 42"/>
+          <p:cNvCxnSpPr/>
+          <p:nvPr/>
+        </p:nvCxnSpPr>
+        <p:spPr>
+          <a:xfrm flipV="1">
+            <a:off x="1188220" y="631522"/>
+            <a:ext cx="815" cy="501318"/>
+          </a:xfrm>
+          <a:prstGeom prst="straightConnector1">
+            <a:avLst/>
+          </a:prstGeom>
+          <a:ln w="28575">
+            <a:solidFill>
+              <a:schemeClr val="tx1"/>
+            </a:solidFill>
+            <a:headEnd type="none" w="med" len="med"/>
+            <a:tailEnd type="none" w="med" len="med"/>
+          </a:ln>
+        </p:spPr>
+        <p:style>
+          <a:lnRef idx="1">
+            <a:schemeClr val="accent1"/>
+          </a:lnRef>
+          <a:fillRef idx="0">
+            <a:schemeClr val="accent1"/>
+          </a:fillRef>
+          <a:effectRef idx="0">
+            <a:schemeClr val="accent1"/>
+          </a:effectRef>
+          <a:fontRef idx="minor">
+            <a:schemeClr val="tx1"/>
+          </a:fontRef>
+        </p:style>
+      </p:cxnSp>
+      <mc:AlternateContent xmlns:mc="http://schemas.openxmlformats.org/markup-compatibility/2006" xmlns:a14="http://schemas.microsoft.com/office/drawing/2010/main">
+        <mc:Choice Requires="a14">
+          <p:sp>
+            <p:nvSpPr>
+              <p:cNvPr id="44" name="TextBox 43"/>
+              <p:cNvSpPr txBox="1"/>
+              <p:nvPr/>
+            </p:nvSpPr>
+            <p:spPr>
+              <a:xfrm>
+                <a:off x="1277694" y="354523"/>
+                <a:ext cx="313867" cy="276999"/>
+              </a:xfrm>
+              <a:prstGeom prst="rect">
+                <a:avLst/>
+              </a:prstGeom>
+              <a:noFill/>
+            </p:spPr>
+            <p:txBody>
+              <a:bodyPr wrap="none" lIns="0" tIns="0" rIns="0" bIns="0" rtlCol="0">
+                <a:spAutoFit/>
+              </a:bodyPr>
+              <a:lstStyle/>
+              <a:p>
+                <a:pPr/>
+                <a14:m>
+                  <m:oMathPara xmlns:m="http://schemas.openxmlformats.org/officeDocument/2006/math">
+                    <m:oMathParaPr>
+                      <m:jc m:val="centerGroup"/>
+                    </m:oMathParaPr>
+                    <m:oMath xmlns:m="http://schemas.openxmlformats.org/officeDocument/2006/math">
+                      <m:sSub>
+                        <m:sSubPr>
+                          <m:ctrlPr>
+                            <a:rPr lang="en-US" altLang="ko-KR" i="1" smtClean="0">
+                              <a:latin typeface="Cambria Math" panose="02040503050406030204" pitchFamily="18" charset="0"/>
+                            </a:rPr>
+                          </m:ctrlPr>
+                        </m:sSubPr>
+                        <m:e>
+                          <m:r>
+                            <a:rPr lang="en-US" altLang="ko-KR" i="1">
+                              <a:latin typeface="Cambria Math" panose="02040503050406030204" pitchFamily="18" charset="0"/>
+                            </a:rPr>
+                            <m:t>𝛽</m:t>
+                          </m:r>
+                        </m:e>
+                        <m:sub>
+                          <m:r>
+                            <a:rPr lang="en-US" altLang="ko-KR" b="0" i="1" smtClean="0">
+                              <a:latin typeface="Cambria Math" panose="02040503050406030204" pitchFamily="18" charset="0"/>
+                            </a:rPr>
+                            <m:t>3</m:t>
+                          </m:r>
+                        </m:sub>
+                      </m:sSub>
+                    </m:oMath>
+                  </m:oMathPara>
+                </a14:m>
+                <a:endParaRPr lang="ko-KR" altLang="en-US" dirty="0"/>
+              </a:p>
+            </p:txBody>
+          </p:sp>
+        </mc:Choice>
+        <mc:Fallback xmlns="">
+          <p:sp>
+            <p:nvSpPr>
+              <p:cNvPr id="44" name="TextBox 43"/>
+              <p:cNvSpPr txBox="1">
+                <a:spLocks noRot="1" noChangeAspect="1" noMove="1" noResize="1" noEditPoints="1" noAdjustHandles="1" noChangeArrowheads="1" noChangeShapeType="1" noTextEdit="1"/>
+              </p:cNvSpPr>
+              <p:nvPr/>
+            </p:nvSpPr>
+            <p:spPr>
+              <a:xfrm>
+                <a:off x="1277694" y="354523"/>
+                <a:ext cx="313867" cy="276999"/>
+              </a:xfrm>
+              <a:prstGeom prst="rect">
+                <a:avLst/>
+              </a:prstGeom>
+              <a:blipFill rotWithShape="0">
+                <a:blip r:embed="rId11"/>
+                <a:stretch>
+                  <a:fillRect l="-21569" r="-3922" b="-36957"/>
+                </a:stretch>
+              </a:blipFill>
+            </p:spPr>
+            <p:txBody>
+              <a:bodyPr/>
+              <a:lstStyle/>
+              <a:p>
+                <a:r>
+                  <a:rPr lang="ko-KR" altLang="en-US">
+                    <a:noFill/>
+                  </a:rPr>
+                  <a:t> </a:t>
+                </a:r>
+              </a:p>
+            </p:txBody>
+          </p:sp>
+        </mc:Fallback>
+      </mc:AlternateContent>
+      <mc:AlternateContent xmlns:mc="http://schemas.openxmlformats.org/markup-compatibility/2006" xmlns:a14="http://schemas.microsoft.com/office/drawing/2010/main">
+        <mc:Choice Requires="a14">
+          <p:sp>
+            <p:nvSpPr>
+              <p:cNvPr id="46" name="TextBox 45"/>
+              <p:cNvSpPr txBox="1"/>
+              <p:nvPr/>
+            </p:nvSpPr>
+            <p:spPr>
+              <a:xfrm>
+                <a:off x="870148" y="1455305"/>
+                <a:ext cx="308546" cy="276999"/>
+              </a:xfrm>
+              <a:prstGeom prst="rect">
+                <a:avLst/>
+              </a:prstGeom>
+              <a:noFill/>
+            </p:spPr>
+            <p:txBody>
+              <a:bodyPr wrap="none" lIns="0" tIns="0" rIns="0" bIns="0" rtlCol="0">
+                <a:spAutoFit/>
+              </a:bodyPr>
+              <a:lstStyle/>
+              <a:p>
+                <a:pPr/>
+                <a14:m>
+                  <m:oMathPara xmlns:m="http://schemas.openxmlformats.org/officeDocument/2006/math">
+                    <m:oMathParaPr>
+                      <m:jc m:val="centerGroup"/>
+                    </m:oMathParaPr>
+                    <m:oMath xmlns:m="http://schemas.openxmlformats.org/officeDocument/2006/math">
+                      <m:sSub>
+                        <m:sSubPr>
+                          <m:ctrlPr>
+                            <a:rPr lang="en-US" altLang="ko-KR" b="0" i="1" smtClean="0">
+                              <a:latin typeface="Cambria Math" panose="02040503050406030204" pitchFamily="18" charset="0"/>
+                            </a:rPr>
+                          </m:ctrlPr>
+                        </m:sSubPr>
+                        <m:e>
+                          <m:r>
+                            <a:rPr lang="en-US" altLang="ko-KR" b="0" i="1" smtClean="0">
+                              <a:latin typeface="Cambria Math" panose="02040503050406030204" pitchFamily="18" charset="0"/>
+                            </a:rPr>
+                            <m:t>𝛽</m:t>
+                          </m:r>
+                        </m:e>
+                        <m:sub>
+                          <m:r>
+                            <a:rPr lang="en-US" altLang="ko-KR" b="0" i="1" smtClean="0">
+                              <a:latin typeface="Cambria Math" panose="02040503050406030204" pitchFamily="18" charset="0"/>
+                            </a:rPr>
+                            <m:t>1</m:t>
+                          </m:r>
+                        </m:sub>
+                      </m:sSub>
+                    </m:oMath>
+                  </m:oMathPara>
+                </a14:m>
+                <a:endParaRPr lang="ko-KR" altLang="en-US" dirty="0"/>
+              </a:p>
+            </p:txBody>
+          </p:sp>
+        </mc:Choice>
+        <mc:Fallback xmlns="">
+          <p:sp>
+            <p:nvSpPr>
+              <p:cNvPr id="46" name="TextBox 45"/>
+              <p:cNvSpPr txBox="1">
+                <a:spLocks noRot="1" noChangeAspect="1" noMove="1" noResize="1" noEditPoints="1" noAdjustHandles="1" noChangeArrowheads="1" noChangeShapeType="1" noTextEdit="1"/>
+              </p:cNvSpPr>
+              <p:nvPr/>
+            </p:nvSpPr>
+            <p:spPr>
+              <a:xfrm>
+                <a:off x="870148" y="1455305"/>
+                <a:ext cx="308546" cy="276999"/>
+              </a:xfrm>
+              <a:prstGeom prst="rect">
+                <a:avLst/>
+              </a:prstGeom>
+              <a:blipFill rotWithShape="0">
+                <a:blip r:embed="rId12"/>
+                <a:stretch>
+                  <a:fillRect l="-22000" r="-4000" b="-40000"/>
+                </a:stretch>
+              </a:blipFill>
+            </p:spPr>
+            <p:txBody>
+              <a:bodyPr/>
+              <a:lstStyle/>
+              <a:p>
+                <a:r>
+                  <a:rPr lang="ko-KR" altLang="en-US">
+                    <a:noFill/>
+                  </a:rPr>
+                  <a:t> </a:t>
+                </a:r>
+              </a:p>
+            </p:txBody>
+          </p:sp>
+        </mc:Fallback>
+      </mc:AlternateContent>
+      <p:cxnSp>
+        <p:nvCxnSpPr>
+          <p:cNvPr id="48" name="직선 화살표 연결선 47"/>
+          <p:cNvCxnSpPr/>
+          <p:nvPr/>
+        </p:nvCxnSpPr>
+        <p:spPr>
+          <a:xfrm flipV="1">
+            <a:off x="921402" y="1131574"/>
+            <a:ext cx="257292" cy="278078"/>
+          </a:xfrm>
+          <a:prstGeom prst="straightConnector1">
+            <a:avLst/>
+          </a:prstGeom>
+          <a:ln w="28575">
+            <a:solidFill>
+              <a:schemeClr val="tx1"/>
+            </a:solidFill>
+            <a:headEnd type="none" w="med" len="med"/>
+            <a:tailEnd type="none" w="med" len="med"/>
+          </a:ln>
+        </p:spPr>
+        <p:style>
+          <a:lnRef idx="1">
+            <a:schemeClr val="accent1"/>
+          </a:lnRef>
+          <a:fillRef idx="0">
+            <a:schemeClr val="accent1"/>
+          </a:fillRef>
+          <a:effectRef idx="0">
+            <a:schemeClr val="accent1"/>
+          </a:effectRef>
+          <a:fontRef idx="minor">
+            <a:schemeClr val="tx1"/>
+          </a:fontRef>
+        </p:style>
+      </p:cxnSp>
+      <mc:AlternateContent xmlns:mc="http://schemas.openxmlformats.org/markup-compatibility/2006" xmlns:a14="http://schemas.microsoft.com/office/drawing/2010/main">
+        <mc:Choice Requires="a14">
+          <p:sp>
+            <p:nvSpPr>
+              <p:cNvPr id="49" name="TextBox 48"/>
+              <p:cNvSpPr txBox="1"/>
+              <p:nvPr/>
+            </p:nvSpPr>
+            <p:spPr>
+              <a:xfrm>
+                <a:off x="1777029" y="993614"/>
+                <a:ext cx="313867" cy="276999"/>
+              </a:xfrm>
+              <a:prstGeom prst="rect">
+                <a:avLst/>
+              </a:prstGeom>
+              <a:noFill/>
+            </p:spPr>
+            <p:txBody>
+              <a:bodyPr wrap="none" lIns="0" tIns="0" rIns="0" bIns="0" rtlCol="0">
+                <a:spAutoFit/>
+              </a:bodyPr>
+              <a:lstStyle/>
+              <a:p>
+                <a:pPr/>
+                <a14:m>
+                  <m:oMathPara xmlns:m="http://schemas.openxmlformats.org/officeDocument/2006/math">
+                    <m:oMathParaPr>
+                      <m:jc m:val="centerGroup"/>
+                    </m:oMathParaPr>
+                    <m:oMath xmlns:m="http://schemas.openxmlformats.org/officeDocument/2006/math">
+                      <m:sSub>
+                        <m:sSubPr>
+                          <m:ctrlPr>
+                            <a:rPr lang="en-US" altLang="ko-KR" b="0" i="1" smtClean="0">
+                              <a:latin typeface="Cambria Math" panose="02040503050406030204" pitchFamily="18" charset="0"/>
+                            </a:rPr>
+                          </m:ctrlPr>
+                        </m:sSubPr>
+                        <m:e>
+                          <m:r>
+                            <a:rPr lang="en-US" altLang="ko-KR" b="0" i="1" smtClean="0">
+                              <a:latin typeface="Cambria Math" panose="02040503050406030204" pitchFamily="18" charset="0"/>
+                            </a:rPr>
+                            <m:t>𝛽</m:t>
+                          </m:r>
+                        </m:e>
+                        <m:sub>
+                          <m:r>
+                            <a:rPr lang="en-US" altLang="ko-KR" b="0" i="1" smtClean="0">
+                              <a:latin typeface="Cambria Math" panose="02040503050406030204" pitchFamily="18" charset="0"/>
+                            </a:rPr>
+                            <m:t>2</m:t>
+                          </m:r>
+                        </m:sub>
+                      </m:sSub>
+                    </m:oMath>
+                  </m:oMathPara>
+                </a14:m>
+                <a:endParaRPr lang="ko-KR" altLang="en-US" dirty="0"/>
+              </a:p>
+            </p:txBody>
+          </p:sp>
+        </mc:Choice>
+        <mc:Fallback xmlns="">
+          <p:sp>
+            <p:nvSpPr>
+              <p:cNvPr id="49" name="TextBox 48"/>
+              <p:cNvSpPr txBox="1">
+                <a:spLocks noRot="1" noChangeAspect="1" noMove="1" noResize="1" noEditPoints="1" noAdjustHandles="1" noChangeArrowheads="1" noChangeShapeType="1" noTextEdit="1"/>
+              </p:cNvSpPr>
+              <p:nvPr/>
+            </p:nvSpPr>
+            <p:spPr>
+              <a:xfrm>
+                <a:off x="1777029" y="993614"/>
+                <a:ext cx="313867" cy="276999"/>
+              </a:xfrm>
+              <a:prstGeom prst="rect">
+                <a:avLst/>
+              </a:prstGeom>
+              <a:blipFill rotWithShape="0">
+                <a:blip r:embed="rId13"/>
+                <a:stretch>
+                  <a:fillRect l="-21569" r="-3922" b="-40000"/>
+                </a:stretch>
+              </a:blipFill>
+            </p:spPr>
+            <p:txBody>
+              <a:bodyPr/>
+              <a:lstStyle/>
+              <a:p>
+                <a:r>
+                  <a:rPr lang="ko-KR" altLang="en-US">
+                    <a:noFill/>
+                  </a:rPr>
+                  <a:t> </a:t>
+                </a:r>
+              </a:p>
+            </p:txBody>
+          </p:sp>
+        </mc:Fallback>
+      </mc:AlternateContent>
+      <p:grpSp>
+        <p:nvGrpSpPr>
+          <p:cNvPr id="15" name="그룹 14"/>
+          <p:cNvGrpSpPr/>
+          <p:nvPr/>
+        </p:nvGrpSpPr>
+        <p:grpSpPr>
+          <a:xfrm>
+            <a:off x="3566022" y="405750"/>
+            <a:ext cx="1640993" cy="1250844"/>
+            <a:chOff x="2177208" y="716923"/>
+            <a:chExt cx="1640993" cy="1250844"/>
+          </a:xfrm>
+        </p:grpSpPr>
+        <p:grpSp>
+          <p:nvGrpSpPr>
+            <p:cNvPr id="13" name="그룹 12"/>
+            <p:cNvGrpSpPr/>
+            <p:nvPr/>
+          </p:nvGrpSpPr>
+          <p:grpSpPr>
+            <a:xfrm>
+              <a:off x="2595409" y="882181"/>
+              <a:ext cx="744691" cy="833353"/>
+              <a:chOff x="2691590" y="800099"/>
+              <a:chExt cx="744691" cy="833353"/>
+            </a:xfrm>
+          </p:grpSpPr>
+          <p:cxnSp>
+            <p:nvCxnSpPr>
+              <p:cNvPr id="50" name="직선 화살표 연결선 49"/>
+              <p:cNvCxnSpPr/>
+              <p:nvPr/>
+            </p:nvCxnSpPr>
+            <p:spPr>
+              <a:xfrm flipH="1">
+                <a:off x="2691590" y="1270613"/>
+                <a:ext cx="267511" cy="362839"/>
+              </a:xfrm>
+              <a:prstGeom prst="straightConnector1">
+                <a:avLst/>
+              </a:prstGeom>
+              <a:ln w="28575">
+                <a:solidFill>
+                  <a:schemeClr val="tx1"/>
+                </a:solidFill>
+                <a:headEnd w="lg" len="lg"/>
+                <a:tailEnd type="triangle" w="lg" len="lg"/>
+              </a:ln>
+            </p:spPr>
+            <p:style>
+              <a:lnRef idx="1">
+                <a:schemeClr val="accent1"/>
+              </a:lnRef>
+              <a:fillRef idx="0">
+                <a:schemeClr val="accent1"/>
+              </a:fillRef>
+              <a:effectRef idx="0">
+                <a:schemeClr val="accent1"/>
+              </a:effectRef>
+              <a:fontRef idx="minor">
+                <a:schemeClr val="tx1"/>
+              </a:fontRef>
+            </p:style>
+          </p:cxnSp>
+          <p:cxnSp>
+            <p:nvCxnSpPr>
+              <p:cNvPr id="51" name="직선 화살표 연결선 50"/>
+              <p:cNvCxnSpPr/>
+              <p:nvPr/>
+            </p:nvCxnSpPr>
+            <p:spPr>
+              <a:xfrm flipV="1">
+                <a:off x="2948690" y="1276818"/>
+                <a:ext cx="487591" cy="7930"/>
+              </a:xfrm>
+              <a:prstGeom prst="straightConnector1">
+                <a:avLst/>
+              </a:prstGeom>
+              <a:ln w="28575">
+                <a:solidFill>
+                  <a:schemeClr val="tx1"/>
+                </a:solidFill>
+                <a:headEnd w="lg" len="lg"/>
+                <a:tailEnd type="triangle" w="lg" len="lg"/>
+              </a:ln>
+            </p:spPr>
+            <p:style>
+              <a:lnRef idx="1">
+                <a:schemeClr val="accent1"/>
+              </a:lnRef>
+              <a:fillRef idx="0">
+                <a:schemeClr val="accent1"/>
+              </a:fillRef>
+              <a:effectRef idx="0">
+                <a:schemeClr val="accent1"/>
+              </a:effectRef>
+              <a:fontRef idx="minor">
+                <a:schemeClr val="tx1"/>
+              </a:fontRef>
+            </p:style>
+          </p:cxnSp>
+          <p:cxnSp>
+            <p:nvCxnSpPr>
+              <p:cNvPr id="52" name="직선 화살표 연결선 51"/>
+              <p:cNvCxnSpPr/>
+              <p:nvPr/>
+            </p:nvCxnSpPr>
+            <p:spPr>
+              <a:xfrm flipH="1" flipV="1">
+                <a:off x="2946400" y="800099"/>
+                <a:ext cx="0" cy="504000"/>
+              </a:xfrm>
+              <a:prstGeom prst="straightConnector1">
+                <a:avLst/>
+              </a:prstGeom>
+              <a:ln w="28575">
+                <a:solidFill>
+                  <a:schemeClr val="tx1"/>
+                </a:solidFill>
+                <a:headEnd w="lg" len="lg"/>
+                <a:tailEnd type="triangle" w="lg" len="lg"/>
+              </a:ln>
+            </p:spPr>
+            <p:style>
+              <a:lnRef idx="1">
+                <a:schemeClr val="accent1"/>
+              </a:lnRef>
+              <a:fillRef idx="0">
+                <a:schemeClr val="accent1"/>
+              </a:fillRef>
+              <a:effectRef idx="0">
+                <a:schemeClr val="accent1"/>
+              </a:effectRef>
+              <a:fontRef idx="minor">
+                <a:schemeClr val="tx1"/>
+              </a:fontRef>
+            </p:style>
+          </p:cxnSp>
+        </p:grpSp>
+        <mc:AlternateContent xmlns:mc="http://schemas.openxmlformats.org/markup-compatibility/2006" xmlns:a14="http://schemas.microsoft.com/office/drawing/2010/main">
+          <mc:Choice Requires="a14">
+            <p:sp>
+              <p:nvSpPr>
+                <p:cNvPr id="14" name="직사각형 13"/>
+                <p:cNvSpPr/>
+                <p:nvPr/>
+              </p:nvSpPr>
+              <p:spPr>
+                <a:xfrm>
+                  <a:off x="2177208" y="1594716"/>
+                  <a:ext cx="521938" cy="373051"/>
+                </a:xfrm>
+                <a:prstGeom prst="rect">
+                  <a:avLst/>
+                </a:prstGeom>
+              </p:spPr>
+              <p:txBody>
+                <a:bodyPr wrap="none">
+                  <a:spAutoFit/>
+                </a:bodyPr>
+                <a:lstStyle/>
+                <a:p>
+                  <a:pPr/>
+                  <a14:m>
+                    <m:oMathPara xmlns:m="http://schemas.openxmlformats.org/officeDocument/2006/math">
+                      <m:oMathParaPr>
+                        <m:jc m:val="centerGroup"/>
+                      </m:oMathParaPr>
+                      <m:oMath xmlns:m="http://schemas.openxmlformats.org/officeDocument/2006/math">
+                        <m:sSubSup>
+                          <m:sSubSupPr>
+                            <m:ctrlPr>
+                              <a:rPr lang="en-US" altLang="ko-KR" i="1" smtClean="0">
+                                <a:latin typeface="Cambria Math" panose="02040503050406030204" pitchFamily="18" charset="0"/>
+                              </a:rPr>
+                            </m:ctrlPr>
+                          </m:sSubSupPr>
+                          <m:e>
+                            <m:r>
+                              <a:rPr lang="en-US" altLang="ko-KR" b="0" i="1" smtClean="0">
+                                <a:latin typeface="Cambria Math" panose="02040503050406030204" pitchFamily="18" charset="0"/>
+                              </a:rPr>
+                              <m:t>𝑇</m:t>
+                            </m:r>
+                          </m:e>
+                          <m:sub>
+                            <m:r>
+                              <a:rPr lang="en-US" altLang="ko-KR" b="0" i="1" smtClean="0">
+                                <a:latin typeface="Cambria Math" panose="02040503050406030204" pitchFamily="18" charset="0"/>
+                              </a:rPr>
+                              <m:t>3</m:t>
+                            </m:r>
+                          </m:sub>
+                          <m:sup>
+                            <m:r>
+                              <a:rPr lang="en-US" altLang="ko-KR" b="0" i="1" smtClean="0">
+                                <a:latin typeface="Cambria Math" panose="02040503050406030204" pitchFamily="18" charset="0"/>
+                              </a:rPr>
+                              <m:t>1</m:t>
+                            </m:r>
+                          </m:sup>
+                        </m:sSubSup>
+                      </m:oMath>
+                    </m:oMathPara>
+                  </a14:m>
+                  <a:endParaRPr lang="ko-KR" altLang="en-US"/>
+                </a:p>
+              </p:txBody>
+            </p:sp>
+          </mc:Choice>
+          <mc:Fallback xmlns="">
+            <p:sp>
+              <p:nvSpPr>
+                <p:cNvPr id="14" name="직사각형 13"/>
+                <p:cNvSpPr>
+                  <a:spLocks noRot="1" noChangeAspect="1" noMove="1" noResize="1" noEditPoints="1" noAdjustHandles="1" noChangeArrowheads="1" noChangeShapeType="1" noTextEdit="1"/>
+                </p:cNvSpPr>
+                <p:nvPr/>
+              </p:nvSpPr>
+              <p:spPr>
+                <a:xfrm>
+                  <a:off x="2177208" y="1594716"/>
+                  <a:ext cx="521938" cy="373051"/>
+                </a:xfrm>
+                <a:prstGeom prst="rect">
+                  <a:avLst/>
+                </a:prstGeom>
+                <a:blipFill rotWithShape="0">
+                  <a:blip r:embed="rId14"/>
+                  <a:stretch>
+                    <a:fillRect b="-3279"/>
+                  </a:stretch>
+                </a:blipFill>
+              </p:spPr>
+              <p:txBody>
+                <a:bodyPr/>
+                <a:lstStyle/>
+                <a:p>
+                  <a:r>
+                    <a:rPr lang="ko-KR" altLang="en-US">
+                      <a:noFill/>
+                    </a:rPr>
+                    <a:t> </a:t>
+                  </a:r>
+                </a:p>
+              </p:txBody>
+            </p:sp>
+          </mc:Fallback>
+        </mc:AlternateContent>
+        <mc:AlternateContent xmlns:mc="http://schemas.openxmlformats.org/markup-compatibility/2006" xmlns:a14="http://schemas.microsoft.com/office/drawing/2010/main">
+          <mc:Choice Requires="a14">
+            <p:sp>
+              <p:nvSpPr>
+                <p:cNvPr id="54" name="직사각형 53"/>
+                <p:cNvSpPr/>
+                <p:nvPr/>
+              </p:nvSpPr>
+              <p:spPr>
+                <a:xfrm>
+                  <a:off x="3296263" y="1176339"/>
+                  <a:ext cx="521938" cy="373051"/>
+                </a:xfrm>
+                <a:prstGeom prst="rect">
+                  <a:avLst/>
+                </a:prstGeom>
+              </p:spPr>
+              <p:txBody>
+                <a:bodyPr wrap="none">
+                  <a:spAutoFit/>
+                </a:bodyPr>
+                <a:lstStyle/>
+                <a:p>
+                  <a:pPr/>
+                  <a14:m>
+                    <m:oMathPara xmlns:m="http://schemas.openxmlformats.org/officeDocument/2006/math">
+                      <m:oMathParaPr>
+                        <m:jc m:val="centerGroup"/>
+                      </m:oMathParaPr>
+                      <m:oMath xmlns:m="http://schemas.openxmlformats.org/officeDocument/2006/math">
+                        <m:sSubSup>
+                          <m:sSubSupPr>
+                            <m:ctrlPr>
+                              <a:rPr lang="en-US" altLang="ko-KR" i="1" smtClean="0">
+                                <a:latin typeface="Cambria Math" panose="02040503050406030204" pitchFamily="18" charset="0"/>
+                              </a:rPr>
+                            </m:ctrlPr>
+                          </m:sSubSupPr>
+                          <m:e>
+                            <m:r>
+                              <a:rPr lang="en-US" altLang="ko-KR" b="0" i="1" smtClean="0">
+                                <a:latin typeface="Cambria Math" panose="02040503050406030204" pitchFamily="18" charset="0"/>
+                              </a:rPr>
+                              <m:t>𝑇</m:t>
+                            </m:r>
+                          </m:e>
+                          <m:sub>
+                            <m:r>
+                              <a:rPr lang="en-US" altLang="ko-KR" b="0" i="1" smtClean="0">
+                                <a:latin typeface="Cambria Math" panose="02040503050406030204" pitchFamily="18" charset="0"/>
+                              </a:rPr>
+                              <m:t>3</m:t>
+                            </m:r>
+                          </m:sub>
+                          <m:sup>
+                            <m:r>
+                              <a:rPr lang="en-US" altLang="ko-KR" b="0" i="1" smtClean="0">
+                                <a:latin typeface="Cambria Math" panose="02040503050406030204" pitchFamily="18" charset="0"/>
+                              </a:rPr>
+                              <m:t>2</m:t>
+                            </m:r>
+                          </m:sup>
+                        </m:sSubSup>
+                      </m:oMath>
+                    </m:oMathPara>
+                  </a14:m>
+                  <a:endParaRPr lang="ko-KR" altLang="en-US"/>
+                </a:p>
+              </p:txBody>
+            </p:sp>
+          </mc:Choice>
+          <mc:Fallback xmlns="">
+            <p:sp>
+              <p:nvSpPr>
+                <p:cNvPr id="54" name="직사각형 53"/>
+                <p:cNvSpPr>
+                  <a:spLocks noRot="1" noChangeAspect="1" noMove="1" noResize="1" noEditPoints="1" noAdjustHandles="1" noChangeArrowheads="1" noChangeShapeType="1" noTextEdit="1"/>
+                </p:cNvSpPr>
+                <p:nvPr/>
+              </p:nvSpPr>
+              <p:spPr>
+                <a:xfrm>
+                  <a:off x="3296263" y="1176339"/>
+                  <a:ext cx="521938" cy="373051"/>
+                </a:xfrm>
+                <a:prstGeom prst="rect">
+                  <a:avLst/>
+                </a:prstGeom>
+                <a:blipFill rotWithShape="0">
+                  <a:blip r:embed="rId15"/>
+                  <a:stretch>
+                    <a:fillRect b="-3279"/>
+                  </a:stretch>
+                </a:blipFill>
+              </p:spPr>
+              <p:txBody>
+                <a:bodyPr/>
+                <a:lstStyle/>
+                <a:p>
+                  <a:r>
+                    <a:rPr lang="ko-KR" altLang="en-US">
+                      <a:noFill/>
+                    </a:rPr>
+                    <a:t> </a:t>
+                  </a:r>
+                </a:p>
+              </p:txBody>
+            </p:sp>
+          </mc:Fallback>
+        </mc:AlternateContent>
+        <mc:AlternateContent xmlns:mc="http://schemas.openxmlformats.org/markup-compatibility/2006" xmlns:a14="http://schemas.microsoft.com/office/drawing/2010/main">
+          <mc:Choice Requires="a14">
+            <p:sp>
+              <p:nvSpPr>
+                <p:cNvPr id="55" name="직사각형 54"/>
+                <p:cNvSpPr/>
+                <p:nvPr/>
+              </p:nvSpPr>
+              <p:spPr>
+                <a:xfrm>
+                  <a:off x="2296729" y="716923"/>
+                  <a:ext cx="521938" cy="373051"/>
+                </a:xfrm>
+                <a:prstGeom prst="rect">
+                  <a:avLst/>
+                </a:prstGeom>
+              </p:spPr>
+              <p:txBody>
+                <a:bodyPr wrap="none">
+                  <a:spAutoFit/>
+                </a:bodyPr>
+                <a:lstStyle/>
+                <a:p>
+                  <a:pPr/>
+                  <a14:m>
+                    <m:oMathPara xmlns:m="http://schemas.openxmlformats.org/officeDocument/2006/math">
+                      <m:oMathParaPr>
+                        <m:jc m:val="centerGroup"/>
+                      </m:oMathParaPr>
+                      <m:oMath xmlns:m="http://schemas.openxmlformats.org/officeDocument/2006/math">
+                        <m:sSubSup>
+                          <m:sSubSupPr>
+                            <m:ctrlPr>
+                              <a:rPr lang="en-US" altLang="ko-KR" i="1" smtClean="0">
+                                <a:latin typeface="Cambria Math" panose="02040503050406030204" pitchFamily="18" charset="0"/>
+                              </a:rPr>
+                            </m:ctrlPr>
+                          </m:sSubSupPr>
+                          <m:e>
+                            <m:r>
+                              <a:rPr lang="en-US" altLang="ko-KR" b="0" i="1" smtClean="0">
+                                <a:latin typeface="Cambria Math" panose="02040503050406030204" pitchFamily="18" charset="0"/>
+                              </a:rPr>
+                              <m:t>𝑇</m:t>
+                            </m:r>
+                          </m:e>
+                          <m:sub>
+                            <m:r>
+                              <a:rPr lang="en-US" altLang="ko-KR" b="0" i="1" smtClean="0">
+                                <a:latin typeface="Cambria Math" panose="02040503050406030204" pitchFamily="18" charset="0"/>
+                              </a:rPr>
+                              <m:t>3</m:t>
+                            </m:r>
+                          </m:sub>
+                          <m:sup>
+                            <m:r>
+                              <a:rPr lang="en-US" altLang="ko-KR" b="0" i="1" smtClean="0">
+                                <a:latin typeface="Cambria Math" panose="02040503050406030204" pitchFamily="18" charset="0"/>
+                              </a:rPr>
+                              <m:t>3</m:t>
+                            </m:r>
+                          </m:sup>
+                        </m:sSubSup>
+                      </m:oMath>
+                    </m:oMathPara>
+                  </a14:m>
+                  <a:endParaRPr lang="ko-KR" altLang="en-US" dirty="0"/>
+                </a:p>
+              </p:txBody>
+            </p:sp>
+          </mc:Choice>
+          <mc:Fallback xmlns="">
+            <p:sp>
+              <p:nvSpPr>
+                <p:cNvPr id="55" name="직사각형 54"/>
+                <p:cNvSpPr>
+                  <a:spLocks noRot="1" noChangeAspect="1" noMove="1" noResize="1" noEditPoints="1" noAdjustHandles="1" noChangeArrowheads="1" noChangeShapeType="1" noTextEdit="1"/>
+                </p:cNvSpPr>
+                <p:nvPr/>
+              </p:nvSpPr>
+              <p:spPr>
+                <a:xfrm>
+                  <a:off x="2296729" y="716923"/>
+                  <a:ext cx="521938" cy="373051"/>
+                </a:xfrm>
+                <a:prstGeom prst="rect">
+                  <a:avLst/>
+                </a:prstGeom>
+                <a:blipFill rotWithShape="0">
+                  <a:blip r:embed="rId16"/>
+                  <a:stretch>
+                    <a:fillRect b="-3279"/>
+                  </a:stretch>
+                </a:blipFill>
+              </p:spPr>
+              <p:txBody>
+                <a:bodyPr/>
+                <a:lstStyle/>
+                <a:p>
+                  <a:r>
+                    <a:rPr lang="ko-KR" altLang="en-US">
+                      <a:noFill/>
+                    </a:rPr>
+                    <a:t> </a:t>
+                  </a:r>
+                </a:p>
+              </p:txBody>
+            </p:sp>
+          </mc:Fallback>
+        </mc:AlternateContent>
+      </p:grpSp>
+      <p:grpSp>
+        <p:nvGrpSpPr>
+          <p:cNvPr id="66" name="그룹 65"/>
+          <p:cNvGrpSpPr/>
+          <p:nvPr/>
+        </p:nvGrpSpPr>
+        <p:grpSpPr>
+          <a:xfrm>
+            <a:off x="5351875" y="1569182"/>
+            <a:ext cx="1262291" cy="1441621"/>
+            <a:chOff x="2595409" y="586002"/>
+            <a:chExt cx="1262291" cy="1441621"/>
+          </a:xfrm>
+        </p:grpSpPr>
+        <p:grpSp>
+          <p:nvGrpSpPr>
+            <p:cNvPr id="67" name="그룹 66"/>
+            <p:cNvGrpSpPr/>
+            <p:nvPr/>
+          </p:nvGrpSpPr>
+          <p:grpSpPr>
+            <a:xfrm>
+              <a:off x="2595409" y="882181"/>
+              <a:ext cx="813619" cy="833353"/>
+              <a:chOff x="2691590" y="800099"/>
+              <a:chExt cx="813619" cy="833353"/>
+            </a:xfrm>
+          </p:grpSpPr>
+          <p:cxnSp>
+            <p:nvCxnSpPr>
+              <p:cNvPr id="71" name="직선 화살표 연결선 70"/>
+              <p:cNvCxnSpPr/>
+              <p:nvPr/>
+            </p:nvCxnSpPr>
+            <p:spPr>
+              <a:xfrm flipH="1">
+                <a:off x="2691590" y="1270613"/>
+                <a:ext cx="267511" cy="362839"/>
+              </a:xfrm>
+              <a:prstGeom prst="straightConnector1">
+                <a:avLst/>
+              </a:prstGeom>
+              <a:ln w="28575">
+                <a:solidFill>
+                  <a:schemeClr val="tx1"/>
+                </a:solidFill>
+                <a:headEnd w="lg" len="lg"/>
+                <a:tailEnd type="triangle" w="lg" len="lg"/>
+              </a:ln>
+            </p:spPr>
+            <p:style>
+              <a:lnRef idx="1">
+                <a:schemeClr val="accent1"/>
+              </a:lnRef>
+              <a:fillRef idx="0">
+                <a:schemeClr val="accent1"/>
+              </a:fillRef>
+              <a:effectRef idx="0">
+                <a:schemeClr val="accent1"/>
+              </a:effectRef>
+              <a:fontRef idx="minor">
+                <a:schemeClr val="tx1"/>
+              </a:fontRef>
+            </p:style>
+          </p:cxnSp>
+          <p:cxnSp>
+            <p:nvCxnSpPr>
+              <p:cNvPr id="72" name="직선 화살표 연결선 71"/>
+              <p:cNvCxnSpPr/>
+              <p:nvPr/>
+            </p:nvCxnSpPr>
+            <p:spPr>
+              <a:xfrm>
+                <a:off x="2948690" y="1284748"/>
+                <a:ext cx="556519" cy="254"/>
+              </a:xfrm>
+              <a:prstGeom prst="straightConnector1">
+                <a:avLst/>
+              </a:prstGeom>
+              <a:ln w="28575">
+                <a:solidFill>
+                  <a:schemeClr val="tx1"/>
+                </a:solidFill>
+                <a:headEnd w="lg" len="lg"/>
+                <a:tailEnd type="triangle" w="lg" len="lg"/>
+              </a:ln>
+            </p:spPr>
+            <p:style>
+              <a:lnRef idx="1">
+                <a:schemeClr val="accent1"/>
+              </a:lnRef>
+              <a:fillRef idx="0">
+                <a:schemeClr val="accent1"/>
+              </a:fillRef>
+              <a:effectRef idx="0">
+                <a:schemeClr val="accent1"/>
+              </a:effectRef>
+              <a:fontRef idx="minor">
+                <a:schemeClr val="tx1"/>
+              </a:fontRef>
+            </p:style>
+          </p:cxnSp>
+          <p:cxnSp>
+            <p:nvCxnSpPr>
+              <p:cNvPr id="73" name="직선 화살표 연결선 72"/>
+              <p:cNvCxnSpPr/>
+              <p:nvPr/>
+            </p:nvCxnSpPr>
+            <p:spPr>
+              <a:xfrm flipH="1" flipV="1">
+                <a:off x="2946400" y="800099"/>
+                <a:ext cx="0" cy="504000"/>
+              </a:xfrm>
+              <a:prstGeom prst="straightConnector1">
+                <a:avLst/>
+              </a:prstGeom>
+              <a:ln w="28575">
+                <a:solidFill>
+                  <a:schemeClr val="tx1"/>
+                </a:solidFill>
+                <a:headEnd w="lg" len="lg"/>
+                <a:tailEnd type="triangle" w="lg" len="lg"/>
+              </a:ln>
+            </p:spPr>
+            <p:style>
+              <a:lnRef idx="1">
+                <a:schemeClr val="accent1"/>
+              </a:lnRef>
+              <a:fillRef idx="0">
+                <a:schemeClr val="accent1"/>
+              </a:fillRef>
+              <a:effectRef idx="0">
+                <a:schemeClr val="accent1"/>
+              </a:effectRef>
+              <a:fontRef idx="minor">
+                <a:schemeClr val="tx1"/>
+              </a:fontRef>
+            </p:style>
+          </p:cxnSp>
+        </p:grpSp>
+        <mc:AlternateContent xmlns:mc="http://schemas.openxmlformats.org/markup-compatibility/2006" xmlns:a14="http://schemas.microsoft.com/office/drawing/2010/main">
+          <mc:Choice Requires="a14">
+            <p:sp>
+              <p:nvSpPr>
+                <p:cNvPr id="68" name="직사각형 67"/>
+                <p:cNvSpPr/>
+                <p:nvPr/>
+              </p:nvSpPr>
+              <p:spPr>
+                <a:xfrm>
+                  <a:off x="2657908" y="1654572"/>
+                  <a:ext cx="521938" cy="373051"/>
+                </a:xfrm>
+                <a:prstGeom prst="rect">
+                  <a:avLst/>
+                </a:prstGeom>
+              </p:spPr>
+              <p:txBody>
+                <a:bodyPr wrap="none">
+                  <a:spAutoFit/>
+                </a:bodyPr>
+                <a:lstStyle/>
+                <a:p>
+                  <a:pPr/>
+                  <a14:m>
+                    <m:oMathPara xmlns:m="http://schemas.openxmlformats.org/officeDocument/2006/math">
+                      <m:oMathParaPr>
+                        <m:jc m:val="centerGroup"/>
+                      </m:oMathParaPr>
+                      <m:oMath xmlns:m="http://schemas.openxmlformats.org/officeDocument/2006/math">
+                        <m:sSubSup>
+                          <m:sSubSupPr>
+                            <m:ctrlPr>
+                              <a:rPr lang="en-US" altLang="ko-KR" i="1" smtClean="0">
+                                <a:latin typeface="Cambria Math" panose="02040503050406030204" pitchFamily="18" charset="0"/>
+                              </a:rPr>
+                            </m:ctrlPr>
+                          </m:sSubSupPr>
+                          <m:e>
+                            <m:r>
+                              <a:rPr lang="en-US" altLang="ko-KR" b="0" i="1" smtClean="0">
+                                <a:latin typeface="Cambria Math" panose="02040503050406030204" pitchFamily="18" charset="0"/>
+                              </a:rPr>
+                              <m:t>𝑇</m:t>
+                            </m:r>
+                          </m:e>
+                          <m:sub>
+                            <m:r>
+                              <a:rPr lang="en-US" altLang="ko-KR" b="0" i="1" smtClean="0">
+                                <a:latin typeface="Cambria Math" panose="02040503050406030204" pitchFamily="18" charset="0"/>
+                              </a:rPr>
+                              <m:t>2</m:t>
+                            </m:r>
+                          </m:sub>
+                          <m:sup>
+                            <m:r>
+                              <a:rPr lang="en-US" altLang="ko-KR" b="0" i="1" smtClean="0">
+                                <a:latin typeface="Cambria Math" panose="02040503050406030204" pitchFamily="18" charset="0"/>
+                              </a:rPr>
+                              <m:t>1</m:t>
+                            </m:r>
+                          </m:sup>
+                        </m:sSubSup>
+                      </m:oMath>
+                    </m:oMathPara>
+                  </a14:m>
+                  <a:endParaRPr lang="ko-KR" altLang="en-US"/>
+                </a:p>
+              </p:txBody>
+            </p:sp>
+          </mc:Choice>
+          <mc:Fallback xmlns="">
+            <p:sp>
+              <p:nvSpPr>
+                <p:cNvPr id="68" name="직사각형 67"/>
+                <p:cNvSpPr>
+                  <a:spLocks noRot="1" noChangeAspect="1" noMove="1" noResize="1" noEditPoints="1" noAdjustHandles="1" noChangeArrowheads="1" noChangeShapeType="1" noTextEdit="1"/>
+                </p:cNvSpPr>
+                <p:nvPr/>
+              </p:nvSpPr>
+              <p:spPr>
+                <a:xfrm>
+                  <a:off x="2657908" y="1654572"/>
+                  <a:ext cx="521938" cy="373051"/>
+                </a:xfrm>
+                <a:prstGeom prst="rect">
+                  <a:avLst/>
+                </a:prstGeom>
+                <a:blipFill rotWithShape="0">
+                  <a:blip r:embed="rId17"/>
+                  <a:stretch>
+                    <a:fillRect b="-3279"/>
+                  </a:stretch>
+                </a:blipFill>
+              </p:spPr>
+              <p:txBody>
+                <a:bodyPr/>
+                <a:lstStyle/>
+                <a:p>
+                  <a:r>
+                    <a:rPr lang="ko-KR" altLang="en-US">
+                      <a:noFill/>
+                    </a:rPr>
+                    <a:t> </a:t>
+                  </a:r>
+                </a:p>
+              </p:txBody>
+            </p:sp>
+          </mc:Fallback>
+        </mc:AlternateContent>
+        <mc:AlternateContent xmlns:mc="http://schemas.openxmlformats.org/markup-compatibility/2006" xmlns:a14="http://schemas.microsoft.com/office/drawing/2010/main">
+          <mc:Choice Requires="a14">
+            <p:sp>
+              <p:nvSpPr>
+                <p:cNvPr id="69" name="직사각형 68"/>
+                <p:cNvSpPr/>
+                <p:nvPr/>
+              </p:nvSpPr>
+              <p:spPr>
+                <a:xfrm>
+                  <a:off x="3335762" y="1211850"/>
+                  <a:ext cx="521938" cy="373051"/>
+                </a:xfrm>
+                <a:prstGeom prst="rect">
+                  <a:avLst/>
+                </a:prstGeom>
+              </p:spPr>
+              <p:txBody>
+                <a:bodyPr wrap="none">
+                  <a:spAutoFit/>
+                </a:bodyPr>
+                <a:lstStyle/>
+                <a:p>
+                  <a:pPr/>
+                  <a14:m>
+                    <m:oMathPara xmlns:m="http://schemas.openxmlformats.org/officeDocument/2006/math">
+                      <m:oMathParaPr>
+                        <m:jc m:val="centerGroup"/>
+                      </m:oMathParaPr>
+                      <m:oMath xmlns:m="http://schemas.openxmlformats.org/officeDocument/2006/math">
+                        <m:sSubSup>
+                          <m:sSubSupPr>
+                            <m:ctrlPr>
+                              <a:rPr lang="en-US" altLang="ko-KR" i="1" smtClean="0">
+                                <a:latin typeface="Cambria Math" panose="02040503050406030204" pitchFamily="18" charset="0"/>
+                              </a:rPr>
+                            </m:ctrlPr>
+                          </m:sSubSupPr>
+                          <m:e>
+                            <m:r>
+                              <a:rPr lang="en-US" altLang="ko-KR" b="0" i="1" smtClean="0">
+                                <a:latin typeface="Cambria Math" panose="02040503050406030204" pitchFamily="18" charset="0"/>
+                              </a:rPr>
+                              <m:t>𝑇</m:t>
+                            </m:r>
+                          </m:e>
+                          <m:sub>
+                            <m:r>
+                              <a:rPr lang="en-US" altLang="ko-KR" b="0" i="1" smtClean="0">
+                                <a:latin typeface="Cambria Math" panose="02040503050406030204" pitchFamily="18" charset="0"/>
+                              </a:rPr>
+                              <m:t>2</m:t>
+                            </m:r>
+                          </m:sub>
+                          <m:sup>
+                            <m:r>
+                              <a:rPr lang="en-US" altLang="ko-KR" b="0" i="1" smtClean="0">
+                                <a:latin typeface="Cambria Math" panose="02040503050406030204" pitchFamily="18" charset="0"/>
+                              </a:rPr>
+                              <m:t>2</m:t>
+                            </m:r>
+                          </m:sup>
+                        </m:sSubSup>
+                      </m:oMath>
+                    </m:oMathPara>
+                  </a14:m>
+                  <a:endParaRPr lang="ko-KR" altLang="en-US"/>
+                </a:p>
+              </p:txBody>
+            </p:sp>
+          </mc:Choice>
+          <mc:Fallback xmlns="">
+            <p:sp>
+              <p:nvSpPr>
+                <p:cNvPr id="69" name="직사각형 68"/>
+                <p:cNvSpPr>
+                  <a:spLocks noRot="1" noChangeAspect="1" noMove="1" noResize="1" noEditPoints="1" noAdjustHandles="1" noChangeArrowheads="1" noChangeShapeType="1" noTextEdit="1"/>
+                </p:cNvSpPr>
+                <p:nvPr/>
+              </p:nvSpPr>
+              <p:spPr>
+                <a:xfrm>
+                  <a:off x="3335762" y="1211850"/>
+                  <a:ext cx="521938" cy="373051"/>
+                </a:xfrm>
+                <a:prstGeom prst="rect">
+                  <a:avLst/>
+                </a:prstGeom>
+                <a:blipFill rotWithShape="0">
+                  <a:blip r:embed="rId18"/>
+                  <a:stretch>
+                    <a:fillRect b="-3279"/>
+                  </a:stretch>
+                </a:blipFill>
+              </p:spPr>
+              <p:txBody>
+                <a:bodyPr/>
+                <a:lstStyle/>
+                <a:p>
+                  <a:r>
+                    <a:rPr lang="ko-KR" altLang="en-US">
+                      <a:noFill/>
+                    </a:rPr>
+                    <a:t> </a:t>
+                  </a:r>
+                </a:p>
+              </p:txBody>
+            </p:sp>
+          </mc:Fallback>
+        </mc:AlternateContent>
+        <mc:AlternateContent xmlns:mc="http://schemas.openxmlformats.org/markup-compatibility/2006" xmlns:a14="http://schemas.microsoft.com/office/drawing/2010/main">
+          <mc:Choice Requires="a14">
+            <p:sp>
+              <p:nvSpPr>
+                <p:cNvPr id="70" name="직사각형 69"/>
+                <p:cNvSpPr/>
+                <p:nvPr/>
+              </p:nvSpPr>
+              <p:spPr>
+                <a:xfrm>
+                  <a:off x="2918877" y="586002"/>
+                  <a:ext cx="521938" cy="373051"/>
+                </a:xfrm>
+                <a:prstGeom prst="rect">
+                  <a:avLst/>
+                </a:prstGeom>
+              </p:spPr>
+              <p:txBody>
+                <a:bodyPr wrap="none">
+                  <a:spAutoFit/>
+                </a:bodyPr>
+                <a:lstStyle/>
+                <a:p>
+                  <a:pPr/>
+                  <a14:m>
+                    <m:oMathPara xmlns:m="http://schemas.openxmlformats.org/officeDocument/2006/math">
+                      <m:oMathParaPr>
+                        <m:jc m:val="centerGroup"/>
+                      </m:oMathParaPr>
+                      <m:oMath xmlns:m="http://schemas.openxmlformats.org/officeDocument/2006/math">
+                        <m:sSubSup>
+                          <m:sSubSupPr>
+                            <m:ctrlPr>
+                              <a:rPr lang="en-US" altLang="ko-KR" i="1" smtClean="0">
+                                <a:latin typeface="Cambria Math" panose="02040503050406030204" pitchFamily="18" charset="0"/>
+                              </a:rPr>
+                            </m:ctrlPr>
+                          </m:sSubSupPr>
+                          <m:e>
+                            <m:r>
+                              <a:rPr lang="en-US" altLang="ko-KR" b="0" i="1" smtClean="0">
+                                <a:latin typeface="Cambria Math" panose="02040503050406030204" pitchFamily="18" charset="0"/>
+                              </a:rPr>
+                              <m:t>𝑇</m:t>
+                            </m:r>
+                          </m:e>
+                          <m:sub>
+                            <m:r>
+                              <a:rPr lang="en-US" altLang="ko-KR" b="0" i="1" smtClean="0">
+                                <a:latin typeface="Cambria Math" panose="02040503050406030204" pitchFamily="18" charset="0"/>
+                              </a:rPr>
+                              <m:t>2</m:t>
+                            </m:r>
+                          </m:sub>
+                          <m:sup>
+                            <m:r>
+                              <a:rPr lang="en-US" altLang="ko-KR" b="0" i="1" smtClean="0">
+                                <a:latin typeface="Cambria Math" panose="02040503050406030204" pitchFamily="18" charset="0"/>
+                              </a:rPr>
+                              <m:t>3</m:t>
+                            </m:r>
+                          </m:sup>
+                        </m:sSubSup>
+                      </m:oMath>
+                    </m:oMathPara>
+                  </a14:m>
+                  <a:endParaRPr lang="ko-KR" altLang="en-US"/>
+                </a:p>
+              </p:txBody>
+            </p:sp>
+          </mc:Choice>
+          <mc:Fallback xmlns="">
+            <p:sp>
+              <p:nvSpPr>
+                <p:cNvPr id="70" name="직사각형 69"/>
+                <p:cNvSpPr>
+                  <a:spLocks noRot="1" noChangeAspect="1" noMove="1" noResize="1" noEditPoints="1" noAdjustHandles="1" noChangeArrowheads="1" noChangeShapeType="1" noTextEdit="1"/>
+                </p:cNvSpPr>
+                <p:nvPr/>
+              </p:nvSpPr>
+              <p:spPr>
+                <a:xfrm>
+                  <a:off x="2918877" y="586002"/>
+                  <a:ext cx="521938" cy="373051"/>
+                </a:xfrm>
+                <a:prstGeom prst="rect">
+                  <a:avLst/>
+                </a:prstGeom>
+                <a:blipFill rotWithShape="0">
+                  <a:blip r:embed="rId19"/>
+                  <a:stretch>
+                    <a:fillRect b="-1613"/>
+                  </a:stretch>
+                </a:blipFill>
+              </p:spPr>
+              <p:txBody>
+                <a:bodyPr/>
+                <a:lstStyle/>
+                <a:p>
+                  <a:r>
+                    <a:rPr lang="ko-KR" altLang="en-US">
+                      <a:noFill/>
+                    </a:rPr>
+                    <a:t> </a:t>
+                  </a:r>
+                </a:p>
+              </p:txBody>
+            </p:sp>
+          </mc:Fallback>
+        </mc:AlternateContent>
+      </p:grpSp>
+      <p:grpSp>
+        <p:nvGrpSpPr>
+          <p:cNvPr id="74" name="그룹 73"/>
+          <p:cNvGrpSpPr/>
+          <p:nvPr/>
+        </p:nvGrpSpPr>
+        <p:grpSpPr>
+          <a:xfrm>
+            <a:off x="3056222" y="2364861"/>
+            <a:ext cx="1601877" cy="1334782"/>
+            <a:chOff x="2255505" y="808329"/>
+            <a:chExt cx="1601877" cy="1334782"/>
+          </a:xfrm>
+        </p:grpSpPr>
+        <p:grpSp>
+          <p:nvGrpSpPr>
+            <p:cNvPr id="75" name="그룹 74"/>
+            <p:cNvGrpSpPr/>
+            <p:nvPr/>
+          </p:nvGrpSpPr>
+          <p:grpSpPr>
+            <a:xfrm>
+              <a:off x="2595409" y="882181"/>
+              <a:ext cx="744691" cy="833353"/>
+              <a:chOff x="2691590" y="800099"/>
+              <a:chExt cx="744691" cy="833353"/>
+            </a:xfrm>
+          </p:grpSpPr>
+          <p:cxnSp>
+            <p:nvCxnSpPr>
+              <p:cNvPr id="79" name="직선 화살표 연결선 78"/>
+              <p:cNvCxnSpPr/>
+              <p:nvPr/>
+            </p:nvCxnSpPr>
+            <p:spPr>
+              <a:xfrm flipH="1">
+                <a:off x="2691590" y="1270613"/>
+                <a:ext cx="267511" cy="362839"/>
+              </a:xfrm>
+              <a:prstGeom prst="straightConnector1">
+                <a:avLst/>
+              </a:prstGeom>
+              <a:ln w="28575">
+                <a:solidFill>
+                  <a:schemeClr val="tx1"/>
+                </a:solidFill>
+                <a:headEnd w="lg" len="lg"/>
+                <a:tailEnd type="triangle" w="lg" len="lg"/>
+              </a:ln>
+            </p:spPr>
+            <p:style>
+              <a:lnRef idx="1">
+                <a:schemeClr val="accent1"/>
+              </a:lnRef>
+              <a:fillRef idx="0">
+                <a:schemeClr val="accent1"/>
+              </a:fillRef>
+              <a:effectRef idx="0">
+                <a:schemeClr val="accent1"/>
+              </a:effectRef>
+              <a:fontRef idx="minor">
+                <a:schemeClr val="tx1"/>
+              </a:fontRef>
+            </p:style>
+          </p:cxnSp>
+          <p:cxnSp>
+            <p:nvCxnSpPr>
+              <p:cNvPr id="80" name="직선 화살표 연결선 79"/>
+              <p:cNvCxnSpPr/>
+              <p:nvPr/>
+            </p:nvCxnSpPr>
+            <p:spPr>
+              <a:xfrm flipV="1">
+                <a:off x="2948690" y="1276818"/>
+                <a:ext cx="487591" cy="7930"/>
+              </a:xfrm>
+              <a:prstGeom prst="straightConnector1">
+                <a:avLst/>
+              </a:prstGeom>
+              <a:ln w="28575">
+                <a:solidFill>
+                  <a:schemeClr val="tx1"/>
+                </a:solidFill>
+                <a:headEnd w="lg" len="lg"/>
+                <a:tailEnd type="triangle" w="lg" len="lg"/>
+              </a:ln>
+            </p:spPr>
+            <p:style>
+              <a:lnRef idx="1">
+                <a:schemeClr val="accent1"/>
+              </a:lnRef>
+              <a:fillRef idx="0">
+                <a:schemeClr val="accent1"/>
+              </a:fillRef>
+              <a:effectRef idx="0">
+                <a:schemeClr val="accent1"/>
+              </a:effectRef>
+              <a:fontRef idx="minor">
+                <a:schemeClr val="tx1"/>
+              </a:fontRef>
+            </p:style>
+          </p:cxnSp>
+          <p:cxnSp>
+            <p:nvCxnSpPr>
+              <p:cNvPr id="81" name="직선 화살표 연결선 80"/>
+              <p:cNvCxnSpPr/>
+              <p:nvPr/>
+            </p:nvCxnSpPr>
+            <p:spPr>
+              <a:xfrm flipH="1" flipV="1">
+                <a:off x="2946400" y="800099"/>
+                <a:ext cx="0" cy="504000"/>
+              </a:xfrm>
+              <a:prstGeom prst="straightConnector1">
+                <a:avLst/>
+              </a:prstGeom>
+              <a:ln w="28575">
+                <a:solidFill>
+                  <a:schemeClr val="tx1"/>
+                </a:solidFill>
+                <a:headEnd w="lg" len="lg"/>
+                <a:tailEnd type="triangle" w="lg" len="lg"/>
+              </a:ln>
+            </p:spPr>
+            <p:style>
+              <a:lnRef idx="1">
+                <a:schemeClr val="accent1"/>
+              </a:lnRef>
+              <a:fillRef idx="0">
+                <a:schemeClr val="accent1"/>
+              </a:fillRef>
+              <a:effectRef idx="0">
+                <a:schemeClr val="accent1"/>
+              </a:effectRef>
+              <a:fontRef idx="minor">
+                <a:schemeClr val="tx1"/>
+              </a:fontRef>
+            </p:style>
+          </p:cxnSp>
+        </p:grpSp>
+        <mc:AlternateContent xmlns:mc="http://schemas.openxmlformats.org/markup-compatibility/2006" xmlns:a14="http://schemas.microsoft.com/office/drawing/2010/main">
+          <mc:Choice Requires="a14">
+            <p:sp>
+              <p:nvSpPr>
+                <p:cNvPr id="76" name="직사각형 75"/>
+                <p:cNvSpPr/>
+                <p:nvPr/>
+              </p:nvSpPr>
+              <p:spPr>
+                <a:xfrm>
+                  <a:off x="2255505" y="1770060"/>
+                  <a:ext cx="521938" cy="373051"/>
+                </a:xfrm>
+                <a:prstGeom prst="rect">
+                  <a:avLst/>
+                </a:prstGeom>
+              </p:spPr>
+              <p:txBody>
+                <a:bodyPr wrap="none">
+                  <a:spAutoFit/>
+                </a:bodyPr>
+                <a:lstStyle/>
+                <a:p>
+                  <a:pPr/>
+                  <a14:m>
+                    <m:oMathPara xmlns:m="http://schemas.openxmlformats.org/officeDocument/2006/math">
+                      <m:oMathParaPr>
+                        <m:jc m:val="centerGroup"/>
+                      </m:oMathParaPr>
+                      <m:oMath xmlns:m="http://schemas.openxmlformats.org/officeDocument/2006/math">
+                        <m:sSubSup>
+                          <m:sSubSupPr>
+                            <m:ctrlPr>
+                              <a:rPr lang="en-US" altLang="ko-KR" i="1" smtClean="0">
+                                <a:latin typeface="Cambria Math" panose="02040503050406030204" pitchFamily="18" charset="0"/>
+                              </a:rPr>
+                            </m:ctrlPr>
+                          </m:sSubSupPr>
+                          <m:e>
+                            <m:r>
+                              <a:rPr lang="en-US" altLang="ko-KR" b="0" i="1" smtClean="0">
+                                <a:latin typeface="Cambria Math" panose="02040503050406030204" pitchFamily="18" charset="0"/>
+                              </a:rPr>
+                              <m:t>𝑇</m:t>
+                            </m:r>
+                          </m:e>
+                          <m:sub>
+                            <m:r>
+                              <a:rPr lang="en-US" altLang="ko-KR" b="0" i="1" smtClean="0">
+                                <a:latin typeface="Cambria Math" panose="02040503050406030204" pitchFamily="18" charset="0"/>
+                              </a:rPr>
+                              <m:t>1</m:t>
+                            </m:r>
+                          </m:sub>
+                          <m:sup>
+                            <m:r>
+                              <a:rPr lang="en-US" altLang="ko-KR" b="0" i="1" smtClean="0">
+                                <a:latin typeface="Cambria Math" panose="02040503050406030204" pitchFamily="18" charset="0"/>
+                              </a:rPr>
+                              <m:t>1</m:t>
+                            </m:r>
+                          </m:sup>
+                        </m:sSubSup>
+                      </m:oMath>
+                    </m:oMathPara>
+                  </a14:m>
+                  <a:endParaRPr lang="ko-KR" altLang="en-US"/>
+                </a:p>
+              </p:txBody>
+            </p:sp>
+          </mc:Choice>
+          <mc:Fallback xmlns="">
+            <p:sp>
+              <p:nvSpPr>
+                <p:cNvPr id="76" name="직사각형 75"/>
+                <p:cNvSpPr>
+                  <a:spLocks noRot="1" noChangeAspect="1" noMove="1" noResize="1" noEditPoints="1" noAdjustHandles="1" noChangeArrowheads="1" noChangeShapeType="1" noTextEdit="1"/>
+                </p:cNvSpPr>
+                <p:nvPr/>
+              </p:nvSpPr>
+              <p:spPr>
+                <a:xfrm>
+                  <a:off x="2255505" y="1770060"/>
+                  <a:ext cx="521938" cy="373051"/>
+                </a:xfrm>
+                <a:prstGeom prst="rect">
+                  <a:avLst/>
+                </a:prstGeom>
+                <a:blipFill rotWithShape="0">
+                  <a:blip r:embed="rId20"/>
+                  <a:stretch>
+                    <a:fillRect b="-3279"/>
+                  </a:stretch>
+                </a:blipFill>
+              </p:spPr>
+              <p:txBody>
+                <a:bodyPr/>
+                <a:lstStyle/>
+                <a:p>
+                  <a:r>
+                    <a:rPr lang="ko-KR" altLang="en-US">
+                      <a:noFill/>
+                    </a:rPr>
+                    <a:t> </a:t>
+                  </a:r>
+                </a:p>
+              </p:txBody>
+            </p:sp>
+          </mc:Fallback>
+        </mc:AlternateContent>
+        <mc:AlternateContent xmlns:mc="http://schemas.openxmlformats.org/markup-compatibility/2006" xmlns:a14="http://schemas.microsoft.com/office/drawing/2010/main">
+          <mc:Choice Requires="a14">
+            <p:sp>
+              <p:nvSpPr>
+                <p:cNvPr id="77" name="직사각형 76"/>
+                <p:cNvSpPr/>
+                <p:nvPr/>
+              </p:nvSpPr>
+              <p:spPr>
+                <a:xfrm>
+                  <a:off x="3335444" y="1134181"/>
+                  <a:ext cx="521938" cy="373051"/>
+                </a:xfrm>
+                <a:prstGeom prst="rect">
+                  <a:avLst/>
+                </a:prstGeom>
+              </p:spPr>
+              <p:txBody>
+                <a:bodyPr wrap="none">
+                  <a:spAutoFit/>
+                </a:bodyPr>
+                <a:lstStyle/>
+                <a:p>
+                  <a:pPr/>
+                  <a14:m>
+                    <m:oMathPara xmlns:m="http://schemas.openxmlformats.org/officeDocument/2006/math">
+                      <m:oMathParaPr>
+                        <m:jc m:val="centerGroup"/>
+                      </m:oMathParaPr>
+                      <m:oMath xmlns:m="http://schemas.openxmlformats.org/officeDocument/2006/math">
+                        <m:sSubSup>
+                          <m:sSubSupPr>
+                            <m:ctrlPr>
+                              <a:rPr lang="en-US" altLang="ko-KR" i="1" smtClean="0">
+                                <a:latin typeface="Cambria Math" panose="02040503050406030204" pitchFamily="18" charset="0"/>
+                              </a:rPr>
+                            </m:ctrlPr>
+                          </m:sSubSupPr>
+                          <m:e>
+                            <m:r>
+                              <a:rPr lang="en-US" altLang="ko-KR" b="0" i="1" smtClean="0">
+                                <a:latin typeface="Cambria Math" panose="02040503050406030204" pitchFamily="18" charset="0"/>
+                              </a:rPr>
+                              <m:t>𝑇</m:t>
+                            </m:r>
+                          </m:e>
+                          <m:sub>
+                            <m:r>
+                              <a:rPr lang="en-US" altLang="ko-KR" b="0" i="1" smtClean="0">
+                                <a:latin typeface="Cambria Math" panose="02040503050406030204" pitchFamily="18" charset="0"/>
+                              </a:rPr>
+                              <m:t>1</m:t>
+                            </m:r>
+                          </m:sub>
+                          <m:sup>
+                            <m:r>
+                              <a:rPr lang="en-US" altLang="ko-KR" b="0" i="1" smtClean="0">
+                                <a:latin typeface="Cambria Math" panose="02040503050406030204" pitchFamily="18" charset="0"/>
+                              </a:rPr>
+                              <m:t>2</m:t>
+                            </m:r>
+                          </m:sup>
+                        </m:sSubSup>
+                      </m:oMath>
+                    </m:oMathPara>
+                  </a14:m>
+                  <a:endParaRPr lang="ko-KR" altLang="en-US"/>
+                </a:p>
+              </p:txBody>
+            </p:sp>
+          </mc:Choice>
+          <mc:Fallback xmlns="">
+            <p:sp>
+              <p:nvSpPr>
+                <p:cNvPr id="77" name="직사각형 76"/>
+                <p:cNvSpPr>
+                  <a:spLocks noRot="1" noChangeAspect="1" noMove="1" noResize="1" noEditPoints="1" noAdjustHandles="1" noChangeArrowheads="1" noChangeShapeType="1" noTextEdit="1"/>
+                </p:cNvSpPr>
+                <p:nvPr/>
+              </p:nvSpPr>
+              <p:spPr>
+                <a:xfrm>
+                  <a:off x="3335444" y="1134181"/>
+                  <a:ext cx="521938" cy="373051"/>
+                </a:xfrm>
+                <a:prstGeom prst="rect">
+                  <a:avLst/>
+                </a:prstGeom>
+                <a:blipFill rotWithShape="0">
+                  <a:blip r:embed="rId21"/>
+                  <a:stretch>
+                    <a:fillRect b="-1613"/>
+                  </a:stretch>
+                </a:blipFill>
+              </p:spPr>
+              <p:txBody>
+                <a:bodyPr/>
+                <a:lstStyle/>
+                <a:p>
+                  <a:r>
+                    <a:rPr lang="ko-KR" altLang="en-US">
+                      <a:noFill/>
+                    </a:rPr>
+                    <a:t> </a:t>
+                  </a:r>
+                </a:p>
+              </p:txBody>
+            </p:sp>
+          </mc:Fallback>
+        </mc:AlternateContent>
+        <mc:AlternateContent xmlns:mc="http://schemas.openxmlformats.org/markup-compatibility/2006">
+          <mc:Choice xmlns:a14="http://schemas.microsoft.com/office/drawing/2010/main" Requires="a14">
+            <p:sp>
+              <p:nvSpPr>
+                <p:cNvPr id="78" name="직사각형 77"/>
+                <p:cNvSpPr/>
+                <p:nvPr/>
+              </p:nvSpPr>
+              <p:spPr>
+                <a:xfrm>
+                  <a:off x="2258683" y="808329"/>
+                  <a:ext cx="521938" cy="373051"/>
+                </a:xfrm>
+                <a:prstGeom prst="rect">
+                  <a:avLst/>
+                </a:prstGeom>
+              </p:spPr>
+              <p:txBody>
+                <a:bodyPr wrap="none">
+                  <a:spAutoFit/>
+                </a:bodyPr>
+                <a:lstStyle/>
+                <a:p>
+                  <a:pPr/>
+                  <a14:m>
+                    <m:oMathPara xmlns:m="http://schemas.openxmlformats.org/officeDocument/2006/math">
+                      <m:oMathParaPr>
+                        <m:jc m:val="centerGroup"/>
+                      </m:oMathParaPr>
+                      <m:oMath xmlns:m="http://schemas.openxmlformats.org/officeDocument/2006/math">
+                        <m:sSubSup>
+                          <m:sSubSupPr>
+                            <m:ctrlPr>
+                              <a:rPr lang="en-US" altLang="ko-KR" i="1" smtClean="0">
+                                <a:latin typeface="Cambria Math" panose="02040503050406030204" pitchFamily="18" charset="0"/>
+                              </a:rPr>
+                            </m:ctrlPr>
+                          </m:sSubSupPr>
+                          <m:e>
+                            <m:r>
+                              <a:rPr lang="en-US" altLang="ko-KR" b="0" i="1" smtClean="0">
+                                <a:latin typeface="Cambria Math" panose="02040503050406030204" pitchFamily="18" charset="0"/>
+                              </a:rPr>
+                              <m:t>𝑇</m:t>
+                            </m:r>
+                          </m:e>
+                          <m:sub>
+                            <m:r>
+                              <a:rPr lang="en-US" altLang="ko-KR" b="0" i="1" smtClean="0">
+                                <a:latin typeface="Cambria Math" panose="02040503050406030204" pitchFamily="18" charset="0"/>
+                              </a:rPr>
+                              <m:t>1</m:t>
+                            </m:r>
+                          </m:sub>
+                          <m:sup>
+                            <m:r>
+                              <a:rPr lang="en-US" altLang="ko-KR" b="0" i="1" smtClean="0">
+                                <a:latin typeface="Cambria Math" panose="02040503050406030204" pitchFamily="18" charset="0"/>
+                              </a:rPr>
+                              <m:t>3</m:t>
+                            </m:r>
+                          </m:sup>
+                        </m:sSubSup>
+                      </m:oMath>
+                    </m:oMathPara>
+                  </a14:m>
+                  <a:endParaRPr lang="ko-KR" altLang="en-US" dirty="0"/>
+                </a:p>
+              </p:txBody>
+            </p:sp>
+          </mc:Choice>
+          <mc:Fallback>
+            <p:sp>
+              <p:nvSpPr>
+                <p:cNvPr id="78" name="직사각형 77"/>
+                <p:cNvSpPr>
+                  <a:spLocks noRot="1" noChangeAspect="1" noMove="1" noResize="1" noEditPoints="1" noAdjustHandles="1" noChangeArrowheads="1" noChangeShapeType="1" noTextEdit="1"/>
+                </p:cNvSpPr>
+                <p:nvPr/>
+              </p:nvSpPr>
+              <p:spPr>
+                <a:xfrm>
+                  <a:off x="2258683" y="808329"/>
+                  <a:ext cx="521938" cy="373051"/>
+                </a:xfrm>
+                <a:prstGeom prst="rect">
+                  <a:avLst/>
+                </a:prstGeom>
+                <a:blipFill>
+                  <a:blip r:embed="rId22"/>
+                  <a:stretch>
+                    <a:fillRect b="-3279"/>
+                  </a:stretch>
+                </a:blipFill>
+              </p:spPr>
+              <p:txBody>
+                <a:bodyPr/>
+                <a:lstStyle/>
+                <a:p>
+                  <a:r>
+                    <a:rPr lang="ko-KR" altLang="en-US">
+                      <a:noFill/>
+                    </a:rPr>
+                    <a:t> </a:t>
+                  </a:r>
+                </a:p>
+              </p:txBody>
+            </p:sp>
+          </mc:Fallback>
+        </mc:AlternateContent>
+      </p:grpSp>
+      <p:cxnSp>
+        <p:nvCxnSpPr>
+          <p:cNvPr id="56" name="직선 화살표 연결선 55">
+            <a:extLst>
+              <a:ext uri="{FF2B5EF4-FFF2-40B4-BE49-F238E27FC236}">
+                <a16:creationId xmlns:a16="http://schemas.microsoft.com/office/drawing/2014/main" id="{B532E93A-858E-49DF-A73E-D8E54B57C408}"/>
+              </a:ext>
+            </a:extLst>
+          </p:cNvPr>
+          <p:cNvCxnSpPr>
+            <a:cxnSpLocks/>
+          </p:cNvCxnSpPr>
+          <p:nvPr/>
+        </p:nvCxnSpPr>
+        <p:spPr>
+          <a:xfrm flipV="1">
+            <a:off x="3650378" y="2364861"/>
+            <a:ext cx="743114" cy="531221"/>
+          </a:xfrm>
+          <a:prstGeom prst="straightConnector1">
+            <a:avLst/>
+          </a:prstGeom>
+          <a:ln w="28575">
+            <a:solidFill>
+              <a:schemeClr val="accent1"/>
+            </a:solidFill>
+            <a:headEnd w="lg" len="lg"/>
+            <a:tailEnd type="triangle" w="lg" len="lg"/>
+          </a:ln>
+        </p:spPr>
+        <p:style>
+          <a:lnRef idx="1">
+            <a:schemeClr val="accent1"/>
+          </a:lnRef>
+          <a:fillRef idx="0">
+            <a:schemeClr val="accent1"/>
+          </a:fillRef>
+          <a:effectRef idx="0">
+            <a:schemeClr val="accent1"/>
+          </a:effectRef>
+          <a:fontRef idx="minor">
+            <a:schemeClr val="tx1"/>
+          </a:fontRef>
+        </p:style>
+      </p:cxnSp>
+      <p:cxnSp>
+        <p:nvCxnSpPr>
+          <p:cNvPr id="59" name="직선 화살표 연결선 58">
+            <a:extLst>
+              <a:ext uri="{FF2B5EF4-FFF2-40B4-BE49-F238E27FC236}">
+                <a16:creationId xmlns:a16="http://schemas.microsoft.com/office/drawing/2014/main" id="{C51853A6-0174-46D6-A114-5B95FFF93153}"/>
+              </a:ext>
+            </a:extLst>
+          </p:cNvPr>
+          <p:cNvCxnSpPr>
+            <a:cxnSpLocks/>
+          </p:cNvCxnSpPr>
+          <p:nvPr/>
+        </p:nvCxnSpPr>
+        <p:spPr>
+          <a:xfrm>
+            <a:off x="5626764" y="2347169"/>
+            <a:ext cx="602163" cy="743477"/>
+          </a:xfrm>
+          <a:prstGeom prst="straightConnector1">
+            <a:avLst/>
+          </a:prstGeom>
+          <a:ln w="28575">
+            <a:solidFill>
+              <a:schemeClr val="accent1"/>
+            </a:solidFill>
+            <a:headEnd w="lg" len="lg"/>
+            <a:tailEnd type="triangle" w="lg" len="lg"/>
+          </a:ln>
+        </p:spPr>
+        <p:style>
+          <a:lnRef idx="1">
+            <a:schemeClr val="accent1"/>
+          </a:lnRef>
+          <a:fillRef idx="0">
+            <a:schemeClr val="accent1"/>
+          </a:fillRef>
+          <a:effectRef idx="0">
+            <a:schemeClr val="accent1"/>
+          </a:effectRef>
+          <a:fontRef idx="minor">
+            <a:schemeClr val="tx1"/>
+          </a:fontRef>
+        </p:style>
+      </p:cxnSp>
+      <p:cxnSp>
+        <p:nvCxnSpPr>
+          <p:cNvPr id="61" name="직선 화살표 연결선 60">
+            <a:extLst>
+              <a:ext uri="{FF2B5EF4-FFF2-40B4-BE49-F238E27FC236}">
+                <a16:creationId xmlns:a16="http://schemas.microsoft.com/office/drawing/2014/main" id="{81FF6666-D5B2-4BBA-91DA-3ABC6A93226B}"/>
+              </a:ext>
+            </a:extLst>
+          </p:cNvPr>
+          <p:cNvCxnSpPr>
+            <a:cxnSpLocks/>
+          </p:cNvCxnSpPr>
+          <p:nvPr/>
+        </p:nvCxnSpPr>
+        <p:spPr>
+          <a:xfrm flipV="1">
+            <a:off x="4259368" y="272185"/>
+            <a:ext cx="290171" cy="775542"/>
+          </a:xfrm>
+          <a:prstGeom prst="straightConnector1">
+            <a:avLst/>
+          </a:prstGeom>
+          <a:ln w="28575">
+            <a:solidFill>
+              <a:schemeClr val="accent1"/>
+            </a:solidFill>
+            <a:headEnd w="lg" len="lg"/>
+            <a:tailEnd type="triangle" w="lg" len="lg"/>
+          </a:ln>
+        </p:spPr>
+        <p:style>
+          <a:lnRef idx="1">
+            <a:schemeClr val="accent1"/>
+          </a:lnRef>
+          <a:fillRef idx="0">
+            <a:schemeClr val="accent1"/>
+          </a:fillRef>
+          <a:effectRef idx="0">
+            <a:schemeClr val="accent1"/>
+          </a:effectRef>
+          <a:fontRef idx="minor">
+            <a:schemeClr val="tx1"/>
+          </a:fontRef>
+        </p:style>
+      </p:cxnSp>
+      <mc:AlternateContent xmlns:mc="http://schemas.openxmlformats.org/markup-compatibility/2006">
+        <mc:Choice xmlns:a14="http://schemas.microsoft.com/office/drawing/2010/main" Requires="a14">
+          <p:sp>
+            <p:nvSpPr>
+              <p:cNvPr id="86" name="직사각형 85">
+                <a:extLst>
+                  <a:ext uri="{FF2B5EF4-FFF2-40B4-BE49-F238E27FC236}">
+                    <a16:creationId xmlns:a16="http://schemas.microsoft.com/office/drawing/2014/main" id="{657EC5A7-2E12-490B-B14D-19D6BB7F5046}"/>
+                  </a:ext>
+                </a:extLst>
+              </p:cNvPr>
+              <p:cNvSpPr/>
+              <p:nvPr/>
+            </p:nvSpPr>
+            <p:spPr>
+              <a:xfrm>
+                <a:off x="4567584" y="122191"/>
+                <a:ext cx="1556067" cy="385747"/>
+              </a:xfrm>
+              <a:prstGeom prst="rect">
+                <a:avLst/>
+              </a:prstGeom>
+            </p:spPr>
+            <p:txBody>
+              <a:bodyPr wrap="none">
+                <a:spAutoFit/>
+              </a:bodyPr>
+              <a:lstStyle/>
+              <a:p>
+                <a:pPr/>
+                <a14:m>
+                  <m:oMathPara xmlns:m="http://schemas.openxmlformats.org/officeDocument/2006/math">
+                    <m:oMathParaPr>
+                      <m:jc m:val="centerGroup"/>
+                    </m:oMathParaPr>
+                    <m:oMath xmlns:m="http://schemas.openxmlformats.org/officeDocument/2006/math">
+                      <m:r>
+                        <a:rPr lang="en-US" altLang="ko-KR" b="0" i="1" smtClean="0">
+                          <a:latin typeface="Cambria Math" panose="02040503050406030204" pitchFamily="18" charset="0"/>
+                        </a:rPr>
+                        <m:t>𝜎</m:t>
+                      </m:r>
+                      <m:d>
+                        <m:dPr>
+                          <m:ctrlPr>
+                            <a:rPr lang="en-US" altLang="ko-KR" b="0" i="1" smtClean="0">
+                              <a:latin typeface="Cambria Math" panose="02040503050406030204" pitchFamily="18" charset="0"/>
+                            </a:rPr>
+                          </m:ctrlPr>
+                        </m:dPr>
+                        <m:e>
+                          <m:sSub>
+                            <m:sSubPr>
+                              <m:ctrlPr>
+                                <a:rPr lang="en-US" altLang="ko-KR" b="0" i="1" smtClean="0">
+                                  <a:latin typeface="Cambria Math" panose="02040503050406030204" pitchFamily="18" charset="0"/>
+                                </a:rPr>
+                              </m:ctrlPr>
+                            </m:sSubPr>
+                            <m:e>
+                              <m:r>
+                                <a:rPr lang="en-US" altLang="ko-KR" b="0" i="1" smtClean="0">
+                                  <a:latin typeface="Cambria Math" panose="02040503050406030204" pitchFamily="18" charset="0"/>
+                                </a:rPr>
+                                <m:t>𝛽</m:t>
+                              </m:r>
+                            </m:e>
+                            <m:sub>
+                              <m:r>
+                                <a:rPr lang="en-US" altLang="ko-KR" b="0" i="1" smtClean="0">
+                                  <a:latin typeface="Cambria Math" panose="02040503050406030204" pitchFamily="18" charset="0"/>
+                                </a:rPr>
+                                <m:t>3</m:t>
+                              </m:r>
+                            </m:sub>
+                          </m:sSub>
+                        </m:e>
+                      </m:d>
+                      <m:r>
+                        <a:rPr lang="en-US" altLang="ko-KR" b="0" i="1" smtClean="0">
+                          <a:latin typeface="Cambria Math" panose="02040503050406030204" pitchFamily="18" charset="0"/>
+                        </a:rPr>
+                        <m:t>=</m:t>
+                      </m:r>
+                      <m:sSubSup>
+                        <m:sSubSupPr>
+                          <m:ctrlPr>
+                            <a:rPr lang="en-US" altLang="ko-KR" b="0" i="1" smtClean="0">
+                              <a:latin typeface="Cambria Math" panose="02040503050406030204" pitchFamily="18" charset="0"/>
+                            </a:rPr>
+                          </m:ctrlPr>
+                        </m:sSubSupPr>
+                        <m:e>
+                          <m:r>
+                            <a:rPr lang="en-US" altLang="ko-KR" b="0" i="1" smtClean="0">
+                              <a:latin typeface="Cambria Math" panose="02040503050406030204" pitchFamily="18" charset="0"/>
+                            </a:rPr>
+                            <m:t>𝑇</m:t>
+                          </m:r>
+                        </m:e>
+                        <m:sub>
+                          <m:r>
+                            <a:rPr lang="en-US" altLang="ko-KR" b="0" i="1" smtClean="0">
+                              <a:latin typeface="Cambria Math" panose="02040503050406030204" pitchFamily="18" charset="0"/>
+                            </a:rPr>
+                            <m:t>3</m:t>
+                          </m:r>
+                        </m:sub>
+                        <m:sup>
+                          <m:r>
+                            <a:rPr lang="en-US" altLang="ko-KR" b="0" i="1" smtClean="0">
+                              <a:latin typeface="Cambria Math" panose="02040503050406030204" pitchFamily="18" charset="0"/>
+                            </a:rPr>
+                            <m:t>𝑖</m:t>
+                          </m:r>
+                        </m:sup>
+                      </m:sSubSup>
+                      <m:sSub>
+                        <m:sSubPr>
+                          <m:ctrlPr>
+                            <a:rPr lang="en-US" altLang="ko-KR" b="0" i="1" smtClean="0">
+                              <a:latin typeface="Cambria Math" panose="02040503050406030204" pitchFamily="18" charset="0"/>
+                            </a:rPr>
+                          </m:ctrlPr>
+                        </m:sSubPr>
+                        <m:e>
+                          <m:r>
+                            <a:rPr lang="en-US" altLang="ko-KR" b="0" i="1" smtClean="0">
+                              <a:latin typeface="Cambria Math" panose="02040503050406030204" pitchFamily="18" charset="0"/>
+                            </a:rPr>
+                            <m:t>𝛽</m:t>
+                          </m:r>
+                        </m:e>
+                        <m:sub>
+                          <m:r>
+                            <a:rPr lang="en-US" altLang="ko-KR" b="0" i="1" smtClean="0">
+                              <a:latin typeface="Cambria Math" panose="02040503050406030204" pitchFamily="18" charset="0"/>
+                            </a:rPr>
+                            <m:t>𝑖</m:t>
+                          </m:r>
+                        </m:sub>
+                      </m:sSub>
+                    </m:oMath>
+                  </m:oMathPara>
+                </a14:m>
+                <a:endParaRPr lang="ko-KR" altLang="en-US" dirty="0"/>
+              </a:p>
+            </p:txBody>
+          </p:sp>
+        </mc:Choice>
+        <mc:Fallback>
+          <p:sp>
+            <p:nvSpPr>
+              <p:cNvPr id="86" name="직사각형 85">
+                <a:extLst>
+                  <a:ext uri="{FF2B5EF4-FFF2-40B4-BE49-F238E27FC236}">
+                    <a16:creationId xmlns:a16="http://schemas.microsoft.com/office/drawing/2014/main" id="{657EC5A7-2E12-490B-B14D-19D6BB7F5046}"/>
+                  </a:ext>
+                </a:extLst>
+              </p:cNvPr>
+              <p:cNvSpPr>
+                <a:spLocks noRot="1" noChangeAspect="1" noMove="1" noResize="1" noEditPoints="1" noAdjustHandles="1" noChangeArrowheads="1" noChangeShapeType="1" noTextEdit="1"/>
+              </p:cNvSpPr>
+              <p:nvPr/>
+            </p:nvSpPr>
+            <p:spPr>
+              <a:xfrm>
+                <a:off x="4567584" y="122191"/>
+                <a:ext cx="1556067" cy="385747"/>
+              </a:xfrm>
+              <a:prstGeom prst="rect">
+                <a:avLst/>
+              </a:prstGeom>
+              <a:blipFill>
+                <a:blip r:embed="rId23"/>
+                <a:stretch>
+                  <a:fillRect b="-15873"/>
+                </a:stretch>
+              </a:blipFill>
+            </p:spPr>
+            <p:txBody>
+              <a:bodyPr/>
+              <a:lstStyle/>
+              <a:p>
+                <a:r>
+                  <a:rPr lang="ko-KR" altLang="en-US">
+                    <a:noFill/>
+                  </a:rPr>
+                  <a:t> </a:t>
+                </a:r>
+              </a:p>
+            </p:txBody>
+          </p:sp>
+        </mc:Fallback>
+      </mc:AlternateContent>
+      <mc:AlternateContent xmlns:mc="http://schemas.openxmlformats.org/markup-compatibility/2006">
+        <mc:Choice xmlns:a14="http://schemas.microsoft.com/office/drawing/2010/main" Requires="a14">
+          <p:sp>
+            <p:nvSpPr>
+              <p:cNvPr id="87" name="직사각형 86">
+                <a:extLst>
+                  <a:ext uri="{FF2B5EF4-FFF2-40B4-BE49-F238E27FC236}">
+                    <a16:creationId xmlns:a16="http://schemas.microsoft.com/office/drawing/2014/main" id="{9CD9CE0B-2778-49ED-99B4-A3100EABDB19}"/>
+                  </a:ext>
+                </a:extLst>
+              </p:cNvPr>
+              <p:cNvSpPr/>
+              <p:nvPr/>
+            </p:nvSpPr>
+            <p:spPr>
+              <a:xfrm>
+                <a:off x="6105469" y="2956334"/>
+                <a:ext cx="1556067" cy="385747"/>
+              </a:xfrm>
+              <a:prstGeom prst="rect">
+                <a:avLst/>
+              </a:prstGeom>
+            </p:spPr>
+            <p:txBody>
+              <a:bodyPr wrap="none">
+                <a:spAutoFit/>
+              </a:bodyPr>
+              <a:lstStyle/>
+              <a:p>
+                <a:pPr/>
+                <a14:m>
+                  <m:oMathPara xmlns:m="http://schemas.openxmlformats.org/officeDocument/2006/math">
+                    <m:oMathParaPr>
+                      <m:jc m:val="centerGroup"/>
+                    </m:oMathParaPr>
+                    <m:oMath xmlns:m="http://schemas.openxmlformats.org/officeDocument/2006/math">
+                      <m:r>
+                        <a:rPr lang="en-US" altLang="ko-KR" b="0" i="1" smtClean="0">
+                          <a:latin typeface="Cambria Math" panose="02040503050406030204" pitchFamily="18" charset="0"/>
+                        </a:rPr>
+                        <m:t>𝜎</m:t>
+                      </m:r>
+                      <m:d>
+                        <m:dPr>
+                          <m:ctrlPr>
+                            <a:rPr lang="en-US" altLang="ko-KR" b="0" i="1" smtClean="0">
+                              <a:latin typeface="Cambria Math" panose="02040503050406030204" pitchFamily="18" charset="0"/>
+                            </a:rPr>
+                          </m:ctrlPr>
+                        </m:dPr>
+                        <m:e>
+                          <m:sSub>
+                            <m:sSubPr>
+                              <m:ctrlPr>
+                                <a:rPr lang="en-US" altLang="ko-KR" b="0" i="1" smtClean="0">
+                                  <a:latin typeface="Cambria Math" panose="02040503050406030204" pitchFamily="18" charset="0"/>
+                                </a:rPr>
+                              </m:ctrlPr>
+                            </m:sSubPr>
+                            <m:e>
+                              <m:r>
+                                <a:rPr lang="en-US" altLang="ko-KR" b="0" i="1" smtClean="0">
+                                  <a:latin typeface="Cambria Math" panose="02040503050406030204" pitchFamily="18" charset="0"/>
+                                </a:rPr>
+                                <m:t>𝛽</m:t>
+                              </m:r>
+                            </m:e>
+                            <m:sub>
+                              <m:r>
+                                <a:rPr lang="en-US" altLang="ko-KR" b="0" i="1" smtClean="0">
+                                  <a:latin typeface="Cambria Math" panose="02040503050406030204" pitchFamily="18" charset="0"/>
+                                </a:rPr>
+                                <m:t>2</m:t>
+                              </m:r>
+                            </m:sub>
+                          </m:sSub>
+                        </m:e>
+                      </m:d>
+                      <m:r>
+                        <a:rPr lang="en-US" altLang="ko-KR" b="0" i="1" smtClean="0">
+                          <a:latin typeface="Cambria Math" panose="02040503050406030204" pitchFamily="18" charset="0"/>
+                        </a:rPr>
+                        <m:t>=</m:t>
+                      </m:r>
+                      <m:sSubSup>
+                        <m:sSubSupPr>
+                          <m:ctrlPr>
+                            <a:rPr lang="en-US" altLang="ko-KR" b="0" i="1" smtClean="0">
+                              <a:latin typeface="Cambria Math" panose="02040503050406030204" pitchFamily="18" charset="0"/>
+                            </a:rPr>
+                          </m:ctrlPr>
+                        </m:sSubSupPr>
+                        <m:e>
+                          <m:r>
+                            <a:rPr lang="en-US" altLang="ko-KR" b="0" i="1" smtClean="0">
+                              <a:latin typeface="Cambria Math" panose="02040503050406030204" pitchFamily="18" charset="0"/>
+                            </a:rPr>
+                            <m:t>𝑇</m:t>
+                          </m:r>
+                        </m:e>
+                        <m:sub>
+                          <m:r>
+                            <a:rPr lang="en-US" altLang="ko-KR" b="0" i="1" smtClean="0">
+                              <a:latin typeface="Cambria Math" panose="02040503050406030204" pitchFamily="18" charset="0"/>
+                            </a:rPr>
+                            <m:t>2</m:t>
+                          </m:r>
+                        </m:sub>
+                        <m:sup>
+                          <m:r>
+                            <a:rPr lang="en-US" altLang="ko-KR" b="0" i="1" smtClean="0">
+                              <a:latin typeface="Cambria Math" panose="02040503050406030204" pitchFamily="18" charset="0"/>
+                            </a:rPr>
+                            <m:t>𝑖</m:t>
+                          </m:r>
+                        </m:sup>
+                      </m:sSubSup>
+                      <m:sSub>
+                        <m:sSubPr>
+                          <m:ctrlPr>
+                            <a:rPr lang="en-US" altLang="ko-KR" b="0" i="1" smtClean="0">
+                              <a:latin typeface="Cambria Math" panose="02040503050406030204" pitchFamily="18" charset="0"/>
+                            </a:rPr>
+                          </m:ctrlPr>
+                        </m:sSubPr>
+                        <m:e>
+                          <m:r>
+                            <a:rPr lang="en-US" altLang="ko-KR" b="0" i="1" smtClean="0">
+                              <a:latin typeface="Cambria Math" panose="02040503050406030204" pitchFamily="18" charset="0"/>
+                            </a:rPr>
+                            <m:t>𝛽</m:t>
+                          </m:r>
+                        </m:e>
+                        <m:sub>
+                          <m:r>
+                            <a:rPr lang="en-US" altLang="ko-KR" b="0" i="1" smtClean="0">
+                              <a:latin typeface="Cambria Math" panose="02040503050406030204" pitchFamily="18" charset="0"/>
+                            </a:rPr>
+                            <m:t>𝑖</m:t>
+                          </m:r>
+                        </m:sub>
+                      </m:sSub>
+                    </m:oMath>
+                  </m:oMathPara>
+                </a14:m>
+                <a:endParaRPr lang="ko-KR" altLang="en-US" dirty="0"/>
+              </a:p>
+            </p:txBody>
+          </p:sp>
+        </mc:Choice>
+        <mc:Fallback>
+          <p:sp>
+            <p:nvSpPr>
+              <p:cNvPr id="87" name="직사각형 86">
+                <a:extLst>
+                  <a:ext uri="{FF2B5EF4-FFF2-40B4-BE49-F238E27FC236}">
+                    <a16:creationId xmlns:a16="http://schemas.microsoft.com/office/drawing/2014/main" id="{9CD9CE0B-2778-49ED-99B4-A3100EABDB19}"/>
+                  </a:ext>
+                </a:extLst>
+              </p:cNvPr>
+              <p:cNvSpPr>
+                <a:spLocks noRot="1" noChangeAspect="1" noMove="1" noResize="1" noEditPoints="1" noAdjustHandles="1" noChangeArrowheads="1" noChangeShapeType="1" noTextEdit="1"/>
+              </p:cNvSpPr>
+              <p:nvPr/>
+            </p:nvSpPr>
+            <p:spPr>
+              <a:xfrm>
+                <a:off x="6105469" y="2956334"/>
+                <a:ext cx="1556067" cy="385747"/>
+              </a:xfrm>
+              <a:prstGeom prst="rect">
+                <a:avLst/>
+              </a:prstGeom>
+              <a:blipFill>
+                <a:blip r:embed="rId24"/>
+                <a:stretch>
+                  <a:fillRect b="-14286"/>
+                </a:stretch>
+              </a:blipFill>
+            </p:spPr>
+            <p:txBody>
+              <a:bodyPr/>
+              <a:lstStyle/>
+              <a:p>
+                <a:r>
+                  <a:rPr lang="ko-KR" altLang="en-US">
+                    <a:noFill/>
+                  </a:rPr>
+                  <a:t> </a:t>
+                </a:r>
+              </a:p>
+            </p:txBody>
+          </p:sp>
+        </mc:Fallback>
+      </mc:AlternateContent>
+      <mc:AlternateContent xmlns:mc="http://schemas.openxmlformats.org/markup-compatibility/2006">
+        <mc:Choice xmlns:a14="http://schemas.microsoft.com/office/drawing/2010/main" Requires="a14">
+          <p:sp>
+            <p:nvSpPr>
+              <p:cNvPr id="88" name="직사각형 87">
+                <a:extLst>
+                  <a:ext uri="{FF2B5EF4-FFF2-40B4-BE49-F238E27FC236}">
+                    <a16:creationId xmlns:a16="http://schemas.microsoft.com/office/drawing/2014/main" id="{9F383619-47B9-4958-AEA7-5E563EB03C84}"/>
+                  </a:ext>
+                </a:extLst>
+              </p:cNvPr>
+              <p:cNvSpPr/>
+              <p:nvPr/>
+            </p:nvSpPr>
+            <p:spPr>
+              <a:xfrm>
+                <a:off x="3556353" y="1982893"/>
+                <a:ext cx="1556067" cy="385747"/>
+              </a:xfrm>
+              <a:prstGeom prst="rect">
+                <a:avLst/>
+              </a:prstGeom>
+            </p:spPr>
+            <p:txBody>
+              <a:bodyPr wrap="none">
+                <a:spAutoFit/>
+              </a:bodyPr>
+              <a:lstStyle/>
+              <a:p>
+                <a:pPr/>
+                <a14:m>
+                  <m:oMathPara xmlns:m="http://schemas.openxmlformats.org/officeDocument/2006/math">
+                    <m:oMathParaPr>
+                      <m:jc m:val="centerGroup"/>
+                    </m:oMathParaPr>
+                    <m:oMath xmlns:m="http://schemas.openxmlformats.org/officeDocument/2006/math">
+                      <m:r>
+                        <a:rPr lang="en-US" altLang="ko-KR" b="0" i="1" smtClean="0">
+                          <a:latin typeface="Cambria Math" panose="02040503050406030204" pitchFamily="18" charset="0"/>
+                        </a:rPr>
+                        <m:t>𝜎</m:t>
+                      </m:r>
+                      <m:d>
+                        <m:dPr>
+                          <m:ctrlPr>
+                            <a:rPr lang="en-US" altLang="ko-KR" b="0" i="1" smtClean="0">
+                              <a:latin typeface="Cambria Math" panose="02040503050406030204" pitchFamily="18" charset="0"/>
+                            </a:rPr>
+                          </m:ctrlPr>
+                        </m:dPr>
+                        <m:e>
+                          <m:sSub>
+                            <m:sSubPr>
+                              <m:ctrlPr>
+                                <a:rPr lang="en-US" altLang="ko-KR" b="0" i="1" smtClean="0">
+                                  <a:latin typeface="Cambria Math" panose="02040503050406030204" pitchFamily="18" charset="0"/>
+                                </a:rPr>
+                              </m:ctrlPr>
+                            </m:sSubPr>
+                            <m:e>
+                              <m:r>
+                                <a:rPr lang="en-US" altLang="ko-KR" b="0" i="1" smtClean="0">
+                                  <a:latin typeface="Cambria Math" panose="02040503050406030204" pitchFamily="18" charset="0"/>
+                                </a:rPr>
+                                <m:t>𝛽</m:t>
+                              </m:r>
+                            </m:e>
+                            <m:sub>
+                              <m:r>
+                                <a:rPr lang="en-US" altLang="ko-KR" b="0" i="1" smtClean="0">
+                                  <a:latin typeface="Cambria Math" panose="02040503050406030204" pitchFamily="18" charset="0"/>
+                                </a:rPr>
+                                <m:t>1</m:t>
+                              </m:r>
+                            </m:sub>
+                          </m:sSub>
+                        </m:e>
+                      </m:d>
+                      <m:r>
+                        <a:rPr lang="en-US" altLang="ko-KR" b="0" i="1" smtClean="0">
+                          <a:latin typeface="Cambria Math" panose="02040503050406030204" pitchFamily="18" charset="0"/>
+                        </a:rPr>
+                        <m:t>=</m:t>
+                      </m:r>
+                      <m:sSubSup>
+                        <m:sSubSupPr>
+                          <m:ctrlPr>
+                            <a:rPr lang="en-US" altLang="ko-KR" b="0" i="1" smtClean="0">
+                              <a:latin typeface="Cambria Math" panose="02040503050406030204" pitchFamily="18" charset="0"/>
+                            </a:rPr>
+                          </m:ctrlPr>
+                        </m:sSubSupPr>
+                        <m:e>
+                          <m:r>
+                            <a:rPr lang="en-US" altLang="ko-KR" b="0" i="1" smtClean="0">
+                              <a:latin typeface="Cambria Math" panose="02040503050406030204" pitchFamily="18" charset="0"/>
+                            </a:rPr>
+                            <m:t>𝑇</m:t>
+                          </m:r>
+                        </m:e>
+                        <m:sub>
+                          <m:r>
+                            <a:rPr lang="en-US" altLang="ko-KR" b="0" i="1" smtClean="0">
+                              <a:latin typeface="Cambria Math" panose="02040503050406030204" pitchFamily="18" charset="0"/>
+                            </a:rPr>
+                            <m:t>1</m:t>
+                          </m:r>
+                        </m:sub>
+                        <m:sup>
+                          <m:r>
+                            <a:rPr lang="en-US" altLang="ko-KR" b="0" i="1" smtClean="0">
+                              <a:latin typeface="Cambria Math" panose="02040503050406030204" pitchFamily="18" charset="0"/>
+                            </a:rPr>
+                            <m:t>𝑖</m:t>
+                          </m:r>
+                        </m:sup>
+                      </m:sSubSup>
+                      <m:sSub>
+                        <m:sSubPr>
+                          <m:ctrlPr>
+                            <a:rPr lang="en-US" altLang="ko-KR" b="0" i="1" smtClean="0">
+                              <a:latin typeface="Cambria Math" panose="02040503050406030204" pitchFamily="18" charset="0"/>
+                            </a:rPr>
+                          </m:ctrlPr>
+                        </m:sSubPr>
+                        <m:e>
+                          <m:r>
+                            <a:rPr lang="en-US" altLang="ko-KR" b="0" i="1" smtClean="0">
+                              <a:latin typeface="Cambria Math" panose="02040503050406030204" pitchFamily="18" charset="0"/>
+                            </a:rPr>
+                            <m:t>𝛽</m:t>
+                          </m:r>
+                        </m:e>
+                        <m:sub>
+                          <m:r>
+                            <a:rPr lang="en-US" altLang="ko-KR" b="0" i="1" smtClean="0">
+                              <a:latin typeface="Cambria Math" panose="02040503050406030204" pitchFamily="18" charset="0"/>
+                            </a:rPr>
+                            <m:t>𝑖</m:t>
+                          </m:r>
+                        </m:sub>
+                      </m:sSub>
+                    </m:oMath>
+                  </m:oMathPara>
+                </a14:m>
+                <a:endParaRPr lang="ko-KR" altLang="en-US" dirty="0"/>
+              </a:p>
+            </p:txBody>
+          </p:sp>
+        </mc:Choice>
+        <mc:Fallback>
+          <p:sp>
+            <p:nvSpPr>
+              <p:cNvPr id="88" name="직사각형 87">
+                <a:extLst>
+                  <a:ext uri="{FF2B5EF4-FFF2-40B4-BE49-F238E27FC236}">
+                    <a16:creationId xmlns:a16="http://schemas.microsoft.com/office/drawing/2014/main" id="{9F383619-47B9-4958-AEA7-5E563EB03C84}"/>
+                  </a:ext>
+                </a:extLst>
+              </p:cNvPr>
+              <p:cNvSpPr>
+                <a:spLocks noRot="1" noChangeAspect="1" noMove="1" noResize="1" noEditPoints="1" noAdjustHandles="1" noChangeArrowheads="1" noChangeShapeType="1" noTextEdit="1"/>
+              </p:cNvSpPr>
+              <p:nvPr/>
+            </p:nvSpPr>
+            <p:spPr>
+              <a:xfrm>
+                <a:off x="3556353" y="1982893"/>
+                <a:ext cx="1556067" cy="385747"/>
+              </a:xfrm>
+              <a:prstGeom prst="rect">
+                <a:avLst/>
+              </a:prstGeom>
+              <a:blipFill>
+                <a:blip r:embed="rId25"/>
+                <a:stretch>
+                  <a:fillRect b="-14063"/>
+                </a:stretch>
+              </a:blipFill>
+            </p:spPr>
+            <p:txBody>
+              <a:bodyPr/>
+              <a:lstStyle/>
+              <a:p>
+                <a:r>
+                  <a:rPr lang="ko-KR" altLang="en-US">
+                    <a:noFill/>
+                  </a:rPr>
+                  <a:t> </a:t>
+                </a:r>
+              </a:p>
+            </p:txBody>
+          </p:sp>
+        </mc:Fallback>
+      </mc:AlternateContent>
+    </p:spTree>
+    <p:extLst>
+      <p:ext uri="{BB962C8B-B14F-4D97-AF65-F5344CB8AC3E}">
+        <p14:creationId xmlns:p14="http://schemas.microsoft.com/office/powerpoint/2010/main" val="3703069840"/>
+      </p:ext>
+    </p:extLst>
+  </p:cSld>
+  <p:clrMapOvr>
+    <a:masterClrMapping/>
+  </p:clrMapOvr>
+</p:sld>
+</file>
+
+<file path=ppt/slides/slide34.xml><?xml version="1.0" encoding="utf-8"?>
 <p:sld xmlns:a="http://schemas.openxmlformats.org/drawingml/2006/main" xmlns:r="http://schemas.openxmlformats.org/officeDocument/2006/relationships" xmlns:p="http://schemas.openxmlformats.org/presentationml/2006/main">
   <p:cSld>
     <p:spTree>
@@ -39141,7 +44078,7 @@
 </p:sld>
 </file>
 
-<file path=ppt/slides/slide34.xml><?xml version="1.0" encoding="utf-8"?>
+<file path=ppt/slides/slide35.xml><?xml version="1.0" encoding="utf-8"?>
 <p:sld xmlns:a="http://schemas.openxmlformats.org/drawingml/2006/main" xmlns:r="http://schemas.openxmlformats.org/officeDocument/2006/relationships" xmlns:p="http://schemas.openxmlformats.org/presentationml/2006/main">
   <p:cSld>
     <p:spTree>
@@ -39171,7 +44108,7 @@
 </p:sld>
 </file>
 
-<file path=ppt/slides/slide35.xml><?xml version="1.0" encoding="utf-8"?>
+<file path=ppt/slides/slide36.xml><?xml version="1.0" encoding="utf-8"?>
 <p:sld xmlns:a="http://schemas.openxmlformats.org/drawingml/2006/main" xmlns:r="http://schemas.openxmlformats.org/officeDocument/2006/relationships" xmlns:p="http://schemas.openxmlformats.org/presentationml/2006/main">
   <p:cSld>
     <p:spTree>
@@ -39757,7 +44694,7 @@
 </p:sld>
 </file>
 
-<file path=ppt/slides/slide36.xml><?xml version="1.0" encoding="utf-8"?>
+<file path=ppt/slides/slide37.xml><?xml version="1.0" encoding="utf-8"?>
 <p:sld xmlns:a="http://schemas.openxmlformats.org/drawingml/2006/main" xmlns:r="http://schemas.openxmlformats.org/officeDocument/2006/relationships" xmlns:p="http://schemas.openxmlformats.org/presentationml/2006/main">
   <p:cSld>
     <p:spTree>
@@ -39779,7 +44716,7 @@
           <p:cNvPr id="4" name="내용 개체 틀 5">
             <a:extLst>
               <a:ext uri="{FF2B5EF4-FFF2-40B4-BE49-F238E27FC236}">
-                <a16:creationId xmlns="" xmlns:a16="http://schemas.microsoft.com/office/drawing/2014/main" id="{26E65B15-652C-471C-B503-9BD1A7ECA9FF}"/>
+                <a16:creationId xmlns:a16="http://schemas.microsoft.com/office/drawing/2014/main" id="{26E65B15-652C-471C-B503-9BD1A7ECA9FF}"/>
               </a:ext>
             </a:extLst>
           </p:cNvPr>
@@ -39808,7 +44745,7 @@
           <p:cNvPr id="5" name="그림 4">
             <a:extLst>
               <a:ext uri="{FF2B5EF4-FFF2-40B4-BE49-F238E27FC236}">
-                <a16:creationId xmlns="" xmlns:a16="http://schemas.microsoft.com/office/drawing/2014/main" id="{8D86471E-9C3A-40C3-8F27-66A11AC93C24}"/>
+                <a16:creationId xmlns:a16="http://schemas.microsoft.com/office/drawing/2014/main" id="{8D86471E-9C3A-40C3-8F27-66A11AC93C24}"/>
               </a:ext>
             </a:extLst>
           </p:cNvPr>
@@ -39846,7 +44783,7 @@
 </p:sld>
 </file>
 
-<file path=ppt/slides/slide37.xml><?xml version="1.0" encoding="utf-8"?>
+<file path=ppt/slides/slide38.xml><?xml version="1.0" encoding="utf-8"?>
 <p:sld xmlns:a="http://schemas.openxmlformats.org/drawingml/2006/main" xmlns:r="http://schemas.openxmlformats.org/officeDocument/2006/relationships" xmlns:p="http://schemas.openxmlformats.org/presentationml/2006/main">
   <p:cSld>
     <p:spTree>
@@ -40064,7 +45001,7 @@
 </p:sld>
 </file>
 
-<file path=ppt/slides/slide38.xml><?xml version="1.0" encoding="utf-8"?>
+<file path=ppt/slides/slide39.xml><?xml version="1.0" encoding="utf-8"?>
 <p:sld xmlns:a="http://schemas.openxmlformats.org/drawingml/2006/main" xmlns:r="http://schemas.openxmlformats.org/officeDocument/2006/relationships" xmlns:p="http://schemas.openxmlformats.org/presentationml/2006/main">
   <p:cSld>
     <p:spTree>
@@ -44001,7 +48938,7 @@
                     </m:oMath>
                   </m:oMathPara>
                 </a14:m>
-                <a:endParaRPr lang="en-US" altLang="ko-KR" b="0" smtClean="0"/>
+                <a:endParaRPr lang="en-US" altLang="ko-KR" b="0"/>
               </a:p>
             </p:txBody>
           </p:sp>
@@ -44395,7 +49332,7 @@
           <a:p>
             <a:pPr algn="ctr"/>
             <a:r>
-              <a:rPr lang="en-US" altLang="ko-KR" sz="13800" b="1" smtClean="0"/>
+              <a:rPr lang="en-US" altLang="ko-KR" sz="13800" b="1"/>
               <a:t>Beam</a:t>
             </a:r>
             <a:endParaRPr lang="ko-KR" altLang="en-US" sz="13800" b="1"/>

--- a/그림.pptx
+++ b/그림.pptx
@@ -330,7 +330,7 @@
           <a:p>
             <a:fld id="{586A42AD-E6DF-43A8-BCEE-31B231F72482}" type="datetimeFigureOut">
               <a:rPr lang="ko-KR" altLang="en-US" smtClean="0"/>
-              <a:t>2023-01-17</a:t>
+              <a:t>2023-02-26</a:t>
             </a:fld>
             <a:endParaRPr lang="ko-KR" altLang="en-US"/>
           </a:p>
@@ -498,7 +498,7 @@
           <a:p>
             <a:fld id="{586A42AD-E6DF-43A8-BCEE-31B231F72482}" type="datetimeFigureOut">
               <a:rPr lang="ko-KR" altLang="en-US" smtClean="0"/>
-              <a:t>2023-01-17</a:t>
+              <a:t>2023-02-26</a:t>
             </a:fld>
             <a:endParaRPr lang="ko-KR" altLang="en-US"/>
           </a:p>
@@ -676,7 +676,7 @@
           <a:p>
             <a:fld id="{586A42AD-E6DF-43A8-BCEE-31B231F72482}" type="datetimeFigureOut">
               <a:rPr lang="ko-KR" altLang="en-US" smtClean="0"/>
-              <a:t>2023-01-17</a:t>
+              <a:t>2023-02-26</a:t>
             </a:fld>
             <a:endParaRPr lang="ko-KR" altLang="en-US"/>
           </a:p>
@@ -844,7 +844,7 @@
           <a:p>
             <a:fld id="{586A42AD-E6DF-43A8-BCEE-31B231F72482}" type="datetimeFigureOut">
               <a:rPr lang="ko-KR" altLang="en-US" smtClean="0"/>
-              <a:t>2023-01-17</a:t>
+              <a:t>2023-02-26</a:t>
             </a:fld>
             <a:endParaRPr lang="ko-KR" altLang="en-US"/>
           </a:p>
@@ -1089,7 +1089,7 @@
           <a:p>
             <a:fld id="{586A42AD-E6DF-43A8-BCEE-31B231F72482}" type="datetimeFigureOut">
               <a:rPr lang="ko-KR" altLang="en-US" smtClean="0"/>
-              <a:t>2023-01-17</a:t>
+              <a:t>2023-02-26</a:t>
             </a:fld>
             <a:endParaRPr lang="ko-KR" altLang="en-US"/>
           </a:p>
@@ -1318,7 +1318,7 @@
           <a:p>
             <a:fld id="{586A42AD-E6DF-43A8-BCEE-31B231F72482}" type="datetimeFigureOut">
               <a:rPr lang="ko-KR" altLang="en-US" smtClean="0"/>
-              <a:t>2023-01-17</a:t>
+              <a:t>2023-02-26</a:t>
             </a:fld>
             <a:endParaRPr lang="ko-KR" altLang="en-US"/>
           </a:p>
@@ -1682,7 +1682,7 @@
           <a:p>
             <a:fld id="{586A42AD-E6DF-43A8-BCEE-31B231F72482}" type="datetimeFigureOut">
               <a:rPr lang="ko-KR" altLang="en-US" smtClean="0"/>
-              <a:t>2023-01-17</a:t>
+              <a:t>2023-02-26</a:t>
             </a:fld>
             <a:endParaRPr lang="ko-KR" altLang="en-US"/>
           </a:p>
@@ -1799,7 +1799,7 @@
           <a:p>
             <a:fld id="{586A42AD-E6DF-43A8-BCEE-31B231F72482}" type="datetimeFigureOut">
               <a:rPr lang="ko-KR" altLang="en-US" smtClean="0"/>
-              <a:t>2023-01-17</a:t>
+              <a:t>2023-02-26</a:t>
             </a:fld>
             <a:endParaRPr lang="ko-KR" altLang="en-US"/>
           </a:p>
@@ -1894,7 +1894,7 @@
           <a:p>
             <a:fld id="{586A42AD-E6DF-43A8-BCEE-31B231F72482}" type="datetimeFigureOut">
               <a:rPr lang="ko-KR" altLang="en-US" smtClean="0"/>
-              <a:t>2023-01-17</a:t>
+              <a:t>2023-02-26</a:t>
             </a:fld>
             <a:endParaRPr lang="ko-KR" altLang="en-US"/>
           </a:p>
@@ -2169,7 +2169,7 @@
           <a:p>
             <a:fld id="{586A42AD-E6DF-43A8-BCEE-31B231F72482}" type="datetimeFigureOut">
               <a:rPr lang="ko-KR" altLang="en-US" smtClean="0"/>
-              <a:t>2023-01-17</a:t>
+              <a:t>2023-02-26</a:t>
             </a:fld>
             <a:endParaRPr lang="ko-KR" altLang="en-US"/>
           </a:p>
@@ -2421,7 +2421,7 @@
           <a:p>
             <a:fld id="{586A42AD-E6DF-43A8-BCEE-31B231F72482}" type="datetimeFigureOut">
               <a:rPr lang="ko-KR" altLang="en-US" smtClean="0"/>
-              <a:t>2023-01-17</a:t>
+              <a:t>2023-02-26</a:t>
             </a:fld>
             <a:endParaRPr lang="ko-KR" altLang="en-US"/>
           </a:p>
@@ -2632,7 +2632,7 @@
           <a:p>
             <a:fld id="{586A42AD-E6DF-43A8-BCEE-31B231F72482}" type="datetimeFigureOut">
               <a:rPr lang="ko-KR" altLang="en-US" smtClean="0"/>
-              <a:t>2023-01-17</a:t>
+              <a:t>2023-02-26</a:t>
             </a:fld>
             <a:endParaRPr lang="ko-KR" altLang="en-US"/>
           </a:p>
@@ -38568,8 +38568,8 @@
             </p:sp>
           </mc:Fallback>
         </mc:AlternateContent>
-        <mc:AlternateContent xmlns:mc="http://schemas.openxmlformats.org/markup-compatibility/2006">
-          <mc:Choice xmlns:a14="http://schemas.microsoft.com/office/drawing/2010/main" Requires="a14">
+        <mc:AlternateContent xmlns:mc="http://schemas.openxmlformats.org/markup-compatibility/2006" xmlns:a14="http://schemas.microsoft.com/office/drawing/2010/main">
+          <mc:Choice Requires="a14">
             <p:sp>
               <p:nvSpPr>
                 <p:cNvPr id="78" name="직사각형 77"/>
@@ -38639,7 +38639,7 @@
               </p:txBody>
             </p:sp>
           </mc:Choice>
-          <mc:Fallback>
+          <mc:Fallback xmlns="">
             <p:sp>
               <p:nvSpPr>
                 <p:cNvPr id="78" name="직사각형 77"/>
@@ -38814,8 +38814,8 @@
           </a:fontRef>
         </p:style>
       </p:cxnSp>
-      <mc:AlternateContent xmlns:mc="http://schemas.openxmlformats.org/markup-compatibility/2006">
-        <mc:Choice xmlns:a14="http://schemas.microsoft.com/office/drawing/2010/main" Requires="a14">
+      <mc:AlternateContent xmlns:mc="http://schemas.openxmlformats.org/markup-compatibility/2006" xmlns:a14="http://schemas.microsoft.com/office/drawing/2010/main">
+        <mc:Choice Requires="a14">
           <p:sp>
             <p:nvSpPr>
               <p:cNvPr id="86" name="직사각형 85">
@@ -38964,7 +38964,7 @@
             </p:txBody>
           </p:sp>
         </mc:Choice>
-        <mc:Fallback>
+        <mc:Fallback xmlns="">
           <p:sp>
             <p:nvSpPr>
               <p:cNvPr id="86" name="직사각형 85">
@@ -39009,8 +39009,8 @@
           </p:sp>
         </mc:Fallback>
       </mc:AlternateContent>
-      <mc:AlternateContent xmlns:mc="http://schemas.openxmlformats.org/markup-compatibility/2006">
-        <mc:Choice xmlns:a14="http://schemas.microsoft.com/office/drawing/2010/main" Requires="a14">
+      <mc:AlternateContent xmlns:mc="http://schemas.openxmlformats.org/markup-compatibility/2006" xmlns:a14="http://schemas.microsoft.com/office/drawing/2010/main">
+        <mc:Choice Requires="a14">
           <p:sp>
             <p:nvSpPr>
               <p:cNvPr id="87" name="직사각형 86">
@@ -39159,7 +39159,7 @@
             </p:txBody>
           </p:sp>
         </mc:Choice>
-        <mc:Fallback>
+        <mc:Fallback xmlns="">
           <p:sp>
             <p:nvSpPr>
               <p:cNvPr id="87" name="직사각형 86">
@@ -39204,8 +39204,8 @@
           </p:sp>
         </mc:Fallback>
       </mc:AlternateContent>
-      <mc:AlternateContent xmlns:mc="http://schemas.openxmlformats.org/markup-compatibility/2006">
-        <mc:Choice xmlns:a14="http://schemas.microsoft.com/office/drawing/2010/main" Requires="a14">
+      <mc:AlternateContent xmlns:mc="http://schemas.openxmlformats.org/markup-compatibility/2006" xmlns:a14="http://schemas.microsoft.com/office/drawing/2010/main">
+        <mc:Choice Requires="a14">
           <p:sp>
             <p:nvSpPr>
               <p:cNvPr id="88" name="직사각형 87">
@@ -39354,7 +39354,7 @@
             </p:txBody>
           </p:sp>
         </mc:Choice>
-        <mc:Fallback>
+        <mc:Fallback xmlns="">
           <p:sp>
             <p:nvSpPr>
               <p:cNvPr id="88" name="직사각형 87">
@@ -42774,8 +42774,8 @@
             </p:sp>
           </mc:Fallback>
         </mc:AlternateContent>
-        <mc:AlternateContent xmlns:mc="http://schemas.openxmlformats.org/markup-compatibility/2006">
-          <mc:Choice xmlns:a14="http://schemas.microsoft.com/office/drawing/2010/main" Requires="a14">
+        <mc:AlternateContent xmlns:mc="http://schemas.openxmlformats.org/markup-compatibility/2006" xmlns:a14="http://schemas.microsoft.com/office/drawing/2010/main">
+          <mc:Choice Requires="a14">
             <p:sp>
               <p:nvSpPr>
                 <p:cNvPr id="78" name="직사각형 77"/>
@@ -42845,7 +42845,7 @@
               </p:txBody>
             </p:sp>
           </mc:Choice>
-          <mc:Fallback>
+          <mc:Fallback xmlns="">
             <p:sp>
               <p:nvSpPr>
                 <p:cNvPr id="78" name="직사각형 77"/>
@@ -43020,8 +43020,8 @@
           </a:fontRef>
         </p:style>
       </p:cxnSp>
-      <mc:AlternateContent xmlns:mc="http://schemas.openxmlformats.org/markup-compatibility/2006">
-        <mc:Choice xmlns:a14="http://schemas.microsoft.com/office/drawing/2010/main" Requires="a14">
+      <mc:AlternateContent xmlns:mc="http://schemas.openxmlformats.org/markup-compatibility/2006" xmlns:a14="http://schemas.microsoft.com/office/drawing/2010/main">
+        <mc:Choice Requires="a14">
           <p:sp>
             <p:nvSpPr>
               <p:cNvPr id="86" name="직사각형 85">
@@ -43170,7 +43170,7 @@
             </p:txBody>
           </p:sp>
         </mc:Choice>
-        <mc:Fallback>
+        <mc:Fallback xmlns="">
           <p:sp>
             <p:nvSpPr>
               <p:cNvPr id="86" name="직사각형 85">
@@ -43215,8 +43215,8 @@
           </p:sp>
         </mc:Fallback>
       </mc:AlternateContent>
-      <mc:AlternateContent xmlns:mc="http://schemas.openxmlformats.org/markup-compatibility/2006">
-        <mc:Choice xmlns:a14="http://schemas.microsoft.com/office/drawing/2010/main" Requires="a14">
+      <mc:AlternateContent xmlns:mc="http://schemas.openxmlformats.org/markup-compatibility/2006" xmlns:a14="http://schemas.microsoft.com/office/drawing/2010/main">
+        <mc:Choice Requires="a14">
           <p:sp>
             <p:nvSpPr>
               <p:cNvPr id="87" name="직사각형 86">
@@ -43365,7 +43365,7 @@
             </p:txBody>
           </p:sp>
         </mc:Choice>
-        <mc:Fallback>
+        <mc:Fallback xmlns="">
           <p:sp>
             <p:nvSpPr>
               <p:cNvPr id="87" name="직사각형 86">
@@ -43410,8 +43410,8 @@
           </p:sp>
         </mc:Fallback>
       </mc:AlternateContent>
-      <mc:AlternateContent xmlns:mc="http://schemas.openxmlformats.org/markup-compatibility/2006">
-        <mc:Choice xmlns:a14="http://schemas.microsoft.com/office/drawing/2010/main" Requires="a14">
+      <mc:AlternateContent xmlns:mc="http://schemas.openxmlformats.org/markup-compatibility/2006" xmlns:a14="http://schemas.microsoft.com/office/drawing/2010/main">
+        <mc:Choice Requires="a14">
           <p:sp>
             <p:nvSpPr>
               <p:cNvPr id="88" name="직사각형 87">
@@ -43560,7 +43560,7 @@
             </p:txBody>
           </p:sp>
         </mc:Choice>
-        <mc:Fallback>
+        <mc:Fallback xmlns="">
           <p:sp>
             <p:nvSpPr>
               <p:cNvPr id="88" name="직사각형 87">
@@ -46109,6 +46109,607 @@
           </p:sp>
         </mc:Fallback>
       </mc:AlternateContent>
+      <p:sp>
+        <p:nvSpPr>
+          <p:cNvPr id="10" name="직사각형 9">
+            <a:extLst>
+              <a:ext uri="{FF2B5EF4-FFF2-40B4-BE49-F238E27FC236}">
+                <a16:creationId xmlns:a16="http://schemas.microsoft.com/office/drawing/2014/main" id="{473B5ABD-0883-48E6-BDC5-83CAA9096A99}"/>
+              </a:ext>
+            </a:extLst>
+          </p:cNvPr>
+          <p:cNvSpPr/>
+          <p:nvPr/>
+        </p:nvSpPr>
+        <p:spPr>
+          <a:xfrm>
+            <a:off x="4143994" y="3329181"/>
+            <a:ext cx="2520000" cy="360000"/>
+          </a:xfrm>
+          <a:prstGeom prst="rect">
+            <a:avLst/>
+          </a:prstGeom>
+          <a:noFill/>
+          <a:ln w="28575">
+            <a:solidFill>
+              <a:schemeClr val="tx1"/>
+            </a:solidFill>
+          </a:ln>
+        </p:spPr>
+        <p:style>
+          <a:lnRef idx="2">
+            <a:schemeClr val="accent1">
+              <a:shade val="50000"/>
+            </a:schemeClr>
+          </a:lnRef>
+          <a:fillRef idx="1">
+            <a:schemeClr val="accent1"/>
+          </a:fillRef>
+          <a:effectRef idx="0">
+            <a:schemeClr val="accent1"/>
+          </a:effectRef>
+          <a:fontRef idx="minor">
+            <a:schemeClr val="lt1"/>
+          </a:fontRef>
+        </p:style>
+        <p:txBody>
+          <a:bodyPr rtlCol="0" anchor="ctr"/>
+          <a:lstStyle/>
+          <a:p>
+            <a:pPr algn="ctr"/>
+            <a:endParaRPr lang="ko-KR" altLang="en-US"/>
+          </a:p>
+        </p:txBody>
+      </p:sp>
+      <p:cxnSp>
+        <p:nvCxnSpPr>
+          <p:cNvPr id="11" name="직선 화살표 연결선 10">
+            <a:extLst>
+              <a:ext uri="{FF2B5EF4-FFF2-40B4-BE49-F238E27FC236}">
+                <a16:creationId xmlns:a16="http://schemas.microsoft.com/office/drawing/2014/main" id="{BA411F40-CE23-4392-9E83-1FF387794B05}"/>
+              </a:ext>
+            </a:extLst>
+          </p:cNvPr>
+          <p:cNvCxnSpPr>
+            <a:stCxn id="10" idx="3"/>
+          </p:cNvCxnSpPr>
+          <p:nvPr/>
+        </p:nvCxnSpPr>
+        <p:spPr>
+          <a:xfrm>
+            <a:off x="6663994" y="3509181"/>
+            <a:ext cx="540000" cy="0"/>
+          </a:xfrm>
+          <a:prstGeom prst="straightConnector1">
+            <a:avLst/>
+          </a:prstGeom>
+          <a:ln w="28575">
+            <a:solidFill>
+              <a:schemeClr val="tx1"/>
+            </a:solidFill>
+            <a:headEnd w="lg" len="lg"/>
+            <a:tailEnd type="triangle" w="lg" len="lg"/>
+          </a:ln>
+        </p:spPr>
+        <p:style>
+          <a:lnRef idx="1">
+            <a:schemeClr val="accent1"/>
+          </a:lnRef>
+          <a:fillRef idx="0">
+            <a:schemeClr val="accent1"/>
+          </a:fillRef>
+          <a:effectRef idx="0">
+            <a:schemeClr val="accent1"/>
+          </a:effectRef>
+          <a:fontRef idx="minor">
+            <a:schemeClr val="tx1"/>
+          </a:fontRef>
+        </p:style>
+      </p:cxnSp>
+      <mc:AlternateContent xmlns:mc="http://schemas.openxmlformats.org/markup-compatibility/2006">
+        <mc:Choice xmlns:a14="http://schemas.microsoft.com/office/drawing/2010/main" Requires="a14">
+          <p:sp>
+            <p:nvSpPr>
+              <p:cNvPr id="12" name="TextBox 11">
+                <a:extLst>
+                  <a:ext uri="{FF2B5EF4-FFF2-40B4-BE49-F238E27FC236}">
+                    <a16:creationId xmlns:a16="http://schemas.microsoft.com/office/drawing/2014/main" id="{90600AD8-1DD5-4F13-878F-7E137FA617F7}"/>
+                  </a:ext>
+                </a:extLst>
+              </p:cNvPr>
+              <p:cNvSpPr txBox="1"/>
+              <p:nvPr/>
+            </p:nvSpPr>
+            <p:spPr>
+              <a:xfrm>
+                <a:off x="7245671" y="3366623"/>
+                <a:ext cx="1414041" cy="276999"/>
+              </a:xfrm>
+              <a:prstGeom prst="rect">
+                <a:avLst/>
+              </a:prstGeom>
+              <a:noFill/>
+            </p:spPr>
+            <p:txBody>
+              <a:bodyPr wrap="none" lIns="0" tIns="0" rIns="0" bIns="0" rtlCol="0">
+                <a:spAutoFit/>
+              </a:bodyPr>
+              <a:lstStyle/>
+              <a:p>
+                <a:pPr/>
+                <a14:m>
+                  <m:oMathPara xmlns:m="http://schemas.openxmlformats.org/officeDocument/2006/math">
+                    <m:oMathParaPr>
+                      <m:jc m:val="centerGroup"/>
+                    </m:oMathParaPr>
+                    <m:oMath xmlns:m="http://schemas.openxmlformats.org/officeDocument/2006/math">
+                      <m:d>
+                        <m:dPr>
+                          <m:ctrlPr>
+                            <a:rPr lang="en-US" altLang="ko-KR" b="0" i="1" smtClean="0">
+                              <a:latin typeface="Cambria Math" panose="02040503050406030204" pitchFamily="18" charset="0"/>
+                            </a:rPr>
+                          </m:ctrlPr>
+                        </m:dPr>
+                        <m:e>
+                          <m:r>
+                            <a:rPr lang="en-US" altLang="ko-KR" b="0" i="1" smtClean="0">
+                              <a:latin typeface="Cambria Math" panose="02040503050406030204" pitchFamily="18" charset="0"/>
+                            </a:rPr>
+                            <m:t>𝑞𝐴</m:t>
+                          </m:r>
+                        </m:e>
+                      </m:d>
+                      <m:r>
+                        <a:rPr lang="en-US" altLang="ko-KR" b="0" i="1" smtClean="0">
+                          <a:latin typeface="Cambria Math" panose="02040503050406030204" pitchFamily="18" charset="0"/>
+                        </a:rPr>
+                        <m:t>(</m:t>
+                      </m:r>
+                      <m:r>
+                        <a:rPr lang="en-US" altLang="ko-KR" b="0" i="1" smtClean="0">
+                          <a:latin typeface="Cambria Math" panose="02040503050406030204" pitchFamily="18" charset="0"/>
+                        </a:rPr>
+                        <m:t>𝑥</m:t>
+                      </m:r>
+                      <m:r>
+                        <a:rPr lang="en-US" altLang="ko-KR" b="0" i="1" smtClean="0">
+                          <a:latin typeface="Cambria Math" panose="02040503050406030204" pitchFamily="18" charset="0"/>
+                        </a:rPr>
+                        <m:t>+∆</m:t>
+                      </m:r>
+                      <m:r>
+                        <a:rPr lang="en-US" altLang="ko-KR" b="0" i="1" smtClean="0">
+                          <a:latin typeface="Cambria Math" panose="02040503050406030204" pitchFamily="18" charset="0"/>
+                        </a:rPr>
+                        <m:t>𝑥</m:t>
+                      </m:r>
+                      <m:r>
+                        <a:rPr lang="en-US" altLang="ko-KR" b="0" i="1" smtClean="0">
+                          <a:latin typeface="Cambria Math" panose="02040503050406030204" pitchFamily="18" charset="0"/>
+                        </a:rPr>
+                        <m:t>)</m:t>
+                      </m:r>
+                    </m:oMath>
+                  </m:oMathPara>
+                </a14:m>
+                <a:endParaRPr lang="ko-KR" altLang="en-US" dirty="0"/>
+              </a:p>
+            </p:txBody>
+          </p:sp>
+        </mc:Choice>
+        <mc:Fallback>
+          <p:sp>
+            <p:nvSpPr>
+              <p:cNvPr id="12" name="TextBox 11">
+                <a:extLst>
+                  <a:ext uri="{FF2B5EF4-FFF2-40B4-BE49-F238E27FC236}">
+                    <a16:creationId xmlns:a16="http://schemas.microsoft.com/office/drawing/2014/main" id="{90600AD8-1DD5-4F13-878F-7E137FA617F7}"/>
+                  </a:ext>
+                </a:extLst>
+              </p:cNvPr>
+              <p:cNvSpPr txBox="1">
+                <a:spLocks noRot="1" noChangeAspect="1" noMove="1" noResize="1" noEditPoints="1" noAdjustHandles="1" noChangeArrowheads="1" noChangeShapeType="1" noTextEdit="1"/>
+              </p:cNvSpPr>
+              <p:nvPr/>
+            </p:nvSpPr>
+            <p:spPr>
+              <a:xfrm>
+                <a:off x="7245671" y="3366623"/>
+                <a:ext cx="1414041" cy="276999"/>
+              </a:xfrm>
+              <a:prstGeom prst="rect">
+                <a:avLst/>
+              </a:prstGeom>
+              <a:blipFill>
+                <a:blip r:embed="rId6"/>
+                <a:stretch>
+                  <a:fillRect r="-4310" b="-36957"/>
+                </a:stretch>
+              </a:blipFill>
+            </p:spPr>
+            <p:txBody>
+              <a:bodyPr/>
+              <a:lstStyle/>
+              <a:p>
+                <a:r>
+                  <a:rPr lang="ko-KR" altLang="en-US">
+                    <a:noFill/>
+                  </a:rPr>
+                  <a:t> </a:t>
+                </a:r>
+              </a:p>
+            </p:txBody>
+          </p:sp>
+        </mc:Fallback>
+      </mc:AlternateContent>
+      <p:cxnSp>
+        <p:nvCxnSpPr>
+          <p:cNvPr id="13" name="직선 화살표 연결선 12">
+            <a:extLst>
+              <a:ext uri="{FF2B5EF4-FFF2-40B4-BE49-F238E27FC236}">
+                <a16:creationId xmlns:a16="http://schemas.microsoft.com/office/drawing/2014/main" id="{FE532481-992C-4A00-8B1F-1ADB5D7E92A3}"/>
+              </a:ext>
+            </a:extLst>
+          </p:cNvPr>
+          <p:cNvCxnSpPr>
+            <a:cxnSpLocks/>
+          </p:cNvCxnSpPr>
+          <p:nvPr/>
+        </p:nvCxnSpPr>
+        <p:spPr>
+          <a:xfrm flipV="1">
+            <a:off x="3633974" y="3509181"/>
+            <a:ext cx="540000" cy="1416"/>
+          </a:xfrm>
+          <a:prstGeom prst="straightConnector1">
+            <a:avLst/>
+          </a:prstGeom>
+          <a:ln w="28575">
+            <a:solidFill>
+              <a:schemeClr val="tx1"/>
+            </a:solidFill>
+            <a:headEnd w="lg" len="lg"/>
+            <a:tailEnd type="triangle" w="lg" len="lg"/>
+          </a:ln>
+        </p:spPr>
+        <p:style>
+          <a:lnRef idx="1">
+            <a:schemeClr val="accent1"/>
+          </a:lnRef>
+          <a:fillRef idx="0">
+            <a:schemeClr val="accent1"/>
+          </a:fillRef>
+          <a:effectRef idx="0">
+            <a:schemeClr val="accent1"/>
+          </a:effectRef>
+          <a:fontRef idx="minor">
+            <a:schemeClr val="tx1"/>
+          </a:fontRef>
+        </p:style>
+      </p:cxnSp>
+      <mc:AlternateContent xmlns:mc="http://schemas.openxmlformats.org/markup-compatibility/2006">
+        <mc:Choice xmlns:a14="http://schemas.microsoft.com/office/drawing/2010/main" Requires="a14">
+          <p:sp>
+            <p:nvSpPr>
+              <p:cNvPr id="14" name="TextBox 13">
+                <a:extLst>
+                  <a:ext uri="{FF2B5EF4-FFF2-40B4-BE49-F238E27FC236}">
+                    <a16:creationId xmlns:a16="http://schemas.microsoft.com/office/drawing/2014/main" id="{CC3ABB62-9F33-4065-BB93-A84A7CD24042}"/>
+                  </a:ext>
+                </a:extLst>
+              </p:cNvPr>
+              <p:cNvSpPr txBox="1"/>
+              <p:nvPr/>
+            </p:nvSpPr>
+            <p:spPr>
+              <a:xfrm>
+                <a:off x="2761701" y="3372486"/>
+                <a:ext cx="869277" cy="276999"/>
+              </a:xfrm>
+              <a:prstGeom prst="rect">
+                <a:avLst/>
+              </a:prstGeom>
+              <a:noFill/>
+            </p:spPr>
+            <p:txBody>
+              <a:bodyPr wrap="none" lIns="0" tIns="0" rIns="0" bIns="0" rtlCol="0">
+                <a:spAutoFit/>
+              </a:bodyPr>
+              <a:lstStyle/>
+              <a:p>
+                <a:pPr/>
+                <a14:m>
+                  <m:oMathPara xmlns:m="http://schemas.openxmlformats.org/officeDocument/2006/math">
+                    <m:oMathParaPr>
+                      <m:jc m:val="centerGroup"/>
+                    </m:oMathParaPr>
+                    <m:oMath xmlns:m="http://schemas.openxmlformats.org/officeDocument/2006/math">
+                      <m:d>
+                        <m:dPr>
+                          <m:ctrlPr>
+                            <a:rPr lang="en-US" altLang="ko-KR" b="0" i="1" smtClean="0">
+                              <a:latin typeface="Cambria Math" panose="02040503050406030204" pitchFamily="18" charset="0"/>
+                            </a:rPr>
+                          </m:ctrlPr>
+                        </m:dPr>
+                        <m:e>
+                          <m:r>
+                            <a:rPr lang="en-US" altLang="ko-KR" b="0" i="1" smtClean="0">
+                              <a:latin typeface="Cambria Math" panose="02040503050406030204" pitchFamily="18" charset="0"/>
+                            </a:rPr>
+                            <m:t>𝑞𝐴</m:t>
+                          </m:r>
+                        </m:e>
+                      </m:d>
+                      <m:d>
+                        <m:dPr>
+                          <m:ctrlPr>
+                            <a:rPr lang="en-US" altLang="ko-KR" b="0" i="1" smtClean="0">
+                              <a:latin typeface="Cambria Math" panose="02040503050406030204" pitchFamily="18" charset="0"/>
+                            </a:rPr>
+                          </m:ctrlPr>
+                        </m:dPr>
+                        <m:e>
+                          <m:r>
+                            <a:rPr lang="en-US" altLang="ko-KR" b="0" i="1" smtClean="0">
+                              <a:latin typeface="Cambria Math" panose="02040503050406030204" pitchFamily="18" charset="0"/>
+                            </a:rPr>
+                            <m:t>𝑥</m:t>
+                          </m:r>
+                        </m:e>
+                      </m:d>
+                    </m:oMath>
+                  </m:oMathPara>
+                </a14:m>
+                <a:endParaRPr lang="ko-KR" altLang="en-US" dirty="0"/>
+              </a:p>
+            </p:txBody>
+          </p:sp>
+        </mc:Choice>
+        <mc:Fallback>
+          <p:sp>
+            <p:nvSpPr>
+              <p:cNvPr id="14" name="TextBox 13">
+                <a:extLst>
+                  <a:ext uri="{FF2B5EF4-FFF2-40B4-BE49-F238E27FC236}">
+                    <a16:creationId xmlns:a16="http://schemas.microsoft.com/office/drawing/2014/main" id="{CC3ABB62-9F33-4065-BB93-A84A7CD24042}"/>
+                  </a:ext>
+                </a:extLst>
+              </p:cNvPr>
+              <p:cNvSpPr txBox="1">
+                <a:spLocks noRot="1" noChangeAspect="1" noMove="1" noResize="1" noEditPoints="1" noAdjustHandles="1" noChangeArrowheads="1" noChangeShapeType="1" noTextEdit="1"/>
+              </p:cNvSpPr>
+              <p:nvPr/>
+            </p:nvSpPr>
+            <p:spPr>
+              <a:xfrm>
+                <a:off x="2761701" y="3372486"/>
+                <a:ext cx="869277" cy="276999"/>
+              </a:xfrm>
+              <a:prstGeom prst="rect">
+                <a:avLst/>
+              </a:prstGeom>
+              <a:blipFill>
+                <a:blip r:embed="rId7"/>
+                <a:stretch>
+                  <a:fillRect b="-36957"/>
+                </a:stretch>
+              </a:blipFill>
+            </p:spPr>
+            <p:txBody>
+              <a:bodyPr/>
+              <a:lstStyle/>
+              <a:p>
+                <a:r>
+                  <a:rPr lang="ko-KR" altLang="en-US">
+                    <a:noFill/>
+                  </a:rPr>
+                  <a:t> </a:t>
+                </a:r>
+              </a:p>
+            </p:txBody>
+          </p:sp>
+        </mc:Fallback>
+      </mc:AlternateContent>
+      <mc:AlternateContent xmlns:mc="http://schemas.openxmlformats.org/markup-compatibility/2006">
+        <mc:Choice xmlns:a14="http://schemas.microsoft.com/office/drawing/2010/main" Requires="a14">
+          <p:sp>
+            <p:nvSpPr>
+              <p:cNvPr id="15" name="TextBox 14">
+                <a:extLst>
+                  <a:ext uri="{FF2B5EF4-FFF2-40B4-BE49-F238E27FC236}">
+                    <a16:creationId xmlns:a16="http://schemas.microsoft.com/office/drawing/2014/main" id="{AD4B3EB9-C3C5-4C38-B7FC-6983B1F59A90}"/>
+                  </a:ext>
+                </a:extLst>
+              </p:cNvPr>
+              <p:cNvSpPr txBox="1"/>
+              <p:nvPr/>
+            </p:nvSpPr>
+            <p:spPr>
+              <a:xfrm>
+                <a:off x="5228977" y="3788063"/>
+                <a:ext cx="350031" cy="276999"/>
+              </a:xfrm>
+              <a:prstGeom prst="rect">
+                <a:avLst/>
+              </a:prstGeom>
+              <a:noFill/>
+            </p:spPr>
+            <p:txBody>
+              <a:bodyPr wrap="none" lIns="0" tIns="0" rIns="0" bIns="0" rtlCol="0">
+                <a:spAutoFit/>
+              </a:bodyPr>
+              <a:lstStyle/>
+              <a:p>
+                <a:pPr/>
+                <a14:m>
+                  <m:oMathPara xmlns:m="http://schemas.openxmlformats.org/officeDocument/2006/math">
+                    <m:oMathParaPr>
+                      <m:jc m:val="centerGroup"/>
+                    </m:oMathParaPr>
+                    <m:oMath xmlns:m="http://schemas.openxmlformats.org/officeDocument/2006/math">
+                      <m:r>
+                        <a:rPr lang="en-US" altLang="ko-KR" b="0" i="1" smtClean="0">
+                          <a:latin typeface="Cambria Math" panose="02040503050406030204" pitchFamily="18" charset="0"/>
+                        </a:rPr>
+                        <m:t>∆</m:t>
+                      </m:r>
+                      <m:r>
+                        <a:rPr lang="en-US" altLang="ko-KR" b="0" i="1" smtClean="0">
+                          <a:latin typeface="Cambria Math" panose="02040503050406030204" pitchFamily="18" charset="0"/>
+                        </a:rPr>
+                        <m:t>𝑥</m:t>
+                      </m:r>
+                    </m:oMath>
+                  </m:oMathPara>
+                </a14:m>
+                <a:endParaRPr lang="ko-KR" altLang="en-US" dirty="0"/>
+              </a:p>
+            </p:txBody>
+          </p:sp>
+        </mc:Choice>
+        <mc:Fallback>
+          <p:sp>
+            <p:nvSpPr>
+              <p:cNvPr id="15" name="TextBox 14">
+                <a:extLst>
+                  <a:ext uri="{FF2B5EF4-FFF2-40B4-BE49-F238E27FC236}">
+                    <a16:creationId xmlns:a16="http://schemas.microsoft.com/office/drawing/2014/main" id="{AD4B3EB9-C3C5-4C38-B7FC-6983B1F59A90}"/>
+                  </a:ext>
+                </a:extLst>
+              </p:cNvPr>
+              <p:cNvSpPr txBox="1">
+                <a:spLocks noRot="1" noChangeAspect="1" noMove="1" noResize="1" noEditPoints="1" noAdjustHandles="1" noChangeArrowheads="1" noChangeShapeType="1" noTextEdit="1"/>
+              </p:cNvSpPr>
+              <p:nvPr/>
+            </p:nvSpPr>
+            <p:spPr>
+              <a:xfrm>
+                <a:off x="5228977" y="3788063"/>
+                <a:ext cx="350031" cy="276999"/>
+              </a:xfrm>
+              <a:prstGeom prst="rect">
+                <a:avLst/>
+              </a:prstGeom>
+              <a:blipFill>
+                <a:blip r:embed="rId8"/>
+                <a:stretch>
+                  <a:fillRect l="-12281" r="-5263" b="-10870"/>
+                </a:stretch>
+              </a:blipFill>
+            </p:spPr>
+            <p:txBody>
+              <a:bodyPr/>
+              <a:lstStyle/>
+              <a:p>
+                <a:r>
+                  <a:rPr lang="ko-KR" altLang="en-US">
+                    <a:noFill/>
+                  </a:rPr>
+                  <a:t> </a:t>
+                </a:r>
+              </a:p>
+            </p:txBody>
+          </p:sp>
+        </mc:Fallback>
+      </mc:AlternateContent>
+      <mc:AlternateContent xmlns:mc="http://schemas.openxmlformats.org/markup-compatibility/2006">
+        <mc:Choice xmlns:a14="http://schemas.microsoft.com/office/drawing/2010/main" Requires="a14">
+          <p:sp>
+            <p:nvSpPr>
+              <p:cNvPr id="20" name="TextBox 19">
+                <a:extLst>
+                  <a:ext uri="{FF2B5EF4-FFF2-40B4-BE49-F238E27FC236}">
+                    <a16:creationId xmlns:a16="http://schemas.microsoft.com/office/drawing/2014/main" id="{967B3214-3E7D-4D62-9A74-2612AF04B1DD}"/>
+                  </a:ext>
+                </a:extLst>
+              </p:cNvPr>
+              <p:cNvSpPr txBox="1"/>
+              <p:nvPr/>
+            </p:nvSpPr>
+            <p:spPr>
+              <a:xfrm>
+                <a:off x="5286397" y="2937225"/>
+                <a:ext cx="226792" cy="276999"/>
+              </a:xfrm>
+              <a:prstGeom prst="rect">
+                <a:avLst/>
+              </a:prstGeom>
+              <a:noFill/>
+            </p:spPr>
+            <p:txBody>
+              <a:bodyPr wrap="none" lIns="0" tIns="0" rIns="0" bIns="0" rtlCol="0">
+                <a:spAutoFit/>
+              </a:bodyPr>
+              <a:lstStyle/>
+              <a:p>
+                <a:pPr/>
+                <a14:m>
+                  <m:oMathPara xmlns:m="http://schemas.openxmlformats.org/officeDocument/2006/math">
+                    <m:oMathParaPr>
+                      <m:jc m:val="centerGroup"/>
+                    </m:oMathParaPr>
+                    <m:oMath xmlns:m="http://schemas.openxmlformats.org/officeDocument/2006/math">
+                      <m:r>
+                        <a:rPr lang="en-US" altLang="ko-KR" b="0" i="1" smtClean="0">
+                          <a:latin typeface="Cambria Math" panose="02040503050406030204" pitchFamily="18" charset="0"/>
+                        </a:rPr>
+                        <m:t>𝑔</m:t>
+                      </m:r>
+                    </m:oMath>
+                  </m:oMathPara>
+                </a14:m>
+                <a:endParaRPr lang="ko-KR" altLang="en-US" dirty="0"/>
+              </a:p>
+            </p:txBody>
+          </p:sp>
+        </mc:Choice>
+        <mc:Fallback>
+          <p:sp>
+            <p:nvSpPr>
+              <p:cNvPr id="20" name="TextBox 19">
+                <a:extLst>
+                  <a:ext uri="{FF2B5EF4-FFF2-40B4-BE49-F238E27FC236}">
+                    <a16:creationId xmlns:a16="http://schemas.microsoft.com/office/drawing/2014/main" id="{967B3214-3E7D-4D62-9A74-2612AF04B1DD}"/>
+                  </a:ext>
+                </a:extLst>
+              </p:cNvPr>
+              <p:cNvSpPr txBox="1">
+                <a:spLocks noRot="1" noChangeAspect="1" noMove="1" noResize="1" noEditPoints="1" noAdjustHandles="1" noChangeArrowheads="1" noChangeShapeType="1" noTextEdit="1"/>
+              </p:cNvSpPr>
+              <p:nvPr/>
+            </p:nvSpPr>
+            <p:spPr>
+              <a:xfrm>
+                <a:off x="5286397" y="2937225"/>
+                <a:ext cx="226792" cy="276999"/>
+              </a:xfrm>
+              <a:prstGeom prst="rect">
+                <a:avLst/>
+              </a:prstGeom>
+              <a:blipFill>
+                <a:blip r:embed="rId9"/>
+                <a:stretch>
+                  <a:fillRect l="-18919" r="-18919" b="-31111"/>
+                </a:stretch>
+              </a:blipFill>
+            </p:spPr>
+            <p:txBody>
+              <a:bodyPr/>
+              <a:lstStyle/>
+              <a:p>
+                <a:r>
+                  <a:rPr lang="ko-KR" altLang="en-US">
+                    <a:noFill/>
+                  </a:rPr>
+                  <a:t> </a:t>
+                </a:r>
+              </a:p>
+            </p:txBody>
+          </p:sp>
+        </mc:Fallback>
+      </mc:AlternateContent>
     </p:spTree>
     <p:extLst>
       <p:ext uri="{BB962C8B-B14F-4D97-AF65-F5344CB8AC3E}">

--- a/그림.pptx
+++ b/그림.pptx
@@ -7,45 +7,46 @@
   <p:sldIdLst>
     <p:sldId id="303" r:id="rId2"/>
     <p:sldId id="304" r:id="rId3"/>
-    <p:sldId id="285" r:id="rId4"/>
-    <p:sldId id="287" r:id="rId5"/>
-    <p:sldId id="286" r:id="rId6"/>
-    <p:sldId id="283" r:id="rId7"/>
-    <p:sldId id="294" r:id="rId8"/>
-    <p:sldId id="295" r:id="rId9"/>
-    <p:sldId id="296" r:id="rId10"/>
-    <p:sldId id="299" r:id="rId11"/>
-    <p:sldId id="297" r:id="rId12"/>
-    <p:sldId id="298" r:id="rId13"/>
-    <p:sldId id="300" r:id="rId14"/>
-    <p:sldId id="291" r:id="rId15"/>
-    <p:sldId id="289" r:id="rId16"/>
-    <p:sldId id="292" r:id="rId17"/>
-    <p:sldId id="293" r:id="rId18"/>
-    <p:sldId id="260" r:id="rId19"/>
-    <p:sldId id="262" r:id="rId20"/>
-    <p:sldId id="261" r:id="rId21"/>
-    <p:sldId id="263" r:id="rId22"/>
-    <p:sldId id="265" r:id="rId23"/>
-    <p:sldId id="267" r:id="rId24"/>
-    <p:sldId id="268" r:id="rId25"/>
-    <p:sldId id="269" r:id="rId26"/>
-    <p:sldId id="270" r:id="rId27"/>
-    <p:sldId id="271" r:id="rId28"/>
-    <p:sldId id="276" r:id="rId29"/>
-    <p:sldId id="277" r:id="rId30"/>
-    <p:sldId id="278" r:id="rId31"/>
-    <p:sldId id="301" r:id="rId32"/>
-    <p:sldId id="279" r:id="rId33"/>
-    <p:sldId id="302" r:id="rId34"/>
-    <p:sldId id="280" r:id="rId35"/>
-    <p:sldId id="284" r:id="rId36"/>
-    <p:sldId id="288" r:id="rId37"/>
-    <p:sldId id="272" r:id="rId38"/>
-    <p:sldId id="259" r:id="rId39"/>
-    <p:sldId id="264" r:id="rId40"/>
-    <p:sldId id="273" r:id="rId41"/>
-    <p:sldId id="281" r:id="rId42"/>
+    <p:sldId id="305" r:id="rId4"/>
+    <p:sldId id="285" r:id="rId5"/>
+    <p:sldId id="287" r:id="rId6"/>
+    <p:sldId id="286" r:id="rId7"/>
+    <p:sldId id="283" r:id="rId8"/>
+    <p:sldId id="294" r:id="rId9"/>
+    <p:sldId id="295" r:id="rId10"/>
+    <p:sldId id="296" r:id="rId11"/>
+    <p:sldId id="299" r:id="rId12"/>
+    <p:sldId id="297" r:id="rId13"/>
+    <p:sldId id="298" r:id="rId14"/>
+    <p:sldId id="300" r:id="rId15"/>
+    <p:sldId id="291" r:id="rId16"/>
+    <p:sldId id="289" r:id="rId17"/>
+    <p:sldId id="292" r:id="rId18"/>
+    <p:sldId id="293" r:id="rId19"/>
+    <p:sldId id="260" r:id="rId20"/>
+    <p:sldId id="262" r:id="rId21"/>
+    <p:sldId id="261" r:id="rId22"/>
+    <p:sldId id="263" r:id="rId23"/>
+    <p:sldId id="265" r:id="rId24"/>
+    <p:sldId id="267" r:id="rId25"/>
+    <p:sldId id="268" r:id="rId26"/>
+    <p:sldId id="269" r:id="rId27"/>
+    <p:sldId id="270" r:id="rId28"/>
+    <p:sldId id="271" r:id="rId29"/>
+    <p:sldId id="276" r:id="rId30"/>
+    <p:sldId id="277" r:id="rId31"/>
+    <p:sldId id="278" r:id="rId32"/>
+    <p:sldId id="301" r:id="rId33"/>
+    <p:sldId id="279" r:id="rId34"/>
+    <p:sldId id="302" r:id="rId35"/>
+    <p:sldId id="280" r:id="rId36"/>
+    <p:sldId id="284" r:id="rId37"/>
+    <p:sldId id="288" r:id="rId38"/>
+    <p:sldId id="272" r:id="rId39"/>
+    <p:sldId id="259" r:id="rId40"/>
+    <p:sldId id="264" r:id="rId41"/>
+    <p:sldId id="273" r:id="rId42"/>
+    <p:sldId id="281" r:id="rId43"/>
   </p:sldIdLst>
   <p:sldSz cx="12192000" cy="6858000"/>
   <p:notesSz cx="6858000" cy="9144000"/>
@@ -151,6 +152,7 @@
           <p14:sldIdLst>
             <p14:sldId id="303"/>
             <p14:sldId id="304"/>
+            <p14:sldId id="305"/>
             <p14:sldId id="285"/>
             <p14:sldId id="287"/>
             <p14:sldId id="286"/>
@@ -334,7 +336,7 @@
           <a:p>
             <a:fld id="{586A42AD-E6DF-43A8-BCEE-31B231F72482}" type="datetimeFigureOut">
               <a:rPr lang="ko-KR" altLang="en-US" smtClean="0"/>
-              <a:t>2023-03-16</a:t>
+              <a:t>2023-04-14</a:t>
             </a:fld>
             <a:endParaRPr lang="ko-KR" altLang="en-US"/>
           </a:p>
@@ -502,7 +504,7 @@
           <a:p>
             <a:fld id="{586A42AD-E6DF-43A8-BCEE-31B231F72482}" type="datetimeFigureOut">
               <a:rPr lang="ko-KR" altLang="en-US" smtClean="0"/>
-              <a:t>2023-03-16</a:t>
+              <a:t>2023-04-14</a:t>
             </a:fld>
             <a:endParaRPr lang="ko-KR" altLang="en-US"/>
           </a:p>
@@ -680,7 +682,7 @@
           <a:p>
             <a:fld id="{586A42AD-E6DF-43A8-BCEE-31B231F72482}" type="datetimeFigureOut">
               <a:rPr lang="ko-KR" altLang="en-US" smtClean="0"/>
-              <a:t>2023-03-16</a:t>
+              <a:t>2023-04-14</a:t>
             </a:fld>
             <a:endParaRPr lang="ko-KR" altLang="en-US"/>
           </a:p>
@@ -848,7 +850,7 @@
           <a:p>
             <a:fld id="{586A42AD-E6DF-43A8-BCEE-31B231F72482}" type="datetimeFigureOut">
               <a:rPr lang="ko-KR" altLang="en-US" smtClean="0"/>
-              <a:t>2023-03-16</a:t>
+              <a:t>2023-04-14</a:t>
             </a:fld>
             <a:endParaRPr lang="ko-KR" altLang="en-US"/>
           </a:p>
@@ -1093,7 +1095,7 @@
           <a:p>
             <a:fld id="{586A42AD-E6DF-43A8-BCEE-31B231F72482}" type="datetimeFigureOut">
               <a:rPr lang="ko-KR" altLang="en-US" smtClean="0"/>
-              <a:t>2023-03-16</a:t>
+              <a:t>2023-04-14</a:t>
             </a:fld>
             <a:endParaRPr lang="ko-KR" altLang="en-US"/>
           </a:p>
@@ -1322,7 +1324,7 @@
           <a:p>
             <a:fld id="{586A42AD-E6DF-43A8-BCEE-31B231F72482}" type="datetimeFigureOut">
               <a:rPr lang="ko-KR" altLang="en-US" smtClean="0"/>
-              <a:t>2023-03-16</a:t>
+              <a:t>2023-04-14</a:t>
             </a:fld>
             <a:endParaRPr lang="ko-KR" altLang="en-US"/>
           </a:p>
@@ -1686,7 +1688,7 @@
           <a:p>
             <a:fld id="{586A42AD-E6DF-43A8-BCEE-31B231F72482}" type="datetimeFigureOut">
               <a:rPr lang="ko-KR" altLang="en-US" smtClean="0"/>
-              <a:t>2023-03-16</a:t>
+              <a:t>2023-04-14</a:t>
             </a:fld>
             <a:endParaRPr lang="ko-KR" altLang="en-US"/>
           </a:p>
@@ -1803,7 +1805,7 @@
           <a:p>
             <a:fld id="{586A42AD-E6DF-43A8-BCEE-31B231F72482}" type="datetimeFigureOut">
               <a:rPr lang="ko-KR" altLang="en-US" smtClean="0"/>
-              <a:t>2023-03-16</a:t>
+              <a:t>2023-04-14</a:t>
             </a:fld>
             <a:endParaRPr lang="ko-KR" altLang="en-US"/>
           </a:p>
@@ -1898,7 +1900,7 @@
           <a:p>
             <a:fld id="{586A42AD-E6DF-43A8-BCEE-31B231F72482}" type="datetimeFigureOut">
               <a:rPr lang="ko-KR" altLang="en-US" smtClean="0"/>
-              <a:t>2023-03-16</a:t>
+              <a:t>2023-04-14</a:t>
             </a:fld>
             <a:endParaRPr lang="ko-KR" altLang="en-US"/>
           </a:p>
@@ -2173,7 +2175,7 @@
           <a:p>
             <a:fld id="{586A42AD-E6DF-43A8-BCEE-31B231F72482}" type="datetimeFigureOut">
               <a:rPr lang="ko-KR" altLang="en-US" smtClean="0"/>
-              <a:t>2023-03-16</a:t>
+              <a:t>2023-04-14</a:t>
             </a:fld>
             <a:endParaRPr lang="ko-KR" altLang="en-US"/>
           </a:p>
@@ -2425,7 +2427,7 @@
           <a:p>
             <a:fld id="{586A42AD-E6DF-43A8-BCEE-31B231F72482}" type="datetimeFigureOut">
               <a:rPr lang="ko-KR" altLang="en-US" smtClean="0"/>
-              <a:t>2023-03-16</a:t>
+              <a:t>2023-04-14</a:t>
             </a:fld>
             <a:endParaRPr lang="ko-KR" altLang="en-US"/>
           </a:p>
@@ -2636,7 +2638,7 @@
           <a:p>
             <a:fld id="{586A42AD-E6DF-43A8-BCEE-31B231F72482}" type="datetimeFigureOut">
               <a:rPr lang="ko-KR" altLang="en-US" smtClean="0"/>
-              <a:t>2023-03-16</a:t>
+              <a:t>2023-04-14</a:t>
             </a:fld>
             <a:endParaRPr lang="ko-KR" altLang="en-US"/>
           </a:p>
@@ -3102,6 +3104,213 @@
           <a:chExt cx="0" cy="0"/>
         </a:xfrm>
       </p:grpSpPr>
+      <p:grpSp>
+        <p:nvGrpSpPr>
+          <p:cNvPr id="6" name="그룹 5"/>
+          <p:cNvGrpSpPr/>
+          <p:nvPr/>
+        </p:nvGrpSpPr>
+        <p:grpSpPr>
+          <a:xfrm>
+            <a:off x="2756554" y="2947220"/>
+            <a:ext cx="6698944" cy="868102"/>
+            <a:chOff x="4354243" y="4213311"/>
+            <a:chExt cx="2562323" cy="868102"/>
+          </a:xfrm>
+        </p:grpSpPr>
+        <p:sp>
+          <p:nvSpPr>
+            <p:cNvPr id="5" name="직사각형 4"/>
+            <p:cNvSpPr/>
+            <p:nvPr/>
+          </p:nvSpPr>
+          <p:spPr>
+            <a:xfrm>
+              <a:off x="4395257" y="4320791"/>
+              <a:ext cx="2482875" cy="661218"/>
+            </a:xfrm>
+            <a:prstGeom prst="rect">
+              <a:avLst/>
+            </a:prstGeom>
+            <a:solidFill>
+              <a:schemeClr val="accent1">
+                <a:lumMod val="40000"/>
+                <a:lumOff val="60000"/>
+              </a:schemeClr>
+            </a:solidFill>
+            <a:ln>
+              <a:noFill/>
+            </a:ln>
+          </p:spPr>
+          <p:style>
+            <a:lnRef idx="2">
+              <a:schemeClr val="accent1">
+                <a:shade val="50000"/>
+              </a:schemeClr>
+            </a:lnRef>
+            <a:fillRef idx="1">
+              <a:schemeClr val="accent1"/>
+            </a:fillRef>
+            <a:effectRef idx="0">
+              <a:schemeClr val="accent1"/>
+            </a:effectRef>
+            <a:fontRef idx="minor">
+              <a:schemeClr val="lt1"/>
+            </a:fontRef>
+          </p:style>
+          <p:txBody>
+            <a:bodyPr rtlCol="0" anchor="ctr"/>
+            <a:lstStyle/>
+            <a:p>
+              <a:pPr algn="ctr"/>
+              <a:endParaRPr lang="ko-KR" altLang="en-US"/>
+            </a:p>
+          </p:txBody>
+        </p:sp>
+        <p:sp>
+          <p:nvSpPr>
+            <p:cNvPr id="4" name="정육면체 3"/>
+            <p:cNvSpPr/>
+            <p:nvPr/>
+          </p:nvSpPr>
+          <p:spPr>
+            <a:xfrm>
+              <a:off x="4354243" y="4213311"/>
+              <a:ext cx="2562323" cy="868102"/>
+            </a:xfrm>
+            <a:prstGeom prst="cube">
+              <a:avLst/>
+            </a:prstGeom>
+            <a:noFill/>
+            <a:ln w="28575">
+              <a:solidFill>
+                <a:schemeClr val="tx1"/>
+              </a:solidFill>
+            </a:ln>
+          </p:spPr>
+          <p:style>
+            <a:lnRef idx="2">
+              <a:schemeClr val="accent1">
+                <a:shade val="50000"/>
+              </a:schemeClr>
+            </a:lnRef>
+            <a:fillRef idx="1">
+              <a:schemeClr val="accent1"/>
+            </a:fillRef>
+            <a:effectRef idx="0">
+              <a:schemeClr val="accent1"/>
+            </a:effectRef>
+            <a:fontRef idx="minor">
+              <a:schemeClr val="lt1"/>
+            </a:fontRef>
+          </p:style>
+          <p:txBody>
+            <a:bodyPr rtlCol="0" anchor="ctr"/>
+            <a:lstStyle/>
+            <a:p>
+              <a:pPr algn="ctr"/>
+              <a:endParaRPr lang="ko-KR" altLang="en-US"/>
+            </a:p>
+          </p:txBody>
+        </p:sp>
+      </p:grpSp>
+      <p:cxnSp>
+        <p:nvCxnSpPr>
+          <p:cNvPr id="9" name="직선 화살표 연결선 8"/>
+          <p:cNvCxnSpPr/>
+          <p:nvPr/>
+        </p:nvCxnSpPr>
+        <p:spPr>
+          <a:xfrm>
+            <a:off x="6106026" y="1792677"/>
+            <a:ext cx="7569" cy="1081152"/>
+          </a:xfrm>
+          <a:prstGeom prst="straightConnector1">
+            <a:avLst/>
+          </a:prstGeom>
+          <a:ln w="28575">
+            <a:solidFill>
+              <a:schemeClr val="tx1"/>
+            </a:solidFill>
+            <a:headEnd w="lg" len="lg"/>
+            <a:tailEnd type="triangle" w="lg" len="lg"/>
+          </a:ln>
+        </p:spPr>
+        <p:style>
+          <a:lnRef idx="1">
+            <a:schemeClr val="accent1"/>
+          </a:lnRef>
+          <a:fillRef idx="0">
+            <a:schemeClr val="accent1"/>
+          </a:fillRef>
+          <a:effectRef idx="0">
+            <a:schemeClr val="accent1"/>
+          </a:effectRef>
+          <a:fontRef idx="minor">
+            <a:schemeClr val="tx1"/>
+          </a:fontRef>
+        </p:style>
+      </p:cxnSp>
+      <p:sp>
+        <p:nvSpPr>
+          <p:cNvPr id="11" name="TextBox 10"/>
+          <p:cNvSpPr txBox="1"/>
+          <p:nvPr/>
+        </p:nvSpPr>
+        <p:spPr>
+          <a:xfrm>
+            <a:off x="5406865" y="1420869"/>
+            <a:ext cx="1375313" cy="276999"/>
+          </a:xfrm>
+          <a:prstGeom prst="rect">
+            <a:avLst/>
+          </a:prstGeom>
+          <a:noFill/>
+        </p:spPr>
+        <p:txBody>
+          <a:bodyPr wrap="none" lIns="0" tIns="0" rIns="0" bIns="0" rtlCol="0">
+            <a:spAutoFit/>
+          </a:bodyPr>
+          <a:lstStyle/>
+          <a:p>
+            <a:r>
+              <a:rPr lang="en-US" altLang="ko-KR"/>
+              <a:t>applied force</a:t>
+            </a:r>
+            <a:endParaRPr lang="ko-KR" altLang="en-US" dirty="0"/>
+          </a:p>
+        </p:txBody>
+      </p:sp>
+    </p:spTree>
+    <p:extLst>
+      <p:ext uri="{BB962C8B-B14F-4D97-AF65-F5344CB8AC3E}">
+        <p14:creationId xmlns:p14="http://schemas.microsoft.com/office/powerpoint/2010/main" val="1337613132"/>
+      </p:ext>
+    </p:extLst>
+  </p:cSld>
+  <p:clrMapOvr>
+    <a:masterClrMapping/>
+  </p:clrMapOvr>
+</p:sld>
+</file>
+
+<file path=ppt/slides/slide11.xml><?xml version="1.0" encoding="utf-8"?>
+<p:sld xmlns:a="http://schemas.openxmlformats.org/drawingml/2006/main" xmlns:r="http://schemas.openxmlformats.org/officeDocument/2006/relationships" xmlns:p="http://schemas.openxmlformats.org/presentationml/2006/main">
+  <p:cSld>
+    <p:spTree>
+      <p:nvGrpSpPr>
+        <p:cNvPr id="1" name=""/>
+        <p:cNvGrpSpPr/>
+        <p:nvPr/>
+      </p:nvGrpSpPr>
+      <p:grpSpPr>
+        <a:xfrm>
+          <a:off x="0" y="0"/>
+          <a:ext cx="0" cy="0"/>
+          <a:chOff x="0" y="0"/>
+          <a:chExt cx="0" cy="0"/>
+        </a:xfrm>
+      </p:grpSpPr>
       <p:sp>
         <p:nvSpPr>
           <p:cNvPr id="4" name="직사각형 3"/>
@@ -5035,7 +5244,7 @@
 </p:sld>
 </file>
 
-<file path=ppt/slides/slide11.xml><?xml version="1.0" encoding="utf-8"?>
+<file path=ppt/slides/slide12.xml><?xml version="1.0" encoding="utf-8"?>
 <p:sld xmlns:a="http://schemas.openxmlformats.org/drawingml/2006/main" xmlns:r="http://schemas.openxmlformats.org/officeDocument/2006/relationships" xmlns:p="http://schemas.openxmlformats.org/presentationml/2006/main">
   <p:cSld>
     <p:spTree>
@@ -7003,7 +7212,7 @@
 </p:sld>
 </file>
 
-<file path=ppt/slides/slide12.xml><?xml version="1.0" encoding="utf-8"?>
+<file path=ppt/slides/slide13.xml><?xml version="1.0" encoding="utf-8"?>
 <p:sld xmlns:a="http://schemas.openxmlformats.org/drawingml/2006/main" xmlns:r="http://schemas.openxmlformats.org/officeDocument/2006/relationships" xmlns:p="http://schemas.openxmlformats.org/presentationml/2006/main">
   <p:cSld>
     <p:spTree>
@@ -9011,7 +9220,7 @@
 </p:sld>
 </file>
 
-<file path=ppt/slides/slide13.xml><?xml version="1.0" encoding="utf-8"?>
+<file path=ppt/slides/slide14.xml><?xml version="1.0" encoding="utf-8"?>
 <p:sld xmlns:a="http://schemas.openxmlformats.org/drawingml/2006/main" xmlns:r="http://schemas.openxmlformats.org/officeDocument/2006/relationships" xmlns:p="http://schemas.openxmlformats.org/presentationml/2006/main">
   <p:cSld>
     <p:spTree>
@@ -9751,7 +9960,7 @@
 </p:sld>
 </file>
 
-<file path=ppt/slides/slide14.xml><?xml version="1.0" encoding="utf-8"?>
+<file path=ppt/slides/slide15.xml><?xml version="1.0" encoding="utf-8"?>
 <p:sld xmlns:a="http://schemas.openxmlformats.org/drawingml/2006/main" xmlns:r="http://schemas.openxmlformats.org/officeDocument/2006/relationships" xmlns:p="http://schemas.openxmlformats.org/presentationml/2006/main">
   <p:cSld>
     <p:spTree>
@@ -9812,7 +10021,7 @@
 </p:sld>
 </file>
 
-<file path=ppt/slides/slide15.xml><?xml version="1.0" encoding="utf-8"?>
+<file path=ppt/slides/slide16.xml><?xml version="1.0" encoding="utf-8"?>
 <p:sld xmlns:a="http://schemas.openxmlformats.org/drawingml/2006/main" xmlns:r="http://schemas.openxmlformats.org/officeDocument/2006/relationships" xmlns:p="http://schemas.openxmlformats.org/presentationml/2006/main">
   <p:cSld>
     <p:spTree>
@@ -10595,7 +10804,7 @@
 </p:sld>
 </file>
 
-<file path=ppt/slides/slide16.xml><?xml version="1.0" encoding="utf-8"?>
+<file path=ppt/slides/slide17.xml><?xml version="1.0" encoding="utf-8"?>
 <p:sld xmlns:a="http://schemas.openxmlformats.org/drawingml/2006/main" xmlns:r="http://schemas.openxmlformats.org/officeDocument/2006/relationships" xmlns:p="http://schemas.openxmlformats.org/presentationml/2006/main">
   <p:cSld>
     <p:spTree>
@@ -10656,7 +10865,7 @@
 </p:sld>
 </file>
 
-<file path=ppt/slides/slide17.xml><?xml version="1.0" encoding="utf-8"?>
+<file path=ppt/slides/slide18.xml><?xml version="1.0" encoding="utf-8"?>
 <p:sld xmlns:a="http://schemas.openxmlformats.org/drawingml/2006/main" xmlns:r="http://schemas.openxmlformats.org/officeDocument/2006/relationships" xmlns:p="http://schemas.openxmlformats.org/presentationml/2006/main">
   <p:cSld>
     <p:spTree>
@@ -13068,7 +13277,7 @@
 </p:sld>
 </file>
 
-<file path=ppt/slides/slide18.xml><?xml version="1.0" encoding="utf-8"?>
+<file path=ppt/slides/slide19.xml><?xml version="1.0" encoding="utf-8"?>
 <p:sld xmlns:a="http://schemas.openxmlformats.org/drawingml/2006/main" xmlns:r="http://schemas.openxmlformats.org/officeDocument/2006/relationships" xmlns:p="http://schemas.openxmlformats.org/presentationml/2006/main">
   <p:cSld>
     <p:spTree>
@@ -14764,7 +14973,2483 @@
 </p:sld>
 </file>
 
-<file path=ppt/slides/slide19.xml><?xml version="1.0" encoding="utf-8"?>
+<file path=ppt/slides/slide2.xml><?xml version="1.0" encoding="utf-8"?>
+<p:sld xmlns:a="http://schemas.openxmlformats.org/drawingml/2006/main" xmlns:r="http://schemas.openxmlformats.org/officeDocument/2006/relationships" xmlns:p="http://schemas.openxmlformats.org/presentationml/2006/main">
+  <p:cSld>
+    <p:spTree>
+      <p:nvGrpSpPr>
+        <p:cNvPr id="1" name=""/>
+        <p:cNvGrpSpPr/>
+        <p:nvPr/>
+      </p:nvGrpSpPr>
+      <p:grpSpPr>
+        <a:xfrm>
+          <a:off x="0" y="0"/>
+          <a:ext cx="0" cy="0"/>
+          <a:chOff x="0" y="0"/>
+          <a:chExt cx="0" cy="0"/>
+        </a:xfrm>
+      </p:grpSpPr>
+      <p:cxnSp>
+        <p:nvCxnSpPr>
+          <p:cNvPr id="4" name="직선 화살표 연결선 3"/>
+          <p:cNvCxnSpPr/>
+          <p:nvPr/>
+        </p:nvCxnSpPr>
+        <p:spPr>
+          <a:xfrm>
+            <a:off x="901967" y="927037"/>
+            <a:ext cx="511868" cy="1266"/>
+          </a:xfrm>
+          <a:prstGeom prst="straightConnector1">
+            <a:avLst/>
+          </a:prstGeom>
+          <a:ln w="28575">
+            <a:solidFill>
+              <a:schemeClr val="tx1"/>
+            </a:solidFill>
+            <a:headEnd type="none" w="med" len="med"/>
+            <a:tailEnd type="none" w="med" len="med"/>
+          </a:ln>
+        </p:spPr>
+        <p:style>
+          <a:lnRef idx="1">
+            <a:schemeClr val="accent1"/>
+          </a:lnRef>
+          <a:fillRef idx="0">
+            <a:schemeClr val="accent1"/>
+          </a:fillRef>
+          <a:effectRef idx="0">
+            <a:schemeClr val="accent1"/>
+          </a:effectRef>
+          <a:fontRef idx="minor">
+            <a:schemeClr val="tx1"/>
+          </a:fontRef>
+        </p:style>
+      </p:cxnSp>
+      <p:cxnSp>
+        <p:nvCxnSpPr>
+          <p:cNvPr id="5" name="직선 화살표 연결선 4"/>
+          <p:cNvCxnSpPr/>
+          <p:nvPr/>
+        </p:nvCxnSpPr>
+        <p:spPr>
+          <a:xfrm flipV="1">
+            <a:off x="911493" y="426985"/>
+            <a:ext cx="815" cy="501318"/>
+          </a:xfrm>
+          <a:prstGeom prst="straightConnector1">
+            <a:avLst/>
+          </a:prstGeom>
+          <a:ln w="28575">
+            <a:solidFill>
+              <a:schemeClr val="tx1"/>
+            </a:solidFill>
+            <a:headEnd type="none" w="med" len="med"/>
+            <a:tailEnd type="none" w="med" len="med"/>
+          </a:ln>
+        </p:spPr>
+        <p:style>
+          <a:lnRef idx="1">
+            <a:schemeClr val="accent1"/>
+          </a:lnRef>
+          <a:fillRef idx="0">
+            <a:schemeClr val="accent1"/>
+          </a:fillRef>
+          <a:effectRef idx="0">
+            <a:schemeClr val="accent1"/>
+          </a:effectRef>
+          <a:fontRef idx="minor">
+            <a:schemeClr val="tx1"/>
+          </a:fontRef>
+        </p:style>
+      </p:cxnSp>
+      <mc:AlternateContent xmlns:mc="http://schemas.openxmlformats.org/markup-compatibility/2006" xmlns:a14="http://schemas.microsoft.com/office/drawing/2010/main">
+        <mc:Choice Requires="a14">
+          <p:sp>
+            <p:nvSpPr>
+              <p:cNvPr id="6" name="TextBox 5"/>
+              <p:cNvSpPr txBox="1"/>
+              <p:nvPr/>
+            </p:nvSpPr>
+            <p:spPr>
+              <a:xfrm>
+                <a:off x="1000967" y="149986"/>
+                <a:ext cx="313867" cy="276999"/>
+              </a:xfrm>
+              <a:prstGeom prst="rect">
+                <a:avLst/>
+              </a:prstGeom>
+              <a:noFill/>
+            </p:spPr>
+            <p:txBody>
+              <a:bodyPr wrap="none" lIns="0" tIns="0" rIns="0" bIns="0" rtlCol="0">
+                <a:spAutoFit/>
+              </a:bodyPr>
+              <a:lstStyle/>
+              <a:p>
+                <a:pPr/>
+                <a14:m>
+                  <m:oMathPara xmlns:m="http://schemas.openxmlformats.org/officeDocument/2006/math">
+                    <m:oMathParaPr>
+                      <m:jc m:val="centerGroup"/>
+                    </m:oMathParaPr>
+                    <m:oMath xmlns:m="http://schemas.openxmlformats.org/officeDocument/2006/math">
+                      <m:sSub>
+                        <m:sSubPr>
+                          <m:ctrlPr>
+                            <a:rPr lang="en-US" altLang="ko-KR" i="1" smtClean="0">
+                              <a:latin typeface="Cambria Math" panose="02040503050406030204" pitchFamily="18" charset="0"/>
+                            </a:rPr>
+                          </m:ctrlPr>
+                        </m:sSubPr>
+                        <m:e>
+                          <m:r>
+                            <a:rPr lang="en-US" altLang="ko-KR" i="1">
+                              <a:latin typeface="Cambria Math" panose="02040503050406030204" pitchFamily="18" charset="0"/>
+                            </a:rPr>
+                            <m:t>𝛽</m:t>
+                          </m:r>
+                        </m:e>
+                        <m:sub>
+                          <m:r>
+                            <a:rPr lang="en-US" altLang="ko-KR" b="0" i="1" smtClean="0">
+                              <a:latin typeface="Cambria Math" panose="02040503050406030204" pitchFamily="18" charset="0"/>
+                            </a:rPr>
+                            <m:t>3</m:t>
+                          </m:r>
+                        </m:sub>
+                      </m:sSub>
+                    </m:oMath>
+                  </m:oMathPara>
+                </a14:m>
+                <a:endParaRPr lang="ko-KR" altLang="en-US" dirty="0"/>
+              </a:p>
+            </p:txBody>
+          </p:sp>
+        </mc:Choice>
+        <mc:Fallback xmlns="">
+          <p:sp>
+            <p:nvSpPr>
+              <p:cNvPr id="6" name="TextBox 5"/>
+              <p:cNvSpPr txBox="1">
+                <a:spLocks noRot="1" noChangeAspect="1" noMove="1" noResize="1" noEditPoints="1" noAdjustHandles="1" noChangeArrowheads="1" noChangeShapeType="1" noTextEdit="1"/>
+              </p:cNvSpPr>
+              <p:nvPr/>
+            </p:nvSpPr>
+            <p:spPr>
+              <a:xfrm>
+                <a:off x="1000967" y="149986"/>
+                <a:ext cx="313867" cy="276999"/>
+              </a:xfrm>
+              <a:prstGeom prst="rect">
+                <a:avLst/>
+              </a:prstGeom>
+              <a:blipFill rotWithShape="0">
+                <a:blip r:embed="rId2"/>
+                <a:stretch>
+                  <a:fillRect l="-21154" r="-3846" b="-40000"/>
+                </a:stretch>
+              </a:blipFill>
+            </p:spPr>
+            <p:txBody>
+              <a:bodyPr/>
+              <a:lstStyle/>
+              <a:p>
+                <a:r>
+                  <a:rPr lang="ko-KR" altLang="en-US">
+                    <a:noFill/>
+                  </a:rPr>
+                  <a:t> </a:t>
+                </a:r>
+              </a:p>
+            </p:txBody>
+          </p:sp>
+        </mc:Fallback>
+      </mc:AlternateContent>
+      <mc:AlternateContent xmlns:mc="http://schemas.openxmlformats.org/markup-compatibility/2006" xmlns:a14="http://schemas.microsoft.com/office/drawing/2010/main">
+        <mc:Choice Requires="a14">
+          <p:sp>
+            <p:nvSpPr>
+              <p:cNvPr id="7" name="TextBox 6"/>
+              <p:cNvSpPr txBox="1"/>
+              <p:nvPr/>
+            </p:nvSpPr>
+            <p:spPr>
+              <a:xfrm>
+                <a:off x="593421" y="1250768"/>
+                <a:ext cx="308546" cy="276999"/>
+              </a:xfrm>
+              <a:prstGeom prst="rect">
+                <a:avLst/>
+              </a:prstGeom>
+              <a:noFill/>
+            </p:spPr>
+            <p:txBody>
+              <a:bodyPr wrap="none" lIns="0" tIns="0" rIns="0" bIns="0" rtlCol="0">
+                <a:spAutoFit/>
+              </a:bodyPr>
+              <a:lstStyle/>
+              <a:p>
+                <a:pPr/>
+                <a14:m>
+                  <m:oMathPara xmlns:m="http://schemas.openxmlformats.org/officeDocument/2006/math">
+                    <m:oMathParaPr>
+                      <m:jc m:val="centerGroup"/>
+                    </m:oMathParaPr>
+                    <m:oMath xmlns:m="http://schemas.openxmlformats.org/officeDocument/2006/math">
+                      <m:sSub>
+                        <m:sSubPr>
+                          <m:ctrlPr>
+                            <a:rPr lang="en-US" altLang="ko-KR" b="0" i="1" smtClean="0">
+                              <a:latin typeface="Cambria Math" panose="02040503050406030204" pitchFamily="18" charset="0"/>
+                            </a:rPr>
+                          </m:ctrlPr>
+                        </m:sSubPr>
+                        <m:e>
+                          <m:r>
+                            <a:rPr lang="en-US" altLang="ko-KR" b="0" i="1" smtClean="0">
+                              <a:latin typeface="Cambria Math" panose="02040503050406030204" pitchFamily="18" charset="0"/>
+                            </a:rPr>
+                            <m:t>𝛽</m:t>
+                          </m:r>
+                        </m:e>
+                        <m:sub>
+                          <m:r>
+                            <a:rPr lang="en-US" altLang="ko-KR" b="0" i="1" smtClean="0">
+                              <a:latin typeface="Cambria Math" panose="02040503050406030204" pitchFamily="18" charset="0"/>
+                            </a:rPr>
+                            <m:t>1</m:t>
+                          </m:r>
+                        </m:sub>
+                      </m:sSub>
+                    </m:oMath>
+                  </m:oMathPara>
+                </a14:m>
+                <a:endParaRPr lang="ko-KR" altLang="en-US" dirty="0"/>
+              </a:p>
+            </p:txBody>
+          </p:sp>
+        </mc:Choice>
+        <mc:Fallback xmlns="">
+          <p:sp>
+            <p:nvSpPr>
+              <p:cNvPr id="7" name="TextBox 6"/>
+              <p:cNvSpPr txBox="1">
+                <a:spLocks noRot="1" noChangeAspect="1" noMove="1" noResize="1" noEditPoints="1" noAdjustHandles="1" noChangeArrowheads="1" noChangeShapeType="1" noTextEdit="1"/>
+              </p:cNvSpPr>
+              <p:nvPr/>
+            </p:nvSpPr>
+            <p:spPr>
+              <a:xfrm>
+                <a:off x="593421" y="1250768"/>
+                <a:ext cx="308546" cy="276999"/>
+              </a:xfrm>
+              <a:prstGeom prst="rect">
+                <a:avLst/>
+              </a:prstGeom>
+              <a:blipFill rotWithShape="0">
+                <a:blip r:embed="rId3"/>
+                <a:stretch>
+                  <a:fillRect l="-21569" r="-3922" b="-36957"/>
+                </a:stretch>
+              </a:blipFill>
+            </p:spPr>
+            <p:txBody>
+              <a:bodyPr/>
+              <a:lstStyle/>
+              <a:p>
+                <a:r>
+                  <a:rPr lang="ko-KR" altLang="en-US">
+                    <a:noFill/>
+                  </a:rPr>
+                  <a:t> </a:t>
+                </a:r>
+              </a:p>
+            </p:txBody>
+          </p:sp>
+        </mc:Fallback>
+      </mc:AlternateContent>
+      <p:cxnSp>
+        <p:nvCxnSpPr>
+          <p:cNvPr id="8" name="직선 화살표 연결선 7"/>
+          <p:cNvCxnSpPr/>
+          <p:nvPr/>
+        </p:nvCxnSpPr>
+        <p:spPr>
+          <a:xfrm flipV="1">
+            <a:off x="644675" y="927037"/>
+            <a:ext cx="257292" cy="278078"/>
+          </a:xfrm>
+          <a:prstGeom prst="straightConnector1">
+            <a:avLst/>
+          </a:prstGeom>
+          <a:ln w="28575">
+            <a:solidFill>
+              <a:schemeClr val="tx1"/>
+            </a:solidFill>
+            <a:headEnd type="none" w="med" len="med"/>
+            <a:tailEnd type="none" w="med" len="med"/>
+          </a:ln>
+        </p:spPr>
+        <p:style>
+          <a:lnRef idx="1">
+            <a:schemeClr val="accent1"/>
+          </a:lnRef>
+          <a:fillRef idx="0">
+            <a:schemeClr val="accent1"/>
+          </a:fillRef>
+          <a:effectRef idx="0">
+            <a:schemeClr val="accent1"/>
+          </a:effectRef>
+          <a:fontRef idx="minor">
+            <a:schemeClr val="tx1"/>
+          </a:fontRef>
+        </p:style>
+      </p:cxnSp>
+      <mc:AlternateContent xmlns:mc="http://schemas.openxmlformats.org/markup-compatibility/2006" xmlns:a14="http://schemas.microsoft.com/office/drawing/2010/main">
+        <mc:Choice Requires="a14">
+          <p:sp>
+            <p:nvSpPr>
+              <p:cNvPr id="9" name="TextBox 8"/>
+              <p:cNvSpPr txBox="1"/>
+              <p:nvPr/>
+            </p:nvSpPr>
+            <p:spPr>
+              <a:xfrm>
+                <a:off x="3437196" y="4487148"/>
+                <a:ext cx="302262" cy="276999"/>
+              </a:xfrm>
+              <a:prstGeom prst="rect">
+                <a:avLst/>
+              </a:prstGeom>
+              <a:noFill/>
+            </p:spPr>
+            <p:txBody>
+              <a:bodyPr wrap="none" lIns="0" tIns="0" rIns="0" bIns="0" rtlCol="0">
+                <a:spAutoFit/>
+              </a:bodyPr>
+              <a:lstStyle/>
+              <a:p>
+                <a:pPr/>
+                <a14:m>
+                  <m:oMathPara xmlns:m="http://schemas.openxmlformats.org/officeDocument/2006/math">
+                    <m:oMathParaPr>
+                      <m:jc m:val="centerGroup"/>
+                    </m:oMathParaPr>
+                    <m:oMath xmlns:m="http://schemas.openxmlformats.org/officeDocument/2006/math">
+                      <m:sSub>
+                        <m:sSubPr>
+                          <m:ctrlPr>
+                            <a:rPr lang="en-US" altLang="ko-KR" b="0" i="1" smtClean="0">
+                              <a:latin typeface="Cambria Math" panose="02040503050406030204" pitchFamily="18" charset="0"/>
+                            </a:rPr>
+                          </m:ctrlPr>
+                        </m:sSubPr>
+                        <m:e>
+                          <m:r>
+                            <a:rPr lang="en-US" altLang="ko-KR" b="0" i="1" smtClean="0">
+                              <a:latin typeface="Cambria Math" panose="02040503050406030204" pitchFamily="18" charset="0"/>
+                            </a:rPr>
+                            <m:t>𝑒</m:t>
+                          </m:r>
+                        </m:e>
+                        <m:sub>
+                          <m:r>
+                            <a:rPr lang="en-US" altLang="ko-KR" b="0" i="1" smtClean="0">
+                              <a:latin typeface="Cambria Math" panose="02040503050406030204" pitchFamily="18" charset="0"/>
+                            </a:rPr>
+                            <m:t>𝑥</m:t>
+                          </m:r>
+                        </m:sub>
+                      </m:sSub>
+                    </m:oMath>
+                  </m:oMathPara>
+                </a14:m>
+                <a:endParaRPr lang="ko-KR" altLang="en-US" dirty="0"/>
+              </a:p>
+            </p:txBody>
+          </p:sp>
+        </mc:Choice>
+        <mc:Fallback xmlns="">
+          <p:sp>
+            <p:nvSpPr>
+              <p:cNvPr id="9" name="TextBox 8"/>
+              <p:cNvSpPr txBox="1">
+                <a:spLocks noRot="1" noChangeAspect="1" noMove="1" noResize="1" noEditPoints="1" noAdjustHandles="1" noChangeArrowheads="1" noChangeShapeType="1" noTextEdit="1"/>
+              </p:cNvSpPr>
+              <p:nvPr/>
+            </p:nvSpPr>
+            <p:spPr>
+              <a:xfrm>
+                <a:off x="3437196" y="4487148"/>
+                <a:ext cx="302262" cy="276999"/>
+              </a:xfrm>
+              <a:prstGeom prst="rect">
+                <a:avLst/>
+              </a:prstGeom>
+              <a:blipFill rotWithShape="0">
+                <a:blip r:embed="rId4"/>
+                <a:stretch>
+                  <a:fillRect l="-6122" b="-15217"/>
+                </a:stretch>
+              </a:blipFill>
+            </p:spPr>
+            <p:txBody>
+              <a:bodyPr/>
+              <a:lstStyle/>
+              <a:p>
+                <a:r>
+                  <a:rPr lang="ko-KR" altLang="en-US">
+                    <a:noFill/>
+                  </a:rPr>
+                  <a:t> </a:t>
+                </a:r>
+              </a:p>
+            </p:txBody>
+          </p:sp>
+        </mc:Fallback>
+      </mc:AlternateContent>
+      <p:cxnSp>
+        <p:nvCxnSpPr>
+          <p:cNvPr id="10" name="직선 화살표 연결선 9"/>
+          <p:cNvCxnSpPr/>
+          <p:nvPr/>
+        </p:nvCxnSpPr>
+        <p:spPr>
+          <a:xfrm>
+            <a:off x="7719859" y="3257153"/>
+            <a:ext cx="1440000" cy="0"/>
+          </a:xfrm>
+          <a:prstGeom prst="straightConnector1">
+            <a:avLst/>
+          </a:prstGeom>
+          <a:ln w="28575">
+            <a:solidFill>
+              <a:schemeClr val="tx1"/>
+            </a:solidFill>
+            <a:headEnd type="none" w="med" len="med"/>
+            <a:tailEnd type="none" w="med" len="med"/>
+          </a:ln>
+        </p:spPr>
+        <p:style>
+          <a:lnRef idx="1">
+            <a:schemeClr val="accent1"/>
+          </a:lnRef>
+          <a:fillRef idx="0">
+            <a:schemeClr val="accent1"/>
+          </a:fillRef>
+          <a:effectRef idx="0">
+            <a:schemeClr val="accent1"/>
+          </a:effectRef>
+          <a:fontRef idx="minor">
+            <a:schemeClr val="tx1"/>
+          </a:fontRef>
+        </p:style>
+      </p:cxnSp>
+      <p:cxnSp>
+        <p:nvCxnSpPr>
+          <p:cNvPr id="11" name="직선 화살표 연결선 10"/>
+          <p:cNvCxnSpPr/>
+          <p:nvPr/>
+        </p:nvCxnSpPr>
+        <p:spPr>
+          <a:xfrm flipV="1">
+            <a:off x="7718638" y="1231897"/>
+            <a:ext cx="1018" cy="2025255"/>
+          </a:xfrm>
+          <a:prstGeom prst="straightConnector1">
+            <a:avLst/>
+          </a:prstGeom>
+          <a:ln w="28575">
+            <a:solidFill>
+              <a:schemeClr val="tx1"/>
+            </a:solidFill>
+            <a:headEnd type="none" w="med" len="med"/>
+            <a:tailEnd type="none" w="med" len="med"/>
+          </a:ln>
+        </p:spPr>
+        <p:style>
+          <a:lnRef idx="1">
+            <a:schemeClr val="accent1"/>
+          </a:lnRef>
+          <a:fillRef idx="0">
+            <a:schemeClr val="accent1"/>
+          </a:fillRef>
+          <a:effectRef idx="0">
+            <a:schemeClr val="accent1"/>
+          </a:effectRef>
+          <a:fontRef idx="minor">
+            <a:schemeClr val="tx1"/>
+          </a:fontRef>
+        </p:style>
+      </p:cxnSp>
+      <p:cxnSp>
+        <p:nvCxnSpPr>
+          <p:cNvPr id="12" name="직선 화살표 연결선 11"/>
+          <p:cNvCxnSpPr/>
+          <p:nvPr/>
+        </p:nvCxnSpPr>
+        <p:spPr>
+          <a:xfrm flipV="1">
+            <a:off x="6639656" y="3257151"/>
+            <a:ext cx="1080000" cy="1080000"/>
+          </a:xfrm>
+          <a:prstGeom prst="straightConnector1">
+            <a:avLst/>
+          </a:prstGeom>
+          <a:ln w="28575">
+            <a:solidFill>
+              <a:schemeClr val="tx1"/>
+            </a:solidFill>
+            <a:headEnd type="none" w="med" len="med"/>
+            <a:tailEnd type="none" w="med" len="med"/>
+          </a:ln>
+        </p:spPr>
+        <p:style>
+          <a:lnRef idx="1">
+            <a:schemeClr val="accent1"/>
+          </a:lnRef>
+          <a:fillRef idx="0">
+            <a:schemeClr val="accent1"/>
+          </a:fillRef>
+          <a:effectRef idx="0">
+            <a:schemeClr val="accent1"/>
+          </a:effectRef>
+          <a:fontRef idx="minor">
+            <a:schemeClr val="tx1"/>
+          </a:fontRef>
+        </p:style>
+      </p:cxnSp>
+      <p:sp>
+        <p:nvSpPr>
+          <p:cNvPr id="15" name="타원 14"/>
+          <p:cNvSpPr/>
+          <p:nvPr/>
+        </p:nvSpPr>
+        <p:spPr>
+          <a:xfrm>
+            <a:off x="6972757" y="3016539"/>
+            <a:ext cx="1503947" cy="481224"/>
+          </a:xfrm>
+          <a:prstGeom prst="ellipse">
+            <a:avLst/>
+          </a:prstGeom>
+          <a:noFill/>
+          <a:ln w="38100">
+            <a:solidFill>
+              <a:schemeClr val="accent1"/>
+            </a:solidFill>
+          </a:ln>
+        </p:spPr>
+        <p:style>
+          <a:lnRef idx="2">
+            <a:schemeClr val="accent1">
+              <a:shade val="50000"/>
+            </a:schemeClr>
+          </a:lnRef>
+          <a:fillRef idx="1">
+            <a:schemeClr val="accent1"/>
+          </a:fillRef>
+          <a:effectRef idx="0">
+            <a:schemeClr val="accent1"/>
+          </a:effectRef>
+          <a:fontRef idx="minor">
+            <a:schemeClr val="lt1"/>
+          </a:fontRef>
+        </p:style>
+        <p:txBody>
+          <a:bodyPr rtlCol="0" anchor="ctr"/>
+          <a:lstStyle/>
+          <a:p>
+            <a:pPr algn="ctr"/>
+            <a:endParaRPr lang="ko-KR" altLang="en-US"/>
+          </a:p>
+        </p:txBody>
+      </p:sp>
+      <p:sp>
+        <p:nvSpPr>
+          <p:cNvPr id="16" name="타원 15"/>
+          <p:cNvSpPr/>
+          <p:nvPr/>
+        </p:nvSpPr>
+        <p:spPr>
+          <a:xfrm>
+            <a:off x="6972757" y="1584218"/>
+            <a:ext cx="1503947" cy="481224"/>
+          </a:xfrm>
+          <a:prstGeom prst="ellipse">
+            <a:avLst/>
+          </a:prstGeom>
+          <a:noFill/>
+          <a:ln w="38100">
+            <a:solidFill>
+              <a:schemeClr val="accent1"/>
+            </a:solidFill>
+          </a:ln>
+        </p:spPr>
+        <p:style>
+          <a:lnRef idx="2">
+            <a:schemeClr val="accent1">
+              <a:shade val="50000"/>
+            </a:schemeClr>
+          </a:lnRef>
+          <a:fillRef idx="1">
+            <a:schemeClr val="accent1"/>
+          </a:fillRef>
+          <a:effectRef idx="0">
+            <a:schemeClr val="accent1"/>
+          </a:effectRef>
+          <a:fontRef idx="minor">
+            <a:schemeClr val="lt1"/>
+          </a:fontRef>
+        </p:style>
+        <p:txBody>
+          <a:bodyPr rtlCol="0" anchor="ctr"/>
+          <a:lstStyle/>
+          <a:p>
+            <a:pPr algn="ctr"/>
+            <a:endParaRPr lang="ko-KR" altLang="en-US"/>
+          </a:p>
+        </p:txBody>
+      </p:sp>
+      <p:sp>
+        <p:nvSpPr>
+          <p:cNvPr id="17" name="타원 16"/>
+          <p:cNvSpPr/>
+          <p:nvPr/>
+        </p:nvSpPr>
+        <p:spPr>
+          <a:xfrm>
+            <a:off x="6972757" y="4448860"/>
+            <a:ext cx="1503947" cy="481224"/>
+          </a:xfrm>
+          <a:prstGeom prst="ellipse">
+            <a:avLst/>
+          </a:prstGeom>
+          <a:noFill/>
+          <a:ln w="38100">
+            <a:solidFill>
+              <a:schemeClr val="accent1"/>
+            </a:solidFill>
+          </a:ln>
+        </p:spPr>
+        <p:style>
+          <a:lnRef idx="2">
+            <a:schemeClr val="accent1">
+              <a:shade val="50000"/>
+            </a:schemeClr>
+          </a:lnRef>
+          <a:fillRef idx="1">
+            <a:schemeClr val="accent1"/>
+          </a:fillRef>
+          <a:effectRef idx="0">
+            <a:schemeClr val="accent1"/>
+          </a:effectRef>
+          <a:fontRef idx="minor">
+            <a:schemeClr val="lt1"/>
+          </a:fontRef>
+        </p:style>
+        <p:txBody>
+          <a:bodyPr rtlCol="0" anchor="ctr"/>
+          <a:lstStyle/>
+          <a:p>
+            <a:pPr algn="ctr"/>
+            <a:endParaRPr lang="ko-KR" altLang="en-US"/>
+          </a:p>
+        </p:txBody>
+      </p:sp>
+      <p:cxnSp>
+        <p:nvCxnSpPr>
+          <p:cNvPr id="19" name="직선 연결선 18"/>
+          <p:cNvCxnSpPr>
+            <a:stCxn id="16" idx="6"/>
+            <a:endCxn id="17" idx="6"/>
+          </p:cNvCxnSpPr>
+          <p:nvPr/>
+        </p:nvCxnSpPr>
+        <p:spPr>
+          <a:xfrm>
+            <a:off x="8476704" y="1824830"/>
+            <a:ext cx="0" cy="2864642"/>
+          </a:xfrm>
+          <a:prstGeom prst="line">
+            <a:avLst/>
+          </a:prstGeom>
+          <a:ln w="38100"/>
+        </p:spPr>
+        <p:style>
+          <a:lnRef idx="1">
+            <a:schemeClr val="accent1"/>
+          </a:lnRef>
+          <a:fillRef idx="0">
+            <a:schemeClr val="accent1"/>
+          </a:fillRef>
+          <a:effectRef idx="0">
+            <a:schemeClr val="accent1"/>
+          </a:effectRef>
+          <a:fontRef idx="minor">
+            <a:schemeClr val="tx1"/>
+          </a:fontRef>
+        </p:style>
+      </p:cxnSp>
+      <p:cxnSp>
+        <p:nvCxnSpPr>
+          <p:cNvPr id="20" name="직선 연결선 19"/>
+          <p:cNvCxnSpPr>
+            <a:stCxn id="16" idx="2"/>
+            <a:endCxn id="17" idx="2"/>
+          </p:cNvCxnSpPr>
+          <p:nvPr/>
+        </p:nvCxnSpPr>
+        <p:spPr>
+          <a:xfrm>
+            <a:off x="6972757" y="1824830"/>
+            <a:ext cx="0" cy="2864642"/>
+          </a:xfrm>
+          <a:prstGeom prst="line">
+            <a:avLst/>
+          </a:prstGeom>
+          <a:ln w="38100"/>
+        </p:spPr>
+        <p:style>
+          <a:lnRef idx="1">
+            <a:schemeClr val="accent1"/>
+          </a:lnRef>
+          <a:fillRef idx="0">
+            <a:schemeClr val="accent1"/>
+          </a:fillRef>
+          <a:effectRef idx="0">
+            <a:schemeClr val="accent1"/>
+          </a:effectRef>
+          <a:fontRef idx="minor">
+            <a:schemeClr val="tx1"/>
+          </a:fontRef>
+        </p:style>
+      </p:cxnSp>
+      <p:sp>
+        <p:nvSpPr>
+          <p:cNvPr id="23" name="타원 22"/>
+          <p:cNvSpPr/>
+          <p:nvPr/>
+        </p:nvSpPr>
+        <p:spPr>
+          <a:xfrm>
+            <a:off x="8238490" y="2775930"/>
+            <a:ext cx="108000" cy="108000"/>
+          </a:xfrm>
+          <a:prstGeom prst="ellipse">
+            <a:avLst/>
+          </a:prstGeom>
+          <a:solidFill>
+            <a:schemeClr val="tx1"/>
+          </a:solidFill>
+          <a:ln>
+            <a:noFill/>
+          </a:ln>
+        </p:spPr>
+        <p:style>
+          <a:lnRef idx="2">
+            <a:schemeClr val="accent1">
+              <a:shade val="50000"/>
+            </a:schemeClr>
+          </a:lnRef>
+          <a:fillRef idx="1">
+            <a:schemeClr val="accent1"/>
+          </a:fillRef>
+          <a:effectRef idx="0">
+            <a:schemeClr val="accent1"/>
+          </a:effectRef>
+          <a:fontRef idx="minor">
+            <a:schemeClr val="lt1"/>
+          </a:fontRef>
+        </p:style>
+        <p:txBody>
+          <a:bodyPr rtlCol="0" anchor="ctr"/>
+          <a:lstStyle/>
+          <a:p>
+            <a:pPr algn="ctr"/>
+            <a:endParaRPr lang="ko-KR" altLang="en-US"/>
+          </a:p>
+        </p:txBody>
+      </p:sp>
+      <p:cxnSp>
+        <p:nvCxnSpPr>
+          <p:cNvPr id="25" name="직선 연결선 24"/>
+          <p:cNvCxnSpPr>
+            <a:endCxn id="23" idx="1"/>
+          </p:cNvCxnSpPr>
+          <p:nvPr/>
+        </p:nvCxnSpPr>
+        <p:spPr>
+          <a:xfrm>
+            <a:off x="7693164" y="2457547"/>
+            <a:ext cx="561142" cy="334199"/>
+          </a:xfrm>
+          <a:prstGeom prst="line">
+            <a:avLst/>
+          </a:prstGeom>
+          <a:ln>
+            <a:solidFill>
+              <a:schemeClr val="bg2">
+                <a:lumMod val="25000"/>
+              </a:schemeClr>
+            </a:solidFill>
+            <a:prstDash val="dash"/>
+          </a:ln>
+        </p:spPr>
+        <p:style>
+          <a:lnRef idx="1">
+            <a:schemeClr val="accent1"/>
+          </a:lnRef>
+          <a:fillRef idx="0">
+            <a:schemeClr val="accent1"/>
+          </a:fillRef>
+          <a:effectRef idx="0">
+            <a:schemeClr val="accent1"/>
+          </a:effectRef>
+          <a:fontRef idx="minor">
+            <a:schemeClr val="tx1"/>
+          </a:fontRef>
+        </p:style>
+      </p:cxnSp>
+      <mc:AlternateContent xmlns:mc="http://schemas.openxmlformats.org/markup-compatibility/2006" xmlns:a14="http://schemas.microsoft.com/office/drawing/2010/main">
+        <mc:Choice Requires="a14">
+          <p:sp>
+            <p:nvSpPr>
+              <p:cNvPr id="29" name="TextBox 28"/>
+              <p:cNvSpPr txBox="1"/>
+              <p:nvPr/>
+            </p:nvSpPr>
+            <p:spPr>
+              <a:xfrm>
+                <a:off x="7986183" y="2436626"/>
+                <a:ext cx="131639" cy="184666"/>
+              </a:xfrm>
+              <a:prstGeom prst="rect">
+                <a:avLst/>
+              </a:prstGeom>
+              <a:noFill/>
+            </p:spPr>
+            <p:txBody>
+              <a:bodyPr wrap="none" lIns="0" tIns="0" rIns="0" bIns="0" rtlCol="0">
+                <a:spAutoFit/>
+              </a:bodyPr>
+              <a:lstStyle/>
+              <a:p>
+                <a:pPr/>
+                <a14:m>
+                  <m:oMathPara xmlns:m="http://schemas.openxmlformats.org/officeDocument/2006/math">
+                    <m:oMathParaPr>
+                      <m:jc m:val="centerGroup"/>
+                    </m:oMathParaPr>
+                    <m:oMath xmlns:m="http://schemas.openxmlformats.org/officeDocument/2006/math">
+                      <m:r>
+                        <a:rPr lang="en-US" altLang="ko-KR" sz="1200" i="1" smtClean="0">
+                          <a:latin typeface="Cambria Math" panose="02040503050406030204" pitchFamily="18" charset="0"/>
+                        </a:rPr>
+                        <m:t>𝑟</m:t>
+                      </m:r>
+                    </m:oMath>
+                  </m:oMathPara>
+                </a14:m>
+                <a:endParaRPr lang="ko-KR" altLang="en-US" sz="1200" dirty="0"/>
+              </a:p>
+            </p:txBody>
+          </p:sp>
+        </mc:Choice>
+        <mc:Fallback xmlns="">
+          <p:sp>
+            <p:nvSpPr>
+              <p:cNvPr id="29" name="TextBox 28"/>
+              <p:cNvSpPr txBox="1">
+                <a:spLocks noRot="1" noChangeAspect="1" noMove="1" noResize="1" noEditPoints="1" noAdjustHandles="1" noChangeArrowheads="1" noChangeShapeType="1" noTextEdit="1"/>
+              </p:cNvSpPr>
+              <p:nvPr/>
+            </p:nvSpPr>
+            <p:spPr>
+              <a:xfrm>
+                <a:off x="7986183" y="2436626"/>
+                <a:ext cx="131639" cy="184666"/>
+              </a:xfrm>
+              <a:prstGeom prst="rect">
+                <a:avLst/>
+              </a:prstGeom>
+              <a:blipFill rotWithShape="0">
+                <a:blip r:embed="rId5"/>
+                <a:stretch>
+                  <a:fillRect l="-9091" r="-4545"/>
+                </a:stretch>
+              </a:blipFill>
+            </p:spPr>
+            <p:txBody>
+              <a:bodyPr/>
+              <a:lstStyle/>
+              <a:p>
+                <a:r>
+                  <a:rPr lang="ko-KR" altLang="en-US">
+                    <a:noFill/>
+                  </a:rPr>
+                  <a:t> </a:t>
+                </a:r>
+              </a:p>
+            </p:txBody>
+          </p:sp>
+        </mc:Fallback>
+      </mc:AlternateContent>
+      <mc:AlternateContent xmlns:mc="http://schemas.openxmlformats.org/markup-compatibility/2006" xmlns:a14="http://schemas.microsoft.com/office/drawing/2010/main">
+        <mc:Choice Requires="a14">
+          <p:sp>
+            <p:nvSpPr>
+              <p:cNvPr id="30" name="TextBox 29"/>
+              <p:cNvSpPr txBox="1"/>
+              <p:nvPr/>
+            </p:nvSpPr>
+            <p:spPr>
+              <a:xfrm>
+                <a:off x="7480345" y="2673638"/>
+                <a:ext cx="130870" cy="184666"/>
+              </a:xfrm>
+              <a:prstGeom prst="rect">
+                <a:avLst/>
+              </a:prstGeom>
+              <a:noFill/>
+            </p:spPr>
+            <p:txBody>
+              <a:bodyPr wrap="none" lIns="0" tIns="0" rIns="0" bIns="0" rtlCol="0">
+                <a:spAutoFit/>
+              </a:bodyPr>
+              <a:lstStyle/>
+              <a:p>
+                <a:pPr/>
+                <a14:m>
+                  <m:oMathPara xmlns:m="http://schemas.openxmlformats.org/officeDocument/2006/math">
+                    <m:oMathParaPr>
+                      <m:jc m:val="centerGroup"/>
+                    </m:oMathParaPr>
+                    <m:oMath xmlns:m="http://schemas.openxmlformats.org/officeDocument/2006/math">
+                      <m:r>
+                        <a:rPr lang="en-US" altLang="ko-KR" sz="1200" b="0" i="1" smtClean="0">
+                          <a:latin typeface="Cambria Math" panose="02040503050406030204" pitchFamily="18" charset="0"/>
+                        </a:rPr>
+                        <m:t>𝑧</m:t>
+                      </m:r>
+                    </m:oMath>
+                  </m:oMathPara>
+                </a14:m>
+                <a:endParaRPr lang="ko-KR" altLang="en-US" sz="1200" dirty="0"/>
+              </a:p>
+            </p:txBody>
+          </p:sp>
+        </mc:Choice>
+        <mc:Fallback xmlns="">
+          <p:sp>
+            <p:nvSpPr>
+              <p:cNvPr id="30" name="TextBox 29"/>
+              <p:cNvSpPr txBox="1">
+                <a:spLocks noRot="1" noChangeAspect="1" noMove="1" noResize="1" noEditPoints="1" noAdjustHandles="1" noChangeArrowheads="1" noChangeShapeType="1" noTextEdit="1"/>
+              </p:cNvSpPr>
+              <p:nvPr/>
+            </p:nvSpPr>
+            <p:spPr>
+              <a:xfrm>
+                <a:off x="7480345" y="2673638"/>
+                <a:ext cx="130870" cy="184666"/>
+              </a:xfrm>
+              <a:prstGeom prst="rect">
+                <a:avLst/>
+              </a:prstGeom>
+              <a:blipFill rotWithShape="0">
+                <a:blip r:embed="rId6"/>
+                <a:stretch>
+                  <a:fillRect l="-9091" r="-4545"/>
+                </a:stretch>
+              </a:blipFill>
+            </p:spPr>
+            <p:txBody>
+              <a:bodyPr/>
+              <a:lstStyle/>
+              <a:p>
+                <a:r>
+                  <a:rPr lang="ko-KR" altLang="en-US">
+                    <a:noFill/>
+                  </a:rPr>
+                  <a:t> </a:t>
+                </a:r>
+              </a:p>
+            </p:txBody>
+          </p:sp>
+        </mc:Fallback>
+      </mc:AlternateContent>
+      <p:cxnSp>
+        <p:nvCxnSpPr>
+          <p:cNvPr id="32" name="직선 연결선 31"/>
+          <p:cNvCxnSpPr/>
+          <p:nvPr/>
+        </p:nvCxnSpPr>
+        <p:spPr>
+          <a:xfrm>
+            <a:off x="7725110" y="3245120"/>
+            <a:ext cx="444332" cy="207943"/>
+          </a:xfrm>
+          <a:prstGeom prst="line">
+            <a:avLst/>
+          </a:prstGeom>
+          <a:ln>
+            <a:solidFill>
+              <a:schemeClr val="bg2">
+                <a:lumMod val="25000"/>
+              </a:schemeClr>
+            </a:solidFill>
+            <a:prstDash val="dash"/>
+          </a:ln>
+        </p:spPr>
+        <p:style>
+          <a:lnRef idx="1">
+            <a:schemeClr val="accent1"/>
+          </a:lnRef>
+          <a:fillRef idx="0">
+            <a:schemeClr val="accent1"/>
+          </a:fillRef>
+          <a:effectRef idx="0">
+            <a:schemeClr val="accent1"/>
+          </a:effectRef>
+          <a:fontRef idx="minor">
+            <a:schemeClr val="tx1"/>
+          </a:fontRef>
+        </p:style>
+      </p:cxnSp>
+      <mc:AlternateContent xmlns:mc="http://schemas.openxmlformats.org/markup-compatibility/2006" xmlns:a14="http://schemas.microsoft.com/office/drawing/2010/main">
+        <mc:Choice Requires="a14">
+          <p:sp>
+            <p:nvSpPr>
+              <p:cNvPr id="36" name="TextBox 35"/>
+              <p:cNvSpPr txBox="1"/>
+              <p:nvPr/>
+            </p:nvSpPr>
+            <p:spPr>
+              <a:xfrm>
+                <a:off x="7633679" y="3349066"/>
+                <a:ext cx="145553" cy="184666"/>
+              </a:xfrm>
+              <a:prstGeom prst="rect">
+                <a:avLst/>
+              </a:prstGeom>
+              <a:noFill/>
+            </p:spPr>
+            <p:txBody>
+              <a:bodyPr wrap="none" lIns="0" tIns="0" rIns="0" bIns="0" rtlCol="0">
+                <a:spAutoFit/>
+              </a:bodyPr>
+              <a:lstStyle/>
+              <a:p>
+                <a:pPr/>
+                <a14:m>
+                  <m:oMathPara xmlns:m="http://schemas.openxmlformats.org/officeDocument/2006/math">
+                    <m:oMathParaPr>
+                      <m:jc m:val="centerGroup"/>
+                    </m:oMathParaPr>
+                    <m:oMath xmlns:m="http://schemas.openxmlformats.org/officeDocument/2006/math">
+                      <m:r>
+                        <a:rPr lang="en-US" altLang="ko-KR" sz="1200" b="0" i="1" smtClean="0">
+                          <a:latin typeface="Cambria Math" panose="02040503050406030204" pitchFamily="18" charset="0"/>
+                        </a:rPr>
+                        <m:t>𝜃</m:t>
+                      </m:r>
+                    </m:oMath>
+                  </m:oMathPara>
+                </a14:m>
+                <a:endParaRPr lang="ko-KR" altLang="en-US" sz="1200" dirty="0"/>
+              </a:p>
+            </p:txBody>
+          </p:sp>
+        </mc:Choice>
+        <mc:Fallback xmlns="">
+          <p:sp>
+            <p:nvSpPr>
+              <p:cNvPr id="36" name="TextBox 35"/>
+              <p:cNvSpPr txBox="1">
+                <a:spLocks noRot="1" noChangeAspect="1" noMove="1" noResize="1" noEditPoints="1" noAdjustHandles="1" noChangeArrowheads="1" noChangeShapeType="1" noTextEdit="1"/>
+              </p:cNvSpPr>
+              <p:nvPr/>
+            </p:nvSpPr>
+            <p:spPr>
+              <a:xfrm>
+                <a:off x="7633679" y="3349066"/>
+                <a:ext cx="145553" cy="184666"/>
+              </a:xfrm>
+              <a:prstGeom prst="rect">
+                <a:avLst/>
+              </a:prstGeom>
+              <a:blipFill rotWithShape="0">
+                <a:blip r:embed="rId7"/>
+                <a:stretch>
+                  <a:fillRect l="-20833" r="-12500" b="-6452"/>
+                </a:stretch>
+              </a:blipFill>
+            </p:spPr>
+            <p:txBody>
+              <a:bodyPr/>
+              <a:lstStyle/>
+              <a:p>
+                <a:r>
+                  <a:rPr lang="ko-KR" altLang="en-US">
+                    <a:noFill/>
+                  </a:rPr>
+                  <a:t> </a:t>
+                </a:r>
+              </a:p>
+            </p:txBody>
+          </p:sp>
+        </mc:Fallback>
+      </mc:AlternateContent>
+      <p:cxnSp>
+        <p:nvCxnSpPr>
+          <p:cNvPr id="37" name="직선 화살표 연결선 36"/>
+          <p:cNvCxnSpPr/>
+          <p:nvPr/>
+        </p:nvCxnSpPr>
+        <p:spPr>
+          <a:xfrm>
+            <a:off x="8328596" y="2843831"/>
+            <a:ext cx="455627" cy="314440"/>
+          </a:xfrm>
+          <a:prstGeom prst="straightConnector1">
+            <a:avLst/>
+          </a:prstGeom>
+          <a:ln w="28575">
+            <a:solidFill>
+              <a:schemeClr val="tx1"/>
+            </a:solidFill>
+            <a:headEnd w="lg" len="lg"/>
+            <a:tailEnd type="triangle" w="lg" len="lg"/>
+          </a:ln>
+        </p:spPr>
+        <p:style>
+          <a:lnRef idx="1">
+            <a:schemeClr val="accent1"/>
+          </a:lnRef>
+          <a:fillRef idx="0">
+            <a:schemeClr val="accent1"/>
+          </a:fillRef>
+          <a:effectRef idx="0">
+            <a:schemeClr val="accent1"/>
+          </a:effectRef>
+          <a:fontRef idx="minor">
+            <a:schemeClr val="tx1"/>
+          </a:fontRef>
+        </p:style>
+      </p:cxnSp>
+      <p:cxnSp>
+        <p:nvCxnSpPr>
+          <p:cNvPr id="38" name="직선 화살표 연결선 37"/>
+          <p:cNvCxnSpPr/>
+          <p:nvPr/>
+        </p:nvCxnSpPr>
+        <p:spPr>
+          <a:xfrm flipH="1" flipV="1">
+            <a:off x="8277647" y="2110768"/>
+            <a:ext cx="10107" cy="709862"/>
+          </a:xfrm>
+          <a:prstGeom prst="straightConnector1">
+            <a:avLst/>
+          </a:prstGeom>
+          <a:ln w="28575">
+            <a:solidFill>
+              <a:schemeClr val="tx1"/>
+            </a:solidFill>
+            <a:headEnd w="lg" len="lg"/>
+            <a:tailEnd type="triangle" w="lg" len="lg"/>
+          </a:ln>
+        </p:spPr>
+        <p:style>
+          <a:lnRef idx="1">
+            <a:schemeClr val="accent1"/>
+          </a:lnRef>
+          <a:fillRef idx="0">
+            <a:schemeClr val="accent1"/>
+          </a:fillRef>
+          <a:effectRef idx="0">
+            <a:schemeClr val="accent1"/>
+          </a:effectRef>
+          <a:fontRef idx="minor">
+            <a:schemeClr val="tx1"/>
+          </a:fontRef>
+        </p:style>
+      </p:cxnSp>
+      <mc:AlternateContent xmlns:mc="http://schemas.openxmlformats.org/markup-compatibility/2006" xmlns:a14="http://schemas.microsoft.com/office/drawing/2010/main">
+        <mc:Choice Requires="a14">
+          <p:sp>
+            <p:nvSpPr>
+              <p:cNvPr id="39" name="TextBox 38"/>
+              <p:cNvSpPr txBox="1"/>
+              <p:nvPr/>
+            </p:nvSpPr>
+            <p:spPr>
+              <a:xfrm>
+                <a:off x="8865492" y="2980573"/>
+                <a:ext cx="196272" cy="184666"/>
+              </a:xfrm>
+              <a:prstGeom prst="rect">
+                <a:avLst/>
+              </a:prstGeom>
+              <a:noFill/>
+            </p:spPr>
+            <p:txBody>
+              <a:bodyPr wrap="none" lIns="0" tIns="0" rIns="0" bIns="0" rtlCol="0">
+                <a:spAutoFit/>
+              </a:bodyPr>
+              <a:lstStyle/>
+              <a:p>
+                <a:pPr/>
+                <a14:m>
+                  <m:oMathPara xmlns:m="http://schemas.openxmlformats.org/officeDocument/2006/math">
+                    <m:oMathParaPr>
+                      <m:jc m:val="centerGroup"/>
+                    </m:oMathParaPr>
+                    <m:oMath xmlns:m="http://schemas.openxmlformats.org/officeDocument/2006/math">
+                      <m:sSub>
+                        <m:sSubPr>
+                          <m:ctrlPr>
+                            <a:rPr lang="en-US" altLang="ko-KR" sz="1200" b="0" i="1" smtClean="0">
+                              <a:latin typeface="Cambria Math" panose="02040503050406030204" pitchFamily="18" charset="0"/>
+                            </a:rPr>
+                          </m:ctrlPr>
+                        </m:sSubPr>
+                        <m:e>
+                          <m:r>
+                            <a:rPr lang="en-US" altLang="ko-KR" sz="1200" b="0" i="1" smtClean="0">
+                              <a:latin typeface="Cambria Math" panose="02040503050406030204" pitchFamily="18" charset="0"/>
+                            </a:rPr>
+                            <m:t>𝑒</m:t>
+                          </m:r>
+                        </m:e>
+                        <m:sub>
+                          <m:r>
+                            <a:rPr lang="en-US" altLang="ko-KR" sz="1200" b="0" i="1" smtClean="0">
+                              <a:latin typeface="Cambria Math" panose="02040503050406030204" pitchFamily="18" charset="0"/>
+                            </a:rPr>
+                            <m:t>𝑟</m:t>
+                          </m:r>
+                        </m:sub>
+                      </m:sSub>
+                    </m:oMath>
+                  </m:oMathPara>
+                </a14:m>
+                <a:endParaRPr lang="ko-KR" altLang="en-US" sz="1200" dirty="0"/>
+              </a:p>
+            </p:txBody>
+          </p:sp>
+        </mc:Choice>
+        <mc:Fallback xmlns="">
+          <p:sp>
+            <p:nvSpPr>
+              <p:cNvPr id="39" name="TextBox 38"/>
+              <p:cNvSpPr txBox="1">
+                <a:spLocks noRot="1" noChangeAspect="1" noMove="1" noResize="1" noEditPoints="1" noAdjustHandles="1" noChangeArrowheads="1" noChangeShapeType="1" noTextEdit="1"/>
+              </p:cNvSpPr>
+              <p:nvPr/>
+            </p:nvSpPr>
+            <p:spPr>
+              <a:xfrm>
+                <a:off x="8865492" y="2980573"/>
+                <a:ext cx="196272" cy="184666"/>
+              </a:xfrm>
+              <a:prstGeom prst="rect">
+                <a:avLst/>
+              </a:prstGeom>
+              <a:blipFill rotWithShape="0">
+                <a:blip r:embed="rId8"/>
+                <a:stretch>
+                  <a:fillRect l="-3030" b="-13333"/>
+                </a:stretch>
+              </a:blipFill>
+            </p:spPr>
+            <p:txBody>
+              <a:bodyPr/>
+              <a:lstStyle/>
+              <a:p>
+                <a:r>
+                  <a:rPr lang="ko-KR" altLang="en-US">
+                    <a:noFill/>
+                  </a:rPr>
+                  <a:t> </a:t>
+                </a:r>
+              </a:p>
+            </p:txBody>
+          </p:sp>
+        </mc:Fallback>
+      </mc:AlternateContent>
+      <p:cxnSp>
+        <p:nvCxnSpPr>
+          <p:cNvPr id="40" name="직선 화살표 연결선 39"/>
+          <p:cNvCxnSpPr/>
+          <p:nvPr/>
+        </p:nvCxnSpPr>
+        <p:spPr>
+          <a:xfrm flipV="1">
+            <a:off x="8330685" y="2624646"/>
+            <a:ext cx="534842" cy="203387"/>
+          </a:xfrm>
+          <a:prstGeom prst="straightConnector1">
+            <a:avLst/>
+          </a:prstGeom>
+          <a:ln w="28575">
+            <a:solidFill>
+              <a:schemeClr val="tx1"/>
+            </a:solidFill>
+            <a:headEnd w="lg" len="lg"/>
+            <a:tailEnd type="triangle" w="lg" len="lg"/>
+          </a:ln>
+        </p:spPr>
+        <p:style>
+          <a:lnRef idx="1">
+            <a:schemeClr val="accent1"/>
+          </a:lnRef>
+          <a:fillRef idx="0">
+            <a:schemeClr val="accent1"/>
+          </a:fillRef>
+          <a:effectRef idx="0">
+            <a:schemeClr val="accent1"/>
+          </a:effectRef>
+          <a:fontRef idx="minor">
+            <a:schemeClr val="tx1"/>
+          </a:fontRef>
+        </p:style>
+      </p:cxnSp>
+      <mc:AlternateContent xmlns:mc="http://schemas.openxmlformats.org/markup-compatibility/2006" xmlns:a14="http://schemas.microsoft.com/office/drawing/2010/main">
+        <mc:Choice Requires="a14">
+          <p:sp>
+            <p:nvSpPr>
+              <p:cNvPr id="41" name="TextBox 40"/>
+              <p:cNvSpPr txBox="1"/>
+              <p:nvPr/>
+            </p:nvSpPr>
+            <p:spPr>
+              <a:xfrm>
+                <a:off x="8939397" y="2493227"/>
+                <a:ext cx="207173" cy="184666"/>
+              </a:xfrm>
+              <a:prstGeom prst="rect">
+                <a:avLst/>
+              </a:prstGeom>
+              <a:noFill/>
+            </p:spPr>
+            <p:txBody>
+              <a:bodyPr wrap="none" lIns="0" tIns="0" rIns="0" bIns="0" rtlCol="0">
+                <a:spAutoFit/>
+              </a:bodyPr>
+              <a:lstStyle/>
+              <a:p>
+                <a:pPr/>
+                <a14:m>
+                  <m:oMathPara xmlns:m="http://schemas.openxmlformats.org/officeDocument/2006/math">
+                    <m:oMathParaPr>
+                      <m:jc m:val="centerGroup"/>
+                    </m:oMathParaPr>
+                    <m:oMath xmlns:m="http://schemas.openxmlformats.org/officeDocument/2006/math">
+                      <m:sSub>
+                        <m:sSubPr>
+                          <m:ctrlPr>
+                            <a:rPr lang="en-US" altLang="ko-KR" sz="1200" b="0" i="1" smtClean="0">
+                              <a:latin typeface="Cambria Math" panose="02040503050406030204" pitchFamily="18" charset="0"/>
+                            </a:rPr>
+                          </m:ctrlPr>
+                        </m:sSubPr>
+                        <m:e>
+                          <m:r>
+                            <a:rPr lang="en-US" altLang="ko-KR" sz="1200" b="0" i="1" smtClean="0">
+                              <a:latin typeface="Cambria Math" panose="02040503050406030204" pitchFamily="18" charset="0"/>
+                            </a:rPr>
+                            <m:t>𝑒</m:t>
+                          </m:r>
+                        </m:e>
+                        <m:sub>
+                          <m:r>
+                            <a:rPr lang="en-US" altLang="ko-KR" sz="1200" b="0" i="1" smtClean="0">
+                              <a:latin typeface="Cambria Math" panose="02040503050406030204" pitchFamily="18" charset="0"/>
+                            </a:rPr>
+                            <m:t>𝜃</m:t>
+                          </m:r>
+                        </m:sub>
+                      </m:sSub>
+                    </m:oMath>
+                  </m:oMathPara>
+                </a14:m>
+                <a:endParaRPr lang="ko-KR" altLang="en-US" sz="1200" dirty="0"/>
+              </a:p>
+            </p:txBody>
+          </p:sp>
+        </mc:Choice>
+        <mc:Fallback xmlns="">
+          <p:sp>
+            <p:nvSpPr>
+              <p:cNvPr id="41" name="TextBox 40"/>
+              <p:cNvSpPr txBox="1">
+                <a:spLocks noRot="1" noChangeAspect="1" noMove="1" noResize="1" noEditPoints="1" noAdjustHandles="1" noChangeArrowheads="1" noChangeShapeType="1" noTextEdit="1"/>
+              </p:cNvSpPr>
+              <p:nvPr/>
+            </p:nvSpPr>
+            <p:spPr>
+              <a:xfrm>
+                <a:off x="8939397" y="2493227"/>
+                <a:ext cx="207173" cy="184666"/>
+              </a:xfrm>
+              <a:prstGeom prst="rect">
+                <a:avLst/>
+              </a:prstGeom>
+              <a:blipFill rotWithShape="0">
+                <a:blip r:embed="rId9"/>
+                <a:stretch>
+                  <a:fillRect l="-2941" b="-20000"/>
+                </a:stretch>
+              </a:blipFill>
+            </p:spPr>
+            <p:txBody>
+              <a:bodyPr/>
+              <a:lstStyle/>
+              <a:p>
+                <a:r>
+                  <a:rPr lang="ko-KR" altLang="en-US">
+                    <a:noFill/>
+                  </a:rPr>
+                  <a:t> </a:t>
+                </a:r>
+              </a:p>
+            </p:txBody>
+          </p:sp>
+        </mc:Fallback>
+      </mc:AlternateContent>
+      <mc:AlternateContent xmlns:mc="http://schemas.openxmlformats.org/markup-compatibility/2006" xmlns:a14="http://schemas.microsoft.com/office/drawing/2010/main">
+        <mc:Choice Requires="a14">
+          <p:sp>
+            <p:nvSpPr>
+              <p:cNvPr id="42" name="TextBox 41"/>
+              <p:cNvSpPr txBox="1"/>
+              <p:nvPr/>
+            </p:nvSpPr>
+            <p:spPr>
+              <a:xfrm>
+                <a:off x="8328939" y="2006918"/>
+                <a:ext cx="195118" cy="184666"/>
+              </a:xfrm>
+              <a:prstGeom prst="rect">
+                <a:avLst/>
+              </a:prstGeom>
+              <a:noFill/>
+            </p:spPr>
+            <p:txBody>
+              <a:bodyPr wrap="none" lIns="0" tIns="0" rIns="0" bIns="0" rtlCol="0">
+                <a:spAutoFit/>
+              </a:bodyPr>
+              <a:lstStyle/>
+              <a:p>
+                <a:pPr/>
+                <a14:m>
+                  <m:oMathPara xmlns:m="http://schemas.openxmlformats.org/officeDocument/2006/math">
+                    <m:oMathParaPr>
+                      <m:jc m:val="centerGroup"/>
+                    </m:oMathParaPr>
+                    <m:oMath xmlns:m="http://schemas.openxmlformats.org/officeDocument/2006/math">
+                      <m:sSub>
+                        <m:sSubPr>
+                          <m:ctrlPr>
+                            <a:rPr lang="en-US" altLang="ko-KR" sz="1200" b="0" i="1" smtClean="0">
+                              <a:latin typeface="Cambria Math" panose="02040503050406030204" pitchFamily="18" charset="0"/>
+                            </a:rPr>
+                          </m:ctrlPr>
+                        </m:sSubPr>
+                        <m:e>
+                          <m:r>
+                            <a:rPr lang="en-US" altLang="ko-KR" sz="1200" b="0" i="1" smtClean="0">
+                              <a:latin typeface="Cambria Math" panose="02040503050406030204" pitchFamily="18" charset="0"/>
+                            </a:rPr>
+                            <m:t>𝑒</m:t>
+                          </m:r>
+                        </m:e>
+                        <m:sub>
+                          <m:r>
+                            <a:rPr lang="en-US" altLang="ko-KR" sz="1200" b="0" i="1" smtClean="0">
+                              <a:latin typeface="Cambria Math" panose="02040503050406030204" pitchFamily="18" charset="0"/>
+                            </a:rPr>
+                            <m:t>𝑧</m:t>
+                          </m:r>
+                        </m:sub>
+                      </m:sSub>
+                    </m:oMath>
+                  </m:oMathPara>
+                </a14:m>
+                <a:endParaRPr lang="ko-KR" altLang="en-US" sz="1200" dirty="0"/>
+              </a:p>
+            </p:txBody>
+          </p:sp>
+        </mc:Choice>
+        <mc:Fallback xmlns="">
+          <p:sp>
+            <p:nvSpPr>
+              <p:cNvPr id="42" name="TextBox 41"/>
+              <p:cNvSpPr txBox="1">
+                <a:spLocks noRot="1" noChangeAspect="1" noMove="1" noResize="1" noEditPoints="1" noAdjustHandles="1" noChangeArrowheads="1" noChangeShapeType="1" noTextEdit="1"/>
+              </p:cNvSpPr>
+              <p:nvPr/>
+            </p:nvSpPr>
+            <p:spPr>
+              <a:xfrm>
+                <a:off x="8328939" y="2006918"/>
+                <a:ext cx="195118" cy="184666"/>
+              </a:xfrm>
+              <a:prstGeom prst="rect">
+                <a:avLst/>
+              </a:prstGeom>
+              <a:blipFill rotWithShape="0">
+                <a:blip r:embed="rId10"/>
+                <a:stretch>
+                  <a:fillRect l="-6250" b="-9677"/>
+                </a:stretch>
+              </a:blipFill>
+            </p:spPr>
+            <p:txBody>
+              <a:bodyPr/>
+              <a:lstStyle/>
+              <a:p>
+                <a:r>
+                  <a:rPr lang="ko-KR" altLang="en-US">
+                    <a:noFill/>
+                  </a:rPr>
+                  <a:t> </a:t>
+                </a:r>
+              </a:p>
+            </p:txBody>
+          </p:sp>
+        </mc:Fallback>
+      </mc:AlternateContent>
+      <p:sp>
+        <p:nvSpPr>
+          <p:cNvPr id="49" name="자유형 48"/>
+          <p:cNvSpPr/>
+          <p:nvPr/>
+        </p:nvSpPr>
+        <p:spPr>
+          <a:xfrm>
+            <a:off x="7648952" y="3313097"/>
+            <a:ext cx="203056" cy="51254"/>
+          </a:xfrm>
+          <a:custGeom>
+            <a:avLst/>
+            <a:gdLst>
+              <a:gd name="connsiteX0" fmla="*/ 0 w 226219"/>
+              <a:gd name="connsiteY0" fmla="*/ 31073 h 65260"/>
+              <a:gd name="connsiteX1" fmla="*/ 123825 w 226219"/>
+              <a:gd name="connsiteY1" fmla="*/ 64411 h 65260"/>
+              <a:gd name="connsiteX2" fmla="*/ 226219 w 226219"/>
+              <a:gd name="connsiteY2" fmla="*/ 117 h 65260"/>
+              <a:gd name="connsiteX0" fmla="*/ 0 w 202406"/>
+              <a:gd name="connsiteY0" fmla="*/ 19188 h 52905"/>
+              <a:gd name="connsiteX1" fmla="*/ 123825 w 202406"/>
+              <a:gd name="connsiteY1" fmla="*/ 52526 h 52905"/>
+              <a:gd name="connsiteX2" fmla="*/ 202406 w 202406"/>
+              <a:gd name="connsiteY2" fmla="*/ 139 h 52905"/>
+              <a:gd name="connsiteX0" fmla="*/ 0 w 280987"/>
+              <a:gd name="connsiteY0" fmla="*/ 35828 h 70232"/>
+              <a:gd name="connsiteX1" fmla="*/ 123825 w 280987"/>
+              <a:gd name="connsiteY1" fmla="*/ 69166 h 70232"/>
+              <a:gd name="connsiteX2" fmla="*/ 280987 w 280987"/>
+              <a:gd name="connsiteY2" fmla="*/ 110 h 70232"/>
+              <a:gd name="connsiteX0" fmla="*/ 0 w 280987"/>
+              <a:gd name="connsiteY0" fmla="*/ 35813 h 81784"/>
+              <a:gd name="connsiteX1" fmla="*/ 164306 w 280987"/>
+              <a:gd name="connsiteY1" fmla="*/ 81057 h 81784"/>
+              <a:gd name="connsiteX2" fmla="*/ 280987 w 280987"/>
+              <a:gd name="connsiteY2" fmla="*/ 95 h 81784"/>
+              <a:gd name="connsiteX0" fmla="*/ 0 w 242887"/>
+              <a:gd name="connsiteY0" fmla="*/ 33434 h 79324"/>
+              <a:gd name="connsiteX1" fmla="*/ 164306 w 242887"/>
+              <a:gd name="connsiteY1" fmla="*/ 78678 h 79324"/>
+              <a:gd name="connsiteX2" fmla="*/ 242887 w 242887"/>
+              <a:gd name="connsiteY2" fmla="*/ 97 h 79324"/>
+              <a:gd name="connsiteX0" fmla="*/ 0 w 242887"/>
+              <a:gd name="connsiteY0" fmla="*/ 33337 h 79227"/>
+              <a:gd name="connsiteX1" fmla="*/ 164306 w 242887"/>
+              <a:gd name="connsiteY1" fmla="*/ 78581 h 79227"/>
+              <a:gd name="connsiteX2" fmla="*/ 242887 w 242887"/>
+              <a:gd name="connsiteY2" fmla="*/ 0 h 79227"/>
+              <a:gd name="connsiteX0" fmla="*/ 0 w 196938"/>
+              <a:gd name="connsiteY0" fmla="*/ 23047 h 78838"/>
+              <a:gd name="connsiteX1" fmla="*/ 118357 w 196938"/>
+              <a:gd name="connsiteY1" fmla="*/ 78581 h 78838"/>
+              <a:gd name="connsiteX2" fmla="*/ 196938 w 196938"/>
+              <a:gd name="connsiteY2" fmla="*/ 0 h 78838"/>
+              <a:gd name="connsiteX0" fmla="*/ 0 w 196938"/>
+              <a:gd name="connsiteY0" fmla="*/ 23047 h 78870"/>
+              <a:gd name="connsiteX1" fmla="*/ 118357 w 196938"/>
+              <a:gd name="connsiteY1" fmla="*/ 78581 h 78870"/>
+              <a:gd name="connsiteX2" fmla="*/ 196938 w 196938"/>
+              <a:gd name="connsiteY2" fmla="*/ 0 h 78870"/>
+            </a:gdLst>
+            <a:ahLst/>
+            <a:cxnLst>
+              <a:cxn ang="0">
+                <a:pos x="connsiteX0" y="connsiteY0"/>
+              </a:cxn>
+              <a:cxn ang="0">
+                <a:pos x="connsiteX1" y="connsiteY1"/>
+              </a:cxn>
+              <a:cxn ang="0">
+                <a:pos x="connsiteX2" y="connsiteY2"/>
+              </a:cxn>
+            </a:cxnLst>
+            <a:rect l="l" t="t" r="r" b="b"/>
+            <a:pathLst>
+              <a:path w="196938" h="78870">
+                <a:moveTo>
+                  <a:pt x="0" y="23047"/>
+                </a:moveTo>
+                <a:cubicBezTo>
+                  <a:pt x="36831" y="47216"/>
+                  <a:pt x="85534" y="82422"/>
+                  <a:pt x="118357" y="78581"/>
+                </a:cubicBezTo>
+                <a:cubicBezTo>
+                  <a:pt x="151180" y="74740"/>
+                  <a:pt x="180411" y="27694"/>
+                  <a:pt x="196938" y="0"/>
+                </a:cubicBezTo>
+              </a:path>
+            </a:pathLst>
+          </a:custGeom>
+          <a:noFill/>
+          <a:ln>
+            <a:solidFill>
+              <a:schemeClr val="bg2">
+                <a:lumMod val="25000"/>
+              </a:schemeClr>
+            </a:solidFill>
+            <a:prstDash val="dash"/>
+          </a:ln>
+        </p:spPr>
+        <p:style>
+          <a:lnRef idx="2">
+            <a:schemeClr val="accent1">
+              <a:shade val="50000"/>
+            </a:schemeClr>
+          </a:lnRef>
+          <a:fillRef idx="1">
+            <a:schemeClr val="accent1"/>
+          </a:fillRef>
+          <a:effectRef idx="0">
+            <a:schemeClr val="accent1"/>
+          </a:effectRef>
+          <a:fontRef idx="minor">
+            <a:schemeClr val="lt1"/>
+          </a:fontRef>
+        </p:style>
+        <p:txBody>
+          <a:bodyPr rtlCol="0" anchor="ctr"/>
+          <a:lstStyle/>
+          <a:p>
+            <a:pPr algn="ctr"/>
+            <a:endParaRPr lang="ko-KR" altLang="en-US"/>
+          </a:p>
+        </p:txBody>
+      </p:sp>
+      <mc:AlternateContent xmlns:mc="http://schemas.openxmlformats.org/markup-compatibility/2006" xmlns:a14="http://schemas.microsoft.com/office/drawing/2010/main">
+        <mc:Choice Requires="a14">
+          <p:sp>
+            <p:nvSpPr>
+              <p:cNvPr id="51" name="TextBox 50"/>
+              <p:cNvSpPr txBox="1"/>
+              <p:nvPr/>
+            </p:nvSpPr>
+            <p:spPr>
+              <a:xfrm>
+                <a:off x="8088042" y="2812455"/>
+                <a:ext cx="154466" cy="184666"/>
+              </a:xfrm>
+              <a:prstGeom prst="rect">
+                <a:avLst/>
+              </a:prstGeom>
+              <a:noFill/>
+            </p:spPr>
+            <p:txBody>
+              <a:bodyPr wrap="none" lIns="0" tIns="0" rIns="0" bIns="0" rtlCol="0">
+                <a:spAutoFit/>
+              </a:bodyPr>
+              <a:lstStyle/>
+              <a:p>
+                <a:pPr/>
+                <a14:m>
+                  <m:oMathPara xmlns:m="http://schemas.openxmlformats.org/officeDocument/2006/math">
+                    <m:oMathParaPr>
+                      <m:jc m:val="centerGroup"/>
+                    </m:oMathParaPr>
+                    <m:oMath xmlns:m="http://schemas.openxmlformats.org/officeDocument/2006/math">
+                      <m:r>
+                        <a:rPr lang="en-US" altLang="ko-KR" sz="1200" b="0" i="1" smtClean="0">
+                          <a:latin typeface="Cambria Math" panose="02040503050406030204" pitchFamily="18" charset="0"/>
+                        </a:rPr>
+                        <m:t>𝑃</m:t>
+                      </m:r>
+                    </m:oMath>
+                  </m:oMathPara>
+                </a14:m>
+                <a:endParaRPr lang="ko-KR" altLang="en-US" sz="1200" dirty="0"/>
+              </a:p>
+            </p:txBody>
+          </p:sp>
+        </mc:Choice>
+        <mc:Fallback xmlns="">
+          <p:sp>
+            <p:nvSpPr>
+              <p:cNvPr id="51" name="TextBox 50"/>
+              <p:cNvSpPr txBox="1">
+                <a:spLocks noRot="1" noChangeAspect="1" noMove="1" noResize="1" noEditPoints="1" noAdjustHandles="1" noChangeArrowheads="1" noChangeShapeType="1" noTextEdit="1"/>
+              </p:cNvSpPr>
+              <p:nvPr/>
+            </p:nvSpPr>
+            <p:spPr>
+              <a:xfrm>
+                <a:off x="8088042" y="2812455"/>
+                <a:ext cx="154466" cy="184666"/>
+              </a:xfrm>
+              <a:prstGeom prst="rect">
+                <a:avLst/>
+              </a:prstGeom>
+              <a:blipFill rotWithShape="0">
+                <a:blip r:embed="rId11"/>
+                <a:stretch>
+                  <a:fillRect l="-16000" r="-20000" b="-6452"/>
+                </a:stretch>
+              </a:blipFill>
+            </p:spPr>
+            <p:txBody>
+              <a:bodyPr/>
+              <a:lstStyle/>
+              <a:p>
+                <a:r>
+                  <a:rPr lang="ko-KR" altLang="en-US">
+                    <a:noFill/>
+                  </a:rPr>
+                  <a:t> </a:t>
+                </a:r>
+              </a:p>
+            </p:txBody>
+          </p:sp>
+        </mc:Fallback>
+      </mc:AlternateContent>
+      <p:grpSp>
+        <p:nvGrpSpPr>
+          <p:cNvPr id="54" name="그룹 53"/>
+          <p:cNvGrpSpPr/>
+          <p:nvPr/>
+        </p:nvGrpSpPr>
+        <p:grpSpPr>
+          <a:xfrm>
+            <a:off x="1817804" y="3364351"/>
+            <a:ext cx="1516730" cy="1296323"/>
+            <a:chOff x="1817804" y="4159356"/>
+            <a:chExt cx="511868" cy="501318"/>
+          </a:xfrm>
+        </p:grpSpPr>
+        <p:cxnSp>
+          <p:nvCxnSpPr>
+            <p:cNvPr id="52" name="직선 화살표 연결선 51"/>
+            <p:cNvCxnSpPr/>
+            <p:nvPr/>
+          </p:nvCxnSpPr>
+          <p:spPr>
+            <a:xfrm>
+              <a:off x="1817804" y="4659408"/>
+              <a:ext cx="511868" cy="1266"/>
+            </a:xfrm>
+            <a:prstGeom prst="straightConnector1">
+              <a:avLst/>
+            </a:prstGeom>
+            <a:ln w="28575">
+              <a:solidFill>
+                <a:schemeClr val="tx1"/>
+              </a:solidFill>
+              <a:headEnd type="none" w="med" len="med"/>
+              <a:tailEnd type="none" w="med" len="med"/>
+            </a:ln>
+          </p:spPr>
+          <p:style>
+            <a:lnRef idx="1">
+              <a:schemeClr val="accent1"/>
+            </a:lnRef>
+            <a:fillRef idx="0">
+              <a:schemeClr val="accent1"/>
+            </a:fillRef>
+            <a:effectRef idx="0">
+              <a:schemeClr val="accent1"/>
+            </a:effectRef>
+            <a:fontRef idx="minor">
+              <a:schemeClr val="tx1"/>
+            </a:fontRef>
+          </p:style>
+        </p:cxnSp>
+        <p:cxnSp>
+          <p:nvCxnSpPr>
+            <p:cNvPr id="53" name="직선 화살표 연결선 52"/>
+            <p:cNvCxnSpPr/>
+            <p:nvPr/>
+          </p:nvCxnSpPr>
+          <p:spPr>
+            <a:xfrm flipV="1">
+              <a:off x="1827330" y="4159356"/>
+              <a:ext cx="815" cy="501318"/>
+            </a:xfrm>
+            <a:prstGeom prst="straightConnector1">
+              <a:avLst/>
+            </a:prstGeom>
+            <a:ln w="28575">
+              <a:solidFill>
+                <a:schemeClr val="tx1"/>
+              </a:solidFill>
+              <a:headEnd type="none" w="med" len="med"/>
+              <a:tailEnd type="none" w="med" len="med"/>
+            </a:ln>
+          </p:spPr>
+          <p:style>
+            <a:lnRef idx="1">
+              <a:schemeClr val="accent1"/>
+            </a:lnRef>
+            <a:fillRef idx="0">
+              <a:schemeClr val="accent1"/>
+            </a:fillRef>
+            <a:effectRef idx="0">
+              <a:schemeClr val="accent1"/>
+            </a:effectRef>
+            <a:fontRef idx="minor">
+              <a:schemeClr val="tx1"/>
+            </a:fontRef>
+          </p:style>
+        </p:cxnSp>
+      </p:grpSp>
+      <p:grpSp>
+        <p:nvGrpSpPr>
+          <p:cNvPr id="55" name="그룹 54"/>
+          <p:cNvGrpSpPr/>
+          <p:nvPr/>
+        </p:nvGrpSpPr>
+        <p:grpSpPr>
+          <a:xfrm rot="18594618">
+            <a:off x="1048157" y="3011138"/>
+            <a:ext cx="1498089" cy="1322803"/>
+            <a:chOff x="1817804" y="4159356"/>
+            <a:chExt cx="511868" cy="501318"/>
+          </a:xfrm>
+        </p:grpSpPr>
+        <p:cxnSp>
+          <p:nvCxnSpPr>
+            <p:cNvPr id="56" name="직선 화살표 연결선 55"/>
+            <p:cNvCxnSpPr/>
+            <p:nvPr/>
+          </p:nvCxnSpPr>
+          <p:spPr>
+            <a:xfrm>
+              <a:off x="1817804" y="4659408"/>
+              <a:ext cx="511868" cy="1266"/>
+            </a:xfrm>
+            <a:prstGeom prst="straightConnector1">
+              <a:avLst/>
+            </a:prstGeom>
+            <a:ln w="28575">
+              <a:solidFill>
+                <a:schemeClr val="accent1"/>
+              </a:solidFill>
+              <a:headEnd type="none" w="med" len="med"/>
+              <a:tailEnd type="none" w="med" len="med"/>
+            </a:ln>
+          </p:spPr>
+          <p:style>
+            <a:lnRef idx="1">
+              <a:schemeClr val="accent1"/>
+            </a:lnRef>
+            <a:fillRef idx="0">
+              <a:schemeClr val="accent1"/>
+            </a:fillRef>
+            <a:effectRef idx="0">
+              <a:schemeClr val="accent1"/>
+            </a:effectRef>
+            <a:fontRef idx="minor">
+              <a:schemeClr val="tx1"/>
+            </a:fontRef>
+          </p:style>
+        </p:cxnSp>
+        <p:cxnSp>
+          <p:nvCxnSpPr>
+            <p:cNvPr id="57" name="직선 화살표 연결선 56"/>
+            <p:cNvCxnSpPr/>
+            <p:nvPr/>
+          </p:nvCxnSpPr>
+          <p:spPr>
+            <a:xfrm flipV="1">
+              <a:off x="1827330" y="4159356"/>
+              <a:ext cx="815" cy="501318"/>
+            </a:xfrm>
+            <a:prstGeom prst="straightConnector1">
+              <a:avLst/>
+            </a:prstGeom>
+            <a:ln w="28575">
+              <a:solidFill>
+                <a:schemeClr val="accent1"/>
+              </a:solidFill>
+              <a:headEnd type="none" w="med" len="med"/>
+              <a:tailEnd type="none" w="med" len="med"/>
+            </a:ln>
+          </p:spPr>
+          <p:style>
+            <a:lnRef idx="1">
+              <a:schemeClr val="accent1"/>
+            </a:lnRef>
+            <a:fillRef idx="0">
+              <a:schemeClr val="accent1"/>
+            </a:fillRef>
+            <a:effectRef idx="0">
+              <a:schemeClr val="accent1"/>
+            </a:effectRef>
+            <a:fontRef idx="minor">
+              <a:schemeClr val="tx1"/>
+            </a:fontRef>
+          </p:style>
+        </p:cxnSp>
+      </p:grpSp>
+      <mc:AlternateContent xmlns:mc="http://schemas.openxmlformats.org/markup-compatibility/2006" xmlns:a14="http://schemas.microsoft.com/office/drawing/2010/main">
+        <mc:Choice Requires="a14">
+          <p:sp>
+            <p:nvSpPr>
+              <p:cNvPr id="58" name="TextBox 57"/>
+              <p:cNvSpPr txBox="1"/>
+              <p:nvPr/>
+            </p:nvSpPr>
+            <p:spPr>
+              <a:xfrm>
+                <a:off x="1735175" y="2933092"/>
+                <a:ext cx="309893" cy="298928"/>
+              </a:xfrm>
+              <a:prstGeom prst="rect">
+                <a:avLst/>
+              </a:prstGeom>
+              <a:noFill/>
+            </p:spPr>
+            <p:txBody>
+              <a:bodyPr wrap="none" lIns="0" tIns="0" rIns="0" bIns="0" rtlCol="0">
+                <a:spAutoFit/>
+              </a:bodyPr>
+              <a:lstStyle/>
+              <a:p>
+                <a:pPr/>
+                <a14:m>
+                  <m:oMathPara xmlns:m="http://schemas.openxmlformats.org/officeDocument/2006/math">
+                    <m:oMathParaPr>
+                      <m:jc m:val="centerGroup"/>
+                    </m:oMathParaPr>
+                    <m:oMath xmlns:m="http://schemas.openxmlformats.org/officeDocument/2006/math">
+                      <m:sSub>
+                        <m:sSubPr>
+                          <m:ctrlPr>
+                            <a:rPr lang="en-US" altLang="ko-KR" b="0" i="1" smtClean="0">
+                              <a:latin typeface="Cambria Math" panose="02040503050406030204" pitchFamily="18" charset="0"/>
+                            </a:rPr>
+                          </m:ctrlPr>
+                        </m:sSubPr>
+                        <m:e>
+                          <m:r>
+                            <a:rPr lang="en-US" altLang="ko-KR" b="0" i="1" smtClean="0">
+                              <a:latin typeface="Cambria Math" panose="02040503050406030204" pitchFamily="18" charset="0"/>
+                            </a:rPr>
+                            <m:t>𝑒</m:t>
+                          </m:r>
+                        </m:e>
+                        <m:sub>
+                          <m:r>
+                            <a:rPr lang="en-US" altLang="ko-KR" b="0" i="1" smtClean="0">
+                              <a:latin typeface="Cambria Math" panose="02040503050406030204" pitchFamily="18" charset="0"/>
+                            </a:rPr>
+                            <m:t>𝑦</m:t>
+                          </m:r>
+                        </m:sub>
+                      </m:sSub>
+                    </m:oMath>
+                  </m:oMathPara>
+                </a14:m>
+                <a:endParaRPr lang="ko-KR" altLang="en-US" dirty="0"/>
+              </a:p>
+            </p:txBody>
+          </p:sp>
+        </mc:Choice>
+        <mc:Fallback xmlns="">
+          <p:sp>
+            <p:nvSpPr>
+              <p:cNvPr id="58" name="TextBox 57"/>
+              <p:cNvSpPr txBox="1">
+                <a:spLocks noRot="1" noChangeAspect="1" noMove="1" noResize="1" noEditPoints="1" noAdjustHandles="1" noChangeArrowheads="1" noChangeShapeType="1" noTextEdit="1"/>
+              </p:cNvSpPr>
+              <p:nvPr/>
+            </p:nvSpPr>
+            <p:spPr>
+              <a:xfrm>
+                <a:off x="1735175" y="2933092"/>
+                <a:ext cx="309893" cy="298928"/>
+              </a:xfrm>
+              <a:prstGeom prst="rect">
+                <a:avLst/>
+              </a:prstGeom>
+              <a:blipFill rotWithShape="0">
+                <a:blip r:embed="rId12"/>
+                <a:stretch>
+                  <a:fillRect l="-6000" r="-6000" b="-20408"/>
+                </a:stretch>
+              </a:blipFill>
+            </p:spPr>
+            <p:txBody>
+              <a:bodyPr/>
+              <a:lstStyle/>
+              <a:p>
+                <a:r>
+                  <a:rPr lang="ko-KR" altLang="en-US">
+                    <a:noFill/>
+                  </a:rPr>
+                  <a:t> </a:t>
+                </a:r>
+              </a:p>
+            </p:txBody>
+          </p:sp>
+        </mc:Fallback>
+      </mc:AlternateContent>
+      <mc:AlternateContent xmlns:mc="http://schemas.openxmlformats.org/markup-compatibility/2006" xmlns:a14="http://schemas.microsoft.com/office/drawing/2010/main">
+        <mc:Choice Requires="a14">
+          <p:sp>
+            <p:nvSpPr>
+              <p:cNvPr id="59" name="TextBox 58"/>
+              <p:cNvSpPr txBox="1"/>
+              <p:nvPr/>
+            </p:nvSpPr>
+            <p:spPr>
+              <a:xfrm>
+                <a:off x="2898935" y="3158272"/>
+                <a:ext cx="73894" cy="276999"/>
+              </a:xfrm>
+              <a:prstGeom prst="rect">
+                <a:avLst/>
+              </a:prstGeom>
+              <a:noFill/>
+            </p:spPr>
+            <p:txBody>
+              <a:bodyPr wrap="square" lIns="0" tIns="0" rIns="0" bIns="0" rtlCol="0">
+                <a:spAutoFit/>
+              </a:bodyPr>
+              <a:lstStyle/>
+              <a:p>
+                <a:pPr/>
+                <a14:m>
+                  <m:oMathPara xmlns:m="http://schemas.openxmlformats.org/officeDocument/2006/math">
+                    <m:oMathParaPr>
+                      <m:jc m:val="centerGroup"/>
+                    </m:oMathParaPr>
+                    <m:oMath xmlns:m="http://schemas.openxmlformats.org/officeDocument/2006/math">
+                      <m:sSub>
+                        <m:sSubPr>
+                          <m:ctrlPr>
+                            <a:rPr lang="en-US" altLang="ko-KR" b="0" i="1" smtClean="0">
+                              <a:latin typeface="Cambria Math" panose="02040503050406030204" pitchFamily="18" charset="0"/>
+                            </a:rPr>
+                          </m:ctrlPr>
+                        </m:sSubPr>
+                        <m:e>
+                          <m:r>
+                            <a:rPr lang="en-US" altLang="ko-KR" b="0" i="1" smtClean="0">
+                              <a:latin typeface="Cambria Math" panose="02040503050406030204" pitchFamily="18" charset="0"/>
+                            </a:rPr>
+                            <m:t>𝑒</m:t>
+                          </m:r>
+                        </m:e>
+                        <m:sub>
+                          <m:r>
+                            <a:rPr lang="en-US" altLang="ko-KR" b="0" i="1" smtClean="0">
+                              <a:latin typeface="Cambria Math" panose="02040503050406030204" pitchFamily="18" charset="0"/>
+                            </a:rPr>
+                            <m:t>𝑟</m:t>
+                          </m:r>
+                        </m:sub>
+                      </m:sSub>
+                    </m:oMath>
+                  </m:oMathPara>
+                </a14:m>
+                <a:endParaRPr lang="ko-KR" altLang="en-US" dirty="0"/>
+              </a:p>
+            </p:txBody>
+          </p:sp>
+        </mc:Choice>
+        <mc:Fallback xmlns="">
+          <p:sp>
+            <p:nvSpPr>
+              <p:cNvPr id="59" name="TextBox 58"/>
+              <p:cNvSpPr txBox="1">
+                <a:spLocks noRot="1" noChangeAspect="1" noMove="1" noResize="1" noEditPoints="1" noAdjustHandles="1" noChangeArrowheads="1" noChangeShapeType="1" noTextEdit="1"/>
+              </p:cNvSpPr>
+              <p:nvPr/>
+            </p:nvSpPr>
+            <p:spPr>
+              <a:xfrm>
+                <a:off x="2898935" y="3158272"/>
+                <a:ext cx="73894" cy="276999"/>
+              </a:xfrm>
+              <a:prstGeom prst="rect">
+                <a:avLst/>
+              </a:prstGeom>
+              <a:blipFill rotWithShape="0">
+                <a:blip r:embed="rId13"/>
+                <a:stretch>
+                  <a:fillRect l="-83333" r="-233333" b="-15217"/>
+                </a:stretch>
+              </a:blipFill>
+            </p:spPr>
+            <p:txBody>
+              <a:bodyPr/>
+              <a:lstStyle/>
+              <a:p>
+                <a:r>
+                  <a:rPr lang="ko-KR" altLang="en-US">
+                    <a:noFill/>
+                  </a:rPr>
+                  <a:t> </a:t>
+                </a:r>
+              </a:p>
+            </p:txBody>
+          </p:sp>
+        </mc:Fallback>
+      </mc:AlternateContent>
+      <mc:AlternateContent xmlns:mc="http://schemas.openxmlformats.org/markup-compatibility/2006" xmlns:a14="http://schemas.microsoft.com/office/drawing/2010/main">
+        <mc:Choice Requires="a14">
+          <p:sp>
+            <p:nvSpPr>
+              <p:cNvPr id="60" name="TextBox 59"/>
+              <p:cNvSpPr txBox="1"/>
+              <p:nvPr/>
+            </p:nvSpPr>
+            <p:spPr>
+              <a:xfrm>
+                <a:off x="488734" y="3520152"/>
+                <a:ext cx="310726" cy="276999"/>
+              </a:xfrm>
+              <a:prstGeom prst="rect">
+                <a:avLst/>
+              </a:prstGeom>
+              <a:noFill/>
+            </p:spPr>
+            <p:txBody>
+              <a:bodyPr wrap="none" lIns="0" tIns="0" rIns="0" bIns="0" rtlCol="0">
+                <a:spAutoFit/>
+              </a:bodyPr>
+              <a:lstStyle/>
+              <a:p>
+                <a:pPr/>
+                <a14:m>
+                  <m:oMathPara xmlns:m="http://schemas.openxmlformats.org/officeDocument/2006/math">
+                    <m:oMathParaPr>
+                      <m:jc m:val="centerGroup"/>
+                    </m:oMathParaPr>
+                    <m:oMath xmlns:m="http://schemas.openxmlformats.org/officeDocument/2006/math">
+                      <m:sSub>
+                        <m:sSubPr>
+                          <m:ctrlPr>
+                            <a:rPr lang="en-US" altLang="ko-KR" b="0" i="1" smtClean="0">
+                              <a:latin typeface="Cambria Math" panose="02040503050406030204" pitchFamily="18" charset="0"/>
+                            </a:rPr>
+                          </m:ctrlPr>
+                        </m:sSubPr>
+                        <m:e>
+                          <m:r>
+                            <a:rPr lang="en-US" altLang="ko-KR" b="0" i="1" smtClean="0">
+                              <a:latin typeface="Cambria Math" panose="02040503050406030204" pitchFamily="18" charset="0"/>
+                            </a:rPr>
+                            <m:t>𝑒</m:t>
+                          </m:r>
+                        </m:e>
+                        <m:sub>
+                          <m:r>
+                            <a:rPr lang="en-US" altLang="ko-KR" b="0" i="1" smtClean="0">
+                              <a:latin typeface="Cambria Math" panose="02040503050406030204" pitchFamily="18" charset="0"/>
+                            </a:rPr>
+                            <m:t>𝜃</m:t>
+                          </m:r>
+                        </m:sub>
+                      </m:sSub>
+                    </m:oMath>
+                  </m:oMathPara>
+                </a14:m>
+                <a:endParaRPr lang="ko-KR" altLang="en-US" dirty="0"/>
+              </a:p>
+            </p:txBody>
+          </p:sp>
+        </mc:Choice>
+        <mc:Fallback xmlns="">
+          <p:sp>
+            <p:nvSpPr>
+              <p:cNvPr id="60" name="TextBox 59"/>
+              <p:cNvSpPr txBox="1">
+                <a:spLocks noRot="1" noChangeAspect="1" noMove="1" noResize="1" noEditPoints="1" noAdjustHandles="1" noChangeArrowheads="1" noChangeShapeType="1" noTextEdit="1"/>
+              </p:cNvSpPr>
+              <p:nvPr/>
+            </p:nvSpPr>
+            <p:spPr>
+              <a:xfrm>
+                <a:off x="488734" y="3520152"/>
+                <a:ext cx="310726" cy="276999"/>
+              </a:xfrm>
+              <a:prstGeom prst="rect">
+                <a:avLst/>
+              </a:prstGeom>
+              <a:blipFill rotWithShape="0">
+                <a:blip r:embed="rId14"/>
+                <a:stretch>
+                  <a:fillRect l="-5882" r="-5882" b="-21739"/>
+                </a:stretch>
+              </a:blipFill>
+            </p:spPr>
+            <p:txBody>
+              <a:bodyPr/>
+              <a:lstStyle/>
+              <a:p>
+                <a:r>
+                  <a:rPr lang="ko-KR" altLang="en-US">
+                    <a:noFill/>
+                  </a:rPr>
+                  <a:t> </a:t>
+                </a:r>
+              </a:p>
+            </p:txBody>
+          </p:sp>
+        </mc:Fallback>
+      </mc:AlternateContent>
+      <mc:AlternateContent xmlns:mc="http://schemas.openxmlformats.org/markup-compatibility/2006" xmlns:a14="http://schemas.microsoft.com/office/drawing/2010/main">
+        <mc:Choice Requires="a14">
+          <p:sp>
+            <p:nvSpPr>
+              <p:cNvPr id="61" name="TextBox 60"/>
+              <p:cNvSpPr txBox="1"/>
+              <p:nvPr/>
+            </p:nvSpPr>
+            <p:spPr>
+              <a:xfrm>
+                <a:off x="2239558" y="4363823"/>
+                <a:ext cx="145553" cy="184666"/>
+              </a:xfrm>
+              <a:prstGeom prst="rect">
+                <a:avLst/>
+              </a:prstGeom>
+              <a:noFill/>
+            </p:spPr>
+            <p:txBody>
+              <a:bodyPr wrap="none" lIns="0" tIns="0" rIns="0" bIns="0" rtlCol="0">
+                <a:spAutoFit/>
+              </a:bodyPr>
+              <a:lstStyle/>
+              <a:p>
+                <a:pPr/>
+                <a14:m>
+                  <m:oMathPara xmlns:m="http://schemas.openxmlformats.org/officeDocument/2006/math">
+                    <m:oMathParaPr>
+                      <m:jc m:val="centerGroup"/>
+                    </m:oMathParaPr>
+                    <m:oMath xmlns:m="http://schemas.openxmlformats.org/officeDocument/2006/math">
+                      <m:r>
+                        <a:rPr lang="en-US" altLang="ko-KR" sz="1200" b="0" i="1" smtClean="0">
+                          <a:latin typeface="Cambria Math" panose="02040503050406030204" pitchFamily="18" charset="0"/>
+                        </a:rPr>
+                        <m:t>𝜃</m:t>
+                      </m:r>
+                    </m:oMath>
+                  </m:oMathPara>
+                </a14:m>
+                <a:endParaRPr lang="ko-KR" altLang="en-US" sz="1200" dirty="0"/>
+              </a:p>
+            </p:txBody>
+          </p:sp>
+        </mc:Choice>
+        <mc:Fallback xmlns="">
+          <p:sp>
+            <p:nvSpPr>
+              <p:cNvPr id="61" name="TextBox 60"/>
+              <p:cNvSpPr txBox="1">
+                <a:spLocks noRot="1" noChangeAspect="1" noMove="1" noResize="1" noEditPoints="1" noAdjustHandles="1" noChangeArrowheads="1" noChangeShapeType="1" noTextEdit="1"/>
+              </p:cNvSpPr>
+              <p:nvPr/>
+            </p:nvSpPr>
+            <p:spPr>
+              <a:xfrm>
+                <a:off x="2239558" y="4363823"/>
+                <a:ext cx="145553" cy="184666"/>
+              </a:xfrm>
+              <a:prstGeom prst="rect">
+                <a:avLst/>
+              </a:prstGeom>
+              <a:blipFill rotWithShape="0">
+                <a:blip r:embed="rId7"/>
+                <a:stretch>
+                  <a:fillRect l="-20833" r="-12500" b="-10000"/>
+                </a:stretch>
+              </a:blipFill>
+            </p:spPr>
+            <p:txBody>
+              <a:bodyPr/>
+              <a:lstStyle/>
+              <a:p>
+                <a:r>
+                  <a:rPr lang="ko-KR" altLang="en-US">
+                    <a:noFill/>
+                  </a:rPr>
+                  <a:t> </a:t>
+                </a:r>
+              </a:p>
+            </p:txBody>
+          </p:sp>
+        </mc:Fallback>
+      </mc:AlternateContent>
+      <p:sp>
+        <p:nvSpPr>
+          <p:cNvPr id="62" name="자유형 61"/>
+          <p:cNvSpPr/>
+          <p:nvPr/>
+        </p:nvSpPr>
+        <p:spPr>
+          <a:xfrm rot="15546194">
+            <a:off x="1991667" y="4522862"/>
+            <a:ext cx="203056" cy="51254"/>
+          </a:xfrm>
+          <a:custGeom>
+            <a:avLst/>
+            <a:gdLst>
+              <a:gd name="connsiteX0" fmla="*/ 0 w 226219"/>
+              <a:gd name="connsiteY0" fmla="*/ 31073 h 65260"/>
+              <a:gd name="connsiteX1" fmla="*/ 123825 w 226219"/>
+              <a:gd name="connsiteY1" fmla="*/ 64411 h 65260"/>
+              <a:gd name="connsiteX2" fmla="*/ 226219 w 226219"/>
+              <a:gd name="connsiteY2" fmla="*/ 117 h 65260"/>
+              <a:gd name="connsiteX0" fmla="*/ 0 w 202406"/>
+              <a:gd name="connsiteY0" fmla="*/ 19188 h 52905"/>
+              <a:gd name="connsiteX1" fmla="*/ 123825 w 202406"/>
+              <a:gd name="connsiteY1" fmla="*/ 52526 h 52905"/>
+              <a:gd name="connsiteX2" fmla="*/ 202406 w 202406"/>
+              <a:gd name="connsiteY2" fmla="*/ 139 h 52905"/>
+              <a:gd name="connsiteX0" fmla="*/ 0 w 280987"/>
+              <a:gd name="connsiteY0" fmla="*/ 35828 h 70232"/>
+              <a:gd name="connsiteX1" fmla="*/ 123825 w 280987"/>
+              <a:gd name="connsiteY1" fmla="*/ 69166 h 70232"/>
+              <a:gd name="connsiteX2" fmla="*/ 280987 w 280987"/>
+              <a:gd name="connsiteY2" fmla="*/ 110 h 70232"/>
+              <a:gd name="connsiteX0" fmla="*/ 0 w 280987"/>
+              <a:gd name="connsiteY0" fmla="*/ 35813 h 81784"/>
+              <a:gd name="connsiteX1" fmla="*/ 164306 w 280987"/>
+              <a:gd name="connsiteY1" fmla="*/ 81057 h 81784"/>
+              <a:gd name="connsiteX2" fmla="*/ 280987 w 280987"/>
+              <a:gd name="connsiteY2" fmla="*/ 95 h 81784"/>
+              <a:gd name="connsiteX0" fmla="*/ 0 w 242887"/>
+              <a:gd name="connsiteY0" fmla="*/ 33434 h 79324"/>
+              <a:gd name="connsiteX1" fmla="*/ 164306 w 242887"/>
+              <a:gd name="connsiteY1" fmla="*/ 78678 h 79324"/>
+              <a:gd name="connsiteX2" fmla="*/ 242887 w 242887"/>
+              <a:gd name="connsiteY2" fmla="*/ 97 h 79324"/>
+              <a:gd name="connsiteX0" fmla="*/ 0 w 242887"/>
+              <a:gd name="connsiteY0" fmla="*/ 33337 h 79227"/>
+              <a:gd name="connsiteX1" fmla="*/ 164306 w 242887"/>
+              <a:gd name="connsiteY1" fmla="*/ 78581 h 79227"/>
+              <a:gd name="connsiteX2" fmla="*/ 242887 w 242887"/>
+              <a:gd name="connsiteY2" fmla="*/ 0 h 79227"/>
+              <a:gd name="connsiteX0" fmla="*/ 0 w 196938"/>
+              <a:gd name="connsiteY0" fmla="*/ 23047 h 78838"/>
+              <a:gd name="connsiteX1" fmla="*/ 118357 w 196938"/>
+              <a:gd name="connsiteY1" fmla="*/ 78581 h 78838"/>
+              <a:gd name="connsiteX2" fmla="*/ 196938 w 196938"/>
+              <a:gd name="connsiteY2" fmla="*/ 0 h 78838"/>
+              <a:gd name="connsiteX0" fmla="*/ 0 w 196938"/>
+              <a:gd name="connsiteY0" fmla="*/ 23047 h 78870"/>
+              <a:gd name="connsiteX1" fmla="*/ 118357 w 196938"/>
+              <a:gd name="connsiteY1" fmla="*/ 78581 h 78870"/>
+              <a:gd name="connsiteX2" fmla="*/ 196938 w 196938"/>
+              <a:gd name="connsiteY2" fmla="*/ 0 h 78870"/>
+            </a:gdLst>
+            <a:ahLst/>
+            <a:cxnLst>
+              <a:cxn ang="0">
+                <a:pos x="connsiteX0" y="connsiteY0"/>
+              </a:cxn>
+              <a:cxn ang="0">
+                <a:pos x="connsiteX1" y="connsiteY1"/>
+              </a:cxn>
+              <a:cxn ang="0">
+                <a:pos x="connsiteX2" y="connsiteY2"/>
+              </a:cxn>
+            </a:cxnLst>
+            <a:rect l="l" t="t" r="r" b="b"/>
+            <a:pathLst>
+              <a:path w="196938" h="78870">
+                <a:moveTo>
+                  <a:pt x="0" y="23047"/>
+                </a:moveTo>
+                <a:cubicBezTo>
+                  <a:pt x="36831" y="47216"/>
+                  <a:pt x="85534" y="82422"/>
+                  <a:pt x="118357" y="78581"/>
+                </a:cubicBezTo>
+                <a:cubicBezTo>
+                  <a:pt x="151180" y="74740"/>
+                  <a:pt x="180411" y="27694"/>
+                  <a:pt x="196938" y="0"/>
+                </a:cubicBezTo>
+              </a:path>
+            </a:pathLst>
+          </a:custGeom>
+          <a:noFill/>
+          <a:ln>
+            <a:solidFill>
+              <a:schemeClr val="bg2">
+                <a:lumMod val="25000"/>
+              </a:schemeClr>
+            </a:solidFill>
+            <a:prstDash val="dash"/>
+          </a:ln>
+        </p:spPr>
+        <p:style>
+          <a:lnRef idx="2">
+            <a:schemeClr val="accent1">
+              <a:shade val="50000"/>
+            </a:schemeClr>
+          </a:lnRef>
+          <a:fillRef idx="1">
+            <a:schemeClr val="accent1"/>
+          </a:fillRef>
+          <a:effectRef idx="0">
+            <a:schemeClr val="accent1"/>
+          </a:effectRef>
+          <a:fontRef idx="minor">
+            <a:schemeClr val="lt1"/>
+          </a:fontRef>
+        </p:style>
+        <p:txBody>
+          <a:bodyPr rtlCol="0" anchor="ctr"/>
+          <a:lstStyle/>
+          <a:p>
+            <a:pPr algn="ctr"/>
+            <a:endParaRPr lang="ko-KR" altLang="en-US"/>
+          </a:p>
+        </p:txBody>
+      </p:sp>
+    </p:spTree>
+    <p:extLst>
+      <p:ext uri="{BB962C8B-B14F-4D97-AF65-F5344CB8AC3E}">
+        <p14:creationId xmlns:p14="http://schemas.microsoft.com/office/powerpoint/2010/main" val="2185401582"/>
+      </p:ext>
+    </p:extLst>
+  </p:cSld>
+  <p:clrMapOvr>
+    <a:masterClrMapping/>
+  </p:clrMapOvr>
+</p:sld>
+</file>
+
+<file path=ppt/slides/slide20.xml><?xml version="1.0" encoding="utf-8"?>
 <p:sld xmlns:a="http://schemas.openxmlformats.org/drawingml/2006/main" xmlns:r="http://schemas.openxmlformats.org/officeDocument/2006/relationships" xmlns:p="http://schemas.openxmlformats.org/presentationml/2006/main">
   <p:cSld>
     <p:spTree>
@@ -15479,7 +18164,7 @@
           <p:cNvPr id="27" name="직선 화살표 연결선 26">
             <a:extLst>
               <a:ext uri="{FF2B5EF4-FFF2-40B4-BE49-F238E27FC236}">
-                <a16:creationId xmlns:a16="http://schemas.microsoft.com/office/drawing/2014/main" xmlns="" id="{C93B29A1-F190-44D3-A9D0-DFAD4F83776E}"/>
+                <a16:creationId xmlns="" xmlns:a16="http://schemas.microsoft.com/office/drawing/2014/main" id="{C93B29A1-F190-44D3-A9D0-DFAD4F83776E}"/>
               </a:ext>
             </a:extLst>
           </p:cNvPr>
@@ -15525,7 +18210,7 @@
               <p:cNvPr id="28" name="TextBox 27">
                 <a:extLst>
                   <a:ext uri="{FF2B5EF4-FFF2-40B4-BE49-F238E27FC236}">
-                    <a16:creationId xmlns:a16="http://schemas.microsoft.com/office/drawing/2014/main" xmlns="" id="{07B5ABC4-CAA0-493B-ACDF-C42A51522079}"/>
+                    <a16:creationId xmlns="" xmlns:a16="http://schemas.microsoft.com/office/drawing/2014/main" id="{07B5ABC4-CAA0-493B-ACDF-C42A51522079}"/>
                   </a:ext>
                 </a:extLst>
               </p:cNvPr>
@@ -15638,7 +18323,7 @@
           <p:cNvPr id="29" name="직선 화살표 연결선 28">
             <a:extLst>
               <a:ext uri="{FF2B5EF4-FFF2-40B4-BE49-F238E27FC236}">
-                <a16:creationId xmlns:a16="http://schemas.microsoft.com/office/drawing/2014/main" xmlns="" id="{782BF86B-4207-4FE7-8DAC-CEB1861B292A}"/>
+                <a16:creationId xmlns="" xmlns:a16="http://schemas.microsoft.com/office/drawing/2014/main" id="{782BF86B-4207-4FE7-8DAC-CEB1861B292A}"/>
               </a:ext>
             </a:extLst>
           </p:cNvPr>
@@ -15684,7 +18369,7 @@
               <p:cNvPr id="32" name="TextBox 31">
                 <a:extLst>
                   <a:ext uri="{FF2B5EF4-FFF2-40B4-BE49-F238E27FC236}">
-                    <a16:creationId xmlns:a16="http://schemas.microsoft.com/office/drawing/2014/main" xmlns="" id="{5DB3AE05-D351-4E8F-8481-E70A4D8B443E}"/>
+                    <a16:creationId xmlns="" xmlns:a16="http://schemas.microsoft.com/office/drawing/2014/main" id="{5DB3AE05-D351-4E8F-8481-E70A4D8B443E}"/>
                   </a:ext>
                 </a:extLst>
               </p:cNvPr>
@@ -15778,7 +18463,7 @@
           <p:cNvPr id="33" name="직선 화살표 연결선 32">
             <a:extLst>
               <a:ext uri="{FF2B5EF4-FFF2-40B4-BE49-F238E27FC236}">
-                <a16:creationId xmlns:a16="http://schemas.microsoft.com/office/drawing/2014/main" xmlns="" id="{F5FC4C0A-B591-4F3B-BD15-9D9E5EC72772}"/>
+                <a16:creationId xmlns="" xmlns:a16="http://schemas.microsoft.com/office/drawing/2014/main" id="{F5FC4C0A-B591-4F3B-BD15-9D9E5EC72772}"/>
               </a:ext>
             </a:extLst>
           </p:cNvPr>
@@ -15824,7 +18509,7 @@
               <p:cNvPr id="38" name="TextBox 37">
                 <a:extLst>
                   <a:ext uri="{FF2B5EF4-FFF2-40B4-BE49-F238E27FC236}">
-                    <a16:creationId xmlns:a16="http://schemas.microsoft.com/office/drawing/2014/main" xmlns="" id="{EC18DB71-3399-4E5E-B321-6A9670FF95D7}"/>
+                    <a16:creationId xmlns="" xmlns:a16="http://schemas.microsoft.com/office/drawing/2014/main" id="{EC18DB71-3399-4E5E-B321-6A9670FF95D7}"/>
                   </a:ext>
                 </a:extLst>
               </p:cNvPr>
@@ -15945,2483 +18630,7 @@
 </p:sld>
 </file>
 
-<file path=ppt/slides/slide2.xml><?xml version="1.0" encoding="utf-8"?>
-<p:sld xmlns:a="http://schemas.openxmlformats.org/drawingml/2006/main" xmlns:r="http://schemas.openxmlformats.org/officeDocument/2006/relationships" xmlns:p="http://schemas.openxmlformats.org/presentationml/2006/main">
-  <p:cSld>
-    <p:spTree>
-      <p:nvGrpSpPr>
-        <p:cNvPr id="1" name=""/>
-        <p:cNvGrpSpPr/>
-        <p:nvPr/>
-      </p:nvGrpSpPr>
-      <p:grpSpPr>
-        <a:xfrm>
-          <a:off x="0" y="0"/>
-          <a:ext cx="0" cy="0"/>
-          <a:chOff x="0" y="0"/>
-          <a:chExt cx="0" cy="0"/>
-        </a:xfrm>
-      </p:grpSpPr>
-      <p:cxnSp>
-        <p:nvCxnSpPr>
-          <p:cNvPr id="4" name="직선 화살표 연결선 3"/>
-          <p:cNvCxnSpPr/>
-          <p:nvPr/>
-        </p:nvCxnSpPr>
-        <p:spPr>
-          <a:xfrm>
-            <a:off x="901967" y="927037"/>
-            <a:ext cx="511868" cy="1266"/>
-          </a:xfrm>
-          <a:prstGeom prst="straightConnector1">
-            <a:avLst/>
-          </a:prstGeom>
-          <a:ln w="28575">
-            <a:solidFill>
-              <a:schemeClr val="tx1"/>
-            </a:solidFill>
-            <a:headEnd type="none" w="med" len="med"/>
-            <a:tailEnd type="none" w="med" len="med"/>
-          </a:ln>
-        </p:spPr>
-        <p:style>
-          <a:lnRef idx="1">
-            <a:schemeClr val="accent1"/>
-          </a:lnRef>
-          <a:fillRef idx="0">
-            <a:schemeClr val="accent1"/>
-          </a:fillRef>
-          <a:effectRef idx="0">
-            <a:schemeClr val="accent1"/>
-          </a:effectRef>
-          <a:fontRef idx="minor">
-            <a:schemeClr val="tx1"/>
-          </a:fontRef>
-        </p:style>
-      </p:cxnSp>
-      <p:cxnSp>
-        <p:nvCxnSpPr>
-          <p:cNvPr id="5" name="직선 화살표 연결선 4"/>
-          <p:cNvCxnSpPr/>
-          <p:nvPr/>
-        </p:nvCxnSpPr>
-        <p:spPr>
-          <a:xfrm flipV="1">
-            <a:off x="911493" y="426985"/>
-            <a:ext cx="815" cy="501318"/>
-          </a:xfrm>
-          <a:prstGeom prst="straightConnector1">
-            <a:avLst/>
-          </a:prstGeom>
-          <a:ln w="28575">
-            <a:solidFill>
-              <a:schemeClr val="tx1"/>
-            </a:solidFill>
-            <a:headEnd type="none" w="med" len="med"/>
-            <a:tailEnd type="none" w="med" len="med"/>
-          </a:ln>
-        </p:spPr>
-        <p:style>
-          <a:lnRef idx="1">
-            <a:schemeClr val="accent1"/>
-          </a:lnRef>
-          <a:fillRef idx="0">
-            <a:schemeClr val="accent1"/>
-          </a:fillRef>
-          <a:effectRef idx="0">
-            <a:schemeClr val="accent1"/>
-          </a:effectRef>
-          <a:fontRef idx="minor">
-            <a:schemeClr val="tx1"/>
-          </a:fontRef>
-        </p:style>
-      </p:cxnSp>
-      <mc:AlternateContent xmlns:mc="http://schemas.openxmlformats.org/markup-compatibility/2006">
-        <mc:Choice xmlns:a14="http://schemas.microsoft.com/office/drawing/2010/main" Requires="a14">
-          <p:sp>
-            <p:nvSpPr>
-              <p:cNvPr id="6" name="TextBox 5"/>
-              <p:cNvSpPr txBox="1"/>
-              <p:nvPr/>
-            </p:nvSpPr>
-            <p:spPr>
-              <a:xfrm>
-                <a:off x="1000967" y="149986"/>
-                <a:ext cx="313867" cy="276999"/>
-              </a:xfrm>
-              <a:prstGeom prst="rect">
-                <a:avLst/>
-              </a:prstGeom>
-              <a:noFill/>
-            </p:spPr>
-            <p:txBody>
-              <a:bodyPr wrap="none" lIns="0" tIns="0" rIns="0" bIns="0" rtlCol="0">
-                <a:spAutoFit/>
-              </a:bodyPr>
-              <a:lstStyle/>
-              <a:p>
-                <a:pPr/>
-                <a14:m>
-                  <m:oMathPara xmlns:m="http://schemas.openxmlformats.org/officeDocument/2006/math">
-                    <m:oMathParaPr>
-                      <m:jc m:val="centerGroup"/>
-                    </m:oMathParaPr>
-                    <m:oMath xmlns:m="http://schemas.openxmlformats.org/officeDocument/2006/math">
-                      <m:sSub>
-                        <m:sSubPr>
-                          <m:ctrlPr>
-                            <a:rPr lang="en-US" altLang="ko-KR" i="1" smtClean="0">
-                              <a:latin typeface="Cambria Math" panose="02040503050406030204" pitchFamily="18" charset="0"/>
-                            </a:rPr>
-                          </m:ctrlPr>
-                        </m:sSubPr>
-                        <m:e>
-                          <m:r>
-                            <a:rPr lang="en-US" altLang="ko-KR" i="1">
-                              <a:latin typeface="Cambria Math" panose="02040503050406030204" pitchFamily="18" charset="0"/>
-                            </a:rPr>
-                            <m:t>𝛽</m:t>
-                          </m:r>
-                        </m:e>
-                        <m:sub>
-                          <m:r>
-                            <a:rPr lang="en-US" altLang="ko-KR" b="0" i="1" smtClean="0">
-                              <a:latin typeface="Cambria Math" panose="02040503050406030204" pitchFamily="18" charset="0"/>
-                            </a:rPr>
-                            <m:t>3</m:t>
-                          </m:r>
-                        </m:sub>
-                      </m:sSub>
-                    </m:oMath>
-                  </m:oMathPara>
-                </a14:m>
-                <a:endParaRPr lang="ko-KR" altLang="en-US" dirty="0"/>
-              </a:p>
-            </p:txBody>
-          </p:sp>
-        </mc:Choice>
-        <mc:Fallback>
-          <p:sp>
-            <p:nvSpPr>
-              <p:cNvPr id="6" name="TextBox 5"/>
-              <p:cNvSpPr txBox="1">
-                <a:spLocks noRot="1" noChangeAspect="1" noMove="1" noResize="1" noEditPoints="1" noAdjustHandles="1" noChangeArrowheads="1" noChangeShapeType="1" noTextEdit="1"/>
-              </p:cNvSpPr>
-              <p:nvPr/>
-            </p:nvSpPr>
-            <p:spPr>
-              <a:xfrm>
-                <a:off x="1000967" y="149986"/>
-                <a:ext cx="313867" cy="276999"/>
-              </a:xfrm>
-              <a:prstGeom prst="rect">
-                <a:avLst/>
-              </a:prstGeom>
-              <a:blipFill rotWithShape="0">
-                <a:blip r:embed="rId2"/>
-                <a:stretch>
-                  <a:fillRect l="-21154" r="-3846" b="-40000"/>
-                </a:stretch>
-              </a:blipFill>
-            </p:spPr>
-            <p:txBody>
-              <a:bodyPr/>
-              <a:lstStyle/>
-              <a:p>
-                <a:r>
-                  <a:rPr lang="ko-KR" altLang="en-US">
-                    <a:noFill/>
-                  </a:rPr>
-                  <a:t> </a:t>
-                </a:r>
-              </a:p>
-            </p:txBody>
-          </p:sp>
-        </mc:Fallback>
-      </mc:AlternateContent>
-      <mc:AlternateContent xmlns:mc="http://schemas.openxmlformats.org/markup-compatibility/2006">
-        <mc:Choice xmlns:a14="http://schemas.microsoft.com/office/drawing/2010/main" Requires="a14">
-          <p:sp>
-            <p:nvSpPr>
-              <p:cNvPr id="7" name="TextBox 6"/>
-              <p:cNvSpPr txBox="1"/>
-              <p:nvPr/>
-            </p:nvSpPr>
-            <p:spPr>
-              <a:xfrm>
-                <a:off x="593421" y="1250768"/>
-                <a:ext cx="308546" cy="276999"/>
-              </a:xfrm>
-              <a:prstGeom prst="rect">
-                <a:avLst/>
-              </a:prstGeom>
-              <a:noFill/>
-            </p:spPr>
-            <p:txBody>
-              <a:bodyPr wrap="none" lIns="0" tIns="0" rIns="0" bIns="0" rtlCol="0">
-                <a:spAutoFit/>
-              </a:bodyPr>
-              <a:lstStyle/>
-              <a:p>
-                <a:pPr/>
-                <a14:m>
-                  <m:oMathPara xmlns:m="http://schemas.openxmlformats.org/officeDocument/2006/math">
-                    <m:oMathParaPr>
-                      <m:jc m:val="centerGroup"/>
-                    </m:oMathParaPr>
-                    <m:oMath xmlns:m="http://schemas.openxmlformats.org/officeDocument/2006/math">
-                      <m:sSub>
-                        <m:sSubPr>
-                          <m:ctrlPr>
-                            <a:rPr lang="en-US" altLang="ko-KR" b="0" i="1" smtClean="0">
-                              <a:latin typeface="Cambria Math" panose="02040503050406030204" pitchFamily="18" charset="0"/>
-                            </a:rPr>
-                          </m:ctrlPr>
-                        </m:sSubPr>
-                        <m:e>
-                          <m:r>
-                            <a:rPr lang="en-US" altLang="ko-KR" b="0" i="1" smtClean="0">
-                              <a:latin typeface="Cambria Math" panose="02040503050406030204" pitchFamily="18" charset="0"/>
-                            </a:rPr>
-                            <m:t>𝛽</m:t>
-                          </m:r>
-                        </m:e>
-                        <m:sub>
-                          <m:r>
-                            <a:rPr lang="en-US" altLang="ko-KR" b="0" i="1" smtClean="0">
-                              <a:latin typeface="Cambria Math" panose="02040503050406030204" pitchFamily="18" charset="0"/>
-                            </a:rPr>
-                            <m:t>1</m:t>
-                          </m:r>
-                        </m:sub>
-                      </m:sSub>
-                    </m:oMath>
-                  </m:oMathPara>
-                </a14:m>
-                <a:endParaRPr lang="ko-KR" altLang="en-US" dirty="0"/>
-              </a:p>
-            </p:txBody>
-          </p:sp>
-        </mc:Choice>
-        <mc:Fallback>
-          <p:sp>
-            <p:nvSpPr>
-              <p:cNvPr id="7" name="TextBox 6"/>
-              <p:cNvSpPr txBox="1">
-                <a:spLocks noRot="1" noChangeAspect="1" noMove="1" noResize="1" noEditPoints="1" noAdjustHandles="1" noChangeArrowheads="1" noChangeShapeType="1" noTextEdit="1"/>
-              </p:cNvSpPr>
-              <p:nvPr/>
-            </p:nvSpPr>
-            <p:spPr>
-              <a:xfrm>
-                <a:off x="593421" y="1250768"/>
-                <a:ext cx="308546" cy="276999"/>
-              </a:xfrm>
-              <a:prstGeom prst="rect">
-                <a:avLst/>
-              </a:prstGeom>
-              <a:blipFill rotWithShape="0">
-                <a:blip r:embed="rId3"/>
-                <a:stretch>
-                  <a:fillRect l="-21569" r="-3922" b="-36957"/>
-                </a:stretch>
-              </a:blipFill>
-            </p:spPr>
-            <p:txBody>
-              <a:bodyPr/>
-              <a:lstStyle/>
-              <a:p>
-                <a:r>
-                  <a:rPr lang="ko-KR" altLang="en-US">
-                    <a:noFill/>
-                  </a:rPr>
-                  <a:t> </a:t>
-                </a:r>
-              </a:p>
-            </p:txBody>
-          </p:sp>
-        </mc:Fallback>
-      </mc:AlternateContent>
-      <p:cxnSp>
-        <p:nvCxnSpPr>
-          <p:cNvPr id="8" name="직선 화살표 연결선 7"/>
-          <p:cNvCxnSpPr/>
-          <p:nvPr/>
-        </p:nvCxnSpPr>
-        <p:spPr>
-          <a:xfrm flipV="1">
-            <a:off x="644675" y="927037"/>
-            <a:ext cx="257292" cy="278078"/>
-          </a:xfrm>
-          <a:prstGeom prst="straightConnector1">
-            <a:avLst/>
-          </a:prstGeom>
-          <a:ln w="28575">
-            <a:solidFill>
-              <a:schemeClr val="tx1"/>
-            </a:solidFill>
-            <a:headEnd type="none" w="med" len="med"/>
-            <a:tailEnd type="none" w="med" len="med"/>
-          </a:ln>
-        </p:spPr>
-        <p:style>
-          <a:lnRef idx="1">
-            <a:schemeClr val="accent1"/>
-          </a:lnRef>
-          <a:fillRef idx="0">
-            <a:schemeClr val="accent1"/>
-          </a:fillRef>
-          <a:effectRef idx="0">
-            <a:schemeClr val="accent1"/>
-          </a:effectRef>
-          <a:fontRef idx="minor">
-            <a:schemeClr val="tx1"/>
-          </a:fontRef>
-        </p:style>
-      </p:cxnSp>
-      <mc:AlternateContent xmlns:mc="http://schemas.openxmlformats.org/markup-compatibility/2006">
-        <mc:Choice xmlns:a14="http://schemas.microsoft.com/office/drawing/2010/main" Requires="a14">
-          <p:sp>
-            <p:nvSpPr>
-              <p:cNvPr id="9" name="TextBox 8"/>
-              <p:cNvSpPr txBox="1"/>
-              <p:nvPr/>
-            </p:nvSpPr>
-            <p:spPr>
-              <a:xfrm>
-                <a:off x="3437196" y="4487148"/>
-                <a:ext cx="302262" cy="276999"/>
-              </a:xfrm>
-              <a:prstGeom prst="rect">
-                <a:avLst/>
-              </a:prstGeom>
-              <a:noFill/>
-            </p:spPr>
-            <p:txBody>
-              <a:bodyPr wrap="none" lIns="0" tIns="0" rIns="0" bIns="0" rtlCol="0">
-                <a:spAutoFit/>
-              </a:bodyPr>
-              <a:lstStyle/>
-              <a:p>
-                <a:pPr/>
-                <a14:m>
-                  <m:oMathPara xmlns:m="http://schemas.openxmlformats.org/officeDocument/2006/math">
-                    <m:oMathParaPr>
-                      <m:jc m:val="centerGroup"/>
-                    </m:oMathParaPr>
-                    <m:oMath xmlns:m="http://schemas.openxmlformats.org/officeDocument/2006/math">
-                      <m:sSub>
-                        <m:sSubPr>
-                          <m:ctrlPr>
-                            <a:rPr lang="en-US" altLang="ko-KR" b="0" i="1" smtClean="0">
-                              <a:latin typeface="Cambria Math" panose="02040503050406030204" pitchFamily="18" charset="0"/>
-                            </a:rPr>
-                          </m:ctrlPr>
-                        </m:sSubPr>
-                        <m:e>
-                          <m:r>
-                            <a:rPr lang="en-US" altLang="ko-KR" b="0" i="1" smtClean="0">
-                              <a:latin typeface="Cambria Math" panose="02040503050406030204" pitchFamily="18" charset="0"/>
-                            </a:rPr>
-                            <m:t>𝑒</m:t>
-                          </m:r>
-                        </m:e>
-                        <m:sub>
-                          <m:r>
-                            <a:rPr lang="en-US" altLang="ko-KR" b="0" i="1" smtClean="0">
-                              <a:latin typeface="Cambria Math" panose="02040503050406030204" pitchFamily="18" charset="0"/>
-                            </a:rPr>
-                            <m:t>𝑥</m:t>
-                          </m:r>
-                        </m:sub>
-                      </m:sSub>
-                    </m:oMath>
-                  </m:oMathPara>
-                </a14:m>
-                <a:endParaRPr lang="ko-KR" altLang="en-US" dirty="0"/>
-              </a:p>
-            </p:txBody>
-          </p:sp>
-        </mc:Choice>
-        <mc:Fallback>
-          <p:sp>
-            <p:nvSpPr>
-              <p:cNvPr id="9" name="TextBox 8"/>
-              <p:cNvSpPr txBox="1">
-                <a:spLocks noRot="1" noChangeAspect="1" noMove="1" noResize="1" noEditPoints="1" noAdjustHandles="1" noChangeArrowheads="1" noChangeShapeType="1" noTextEdit="1"/>
-              </p:cNvSpPr>
-              <p:nvPr/>
-            </p:nvSpPr>
-            <p:spPr>
-              <a:xfrm>
-                <a:off x="3437196" y="4487148"/>
-                <a:ext cx="302262" cy="276999"/>
-              </a:xfrm>
-              <a:prstGeom prst="rect">
-                <a:avLst/>
-              </a:prstGeom>
-              <a:blipFill rotWithShape="0">
-                <a:blip r:embed="rId4"/>
-                <a:stretch>
-                  <a:fillRect l="-6122" b="-15217"/>
-                </a:stretch>
-              </a:blipFill>
-            </p:spPr>
-            <p:txBody>
-              <a:bodyPr/>
-              <a:lstStyle/>
-              <a:p>
-                <a:r>
-                  <a:rPr lang="ko-KR" altLang="en-US">
-                    <a:noFill/>
-                  </a:rPr>
-                  <a:t> </a:t>
-                </a:r>
-              </a:p>
-            </p:txBody>
-          </p:sp>
-        </mc:Fallback>
-      </mc:AlternateContent>
-      <p:cxnSp>
-        <p:nvCxnSpPr>
-          <p:cNvPr id="10" name="직선 화살표 연결선 9"/>
-          <p:cNvCxnSpPr/>
-          <p:nvPr/>
-        </p:nvCxnSpPr>
-        <p:spPr>
-          <a:xfrm>
-            <a:off x="7719859" y="3257153"/>
-            <a:ext cx="1440000" cy="0"/>
-          </a:xfrm>
-          <a:prstGeom prst="straightConnector1">
-            <a:avLst/>
-          </a:prstGeom>
-          <a:ln w="28575">
-            <a:solidFill>
-              <a:schemeClr val="tx1"/>
-            </a:solidFill>
-            <a:headEnd type="none" w="med" len="med"/>
-            <a:tailEnd type="none" w="med" len="med"/>
-          </a:ln>
-        </p:spPr>
-        <p:style>
-          <a:lnRef idx="1">
-            <a:schemeClr val="accent1"/>
-          </a:lnRef>
-          <a:fillRef idx="0">
-            <a:schemeClr val="accent1"/>
-          </a:fillRef>
-          <a:effectRef idx="0">
-            <a:schemeClr val="accent1"/>
-          </a:effectRef>
-          <a:fontRef idx="minor">
-            <a:schemeClr val="tx1"/>
-          </a:fontRef>
-        </p:style>
-      </p:cxnSp>
-      <p:cxnSp>
-        <p:nvCxnSpPr>
-          <p:cNvPr id="11" name="직선 화살표 연결선 10"/>
-          <p:cNvCxnSpPr/>
-          <p:nvPr/>
-        </p:nvCxnSpPr>
-        <p:spPr>
-          <a:xfrm flipV="1">
-            <a:off x="7718638" y="1231897"/>
-            <a:ext cx="1018" cy="2025255"/>
-          </a:xfrm>
-          <a:prstGeom prst="straightConnector1">
-            <a:avLst/>
-          </a:prstGeom>
-          <a:ln w="28575">
-            <a:solidFill>
-              <a:schemeClr val="tx1"/>
-            </a:solidFill>
-            <a:headEnd type="none" w="med" len="med"/>
-            <a:tailEnd type="none" w="med" len="med"/>
-          </a:ln>
-        </p:spPr>
-        <p:style>
-          <a:lnRef idx="1">
-            <a:schemeClr val="accent1"/>
-          </a:lnRef>
-          <a:fillRef idx="0">
-            <a:schemeClr val="accent1"/>
-          </a:fillRef>
-          <a:effectRef idx="0">
-            <a:schemeClr val="accent1"/>
-          </a:effectRef>
-          <a:fontRef idx="minor">
-            <a:schemeClr val="tx1"/>
-          </a:fontRef>
-        </p:style>
-      </p:cxnSp>
-      <p:cxnSp>
-        <p:nvCxnSpPr>
-          <p:cNvPr id="12" name="직선 화살표 연결선 11"/>
-          <p:cNvCxnSpPr/>
-          <p:nvPr/>
-        </p:nvCxnSpPr>
-        <p:spPr>
-          <a:xfrm flipV="1">
-            <a:off x="6639656" y="3257151"/>
-            <a:ext cx="1080000" cy="1080000"/>
-          </a:xfrm>
-          <a:prstGeom prst="straightConnector1">
-            <a:avLst/>
-          </a:prstGeom>
-          <a:ln w="28575">
-            <a:solidFill>
-              <a:schemeClr val="tx1"/>
-            </a:solidFill>
-            <a:headEnd type="none" w="med" len="med"/>
-            <a:tailEnd type="none" w="med" len="med"/>
-          </a:ln>
-        </p:spPr>
-        <p:style>
-          <a:lnRef idx="1">
-            <a:schemeClr val="accent1"/>
-          </a:lnRef>
-          <a:fillRef idx="0">
-            <a:schemeClr val="accent1"/>
-          </a:fillRef>
-          <a:effectRef idx="0">
-            <a:schemeClr val="accent1"/>
-          </a:effectRef>
-          <a:fontRef idx="minor">
-            <a:schemeClr val="tx1"/>
-          </a:fontRef>
-        </p:style>
-      </p:cxnSp>
-      <p:sp>
-        <p:nvSpPr>
-          <p:cNvPr id="15" name="타원 14"/>
-          <p:cNvSpPr/>
-          <p:nvPr/>
-        </p:nvSpPr>
-        <p:spPr>
-          <a:xfrm>
-            <a:off x="6972757" y="3016539"/>
-            <a:ext cx="1503947" cy="481224"/>
-          </a:xfrm>
-          <a:prstGeom prst="ellipse">
-            <a:avLst/>
-          </a:prstGeom>
-          <a:noFill/>
-          <a:ln w="38100">
-            <a:solidFill>
-              <a:schemeClr val="accent1"/>
-            </a:solidFill>
-          </a:ln>
-        </p:spPr>
-        <p:style>
-          <a:lnRef idx="2">
-            <a:schemeClr val="accent1">
-              <a:shade val="50000"/>
-            </a:schemeClr>
-          </a:lnRef>
-          <a:fillRef idx="1">
-            <a:schemeClr val="accent1"/>
-          </a:fillRef>
-          <a:effectRef idx="0">
-            <a:schemeClr val="accent1"/>
-          </a:effectRef>
-          <a:fontRef idx="minor">
-            <a:schemeClr val="lt1"/>
-          </a:fontRef>
-        </p:style>
-        <p:txBody>
-          <a:bodyPr rtlCol="0" anchor="ctr"/>
-          <a:lstStyle/>
-          <a:p>
-            <a:pPr algn="ctr"/>
-            <a:endParaRPr lang="ko-KR" altLang="en-US"/>
-          </a:p>
-        </p:txBody>
-      </p:sp>
-      <p:sp>
-        <p:nvSpPr>
-          <p:cNvPr id="16" name="타원 15"/>
-          <p:cNvSpPr/>
-          <p:nvPr/>
-        </p:nvSpPr>
-        <p:spPr>
-          <a:xfrm>
-            <a:off x="6972757" y="1584218"/>
-            <a:ext cx="1503947" cy="481224"/>
-          </a:xfrm>
-          <a:prstGeom prst="ellipse">
-            <a:avLst/>
-          </a:prstGeom>
-          <a:noFill/>
-          <a:ln w="38100">
-            <a:solidFill>
-              <a:schemeClr val="accent1"/>
-            </a:solidFill>
-          </a:ln>
-        </p:spPr>
-        <p:style>
-          <a:lnRef idx="2">
-            <a:schemeClr val="accent1">
-              <a:shade val="50000"/>
-            </a:schemeClr>
-          </a:lnRef>
-          <a:fillRef idx="1">
-            <a:schemeClr val="accent1"/>
-          </a:fillRef>
-          <a:effectRef idx="0">
-            <a:schemeClr val="accent1"/>
-          </a:effectRef>
-          <a:fontRef idx="minor">
-            <a:schemeClr val="lt1"/>
-          </a:fontRef>
-        </p:style>
-        <p:txBody>
-          <a:bodyPr rtlCol="0" anchor="ctr"/>
-          <a:lstStyle/>
-          <a:p>
-            <a:pPr algn="ctr"/>
-            <a:endParaRPr lang="ko-KR" altLang="en-US"/>
-          </a:p>
-        </p:txBody>
-      </p:sp>
-      <p:sp>
-        <p:nvSpPr>
-          <p:cNvPr id="17" name="타원 16"/>
-          <p:cNvSpPr/>
-          <p:nvPr/>
-        </p:nvSpPr>
-        <p:spPr>
-          <a:xfrm>
-            <a:off x="6972757" y="4448860"/>
-            <a:ext cx="1503947" cy="481224"/>
-          </a:xfrm>
-          <a:prstGeom prst="ellipse">
-            <a:avLst/>
-          </a:prstGeom>
-          <a:noFill/>
-          <a:ln w="38100">
-            <a:solidFill>
-              <a:schemeClr val="accent1"/>
-            </a:solidFill>
-          </a:ln>
-        </p:spPr>
-        <p:style>
-          <a:lnRef idx="2">
-            <a:schemeClr val="accent1">
-              <a:shade val="50000"/>
-            </a:schemeClr>
-          </a:lnRef>
-          <a:fillRef idx="1">
-            <a:schemeClr val="accent1"/>
-          </a:fillRef>
-          <a:effectRef idx="0">
-            <a:schemeClr val="accent1"/>
-          </a:effectRef>
-          <a:fontRef idx="minor">
-            <a:schemeClr val="lt1"/>
-          </a:fontRef>
-        </p:style>
-        <p:txBody>
-          <a:bodyPr rtlCol="0" anchor="ctr"/>
-          <a:lstStyle/>
-          <a:p>
-            <a:pPr algn="ctr"/>
-            <a:endParaRPr lang="ko-KR" altLang="en-US"/>
-          </a:p>
-        </p:txBody>
-      </p:sp>
-      <p:cxnSp>
-        <p:nvCxnSpPr>
-          <p:cNvPr id="19" name="직선 연결선 18"/>
-          <p:cNvCxnSpPr>
-            <a:stCxn id="16" idx="6"/>
-            <a:endCxn id="17" idx="6"/>
-          </p:cNvCxnSpPr>
-          <p:nvPr/>
-        </p:nvCxnSpPr>
-        <p:spPr>
-          <a:xfrm>
-            <a:off x="8476704" y="1824830"/>
-            <a:ext cx="0" cy="2864642"/>
-          </a:xfrm>
-          <a:prstGeom prst="line">
-            <a:avLst/>
-          </a:prstGeom>
-          <a:ln w="38100"/>
-        </p:spPr>
-        <p:style>
-          <a:lnRef idx="1">
-            <a:schemeClr val="accent1"/>
-          </a:lnRef>
-          <a:fillRef idx="0">
-            <a:schemeClr val="accent1"/>
-          </a:fillRef>
-          <a:effectRef idx="0">
-            <a:schemeClr val="accent1"/>
-          </a:effectRef>
-          <a:fontRef idx="minor">
-            <a:schemeClr val="tx1"/>
-          </a:fontRef>
-        </p:style>
-      </p:cxnSp>
-      <p:cxnSp>
-        <p:nvCxnSpPr>
-          <p:cNvPr id="20" name="직선 연결선 19"/>
-          <p:cNvCxnSpPr>
-            <a:stCxn id="16" idx="2"/>
-            <a:endCxn id="17" idx="2"/>
-          </p:cNvCxnSpPr>
-          <p:nvPr/>
-        </p:nvCxnSpPr>
-        <p:spPr>
-          <a:xfrm>
-            <a:off x="6972757" y="1824830"/>
-            <a:ext cx="0" cy="2864642"/>
-          </a:xfrm>
-          <a:prstGeom prst="line">
-            <a:avLst/>
-          </a:prstGeom>
-          <a:ln w="38100"/>
-        </p:spPr>
-        <p:style>
-          <a:lnRef idx="1">
-            <a:schemeClr val="accent1"/>
-          </a:lnRef>
-          <a:fillRef idx="0">
-            <a:schemeClr val="accent1"/>
-          </a:fillRef>
-          <a:effectRef idx="0">
-            <a:schemeClr val="accent1"/>
-          </a:effectRef>
-          <a:fontRef idx="minor">
-            <a:schemeClr val="tx1"/>
-          </a:fontRef>
-        </p:style>
-      </p:cxnSp>
-      <p:sp>
-        <p:nvSpPr>
-          <p:cNvPr id="23" name="타원 22"/>
-          <p:cNvSpPr/>
-          <p:nvPr/>
-        </p:nvSpPr>
-        <p:spPr>
-          <a:xfrm>
-            <a:off x="8238490" y="2775930"/>
-            <a:ext cx="108000" cy="108000"/>
-          </a:xfrm>
-          <a:prstGeom prst="ellipse">
-            <a:avLst/>
-          </a:prstGeom>
-          <a:solidFill>
-            <a:schemeClr val="tx1"/>
-          </a:solidFill>
-          <a:ln>
-            <a:noFill/>
-          </a:ln>
-        </p:spPr>
-        <p:style>
-          <a:lnRef idx="2">
-            <a:schemeClr val="accent1">
-              <a:shade val="50000"/>
-            </a:schemeClr>
-          </a:lnRef>
-          <a:fillRef idx="1">
-            <a:schemeClr val="accent1"/>
-          </a:fillRef>
-          <a:effectRef idx="0">
-            <a:schemeClr val="accent1"/>
-          </a:effectRef>
-          <a:fontRef idx="minor">
-            <a:schemeClr val="lt1"/>
-          </a:fontRef>
-        </p:style>
-        <p:txBody>
-          <a:bodyPr rtlCol="0" anchor="ctr"/>
-          <a:lstStyle/>
-          <a:p>
-            <a:pPr algn="ctr"/>
-            <a:endParaRPr lang="ko-KR" altLang="en-US"/>
-          </a:p>
-        </p:txBody>
-      </p:sp>
-      <p:cxnSp>
-        <p:nvCxnSpPr>
-          <p:cNvPr id="25" name="직선 연결선 24"/>
-          <p:cNvCxnSpPr>
-            <a:endCxn id="23" idx="1"/>
-          </p:cNvCxnSpPr>
-          <p:nvPr/>
-        </p:nvCxnSpPr>
-        <p:spPr>
-          <a:xfrm>
-            <a:off x="7693164" y="2457547"/>
-            <a:ext cx="561142" cy="334199"/>
-          </a:xfrm>
-          <a:prstGeom prst="line">
-            <a:avLst/>
-          </a:prstGeom>
-          <a:ln>
-            <a:solidFill>
-              <a:schemeClr val="bg2">
-                <a:lumMod val="25000"/>
-              </a:schemeClr>
-            </a:solidFill>
-            <a:prstDash val="dash"/>
-          </a:ln>
-        </p:spPr>
-        <p:style>
-          <a:lnRef idx="1">
-            <a:schemeClr val="accent1"/>
-          </a:lnRef>
-          <a:fillRef idx="0">
-            <a:schemeClr val="accent1"/>
-          </a:fillRef>
-          <a:effectRef idx="0">
-            <a:schemeClr val="accent1"/>
-          </a:effectRef>
-          <a:fontRef idx="minor">
-            <a:schemeClr val="tx1"/>
-          </a:fontRef>
-        </p:style>
-      </p:cxnSp>
-      <mc:AlternateContent xmlns:mc="http://schemas.openxmlformats.org/markup-compatibility/2006">
-        <mc:Choice xmlns:a14="http://schemas.microsoft.com/office/drawing/2010/main" Requires="a14">
-          <p:sp>
-            <p:nvSpPr>
-              <p:cNvPr id="29" name="TextBox 28"/>
-              <p:cNvSpPr txBox="1"/>
-              <p:nvPr/>
-            </p:nvSpPr>
-            <p:spPr>
-              <a:xfrm>
-                <a:off x="7986183" y="2436626"/>
-                <a:ext cx="131639" cy="184666"/>
-              </a:xfrm>
-              <a:prstGeom prst="rect">
-                <a:avLst/>
-              </a:prstGeom>
-              <a:noFill/>
-            </p:spPr>
-            <p:txBody>
-              <a:bodyPr wrap="none" lIns="0" tIns="0" rIns="0" bIns="0" rtlCol="0">
-                <a:spAutoFit/>
-              </a:bodyPr>
-              <a:lstStyle/>
-              <a:p>
-                <a:pPr/>
-                <a14:m>
-                  <m:oMathPara xmlns:m="http://schemas.openxmlformats.org/officeDocument/2006/math">
-                    <m:oMathParaPr>
-                      <m:jc m:val="centerGroup"/>
-                    </m:oMathParaPr>
-                    <m:oMath xmlns:m="http://schemas.openxmlformats.org/officeDocument/2006/math">
-                      <m:r>
-                        <a:rPr lang="en-US" altLang="ko-KR" sz="1200" i="1" smtClean="0">
-                          <a:latin typeface="Cambria Math" panose="02040503050406030204" pitchFamily="18" charset="0"/>
-                        </a:rPr>
-                        <m:t>𝑟</m:t>
-                      </m:r>
-                    </m:oMath>
-                  </m:oMathPara>
-                </a14:m>
-                <a:endParaRPr lang="ko-KR" altLang="en-US" sz="1200" dirty="0"/>
-              </a:p>
-            </p:txBody>
-          </p:sp>
-        </mc:Choice>
-        <mc:Fallback>
-          <p:sp>
-            <p:nvSpPr>
-              <p:cNvPr id="29" name="TextBox 28"/>
-              <p:cNvSpPr txBox="1">
-                <a:spLocks noRot="1" noChangeAspect="1" noMove="1" noResize="1" noEditPoints="1" noAdjustHandles="1" noChangeArrowheads="1" noChangeShapeType="1" noTextEdit="1"/>
-              </p:cNvSpPr>
-              <p:nvPr/>
-            </p:nvSpPr>
-            <p:spPr>
-              <a:xfrm>
-                <a:off x="7986183" y="2436626"/>
-                <a:ext cx="131639" cy="184666"/>
-              </a:xfrm>
-              <a:prstGeom prst="rect">
-                <a:avLst/>
-              </a:prstGeom>
-              <a:blipFill rotWithShape="0">
-                <a:blip r:embed="rId5"/>
-                <a:stretch>
-                  <a:fillRect l="-9091" r="-4545"/>
-                </a:stretch>
-              </a:blipFill>
-            </p:spPr>
-            <p:txBody>
-              <a:bodyPr/>
-              <a:lstStyle/>
-              <a:p>
-                <a:r>
-                  <a:rPr lang="ko-KR" altLang="en-US">
-                    <a:noFill/>
-                  </a:rPr>
-                  <a:t> </a:t>
-                </a:r>
-              </a:p>
-            </p:txBody>
-          </p:sp>
-        </mc:Fallback>
-      </mc:AlternateContent>
-      <mc:AlternateContent xmlns:mc="http://schemas.openxmlformats.org/markup-compatibility/2006">
-        <mc:Choice xmlns:a14="http://schemas.microsoft.com/office/drawing/2010/main" Requires="a14">
-          <p:sp>
-            <p:nvSpPr>
-              <p:cNvPr id="30" name="TextBox 29"/>
-              <p:cNvSpPr txBox="1"/>
-              <p:nvPr/>
-            </p:nvSpPr>
-            <p:spPr>
-              <a:xfrm>
-                <a:off x="7480345" y="2673638"/>
-                <a:ext cx="130870" cy="184666"/>
-              </a:xfrm>
-              <a:prstGeom prst="rect">
-                <a:avLst/>
-              </a:prstGeom>
-              <a:noFill/>
-            </p:spPr>
-            <p:txBody>
-              <a:bodyPr wrap="none" lIns="0" tIns="0" rIns="0" bIns="0" rtlCol="0">
-                <a:spAutoFit/>
-              </a:bodyPr>
-              <a:lstStyle/>
-              <a:p>
-                <a:pPr/>
-                <a14:m>
-                  <m:oMathPara xmlns:m="http://schemas.openxmlformats.org/officeDocument/2006/math">
-                    <m:oMathParaPr>
-                      <m:jc m:val="centerGroup"/>
-                    </m:oMathParaPr>
-                    <m:oMath xmlns:m="http://schemas.openxmlformats.org/officeDocument/2006/math">
-                      <m:r>
-                        <a:rPr lang="en-US" altLang="ko-KR" sz="1200" b="0" i="1" smtClean="0">
-                          <a:latin typeface="Cambria Math" panose="02040503050406030204" pitchFamily="18" charset="0"/>
-                        </a:rPr>
-                        <m:t>𝑧</m:t>
-                      </m:r>
-                    </m:oMath>
-                  </m:oMathPara>
-                </a14:m>
-                <a:endParaRPr lang="ko-KR" altLang="en-US" sz="1200" dirty="0"/>
-              </a:p>
-            </p:txBody>
-          </p:sp>
-        </mc:Choice>
-        <mc:Fallback>
-          <p:sp>
-            <p:nvSpPr>
-              <p:cNvPr id="30" name="TextBox 29"/>
-              <p:cNvSpPr txBox="1">
-                <a:spLocks noRot="1" noChangeAspect="1" noMove="1" noResize="1" noEditPoints="1" noAdjustHandles="1" noChangeArrowheads="1" noChangeShapeType="1" noTextEdit="1"/>
-              </p:cNvSpPr>
-              <p:nvPr/>
-            </p:nvSpPr>
-            <p:spPr>
-              <a:xfrm>
-                <a:off x="7480345" y="2673638"/>
-                <a:ext cx="130870" cy="184666"/>
-              </a:xfrm>
-              <a:prstGeom prst="rect">
-                <a:avLst/>
-              </a:prstGeom>
-              <a:blipFill rotWithShape="0">
-                <a:blip r:embed="rId6"/>
-                <a:stretch>
-                  <a:fillRect l="-9091" r="-4545"/>
-                </a:stretch>
-              </a:blipFill>
-            </p:spPr>
-            <p:txBody>
-              <a:bodyPr/>
-              <a:lstStyle/>
-              <a:p>
-                <a:r>
-                  <a:rPr lang="ko-KR" altLang="en-US">
-                    <a:noFill/>
-                  </a:rPr>
-                  <a:t> </a:t>
-                </a:r>
-              </a:p>
-            </p:txBody>
-          </p:sp>
-        </mc:Fallback>
-      </mc:AlternateContent>
-      <p:cxnSp>
-        <p:nvCxnSpPr>
-          <p:cNvPr id="32" name="직선 연결선 31"/>
-          <p:cNvCxnSpPr/>
-          <p:nvPr/>
-        </p:nvCxnSpPr>
-        <p:spPr>
-          <a:xfrm>
-            <a:off x="7725110" y="3245120"/>
-            <a:ext cx="444332" cy="207943"/>
-          </a:xfrm>
-          <a:prstGeom prst="line">
-            <a:avLst/>
-          </a:prstGeom>
-          <a:ln>
-            <a:solidFill>
-              <a:schemeClr val="bg2">
-                <a:lumMod val="25000"/>
-              </a:schemeClr>
-            </a:solidFill>
-            <a:prstDash val="dash"/>
-          </a:ln>
-        </p:spPr>
-        <p:style>
-          <a:lnRef idx="1">
-            <a:schemeClr val="accent1"/>
-          </a:lnRef>
-          <a:fillRef idx="0">
-            <a:schemeClr val="accent1"/>
-          </a:fillRef>
-          <a:effectRef idx="0">
-            <a:schemeClr val="accent1"/>
-          </a:effectRef>
-          <a:fontRef idx="minor">
-            <a:schemeClr val="tx1"/>
-          </a:fontRef>
-        </p:style>
-      </p:cxnSp>
-      <mc:AlternateContent xmlns:mc="http://schemas.openxmlformats.org/markup-compatibility/2006">
-        <mc:Choice xmlns:a14="http://schemas.microsoft.com/office/drawing/2010/main" Requires="a14">
-          <p:sp>
-            <p:nvSpPr>
-              <p:cNvPr id="36" name="TextBox 35"/>
-              <p:cNvSpPr txBox="1"/>
-              <p:nvPr/>
-            </p:nvSpPr>
-            <p:spPr>
-              <a:xfrm>
-                <a:off x="7633679" y="3349066"/>
-                <a:ext cx="145553" cy="184666"/>
-              </a:xfrm>
-              <a:prstGeom prst="rect">
-                <a:avLst/>
-              </a:prstGeom>
-              <a:noFill/>
-            </p:spPr>
-            <p:txBody>
-              <a:bodyPr wrap="none" lIns="0" tIns="0" rIns="0" bIns="0" rtlCol="0">
-                <a:spAutoFit/>
-              </a:bodyPr>
-              <a:lstStyle/>
-              <a:p>
-                <a:pPr/>
-                <a14:m>
-                  <m:oMathPara xmlns:m="http://schemas.openxmlformats.org/officeDocument/2006/math">
-                    <m:oMathParaPr>
-                      <m:jc m:val="centerGroup"/>
-                    </m:oMathParaPr>
-                    <m:oMath xmlns:m="http://schemas.openxmlformats.org/officeDocument/2006/math">
-                      <m:r>
-                        <a:rPr lang="en-US" altLang="ko-KR" sz="1200" b="0" i="1" smtClean="0">
-                          <a:latin typeface="Cambria Math" panose="02040503050406030204" pitchFamily="18" charset="0"/>
-                        </a:rPr>
-                        <m:t>𝜃</m:t>
-                      </m:r>
-                    </m:oMath>
-                  </m:oMathPara>
-                </a14:m>
-                <a:endParaRPr lang="ko-KR" altLang="en-US" sz="1200" dirty="0"/>
-              </a:p>
-            </p:txBody>
-          </p:sp>
-        </mc:Choice>
-        <mc:Fallback>
-          <p:sp>
-            <p:nvSpPr>
-              <p:cNvPr id="36" name="TextBox 35"/>
-              <p:cNvSpPr txBox="1">
-                <a:spLocks noRot="1" noChangeAspect="1" noMove="1" noResize="1" noEditPoints="1" noAdjustHandles="1" noChangeArrowheads="1" noChangeShapeType="1" noTextEdit="1"/>
-              </p:cNvSpPr>
-              <p:nvPr/>
-            </p:nvSpPr>
-            <p:spPr>
-              <a:xfrm>
-                <a:off x="7633679" y="3349066"/>
-                <a:ext cx="145553" cy="184666"/>
-              </a:xfrm>
-              <a:prstGeom prst="rect">
-                <a:avLst/>
-              </a:prstGeom>
-              <a:blipFill rotWithShape="0">
-                <a:blip r:embed="rId7"/>
-                <a:stretch>
-                  <a:fillRect l="-20833" r="-12500" b="-6452"/>
-                </a:stretch>
-              </a:blipFill>
-            </p:spPr>
-            <p:txBody>
-              <a:bodyPr/>
-              <a:lstStyle/>
-              <a:p>
-                <a:r>
-                  <a:rPr lang="ko-KR" altLang="en-US">
-                    <a:noFill/>
-                  </a:rPr>
-                  <a:t> </a:t>
-                </a:r>
-              </a:p>
-            </p:txBody>
-          </p:sp>
-        </mc:Fallback>
-      </mc:AlternateContent>
-      <p:cxnSp>
-        <p:nvCxnSpPr>
-          <p:cNvPr id="37" name="직선 화살표 연결선 36"/>
-          <p:cNvCxnSpPr/>
-          <p:nvPr/>
-        </p:nvCxnSpPr>
-        <p:spPr>
-          <a:xfrm>
-            <a:off x="8328596" y="2843831"/>
-            <a:ext cx="455627" cy="314440"/>
-          </a:xfrm>
-          <a:prstGeom prst="straightConnector1">
-            <a:avLst/>
-          </a:prstGeom>
-          <a:ln w="28575">
-            <a:solidFill>
-              <a:schemeClr val="tx1"/>
-            </a:solidFill>
-            <a:headEnd w="lg" len="lg"/>
-            <a:tailEnd type="triangle" w="lg" len="lg"/>
-          </a:ln>
-        </p:spPr>
-        <p:style>
-          <a:lnRef idx="1">
-            <a:schemeClr val="accent1"/>
-          </a:lnRef>
-          <a:fillRef idx="0">
-            <a:schemeClr val="accent1"/>
-          </a:fillRef>
-          <a:effectRef idx="0">
-            <a:schemeClr val="accent1"/>
-          </a:effectRef>
-          <a:fontRef idx="minor">
-            <a:schemeClr val="tx1"/>
-          </a:fontRef>
-        </p:style>
-      </p:cxnSp>
-      <p:cxnSp>
-        <p:nvCxnSpPr>
-          <p:cNvPr id="38" name="직선 화살표 연결선 37"/>
-          <p:cNvCxnSpPr/>
-          <p:nvPr/>
-        </p:nvCxnSpPr>
-        <p:spPr>
-          <a:xfrm flipH="1" flipV="1">
-            <a:off x="8277647" y="2110768"/>
-            <a:ext cx="10107" cy="709862"/>
-          </a:xfrm>
-          <a:prstGeom prst="straightConnector1">
-            <a:avLst/>
-          </a:prstGeom>
-          <a:ln w="28575">
-            <a:solidFill>
-              <a:schemeClr val="tx1"/>
-            </a:solidFill>
-            <a:headEnd w="lg" len="lg"/>
-            <a:tailEnd type="triangle" w="lg" len="lg"/>
-          </a:ln>
-        </p:spPr>
-        <p:style>
-          <a:lnRef idx="1">
-            <a:schemeClr val="accent1"/>
-          </a:lnRef>
-          <a:fillRef idx="0">
-            <a:schemeClr val="accent1"/>
-          </a:fillRef>
-          <a:effectRef idx="0">
-            <a:schemeClr val="accent1"/>
-          </a:effectRef>
-          <a:fontRef idx="minor">
-            <a:schemeClr val="tx1"/>
-          </a:fontRef>
-        </p:style>
-      </p:cxnSp>
-      <mc:AlternateContent xmlns:mc="http://schemas.openxmlformats.org/markup-compatibility/2006">
-        <mc:Choice xmlns:a14="http://schemas.microsoft.com/office/drawing/2010/main" Requires="a14">
-          <p:sp>
-            <p:nvSpPr>
-              <p:cNvPr id="39" name="TextBox 38"/>
-              <p:cNvSpPr txBox="1"/>
-              <p:nvPr/>
-            </p:nvSpPr>
-            <p:spPr>
-              <a:xfrm>
-                <a:off x="8865492" y="2980573"/>
-                <a:ext cx="196272" cy="184666"/>
-              </a:xfrm>
-              <a:prstGeom prst="rect">
-                <a:avLst/>
-              </a:prstGeom>
-              <a:noFill/>
-            </p:spPr>
-            <p:txBody>
-              <a:bodyPr wrap="none" lIns="0" tIns="0" rIns="0" bIns="0" rtlCol="0">
-                <a:spAutoFit/>
-              </a:bodyPr>
-              <a:lstStyle/>
-              <a:p>
-                <a:pPr/>
-                <a14:m>
-                  <m:oMathPara xmlns:m="http://schemas.openxmlformats.org/officeDocument/2006/math">
-                    <m:oMathParaPr>
-                      <m:jc m:val="centerGroup"/>
-                    </m:oMathParaPr>
-                    <m:oMath xmlns:m="http://schemas.openxmlformats.org/officeDocument/2006/math">
-                      <m:sSub>
-                        <m:sSubPr>
-                          <m:ctrlPr>
-                            <a:rPr lang="en-US" altLang="ko-KR" sz="1200" b="0" i="1" smtClean="0">
-                              <a:latin typeface="Cambria Math" panose="02040503050406030204" pitchFamily="18" charset="0"/>
-                            </a:rPr>
-                          </m:ctrlPr>
-                        </m:sSubPr>
-                        <m:e>
-                          <m:r>
-                            <a:rPr lang="en-US" altLang="ko-KR" sz="1200" b="0" i="1" smtClean="0">
-                              <a:latin typeface="Cambria Math" panose="02040503050406030204" pitchFamily="18" charset="0"/>
-                            </a:rPr>
-                            <m:t>𝑒</m:t>
-                          </m:r>
-                        </m:e>
-                        <m:sub>
-                          <m:r>
-                            <a:rPr lang="en-US" altLang="ko-KR" sz="1200" b="0" i="1" smtClean="0">
-                              <a:latin typeface="Cambria Math" panose="02040503050406030204" pitchFamily="18" charset="0"/>
-                            </a:rPr>
-                            <m:t>𝑟</m:t>
-                          </m:r>
-                        </m:sub>
-                      </m:sSub>
-                    </m:oMath>
-                  </m:oMathPara>
-                </a14:m>
-                <a:endParaRPr lang="ko-KR" altLang="en-US" sz="1200" dirty="0"/>
-              </a:p>
-            </p:txBody>
-          </p:sp>
-        </mc:Choice>
-        <mc:Fallback>
-          <p:sp>
-            <p:nvSpPr>
-              <p:cNvPr id="39" name="TextBox 38"/>
-              <p:cNvSpPr txBox="1">
-                <a:spLocks noRot="1" noChangeAspect="1" noMove="1" noResize="1" noEditPoints="1" noAdjustHandles="1" noChangeArrowheads="1" noChangeShapeType="1" noTextEdit="1"/>
-              </p:cNvSpPr>
-              <p:nvPr/>
-            </p:nvSpPr>
-            <p:spPr>
-              <a:xfrm>
-                <a:off x="8865492" y="2980573"/>
-                <a:ext cx="196272" cy="184666"/>
-              </a:xfrm>
-              <a:prstGeom prst="rect">
-                <a:avLst/>
-              </a:prstGeom>
-              <a:blipFill rotWithShape="0">
-                <a:blip r:embed="rId8"/>
-                <a:stretch>
-                  <a:fillRect l="-3030" b="-13333"/>
-                </a:stretch>
-              </a:blipFill>
-            </p:spPr>
-            <p:txBody>
-              <a:bodyPr/>
-              <a:lstStyle/>
-              <a:p>
-                <a:r>
-                  <a:rPr lang="ko-KR" altLang="en-US">
-                    <a:noFill/>
-                  </a:rPr>
-                  <a:t> </a:t>
-                </a:r>
-              </a:p>
-            </p:txBody>
-          </p:sp>
-        </mc:Fallback>
-      </mc:AlternateContent>
-      <p:cxnSp>
-        <p:nvCxnSpPr>
-          <p:cNvPr id="40" name="직선 화살표 연결선 39"/>
-          <p:cNvCxnSpPr/>
-          <p:nvPr/>
-        </p:nvCxnSpPr>
-        <p:spPr>
-          <a:xfrm flipV="1">
-            <a:off x="8330685" y="2624646"/>
-            <a:ext cx="534842" cy="203387"/>
-          </a:xfrm>
-          <a:prstGeom prst="straightConnector1">
-            <a:avLst/>
-          </a:prstGeom>
-          <a:ln w="28575">
-            <a:solidFill>
-              <a:schemeClr val="tx1"/>
-            </a:solidFill>
-            <a:headEnd w="lg" len="lg"/>
-            <a:tailEnd type="triangle" w="lg" len="lg"/>
-          </a:ln>
-        </p:spPr>
-        <p:style>
-          <a:lnRef idx="1">
-            <a:schemeClr val="accent1"/>
-          </a:lnRef>
-          <a:fillRef idx="0">
-            <a:schemeClr val="accent1"/>
-          </a:fillRef>
-          <a:effectRef idx="0">
-            <a:schemeClr val="accent1"/>
-          </a:effectRef>
-          <a:fontRef idx="minor">
-            <a:schemeClr val="tx1"/>
-          </a:fontRef>
-        </p:style>
-      </p:cxnSp>
-      <mc:AlternateContent xmlns:mc="http://schemas.openxmlformats.org/markup-compatibility/2006">
-        <mc:Choice xmlns:a14="http://schemas.microsoft.com/office/drawing/2010/main" Requires="a14">
-          <p:sp>
-            <p:nvSpPr>
-              <p:cNvPr id="41" name="TextBox 40"/>
-              <p:cNvSpPr txBox="1"/>
-              <p:nvPr/>
-            </p:nvSpPr>
-            <p:spPr>
-              <a:xfrm>
-                <a:off x="8939397" y="2493227"/>
-                <a:ext cx="207173" cy="184666"/>
-              </a:xfrm>
-              <a:prstGeom prst="rect">
-                <a:avLst/>
-              </a:prstGeom>
-              <a:noFill/>
-            </p:spPr>
-            <p:txBody>
-              <a:bodyPr wrap="none" lIns="0" tIns="0" rIns="0" bIns="0" rtlCol="0">
-                <a:spAutoFit/>
-              </a:bodyPr>
-              <a:lstStyle/>
-              <a:p>
-                <a:pPr/>
-                <a14:m>
-                  <m:oMathPara xmlns:m="http://schemas.openxmlformats.org/officeDocument/2006/math">
-                    <m:oMathParaPr>
-                      <m:jc m:val="centerGroup"/>
-                    </m:oMathParaPr>
-                    <m:oMath xmlns:m="http://schemas.openxmlformats.org/officeDocument/2006/math">
-                      <m:sSub>
-                        <m:sSubPr>
-                          <m:ctrlPr>
-                            <a:rPr lang="en-US" altLang="ko-KR" sz="1200" b="0" i="1" smtClean="0">
-                              <a:latin typeface="Cambria Math" panose="02040503050406030204" pitchFamily="18" charset="0"/>
-                            </a:rPr>
-                          </m:ctrlPr>
-                        </m:sSubPr>
-                        <m:e>
-                          <m:r>
-                            <a:rPr lang="en-US" altLang="ko-KR" sz="1200" b="0" i="1" smtClean="0">
-                              <a:latin typeface="Cambria Math" panose="02040503050406030204" pitchFamily="18" charset="0"/>
-                            </a:rPr>
-                            <m:t>𝑒</m:t>
-                          </m:r>
-                        </m:e>
-                        <m:sub>
-                          <m:r>
-                            <a:rPr lang="en-US" altLang="ko-KR" sz="1200" b="0" i="1" smtClean="0">
-                              <a:latin typeface="Cambria Math" panose="02040503050406030204" pitchFamily="18" charset="0"/>
-                            </a:rPr>
-                            <m:t>𝜃</m:t>
-                          </m:r>
-                        </m:sub>
-                      </m:sSub>
-                    </m:oMath>
-                  </m:oMathPara>
-                </a14:m>
-                <a:endParaRPr lang="ko-KR" altLang="en-US" sz="1200" dirty="0"/>
-              </a:p>
-            </p:txBody>
-          </p:sp>
-        </mc:Choice>
-        <mc:Fallback>
-          <p:sp>
-            <p:nvSpPr>
-              <p:cNvPr id="41" name="TextBox 40"/>
-              <p:cNvSpPr txBox="1">
-                <a:spLocks noRot="1" noChangeAspect="1" noMove="1" noResize="1" noEditPoints="1" noAdjustHandles="1" noChangeArrowheads="1" noChangeShapeType="1" noTextEdit="1"/>
-              </p:cNvSpPr>
-              <p:nvPr/>
-            </p:nvSpPr>
-            <p:spPr>
-              <a:xfrm>
-                <a:off x="8939397" y="2493227"/>
-                <a:ext cx="207173" cy="184666"/>
-              </a:xfrm>
-              <a:prstGeom prst="rect">
-                <a:avLst/>
-              </a:prstGeom>
-              <a:blipFill rotWithShape="0">
-                <a:blip r:embed="rId9"/>
-                <a:stretch>
-                  <a:fillRect l="-2941" b="-20000"/>
-                </a:stretch>
-              </a:blipFill>
-            </p:spPr>
-            <p:txBody>
-              <a:bodyPr/>
-              <a:lstStyle/>
-              <a:p>
-                <a:r>
-                  <a:rPr lang="ko-KR" altLang="en-US">
-                    <a:noFill/>
-                  </a:rPr>
-                  <a:t> </a:t>
-                </a:r>
-              </a:p>
-            </p:txBody>
-          </p:sp>
-        </mc:Fallback>
-      </mc:AlternateContent>
-      <mc:AlternateContent xmlns:mc="http://schemas.openxmlformats.org/markup-compatibility/2006">
-        <mc:Choice xmlns:a14="http://schemas.microsoft.com/office/drawing/2010/main" Requires="a14">
-          <p:sp>
-            <p:nvSpPr>
-              <p:cNvPr id="42" name="TextBox 41"/>
-              <p:cNvSpPr txBox="1"/>
-              <p:nvPr/>
-            </p:nvSpPr>
-            <p:spPr>
-              <a:xfrm>
-                <a:off x="8328939" y="2006918"/>
-                <a:ext cx="195118" cy="184666"/>
-              </a:xfrm>
-              <a:prstGeom prst="rect">
-                <a:avLst/>
-              </a:prstGeom>
-              <a:noFill/>
-            </p:spPr>
-            <p:txBody>
-              <a:bodyPr wrap="none" lIns="0" tIns="0" rIns="0" bIns="0" rtlCol="0">
-                <a:spAutoFit/>
-              </a:bodyPr>
-              <a:lstStyle/>
-              <a:p>
-                <a:pPr/>
-                <a14:m>
-                  <m:oMathPara xmlns:m="http://schemas.openxmlformats.org/officeDocument/2006/math">
-                    <m:oMathParaPr>
-                      <m:jc m:val="centerGroup"/>
-                    </m:oMathParaPr>
-                    <m:oMath xmlns:m="http://schemas.openxmlformats.org/officeDocument/2006/math">
-                      <m:sSub>
-                        <m:sSubPr>
-                          <m:ctrlPr>
-                            <a:rPr lang="en-US" altLang="ko-KR" sz="1200" b="0" i="1" smtClean="0">
-                              <a:latin typeface="Cambria Math" panose="02040503050406030204" pitchFamily="18" charset="0"/>
-                            </a:rPr>
-                          </m:ctrlPr>
-                        </m:sSubPr>
-                        <m:e>
-                          <m:r>
-                            <a:rPr lang="en-US" altLang="ko-KR" sz="1200" b="0" i="1" smtClean="0">
-                              <a:latin typeface="Cambria Math" panose="02040503050406030204" pitchFamily="18" charset="0"/>
-                            </a:rPr>
-                            <m:t>𝑒</m:t>
-                          </m:r>
-                        </m:e>
-                        <m:sub>
-                          <m:r>
-                            <a:rPr lang="en-US" altLang="ko-KR" sz="1200" b="0" i="1" smtClean="0">
-                              <a:latin typeface="Cambria Math" panose="02040503050406030204" pitchFamily="18" charset="0"/>
-                            </a:rPr>
-                            <m:t>𝑧</m:t>
-                          </m:r>
-                        </m:sub>
-                      </m:sSub>
-                    </m:oMath>
-                  </m:oMathPara>
-                </a14:m>
-                <a:endParaRPr lang="ko-KR" altLang="en-US" sz="1200" dirty="0"/>
-              </a:p>
-            </p:txBody>
-          </p:sp>
-        </mc:Choice>
-        <mc:Fallback>
-          <p:sp>
-            <p:nvSpPr>
-              <p:cNvPr id="42" name="TextBox 41"/>
-              <p:cNvSpPr txBox="1">
-                <a:spLocks noRot="1" noChangeAspect="1" noMove="1" noResize="1" noEditPoints="1" noAdjustHandles="1" noChangeArrowheads="1" noChangeShapeType="1" noTextEdit="1"/>
-              </p:cNvSpPr>
-              <p:nvPr/>
-            </p:nvSpPr>
-            <p:spPr>
-              <a:xfrm>
-                <a:off x="8328939" y="2006918"/>
-                <a:ext cx="195118" cy="184666"/>
-              </a:xfrm>
-              <a:prstGeom prst="rect">
-                <a:avLst/>
-              </a:prstGeom>
-              <a:blipFill rotWithShape="0">
-                <a:blip r:embed="rId10"/>
-                <a:stretch>
-                  <a:fillRect l="-6250" b="-9677"/>
-                </a:stretch>
-              </a:blipFill>
-            </p:spPr>
-            <p:txBody>
-              <a:bodyPr/>
-              <a:lstStyle/>
-              <a:p>
-                <a:r>
-                  <a:rPr lang="ko-KR" altLang="en-US">
-                    <a:noFill/>
-                  </a:rPr>
-                  <a:t> </a:t>
-                </a:r>
-              </a:p>
-            </p:txBody>
-          </p:sp>
-        </mc:Fallback>
-      </mc:AlternateContent>
-      <p:sp>
-        <p:nvSpPr>
-          <p:cNvPr id="49" name="자유형 48"/>
-          <p:cNvSpPr/>
-          <p:nvPr/>
-        </p:nvSpPr>
-        <p:spPr>
-          <a:xfrm>
-            <a:off x="7648952" y="3313097"/>
-            <a:ext cx="203056" cy="51254"/>
-          </a:xfrm>
-          <a:custGeom>
-            <a:avLst/>
-            <a:gdLst>
-              <a:gd name="connsiteX0" fmla="*/ 0 w 226219"/>
-              <a:gd name="connsiteY0" fmla="*/ 31073 h 65260"/>
-              <a:gd name="connsiteX1" fmla="*/ 123825 w 226219"/>
-              <a:gd name="connsiteY1" fmla="*/ 64411 h 65260"/>
-              <a:gd name="connsiteX2" fmla="*/ 226219 w 226219"/>
-              <a:gd name="connsiteY2" fmla="*/ 117 h 65260"/>
-              <a:gd name="connsiteX0" fmla="*/ 0 w 202406"/>
-              <a:gd name="connsiteY0" fmla="*/ 19188 h 52905"/>
-              <a:gd name="connsiteX1" fmla="*/ 123825 w 202406"/>
-              <a:gd name="connsiteY1" fmla="*/ 52526 h 52905"/>
-              <a:gd name="connsiteX2" fmla="*/ 202406 w 202406"/>
-              <a:gd name="connsiteY2" fmla="*/ 139 h 52905"/>
-              <a:gd name="connsiteX0" fmla="*/ 0 w 280987"/>
-              <a:gd name="connsiteY0" fmla="*/ 35828 h 70232"/>
-              <a:gd name="connsiteX1" fmla="*/ 123825 w 280987"/>
-              <a:gd name="connsiteY1" fmla="*/ 69166 h 70232"/>
-              <a:gd name="connsiteX2" fmla="*/ 280987 w 280987"/>
-              <a:gd name="connsiteY2" fmla="*/ 110 h 70232"/>
-              <a:gd name="connsiteX0" fmla="*/ 0 w 280987"/>
-              <a:gd name="connsiteY0" fmla="*/ 35813 h 81784"/>
-              <a:gd name="connsiteX1" fmla="*/ 164306 w 280987"/>
-              <a:gd name="connsiteY1" fmla="*/ 81057 h 81784"/>
-              <a:gd name="connsiteX2" fmla="*/ 280987 w 280987"/>
-              <a:gd name="connsiteY2" fmla="*/ 95 h 81784"/>
-              <a:gd name="connsiteX0" fmla="*/ 0 w 242887"/>
-              <a:gd name="connsiteY0" fmla="*/ 33434 h 79324"/>
-              <a:gd name="connsiteX1" fmla="*/ 164306 w 242887"/>
-              <a:gd name="connsiteY1" fmla="*/ 78678 h 79324"/>
-              <a:gd name="connsiteX2" fmla="*/ 242887 w 242887"/>
-              <a:gd name="connsiteY2" fmla="*/ 97 h 79324"/>
-              <a:gd name="connsiteX0" fmla="*/ 0 w 242887"/>
-              <a:gd name="connsiteY0" fmla="*/ 33337 h 79227"/>
-              <a:gd name="connsiteX1" fmla="*/ 164306 w 242887"/>
-              <a:gd name="connsiteY1" fmla="*/ 78581 h 79227"/>
-              <a:gd name="connsiteX2" fmla="*/ 242887 w 242887"/>
-              <a:gd name="connsiteY2" fmla="*/ 0 h 79227"/>
-              <a:gd name="connsiteX0" fmla="*/ 0 w 196938"/>
-              <a:gd name="connsiteY0" fmla="*/ 23047 h 78838"/>
-              <a:gd name="connsiteX1" fmla="*/ 118357 w 196938"/>
-              <a:gd name="connsiteY1" fmla="*/ 78581 h 78838"/>
-              <a:gd name="connsiteX2" fmla="*/ 196938 w 196938"/>
-              <a:gd name="connsiteY2" fmla="*/ 0 h 78838"/>
-              <a:gd name="connsiteX0" fmla="*/ 0 w 196938"/>
-              <a:gd name="connsiteY0" fmla="*/ 23047 h 78870"/>
-              <a:gd name="connsiteX1" fmla="*/ 118357 w 196938"/>
-              <a:gd name="connsiteY1" fmla="*/ 78581 h 78870"/>
-              <a:gd name="connsiteX2" fmla="*/ 196938 w 196938"/>
-              <a:gd name="connsiteY2" fmla="*/ 0 h 78870"/>
-            </a:gdLst>
-            <a:ahLst/>
-            <a:cxnLst>
-              <a:cxn ang="0">
-                <a:pos x="connsiteX0" y="connsiteY0"/>
-              </a:cxn>
-              <a:cxn ang="0">
-                <a:pos x="connsiteX1" y="connsiteY1"/>
-              </a:cxn>
-              <a:cxn ang="0">
-                <a:pos x="connsiteX2" y="connsiteY2"/>
-              </a:cxn>
-            </a:cxnLst>
-            <a:rect l="l" t="t" r="r" b="b"/>
-            <a:pathLst>
-              <a:path w="196938" h="78870">
-                <a:moveTo>
-                  <a:pt x="0" y="23047"/>
-                </a:moveTo>
-                <a:cubicBezTo>
-                  <a:pt x="36831" y="47216"/>
-                  <a:pt x="85534" y="82422"/>
-                  <a:pt x="118357" y="78581"/>
-                </a:cubicBezTo>
-                <a:cubicBezTo>
-                  <a:pt x="151180" y="74740"/>
-                  <a:pt x="180411" y="27694"/>
-                  <a:pt x="196938" y="0"/>
-                </a:cubicBezTo>
-              </a:path>
-            </a:pathLst>
-          </a:custGeom>
-          <a:noFill/>
-          <a:ln>
-            <a:solidFill>
-              <a:schemeClr val="bg2">
-                <a:lumMod val="25000"/>
-              </a:schemeClr>
-            </a:solidFill>
-            <a:prstDash val="dash"/>
-          </a:ln>
-        </p:spPr>
-        <p:style>
-          <a:lnRef idx="2">
-            <a:schemeClr val="accent1">
-              <a:shade val="50000"/>
-            </a:schemeClr>
-          </a:lnRef>
-          <a:fillRef idx="1">
-            <a:schemeClr val="accent1"/>
-          </a:fillRef>
-          <a:effectRef idx="0">
-            <a:schemeClr val="accent1"/>
-          </a:effectRef>
-          <a:fontRef idx="minor">
-            <a:schemeClr val="lt1"/>
-          </a:fontRef>
-        </p:style>
-        <p:txBody>
-          <a:bodyPr rtlCol="0" anchor="ctr"/>
-          <a:lstStyle/>
-          <a:p>
-            <a:pPr algn="ctr"/>
-            <a:endParaRPr lang="ko-KR" altLang="en-US"/>
-          </a:p>
-        </p:txBody>
-      </p:sp>
-      <mc:AlternateContent xmlns:mc="http://schemas.openxmlformats.org/markup-compatibility/2006">
-        <mc:Choice xmlns:a14="http://schemas.microsoft.com/office/drawing/2010/main" Requires="a14">
-          <p:sp>
-            <p:nvSpPr>
-              <p:cNvPr id="51" name="TextBox 50"/>
-              <p:cNvSpPr txBox="1"/>
-              <p:nvPr/>
-            </p:nvSpPr>
-            <p:spPr>
-              <a:xfrm>
-                <a:off x="8088042" y="2812455"/>
-                <a:ext cx="154466" cy="184666"/>
-              </a:xfrm>
-              <a:prstGeom prst="rect">
-                <a:avLst/>
-              </a:prstGeom>
-              <a:noFill/>
-            </p:spPr>
-            <p:txBody>
-              <a:bodyPr wrap="none" lIns="0" tIns="0" rIns="0" bIns="0" rtlCol="0">
-                <a:spAutoFit/>
-              </a:bodyPr>
-              <a:lstStyle/>
-              <a:p>
-                <a:pPr/>
-                <a14:m>
-                  <m:oMathPara xmlns:m="http://schemas.openxmlformats.org/officeDocument/2006/math">
-                    <m:oMathParaPr>
-                      <m:jc m:val="centerGroup"/>
-                    </m:oMathParaPr>
-                    <m:oMath xmlns:m="http://schemas.openxmlformats.org/officeDocument/2006/math">
-                      <m:r>
-                        <a:rPr lang="en-US" altLang="ko-KR" sz="1200" b="0" i="1" smtClean="0">
-                          <a:latin typeface="Cambria Math" panose="02040503050406030204" pitchFamily="18" charset="0"/>
-                        </a:rPr>
-                        <m:t>𝑃</m:t>
-                      </m:r>
-                    </m:oMath>
-                  </m:oMathPara>
-                </a14:m>
-                <a:endParaRPr lang="ko-KR" altLang="en-US" sz="1200" dirty="0"/>
-              </a:p>
-            </p:txBody>
-          </p:sp>
-        </mc:Choice>
-        <mc:Fallback>
-          <p:sp>
-            <p:nvSpPr>
-              <p:cNvPr id="51" name="TextBox 50"/>
-              <p:cNvSpPr txBox="1">
-                <a:spLocks noRot="1" noChangeAspect="1" noMove="1" noResize="1" noEditPoints="1" noAdjustHandles="1" noChangeArrowheads="1" noChangeShapeType="1" noTextEdit="1"/>
-              </p:cNvSpPr>
-              <p:nvPr/>
-            </p:nvSpPr>
-            <p:spPr>
-              <a:xfrm>
-                <a:off x="8088042" y="2812455"/>
-                <a:ext cx="154466" cy="184666"/>
-              </a:xfrm>
-              <a:prstGeom prst="rect">
-                <a:avLst/>
-              </a:prstGeom>
-              <a:blipFill rotWithShape="0">
-                <a:blip r:embed="rId11"/>
-                <a:stretch>
-                  <a:fillRect l="-16000" r="-20000" b="-6452"/>
-                </a:stretch>
-              </a:blipFill>
-            </p:spPr>
-            <p:txBody>
-              <a:bodyPr/>
-              <a:lstStyle/>
-              <a:p>
-                <a:r>
-                  <a:rPr lang="ko-KR" altLang="en-US">
-                    <a:noFill/>
-                  </a:rPr>
-                  <a:t> </a:t>
-                </a:r>
-              </a:p>
-            </p:txBody>
-          </p:sp>
-        </mc:Fallback>
-      </mc:AlternateContent>
-      <p:grpSp>
-        <p:nvGrpSpPr>
-          <p:cNvPr id="54" name="그룹 53"/>
-          <p:cNvGrpSpPr/>
-          <p:nvPr/>
-        </p:nvGrpSpPr>
-        <p:grpSpPr>
-          <a:xfrm>
-            <a:off x="1817804" y="3364351"/>
-            <a:ext cx="1516730" cy="1296323"/>
-            <a:chOff x="1817804" y="4159356"/>
-            <a:chExt cx="511868" cy="501318"/>
-          </a:xfrm>
-        </p:grpSpPr>
-        <p:cxnSp>
-          <p:nvCxnSpPr>
-            <p:cNvPr id="52" name="직선 화살표 연결선 51"/>
-            <p:cNvCxnSpPr/>
-            <p:nvPr/>
-          </p:nvCxnSpPr>
-          <p:spPr>
-            <a:xfrm>
-              <a:off x="1817804" y="4659408"/>
-              <a:ext cx="511868" cy="1266"/>
-            </a:xfrm>
-            <a:prstGeom prst="straightConnector1">
-              <a:avLst/>
-            </a:prstGeom>
-            <a:ln w="28575">
-              <a:solidFill>
-                <a:schemeClr val="tx1"/>
-              </a:solidFill>
-              <a:headEnd type="none" w="med" len="med"/>
-              <a:tailEnd type="none" w="med" len="med"/>
-            </a:ln>
-          </p:spPr>
-          <p:style>
-            <a:lnRef idx="1">
-              <a:schemeClr val="accent1"/>
-            </a:lnRef>
-            <a:fillRef idx="0">
-              <a:schemeClr val="accent1"/>
-            </a:fillRef>
-            <a:effectRef idx="0">
-              <a:schemeClr val="accent1"/>
-            </a:effectRef>
-            <a:fontRef idx="minor">
-              <a:schemeClr val="tx1"/>
-            </a:fontRef>
-          </p:style>
-        </p:cxnSp>
-        <p:cxnSp>
-          <p:nvCxnSpPr>
-            <p:cNvPr id="53" name="직선 화살표 연결선 52"/>
-            <p:cNvCxnSpPr/>
-            <p:nvPr/>
-          </p:nvCxnSpPr>
-          <p:spPr>
-            <a:xfrm flipV="1">
-              <a:off x="1827330" y="4159356"/>
-              <a:ext cx="815" cy="501318"/>
-            </a:xfrm>
-            <a:prstGeom prst="straightConnector1">
-              <a:avLst/>
-            </a:prstGeom>
-            <a:ln w="28575">
-              <a:solidFill>
-                <a:schemeClr val="tx1"/>
-              </a:solidFill>
-              <a:headEnd type="none" w="med" len="med"/>
-              <a:tailEnd type="none" w="med" len="med"/>
-            </a:ln>
-          </p:spPr>
-          <p:style>
-            <a:lnRef idx="1">
-              <a:schemeClr val="accent1"/>
-            </a:lnRef>
-            <a:fillRef idx="0">
-              <a:schemeClr val="accent1"/>
-            </a:fillRef>
-            <a:effectRef idx="0">
-              <a:schemeClr val="accent1"/>
-            </a:effectRef>
-            <a:fontRef idx="minor">
-              <a:schemeClr val="tx1"/>
-            </a:fontRef>
-          </p:style>
-        </p:cxnSp>
-      </p:grpSp>
-      <p:grpSp>
-        <p:nvGrpSpPr>
-          <p:cNvPr id="55" name="그룹 54"/>
-          <p:cNvGrpSpPr/>
-          <p:nvPr/>
-        </p:nvGrpSpPr>
-        <p:grpSpPr>
-          <a:xfrm rot="18594618">
-            <a:off x="1048157" y="3011138"/>
-            <a:ext cx="1498089" cy="1322803"/>
-            <a:chOff x="1817804" y="4159356"/>
-            <a:chExt cx="511868" cy="501318"/>
-          </a:xfrm>
-        </p:grpSpPr>
-        <p:cxnSp>
-          <p:nvCxnSpPr>
-            <p:cNvPr id="56" name="직선 화살표 연결선 55"/>
-            <p:cNvCxnSpPr/>
-            <p:nvPr/>
-          </p:nvCxnSpPr>
-          <p:spPr>
-            <a:xfrm>
-              <a:off x="1817804" y="4659408"/>
-              <a:ext cx="511868" cy="1266"/>
-            </a:xfrm>
-            <a:prstGeom prst="straightConnector1">
-              <a:avLst/>
-            </a:prstGeom>
-            <a:ln w="28575">
-              <a:solidFill>
-                <a:schemeClr val="accent1"/>
-              </a:solidFill>
-              <a:headEnd type="none" w="med" len="med"/>
-              <a:tailEnd type="none" w="med" len="med"/>
-            </a:ln>
-          </p:spPr>
-          <p:style>
-            <a:lnRef idx="1">
-              <a:schemeClr val="accent1"/>
-            </a:lnRef>
-            <a:fillRef idx="0">
-              <a:schemeClr val="accent1"/>
-            </a:fillRef>
-            <a:effectRef idx="0">
-              <a:schemeClr val="accent1"/>
-            </a:effectRef>
-            <a:fontRef idx="minor">
-              <a:schemeClr val="tx1"/>
-            </a:fontRef>
-          </p:style>
-        </p:cxnSp>
-        <p:cxnSp>
-          <p:nvCxnSpPr>
-            <p:cNvPr id="57" name="직선 화살표 연결선 56"/>
-            <p:cNvCxnSpPr/>
-            <p:nvPr/>
-          </p:nvCxnSpPr>
-          <p:spPr>
-            <a:xfrm flipV="1">
-              <a:off x="1827330" y="4159356"/>
-              <a:ext cx="815" cy="501318"/>
-            </a:xfrm>
-            <a:prstGeom prst="straightConnector1">
-              <a:avLst/>
-            </a:prstGeom>
-            <a:ln w="28575">
-              <a:solidFill>
-                <a:schemeClr val="accent1"/>
-              </a:solidFill>
-              <a:headEnd type="none" w="med" len="med"/>
-              <a:tailEnd type="none" w="med" len="med"/>
-            </a:ln>
-          </p:spPr>
-          <p:style>
-            <a:lnRef idx="1">
-              <a:schemeClr val="accent1"/>
-            </a:lnRef>
-            <a:fillRef idx="0">
-              <a:schemeClr val="accent1"/>
-            </a:fillRef>
-            <a:effectRef idx="0">
-              <a:schemeClr val="accent1"/>
-            </a:effectRef>
-            <a:fontRef idx="minor">
-              <a:schemeClr val="tx1"/>
-            </a:fontRef>
-          </p:style>
-        </p:cxnSp>
-      </p:grpSp>
-      <mc:AlternateContent xmlns:mc="http://schemas.openxmlformats.org/markup-compatibility/2006">
-        <mc:Choice xmlns:a14="http://schemas.microsoft.com/office/drawing/2010/main" Requires="a14">
-          <p:sp>
-            <p:nvSpPr>
-              <p:cNvPr id="58" name="TextBox 57"/>
-              <p:cNvSpPr txBox="1"/>
-              <p:nvPr/>
-            </p:nvSpPr>
-            <p:spPr>
-              <a:xfrm>
-                <a:off x="1735175" y="2933092"/>
-                <a:ext cx="309893" cy="298928"/>
-              </a:xfrm>
-              <a:prstGeom prst="rect">
-                <a:avLst/>
-              </a:prstGeom>
-              <a:noFill/>
-            </p:spPr>
-            <p:txBody>
-              <a:bodyPr wrap="none" lIns="0" tIns="0" rIns="0" bIns="0" rtlCol="0">
-                <a:spAutoFit/>
-              </a:bodyPr>
-              <a:lstStyle/>
-              <a:p>
-                <a:pPr/>
-                <a14:m>
-                  <m:oMathPara xmlns:m="http://schemas.openxmlformats.org/officeDocument/2006/math">
-                    <m:oMathParaPr>
-                      <m:jc m:val="centerGroup"/>
-                    </m:oMathParaPr>
-                    <m:oMath xmlns:m="http://schemas.openxmlformats.org/officeDocument/2006/math">
-                      <m:sSub>
-                        <m:sSubPr>
-                          <m:ctrlPr>
-                            <a:rPr lang="en-US" altLang="ko-KR" b="0" i="1" smtClean="0">
-                              <a:latin typeface="Cambria Math" panose="02040503050406030204" pitchFamily="18" charset="0"/>
-                            </a:rPr>
-                          </m:ctrlPr>
-                        </m:sSubPr>
-                        <m:e>
-                          <m:r>
-                            <a:rPr lang="en-US" altLang="ko-KR" b="0" i="1" smtClean="0">
-                              <a:latin typeface="Cambria Math" panose="02040503050406030204" pitchFamily="18" charset="0"/>
-                            </a:rPr>
-                            <m:t>𝑒</m:t>
-                          </m:r>
-                        </m:e>
-                        <m:sub>
-                          <m:r>
-                            <a:rPr lang="en-US" altLang="ko-KR" b="0" i="1" smtClean="0">
-                              <a:latin typeface="Cambria Math" panose="02040503050406030204" pitchFamily="18" charset="0"/>
-                            </a:rPr>
-                            <m:t>𝑦</m:t>
-                          </m:r>
-                        </m:sub>
-                      </m:sSub>
-                    </m:oMath>
-                  </m:oMathPara>
-                </a14:m>
-                <a:endParaRPr lang="ko-KR" altLang="en-US" dirty="0"/>
-              </a:p>
-            </p:txBody>
-          </p:sp>
-        </mc:Choice>
-        <mc:Fallback>
-          <p:sp>
-            <p:nvSpPr>
-              <p:cNvPr id="58" name="TextBox 57"/>
-              <p:cNvSpPr txBox="1">
-                <a:spLocks noRot="1" noChangeAspect="1" noMove="1" noResize="1" noEditPoints="1" noAdjustHandles="1" noChangeArrowheads="1" noChangeShapeType="1" noTextEdit="1"/>
-              </p:cNvSpPr>
-              <p:nvPr/>
-            </p:nvSpPr>
-            <p:spPr>
-              <a:xfrm>
-                <a:off x="1735175" y="2933092"/>
-                <a:ext cx="309893" cy="298928"/>
-              </a:xfrm>
-              <a:prstGeom prst="rect">
-                <a:avLst/>
-              </a:prstGeom>
-              <a:blipFill rotWithShape="0">
-                <a:blip r:embed="rId12"/>
-                <a:stretch>
-                  <a:fillRect l="-6000" r="-6000" b="-20408"/>
-                </a:stretch>
-              </a:blipFill>
-            </p:spPr>
-            <p:txBody>
-              <a:bodyPr/>
-              <a:lstStyle/>
-              <a:p>
-                <a:r>
-                  <a:rPr lang="ko-KR" altLang="en-US">
-                    <a:noFill/>
-                  </a:rPr>
-                  <a:t> </a:t>
-                </a:r>
-              </a:p>
-            </p:txBody>
-          </p:sp>
-        </mc:Fallback>
-      </mc:AlternateContent>
-      <mc:AlternateContent xmlns:mc="http://schemas.openxmlformats.org/markup-compatibility/2006">
-        <mc:Choice xmlns:a14="http://schemas.microsoft.com/office/drawing/2010/main" Requires="a14">
-          <p:sp>
-            <p:nvSpPr>
-              <p:cNvPr id="59" name="TextBox 58"/>
-              <p:cNvSpPr txBox="1"/>
-              <p:nvPr/>
-            </p:nvSpPr>
-            <p:spPr>
-              <a:xfrm>
-                <a:off x="2898935" y="3158272"/>
-                <a:ext cx="73894" cy="276999"/>
-              </a:xfrm>
-              <a:prstGeom prst="rect">
-                <a:avLst/>
-              </a:prstGeom>
-              <a:noFill/>
-            </p:spPr>
-            <p:txBody>
-              <a:bodyPr wrap="square" lIns="0" tIns="0" rIns="0" bIns="0" rtlCol="0">
-                <a:spAutoFit/>
-              </a:bodyPr>
-              <a:lstStyle/>
-              <a:p>
-                <a:pPr/>
-                <a14:m>
-                  <m:oMathPara xmlns:m="http://schemas.openxmlformats.org/officeDocument/2006/math">
-                    <m:oMathParaPr>
-                      <m:jc m:val="centerGroup"/>
-                    </m:oMathParaPr>
-                    <m:oMath xmlns:m="http://schemas.openxmlformats.org/officeDocument/2006/math">
-                      <m:sSub>
-                        <m:sSubPr>
-                          <m:ctrlPr>
-                            <a:rPr lang="en-US" altLang="ko-KR" b="0" i="1" smtClean="0">
-                              <a:latin typeface="Cambria Math" panose="02040503050406030204" pitchFamily="18" charset="0"/>
-                            </a:rPr>
-                          </m:ctrlPr>
-                        </m:sSubPr>
-                        <m:e>
-                          <m:r>
-                            <a:rPr lang="en-US" altLang="ko-KR" b="0" i="1" smtClean="0">
-                              <a:latin typeface="Cambria Math" panose="02040503050406030204" pitchFamily="18" charset="0"/>
-                            </a:rPr>
-                            <m:t>𝑒</m:t>
-                          </m:r>
-                        </m:e>
-                        <m:sub>
-                          <m:r>
-                            <a:rPr lang="en-US" altLang="ko-KR" b="0" i="1" smtClean="0">
-                              <a:latin typeface="Cambria Math" panose="02040503050406030204" pitchFamily="18" charset="0"/>
-                            </a:rPr>
-                            <m:t>𝑟</m:t>
-                          </m:r>
-                        </m:sub>
-                      </m:sSub>
-                    </m:oMath>
-                  </m:oMathPara>
-                </a14:m>
-                <a:endParaRPr lang="ko-KR" altLang="en-US" dirty="0"/>
-              </a:p>
-            </p:txBody>
-          </p:sp>
-        </mc:Choice>
-        <mc:Fallback>
-          <p:sp>
-            <p:nvSpPr>
-              <p:cNvPr id="59" name="TextBox 58"/>
-              <p:cNvSpPr txBox="1">
-                <a:spLocks noRot="1" noChangeAspect="1" noMove="1" noResize="1" noEditPoints="1" noAdjustHandles="1" noChangeArrowheads="1" noChangeShapeType="1" noTextEdit="1"/>
-              </p:cNvSpPr>
-              <p:nvPr/>
-            </p:nvSpPr>
-            <p:spPr>
-              <a:xfrm>
-                <a:off x="2898935" y="3158272"/>
-                <a:ext cx="73894" cy="276999"/>
-              </a:xfrm>
-              <a:prstGeom prst="rect">
-                <a:avLst/>
-              </a:prstGeom>
-              <a:blipFill rotWithShape="0">
-                <a:blip r:embed="rId13"/>
-                <a:stretch>
-                  <a:fillRect l="-83333" r="-233333" b="-15217"/>
-                </a:stretch>
-              </a:blipFill>
-            </p:spPr>
-            <p:txBody>
-              <a:bodyPr/>
-              <a:lstStyle/>
-              <a:p>
-                <a:r>
-                  <a:rPr lang="ko-KR" altLang="en-US">
-                    <a:noFill/>
-                  </a:rPr>
-                  <a:t> </a:t>
-                </a:r>
-              </a:p>
-            </p:txBody>
-          </p:sp>
-        </mc:Fallback>
-      </mc:AlternateContent>
-      <mc:AlternateContent xmlns:mc="http://schemas.openxmlformats.org/markup-compatibility/2006">
-        <mc:Choice xmlns:a14="http://schemas.microsoft.com/office/drawing/2010/main" Requires="a14">
-          <p:sp>
-            <p:nvSpPr>
-              <p:cNvPr id="60" name="TextBox 59"/>
-              <p:cNvSpPr txBox="1"/>
-              <p:nvPr/>
-            </p:nvSpPr>
-            <p:spPr>
-              <a:xfrm>
-                <a:off x="488734" y="3520152"/>
-                <a:ext cx="310726" cy="276999"/>
-              </a:xfrm>
-              <a:prstGeom prst="rect">
-                <a:avLst/>
-              </a:prstGeom>
-              <a:noFill/>
-            </p:spPr>
-            <p:txBody>
-              <a:bodyPr wrap="none" lIns="0" tIns="0" rIns="0" bIns="0" rtlCol="0">
-                <a:spAutoFit/>
-              </a:bodyPr>
-              <a:lstStyle/>
-              <a:p>
-                <a:pPr/>
-                <a14:m>
-                  <m:oMathPara xmlns:m="http://schemas.openxmlformats.org/officeDocument/2006/math">
-                    <m:oMathParaPr>
-                      <m:jc m:val="centerGroup"/>
-                    </m:oMathParaPr>
-                    <m:oMath xmlns:m="http://schemas.openxmlformats.org/officeDocument/2006/math">
-                      <m:sSub>
-                        <m:sSubPr>
-                          <m:ctrlPr>
-                            <a:rPr lang="en-US" altLang="ko-KR" b="0" i="1" smtClean="0">
-                              <a:latin typeface="Cambria Math" panose="02040503050406030204" pitchFamily="18" charset="0"/>
-                            </a:rPr>
-                          </m:ctrlPr>
-                        </m:sSubPr>
-                        <m:e>
-                          <m:r>
-                            <a:rPr lang="en-US" altLang="ko-KR" b="0" i="1" smtClean="0">
-                              <a:latin typeface="Cambria Math" panose="02040503050406030204" pitchFamily="18" charset="0"/>
-                            </a:rPr>
-                            <m:t>𝑒</m:t>
-                          </m:r>
-                        </m:e>
-                        <m:sub>
-                          <m:r>
-                            <a:rPr lang="en-US" altLang="ko-KR" b="0" i="1" smtClean="0">
-                              <a:latin typeface="Cambria Math" panose="02040503050406030204" pitchFamily="18" charset="0"/>
-                            </a:rPr>
-                            <m:t>𝜃</m:t>
-                          </m:r>
-                        </m:sub>
-                      </m:sSub>
-                    </m:oMath>
-                  </m:oMathPara>
-                </a14:m>
-                <a:endParaRPr lang="ko-KR" altLang="en-US" dirty="0"/>
-              </a:p>
-            </p:txBody>
-          </p:sp>
-        </mc:Choice>
-        <mc:Fallback>
-          <p:sp>
-            <p:nvSpPr>
-              <p:cNvPr id="60" name="TextBox 59"/>
-              <p:cNvSpPr txBox="1">
-                <a:spLocks noRot="1" noChangeAspect="1" noMove="1" noResize="1" noEditPoints="1" noAdjustHandles="1" noChangeArrowheads="1" noChangeShapeType="1" noTextEdit="1"/>
-              </p:cNvSpPr>
-              <p:nvPr/>
-            </p:nvSpPr>
-            <p:spPr>
-              <a:xfrm>
-                <a:off x="488734" y="3520152"/>
-                <a:ext cx="310726" cy="276999"/>
-              </a:xfrm>
-              <a:prstGeom prst="rect">
-                <a:avLst/>
-              </a:prstGeom>
-              <a:blipFill rotWithShape="0">
-                <a:blip r:embed="rId14"/>
-                <a:stretch>
-                  <a:fillRect l="-5882" r="-5882" b="-21739"/>
-                </a:stretch>
-              </a:blipFill>
-            </p:spPr>
-            <p:txBody>
-              <a:bodyPr/>
-              <a:lstStyle/>
-              <a:p>
-                <a:r>
-                  <a:rPr lang="ko-KR" altLang="en-US">
-                    <a:noFill/>
-                  </a:rPr>
-                  <a:t> </a:t>
-                </a:r>
-              </a:p>
-            </p:txBody>
-          </p:sp>
-        </mc:Fallback>
-      </mc:AlternateContent>
-      <mc:AlternateContent xmlns:mc="http://schemas.openxmlformats.org/markup-compatibility/2006">
-        <mc:Choice xmlns:a14="http://schemas.microsoft.com/office/drawing/2010/main" Requires="a14">
-          <p:sp>
-            <p:nvSpPr>
-              <p:cNvPr id="61" name="TextBox 60"/>
-              <p:cNvSpPr txBox="1"/>
-              <p:nvPr/>
-            </p:nvSpPr>
-            <p:spPr>
-              <a:xfrm>
-                <a:off x="2239558" y="4363823"/>
-                <a:ext cx="145553" cy="184666"/>
-              </a:xfrm>
-              <a:prstGeom prst="rect">
-                <a:avLst/>
-              </a:prstGeom>
-              <a:noFill/>
-            </p:spPr>
-            <p:txBody>
-              <a:bodyPr wrap="none" lIns="0" tIns="0" rIns="0" bIns="0" rtlCol="0">
-                <a:spAutoFit/>
-              </a:bodyPr>
-              <a:lstStyle/>
-              <a:p>
-                <a:pPr/>
-                <a14:m>
-                  <m:oMathPara xmlns:m="http://schemas.openxmlformats.org/officeDocument/2006/math">
-                    <m:oMathParaPr>
-                      <m:jc m:val="centerGroup"/>
-                    </m:oMathParaPr>
-                    <m:oMath xmlns:m="http://schemas.openxmlformats.org/officeDocument/2006/math">
-                      <m:r>
-                        <a:rPr lang="en-US" altLang="ko-KR" sz="1200" b="0" i="1" smtClean="0">
-                          <a:latin typeface="Cambria Math" panose="02040503050406030204" pitchFamily="18" charset="0"/>
-                        </a:rPr>
-                        <m:t>𝜃</m:t>
-                      </m:r>
-                    </m:oMath>
-                  </m:oMathPara>
-                </a14:m>
-                <a:endParaRPr lang="ko-KR" altLang="en-US" sz="1200" dirty="0"/>
-              </a:p>
-            </p:txBody>
-          </p:sp>
-        </mc:Choice>
-        <mc:Fallback>
-          <p:sp>
-            <p:nvSpPr>
-              <p:cNvPr id="61" name="TextBox 60"/>
-              <p:cNvSpPr txBox="1">
-                <a:spLocks noRot="1" noChangeAspect="1" noMove="1" noResize="1" noEditPoints="1" noAdjustHandles="1" noChangeArrowheads="1" noChangeShapeType="1" noTextEdit="1"/>
-              </p:cNvSpPr>
-              <p:nvPr/>
-            </p:nvSpPr>
-            <p:spPr>
-              <a:xfrm>
-                <a:off x="2239558" y="4363823"/>
-                <a:ext cx="145553" cy="184666"/>
-              </a:xfrm>
-              <a:prstGeom prst="rect">
-                <a:avLst/>
-              </a:prstGeom>
-              <a:blipFill rotWithShape="0">
-                <a:blip r:embed="rId7"/>
-                <a:stretch>
-                  <a:fillRect l="-20833" r="-12500" b="-10000"/>
-                </a:stretch>
-              </a:blipFill>
-            </p:spPr>
-            <p:txBody>
-              <a:bodyPr/>
-              <a:lstStyle/>
-              <a:p>
-                <a:r>
-                  <a:rPr lang="ko-KR" altLang="en-US">
-                    <a:noFill/>
-                  </a:rPr>
-                  <a:t> </a:t>
-                </a:r>
-              </a:p>
-            </p:txBody>
-          </p:sp>
-        </mc:Fallback>
-      </mc:AlternateContent>
-      <p:sp>
-        <p:nvSpPr>
-          <p:cNvPr id="62" name="자유형 61"/>
-          <p:cNvSpPr/>
-          <p:nvPr/>
-        </p:nvSpPr>
-        <p:spPr>
-          <a:xfrm rot="15546194">
-            <a:off x="1991667" y="4522862"/>
-            <a:ext cx="203056" cy="51254"/>
-          </a:xfrm>
-          <a:custGeom>
-            <a:avLst/>
-            <a:gdLst>
-              <a:gd name="connsiteX0" fmla="*/ 0 w 226219"/>
-              <a:gd name="connsiteY0" fmla="*/ 31073 h 65260"/>
-              <a:gd name="connsiteX1" fmla="*/ 123825 w 226219"/>
-              <a:gd name="connsiteY1" fmla="*/ 64411 h 65260"/>
-              <a:gd name="connsiteX2" fmla="*/ 226219 w 226219"/>
-              <a:gd name="connsiteY2" fmla="*/ 117 h 65260"/>
-              <a:gd name="connsiteX0" fmla="*/ 0 w 202406"/>
-              <a:gd name="connsiteY0" fmla="*/ 19188 h 52905"/>
-              <a:gd name="connsiteX1" fmla="*/ 123825 w 202406"/>
-              <a:gd name="connsiteY1" fmla="*/ 52526 h 52905"/>
-              <a:gd name="connsiteX2" fmla="*/ 202406 w 202406"/>
-              <a:gd name="connsiteY2" fmla="*/ 139 h 52905"/>
-              <a:gd name="connsiteX0" fmla="*/ 0 w 280987"/>
-              <a:gd name="connsiteY0" fmla="*/ 35828 h 70232"/>
-              <a:gd name="connsiteX1" fmla="*/ 123825 w 280987"/>
-              <a:gd name="connsiteY1" fmla="*/ 69166 h 70232"/>
-              <a:gd name="connsiteX2" fmla="*/ 280987 w 280987"/>
-              <a:gd name="connsiteY2" fmla="*/ 110 h 70232"/>
-              <a:gd name="connsiteX0" fmla="*/ 0 w 280987"/>
-              <a:gd name="connsiteY0" fmla="*/ 35813 h 81784"/>
-              <a:gd name="connsiteX1" fmla="*/ 164306 w 280987"/>
-              <a:gd name="connsiteY1" fmla="*/ 81057 h 81784"/>
-              <a:gd name="connsiteX2" fmla="*/ 280987 w 280987"/>
-              <a:gd name="connsiteY2" fmla="*/ 95 h 81784"/>
-              <a:gd name="connsiteX0" fmla="*/ 0 w 242887"/>
-              <a:gd name="connsiteY0" fmla="*/ 33434 h 79324"/>
-              <a:gd name="connsiteX1" fmla="*/ 164306 w 242887"/>
-              <a:gd name="connsiteY1" fmla="*/ 78678 h 79324"/>
-              <a:gd name="connsiteX2" fmla="*/ 242887 w 242887"/>
-              <a:gd name="connsiteY2" fmla="*/ 97 h 79324"/>
-              <a:gd name="connsiteX0" fmla="*/ 0 w 242887"/>
-              <a:gd name="connsiteY0" fmla="*/ 33337 h 79227"/>
-              <a:gd name="connsiteX1" fmla="*/ 164306 w 242887"/>
-              <a:gd name="connsiteY1" fmla="*/ 78581 h 79227"/>
-              <a:gd name="connsiteX2" fmla="*/ 242887 w 242887"/>
-              <a:gd name="connsiteY2" fmla="*/ 0 h 79227"/>
-              <a:gd name="connsiteX0" fmla="*/ 0 w 196938"/>
-              <a:gd name="connsiteY0" fmla="*/ 23047 h 78838"/>
-              <a:gd name="connsiteX1" fmla="*/ 118357 w 196938"/>
-              <a:gd name="connsiteY1" fmla="*/ 78581 h 78838"/>
-              <a:gd name="connsiteX2" fmla="*/ 196938 w 196938"/>
-              <a:gd name="connsiteY2" fmla="*/ 0 h 78838"/>
-              <a:gd name="connsiteX0" fmla="*/ 0 w 196938"/>
-              <a:gd name="connsiteY0" fmla="*/ 23047 h 78870"/>
-              <a:gd name="connsiteX1" fmla="*/ 118357 w 196938"/>
-              <a:gd name="connsiteY1" fmla="*/ 78581 h 78870"/>
-              <a:gd name="connsiteX2" fmla="*/ 196938 w 196938"/>
-              <a:gd name="connsiteY2" fmla="*/ 0 h 78870"/>
-            </a:gdLst>
-            <a:ahLst/>
-            <a:cxnLst>
-              <a:cxn ang="0">
-                <a:pos x="connsiteX0" y="connsiteY0"/>
-              </a:cxn>
-              <a:cxn ang="0">
-                <a:pos x="connsiteX1" y="connsiteY1"/>
-              </a:cxn>
-              <a:cxn ang="0">
-                <a:pos x="connsiteX2" y="connsiteY2"/>
-              </a:cxn>
-            </a:cxnLst>
-            <a:rect l="l" t="t" r="r" b="b"/>
-            <a:pathLst>
-              <a:path w="196938" h="78870">
-                <a:moveTo>
-                  <a:pt x="0" y="23047"/>
-                </a:moveTo>
-                <a:cubicBezTo>
-                  <a:pt x="36831" y="47216"/>
-                  <a:pt x="85534" y="82422"/>
-                  <a:pt x="118357" y="78581"/>
-                </a:cubicBezTo>
-                <a:cubicBezTo>
-                  <a:pt x="151180" y="74740"/>
-                  <a:pt x="180411" y="27694"/>
-                  <a:pt x="196938" y="0"/>
-                </a:cubicBezTo>
-              </a:path>
-            </a:pathLst>
-          </a:custGeom>
-          <a:noFill/>
-          <a:ln>
-            <a:solidFill>
-              <a:schemeClr val="bg2">
-                <a:lumMod val="25000"/>
-              </a:schemeClr>
-            </a:solidFill>
-            <a:prstDash val="dash"/>
-          </a:ln>
-        </p:spPr>
-        <p:style>
-          <a:lnRef idx="2">
-            <a:schemeClr val="accent1">
-              <a:shade val="50000"/>
-            </a:schemeClr>
-          </a:lnRef>
-          <a:fillRef idx="1">
-            <a:schemeClr val="accent1"/>
-          </a:fillRef>
-          <a:effectRef idx="0">
-            <a:schemeClr val="accent1"/>
-          </a:effectRef>
-          <a:fontRef idx="minor">
-            <a:schemeClr val="lt1"/>
-          </a:fontRef>
-        </p:style>
-        <p:txBody>
-          <a:bodyPr rtlCol="0" anchor="ctr"/>
-          <a:lstStyle/>
-          <a:p>
-            <a:pPr algn="ctr"/>
-            <a:endParaRPr lang="ko-KR" altLang="en-US"/>
-          </a:p>
-        </p:txBody>
-      </p:sp>
-    </p:spTree>
-    <p:extLst>
-      <p:ext uri="{BB962C8B-B14F-4D97-AF65-F5344CB8AC3E}">
-        <p14:creationId xmlns:p14="http://schemas.microsoft.com/office/powerpoint/2010/main" val="2185401582"/>
-      </p:ext>
-    </p:extLst>
-  </p:cSld>
-  <p:clrMapOvr>
-    <a:masterClrMapping/>
-  </p:clrMapOvr>
-</p:sld>
-</file>
-
-<file path=ppt/slides/slide20.xml><?xml version="1.0" encoding="utf-8"?>
+<file path=ppt/slides/slide21.xml><?xml version="1.0" encoding="utf-8"?>
 <p:sld xmlns:a="http://schemas.openxmlformats.org/drawingml/2006/main" xmlns:r="http://schemas.openxmlformats.org/officeDocument/2006/relationships" xmlns:p="http://schemas.openxmlformats.org/presentationml/2006/main">
   <p:cSld>
     <p:spTree>
@@ -18921,7 +19130,7 @@
           <p:cNvPr id="9" name="그룹 8">
             <a:extLst>
               <a:ext uri="{FF2B5EF4-FFF2-40B4-BE49-F238E27FC236}">
-                <a16:creationId xmlns:a16="http://schemas.microsoft.com/office/drawing/2014/main" xmlns="" id="{F54825A1-879E-45C3-84C9-39758CFBC1AD}"/>
+                <a16:creationId xmlns="" xmlns:a16="http://schemas.microsoft.com/office/drawing/2014/main" id="{F54825A1-879E-45C3-84C9-39758CFBC1AD}"/>
               </a:ext>
             </a:extLst>
           </p:cNvPr>
@@ -19344,7 +19553,7 @@
           <p:cNvPr id="19" name="자유형: 도형 18">
             <a:extLst>
               <a:ext uri="{FF2B5EF4-FFF2-40B4-BE49-F238E27FC236}">
-                <a16:creationId xmlns:a16="http://schemas.microsoft.com/office/drawing/2014/main" xmlns="" id="{28DE563C-2016-4934-A4EE-657070DFAE5E}"/>
+                <a16:creationId xmlns="" xmlns:a16="http://schemas.microsoft.com/office/drawing/2014/main" id="{28DE563C-2016-4934-A4EE-657070DFAE5E}"/>
               </a:ext>
             </a:extLst>
           </p:cNvPr>
@@ -19436,7 +19645,7 @@
               <p:cNvPr id="22" name="TextBox 21">
                 <a:extLst>
                   <a:ext uri="{FF2B5EF4-FFF2-40B4-BE49-F238E27FC236}">
-                    <a16:creationId xmlns:a16="http://schemas.microsoft.com/office/drawing/2014/main" xmlns="" id="{702F36E8-3840-4F82-ACA9-0ADC9BF2CD7E}"/>
+                    <a16:creationId xmlns="" xmlns:a16="http://schemas.microsoft.com/office/drawing/2014/main" id="{702F36E8-3840-4F82-ACA9-0ADC9BF2CD7E}"/>
                   </a:ext>
                 </a:extLst>
               </p:cNvPr>
@@ -19557,7 +19766,7 @@
           <p:cNvPr id="23" name="자유형: 도형 22">
             <a:extLst>
               <a:ext uri="{FF2B5EF4-FFF2-40B4-BE49-F238E27FC236}">
-                <a16:creationId xmlns:a16="http://schemas.microsoft.com/office/drawing/2014/main" xmlns="" id="{D4262DC8-AC8F-4E4E-8F9A-78963014DDC7}"/>
+                <a16:creationId xmlns="" xmlns:a16="http://schemas.microsoft.com/office/drawing/2014/main" id="{D4262DC8-AC8F-4E4E-8F9A-78963014DDC7}"/>
               </a:ext>
             </a:extLst>
           </p:cNvPr>
@@ -19649,7 +19858,7 @@
               <p:cNvPr id="26" name="TextBox 25">
                 <a:extLst>
                   <a:ext uri="{FF2B5EF4-FFF2-40B4-BE49-F238E27FC236}">
-                    <a16:creationId xmlns:a16="http://schemas.microsoft.com/office/drawing/2014/main" xmlns="" id="{4C456F18-AA04-4135-AED2-7569217695DC}"/>
+                    <a16:creationId xmlns="" xmlns:a16="http://schemas.microsoft.com/office/drawing/2014/main" id="{4C456F18-AA04-4135-AED2-7569217695DC}"/>
                   </a:ext>
                 </a:extLst>
               </p:cNvPr>
@@ -19778,7 +19987,7 @@
 </p:sld>
 </file>
 
-<file path=ppt/slides/slide21.xml><?xml version="1.0" encoding="utf-8"?>
+<file path=ppt/slides/slide22.xml><?xml version="1.0" encoding="utf-8"?>
 <p:sld xmlns:a="http://schemas.openxmlformats.org/drawingml/2006/main" xmlns:r="http://schemas.openxmlformats.org/officeDocument/2006/relationships" xmlns:p="http://schemas.openxmlformats.org/presentationml/2006/main">
   <p:cSld>
     <p:spTree>
@@ -20529,7 +20738,7 @@
           <p:cNvPr id="19" name="자유형: 도형 18">
             <a:extLst>
               <a:ext uri="{FF2B5EF4-FFF2-40B4-BE49-F238E27FC236}">
-                <a16:creationId xmlns:a16="http://schemas.microsoft.com/office/drawing/2014/main" xmlns="" id="{28DE563C-2016-4934-A4EE-657070DFAE5E}"/>
+                <a16:creationId xmlns="" xmlns:a16="http://schemas.microsoft.com/office/drawing/2014/main" id="{28DE563C-2016-4934-A4EE-657070DFAE5E}"/>
               </a:ext>
             </a:extLst>
           </p:cNvPr>
@@ -20621,7 +20830,7 @@
               <p:cNvPr id="22" name="TextBox 21">
                 <a:extLst>
                   <a:ext uri="{FF2B5EF4-FFF2-40B4-BE49-F238E27FC236}">
-                    <a16:creationId xmlns:a16="http://schemas.microsoft.com/office/drawing/2014/main" xmlns="" id="{702F36E8-3840-4F82-ACA9-0ADC9BF2CD7E}"/>
+                    <a16:creationId xmlns="" xmlns:a16="http://schemas.microsoft.com/office/drawing/2014/main" id="{702F36E8-3840-4F82-ACA9-0ADC9BF2CD7E}"/>
                   </a:ext>
                 </a:extLst>
               </p:cNvPr>
@@ -20742,7 +20951,7 @@
           <p:cNvPr id="23" name="자유형: 도형 22">
             <a:extLst>
               <a:ext uri="{FF2B5EF4-FFF2-40B4-BE49-F238E27FC236}">
-                <a16:creationId xmlns:a16="http://schemas.microsoft.com/office/drawing/2014/main" xmlns="" id="{D4262DC8-AC8F-4E4E-8F9A-78963014DDC7}"/>
+                <a16:creationId xmlns="" xmlns:a16="http://schemas.microsoft.com/office/drawing/2014/main" id="{D4262DC8-AC8F-4E4E-8F9A-78963014DDC7}"/>
               </a:ext>
             </a:extLst>
           </p:cNvPr>
@@ -20834,7 +21043,7 @@
               <p:cNvPr id="26" name="TextBox 25">
                 <a:extLst>
                   <a:ext uri="{FF2B5EF4-FFF2-40B4-BE49-F238E27FC236}">
-                    <a16:creationId xmlns:a16="http://schemas.microsoft.com/office/drawing/2014/main" xmlns="" id="{4C456F18-AA04-4135-AED2-7569217695DC}"/>
+                    <a16:creationId xmlns="" xmlns:a16="http://schemas.microsoft.com/office/drawing/2014/main" id="{4C456F18-AA04-4135-AED2-7569217695DC}"/>
                   </a:ext>
                 </a:extLst>
               </p:cNvPr>
@@ -20957,7 +21166,7 @@
               <p:cNvPr id="21" name="TextBox 20">
                 <a:extLst>
                   <a:ext uri="{FF2B5EF4-FFF2-40B4-BE49-F238E27FC236}">
-                    <a16:creationId xmlns:a16="http://schemas.microsoft.com/office/drawing/2014/main" xmlns="" id="{7F1A4031-C0F9-4078-B611-60510E555779}"/>
+                    <a16:creationId xmlns="" xmlns:a16="http://schemas.microsoft.com/office/drawing/2014/main" id="{7F1A4031-C0F9-4078-B611-60510E555779}"/>
                   </a:ext>
                 </a:extLst>
               </p:cNvPr>
@@ -21070,7 +21279,7 @@
           <p:cNvPr id="27" name="원호 26">
             <a:extLst>
               <a:ext uri="{FF2B5EF4-FFF2-40B4-BE49-F238E27FC236}">
-                <a16:creationId xmlns:a16="http://schemas.microsoft.com/office/drawing/2014/main" xmlns="" id="{73F2FA99-BAB3-4AEA-A0D4-FFD161E5142F}"/>
+                <a16:creationId xmlns="" xmlns:a16="http://schemas.microsoft.com/office/drawing/2014/main" id="{73F2FA99-BAB3-4AEA-A0D4-FFD161E5142F}"/>
               </a:ext>
             </a:extLst>
           </p:cNvPr>
@@ -21132,7 +21341,7 @@
 </p:sld>
 </file>
 
-<file path=ppt/slides/slide22.xml><?xml version="1.0" encoding="utf-8"?>
+<file path=ppt/slides/slide23.xml><?xml version="1.0" encoding="utf-8"?>
 <p:sld xmlns:a="http://schemas.openxmlformats.org/drawingml/2006/main" xmlns:r="http://schemas.openxmlformats.org/officeDocument/2006/relationships" xmlns:p="http://schemas.openxmlformats.org/presentationml/2006/main">
   <p:cSld>
     <p:spTree>
@@ -21186,7 +21395,7 @@
 </p:sld>
 </file>
 
-<file path=ppt/slides/slide23.xml><?xml version="1.0" encoding="utf-8"?>
+<file path=ppt/slides/slide24.xml><?xml version="1.0" encoding="utf-8"?>
 <p:sld xmlns:a="http://schemas.openxmlformats.org/drawingml/2006/main" xmlns:r="http://schemas.openxmlformats.org/officeDocument/2006/relationships" xmlns:p="http://schemas.openxmlformats.org/presentationml/2006/main">
   <p:cSld>
     <p:spTree>
@@ -21693,7 +21902,7 @@
 </p:sld>
 </file>
 
-<file path=ppt/slides/slide24.xml><?xml version="1.0" encoding="utf-8"?>
+<file path=ppt/slides/slide25.xml><?xml version="1.0" encoding="utf-8"?>
 <p:sld xmlns:a="http://schemas.openxmlformats.org/drawingml/2006/main" xmlns:r="http://schemas.openxmlformats.org/officeDocument/2006/relationships" xmlns:p="http://schemas.openxmlformats.org/presentationml/2006/main">
   <p:cSld>
     <p:spTree>
@@ -22200,7 +22409,7 @@
 </p:sld>
 </file>
 
-<file path=ppt/slides/slide25.xml><?xml version="1.0" encoding="utf-8"?>
+<file path=ppt/slides/slide26.xml><?xml version="1.0" encoding="utf-8"?>
 <p:sld xmlns:a="http://schemas.openxmlformats.org/drawingml/2006/main" xmlns:r="http://schemas.openxmlformats.org/officeDocument/2006/relationships" xmlns:p="http://schemas.openxmlformats.org/presentationml/2006/main">
   <p:cSld>
     <p:spTree>
@@ -22814,7 +23023,7 @@
 </p:sld>
 </file>
 
-<file path=ppt/slides/slide26.xml><?xml version="1.0" encoding="utf-8"?>
+<file path=ppt/slides/slide27.xml><?xml version="1.0" encoding="utf-8"?>
 <p:sld xmlns:a="http://schemas.openxmlformats.org/drawingml/2006/main" xmlns:r="http://schemas.openxmlformats.org/officeDocument/2006/relationships" xmlns:p="http://schemas.openxmlformats.org/presentationml/2006/main">
   <p:cSld>
     <p:spTree>
@@ -23372,7 +23581,7 @@
 </p:sld>
 </file>
 
-<file path=ppt/slides/slide27.xml><?xml version="1.0" encoding="utf-8"?>
+<file path=ppt/slides/slide28.xml><?xml version="1.0" encoding="utf-8"?>
 <p:sld xmlns:a="http://schemas.openxmlformats.org/drawingml/2006/main" xmlns:r="http://schemas.openxmlformats.org/officeDocument/2006/relationships" xmlns:p="http://schemas.openxmlformats.org/presentationml/2006/main">
   <p:cSld>
     <p:spTree>
@@ -24170,7 +24379,7 @@
 </p:sld>
 </file>
 
-<file path=ppt/slides/slide28.xml><?xml version="1.0" encoding="utf-8"?>
+<file path=ppt/slides/slide29.xml><?xml version="1.0" encoding="utf-8"?>
 <p:sld xmlns:a="http://schemas.openxmlformats.org/drawingml/2006/main" xmlns:r="http://schemas.openxmlformats.org/officeDocument/2006/relationships" xmlns:p="http://schemas.openxmlformats.org/presentationml/2006/main">
   <p:cSld>
     <p:spTree>
@@ -26106,7 +26315,7 @@
           <p:cNvPr id="71" name="자유형: 도형 18">
             <a:extLst>
               <a:ext uri="{FF2B5EF4-FFF2-40B4-BE49-F238E27FC236}">
-                <a16:creationId xmlns:a16="http://schemas.microsoft.com/office/drawing/2014/main" xmlns="" id="{28DE563C-2016-4934-A4EE-657070DFAE5E}"/>
+                <a16:creationId xmlns="" xmlns:a16="http://schemas.microsoft.com/office/drawing/2014/main" id="{28DE563C-2016-4934-A4EE-657070DFAE5E}"/>
               </a:ext>
             </a:extLst>
           </p:cNvPr>
@@ -26198,7 +26407,7 @@
               <p:cNvPr id="72" name="TextBox 71">
                 <a:extLst>
                   <a:ext uri="{FF2B5EF4-FFF2-40B4-BE49-F238E27FC236}">
-                    <a16:creationId xmlns:a16="http://schemas.microsoft.com/office/drawing/2014/main" xmlns="" id="{702F36E8-3840-4F82-ACA9-0ADC9BF2CD7E}"/>
+                    <a16:creationId xmlns="" xmlns:a16="http://schemas.microsoft.com/office/drawing/2014/main" id="{702F36E8-3840-4F82-ACA9-0ADC9BF2CD7E}"/>
                   </a:ext>
                 </a:extLst>
               </p:cNvPr>
@@ -26298,7 +26507,7 @@
           <p:cNvPr id="73" name="자유형: 도형 18">
             <a:extLst>
               <a:ext uri="{FF2B5EF4-FFF2-40B4-BE49-F238E27FC236}">
-                <a16:creationId xmlns:a16="http://schemas.microsoft.com/office/drawing/2014/main" xmlns="" id="{28DE563C-2016-4934-A4EE-657070DFAE5E}"/>
+                <a16:creationId xmlns="" xmlns:a16="http://schemas.microsoft.com/office/drawing/2014/main" id="{28DE563C-2016-4934-A4EE-657070DFAE5E}"/>
               </a:ext>
             </a:extLst>
           </p:cNvPr>
@@ -26390,7 +26599,7 @@
               <p:cNvPr id="74" name="TextBox 73">
                 <a:extLst>
                   <a:ext uri="{FF2B5EF4-FFF2-40B4-BE49-F238E27FC236}">
-                    <a16:creationId xmlns:a16="http://schemas.microsoft.com/office/drawing/2014/main" xmlns="" id="{702F36E8-3840-4F82-ACA9-0ADC9BF2CD7E}"/>
+                    <a16:creationId xmlns="" xmlns:a16="http://schemas.microsoft.com/office/drawing/2014/main" id="{702F36E8-3840-4F82-ACA9-0ADC9BF2CD7E}"/>
                   </a:ext>
                 </a:extLst>
               </p:cNvPr>
@@ -26504,7 +26713,961 @@
 </p:sld>
 </file>
 
-<file path=ppt/slides/slide29.xml><?xml version="1.0" encoding="utf-8"?>
+<file path=ppt/slides/slide3.xml><?xml version="1.0" encoding="utf-8"?>
+<p:sld xmlns:a="http://schemas.openxmlformats.org/drawingml/2006/main" xmlns:r="http://schemas.openxmlformats.org/officeDocument/2006/relationships" xmlns:p="http://schemas.openxmlformats.org/presentationml/2006/main">
+  <p:cSld>
+    <p:spTree>
+      <p:nvGrpSpPr>
+        <p:cNvPr id="1" name=""/>
+        <p:cNvGrpSpPr/>
+        <p:nvPr/>
+      </p:nvGrpSpPr>
+      <p:grpSpPr>
+        <a:xfrm>
+          <a:off x="0" y="0"/>
+          <a:ext cx="0" cy="0"/>
+          <a:chOff x="0" y="0"/>
+          <a:chExt cx="0" cy="0"/>
+        </a:xfrm>
+      </p:grpSpPr>
+      <p:cxnSp>
+        <p:nvCxnSpPr>
+          <p:cNvPr id="52" name="직선 화살표 연결선 51"/>
+          <p:cNvCxnSpPr/>
+          <p:nvPr/>
+        </p:nvCxnSpPr>
+        <p:spPr>
+          <a:xfrm>
+            <a:off x="3345325" y="4711400"/>
+            <a:ext cx="1516730" cy="3274"/>
+          </a:xfrm>
+          <a:prstGeom prst="straightConnector1">
+            <a:avLst/>
+          </a:prstGeom>
+          <a:ln w="28575">
+            <a:solidFill>
+              <a:schemeClr val="tx1"/>
+            </a:solidFill>
+            <a:headEnd type="none" w="med" len="med"/>
+            <a:tailEnd type="none" w="med" len="med"/>
+          </a:ln>
+        </p:spPr>
+        <p:style>
+          <a:lnRef idx="1">
+            <a:schemeClr val="accent1"/>
+          </a:lnRef>
+          <a:fillRef idx="0">
+            <a:schemeClr val="accent1"/>
+          </a:fillRef>
+          <a:effectRef idx="0">
+            <a:schemeClr val="accent1"/>
+          </a:effectRef>
+          <a:fontRef idx="minor">
+            <a:schemeClr val="tx1"/>
+          </a:fontRef>
+        </p:style>
+      </p:cxnSp>
+      <mc:AlternateContent xmlns:mc="http://schemas.openxmlformats.org/markup-compatibility/2006">
+        <mc:Choice xmlns:a14="http://schemas.microsoft.com/office/drawing/2010/main" Requires="a14">
+          <p:sp>
+            <p:nvSpPr>
+              <p:cNvPr id="59" name="TextBox 58"/>
+              <p:cNvSpPr txBox="1"/>
+              <p:nvPr/>
+            </p:nvSpPr>
+            <p:spPr>
+              <a:xfrm>
+                <a:off x="3011103" y="4165907"/>
+                <a:ext cx="435599" cy="276999"/>
+              </a:xfrm>
+              <a:prstGeom prst="rect">
+                <a:avLst/>
+              </a:prstGeom>
+              <a:noFill/>
+            </p:spPr>
+            <p:txBody>
+              <a:bodyPr wrap="square" lIns="0" tIns="0" rIns="0" bIns="0" rtlCol="0">
+                <a:spAutoFit/>
+              </a:bodyPr>
+              <a:lstStyle/>
+              <a:p>
+                <a:pPr/>
+                <a14:m>
+                  <m:oMathPara xmlns:m="http://schemas.openxmlformats.org/officeDocument/2006/math">
+                    <m:oMathParaPr>
+                      <m:jc m:val="centerGroup"/>
+                    </m:oMathParaPr>
+                    <m:oMath xmlns:m="http://schemas.openxmlformats.org/officeDocument/2006/math">
+                      <m:r>
+                        <a:rPr lang="en-US" altLang="ko-KR" b="0" i="1" smtClean="0">
+                          <a:latin typeface="Cambria Math" panose="02040503050406030204" pitchFamily="18" charset="0"/>
+                          <a:ea typeface="Cambria Math" panose="02040503050406030204" pitchFamily="18" charset="0"/>
+                        </a:rPr>
+                        <m:t>ℝ</m:t>
+                      </m:r>
+                    </m:oMath>
+                  </m:oMathPara>
+                </a14:m>
+                <a:endParaRPr lang="ko-KR" altLang="en-US" dirty="0"/>
+              </a:p>
+            </p:txBody>
+          </p:sp>
+        </mc:Choice>
+        <mc:Fallback>
+          <p:sp>
+            <p:nvSpPr>
+              <p:cNvPr id="59" name="TextBox 58"/>
+              <p:cNvSpPr txBox="1">
+                <a:spLocks noRot="1" noChangeAspect="1" noMove="1" noResize="1" noEditPoints="1" noAdjustHandles="1" noChangeArrowheads="1" noChangeShapeType="1" noTextEdit="1"/>
+              </p:cNvSpPr>
+              <p:nvPr/>
+            </p:nvSpPr>
+            <p:spPr>
+              <a:xfrm>
+                <a:off x="3011103" y="4165907"/>
+                <a:ext cx="435599" cy="276999"/>
+              </a:xfrm>
+              <a:prstGeom prst="rect">
+                <a:avLst/>
+              </a:prstGeom>
+              <a:blipFill rotWithShape="0">
+                <a:blip r:embed="rId2"/>
+                <a:stretch>
+                  <a:fillRect b="-10870"/>
+                </a:stretch>
+              </a:blipFill>
+            </p:spPr>
+            <p:txBody>
+              <a:bodyPr/>
+              <a:lstStyle/>
+              <a:p>
+                <a:r>
+                  <a:rPr lang="ko-KR" altLang="en-US">
+                    <a:noFill/>
+                  </a:rPr>
+                  <a:t> </a:t>
+                </a:r>
+              </a:p>
+            </p:txBody>
+          </p:sp>
+        </mc:Fallback>
+      </mc:AlternateContent>
+      <mc:AlternateContent xmlns:mc="http://schemas.openxmlformats.org/markup-compatibility/2006">
+        <mc:Choice xmlns:a14="http://schemas.microsoft.com/office/drawing/2010/main" Requires="a14">
+          <p:sp>
+            <p:nvSpPr>
+              <p:cNvPr id="61" name="TextBox 60"/>
+              <p:cNvSpPr txBox="1"/>
+              <p:nvPr/>
+            </p:nvSpPr>
+            <p:spPr>
+              <a:xfrm>
+                <a:off x="4030913" y="4304407"/>
+                <a:ext cx="145553" cy="184666"/>
+              </a:xfrm>
+              <a:prstGeom prst="rect">
+                <a:avLst/>
+              </a:prstGeom>
+              <a:noFill/>
+            </p:spPr>
+            <p:txBody>
+              <a:bodyPr wrap="none" lIns="0" tIns="0" rIns="0" bIns="0" rtlCol="0">
+                <a:spAutoFit/>
+              </a:bodyPr>
+              <a:lstStyle/>
+              <a:p>
+                <a:pPr/>
+                <a14:m>
+                  <m:oMathPara xmlns:m="http://schemas.openxmlformats.org/officeDocument/2006/math">
+                    <m:oMathParaPr>
+                      <m:jc m:val="centerGroup"/>
+                    </m:oMathParaPr>
+                    <m:oMath xmlns:m="http://schemas.openxmlformats.org/officeDocument/2006/math">
+                      <m:r>
+                        <a:rPr lang="en-US" altLang="ko-KR" sz="1200" b="0" i="1" smtClean="0">
+                          <a:latin typeface="Cambria Math" panose="02040503050406030204" pitchFamily="18" charset="0"/>
+                        </a:rPr>
+                        <m:t>𝑎</m:t>
+                      </m:r>
+                    </m:oMath>
+                  </m:oMathPara>
+                </a14:m>
+                <a:endParaRPr lang="ko-KR" altLang="en-US" sz="1200" dirty="0"/>
+              </a:p>
+            </p:txBody>
+          </p:sp>
+        </mc:Choice>
+        <mc:Fall